--- a/docs/diagrams/ModelComponentClassDiagram.pptx
+++ b/docs/diagrams/ModelComponentClassDiagram.pptx
@@ -5,12 +5,11 @@
     <p:sldMasterId id="2147483648" r:id="rId1"/>
   </p:sldMasterIdLst>
   <p:notesMasterIdLst>
-    <p:notesMasterId r:id="rId5"/>
+    <p:notesMasterId r:id="rId4"/>
   </p:notesMasterIdLst>
   <p:sldIdLst>
-    <p:sldId id="264" r:id="rId2"/>
+    <p:sldId id="265" r:id="rId2"/>
     <p:sldId id="263" r:id="rId3"/>
-    <p:sldId id="265" r:id="rId4"/>
   </p:sldIdLst>
   <p:sldSz cx="9144000" cy="6858000" type="screen4x3"/>
   <p:notesSz cx="6858000" cy="9144000"/>
@@ -214,7 +213,7 @@
           <a:p>
             <a:fld id="{F5CC4B3F-88C1-4FFA-B1B6-F41C21DC6924}" type="datetimeFigureOut">
               <a:rPr lang="en-US" smtClean="0"/>
-              <a:t>7/5/2017</a:t>
+              <a:t>7/6/2017</a:t>
             </a:fld>
             <a:endParaRPr lang="en-US"/>
           </a:p>
@@ -660,7 +659,7 @@
           <a:p>
             <a:fld id="{78C97017-6FC3-485B-9764-EAC9E56C1D49}" type="datetimeFigureOut">
               <a:rPr lang="en-US" smtClean="0"/>
-              <a:t>7/5/2017</a:t>
+              <a:t>7/6/2017</a:t>
             </a:fld>
             <a:endParaRPr lang="en-US"/>
           </a:p>
@@ -828,7 +827,7 @@
           <a:p>
             <a:fld id="{78C97017-6FC3-485B-9764-EAC9E56C1D49}" type="datetimeFigureOut">
               <a:rPr lang="en-US" smtClean="0"/>
-              <a:t>7/5/2017</a:t>
+              <a:t>7/6/2017</a:t>
             </a:fld>
             <a:endParaRPr lang="en-US"/>
           </a:p>
@@ -1006,7 +1005,7 @@
           <a:p>
             <a:fld id="{78C97017-6FC3-485B-9764-EAC9E56C1D49}" type="datetimeFigureOut">
               <a:rPr lang="en-US" smtClean="0"/>
-              <a:t>7/5/2017</a:t>
+              <a:t>7/6/2017</a:t>
             </a:fld>
             <a:endParaRPr lang="en-US"/>
           </a:p>
@@ -1174,7 +1173,7 @@
           <a:p>
             <a:fld id="{78C97017-6FC3-485B-9764-EAC9E56C1D49}" type="datetimeFigureOut">
               <a:rPr lang="en-US" smtClean="0"/>
-              <a:t>7/5/2017</a:t>
+              <a:t>7/6/2017</a:t>
             </a:fld>
             <a:endParaRPr lang="en-US"/>
           </a:p>
@@ -1419,7 +1418,7 @@
           <a:p>
             <a:fld id="{78C97017-6FC3-485B-9764-EAC9E56C1D49}" type="datetimeFigureOut">
               <a:rPr lang="en-US" smtClean="0"/>
-              <a:t>7/5/2017</a:t>
+              <a:t>7/6/2017</a:t>
             </a:fld>
             <a:endParaRPr lang="en-US"/>
           </a:p>
@@ -1704,7 +1703,7 @@
           <a:p>
             <a:fld id="{78C97017-6FC3-485B-9764-EAC9E56C1D49}" type="datetimeFigureOut">
               <a:rPr lang="en-US" smtClean="0"/>
-              <a:t>7/5/2017</a:t>
+              <a:t>7/6/2017</a:t>
             </a:fld>
             <a:endParaRPr lang="en-US"/>
           </a:p>
@@ -2123,7 +2122,7 @@
           <a:p>
             <a:fld id="{78C97017-6FC3-485B-9764-EAC9E56C1D49}" type="datetimeFigureOut">
               <a:rPr lang="en-US" smtClean="0"/>
-              <a:t>7/5/2017</a:t>
+              <a:t>7/6/2017</a:t>
             </a:fld>
             <a:endParaRPr lang="en-US"/>
           </a:p>
@@ -2240,7 +2239,7 @@
           <a:p>
             <a:fld id="{78C97017-6FC3-485B-9764-EAC9E56C1D49}" type="datetimeFigureOut">
               <a:rPr lang="en-US" smtClean="0"/>
-              <a:t>7/5/2017</a:t>
+              <a:t>7/6/2017</a:t>
             </a:fld>
             <a:endParaRPr lang="en-US"/>
           </a:p>
@@ -2335,7 +2334,7 @@
           <a:p>
             <a:fld id="{78C97017-6FC3-485B-9764-EAC9E56C1D49}" type="datetimeFigureOut">
               <a:rPr lang="en-US" smtClean="0"/>
-              <a:t>7/5/2017</a:t>
+              <a:t>7/6/2017</a:t>
             </a:fld>
             <a:endParaRPr lang="en-US"/>
           </a:p>
@@ -2610,7 +2609,7 @@
           <a:p>
             <a:fld id="{78C97017-6FC3-485B-9764-EAC9E56C1D49}" type="datetimeFigureOut">
               <a:rPr lang="en-US" smtClean="0"/>
-              <a:t>7/5/2017</a:t>
+              <a:t>7/6/2017</a:t>
             </a:fld>
             <a:endParaRPr lang="en-US"/>
           </a:p>
@@ -2862,7 +2861,7 @@
           <a:p>
             <a:fld id="{78C97017-6FC3-485B-9764-EAC9E56C1D49}" type="datetimeFigureOut">
               <a:rPr lang="en-US" smtClean="0"/>
-              <a:t>7/5/2017</a:t>
+              <a:t>7/6/2017</a:t>
             </a:fld>
             <a:endParaRPr lang="en-US"/>
           </a:p>
@@ -3073,7 +3072,7 @@
           <a:p>
             <a:fld id="{78C97017-6FC3-485B-9764-EAC9E56C1D49}" type="datetimeFigureOut">
               <a:rPr lang="en-US" smtClean="0"/>
-              <a:t>7/5/2017</a:t>
+              <a:t>7/6/2017</a:t>
             </a:fld>
             <a:endParaRPr lang="en-US"/>
           </a:p>
@@ -3456,8 +3455,8 @@
         </p:nvSpPr>
         <p:spPr>
           <a:xfrm>
-            <a:off x="-76200" y="1447800"/>
-            <a:ext cx="9372600" cy="3657600"/>
+            <a:off x="1119865" y="1727200"/>
+            <a:ext cx="7490735" cy="2997200"/>
           </a:xfrm>
           <a:prstGeom prst="roundRect">
             <a:avLst>
@@ -3517,7 +3516,7 @@
         </p:nvSpPr>
         <p:spPr>
           <a:xfrm>
-            <a:off x="1739763" y="3109476"/>
+            <a:off x="2877180" y="3158440"/>
             <a:ext cx="1093635" cy="346760"/>
           </a:xfrm>
           <a:prstGeom prst="rect">
@@ -3576,7 +3575,7 @@
         </p:nvSpPr>
         <p:spPr>
           <a:xfrm rot="16200000">
-            <a:off x="600026" y="2819723"/>
+            <a:off x="1683963" y="2868687"/>
             <a:ext cx="1093635" cy="346760"/>
           </a:xfrm>
           <a:prstGeom prst="rect">
@@ -3631,16 +3630,14 @@
         <p:nvCxnSpPr>
           <p:cNvPr id="53" name="Elbow Connector 63"/>
           <p:cNvCxnSpPr>
-            <a:cxnSpLocks/>
             <a:stCxn id="71" idx="3"/>
-            <a:endCxn id="62" idx="2"/>
           </p:cNvCxnSpPr>
           <p:nvPr/>
         </p:nvCxnSpPr>
         <p:spPr>
           <a:xfrm flipV="1">
-            <a:off x="4474944" y="3145168"/>
-            <a:ext cx="1022993" cy="531896"/>
+            <a:off x="6477000" y="3194131"/>
+            <a:ext cx="95385" cy="416514"/>
           </a:xfrm>
           <a:prstGeom prst="bentConnector2">
             <a:avLst/>
@@ -3674,19 +3671,20 @@
         <p:nvCxnSpPr>
           <p:cNvPr id="107" name="Elbow Connector 106"/>
           <p:cNvCxnSpPr>
-            <a:cxnSpLocks/>
             <a:stCxn id="9" idx="1"/>
-            <a:endCxn id="72" idx="1"/>
           </p:cNvCxnSpPr>
           <p:nvPr/>
         </p:nvCxnSpPr>
         <p:spPr>
-          <a:xfrm rot="16200000" flipH="1">
-            <a:off x="2125904" y="2560861"/>
-            <a:ext cx="136091" cy="2094210"/>
-          </a:xfrm>
-          <a:prstGeom prst="bentConnector2">
-            <a:avLst/>
+          <a:xfrm rot="5400000" flipH="1" flipV="1">
+            <a:off x="4360065" y="1080909"/>
+            <a:ext cx="378691" cy="4637261"/>
+          </a:xfrm>
+          <a:prstGeom prst="bentConnector4">
+            <a:avLst>
+              <a:gd name="adj1" fmla="val -101829"/>
+              <a:gd name="adj2" fmla="val 99976"/>
+            </a:avLst>
           </a:prstGeom>
           <a:ln w="19050">
             <a:solidFill>
@@ -3721,7 +3719,7 @@
         </p:nvSpPr>
         <p:spPr>
           <a:xfrm rot="16200000">
-            <a:off x="-127735" y="2812238"/>
+            <a:off x="956202" y="2861202"/>
             <a:ext cx="1093635" cy="346760"/>
           </a:xfrm>
           <a:prstGeom prst="rect">
@@ -3791,7 +3789,7 @@
         </p:nvSpPr>
         <p:spPr>
           <a:xfrm rot="16200000">
-            <a:off x="542973" y="2903327"/>
+            <a:off x="1626910" y="2952291"/>
             <a:ext cx="270504" cy="175523"/>
           </a:xfrm>
           <a:prstGeom prst="triangle">
@@ -3841,8 +3839,8 @@
         </p:nvCxnSpPr>
         <p:spPr>
           <a:xfrm>
-            <a:off x="1572433" y="3277572"/>
-            <a:ext cx="167330" cy="5284"/>
+            <a:off x="2656370" y="3326536"/>
+            <a:ext cx="220810" cy="5284"/>
           </a:xfrm>
           <a:prstGeom prst="straightConnector1">
             <a:avLst/>
@@ -3879,7 +3877,7 @@
         </p:nvSpPr>
         <p:spPr>
           <a:xfrm rot="5400000" flipV="1">
-            <a:off x="4251930" y="3589302"/>
+            <a:off x="6253986" y="3522883"/>
             <a:ext cx="270504" cy="175523"/>
           </a:xfrm>
           <a:prstGeom prst="triangle">
@@ -3925,15 +3923,13 @@
       <p:cxnSp>
         <p:nvCxnSpPr>
           <p:cNvPr id="75" name="Elbow Connector 122"/>
-          <p:cNvCxnSpPr>
-            <a:cxnSpLocks/>
-          </p:cNvCxnSpPr>
+          <p:cNvCxnSpPr/>
           <p:nvPr/>
         </p:nvCxnSpPr>
         <p:spPr>
           <a:xfrm>
-            <a:off x="-28011" y="2993103"/>
-            <a:ext cx="273713" cy="846"/>
+            <a:off x="910091" y="3040053"/>
+            <a:ext cx="419548" cy="2860"/>
           </a:xfrm>
           <a:prstGeom prst="bentConnector3">
             <a:avLst>
@@ -3977,7 +3973,7 @@
         </p:nvCxnSpPr>
         <p:spPr>
           <a:xfrm flipV="1">
-            <a:off x="765987" y="2991088"/>
+            <a:off x="1849924" y="3040052"/>
             <a:ext cx="216105" cy="1"/>
           </a:xfrm>
           <a:prstGeom prst="line">
@@ -4016,7 +4012,7 @@
         </p:nvSpPr>
         <p:spPr>
           <a:xfrm>
-            <a:off x="1336385" y="3190882"/>
+            <a:off x="2420322" y="3239846"/>
             <a:ext cx="236048" cy="173380"/>
           </a:xfrm>
           <a:prstGeom prst="flowChartDecision">
@@ -4061,7 +4057,7 @@
         </p:nvSpPr>
         <p:spPr>
           <a:xfrm>
-            <a:off x="1742073" y="2578456"/>
+            <a:off x="2879490" y="2627420"/>
             <a:ext cx="1093635" cy="346760"/>
           </a:xfrm>
           <a:prstGeom prst="rect">
@@ -4099,7 +4095,7 @@
                   <a:srgbClr val="7030A0"/>
                 </a:solidFill>
               </a:rPr>
-              <a:t>EntryBook</a:t>
+              <a:t>AddressBook</a:t>
             </a:r>
             <a:endParaRPr lang="en-SG" sz="1050" dirty="0">
               <a:solidFill>
@@ -4120,8 +4116,8 @@
         </p:nvCxnSpPr>
         <p:spPr>
           <a:xfrm>
-            <a:off x="1574743" y="2746552"/>
-            <a:ext cx="167330" cy="5284"/>
+            <a:off x="2658680" y="2795516"/>
+            <a:ext cx="220810" cy="5284"/>
           </a:xfrm>
           <a:prstGeom prst="straightConnector1">
             <a:avLst/>
@@ -4158,7 +4154,7 @@
         </p:nvSpPr>
         <p:spPr>
           <a:xfrm>
-            <a:off x="1338695" y="2659862"/>
+            <a:off x="2422632" y="2708826"/>
             <a:ext cx="236048" cy="173380"/>
           </a:xfrm>
           <a:prstGeom prst="flowChartDecision">
@@ -4203,7 +4199,7 @@
         </p:nvSpPr>
         <p:spPr>
           <a:xfrm>
-            <a:off x="3337134" y="2798407"/>
+            <a:off x="4487017" y="2847371"/>
             <a:ext cx="1156969" cy="346760"/>
           </a:xfrm>
           <a:prstGeom prst="rect">
@@ -4241,7 +4237,7 @@
                   <a:srgbClr val="7030A0"/>
                 </a:solidFill>
               </a:rPr>
-              <a:t>ActiveList</a:t>
+              <a:t>UniquePersonList</a:t>
             </a:r>
             <a:endParaRPr lang="en-SG" sz="1050" dirty="0">
               <a:solidFill>
@@ -4259,7 +4255,7 @@
         </p:nvSpPr>
         <p:spPr>
           <a:xfrm>
-            <a:off x="2850373" y="2680382"/>
+            <a:off x="3984303" y="2673991"/>
             <a:ext cx="236048" cy="173380"/>
           </a:xfrm>
           <a:prstGeom prst="flowChartDecision">
@@ -4302,7 +4298,6 @@
         <p:nvCxnSpPr>
           <p:cNvPr id="30" name="Elbow Connector 29"/>
           <p:cNvCxnSpPr>
-            <a:cxnSpLocks/>
             <a:stCxn id="51" idx="3"/>
             <a:endCxn id="49" idx="1"/>
           </p:cNvCxnSpPr>
@@ -4310,8 +4305,8 @@
         </p:nvCxnSpPr>
         <p:spPr>
           <a:xfrm>
-            <a:off x="3086421" y="2767072"/>
-            <a:ext cx="250713" cy="204715"/>
+            <a:off x="4220351" y="2760681"/>
+            <a:ext cx="266666" cy="260070"/>
           </a:xfrm>
           <a:prstGeom prst="bentConnector3">
             <a:avLst/>
@@ -4348,7 +4343,7 @@
         </p:nvSpPr>
         <p:spPr>
           <a:xfrm>
-            <a:off x="3339911" y="2231605"/>
+            <a:off x="4477328" y="2280569"/>
             <a:ext cx="1156969" cy="346760"/>
           </a:xfrm>
           <a:prstGeom prst="rect">
@@ -4400,7 +4395,6 @@
         <p:nvCxnSpPr>
           <p:cNvPr id="59" name="Elbow Connector 58"/>
           <p:cNvCxnSpPr>
-            <a:cxnSpLocks/>
             <a:stCxn id="51" idx="3"/>
             <a:endCxn id="57" idx="1"/>
           </p:cNvCxnSpPr>
@@ -4408,8 +4402,8 @@
         </p:nvCxnSpPr>
         <p:spPr>
           <a:xfrm flipV="1">
-            <a:off x="3086421" y="2404985"/>
-            <a:ext cx="253490" cy="362087"/>
+            <a:off x="4220351" y="2453949"/>
+            <a:ext cx="256977" cy="306732"/>
           </a:xfrm>
           <a:prstGeom prst="bentConnector3">
             <a:avLst>
@@ -4448,8 +4442,8 @@
         </p:nvSpPr>
         <p:spPr>
           <a:xfrm>
-            <a:off x="5022269" y="2798407"/>
-            <a:ext cx="951336" cy="346761"/>
+            <a:off x="6313677" y="2858066"/>
+            <a:ext cx="708186" cy="346760"/>
           </a:xfrm>
           <a:prstGeom prst="rect">
             <a:avLst/>
@@ -4481,13 +4475,18 @@
           <a:p>
             <a:pPr algn="ctr"/>
             <a:r>
-              <a:rPr lang="en-SG" sz="1050" dirty="0">
+              <a:rPr lang="en-US" sz="1050" dirty="0">
                 <a:solidFill>
                   <a:srgbClr val="7030A0"/>
                 </a:solidFill>
               </a:rPr>
-              <a:t>Entry</a:t>
-            </a:r>
+              <a:t>Person</a:t>
+            </a:r>
+            <a:endParaRPr lang="en-SG" sz="1050" dirty="0">
+              <a:solidFill>
+                <a:srgbClr val="7030A0"/>
+              </a:solidFill>
+            </a:endParaRPr>
           </a:p>
         </p:txBody>
       </p:sp>
@@ -4499,7 +4498,7 @@
         </p:nvSpPr>
         <p:spPr>
           <a:xfrm>
-            <a:off x="4499978" y="2884874"/>
+            <a:off x="5643227" y="2943979"/>
             <a:ext cx="236048" cy="173380"/>
           </a:xfrm>
           <a:prstGeom prst="flowChartDecision">
@@ -4540,7 +4539,6 @@
         <p:nvCxnSpPr>
           <p:cNvPr id="64" name="Elbow Connector 63"/>
           <p:cNvCxnSpPr>
-            <a:cxnSpLocks/>
             <a:stCxn id="63" idx="3"/>
             <a:endCxn id="62" idx="1"/>
           </p:cNvCxnSpPr>
@@ -4548,8 +4546,8 @@
         </p:nvCxnSpPr>
         <p:spPr>
           <a:xfrm>
-            <a:off x="4736026" y="2971564"/>
-            <a:ext cx="286243" cy="224"/>
+            <a:off x="5879275" y="3030669"/>
+            <a:ext cx="434402" cy="777"/>
           </a:xfrm>
           <a:prstGeom prst="bentConnector3">
             <a:avLst/>
@@ -4586,7 +4584,7 @@
         </p:nvSpPr>
         <p:spPr>
           <a:xfrm>
-            <a:off x="4198688" y="1760368"/>
+            <a:off x="5336105" y="1809332"/>
             <a:ext cx="483700" cy="346760"/>
           </a:xfrm>
           <a:prstGeom prst="rect">
@@ -4642,7 +4640,7 @@
         </p:nvSpPr>
         <p:spPr>
           <a:xfrm rot="16200000">
-            <a:off x="3784249" y="2017576"/>
+            <a:off x="4921666" y="2066540"/>
             <a:ext cx="236048" cy="173380"/>
           </a:xfrm>
           <a:prstGeom prst="flowChartDecision">
@@ -4690,7 +4688,7 @@
         </p:nvCxnSpPr>
         <p:spPr>
           <a:xfrm rot="5400000" flipH="1" flipV="1">
-            <a:off x="4024233" y="1811788"/>
+            <a:off x="5161650" y="1860752"/>
             <a:ext cx="52494" cy="296415"/>
           </a:xfrm>
           <a:prstGeom prst="bentConnector2">
@@ -4728,8 +4726,8 @@
         </p:nvSpPr>
         <p:spPr>
           <a:xfrm>
-            <a:off x="3241054" y="3502632"/>
-            <a:ext cx="1045383" cy="346760"/>
+            <a:off x="5128257" y="3429000"/>
+            <a:ext cx="1156969" cy="346760"/>
           </a:xfrm>
           <a:prstGeom prst="rect">
             <a:avLst/>
@@ -4761,7 +4759,7 @@
           <a:p>
             <a:pPr algn="ctr"/>
             <a:r>
-              <a:rPr lang="en-US" sz="1050">
+              <a:rPr lang="en-US" sz="1050" dirty="0">
                 <a:solidFill>
                   <a:srgbClr val="7030A0"/>
                 </a:solidFill>
@@ -4769,19 +4767,19 @@
               <a:t>&lt;&lt;interface&gt;&gt;</a:t>
             </a:r>
             <a:br>
-              <a:rPr lang="en-US" sz="1050">
+              <a:rPr lang="en-US" sz="1050" dirty="0">
                 <a:solidFill>
                   <a:srgbClr val="7030A0"/>
                 </a:solidFill>
               </a:rPr>
             </a:br>
             <a:r>
-              <a:rPr lang="en-US" sz="1050">
+              <a:rPr lang="en-US" sz="1050" dirty="0" err="1">
                 <a:solidFill>
                   <a:srgbClr val="7030A0"/>
                 </a:solidFill>
               </a:rPr>
-              <a:t>ReadOnlyEntry</a:t>
+              <a:t>ReadOnlyPerson</a:t>
             </a:r>
             <a:endParaRPr lang="en-SG" sz="1050" dirty="0">
               <a:solidFill>
@@ -4799,7 +4797,7 @@
         </p:nvSpPr>
         <p:spPr>
           <a:xfrm>
-            <a:off x="4959532" y="1856481"/>
+            <a:off x="7712397" y="2564238"/>
             <a:ext cx="708186" cy="285783"/>
           </a:xfrm>
           <a:prstGeom prst="rect">
@@ -4832,7 +4830,7 @@
           <a:p>
             <a:pPr algn="ctr"/>
             <a:r>
-              <a:rPr lang="en-US" sz="1050">
+              <a:rPr lang="en-US" sz="1050" dirty="0">
                 <a:solidFill>
                   <a:srgbClr val="7030A0"/>
                 </a:solidFill>
@@ -4854,8 +4852,8 @@
           <p:nvPr/>
         </p:nvSpPr>
         <p:spPr>
-          <a:xfrm rot="16200000">
-            <a:off x="5371144" y="2579211"/>
+          <a:xfrm>
+            <a:off x="7041947" y="2948201"/>
             <a:ext cx="236048" cy="173380"/>
           </a:xfrm>
           <a:prstGeom prst="flowChartDecision">
@@ -4898,21 +4896,18 @@
         <p:nvCxnSpPr>
           <p:cNvPr id="79" name="Elbow Connector 78"/>
           <p:cNvCxnSpPr>
-            <a:cxnSpLocks/>
             <a:stCxn id="78" idx="3"/>
-            <a:endCxn id="76" idx="2"/>
+            <a:endCxn id="76" idx="1"/>
           </p:cNvCxnSpPr>
           <p:nvPr/>
         </p:nvCxnSpPr>
         <p:spPr>
-          <a:xfrm rot="16200000" flipV="1">
-            <a:off x="5198591" y="2257299"/>
-            <a:ext cx="405613" cy="175543"/>
+          <a:xfrm flipV="1">
+            <a:off x="7277995" y="2707130"/>
+            <a:ext cx="434402" cy="327761"/>
           </a:xfrm>
           <a:prstGeom prst="bentConnector3">
-            <a:avLst>
-              <a:gd name="adj1" fmla="val 50000"/>
-            </a:avLst>
+            <a:avLst/>
           </a:prstGeom>
           <a:ln w="19050">
             <a:solidFill>
@@ -4938,61 +4933,18 @@
           </a:fontRef>
         </p:style>
       </p:cxnSp>
-      <p:cxnSp>
-        <p:nvCxnSpPr>
-          <p:cNvPr id="97" name="Elbow Connector 63"/>
-          <p:cNvCxnSpPr>
-            <a:stCxn id="99" idx="3"/>
-          </p:cNvCxnSpPr>
-          <p:nvPr/>
-        </p:nvCxnSpPr>
-        <p:spPr>
-          <a:xfrm rot="16200000" flipH="1">
-            <a:off x="2141904" y="2436467"/>
-            <a:ext cx="293825" cy="1"/>
-          </a:xfrm>
-          <a:prstGeom prst="bentConnector3">
-            <a:avLst>
-              <a:gd name="adj1" fmla="val 50000"/>
-            </a:avLst>
-          </a:prstGeom>
-          <a:ln w="19050">
-            <a:solidFill>
-              <a:srgbClr val="7030A0"/>
-            </a:solidFill>
-            <a:prstDash val="sysDot"/>
-            <a:headEnd type="none" w="med" len="med"/>
-            <a:tailEnd type="none" w="med" len="med"/>
-          </a:ln>
-          <a:effectLst/>
-        </p:spPr>
-        <p:style>
-          <a:lnRef idx="1">
-            <a:schemeClr val="accent2"/>
-          </a:lnRef>
-          <a:fillRef idx="2">
-            <a:schemeClr val="accent2"/>
-          </a:fillRef>
-          <a:effectRef idx="1">
-            <a:schemeClr val="accent2"/>
-          </a:effectRef>
-          <a:fontRef idx="minor">
-            <a:schemeClr val="dk1"/>
-          </a:fontRef>
-        </p:style>
-      </p:cxnSp>
-      <p:sp>
-        <p:nvSpPr>
-          <p:cNvPr id="99" name="Isosceles Triangle 102"/>
+      <p:sp>
+        <p:nvSpPr>
+          <p:cNvPr id="80" name="Rectangle 8"/>
           <p:cNvSpPr/>
           <p:nvPr/>
         </p:nvSpPr>
         <p:spPr>
-          <a:xfrm rot="10800000" flipV="1">
-            <a:off x="2153564" y="2114033"/>
-            <a:ext cx="270504" cy="175523"/>
-          </a:xfrm>
-          <a:prstGeom prst="triangle">
+          <a:xfrm>
+            <a:off x="7712397" y="2887216"/>
+            <a:ext cx="708186" cy="285783"/>
+          </a:xfrm>
+          <a:prstGeom prst="rect">
             <a:avLst/>
           </a:prstGeom>
           <a:ln w="19050">
@@ -5021,24 +4973,73 @@
           <a:lstStyle/>
           <a:p>
             <a:pPr algn="ctr"/>
-            <a:endParaRPr lang="en-SG" sz="1050" b="1">
+            <a:r>
+              <a:rPr lang="en-US" sz="1050" dirty="0">
+                <a:solidFill>
+                  <a:srgbClr val="7030A0"/>
+                </a:solidFill>
+              </a:rPr>
+              <a:t>Phone</a:t>
+            </a:r>
+            <a:endParaRPr lang="en-SG" sz="1050" dirty="0">
               <a:solidFill>
-                <a:srgbClr val="92D050"/>
+                <a:srgbClr val="7030A0"/>
               </a:solidFill>
             </a:endParaRPr>
           </a:p>
         </p:txBody>
       </p:sp>
-      <p:sp>
-        <p:nvSpPr>
-          <p:cNvPr id="100" name="Rectangle 8"/>
+      <p:cxnSp>
+        <p:nvCxnSpPr>
+          <p:cNvPr id="81" name="Elbow Connector 80"/>
+          <p:cNvCxnSpPr>
+            <a:stCxn id="78" idx="3"/>
+            <a:endCxn id="80" idx="1"/>
+          </p:cNvCxnSpPr>
+          <p:nvPr/>
+        </p:nvCxnSpPr>
+        <p:spPr>
+          <a:xfrm flipV="1">
+            <a:off x="7277995" y="3030108"/>
+            <a:ext cx="434402" cy="4783"/>
+          </a:xfrm>
+          <a:prstGeom prst="bentConnector3">
+            <a:avLst/>
+          </a:prstGeom>
+          <a:ln w="19050">
+            <a:solidFill>
+              <a:srgbClr val="7030A0"/>
+            </a:solidFill>
+            <a:headEnd type="none" w="med" len="med"/>
+            <a:tailEnd type="arrow" w="med" len="med"/>
+          </a:ln>
+          <a:effectLst/>
+        </p:spPr>
+        <p:style>
+          <a:lnRef idx="1">
+            <a:schemeClr val="accent2"/>
+          </a:lnRef>
+          <a:fillRef idx="2">
+            <a:schemeClr val="accent2"/>
+          </a:fillRef>
+          <a:effectRef idx="1">
+            <a:schemeClr val="accent2"/>
+          </a:effectRef>
+          <a:fontRef idx="minor">
+            <a:schemeClr val="dk1"/>
+          </a:fontRef>
+        </p:style>
+      </p:cxnSp>
+      <p:sp>
+        <p:nvSpPr>
+          <p:cNvPr id="83" name="Rectangle 8"/>
           <p:cNvSpPr/>
           <p:nvPr/>
         </p:nvSpPr>
         <p:spPr>
           <a:xfrm>
-            <a:off x="1522886" y="1757506"/>
-            <a:ext cx="1539926" cy="346760"/>
+            <a:off x="7712397" y="3210194"/>
+            <a:ext cx="708186" cy="285783"/>
           </a:xfrm>
           <a:prstGeom prst="rect">
             <a:avLst/>
@@ -5075,22 +5076,7 @@
                   <a:srgbClr val="7030A0"/>
                 </a:solidFill>
               </a:rPr>
-              <a:t>&lt;&lt;interface&gt;&gt;</a:t>
-            </a:r>
-            <a:br>
-              <a:rPr lang="en-US" sz="1050" dirty="0">
-                <a:solidFill>
-                  <a:srgbClr val="7030A0"/>
-                </a:solidFill>
-              </a:rPr>
-            </a:br>
-            <a:r>
-              <a:rPr lang="en-US" sz="1050" dirty="0" err="1">
-                <a:solidFill>
-                  <a:srgbClr val="7030A0"/>
-                </a:solidFill>
-              </a:rPr>
-              <a:t>ReadOnlyEntryBook</a:t>
+              <a:t>Email</a:t>
             </a:r>
             <a:endParaRPr lang="en-SG" sz="1050" dirty="0">
               <a:solidFill>
@@ -5100,55 +5086,57 @@
           </a:p>
         </p:txBody>
       </p:sp>
-      <p:sp>
-        <p:nvSpPr>
-          <p:cNvPr id="114" name="TextBox 113"/>
-          <p:cNvSpPr txBox="1"/>
-          <p:nvPr/>
-        </p:nvSpPr>
-        <p:spPr>
-          <a:xfrm>
-            <a:off x="1680479" y="3671852"/>
-            <a:ext cx="881018" cy="261610"/>
-          </a:xfrm>
-          <a:prstGeom prst="rect">
-            <a:avLst/>
-          </a:prstGeom>
-          <a:noFill/>
-        </p:spPr>
-        <p:txBody>
-          <a:bodyPr wrap="square" rtlCol="0">
-            <a:spAutoFit/>
-          </a:bodyPr>
-          <a:lstStyle/>
-          <a:p>
-            <a:pPr algn="r"/>
-            <a:r>
-              <a:rPr lang="en-US" sz="1100" dirty="0">
-                <a:solidFill>
-                  <a:srgbClr val="7030A0"/>
-                </a:solidFill>
-              </a:rPr>
-              <a:t>filtered list</a:t>
-            </a:r>
-            <a:endParaRPr lang="en-SG" sz="1100" dirty="0">
-              <a:solidFill>
-                <a:srgbClr val="7030A0"/>
-              </a:solidFill>
-            </a:endParaRPr>
-          </a:p>
-        </p:txBody>
-      </p:sp>
-      <p:sp>
-        <p:nvSpPr>
-          <p:cNvPr id="122" name="Rectangle 8"/>
+      <p:cxnSp>
+        <p:nvCxnSpPr>
+          <p:cNvPr id="84" name="Elbow Connector 83"/>
+          <p:cNvCxnSpPr>
+            <a:stCxn id="78" idx="3"/>
+            <a:endCxn id="83" idx="1"/>
+          </p:cNvCxnSpPr>
+          <p:nvPr/>
+        </p:nvCxnSpPr>
+        <p:spPr>
+          <a:xfrm>
+            <a:off x="7277995" y="3034891"/>
+            <a:ext cx="434402" cy="318195"/>
+          </a:xfrm>
+          <a:prstGeom prst="bentConnector3">
+            <a:avLst/>
+          </a:prstGeom>
+          <a:ln w="19050">
+            <a:solidFill>
+              <a:srgbClr val="7030A0"/>
+            </a:solidFill>
+            <a:headEnd type="none" w="med" len="med"/>
+            <a:tailEnd type="arrow" w="med" len="med"/>
+          </a:ln>
+          <a:effectLst/>
+        </p:spPr>
+        <p:style>
+          <a:lnRef idx="1">
+            <a:schemeClr val="accent2"/>
+          </a:lnRef>
+          <a:fillRef idx="2">
+            <a:schemeClr val="accent2"/>
+          </a:fillRef>
+          <a:effectRef idx="1">
+            <a:schemeClr val="accent2"/>
+          </a:effectRef>
+          <a:fontRef idx="minor">
+            <a:schemeClr val="dk1"/>
+          </a:fontRef>
+        </p:style>
+      </p:cxnSp>
+      <p:sp>
+        <p:nvSpPr>
+          <p:cNvPr id="85" name="Rectangle 8"/>
           <p:cNvSpPr/>
           <p:nvPr/>
         </p:nvSpPr>
         <p:spPr>
           <a:xfrm>
-            <a:off x="561040" y="4072840"/>
-            <a:ext cx="1775949" cy="346760"/>
+            <a:off x="7712397" y="3533171"/>
+            <a:ext cx="708186" cy="285783"/>
           </a:xfrm>
           <a:prstGeom prst="rect">
             <a:avLst/>
@@ -5185,22 +5173,7 @@
                   <a:srgbClr val="7030A0"/>
                 </a:solidFill>
               </a:rPr>
-              <a:t>&lt;&lt;interface&gt;&gt;</a:t>
-            </a:r>
-            <a:br>
-              <a:rPr lang="en-US" sz="1050" dirty="0">
-                <a:solidFill>
-                  <a:srgbClr val="7030A0"/>
-                </a:solidFill>
-              </a:rPr>
-            </a:br>
-            <a:r>
-              <a:rPr lang="en-US" sz="1050" dirty="0" err="1">
-                <a:solidFill>
-                  <a:srgbClr val="7030A0"/>
-                </a:solidFill>
-              </a:rPr>
-              <a:t>UnmodifiableObservableList</a:t>
+              <a:t>Address</a:t>
             </a:r>
             <a:endParaRPr lang="en-SG" sz="1050" dirty="0">
               <a:solidFill>
@@ -5212,26 +5185,25 @@
       </p:sp>
       <p:cxnSp>
         <p:nvCxnSpPr>
-          <p:cNvPr id="124" name="Elbow Connector 122"/>
+          <p:cNvPr id="86" name="Elbow Connector 85"/>
           <p:cNvCxnSpPr>
-            <a:cxnSpLocks/>
-            <a:stCxn id="119" idx="1"/>
+            <a:stCxn id="78" idx="3"/>
+            <a:endCxn id="85" idx="1"/>
           </p:cNvCxnSpPr>
           <p:nvPr/>
         </p:nvCxnSpPr>
         <p:spPr>
-          <a:xfrm rot="16200000" flipH="1">
-            <a:off x="159909" y="3791609"/>
-            <a:ext cx="713784" cy="195437"/>
-          </a:xfrm>
-          <a:prstGeom prst="bentConnector2">
+          <a:xfrm>
+            <a:off x="7277995" y="3034891"/>
+            <a:ext cx="434402" cy="641172"/>
+          </a:xfrm>
+          <a:prstGeom prst="bentConnector3">
             <a:avLst/>
           </a:prstGeom>
           <a:ln w="19050">
             <a:solidFill>
               <a:srgbClr val="7030A0"/>
             </a:solidFill>
-            <a:prstDash val="sysDot"/>
             <a:headEnd type="none" w="med" len="med"/>
             <a:tailEnd type="arrow" w="med" len="med"/>
           </a:ln>
@@ -5254,18 +5226,16 @@
       </p:cxnSp>
       <p:cxnSp>
         <p:nvCxnSpPr>
-          <p:cNvPr id="50" name="Elbow Connector 49"/>
+          <p:cNvPr id="97" name="Elbow Connector 63"/>
           <p:cNvCxnSpPr>
-            <a:cxnSpLocks/>
-            <a:stCxn id="78" idx="0"/>
-            <a:endCxn id="57" idx="3"/>
+            <a:stCxn id="99" idx="3"/>
           </p:cNvCxnSpPr>
           <p:nvPr/>
         </p:nvCxnSpPr>
         <p:spPr>
-          <a:xfrm rot="10800000">
-            <a:off x="4496880" y="2404985"/>
-            <a:ext cx="905598" cy="260916"/>
+          <a:xfrm rot="16200000" flipH="1">
+            <a:off x="3279321" y="2485431"/>
+            <a:ext cx="293825" cy="1"/>
           </a:xfrm>
           <a:prstGeom prst="bentConnector3">
             <a:avLst>
@@ -5276,8 +5246,9 @@
             <a:solidFill>
               <a:srgbClr val="7030A0"/>
             </a:solidFill>
+            <a:prstDash val="sysDot"/>
             <a:headEnd type="none" w="med" len="med"/>
-            <a:tailEnd type="arrow" w="med" len="med"/>
+            <a:tailEnd type="none" w="med" len="med"/>
           </a:ln>
           <a:effectLst/>
         </p:spPr>
@@ -5298,433 +5269,16 @@
       </p:cxnSp>
       <p:sp>
         <p:nvSpPr>
-          <p:cNvPr id="11" name="TextBox 10"/>
-          <p:cNvSpPr txBox="1"/>
-          <p:nvPr/>
-        </p:nvSpPr>
-        <p:spPr>
-          <a:xfrm>
-            <a:off x="3187555" y="2142264"/>
-            <a:ext cx="189257" cy="178683"/>
-          </a:xfrm>
-          <a:prstGeom prst="rect">
-            <a:avLst/>
-          </a:prstGeom>
-          <a:noFill/>
-        </p:spPr>
-        <p:txBody>
-          <a:bodyPr wrap="square" lIns="0" tIns="0" rIns="0" bIns="0" rtlCol="0">
-            <a:noAutofit/>
-          </a:bodyPr>
-          <a:lstStyle/>
-          <a:p>
-            <a:pPr algn="ctr"/>
-            <a:r>
-              <a:rPr lang="en-US" sz="1100" dirty="0">
-                <a:solidFill>
-                  <a:srgbClr val="7030A0"/>
-                </a:solidFill>
-              </a:rPr>
-              <a:t>1</a:t>
-            </a:r>
-            <a:endParaRPr lang="en-SG" sz="1100" dirty="0">
-              <a:solidFill>
-                <a:srgbClr val="7030A0"/>
-              </a:solidFill>
-            </a:endParaRPr>
-          </a:p>
-        </p:txBody>
-      </p:sp>
-      <p:sp>
-        <p:nvSpPr>
-          <p:cNvPr id="54" name="TextBox 53"/>
-          <p:cNvSpPr txBox="1"/>
-          <p:nvPr/>
-        </p:nvSpPr>
-        <p:spPr>
-          <a:xfrm>
-            <a:off x="3187555" y="3009900"/>
-            <a:ext cx="189257" cy="178683"/>
-          </a:xfrm>
-          <a:prstGeom prst="rect">
-            <a:avLst/>
-          </a:prstGeom>
-          <a:noFill/>
-        </p:spPr>
-        <p:txBody>
-          <a:bodyPr wrap="square" lIns="0" tIns="0" rIns="0" bIns="0" rtlCol="0">
-            <a:noAutofit/>
-          </a:bodyPr>
-          <a:lstStyle/>
-          <a:p>
-            <a:pPr algn="ctr"/>
-            <a:r>
-              <a:rPr lang="en-US" sz="1100" dirty="0">
-                <a:solidFill>
-                  <a:srgbClr val="7030A0"/>
-                </a:solidFill>
-              </a:rPr>
-              <a:t>1</a:t>
-            </a:r>
-            <a:endParaRPr lang="en-SG" sz="1100" dirty="0">
-              <a:solidFill>
-                <a:srgbClr val="7030A0"/>
-              </a:solidFill>
-            </a:endParaRPr>
-          </a:p>
-        </p:txBody>
-      </p:sp>
-      <p:sp>
-        <p:nvSpPr>
-          <p:cNvPr id="56" name="TextBox 55"/>
-          <p:cNvSpPr txBox="1"/>
-          <p:nvPr/>
-        </p:nvSpPr>
-        <p:spPr>
-          <a:xfrm>
-            <a:off x="4552344" y="2446449"/>
-            <a:ext cx="189257" cy="178683"/>
-          </a:xfrm>
-          <a:prstGeom prst="rect">
-            <a:avLst/>
-          </a:prstGeom>
-          <a:noFill/>
-        </p:spPr>
-        <p:txBody>
-          <a:bodyPr wrap="square" lIns="0" tIns="0" rIns="0" bIns="0" rtlCol="0">
-            <a:noAutofit/>
-          </a:bodyPr>
-          <a:lstStyle/>
-          <a:p>
-            <a:pPr algn="ctr"/>
-            <a:r>
-              <a:rPr lang="en-US" sz="1100" dirty="0">
-                <a:solidFill>
-                  <a:srgbClr val="7030A0"/>
-                </a:solidFill>
-              </a:rPr>
-              <a:t>1</a:t>
-            </a:r>
-            <a:endParaRPr lang="en-SG" sz="1100" dirty="0">
-              <a:solidFill>
-                <a:srgbClr val="7030A0"/>
-              </a:solidFill>
-            </a:endParaRPr>
-          </a:p>
-        </p:txBody>
-      </p:sp>
-      <p:sp>
-        <p:nvSpPr>
-          <p:cNvPr id="60" name="TextBox 59"/>
-          <p:cNvSpPr txBox="1"/>
-          <p:nvPr/>
-        </p:nvSpPr>
-        <p:spPr>
-          <a:xfrm>
-            <a:off x="3999197" y="1733177"/>
-            <a:ext cx="189257" cy="178683"/>
-          </a:xfrm>
-          <a:prstGeom prst="rect">
-            <a:avLst/>
-          </a:prstGeom>
-          <a:noFill/>
-        </p:spPr>
-        <p:txBody>
-          <a:bodyPr wrap="square" lIns="0" tIns="0" rIns="0" bIns="0" rtlCol="0">
-            <a:noAutofit/>
-          </a:bodyPr>
-          <a:lstStyle/>
-          <a:p>
-            <a:pPr algn="ctr"/>
-            <a:r>
-              <a:rPr lang="en-US" sz="1100" dirty="0">
-                <a:solidFill>
-                  <a:srgbClr val="7030A0"/>
-                </a:solidFill>
-              </a:rPr>
-              <a:t>*</a:t>
-            </a:r>
-            <a:endParaRPr lang="en-SG" sz="1100" dirty="0">
-              <a:solidFill>
-                <a:srgbClr val="7030A0"/>
-              </a:solidFill>
-            </a:endParaRPr>
-          </a:p>
-        </p:txBody>
-      </p:sp>
-      <p:sp>
-        <p:nvSpPr>
-          <p:cNvPr id="61" name="TextBox 60"/>
-          <p:cNvSpPr txBox="1"/>
-          <p:nvPr/>
-        </p:nvSpPr>
-        <p:spPr>
-          <a:xfrm>
-            <a:off x="4839943" y="2793117"/>
-            <a:ext cx="189257" cy="178683"/>
-          </a:xfrm>
-          <a:prstGeom prst="rect">
-            <a:avLst/>
-          </a:prstGeom>
-          <a:noFill/>
-        </p:spPr>
-        <p:txBody>
-          <a:bodyPr wrap="square" lIns="0" tIns="0" rIns="0" bIns="0" rtlCol="0">
-            <a:noAutofit/>
-          </a:bodyPr>
-          <a:lstStyle/>
-          <a:p>
-            <a:pPr algn="ctr"/>
-            <a:r>
-              <a:rPr lang="en-US" sz="1100" dirty="0">
-                <a:solidFill>
-                  <a:srgbClr val="7030A0"/>
-                </a:solidFill>
-              </a:rPr>
-              <a:t>*</a:t>
-            </a:r>
-            <a:endParaRPr lang="en-SG" sz="1100" dirty="0">
-              <a:solidFill>
-                <a:srgbClr val="7030A0"/>
-              </a:solidFill>
-            </a:endParaRPr>
-          </a:p>
-        </p:txBody>
-      </p:sp>
-      <p:sp>
-        <p:nvSpPr>
-          <p:cNvPr id="65" name="TextBox 64"/>
-          <p:cNvSpPr txBox="1"/>
-          <p:nvPr/>
-        </p:nvSpPr>
-        <p:spPr>
-          <a:xfrm>
-            <a:off x="1550506" y="2515274"/>
-            <a:ext cx="189257" cy="178683"/>
-          </a:xfrm>
-          <a:prstGeom prst="rect">
-            <a:avLst/>
-          </a:prstGeom>
-          <a:noFill/>
-        </p:spPr>
-        <p:txBody>
-          <a:bodyPr wrap="square" lIns="0" tIns="0" rIns="0" bIns="0" rtlCol="0">
-            <a:noAutofit/>
-          </a:bodyPr>
-          <a:lstStyle/>
-          <a:p>
-            <a:pPr algn="ctr"/>
-            <a:r>
-              <a:rPr lang="en-US" sz="1100" dirty="0">
-                <a:solidFill>
-                  <a:srgbClr val="7030A0"/>
-                </a:solidFill>
-              </a:rPr>
-              <a:t>1</a:t>
-            </a:r>
-            <a:endParaRPr lang="en-SG" sz="1100" dirty="0">
-              <a:solidFill>
-                <a:srgbClr val="7030A0"/>
-              </a:solidFill>
-            </a:endParaRPr>
-          </a:p>
-        </p:txBody>
-      </p:sp>
-      <p:sp>
-        <p:nvSpPr>
-          <p:cNvPr id="66" name="TextBox 65"/>
-          <p:cNvSpPr txBox="1"/>
-          <p:nvPr/>
-        </p:nvSpPr>
-        <p:spPr>
-          <a:xfrm>
-            <a:off x="1518953" y="3337086"/>
-            <a:ext cx="189257" cy="178683"/>
-          </a:xfrm>
-          <a:prstGeom prst="rect">
-            <a:avLst/>
-          </a:prstGeom>
-          <a:noFill/>
-        </p:spPr>
-        <p:txBody>
-          <a:bodyPr wrap="square" lIns="0" tIns="0" rIns="0" bIns="0" rtlCol="0">
-            <a:noAutofit/>
-          </a:bodyPr>
-          <a:lstStyle/>
-          <a:p>
-            <a:pPr algn="ctr"/>
-            <a:r>
-              <a:rPr lang="en-US" sz="1100" dirty="0">
-                <a:solidFill>
-                  <a:srgbClr val="7030A0"/>
-                </a:solidFill>
-              </a:rPr>
-              <a:t>1</a:t>
-            </a:r>
-            <a:endParaRPr lang="en-SG" sz="1100" dirty="0">
-              <a:solidFill>
-                <a:srgbClr val="7030A0"/>
-              </a:solidFill>
-            </a:endParaRPr>
-          </a:p>
-        </p:txBody>
-      </p:sp>
-      <p:sp>
-        <p:nvSpPr>
-          <p:cNvPr id="70" name="TextBox 69"/>
-          <p:cNvSpPr txBox="1"/>
-          <p:nvPr/>
-        </p:nvSpPr>
-        <p:spPr>
-          <a:xfrm>
-            <a:off x="4480756" y="3467074"/>
-            <a:ext cx="189257" cy="178683"/>
-          </a:xfrm>
-          <a:prstGeom prst="rect">
-            <a:avLst/>
-          </a:prstGeom>
-          <a:noFill/>
-        </p:spPr>
-        <p:txBody>
-          <a:bodyPr wrap="square" lIns="0" tIns="0" rIns="0" bIns="0" rtlCol="0">
-            <a:noAutofit/>
-          </a:bodyPr>
-          <a:lstStyle/>
-          <a:p>
-            <a:pPr algn="ctr"/>
-            <a:r>
-              <a:rPr lang="en-US" sz="1100">
-                <a:solidFill>
-                  <a:srgbClr val="7030A0"/>
-                </a:solidFill>
-              </a:rPr>
-              <a:t>1</a:t>
-            </a:r>
-            <a:endParaRPr lang="en-SG" sz="1100" dirty="0">
-              <a:solidFill>
-                <a:srgbClr val="7030A0"/>
-              </a:solidFill>
-            </a:endParaRPr>
-          </a:p>
-        </p:txBody>
-      </p:sp>
-      <p:cxnSp>
-        <p:nvCxnSpPr>
-          <p:cNvPr id="73" name="Elbow Connector 122">
-            <a:extLst>
-              <a:ext uri="{FF2B5EF4-FFF2-40B4-BE49-F238E27FC236}">
-                <a16:creationId xmlns:a16="http://schemas.microsoft.com/office/drawing/2014/main" id="{6C194B6E-AD6B-4C34-821F-85FC683926D2}"/>
-              </a:ext>
-            </a:extLst>
-          </p:cNvPr>
-          <p:cNvCxnSpPr>
-            <a:cxnSpLocks/>
-            <a:stCxn id="119" idx="3"/>
-            <a:endCxn id="100" idx="1"/>
-          </p:cNvCxnSpPr>
-          <p:nvPr/>
-        </p:nvCxnSpPr>
-        <p:spPr>
-          <a:xfrm rot="5400000" flipH="1" flipV="1">
-            <a:off x="717027" y="1632942"/>
-            <a:ext cx="507915" cy="1103804"/>
-          </a:xfrm>
-          <a:prstGeom prst="bentConnector2">
-            <a:avLst/>
-          </a:prstGeom>
-          <a:ln w="19050">
-            <a:solidFill>
-              <a:srgbClr val="7030A0"/>
-            </a:solidFill>
-            <a:prstDash val="sysDot"/>
-            <a:headEnd type="none" w="med" len="med"/>
-            <a:tailEnd type="arrow" w="med" len="med"/>
-          </a:ln>
-          <a:effectLst/>
-        </p:spPr>
-        <p:style>
-          <a:lnRef idx="1">
-            <a:schemeClr val="accent2"/>
-          </a:lnRef>
-          <a:fillRef idx="2">
-            <a:schemeClr val="accent2"/>
-          </a:fillRef>
-          <a:effectRef idx="1">
-            <a:schemeClr val="accent2"/>
-          </a:effectRef>
-          <a:fontRef idx="minor">
-            <a:schemeClr val="dk1"/>
-          </a:fontRef>
-        </p:style>
-      </p:cxnSp>
-      <p:cxnSp>
-        <p:nvCxnSpPr>
-          <p:cNvPr id="74" name="Elbow Connector 85">
-            <a:extLst>
-              <a:ext uri="{FF2B5EF4-FFF2-40B4-BE49-F238E27FC236}">
-                <a16:creationId xmlns:a16="http://schemas.microsoft.com/office/drawing/2014/main" id="{0BF0A13B-B2CA-43C0-A84A-D92BEE5134B9}"/>
-              </a:ext>
-            </a:extLst>
-          </p:cNvPr>
-          <p:cNvCxnSpPr>
-            <a:cxnSpLocks/>
-            <a:stCxn id="77" idx="1"/>
-            <a:endCxn id="117" idx="3"/>
-          </p:cNvCxnSpPr>
-          <p:nvPr/>
-        </p:nvCxnSpPr>
+          <p:cNvPr id="99" name="Isosceles Triangle 102"/>
+          <p:cNvSpPr/>
+          <p:nvPr/>
+        </p:nvSpPr>
         <p:spPr>
           <a:xfrm rot="10800000" flipV="1">
-            <a:off x="6149130" y="2374497"/>
-            <a:ext cx="327871" cy="586440"/>
-          </a:xfrm>
-          <a:prstGeom prst="bentConnector3">
-            <a:avLst>
-              <a:gd name="adj1" fmla="val 50000"/>
-            </a:avLst>
-          </a:prstGeom>
-          <a:ln w="19050">
-            <a:solidFill>
-              <a:srgbClr val="7030A0"/>
-            </a:solidFill>
-            <a:headEnd type="none" w="med" len="med"/>
-            <a:tailEnd type="none" w="med" len="med"/>
-          </a:ln>
-          <a:effectLst/>
-        </p:spPr>
-        <p:style>
-          <a:lnRef idx="1">
-            <a:schemeClr val="accent2"/>
-          </a:lnRef>
-          <a:fillRef idx="2">
-            <a:schemeClr val="accent2"/>
-          </a:fillRef>
-          <a:effectRef idx="1">
-            <a:schemeClr val="accent2"/>
-          </a:effectRef>
-          <a:fontRef idx="minor">
-            <a:schemeClr val="dk1"/>
-          </a:fontRef>
-        </p:style>
-      </p:cxnSp>
-      <p:sp>
-        <p:nvSpPr>
-          <p:cNvPr id="77" name="Rectangle 8">
-            <a:extLst>
-              <a:ext uri="{FF2B5EF4-FFF2-40B4-BE49-F238E27FC236}">
-                <a16:creationId xmlns:a16="http://schemas.microsoft.com/office/drawing/2014/main" id="{0385A838-EEB2-4922-9B4E-2B6ECA006CD4}"/>
-              </a:ext>
-            </a:extLst>
-          </p:cNvPr>
-          <p:cNvSpPr/>
-          <p:nvPr/>
-        </p:nvSpPr>
-        <p:spPr>
-          <a:xfrm>
-            <a:off x="6477000" y="2231605"/>
-            <a:ext cx="703740" cy="285783"/>
-          </a:xfrm>
-          <a:prstGeom prst="rect">
+            <a:off x="3290981" y="2162997"/>
+            <a:ext cx="270504" cy="175523"/>
+          </a:xfrm>
+          <a:prstGeom prst="triangle">
             <a:avLst/>
           </a:prstGeom>
           <a:ln w="19050">
@@ -5753,17 +5307,9 @@
           <a:lstStyle/>
           <a:p>
             <a:pPr algn="ctr"/>
-            <a:r>
-              <a:rPr lang="en-US" sz="1050">
-                <a:solidFill>
-                  <a:srgbClr val="7030A0"/>
-                </a:solidFill>
-              </a:rPr>
-              <a:t>Event</a:t>
-            </a:r>
-            <a:endParaRPr lang="en-SG" sz="1050" dirty="0">
+            <a:endParaRPr lang="en-SG" sz="1050" b="1">
               <a:solidFill>
-                <a:srgbClr val="7030A0"/>
+                <a:srgbClr val="92D050"/>
               </a:solidFill>
             </a:endParaRPr>
           </a:p>
@@ -5771,20 +5317,14 @@
       </p:sp>
       <p:sp>
         <p:nvSpPr>
-          <p:cNvPr id="82" name="Rectangle 8">
-            <a:extLst>
-              <a:ext uri="{FF2B5EF4-FFF2-40B4-BE49-F238E27FC236}">
-                <a16:creationId xmlns:a16="http://schemas.microsoft.com/office/drawing/2014/main" id="{B018534C-9921-4CC3-8436-96798BAD80C9}"/>
-              </a:ext>
-            </a:extLst>
-          </p:cNvPr>
+          <p:cNvPr id="100" name="Rectangle 8"/>
           <p:cNvSpPr/>
           <p:nvPr/>
         </p:nvSpPr>
         <p:spPr>
           <a:xfrm>
-            <a:off x="6477000" y="3659765"/>
-            <a:ext cx="881679" cy="285783"/>
+            <a:off x="2660303" y="1806470"/>
+            <a:ext cx="1539926" cy="346760"/>
           </a:xfrm>
           <a:prstGeom prst="rect">
             <a:avLst/>
@@ -5816,14 +5356,29 @@
           <a:p>
             <a:pPr algn="ctr"/>
             <a:r>
-              <a:rPr lang="en-US" sz="1050">
+              <a:rPr lang="en-US" sz="1050" dirty="0">
                 <a:solidFill>
                   <a:srgbClr val="7030A0"/>
                 </a:solidFill>
               </a:rPr>
-              <a:t>FloatingTask</a:t>
-            </a:r>
-            <a:endParaRPr lang="en-US" sz="1050" dirty="0">
+              <a:t>&lt;&lt;interface&gt;&gt;</a:t>
+            </a:r>
+            <a:br>
+              <a:rPr lang="en-US" sz="1050" dirty="0">
+                <a:solidFill>
+                  <a:srgbClr val="7030A0"/>
+                </a:solidFill>
+              </a:rPr>
+            </a:br>
+            <a:r>
+              <a:rPr lang="en-US" sz="1050" dirty="0" err="1">
+                <a:solidFill>
+                  <a:srgbClr val="7030A0"/>
+                </a:solidFill>
+              </a:rPr>
+              <a:t>ReadOnlyAddressBook</a:t>
+            </a:r>
+            <a:endParaRPr lang="en-SG" sz="1050" dirty="0">
               <a:solidFill>
                 <a:srgbClr val="7030A0"/>
               </a:solidFill>
@@ -5833,20 +5388,53 @@
       </p:sp>
       <p:sp>
         <p:nvSpPr>
-          <p:cNvPr id="87" name="Rectangle 8">
-            <a:extLst>
-              <a:ext uri="{FF2B5EF4-FFF2-40B4-BE49-F238E27FC236}">
-                <a16:creationId xmlns:a16="http://schemas.microsoft.com/office/drawing/2014/main" id="{FD92DEDE-8CCC-4D5A-A87C-6D4AD8C4B580}"/>
-              </a:ext>
-            </a:extLst>
-          </p:cNvPr>
+          <p:cNvPr id="114" name="TextBox 113"/>
+          <p:cNvSpPr txBox="1"/>
+          <p:nvPr/>
+        </p:nvSpPr>
+        <p:spPr>
+          <a:xfrm rot="16200000">
+            <a:off x="6527512" y="3586305"/>
+            <a:ext cx="881018" cy="261610"/>
+          </a:xfrm>
+          <a:prstGeom prst="rect">
+            <a:avLst/>
+          </a:prstGeom>
+          <a:noFill/>
+        </p:spPr>
+        <p:txBody>
+          <a:bodyPr wrap="square" rtlCol="0">
+            <a:spAutoFit/>
+          </a:bodyPr>
+          <a:lstStyle/>
+          <a:p>
+            <a:pPr algn="r"/>
+            <a:r>
+              <a:rPr lang="en-US" sz="1100" dirty="0">
+                <a:solidFill>
+                  <a:srgbClr val="7030A0"/>
+                </a:solidFill>
+              </a:rPr>
+              <a:t>filtered list</a:t>
+            </a:r>
+            <a:endParaRPr lang="en-SG" sz="1100" dirty="0">
+              <a:solidFill>
+                <a:srgbClr val="7030A0"/>
+              </a:solidFill>
+            </a:endParaRPr>
+          </a:p>
+        </p:txBody>
+      </p:sp>
+      <p:sp>
+        <p:nvSpPr>
+          <p:cNvPr id="122" name="Rectangle 8"/>
           <p:cNvSpPr/>
           <p:nvPr/>
         </p:nvSpPr>
         <p:spPr>
           <a:xfrm>
-            <a:off x="6482469" y="3162176"/>
-            <a:ext cx="703740" cy="285783"/>
+            <a:off x="2057400" y="4239491"/>
+            <a:ext cx="1775949" cy="346760"/>
           </a:xfrm>
           <a:prstGeom prst="rect">
             <a:avLst/>
@@ -5878,12 +5466,27 @@
           <a:p>
             <a:pPr algn="ctr"/>
             <a:r>
-              <a:rPr lang="en-US" sz="1050">
+              <a:rPr lang="en-US" sz="1050" dirty="0">
                 <a:solidFill>
                   <a:srgbClr val="7030A0"/>
                 </a:solidFill>
               </a:rPr>
-              <a:t>Deadline</a:t>
+              <a:t>&lt;&lt;interface&gt;&gt;</a:t>
+            </a:r>
+            <a:br>
+              <a:rPr lang="en-US" sz="1050" dirty="0">
+                <a:solidFill>
+                  <a:srgbClr val="7030A0"/>
+                </a:solidFill>
+              </a:rPr>
+            </a:br>
+            <a:r>
+              <a:rPr lang="en-US" sz="1050" dirty="0" err="1">
+                <a:solidFill>
+                  <a:srgbClr val="7030A0"/>
+                </a:solidFill>
+              </a:rPr>
+              <a:t>UnmodifiableObservableList</a:t>
             </a:r>
             <a:endParaRPr lang="en-SG" sz="1050" dirty="0">
               <a:solidFill>
@@ -5895,36 +5498,28 @@
       </p:sp>
       <p:cxnSp>
         <p:nvCxnSpPr>
-          <p:cNvPr id="94" name="Elbow Connector 85">
-            <a:extLst>
-              <a:ext uri="{FF2B5EF4-FFF2-40B4-BE49-F238E27FC236}">
-                <a16:creationId xmlns:a16="http://schemas.microsoft.com/office/drawing/2014/main" id="{ED2F0B51-3478-4720-BDF8-DD7B29CB36C3}"/>
-              </a:ext>
-            </a:extLst>
-          </p:cNvPr>
+          <p:cNvPr id="124" name="Elbow Connector 122"/>
           <p:cNvCxnSpPr>
-            <a:cxnSpLocks/>
-            <a:stCxn id="87" idx="1"/>
-            <a:endCxn id="117" idx="3"/>
+            <a:stCxn id="119" idx="1"/>
+            <a:endCxn id="122" idx="1"/>
           </p:cNvCxnSpPr>
           <p:nvPr/>
         </p:nvCxnSpPr>
         <p:spPr>
-          <a:xfrm rot="10800000">
-            <a:off x="6149129" y="2960938"/>
-            <a:ext cx="333340" cy="344131"/>
-          </a:xfrm>
-          <a:prstGeom prst="bentConnector3">
-            <a:avLst>
-              <a:gd name="adj1" fmla="val 50000"/>
-            </a:avLst>
+          <a:xfrm rot="16200000" flipH="1">
+            <a:off x="1364475" y="3719945"/>
+            <a:ext cx="831471" cy="554380"/>
+          </a:xfrm>
+          <a:prstGeom prst="bentConnector2">
+            <a:avLst/>
           </a:prstGeom>
           <a:ln w="19050">
             <a:solidFill>
               <a:srgbClr val="7030A0"/>
             </a:solidFill>
+            <a:prstDash val="sysDot"/>
             <a:headEnd type="none" w="med" len="med"/>
-            <a:tailEnd type="none" w="med" len="med"/>
+            <a:tailEnd type="arrow" w="med" len="med"/>
           </a:ln>
           <a:effectLst/>
         </p:spPr>
@@ -5945,36 +5540,27 @@
       </p:cxnSp>
       <p:cxnSp>
         <p:nvCxnSpPr>
-          <p:cNvPr id="98" name="Elbow Connector 85">
-            <a:extLst>
-              <a:ext uri="{FF2B5EF4-FFF2-40B4-BE49-F238E27FC236}">
-                <a16:creationId xmlns:a16="http://schemas.microsoft.com/office/drawing/2014/main" id="{77D93BAA-6F83-4157-8F77-043E3F11FB25}"/>
-              </a:ext>
-            </a:extLst>
-          </p:cNvPr>
+          <p:cNvPr id="50" name="Elbow Connector 49"/>
           <p:cNvCxnSpPr>
-            <a:cxnSpLocks/>
-            <a:stCxn id="82" idx="1"/>
-            <a:endCxn id="117" idx="3"/>
+            <a:stCxn id="62" idx="0"/>
+            <a:endCxn id="57" idx="3"/>
           </p:cNvCxnSpPr>
           <p:nvPr/>
         </p:nvCxnSpPr>
         <p:spPr>
-          <a:xfrm rot="10800000">
-            <a:off x="6149130" y="2960937"/>
-            <a:ext cx="327871" cy="841720"/>
-          </a:xfrm>
-          <a:prstGeom prst="bentConnector3">
-            <a:avLst>
-              <a:gd name="adj1" fmla="val 50000"/>
-            </a:avLst>
+          <a:xfrm rot="16200000" flipV="1">
+            <a:off x="5948976" y="2139271"/>
+            <a:ext cx="404117" cy="1033473"/>
+          </a:xfrm>
+          <a:prstGeom prst="bentConnector2">
+            <a:avLst/>
           </a:prstGeom>
           <a:ln w="19050">
             <a:solidFill>
               <a:srgbClr val="7030A0"/>
             </a:solidFill>
             <a:headEnd type="none" w="med" len="med"/>
-            <a:tailEnd type="none" w="med" len="med"/>
+            <a:tailEnd type="arrow" w="med" len="med"/>
           </a:ln>
           <a:effectLst/>
         </p:spPr>
@@ -5995,879 +5581,13 @@
       </p:cxnSp>
       <p:sp>
         <p:nvSpPr>
-          <p:cNvPr id="153" name="TextBox 152">
-            <a:extLst>
-              <a:ext uri="{FF2B5EF4-FFF2-40B4-BE49-F238E27FC236}">
-                <a16:creationId xmlns:a16="http://schemas.microsoft.com/office/drawing/2014/main" id="{88FBB9DB-E26B-428F-AA6E-B20634747BE4}"/>
-              </a:ext>
-            </a:extLst>
-          </p:cNvPr>
+          <p:cNvPr id="11" name="TextBox 10"/>
           <p:cNvSpPr txBox="1"/>
           <p:nvPr/>
         </p:nvSpPr>
         <p:spPr>
           <a:xfrm>
-            <a:off x="5370143" y="2156746"/>
-            <a:ext cx="189257" cy="178683"/>
-          </a:xfrm>
-          <a:prstGeom prst="rect">
-            <a:avLst/>
-          </a:prstGeom>
-          <a:noFill/>
-        </p:spPr>
-        <p:txBody>
-          <a:bodyPr wrap="square" lIns="0" tIns="0" rIns="0" bIns="0" rtlCol="0">
-            <a:noAutofit/>
-          </a:bodyPr>
-          <a:lstStyle/>
-          <a:p>
-            <a:pPr algn="ctr"/>
-            <a:r>
-              <a:rPr lang="en-US" sz="1100">
-                <a:solidFill>
-                  <a:srgbClr val="7030A0"/>
-                </a:solidFill>
-              </a:rPr>
-              <a:t>1</a:t>
-            </a:r>
-            <a:endParaRPr lang="en-SG" sz="1100" dirty="0">
-              <a:solidFill>
-                <a:srgbClr val="7030A0"/>
-              </a:solidFill>
-            </a:endParaRPr>
-          </a:p>
-        </p:txBody>
-      </p:sp>
-      <p:sp>
-        <p:nvSpPr>
-          <p:cNvPr id="252" name="Rectangle 8">
-            <a:extLst>
-              <a:ext uri="{FF2B5EF4-FFF2-40B4-BE49-F238E27FC236}">
-                <a16:creationId xmlns:a16="http://schemas.microsoft.com/office/drawing/2014/main" id="{E3E49166-60EC-4F8F-B638-FCC21B9FFB19}"/>
-              </a:ext>
-            </a:extLst>
-          </p:cNvPr>
-          <p:cNvSpPr/>
-          <p:nvPr/>
-        </p:nvSpPr>
-        <p:spPr>
-          <a:xfrm>
-            <a:off x="7739679" y="2401794"/>
-            <a:ext cx="1219200" cy="285783"/>
-          </a:xfrm>
-          <a:prstGeom prst="rect">
-            <a:avLst/>
-          </a:prstGeom>
-          <a:ln w="19050">
-            <a:solidFill>
-              <a:srgbClr val="7030A0"/>
-            </a:solidFill>
-          </a:ln>
-          <a:effectLst/>
-        </p:spPr>
-        <p:style>
-          <a:lnRef idx="1">
-            <a:schemeClr val="accent4"/>
-          </a:lnRef>
-          <a:fillRef idx="2">
-            <a:schemeClr val="accent4"/>
-          </a:fillRef>
-          <a:effectRef idx="1">
-            <a:schemeClr val="accent4"/>
-          </a:effectRef>
-          <a:fontRef idx="minor">
-            <a:schemeClr val="dk1"/>
-          </a:fontRef>
-        </p:style>
-        <p:txBody>
-          <a:bodyPr rtlCol="0" anchor="ctr"/>
-          <a:lstStyle/>
-          <a:p>
-            <a:pPr algn="ctr"/>
-            <a:r>
-              <a:rPr lang="en-US" sz="1050">
-                <a:solidFill>
-                  <a:srgbClr val="7030A0"/>
-                </a:solidFill>
-              </a:rPr>
-              <a:t>StartDateAndTime</a:t>
-            </a:r>
-            <a:endParaRPr lang="en-SG" sz="1050" dirty="0">
-              <a:solidFill>
-                <a:srgbClr val="7030A0"/>
-              </a:solidFill>
-            </a:endParaRPr>
-          </a:p>
-        </p:txBody>
-      </p:sp>
-      <p:sp>
-        <p:nvSpPr>
-          <p:cNvPr id="253" name="Rectangle 8">
-            <a:extLst>
-              <a:ext uri="{FF2B5EF4-FFF2-40B4-BE49-F238E27FC236}">
-                <a16:creationId xmlns:a16="http://schemas.microsoft.com/office/drawing/2014/main" id="{AAF4DF63-C809-4338-A983-831940495FB5}"/>
-              </a:ext>
-            </a:extLst>
-          </p:cNvPr>
-          <p:cNvSpPr/>
-          <p:nvPr/>
-        </p:nvSpPr>
-        <p:spPr>
-          <a:xfrm>
-            <a:off x="7739679" y="2838417"/>
-            <a:ext cx="1219200" cy="285783"/>
-          </a:xfrm>
-          <a:prstGeom prst="rect">
-            <a:avLst/>
-          </a:prstGeom>
-          <a:ln w="19050">
-            <a:solidFill>
-              <a:srgbClr val="7030A0"/>
-            </a:solidFill>
-          </a:ln>
-          <a:effectLst/>
-        </p:spPr>
-        <p:style>
-          <a:lnRef idx="1">
-            <a:schemeClr val="accent4"/>
-          </a:lnRef>
-          <a:fillRef idx="2">
-            <a:schemeClr val="accent4"/>
-          </a:fillRef>
-          <a:effectRef idx="1">
-            <a:schemeClr val="accent4"/>
-          </a:effectRef>
-          <a:fontRef idx="minor">
-            <a:schemeClr val="dk1"/>
-          </a:fontRef>
-        </p:style>
-        <p:txBody>
-          <a:bodyPr rtlCol="0" anchor="ctr"/>
-          <a:lstStyle/>
-          <a:p>
-            <a:pPr algn="ctr"/>
-            <a:r>
-              <a:rPr lang="en-US" sz="1050" dirty="0" err="1">
-                <a:solidFill>
-                  <a:srgbClr val="7030A0"/>
-                </a:solidFill>
-              </a:rPr>
-              <a:t>EndDateAndTime</a:t>
-            </a:r>
-            <a:endParaRPr lang="en-US" sz="1050" dirty="0">
-              <a:solidFill>
-                <a:srgbClr val="7030A0"/>
-              </a:solidFill>
-            </a:endParaRPr>
-          </a:p>
-        </p:txBody>
-      </p:sp>
-      <p:cxnSp>
-        <p:nvCxnSpPr>
-          <p:cNvPr id="265" name="Elbow Connector 58">
-            <a:extLst>
-              <a:ext uri="{FF2B5EF4-FFF2-40B4-BE49-F238E27FC236}">
-                <a16:creationId xmlns:a16="http://schemas.microsoft.com/office/drawing/2014/main" id="{E8902AAA-F5C8-446B-88AA-384C2790AF02}"/>
-              </a:ext>
-            </a:extLst>
-          </p:cNvPr>
-          <p:cNvCxnSpPr>
-            <a:cxnSpLocks/>
-            <a:stCxn id="93" idx="3"/>
-            <a:endCxn id="252" idx="1"/>
-          </p:cNvCxnSpPr>
-          <p:nvPr/>
-        </p:nvCxnSpPr>
-        <p:spPr>
-          <a:xfrm>
-            <a:off x="7435851" y="2373010"/>
-            <a:ext cx="303828" cy="171676"/>
-          </a:xfrm>
-          <a:prstGeom prst="bentConnector3">
-            <a:avLst>
-              <a:gd name="adj1" fmla="val 50000"/>
-            </a:avLst>
-          </a:prstGeom>
-          <a:ln w="19050">
-            <a:solidFill>
-              <a:srgbClr val="7030A0"/>
-            </a:solidFill>
-            <a:headEnd type="none" w="med" len="med"/>
-            <a:tailEnd type="arrow" w="med" len="med"/>
-          </a:ln>
-          <a:effectLst/>
-        </p:spPr>
-        <p:style>
-          <a:lnRef idx="1">
-            <a:schemeClr val="accent2"/>
-          </a:lnRef>
-          <a:fillRef idx="2">
-            <a:schemeClr val="accent2"/>
-          </a:fillRef>
-          <a:effectRef idx="1">
-            <a:schemeClr val="accent2"/>
-          </a:effectRef>
-          <a:fontRef idx="minor">
-            <a:schemeClr val="dk1"/>
-          </a:fontRef>
-        </p:style>
-      </p:cxnSp>
-      <p:cxnSp>
-        <p:nvCxnSpPr>
-          <p:cNvPr id="268" name="Elbow Connector 58">
-            <a:extLst>
-              <a:ext uri="{FF2B5EF4-FFF2-40B4-BE49-F238E27FC236}">
-                <a16:creationId xmlns:a16="http://schemas.microsoft.com/office/drawing/2014/main" id="{A9D37834-AD78-452C-A0E4-1F0B40A9DA72}"/>
-              </a:ext>
-            </a:extLst>
-          </p:cNvPr>
-          <p:cNvCxnSpPr>
-            <a:cxnSpLocks/>
-            <a:stCxn id="93" idx="3"/>
-            <a:endCxn id="253" idx="1"/>
-          </p:cNvCxnSpPr>
-          <p:nvPr/>
-        </p:nvCxnSpPr>
-        <p:spPr>
-          <a:xfrm>
-            <a:off x="7435851" y="2373010"/>
-            <a:ext cx="303828" cy="608299"/>
-          </a:xfrm>
-          <a:prstGeom prst="bentConnector3">
-            <a:avLst>
-              <a:gd name="adj1" fmla="val 50000"/>
-            </a:avLst>
-          </a:prstGeom>
-          <a:ln w="19050">
-            <a:solidFill>
-              <a:srgbClr val="7030A0"/>
-            </a:solidFill>
-            <a:headEnd type="none" w="med" len="med"/>
-            <a:tailEnd type="arrow" w="med" len="med"/>
-          </a:ln>
-          <a:effectLst/>
-        </p:spPr>
-        <p:style>
-          <a:lnRef idx="1">
-            <a:schemeClr val="accent2"/>
-          </a:lnRef>
-          <a:fillRef idx="2">
-            <a:schemeClr val="accent2"/>
-          </a:fillRef>
-          <a:effectRef idx="1">
-            <a:schemeClr val="accent2"/>
-          </a:effectRef>
-          <a:fontRef idx="minor">
-            <a:schemeClr val="dk1"/>
-          </a:fontRef>
-        </p:style>
-      </p:cxnSp>
-      <p:cxnSp>
-        <p:nvCxnSpPr>
-          <p:cNvPr id="317" name="Elbow Connector 58">
-            <a:extLst>
-              <a:ext uri="{FF2B5EF4-FFF2-40B4-BE49-F238E27FC236}">
-                <a16:creationId xmlns:a16="http://schemas.microsoft.com/office/drawing/2014/main" id="{C3093632-1500-432F-A9DB-7AB4773E006E}"/>
-              </a:ext>
-            </a:extLst>
-          </p:cNvPr>
-          <p:cNvCxnSpPr>
-            <a:cxnSpLocks/>
-            <a:stCxn id="112" idx="3"/>
-            <a:endCxn id="253" idx="2"/>
-          </p:cNvCxnSpPr>
-          <p:nvPr/>
-        </p:nvCxnSpPr>
-        <p:spPr>
-          <a:xfrm flipV="1">
-            <a:off x="7428337" y="3124200"/>
-            <a:ext cx="920942" cy="180867"/>
-          </a:xfrm>
-          <a:prstGeom prst="bentConnector2">
-            <a:avLst/>
-          </a:prstGeom>
-          <a:ln w="19050">
-            <a:solidFill>
-              <a:srgbClr val="7030A0"/>
-            </a:solidFill>
-            <a:headEnd type="none" w="med" len="med"/>
-            <a:tailEnd type="arrow" w="med" len="med"/>
-          </a:ln>
-          <a:effectLst/>
-        </p:spPr>
-        <p:style>
-          <a:lnRef idx="1">
-            <a:schemeClr val="accent2"/>
-          </a:lnRef>
-          <a:fillRef idx="2">
-            <a:schemeClr val="accent2"/>
-          </a:fillRef>
-          <a:effectRef idx="1">
-            <a:schemeClr val="accent2"/>
-          </a:effectRef>
-          <a:fontRef idx="minor">
-            <a:schemeClr val="dk1"/>
-          </a:fontRef>
-        </p:style>
-      </p:cxnSp>
-      <p:sp>
-        <p:nvSpPr>
-          <p:cNvPr id="80" name="Rectangle 8">
-            <a:extLst>
-              <a:ext uri="{FF2B5EF4-FFF2-40B4-BE49-F238E27FC236}">
-                <a16:creationId xmlns:a16="http://schemas.microsoft.com/office/drawing/2014/main" id="{38053985-49C0-46E7-9DCF-1E8B04211018}"/>
-              </a:ext>
-            </a:extLst>
-          </p:cNvPr>
-          <p:cNvSpPr/>
-          <p:nvPr/>
-        </p:nvSpPr>
-        <p:spPr>
-          <a:xfrm>
-            <a:off x="7224140" y="1645537"/>
-            <a:ext cx="1260298" cy="382445"/>
-          </a:xfrm>
-          <a:prstGeom prst="rect">
-            <a:avLst/>
-          </a:prstGeom>
-          <a:ln w="19050">
-            <a:solidFill>
-              <a:srgbClr val="7030A0"/>
-            </a:solidFill>
-          </a:ln>
-          <a:effectLst/>
-        </p:spPr>
-        <p:style>
-          <a:lnRef idx="1">
-            <a:schemeClr val="accent4"/>
-          </a:lnRef>
-          <a:fillRef idx="2">
-            <a:schemeClr val="accent4"/>
-          </a:fillRef>
-          <a:effectRef idx="1">
-            <a:schemeClr val="accent4"/>
-          </a:effectRef>
-          <a:fontRef idx="minor">
-            <a:schemeClr val="dk1"/>
-          </a:fontRef>
-        </p:style>
-        <p:txBody>
-          <a:bodyPr rtlCol="0" anchor="ctr"/>
-          <a:lstStyle/>
-          <a:p>
-            <a:pPr algn="ctr"/>
-            <a:r>
-              <a:rPr lang="en-SG" sz="1050" dirty="0">
-                <a:solidFill>
-                  <a:srgbClr val="7030A0"/>
-                </a:solidFill>
-              </a:rPr>
-              <a:t>{abstract}</a:t>
-            </a:r>
-          </a:p>
-          <a:p>
-            <a:pPr algn="ctr"/>
-            <a:r>
-              <a:rPr lang="en-SG" sz="1050" dirty="0" err="1">
-                <a:solidFill>
-                  <a:srgbClr val="7030A0"/>
-                </a:solidFill>
-              </a:rPr>
-              <a:t>Java.util.Calendar</a:t>
-            </a:r>
-            <a:endParaRPr lang="en-SG" sz="1050" dirty="0">
-              <a:solidFill>
-                <a:srgbClr val="7030A0"/>
-              </a:solidFill>
-            </a:endParaRPr>
-          </a:p>
-        </p:txBody>
-      </p:sp>
-      <p:cxnSp>
-        <p:nvCxnSpPr>
-          <p:cNvPr id="81" name="Elbow Connector 85">
-            <a:extLst>
-              <a:ext uri="{FF2B5EF4-FFF2-40B4-BE49-F238E27FC236}">
-                <a16:creationId xmlns:a16="http://schemas.microsoft.com/office/drawing/2014/main" id="{9D67427A-2B61-4971-B55D-FECA217A905D}"/>
-              </a:ext>
-            </a:extLst>
-          </p:cNvPr>
-          <p:cNvCxnSpPr>
-            <a:cxnSpLocks/>
-            <a:stCxn id="252" idx="3"/>
-            <a:endCxn id="125" idx="3"/>
-          </p:cNvCxnSpPr>
-          <p:nvPr/>
-        </p:nvCxnSpPr>
-        <p:spPr>
-          <a:xfrm flipH="1" flipV="1">
-            <a:off x="8659962" y="1843781"/>
-            <a:ext cx="298917" cy="700905"/>
-          </a:xfrm>
-          <a:prstGeom prst="bentConnector3">
-            <a:avLst>
-              <a:gd name="adj1" fmla="val -76476"/>
-            </a:avLst>
-          </a:prstGeom>
-          <a:ln w="19050">
-            <a:solidFill>
-              <a:srgbClr val="7030A0"/>
-            </a:solidFill>
-            <a:headEnd type="none" w="med" len="med"/>
-            <a:tailEnd type="none" w="med" len="med"/>
-          </a:ln>
-          <a:effectLst/>
-        </p:spPr>
-        <p:style>
-          <a:lnRef idx="1">
-            <a:schemeClr val="accent2"/>
-          </a:lnRef>
-          <a:fillRef idx="2">
-            <a:schemeClr val="accent2"/>
-          </a:fillRef>
-          <a:effectRef idx="1">
-            <a:schemeClr val="accent2"/>
-          </a:effectRef>
-          <a:fontRef idx="minor">
-            <a:schemeClr val="dk1"/>
-          </a:fontRef>
-        </p:style>
-      </p:cxnSp>
-      <p:cxnSp>
-        <p:nvCxnSpPr>
-          <p:cNvPr id="83" name="Elbow Connector 85">
-            <a:extLst>
-              <a:ext uri="{FF2B5EF4-FFF2-40B4-BE49-F238E27FC236}">
-                <a16:creationId xmlns:a16="http://schemas.microsoft.com/office/drawing/2014/main" id="{A0FB9240-5F6A-4314-A3C0-59D5315D92D7}"/>
-              </a:ext>
-            </a:extLst>
-          </p:cNvPr>
-          <p:cNvCxnSpPr>
-            <a:cxnSpLocks/>
-            <a:stCxn id="253" idx="3"/>
-            <a:endCxn id="125" idx="3"/>
-          </p:cNvCxnSpPr>
-          <p:nvPr/>
-        </p:nvCxnSpPr>
-        <p:spPr>
-          <a:xfrm flipH="1" flipV="1">
-            <a:off x="8659962" y="1843781"/>
-            <a:ext cx="298917" cy="1137528"/>
-          </a:xfrm>
-          <a:prstGeom prst="bentConnector3">
-            <a:avLst>
-              <a:gd name="adj1" fmla="val -76476"/>
-            </a:avLst>
-          </a:prstGeom>
-          <a:ln w="19050">
-            <a:solidFill>
-              <a:srgbClr val="7030A0"/>
-            </a:solidFill>
-            <a:headEnd type="none" w="med" len="med"/>
-            <a:tailEnd type="none" w="med" len="med"/>
-          </a:ln>
-          <a:effectLst/>
-        </p:spPr>
-        <p:style>
-          <a:lnRef idx="1">
-            <a:schemeClr val="accent2"/>
-          </a:lnRef>
-          <a:fillRef idx="2">
-            <a:schemeClr val="accent2"/>
-          </a:fillRef>
-          <a:effectRef idx="1">
-            <a:schemeClr val="accent2"/>
-          </a:effectRef>
-          <a:fontRef idx="minor">
-            <a:schemeClr val="dk1"/>
-          </a:fontRef>
-        </p:style>
-      </p:cxnSp>
-      <p:sp>
-        <p:nvSpPr>
-          <p:cNvPr id="84" name="Rectangle 8">
-            <a:extLst>
-              <a:ext uri="{FF2B5EF4-FFF2-40B4-BE49-F238E27FC236}">
-                <a16:creationId xmlns:a16="http://schemas.microsoft.com/office/drawing/2014/main" id="{FC5E9BBE-BA29-466E-87DB-E549C83DCF6F}"/>
-              </a:ext>
-            </a:extLst>
-          </p:cNvPr>
-          <p:cNvSpPr/>
-          <p:nvPr/>
-        </p:nvSpPr>
-        <p:spPr>
-          <a:xfrm>
-            <a:off x="3323787" y="4007130"/>
-            <a:ext cx="1156969" cy="346760"/>
-          </a:xfrm>
-          <a:prstGeom prst="rect">
-            <a:avLst/>
-          </a:prstGeom>
-          <a:ln w="19050">
-            <a:solidFill>
-              <a:srgbClr val="7030A0"/>
-            </a:solidFill>
-          </a:ln>
-          <a:effectLst/>
-        </p:spPr>
-        <p:style>
-          <a:lnRef idx="1">
-            <a:schemeClr val="accent4"/>
-          </a:lnRef>
-          <a:fillRef idx="2">
-            <a:schemeClr val="accent4"/>
-          </a:fillRef>
-          <a:effectRef idx="1">
-            <a:schemeClr val="accent4"/>
-          </a:effectRef>
-          <a:fontRef idx="minor">
-            <a:schemeClr val="dk1"/>
-          </a:fontRef>
-        </p:style>
-        <p:txBody>
-          <a:bodyPr rtlCol="0" anchor="ctr"/>
-          <a:lstStyle/>
-          <a:p>
-            <a:pPr algn="ctr"/>
-            <a:r>
-              <a:rPr lang="en-US" sz="1050" dirty="0">
-                <a:solidFill>
-                  <a:srgbClr val="7030A0"/>
-                </a:solidFill>
-              </a:rPr>
-              <a:t>Archive</a:t>
-            </a:r>
-            <a:endParaRPr lang="en-SG" sz="1050" dirty="0">
-              <a:solidFill>
-                <a:srgbClr val="7030A0"/>
-              </a:solidFill>
-            </a:endParaRPr>
-          </a:p>
-        </p:txBody>
-      </p:sp>
-      <p:sp>
-        <p:nvSpPr>
-          <p:cNvPr id="85" name="Flowchart: Decision 96">
-            <a:extLst>
-              <a:ext uri="{FF2B5EF4-FFF2-40B4-BE49-F238E27FC236}">
-                <a16:creationId xmlns:a16="http://schemas.microsoft.com/office/drawing/2014/main" id="{6A5FF266-C51C-4096-A31D-A2C77CC18DF3}"/>
-              </a:ext>
-            </a:extLst>
-          </p:cNvPr>
-          <p:cNvSpPr/>
-          <p:nvPr/>
-        </p:nvSpPr>
-        <p:spPr>
-          <a:xfrm>
-            <a:off x="4499978" y="4079855"/>
-            <a:ext cx="236048" cy="173380"/>
-          </a:xfrm>
-          <a:prstGeom prst="flowChartDecision">
-            <a:avLst/>
-          </a:prstGeom>
-          <a:noFill/>
-          <a:ln w="19050">
-            <a:solidFill>
-              <a:srgbClr val="7030A0"/>
-            </a:solidFill>
-          </a:ln>
-          <a:effectLst/>
-        </p:spPr>
-        <p:style>
-          <a:lnRef idx="1">
-            <a:schemeClr val="accent6"/>
-          </a:lnRef>
-          <a:fillRef idx="2">
-            <a:schemeClr val="accent6"/>
-          </a:fillRef>
-          <a:effectRef idx="1">
-            <a:schemeClr val="accent6"/>
-          </a:effectRef>
-          <a:fontRef idx="minor">
-            <a:schemeClr val="dk1"/>
-          </a:fontRef>
-        </p:style>
-        <p:txBody>
-          <a:bodyPr rtlCol="0" anchor="ctr"/>
-          <a:lstStyle/>
-          <a:p>
-            <a:pPr algn="ctr"/>
-            <a:endParaRPr lang="en-US" sz="1050"/>
-          </a:p>
-        </p:txBody>
-      </p:sp>
-      <p:cxnSp>
-        <p:nvCxnSpPr>
-          <p:cNvPr id="86" name="Elbow Connector 63">
-            <a:extLst>
-              <a:ext uri="{FF2B5EF4-FFF2-40B4-BE49-F238E27FC236}">
-                <a16:creationId xmlns:a16="http://schemas.microsoft.com/office/drawing/2014/main" id="{EE9C1E64-02F1-4593-A879-5B119D8AA9C5}"/>
-              </a:ext>
-            </a:extLst>
-          </p:cNvPr>
-          <p:cNvCxnSpPr>
-            <a:cxnSpLocks/>
-            <a:stCxn id="85" idx="3"/>
-            <a:endCxn id="62" idx="1"/>
-          </p:cNvCxnSpPr>
-          <p:nvPr/>
-        </p:nvCxnSpPr>
-        <p:spPr>
-          <a:xfrm flipV="1">
-            <a:off x="4736026" y="2971788"/>
-            <a:ext cx="286243" cy="1194757"/>
-          </a:xfrm>
-          <a:prstGeom prst="bentConnector3">
-            <a:avLst/>
-          </a:prstGeom>
-          <a:ln w="19050">
-            <a:solidFill>
-              <a:srgbClr val="7030A0"/>
-            </a:solidFill>
-            <a:headEnd type="none" w="med" len="med"/>
-            <a:tailEnd type="arrow" w="med" len="med"/>
-          </a:ln>
-          <a:effectLst/>
-        </p:spPr>
-        <p:style>
-          <a:lnRef idx="1">
-            <a:schemeClr val="accent2"/>
-          </a:lnRef>
-          <a:fillRef idx="2">
-            <a:schemeClr val="accent2"/>
-          </a:fillRef>
-          <a:effectRef idx="1">
-            <a:schemeClr val="accent2"/>
-          </a:effectRef>
-          <a:fontRef idx="minor">
-            <a:schemeClr val="dk1"/>
-          </a:fontRef>
-        </p:style>
-      </p:cxnSp>
-      <p:sp>
-        <p:nvSpPr>
-          <p:cNvPr id="88" name="Rectangle 8">
-            <a:extLst>
-              <a:ext uri="{FF2B5EF4-FFF2-40B4-BE49-F238E27FC236}">
-                <a16:creationId xmlns:a16="http://schemas.microsoft.com/office/drawing/2014/main" id="{E5EE7A86-858B-4AB0-8E94-A35E30A00B59}"/>
-              </a:ext>
-            </a:extLst>
-          </p:cNvPr>
-          <p:cNvSpPr/>
-          <p:nvPr/>
-        </p:nvSpPr>
-        <p:spPr>
-          <a:xfrm>
-            <a:off x="3317973" y="4453840"/>
-            <a:ext cx="1156969" cy="346760"/>
-          </a:xfrm>
-          <a:prstGeom prst="rect">
-            <a:avLst/>
-          </a:prstGeom>
-          <a:ln w="19050">
-            <a:solidFill>
-              <a:srgbClr val="7030A0"/>
-            </a:solidFill>
-          </a:ln>
-          <a:effectLst/>
-        </p:spPr>
-        <p:style>
-          <a:lnRef idx="1">
-            <a:schemeClr val="accent4"/>
-          </a:lnRef>
-          <a:fillRef idx="2">
-            <a:schemeClr val="accent4"/>
-          </a:fillRef>
-          <a:effectRef idx="1">
-            <a:schemeClr val="accent4"/>
-          </a:effectRef>
-          <a:fontRef idx="minor">
-            <a:schemeClr val="dk1"/>
-          </a:fontRef>
-        </p:style>
-        <p:txBody>
-          <a:bodyPr rtlCol="0" anchor="ctr"/>
-          <a:lstStyle/>
-          <a:p>
-            <a:pPr algn="ctr"/>
-            <a:r>
-              <a:rPr lang="en-SG" sz="1050" dirty="0">
-                <a:solidFill>
-                  <a:srgbClr val="7030A0"/>
-                </a:solidFill>
-              </a:rPr>
-              <a:t>Bin</a:t>
-            </a:r>
-          </a:p>
-        </p:txBody>
-      </p:sp>
-      <p:sp>
-        <p:nvSpPr>
-          <p:cNvPr id="89" name="Flowchart: Decision 96">
-            <a:extLst>
-              <a:ext uri="{FF2B5EF4-FFF2-40B4-BE49-F238E27FC236}">
-                <a16:creationId xmlns:a16="http://schemas.microsoft.com/office/drawing/2014/main" id="{949CD2DD-7C3E-4172-8670-B8E57C938879}"/>
-              </a:ext>
-            </a:extLst>
-          </p:cNvPr>
-          <p:cNvSpPr/>
-          <p:nvPr/>
-        </p:nvSpPr>
-        <p:spPr>
-          <a:xfrm>
-            <a:off x="4494164" y="4526565"/>
-            <a:ext cx="236048" cy="173380"/>
-          </a:xfrm>
-          <a:prstGeom prst="flowChartDecision">
-            <a:avLst/>
-          </a:prstGeom>
-          <a:noFill/>
-          <a:ln w="19050">
-            <a:solidFill>
-              <a:srgbClr val="7030A0"/>
-            </a:solidFill>
-          </a:ln>
-          <a:effectLst/>
-        </p:spPr>
-        <p:style>
-          <a:lnRef idx="1">
-            <a:schemeClr val="accent6"/>
-          </a:lnRef>
-          <a:fillRef idx="2">
-            <a:schemeClr val="accent6"/>
-          </a:fillRef>
-          <a:effectRef idx="1">
-            <a:schemeClr val="accent6"/>
-          </a:effectRef>
-          <a:fontRef idx="minor">
-            <a:schemeClr val="dk1"/>
-          </a:fontRef>
-        </p:style>
-        <p:txBody>
-          <a:bodyPr rtlCol="0" anchor="ctr"/>
-          <a:lstStyle/>
-          <a:p>
-            <a:pPr algn="ctr"/>
-            <a:endParaRPr lang="en-US" sz="1050"/>
-          </a:p>
-        </p:txBody>
-      </p:sp>
-      <p:cxnSp>
-        <p:nvCxnSpPr>
-          <p:cNvPr id="90" name="Elbow Connector 63">
-            <a:extLst>
-              <a:ext uri="{FF2B5EF4-FFF2-40B4-BE49-F238E27FC236}">
-                <a16:creationId xmlns:a16="http://schemas.microsoft.com/office/drawing/2014/main" id="{7F134287-400C-42A6-8013-D79C3C996F45}"/>
-              </a:ext>
-            </a:extLst>
-          </p:cNvPr>
-          <p:cNvCxnSpPr>
-            <a:cxnSpLocks/>
-            <a:stCxn id="89" idx="3"/>
-            <a:endCxn id="62" idx="1"/>
-          </p:cNvCxnSpPr>
-          <p:nvPr/>
-        </p:nvCxnSpPr>
-        <p:spPr>
-          <a:xfrm flipV="1">
-            <a:off x="4730212" y="2971788"/>
-            <a:ext cx="292057" cy="1641467"/>
-          </a:xfrm>
-          <a:prstGeom prst="bentConnector3">
-            <a:avLst/>
-          </a:prstGeom>
-          <a:ln w="19050">
-            <a:solidFill>
-              <a:srgbClr val="7030A0"/>
-            </a:solidFill>
-            <a:headEnd type="none" w="med" len="med"/>
-            <a:tailEnd type="arrow" w="med" len="med"/>
-          </a:ln>
-          <a:effectLst/>
-        </p:spPr>
-        <p:style>
-          <a:lnRef idx="1">
-            <a:schemeClr val="accent2"/>
-          </a:lnRef>
-          <a:fillRef idx="2">
-            <a:schemeClr val="accent2"/>
-          </a:fillRef>
-          <a:effectRef idx="1">
-            <a:schemeClr val="accent2"/>
-          </a:effectRef>
-          <a:fontRef idx="minor">
-            <a:schemeClr val="dk1"/>
-          </a:fontRef>
-        </p:style>
-      </p:cxnSp>
-      <p:sp>
-        <p:nvSpPr>
-          <p:cNvPr id="93" name="Flowchart: Decision 96">
-            <a:extLst>
-              <a:ext uri="{FF2B5EF4-FFF2-40B4-BE49-F238E27FC236}">
-                <a16:creationId xmlns:a16="http://schemas.microsoft.com/office/drawing/2014/main" id="{7E42058C-7FC1-48B6-B0A0-82326A89238D}"/>
-              </a:ext>
-            </a:extLst>
-          </p:cNvPr>
-          <p:cNvSpPr/>
-          <p:nvPr/>
-        </p:nvSpPr>
-        <p:spPr>
-          <a:xfrm>
-            <a:off x="7199803" y="2286320"/>
-            <a:ext cx="236048" cy="173380"/>
-          </a:xfrm>
-          <a:prstGeom prst="flowChartDecision">
-            <a:avLst/>
-          </a:prstGeom>
-          <a:solidFill>
-            <a:srgbClr val="7030A0"/>
-          </a:solidFill>
-          <a:ln w="19050">
-            <a:solidFill>
-              <a:srgbClr val="7030A0"/>
-            </a:solidFill>
-          </a:ln>
-          <a:effectLst/>
-        </p:spPr>
-        <p:style>
-          <a:lnRef idx="1">
-            <a:schemeClr val="accent6"/>
-          </a:lnRef>
-          <a:fillRef idx="2">
-            <a:schemeClr val="accent6"/>
-          </a:fillRef>
-          <a:effectRef idx="1">
-            <a:schemeClr val="accent6"/>
-          </a:effectRef>
-          <a:fontRef idx="minor">
-            <a:schemeClr val="dk1"/>
-          </a:fontRef>
-        </p:style>
-        <p:txBody>
-          <a:bodyPr rtlCol="0" anchor="ctr"/>
-          <a:lstStyle/>
-          <a:p>
-            <a:pPr algn="ctr"/>
-            <a:endParaRPr lang="en-US" sz="1050"/>
-          </a:p>
-        </p:txBody>
-      </p:sp>
-      <p:sp>
-        <p:nvSpPr>
-          <p:cNvPr id="104" name="TextBox 103">
-            <a:extLst>
-              <a:ext uri="{FF2B5EF4-FFF2-40B4-BE49-F238E27FC236}">
-                <a16:creationId xmlns:a16="http://schemas.microsoft.com/office/drawing/2014/main" id="{7955D861-12E8-467E-A832-0CD2DE6AF70E}"/>
-              </a:ext>
-            </a:extLst>
-          </p:cNvPr>
-          <p:cNvSpPr txBox="1"/>
-          <p:nvPr/>
-        </p:nvSpPr>
-        <p:spPr>
-          <a:xfrm>
-            <a:off x="8382820" y="3188583"/>
+            <a:off x="4324972" y="2191228"/>
             <a:ext cx="189257" cy="178683"/>
           </a:xfrm>
           <a:prstGeom prst="rect">
@@ -6900,19 +5620,13 @@
       </p:sp>
       <p:sp>
         <p:nvSpPr>
-          <p:cNvPr id="105" name="TextBox 104">
-            <a:extLst>
-              <a:ext uri="{FF2B5EF4-FFF2-40B4-BE49-F238E27FC236}">
-                <a16:creationId xmlns:a16="http://schemas.microsoft.com/office/drawing/2014/main" id="{26655E42-5836-4693-B2F5-1B27CF911181}"/>
-              </a:ext>
-            </a:extLst>
-          </p:cNvPr>
+          <p:cNvPr id="54" name="TextBox 53"/>
           <p:cNvSpPr txBox="1"/>
           <p:nvPr/>
         </p:nvSpPr>
         <p:spPr>
           <a:xfrm>
-            <a:off x="7579817" y="3049086"/>
+            <a:off x="4324972" y="3058864"/>
             <a:ext cx="189257" cy="178683"/>
           </a:xfrm>
           <a:prstGeom prst="rect">
@@ -6945,19 +5659,13 @@
       </p:sp>
       <p:sp>
         <p:nvSpPr>
-          <p:cNvPr id="106" name="TextBox 105">
-            <a:extLst>
-              <a:ext uri="{FF2B5EF4-FFF2-40B4-BE49-F238E27FC236}">
-                <a16:creationId xmlns:a16="http://schemas.microsoft.com/office/drawing/2014/main" id="{12B94728-0874-4161-80F4-BA625CDF1506}"/>
-              </a:ext>
-            </a:extLst>
-          </p:cNvPr>
+          <p:cNvPr id="56" name="TextBox 55"/>
           <p:cNvSpPr txBox="1"/>
           <p:nvPr/>
         </p:nvSpPr>
         <p:spPr>
           <a:xfrm>
-            <a:off x="7577270" y="2312452"/>
+            <a:off x="5689761" y="2495413"/>
             <a:ext cx="189257" cy="178683"/>
           </a:xfrm>
           <a:prstGeom prst="rect">
@@ -6990,169 +5698,238 @@
       </p:sp>
       <p:sp>
         <p:nvSpPr>
-          <p:cNvPr id="112" name="Flowchart: Decision 96">
+          <p:cNvPr id="60" name="TextBox 59"/>
+          <p:cNvSpPr txBox="1"/>
+          <p:nvPr/>
+        </p:nvSpPr>
+        <p:spPr>
+          <a:xfrm>
+            <a:off x="5163172" y="1778919"/>
+            <a:ext cx="189257" cy="178683"/>
+          </a:xfrm>
+          <a:prstGeom prst="rect">
+            <a:avLst/>
+          </a:prstGeom>
+          <a:noFill/>
+        </p:spPr>
+        <p:txBody>
+          <a:bodyPr wrap="square" lIns="0" tIns="0" rIns="0" bIns="0" rtlCol="0">
+            <a:noAutofit/>
+          </a:bodyPr>
+          <a:lstStyle/>
+          <a:p>
+            <a:pPr algn="ctr"/>
+            <a:r>
+              <a:rPr lang="en-US" sz="1100" dirty="0">
+                <a:solidFill>
+                  <a:srgbClr val="7030A0"/>
+                </a:solidFill>
+              </a:rPr>
+              <a:t>*</a:t>
+            </a:r>
+            <a:endParaRPr lang="en-SG" sz="1100" dirty="0">
+              <a:solidFill>
+                <a:srgbClr val="7030A0"/>
+              </a:solidFill>
+            </a:endParaRPr>
+          </a:p>
+        </p:txBody>
+      </p:sp>
+      <p:sp>
+        <p:nvSpPr>
+          <p:cNvPr id="61" name="TextBox 60"/>
+          <p:cNvSpPr txBox="1"/>
+          <p:nvPr/>
+        </p:nvSpPr>
+        <p:spPr>
+          <a:xfrm>
+            <a:off x="6135256" y="3097917"/>
+            <a:ext cx="189257" cy="178683"/>
+          </a:xfrm>
+          <a:prstGeom prst="rect">
+            <a:avLst/>
+          </a:prstGeom>
+          <a:noFill/>
+        </p:spPr>
+        <p:txBody>
+          <a:bodyPr wrap="square" lIns="0" tIns="0" rIns="0" bIns="0" rtlCol="0">
+            <a:noAutofit/>
+          </a:bodyPr>
+          <a:lstStyle/>
+          <a:p>
+            <a:pPr algn="ctr"/>
+            <a:r>
+              <a:rPr lang="en-US" sz="1100" dirty="0">
+                <a:solidFill>
+                  <a:srgbClr val="7030A0"/>
+                </a:solidFill>
+              </a:rPr>
+              <a:t>*</a:t>
+            </a:r>
+            <a:endParaRPr lang="en-SG" sz="1100" dirty="0">
+              <a:solidFill>
+                <a:srgbClr val="7030A0"/>
+              </a:solidFill>
+            </a:endParaRPr>
+          </a:p>
+        </p:txBody>
+      </p:sp>
+      <p:sp>
+        <p:nvSpPr>
+          <p:cNvPr id="65" name="TextBox 64"/>
+          <p:cNvSpPr txBox="1"/>
+          <p:nvPr/>
+        </p:nvSpPr>
+        <p:spPr>
+          <a:xfrm>
+            <a:off x="2687923" y="2564238"/>
+            <a:ext cx="189257" cy="178683"/>
+          </a:xfrm>
+          <a:prstGeom prst="rect">
+            <a:avLst/>
+          </a:prstGeom>
+          <a:noFill/>
+        </p:spPr>
+        <p:txBody>
+          <a:bodyPr wrap="square" lIns="0" tIns="0" rIns="0" bIns="0" rtlCol="0">
+            <a:noAutofit/>
+          </a:bodyPr>
+          <a:lstStyle/>
+          <a:p>
+            <a:pPr algn="ctr"/>
+            <a:r>
+              <a:rPr lang="en-US" sz="1100" dirty="0">
+                <a:solidFill>
+                  <a:srgbClr val="7030A0"/>
+                </a:solidFill>
+              </a:rPr>
+              <a:t>1</a:t>
+            </a:r>
+            <a:endParaRPr lang="en-SG" sz="1100" dirty="0">
+              <a:solidFill>
+                <a:srgbClr val="7030A0"/>
+              </a:solidFill>
+            </a:endParaRPr>
+          </a:p>
+        </p:txBody>
+      </p:sp>
+      <p:sp>
+        <p:nvSpPr>
+          <p:cNvPr id="66" name="TextBox 65"/>
+          <p:cNvSpPr txBox="1"/>
+          <p:nvPr/>
+        </p:nvSpPr>
+        <p:spPr>
+          <a:xfrm>
+            <a:off x="2656370" y="3386050"/>
+            <a:ext cx="189257" cy="178683"/>
+          </a:xfrm>
+          <a:prstGeom prst="rect">
+            <a:avLst/>
+          </a:prstGeom>
+          <a:noFill/>
+        </p:spPr>
+        <p:txBody>
+          <a:bodyPr wrap="square" lIns="0" tIns="0" rIns="0" bIns="0" rtlCol="0">
+            <a:noAutofit/>
+          </a:bodyPr>
+          <a:lstStyle/>
+          <a:p>
+            <a:pPr algn="ctr"/>
+            <a:r>
+              <a:rPr lang="en-US" sz="1100" dirty="0">
+                <a:solidFill>
+                  <a:srgbClr val="7030A0"/>
+                </a:solidFill>
+              </a:rPr>
+              <a:t>1</a:t>
+            </a:r>
+            <a:endParaRPr lang="en-SG" sz="1100" dirty="0">
+              <a:solidFill>
+                <a:srgbClr val="7030A0"/>
+              </a:solidFill>
+            </a:endParaRPr>
+          </a:p>
+        </p:txBody>
+      </p:sp>
+      <p:sp>
+        <p:nvSpPr>
+          <p:cNvPr id="70" name="TextBox 69"/>
+          <p:cNvSpPr txBox="1"/>
+          <p:nvPr/>
+        </p:nvSpPr>
+        <p:spPr>
+          <a:xfrm>
+            <a:off x="6667770" y="3210194"/>
+            <a:ext cx="189257" cy="178683"/>
+          </a:xfrm>
+          <a:prstGeom prst="rect">
+            <a:avLst/>
+          </a:prstGeom>
+          <a:noFill/>
+        </p:spPr>
+        <p:txBody>
+          <a:bodyPr wrap="square" lIns="0" tIns="0" rIns="0" bIns="0" rtlCol="0">
+            <a:noAutofit/>
+          </a:bodyPr>
+          <a:lstStyle/>
+          <a:p>
+            <a:pPr algn="ctr"/>
+            <a:r>
+              <a:rPr lang="en-US" sz="1100" dirty="0">
+                <a:solidFill>
+                  <a:srgbClr val="7030A0"/>
+                </a:solidFill>
+              </a:rPr>
+              <a:t>1</a:t>
+            </a:r>
+            <a:endParaRPr lang="en-SG" sz="1100" dirty="0">
+              <a:solidFill>
+                <a:srgbClr val="7030A0"/>
+              </a:solidFill>
+            </a:endParaRPr>
+          </a:p>
+        </p:txBody>
+      </p:sp>
+      <p:sp>
+        <p:nvSpPr>
+          <p:cNvPr id="3" name="TextBox 2">
             <a:extLst>
               <a:ext uri="{FF2B5EF4-FFF2-40B4-BE49-F238E27FC236}">
-                <a16:creationId xmlns:a16="http://schemas.microsoft.com/office/drawing/2014/main" id="{293ECA54-CC18-4A53-ABFD-453088B10C9C}"/>
+                <a16:creationId xmlns:a16="http://schemas.microsoft.com/office/drawing/2014/main" id="{77E7BFB5-2AFD-4A7B-8643-6404E6642679}"/>
               </a:ext>
             </a:extLst>
           </p:cNvPr>
-          <p:cNvSpPr/>
-          <p:nvPr/>
-        </p:nvSpPr>
-        <p:spPr>
-          <a:xfrm>
-            <a:off x="7192289" y="3218377"/>
-            <a:ext cx="236048" cy="173380"/>
-          </a:xfrm>
-          <a:prstGeom prst="flowChartDecision">
-            <a:avLst/>
-          </a:prstGeom>
-          <a:solidFill>
-            <a:srgbClr val="7030A0"/>
-          </a:solidFill>
-          <a:ln w="19050">
-            <a:solidFill>
-              <a:srgbClr val="7030A0"/>
-            </a:solidFill>
-          </a:ln>
-          <a:effectLst/>
-        </p:spPr>
-        <p:style>
-          <a:lnRef idx="1">
-            <a:schemeClr val="accent6"/>
-          </a:lnRef>
-          <a:fillRef idx="2">
-            <a:schemeClr val="accent6"/>
-          </a:fillRef>
-          <a:effectRef idx="1">
-            <a:schemeClr val="accent6"/>
-          </a:effectRef>
-          <a:fontRef idx="minor">
-            <a:schemeClr val="dk1"/>
-          </a:fontRef>
-        </p:style>
-        <p:txBody>
-          <a:bodyPr rtlCol="0" anchor="ctr"/>
-          <a:lstStyle/>
-          <a:p>
-            <a:pPr algn="ctr"/>
-            <a:endParaRPr lang="en-US" sz="1050"/>
-          </a:p>
-        </p:txBody>
-      </p:sp>
-      <p:sp>
-        <p:nvSpPr>
-          <p:cNvPr id="117" name="Isosceles Triangle 102">
-            <a:extLst>
-              <a:ext uri="{FF2B5EF4-FFF2-40B4-BE49-F238E27FC236}">
-                <a16:creationId xmlns:a16="http://schemas.microsoft.com/office/drawing/2014/main" id="{7AB74330-96D4-4F9A-BFF6-5D372946A3A3}"/>
-              </a:ext>
-            </a:extLst>
-          </p:cNvPr>
-          <p:cNvSpPr/>
-          <p:nvPr/>
-        </p:nvSpPr>
-        <p:spPr>
-          <a:xfrm rot="5400000" flipV="1">
-            <a:off x="5926115" y="2873175"/>
-            <a:ext cx="270504" cy="175523"/>
-          </a:xfrm>
-          <a:prstGeom prst="triangle">
-            <a:avLst/>
-          </a:prstGeom>
-          <a:ln w="19050">
-            <a:solidFill>
-              <a:srgbClr val="7030A0"/>
-            </a:solidFill>
-          </a:ln>
-          <a:effectLst/>
-        </p:spPr>
-        <p:style>
-          <a:lnRef idx="1">
-            <a:schemeClr val="accent4"/>
-          </a:lnRef>
-          <a:fillRef idx="2">
-            <a:schemeClr val="accent4"/>
-          </a:fillRef>
-          <a:effectRef idx="1">
-            <a:schemeClr val="accent4"/>
-          </a:effectRef>
-          <a:fontRef idx="minor">
-            <a:schemeClr val="dk1"/>
-          </a:fontRef>
-        </p:style>
-        <p:txBody>
-          <a:bodyPr rtlCol="0" anchor="ctr"/>
-          <a:lstStyle/>
-          <a:p>
-            <a:pPr algn="ctr"/>
-            <a:endParaRPr lang="en-SG" sz="1050" b="1">
-              <a:solidFill>
-                <a:srgbClr val="92D050"/>
-              </a:solidFill>
-            </a:endParaRPr>
-          </a:p>
-        </p:txBody>
-      </p:sp>
-      <p:sp>
-        <p:nvSpPr>
-          <p:cNvPr id="125" name="Isosceles Triangle 102">
-            <a:extLst>
-              <a:ext uri="{FF2B5EF4-FFF2-40B4-BE49-F238E27FC236}">
-                <a16:creationId xmlns:a16="http://schemas.microsoft.com/office/drawing/2014/main" id="{E11A4E98-7715-48AB-9F81-9BC93C69E921}"/>
-              </a:ext>
-            </a:extLst>
-          </p:cNvPr>
-          <p:cNvSpPr/>
-          <p:nvPr/>
-        </p:nvSpPr>
-        <p:spPr>
-          <a:xfrm rot="5400000" flipV="1">
-            <a:off x="8436948" y="1756019"/>
-            <a:ext cx="270504" cy="175523"/>
-          </a:xfrm>
-          <a:prstGeom prst="triangle">
-            <a:avLst/>
-          </a:prstGeom>
-          <a:ln w="19050">
-            <a:solidFill>
-              <a:srgbClr val="7030A0"/>
-            </a:solidFill>
-          </a:ln>
-          <a:effectLst/>
-        </p:spPr>
-        <p:style>
-          <a:lnRef idx="1">
-            <a:schemeClr val="accent4"/>
-          </a:lnRef>
-          <a:fillRef idx="2">
-            <a:schemeClr val="accent4"/>
-          </a:fillRef>
-          <a:effectRef idx="1">
-            <a:schemeClr val="accent4"/>
-          </a:effectRef>
-          <a:fontRef idx="minor">
-            <a:schemeClr val="dk1"/>
-          </a:fontRef>
-        </p:style>
-        <p:txBody>
-          <a:bodyPr rtlCol="0" anchor="ctr"/>
-          <a:lstStyle/>
-          <a:p>
-            <a:pPr algn="ctr"/>
-            <a:endParaRPr lang="en-SG" sz="1050" b="1">
-              <a:solidFill>
-                <a:srgbClr val="92D050"/>
-              </a:solidFill>
-            </a:endParaRPr>
+          <p:cNvSpPr txBox="1"/>
+          <p:nvPr/>
+        </p:nvSpPr>
+        <p:spPr>
+          <a:xfrm>
+            <a:off x="4581069" y="1154668"/>
+            <a:ext cx="917239" cy="369332"/>
+          </a:xfrm>
+          <a:prstGeom prst="rect">
+            <a:avLst/>
+          </a:prstGeom>
+          <a:noFill/>
+        </p:spPr>
+        <p:txBody>
+          <a:bodyPr wrap="none" rtlCol="0">
+            <a:spAutoFit/>
+          </a:bodyPr>
+          <a:lstStyle/>
+          <a:p>
+            <a:r>
+              <a:rPr lang="en-MY" dirty="0"/>
+              <a:t>Original</a:t>
+            </a:r>
           </a:p>
         </p:txBody>
       </p:sp>
     </p:spTree>
     <p:extLst>
       <p:ext uri="{BB962C8B-B14F-4D97-AF65-F5344CB8AC3E}">
-        <p14:creationId xmlns:p14="http://schemas.microsoft.com/office/powerpoint/2010/main" val="1069515672"/>
+        <p14:creationId xmlns:p14="http://schemas.microsoft.com/office/powerpoint/2010/main" val="2873296198"/>
       </p:ext>
     </p:extLst>
   </p:cSld>
@@ -7187,8 +5964,8 @@
         </p:nvSpPr>
         <p:spPr>
           <a:xfrm>
-            <a:off x="838200" y="533400"/>
-            <a:ext cx="7010400" cy="4953000"/>
+            <a:off x="838200" y="304800"/>
+            <a:ext cx="7010400" cy="4191000"/>
           </a:xfrm>
           <a:prstGeom prst="roundRect">
             <a:avLst>
@@ -7370,8 +6147,8 @@
         </p:nvCxnSpPr>
         <p:spPr>
           <a:xfrm flipV="1">
-            <a:off x="5389344" y="2230768"/>
-            <a:ext cx="1022993" cy="531896"/>
+            <a:off x="5573285" y="1876727"/>
+            <a:ext cx="938323" cy="1065296"/>
           </a:xfrm>
           <a:prstGeom prst="bentConnector2">
             <a:avLst/>
@@ -7413,8 +6190,8 @@
         </p:nvCxnSpPr>
         <p:spPr>
           <a:xfrm rot="16200000" flipH="1">
-            <a:off x="3040304" y="1646461"/>
-            <a:ext cx="136091" cy="2094210"/>
+            <a:off x="3039673" y="1647092"/>
+            <a:ext cx="325299" cy="2282156"/>
           </a:xfrm>
           <a:prstGeom prst="bentConnector2">
             <a:avLst/>
@@ -7610,7 +6387,7 @@
         </p:nvSpPr>
         <p:spPr>
           <a:xfrm rot="5400000" flipV="1">
-            <a:off x="5166330" y="2674902"/>
+            <a:off x="5350271" y="2854261"/>
             <a:ext cx="270504" cy="175523"/>
           </a:xfrm>
           <a:prstGeom prst="triangle">
@@ -7934,7 +6711,7 @@
         </p:nvSpPr>
         <p:spPr>
           <a:xfrm>
-            <a:off x="4251534" y="1884007"/>
+            <a:off x="4336432" y="1403253"/>
             <a:ext cx="1156969" cy="346760"/>
           </a:xfrm>
           <a:prstGeom prst="rect">
@@ -8040,9 +6817,9 @@
           <p:nvPr/>
         </p:nvCxnSpPr>
         <p:spPr>
-          <a:xfrm>
-            <a:off x="4000821" y="1852672"/>
-            <a:ext cx="250713" cy="204715"/>
+          <a:xfrm flipV="1">
+            <a:off x="4000821" y="1576633"/>
+            <a:ext cx="335611" cy="276039"/>
           </a:xfrm>
           <a:prstGeom prst="bentConnector3">
             <a:avLst/>
@@ -8079,7 +6856,7 @@
         </p:nvSpPr>
         <p:spPr>
           <a:xfrm>
-            <a:off x="4254311" y="1317205"/>
+            <a:off x="4338815" y="963164"/>
             <a:ext cx="1156969" cy="346760"/>
           </a:xfrm>
           <a:prstGeom prst="rect">
@@ -8139,8 +6916,8 @@
         </p:nvCxnSpPr>
         <p:spPr>
           <a:xfrm flipV="1">
-            <a:off x="4000821" y="1490585"/>
-            <a:ext cx="253490" cy="362087"/>
+            <a:off x="4000821" y="1136544"/>
+            <a:ext cx="337994" cy="716128"/>
           </a:xfrm>
           <a:prstGeom prst="bentConnector3">
             <a:avLst>
@@ -8179,7 +6956,7 @@
         </p:nvSpPr>
         <p:spPr>
           <a:xfrm>
-            <a:off x="5936669" y="1884007"/>
+            <a:off x="6035940" y="1529966"/>
             <a:ext cx="951336" cy="346761"/>
           </a:xfrm>
           <a:prstGeom prst="rect">
@@ -8230,7 +7007,7 @@
         </p:nvSpPr>
         <p:spPr>
           <a:xfrm>
-            <a:off x="5414378" y="1970474"/>
+            <a:off x="5513649" y="1485026"/>
             <a:ext cx="236048" cy="173380"/>
           </a:xfrm>
           <a:prstGeom prst="flowChartDecision">
@@ -8279,8 +7056,8 @@
         </p:nvCxnSpPr>
         <p:spPr>
           <a:xfrm>
-            <a:off x="5650426" y="2057164"/>
-            <a:ext cx="286243" cy="224"/>
+            <a:off x="5749697" y="1571716"/>
+            <a:ext cx="286243" cy="131631"/>
           </a:xfrm>
           <a:prstGeom prst="bentConnector3">
             <a:avLst/>
@@ -8317,7 +7094,7 @@
         </p:nvSpPr>
         <p:spPr>
           <a:xfrm>
-            <a:off x="5113088" y="845968"/>
+            <a:off x="5212359" y="491927"/>
             <a:ext cx="483700" cy="346760"/>
           </a:xfrm>
           <a:prstGeom prst="rect">
@@ -8373,7 +7150,7 @@
         </p:nvSpPr>
         <p:spPr>
           <a:xfrm rot="16200000">
-            <a:off x="4698649" y="1103176"/>
+            <a:off x="4797920" y="749135"/>
             <a:ext cx="236048" cy="173380"/>
           </a:xfrm>
           <a:prstGeom prst="flowChartDecision">
@@ -8421,7 +7198,7 @@
         </p:nvCxnSpPr>
         <p:spPr>
           <a:xfrm rot="5400000" flipH="1" flipV="1">
-            <a:off x="4938633" y="897388"/>
+            <a:off x="5037904" y="543347"/>
             <a:ext cx="52494" cy="296415"/>
           </a:xfrm>
           <a:prstGeom prst="bentConnector2">
@@ -8459,7 +7236,7 @@
         </p:nvSpPr>
         <p:spPr>
           <a:xfrm>
-            <a:off x="4155454" y="2588232"/>
+            <a:off x="4343400" y="2777440"/>
             <a:ext cx="1045383" cy="346760"/>
           </a:xfrm>
           <a:prstGeom prst="rect">
@@ -8492,7 +7269,7 @@
           <a:p>
             <a:pPr algn="ctr"/>
             <a:r>
-              <a:rPr lang="en-US" sz="1050">
+              <a:rPr lang="en-US" sz="1050" dirty="0">
                 <a:solidFill>
                   <a:srgbClr val="7030A0"/>
                 </a:solidFill>
@@ -8500,14 +7277,14 @@
               <a:t>&lt;&lt;interface&gt;&gt;</a:t>
             </a:r>
             <a:br>
-              <a:rPr lang="en-US" sz="1050">
+              <a:rPr lang="en-US" sz="1050" dirty="0">
                 <a:solidFill>
                   <a:srgbClr val="7030A0"/>
                 </a:solidFill>
               </a:rPr>
             </a:br>
             <a:r>
-              <a:rPr lang="en-US" sz="1050">
+              <a:rPr lang="en-US" sz="1050" dirty="0" err="1">
                 <a:solidFill>
                   <a:srgbClr val="7030A0"/>
                 </a:solidFill>
@@ -8530,7 +7307,7 @@
         </p:nvSpPr>
         <p:spPr>
           <a:xfrm>
-            <a:off x="5873932" y="942081"/>
+            <a:off x="5973203" y="588040"/>
             <a:ext cx="708186" cy="285783"/>
           </a:xfrm>
           <a:prstGeom prst="rect">
@@ -8586,7 +7363,7 @@
         </p:nvSpPr>
         <p:spPr>
           <a:xfrm rot="16200000">
-            <a:off x="6285544" y="1664811"/>
+            <a:off x="6384815" y="1310770"/>
             <a:ext cx="236048" cy="173380"/>
           </a:xfrm>
           <a:prstGeom prst="flowChartDecision">
@@ -8637,7 +7414,7 @@
         </p:nvCxnSpPr>
         <p:spPr>
           <a:xfrm rot="16200000" flipV="1">
-            <a:off x="6112991" y="1342899"/>
+            <a:off x="6212262" y="988858"/>
             <a:ext cx="405613" cy="175543"/>
           </a:xfrm>
           <a:prstGeom prst="bentConnector3">
@@ -8673,14 +7450,16 @@
         <p:nvCxnSpPr>
           <p:cNvPr id="97" name="Elbow Connector 63"/>
           <p:cNvCxnSpPr>
+            <a:cxnSpLocks/>
             <a:stCxn id="99" idx="3"/>
+            <a:endCxn id="46" idx="0"/>
           </p:cNvCxnSpPr>
           <p:nvPr/>
         </p:nvCxnSpPr>
         <p:spPr>
           <a:xfrm rot="16200000" flipH="1">
-            <a:off x="3056304" y="1522067"/>
-            <a:ext cx="293825" cy="1"/>
+            <a:off x="3151662" y="1612426"/>
+            <a:ext cx="103181" cy="78"/>
           </a:xfrm>
           <a:prstGeom prst="bentConnector3">
             <a:avLst>
@@ -8720,7 +7499,7 @@
         </p:nvSpPr>
         <p:spPr>
           <a:xfrm rot="10800000" flipV="1">
-            <a:off x="3067964" y="1199633"/>
+            <a:off x="3067961" y="1385352"/>
             <a:ext cx="270504" cy="175523"/>
           </a:xfrm>
           <a:prstGeom prst="triangle">
@@ -8768,7 +7547,7 @@
         </p:nvSpPr>
         <p:spPr>
           <a:xfrm>
-            <a:off x="2437286" y="843106"/>
+            <a:off x="2437286" y="1024840"/>
             <a:ext cx="1539926" cy="346760"/>
           </a:xfrm>
           <a:prstGeom prst="rect">
@@ -8839,7 +7618,7 @@
         </p:nvSpPr>
         <p:spPr>
           <a:xfrm>
-            <a:off x="2594879" y="2757452"/>
+            <a:off x="2729588" y="2718321"/>
             <a:ext cx="881018" cy="261610"/>
           </a:xfrm>
           <a:prstGeom prst="rect">
@@ -8878,7 +7657,7 @@
         </p:nvSpPr>
         <p:spPr>
           <a:xfrm>
-            <a:off x="1475440" y="3158440"/>
+            <a:off x="2191212" y="555295"/>
             <a:ext cx="1775949" cy="346760"/>
           </a:xfrm>
           <a:prstGeom prst="rect">
@@ -8946,15 +7725,15 @@
           <p:cNvPr id="124" name="Elbow Connector 122"/>
           <p:cNvCxnSpPr>
             <a:cxnSpLocks/>
-            <a:stCxn id="119" idx="1"/>
+            <a:stCxn id="119" idx="3"/>
             <a:endCxn id="122" idx="1"/>
           </p:cNvCxnSpPr>
           <p:nvPr/>
         </p:nvCxnSpPr>
         <p:spPr>
-          <a:xfrm rot="16200000" flipH="1">
-            <a:off x="1047569" y="2903949"/>
-            <a:ext cx="713784" cy="141957"/>
+          <a:xfrm rot="5400000" flipH="1" flipV="1">
+            <a:off x="1364484" y="697673"/>
+            <a:ext cx="795726" cy="857730"/>
           </a:xfrm>
           <a:prstGeom prst="bentConnector2">
             <a:avLst/>
@@ -8996,8 +7775,8 @@
         </p:nvCxnSpPr>
         <p:spPr>
           <a:xfrm rot="10800000">
-            <a:off x="5411280" y="1490585"/>
-            <a:ext cx="905598" cy="260916"/>
+            <a:off x="5495785" y="1136544"/>
+            <a:ext cx="920365" cy="260916"/>
           </a:xfrm>
           <a:prstGeom prst="bentConnector3">
             <a:avLst>
@@ -9036,7 +7815,7 @@
         </p:nvSpPr>
         <p:spPr>
           <a:xfrm>
-            <a:off x="4101955" y="1227864"/>
+            <a:off x="4201226" y="873823"/>
             <a:ext cx="189257" cy="178683"/>
           </a:xfrm>
           <a:prstGeom prst="rect">
@@ -9075,7 +7854,7 @@
         </p:nvSpPr>
         <p:spPr>
           <a:xfrm>
-            <a:off x="4101955" y="2095500"/>
+            <a:off x="4201226" y="1610052"/>
             <a:ext cx="189257" cy="178683"/>
           </a:xfrm>
           <a:prstGeom prst="rect">
@@ -9114,7 +7893,7 @@
         </p:nvSpPr>
         <p:spPr>
           <a:xfrm>
-            <a:off x="5466744" y="1532049"/>
+            <a:off x="5566015" y="1178008"/>
             <a:ext cx="189257" cy="178683"/>
           </a:xfrm>
           <a:prstGeom prst="rect">
@@ -9153,7 +7932,7 @@
         </p:nvSpPr>
         <p:spPr>
           <a:xfrm>
-            <a:off x="4913597" y="818777"/>
+            <a:off x="5012868" y="464736"/>
             <a:ext cx="189257" cy="178683"/>
           </a:xfrm>
           <a:prstGeom prst="rect">
@@ -9192,7 +7971,7 @@
         </p:nvSpPr>
         <p:spPr>
           <a:xfrm>
-            <a:off x="5754343" y="1878717"/>
+            <a:off x="5853614" y="1524676"/>
             <a:ext cx="189257" cy="178683"/>
           </a:xfrm>
           <a:prstGeom prst="rect">
@@ -9309,7 +8088,7 @@
         </p:nvSpPr>
         <p:spPr>
           <a:xfrm>
-            <a:off x="5395156" y="2552674"/>
+            <a:off x="5607396" y="2717598"/>
             <a:ext cx="189257" cy="178683"/>
           </a:xfrm>
           <a:prstGeom prst="rect">
@@ -9325,7 +8104,7 @@
           <a:p>
             <a:pPr algn="ctr"/>
             <a:r>
-              <a:rPr lang="en-US" sz="1100">
+              <a:rPr lang="en-US" sz="1100" dirty="0">
                 <a:solidFill>
                   <a:srgbClr val="7030A0"/>
                 </a:solidFill>
@@ -9358,8 +8137,8 @@
         </p:nvCxnSpPr>
         <p:spPr>
           <a:xfrm rot="5400000" flipH="1" flipV="1">
-            <a:off x="1631427" y="718542"/>
-            <a:ext cx="507915" cy="1103804"/>
+            <a:off x="1722294" y="809409"/>
+            <a:ext cx="326181" cy="1103804"/>
           </a:xfrm>
           <a:prstGeom prst="bentConnector2">
             <a:avLst/>
@@ -9407,12 +8186,12 @@
         </p:nvCxnSpPr>
         <p:spPr>
           <a:xfrm flipV="1">
-            <a:off x="4920905" y="2046537"/>
-            <a:ext cx="2142624" cy="2611172"/>
+            <a:off x="6547520" y="1692496"/>
+            <a:ext cx="615280" cy="2050813"/>
           </a:xfrm>
           <a:prstGeom prst="bentConnector3">
             <a:avLst>
-              <a:gd name="adj1" fmla="val 112886"/>
+              <a:gd name="adj1" fmla="val 144872"/>
             </a:avLst>
           </a:prstGeom>
           <a:ln w="19050">
@@ -9453,7 +8232,7 @@
         </p:nvSpPr>
         <p:spPr>
           <a:xfrm>
-            <a:off x="4217165" y="4514817"/>
+            <a:off x="5843780" y="3600417"/>
             <a:ext cx="703740" cy="285783"/>
           </a:xfrm>
           <a:prstGeom prst="rect">
@@ -9515,7 +8294,7 @@
         </p:nvSpPr>
         <p:spPr>
           <a:xfrm>
-            <a:off x="4041425" y="4127381"/>
+            <a:off x="5668040" y="3212981"/>
             <a:ext cx="881679" cy="285783"/>
           </a:xfrm>
           <a:prstGeom prst="rect">
@@ -9577,7 +8356,7 @@
         </p:nvSpPr>
         <p:spPr>
           <a:xfrm>
-            <a:off x="4222845" y="4898890"/>
+            <a:off x="5849460" y="3984490"/>
             <a:ext cx="703740" cy="285783"/>
           </a:xfrm>
           <a:prstGeom prst="rect">
@@ -9643,12 +8422,12 @@
         </p:nvCxnSpPr>
         <p:spPr>
           <a:xfrm flipV="1">
-            <a:off x="4926585" y="2046537"/>
-            <a:ext cx="2136944" cy="2995245"/>
+            <a:off x="6553200" y="1692496"/>
+            <a:ext cx="609600" cy="2434886"/>
           </a:xfrm>
           <a:prstGeom prst="bentConnector3">
             <a:avLst>
-              <a:gd name="adj1" fmla="val 112920"/>
+              <a:gd name="adj1" fmla="val 145290"/>
             </a:avLst>
           </a:prstGeom>
           <a:ln w="19050">
@@ -9693,12 +8472,12 @@
         </p:nvCxnSpPr>
         <p:spPr>
           <a:xfrm flipV="1">
-            <a:off x="4923104" y="2046537"/>
-            <a:ext cx="2140425" cy="2223736"/>
+            <a:off x="6549719" y="1692496"/>
+            <a:ext cx="613081" cy="1663377"/>
           </a:xfrm>
           <a:prstGeom prst="bentConnector3">
             <a:avLst>
-              <a:gd name="adj1" fmla="val 112899"/>
+              <a:gd name="adj1" fmla="val 145033"/>
             </a:avLst>
           </a:prstGeom>
           <a:ln w="19050">
@@ -9739,7 +8518,7 @@
         </p:nvSpPr>
         <p:spPr>
           <a:xfrm>
-            <a:off x="6284543" y="1242346"/>
+            <a:off x="6383814" y="888305"/>
             <a:ext cx="189257" cy="178683"/>
           </a:xfrm>
           <a:prstGeom prst="rect">
@@ -9784,7 +8563,7 @@
         </p:nvSpPr>
         <p:spPr>
           <a:xfrm>
-            <a:off x="1858646" y="4241254"/>
+            <a:off x="3485261" y="3326854"/>
             <a:ext cx="1219200" cy="285783"/>
           </a:xfrm>
           <a:prstGeom prst="rect">
@@ -9846,7 +8625,7 @@
         </p:nvSpPr>
         <p:spPr>
           <a:xfrm>
-            <a:off x="1858646" y="4609172"/>
+            <a:off x="3485261" y="3694772"/>
             <a:ext cx="1219200" cy="285783"/>
           </a:xfrm>
           <a:prstGeom prst="rect">
@@ -9912,7 +8691,7 @@
         </p:nvCxnSpPr>
         <p:spPr>
           <a:xfrm rot="10800000">
-            <a:off x="3077847" y="4384147"/>
+            <a:off x="4704462" y="3469747"/>
             <a:ext cx="902553" cy="265237"/>
           </a:xfrm>
           <a:prstGeom prst="bentConnector3">
@@ -9962,7 +8741,7 @@
         </p:nvCxnSpPr>
         <p:spPr>
           <a:xfrm rot="10800000" flipV="1">
-            <a:off x="3077847" y="4649382"/>
+            <a:off x="4704462" y="3734982"/>
             <a:ext cx="902553" cy="102681"/>
           </a:xfrm>
           <a:prstGeom prst="bentConnector3">
@@ -10012,7 +8791,7 @@
         </p:nvCxnSpPr>
         <p:spPr>
           <a:xfrm rot="10800000">
-            <a:off x="2468246" y="4894955"/>
+            <a:off x="4094861" y="3980555"/>
             <a:ext cx="1494154" cy="146826"/>
           </a:xfrm>
           <a:prstGeom prst="bentConnector2">
@@ -10056,7 +8835,7 @@
         </p:nvSpPr>
         <p:spPr>
           <a:xfrm>
-            <a:off x="1060489" y="3690189"/>
+            <a:off x="1531582" y="3466541"/>
             <a:ext cx="1260298" cy="382445"/>
           </a:xfrm>
           <a:prstGeom prst="rect">
@@ -10132,12 +8911,14 @@
           <p:nvPr/>
         </p:nvCxnSpPr>
         <p:spPr>
-          <a:xfrm rot="10800000">
-            <a:off x="1555432" y="4264068"/>
-            <a:ext cx="303214" cy="120078"/>
-          </a:xfrm>
-          <a:prstGeom prst="bentConnector2">
-            <a:avLst/>
+          <a:xfrm rot="10800000" flipV="1">
+            <a:off x="2982371" y="3469745"/>
+            <a:ext cx="502890" cy="176791"/>
+          </a:xfrm>
+          <a:prstGeom prst="bentConnector3">
+            <a:avLst>
+              <a:gd name="adj1" fmla="val 50000"/>
+            </a:avLst>
           </a:prstGeom>
           <a:ln w="19050">
             <a:solidFill>
@@ -10181,11 +8962,13 @@
         </p:nvCxnSpPr>
         <p:spPr>
           <a:xfrm rot="10800000">
-            <a:off x="1555432" y="4264068"/>
-            <a:ext cx="303214" cy="487996"/>
-          </a:xfrm>
-          <a:prstGeom prst="bentConnector2">
-            <a:avLst/>
+            <a:off x="2982371" y="3646538"/>
+            <a:ext cx="502890" cy="191127"/>
+          </a:xfrm>
+          <a:prstGeom prst="bentConnector3">
+            <a:avLst>
+              <a:gd name="adj1" fmla="val 50000"/>
+            </a:avLst>
           </a:prstGeom>
           <a:ln w="19050">
             <a:solidFill>
@@ -10225,7 +9008,7 @@
         </p:nvSpPr>
         <p:spPr>
           <a:xfrm>
-            <a:off x="4238187" y="3092730"/>
+            <a:off x="4332198" y="1862836"/>
             <a:ext cx="1156969" cy="346760"/>
           </a:xfrm>
           <a:prstGeom prst="rect">
@@ -10287,7 +9070,7 @@
         </p:nvSpPr>
         <p:spPr>
           <a:xfrm>
-            <a:off x="5414378" y="3165455"/>
+            <a:off x="5513649" y="1919971"/>
             <a:ext cx="236048" cy="173380"/>
           </a:xfrm>
           <a:prstGeom prst="flowChartDecision">
@@ -10342,8 +9125,8 @@
         </p:nvCxnSpPr>
         <p:spPr>
           <a:xfrm flipV="1">
-            <a:off x="5650426" y="2057388"/>
-            <a:ext cx="286243" cy="1194757"/>
+            <a:off x="5749697" y="1703347"/>
+            <a:ext cx="286243" cy="303314"/>
           </a:xfrm>
           <a:prstGeom prst="bentConnector3">
             <a:avLst/>
@@ -10386,7 +9169,7 @@
         </p:nvSpPr>
         <p:spPr>
           <a:xfrm>
-            <a:off x="4232373" y="3539440"/>
+            <a:off x="4339020" y="2303954"/>
             <a:ext cx="1156969" cy="346760"/>
           </a:xfrm>
           <a:prstGeom prst="rect">
@@ -10443,7 +9226,7 @@
         </p:nvSpPr>
         <p:spPr>
           <a:xfrm>
-            <a:off x="5408564" y="3612165"/>
+            <a:off x="5507835" y="2366681"/>
             <a:ext cx="236048" cy="173380"/>
           </a:xfrm>
           <a:prstGeom prst="flowChartDecision">
@@ -10498,8 +9281,8 @@
         </p:nvCxnSpPr>
         <p:spPr>
           <a:xfrm flipV="1">
-            <a:off x="5644612" y="2057388"/>
-            <a:ext cx="292057" cy="1641467"/>
+            <a:off x="5743883" y="1703347"/>
+            <a:ext cx="292057" cy="750024"/>
           </a:xfrm>
           <a:prstGeom prst="bentConnector3">
             <a:avLst/>
@@ -10542,7 +9325,7 @@
         </p:nvSpPr>
         <p:spPr>
           <a:xfrm>
-            <a:off x="3980399" y="4562693"/>
+            <a:off x="5607014" y="3648293"/>
             <a:ext cx="236048" cy="173380"/>
           </a:xfrm>
           <a:prstGeom prst="flowChartDecision">
@@ -10595,7 +9378,7 @@
         </p:nvSpPr>
         <p:spPr>
           <a:xfrm>
-            <a:off x="2191212" y="5025158"/>
+            <a:off x="3817827" y="4110758"/>
             <a:ext cx="189257" cy="178683"/>
           </a:xfrm>
           <a:prstGeom prst="rect">
@@ -10640,7 +9423,7 @@
         </p:nvSpPr>
         <p:spPr>
           <a:xfrm>
-            <a:off x="3114513" y="4585087"/>
+            <a:off x="4732966" y="3600759"/>
             <a:ext cx="189257" cy="178683"/>
           </a:xfrm>
           <a:prstGeom prst="rect">
@@ -10685,7 +9468,7 @@
         </p:nvSpPr>
         <p:spPr>
           <a:xfrm>
-            <a:off x="3097975" y="4114800"/>
+            <a:off x="4724590" y="3200400"/>
             <a:ext cx="189257" cy="178683"/>
           </a:xfrm>
           <a:prstGeom prst="rect">
@@ -10730,7 +9513,7 @@
         </p:nvSpPr>
         <p:spPr>
           <a:xfrm>
-            <a:off x="3962400" y="4955091"/>
+            <a:off x="5589015" y="4040691"/>
             <a:ext cx="236048" cy="173380"/>
           </a:xfrm>
           <a:prstGeom prst="flowChartDecision">
@@ -10783,7 +9566,7 @@
         </p:nvSpPr>
         <p:spPr>
           <a:xfrm rot="5400000" flipV="1">
-            <a:off x="6840515" y="1958775"/>
+            <a:off x="6939786" y="1604734"/>
             <a:ext cx="270504" cy="175523"/>
           </a:xfrm>
           <a:prstGeom prst="triangle">
@@ -10836,8 +9619,8 @@
           <p:nvPr/>
         </p:nvSpPr>
         <p:spPr>
-          <a:xfrm rot="10710298" flipV="1">
-            <a:off x="1417890" y="4088575"/>
+          <a:xfrm rot="5310298" flipV="1">
+            <a:off x="2759387" y="3561065"/>
             <a:ext cx="270504" cy="175523"/>
           </a:xfrm>
           <a:prstGeom prst="triangle">
@@ -10877,238 +9660,36 @@
           </a:p>
         </p:txBody>
       </p:sp>
-    </p:spTree>
-    <p:extLst>
-      <p:ext uri="{BB962C8B-B14F-4D97-AF65-F5344CB8AC3E}">
-        <p14:creationId xmlns:p14="http://schemas.microsoft.com/office/powerpoint/2010/main" val="2396968029"/>
-      </p:ext>
-    </p:extLst>
-  </p:cSld>
-  <p:clrMapOvr>
-    <a:masterClrMapping/>
-  </p:clrMapOvr>
-</p:sld>
-</file>
-
-<file path=ppt/slides/slide3.xml><?xml version="1.0" encoding="utf-8"?>
-<p:sld xmlns:a="http://schemas.openxmlformats.org/drawingml/2006/main" xmlns:r="http://schemas.openxmlformats.org/officeDocument/2006/relationships" xmlns:p="http://schemas.openxmlformats.org/presentationml/2006/main">
-  <p:cSld>
-    <p:spTree>
-      <p:nvGrpSpPr>
-        <p:cNvPr id="1" name=""/>
-        <p:cNvGrpSpPr/>
-        <p:nvPr/>
-      </p:nvGrpSpPr>
-      <p:grpSpPr>
-        <a:xfrm>
-          <a:off x="0" y="0"/>
-          <a:ext cx="0" cy="0"/>
-          <a:chOff x="0" y="0"/>
-          <a:chExt cx="0" cy="0"/>
-        </a:xfrm>
-      </p:grpSpPr>
-      <p:sp>
-        <p:nvSpPr>
-          <p:cNvPr id="118" name="Rectangle 65"/>
-          <p:cNvSpPr/>
-          <p:nvPr/>
-        </p:nvSpPr>
-        <p:spPr>
-          <a:xfrm>
-            <a:off x="1119865" y="1727200"/>
-            <a:ext cx="7490735" cy="2997200"/>
-          </a:xfrm>
-          <a:prstGeom prst="roundRect">
-            <a:avLst>
-              <a:gd name="adj" fmla="val 3484"/>
-            </a:avLst>
-          </a:prstGeom>
-          <a:solidFill>
-            <a:schemeClr val="accent4">
-              <a:lumMod val="20000"/>
-              <a:lumOff val="80000"/>
-            </a:schemeClr>
-          </a:solidFill>
-          <a:ln w="19050">
-            <a:noFill/>
-          </a:ln>
-          <a:effectLst/>
-        </p:spPr>
-        <p:style>
-          <a:lnRef idx="1">
-            <a:schemeClr val="accent2"/>
-          </a:lnRef>
-          <a:fillRef idx="2">
-            <a:schemeClr val="accent2"/>
-          </a:fillRef>
-          <a:effectRef idx="1">
-            <a:schemeClr val="accent2"/>
-          </a:effectRef>
-          <a:fontRef idx="minor">
-            <a:schemeClr val="dk1"/>
-          </a:fontRef>
-        </p:style>
-        <p:txBody>
-          <a:bodyPr rtlCol="0" anchor="t"/>
-          <a:lstStyle/>
-          <a:p>
-            <a:r>
-              <a:rPr lang="en-US" sz="1200" b="1" dirty="0">
-                <a:solidFill>
-                  <a:srgbClr val="7030A0"/>
-                </a:solidFill>
-              </a:rPr>
-              <a:t>Model</a:t>
-            </a:r>
-            <a:endParaRPr lang="en-SG" sz="1200" b="1" dirty="0">
-              <a:solidFill>
-                <a:srgbClr val="7030A0"/>
-              </a:solidFill>
-            </a:endParaRPr>
-          </a:p>
-        </p:txBody>
-      </p:sp>
-      <p:sp>
-        <p:nvSpPr>
-          <p:cNvPr id="2" name="Rectangle 8"/>
-          <p:cNvSpPr/>
-          <p:nvPr/>
-        </p:nvSpPr>
-        <p:spPr>
-          <a:xfrm>
-            <a:off x="2877180" y="3158440"/>
-            <a:ext cx="1093635" cy="346760"/>
-          </a:xfrm>
-          <a:prstGeom prst="rect">
-            <a:avLst/>
-          </a:prstGeom>
-          <a:solidFill>
-            <a:srgbClr val="7030A0"/>
-          </a:solidFill>
+      <p:cxnSp>
+        <p:nvCxnSpPr>
+          <p:cNvPr id="91" name="Elbow Connector 29">
+            <a:extLst>
+              <a:ext uri="{FF2B5EF4-FFF2-40B4-BE49-F238E27FC236}">
+                <a16:creationId xmlns:a16="http://schemas.microsoft.com/office/drawing/2014/main" id="{165E042F-592B-4526-89B0-72AC27D3EB93}"/>
+              </a:ext>
+            </a:extLst>
+          </p:cNvPr>
+          <p:cNvCxnSpPr>
+            <a:cxnSpLocks/>
+            <a:stCxn id="51" idx="3"/>
+            <a:endCxn id="84" idx="1"/>
+          </p:cNvCxnSpPr>
+          <p:nvPr/>
+        </p:nvCxnSpPr>
+        <p:spPr>
+          <a:xfrm>
+            <a:off x="4000821" y="1852672"/>
+            <a:ext cx="331377" cy="183544"/>
+          </a:xfrm>
+          <a:prstGeom prst="bentConnector3">
+            <a:avLst/>
+          </a:prstGeom>
           <a:ln w="19050">
             <a:solidFill>
               <a:srgbClr val="7030A0"/>
             </a:solidFill>
-          </a:ln>
-          <a:effectLst/>
-        </p:spPr>
-        <p:style>
-          <a:lnRef idx="1">
-            <a:schemeClr val="accent2"/>
-          </a:lnRef>
-          <a:fillRef idx="2">
-            <a:schemeClr val="accent2"/>
-          </a:fillRef>
-          <a:effectRef idx="1">
-            <a:schemeClr val="accent2"/>
-          </a:effectRef>
-          <a:fontRef idx="minor">
-            <a:schemeClr val="dk1"/>
-          </a:fontRef>
-        </p:style>
-        <p:txBody>
-          <a:bodyPr rtlCol="0" anchor="ctr"/>
-          <a:lstStyle/>
-          <a:p>
-            <a:pPr algn="ctr"/>
-            <a:r>
-              <a:rPr lang="en-US" sz="1050" dirty="0" err="1">
-                <a:solidFill>
-                  <a:schemeClr val="bg1"/>
-                </a:solidFill>
-              </a:rPr>
-              <a:t>UserPref</a:t>
-            </a:r>
-            <a:endParaRPr lang="en-SG" sz="1050" dirty="0">
-              <a:solidFill>
-                <a:schemeClr val="bg1"/>
-              </a:solidFill>
-            </a:endParaRPr>
-          </a:p>
-        </p:txBody>
-      </p:sp>
-      <p:sp>
-        <p:nvSpPr>
-          <p:cNvPr id="9" name="Rectangle 62"/>
-          <p:cNvSpPr/>
-          <p:nvPr/>
-        </p:nvSpPr>
-        <p:spPr>
-          <a:xfrm rot="16200000">
-            <a:off x="1683963" y="2868687"/>
-            <a:ext cx="1093635" cy="346760"/>
-          </a:xfrm>
-          <a:prstGeom prst="rect">
-            <a:avLst/>
-          </a:prstGeom>
-          <a:solidFill>
-            <a:srgbClr val="7030A0"/>
-          </a:solidFill>
-          <a:ln w="19050">
-            <a:solidFill>
-              <a:srgbClr val="7030A0"/>
-            </a:solidFill>
-          </a:ln>
-          <a:effectLst/>
-        </p:spPr>
-        <p:style>
-          <a:lnRef idx="1">
-            <a:schemeClr val="accent2"/>
-          </a:lnRef>
-          <a:fillRef idx="2">
-            <a:schemeClr val="accent2"/>
-          </a:fillRef>
-          <a:effectRef idx="1">
-            <a:schemeClr val="accent2"/>
-          </a:effectRef>
-          <a:fontRef idx="minor">
-            <a:schemeClr val="dk1"/>
-          </a:fontRef>
-        </p:style>
-        <p:txBody>
-          <a:bodyPr rtlCol="0" anchor="ctr"/>
-          <a:lstStyle/>
-          <a:p>
-            <a:pPr algn="ctr"/>
-            <a:r>
-              <a:rPr lang="en-US" sz="1050" dirty="0" err="1">
-                <a:solidFill>
-                  <a:schemeClr val="bg1"/>
-                </a:solidFill>
-              </a:rPr>
-              <a:t>ModelManager</a:t>
-            </a:r>
-            <a:endParaRPr lang="en-SG" sz="1050" dirty="0">
-              <a:solidFill>
-                <a:schemeClr val="bg1"/>
-              </a:solidFill>
-            </a:endParaRPr>
-          </a:p>
-        </p:txBody>
-      </p:sp>
-      <p:cxnSp>
-        <p:nvCxnSpPr>
-          <p:cNvPr id="53" name="Elbow Connector 63"/>
-          <p:cNvCxnSpPr>
-            <a:stCxn id="71" idx="3"/>
-          </p:cNvCxnSpPr>
-          <p:nvPr/>
-        </p:nvCxnSpPr>
-        <p:spPr>
-          <a:xfrm flipV="1">
-            <a:off x="6477000" y="3194131"/>
-            <a:ext cx="95385" cy="416514"/>
-          </a:xfrm>
-          <a:prstGeom prst="bentConnector2">
-            <a:avLst/>
-          </a:prstGeom>
-          <a:ln w="19050">
-            <a:solidFill>
-              <a:srgbClr val="7030A0"/>
-            </a:solidFill>
-            <a:prstDash val="sysDot"/>
             <a:headEnd type="none" w="med" len="med"/>
-            <a:tailEnd type="none" w="med" len="med"/>
+            <a:tailEnd type="arrow" w="med" len="med"/>
           </a:ln>
           <a:effectLst/>
         </p:spPr>
@@ -11129,28 +9710,32 @@
       </p:cxnSp>
       <p:cxnSp>
         <p:nvCxnSpPr>
-          <p:cNvPr id="107" name="Elbow Connector 106"/>
+          <p:cNvPr id="92" name="Elbow Connector 29">
+            <a:extLst>
+              <a:ext uri="{FF2B5EF4-FFF2-40B4-BE49-F238E27FC236}">
+                <a16:creationId xmlns:a16="http://schemas.microsoft.com/office/drawing/2014/main" id="{D1E312B1-F07F-42E0-B909-2C3800006FEC}"/>
+              </a:ext>
+            </a:extLst>
+          </p:cNvPr>
           <p:cNvCxnSpPr>
-            <a:stCxn id="9" idx="1"/>
+            <a:cxnSpLocks/>
+            <a:stCxn id="51" idx="3"/>
+            <a:endCxn id="88" idx="1"/>
           </p:cNvCxnSpPr>
           <p:nvPr/>
         </p:nvCxnSpPr>
         <p:spPr>
-          <a:xfrm rot="5400000" flipH="1" flipV="1">
-            <a:off x="4360065" y="1080909"/>
-            <a:ext cx="378691" cy="4637261"/>
-          </a:xfrm>
-          <a:prstGeom prst="bentConnector4">
-            <a:avLst>
-              <a:gd name="adj1" fmla="val -101829"/>
-              <a:gd name="adj2" fmla="val 99976"/>
-            </a:avLst>
+          <a:xfrm>
+            <a:off x="4000821" y="1852672"/>
+            <a:ext cx="338199" cy="624662"/>
+          </a:xfrm>
+          <a:prstGeom prst="bentConnector3">
+            <a:avLst/>
           </a:prstGeom>
           <a:ln w="19050">
             <a:solidFill>
               <a:srgbClr val="7030A0"/>
             </a:solidFill>
-            <a:prstDash val="solid"/>
             <a:headEnd type="none" w="med" len="med"/>
             <a:tailEnd type="arrow" w="med" len="med"/>
           </a:ln>
@@ -11173,1881 +9758,19 @@
       </p:cxnSp>
       <p:sp>
         <p:nvSpPr>
-          <p:cNvPr id="119" name="Rectangle 62"/>
-          <p:cNvSpPr/>
-          <p:nvPr/>
-        </p:nvSpPr>
-        <p:spPr>
-          <a:xfrm rot="16200000">
-            <a:off x="956202" y="2861202"/>
-            <a:ext cx="1093635" cy="346760"/>
-          </a:xfrm>
-          <a:prstGeom prst="rect">
-            <a:avLst/>
-          </a:prstGeom>
-          <a:solidFill>
-            <a:srgbClr val="7030A0"/>
-          </a:solidFill>
-          <a:ln w="19050">
-            <a:solidFill>
-              <a:srgbClr val="7030A0"/>
-            </a:solidFill>
-          </a:ln>
-          <a:effectLst/>
-        </p:spPr>
-        <p:style>
-          <a:lnRef idx="1">
-            <a:schemeClr val="accent2"/>
-          </a:lnRef>
-          <a:fillRef idx="2">
-            <a:schemeClr val="accent2"/>
-          </a:fillRef>
-          <a:effectRef idx="1">
-            <a:schemeClr val="accent2"/>
-          </a:effectRef>
-          <a:fontRef idx="minor">
-            <a:schemeClr val="dk1"/>
-          </a:fontRef>
-        </p:style>
-        <p:txBody>
-          <a:bodyPr rtlCol="0" anchor="ctr"/>
-          <a:lstStyle/>
-          <a:p>
-            <a:pPr algn="ctr"/>
-            <a:r>
-              <a:rPr lang="en-US" sz="1050" dirty="0">
-                <a:solidFill>
-                  <a:schemeClr val="bg1"/>
-                </a:solidFill>
-              </a:rPr>
-              <a:t>&lt;&lt;interface&gt;&gt;</a:t>
-            </a:r>
-          </a:p>
-          <a:p>
-            <a:pPr algn="ctr"/>
-            <a:r>
-              <a:rPr lang="en-US" sz="1050" dirty="0">
-                <a:solidFill>
-                  <a:schemeClr val="bg1"/>
-                </a:solidFill>
-              </a:rPr>
-              <a:t>Model</a:t>
-            </a:r>
-            <a:endParaRPr lang="en-SG" sz="1050" dirty="0">
-              <a:solidFill>
-                <a:schemeClr val="bg1"/>
-              </a:solidFill>
-            </a:endParaRPr>
-          </a:p>
-        </p:txBody>
-      </p:sp>
-      <p:sp>
-        <p:nvSpPr>
-          <p:cNvPr id="120" name="Isosceles Triangle 102"/>
-          <p:cNvSpPr/>
-          <p:nvPr/>
-        </p:nvSpPr>
-        <p:spPr>
-          <a:xfrm rot="16200000">
-            <a:off x="1626910" y="2952291"/>
-            <a:ext cx="270504" cy="175523"/>
-          </a:xfrm>
-          <a:prstGeom prst="triangle">
-            <a:avLst/>
-          </a:prstGeom>
-          <a:solidFill>
-            <a:srgbClr val="7030A0"/>
-          </a:solidFill>
-          <a:ln w="19050">
-            <a:solidFill>
-              <a:srgbClr val="7030A0"/>
-            </a:solidFill>
-          </a:ln>
-          <a:effectLst/>
-        </p:spPr>
-        <p:style>
-          <a:lnRef idx="1">
-            <a:schemeClr val="accent6"/>
-          </a:lnRef>
-          <a:fillRef idx="2">
-            <a:schemeClr val="accent6"/>
-          </a:fillRef>
-          <a:effectRef idx="1">
-            <a:schemeClr val="accent6"/>
-          </a:effectRef>
-          <a:fontRef idx="minor">
-            <a:schemeClr val="dk1"/>
-          </a:fontRef>
-        </p:style>
-        <p:txBody>
-          <a:bodyPr rtlCol="0" anchor="ctr"/>
-          <a:lstStyle/>
-          <a:p>
-            <a:pPr algn="ctr"/>
-            <a:endParaRPr lang="en-SG" sz="1050"/>
-          </a:p>
-        </p:txBody>
-      </p:sp>
-      <p:cxnSp>
-        <p:nvCxnSpPr>
-          <p:cNvPr id="58" name="Straight Arrow Connector 57"/>
-          <p:cNvCxnSpPr>
-            <a:stCxn id="42" idx="3"/>
-            <a:endCxn id="2" idx="1"/>
-          </p:cNvCxnSpPr>
-          <p:nvPr/>
-        </p:nvCxnSpPr>
-        <p:spPr>
-          <a:xfrm>
-            <a:off x="2656370" y="3326536"/>
-            <a:ext cx="220810" cy="5284"/>
-          </a:xfrm>
-          <a:prstGeom prst="straightConnector1">
-            <a:avLst/>
-          </a:prstGeom>
-          <a:ln w="19050">
-            <a:solidFill>
-              <a:srgbClr val="7030A0"/>
-            </a:solidFill>
-            <a:headEnd type="none" w="med" len="med"/>
-            <a:tailEnd type="arrow" w="med" len="med"/>
-          </a:ln>
-          <a:effectLst/>
-        </p:spPr>
-        <p:style>
-          <a:lnRef idx="1">
-            <a:schemeClr val="accent2"/>
-          </a:lnRef>
-          <a:fillRef idx="2">
-            <a:schemeClr val="accent2"/>
-          </a:fillRef>
-          <a:effectRef idx="1">
-            <a:schemeClr val="accent2"/>
-          </a:effectRef>
-          <a:fontRef idx="minor">
-            <a:schemeClr val="dk1"/>
-          </a:fontRef>
-        </p:style>
-      </p:cxnSp>
-      <p:sp>
-        <p:nvSpPr>
-          <p:cNvPr id="71" name="Isosceles Triangle 102"/>
-          <p:cNvSpPr/>
-          <p:nvPr/>
-        </p:nvSpPr>
-        <p:spPr>
-          <a:xfrm rot="5400000" flipV="1">
-            <a:off x="6253986" y="3522883"/>
-            <a:ext cx="270504" cy="175523"/>
-          </a:xfrm>
-          <a:prstGeom prst="triangle">
-            <a:avLst/>
-          </a:prstGeom>
-          <a:solidFill>
-            <a:srgbClr val="7030A0"/>
-          </a:solidFill>
-          <a:ln w="19050">
-            <a:solidFill>
-              <a:srgbClr val="7030A0"/>
-            </a:solidFill>
-          </a:ln>
-          <a:effectLst/>
-        </p:spPr>
-        <p:style>
-          <a:lnRef idx="1">
-            <a:schemeClr val="accent4"/>
-          </a:lnRef>
-          <a:fillRef idx="2">
-            <a:schemeClr val="accent4"/>
-          </a:fillRef>
-          <a:effectRef idx="1">
-            <a:schemeClr val="accent4"/>
-          </a:effectRef>
-          <a:fontRef idx="minor">
-            <a:schemeClr val="dk1"/>
-          </a:fontRef>
-        </p:style>
-        <p:txBody>
-          <a:bodyPr rtlCol="0" anchor="ctr"/>
-          <a:lstStyle/>
-          <a:p>
-            <a:pPr algn="ctr"/>
-            <a:endParaRPr lang="en-SG" sz="1050" b="1">
-              <a:solidFill>
-                <a:srgbClr val="92D050"/>
-              </a:solidFill>
-            </a:endParaRPr>
-          </a:p>
-        </p:txBody>
-      </p:sp>
-      <p:cxnSp>
-        <p:nvCxnSpPr>
-          <p:cNvPr id="75" name="Elbow Connector 122"/>
-          <p:cNvCxnSpPr/>
-          <p:nvPr/>
-        </p:nvCxnSpPr>
-        <p:spPr>
-          <a:xfrm>
-            <a:off x="910091" y="3040053"/>
-            <a:ext cx="419548" cy="2860"/>
-          </a:xfrm>
-          <a:prstGeom prst="bentConnector3">
-            <a:avLst>
-              <a:gd name="adj1" fmla="val 50000"/>
-            </a:avLst>
-          </a:prstGeom>
-          <a:ln w="19050">
-            <a:solidFill>
-              <a:schemeClr val="bg1">
-                <a:lumMod val="75000"/>
-              </a:schemeClr>
-            </a:solidFill>
-            <a:prstDash val="sysDot"/>
-            <a:headEnd type="none" w="med" len="med"/>
-            <a:tailEnd type="arrow" w="med" len="med"/>
-          </a:ln>
-          <a:effectLst/>
-        </p:spPr>
-        <p:style>
-          <a:lnRef idx="1">
-            <a:schemeClr val="accent2"/>
-          </a:lnRef>
-          <a:fillRef idx="2">
-            <a:schemeClr val="accent2"/>
-          </a:fillRef>
-          <a:effectRef idx="1">
-            <a:schemeClr val="accent2"/>
-          </a:effectRef>
-          <a:fontRef idx="minor">
-            <a:schemeClr val="dk1"/>
-          </a:fontRef>
-        </p:style>
-      </p:cxnSp>
-      <p:cxnSp>
-        <p:nvCxnSpPr>
-          <p:cNvPr id="21" name="Straight Connector 20"/>
-          <p:cNvCxnSpPr>
-            <a:stCxn id="120" idx="3"/>
-          </p:cNvCxnSpPr>
-          <p:nvPr/>
-        </p:nvCxnSpPr>
-        <p:spPr>
-          <a:xfrm flipV="1">
-            <a:off x="1849924" y="3040052"/>
-            <a:ext cx="216105" cy="1"/>
-          </a:xfrm>
-          <a:prstGeom prst="line">
-            <a:avLst/>
-          </a:prstGeom>
-          <a:ln w="19050">
-            <a:solidFill>
-              <a:srgbClr val="7030A0"/>
-            </a:solidFill>
-            <a:prstDash val="sysDot"/>
-            <a:headEnd type="none" w="med" len="med"/>
-            <a:tailEnd type="none" w="med" len="med"/>
-          </a:ln>
-          <a:effectLst/>
-        </p:spPr>
-        <p:style>
-          <a:lnRef idx="1">
-            <a:schemeClr val="accent2"/>
-          </a:lnRef>
-          <a:fillRef idx="2">
-            <a:schemeClr val="accent2"/>
-          </a:fillRef>
-          <a:effectRef idx="1">
-            <a:schemeClr val="accent2"/>
-          </a:effectRef>
-          <a:fontRef idx="minor">
-            <a:schemeClr val="dk1"/>
-          </a:fontRef>
-        </p:style>
-      </p:cxnSp>
-      <p:sp>
-        <p:nvSpPr>
-          <p:cNvPr id="42" name="Flowchart: Decision 96"/>
-          <p:cNvSpPr/>
-          <p:nvPr/>
-        </p:nvSpPr>
-        <p:spPr>
-          <a:xfrm>
-            <a:off x="2420322" y="3239846"/>
-            <a:ext cx="236048" cy="173380"/>
-          </a:xfrm>
-          <a:prstGeom prst="flowChartDecision">
-            <a:avLst/>
-          </a:prstGeom>
-          <a:noFill/>
-          <a:ln w="19050">
-            <a:solidFill>
-              <a:srgbClr val="7030A0"/>
-            </a:solidFill>
-          </a:ln>
-          <a:effectLst/>
-        </p:spPr>
-        <p:style>
-          <a:lnRef idx="1">
-            <a:schemeClr val="accent6"/>
-          </a:lnRef>
-          <a:fillRef idx="2">
-            <a:schemeClr val="accent6"/>
-          </a:fillRef>
-          <a:effectRef idx="1">
-            <a:schemeClr val="accent6"/>
-          </a:effectRef>
-          <a:fontRef idx="minor">
-            <a:schemeClr val="dk1"/>
-          </a:fontRef>
-        </p:style>
-        <p:txBody>
-          <a:bodyPr rtlCol="0" anchor="ctr"/>
-          <a:lstStyle/>
-          <a:p>
-            <a:pPr algn="ctr"/>
-            <a:endParaRPr lang="en-US" sz="1050"/>
-          </a:p>
-        </p:txBody>
-      </p:sp>
-      <p:sp>
-        <p:nvSpPr>
-          <p:cNvPr id="46" name="Rectangle 8"/>
-          <p:cNvSpPr/>
-          <p:nvPr/>
-        </p:nvSpPr>
-        <p:spPr>
-          <a:xfrm>
-            <a:off x="2879490" y="2627420"/>
-            <a:ext cx="1093635" cy="346760"/>
-          </a:xfrm>
-          <a:prstGeom prst="rect">
-            <a:avLst/>
-          </a:prstGeom>
-          <a:ln w="19050">
-            <a:solidFill>
-              <a:srgbClr val="7030A0"/>
-            </a:solidFill>
-          </a:ln>
-          <a:effectLst/>
-        </p:spPr>
-        <p:style>
-          <a:lnRef idx="1">
-            <a:schemeClr val="accent4"/>
-          </a:lnRef>
-          <a:fillRef idx="2">
-            <a:schemeClr val="accent4"/>
-          </a:fillRef>
-          <a:effectRef idx="1">
-            <a:schemeClr val="accent4"/>
-          </a:effectRef>
-          <a:fontRef idx="minor">
-            <a:schemeClr val="dk1"/>
-          </a:fontRef>
-        </p:style>
-        <p:txBody>
-          <a:bodyPr rtlCol="0" anchor="ctr"/>
-          <a:lstStyle/>
-          <a:p>
-            <a:pPr algn="ctr"/>
-            <a:r>
-              <a:rPr lang="en-US" sz="1050" dirty="0" err="1">
-                <a:solidFill>
-                  <a:srgbClr val="7030A0"/>
-                </a:solidFill>
-              </a:rPr>
-              <a:t>AddressBook</a:t>
-            </a:r>
-            <a:endParaRPr lang="en-SG" sz="1050" dirty="0">
-              <a:solidFill>
-                <a:srgbClr val="7030A0"/>
-              </a:solidFill>
-            </a:endParaRPr>
-          </a:p>
-        </p:txBody>
-      </p:sp>
-      <p:cxnSp>
-        <p:nvCxnSpPr>
-          <p:cNvPr id="47" name="Straight Arrow Connector 46"/>
-          <p:cNvCxnSpPr>
-            <a:stCxn id="48" idx="3"/>
-            <a:endCxn id="46" idx="1"/>
-          </p:cNvCxnSpPr>
-          <p:nvPr/>
-        </p:nvCxnSpPr>
-        <p:spPr>
-          <a:xfrm>
-            <a:off x="2658680" y="2795516"/>
-            <a:ext cx="220810" cy="5284"/>
-          </a:xfrm>
-          <a:prstGeom prst="straightConnector1">
-            <a:avLst/>
-          </a:prstGeom>
-          <a:ln w="19050">
-            <a:solidFill>
-              <a:srgbClr val="7030A0"/>
-            </a:solidFill>
-            <a:headEnd type="none" w="med" len="med"/>
-            <a:tailEnd type="arrow" w="med" len="med"/>
-          </a:ln>
-          <a:effectLst/>
-        </p:spPr>
-        <p:style>
-          <a:lnRef idx="1">
-            <a:schemeClr val="accent2"/>
-          </a:lnRef>
-          <a:fillRef idx="2">
-            <a:schemeClr val="accent2"/>
-          </a:fillRef>
-          <a:effectRef idx="1">
-            <a:schemeClr val="accent2"/>
-          </a:effectRef>
-          <a:fontRef idx="minor">
-            <a:schemeClr val="dk1"/>
-          </a:fontRef>
-        </p:style>
-      </p:cxnSp>
-      <p:sp>
-        <p:nvSpPr>
-          <p:cNvPr id="48" name="Flowchart: Decision 96"/>
-          <p:cNvSpPr/>
-          <p:nvPr/>
-        </p:nvSpPr>
-        <p:spPr>
-          <a:xfrm>
-            <a:off x="2422632" y="2708826"/>
-            <a:ext cx="236048" cy="173380"/>
-          </a:xfrm>
-          <a:prstGeom prst="flowChartDecision">
-            <a:avLst/>
-          </a:prstGeom>
-          <a:noFill/>
-          <a:ln w="19050">
-            <a:solidFill>
-              <a:srgbClr val="7030A0"/>
-            </a:solidFill>
-          </a:ln>
-          <a:effectLst/>
-        </p:spPr>
-        <p:style>
-          <a:lnRef idx="1">
-            <a:schemeClr val="accent6"/>
-          </a:lnRef>
-          <a:fillRef idx="2">
-            <a:schemeClr val="accent6"/>
-          </a:fillRef>
-          <a:effectRef idx="1">
-            <a:schemeClr val="accent6"/>
-          </a:effectRef>
-          <a:fontRef idx="minor">
-            <a:schemeClr val="dk1"/>
-          </a:fontRef>
-        </p:style>
-        <p:txBody>
-          <a:bodyPr rtlCol="0" anchor="ctr"/>
-          <a:lstStyle/>
-          <a:p>
-            <a:pPr algn="ctr"/>
-            <a:endParaRPr lang="en-US" sz="1050"/>
-          </a:p>
-        </p:txBody>
-      </p:sp>
-      <p:sp>
-        <p:nvSpPr>
-          <p:cNvPr id="49" name="Rectangle 8"/>
-          <p:cNvSpPr/>
-          <p:nvPr/>
-        </p:nvSpPr>
-        <p:spPr>
-          <a:xfrm>
-            <a:off x="4487017" y="2847371"/>
-            <a:ext cx="1156969" cy="346760"/>
-          </a:xfrm>
-          <a:prstGeom prst="rect">
-            <a:avLst/>
-          </a:prstGeom>
-          <a:ln w="19050">
-            <a:solidFill>
-              <a:srgbClr val="7030A0"/>
-            </a:solidFill>
-          </a:ln>
-          <a:effectLst/>
-        </p:spPr>
-        <p:style>
-          <a:lnRef idx="1">
-            <a:schemeClr val="accent4"/>
-          </a:lnRef>
-          <a:fillRef idx="2">
-            <a:schemeClr val="accent4"/>
-          </a:fillRef>
-          <a:effectRef idx="1">
-            <a:schemeClr val="accent4"/>
-          </a:effectRef>
-          <a:fontRef idx="minor">
-            <a:schemeClr val="dk1"/>
-          </a:fontRef>
-        </p:style>
-        <p:txBody>
-          <a:bodyPr rtlCol="0" anchor="ctr"/>
-          <a:lstStyle/>
-          <a:p>
-            <a:pPr algn="ctr"/>
-            <a:r>
-              <a:rPr lang="en-US" sz="1050" dirty="0" err="1">
-                <a:solidFill>
-                  <a:srgbClr val="7030A0"/>
-                </a:solidFill>
-              </a:rPr>
-              <a:t>UniquePersonList</a:t>
-            </a:r>
-            <a:endParaRPr lang="en-SG" sz="1050" dirty="0">
-              <a:solidFill>
-                <a:srgbClr val="7030A0"/>
-              </a:solidFill>
-            </a:endParaRPr>
-          </a:p>
-        </p:txBody>
-      </p:sp>
-      <p:sp>
-        <p:nvSpPr>
-          <p:cNvPr id="51" name="Flowchart: Decision 96"/>
-          <p:cNvSpPr/>
-          <p:nvPr/>
-        </p:nvSpPr>
-        <p:spPr>
-          <a:xfrm>
-            <a:off x="3984303" y="2673991"/>
-            <a:ext cx="236048" cy="173380"/>
-          </a:xfrm>
-          <a:prstGeom prst="flowChartDecision">
-            <a:avLst/>
-          </a:prstGeom>
-          <a:solidFill>
-            <a:srgbClr val="7030A0"/>
-          </a:solidFill>
-          <a:ln w="19050">
-            <a:solidFill>
-              <a:srgbClr val="7030A0"/>
-            </a:solidFill>
-          </a:ln>
-          <a:effectLst/>
-        </p:spPr>
-        <p:style>
-          <a:lnRef idx="1">
-            <a:schemeClr val="accent6"/>
-          </a:lnRef>
-          <a:fillRef idx="2">
-            <a:schemeClr val="accent6"/>
-          </a:fillRef>
-          <a:effectRef idx="1">
-            <a:schemeClr val="accent6"/>
-          </a:effectRef>
-          <a:fontRef idx="minor">
-            <a:schemeClr val="dk1"/>
-          </a:fontRef>
-        </p:style>
-        <p:txBody>
-          <a:bodyPr rtlCol="0" anchor="ctr"/>
-          <a:lstStyle/>
-          <a:p>
-            <a:pPr algn="ctr"/>
-            <a:endParaRPr lang="en-US" sz="1050"/>
-          </a:p>
-        </p:txBody>
-      </p:sp>
-      <p:cxnSp>
-        <p:nvCxnSpPr>
-          <p:cNvPr id="30" name="Elbow Connector 29"/>
-          <p:cNvCxnSpPr>
-            <a:stCxn id="51" idx="3"/>
-            <a:endCxn id="49" idx="1"/>
-          </p:cNvCxnSpPr>
-          <p:nvPr/>
-        </p:nvCxnSpPr>
-        <p:spPr>
-          <a:xfrm>
-            <a:off x="4220351" y="2760681"/>
-            <a:ext cx="266666" cy="260070"/>
-          </a:xfrm>
-          <a:prstGeom prst="bentConnector3">
-            <a:avLst/>
-          </a:prstGeom>
-          <a:ln w="19050">
-            <a:solidFill>
-              <a:srgbClr val="7030A0"/>
-            </a:solidFill>
-            <a:headEnd type="none" w="med" len="med"/>
-            <a:tailEnd type="arrow" w="med" len="med"/>
-          </a:ln>
-          <a:effectLst/>
-        </p:spPr>
-        <p:style>
-          <a:lnRef idx="1">
-            <a:schemeClr val="accent2"/>
-          </a:lnRef>
-          <a:fillRef idx="2">
-            <a:schemeClr val="accent2"/>
-          </a:fillRef>
-          <a:effectRef idx="1">
-            <a:schemeClr val="accent2"/>
-          </a:effectRef>
-          <a:fontRef idx="minor">
-            <a:schemeClr val="dk1"/>
-          </a:fontRef>
-        </p:style>
-      </p:cxnSp>
-      <p:sp>
-        <p:nvSpPr>
-          <p:cNvPr id="57" name="Rectangle 8"/>
-          <p:cNvSpPr/>
-          <p:nvPr/>
-        </p:nvSpPr>
-        <p:spPr>
-          <a:xfrm>
-            <a:off x="4477328" y="2280569"/>
-            <a:ext cx="1156969" cy="346760"/>
-          </a:xfrm>
-          <a:prstGeom prst="rect">
-            <a:avLst/>
-          </a:prstGeom>
-          <a:ln w="19050">
-            <a:solidFill>
-              <a:srgbClr val="7030A0"/>
-            </a:solidFill>
-          </a:ln>
-          <a:effectLst/>
-        </p:spPr>
-        <p:style>
-          <a:lnRef idx="1">
-            <a:schemeClr val="accent4"/>
-          </a:lnRef>
-          <a:fillRef idx="2">
-            <a:schemeClr val="accent4"/>
-          </a:fillRef>
-          <a:effectRef idx="1">
-            <a:schemeClr val="accent4"/>
-          </a:effectRef>
-          <a:fontRef idx="minor">
-            <a:schemeClr val="dk1"/>
-          </a:fontRef>
-        </p:style>
-        <p:txBody>
-          <a:bodyPr rtlCol="0" anchor="ctr"/>
-          <a:lstStyle/>
-          <a:p>
-            <a:pPr algn="ctr"/>
-            <a:r>
-              <a:rPr lang="en-US" sz="1050" dirty="0" err="1">
-                <a:solidFill>
-                  <a:srgbClr val="7030A0"/>
-                </a:solidFill>
-              </a:rPr>
-              <a:t>UniqueTagList</a:t>
-            </a:r>
-            <a:endParaRPr lang="en-SG" sz="1050" dirty="0">
-              <a:solidFill>
-                <a:srgbClr val="7030A0"/>
-              </a:solidFill>
-            </a:endParaRPr>
-          </a:p>
-        </p:txBody>
-      </p:sp>
-      <p:cxnSp>
-        <p:nvCxnSpPr>
-          <p:cNvPr id="59" name="Elbow Connector 58"/>
-          <p:cNvCxnSpPr>
-            <a:stCxn id="51" idx="3"/>
-            <a:endCxn id="57" idx="1"/>
-          </p:cNvCxnSpPr>
-          <p:nvPr/>
-        </p:nvCxnSpPr>
-        <p:spPr>
-          <a:xfrm flipV="1">
-            <a:off x="4220351" y="2453949"/>
-            <a:ext cx="256977" cy="306732"/>
-          </a:xfrm>
-          <a:prstGeom prst="bentConnector3">
-            <a:avLst>
-              <a:gd name="adj1" fmla="val 50000"/>
-            </a:avLst>
-          </a:prstGeom>
-          <a:ln w="19050">
-            <a:solidFill>
-              <a:srgbClr val="7030A0"/>
-            </a:solidFill>
-            <a:headEnd type="none" w="med" len="med"/>
-            <a:tailEnd type="arrow" w="med" len="med"/>
-          </a:ln>
-          <a:effectLst/>
-        </p:spPr>
-        <p:style>
-          <a:lnRef idx="1">
-            <a:schemeClr val="accent2"/>
-          </a:lnRef>
-          <a:fillRef idx="2">
-            <a:schemeClr val="accent2"/>
-          </a:fillRef>
-          <a:effectRef idx="1">
-            <a:schemeClr val="accent2"/>
-          </a:effectRef>
-          <a:fontRef idx="minor">
-            <a:schemeClr val="dk1"/>
-          </a:fontRef>
-        </p:style>
-      </p:cxnSp>
-      <p:sp>
-        <p:nvSpPr>
-          <p:cNvPr id="62" name="Rectangle 8"/>
-          <p:cNvSpPr/>
-          <p:nvPr/>
-        </p:nvSpPr>
-        <p:spPr>
-          <a:xfrm>
-            <a:off x="6313677" y="2858066"/>
-            <a:ext cx="708186" cy="346760"/>
-          </a:xfrm>
-          <a:prstGeom prst="rect">
-            <a:avLst/>
-          </a:prstGeom>
-          <a:ln w="19050">
-            <a:solidFill>
-              <a:srgbClr val="7030A0"/>
-            </a:solidFill>
-          </a:ln>
-          <a:effectLst/>
-        </p:spPr>
-        <p:style>
-          <a:lnRef idx="1">
-            <a:schemeClr val="accent4"/>
-          </a:lnRef>
-          <a:fillRef idx="2">
-            <a:schemeClr val="accent4"/>
-          </a:fillRef>
-          <a:effectRef idx="1">
-            <a:schemeClr val="accent4"/>
-          </a:effectRef>
-          <a:fontRef idx="minor">
-            <a:schemeClr val="dk1"/>
-          </a:fontRef>
-        </p:style>
-        <p:txBody>
-          <a:bodyPr rtlCol="0" anchor="ctr"/>
-          <a:lstStyle/>
-          <a:p>
-            <a:pPr algn="ctr"/>
-            <a:r>
-              <a:rPr lang="en-US" sz="1050" dirty="0">
-                <a:solidFill>
-                  <a:srgbClr val="7030A0"/>
-                </a:solidFill>
-              </a:rPr>
-              <a:t>Person</a:t>
-            </a:r>
-            <a:endParaRPr lang="en-SG" sz="1050" dirty="0">
-              <a:solidFill>
-                <a:srgbClr val="7030A0"/>
-              </a:solidFill>
-            </a:endParaRPr>
-          </a:p>
-        </p:txBody>
-      </p:sp>
-      <p:sp>
-        <p:nvSpPr>
-          <p:cNvPr id="63" name="Flowchart: Decision 96"/>
-          <p:cNvSpPr/>
-          <p:nvPr/>
-        </p:nvSpPr>
-        <p:spPr>
-          <a:xfrm>
-            <a:off x="5643227" y="2943979"/>
-            <a:ext cx="236048" cy="173380"/>
-          </a:xfrm>
-          <a:prstGeom prst="flowChartDecision">
-            <a:avLst/>
-          </a:prstGeom>
-          <a:noFill/>
-          <a:ln w="19050">
-            <a:solidFill>
-              <a:srgbClr val="7030A0"/>
-            </a:solidFill>
-          </a:ln>
-          <a:effectLst/>
-        </p:spPr>
-        <p:style>
-          <a:lnRef idx="1">
-            <a:schemeClr val="accent6"/>
-          </a:lnRef>
-          <a:fillRef idx="2">
-            <a:schemeClr val="accent6"/>
-          </a:fillRef>
-          <a:effectRef idx="1">
-            <a:schemeClr val="accent6"/>
-          </a:effectRef>
-          <a:fontRef idx="minor">
-            <a:schemeClr val="dk1"/>
-          </a:fontRef>
-        </p:style>
-        <p:txBody>
-          <a:bodyPr rtlCol="0" anchor="ctr"/>
-          <a:lstStyle/>
-          <a:p>
-            <a:pPr algn="ctr"/>
-            <a:endParaRPr lang="en-US" sz="1050"/>
-          </a:p>
-        </p:txBody>
-      </p:sp>
-      <p:cxnSp>
-        <p:nvCxnSpPr>
-          <p:cNvPr id="64" name="Elbow Connector 63"/>
-          <p:cNvCxnSpPr>
-            <a:stCxn id="63" idx="3"/>
-            <a:endCxn id="62" idx="1"/>
-          </p:cNvCxnSpPr>
-          <p:nvPr/>
-        </p:nvCxnSpPr>
-        <p:spPr>
-          <a:xfrm>
-            <a:off x="5879275" y="3030669"/>
-            <a:ext cx="434402" cy="777"/>
-          </a:xfrm>
-          <a:prstGeom prst="bentConnector3">
-            <a:avLst/>
-          </a:prstGeom>
-          <a:ln w="19050">
-            <a:solidFill>
-              <a:srgbClr val="7030A0"/>
-            </a:solidFill>
-            <a:headEnd type="none" w="med" len="med"/>
-            <a:tailEnd type="arrow" w="med" len="med"/>
-          </a:ln>
-          <a:effectLst/>
-        </p:spPr>
-        <p:style>
-          <a:lnRef idx="1">
-            <a:schemeClr val="accent2"/>
-          </a:lnRef>
-          <a:fillRef idx="2">
-            <a:schemeClr val="accent2"/>
-          </a:fillRef>
-          <a:effectRef idx="1">
-            <a:schemeClr val="accent2"/>
-          </a:effectRef>
-          <a:fontRef idx="minor">
-            <a:schemeClr val="dk1"/>
-          </a:fontRef>
-        </p:style>
-      </p:cxnSp>
-      <p:sp>
-        <p:nvSpPr>
-          <p:cNvPr id="67" name="Rectangle 8"/>
-          <p:cNvSpPr/>
-          <p:nvPr/>
-        </p:nvSpPr>
-        <p:spPr>
-          <a:xfrm>
-            <a:off x="5336105" y="1809332"/>
-            <a:ext cx="483700" cy="346760"/>
-          </a:xfrm>
-          <a:prstGeom prst="rect">
-            <a:avLst/>
-          </a:prstGeom>
-          <a:ln w="19050">
-            <a:solidFill>
-              <a:srgbClr val="7030A0"/>
-            </a:solidFill>
-          </a:ln>
-          <a:effectLst/>
-        </p:spPr>
-        <p:style>
-          <a:lnRef idx="1">
-            <a:schemeClr val="accent4"/>
-          </a:lnRef>
-          <a:fillRef idx="2">
-            <a:schemeClr val="accent4"/>
-          </a:fillRef>
-          <a:effectRef idx="1">
-            <a:schemeClr val="accent4"/>
-          </a:effectRef>
-          <a:fontRef idx="minor">
-            <a:schemeClr val="dk1"/>
-          </a:fontRef>
-        </p:style>
-        <p:txBody>
-          <a:bodyPr rtlCol="0" anchor="ctr"/>
-          <a:lstStyle/>
-          <a:p>
-            <a:pPr algn="ctr"/>
-            <a:r>
-              <a:rPr lang="en-US" sz="1050" dirty="0">
-                <a:solidFill>
-                  <a:srgbClr val="7030A0"/>
-                </a:solidFill>
-              </a:rPr>
-              <a:t>Tag</a:t>
-            </a:r>
-            <a:endParaRPr lang="en-SG" sz="1050" dirty="0">
-              <a:solidFill>
-                <a:srgbClr val="7030A0"/>
-              </a:solidFill>
-            </a:endParaRPr>
-          </a:p>
-        </p:txBody>
-      </p:sp>
-      <p:sp>
-        <p:nvSpPr>
-          <p:cNvPr id="68" name="Flowchart: Decision 96"/>
-          <p:cNvSpPr/>
-          <p:nvPr/>
-        </p:nvSpPr>
-        <p:spPr>
-          <a:xfrm rot="16200000">
-            <a:off x="4921666" y="2066540"/>
-            <a:ext cx="236048" cy="173380"/>
-          </a:xfrm>
-          <a:prstGeom prst="flowChartDecision">
-            <a:avLst/>
-          </a:prstGeom>
-          <a:noFill/>
-          <a:ln w="19050">
-            <a:solidFill>
-              <a:srgbClr val="7030A0"/>
-            </a:solidFill>
-          </a:ln>
-          <a:effectLst/>
-        </p:spPr>
-        <p:style>
-          <a:lnRef idx="1">
-            <a:schemeClr val="accent6"/>
-          </a:lnRef>
-          <a:fillRef idx="2">
-            <a:schemeClr val="accent6"/>
-          </a:fillRef>
-          <a:effectRef idx="1">
-            <a:schemeClr val="accent6"/>
-          </a:effectRef>
-          <a:fontRef idx="minor">
-            <a:schemeClr val="dk1"/>
-          </a:fontRef>
-        </p:style>
-        <p:txBody>
-          <a:bodyPr rtlCol="0" anchor="ctr"/>
-          <a:lstStyle/>
-          <a:p>
-            <a:pPr algn="ctr"/>
-            <a:endParaRPr lang="en-US" sz="1050"/>
-          </a:p>
-        </p:txBody>
-      </p:sp>
-      <p:cxnSp>
-        <p:nvCxnSpPr>
-          <p:cNvPr id="69" name="Elbow Connector 68"/>
-          <p:cNvCxnSpPr>
-            <a:stCxn id="68" idx="3"/>
-            <a:endCxn id="67" idx="1"/>
-          </p:cNvCxnSpPr>
-          <p:nvPr/>
-        </p:nvCxnSpPr>
-        <p:spPr>
-          <a:xfrm rot="5400000" flipH="1" flipV="1">
-            <a:off x="5161650" y="1860752"/>
-            <a:ext cx="52494" cy="296415"/>
-          </a:xfrm>
-          <a:prstGeom prst="bentConnector2">
-            <a:avLst/>
-          </a:prstGeom>
-          <a:ln w="19050">
-            <a:solidFill>
-              <a:srgbClr val="7030A0"/>
-            </a:solidFill>
-            <a:headEnd type="none" w="med" len="med"/>
-            <a:tailEnd type="arrow" w="med" len="med"/>
-          </a:ln>
-          <a:effectLst/>
-        </p:spPr>
-        <p:style>
-          <a:lnRef idx="1">
-            <a:schemeClr val="accent2"/>
-          </a:lnRef>
-          <a:fillRef idx="2">
-            <a:schemeClr val="accent2"/>
-          </a:fillRef>
-          <a:effectRef idx="1">
-            <a:schemeClr val="accent2"/>
-          </a:effectRef>
-          <a:fontRef idx="minor">
-            <a:schemeClr val="dk1"/>
-          </a:fontRef>
-        </p:style>
-      </p:cxnSp>
-      <p:sp>
-        <p:nvSpPr>
-          <p:cNvPr id="72" name="Rectangle 8"/>
-          <p:cNvSpPr/>
-          <p:nvPr/>
-        </p:nvSpPr>
-        <p:spPr>
-          <a:xfrm>
-            <a:off x="5128257" y="3429000"/>
-            <a:ext cx="1156969" cy="346760"/>
-          </a:xfrm>
-          <a:prstGeom prst="rect">
-            <a:avLst/>
-          </a:prstGeom>
-          <a:ln w="19050">
-            <a:solidFill>
-              <a:srgbClr val="7030A0"/>
-            </a:solidFill>
-          </a:ln>
-          <a:effectLst/>
-        </p:spPr>
-        <p:style>
-          <a:lnRef idx="1">
-            <a:schemeClr val="accent4"/>
-          </a:lnRef>
-          <a:fillRef idx="2">
-            <a:schemeClr val="accent4"/>
-          </a:fillRef>
-          <a:effectRef idx="1">
-            <a:schemeClr val="accent4"/>
-          </a:effectRef>
-          <a:fontRef idx="minor">
-            <a:schemeClr val="dk1"/>
-          </a:fontRef>
-        </p:style>
-        <p:txBody>
-          <a:bodyPr rtlCol="0" anchor="ctr"/>
-          <a:lstStyle/>
-          <a:p>
-            <a:pPr algn="ctr"/>
-            <a:r>
-              <a:rPr lang="en-US" sz="1050" dirty="0">
-                <a:solidFill>
-                  <a:srgbClr val="7030A0"/>
-                </a:solidFill>
-              </a:rPr>
-              <a:t>&lt;&lt;interface&gt;&gt;</a:t>
-            </a:r>
-            <a:br>
-              <a:rPr lang="en-US" sz="1050" dirty="0">
-                <a:solidFill>
-                  <a:srgbClr val="7030A0"/>
-                </a:solidFill>
-              </a:rPr>
-            </a:br>
-            <a:r>
-              <a:rPr lang="en-US" sz="1050" dirty="0" err="1">
-                <a:solidFill>
-                  <a:srgbClr val="7030A0"/>
-                </a:solidFill>
-              </a:rPr>
-              <a:t>ReadOnlyPerson</a:t>
-            </a:r>
-            <a:endParaRPr lang="en-SG" sz="1050" dirty="0">
-              <a:solidFill>
-                <a:srgbClr val="7030A0"/>
-              </a:solidFill>
-            </a:endParaRPr>
-          </a:p>
-        </p:txBody>
-      </p:sp>
-      <p:sp>
-        <p:nvSpPr>
-          <p:cNvPr id="76" name="Rectangle 8"/>
-          <p:cNvSpPr/>
-          <p:nvPr/>
-        </p:nvSpPr>
-        <p:spPr>
-          <a:xfrm>
-            <a:off x="7712397" y="2564238"/>
-            <a:ext cx="708186" cy="285783"/>
-          </a:xfrm>
-          <a:prstGeom prst="rect">
-            <a:avLst/>
-          </a:prstGeom>
-          <a:ln w="19050">
-            <a:solidFill>
-              <a:srgbClr val="7030A0"/>
-            </a:solidFill>
-          </a:ln>
-          <a:effectLst/>
-        </p:spPr>
-        <p:style>
-          <a:lnRef idx="1">
-            <a:schemeClr val="accent4"/>
-          </a:lnRef>
-          <a:fillRef idx="2">
-            <a:schemeClr val="accent4"/>
-          </a:fillRef>
-          <a:effectRef idx="1">
-            <a:schemeClr val="accent4"/>
-          </a:effectRef>
-          <a:fontRef idx="minor">
-            <a:schemeClr val="dk1"/>
-          </a:fontRef>
-        </p:style>
-        <p:txBody>
-          <a:bodyPr rtlCol="0" anchor="ctr"/>
-          <a:lstStyle/>
-          <a:p>
-            <a:pPr algn="ctr"/>
-            <a:r>
-              <a:rPr lang="en-US" sz="1050" dirty="0">
-                <a:solidFill>
-                  <a:srgbClr val="7030A0"/>
-                </a:solidFill>
-              </a:rPr>
-              <a:t>Name</a:t>
-            </a:r>
-            <a:endParaRPr lang="en-SG" sz="1050" dirty="0">
-              <a:solidFill>
-                <a:srgbClr val="7030A0"/>
-              </a:solidFill>
-            </a:endParaRPr>
-          </a:p>
-        </p:txBody>
-      </p:sp>
-      <p:sp>
-        <p:nvSpPr>
-          <p:cNvPr id="78" name="Flowchart: Decision 96"/>
-          <p:cNvSpPr/>
-          <p:nvPr/>
-        </p:nvSpPr>
-        <p:spPr>
-          <a:xfrm>
-            <a:off x="7041947" y="2948201"/>
-            <a:ext cx="236048" cy="173380"/>
-          </a:xfrm>
-          <a:prstGeom prst="flowChartDecision">
-            <a:avLst/>
-          </a:prstGeom>
-          <a:solidFill>
-            <a:srgbClr val="7030A0"/>
-          </a:solidFill>
-          <a:ln w="19050">
-            <a:solidFill>
-              <a:srgbClr val="7030A0"/>
-            </a:solidFill>
-          </a:ln>
-          <a:effectLst/>
-        </p:spPr>
-        <p:style>
-          <a:lnRef idx="1">
-            <a:schemeClr val="accent6"/>
-          </a:lnRef>
-          <a:fillRef idx="2">
-            <a:schemeClr val="accent6"/>
-          </a:fillRef>
-          <a:effectRef idx="1">
-            <a:schemeClr val="accent6"/>
-          </a:effectRef>
-          <a:fontRef idx="minor">
-            <a:schemeClr val="dk1"/>
-          </a:fontRef>
-        </p:style>
-        <p:txBody>
-          <a:bodyPr rtlCol="0" anchor="ctr"/>
-          <a:lstStyle/>
-          <a:p>
-            <a:pPr algn="ctr"/>
-            <a:endParaRPr lang="en-US" sz="1050"/>
-          </a:p>
-        </p:txBody>
-      </p:sp>
-      <p:cxnSp>
-        <p:nvCxnSpPr>
-          <p:cNvPr id="79" name="Elbow Connector 78"/>
-          <p:cNvCxnSpPr>
-            <a:stCxn id="78" idx="3"/>
-            <a:endCxn id="76" idx="1"/>
-          </p:cNvCxnSpPr>
-          <p:nvPr/>
-        </p:nvCxnSpPr>
-        <p:spPr>
-          <a:xfrm flipV="1">
-            <a:off x="7277995" y="2707130"/>
-            <a:ext cx="434402" cy="327761"/>
-          </a:xfrm>
-          <a:prstGeom prst="bentConnector3">
-            <a:avLst/>
-          </a:prstGeom>
-          <a:ln w="19050">
-            <a:solidFill>
-              <a:srgbClr val="7030A0"/>
-            </a:solidFill>
-            <a:headEnd type="none" w="med" len="med"/>
-            <a:tailEnd type="arrow" w="med" len="med"/>
-          </a:ln>
-          <a:effectLst/>
-        </p:spPr>
-        <p:style>
-          <a:lnRef idx="1">
-            <a:schemeClr val="accent2"/>
-          </a:lnRef>
-          <a:fillRef idx="2">
-            <a:schemeClr val="accent2"/>
-          </a:fillRef>
-          <a:effectRef idx="1">
-            <a:schemeClr val="accent2"/>
-          </a:effectRef>
-          <a:fontRef idx="minor">
-            <a:schemeClr val="dk1"/>
-          </a:fontRef>
-        </p:style>
-      </p:cxnSp>
-      <p:sp>
-        <p:nvSpPr>
-          <p:cNvPr id="80" name="Rectangle 8"/>
-          <p:cNvSpPr/>
-          <p:nvPr/>
-        </p:nvSpPr>
-        <p:spPr>
-          <a:xfrm>
-            <a:off x="7712397" y="2887216"/>
-            <a:ext cx="708186" cy="285783"/>
-          </a:xfrm>
-          <a:prstGeom prst="rect">
-            <a:avLst/>
-          </a:prstGeom>
-          <a:ln w="19050">
-            <a:solidFill>
-              <a:srgbClr val="7030A0"/>
-            </a:solidFill>
-          </a:ln>
-          <a:effectLst/>
-        </p:spPr>
-        <p:style>
-          <a:lnRef idx="1">
-            <a:schemeClr val="accent4"/>
-          </a:lnRef>
-          <a:fillRef idx="2">
-            <a:schemeClr val="accent4"/>
-          </a:fillRef>
-          <a:effectRef idx="1">
-            <a:schemeClr val="accent4"/>
-          </a:effectRef>
-          <a:fontRef idx="minor">
-            <a:schemeClr val="dk1"/>
-          </a:fontRef>
-        </p:style>
-        <p:txBody>
-          <a:bodyPr rtlCol="0" anchor="ctr"/>
-          <a:lstStyle/>
-          <a:p>
-            <a:pPr algn="ctr"/>
-            <a:r>
-              <a:rPr lang="en-US" sz="1050" dirty="0">
-                <a:solidFill>
-                  <a:srgbClr val="7030A0"/>
-                </a:solidFill>
-              </a:rPr>
-              <a:t>Phone</a:t>
-            </a:r>
-            <a:endParaRPr lang="en-SG" sz="1050" dirty="0">
-              <a:solidFill>
-                <a:srgbClr val="7030A0"/>
-              </a:solidFill>
-            </a:endParaRPr>
-          </a:p>
-        </p:txBody>
-      </p:sp>
-      <p:cxnSp>
-        <p:nvCxnSpPr>
-          <p:cNvPr id="81" name="Elbow Connector 80"/>
-          <p:cNvCxnSpPr>
-            <a:stCxn id="78" idx="3"/>
-            <a:endCxn id="80" idx="1"/>
-          </p:cNvCxnSpPr>
-          <p:nvPr/>
-        </p:nvCxnSpPr>
-        <p:spPr>
-          <a:xfrm flipV="1">
-            <a:off x="7277995" y="3030108"/>
-            <a:ext cx="434402" cy="4783"/>
-          </a:xfrm>
-          <a:prstGeom prst="bentConnector3">
-            <a:avLst/>
-          </a:prstGeom>
-          <a:ln w="19050">
-            <a:solidFill>
-              <a:srgbClr val="7030A0"/>
-            </a:solidFill>
-            <a:headEnd type="none" w="med" len="med"/>
-            <a:tailEnd type="arrow" w="med" len="med"/>
-          </a:ln>
-          <a:effectLst/>
-        </p:spPr>
-        <p:style>
-          <a:lnRef idx="1">
-            <a:schemeClr val="accent2"/>
-          </a:lnRef>
-          <a:fillRef idx="2">
-            <a:schemeClr val="accent2"/>
-          </a:fillRef>
-          <a:effectRef idx="1">
-            <a:schemeClr val="accent2"/>
-          </a:effectRef>
-          <a:fontRef idx="minor">
-            <a:schemeClr val="dk1"/>
-          </a:fontRef>
-        </p:style>
-      </p:cxnSp>
-      <p:sp>
-        <p:nvSpPr>
-          <p:cNvPr id="83" name="Rectangle 8"/>
-          <p:cNvSpPr/>
-          <p:nvPr/>
-        </p:nvSpPr>
-        <p:spPr>
-          <a:xfrm>
-            <a:off x="7712397" y="3210194"/>
-            <a:ext cx="708186" cy="285783"/>
-          </a:xfrm>
-          <a:prstGeom prst="rect">
-            <a:avLst/>
-          </a:prstGeom>
-          <a:ln w="19050">
-            <a:solidFill>
-              <a:srgbClr val="7030A0"/>
-            </a:solidFill>
-          </a:ln>
-          <a:effectLst/>
-        </p:spPr>
-        <p:style>
-          <a:lnRef idx="1">
-            <a:schemeClr val="accent4"/>
-          </a:lnRef>
-          <a:fillRef idx="2">
-            <a:schemeClr val="accent4"/>
-          </a:fillRef>
-          <a:effectRef idx="1">
-            <a:schemeClr val="accent4"/>
-          </a:effectRef>
-          <a:fontRef idx="minor">
-            <a:schemeClr val="dk1"/>
-          </a:fontRef>
-        </p:style>
-        <p:txBody>
-          <a:bodyPr rtlCol="0" anchor="ctr"/>
-          <a:lstStyle/>
-          <a:p>
-            <a:pPr algn="ctr"/>
-            <a:r>
-              <a:rPr lang="en-US" sz="1050" dirty="0">
-                <a:solidFill>
-                  <a:srgbClr val="7030A0"/>
-                </a:solidFill>
-              </a:rPr>
-              <a:t>Email</a:t>
-            </a:r>
-            <a:endParaRPr lang="en-SG" sz="1050" dirty="0">
-              <a:solidFill>
-                <a:srgbClr val="7030A0"/>
-              </a:solidFill>
-            </a:endParaRPr>
-          </a:p>
-        </p:txBody>
-      </p:sp>
-      <p:cxnSp>
-        <p:nvCxnSpPr>
-          <p:cNvPr id="84" name="Elbow Connector 83"/>
-          <p:cNvCxnSpPr>
-            <a:stCxn id="78" idx="3"/>
-            <a:endCxn id="83" idx="1"/>
-          </p:cNvCxnSpPr>
-          <p:nvPr/>
-        </p:nvCxnSpPr>
-        <p:spPr>
-          <a:xfrm>
-            <a:off x="7277995" y="3034891"/>
-            <a:ext cx="434402" cy="318195"/>
-          </a:xfrm>
-          <a:prstGeom prst="bentConnector3">
-            <a:avLst/>
-          </a:prstGeom>
-          <a:ln w="19050">
-            <a:solidFill>
-              <a:srgbClr val="7030A0"/>
-            </a:solidFill>
-            <a:headEnd type="none" w="med" len="med"/>
-            <a:tailEnd type="arrow" w="med" len="med"/>
-          </a:ln>
-          <a:effectLst/>
-        </p:spPr>
-        <p:style>
-          <a:lnRef idx="1">
-            <a:schemeClr val="accent2"/>
-          </a:lnRef>
-          <a:fillRef idx="2">
-            <a:schemeClr val="accent2"/>
-          </a:fillRef>
-          <a:effectRef idx="1">
-            <a:schemeClr val="accent2"/>
-          </a:effectRef>
-          <a:fontRef idx="minor">
-            <a:schemeClr val="dk1"/>
-          </a:fontRef>
-        </p:style>
-      </p:cxnSp>
-      <p:sp>
-        <p:nvSpPr>
-          <p:cNvPr id="85" name="Rectangle 8"/>
-          <p:cNvSpPr/>
-          <p:nvPr/>
-        </p:nvSpPr>
-        <p:spPr>
-          <a:xfrm>
-            <a:off x="7712397" y="3533171"/>
-            <a:ext cx="708186" cy="285783"/>
-          </a:xfrm>
-          <a:prstGeom prst="rect">
-            <a:avLst/>
-          </a:prstGeom>
-          <a:ln w="19050">
-            <a:solidFill>
-              <a:srgbClr val="7030A0"/>
-            </a:solidFill>
-          </a:ln>
-          <a:effectLst/>
-        </p:spPr>
-        <p:style>
-          <a:lnRef idx="1">
-            <a:schemeClr val="accent4"/>
-          </a:lnRef>
-          <a:fillRef idx="2">
-            <a:schemeClr val="accent4"/>
-          </a:fillRef>
-          <a:effectRef idx="1">
-            <a:schemeClr val="accent4"/>
-          </a:effectRef>
-          <a:fontRef idx="minor">
-            <a:schemeClr val="dk1"/>
-          </a:fontRef>
-        </p:style>
-        <p:txBody>
-          <a:bodyPr rtlCol="0" anchor="ctr"/>
-          <a:lstStyle/>
-          <a:p>
-            <a:pPr algn="ctr"/>
-            <a:r>
-              <a:rPr lang="en-US" sz="1050" dirty="0">
-                <a:solidFill>
-                  <a:srgbClr val="7030A0"/>
-                </a:solidFill>
-              </a:rPr>
-              <a:t>Address</a:t>
-            </a:r>
-            <a:endParaRPr lang="en-SG" sz="1050" dirty="0">
-              <a:solidFill>
-                <a:srgbClr val="7030A0"/>
-              </a:solidFill>
-            </a:endParaRPr>
-          </a:p>
-        </p:txBody>
-      </p:sp>
-      <p:cxnSp>
-        <p:nvCxnSpPr>
-          <p:cNvPr id="86" name="Elbow Connector 85"/>
-          <p:cNvCxnSpPr>
-            <a:stCxn id="78" idx="3"/>
-            <a:endCxn id="85" idx="1"/>
-          </p:cNvCxnSpPr>
-          <p:nvPr/>
-        </p:nvCxnSpPr>
-        <p:spPr>
-          <a:xfrm>
-            <a:off x="7277995" y="3034891"/>
-            <a:ext cx="434402" cy="641172"/>
-          </a:xfrm>
-          <a:prstGeom prst="bentConnector3">
-            <a:avLst/>
-          </a:prstGeom>
-          <a:ln w="19050">
-            <a:solidFill>
-              <a:srgbClr val="7030A0"/>
-            </a:solidFill>
-            <a:headEnd type="none" w="med" len="med"/>
-            <a:tailEnd type="arrow" w="med" len="med"/>
-          </a:ln>
-          <a:effectLst/>
-        </p:spPr>
-        <p:style>
-          <a:lnRef idx="1">
-            <a:schemeClr val="accent2"/>
-          </a:lnRef>
-          <a:fillRef idx="2">
-            <a:schemeClr val="accent2"/>
-          </a:fillRef>
-          <a:effectRef idx="1">
-            <a:schemeClr val="accent2"/>
-          </a:effectRef>
-          <a:fontRef idx="minor">
-            <a:schemeClr val="dk1"/>
-          </a:fontRef>
-        </p:style>
-      </p:cxnSp>
-      <p:cxnSp>
-        <p:nvCxnSpPr>
-          <p:cNvPr id="97" name="Elbow Connector 63"/>
-          <p:cNvCxnSpPr>
-            <a:stCxn id="99" idx="3"/>
-          </p:cNvCxnSpPr>
-          <p:nvPr/>
-        </p:nvCxnSpPr>
-        <p:spPr>
-          <a:xfrm rot="16200000" flipH="1">
-            <a:off x="3279321" y="2485431"/>
-            <a:ext cx="293825" cy="1"/>
-          </a:xfrm>
-          <a:prstGeom prst="bentConnector3">
-            <a:avLst>
-              <a:gd name="adj1" fmla="val 50000"/>
-            </a:avLst>
-          </a:prstGeom>
-          <a:ln w="19050">
-            <a:solidFill>
-              <a:srgbClr val="7030A0"/>
-            </a:solidFill>
-            <a:prstDash val="sysDot"/>
-            <a:headEnd type="none" w="med" len="med"/>
-            <a:tailEnd type="none" w="med" len="med"/>
-          </a:ln>
-          <a:effectLst/>
-        </p:spPr>
-        <p:style>
-          <a:lnRef idx="1">
-            <a:schemeClr val="accent2"/>
-          </a:lnRef>
-          <a:fillRef idx="2">
-            <a:schemeClr val="accent2"/>
-          </a:fillRef>
-          <a:effectRef idx="1">
-            <a:schemeClr val="accent2"/>
-          </a:effectRef>
-          <a:fontRef idx="minor">
-            <a:schemeClr val="dk1"/>
-          </a:fontRef>
-        </p:style>
-      </p:cxnSp>
-      <p:sp>
-        <p:nvSpPr>
-          <p:cNvPr id="99" name="Isosceles Triangle 102"/>
-          <p:cNvSpPr/>
-          <p:nvPr/>
-        </p:nvSpPr>
-        <p:spPr>
-          <a:xfrm rot="10800000" flipV="1">
-            <a:off x="3290981" y="2162997"/>
-            <a:ext cx="270504" cy="175523"/>
-          </a:xfrm>
-          <a:prstGeom prst="triangle">
-            <a:avLst/>
-          </a:prstGeom>
-          <a:ln w="19050">
-            <a:solidFill>
-              <a:srgbClr val="7030A0"/>
-            </a:solidFill>
-          </a:ln>
-          <a:effectLst/>
-        </p:spPr>
-        <p:style>
-          <a:lnRef idx="1">
-            <a:schemeClr val="accent4"/>
-          </a:lnRef>
-          <a:fillRef idx="2">
-            <a:schemeClr val="accent4"/>
-          </a:fillRef>
-          <a:effectRef idx="1">
-            <a:schemeClr val="accent4"/>
-          </a:effectRef>
-          <a:fontRef idx="minor">
-            <a:schemeClr val="dk1"/>
-          </a:fontRef>
-        </p:style>
-        <p:txBody>
-          <a:bodyPr rtlCol="0" anchor="ctr"/>
-          <a:lstStyle/>
-          <a:p>
-            <a:pPr algn="ctr"/>
-            <a:endParaRPr lang="en-SG" sz="1050" b="1">
-              <a:solidFill>
-                <a:srgbClr val="92D050"/>
-              </a:solidFill>
-            </a:endParaRPr>
-          </a:p>
-        </p:txBody>
-      </p:sp>
-      <p:sp>
-        <p:nvSpPr>
-          <p:cNvPr id="100" name="Rectangle 8"/>
-          <p:cNvSpPr/>
-          <p:nvPr/>
-        </p:nvSpPr>
-        <p:spPr>
-          <a:xfrm>
-            <a:off x="2660303" y="1806470"/>
-            <a:ext cx="1539926" cy="346760"/>
-          </a:xfrm>
-          <a:prstGeom prst="rect">
-            <a:avLst/>
-          </a:prstGeom>
-          <a:ln w="19050">
-            <a:solidFill>
-              <a:srgbClr val="7030A0"/>
-            </a:solidFill>
-          </a:ln>
-          <a:effectLst/>
-        </p:spPr>
-        <p:style>
-          <a:lnRef idx="1">
-            <a:schemeClr val="accent4"/>
-          </a:lnRef>
-          <a:fillRef idx="2">
-            <a:schemeClr val="accent4"/>
-          </a:fillRef>
-          <a:effectRef idx="1">
-            <a:schemeClr val="accent4"/>
-          </a:effectRef>
-          <a:fontRef idx="minor">
-            <a:schemeClr val="dk1"/>
-          </a:fontRef>
-        </p:style>
-        <p:txBody>
-          <a:bodyPr rtlCol="0" anchor="ctr"/>
-          <a:lstStyle/>
-          <a:p>
-            <a:pPr algn="ctr"/>
-            <a:r>
-              <a:rPr lang="en-US" sz="1050" dirty="0">
-                <a:solidFill>
-                  <a:srgbClr val="7030A0"/>
-                </a:solidFill>
-              </a:rPr>
-              <a:t>&lt;&lt;interface&gt;&gt;</a:t>
-            </a:r>
-            <a:br>
-              <a:rPr lang="en-US" sz="1050" dirty="0">
-                <a:solidFill>
-                  <a:srgbClr val="7030A0"/>
-                </a:solidFill>
-              </a:rPr>
-            </a:br>
-            <a:r>
-              <a:rPr lang="en-US" sz="1050" dirty="0" err="1">
-                <a:solidFill>
-                  <a:srgbClr val="7030A0"/>
-                </a:solidFill>
-              </a:rPr>
-              <a:t>ReadOnlyAddressBook</a:t>
-            </a:r>
-            <a:endParaRPr lang="en-SG" sz="1050" dirty="0">
-              <a:solidFill>
-                <a:srgbClr val="7030A0"/>
-              </a:solidFill>
-            </a:endParaRPr>
-          </a:p>
-        </p:txBody>
-      </p:sp>
-      <p:sp>
-        <p:nvSpPr>
-          <p:cNvPr id="114" name="TextBox 113"/>
+          <p:cNvPr id="95" name="TextBox 94">
+            <a:extLst>
+              <a:ext uri="{FF2B5EF4-FFF2-40B4-BE49-F238E27FC236}">
+                <a16:creationId xmlns:a16="http://schemas.microsoft.com/office/drawing/2014/main" id="{D29B85A3-61AD-46D9-96B7-EC8CCA02159B}"/>
+              </a:ext>
+            </a:extLst>
+          </p:cNvPr>
           <p:cNvSpPr txBox="1"/>
           <p:nvPr/>
         </p:nvSpPr>
         <p:spPr>
-          <a:xfrm rot="16200000">
-            <a:off x="6527512" y="3586305"/>
-            <a:ext cx="881018" cy="261610"/>
-          </a:xfrm>
-          <a:prstGeom prst="rect">
-            <a:avLst/>
-          </a:prstGeom>
-          <a:noFill/>
-        </p:spPr>
-        <p:txBody>
-          <a:bodyPr wrap="square" rtlCol="0">
-            <a:spAutoFit/>
-          </a:bodyPr>
-          <a:lstStyle/>
-          <a:p>
-            <a:pPr algn="r"/>
-            <a:r>
-              <a:rPr lang="en-US" sz="1100" dirty="0">
-                <a:solidFill>
-                  <a:srgbClr val="7030A0"/>
-                </a:solidFill>
-              </a:rPr>
-              <a:t>filtered list</a:t>
-            </a:r>
-            <a:endParaRPr lang="en-SG" sz="1100" dirty="0">
-              <a:solidFill>
-                <a:srgbClr val="7030A0"/>
-              </a:solidFill>
-            </a:endParaRPr>
-          </a:p>
-        </p:txBody>
-      </p:sp>
-      <p:sp>
-        <p:nvSpPr>
-          <p:cNvPr id="122" name="Rectangle 8"/>
-          <p:cNvSpPr/>
-          <p:nvPr/>
-        </p:nvSpPr>
-        <p:spPr>
-          <a:xfrm>
-            <a:off x="2057400" y="4239491"/>
-            <a:ext cx="1775949" cy="346760"/>
-          </a:xfrm>
-          <a:prstGeom prst="rect">
-            <a:avLst/>
-          </a:prstGeom>
-          <a:ln w="19050">
-            <a:solidFill>
-              <a:srgbClr val="7030A0"/>
-            </a:solidFill>
-          </a:ln>
-          <a:effectLst/>
-        </p:spPr>
-        <p:style>
-          <a:lnRef idx="1">
-            <a:schemeClr val="accent4"/>
-          </a:lnRef>
-          <a:fillRef idx="2">
-            <a:schemeClr val="accent4"/>
-          </a:fillRef>
-          <a:effectRef idx="1">
-            <a:schemeClr val="accent4"/>
-          </a:effectRef>
-          <a:fontRef idx="minor">
-            <a:schemeClr val="dk1"/>
-          </a:fontRef>
-        </p:style>
-        <p:txBody>
-          <a:bodyPr rtlCol="0" anchor="ctr"/>
-          <a:lstStyle/>
-          <a:p>
-            <a:pPr algn="ctr"/>
-            <a:r>
-              <a:rPr lang="en-US" sz="1050" dirty="0">
-                <a:solidFill>
-                  <a:srgbClr val="7030A0"/>
-                </a:solidFill>
-              </a:rPr>
-              <a:t>&lt;&lt;interface&gt;&gt;</a:t>
-            </a:r>
-            <a:br>
-              <a:rPr lang="en-US" sz="1050" dirty="0">
-                <a:solidFill>
-                  <a:srgbClr val="7030A0"/>
-                </a:solidFill>
-              </a:rPr>
-            </a:br>
-            <a:r>
-              <a:rPr lang="en-US" sz="1050" dirty="0" err="1">
-                <a:solidFill>
-                  <a:srgbClr val="7030A0"/>
-                </a:solidFill>
-              </a:rPr>
-              <a:t>UnmodifiableObservableList</a:t>
-            </a:r>
-            <a:endParaRPr lang="en-SG" sz="1050" dirty="0">
-              <a:solidFill>
-                <a:srgbClr val="7030A0"/>
-              </a:solidFill>
-            </a:endParaRPr>
-          </a:p>
-        </p:txBody>
-      </p:sp>
-      <p:cxnSp>
-        <p:nvCxnSpPr>
-          <p:cNvPr id="124" name="Elbow Connector 122"/>
-          <p:cNvCxnSpPr>
-            <a:stCxn id="119" idx="1"/>
-            <a:endCxn id="122" idx="1"/>
-          </p:cNvCxnSpPr>
-          <p:nvPr/>
-        </p:nvCxnSpPr>
-        <p:spPr>
-          <a:xfrm rot="16200000" flipH="1">
-            <a:off x="1364475" y="3719945"/>
-            <a:ext cx="831471" cy="554380"/>
-          </a:xfrm>
-          <a:prstGeom prst="bentConnector2">
-            <a:avLst/>
-          </a:prstGeom>
-          <a:ln w="19050">
-            <a:solidFill>
-              <a:srgbClr val="7030A0"/>
-            </a:solidFill>
-            <a:prstDash val="sysDot"/>
-            <a:headEnd type="none" w="med" len="med"/>
-            <a:tailEnd type="arrow" w="med" len="med"/>
-          </a:ln>
-          <a:effectLst/>
-        </p:spPr>
-        <p:style>
-          <a:lnRef idx="1">
-            <a:schemeClr val="accent2"/>
-          </a:lnRef>
-          <a:fillRef idx="2">
-            <a:schemeClr val="accent2"/>
-          </a:fillRef>
-          <a:effectRef idx="1">
-            <a:schemeClr val="accent2"/>
-          </a:effectRef>
-          <a:fontRef idx="minor">
-            <a:schemeClr val="dk1"/>
-          </a:fontRef>
-        </p:style>
-      </p:cxnSp>
-      <p:cxnSp>
-        <p:nvCxnSpPr>
-          <p:cNvPr id="50" name="Elbow Connector 49"/>
-          <p:cNvCxnSpPr>
-            <a:stCxn id="62" idx="0"/>
-            <a:endCxn id="57" idx="3"/>
-          </p:cNvCxnSpPr>
-          <p:nvPr/>
-        </p:nvCxnSpPr>
-        <p:spPr>
-          <a:xfrm rot="16200000" flipV="1">
-            <a:off x="5948976" y="2139271"/>
-            <a:ext cx="404117" cy="1033473"/>
-          </a:xfrm>
-          <a:prstGeom prst="bentConnector2">
-            <a:avLst/>
-          </a:prstGeom>
-          <a:ln w="19050">
-            <a:solidFill>
-              <a:srgbClr val="7030A0"/>
-            </a:solidFill>
-            <a:headEnd type="none" w="med" len="med"/>
-            <a:tailEnd type="arrow" w="med" len="med"/>
-          </a:ln>
-          <a:effectLst/>
-        </p:spPr>
-        <p:style>
-          <a:lnRef idx="1">
-            <a:schemeClr val="accent2"/>
-          </a:lnRef>
-          <a:fillRef idx="2">
-            <a:schemeClr val="accent2"/>
-          </a:fillRef>
-          <a:effectRef idx="1">
-            <a:schemeClr val="accent2"/>
-          </a:effectRef>
-          <a:fontRef idx="minor">
-            <a:schemeClr val="dk1"/>
-          </a:fontRef>
-        </p:style>
-      </p:cxnSp>
-      <p:sp>
-        <p:nvSpPr>
-          <p:cNvPr id="11" name="TextBox 10"/>
-          <p:cNvSpPr txBox="1"/>
-          <p:nvPr/>
-        </p:nvSpPr>
-        <p:spPr>
-          <a:xfrm>
-            <a:off x="4324972" y="2191228"/>
+          <a:xfrm>
+            <a:off x="4179695" y="2074938"/>
             <a:ext cx="189257" cy="178683"/>
           </a:xfrm>
           <a:prstGeom prst="rect">
@@ -13080,13 +9803,19 @@
       </p:sp>
       <p:sp>
         <p:nvSpPr>
-          <p:cNvPr id="54" name="TextBox 53"/>
+          <p:cNvPr id="96" name="TextBox 95">
+            <a:extLst>
+              <a:ext uri="{FF2B5EF4-FFF2-40B4-BE49-F238E27FC236}">
+                <a16:creationId xmlns:a16="http://schemas.microsoft.com/office/drawing/2014/main" id="{4C638C9C-DC93-4F3F-9C3B-86FC32804BAA}"/>
+              </a:ext>
+            </a:extLst>
+          </p:cNvPr>
           <p:cNvSpPr txBox="1"/>
           <p:nvPr/>
         </p:nvSpPr>
         <p:spPr>
           <a:xfrm>
-            <a:off x="4324972" y="3058864"/>
+            <a:off x="4179694" y="2536269"/>
             <a:ext cx="189257" cy="178683"/>
           </a:xfrm>
           <a:prstGeom prst="rect">
@@ -13117,279 +9846,10 @@
           </a:p>
         </p:txBody>
       </p:sp>
-      <p:sp>
-        <p:nvSpPr>
-          <p:cNvPr id="56" name="TextBox 55"/>
-          <p:cNvSpPr txBox="1"/>
-          <p:nvPr/>
-        </p:nvSpPr>
-        <p:spPr>
-          <a:xfrm>
-            <a:off x="5689761" y="2495413"/>
-            <a:ext cx="189257" cy="178683"/>
-          </a:xfrm>
-          <a:prstGeom prst="rect">
-            <a:avLst/>
-          </a:prstGeom>
-          <a:noFill/>
-        </p:spPr>
-        <p:txBody>
-          <a:bodyPr wrap="square" lIns="0" tIns="0" rIns="0" bIns="0" rtlCol="0">
-            <a:noAutofit/>
-          </a:bodyPr>
-          <a:lstStyle/>
-          <a:p>
-            <a:pPr algn="ctr"/>
-            <a:r>
-              <a:rPr lang="en-US" sz="1100" dirty="0">
-                <a:solidFill>
-                  <a:srgbClr val="7030A0"/>
-                </a:solidFill>
-              </a:rPr>
-              <a:t>1</a:t>
-            </a:r>
-            <a:endParaRPr lang="en-SG" sz="1100" dirty="0">
-              <a:solidFill>
-                <a:srgbClr val="7030A0"/>
-              </a:solidFill>
-            </a:endParaRPr>
-          </a:p>
-        </p:txBody>
-      </p:sp>
-      <p:sp>
-        <p:nvSpPr>
-          <p:cNvPr id="60" name="TextBox 59"/>
-          <p:cNvSpPr txBox="1"/>
-          <p:nvPr/>
-        </p:nvSpPr>
-        <p:spPr>
-          <a:xfrm>
-            <a:off x="5163172" y="1778919"/>
-            <a:ext cx="189257" cy="178683"/>
-          </a:xfrm>
-          <a:prstGeom prst="rect">
-            <a:avLst/>
-          </a:prstGeom>
-          <a:noFill/>
-        </p:spPr>
-        <p:txBody>
-          <a:bodyPr wrap="square" lIns="0" tIns="0" rIns="0" bIns="0" rtlCol="0">
-            <a:noAutofit/>
-          </a:bodyPr>
-          <a:lstStyle/>
-          <a:p>
-            <a:pPr algn="ctr"/>
-            <a:r>
-              <a:rPr lang="en-US" sz="1100" dirty="0">
-                <a:solidFill>
-                  <a:srgbClr val="7030A0"/>
-                </a:solidFill>
-              </a:rPr>
-              <a:t>*</a:t>
-            </a:r>
-            <a:endParaRPr lang="en-SG" sz="1100" dirty="0">
-              <a:solidFill>
-                <a:srgbClr val="7030A0"/>
-              </a:solidFill>
-            </a:endParaRPr>
-          </a:p>
-        </p:txBody>
-      </p:sp>
-      <p:sp>
-        <p:nvSpPr>
-          <p:cNvPr id="61" name="TextBox 60"/>
-          <p:cNvSpPr txBox="1"/>
-          <p:nvPr/>
-        </p:nvSpPr>
-        <p:spPr>
-          <a:xfrm>
-            <a:off x="6135256" y="3097917"/>
-            <a:ext cx="189257" cy="178683"/>
-          </a:xfrm>
-          <a:prstGeom prst="rect">
-            <a:avLst/>
-          </a:prstGeom>
-          <a:noFill/>
-        </p:spPr>
-        <p:txBody>
-          <a:bodyPr wrap="square" lIns="0" tIns="0" rIns="0" bIns="0" rtlCol="0">
-            <a:noAutofit/>
-          </a:bodyPr>
-          <a:lstStyle/>
-          <a:p>
-            <a:pPr algn="ctr"/>
-            <a:r>
-              <a:rPr lang="en-US" sz="1100" dirty="0">
-                <a:solidFill>
-                  <a:srgbClr val="7030A0"/>
-                </a:solidFill>
-              </a:rPr>
-              <a:t>*</a:t>
-            </a:r>
-            <a:endParaRPr lang="en-SG" sz="1100" dirty="0">
-              <a:solidFill>
-                <a:srgbClr val="7030A0"/>
-              </a:solidFill>
-            </a:endParaRPr>
-          </a:p>
-        </p:txBody>
-      </p:sp>
-      <p:sp>
-        <p:nvSpPr>
-          <p:cNvPr id="65" name="TextBox 64"/>
-          <p:cNvSpPr txBox="1"/>
-          <p:nvPr/>
-        </p:nvSpPr>
-        <p:spPr>
-          <a:xfrm>
-            <a:off x="2687923" y="2564238"/>
-            <a:ext cx="189257" cy="178683"/>
-          </a:xfrm>
-          <a:prstGeom prst="rect">
-            <a:avLst/>
-          </a:prstGeom>
-          <a:noFill/>
-        </p:spPr>
-        <p:txBody>
-          <a:bodyPr wrap="square" lIns="0" tIns="0" rIns="0" bIns="0" rtlCol="0">
-            <a:noAutofit/>
-          </a:bodyPr>
-          <a:lstStyle/>
-          <a:p>
-            <a:pPr algn="ctr"/>
-            <a:r>
-              <a:rPr lang="en-US" sz="1100" dirty="0">
-                <a:solidFill>
-                  <a:srgbClr val="7030A0"/>
-                </a:solidFill>
-              </a:rPr>
-              <a:t>1</a:t>
-            </a:r>
-            <a:endParaRPr lang="en-SG" sz="1100" dirty="0">
-              <a:solidFill>
-                <a:srgbClr val="7030A0"/>
-              </a:solidFill>
-            </a:endParaRPr>
-          </a:p>
-        </p:txBody>
-      </p:sp>
-      <p:sp>
-        <p:nvSpPr>
-          <p:cNvPr id="66" name="TextBox 65"/>
-          <p:cNvSpPr txBox="1"/>
-          <p:nvPr/>
-        </p:nvSpPr>
-        <p:spPr>
-          <a:xfrm>
-            <a:off x="2656370" y="3386050"/>
-            <a:ext cx="189257" cy="178683"/>
-          </a:xfrm>
-          <a:prstGeom prst="rect">
-            <a:avLst/>
-          </a:prstGeom>
-          <a:noFill/>
-        </p:spPr>
-        <p:txBody>
-          <a:bodyPr wrap="square" lIns="0" tIns="0" rIns="0" bIns="0" rtlCol="0">
-            <a:noAutofit/>
-          </a:bodyPr>
-          <a:lstStyle/>
-          <a:p>
-            <a:pPr algn="ctr"/>
-            <a:r>
-              <a:rPr lang="en-US" sz="1100" dirty="0">
-                <a:solidFill>
-                  <a:srgbClr val="7030A0"/>
-                </a:solidFill>
-              </a:rPr>
-              <a:t>1</a:t>
-            </a:r>
-            <a:endParaRPr lang="en-SG" sz="1100" dirty="0">
-              <a:solidFill>
-                <a:srgbClr val="7030A0"/>
-              </a:solidFill>
-            </a:endParaRPr>
-          </a:p>
-        </p:txBody>
-      </p:sp>
-      <p:sp>
-        <p:nvSpPr>
-          <p:cNvPr id="70" name="TextBox 69"/>
-          <p:cNvSpPr txBox="1"/>
-          <p:nvPr/>
-        </p:nvSpPr>
-        <p:spPr>
-          <a:xfrm>
-            <a:off x="6667770" y="3210194"/>
-            <a:ext cx="189257" cy="178683"/>
-          </a:xfrm>
-          <a:prstGeom prst="rect">
-            <a:avLst/>
-          </a:prstGeom>
-          <a:noFill/>
-        </p:spPr>
-        <p:txBody>
-          <a:bodyPr wrap="square" lIns="0" tIns="0" rIns="0" bIns="0" rtlCol="0">
-            <a:noAutofit/>
-          </a:bodyPr>
-          <a:lstStyle/>
-          <a:p>
-            <a:pPr algn="ctr"/>
-            <a:r>
-              <a:rPr lang="en-US" sz="1100" dirty="0">
-                <a:solidFill>
-                  <a:srgbClr val="7030A0"/>
-                </a:solidFill>
-              </a:rPr>
-              <a:t>1</a:t>
-            </a:r>
-            <a:endParaRPr lang="en-SG" sz="1100" dirty="0">
-              <a:solidFill>
-                <a:srgbClr val="7030A0"/>
-              </a:solidFill>
-            </a:endParaRPr>
-          </a:p>
-        </p:txBody>
-      </p:sp>
-      <p:sp>
-        <p:nvSpPr>
-          <p:cNvPr id="3" name="TextBox 2">
-            <a:extLst>
-              <a:ext uri="{FF2B5EF4-FFF2-40B4-BE49-F238E27FC236}">
-                <a16:creationId xmlns:a16="http://schemas.microsoft.com/office/drawing/2014/main" id="{77E7BFB5-2AFD-4A7B-8643-6404E6642679}"/>
-              </a:ext>
-            </a:extLst>
-          </p:cNvPr>
-          <p:cNvSpPr txBox="1"/>
-          <p:nvPr/>
-        </p:nvSpPr>
-        <p:spPr>
-          <a:xfrm>
-            <a:off x="4581069" y="1154668"/>
-            <a:ext cx="917239" cy="369332"/>
-          </a:xfrm>
-          <a:prstGeom prst="rect">
-            <a:avLst/>
-          </a:prstGeom>
-          <a:noFill/>
-        </p:spPr>
-        <p:txBody>
-          <a:bodyPr wrap="none" rtlCol="0">
-            <a:spAutoFit/>
-          </a:bodyPr>
-          <a:lstStyle/>
-          <a:p>
-            <a:r>
-              <a:rPr lang="en-MY" dirty="0"/>
-              <a:t>Original</a:t>
-            </a:r>
-          </a:p>
-        </p:txBody>
-      </p:sp>
     </p:spTree>
     <p:extLst>
       <p:ext uri="{BB962C8B-B14F-4D97-AF65-F5344CB8AC3E}">
-        <p14:creationId xmlns:p14="http://schemas.microsoft.com/office/powerpoint/2010/main" val="2873296198"/>
+        <p14:creationId xmlns:p14="http://schemas.microsoft.com/office/powerpoint/2010/main" val="2396968029"/>
       </p:ext>
     </p:extLst>
   </p:cSld>

--- a/docs/diagrams/ModelComponentClassDiagram.pptx
+++ b/docs/diagrams/ModelComponentClassDiagram.pptx
@@ -213,7 +213,7 @@
           <a:p>
             <a:fld id="{F5CC4B3F-88C1-4FFA-B1B6-F41C21DC6924}" type="datetimeFigureOut">
               <a:rPr lang="en-US" smtClean="0"/>
-              <a:t>7/6/2017</a:t>
+              <a:t>7/7/2017</a:t>
             </a:fld>
             <a:endParaRPr lang="en-US"/>
           </a:p>
@@ -659,7 +659,7 @@
           <a:p>
             <a:fld id="{78C97017-6FC3-485B-9764-EAC9E56C1D49}" type="datetimeFigureOut">
               <a:rPr lang="en-US" smtClean="0"/>
-              <a:t>7/6/2017</a:t>
+              <a:t>7/7/2017</a:t>
             </a:fld>
             <a:endParaRPr lang="en-US"/>
           </a:p>
@@ -827,7 +827,7 @@
           <a:p>
             <a:fld id="{78C97017-6FC3-485B-9764-EAC9E56C1D49}" type="datetimeFigureOut">
               <a:rPr lang="en-US" smtClean="0"/>
-              <a:t>7/6/2017</a:t>
+              <a:t>7/7/2017</a:t>
             </a:fld>
             <a:endParaRPr lang="en-US"/>
           </a:p>
@@ -1005,7 +1005,7 @@
           <a:p>
             <a:fld id="{78C97017-6FC3-485B-9764-EAC9E56C1D49}" type="datetimeFigureOut">
               <a:rPr lang="en-US" smtClean="0"/>
-              <a:t>7/6/2017</a:t>
+              <a:t>7/7/2017</a:t>
             </a:fld>
             <a:endParaRPr lang="en-US"/>
           </a:p>
@@ -1173,7 +1173,7 @@
           <a:p>
             <a:fld id="{78C97017-6FC3-485B-9764-EAC9E56C1D49}" type="datetimeFigureOut">
               <a:rPr lang="en-US" smtClean="0"/>
-              <a:t>7/6/2017</a:t>
+              <a:t>7/7/2017</a:t>
             </a:fld>
             <a:endParaRPr lang="en-US"/>
           </a:p>
@@ -1418,7 +1418,7 @@
           <a:p>
             <a:fld id="{78C97017-6FC3-485B-9764-EAC9E56C1D49}" type="datetimeFigureOut">
               <a:rPr lang="en-US" smtClean="0"/>
-              <a:t>7/6/2017</a:t>
+              <a:t>7/7/2017</a:t>
             </a:fld>
             <a:endParaRPr lang="en-US"/>
           </a:p>
@@ -1703,7 +1703,7 @@
           <a:p>
             <a:fld id="{78C97017-6FC3-485B-9764-EAC9E56C1D49}" type="datetimeFigureOut">
               <a:rPr lang="en-US" smtClean="0"/>
-              <a:t>7/6/2017</a:t>
+              <a:t>7/7/2017</a:t>
             </a:fld>
             <a:endParaRPr lang="en-US"/>
           </a:p>
@@ -2122,7 +2122,7 @@
           <a:p>
             <a:fld id="{78C97017-6FC3-485B-9764-EAC9E56C1D49}" type="datetimeFigureOut">
               <a:rPr lang="en-US" smtClean="0"/>
-              <a:t>7/6/2017</a:t>
+              <a:t>7/7/2017</a:t>
             </a:fld>
             <a:endParaRPr lang="en-US"/>
           </a:p>
@@ -2239,7 +2239,7 @@
           <a:p>
             <a:fld id="{78C97017-6FC3-485B-9764-EAC9E56C1D49}" type="datetimeFigureOut">
               <a:rPr lang="en-US" smtClean="0"/>
-              <a:t>7/6/2017</a:t>
+              <a:t>7/7/2017</a:t>
             </a:fld>
             <a:endParaRPr lang="en-US"/>
           </a:p>
@@ -2334,7 +2334,7 @@
           <a:p>
             <a:fld id="{78C97017-6FC3-485B-9764-EAC9E56C1D49}" type="datetimeFigureOut">
               <a:rPr lang="en-US" smtClean="0"/>
-              <a:t>7/6/2017</a:t>
+              <a:t>7/7/2017</a:t>
             </a:fld>
             <a:endParaRPr lang="en-US"/>
           </a:p>
@@ -2609,7 +2609,7 @@
           <a:p>
             <a:fld id="{78C97017-6FC3-485B-9764-EAC9E56C1D49}" type="datetimeFigureOut">
               <a:rPr lang="en-US" smtClean="0"/>
-              <a:t>7/6/2017</a:t>
+              <a:t>7/7/2017</a:t>
             </a:fld>
             <a:endParaRPr lang="en-US"/>
           </a:p>
@@ -2861,7 +2861,7 @@
           <a:p>
             <a:fld id="{78C97017-6FC3-485B-9764-EAC9E56C1D49}" type="datetimeFigureOut">
               <a:rPr lang="en-US" smtClean="0"/>
-              <a:t>7/6/2017</a:t>
+              <a:t>7/7/2017</a:t>
             </a:fld>
             <a:endParaRPr lang="en-US"/>
           </a:p>
@@ -3072,7 +3072,7 @@
           <a:p>
             <a:fld id="{78C97017-6FC3-485B-9764-EAC9E56C1D49}" type="datetimeFigureOut">
               <a:rPr lang="en-US" smtClean="0"/>
-              <a:t>7/6/2017</a:t>
+              <a:t>7/7/2017</a:t>
             </a:fld>
             <a:endParaRPr lang="en-US"/>
           </a:p>
@@ -8549,180 +8549,6 @@
           </a:p>
         </p:txBody>
       </p:sp>
-      <p:sp>
-        <p:nvSpPr>
-          <p:cNvPr id="252" name="Rectangle 8">
-            <a:extLst>
-              <a:ext uri="{FF2B5EF4-FFF2-40B4-BE49-F238E27FC236}">
-                <a16:creationId xmlns:a16="http://schemas.microsoft.com/office/drawing/2014/main" id="{E3E49166-60EC-4F8F-B638-FCC21B9FFB19}"/>
-              </a:ext>
-            </a:extLst>
-          </p:cNvPr>
-          <p:cNvSpPr/>
-          <p:nvPr/>
-        </p:nvSpPr>
-        <p:spPr>
-          <a:xfrm>
-            <a:off x="3485261" y="3326854"/>
-            <a:ext cx="1219200" cy="285783"/>
-          </a:xfrm>
-          <a:prstGeom prst="rect">
-            <a:avLst/>
-          </a:prstGeom>
-          <a:ln w="19050">
-            <a:solidFill>
-              <a:srgbClr val="7030A0"/>
-            </a:solidFill>
-          </a:ln>
-          <a:effectLst/>
-        </p:spPr>
-        <p:style>
-          <a:lnRef idx="1">
-            <a:schemeClr val="accent4"/>
-          </a:lnRef>
-          <a:fillRef idx="2">
-            <a:schemeClr val="accent4"/>
-          </a:fillRef>
-          <a:effectRef idx="1">
-            <a:schemeClr val="accent4"/>
-          </a:effectRef>
-          <a:fontRef idx="minor">
-            <a:schemeClr val="dk1"/>
-          </a:fontRef>
-        </p:style>
-        <p:txBody>
-          <a:bodyPr rtlCol="0" anchor="ctr"/>
-          <a:lstStyle/>
-          <a:p>
-            <a:pPr algn="ctr"/>
-            <a:r>
-              <a:rPr lang="en-US" sz="1050">
-                <a:solidFill>
-                  <a:srgbClr val="7030A0"/>
-                </a:solidFill>
-              </a:rPr>
-              <a:t>StartDateAndTime</a:t>
-            </a:r>
-            <a:endParaRPr lang="en-SG" sz="1050" dirty="0">
-              <a:solidFill>
-                <a:srgbClr val="7030A0"/>
-              </a:solidFill>
-            </a:endParaRPr>
-          </a:p>
-        </p:txBody>
-      </p:sp>
-      <p:sp>
-        <p:nvSpPr>
-          <p:cNvPr id="253" name="Rectangle 8">
-            <a:extLst>
-              <a:ext uri="{FF2B5EF4-FFF2-40B4-BE49-F238E27FC236}">
-                <a16:creationId xmlns:a16="http://schemas.microsoft.com/office/drawing/2014/main" id="{AAF4DF63-C809-4338-A983-831940495FB5}"/>
-              </a:ext>
-            </a:extLst>
-          </p:cNvPr>
-          <p:cNvSpPr/>
-          <p:nvPr/>
-        </p:nvSpPr>
-        <p:spPr>
-          <a:xfrm>
-            <a:off x="3485261" y="3694772"/>
-            <a:ext cx="1219200" cy="285783"/>
-          </a:xfrm>
-          <a:prstGeom prst="rect">
-            <a:avLst/>
-          </a:prstGeom>
-          <a:ln w="19050">
-            <a:solidFill>
-              <a:srgbClr val="7030A0"/>
-            </a:solidFill>
-          </a:ln>
-          <a:effectLst/>
-        </p:spPr>
-        <p:style>
-          <a:lnRef idx="1">
-            <a:schemeClr val="accent4"/>
-          </a:lnRef>
-          <a:fillRef idx="2">
-            <a:schemeClr val="accent4"/>
-          </a:fillRef>
-          <a:effectRef idx="1">
-            <a:schemeClr val="accent4"/>
-          </a:effectRef>
-          <a:fontRef idx="minor">
-            <a:schemeClr val="dk1"/>
-          </a:fontRef>
-        </p:style>
-        <p:txBody>
-          <a:bodyPr rtlCol="0" anchor="ctr"/>
-          <a:lstStyle/>
-          <a:p>
-            <a:pPr algn="ctr"/>
-            <a:r>
-              <a:rPr lang="en-US" sz="1050" dirty="0" err="1">
-                <a:solidFill>
-                  <a:srgbClr val="7030A0"/>
-                </a:solidFill>
-              </a:rPr>
-              <a:t>EndDateAndTime</a:t>
-            </a:r>
-            <a:endParaRPr lang="en-US" sz="1050" dirty="0">
-              <a:solidFill>
-                <a:srgbClr val="7030A0"/>
-              </a:solidFill>
-            </a:endParaRPr>
-          </a:p>
-        </p:txBody>
-      </p:sp>
-      <p:cxnSp>
-        <p:nvCxnSpPr>
-          <p:cNvPr id="265" name="Elbow Connector 58">
-            <a:extLst>
-              <a:ext uri="{FF2B5EF4-FFF2-40B4-BE49-F238E27FC236}">
-                <a16:creationId xmlns:a16="http://schemas.microsoft.com/office/drawing/2014/main" id="{E8902AAA-F5C8-446B-88AA-384C2790AF02}"/>
-              </a:ext>
-            </a:extLst>
-          </p:cNvPr>
-          <p:cNvCxnSpPr>
-            <a:cxnSpLocks/>
-            <a:stCxn id="93" idx="1"/>
-            <a:endCxn id="252" idx="3"/>
-          </p:cNvCxnSpPr>
-          <p:nvPr/>
-        </p:nvCxnSpPr>
-        <p:spPr>
-          <a:xfrm rot="10800000">
-            <a:off x="4704462" y="3469747"/>
-            <a:ext cx="902553" cy="265237"/>
-          </a:xfrm>
-          <a:prstGeom prst="bentConnector3">
-            <a:avLst>
-              <a:gd name="adj1" fmla="val 50000"/>
-            </a:avLst>
-          </a:prstGeom>
-          <a:ln w="19050">
-            <a:solidFill>
-              <a:srgbClr val="7030A0"/>
-            </a:solidFill>
-            <a:headEnd type="none" w="med" len="med"/>
-            <a:tailEnd type="arrow" w="med" len="med"/>
-          </a:ln>
-          <a:effectLst/>
-        </p:spPr>
-        <p:style>
-          <a:lnRef idx="1">
-            <a:schemeClr val="accent2"/>
-          </a:lnRef>
-          <a:fillRef idx="2">
-            <a:schemeClr val="accent2"/>
-          </a:fillRef>
-          <a:effectRef idx="1">
-            <a:schemeClr val="accent2"/>
-          </a:effectRef>
-          <a:fontRef idx="minor">
-            <a:schemeClr val="dk1"/>
-          </a:fontRef>
-        </p:style>
-      </p:cxnSp>
       <p:cxnSp>
         <p:nvCxnSpPr>
           <p:cNvPr id="268" name="Elbow Connector 58">
@@ -8735,14 +8561,14 @@
           <p:cNvCxnSpPr>
             <a:cxnSpLocks/>
             <a:stCxn id="93" idx="1"/>
-            <a:endCxn id="253" idx="3"/>
+            <a:endCxn id="80" idx="3"/>
           </p:cNvCxnSpPr>
           <p:nvPr/>
         </p:nvCxnSpPr>
         <p:spPr>
           <a:xfrm rot="10800000" flipV="1">
-            <a:off x="4704462" y="3734982"/>
-            <a:ext cx="902553" cy="102681"/>
+            <a:off x="5034268" y="3734983"/>
+            <a:ext cx="572746" cy="1262"/>
           </a:xfrm>
           <a:prstGeom prst="bentConnector3">
             <a:avLst>
@@ -8785,14 +8611,14 @@
           <p:cNvCxnSpPr>
             <a:cxnSpLocks/>
             <a:stCxn id="112" idx="1"/>
-            <a:endCxn id="253" idx="2"/>
+            <a:endCxn id="80" idx="2"/>
           </p:cNvCxnSpPr>
           <p:nvPr/>
         </p:nvCxnSpPr>
         <p:spPr>
           <a:xfrm rot="10800000">
-            <a:off x="4094861" y="3980555"/>
-            <a:ext cx="1494154" cy="146826"/>
+            <a:off x="4404119" y="3872073"/>
+            <a:ext cx="1184896" cy="255308"/>
           </a:xfrm>
           <a:prstGeom prst="bentConnector2">
             <a:avLst/>
@@ -8835,8 +8661,8 @@
         </p:nvSpPr>
         <p:spPr>
           <a:xfrm>
-            <a:off x="1531582" y="3466541"/>
-            <a:ext cx="1260298" cy="382445"/>
+            <a:off x="3773970" y="3600417"/>
+            <a:ext cx="1260298" cy="271656"/>
           </a:xfrm>
           <a:prstGeom prst="rect">
             <a:avLst/>
@@ -8868,17 +8694,6 @@
           <a:p>
             <a:pPr algn="ctr"/>
             <a:r>
-              <a:rPr lang="en-SG" sz="1050" dirty="0">
-                <a:solidFill>
-                  <a:srgbClr val="7030A0"/>
-                </a:solidFill>
-              </a:rPr>
-              <a:t>{abstract}</a:t>
-            </a:r>
-          </a:p>
-          <a:p>
-            <a:pPr algn="ctr"/>
-            <a:r>
               <a:rPr lang="en-SG" sz="1050" dirty="0" err="1">
                 <a:solidFill>
                   <a:srgbClr val="7030A0"/>
@@ -8894,106 +8709,6 @@
           </a:p>
         </p:txBody>
       </p:sp>
-      <p:cxnSp>
-        <p:nvCxnSpPr>
-          <p:cNvPr id="81" name="Elbow Connector 85">
-            <a:extLst>
-              <a:ext uri="{FF2B5EF4-FFF2-40B4-BE49-F238E27FC236}">
-                <a16:creationId xmlns:a16="http://schemas.microsoft.com/office/drawing/2014/main" id="{9D67427A-2B61-4971-B55D-FECA217A905D}"/>
-              </a:ext>
-            </a:extLst>
-          </p:cNvPr>
-          <p:cNvCxnSpPr>
-            <a:cxnSpLocks/>
-            <a:stCxn id="252" idx="1"/>
-            <a:endCxn id="125" idx="3"/>
-          </p:cNvCxnSpPr>
-          <p:nvPr/>
-        </p:nvCxnSpPr>
-        <p:spPr>
-          <a:xfrm rot="10800000" flipV="1">
-            <a:off x="2982371" y="3469745"/>
-            <a:ext cx="502890" cy="176791"/>
-          </a:xfrm>
-          <a:prstGeom prst="bentConnector3">
-            <a:avLst>
-              <a:gd name="adj1" fmla="val 50000"/>
-            </a:avLst>
-          </a:prstGeom>
-          <a:ln w="19050">
-            <a:solidFill>
-              <a:srgbClr val="7030A0"/>
-            </a:solidFill>
-            <a:headEnd type="none" w="med" len="med"/>
-            <a:tailEnd type="none" w="med" len="med"/>
-          </a:ln>
-          <a:effectLst/>
-        </p:spPr>
-        <p:style>
-          <a:lnRef idx="1">
-            <a:schemeClr val="accent2"/>
-          </a:lnRef>
-          <a:fillRef idx="2">
-            <a:schemeClr val="accent2"/>
-          </a:fillRef>
-          <a:effectRef idx="1">
-            <a:schemeClr val="accent2"/>
-          </a:effectRef>
-          <a:fontRef idx="minor">
-            <a:schemeClr val="dk1"/>
-          </a:fontRef>
-        </p:style>
-      </p:cxnSp>
-      <p:cxnSp>
-        <p:nvCxnSpPr>
-          <p:cNvPr id="83" name="Elbow Connector 85">
-            <a:extLst>
-              <a:ext uri="{FF2B5EF4-FFF2-40B4-BE49-F238E27FC236}">
-                <a16:creationId xmlns:a16="http://schemas.microsoft.com/office/drawing/2014/main" id="{A0FB9240-5F6A-4314-A3C0-59D5315D92D7}"/>
-              </a:ext>
-            </a:extLst>
-          </p:cNvPr>
-          <p:cNvCxnSpPr>
-            <a:cxnSpLocks/>
-            <a:stCxn id="253" idx="1"/>
-            <a:endCxn id="125" idx="3"/>
-          </p:cNvCxnSpPr>
-          <p:nvPr/>
-        </p:nvCxnSpPr>
-        <p:spPr>
-          <a:xfrm rot="10800000">
-            <a:off x="2982371" y="3646538"/>
-            <a:ext cx="502890" cy="191127"/>
-          </a:xfrm>
-          <a:prstGeom prst="bentConnector3">
-            <a:avLst>
-              <a:gd name="adj1" fmla="val 50000"/>
-            </a:avLst>
-          </a:prstGeom>
-          <a:ln w="19050">
-            <a:solidFill>
-              <a:srgbClr val="7030A0"/>
-            </a:solidFill>
-            <a:headEnd type="none" w="med" len="med"/>
-            <a:tailEnd type="none" w="med" len="med"/>
-          </a:ln>
-          <a:effectLst/>
-        </p:spPr>
-        <p:style>
-          <a:lnRef idx="1">
-            <a:schemeClr val="accent2"/>
-          </a:lnRef>
-          <a:fillRef idx="2">
-            <a:schemeClr val="accent2"/>
-          </a:fillRef>
-          <a:effectRef idx="1">
-            <a:schemeClr val="accent2"/>
-          </a:effectRef>
-          <a:fontRef idx="minor">
-            <a:schemeClr val="dk1"/>
-          </a:fontRef>
-        </p:style>
-      </p:cxnSp>
       <p:sp>
         <p:nvSpPr>
           <p:cNvPr id="84" name="Rectangle 8">
@@ -9378,7 +9093,7 @@
         </p:nvSpPr>
         <p:spPr>
           <a:xfrm>
-            <a:off x="3817827" y="4110758"/>
+            <a:off x="4166509" y="3956199"/>
             <a:ext cx="189257" cy="178683"/>
           </a:xfrm>
           <a:prstGeom prst="rect">
@@ -9423,7 +9138,7 @@
         </p:nvSpPr>
         <p:spPr>
           <a:xfrm>
-            <a:off x="4732966" y="3600759"/>
+            <a:off x="5090066" y="3483987"/>
             <a:ext cx="189257" cy="178683"/>
           </a:xfrm>
           <a:prstGeom prst="rect">
@@ -9444,52 +9159,7 @@
                   <a:srgbClr val="7030A0"/>
                 </a:solidFill>
               </a:rPr>
-              <a:t>1</a:t>
-            </a:r>
-            <a:endParaRPr lang="en-SG" sz="1100" dirty="0">
-              <a:solidFill>
-                <a:srgbClr val="7030A0"/>
-              </a:solidFill>
-            </a:endParaRPr>
-          </a:p>
-        </p:txBody>
-      </p:sp>
-      <p:sp>
-        <p:nvSpPr>
-          <p:cNvPr id="106" name="TextBox 105">
-            <a:extLst>
-              <a:ext uri="{FF2B5EF4-FFF2-40B4-BE49-F238E27FC236}">
-                <a16:creationId xmlns:a16="http://schemas.microsoft.com/office/drawing/2014/main" id="{12B94728-0874-4161-80F4-BA625CDF1506}"/>
-              </a:ext>
-            </a:extLst>
-          </p:cNvPr>
-          <p:cNvSpPr txBox="1"/>
-          <p:nvPr/>
-        </p:nvSpPr>
-        <p:spPr>
-          <a:xfrm>
-            <a:off x="4724590" y="3200400"/>
-            <a:ext cx="189257" cy="178683"/>
-          </a:xfrm>
-          <a:prstGeom prst="rect">
-            <a:avLst/>
-          </a:prstGeom>
-          <a:noFill/>
-        </p:spPr>
-        <p:txBody>
-          <a:bodyPr wrap="square" lIns="0" tIns="0" rIns="0" bIns="0" rtlCol="0">
-            <a:noAutofit/>
-          </a:bodyPr>
-          <a:lstStyle/>
-          <a:p>
-            <a:pPr algn="ctr"/>
-            <a:r>
-              <a:rPr lang="en-US" sz="1100" dirty="0">
-                <a:solidFill>
-                  <a:srgbClr val="7030A0"/>
-                </a:solidFill>
-              </a:rPr>
-              <a:t>1</a:t>
+              <a:t>2</a:t>
             </a:r>
             <a:endParaRPr lang="en-SG" sz="1100" dirty="0">
               <a:solidFill>
@@ -9567,60 +9237,6 @@
         <p:spPr>
           <a:xfrm rot="5400000" flipV="1">
             <a:off x="6939786" y="1604734"/>
-            <a:ext cx="270504" cy="175523"/>
-          </a:xfrm>
-          <a:prstGeom prst="triangle">
-            <a:avLst/>
-          </a:prstGeom>
-          <a:ln w="19050">
-            <a:solidFill>
-              <a:srgbClr val="7030A0"/>
-            </a:solidFill>
-          </a:ln>
-          <a:effectLst/>
-        </p:spPr>
-        <p:style>
-          <a:lnRef idx="1">
-            <a:schemeClr val="accent4"/>
-          </a:lnRef>
-          <a:fillRef idx="2">
-            <a:schemeClr val="accent4"/>
-          </a:fillRef>
-          <a:effectRef idx="1">
-            <a:schemeClr val="accent4"/>
-          </a:effectRef>
-          <a:fontRef idx="minor">
-            <a:schemeClr val="dk1"/>
-          </a:fontRef>
-        </p:style>
-        <p:txBody>
-          <a:bodyPr rtlCol="0" anchor="ctr"/>
-          <a:lstStyle/>
-          <a:p>
-            <a:pPr algn="ctr"/>
-            <a:endParaRPr lang="en-SG" sz="1050" b="1">
-              <a:solidFill>
-                <a:srgbClr val="92D050"/>
-              </a:solidFill>
-            </a:endParaRPr>
-          </a:p>
-        </p:txBody>
-      </p:sp>
-      <p:sp>
-        <p:nvSpPr>
-          <p:cNvPr id="125" name="Isosceles Triangle 102">
-            <a:extLst>
-              <a:ext uri="{FF2B5EF4-FFF2-40B4-BE49-F238E27FC236}">
-                <a16:creationId xmlns:a16="http://schemas.microsoft.com/office/drawing/2014/main" id="{E11A4E98-7715-48AB-9F81-9BC93C69E921}"/>
-              </a:ext>
-            </a:extLst>
-          </p:cNvPr>
-          <p:cNvSpPr/>
-          <p:nvPr/>
-        </p:nvSpPr>
-        <p:spPr>
-          <a:xfrm rot="5310298" flipV="1">
-            <a:off x="2759387" y="3561065"/>
             <a:ext cx="270504" cy="175523"/>
           </a:xfrm>
           <a:prstGeom prst="triangle">

--- a/docs/diagrams/ModelComponentClassDiagram.pptx
+++ b/docs/diagrams/ModelComponentClassDiagram.pptx
@@ -5,11 +5,13 @@
     <p:sldMasterId id="2147483648" r:id="rId1"/>
   </p:sldMasterIdLst>
   <p:notesMasterIdLst>
-    <p:notesMasterId r:id="rId4"/>
+    <p:notesMasterId r:id="rId6"/>
   </p:notesMasterIdLst>
   <p:sldIdLst>
     <p:sldId id="265" r:id="rId2"/>
     <p:sldId id="263" r:id="rId3"/>
+    <p:sldId id="266" r:id="rId4"/>
+    <p:sldId id="267" r:id="rId5"/>
   </p:sldIdLst>
   <p:sldSz cx="9144000" cy="6858000" type="screen4x3"/>
   <p:notesSz cx="6858000" cy="9144000"/>
@@ -213,7 +215,7 @@
           <a:p>
             <a:fld id="{F5CC4B3F-88C1-4FFA-B1B6-F41C21DC6924}" type="datetimeFigureOut">
               <a:rPr lang="en-US" smtClean="0"/>
-              <a:t>7/7/2017</a:t>
+              <a:t>7/8/2017</a:t>
             </a:fld>
             <a:endParaRPr lang="en-US"/>
           </a:p>
@@ -659,7 +661,7 @@
           <a:p>
             <a:fld id="{78C97017-6FC3-485B-9764-EAC9E56C1D49}" type="datetimeFigureOut">
               <a:rPr lang="en-US" smtClean="0"/>
-              <a:t>7/7/2017</a:t>
+              <a:t>7/8/2017</a:t>
             </a:fld>
             <a:endParaRPr lang="en-US"/>
           </a:p>
@@ -827,7 +829,7 @@
           <a:p>
             <a:fld id="{78C97017-6FC3-485B-9764-EAC9E56C1D49}" type="datetimeFigureOut">
               <a:rPr lang="en-US" smtClean="0"/>
-              <a:t>7/7/2017</a:t>
+              <a:t>7/8/2017</a:t>
             </a:fld>
             <a:endParaRPr lang="en-US"/>
           </a:p>
@@ -1005,7 +1007,7 @@
           <a:p>
             <a:fld id="{78C97017-6FC3-485B-9764-EAC9E56C1D49}" type="datetimeFigureOut">
               <a:rPr lang="en-US" smtClean="0"/>
-              <a:t>7/7/2017</a:t>
+              <a:t>7/8/2017</a:t>
             </a:fld>
             <a:endParaRPr lang="en-US"/>
           </a:p>
@@ -1173,7 +1175,7 @@
           <a:p>
             <a:fld id="{78C97017-6FC3-485B-9764-EAC9E56C1D49}" type="datetimeFigureOut">
               <a:rPr lang="en-US" smtClean="0"/>
-              <a:t>7/7/2017</a:t>
+              <a:t>7/8/2017</a:t>
             </a:fld>
             <a:endParaRPr lang="en-US"/>
           </a:p>
@@ -1418,7 +1420,7 @@
           <a:p>
             <a:fld id="{78C97017-6FC3-485B-9764-EAC9E56C1D49}" type="datetimeFigureOut">
               <a:rPr lang="en-US" smtClean="0"/>
-              <a:t>7/7/2017</a:t>
+              <a:t>7/8/2017</a:t>
             </a:fld>
             <a:endParaRPr lang="en-US"/>
           </a:p>
@@ -1703,7 +1705,7 @@
           <a:p>
             <a:fld id="{78C97017-6FC3-485B-9764-EAC9E56C1D49}" type="datetimeFigureOut">
               <a:rPr lang="en-US" smtClean="0"/>
-              <a:t>7/7/2017</a:t>
+              <a:t>7/8/2017</a:t>
             </a:fld>
             <a:endParaRPr lang="en-US"/>
           </a:p>
@@ -2122,7 +2124,7 @@
           <a:p>
             <a:fld id="{78C97017-6FC3-485B-9764-EAC9E56C1D49}" type="datetimeFigureOut">
               <a:rPr lang="en-US" smtClean="0"/>
-              <a:t>7/7/2017</a:t>
+              <a:t>7/8/2017</a:t>
             </a:fld>
             <a:endParaRPr lang="en-US"/>
           </a:p>
@@ -2239,7 +2241,7 @@
           <a:p>
             <a:fld id="{78C97017-6FC3-485B-9764-EAC9E56C1D49}" type="datetimeFigureOut">
               <a:rPr lang="en-US" smtClean="0"/>
-              <a:t>7/7/2017</a:t>
+              <a:t>7/8/2017</a:t>
             </a:fld>
             <a:endParaRPr lang="en-US"/>
           </a:p>
@@ -2334,7 +2336,7 @@
           <a:p>
             <a:fld id="{78C97017-6FC3-485B-9764-EAC9E56C1D49}" type="datetimeFigureOut">
               <a:rPr lang="en-US" smtClean="0"/>
-              <a:t>7/7/2017</a:t>
+              <a:t>7/8/2017</a:t>
             </a:fld>
             <a:endParaRPr lang="en-US"/>
           </a:p>
@@ -2609,7 +2611,7 @@
           <a:p>
             <a:fld id="{78C97017-6FC3-485B-9764-EAC9E56C1D49}" type="datetimeFigureOut">
               <a:rPr lang="en-US" smtClean="0"/>
-              <a:t>7/7/2017</a:t>
+              <a:t>7/8/2017</a:t>
             </a:fld>
             <a:endParaRPr lang="en-US"/>
           </a:p>
@@ -2861,7 +2863,7 @@
           <a:p>
             <a:fld id="{78C97017-6FC3-485B-9764-EAC9E56C1D49}" type="datetimeFigureOut">
               <a:rPr lang="en-US" smtClean="0"/>
-              <a:t>7/7/2017</a:t>
+              <a:t>7/8/2017</a:t>
             </a:fld>
             <a:endParaRPr lang="en-US"/>
           </a:p>
@@ -3072,7 +3074,7 @@
           <a:p>
             <a:fld id="{78C97017-6FC3-485B-9764-EAC9E56C1D49}" type="datetimeFigureOut">
               <a:rPr lang="en-US" smtClean="0"/>
-              <a:t>7/7/2017</a:t>
+              <a:t>7/8/2017</a:t>
             </a:fld>
             <a:endParaRPr lang="en-US"/>
           </a:p>
@@ -5964,8 +5966,8 @@
         </p:nvSpPr>
         <p:spPr>
           <a:xfrm>
-            <a:off x="838200" y="304800"/>
-            <a:ext cx="7010400" cy="4191000"/>
+            <a:off x="990600" y="1143000"/>
+            <a:ext cx="7239000" cy="4648200"/>
           </a:xfrm>
           <a:prstGeom prst="roundRect">
             <a:avLst>
@@ -6025,7 +6027,7 @@
         </p:nvSpPr>
         <p:spPr>
           <a:xfrm>
-            <a:off x="2654163" y="2195076"/>
+            <a:off x="2806563" y="3109476"/>
             <a:ext cx="1093635" cy="346760"/>
           </a:xfrm>
           <a:prstGeom prst="rect">
@@ -6084,7 +6086,7 @@
         </p:nvSpPr>
         <p:spPr>
           <a:xfrm rot="16200000">
-            <a:off x="1514426" y="1905323"/>
+            <a:off x="1666826" y="2819723"/>
             <a:ext cx="1093635" cy="346760"/>
           </a:xfrm>
           <a:prstGeom prst="rect">
@@ -6140,15 +6142,15 @@
           <p:cNvPr id="53" name="Elbow Connector 63"/>
           <p:cNvCxnSpPr>
             <a:cxnSpLocks/>
-            <a:stCxn id="71" idx="3"/>
+            <a:stCxn id="111" idx="3"/>
             <a:endCxn id="62" idx="2"/>
           </p:cNvCxnSpPr>
           <p:nvPr/>
         </p:nvCxnSpPr>
         <p:spPr>
           <a:xfrm flipV="1">
-            <a:off x="5573285" y="1876727"/>
-            <a:ext cx="938323" cy="1065296"/>
+            <a:off x="5605625" y="3014328"/>
+            <a:ext cx="1399213" cy="1333695"/>
           </a:xfrm>
           <a:prstGeom prst="bentConnector2">
             <a:avLst/>
@@ -6190,8 +6192,8 @@
         </p:nvCxnSpPr>
         <p:spPr>
           <a:xfrm rot="16200000" flipH="1">
-            <a:off x="3039673" y="1647092"/>
-            <a:ext cx="325299" cy="2282156"/>
+            <a:off x="2892061" y="2861503"/>
+            <a:ext cx="808101" cy="2164935"/>
           </a:xfrm>
           <a:prstGeom prst="bentConnector2">
             <a:avLst/>
@@ -6229,7 +6231,7 @@
         </p:nvSpPr>
         <p:spPr>
           <a:xfrm rot="16200000">
-            <a:off x="786665" y="1897838"/>
+            <a:off x="939065" y="2812238"/>
             <a:ext cx="1093635" cy="346760"/>
           </a:xfrm>
           <a:prstGeom prst="rect">
@@ -6299,7 +6301,7 @@
         </p:nvSpPr>
         <p:spPr>
           <a:xfrm rot="16200000">
-            <a:off x="1457373" y="1988927"/>
+            <a:off x="1609773" y="2903327"/>
             <a:ext cx="270504" cy="175523"/>
           </a:xfrm>
           <a:prstGeom prst="triangle">
@@ -6349,7 +6351,7 @@
         </p:nvCxnSpPr>
         <p:spPr>
           <a:xfrm>
-            <a:off x="2486833" y="2363172"/>
+            <a:off x="2639233" y="3277572"/>
             <a:ext cx="167330" cy="5284"/>
           </a:xfrm>
           <a:prstGeom prst="straightConnector1">
@@ -6379,57 +6381,6 @@
           </a:fontRef>
         </p:style>
       </p:cxnSp>
-      <p:sp>
-        <p:nvSpPr>
-          <p:cNvPr id="71" name="Isosceles Triangle 102"/>
-          <p:cNvSpPr/>
-          <p:nvPr/>
-        </p:nvSpPr>
-        <p:spPr>
-          <a:xfrm rot="5400000" flipV="1">
-            <a:off x="5350271" y="2854261"/>
-            <a:ext cx="270504" cy="175523"/>
-          </a:xfrm>
-          <a:prstGeom prst="triangle">
-            <a:avLst/>
-          </a:prstGeom>
-          <a:solidFill>
-            <a:srgbClr val="7030A0"/>
-          </a:solidFill>
-          <a:ln w="19050">
-            <a:solidFill>
-              <a:srgbClr val="7030A0"/>
-            </a:solidFill>
-          </a:ln>
-          <a:effectLst/>
-        </p:spPr>
-        <p:style>
-          <a:lnRef idx="1">
-            <a:schemeClr val="accent4"/>
-          </a:lnRef>
-          <a:fillRef idx="2">
-            <a:schemeClr val="accent4"/>
-          </a:fillRef>
-          <a:effectRef idx="1">
-            <a:schemeClr val="accent4"/>
-          </a:effectRef>
-          <a:fontRef idx="minor">
-            <a:schemeClr val="dk1"/>
-          </a:fontRef>
-        </p:style>
-        <p:txBody>
-          <a:bodyPr rtlCol="0" anchor="ctr"/>
-          <a:lstStyle/>
-          <a:p>
-            <a:pPr algn="ctr"/>
-            <a:endParaRPr lang="en-SG" sz="1050" b="1">
-              <a:solidFill>
-                <a:srgbClr val="92D050"/>
-              </a:solidFill>
-            </a:endParaRPr>
-          </a:p>
-        </p:txBody>
-      </p:sp>
       <p:cxnSp>
         <p:nvCxnSpPr>
           <p:cNvPr id="75" name="Elbow Connector 122"/>
@@ -6440,7 +6391,7 @@
         </p:nvCxnSpPr>
         <p:spPr>
           <a:xfrm>
-            <a:off x="886389" y="2078703"/>
+            <a:off x="1038789" y="2993103"/>
             <a:ext cx="273713" cy="846"/>
           </a:xfrm>
           <a:prstGeom prst="bentConnector3">
@@ -6485,7 +6436,7 @@
         </p:nvCxnSpPr>
         <p:spPr>
           <a:xfrm flipV="1">
-            <a:off x="1680387" y="2076688"/>
+            <a:off x="1832787" y="2991088"/>
             <a:ext cx="216105" cy="1"/>
           </a:xfrm>
           <a:prstGeom prst="line">
@@ -6524,7 +6475,7 @@
         </p:nvSpPr>
         <p:spPr>
           <a:xfrm>
-            <a:off x="2250785" y="2276482"/>
+            <a:off x="2403185" y="3190882"/>
             <a:ext cx="236048" cy="173380"/>
           </a:xfrm>
           <a:prstGeom prst="flowChartDecision">
@@ -6569,7 +6520,7 @@
         </p:nvSpPr>
         <p:spPr>
           <a:xfrm>
-            <a:off x="2656473" y="1664056"/>
+            <a:off x="2808873" y="2578456"/>
             <a:ext cx="1093635" cy="346760"/>
           </a:xfrm>
           <a:prstGeom prst="rect">
@@ -6628,7 +6579,7 @@
         </p:nvCxnSpPr>
         <p:spPr>
           <a:xfrm>
-            <a:off x="2489143" y="1832152"/>
+            <a:off x="2641543" y="2746552"/>
             <a:ext cx="167330" cy="5284"/>
           </a:xfrm>
           <a:prstGeom prst="straightConnector1">
@@ -6666,7 +6617,7 @@
         </p:nvSpPr>
         <p:spPr>
           <a:xfrm>
-            <a:off x="2253095" y="1745462"/>
+            <a:off x="2405495" y="2659862"/>
             <a:ext cx="236048" cy="173380"/>
           </a:xfrm>
           <a:prstGeom prst="flowChartDecision">
@@ -6711,8 +6662,8 @@
         </p:nvSpPr>
         <p:spPr>
           <a:xfrm>
-            <a:off x="4336432" y="1403253"/>
-            <a:ext cx="1156969" cy="346760"/>
+            <a:off x="4829662" y="2317653"/>
+            <a:ext cx="1156969" cy="515590"/>
           </a:xfrm>
           <a:prstGeom prst="rect">
             <a:avLst/>
@@ -6767,7 +6718,7 @@
         </p:nvSpPr>
         <p:spPr>
           <a:xfrm>
-            <a:off x="3764773" y="1765982"/>
+            <a:off x="3917173" y="2680382"/>
             <a:ext cx="236048" cy="173380"/>
           </a:xfrm>
           <a:prstGeom prst="flowChartDecision">
@@ -6812,14 +6763,13 @@
           <p:cNvCxnSpPr>
             <a:cxnSpLocks/>
             <a:stCxn id="51" idx="3"/>
-            <a:endCxn id="49" idx="1"/>
           </p:cNvCxnSpPr>
           <p:nvPr/>
         </p:nvCxnSpPr>
         <p:spPr>
           <a:xfrm flipV="1">
-            <a:off x="4000821" y="1576633"/>
-            <a:ext cx="335611" cy="276039"/>
+            <a:off x="4153221" y="2425073"/>
+            <a:ext cx="678824" cy="341999"/>
           </a:xfrm>
           <a:prstGeom prst="bentConnector3">
             <a:avLst/>
@@ -6856,7 +6806,7 @@
         </p:nvSpPr>
         <p:spPr>
           <a:xfrm>
-            <a:off x="4338815" y="963164"/>
+            <a:off x="4832045" y="1877564"/>
             <a:ext cx="1156969" cy="346760"/>
           </a:xfrm>
           <a:prstGeom prst="rect">
@@ -6916,8 +6866,8 @@
         </p:nvCxnSpPr>
         <p:spPr>
           <a:xfrm flipV="1">
-            <a:off x="4000821" y="1136544"/>
-            <a:ext cx="337994" cy="716128"/>
+            <a:off x="4153221" y="2050944"/>
+            <a:ext cx="678824" cy="716128"/>
           </a:xfrm>
           <a:prstGeom prst="bentConnector3">
             <a:avLst>
@@ -6956,7 +6906,7 @@
         </p:nvSpPr>
         <p:spPr>
           <a:xfrm>
-            <a:off x="6035940" y="1529966"/>
+            <a:off x="6529170" y="2667567"/>
             <a:ext cx="951336" cy="346761"/>
           </a:xfrm>
           <a:prstGeom prst="rect">
@@ -6986,6 +6936,17 @@
         <p:txBody>
           <a:bodyPr rtlCol="0" anchor="ctr"/>
           <a:lstStyle/>
+          <a:p>
+            <a:pPr algn="ctr"/>
+            <a:r>
+              <a:rPr lang="en-SG" sz="1050" dirty="0">
+                <a:solidFill>
+                  <a:srgbClr val="7030A0"/>
+                </a:solidFill>
+              </a:rPr>
+              <a:t>{abstract}</a:t>
+            </a:r>
+          </a:p>
           <a:p>
             <a:pPr algn="ctr"/>
             <a:r>
@@ -7007,7 +6968,7 @@
         </p:nvSpPr>
         <p:spPr>
           <a:xfrm>
-            <a:off x="5513649" y="1485026"/>
+            <a:off x="6006879" y="2399426"/>
             <a:ext cx="236048" cy="173380"/>
           </a:xfrm>
           <a:prstGeom prst="flowChartDecision">
@@ -7056,8 +7017,8 @@
         </p:nvCxnSpPr>
         <p:spPr>
           <a:xfrm>
-            <a:off x="5749697" y="1571716"/>
-            <a:ext cx="286243" cy="131631"/>
+            <a:off x="6242927" y="2486116"/>
+            <a:ext cx="286243" cy="354832"/>
           </a:xfrm>
           <a:prstGeom prst="bentConnector3">
             <a:avLst/>
@@ -7094,7 +7055,7 @@
         </p:nvSpPr>
         <p:spPr>
           <a:xfrm>
-            <a:off x="5212359" y="491927"/>
+            <a:off x="5705589" y="1406327"/>
             <a:ext cx="483700" cy="346760"/>
           </a:xfrm>
           <a:prstGeom prst="rect">
@@ -7150,7 +7111,7 @@
         </p:nvSpPr>
         <p:spPr>
           <a:xfrm rot="16200000">
-            <a:off x="4797920" y="749135"/>
+            <a:off x="5291150" y="1663535"/>
             <a:ext cx="236048" cy="173380"/>
           </a:xfrm>
           <a:prstGeom prst="flowChartDecision">
@@ -7198,7 +7159,7 @@
         </p:nvCxnSpPr>
         <p:spPr>
           <a:xfrm rot="5400000" flipH="1" flipV="1">
-            <a:off x="5037904" y="543347"/>
+            <a:off x="5531134" y="1457747"/>
             <a:ext cx="52494" cy="296415"/>
           </a:xfrm>
           <a:prstGeom prst="bentConnector2">
@@ -7236,7 +7197,7 @@
         </p:nvSpPr>
         <p:spPr>
           <a:xfrm>
-            <a:off x="4343400" y="2777440"/>
+            <a:off x="4378579" y="4174642"/>
             <a:ext cx="1045383" cy="346760"/>
           </a:xfrm>
           <a:prstGeom prst="rect">
@@ -7307,7 +7268,7 @@
         </p:nvSpPr>
         <p:spPr>
           <a:xfrm>
-            <a:off x="5973203" y="588040"/>
+            <a:off x="6641977" y="1447800"/>
             <a:ext cx="708186" cy="285783"/>
           </a:xfrm>
           <a:prstGeom prst="rect">
@@ -7363,7 +7324,7 @@
         </p:nvSpPr>
         <p:spPr>
           <a:xfrm rot="16200000">
-            <a:off x="6384815" y="1310770"/>
+            <a:off x="6878045" y="2442775"/>
             <a:ext cx="236048" cy="173380"/>
           </a:xfrm>
           <a:prstGeom prst="flowChartDecision">
@@ -7413,9 +7374,9 @@
           <p:nvPr/>
         </p:nvCxnSpPr>
         <p:spPr>
-          <a:xfrm rot="16200000" flipV="1">
-            <a:off x="6212262" y="988858"/>
-            <a:ext cx="405613" cy="175543"/>
+          <a:xfrm rot="5400000" flipH="1" flipV="1">
+            <a:off x="6657140" y="2072512"/>
+            <a:ext cx="677858" cy="1"/>
           </a:xfrm>
           <a:prstGeom prst="bentConnector3">
             <a:avLst>
@@ -7458,7 +7419,7 @@
         </p:nvCxnSpPr>
         <p:spPr>
           <a:xfrm rot="16200000" flipH="1">
-            <a:off x="3151662" y="1612426"/>
+            <a:off x="3304062" y="2526826"/>
             <a:ext cx="103181" cy="78"/>
           </a:xfrm>
           <a:prstGeom prst="bentConnector3">
@@ -7499,7 +7460,7 @@
         </p:nvSpPr>
         <p:spPr>
           <a:xfrm rot="10800000" flipV="1">
-            <a:off x="3067961" y="1385352"/>
+            <a:off x="3220361" y="2299752"/>
             <a:ext cx="270504" cy="175523"/>
           </a:xfrm>
           <a:prstGeom prst="triangle">
@@ -7547,7 +7508,7 @@
         </p:nvSpPr>
         <p:spPr>
           <a:xfrm>
-            <a:off x="2437286" y="1024840"/>
+            <a:off x="2589686" y="1939240"/>
             <a:ext cx="1539926" cy="346760"/>
           </a:xfrm>
           <a:prstGeom prst="rect">
@@ -7618,7 +7579,7 @@
         </p:nvSpPr>
         <p:spPr>
           <a:xfrm>
-            <a:off x="2729588" y="2718321"/>
+            <a:off x="2756311" y="4352470"/>
             <a:ext cx="881018" cy="261610"/>
           </a:xfrm>
           <a:prstGeom prst="rect">
@@ -7657,7 +7618,7 @@
         </p:nvSpPr>
         <p:spPr>
           <a:xfrm>
-            <a:off x="2191212" y="555295"/>
+            <a:off x="2343612" y="1469695"/>
             <a:ext cx="1775949" cy="346760"/>
           </a:xfrm>
           <a:prstGeom prst="rect">
@@ -7732,7 +7693,7 @@
         </p:nvCxnSpPr>
         <p:spPr>
           <a:xfrm rot="5400000" flipH="1" flipV="1">
-            <a:off x="1364484" y="697673"/>
+            <a:off x="1516884" y="1612073"/>
             <a:ext cx="795726" cy="857730"/>
           </a:xfrm>
           <a:prstGeom prst="bentConnector2">
@@ -7768,20 +7729,18 @@
           <p:cNvPr id="50" name="Elbow Connector 49"/>
           <p:cNvCxnSpPr>
             <a:cxnSpLocks/>
-            <a:stCxn id="78" idx="0"/>
+            <a:stCxn id="78" idx="3"/>
             <a:endCxn id="57" idx="3"/>
           </p:cNvCxnSpPr>
           <p:nvPr/>
         </p:nvCxnSpPr>
         <p:spPr>
-          <a:xfrm rot="10800000">
-            <a:off x="5495785" y="1136544"/>
-            <a:ext cx="920365" cy="260916"/>
-          </a:xfrm>
-          <a:prstGeom prst="bentConnector3">
-            <a:avLst>
-              <a:gd name="adj1" fmla="val 50000"/>
-            </a:avLst>
+          <a:xfrm rot="16200000" flipV="1">
+            <a:off x="6312294" y="1727665"/>
+            <a:ext cx="360497" cy="1007055"/>
+          </a:xfrm>
+          <a:prstGeom prst="bentConnector2">
+            <a:avLst/>
           </a:prstGeom>
           <a:ln w="19050">
             <a:solidFill>
@@ -7815,7 +7774,7 @@
         </p:nvSpPr>
         <p:spPr>
           <a:xfrm>
-            <a:off x="4201226" y="873823"/>
+            <a:off x="4564394" y="1833842"/>
             <a:ext cx="189257" cy="178683"/>
           </a:xfrm>
           <a:prstGeom prst="rect">
@@ -7854,7 +7813,7 @@
         </p:nvSpPr>
         <p:spPr>
           <a:xfrm>
-            <a:off x="4201226" y="1610052"/>
+            <a:off x="4573055" y="2234314"/>
             <a:ext cx="189257" cy="178683"/>
           </a:xfrm>
           <a:prstGeom prst="rect">
@@ -7893,7 +7852,7 @@
         </p:nvSpPr>
         <p:spPr>
           <a:xfrm>
-            <a:off x="5566015" y="1178008"/>
+            <a:off x="6059245" y="2092408"/>
             <a:ext cx="189257" cy="178683"/>
           </a:xfrm>
           <a:prstGeom prst="rect">
@@ -7932,7 +7891,7 @@
         </p:nvSpPr>
         <p:spPr>
           <a:xfrm>
-            <a:off x="5012868" y="464736"/>
+            <a:off x="5506098" y="1379136"/>
             <a:ext cx="189257" cy="178683"/>
           </a:xfrm>
           <a:prstGeom prst="rect">
@@ -7971,7 +7930,7 @@
         </p:nvSpPr>
         <p:spPr>
           <a:xfrm>
-            <a:off x="5853614" y="1524676"/>
+            <a:off x="6357509" y="2653211"/>
             <a:ext cx="189257" cy="178683"/>
           </a:xfrm>
           <a:prstGeom prst="rect">
@@ -8010,7 +7969,7 @@
         </p:nvSpPr>
         <p:spPr>
           <a:xfrm>
-            <a:off x="2464906" y="1600874"/>
+            <a:off x="2617306" y="2515274"/>
             <a:ext cx="189257" cy="178683"/>
           </a:xfrm>
           <a:prstGeom prst="rect">
@@ -8049,7 +8008,7 @@
         </p:nvSpPr>
         <p:spPr>
           <a:xfrm>
-            <a:off x="2433353" y="2422686"/>
+            <a:off x="2585753" y="3337086"/>
             <a:ext cx="189257" cy="178683"/>
           </a:xfrm>
           <a:prstGeom prst="rect">
@@ -8088,7 +8047,7 @@
         </p:nvSpPr>
         <p:spPr>
           <a:xfrm>
-            <a:off x="5607396" y="2717598"/>
+            <a:off x="5642575" y="4114800"/>
             <a:ext cx="189257" cy="178683"/>
           </a:xfrm>
           <a:prstGeom prst="rect">
@@ -8137,7 +8096,7 @@
         </p:nvCxnSpPr>
         <p:spPr>
           <a:xfrm rot="5400000" flipH="1" flipV="1">
-            <a:off x="1722294" y="809409"/>
+            <a:off x="1874694" y="1723809"/>
             <a:ext cx="326181" cy="1103804"/>
           </a:xfrm>
           <a:prstGeom prst="bentConnector2">
@@ -8186,12 +8145,12 @@
         </p:nvCxnSpPr>
         <p:spPr>
           <a:xfrm flipV="1">
-            <a:off x="6547520" y="1692496"/>
-            <a:ext cx="615280" cy="2050813"/>
+            <a:off x="6582699" y="2830097"/>
+            <a:ext cx="1073331" cy="2231141"/>
           </a:xfrm>
           <a:prstGeom prst="bentConnector3">
             <a:avLst>
-              <a:gd name="adj1" fmla="val 144872"/>
+              <a:gd name="adj1" fmla="val 125723"/>
             </a:avLst>
           </a:prstGeom>
           <a:ln w="19050">
@@ -8232,7 +8191,7 @@
         </p:nvSpPr>
         <p:spPr>
           <a:xfrm>
-            <a:off x="5843780" y="3600417"/>
+            <a:off x="5878959" y="4918346"/>
             <a:ext cx="703740" cy="285783"/>
           </a:xfrm>
           <a:prstGeom prst="rect">
@@ -8294,7 +8253,7 @@
         </p:nvSpPr>
         <p:spPr>
           <a:xfrm>
-            <a:off x="5668040" y="3212981"/>
+            <a:off x="5900121" y="4507771"/>
             <a:ext cx="881679" cy="285783"/>
           </a:xfrm>
           <a:prstGeom prst="rect">
@@ -8356,7 +8315,7 @@
         </p:nvSpPr>
         <p:spPr>
           <a:xfrm>
-            <a:off x="5849460" y="3984490"/>
+            <a:off x="5884639" y="5302419"/>
             <a:ext cx="703740" cy="285783"/>
           </a:xfrm>
           <a:prstGeom prst="rect">
@@ -8422,12 +8381,12 @@
         </p:nvCxnSpPr>
         <p:spPr>
           <a:xfrm flipV="1">
-            <a:off x="6553200" y="1692496"/>
-            <a:ext cx="609600" cy="2434886"/>
+            <a:off x="6588379" y="2830097"/>
+            <a:ext cx="1067651" cy="2615214"/>
           </a:xfrm>
           <a:prstGeom prst="bentConnector3">
             <a:avLst>
-              <a:gd name="adj1" fmla="val 145290"/>
+              <a:gd name="adj1" fmla="val 125860"/>
             </a:avLst>
           </a:prstGeom>
           <a:ln w="19050">
@@ -8472,12 +8431,12 @@
         </p:nvCxnSpPr>
         <p:spPr>
           <a:xfrm flipV="1">
-            <a:off x="6549719" y="1692496"/>
-            <a:ext cx="613081" cy="1663377"/>
+            <a:off x="6781800" y="2830097"/>
+            <a:ext cx="874230" cy="1820566"/>
           </a:xfrm>
           <a:prstGeom prst="bentConnector3">
             <a:avLst>
-              <a:gd name="adj1" fmla="val 145033"/>
+              <a:gd name="adj1" fmla="val 131581"/>
             </a:avLst>
           </a:prstGeom>
           <a:ln w="19050">
@@ -8518,7 +8477,7 @@
         </p:nvSpPr>
         <p:spPr>
           <a:xfrm>
-            <a:off x="6383814" y="888305"/>
+            <a:off x="7052588" y="1748065"/>
             <a:ext cx="189257" cy="178683"/>
           </a:xfrm>
           <a:prstGeom prst="rect">
@@ -8567,7 +8526,7 @@
         </p:nvCxnSpPr>
         <p:spPr>
           <a:xfrm rot="10800000" flipV="1">
-            <a:off x="5034268" y="3734983"/>
+            <a:off x="5069447" y="5052912"/>
             <a:ext cx="572746" cy="1262"/>
           </a:xfrm>
           <a:prstGeom prst="bentConnector3">
@@ -8617,8 +8576,8 @@
         </p:nvCxnSpPr>
         <p:spPr>
           <a:xfrm rot="10800000">
-            <a:off x="4404119" y="3872073"/>
-            <a:ext cx="1184896" cy="255308"/>
+            <a:off x="4439298" y="5190002"/>
+            <a:ext cx="1207472" cy="255308"/>
           </a:xfrm>
           <a:prstGeom prst="bentConnector2">
             <a:avLst/>
@@ -8661,7 +8620,7 @@
         </p:nvSpPr>
         <p:spPr>
           <a:xfrm>
-            <a:off x="3773970" y="3600417"/>
+            <a:off x="3809149" y="4918346"/>
             <a:ext cx="1260298" cy="271656"/>
           </a:xfrm>
           <a:prstGeom prst="rect">
@@ -8723,8 +8682,8 @@
         </p:nvSpPr>
         <p:spPr>
           <a:xfrm>
-            <a:off x="4332198" y="1862836"/>
-            <a:ext cx="1156969" cy="346760"/>
+            <a:off x="4825428" y="2895600"/>
+            <a:ext cx="1156969" cy="518309"/>
           </a:xfrm>
           <a:prstGeom prst="rect">
             <a:avLst/>
@@ -8785,7 +8744,7 @@
         </p:nvSpPr>
         <p:spPr>
           <a:xfrm>
-            <a:off x="5513649" y="1919971"/>
+            <a:off x="5993267" y="3144578"/>
             <a:ext cx="236048" cy="173380"/>
           </a:xfrm>
           <a:prstGeom prst="flowChartDecision">
@@ -8840,8 +8799,8 @@
         </p:nvCxnSpPr>
         <p:spPr>
           <a:xfrm flipV="1">
-            <a:off x="5749697" y="1703347"/>
-            <a:ext cx="286243" cy="303314"/>
+            <a:off x="6229315" y="2840948"/>
+            <a:ext cx="299855" cy="390320"/>
           </a:xfrm>
           <a:prstGeom prst="bentConnector3">
             <a:avLst/>
@@ -8884,8 +8843,8 @@
         </p:nvSpPr>
         <p:spPr>
           <a:xfrm>
-            <a:off x="4339020" y="2303954"/>
-            <a:ext cx="1156969" cy="346760"/>
+            <a:off x="4824247" y="3486351"/>
+            <a:ext cx="1156969" cy="476049"/>
           </a:xfrm>
           <a:prstGeom prst="rect">
             <a:avLst/>
@@ -8941,7 +8900,7 @@
         </p:nvSpPr>
         <p:spPr>
           <a:xfrm>
-            <a:off x="5507835" y="2366681"/>
+            <a:off x="5998965" y="3787543"/>
             <a:ext cx="236048" cy="173380"/>
           </a:xfrm>
           <a:prstGeom prst="flowChartDecision">
@@ -8996,8 +8955,8 @@
         </p:nvCxnSpPr>
         <p:spPr>
           <a:xfrm flipV="1">
-            <a:off x="5743883" y="1703347"/>
-            <a:ext cx="292057" cy="750024"/>
+            <a:off x="6235013" y="2840948"/>
+            <a:ext cx="294157" cy="1033285"/>
           </a:xfrm>
           <a:prstGeom prst="bentConnector3">
             <a:avLst/>
@@ -9040,7 +8999,7 @@
         </p:nvSpPr>
         <p:spPr>
           <a:xfrm>
-            <a:off x="5607014" y="3648293"/>
+            <a:off x="5642193" y="4966222"/>
             <a:ext cx="236048" cy="173380"/>
           </a:xfrm>
           <a:prstGeom prst="flowChartDecision">
@@ -9093,7 +9052,7 @@
         </p:nvSpPr>
         <p:spPr>
           <a:xfrm>
-            <a:off x="4166509" y="3956199"/>
+            <a:off x="4201688" y="5274128"/>
             <a:ext cx="189257" cy="178683"/>
           </a:xfrm>
           <a:prstGeom prst="rect">
@@ -9138,7 +9097,7 @@
         </p:nvSpPr>
         <p:spPr>
           <a:xfrm>
-            <a:off x="5090066" y="3483987"/>
+            <a:off x="5152194" y="4849029"/>
             <a:ext cx="189257" cy="178683"/>
           </a:xfrm>
           <a:prstGeom prst="rect">
@@ -9183,7 +9142,7 @@
         </p:nvSpPr>
         <p:spPr>
           <a:xfrm>
-            <a:off x="5589015" y="4040691"/>
+            <a:off x="5646770" y="5358620"/>
             <a:ext cx="236048" cy="173380"/>
           </a:xfrm>
           <a:prstGeom prst="flowChartDecision">
@@ -9236,7 +9195,7 @@
         </p:nvSpPr>
         <p:spPr>
           <a:xfrm rot="5400000" flipV="1">
-            <a:off x="6939786" y="1604734"/>
+            <a:off x="7433016" y="2742335"/>
             <a:ext cx="270504" cy="175523"/>
           </a:xfrm>
           <a:prstGeom prst="triangle">
@@ -9288,14 +9247,13 @@
           <p:cNvCxnSpPr>
             <a:cxnSpLocks/>
             <a:stCxn id="51" idx="3"/>
-            <a:endCxn id="84" idx="1"/>
           </p:cNvCxnSpPr>
           <p:nvPr/>
         </p:nvCxnSpPr>
         <p:spPr>
           <a:xfrm>
-            <a:off x="4000821" y="1852672"/>
-            <a:ext cx="331377" cy="183544"/>
+            <a:off x="4153221" y="2767072"/>
+            <a:ext cx="676441" cy="241829"/>
           </a:xfrm>
           <a:prstGeom prst="bentConnector3">
             <a:avLst/>
@@ -9342,11 +9300,13 @@
         </p:nvCxnSpPr>
         <p:spPr>
           <a:xfrm>
-            <a:off x="4000821" y="1852672"/>
-            <a:ext cx="338199" cy="624662"/>
+            <a:off x="4153221" y="2767072"/>
+            <a:ext cx="671026" cy="957304"/>
           </a:xfrm>
           <a:prstGeom prst="bentConnector3">
-            <a:avLst/>
+            <a:avLst>
+              <a:gd name="adj1" fmla="val 50000"/>
+            </a:avLst>
           </a:prstGeom>
           <a:ln w="19050">
             <a:solidFill>
@@ -9386,7 +9346,7 @@
         </p:nvSpPr>
         <p:spPr>
           <a:xfrm>
-            <a:off x="4179695" y="2074938"/>
+            <a:off x="4575940" y="2806429"/>
             <a:ext cx="189257" cy="178683"/>
           </a:xfrm>
           <a:prstGeom prst="rect">
@@ -9431,7 +9391,7 @@
         </p:nvSpPr>
         <p:spPr>
           <a:xfrm>
-            <a:off x="4179694" y="2536269"/>
+            <a:off x="4578510" y="3397009"/>
             <a:ext cx="189257" cy="178683"/>
           </a:xfrm>
           <a:prstGeom prst="rect">
@@ -9462,10 +9422,8970 @@
           </a:p>
         </p:txBody>
       </p:sp>
+      <p:sp>
+        <p:nvSpPr>
+          <p:cNvPr id="81" name="Rectangle 8">
+            <a:extLst>
+              <a:ext uri="{FF2B5EF4-FFF2-40B4-BE49-F238E27FC236}">
+                <a16:creationId xmlns:a16="http://schemas.microsoft.com/office/drawing/2014/main" id="{7A38C179-FD0A-4AFF-9DAD-D2B114E689D6}"/>
+              </a:ext>
+            </a:extLst>
+          </p:cNvPr>
+          <p:cNvSpPr/>
+          <p:nvPr/>
+        </p:nvSpPr>
+        <p:spPr>
+          <a:xfrm>
+            <a:off x="2806564" y="3619500"/>
+            <a:ext cx="1099150" cy="377140"/>
+          </a:xfrm>
+          <a:prstGeom prst="rect">
+            <a:avLst/>
+          </a:prstGeom>
+          <a:ln w="19050">
+            <a:solidFill>
+              <a:srgbClr val="7030A0"/>
+            </a:solidFill>
+          </a:ln>
+          <a:effectLst/>
+        </p:spPr>
+        <p:style>
+          <a:lnRef idx="1">
+            <a:schemeClr val="accent4"/>
+          </a:lnRef>
+          <a:fillRef idx="2">
+            <a:schemeClr val="accent4"/>
+          </a:fillRef>
+          <a:effectRef idx="1">
+            <a:schemeClr val="accent4"/>
+          </a:effectRef>
+          <a:fontRef idx="minor">
+            <a:schemeClr val="dk1"/>
+          </a:fontRef>
+        </p:style>
+        <p:txBody>
+          <a:bodyPr rtlCol="0" anchor="ctr"/>
+          <a:lstStyle/>
+          <a:p>
+            <a:pPr algn="ctr"/>
+            <a:r>
+              <a:rPr lang="en-US" sz="1050" dirty="0">
+                <a:solidFill>
+                  <a:srgbClr val="7030A0"/>
+                </a:solidFill>
+              </a:rPr>
+              <a:t>{abstract}</a:t>
+            </a:r>
+            <a:br>
+              <a:rPr lang="en-US" sz="1050" dirty="0">
+                <a:solidFill>
+                  <a:srgbClr val="7030A0"/>
+                </a:solidFill>
+              </a:rPr>
+            </a:br>
+            <a:r>
+              <a:rPr lang="en-US" sz="1050" dirty="0" err="1">
+                <a:solidFill>
+                  <a:srgbClr val="7030A0"/>
+                </a:solidFill>
+              </a:rPr>
+              <a:t>EntryList</a:t>
+            </a:r>
+            <a:endParaRPr lang="en-SG" sz="1050" dirty="0">
+              <a:solidFill>
+                <a:srgbClr val="7030A0"/>
+              </a:solidFill>
+            </a:endParaRPr>
+          </a:p>
+        </p:txBody>
+      </p:sp>
+      <p:sp>
+        <p:nvSpPr>
+          <p:cNvPr id="83" name="TextBox 82">
+            <a:extLst>
+              <a:ext uri="{FF2B5EF4-FFF2-40B4-BE49-F238E27FC236}">
+                <a16:creationId xmlns:a16="http://schemas.microsoft.com/office/drawing/2014/main" id="{B0746313-7EAE-4FD7-BA26-B0CF426E0CE1}"/>
+              </a:ext>
+            </a:extLst>
+          </p:cNvPr>
+          <p:cNvSpPr txBox="1"/>
+          <p:nvPr/>
+        </p:nvSpPr>
+        <p:spPr>
+          <a:xfrm>
+            <a:off x="4119561" y="4114800"/>
+            <a:ext cx="189257" cy="178683"/>
+          </a:xfrm>
+          <a:prstGeom prst="rect">
+            <a:avLst/>
+          </a:prstGeom>
+          <a:noFill/>
+        </p:spPr>
+        <p:txBody>
+          <a:bodyPr wrap="square" lIns="0" tIns="0" rIns="0" bIns="0" rtlCol="0">
+            <a:noAutofit/>
+          </a:bodyPr>
+          <a:lstStyle/>
+          <a:p>
+            <a:pPr algn="ctr"/>
+            <a:r>
+              <a:rPr lang="en-SG" sz="1100" dirty="0">
+                <a:solidFill>
+                  <a:srgbClr val="7030A0"/>
+                </a:solidFill>
+              </a:rPr>
+              <a:t>3</a:t>
+            </a:r>
+          </a:p>
+        </p:txBody>
+      </p:sp>
+      <p:sp>
+        <p:nvSpPr>
+          <p:cNvPr id="111" name="Isosceles Triangle 102">
+            <a:extLst>
+              <a:ext uri="{FF2B5EF4-FFF2-40B4-BE49-F238E27FC236}">
+                <a16:creationId xmlns:a16="http://schemas.microsoft.com/office/drawing/2014/main" id="{A106F481-8113-48BD-B065-34D89F65F0AB}"/>
+              </a:ext>
+            </a:extLst>
+          </p:cNvPr>
+          <p:cNvSpPr/>
+          <p:nvPr/>
+        </p:nvSpPr>
+        <p:spPr>
+          <a:xfrm rot="5400000" flipV="1">
+            <a:off x="5382611" y="4260261"/>
+            <a:ext cx="270504" cy="175523"/>
+          </a:xfrm>
+          <a:prstGeom prst="triangle">
+            <a:avLst/>
+          </a:prstGeom>
+          <a:ln w="19050">
+            <a:solidFill>
+              <a:srgbClr val="7030A0"/>
+            </a:solidFill>
+          </a:ln>
+          <a:effectLst/>
+        </p:spPr>
+        <p:style>
+          <a:lnRef idx="1">
+            <a:schemeClr val="accent4"/>
+          </a:lnRef>
+          <a:fillRef idx="2">
+            <a:schemeClr val="accent4"/>
+          </a:fillRef>
+          <a:effectRef idx="1">
+            <a:schemeClr val="accent4"/>
+          </a:effectRef>
+          <a:fontRef idx="minor">
+            <a:schemeClr val="dk1"/>
+          </a:fontRef>
+        </p:style>
+        <p:txBody>
+          <a:bodyPr rtlCol="0" anchor="ctr"/>
+          <a:lstStyle/>
+          <a:p>
+            <a:pPr algn="ctr"/>
+            <a:endParaRPr lang="en-SG" sz="1050" b="1">
+              <a:solidFill>
+                <a:srgbClr val="92D050"/>
+              </a:solidFill>
+            </a:endParaRPr>
+          </a:p>
+        </p:txBody>
+      </p:sp>
+      <p:cxnSp>
+        <p:nvCxnSpPr>
+          <p:cNvPr id="113" name="Elbow Connector 63">
+            <a:extLst>
+              <a:ext uri="{FF2B5EF4-FFF2-40B4-BE49-F238E27FC236}">
+                <a16:creationId xmlns:a16="http://schemas.microsoft.com/office/drawing/2014/main" id="{A1485418-2743-47D1-BC42-2E0545F2FBE5}"/>
+              </a:ext>
+            </a:extLst>
+          </p:cNvPr>
+          <p:cNvCxnSpPr>
+            <a:cxnSpLocks/>
+            <a:stCxn id="115" idx="3"/>
+            <a:endCxn id="49" idx="1"/>
+          </p:cNvCxnSpPr>
+          <p:nvPr/>
+        </p:nvCxnSpPr>
+        <p:spPr>
+          <a:xfrm flipV="1">
+            <a:off x="4104393" y="2575448"/>
+            <a:ext cx="725269" cy="1244181"/>
+          </a:xfrm>
+          <a:prstGeom prst="bentConnector3">
+            <a:avLst>
+              <a:gd name="adj1" fmla="val 36692"/>
+            </a:avLst>
+          </a:prstGeom>
+          <a:ln w="19050">
+            <a:solidFill>
+              <a:srgbClr val="7030A0"/>
+            </a:solidFill>
+            <a:prstDash val="sysDot"/>
+            <a:headEnd type="none" w="med" len="med"/>
+            <a:tailEnd type="none" w="med" len="med"/>
+          </a:ln>
+          <a:effectLst/>
+        </p:spPr>
+        <p:style>
+          <a:lnRef idx="1">
+            <a:schemeClr val="accent2"/>
+          </a:lnRef>
+          <a:fillRef idx="2">
+            <a:schemeClr val="accent2"/>
+          </a:fillRef>
+          <a:effectRef idx="1">
+            <a:schemeClr val="accent2"/>
+          </a:effectRef>
+          <a:fontRef idx="minor">
+            <a:schemeClr val="dk1"/>
+          </a:fontRef>
+        </p:style>
+      </p:cxnSp>
+      <p:sp>
+        <p:nvSpPr>
+          <p:cNvPr id="115" name="Isosceles Triangle 102">
+            <a:extLst>
+              <a:ext uri="{FF2B5EF4-FFF2-40B4-BE49-F238E27FC236}">
+                <a16:creationId xmlns:a16="http://schemas.microsoft.com/office/drawing/2014/main" id="{CEC3CD33-62F4-457F-B391-47EC0406E552}"/>
+              </a:ext>
+            </a:extLst>
+          </p:cNvPr>
+          <p:cNvSpPr/>
+          <p:nvPr/>
+        </p:nvSpPr>
+        <p:spPr>
+          <a:xfrm rot="5400000" flipV="1">
+            <a:off x="3881379" y="3731867"/>
+            <a:ext cx="270504" cy="175523"/>
+          </a:xfrm>
+          <a:prstGeom prst="triangle">
+            <a:avLst/>
+          </a:prstGeom>
+          <a:ln w="19050">
+            <a:solidFill>
+              <a:srgbClr val="7030A0"/>
+            </a:solidFill>
+          </a:ln>
+          <a:effectLst/>
+        </p:spPr>
+        <p:style>
+          <a:lnRef idx="1">
+            <a:schemeClr val="accent4"/>
+          </a:lnRef>
+          <a:fillRef idx="2">
+            <a:schemeClr val="accent4"/>
+          </a:fillRef>
+          <a:effectRef idx="1">
+            <a:schemeClr val="accent4"/>
+          </a:effectRef>
+          <a:fontRef idx="minor">
+            <a:schemeClr val="dk1"/>
+          </a:fontRef>
+        </p:style>
+        <p:txBody>
+          <a:bodyPr rtlCol="0" anchor="ctr"/>
+          <a:lstStyle/>
+          <a:p>
+            <a:pPr algn="ctr"/>
+            <a:endParaRPr lang="en-SG" sz="1050" b="1">
+              <a:solidFill>
+                <a:srgbClr val="92D050"/>
+              </a:solidFill>
+            </a:endParaRPr>
+          </a:p>
+        </p:txBody>
+      </p:sp>
+      <p:cxnSp>
+        <p:nvCxnSpPr>
+          <p:cNvPr id="136" name="Elbow Connector 63">
+            <a:extLst>
+              <a:ext uri="{FF2B5EF4-FFF2-40B4-BE49-F238E27FC236}">
+                <a16:creationId xmlns:a16="http://schemas.microsoft.com/office/drawing/2014/main" id="{E1328738-EFAE-49FD-A3F1-1DB3F8A12A40}"/>
+              </a:ext>
+            </a:extLst>
+          </p:cNvPr>
+          <p:cNvCxnSpPr>
+            <a:cxnSpLocks/>
+          </p:cNvCxnSpPr>
+          <p:nvPr/>
+        </p:nvCxnSpPr>
+        <p:spPr>
+          <a:xfrm>
+            <a:off x="4386709" y="3291576"/>
+            <a:ext cx="421424" cy="1"/>
+          </a:xfrm>
+          <a:prstGeom prst="bentConnector3">
+            <a:avLst>
+              <a:gd name="adj1" fmla="val 50000"/>
+            </a:avLst>
+          </a:prstGeom>
+          <a:ln w="19050">
+            <a:solidFill>
+              <a:srgbClr val="7030A0"/>
+            </a:solidFill>
+            <a:prstDash val="sysDot"/>
+            <a:headEnd type="none" w="med" len="med"/>
+            <a:tailEnd type="none" w="med" len="med"/>
+          </a:ln>
+          <a:effectLst/>
+        </p:spPr>
+        <p:style>
+          <a:lnRef idx="1">
+            <a:schemeClr val="accent2"/>
+          </a:lnRef>
+          <a:fillRef idx="2">
+            <a:schemeClr val="accent2"/>
+          </a:fillRef>
+          <a:effectRef idx="1">
+            <a:schemeClr val="accent2"/>
+          </a:effectRef>
+          <a:fontRef idx="minor">
+            <a:schemeClr val="dk1"/>
+          </a:fontRef>
+        </p:style>
+      </p:cxnSp>
+      <p:cxnSp>
+        <p:nvCxnSpPr>
+          <p:cNvPr id="141" name="Elbow Connector 63">
+            <a:extLst>
+              <a:ext uri="{FF2B5EF4-FFF2-40B4-BE49-F238E27FC236}">
+                <a16:creationId xmlns:a16="http://schemas.microsoft.com/office/drawing/2014/main" id="{4B86615C-E534-4DC6-9AD1-FC396A0A1ADB}"/>
+              </a:ext>
+            </a:extLst>
+          </p:cNvPr>
+          <p:cNvCxnSpPr>
+            <a:cxnSpLocks/>
+            <a:stCxn id="115" idx="3"/>
+          </p:cNvCxnSpPr>
+          <p:nvPr/>
+        </p:nvCxnSpPr>
+        <p:spPr>
+          <a:xfrm flipV="1">
+            <a:off x="4104393" y="3815637"/>
+            <a:ext cx="718665" cy="3992"/>
+          </a:xfrm>
+          <a:prstGeom prst="bentConnector3">
+            <a:avLst>
+              <a:gd name="adj1" fmla="val 50000"/>
+            </a:avLst>
+          </a:prstGeom>
+          <a:ln w="19050">
+            <a:solidFill>
+              <a:srgbClr val="7030A0"/>
+            </a:solidFill>
+            <a:prstDash val="sysDot"/>
+            <a:headEnd type="none" w="med" len="med"/>
+            <a:tailEnd type="none" w="med" len="med"/>
+          </a:ln>
+          <a:effectLst/>
+        </p:spPr>
+        <p:style>
+          <a:lnRef idx="1">
+            <a:schemeClr val="accent2"/>
+          </a:lnRef>
+          <a:fillRef idx="2">
+            <a:schemeClr val="accent2"/>
+          </a:fillRef>
+          <a:effectRef idx="1">
+            <a:schemeClr val="accent2"/>
+          </a:effectRef>
+          <a:fontRef idx="minor">
+            <a:schemeClr val="dk1"/>
+          </a:fontRef>
+        </p:style>
+      </p:cxnSp>
     </p:spTree>
     <p:extLst>
       <p:ext uri="{BB962C8B-B14F-4D97-AF65-F5344CB8AC3E}">
         <p14:creationId xmlns:p14="http://schemas.microsoft.com/office/powerpoint/2010/main" val="2396968029"/>
+      </p:ext>
+    </p:extLst>
+  </p:cSld>
+  <p:clrMapOvr>
+    <a:masterClrMapping/>
+  </p:clrMapOvr>
+</p:sld>
+</file>
+
+<file path=ppt/slides/slide3.xml><?xml version="1.0" encoding="utf-8"?>
+<p:sld xmlns:a="http://schemas.openxmlformats.org/drawingml/2006/main" xmlns:r="http://schemas.openxmlformats.org/officeDocument/2006/relationships" xmlns:p="http://schemas.openxmlformats.org/presentationml/2006/main">
+  <p:cSld>
+    <p:spTree>
+      <p:nvGrpSpPr>
+        <p:cNvPr id="1" name=""/>
+        <p:cNvGrpSpPr/>
+        <p:nvPr/>
+      </p:nvGrpSpPr>
+      <p:grpSpPr>
+        <a:xfrm>
+          <a:off x="0" y="0"/>
+          <a:ext cx="0" cy="0"/>
+          <a:chOff x="0" y="0"/>
+          <a:chExt cx="0" cy="0"/>
+        </a:xfrm>
+      </p:grpSpPr>
+      <p:sp>
+        <p:nvSpPr>
+          <p:cNvPr id="118" name="Rectangle 65"/>
+          <p:cNvSpPr/>
+          <p:nvPr/>
+        </p:nvSpPr>
+        <p:spPr>
+          <a:xfrm>
+            <a:off x="990600" y="152400"/>
+            <a:ext cx="7239000" cy="6096000"/>
+          </a:xfrm>
+          <a:prstGeom prst="roundRect">
+            <a:avLst>
+              <a:gd name="adj" fmla="val 3484"/>
+            </a:avLst>
+          </a:prstGeom>
+          <a:solidFill>
+            <a:schemeClr val="accent4">
+              <a:lumMod val="20000"/>
+              <a:lumOff val="80000"/>
+            </a:schemeClr>
+          </a:solidFill>
+          <a:ln w="19050">
+            <a:noFill/>
+          </a:ln>
+          <a:effectLst/>
+        </p:spPr>
+        <p:style>
+          <a:lnRef idx="1">
+            <a:schemeClr val="accent2"/>
+          </a:lnRef>
+          <a:fillRef idx="2">
+            <a:schemeClr val="accent2"/>
+          </a:fillRef>
+          <a:effectRef idx="1">
+            <a:schemeClr val="accent2"/>
+          </a:effectRef>
+          <a:fontRef idx="minor">
+            <a:schemeClr val="dk1"/>
+          </a:fontRef>
+        </p:style>
+        <p:txBody>
+          <a:bodyPr rtlCol="0" anchor="t"/>
+          <a:lstStyle/>
+          <a:p>
+            <a:r>
+              <a:rPr lang="en-US" sz="1200" b="1" dirty="0">
+                <a:solidFill>
+                  <a:srgbClr val="7030A0"/>
+                </a:solidFill>
+              </a:rPr>
+              <a:t>Model</a:t>
+            </a:r>
+            <a:endParaRPr lang="en-SG" sz="1200" b="1" dirty="0">
+              <a:solidFill>
+                <a:srgbClr val="7030A0"/>
+              </a:solidFill>
+            </a:endParaRPr>
+          </a:p>
+        </p:txBody>
+      </p:sp>
+      <p:sp>
+        <p:nvSpPr>
+          <p:cNvPr id="2" name="Rectangle 8"/>
+          <p:cNvSpPr/>
+          <p:nvPr/>
+        </p:nvSpPr>
+        <p:spPr>
+          <a:xfrm>
+            <a:off x="2806563" y="2118876"/>
+            <a:ext cx="1093635" cy="346760"/>
+          </a:xfrm>
+          <a:prstGeom prst="rect">
+            <a:avLst/>
+          </a:prstGeom>
+          <a:solidFill>
+            <a:srgbClr val="7030A0"/>
+          </a:solidFill>
+          <a:ln w="19050">
+            <a:solidFill>
+              <a:srgbClr val="7030A0"/>
+            </a:solidFill>
+          </a:ln>
+          <a:effectLst/>
+        </p:spPr>
+        <p:style>
+          <a:lnRef idx="1">
+            <a:schemeClr val="accent2"/>
+          </a:lnRef>
+          <a:fillRef idx="2">
+            <a:schemeClr val="accent2"/>
+          </a:fillRef>
+          <a:effectRef idx="1">
+            <a:schemeClr val="accent2"/>
+          </a:effectRef>
+          <a:fontRef idx="minor">
+            <a:schemeClr val="dk1"/>
+          </a:fontRef>
+        </p:style>
+        <p:txBody>
+          <a:bodyPr rtlCol="0" anchor="ctr"/>
+          <a:lstStyle/>
+          <a:p>
+            <a:pPr algn="ctr"/>
+            <a:r>
+              <a:rPr lang="en-US" sz="1050" dirty="0" err="1">
+                <a:solidFill>
+                  <a:schemeClr val="bg1"/>
+                </a:solidFill>
+              </a:rPr>
+              <a:t>UserPref</a:t>
+            </a:r>
+            <a:endParaRPr lang="en-SG" sz="1050" dirty="0">
+              <a:solidFill>
+                <a:schemeClr val="bg1"/>
+              </a:solidFill>
+            </a:endParaRPr>
+          </a:p>
+        </p:txBody>
+      </p:sp>
+      <p:sp>
+        <p:nvSpPr>
+          <p:cNvPr id="9" name="Rectangle 62"/>
+          <p:cNvSpPr/>
+          <p:nvPr/>
+        </p:nvSpPr>
+        <p:spPr>
+          <a:xfrm rot="16200000">
+            <a:off x="1666826" y="1829123"/>
+            <a:ext cx="1093635" cy="346760"/>
+          </a:xfrm>
+          <a:prstGeom prst="rect">
+            <a:avLst/>
+          </a:prstGeom>
+          <a:solidFill>
+            <a:srgbClr val="7030A0"/>
+          </a:solidFill>
+          <a:ln w="19050">
+            <a:solidFill>
+              <a:srgbClr val="7030A0"/>
+            </a:solidFill>
+          </a:ln>
+          <a:effectLst/>
+        </p:spPr>
+        <p:style>
+          <a:lnRef idx="1">
+            <a:schemeClr val="accent2"/>
+          </a:lnRef>
+          <a:fillRef idx="2">
+            <a:schemeClr val="accent2"/>
+          </a:fillRef>
+          <a:effectRef idx="1">
+            <a:schemeClr val="accent2"/>
+          </a:effectRef>
+          <a:fontRef idx="minor">
+            <a:schemeClr val="dk1"/>
+          </a:fontRef>
+        </p:style>
+        <p:txBody>
+          <a:bodyPr rtlCol="0" anchor="ctr"/>
+          <a:lstStyle/>
+          <a:p>
+            <a:pPr algn="ctr"/>
+            <a:r>
+              <a:rPr lang="en-US" sz="1050" dirty="0" err="1">
+                <a:solidFill>
+                  <a:schemeClr val="bg1"/>
+                </a:solidFill>
+              </a:rPr>
+              <a:t>ModelManager</a:t>
+            </a:r>
+            <a:endParaRPr lang="en-SG" sz="1050" dirty="0">
+              <a:solidFill>
+                <a:schemeClr val="bg1"/>
+              </a:solidFill>
+            </a:endParaRPr>
+          </a:p>
+        </p:txBody>
+      </p:sp>
+      <p:cxnSp>
+        <p:nvCxnSpPr>
+          <p:cNvPr id="53" name="Elbow Connector 63"/>
+          <p:cNvCxnSpPr>
+            <a:cxnSpLocks/>
+            <a:stCxn id="111" idx="3"/>
+            <a:endCxn id="82" idx="0"/>
+          </p:cNvCxnSpPr>
+          <p:nvPr/>
+        </p:nvCxnSpPr>
+        <p:spPr>
+          <a:xfrm>
+            <a:off x="4117193" y="4779621"/>
+            <a:ext cx="1734698" cy="159748"/>
+          </a:xfrm>
+          <a:prstGeom prst="bentConnector2">
+            <a:avLst/>
+          </a:prstGeom>
+          <a:ln w="19050">
+            <a:solidFill>
+              <a:srgbClr val="7030A0"/>
+            </a:solidFill>
+            <a:prstDash val="sysDot"/>
+            <a:headEnd type="none" w="med" len="med"/>
+            <a:tailEnd type="none" w="med" len="med"/>
+          </a:ln>
+          <a:effectLst/>
+        </p:spPr>
+        <p:style>
+          <a:lnRef idx="1">
+            <a:schemeClr val="accent2"/>
+          </a:lnRef>
+          <a:fillRef idx="2">
+            <a:schemeClr val="accent2"/>
+          </a:fillRef>
+          <a:effectRef idx="1">
+            <a:schemeClr val="accent2"/>
+          </a:effectRef>
+          <a:fontRef idx="minor">
+            <a:schemeClr val="dk1"/>
+          </a:fontRef>
+        </p:style>
+      </p:cxnSp>
+      <p:cxnSp>
+        <p:nvCxnSpPr>
+          <p:cNvPr id="107" name="Elbow Connector 106"/>
+          <p:cNvCxnSpPr>
+            <a:cxnSpLocks/>
+            <a:stCxn id="9" idx="1"/>
+            <a:endCxn id="72" idx="1"/>
+          </p:cNvCxnSpPr>
+          <p:nvPr/>
+        </p:nvCxnSpPr>
+        <p:spPr>
+          <a:xfrm rot="16200000" flipH="1">
+            <a:off x="1436746" y="3326218"/>
+            <a:ext cx="2230299" cy="676503"/>
+          </a:xfrm>
+          <a:prstGeom prst="bentConnector2">
+            <a:avLst/>
+          </a:prstGeom>
+          <a:ln w="19050">
+            <a:solidFill>
+              <a:srgbClr val="7030A0"/>
+            </a:solidFill>
+            <a:prstDash val="solid"/>
+            <a:headEnd type="none" w="med" len="med"/>
+            <a:tailEnd type="arrow" w="med" len="med"/>
+          </a:ln>
+          <a:effectLst/>
+        </p:spPr>
+        <p:style>
+          <a:lnRef idx="1">
+            <a:schemeClr val="accent2"/>
+          </a:lnRef>
+          <a:fillRef idx="2">
+            <a:schemeClr val="accent2"/>
+          </a:fillRef>
+          <a:effectRef idx="1">
+            <a:schemeClr val="accent2"/>
+          </a:effectRef>
+          <a:fontRef idx="minor">
+            <a:schemeClr val="dk1"/>
+          </a:fontRef>
+        </p:style>
+      </p:cxnSp>
+      <p:sp>
+        <p:nvSpPr>
+          <p:cNvPr id="119" name="Rectangle 62"/>
+          <p:cNvSpPr/>
+          <p:nvPr/>
+        </p:nvSpPr>
+        <p:spPr>
+          <a:xfrm rot="16200000">
+            <a:off x="939065" y="1821638"/>
+            <a:ext cx="1093635" cy="346760"/>
+          </a:xfrm>
+          <a:prstGeom prst="rect">
+            <a:avLst/>
+          </a:prstGeom>
+          <a:solidFill>
+            <a:srgbClr val="7030A0"/>
+          </a:solidFill>
+          <a:ln w="19050">
+            <a:solidFill>
+              <a:srgbClr val="7030A0"/>
+            </a:solidFill>
+          </a:ln>
+          <a:effectLst/>
+        </p:spPr>
+        <p:style>
+          <a:lnRef idx="1">
+            <a:schemeClr val="accent2"/>
+          </a:lnRef>
+          <a:fillRef idx="2">
+            <a:schemeClr val="accent2"/>
+          </a:fillRef>
+          <a:effectRef idx="1">
+            <a:schemeClr val="accent2"/>
+          </a:effectRef>
+          <a:fontRef idx="minor">
+            <a:schemeClr val="dk1"/>
+          </a:fontRef>
+        </p:style>
+        <p:txBody>
+          <a:bodyPr rtlCol="0" anchor="ctr"/>
+          <a:lstStyle/>
+          <a:p>
+            <a:pPr algn="ctr"/>
+            <a:r>
+              <a:rPr lang="en-US" sz="1050" dirty="0">
+                <a:solidFill>
+                  <a:schemeClr val="bg1"/>
+                </a:solidFill>
+              </a:rPr>
+              <a:t>&lt;&lt;interface&gt;&gt;</a:t>
+            </a:r>
+          </a:p>
+          <a:p>
+            <a:pPr algn="ctr"/>
+            <a:r>
+              <a:rPr lang="en-US" sz="1050" dirty="0">
+                <a:solidFill>
+                  <a:schemeClr val="bg1"/>
+                </a:solidFill>
+              </a:rPr>
+              <a:t>Model</a:t>
+            </a:r>
+            <a:endParaRPr lang="en-SG" sz="1050" dirty="0">
+              <a:solidFill>
+                <a:schemeClr val="bg1"/>
+              </a:solidFill>
+            </a:endParaRPr>
+          </a:p>
+        </p:txBody>
+      </p:sp>
+      <p:sp>
+        <p:nvSpPr>
+          <p:cNvPr id="120" name="Isosceles Triangle 102"/>
+          <p:cNvSpPr/>
+          <p:nvPr/>
+        </p:nvSpPr>
+        <p:spPr>
+          <a:xfrm rot="16200000">
+            <a:off x="1609773" y="1912727"/>
+            <a:ext cx="270504" cy="175523"/>
+          </a:xfrm>
+          <a:prstGeom prst="triangle">
+            <a:avLst/>
+          </a:prstGeom>
+          <a:solidFill>
+            <a:srgbClr val="7030A0"/>
+          </a:solidFill>
+          <a:ln w="19050">
+            <a:solidFill>
+              <a:srgbClr val="7030A0"/>
+            </a:solidFill>
+          </a:ln>
+          <a:effectLst/>
+        </p:spPr>
+        <p:style>
+          <a:lnRef idx="1">
+            <a:schemeClr val="accent6"/>
+          </a:lnRef>
+          <a:fillRef idx="2">
+            <a:schemeClr val="accent6"/>
+          </a:fillRef>
+          <a:effectRef idx="1">
+            <a:schemeClr val="accent6"/>
+          </a:effectRef>
+          <a:fontRef idx="minor">
+            <a:schemeClr val="dk1"/>
+          </a:fontRef>
+        </p:style>
+        <p:txBody>
+          <a:bodyPr rtlCol="0" anchor="ctr"/>
+          <a:lstStyle/>
+          <a:p>
+            <a:pPr algn="ctr"/>
+            <a:endParaRPr lang="en-SG" sz="1050"/>
+          </a:p>
+        </p:txBody>
+      </p:sp>
+      <p:cxnSp>
+        <p:nvCxnSpPr>
+          <p:cNvPr id="58" name="Straight Arrow Connector 57"/>
+          <p:cNvCxnSpPr>
+            <a:stCxn id="42" idx="3"/>
+            <a:endCxn id="2" idx="1"/>
+          </p:cNvCxnSpPr>
+          <p:nvPr/>
+        </p:nvCxnSpPr>
+        <p:spPr>
+          <a:xfrm>
+            <a:off x="2639233" y="2286972"/>
+            <a:ext cx="167330" cy="5284"/>
+          </a:xfrm>
+          <a:prstGeom prst="straightConnector1">
+            <a:avLst/>
+          </a:prstGeom>
+          <a:ln w="19050">
+            <a:solidFill>
+              <a:srgbClr val="7030A0"/>
+            </a:solidFill>
+            <a:headEnd type="none" w="med" len="med"/>
+            <a:tailEnd type="arrow" w="med" len="med"/>
+          </a:ln>
+          <a:effectLst/>
+        </p:spPr>
+        <p:style>
+          <a:lnRef idx="1">
+            <a:schemeClr val="accent2"/>
+          </a:lnRef>
+          <a:fillRef idx="2">
+            <a:schemeClr val="accent2"/>
+          </a:fillRef>
+          <a:effectRef idx="1">
+            <a:schemeClr val="accent2"/>
+          </a:effectRef>
+          <a:fontRef idx="minor">
+            <a:schemeClr val="dk1"/>
+          </a:fontRef>
+        </p:style>
+      </p:cxnSp>
+      <p:cxnSp>
+        <p:nvCxnSpPr>
+          <p:cNvPr id="75" name="Elbow Connector 122"/>
+          <p:cNvCxnSpPr>
+            <a:cxnSpLocks/>
+          </p:cNvCxnSpPr>
+          <p:nvPr/>
+        </p:nvCxnSpPr>
+        <p:spPr>
+          <a:xfrm>
+            <a:off x="1038789" y="2002503"/>
+            <a:ext cx="273713" cy="846"/>
+          </a:xfrm>
+          <a:prstGeom prst="bentConnector3">
+            <a:avLst>
+              <a:gd name="adj1" fmla="val 50000"/>
+            </a:avLst>
+          </a:prstGeom>
+          <a:ln w="19050">
+            <a:solidFill>
+              <a:schemeClr val="bg1">
+                <a:lumMod val="75000"/>
+              </a:schemeClr>
+            </a:solidFill>
+            <a:prstDash val="sysDot"/>
+            <a:headEnd type="none" w="med" len="med"/>
+            <a:tailEnd type="arrow" w="med" len="med"/>
+          </a:ln>
+          <a:effectLst/>
+        </p:spPr>
+        <p:style>
+          <a:lnRef idx="1">
+            <a:schemeClr val="accent2"/>
+          </a:lnRef>
+          <a:fillRef idx="2">
+            <a:schemeClr val="accent2"/>
+          </a:fillRef>
+          <a:effectRef idx="1">
+            <a:schemeClr val="accent2"/>
+          </a:effectRef>
+          <a:fontRef idx="minor">
+            <a:schemeClr val="dk1"/>
+          </a:fontRef>
+        </p:style>
+      </p:cxnSp>
+      <p:cxnSp>
+        <p:nvCxnSpPr>
+          <p:cNvPr id="21" name="Straight Connector 20"/>
+          <p:cNvCxnSpPr>
+            <a:stCxn id="120" idx="3"/>
+          </p:cNvCxnSpPr>
+          <p:nvPr/>
+        </p:nvCxnSpPr>
+        <p:spPr>
+          <a:xfrm flipV="1">
+            <a:off x="1832787" y="2000488"/>
+            <a:ext cx="216105" cy="1"/>
+          </a:xfrm>
+          <a:prstGeom prst="line">
+            <a:avLst/>
+          </a:prstGeom>
+          <a:ln w="19050">
+            <a:solidFill>
+              <a:srgbClr val="7030A0"/>
+            </a:solidFill>
+            <a:prstDash val="sysDot"/>
+            <a:headEnd type="none" w="med" len="med"/>
+            <a:tailEnd type="none" w="med" len="med"/>
+          </a:ln>
+          <a:effectLst/>
+        </p:spPr>
+        <p:style>
+          <a:lnRef idx="1">
+            <a:schemeClr val="accent2"/>
+          </a:lnRef>
+          <a:fillRef idx="2">
+            <a:schemeClr val="accent2"/>
+          </a:fillRef>
+          <a:effectRef idx="1">
+            <a:schemeClr val="accent2"/>
+          </a:effectRef>
+          <a:fontRef idx="minor">
+            <a:schemeClr val="dk1"/>
+          </a:fontRef>
+        </p:style>
+      </p:cxnSp>
+      <p:sp>
+        <p:nvSpPr>
+          <p:cNvPr id="42" name="Flowchart: Decision 96"/>
+          <p:cNvSpPr/>
+          <p:nvPr/>
+        </p:nvSpPr>
+        <p:spPr>
+          <a:xfrm>
+            <a:off x="2403185" y="2200282"/>
+            <a:ext cx="236048" cy="173380"/>
+          </a:xfrm>
+          <a:prstGeom prst="flowChartDecision">
+            <a:avLst/>
+          </a:prstGeom>
+          <a:noFill/>
+          <a:ln w="19050">
+            <a:solidFill>
+              <a:srgbClr val="7030A0"/>
+            </a:solidFill>
+          </a:ln>
+          <a:effectLst/>
+        </p:spPr>
+        <p:style>
+          <a:lnRef idx="1">
+            <a:schemeClr val="accent6"/>
+          </a:lnRef>
+          <a:fillRef idx="2">
+            <a:schemeClr val="accent6"/>
+          </a:fillRef>
+          <a:effectRef idx="1">
+            <a:schemeClr val="accent6"/>
+          </a:effectRef>
+          <a:fontRef idx="minor">
+            <a:schemeClr val="dk1"/>
+          </a:fontRef>
+        </p:style>
+        <p:txBody>
+          <a:bodyPr rtlCol="0" anchor="ctr"/>
+          <a:lstStyle/>
+          <a:p>
+            <a:pPr algn="ctr"/>
+            <a:endParaRPr lang="en-US" sz="1050"/>
+          </a:p>
+        </p:txBody>
+      </p:sp>
+      <p:sp>
+        <p:nvSpPr>
+          <p:cNvPr id="46" name="Rectangle 8"/>
+          <p:cNvSpPr/>
+          <p:nvPr/>
+        </p:nvSpPr>
+        <p:spPr>
+          <a:xfrm>
+            <a:off x="2808873" y="1587856"/>
+            <a:ext cx="1093635" cy="346760"/>
+          </a:xfrm>
+          <a:prstGeom prst="rect">
+            <a:avLst/>
+          </a:prstGeom>
+          <a:ln w="19050">
+            <a:solidFill>
+              <a:srgbClr val="7030A0"/>
+            </a:solidFill>
+          </a:ln>
+          <a:effectLst/>
+        </p:spPr>
+        <p:style>
+          <a:lnRef idx="1">
+            <a:schemeClr val="accent4"/>
+          </a:lnRef>
+          <a:fillRef idx="2">
+            <a:schemeClr val="accent4"/>
+          </a:fillRef>
+          <a:effectRef idx="1">
+            <a:schemeClr val="accent4"/>
+          </a:effectRef>
+          <a:fontRef idx="minor">
+            <a:schemeClr val="dk1"/>
+          </a:fontRef>
+        </p:style>
+        <p:txBody>
+          <a:bodyPr rtlCol="0" anchor="ctr"/>
+          <a:lstStyle/>
+          <a:p>
+            <a:pPr algn="ctr"/>
+            <a:r>
+              <a:rPr lang="en-US" sz="1050" dirty="0" err="1">
+                <a:solidFill>
+                  <a:srgbClr val="7030A0"/>
+                </a:solidFill>
+              </a:rPr>
+              <a:t>EntryBook</a:t>
+            </a:r>
+            <a:endParaRPr lang="en-SG" sz="1050" dirty="0">
+              <a:solidFill>
+                <a:srgbClr val="7030A0"/>
+              </a:solidFill>
+            </a:endParaRPr>
+          </a:p>
+        </p:txBody>
+      </p:sp>
+      <p:cxnSp>
+        <p:nvCxnSpPr>
+          <p:cNvPr id="47" name="Straight Arrow Connector 46"/>
+          <p:cNvCxnSpPr>
+            <a:stCxn id="48" idx="3"/>
+            <a:endCxn id="46" idx="1"/>
+          </p:cNvCxnSpPr>
+          <p:nvPr/>
+        </p:nvCxnSpPr>
+        <p:spPr>
+          <a:xfrm>
+            <a:off x="2641543" y="1755952"/>
+            <a:ext cx="167330" cy="5284"/>
+          </a:xfrm>
+          <a:prstGeom prst="straightConnector1">
+            <a:avLst/>
+          </a:prstGeom>
+          <a:ln w="19050">
+            <a:solidFill>
+              <a:srgbClr val="7030A0"/>
+            </a:solidFill>
+            <a:headEnd type="none" w="med" len="med"/>
+            <a:tailEnd type="arrow" w="med" len="med"/>
+          </a:ln>
+          <a:effectLst/>
+        </p:spPr>
+        <p:style>
+          <a:lnRef idx="1">
+            <a:schemeClr val="accent2"/>
+          </a:lnRef>
+          <a:fillRef idx="2">
+            <a:schemeClr val="accent2"/>
+          </a:fillRef>
+          <a:effectRef idx="1">
+            <a:schemeClr val="accent2"/>
+          </a:effectRef>
+          <a:fontRef idx="minor">
+            <a:schemeClr val="dk1"/>
+          </a:fontRef>
+        </p:style>
+      </p:cxnSp>
+      <p:sp>
+        <p:nvSpPr>
+          <p:cNvPr id="48" name="Flowchart: Decision 96"/>
+          <p:cNvSpPr/>
+          <p:nvPr/>
+        </p:nvSpPr>
+        <p:spPr>
+          <a:xfrm>
+            <a:off x="2405495" y="1669262"/>
+            <a:ext cx="236048" cy="173380"/>
+          </a:xfrm>
+          <a:prstGeom prst="flowChartDecision">
+            <a:avLst/>
+          </a:prstGeom>
+          <a:noFill/>
+          <a:ln w="19050">
+            <a:solidFill>
+              <a:srgbClr val="7030A0"/>
+            </a:solidFill>
+          </a:ln>
+          <a:effectLst/>
+        </p:spPr>
+        <p:style>
+          <a:lnRef idx="1">
+            <a:schemeClr val="accent6"/>
+          </a:lnRef>
+          <a:fillRef idx="2">
+            <a:schemeClr val="accent6"/>
+          </a:fillRef>
+          <a:effectRef idx="1">
+            <a:schemeClr val="accent6"/>
+          </a:effectRef>
+          <a:fontRef idx="minor">
+            <a:schemeClr val="dk1"/>
+          </a:fontRef>
+        </p:style>
+        <p:txBody>
+          <a:bodyPr rtlCol="0" anchor="ctr"/>
+          <a:lstStyle/>
+          <a:p>
+            <a:pPr algn="ctr"/>
+            <a:endParaRPr lang="en-US" sz="1050"/>
+          </a:p>
+        </p:txBody>
+      </p:sp>
+      <p:sp>
+        <p:nvSpPr>
+          <p:cNvPr id="49" name="Rectangle 8"/>
+          <p:cNvSpPr/>
+          <p:nvPr/>
+        </p:nvSpPr>
+        <p:spPr>
+          <a:xfrm>
+            <a:off x="4829662" y="1327053"/>
+            <a:ext cx="1156969" cy="515590"/>
+          </a:xfrm>
+          <a:prstGeom prst="rect">
+            <a:avLst/>
+          </a:prstGeom>
+          <a:ln w="19050">
+            <a:solidFill>
+              <a:srgbClr val="7030A0"/>
+            </a:solidFill>
+          </a:ln>
+          <a:effectLst/>
+        </p:spPr>
+        <p:style>
+          <a:lnRef idx="1">
+            <a:schemeClr val="accent4"/>
+          </a:lnRef>
+          <a:fillRef idx="2">
+            <a:schemeClr val="accent4"/>
+          </a:fillRef>
+          <a:effectRef idx="1">
+            <a:schemeClr val="accent4"/>
+          </a:effectRef>
+          <a:fontRef idx="minor">
+            <a:schemeClr val="dk1"/>
+          </a:fontRef>
+        </p:style>
+        <p:txBody>
+          <a:bodyPr rtlCol="0" anchor="ctr"/>
+          <a:lstStyle/>
+          <a:p>
+            <a:pPr algn="ctr"/>
+            <a:r>
+              <a:rPr lang="en-US" sz="1050" dirty="0" err="1">
+                <a:solidFill>
+                  <a:srgbClr val="7030A0"/>
+                </a:solidFill>
+              </a:rPr>
+              <a:t>ActiveList</a:t>
+            </a:r>
+            <a:endParaRPr lang="en-SG" sz="1050" dirty="0">
+              <a:solidFill>
+                <a:srgbClr val="7030A0"/>
+              </a:solidFill>
+            </a:endParaRPr>
+          </a:p>
+        </p:txBody>
+      </p:sp>
+      <p:sp>
+        <p:nvSpPr>
+          <p:cNvPr id="51" name="Flowchart: Decision 96"/>
+          <p:cNvSpPr/>
+          <p:nvPr/>
+        </p:nvSpPr>
+        <p:spPr>
+          <a:xfrm>
+            <a:off x="3917173" y="1689782"/>
+            <a:ext cx="236048" cy="173380"/>
+          </a:xfrm>
+          <a:prstGeom prst="flowChartDecision">
+            <a:avLst/>
+          </a:prstGeom>
+          <a:solidFill>
+            <a:srgbClr val="7030A0"/>
+          </a:solidFill>
+          <a:ln w="19050">
+            <a:solidFill>
+              <a:srgbClr val="7030A0"/>
+            </a:solidFill>
+          </a:ln>
+          <a:effectLst/>
+        </p:spPr>
+        <p:style>
+          <a:lnRef idx="1">
+            <a:schemeClr val="accent6"/>
+          </a:lnRef>
+          <a:fillRef idx="2">
+            <a:schemeClr val="accent6"/>
+          </a:fillRef>
+          <a:effectRef idx="1">
+            <a:schemeClr val="accent6"/>
+          </a:effectRef>
+          <a:fontRef idx="minor">
+            <a:schemeClr val="dk1"/>
+          </a:fontRef>
+        </p:style>
+        <p:txBody>
+          <a:bodyPr rtlCol="0" anchor="ctr"/>
+          <a:lstStyle/>
+          <a:p>
+            <a:pPr algn="ctr"/>
+            <a:endParaRPr lang="en-US" sz="1050"/>
+          </a:p>
+        </p:txBody>
+      </p:sp>
+      <p:cxnSp>
+        <p:nvCxnSpPr>
+          <p:cNvPr id="30" name="Elbow Connector 29"/>
+          <p:cNvCxnSpPr>
+            <a:cxnSpLocks/>
+            <a:stCxn id="51" idx="3"/>
+          </p:cNvCxnSpPr>
+          <p:nvPr/>
+        </p:nvCxnSpPr>
+        <p:spPr>
+          <a:xfrm flipV="1">
+            <a:off x="4153221" y="1434473"/>
+            <a:ext cx="678824" cy="341999"/>
+          </a:xfrm>
+          <a:prstGeom prst="bentConnector3">
+            <a:avLst/>
+          </a:prstGeom>
+          <a:ln w="19050">
+            <a:solidFill>
+              <a:srgbClr val="7030A0"/>
+            </a:solidFill>
+            <a:headEnd type="none" w="med" len="med"/>
+            <a:tailEnd type="arrow" w="med" len="med"/>
+          </a:ln>
+          <a:effectLst/>
+        </p:spPr>
+        <p:style>
+          <a:lnRef idx="1">
+            <a:schemeClr val="accent2"/>
+          </a:lnRef>
+          <a:fillRef idx="2">
+            <a:schemeClr val="accent2"/>
+          </a:fillRef>
+          <a:effectRef idx="1">
+            <a:schemeClr val="accent2"/>
+          </a:effectRef>
+          <a:fontRef idx="minor">
+            <a:schemeClr val="dk1"/>
+          </a:fontRef>
+        </p:style>
+      </p:cxnSp>
+      <p:sp>
+        <p:nvSpPr>
+          <p:cNvPr id="57" name="Rectangle 8"/>
+          <p:cNvSpPr/>
+          <p:nvPr/>
+        </p:nvSpPr>
+        <p:spPr>
+          <a:xfrm>
+            <a:off x="4832045" y="886964"/>
+            <a:ext cx="1156969" cy="346760"/>
+          </a:xfrm>
+          <a:prstGeom prst="rect">
+            <a:avLst/>
+          </a:prstGeom>
+          <a:ln w="19050">
+            <a:solidFill>
+              <a:srgbClr val="7030A0"/>
+            </a:solidFill>
+          </a:ln>
+          <a:effectLst/>
+        </p:spPr>
+        <p:style>
+          <a:lnRef idx="1">
+            <a:schemeClr val="accent4"/>
+          </a:lnRef>
+          <a:fillRef idx="2">
+            <a:schemeClr val="accent4"/>
+          </a:fillRef>
+          <a:effectRef idx="1">
+            <a:schemeClr val="accent4"/>
+          </a:effectRef>
+          <a:fontRef idx="minor">
+            <a:schemeClr val="dk1"/>
+          </a:fontRef>
+        </p:style>
+        <p:txBody>
+          <a:bodyPr rtlCol="0" anchor="ctr"/>
+          <a:lstStyle/>
+          <a:p>
+            <a:pPr algn="ctr"/>
+            <a:r>
+              <a:rPr lang="en-US" sz="1050" dirty="0" err="1">
+                <a:solidFill>
+                  <a:srgbClr val="7030A0"/>
+                </a:solidFill>
+              </a:rPr>
+              <a:t>UniqueTagList</a:t>
+            </a:r>
+            <a:endParaRPr lang="en-SG" sz="1050" dirty="0">
+              <a:solidFill>
+                <a:srgbClr val="7030A0"/>
+              </a:solidFill>
+            </a:endParaRPr>
+          </a:p>
+        </p:txBody>
+      </p:sp>
+      <p:cxnSp>
+        <p:nvCxnSpPr>
+          <p:cNvPr id="59" name="Elbow Connector 58"/>
+          <p:cNvCxnSpPr>
+            <a:cxnSpLocks/>
+            <a:stCxn id="51" idx="3"/>
+            <a:endCxn id="57" idx="1"/>
+          </p:cNvCxnSpPr>
+          <p:nvPr/>
+        </p:nvCxnSpPr>
+        <p:spPr>
+          <a:xfrm flipV="1">
+            <a:off x="4153221" y="1060344"/>
+            <a:ext cx="678824" cy="716128"/>
+          </a:xfrm>
+          <a:prstGeom prst="bentConnector3">
+            <a:avLst>
+              <a:gd name="adj1" fmla="val 50000"/>
+            </a:avLst>
+          </a:prstGeom>
+          <a:ln w="19050">
+            <a:solidFill>
+              <a:srgbClr val="7030A0"/>
+            </a:solidFill>
+            <a:headEnd type="none" w="med" len="med"/>
+            <a:tailEnd type="arrow" w="med" len="med"/>
+          </a:ln>
+          <a:effectLst/>
+        </p:spPr>
+        <p:style>
+          <a:lnRef idx="1">
+            <a:schemeClr val="accent2"/>
+          </a:lnRef>
+          <a:fillRef idx="2">
+            <a:schemeClr val="accent2"/>
+          </a:fillRef>
+          <a:effectRef idx="1">
+            <a:schemeClr val="accent2"/>
+          </a:effectRef>
+          <a:fontRef idx="minor">
+            <a:schemeClr val="dk1"/>
+          </a:fontRef>
+        </p:style>
+      </p:cxnSp>
+      <p:sp>
+        <p:nvSpPr>
+          <p:cNvPr id="62" name="Rectangle 8"/>
+          <p:cNvSpPr/>
+          <p:nvPr/>
+        </p:nvSpPr>
+        <p:spPr>
+          <a:xfrm>
+            <a:off x="6529170" y="1676967"/>
+            <a:ext cx="951336" cy="346761"/>
+          </a:xfrm>
+          <a:prstGeom prst="rect">
+            <a:avLst/>
+          </a:prstGeom>
+          <a:ln w="19050">
+            <a:solidFill>
+              <a:srgbClr val="7030A0"/>
+            </a:solidFill>
+          </a:ln>
+          <a:effectLst/>
+        </p:spPr>
+        <p:style>
+          <a:lnRef idx="1">
+            <a:schemeClr val="accent4"/>
+          </a:lnRef>
+          <a:fillRef idx="2">
+            <a:schemeClr val="accent4"/>
+          </a:fillRef>
+          <a:effectRef idx="1">
+            <a:schemeClr val="accent4"/>
+          </a:effectRef>
+          <a:fontRef idx="minor">
+            <a:schemeClr val="dk1"/>
+          </a:fontRef>
+        </p:style>
+        <p:txBody>
+          <a:bodyPr rtlCol="0" anchor="ctr"/>
+          <a:lstStyle/>
+          <a:p>
+            <a:pPr algn="ctr"/>
+            <a:r>
+              <a:rPr lang="en-SG" sz="1050" dirty="0">
+                <a:solidFill>
+                  <a:srgbClr val="7030A0"/>
+                </a:solidFill>
+              </a:rPr>
+              <a:t>{abstract}</a:t>
+            </a:r>
+          </a:p>
+          <a:p>
+            <a:pPr algn="ctr"/>
+            <a:r>
+              <a:rPr lang="en-SG" sz="1050" dirty="0">
+                <a:solidFill>
+                  <a:srgbClr val="7030A0"/>
+                </a:solidFill>
+              </a:rPr>
+              <a:t>Entry</a:t>
+            </a:r>
+          </a:p>
+        </p:txBody>
+      </p:sp>
+      <p:sp>
+        <p:nvSpPr>
+          <p:cNvPr id="63" name="Flowchart: Decision 96"/>
+          <p:cNvSpPr/>
+          <p:nvPr/>
+        </p:nvSpPr>
+        <p:spPr>
+          <a:xfrm>
+            <a:off x="6006879" y="1524000"/>
+            <a:ext cx="236048" cy="173380"/>
+          </a:xfrm>
+          <a:prstGeom prst="flowChartDecision">
+            <a:avLst/>
+          </a:prstGeom>
+          <a:noFill/>
+          <a:ln w="19050">
+            <a:solidFill>
+              <a:srgbClr val="7030A0"/>
+            </a:solidFill>
+          </a:ln>
+          <a:effectLst/>
+        </p:spPr>
+        <p:style>
+          <a:lnRef idx="1">
+            <a:schemeClr val="accent6"/>
+          </a:lnRef>
+          <a:fillRef idx="2">
+            <a:schemeClr val="accent6"/>
+          </a:fillRef>
+          <a:effectRef idx="1">
+            <a:schemeClr val="accent6"/>
+          </a:effectRef>
+          <a:fontRef idx="minor">
+            <a:schemeClr val="dk1"/>
+          </a:fontRef>
+        </p:style>
+        <p:txBody>
+          <a:bodyPr rtlCol="0" anchor="ctr"/>
+          <a:lstStyle/>
+          <a:p>
+            <a:pPr algn="ctr"/>
+            <a:endParaRPr lang="en-US" sz="1050"/>
+          </a:p>
+        </p:txBody>
+      </p:sp>
+      <p:cxnSp>
+        <p:nvCxnSpPr>
+          <p:cNvPr id="64" name="Elbow Connector 63"/>
+          <p:cNvCxnSpPr>
+            <a:cxnSpLocks/>
+            <a:stCxn id="63" idx="3"/>
+            <a:endCxn id="62" idx="1"/>
+          </p:cNvCxnSpPr>
+          <p:nvPr/>
+        </p:nvCxnSpPr>
+        <p:spPr>
+          <a:xfrm>
+            <a:off x="6242927" y="1610690"/>
+            <a:ext cx="286243" cy="239658"/>
+          </a:xfrm>
+          <a:prstGeom prst="bentConnector3">
+            <a:avLst/>
+          </a:prstGeom>
+          <a:ln w="19050">
+            <a:solidFill>
+              <a:srgbClr val="7030A0"/>
+            </a:solidFill>
+            <a:headEnd type="none" w="med" len="med"/>
+            <a:tailEnd type="arrow" w="med" len="med"/>
+          </a:ln>
+          <a:effectLst/>
+        </p:spPr>
+        <p:style>
+          <a:lnRef idx="1">
+            <a:schemeClr val="accent2"/>
+          </a:lnRef>
+          <a:fillRef idx="2">
+            <a:schemeClr val="accent2"/>
+          </a:fillRef>
+          <a:effectRef idx="1">
+            <a:schemeClr val="accent2"/>
+          </a:effectRef>
+          <a:fontRef idx="minor">
+            <a:schemeClr val="dk1"/>
+          </a:fontRef>
+        </p:style>
+      </p:cxnSp>
+      <p:sp>
+        <p:nvSpPr>
+          <p:cNvPr id="67" name="Rectangle 8"/>
+          <p:cNvSpPr/>
+          <p:nvPr/>
+        </p:nvSpPr>
+        <p:spPr>
+          <a:xfrm>
+            <a:off x="5705589" y="415727"/>
+            <a:ext cx="483700" cy="346760"/>
+          </a:xfrm>
+          <a:prstGeom prst="rect">
+            <a:avLst/>
+          </a:prstGeom>
+          <a:ln w="19050">
+            <a:solidFill>
+              <a:srgbClr val="7030A0"/>
+            </a:solidFill>
+          </a:ln>
+          <a:effectLst/>
+        </p:spPr>
+        <p:style>
+          <a:lnRef idx="1">
+            <a:schemeClr val="accent4"/>
+          </a:lnRef>
+          <a:fillRef idx="2">
+            <a:schemeClr val="accent4"/>
+          </a:fillRef>
+          <a:effectRef idx="1">
+            <a:schemeClr val="accent4"/>
+          </a:effectRef>
+          <a:fontRef idx="minor">
+            <a:schemeClr val="dk1"/>
+          </a:fontRef>
+        </p:style>
+        <p:txBody>
+          <a:bodyPr rtlCol="0" anchor="ctr"/>
+          <a:lstStyle/>
+          <a:p>
+            <a:pPr algn="ctr"/>
+            <a:r>
+              <a:rPr lang="en-US" sz="1050" dirty="0">
+                <a:solidFill>
+                  <a:srgbClr val="7030A0"/>
+                </a:solidFill>
+              </a:rPr>
+              <a:t>Tag</a:t>
+            </a:r>
+            <a:endParaRPr lang="en-SG" sz="1050" dirty="0">
+              <a:solidFill>
+                <a:srgbClr val="7030A0"/>
+              </a:solidFill>
+            </a:endParaRPr>
+          </a:p>
+        </p:txBody>
+      </p:sp>
+      <p:sp>
+        <p:nvSpPr>
+          <p:cNvPr id="68" name="Flowchart: Decision 96"/>
+          <p:cNvSpPr/>
+          <p:nvPr/>
+        </p:nvSpPr>
+        <p:spPr>
+          <a:xfrm rot="16200000">
+            <a:off x="5291150" y="672935"/>
+            <a:ext cx="236048" cy="173380"/>
+          </a:xfrm>
+          <a:prstGeom prst="flowChartDecision">
+            <a:avLst/>
+          </a:prstGeom>
+          <a:noFill/>
+          <a:ln w="19050">
+            <a:solidFill>
+              <a:srgbClr val="7030A0"/>
+            </a:solidFill>
+          </a:ln>
+          <a:effectLst/>
+        </p:spPr>
+        <p:style>
+          <a:lnRef idx="1">
+            <a:schemeClr val="accent6"/>
+          </a:lnRef>
+          <a:fillRef idx="2">
+            <a:schemeClr val="accent6"/>
+          </a:fillRef>
+          <a:effectRef idx="1">
+            <a:schemeClr val="accent6"/>
+          </a:effectRef>
+          <a:fontRef idx="minor">
+            <a:schemeClr val="dk1"/>
+          </a:fontRef>
+        </p:style>
+        <p:txBody>
+          <a:bodyPr rtlCol="0" anchor="ctr"/>
+          <a:lstStyle/>
+          <a:p>
+            <a:pPr algn="ctr"/>
+            <a:endParaRPr lang="en-US" sz="1050"/>
+          </a:p>
+        </p:txBody>
+      </p:sp>
+      <p:cxnSp>
+        <p:nvCxnSpPr>
+          <p:cNvPr id="69" name="Elbow Connector 68"/>
+          <p:cNvCxnSpPr>
+            <a:stCxn id="68" idx="3"/>
+            <a:endCxn id="67" idx="1"/>
+          </p:cNvCxnSpPr>
+          <p:nvPr/>
+        </p:nvCxnSpPr>
+        <p:spPr>
+          <a:xfrm rot="5400000" flipH="1" flipV="1">
+            <a:off x="5531134" y="467147"/>
+            <a:ext cx="52494" cy="296415"/>
+          </a:xfrm>
+          <a:prstGeom prst="bentConnector2">
+            <a:avLst/>
+          </a:prstGeom>
+          <a:ln w="19050">
+            <a:solidFill>
+              <a:srgbClr val="7030A0"/>
+            </a:solidFill>
+            <a:headEnd type="none" w="med" len="med"/>
+            <a:tailEnd type="arrow" w="med" len="med"/>
+          </a:ln>
+          <a:effectLst/>
+        </p:spPr>
+        <p:style>
+          <a:lnRef idx="1">
+            <a:schemeClr val="accent2"/>
+          </a:lnRef>
+          <a:fillRef idx="2">
+            <a:schemeClr val="accent2"/>
+          </a:fillRef>
+          <a:effectRef idx="1">
+            <a:schemeClr val="accent2"/>
+          </a:effectRef>
+          <a:fontRef idx="minor">
+            <a:schemeClr val="dk1"/>
+          </a:fontRef>
+        </p:style>
+      </p:cxnSp>
+      <p:sp>
+        <p:nvSpPr>
+          <p:cNvPr id="72" name="Rectangle 8"/>
+          <p:cNvSpPr/>
+          <p:nvPr/>
+        </p:nvSpPr>
+        <p:spPr>
+          <a:xfrm>
+            <a:off x="2890147" y="4606240"/>
+            <a:ext cx="1045383" cy="346760"/>
+          </a:xfrm>
+          <a:prstGeom prst="rect">
+            <a:avLst/>
+          </a:prstGeom>
+          <a:ln w="19050">
+            <a:solidFill>
+              <a:srgbClr val="7030A0"/>
+            </a:solidFill>
+          </a:ln>
+          <a:effectLst/>
+        </p:spPr>
+        <p:style>
+          <a:lnRef idx="1">
+            <a:schemeClr val="accent4"/>
+          </a:lnRef>
+          <a:fillRef idx="2">
+            <a:schemeClr val="accent4"/>
+          </a:fillRef>
+          <a:effectRef idx="1">
+            <a:schemeClr val="accent4"/>
+          </a:effectRef>
+          <a:fontRef idx="minor">
+            <a:schemeClr val="dk1"/>
+          </a:fontRef>
+        </p:style>
+        <p:txBody>
+          <a:bodyPr rtlCol="0" anchor="ctr"/>
+          <a:lstStyle/>
+          <a:p>
+            <a:pPr algn="ctr"/>
+            <a:r>
+              <a:rPr lang="en-US" sz="1050" dirty="0">
+                <a:solidFill>
+                  <a:srgbClr val="7030A0"/>
+                </a:solidFill>
+              </a:rPr>
+              <a:t>&lt;&lt;interface&gt;&gt;</a:t>
+            </a:r>
+            <a:br>
+              <a:rPr lang="en-US" sz="1050" dirty="0">
+                <a:solidFill>
+                  <a:srgbClr val="7030A0"/>
+                </a:solidFill>
+              </a:rPr>
+            </a:br>
+            <a:r>
+              <a:rPr lang="en-US" sz="1050" dirty="0" err="1">
+                <a:solidFill>
+                  <a:srgbClr val="7030A0"/>
+                </a:solidFill>
+              </a:rPr>
+              <a:t>ReadOnlyEntry</a:t>
+            </a:r>
+            <a:endParaRPr lang="en-SG" sz="1050" dirty="0">
+              <a:solidFill>
+                <a:srgbClr val="7030A0"/>
+              </a:solidFill>
+            </a:endParaRPr>
+          </a:p>
+        </p:txBody>
+      </p:sp>
+      <p:sp>
+        <p:nvSpPr>
+          <p:cNvPr id="76" name="Rectangle 8"/>
+          <p:cNvSpPr/>
+          <p:nvPr/>
+        </p:nvSpPr>
+        <p:spPr>
+          <a:xfrm>
+            <a:off x="6641977" y="457200"/>
+            <a:ext cx="708186" cy="285783"/>
+          </a:xfrm>
+          <a:prstGeom prst="rect">
+            <a:avLst/>
+          </a:prstGeom>
+          <a:ln w="19050">
+            <a:solidFill>
+              <a:srgbClr val="7030A0"/>
+            </a:solidFill>
+          </a:ln>
+          <a:effectLst/>
+        </p:spPr>
+        <p:style>
+          <a:lnRef idx="1">
+            <a:schemeClr val="accent4"/>
+          </a:lnRef>
+          <a:fillRef idx="2">
+            <a:schemeClr val="accent4"/>
+          </a:fillRef>
+          <a:effectRef idx="1">
+            <a:schemeClr val="accent4"/>
+          </a:effectRef>
+          <a:fontRef idx="minor">
+            <a:schemeClr val="dk1"/>
+          </a:fontRef>
+        </p:style>
+        <p:txBody>
+          <a:bodyPr rtlCol="0" anchor="ctr"/>
+          <a:lstStyle/>
+          <a:p>
+            <a:pPr algn="ctr"/>
+            <a:r>
+              <a:rPr lang="en-US" sz="1050">
+                <a:solidFill>
+                  <a:srgbClr val="7030A0"/>
+                </a:solidFill>
+              </a:rPr>
+              <a:t>Name</a:t>
+            </a:r>
+            <a:endParaRPr lang="en-SG" sz="1050" dirty="0">
+              <a:solidFill>
+                <a:srgbClr val="7030A0"/>
+              </a:solidFill>
+            </a:endParaRPr>
+          </a:p>
+        </p:txBody>
+      </p:sp>
+      <p:sp>
+        <p:nvSpPr>
+          <p:cNvPr id="78" name="Flowchart: Decision 96"/>
+          <p:cNvSpPr/>
+          <p:nvPr/>
+        </p:nvSpPr>
+        <p:spPr>
+          <a:xfrm rot="16200000">
+            <a:off x="6878045" y="1452175"/>
+            <a:ext cx="236048" cy="173380"/>
+          </a:xfrm>
+          <a:prstGeom prst="flowChartDecision">
+            <a:avLst/>
+          </a:prstGeom>
+          <a:solidFill>
+            <a:srgbClr val="7030A0"/>
+          </a:solidFill>
+          <a:ln w="19050">
+            <a:solidFill>
+              <a:srgbClr val="7030A0"/>
+            </a:solidFill>
+          </a:ln>
+          <a:effectLst/>
+        </p:spPr>
+        <p:style>
+          <a:lnRef idx="1">
+            <a:schemeClr val="accent6"/>
+          </a:lnRef>
+          <a:fillRef idx="2">
+            <a:schemeClr val="accent6"/>
+          </a:fillRef>
+          <a:effectRef idx="1">
+            <a:schemeClr val="accent6"/>
+          </a:effectRef>
+          <a:fontRef idx="minor">
+            <a:schemeClr val="dk1"/>
+          </a:fontRef>
+        </p:style>
+        <p:txBody>
+          <a:bodyPr rtlCol="0" anchor="ctr"/>
+          <a:lstStyle/>
+          <a:p>
+            <a:pPr algn="ctr"/>
+            <a:endParaRPr lang="en-US" sz="1050"/>
+          </a:p>
+        </p:txBody>
+      </p:sp>
+      <p:cxnSp>
+        <p:nvCxnSpPr>
+          <p:cNvPr id="79" name="Elbow Connector 78"/>
+          <p:cNvCxnSpPr>
+            <a:cxnSpLocks/>
+            <a:stCxn id="78" idx="3"/>
+            <a:endCxn id="76" idx="2"/>
+          </p:cNvCxnSpPr>
+          <p:nvPr/>
+        </p:nvCxnSpPr>
+        <p:spPr>
+          <a:xfrm rot="5400000" flipH="1" flipV="1">
+            <a:off x="6657140" y="1081912"/>
+            <a:ext cx="677858" cy="1"/>
+          </a:xfrm>
+          <a:prstGeom prst="bentConnector3">
+            <a:avLst>
+              <a:gd name="adj1" fmla="val 50000"/>
+            </a:avLst>
+          </a:prstGeom>
+          <a:ln w="19050">
+            <a:solidFill>
+              <a:srgbClr val="7030A0"/>
+            </a:solidFill>
+            <a:headEnd type="none" w="med" len="med"/>
+            <a:tailEnd type="arrow" w="med" len="med"/>
+          </a:ln>
+          <a:effectLst/>
+        </p:spPr>
+        <p:style>
+          <a:lnRef idx="1">
+            <a:schemeClr val="accent2"/>
+          </a:lnRef>
+          <a:fillRef idx="2">
+            <a:schemeClr val="accent2"/>
+          </a:fillRef>
+          <a:effectRef idx="1">
+            <a:schemeClr val="accent2"/>
+          </a:effectRef>
+          <a:fontRef idx="minor">
+            <a:schemeClr val="dk1"/>
+          </a:fontRef>
+        </p:style>
+      </p:cxnSp>
+      <p:cxnSp>
+        <p:nvCxnSpPr>
+          <p:cNvPr id="97" name="Elbow Connector 63"/>
+          <p:cNvCxnSpPr>
+            <a:cxnSpLocks/>
+            <a:stCxn id="99" idx="3"/>
+            <a:endCxn id="46" idx="0"/>
+          </p:cNvCxnSpPr>
+          <p:nvPr/>
+        </p:nvCxnSpPr>
+        <p:spPr>
+          <a:xfrm rot="16200000" flipH="1">
+            <a:off x="3304062" y="1536226"/>
+            <a:ext cx="103181" cy="78"/>
+          </a:xfrm>
+          <a:prstGeom prst="bentConnector3">
+            <a:avLst>
+              <a:gd name="adj1" fmla="val 50000"/>
+            </a:avLst>
+          </a:prstGeom>
+          <a:ln w="19050">
+            <a:solidFill>
+              <a:srgbClr val="7030A0"/>
+            </a:solidFill>
+            <a:prstDash val="sysDot"/>
+            <a:headEnd type="none" w="med" len="med"/>
+            <a:tailEnd type="none" w="med" len="med"/>
+          </a:ln>
+          <a:effectLst/>
+        </p:spPr>
+        <p:style>
+          <a:lnRef idx="1">
+            <a:schemeClr val="accent2"/>
+          </a:lnRef>
+          <a:fillRef idx="2">
+            <a:schemeClr val="accent2"/>
+          </a:fillRef>
+          <a:effectRef idx="1">
+            <a:schemeClr val="accent2"/>
+          </a:effectRef>
+          <a:fontRef idx="minor">
+            <a:schemeClr val="dk1"/>
+          </a:fontRef>
+        </p:style>
+      </p:cxnSp>
+      <p:sp>
+        <p:nvSpPr>
+          <p:cNvPr id="99" name="Isosceles Triangle 102"/>
+          <p:cNvSpPr/>
+          <p:nvPr/>
+        </p:nvSpPr>
+        <p:spPr>
+          <a:xfrm rot="10800000" flipV="1">
+            <a:off x="3220361" y="1309152"/>
+            <a:ext cx="270504" cy="175523"/>
+          </a:xfrm>
+          <a:prstGeom prst="triangle">
+            <a:avLst/>
+          </a:prstGeom>
+          <a:ln w="19050">
+            <a:solidFill>
+              <a:srgbClr val="7030A0"/>
+            </a:solidFill>
+          </a:ln>
+          <a:effectLst/>
+        </p:spPr>
+        <p:style>
+          <a:lnRef idx="1">
+            <a:schemeClr val="accent4"/>
+          </a:lnRef>
+          <a:fillRef idx="2">
+            <a:schemeClr val="accent4"/>
+          </a:fillRef>
+          <a:effectRef idx="1">
+            <a:schemeClr val="accent4"/>
+          </a:effectRef>
+          <a:fontRef idx="minor">
+            <a:schemeClr val="dk1"/>
+          </a:fontRef>
+        </p:style>
+        <p:txBody>
+          <a:bodyPr rtlCol="0" anchor="ctr"/>
+          <a:lstStyle/>
+          <a:p>
+            <a:pPr algn="ctr"/>
+            <a:endParaRPr lang="en-SG" sz="1050" b="1">
+              <a:solidFill>
+                <a:srgbClr val="92D050"/>
+              </a:solidFill>
+            </a:endParaRPr>
+          </a:p>
+        </p:txBody>
+      </p:sp>
+      <p:sp>
+        <p:nvSpPr>
+          <p:cNvPr id="100" name="Rectangle 8"/>
+          <p:cNvSpPr/>
+          <p:nvPr/>
+        </p:nvSpPr>
+        <p:spPr>
+          <a:xfrm>
+            <a:off x="2589686" y="948640"/>
+            <a:ext cx="1539926" cy="346760"/>
+          </a:xfrm>
+          <a:prstGeom prst="rect">
+            <a:avLst/>
+          </a:prstGeom>
+          <a:ln w="19050">
+            <a:solidFill>
+              <a:srgbClr val="7030A0"/>
+            </a:solidFill>
+          </a:ln>
+          <a:effectLst/>
+        </p:spPr>
+        <p:style>
+          <a:lnRef idx="1">
+            <a:schemeClr val="accent4"/>
+          </a:lnRef>
+          <a:fillRef idx="2">
+            <a:schemeClr val="accent4"/>
+          </a:fillRef>
+          <a:effectRef idx="1">
+            <a:schemeClr val="accent4"/>
+          </a:effectRef>
+          <a:fontRef idx="minor">
+            <a:schemeClr val="dk1"/>
+          </a:fontRef>
+        </p:style>
+        <p:txBody>
+          <a:bodyPr rtlCol="0" anchor="ctr"/>
+          <a:lstStyle/>
+          <a:p>
+            <a:pPr algn="ctr"/>
+            <a:r>
+              <a:rPr lang="en-US" sz="1050" dirty="0">
+                <a:solidFill>
+                  <a:srgbClr val="7030A0"/>
+                </a:solidFill>
+              </a:rPr>
+              <a:t>&lt;&lt;interface&gt;&gt;</a:t>
+            </a:r>
+            <a:br>
+              <a:rPr lang="en-US" sz="1050" dirty="0">
+                <a:solidFill>
+                  <a:srgbClr val="7030A0"/>
+                </a:solidFill>
+              </a:rPr>
+            </a:br>
+            <a:r>
+              <a:rPr lang="en-US" sz="1050" dirty="0" err="1">
+                <a:solidFill>
+                  <a:srgbClr val="7030A0"/>
+                </a:solidFill>
+              </a:rPr>
+              <a:t>ReadOnlyEntryBook</a:t>
+            </a:r>
+            <a:endParaRPr lang="en-SG" sz="1050" dirty="0">
+              <a:solidFill>
+                <a:srgbClr val="7030A0"/>
+              </a:solidFill>
+            </a:endParaRPr>
+          </a:p>
+        </p:txBody>
+      </p:sp>
+      <p:sp>
+        <p:nvSpPr>
+          <p:cNvPr id="114" name="TextBox 113"/>
+          <p:cNvSpPr txBox="1"/>
+          <p:nvPr/>
+        </p:nvSpPr>
+        <p:spPr>
+          <a:xfrm rot="16200000">
+            <a:off x="1642329" y="3609865"/>
+            <a:ext cx="881018" cy="261610"/>
+          </a:xfrm>
+          <a:prstGeom prst="rect">
+            <a:avLst/>
+          </a:prstGeom>
+          <a:noFill/>
+        </p:spPr>
+        <p:txBody>
+          <a:bodyPr wrap="square" rtlCol="0">
+            <a:spAutoFit/>
+          </a:bodyPr>
+          <a:lstStyle/>
+          <a:p>
+            <a:pPr algn="r"/>
+            <a:r>
+              <a:rPr lang="en-US" sz="1100" dirty="0">
+                <a:solidFill>
+                  <a:srgbClr val="7030A0"/>
+                </a:solidFill>
+              </a:rPr>
+              <a:t>filtered list</a:t>
+            </a:r>
+            <a:endParaRPr lang="en-SG" sz="1100" dirty="0">
+              <a:solidFill>
+                <a:srgbClr val="7030A0"/>
+              </a:solidFill>
+            </a:endParaRPr>
+          </a:p>
+        </p:txBody>
+      </p:sp>
+      <p:sp>
+        <p:nvSpPr>
+          <p:cNvPr id="122" name="Rectangle 8"/>
+          <p:cNvSpPr/>
+          <p:nvPr/>
+        </p:nvSpPr>
+        <p:spPr>
+          <a:xfrm>
+            <a:off x="2343612" y="479095"/>
+            <a:ext cx="1775949" cy="346760"/>
+          </a:xfrm>
+          <a:prstGeom prst="rect">
+            <a:avLst/>
+          </a:prstGeom>
+          <a:ln w="19050">
+            <a:solidFill>
+              <a:srgbClr val="7030A0"/>
+            </a:solidFill>
+          </a:ln>
+          <a:effectLst/>
+        </p:spPr>
+        <p:style>
+          <a:lnRef idx="1">
+            <a:schemeClr val="accent4"/>
+          </a:lnRef>
+          <a:fillRef idx="2">
+            <a:schemeClr val="accent4"/>
+          </a:fillRef>
+          <a:effectRef idx="1">
+            <a:schemeClr val="accent4"/>
+          </a:effectRef>
+          <a:fontRef idx="minor">
+            <a:schemeClr val="dk1"/>
+          </a:fontRef>
+        </p:style>
+        <p:txBody>
+          <a:bodyPr rtlCol="0" anchor="ctr"/>
+          <a:lstStyle/>
+          <a:p>
+            <a:pPr algn="ctr"/>
+            <a:r>
+              <a:rPr lang="en-US" sz="1050" dirty="0">
+                <a:solidFill>
+                  <a:srgbClr val="7030A0"/>
+                </a:solidFill>
+              </a:rPr>
+              <a:t>&lt;&lt;interface&gt;&gt;</a:t>
+            </a:r>
+            <a:br>
+              <a:rPr lang="en-US" sz="1050" dirty="0">
+                <a:solidFill>
+                  <a:srgbClr val="7030A0"/>
+                </a:solidFill>
+              </a:rPr>
+            </a:br>
+            <a:r>
+              <a:rPr lang="en-US" sz="1050" dirty="0" err="1">
+                <a:solidFill>
+                  <a:srgbClr val="7030A0"/>
+                </a:solidFill>
+              </a:rPr>
+              <a:t>UnmodifiableObservableList</a:t>
+            </a:r>
+            <a:endParaRPr lang="en-SG" sz="1050" dirty="0">
+              <a:solidFill>
+                <a:srgbClr val="7030A0"/>
+              </a:solidFill>
+            </a:endParaRPr>
+          </a:p>
+        </p:txBody>
+      </p:sp>
+      <p:cxnSp>
+        <p:nvCxnSpPr>
+          <p:cNvPr id="124" name="Elbow Connector 122"/>
+          <p:cNvCxnSpPr>
+            <a:cxnSpLocks/>
+            <a:stCxn id="119" idx="3"/>
+            <a:endCxn id="122" idx="1"/>
+          </p:cNvCxnSpPr>
+          <p:nvPr/>
+        </p:nvCxnSpPr>
+        <p:spPr>
+          <a:xfrm rot="5400000" flipH="1" flipV="1">
+            <a:off x="1516884" y="621473"/>
+            <a:ext cx="795726" cy="857730"/>
+          </a:xfrm>
+          <a:prstGeom prst="bentConnector2">
+            <a:avLst/>
+          </a:prstGeom>
+          <a:ln w="19050">
+            <a:solidFill>
+              <a:srgbClr val="7030A0"/>
+            </a:solidFill>
+            <a:prstDash val="sysDot"/>
+            <a:headEnd type="none" w="med" len="med"/>
+            <a:tailEnd type="arrow" w="med" len="med"/>
+          </a:ln>
+          <a:effectLst/>
+        </p:spPr>
+        <p:style>
+          <a:lnRef idx="1">
+            <a:schemeClr val="accent2"/>
+          </a:lnRef>
+          <a:fillRef idx="2">
+            <a:schemeClr val="accent2"/>
+          </a:fillRef>
+          <a:effectRef idx="1">
+            <a:schemeClr val="accent2"/>
+          </a:effectRef>
+          <a:fontRef idx="minor">
+            <a:schemeClr val="dk1"/>
+          </a:fontRef>
+        </p:style>
+      </p:cxnSp>
+      <p:cxnSp>
+        <p:nvCxnSpPr>
+          <p:cNvPr id="50" name="Elbow Connector 49"/>
+          <p:cNvCxnSpPr>
+            <a:cxnSpLocks/>
+            <a:stCxn id="78" idx="3"/>
+            <a:endCxn id="57" idx="3"/>
+          </p:cNvCxnSpPr>
+          <p:nvPr/>
+        </p:nvCxnSpPr>
+        <p:spPr>
+          <a:xfrm rot="16200000" flipV="1">
+            <a:off x="6312294" y="737065"/>
+            <a:ext cx="360497" cy="1007055"/>
+          </a:xfrm>
+          <a:prstGeom prst="bentConnector2">
+            <a:avLst/>
+          </a:prstGeom>
+          <a:ln w="19050">
+            <a:solidFill>
+              <a:srgbClr val="7030A0"/>
+            </a:solidFill>
+            <a:headEnd type="none" w="med" len="med"/>
+            <a:tailEnd type="arrow" w="med" len="med"/>
+          </a:ln>
+          <a:effectLst/>
+        </p:spPr>
+        <p:style>
+          <a:lnRef idx="1">
+            <a:schemeClr val="accent2"/>
+          </a:lnRef>
+          <a:fillRef idx="2">
+            <a:schemeClr val="accent2"/>
+          </a:fillRef>
+          <a:effectRef idx="1">
+            <a:schemeClr val="accent2"/>
+          </a:effectRef>
+          <a:fontRef idx="minor">
+            <a:schemeClr val="dk1"/>
+          </a:fontRef>
+        </p:style>
+      </p:cxnSp>
+      <p:sp>
+        <p:nvSpPr>
+          <p:cNvPr id="11" name="TextBox 10"/>
+          <p:cNvSpPr txBox="1"/>
+          <p:nvPr/>
+        </p:nvSpPr>
+        <p:spPr>
+          <a:xfrm>
+            <a:off x="4564394" y="843242"/>
+            <a:ext cx="189257" cy="178683"/>
+          </a:xfrm>
+          <a:prstGeom prst="rect">
+            <a:avLst/>
+          </a:prstGeom>
+          <a:noFill/>
+        </p:spPr>
+        <p:txBody>
+          <a:bodyPr wrap="square" lIns="0" tIns="0" rIns="0" bIns="0" rtlCol="0">
+            <a:noAutofit/>
+          </a:bodyPr>
+          <a:lstStyle/>
+          <a:p>
+            <a:pPr algn="ctr"/>
+            <a:r>
+              <a:rPr lang="en-US" sz="1100" dirty="0">
+                <a:solidFill>
+                  <a:srgbClr val="7030A0"/>
+                </a:solidFill>
+              </a:rPr>
+              <a:t>1</a:t>
+            </a:r>
+            <a:endParaRPr lang="en-SG" sz="1100" dirty="0">
+              <a:solidFill>
+                <a:srgbClr val="7030A0"/>
+              </a:solidFill>
+            </a:endParaRPr>
+          </a:p>
+        </p:txBody>
+      </p:sp>
+      <p:sp>
+        <p:nvSpPr>
+          <p:cNvPr id="54" name="TextBox 53"/>
+          <p:cNvSpPr txBox="1"/>
+          <p:nvPr/>
+        </p:nvSpPr>
+        <p:spPr>
+          <a:xfrm>
+            <a:off x="4573055" y="1243714"/>
+            <a:ext cx="189257" cy="178683"/>
+          </a:xfrm>
+          <a:prstGeom prst="rect">
+            <a:avLst/>
+          </a:prstGeom>
+          <a:noFill/>
+        </p:spPr>
+        <p:txBody>
+          <a:bodyPr wrap="square" lIns="0" tIns="0" rIns="0" bIns="0" rtlCol="0">
+            <a:noAutofit/>
+          </a:bodyPr>
+          <a:lstStyle/>
+          <a:p>
+            <a:pPr algn="ctr"/>
+            <a:r>
+              <a:rPr lang="en-US" sz="1100" dirty="0">
+                <a:solidFill>
+                  <a:srgbClr val="7030A0"/>
+                </a:solidFill>
+              </a:rPr>
+              <a:t>1</a:t>
+            </a:r>
+            <a:endParaRPr lang="en-SG" sz="1100" dirty="0">
+              <a:solidFill>
+                <a:srgbClr val="7030A0"/>
+              </a:solidFill>
+            </a:endParaRPr>
+          </a:p>
+        </p:txBody>
+      </p:sp>
+      <p:sp>
+        <p:nvSpPr>
+          <p:cNvPr id="56" name="TextBox 55"/>
+          <p:cNvSpPr txBox="1"/>
+          <p:nvPr/>
+        </p:nvSpPr>
+        <p:spPr>
+          <a:xfrm>
+            <a:off x="6059245" y="1101808"/>
+            <a:ext cx="189257" cy="178683"/>
+          </a:xfrm>
+          <a:prstGeom prst="rect">
+            <a:avLst/>
+          </a:prstGeom>
+          <a:noFill/>
+        </p:spPr>
+        <p:txBody>
+          <a:bodyPr wrap="square" lIns="0" tIns="0" rIns="0" bIns="0" rtlCol="0">
+            <a:noAutofit/>
+          </a:bodyPr>
+          <a:lstStyle/>
+          <a:p>
+            <a:pPr algn="ctr"/>
+            <a:r>
+              <a:rPr lang="en-US" sz="1100" dirty="0">
+                <a:solidFill>
+                  <a:srgbClr val="7030A0"/>
+                </a:solidFill>
+              </a:rPr>
+              <a:t>1</a:t>
+            </a:r>
+            <a:endParaRPr lang="en-SG" sz="1100" dirty="0">
+              <a:solidFill>
+                <a:srgbClr val="7030A0"/>
+              </a:solidFill>
+            </a:endParaRPr>
+          </a:p>
+        </p:txBody>
+      </p:sp>
+      <p:sp>
+        <p:nvSpPr>
+          <p:cNvPr id="60" name="TextBox 59"/>
+          <p:cNvSpPr txBox="1"/>
+          <p:nvPr/>
+        </p:nvSpPr>
+        <p:spPr>
+          <a:xfrm>
+            <a:off x="5506098" y="388536"/>
+            <a:ext cx="189257" cy="178683"/>
+          </a:xfrm>
+          <a:prstGeom prst="rect">
+            <a:avLst/>
+          </a:prstGeom>
+          <a:noFill/>
+        </p:spPr>
+        <p:txBody>
+          <a:bodyPr wrap="square" lIns="0" tIns="0" rIns="0" bIns="0" rtlCol="0">
+            <a:noAutofit/>
+          </a:bodyPr>
+          <a:lstStyle/>
+          <a:p>
+            <a:pPr algn="ctr"/>
+            <a:r>
+              <a:rPr lang="en-US" sz="1100" dirty="0">
+                <a:solidFill>
+                  <a:srgbClr val="7030A0"/>
+                </a:solidFill>
+              </a:rPr>
+              <a:t>*</a:t>
+            </a:r>
+            <a:endParaRPr lang="en-SG" sz="1100" dirty="0">
+              <a:solidFill>
+                <a:srgbClr val="7030A0"/>
+              </a:solidFill>
+            </a:endParaRPr>
+          </a:p>
+        </p:txBody>
+      </p:sp>
+      <p:sp>
+        <p:nvSpPr>
+          <p:cNvPr id="61" name="TextBox 60"/>
+          <p:cNvSpPr txBox="1"/>
+          <p:nvPr/>
+        </p:nvSpPr>
+        <p:spPr>
+          <a:xfrm>
+            <a:off x="6357509" y="1662611"/>
+            <a:ext cx="189257" cy="178683"/>
+          </a:xfrm>
+          <a:prstGeom prst="rect">
+            <a:avLst/>
+          </a:prstGeom>
+          <a:noFill/>
+        </p:spPr>
+        <p:txBody>
+          <a:bodyPr wrap="square" lIns="0" tIns="0" rIns="0" bIns="0" rtlCol="0">
+            <a:noAutofit/>
+          </a:bodyPr>
+          <a:lstStyle/>
+          <a:p>
+            <a:pPr algn="ctr"/>
+            <a:r>
+              <a:rPr lang="en-US" sz="1100" dirty="0">
+                <a:solidFill>
+                  <a:srgbClr val="7030A0"/>
+                </a:solidFill>
+              </a:rPr>
+              <a:t>*</a:t>
+            </a:r>
+            <a:endParaRPr lang="en-SG" sz="1100" dirty="0">
+              <a:solidFill>
+                <a:srgbClr val="7030A0"/>
+              </a:solidFill>
+            </a:endParaRPr>
+          </a:p>
+        </p:txBody>
+      </p:sp>
+      <p:sp>
+        <p:nvSpPr>
+          <p:cNvPr id="65" name="TextBox 64"/>
+          <p:cNvSpPr txBox="1"/>
+          <p:nvPr/>
+        </p:nvSpPr>
+        <p:spPr>
+          <a:xfrm>
+            <a:off x="2617306" y="1524674"/>
+            <a:ext cx="189257" cy="178683"/>
+          </a:xfrm>
+          <a:prstGeom prst="rect">
+            <a:avLst/>
+          </a:prstGeom>
+          <a:noFill/>
+        </p:spPr>
+        <p:txBody>
+          <a:bodyPr wrap="square" lIns="0" tIns="0" rIns="0" bIns="0" rtlCol="0">
+            <a:noAutofit/>
+          </a:bodyPr>
+          <a:lstStyle/>
+          <a:p>
+            <a:pPr algn="ctr"/>
+            <a:r>
+              <a:rPr lang="en-US" sz="1100" dirty="0">
+                <a:solidFill>
+                  <a:srgbClr val="7030A0"/>
+                </a:solidFill>
+              </a:rPr>
+              <a:t>1</a:t>
+            </a:r>
+            <a:endParaRPr lang="en-SG" sz="1100" dirty="0">
+              <a:solidFill>
+                <a:srgbClr val="7030A0"/>
+              </a:solidFill>
+            </a:endParaRPr>
+          </a:p>
+        </p:txBody>
+      </p:sp>
+      <p:sp>
+        <p:nvSpPr>
+          <p:cNvPr id="66" name="TextBox 65"/>
+          <p:cNvSpPr txBox="1"/>
+          <p:nvPr/>
+        </p:nvSpPr>
+        <p:spPr>
+          <a:xfrm>
+            <a:off x="2585753" y="2346486"/>
+            <a:ext cx="189257" cy="178683"/>
+          </a:xfrm>
+          <a:prstGeom prst="rect">
+            <a:avLst/>
+          </a:prstGeom>
+          <a:noFill/>
+        </p:spPr>
+        <p:txBody>
+          <a:bodyPr wrap="square" lIns="0" tIns="0" rIns="0" bIns="0" rtlCol="0">
+            <a:noAutofit/>
+          </a:bodyPr>
+          <a:lstStyle/>
+          <a:p>
+            <a:pPr algn="ctr"/>
+            <a:r>
+              <a:rPr lang="en-US" sz="1100" dirty="0">
+                <a:solidFill>
+                  <a:srgbClr val="7030A0"/>
+                </a:solidFill>
+              </a:rPr>
+              <a:t>1</a:t>
+            </a:r>
+            <a:endParaRPr lang="en-SG" sz="1100" dirty="0">
+              <a:solidFill>
+                <a:srgbClr val="7030A0"/>
+              </a:solidFill>
+            </a:endParaRPr>
+          </a:p>
+        </p:txBody>
+      </p:sp>
+      <p:sp>
+        <p:nvSpPr>
+          <p:cNvPr id="70" name="TextBox 69"/>
+          <p:cNvSpPr txBox="1"/>
+          <p:nvPr/>
+        </p:nvSpPr>
+        <p:spPr>
+          <a:xfrm>
+            <a:off x="4154143" y="4546398"/>
+            <a:ext cx="189257" cy="178683"/>
+          </a:xfrm>
+          <a:prstGeom prst="rect">
+            <a:avLst/>
+          </a:prstGeom>
+          <a:noFill/>
+        </p:spPr>
+        <p:txBody>
+          <a:bodyPr wrap="square" lIns="0" tIns="0" rIns="0" bIns="0" rtlCol="0">
+            <a:noAutofit/>
+          </a:bodyPr>
+          <a:lstStyle/>
+          <a:p>
+            <a:pPr algn="ctr"/>
+            <a:r>
+              <a:rPr lang="en-US" sz="1100" dirty="0">
+                <a:solidFill>
+                  <a:srgbClr val="7030A0"/>
+                </a:solidFill>
+              </a:rPr>
+              <a:t>1</a:t>
+            </a:r>
+            <a:endParaRPr lang="en-SG" sz="1100" dirty="0">
+              <a:solidFill>
+                <a:srgbClr val="7030A0"/>
+              </a:solidFill>
+            </a:endParaRPr>
+          </a:p>
+        </p:txBody>
+      </p:sp>
+      <p:cxnSp>
+        <p:nvCxnSpPr>
+          <p:cNvPr id="73" name="Elbow Connector 122">
+            <a:extLst>
+              <a:ext uri="{FF2B5EF4-FFF2-40B4-BE49-F238E27FC236}">
+                <a16:creationId xmlns:a16="http://schemas.microsoft.com/office/drawing/2014/main" id="{6C194B6E-AD6B-4C34-821F-85FC683926D2}"/>
+              </a:ext>
+            </a:extLst>
+          </p:cNvPr>
+          <p:cNvCxnSpPr>
+            <a:cxnSpLocks/>
+            <a:stCxn id="119" idx="3"/>
+            <a:endCxn id="100" idx="1"/>
+          </p:cNvCxnSpPr>
+          <p:nvPr/>
+        </p:nvCxnSpPr>
+        <p:spPr>
+          <a:xfrm rot="5400000" flipH="1" flipV="1">
+            <a:off x="1874694" y="733209"/>
+            <a:ext cx="326181" cy="1103804"/>
+          </a:xfrm>
+          <a:prstGeom prst="bentConnector2">
+            <a:avLst/>
+          </a:prstGeom>
+          <a:ln w="19050">
+            <a:solidFill>
+              <a:srgbClr val="7030A0"/>
+            </a:solidFill>
+            <a:prstDash val="sysDot"/>
+            <a:headEnd type="none" w="med" len="med"/>
+            <a:tailEnd type="arrow" w="med" len="med"/>
+          </a:ln>
+          <a:effectLst/>
+        </p:spPr>
+        <p:style>
+          <a:lnRef idx="1">
+            <a:schemeClr val="accent2"/>
+          </a:lnRef>
+          <a:fillRef idx="2">
+            <a:schemeClr val="accent2"/>
+          </a:fillRef>
+          <a:effectRef idx="1">
+            <a:schemeClr val="accent2"/>
+          </a:effectRef>
+          <a:fontRef idx="minor">
+            <a:schemeClr val="dk1"/>
+          </a:fontRef>
+        </p:style>
+      </p:cxnSp>
+      <p:cxnSp>
+        <p:nvCxnSpPr>
+          <p:cNvPr id="74" name="Elbow Connector 85">
+            <a:extLst>
+              <a:ext uri="{FF2B5EF4-FFF2-40B4-BE49-F238E27FC236}">
+                <a16:creationId xmlns:a16="http://schemas.microsoft.com/office/drawing/2014/main" id="{0BF0A13B-B2CA-43C0-A84A-D92BEE5134B9}"/>
+              </a:ext>
+            </a:extLst>
+          </p:cNvPr>
+          <p:cNvCxnSpPr>
+            <a:cxnSpLocks/>
+            <a:stCxn id="77" idx="3"/>
+            <a:endCxn id="117" idx="3"/>
+          </p:cNvCxnSpPr>
+          <p:nvPr/>
+        </p:nvCxnSpPr>
+        <p:spPr>
+          <a:xfrm flipV="1">
+            <a:off x="6952991" y="1839497"/>
+            <a:ext cx="703039" cy="3653339"/>
+          </a:xfrm>
+          <a:prstGeom prst="bentConnector3">
+            <a:avLst>
+              <a:gd name="adj1" fmla="val 139271"/>
+            </a:avLst>
+          </a:prstGeom>
+          <a:ln w="19050">
+            <a:solidFill>
+              <a:srgbClr val="7030A0"/>
+            </a:solidFill>
+            <a:headEnd type="none" w="med" len="med"/>
+            <a:tailEnd type="none" w="med" len="med"/>
+          </a:ln>
+          <a:effectLst/>
+        </p:spPr>
+        <p:style>
+          <a:lnRef idx="1">
+            <a:schemeClr val="accent2"/>
+          </a:lnRef>
+          <a:fillRef idx="2">
+            <a:schemeClr val="accent2"/>
+          </a:fillRef>
+          <a:effectRef idx="1">
+            <a:schemeClr val="accent2"/>
+          </a:effectRef>
+          <a:fontRef idx="minor">
+            <a:schemeClr val="dk1"/>
+          </a:fontRef>
+        </p:style>
+      </p:cxnSp>
+      <p:sp>
+        <p:nvSpPr>
+          <p:cNvPr id="77" name="Rectangle 8">
+            <a:extLst>
+              <a:ext uri="{FF2B5EF4-FFF2-40B4-BE49-F238E27FC236}">
+                <a16:creationId xmlns:a16="http://schemas.microsoft.com/office/drawing/2014/main" id="{0385A838-EEB2-4922-9B4E-2B6ECA006CD4}"/>
+              </a:ext>
+            </a:extLst>
+          </p:cNvPr>
+          <p:cNvSpPr/>
+          <p:nvPr/>
+        </p:nvSpPr>
+        <p:spPr>
+          <a:xfrm>
+            <a:off x="6249251" y="5349944"/>
+            <a:ext cx="703740" cy="285783"/>
+          </a:xfrm>
+          <a:prstGeom prst="rect">
+            <a:avLst/>
+          </a:prstGeom>
+          <a:ln w="19050">
+            <a:solidFill>
+              <a:srgbClr val="7030A0"/>
+            </a:solidFill>
+          </a:ln>
+          <a:effectLst/>
+        </p:spPr>
+        <p:style>
+          <a:lnRef idx="1">
+            <a:schemeClr val="accent4"/>
+          </a:lnRef>
+          <a:fillRef idx="2">
+            <a:schemeClr val="accent4"/>
+          </a:fillRef>
+          <a:effectRef idx="1">
+            <a:schemeClr val="accent4"/>
+          </a:effectRef>
+          <a:fontRef idx="minor">
+            <a:schemeClr val="dk1"/>
+          </a:fontRef>
+        </p:style>
+        <p:txBody>
+          <a:bodyPr rtlCol="0" anchor="ctr"/>
+          <a:lstStyle/>
+          <a:p>
+            <a:pPr algn="ctr"/>
+            <a:r>
+              <a:rPr lang="en-US" sz="1050">
+                <a:solidFill>
+                  <a:srgbClr val="7030A0"/>
+                </a:solidFill>
+              </a:rPr>
+              <a:t>Event</a:t>
+            </a:r>
+            <a:endParaRPr lang="en-SG" sz="1050" dirty="0">
+              <a:solidFill>
+                <a:srgbClr val="7030A0"/>
+              </a:solidFill>
+            </a:endParaRPr>
+          </a:p>
+        </p:txBody>
+      </p:sp>
+      <p:sp>
+        <p:nvSpPr>
+          <p:cNvPr id="82" name="Rectangle 8">
+            <a:extLst>
+              <a:ext uri="{FF2B5EF4-FFF2-40B4-BE49-F238E27FC236}">
+                <a16:creationId xmlns:a16="http://schemas.microsoft.com/office/drawing/2014/main" id="{B018534C-9921-4CC3-8436-96798BAD80C9}"/>
+              </a:ext>
+            </a:extLst>
+          </p:cNvPr>
+          <p:cNvSpPr/>
+          <p:nvPr/>
+        </p:nvSpPr>
+        <p:spPr>
+          <a:xfrm>
+            <a:off x="5411051" y="4939369"/>
+            <a:ext cx="881679" cy="285783"/>
+          </a:xfrm>
+          <a:prstGeom prst="rect">
+            <a:avLst/>
+          </a:prstGeom>
+          <a:ln w="19050">
+            <a:solidFill>
+              <a:srgbClr val="7030A0"/>
+            </a:solidFill>
+          </a:ln>
+          <a:effectLst/>
+        </p:spPr>
+        <p:style>
+          <a:lnRef idx="1">
+            <a:schemeClr val="accent4"/>
+          </a:lnRef>
+          <a:fillRef idx="2">
+            <a:schemeClr val="accent4"/>
+          </a:fillRef>
+          <a:effectRef idx="1">
+            <a:schemeClr val="accent4"/>
+          </a:effectRef>
+          <a:fontRef idx="minor">
+            <a:schemeClr val="dk1"/>
+          </a:fontRef>
+        </p:style>
+        <p:txBody>
+          <a:bodyPr rtlCol="0" anchor="ctr"/>
+          <a:lstStyle/>
+          <a:p>
+            <a:pPr algn="ctr"/>
+            <a:r>
+              <a:rPr lang="en-US" sz="1050" dirty="0" err="1">
+                <a:solidFill>
+                  <a:srgbClr val="7030A0"/>
+                </a:solidFill>
+              </a:rPr>
+              <a:t>FloatingTask</a:t>
+            </a:r>
+            <a:endParaRPr lang="en-US" sz="1050" dirty="0">
+              <a:solidFill>
+                <a:srgbClr val="7030A0"/>
+              </a:solidFill>
+            </a:endParaRPr>
+          </a:p>
+        </p:txBody>
+      </p:sp>
+      <p:sp>
+        <p:nvSpPr>
+          <p:cNvPr id="87" name="Rectangle 8">
+            <a:extLst>
+              <a:ext uri="{FF2B5EF4-FFF2-40B4-BE49-F238E27FC236}">
+                <a16:creationId xmlns:a16="http://schemas.microsoft.com/office/drawing/2014/main" id="{FD92DEDE-8CCC-4D5A-A87C-6D4AD8C4B580}"/>
+              </a:ext>
+            </a:extLst>
+          </p:cNvPr>
+          <p:cNvSpPr/>
+          <p:nvPr/>
+        </p:nvSpPr>
+        <p:spPr>
+          <a:xfrm>
+            <a:off x="6916260" y="5734017"/>
+            <a:ext cx="703740" cy="285783"/>
+          </a:xfrm>
+          <a:prstGeom prst="rect">
+            <a:avLst/>
+          </a:prstGeom>
+          <a:ln w="19050">
+            <a:solidFill>
+              <a:srgbClr val="7030A0"/>
+            </a:solidFill>
+          </a:ln>
+          <a:effectLst/>
+        </p:spPr>
+        <p:style>
+          <a:lnRef idx="1">
+            <a:schemeClr val="accent4"/>
+          </a:lnRef>
+          <a:fillRef idx="2">
+            <a:schemeClr val="accent4"/>
+          </a:fillRef>
+          <a:effectRef idx="1">
+            <a:schemeClr val="accent4"/>
+          </a:effectRef>
+          <a:fontRef idx="minor">
+            <a:schemeClr val="dk1"/>
+          </a:fontRef>
+        </p:style>
+        <p:txBody>
+          <a:bodyPr rtlCol="0" anchor="ctr"/>
+          <a:lstStyle/>
+          <a:p>
+            <a:pPr algn="ctr"/>
+            <a:r>
+              <a:rPr lang="en-US" sz="1050" dirty="0">
+                <a:solidFill>
+                  <a:srgbClr val="7030A0"/>
+                </a:solidFill>
+              </a:rPr>
+              <a:t>Deadline</a:t>
+            </a:r>
+            <a:endParaRPr lang="en-SG" sz="1050" dirty="0">
+              <a:solidFill>
+                <a:srgbClr val="7030A0"/>
+              </a:solidFill>
+            </a:endParaRPr>
+          </a:p>
+        </p:txBody>
+      </p:sp>
+      <p:cxnSp>
+        <p:nvCxnSpPr>
+          <p:cNvPr id="94" name="Elbow Connector 85">
+            <a:extLst>
+              <a:ext uri="{FF2B5EF4-FFF2-40B4-BE49-F238E27FC236}">
+                <a16:creationId xmlns:a16="http://schemas.microsoft.com/office/drawing/2014/main" id="{ED2F0B51-3478-4720-BDF8-DD7B29CB36C3}"/>
+              </a:ext>
+            </a:extLst>
+          </p:cNvPr>
+          <p:cNvCxnSpPr>
+            <a:cxnSpLocks/>
+            <a:stCxn id="87" idx="3"/>
+            <a:endCxn id="117" idx="3"/>
+          </p:cNvCxnSpPr>
+          <p:nvPr/>
+        </p:nvCxnSpPr>
+        <p:spPr>
+          <a:xfrm flipV="1">
+            <a:off x="7620000" y="1839497"/>
+            <a:ext cx="36030" cy="4037412"/>
+          </a:xfrm>
+          <a:prstGeom prst="bentConnector3">
+            <a:avLst>
+              <a:gd name="adj1" fmla="val 866278"/>
+            </a:avLst>
+          </a:prstGeom>
+          <a:ln w="19050">
+            <a:solidFill>
+              <a:srgbClr val="7030A0"/>
+            </a:solidFill>
+            <a:headEnd type="none" w="med" len="med"/>
+            <a:tailEnd type="none" w="med" len="med"/>
+          </a:ln>
+          <a:effectLst/>
+        </p:spPr>
+        <p:style>
+          <a:lnRef idx="1">
+            <a:schemeClr val="accent2"/>
+          </a:lnRef>
+          <a:fillRef idx="2">
+            <a:schemeClr val="accent2"/>
+          </a:fillRef>
+          <a:effectRef idx="1">
+            <a:schemeClr val="accent2"/>
+          </a:effectRef>
+          <a:fontRef idx="minor">
+            <a:schemeClr val="dk1"/>
+          </a:fontRef>
+        </p:style>
+      </p:cxnSp>
+      <p:cxnSp>
+        <p:nvCxnSpPr>
+          <p:cNvPr id="98" name="Elbow Connector 85">
+            <a:extLst>
+              <a:ext uri="{FF2B5EF4-FFF2-40B4-BE49-F238E27FC236}">
+                <a16:creationId xmlns:a16="http://schemas.microsoft.com/office/drawing/2014/main" id="{77D93BAA-6F83-4157-8F77-043E3F11FB25}"/>
+              </a:ext>
+            </a:extLst>
+          </p:cNvPr>
+          <p:cNvCxnSpPr>
+            <a:cxnSpLocks/>
+            <a:stCxn id="82" idx="3"/>
+            <a:endCxn id="117" idx="3"/>
+          </p:cNvCxnSpPr>
+          <p:nvPr/>
+        </p:nvCxnSpPr>
+        <p:spPr>
+          <a:xfrm flipV="1">
+            <a:off x="6292730" y="1839497"/>
+            <a:ext cx="1363300" cy="3242764"/>
+          </a:xfrm>
+          <a:prstGeom prst="bentConnector3">
+            <a:avLst>
+              <a:gd name="adj1" fmla="val 120252"/>
+            </a:avLst>
+          </a:prstGeom>
+          <a:ln w="19050">
+            <a:solidFill>
+              <a:srgbClr val="7030A0"/>
+            </a:solidFill>
+            <a:headEnd type="none" w="med" len="med"/>
+            <a:tailEnd type="none" w="med" len="med"/>
+          </a:ln>
+          <a:effectLst/>
+        </p:spPr>
+        <p:style>
+          <a:lnRef idx="1">
+            <a:schemeClr val="accent2"/>
+          </a:lnRef>
+          <a:fillRef idx="2">
+            <a:schemeClr val="accent2"/>
+          </a:fillRef>
+          <a:effectRef idx="1">
+            <a:schemeClr val="accent2"/>
+          </a:effectRef>
+          <a:fontRef idx="minor">
+            <a:schemeClr val="dk1"/>
+          </a:fontRef>
+        </p:style>
+      </p:cxnSp>
+      <p:sp>
+        <p:nvSpPr>
+          <p:cNvPr id="153" name="TextBox 152">
+            <a:extLst>
+              <a:ext uri="{FF2B5EF4-FFF2-40B4-BE49-F238E27FC236}">
+                <a16:creationId xmlns:a16="http://schemas.microsoft.com/office/drawing/2014/main" id="{88FBB9DB-E26B-428F-AA6E-B20634747BE4}"/>
+              </a:ext>
+            </a:extLst>
+          </p:cNvPr>
+          <p:cNvSpPr txBox="1"/>
+          <p:nvPr/>
+        </p:nvSpPr>
+        <p:spPr>
+          <a:xfrm>
+            <a:off x="7052588" y="757465"/>
+            <a:ext cx="189257" cy="178683"/>
+          </a:xfrm>
+          <a:prstGeom prst="rect">
+            <a:avLst/>
+          </a:prstGeom>
+          <a:noFill/>
+        </p:spPr>
+        <p:txBody>
+          <a:bodyPr wrap="square" lIns="0" tIns="0" rIns="0" bIns="0" rtlCol="0">
+            <a:noAutofit/>
+          </a:bodyPr>
+          <a:lstStyle/>
+          <a:p>
+            <a:pPr algn="ctr"/>
+            <a:r>
+              <a:rPr lang="en-US" sz="1100">
+                <a:solidFill>
+                  <a:srgbClr val="7030A0"/>
+                </a:solidFill>
+              </a:rPr>
+              <a:t>1</a:t>
+            </a:r>
+            <a:endParaRPr lang="en-SG" sz="1100" dirty="0">
+              <a:solidFill>
+                <a:srgbClr val="7030A0"/>
+              </a:solidFill>
+            </a:endParaRPr>
+          </a:p>
+        </p:txBody>
+      </p:sp>
+      <p:cxnSp>
+        <p:nvCxnSpPr>
+          <p:cNvPr id="268" name="Elbow Connector 58">
+            <a:extLst>
+              <a:ext uri="{FF2B5EF4-FFF2-40B4-BE49-F238E27FC236}">
+                <a16:creationId xmlns:a16="http://schemas.microsoft.com/office/drawing/2014/main" id="{A9D37834-AD78-452C-A0E4-1F0B40A9DA72}"/>
+              </a:ext>
+            </a:extLst>
+          </p:cNvPr>
+          <p:cNvCxnSpPr>
+            <a:cxnSpLocks/>
+            <a:stCxn id="93" idx="1"/>
+            <a:endCxn id="80" idx="3"/>
+          </p:cNvCxnSpPr>
+          <p:nvPr/>
+        </p:nvCxnSpPr>
+        <p:spPr>
+          <a:xfrm rot="10800000" flipV="1">
+            <a:off x="4765498" y="5484510"/>
+            <a:ext cx="1246854" cy="1262"/>
+          </a:xfrm>
+          <a:prstGeom prst="bentConnector3">
+            <a:avLst>
+              <a:gd name="adj1" fmla="val 50000"/>
+            </a:avLst>
+          </a:prstGeom>
+          <a:ln w="19050">
+            <a:solidFill>
+              <a:srgbClr val="7030A0"/>
+            </a:solidFill>
+            <a:headEnd type="none" w="med" len="med"/>
+            <a:tailEnd type="arrow" w="med" len="med"/>
+          </a:ln>
+          <a:effectLst/>
+        </p:spPr>
+        <p:style>
+          <a:lnRef idx="1">
+            <a:schemeClr val="accent2"/>
+          </a:lnRef>
+          <a:fillRef idx="2">
+            <a:schemeClr val="accent2"/>
+          </a:fillRef>
+          <a:effectRef idx="1">
+            <a:schemeClr val="accent2"/>
+          </a:effectRef>
+          <a:fontRef idx="minor">
+            <a:schemeClr val="dk1"/>
+          </a:fontRef>
+        </p:style>
+      </p:cxnSp>
+      <p:cxnSp>
+        <p:nvCxnSpPr>
+          <p:cNvPr id="317" name="Elbow Connector 58">
+            <a:extLst>
+              <a:ext uri="{FF2B5EF4-FFF2-40B4-BE49-F238E27FC236}">
+                <a16:creationId xmlns:a16="http://schemas.microsoft.com/office/drawing/2014/main" id="{C3093632-1500-432F-A9DB-7AB4773E006E}"/>
+              </a:ext>
+            </a:extLst>
+          </p:cNvPr>
+          <p:cNvCxnSpPr>
+            <a:cxnSpLocks/>
+            <a:stCxn id="112" idx="1"/>
+            <a:endCxn id="80" idx="2"/>
+          </p:cNvCxnSpPr>
+          <p:nvPr/>
+        </p:nvCxnSpPr>
+        <p:spPr>
+          <a:xfrm rot="10800000">
+            <a:off x="4135349" y="5621600"/>
+            <a:ext cx="2543042" cy="255308"/>
+          </a:xfrm>
+          <a:prstGeom prst="bentConnector2">
+            <a:avLst/>
+          </a:prstGeom>
+          <a:ln w="19050">
+            <a:solidFill>
+              <a:srgbClr val="7030A0"/>
+            </a:solidFill>
+            <a:headEnd type="none" w="med" len="med"/>
+            <a:tailEnd type="arrow" w="med" len="med"/>
+          </a:ln>
+          <a:effectLst/>
+        </p:spPr>
+        <p:style>
+          <a:lnRef idx="1">
+            <a:schemeClr val="accent2"/>
+          </a:lnRef>
+          <a:fillRef idx="2">
+            <a:schemeClr val="accent2"/>
+          </a:fillRef>
+          <a:effectRef idx="1">
+            <a:schemeClr val="accent2"/>
+          </a:effectRef>
+          <a:fontRef idx="minor">
+            <a:schemeClr val="dk1"/>
+          </a:fontRef>
+        </p:style>
+      </p:cxnSp>
+      <p:sp>
+        <p:nvSpPr>
+          <p:cNvPr id="80" name="Rectangle 8">
+            <a:extLst>
+              <a:ext uri="{FF2B5EF4-FFF2-40B4-BE49-F238E27FC236}">
+                <a16:creationId xmlns:a16="http://schemas.microsoft.com/office/drawing/2014/main" id="{38053985-49C0-46E7-9DCF-1E8B04211018}"/>
+              </a:ext>
+            </a:extLst>
+          </p:cNvPr>
+          <p:cNvSpPr/>
+          <p:nvPr/>
+        </p:nvSpPr>
+        <p:spPr>
+          <a:xfrm>
+            <a:off x="3505200" y="5349944"/>
+            <a:ext cx="1260298" cy="271656"/>
+          </a:xfrm>
+          <a:prstGeom prst="rect">
+            <a:avLst/>
+          </a:prstGeom>
+          <a:ln w="19050">
+            <a:solidFill>
+              <a:srgbClr val="7030A0"/>
+            </a:solidFill>
+          </a:ln>
+          <a:effectLst/>
+        </p:spPr>
+        <p:style>
+          <a:lnRef idx="1">
+            <a:schemeClr val="accent4"/>
+          </a:lnRef>
+          <a:fillRef idx="2">
+            <a:schemeClr val="accent4"/>
+          </a:fillRef>
+          <a:effectRef idx="1">
+            <a:schemeClr val="accent4"/>
+          </a:effectRef>
+          <a:fontRef idx="minor">
+            <a:schemeClr val="dk1"/>
+          </a:fontRef>
+        </p:style>
+        <p:txBody>
+          <a:bodyPr rtlCol="0" anchor="ctr"/>
+          <a:lstStyle/>
+          <a:p>
+            <a:pPr algn="ctr"/>
+            <a:r>
+              <a:rPr lang="en-SG" sz="1050" dirty="0" err="1">
+                <a:solidFill>
+                  <a:srgbClr val="7030A0"/>
+                </a:solidFill>
+              </a:rPr>
+              <a:t>Java.util.Calendar</a:t>
+            </a:r>
+            <a:endParaRPr lang="en-SG" sz="1050" dirty="0">
+              <a:solidFill>
+                <a:srgbClr val="7030A0"/>
+              </a:solidFill>
+            </a:endParaRPr>
+          </a:p>
+        </p:txBody>
+      </p:sp>
+      <p:sp>
+        <p:nvSpPr>
+          <p:cNvPr id="84" name="Rectangle 8">
+            <a:extLst>
+              <a:ext uri="{FF2B5EF4-FFF2-40B4-BE49-F238E27FC236}">
+                <a16:creationId xmlns:a16="http://schemas.microsoft.com/office/drawing/2014/main" id="{FC5E9BBE-BA29-466E-87DB-E549C83DCF6F}"/>
+              </a:ext>
+            </a:extLst>
+          </p:cNvPr>
+          <p:cNvSpPr/>
+          <p:nvPr/>
+        </p:nvSpPr>
+        <p:spPr>
+          <a:xfrm>
+            <a:off x="4825428" y="1905000"/>
+            <a:ext cx="1156969" cy="518309"/>
+          </a:xfrm>
+          <a:prstGeom prst="rect">
+            <a:avLst/>
+          </a:prstGeom>
+          <a:ln w="19050">
+            <a:solidFill>
+              <a:srgbClr val="7030A0"/>
+            </a:solidFill>
+          </a:ln>
+          <a:effectLst/>
+        </p:spPr>
+        <p:style>
+          <a:lnRef idx="1">
+            <a:schemeClr val="accent4"/>
+          </a:lnRef>
+          <a:fillRef idx="2">
+            <a:schemeClr val="accent4"/>
+          </a:fillRef>
+          <a:effectRef idx="1">
+            <a:schemeClr val="accent4"/>
+          </a:effectRef>
+          <a:fontRef idx="minor">
+            <a:schemeClr val="dk1"/>
+          </a:fontRef>
+        </p:style>
+        <p:txBody>
+          <a:bodyPr rtlCol="0" anchor="ctr"/>
+          <a:lstStyle/>
+          <a:p>
+            <a:pPr algn="ctr"/>
+            <a:r>
+              <a:rPr lang="en-US" sz="1050" dirty="0">
+                <a:solidFill>
+                  <a:srgbClr val="7030A0"/>
+                </a:solidFill>
+              </a:rPr>
+              <a:t>Archive</a:t>
+            </a:r>
+            <a:endParaRPr lang="en-SG" sz="1050" dirty="0">
+              <a:solidFill>
+                <a:srgbClr val="7030A0"/>
+              </a:solidFill>
+            </a:endParaRPr>
+          </a:p>
+        </p:txBody>
+      </p:sp>
+      <p:sp>
+        <p:nvSpPr>
+          <p:cNvPr id="85" name="Flowchart: Decision 96">
+            <a:extLst>
+              <a:ext uri="{FF2B5EF4-FFF2-40B4-BE49-F238E27FC236}">
+                <a16:creationId xmlns:a16="http://schemas.microsoft.com/office/drawing/2014/main" id="{6A5FF266-C51C-4096-A31D-A2C77CC18DF3}"/>
+              </a:ext>
+            </a:extLst>
+          </p:cNvPr>
+          <p:cNvSpPr/>
+          <p:nvPr/>
+        </p:nvSpPr>
+        <p:spPr>
+          <a:xfrm>
+            <a:off x="5993267" y="2057400"/>
+            <a:ext cx="236048" cy="173380"/>
+          </a:xfrm>
+          <a:prstGeom prst="flowChartDecision">
+            <a:avLst/>
+          </a:prstGeom>
+          <a:noFill/>
+          <a:ln w="19050">
+            <a:solidFill>
+              <a:srgbClr val="7030A0"/>
+            </a:solidFill>
+          </a:ln>
+          <a:effectLst/>
+        </p:spPr>
+        <p:style>
+          <a:lnRef idx="1">
+            <a:schemeClr val="accent6"/>
+          </a:lnRef>
+          <a:fillRef idx="2">
+            <a:schemeClr val="accent6"/>
+          </a:fillRef>
+          <a:effectRef idx="1">
+            <a:schemeClr val="accent6"/>
+          </a:effectRef>
+          <a:fontRef idx="minor">
+            <a:schemeClr val="dk1"/>
+          </a:fontRef>
+        </p:style>
+        <p:txBody>
+          <a:bodyPr rtlCol="0" anchor="ctr"/>
+          <a:lstStyle/>
+          <a:p>
+            <a:pPr algn="ctr"/>
+            <a:endParaRPr lang="en-US" sz="1050"/>
+          </a:p>
+        </p:txBody>
+      </p:sp>
+      <p:cxnSp>
+        <p:nvCxnSpPr>
+          <p:cNvPr id="86" name="Elbow Connector 63">
+            <a:extLst>
+              <a:ext uri="{FF2B5EF4-FFF2-40B4-BE49-F238E27FC236}">
+                <a16:creationId xmlns:a16="http://schemas.microsoft.com/office/drawing/2014/main" id="{EE9C1E64-02F1-4593-A879-5B119D8AA9C5}"/>
+              </a:ext>
+            </a:extLst>
+          </p:cNvPr>
+          <p:cNvCxnSpPr>
+            <a:cxnSpLocks/>
+            <a:stCxn id="85" idx="3"/>
+            <a:endCxn id="62" idx="1"/>
+          </p:cNvCxnSpPr>
+          <p:nvPr/>
+        </p:nvCxnSpPr>
+        <p:spPr>
+          <a:xfrm flipV="1">
+            <a:off x="6229315" y="1850348"/>
+            <a:ext cx="299855" cy="293742"/>
+          </a:xfrm>
+          <a:prstGeom prst="bentConnector3">
+            <a:avLst/>
+          </a:prstGeom>
+          <a:ln w="19050">
+            <a:solidFill>
+              <a:srgbClr val="7030A0"/>
+            </a:solidFill>
+            <a:headEnd type="none" w="med" len="med"/>
+            <a:tailEnd type="arrow" w="med" len="med"/>
+          </a:ln>
+          <a:effectLst/>
+        </p:spPr>
+        <p:style>
+          <a:lnRef idx="1">
+            <a:schemeClr val="accent2"/>
+          </a:lnRef>
+          <a:fillRef idx="2">
+            <a:schemeClr val="accent2"/>
+          </a:fillRef>
+          <a:effectRef idx="1">
+            <a:schemeClr val="accent2"/>
+          </a:effectRef>
+          <a:fontRef idx="minor">
+            <a:schemeClr val="dk1"/>
+          </a:fontRef>
+        </p:style>
+      </p:cxnSp>
+      <p:sp>
+        <p:nvSpPr>
+          <p:cNvPr id="88" name="Rectangle 8">
+            <a:extLst>
+              <a:ext uri="{FF2B5EF4-FFF2-40B4-BE49-F238E27FC236}">
+                <a16:creationId xmlns:a16="http://schemas.microsoft.com/office/drawing/2014/main" id="{E5EE7A86-858B-4AB0-8E94-A35E30A00B59}"/>
+              </a:ext>
+            </a:extLst>
+          </p:cNvPr>
+          <p:cNvSpPr/>
+          <p:nvPr/>
+        </p:nvSpPr>
+        <p:spPr>
+          <a:xfrm>
+            <a:off x="4824247" y="2495751"/>
+            <a:ext cx="1156969" cy="476049"/>
+          </a:xfrm>
+          <a:prstGeom prst="rect">
+            <a:avLst/>
+          </a:prstGeom>
+          <a:ln w="19050">
+            <a:solidFill>
+              <a:srgbClr val="7030A0"/>
+            </a:solidFill>
+          </a:ln>
+          <a:effectLst/>
+        </p:spPr>
+        <p:style>
+          <a:lnRef idx="1">
+            <a:schemeClr val="accent4"/>
+          </a:lnRef>
+          <a:fillRef idx="2">
+            <a:schemeClr val="accent4"/>
+          </a:fillRef>
+          <a:effectRef idx="1">
+            <a:schemeClr val="accent4"/>
+          </a:effectRef>
+          <a:fontRef idx="minor">
+            <a:schemeClr val="dk1"/>
+          </a:fontRef>
+        </p:style>
+        <p:txBody>
+          <a:bodyPr rtlCol="0" anchor="ctr"/>
+          <a:lstStyle/>
+          <a:p>
+            <a:pPr algn="ctr"/>
+            <a:r>
+              <a:rPr lang="en-SG" sz="1050" dirty="0">
+                <a:solidFill>
+                  <a:srgbClr val="7030A0"/>
+                </a:solidFill>
+              </a:rPr>
+              <a:t>Bin</a:t>
+            </a:r>
+          </a:p>
+        </p:txBody>
+      </p:sp>
+      <p:sp>
+        <p:nvSpPr>
+          <p:cNvPr id="89" name="Flowchart: Decision 96">
+            <a:extLst>
+              <a:ext uri="{FF2B5EF4-FFF2-40B4-BE49-F238E27FC236}">
+                <a16:creationId xmlns:a16="http://schemas.microsoft.com/office/drawing/2014/main" id="{949CD2DD-7C3E-4172-8670-B8E57C938879}"/>
+              </a:ext>
+            </a:extLst>
+          </p:cNvPr>
+          <p:cNvSpPr/>
+          <p:nvPr/>
+        </p:nvSpPr>
+        <p:spPr>
+          <a:xfrm>
+            <a:off x="5998965" y="2646020"/>
+            <a:ext cx="236048" cy="173380"/>
+          </a:xfrm>
+          <a:prstGeom prst="flowChartDecision">
+            <a:avLst/>
+          </a:prstGeom>
+          <a:noFill/>
+          <a:ln w="19050">
+            <a:solidFill>
+              <a:srgbClr val="7030A0"/>
+            </a:solidFill>
+          </a:ln>
+          <a:effectLst/>
+        </p:spPr>
+        <p:style>
+          <a:lnRef idx="1">
+            <a:schemeClr val="accent6"/>
+          </a:lnRef>
+          <a:fillRef idx="2">
+            <a:schemeClr val="accent6"/>
+          </a:fillRef>
+          <a:effectRef idx="1">
+            <a:schemeClr val="accent6"/>
+          </a:effectRef>
+          <a:fontRef idx="minor">
+            <a:schemeClr val="dk1"/>
+          </a:fontRef>
+        </p:style>
+        <p:txBody>
+          <a:bodyPr rtlCol="0" anchor="ctr"/>
+          <a:lstStyle/>
+          <a:p>
+            <a:pPr algn="ctr"/>
+            <a:endParaRPr lang="en-US" sz="1050"/>
+          </a:p>
+        </p:txBody>
+      </p:sp>
+      <p:cxnSp>
+        <p:nvCxnSpPr>
+          <p:cNvPr id="90" name="Elbow Connector 63">
+            <a:extLst>
+              <a:ext uri="{FF2B5EF4-FFF2-40B4-BE49-F238E27FC236}">
+                <a16:creationId xmlns:a16="http://schemas.microsoft.com/office/drawing/2014/main" id="{7F134287-400C-42A6-8013-D79C3C996F45}"/>
+              </a:ext>
+            </a:extLst>
+          </p:cNvPr>
+          <p:cNvCxnSpPr>
+            <a:cxnSpLocks/>
+            <a:stCxn id="89" idx="3"/>
+            <a:endCxn id="62" idx="1"/>
+          </p:cNvCxnSpPr>
+          <p:nvPr/>
+        </p:nvCxnSpPr>
+        <p:spPr>
+          <a:xfrm flipV="1">
+            <a:off x="6235013" y="1850348"/>
+            <a:ext cx="294157" cy="882362"/>
+          </a:xfrm>
+          <a:prstGeom prst="bentConnector3">
+            <a:avLst/>
+          </a:prstGeom>
+          <a:ln w="19050">
+            <a:solidFill>
+              <a:srgbClr val="7030A0"/>
+            </a:solidFill>
+            <a:headEnd type="none" w="med" len="med"/>
+            <a:tailEnd type="arrow" w="med" len="med"/>
+          </a:ln>
+          <a:effectLst/>
+        </p:spPr>
+        <p:style>
+          <a:lnRef idx="1">
+            <a:schemeClr val="accent2"/>
+          </a:lnRef>
+          <a:fillRef idx="2">
+            <a:schemeClr val="accent2"/>
+          </a:fillRef>
+          <a:effectRef idx="1">
+            <a:schemeClr val="accent2"/>
+          </a:effectRef>
+          <a:fontRef idx="minor">
+            <a:schemeClr val="dk1"/>
+          </a:fontRef>
+        </p:style>
+      </p:cxnSp>
+      <p:sp>
+        <p:nvSpPr>
+          <p:cNvPr id="93" name="Flowchart: Decision 96">
+            <a:extLst>
+              <a:ext uri="{FF2B5EF4-FFF2-40B4-BE49-F238E27FC236}">
+                <a16:creationId xmlns:a16="http://schemas.microsoft.com/office/drawing/2014/main" id="{7E42058C-7FC1-48B6-B0A0-82326A89238D}"/>
+              </a:ext>
+            </a:extLst>
+          </p:cNvPr>
+          <p:cNvSpPr/>
+          <p:nvPr/>
+        </p:nvSpPr>
+        <p:spPr>
+          <a:xfrm>
+            <a:off x="6012352" y="5397820"/>
+            <a:ext cx="236048" cy="173380"/>
+          </a:xfrm>
+          <a:prstGeom prst="flowChartDecision">
+            <a:avLst/>
+          </a:prstGeom>
+          <a:solidFill>
+            <a:srgbClr val="7030A0"/>
+          </a:solidFill>
+          <a:ln w="19050">
+            <a:solidFill>
+              <a:srgbClr val="7030A0"/>
+            </a:solidFill>
+          </a:ln>
+          <a:effectLst/>
+        </p:spPr>
+        <p:style>
+          <a:lnRef idx="1">
+            <a:schemeClr val="accent6"/>
+          </a:lnRef>
+          <a:fillRef idx="2">
+            <a:schemeClr val="accent6"/>
+          </a:fillRef>
+          <a:effectRef idx="1">
+            <a:schemeClr val="accent6"/>
+          </a:effectRef>
+          <a:fontRef idx="minor">
+            <a:schemeClr val="dk1"/>
+          </a:fontRef>
+        </p:style>
+        <p:txBody>
+          <a:bodyPr rtlCol="0" anchor="ctr"/>
+          <a:lstStyle/>
+          <a:p>
+            <a:pPr algn="ctr"/>
+            <a:endParaRPr lang="en-US" sz="1050"/>
+          </a:p>
+        </p:txBody>
+      </p:sp>
+      <p:sp>
+        <p:nvSpPr>
+          <p:cNvPr id="104" name="TextBox 103">
+            <a:extLst>
+              <a:ext uri="{FF2B5EF4-FFF2-40B4-BE49-F238E27FC236}">
+                <a16:creationId xmlns:a16="http://schemas.microsoft.com/office/drawing/2014/main" id="{7955D861-12E8-467E-A832-0CD2DE6AF70E}"/>
+              </a:ext>
+            </a:extLst>
+          </p:cNvPr>
+          <p:cNvSpPr txBox="1"/>
+          <p:nvPr/>
+        </p:nvSpPr>
+        <p:spPr>
+          <a:xfrm>
+            <a:off x="3897739" y="5705726"/>
+            <a:ext cx="189257" cy="178683"/>
+          </a:xfrm>
+          <a:prstGeom prst="rect">
+            <a:avLst/>
+          </a:prstGeom>
+          <a:noFill/>
+        </p:spPr>
+        <p:txBody>
+          <a:bodyPr wrap="square" lIns="0" tIns="0" rIns="0" bIns="0" rtlCol="0">
+            <a:noAutofit/>
+          </a:bodyPr>
+          <a:lstStyle/>
+          <a:p>
+            <a:pPr algn="ctr"/>
+            <a:r>
+              <a:rPr lang="en-US" sz="1100" dirty="0">
+                <a:solidFill>
+                  <a:srgbClr val="7030A0"/>
+                </a:solidFill>
+              </a:rPr>
+              <a:t>1</a:t>
+            </a:r>
+            <a:endParaRPr lang="en-SG" sz="1100" dirty="0">
+              <a:solidFill>
+                <a:srgbClr val="7030A0"/>
+              </a:solidFill>
+            </a:endParaRPr>
+          </a:p>
+        </p:txBody>
+      </p:sp>
+      <p:sp>
+        <p:nvSpPr>
+          <p:cNvPr id="105" name="TextBox 104">
+            <a:extLst>
+              <a:ext uri="{FF2B5EF4-FFF2-40B4-BE49-F238E27FC236}">
+                <a16:creationId xmlns:a16="http://schemas.microsoft.com/office/drawing/2014/main" id="{26655E42-5836-4693-B2F5-1B27CF911181}"/>
+              </a:ext>
+            </a:extLst>
+          </p:cNvPr>
+          <p:cNvSpPr txBox="1"/>
+          <p:nvPr/>
+        </p:nvSpPr>
+        <p:spPr>
+          <a:xfrm>
+            <a:off x="4848245" y="5280627"/>
+            <a:ext cx="189257" cy="178683"/>
+          </a:xfrm>
+          <a:prstGeom prst="rect">
+            <a:avLst/>
+          </a:prstGeom>
+          <a:noFill/>
+        </p:spPr>
+        <p:txBody>
+          <a:bodyPr wrap="square" lIns="0" tIns="0" rIns="0" bIns="0" rtlCol="0">
+            <a:noAutofit/>
+          </a:bodyPr>
+          <a:lstStyle/>
+          <a:p>
+            <a:pPr algn="ctr"/>
+            <a:r>
+              <a:rPr lang="en-US" sz="1100" dirty="0">
+                <a:solidFill>
+                  <a:srgbClr val="7030A0"/>
+                </a:solidFill>
+              </a:rPr>
+              <a:t>2</a:t>
+            </a:r>
+            <a:endParaRPr lang="en-SG" sz="1100" dirty="0">
+              <a:solidFill>
+                <a:srgbClr val="7030A0"/>
+              </a:solidFill>
+            </a:endParaRPr>
+          </a:p>
+        </p:txBody>
+      </p:sp>
+      <p:sp>
+        <p:nvSpPr>
+          <p:cNvPr id="112" name="Flowchart: Decision 96">
+            <a:extLst>
+              <a:ext uri="{FF2B5EF4-FFF2-40B4-BE49-F238E27FC236}">
+                <a16:creationId xmlns:a16="http://schemas.microsoft.com/office/drawing/2014/main" id="{293ECA54-CC18-4A53-ABFD-453088B10C9C}"/>
+              </a:ext>
+            </a:extLst>
+          </p:cNvPr>
+          <p:cNvSpPr/>
+          <p:nvPr/>
+        </p:nvSpPr>
+        <p:spPr>
+          <a:xfrm>
+            <a:off x="6678391" y="5790218"/>
+            <a:ext cx="236048" cy="173380"/>
+          </a:xfrm>
+          <a:prstGeom prst="flowChartDecision">
+            <a:avLst/>
+          </a:prstGeom>
+          <a:solidFill>
+            <a:srgbClr val="7030A0"/>
+          </a:solidFill>
+          <a:ln w="19050">
+            <a:solidFill>
+              <a:srgbClr val="7030A0"/>
+            </a:solidFill>
+          </a:ln>
+          <a:effectLst/>
+        </p:spPr>
+        <p:style>
+          <a:lnRef idx="1">
+            <a:schemeClr val="accent6"/>
+          </a:lnRef>
+          <a:fillRef idx="2">
+            <a:schemeClr val="accent6"/>
+          </a:fillRef>
+          <a:effectRef idx="1">
+            <a:schemeClr val="accent6"/>
+          </a:effectRef>
+          <a:fontRef idx="minor">
+            <a:schemeClr val="dk1"/>
+          </a:fontRef>
+        </p:style>
+        <p:txBody>
+          <a:bodyPr rtlCol="0" anchor="ctr"/>
+          <a:lstStyle/>
+          <a:p>
+            <a:pPr algn="ctr"/>
+            <a:endParaRPr lang="en-US" sz="1050"/>
+          </a:p>
+        </p:txBody>
+      </p:sp>
+      <p:sp>
+        <p:nvSpPr>
+          <p:cNvPr id="117" name="Isosceles Triangle 102">
+            <a:extLst>
+              <a:ext uri="{FF2B5EF4-FFF2-40B4-BE49-F238E27FC236}">
+                <a16:creationId xmlns:a16="http://schemas.microsoft.com/office/drawing/2014/main" id="{7AB74330-96D4-4F9A-BFF6-5D372946A3A3}"/>
+              </a:ext>
+            </a:extLst>
+          </p:cNvPr>
+          <p:cNvSpPr/>
+          <p:nvPr/>
+        </p:nvSpPr>
+        <p:spPr>
+          <a:xfrm rot="5400000" flipV="1">
+            <a:off x="7433016" y="1751735"/>
+            <a:ext cx="270504" cy="175523"/>
+          </a:xfrm>
+          <a:prstGeom prst="triangle">
+            <a:avLst/>
+          </a:prstGeom>
+          <a:ln w="19050">
+            <a:solidFill>
+              <a:srgbClr val="7030A0"/>
+            </a:solidFill>
+          </a:ln>
+          <a:effectLst/>
+        </p:spPr>
+        <p:style>
+          <a:lnRef idx="1">
+            <a:schemeClr val="accent4"/>
+          </a:lnRef>
+          <a:fillRef idx="2">
+            <a:schemeClr val="accent4"/>
+          </a:fillRef>
+          <a:effectRef idx="1">
+            <a:schemeClr val="accent4"/>
+          </a:effectRef>
+          <a:fontRef idx="minor">
+            <a:schemeClr val="dk1"/>
+          </a:fontRef>
+        </p:style>
+        <p:txBody>
+          <a:bodyPr rtlCol="0" anchor="ctr"/>
+          <a:lstStyle/>
+          <a:p>
+            <a:pPr algn="ctr"/>
+            <a:endParaRPr lang="en-SG" sz="1050" b="1">
+              <a:solidFill>
+                <a:srgbClr val="92D050"/>
+              </a:solidFill>
+            </a:endParaRPr>
+          </a:p>
+        </p:txBody>
+      </p:sp>
+      <p:cxnSp>
+        <p:nvCxnSpPr>
+          <p:cNvPr id="91" name="Elbow Connector 29">
+            <a:extLst>
+              <a:ext uri="{FF2B5EF4-FFF2-40B4-BE49-F238E27FC236}">
+                <a16:creationId xmlns:a16="http://schemas.microsoft.com/office/drawing/2014/main" id="{165E042F-592B-4526-89B0-72AC27D3EB93}"/>
+              </a:ext>
+            </a:extLst>
+          </p:cNvPr>
+          <p:cNvCxnSpPr>
+            <a:cxnSpLocks/>
+            <a:stCxn id="51" idx="3"/>
+          </p:cNvCxnSpPr>
+          <p:nvPr/>
+        </p:nvCxnSpPr>
+        <p:spPr>
+          <a:xfrm>
+            <a:off x="4153221" y="1776472"/>
+            <a:ext cx="676441" cy="241829"/>
+          </a:xfrm>
+          <a:prstGeom prst="bentConnector3">
+            <a:avLst/>
+          </a:prstGeom>
+          <a:ln w="19050">
+            <a:solidFill>
+              <a:srgbClr val="7030A0"/>
+            </a:solidFill>
+            <a:headEnd type="none" w="med" len="med"/>
+            <a:tailEnd type="arrow" w="med" len="med"/>
+          </a:ln>
+          <a:effectLst/>
+        </p:spPr>
+        <p:style>
+          <a:lnRef idx="1">
+            <a:schemeClr val="accent2"/>
+          </a:lnRef>
+          <a:fillRef idx="2">
+            <a:schemeClr val="accent2"/>
+          </a:fillRef>
+          <a:effectRef idx="1">
+            <a:schemeClr val="accent2"/>
+          </a:effectRef>
+          <a:fontRef idx="minor">
+            <a:schemeClr val="dk1"/>
+          </a:fontRef>
+        </p:style>
+      </p:cxnSp>
+      <p:cxnSp>
+        <p:nvCxnSpPr>
+          <p:cNvPr id="92" name="Elbow Connector 29">
+            <a:extLst>
+              <a:ext uri="{FF2B5EF4-FFF2-40B4-BE49-F238E27FC236}">
+                <a16:creationId xmlns:a16="http://schemas.microsoft.com/office/drawing/2014/main" id="{D1E312B1-F07F-42E0-B909-2C3800006FEC}"/>
+              </a:ext>
+            </a:extLst>
+          </p:cNvPr>
+          <p:cNvCxnSpPr>
+            <a:cxnSpLocks/>
+            <a:stCxn id="51" idx="3"/>
+            <a:endCxn id="88" idx="1"/>
+          </p:cNvCxnSpPr>
+          <p:nvPr/>
+        </p:nvCxnSpPr>
+        <p:spPr>
+          <a:xfrm>
+            <a:off x="4153221" y="1776472"/>
+            <a:ext cx="671026" cy="957304"/>
+          </a:xfrm>
+          <a:prstGeom prst="bentConnector3">
+            <a:avLst>
+              <a:gd name="adj1" fmla="val 50000"/>
+            </a:avLst>
+          </a:prstGeom>
+          <a:ln w="19050">
+            <a:solidFill>
+              <a:srgbClr val="7030A0"/>
+            </a:solidFill>
+            <a:headEnd type="none" w="med" len="med"/>
+            <a:tailEnd type="arrow" w="med" len="med"/>
+          </a:ln>
+          <a:effectLst/>
+        </p:spPr>
+        <p:style>
+          <a:lnRef idx="1">
+            <a:schemeClr val="accent2"/>
+          </a:lnRef>
+          <a:fillRef idx="2">
+            <a:schemeClr val="accent2"/>
+          </a:fillRef>
+          <a:effectRef idx="1">
+            <a:schemeClr val="accent2"/>
+          </a:effectRef>
+          <a:fontRef idx="minor">
+            <a:schemeClr val="dk1"/>
+          </a:fontRef>
+        </p:style>
+      </p:cxnSp>
+      <p:sp>
+        <p:nvSpPr>
+          <p:cNvPr id="95" name="TextBox 94">
+            <a:extLst>
+              <a:ext uri="{FF2B5EF4-FFF2-40B4-BE49-F238E27FC236}">
+                <a16:creationId xmlns:a16="http://schemas.microsoft.com/office/drawing/2014/main" id="{D29B85A3-61AD-46D9-96B7-EC8CCA02159B}"/>
+              </a:ext>
+            </a:extLst>
+          </p:cNvPr>
+          <p:cNvSpPr txBox="1"/>
+          <p:nvPr/>
+        </p:nvSpPr>
+        <p:spPr>
+          <a:xfrm>
+            <a:off x="4575940" y="1815829"/>
+            <a:ext cx="189257" cy="178683"/>
+          </a:xfrm>
+          <a:prstGeom prst="rect">
+            <a:avLst/>
+          </a:prstGeom>
+          <a:noFill/>
+        </p:spPr>
+        <p:txBody>
+          <a:bodyPr wrap="square" lIns="0" tIns="0" rIns="0" bIns="0" rtlCol="0">
+            <a:noAutofit/>
+          </a:bodyPr>
+          <a:lstStyle/>
+          <a:p>
+            <a:pPr algn="ctr"/>
+            <a:r>
+              <a:rPr lang="en-US" sz="1100" dirty="0">
+                <a:solidFill>
+                  <a:srgbClr val="7030A0"/>
+                </a:solidFill>
+              </a:rPr>
+              <a:t>1</a:t>
+            </a:r>
+            <a:endParaRPr lang="en-SG" sz="1100" dirty="0">
+              <a:solidFill>
+                <a:srgbClr val="7030A0"/>
+              </a:solidFill>
+            </a:endParaRPr>
+          </a:p>
+        </p:txBody>
+      </p:sp>
+      <p:sp>
+        <p:nvSpPr>
+          <p:cNvPr id="96" name="TextBox 95">
+            <a:extLst>
+              <a:ext uri="{FF2B5EF4-FFF2-40B4-BE49-F238E27FC236}">
+                <a16:creationId xmlns:a16="http://schemas.microsoft.com/office/drawing/2014/main" id="{4C638C9C-DC93-4F3F-9C3B-86FC32804BAA}"/>
+              </a:ext>
+            </a:extLst>
+          </p:cNvPr>
+          <p:cNvSpPr txBox="1"/>
+          <p:nvPr/>
+        </p:nvSpPr>
+        <p:spPr>
+          <a:xfrm>
+            <a:off x="4577258" y="2508495"/>
+            <a:ext cx="189257" cy="178683"/>
+          </a:xfrm>
+          <a:prstGeom prst="rect">
+            <a:avLst/>
+          </a:prstGeom>
+          <a:noFill/>
+        </p:spPr>
+        <p:txBody>
+          <a:bodyPr wrap="square" lIns="0" tIns="0" rIns="0" bIns="0" rtlCol="0">
+            <a:noAutofit/>
+          </a:bodyPr>
+          <a:lstStyle/>
+          <a:p>
+            <a:pPr algn="ctr"/>
+            <a:r>
+              <a:rPr lang="en-US" sz="1100" dirty="0">
+                <a:solidFill>
+                  <a:srgbClr val="7030A0"/>
+                </a:solidFill>
+              </a:rPr>
+              <a:t>1</a:t>
+            </a:r>
+            <a:endParaRPr lang="en-SG" sz="1100" dirty="0">
+              <a:solidFill>
+                <a:srgbClr val="7030A0"/>
+              </a:solidFill>
+            </a:endParaRPr>
+          </a:p>
+        </p:txBody>
+      </p:sp>
+      <p:sp>
+        <p:nvSpPr>
+          <p:cNvPr id="81" name="Rectangle 8">
+            <a:extLst>
+              <a:ext uri="{FF2B5EF4-FFF2-40B4-BE49-F238E27FC236}">
+                <a16:creationId xmlns:a16="http://schemas.microsoft.com/office/drawing/2014/main" id="{7A38C179-FD0A-4AFF-9DAD-D2B114E689D6}"/>
+              </a:ext>
+            </a:extLst>
+          </p:cNvPr>
+          <p:cNvSpPr/>
+          <p:nvPr/>
+        </p:nvSpPr>
+        <p:spPr>
+          <a:xfrm>
+            <a:off x="2680736" y="2705120"/>
+            <a:ext cx="1099150" cy="377140"/>
+          </a:xfrm>
+          <a:prstGeom prst="rect">
+            <a:avLst/>
+          </a:prstGeom>
+          <a:ln w="19050">
+            <a:solidFill>
+              <a:srgbClr val="7030A0"/>
+            </a:solidFill>
+          </a:ln>
+          <a:effectLst/>
+        </p:spPr>
+        <p:style>
+          <a:lnRef idx="1">
+            <a:schemeClr val="accent4"/>
+          </a:lnRef>
+          <a:fillRef idx="2">
+            <a:schemeClr val="accent4"/>
+          </a:fillRef>
+          <a:effectRef idx="1">
+            <a:schemeClr val="accent4"/>
+          </a:effectRef>
+          <a:fontRef idx="minor">
+            <a:schemeClr val="dk1"/>
+          </a:fontRef>
+        </p:style>
+        <p:txBody>
+          <a:bodyPr rtlCol="0" anchor="ctr"/>
+          <a:lstStyle/>
+          <a:p>
+            <a:pPr algn="ctr"/>
+            <a:r>
+              <a:rPr lang="en-US" sz="1050" dirty="0">
+                <a:solidFill>
+                  <a:srgbClr val="7030A0"/>
+                </a:solidFill>
+              </a:rPr>
+              <a:t>{abstract}</a:t>
+            </a:r>
+            <a:br>
+              <a:rPr lang="en-US" sz="1050" dirty="0">
+                <a:solidFill>
+                  <a:srgbClr val="7030A0"/>
+                </a:solidFill>
+              </a:rPr>
+            </a:br>
+            <a:r>
+              <a:rPr lang="en-US" sz="1050" dirty="0" err="1">
+                <a:solidFill>
+                  <a:srgbClr val="7030A0"/>
+                </a:solidFill>
+              </a:rPr>
+              <a:t>EntryList</a:t>
+            </a:r>
+            <a:endParaRPr lang="en-SG" sz="1050" dirty="0">
+              <a:solidFill>
+                <a:srgbClr val="7030A0"/>
+              </a:solidFill>
+            </a:endParaRPr>
+          </a:p>
+        </p:txBody>
+      </p:sp>
+      <p:sp>
+        <p:nvSpPr>
+          <p:cNvPr id="83" name="TextBox 82">
+            <a:extLst>
+              <a:ext uri="{FF2B5EF4-FFF2-40B4-BE49-F238E27FC236}">
+                <a16:creationId xmlns:a16="http://schemas.microsoft.com/office/drawing/2014/main" id="{B0746313-7EAE-4FD7-BA26-B0CF426E0CE1}"/>
+              </a:ext>
+            </a:extLst>
+          </p:cNvPr>
+          <p:cNvSpPr txBox="1"/>
+          <p:nvPr/>
+        </p:nvSpPr>
+        <p:spPr>
+          <a:xfrm>
+            <a:off x="2631129" y="4546398"/>
+            <a:ext cx="189257" cy="178683"/>
+          </a:xfrm>
+          <a:prstGeom prst="rect">
+            <a:avLst/>
+          </a:prstGeom>
+          <a:noFill/>
+        </p:spPr>
+        <p:txBody>
+          <a:bodyPr wrap="square" lIns="0" tIns="0" rIns="0" bIns="0" rtlCol="0">
+            <a:noAutofit/>
+          </a:bodyPr>
+          <a:lstStyle/>
+          <a:p>
+            <a:pPr algn="ctr"/>
+            <a:r>
+              <a:rPr lang="en-SG" sz="1100" dirty="0">
+                <a:solidFill>
+                  <a:srgbClr val="7030A0"/>
+                </a:solidFill>
+              </a:rPr>
+              <a:t>3</a:t>
+            </a:r>
+          </a:p>
+        </p:txBody>
+      </p:sp>
+      <p:sp>
+        <p:nvSpPr>
+          <p:cNvPr id="111" name="Isosceles Triangle 102">
+            <a:extLst>
+              <a:ext uri="{FF2B5EF4-FFF2-40B4-BE49-F238E27FC236}">
+                <a16:creationId xmlns:a16="http://schemas.microsoft.com/office/drawing/2014/main" id="{A106F481-8113-48BD-B065-34D89F65F0AB}"/>
+              </a:ext>
+            </a:extLst>
+          </p:cNvPr>
+          <p:cNvSpPr/>
+          <p:nvPr/>
+        </p:nvSpPr>
+        <p:spPr>
+          <a:xfrm rot="5400000" flipV="1">
+            <a:off x="3894179" y="4691859"/>
+            <a:ext cx="270504" cy="175523"/>
+          </a:xfrm>
+          <a:prstGeom prst="triangle">
+            <a:avLst/>
+          </a:prstGeom>
+          <a:ln w="19050">
+            <a:solidFill>
+              <a:srgbClr val="7030A0"/>
+            </a:solidFill>
+          </a:ln>
+          <a:effectLst/>
+        </p:spPr>
+        <p:style>
+          <a:lnRef idx="1">
+            <a:schemeClr val="accent4"/>
+          </a:lnRef>
+          <a:fillRef idx="2">
+            <a:schemeClr val="accent4"/>
+          </a:fillRef>
+          <a:effectRef idx="1">
+            <a:schemeClr val="accent4"/>
+          </a:effectRef>
+          <a:fontRef idx="minor">
+            <a:schemeClr val="dk1"/>
+          </a:fontRef>
+        </p:style>
+        <p:txBody>
+          <a:bodyPr rtlCol="0" anchor="ctr"/>
+          <a:lstStyle/>
+          <a:p>
+            <a:pPr algn="ctr"/>
+            <a:endParaRPr lang="en-SG" sz="1050" b="1">
+              <a:solidFill>
+                <a:srgbClr val="92D050"/>
+              </a:solidFill>
+            </a:endParaRPr>
+          </a:p>
+        </p:txBody>
+      </p:sp>
+      <p:cxnSp>
+        <p:nvCxnSpPr>
+          <p:cNvPr id="113" name="Elbow Connector 63">
+            <a:extLst>
+              <a:ext uri="{FF2B5EF4-FFF2-40B4-BE49-F238E27FC236}">
+                <a16:creationId xmlns:a16="http://schemas.microsoft.com/office/drawing/2014/main" id="{A1485418-2743-47D1-BC42-2E0545F2FBE5}"/>
+              </a:ext>
+            </a:extLst>
+          </p:cNvPr>
+          <p:cNvCxnSpPr>
+            <a:cxnSpLocks/>
+            <a:stCxn id="115" idx="3"/>
+            <a:endCxn id="49" idx="1"/>
+          </p:cNvCxnSpPr>
+          <p:nvPr/>
+        </p:nvCxnSpPr>
+        <p:spPr>
+          <a:xfrm flipV="1">
+            <a:off x="3978565" y="1584848"/>
+            <a:ext cx="851097" cy="1293605"/>
+          </a:xfrm>
+          <a:prstGeom prst="bentConnector3">
+            <a:avLst>
+              <a:gd name="adj1" fmla="val 50000"/>
+            </a:avLst>
+          </a:prstGeom>
+          <a:ln w="19050">
+            <a:solidFill>
+              <a:srgbClr val="7030A0"/>
+            </a:solidFill>
+            <a:prstDash val="sysDot"/>
+            <a:headEnd type="none" w="med" len="med"/>
+            <a:tailEnd type="none" w="med" len="med"/>
+          </a:ln>
+          <a:effectLst/>
+        </p:spPr>
+        <p:style>
+          <a:lnRef idx="1">
+            <a:schemeClr val="accent2"/>
+          </a:lnRef>
+          <a:fillRef idx="2">
+            <a:schemeClr val="accent2"/>
+          </a:fillRef>
+          <a:effectRef idx="1">
+            <a:schemeClr val="accent2"/>
+          </a:effectRef>
+          <a:fontRef idx="minor">
+            <a:schemeClr val="dk1"/>
+          </a:fontRef>
+        </p:style>
+      </p:cxnSp>
+      <p:sp>
+        <p:nvSpPr>
+          <p:cNvPr id="115" name="Isosceles Triangle 102">
+            <a:extLst>
+              <a:ext uri="{FF2B5EF4-FFF2-40B4-BE49-F238E27FC236}">
+                <a16:creationId xmlns:a16="http://schemas.microsoft.com/office/drawing/2014/main" id="{CEC3CD33-62F4-457F-B391-47EC0406E552}"/>
+              </a:ext>
+            </a:extLst>
+          </p:cNvPr>
+          <p:cNvSpPr/>
+          <p:nvPr/>
+        </p:nvSpPr>
+        <p:spPr>
+          <a:xfrm rot="5400000" flipV="1">
+            <a:off x="3755551" y="2790691"/>
+            <a:ext cx="270504" cy="175523"/>
+          </a:xfrm>
+          <a:prstGeom prst="triangle">
+            <a:avLst/>
+          </a:prstGeom>
+          <a:ln w="19050">
+            <a:solidFill>
+              <a:srgbClr val="7030A0"/>
+            </a:solidFill>
+          </a:ln>
+          <a:effectLst/>
+        </p:spPr>
+        <p:style>
+          <a:lnRef idx="1">
+            <a:schemeClr val="accent4"/>
+          </a:lnRef>
+          <a:fillRef idx="2">
+            <a:schemeClr val="accent4"/>
+          </a:fillRef>
+          <a:effectRef idx="1">
+            <a:schemeClr val="accent4"/>
+          </a:effectRef>
+          <a:fontRef idx="minor">
+            <a:schemeClr val="dk1"/>
+          </a:fontRef>
+        </p:style>
+        <p:txBody>
+          <a:bodyPr rtlCol="0" anchor="ctr"/>
+          <a:lstStyle/>
+          <a:p>
+            <a:pPr algn="ctr"/>
+            <a:endParaRPr lang="en-SG" sz="1050" b="1">
+              <a:solidFill>
+                <a:srgbClr val="92D050"/>
+              </a:solidFill>
+            </a:endParaRPr>
+          </a:p>
+        </p:txBody>
+      </p:sp>
+      <p:cxnSp>
+        <p:nvCxnSpPr>
+          <p:cNvPr id="136" name="Elbow Connector 63">
+            <a:extLst>
+              <a:ext uri="{FF2B5EF4-FFF2-40B4-BE49-F238E27FC236}">
+                <a16:creationId xmlns:a16="http://schemas.microsoft.com/office/drawing/2014/main" id="{E1328738-EFAE-49FD-A3F1-1DB3F8A12A40}"/>
+              </a:ext>
+            </a:extLst>
+          </p:cNvPr>
+          <p:cNvCxnSpPr>
+            <a:cxnSpLocks/>
+            <a:stCxn id="115" idx="3"/>
+            <a:endCxn id="84" idx="1"/>
+          </p:cNvCxnSpPr>
+          <p:nvPr/>
+        </p:nvCxnSpPr>
+        <p:spPr>
+          <a:xfrm flipV="1">
+            <a:off x="3978565" y="2164155"/>
+            <a:ext cx="846863" cy="714298"/>
+          </a:xfrm>
+          <a:prstGeom prst="bentConnector3">
+            <a:avLst>
+              <a:gd name="adj1" fmla="val 50000"/>
+            </a:avLst>
+          </a:prstGeom>
+          <a:ln w="19050">
+            <a:solidFill>
+              <a:srgbClr val="7030A0"/>
+            </a:solidFill>
+            <a:prstDash val="sysDot"/>
+            <a:headEnd type="none" w="med" len="med"/>
+            <a:tailEnd type="none" w="med" len="med"/>
+          </a:ln>
+          <a:effectLst/>
+        </p:spPr>
+        <p:style>
+          <a:lnRef idx="1">
+            <a:schemeClr val="accent2"/>
+          </a:lnRef>
+          <a:fillRef idx="2">
+            <a:schemeClr val="accent2"/>
+          </a:fillRef>
+          <a:effectRef idx="1">
+            <a:schemeClr val="accent2"/>
+          </a:effectRef>
+          <a:fontRef idx="minor">
+            <a:schemeClr val="dk1"/>
+          </a:fontRef>
+        </p:style>
+      </p:cxnSp>
+      <p:cxnSp>
+        <p:nvCxnSpPr>
+          <p:cNvPr id="141" name="Elbow Connector 63">
+            <a:extLst>
+              <a:ext uri="{FF2B5EF4-FFF2-40B4-BE49-F238E27FC236}">
+                <a16:creationId xmlns:a16="http://schemas.microsoft.com/office/drawing/2014/main" id="{4B86615C-E534-4DC6-9AD1-FC396A0A1ADB}"/>
+              </a:ext>
+            </a:extLst>
+          </p:cNvPr>
+          <p:cNvCxnSpPr>
+            <a:cxnSpLocks/>
+            <a:stCxn id="115" idx="3"/>
+          </p:cNvCxnSpPr>
+          <p:nvPr/>
+        </p:nvCxnSpPr>
+        <p:spPr>
+          <a:xfrm flipV="1">
+            <a:off x="3978565" y="2874550"/>
+            <a:ext cx="836608" cy="3903"/>
+          </a:xfrm>
+          <a:prstGeom prst="bentConnector3">
+            <a:avLst>
+              <a:gd name="adj1" fmla="val 50000"/>
+            </a:avLst>
+          </a:prstGeom>
+          <a:ln w="19050">
+            <a:solidFill>
+              <a:srgbClr val="7030A0"/>
+            </a:solidFill>
+            <a:prstDash val="sysDot"/>
+            <a:headEnd type="none" w="med" len="med"/>
+            <a:tailEnd type="none" w="med" len="med"/>
+          </a:ln>
+          <a:effectLst/>
+        </p:spPr>
+        <p:style>
+          <a:lnRef idx="1">
+            <a:schemeClr val="accent2"/>
+          </a:lnRef>
+          <a:fillRef idx="2">
+            <a:schemeClr val="accent2"/>
+          </a:fillRef>
+          <a:effectRef idx="1">
+            <a:schemeClr val="accent2"/>
+          </a:effectRef>
+          <a:fontRef idx="minor">
+            <a:schemeClr val="dk1"/>
+          </a:fontRef>
+        </p:style>
+      </p:cxnSp>
+      <p:sp>
+        <p:nvSpPr>
+          <p:cNvPr id="101" name="Rectangle 8">
+            <a:extLst>
+              <a:ext uri="{FF2B5EF4-FFF2-40B4-BE49-F238E27FC236}">
+                <a16:creationId xmlns:a16="http://schemas.microsoft.com/office/drawing/2014/main" id="{3A8DF1E8-19BD-4490-BC77-A609B6FD5639}"/>
+              </a:ext>
+            </a:extLst>
+          </p:cNvPr>
+          <p:cNvSpPr/>
+          <p:nvPr/>
+        </p:nvSpPr>
+        <p:spPr>
+          <a:xfrm>
+            <a:off x="4827831" y="3051836"/>
+            <a:ext cx="1156969" cy="476049"/>
+          </a:xfrm>
+          <a:prstGeom prst="rect">
+            <a:avLst/>
+          </a:prstGeom>
+          <a:ln w="19050">
+            <a:solidFill>
+              <a:srgbClr val="7030A0"/>
+            </a:solidFill>
+          </a:ln>
+          <a:effectLst/>
+        </p:spPr>
+        <p:style>
+          <a:lnRef idx="1">
+            <a:schemeClr val="accent4"/>
+          </a:lnRef>
+          <a:fillRef idx="2">
+            <a:schemeClr val="accent4"/>
+          </a:fillRef>
+          <a:effectRef idx="1">
+            <a:schemeClr val="accent4"/>
+          </a:effectRef>
+          <a:fontRef idx="minor">
+            <a:schemeClr val="dk1"/>
+          </a:fontRef>
+        </p:style>
+        <p:txBody>
+          <a:bodyPr rtlCol="0" anchor="ctr"/>
+          <a:lstStyle/>
+          <a:p>
+            <a:pPr algn="ctr"/>
+            <a:r>
+              <a:rPr lang="en-SG" sz="1050" dirty="0" err="1">
+                <a:solidFill>
+                  <a:srgbClr val="7030A0"/>
+                </a:solidFill>
+              </a:rPr>
+              <a:t>EventList</a:t>
+            </a:r>
+            <a:endParaRPr lang="en-SG" sz="1050" dirty="0">
+              <a:solidFill>
+                <a:srgbClr val="7030A0"/>
+              </a:solidFill>
+            </a:endParaRPr>
+          </a:p>
+        </p:txBody>
+      </p:sp>
+      <p:sp>
+        <p:nvSpPr>
+          <p:cNvPr id="102" name="Rectangle 8">
+            <a:extLst>
+              <a:ext uri="{FF2B5EF4-FFF2-40B4-BE49-F238E27FC236}">
+                <a16:creationId xmlns:a16="http://schemas.microsoft.com/office/drawing/2014/main" id="{4A845856-BC9D-446D-B86B-5856280A727B}"/>
+              </a:ext>
+            </a:extLst>
+          </p:cNvPr>
+          <p:cNvSpPr/>
+          <p:nvPr/>
+        </p:nvSpPr>
+        <p:spPr>
+          <a:xfrm>
+            <a:off x="4836905" y="3613003"/>
+            <a:ext cx="1156969" cy="476049"/>
+          </a:xfrm>
+          <a:prstGeom prst="rect">
+            <a:avLst/>
+          </a:prstGeom>
+          <a:ln w="19050">
+            <a:solidFill>
+              <a:srgbClr val="7030A0"/>
+            </a:solidFill>
+          </a:ln>
+          <a:effectLst/>
+        </p:spPr>
+        <p:style>
+          <a:lnRef idx="1">
+            <a:schemeClr val="accent4"/>
+          </a:lnRef>
+          <a:fillRef idx="2">
+            <a:schemeClr val="accent4"/>
+          </a:fillRef>
+          <a:effectRef idx="1">
+            <a:schemeClr val="accent4"/>
+          </a:effectRef>
+          <a:fontRef idx="minor">
+            <a:schemeClr val="dk1"/>
+          </a:fontRef>
+        </p:style>
+        <p:txBody>
+          <a:bodyPr rtlCol="0" anchor="ctr"/>
+          <a:lstStyle/>
+          <a:p>
+            <a:pPr algn="ctr"/>
+            <a:r>
+              <a:rPr lang="en-SG" sz="1050" dirty="0" err="1">
+                <a:solidFill>
+                  <a:srgbClr val="7030A0"/>
+                </a:solidFill>
+              </a:rPr>
+              <a:t>DeadlineList</a:t>
+            </a:r>
+            <a:endParaRPr lang="en-SG" sz="1050" dirty="0">
+              <a:solidFill>
+                <a:srgbClr val="7030A0"/>
+              </a:solidFill>
+            </a:endParaRPr>
+          </a:p>
+        </p:txBody>
+      </p:sp>
+      <p:sp>
+        <p:nvSpPr>
+          <p:cNvPr id="103" name="Rectangle 8">
+            <a:extLst>
+              <a:ext uri="{FF2B5EF4-FFF2-40B4-BE49-F238E27FC236}">
+                <a16:creationId xmlns:a16="http://schemas.microsoft.com/office/drawing/2014/main" id="{4A8F1CE5-EF77-4895-9413-B5BFC4CC6FF0}"/>
+              </a:ext>
+            </a:extLst>
+          </p:cNvPr>
+          <p:cNvSpPr/>
+          <p:nvPr/>
+        </p:nvSpPr>
+        <p:spPr>
+          <a:xfrm>
+            <a:off x="4836905" y="4176008"/>
+            <a:ext cx="1156969" cy="476049"/>
+          </a:xfrm>
+          <a:prstGeom prst="rect">
+            <a:avLst/>
+          </a:prstGeom>
+          <a:ln w="19050">
+            <a:solidFill>
+              <a:srgbClr val="7030A0"/>
+            </a:solidFill>
+          </a:ln>
+          <a:effectLst/>
+        </p:spPr>
+        <p:style>
+          <a:lnRef idx="1">
+            <a:schemeClr val="accent4"/>
+          </a:lnRef>
+          <a:fillRef idx="2">
+            <a:schemeClr val="accent4"/>
+          </a:fillRef>
+          <a:effectRef idx="1">
+            <a:schemeClr val="accent4"/>
+          </a:effectRef>
+          <a:fontRef idx="minor">
+            <a:schemeClr val="dk1"/>
+          </a:fontRef>
+        </p:style>
+        <p:txBody>
+          <a:bodyPr rtlCol="0" anchor="ctr"/>
+          <a:lstStyle/>
+          <a:p>
+            <a:pPr algn="ctr"/>
+            <a:r>
+              <a:rPr lang="en-SG" sz="1050" dirty="0" err="1">
+                <a:solidFill>
+                  <a:srgbClr val="7030A0"/>
+                </a:solidFill>
+              </a:rPr>
+              <a:t>FloatingTaskList</a:t>
+            </a:r>
+            <a:endParaRPr lang="en-SG" sz="1050" dirty="0">
+              <a:solidFill>
+                <a:srgbClr val="7030A0"/>
+              </a:solidFill>
+            </a:endParaRPr>
+          </a:p>
+        </p:txBody>
+      </p:sp>
+      <p:cxnSp>
+        <p:nvCxnSpPr>
+          <p:cNvPr id="106" name="Elbow Connector 29">
+            <a:extLst>
+              <a:ext uri="{FF2B5EF4-FFF2-40B4-BE49-F238E27FC236}">
+                <a16:creationId xmlns:a16="http://schemas.microsoft.com/office/drawing/2014/main" id="{014CD831-8474-45B5-A953-0E87A8D1BFCA}"/>
+              </a:ext>
+            </a:extLst>
+          </p:cNvPr>
+          <p:cNvCxnSpPr>
+            <a:cxnSpLocks/>
+            <a:stCxn id="51" idx="3"/>
+            <a:endCxn id="103" idx="1"/>
+          </p:cNvCxnSpPr>
+          <p:nvPr/>
+        </p:nvCxnSpPr>
+        <p:spPr>
+          <a:xfrm>
+            <a:off x="4153221" y="1776472"/>
+            <a:ext cx="683684" cy="2637561"/>
+          </a:xfrm>
+          <a:prstGeom prst="bentConnector3">
+            <a:avLst>
+              <a:gd name="adj1" fmla="val 50000"/>
+            </a:avLst>
+          </a:prstGeom>
+          <a:ln w="19050">
+            <a:solidFill>
+              <a:srgbClr val="7030A0"/>
+            </a:solidFill>
+            <a:headEnd type="none" w="med" len="med"/>
+            <a:tailEnd type="arrow" w="med" len="med"/>
+          </a:ln>
+          <a:effectLst/>
+        </p:spPr>
+        <p:style>
+          <a:lnRef idx="1">
+            <a:schemeClr val="accent2"/>
+          </a:lnRef>
+          <a:fillRef idx="2">
+            <a:schemeClr val="accent2"/>
+          </a:fillRef>
+          <a:effectRef idx="1">
+            <a:schemeClr val="accent2"/>
+          </a:effectRef>
+          <a:fontRef idx="minor">
+            <a:schemeClr val="dk1"/>
+          </a:fontRef>
+        </p:style>
+      </p:cxnSp>
+      <p:cxnSp>
+        <p:nvCxnSpPr>
+          <p:cNvPr id="108" name="Elbow Connector 29">
+            <a:extLst>
+              <a:ext uri="{FF2B5EF4-FFF2-40B4-BE49-F238E27FC236}">
+                <a16:creationId xmlns:a16="http://schemas.microsoft.com/office/drawing/2014/main" id="{FF0147D8-05B1-43A2-91FD-96D842923B11}"/>
+              </a:ext>
+            </a:extLst>
+          </p:cNvPr>
+          <p:cNvCxnSpPr>
+            <a:cxnSpLocks/>
+            <a:stCxn id="51" idx="3"/>
+            <a:endCxn id="102" idx="1"/>
+          </p:cNvCxnSpPr>
+          <p:nvPr/>
+        </p:nvCxnSpPr>
+        <p:spPr>
+          <a:xfrm>
+            <a:off x="4153221" y="1776472"/>
+            <a:ext cx="683684" cy="2074556"/>
+          </a:xfrm>
+          <a:prstGeom prst="bentConnector3">
+            <a:avLst>
+              <a:gd name="adj1" fmla="val 50000"/>
+            </a:avLst>
+          </a:prstGeom>
+          <a:ln w="19050">
+            <a:solidFill>
+              <a:srgbClr val="7030A0"/>
+            </a:solidFill>
+            <a:headEnd type="none" w="med" len="med"/>
+            <a:tailEnd type="arrow" w="med" len="med"/>
+          </a:ln>
+          <a:effectLst/>
+        </p:spPr>
+        <p:style>
+          <a:lnRef idx="1">
+            <a:schemeClr val="accent2"/>
+          </a:lnRef>
+          <a:fillRef idx="2">
+            <a:schemeClr val="accent2"/>
+          </a:fillRef>
+          <a:effectRef idx="1">
+            <a:schemeClr val="accent2"/>
+          </a:effectRef>
+          <a:fontRef idx="minor">
+            <a:schemeClr val="dk1"/>
+          </a:fontRef>
+        </p:style>
+      </p:cxnSp>
+      <p:cxnSp>
+        <p:nvCxnSpPr>
+          <p:cNvPr id="109" name="Elbow Connector 29">
+            <a:extLst>
+              <a:ext uri="{FF2B5EF4-FFF2-40B4-BE49-F238E27FC236}">
+                <a16:creationId xmlns:a16="http://schemas.microsoft.com/office/drawing/2014/main" id="{8D0A22F4-57A2-4BAC-8BD2-4A1F476185C4}"/>
+              </a:ext>
+            </a:extLst>
+          </p:cNvPr>
+          <p:cNvCxnSpPr>
+            <a:cxnSpLocks/>
+            <a:stCxn id="51" idx="3"/>
+            <a:endCxn id="101" idx="1"/>
+          </p:cNvCxnSpPr>
+          <p:nvPr/>
+        </p:nvCxnSpPr>
+        <p:spPr>
+          <a:xfrm>
+            <a:off x="4153221" y="1776472"/>
+            <a:ext cx="674610" cy="1513389"/>
+          </a:xfrm>
+          <a:prstGeom prst="bentConnector3">
+            <a:avLst>
+              <a:gd name="adj1" fmla="val 50000"/>
+            </a:avLst>
+          </a:prstGeom>
+          <a:ln w="19050">
+            <a:solidFill>
+              <a:srgbClr val="7030A0"/>
+            </a:solidFill>
+            <a:headEnd type="none" w="med" len="med"/>
+            <a:tailEnd type="arrow" w="med" len="med"/>
+          </a:ln>
+          <a:effectLst/>
+        </p:spPr>
+        <p:style>
+          <a:lnRef idx="1">
+            <a:schemeClr val="accent2"/>
+          </a:lnRef>
+          <a:fillRef idx="2">
+            <a:schemeClr val="accent2"/>
+          </a:fillRef>
+          <a:effectRef idx="1">
+            <a:schemeClr val="accent2"/>
+          </a:effectRef>
+          <a:fontRef idx="minor">
+            <a:schemeClr val="dk1"/>
+          </a:fontRef>
+        </p:style>
+      </p:cxnSp>
+      <p:sp>
+        <p:nvSpPr>
+          <p:cNvPr id="110" name="TextBox 109">
+            <a:extLst>
+              <a:ext uri="{FF2B5EF4-FFF2-40B4-BE49-F238E27FC236}">
+                <a16:creationId xmlns:a16="http://schemas.microsoft.com/office/drawing/2014/main" id="{14E0032F-C669-4A6F-B13A-1CD078CFD018}"/>
+              </a:ext>
+            </a:extLst>
+          </p:cNvPr>
+          <p:cNvSpPr txBox="1"/>
+          <p:nvPr/>
+        </p:nvSpPr>
+        <p:spPr>
+          <a:xfrm>
+            <a:off x="4582923" y="3052301"/>
+            <a:ext cx="189257" cy="178683"/>
+          </a:xfrm>
+          <a:prstGeom prst="rect">
+            <a:avLst/>
+          </a:prstGeom>
+          <a:noFill/>
+        </p:spPr>
+        <p:txBody>
+          <a:bodyPr wrap="square" lIns="0" tIns="0" rIns="0" bIns="0" rtlCol="0">
+            <a:noAutofit/>
+          </a:bodyPr>
+          <a:lstStyle/>
+          <a:p>
+            <a:pPr algn="ctr"/>
+            <a:r>
+              <a:rPr lang="en-US" sz="1100" dirty="0">
+                <a:solidFill>
+                  <a:srgbClr val="7030A0"/>
+                </a:solidFill>
+              </a:rPr>
+              <a:t>1</a:t>
+            </a:r>
+            <a:endParaRPr lang="en-SG" sz="1100" dirty="0">
+              <a:solidFill>
+                <a:srgbClr val="7030A0"/>
+              </a:solidFill>
+            </a:endParaRPr>
+          </a:p>
+        </p:txBody>
+      </p:sp>
+      <p:sp>
+        <p:nvSpPr>
+          <p:cNvPr id="116" name="TextBox 115">
+            <a:extLst>
+              <a:ext uri="{FF2B5EF4-FFF2-40B4-BE49-F238E27FC236}">
+                <a16:creationId xmlns:a16="http://schemas.microsoft.com/office/drawing/2014/main" id="{9D6D18B1-494C-430F-B3B3-D7939FAC6C97}"/>
+              </a:ext>
+            </a:extLst>
+          </p:cNvPr>
+          <p:cNvSpPr txBox="1"/>
+          <p:nvPr/>
+        </p:nvSpPr>
+        <p:spPr>
+          <a:xfrm>
+            <a:off x="4582923" y="3622626"/>
+            <a:ext cx="189257" cy="178683"/>
+          </a:xfrm>
+          <a:prstGeom prst="rect">
+            <a:avLst/>
+          </a:prstGeom>
+          <a:noFill/>
+        </p:spPr>
+        <p:txBody>
+          <a:bodyPr wrap="square" lIns="0" tIns="0" rIns="0" bIns="0" rtlCol="0">
+            <a:noAutofit/>
+          </a:bodyPr>
+          <a:lstStyle/>
+          <a:p>
+            <a:pPr algn="ctr"/>
+            <a:r>
+              <a:rPr lang="en-US" sz="1100" dirty="0">
+                <a:solidFill>
+                  <a:srgbClr val="7030A0"/>
+                </a:solidFill>
+              </a:rPr>
+              <a:t>1</a:t>
+            </a:r>
+            <a:endParaRPr lang="en-SG" sz="1100" dirty="0">
+              <a:solidFill>
+                <a:srgbClr val="7030A0"/>
+              </a:solidFill>
+            </a:endParaRPr>
+          </a:p>
+        </p:txBody>
+      </p:sp>
+      <p:sp>
+        <p:nvSpPr>
+          <p:cNvPr id="121" name="TextBox 120">
+            <a:extLst>
+              <a:ext uri="{FF2B5EF4-FFF2-40B4-BE49-F238E27FC236}">
+                <a16:creationId xmlns:a16="http://schemas.microsoft.com/office/drawing/2014/main" id="{1205EF0B-72A3-4D39-8DFB-C0D4112A9F87}"/>
+              </a:ext>
+            </a:extLst>
+          </p:cNvPr>
+          <p:cNvSpPr txBox="1"/>
+          <p:nvPr/>
+        </p:nvSpPr>
+        <p:spPr>
+          <a:xfrm>
+            <a:off x="4575940" y="4188282"/>
+            <a:ext cx="189257" cy="178683"/>
+          </a:xfrm>
+          <a:prstGeom prst="rect">
+            <a:avLst/>
+          </a:prstGeom>
+          <a:noFill/>
+        </p:spPr>
+        <p:txBody>
+          <a:bodyPr wrap="square" lIns="0" tIns="0" rIns="0" bIns="0" rtlCol="0">
+            <a:noAutofit/>
+          </a:bodyPr>
+          <a:lstStyle/>
+          <a:p>
+            <a:pPr algn="ctr"/>
+            <a:r>
+              <a:rPr lang="en-US" sz="1100" dirty="0">
+                <a:solidFill>
+                  <a:srgbClr val="7030A0"/>
+                </a:solidFill>
+              </a:rPr>
+              <a:t>1</a:t>
+            </a:r>
+            <a:endParaRPr lang="en-SG" sz="1100" dirty="0">
+              <a:solidFill>
+                <a:srgbClr val="7030A0"/>
+              </a:solidFill>
+            </a:endParaRPr>
+          </a:p>
+        </p:txBody>
+      </p:sp>
+      <p:cxnSp>
+        <p:nvCxnSpPr>
+          <p:cNvPr id="125" name="Elbow Connector 63">
+            <a:extLst>
+              <a:ext uri="{FF2B5EF4-FFF2-40B4-BE49-F238E27FC236}">
+                <a16:creationId xmlns:a16="http://schemas.microsoft.com/office/drawing/2014/main" id="{E4272A99-3839-46E7-A606-42180039EDED}"/>
+              </a:ext>
+            </a:extLst>
+          </p:cNvPr>
+          <p:cNvCxnSpPr>
+            <a:cxnSpLocks/>
+            <a:stCxn id="115" idx="3"/>
+          </p:cNvCxnSpPr>
+          <p:nvPr/>
+        </p:nvCxnSpPr>
+        <p:spPr>
+          <a:xfrm>
+            <a:off x="3978565" y="2878453"/>
+            <a:ext cx="836608" cy="533616"/>
+          </a:xfrm>
+          <a:prstGeom prst="bentConnector3">
+            <a:avLst>
+              <a:gd name="adj1" fmla="val 50000"/>
+            </a:avLst>
+          </a:prstGeom>
+          <a:ln w="19050">
+            <a:solidFill>
+              <a:srgbClr val="7030A0"/>
+            </a:solidFill>
+            <a:prstDash val="sysDot"/>
+            <a:headEnd type="none" w="med" len="med"/>
+            <a:tailEnd type="none" w="med" len="med"/>
+          </a:ln>
+          <a:effectLst/>
+        </p:spPr>
+        <p:style>
+          <a:lnRef idx="1">
+            <a:schemeClr val="accent2"/>
+          </a:lnRef>
+          <a:fillRef idx="2">
+            <a:schemeClr val="accent2"/>
+          </a:fillRef>
+          <a:effectRef idx="1">
+            <a:schemeClr val="accent2"/>
+          </a:effectRef>
+          <a:fontRef idx="minor">
+            <a:schemeClr val="dk1"/>
+          </a:fontRef>
+        </p:style>
+      </p:cxnSp>
+      <p:cxnSp>
+        <p:nvCxnSpPr>
+          <p:cNvPr id="52" name="Straight Connector 51">
+            <a:extLst>
+              <a:ext uri="{FF2B5EF4-FFF2-40B4-BE49-F238E27FC236}">
+                <a16:creationId xmlns:a16="http://schemas.microsoft.com/office/drawing/2014/main" id="{E99ABE5B-53C6-4ADC-9AD8-A13C15A79EAF}"/>
+              </a:ext>
+            </a:extLst>
+          </p:cNvPr>
+          <p:cNvCxnSpPr/>
+          <p:nvPr/>
+        </p:nvCxnSpPr>
+        <p:spPr>
+          <a:xfrm flipV="1">
+            <a:off x="4396869" y="3407135"/>
+            <a:ext cx="0" cy="1132948"/>
+          </a:xfrm>
+          <a:prstGeom prst="line">
+            <a:avLst/>
+          </a:prstGeom>
+          <a:ln w="19050">
+            <a:solidFill>
+              <a:srgbClr val="7030A0"/>
+            </a:solidFill>
+            <a:prstDash val="sysDot"/>
+          </a:ln>
+        </p:spPr>
+        <p:style>
+          <a:lnRef idx="1">
+            <a:schemeClr val="accent4"/>
+          </a:lnRef>
+          <a:fillRef idx="0">
+            <a:schemeClr val="accent4"/>
+          </a:fillRef>
+          <a:effectRef idx="0">
+            <a:schemeClr val="accent4"/>
+          </a:effectRef>
+          <a:fontRef idx="minor">
+            <a:schemeClr val="tx1"/>
+          </a:fontRef>
+        </p:style>
+      </p:cxnSp>
+      <p:cxnSp>
+        <p:nvCxnSpPr>
+          <p:cNvPr id="256" name="Straight Connector 255">
+            <a:extLst>
+              <a:ext uri="{FF2B5EF4-FFF2-40B4-BE49-F238E27FC236}">
+                <a16:creationId xmlns:a16="http://schemas.microsoft.com/office/drawing/2014/main" id="{29481D18-FD61-4A55-AA7D-D55C57559D1E}"/>
+              </a:ext>
+            </a:extLst>
+          </p:cNvPr>
+          <p:cNvCxnSpPr/>
+          <p:nvPr/>
+        </p:nvCxnSpPr>
+        <p:spPr>
+          <a:xfrm>
+            <a:off x="4404113" y="4546398"/>
+            <a:ext cx="420134" cy="0"/>
+          </a:xfrm>
+          <a:prstGeom prst="line">
+            <a:avLst/>
+          </a:prstGeom>
+          <a:ln w="19050">
+            <a:solidFill>
+              <a:srgbClr val="7030A0"/>
+            </a:solidFill>
+            <a:prstDash val="sysDot"/>
+          </a:ln>
+        </p:spPr>
+        <p:style>
+          <a:lnRef idx="1">
+            <a:schemeClr val="accent4"/>
+          </a:lnRef>
+          <a:fillRef idx="0">
+            <a:schemeClr val="accent4"/>
+          </a:fillRef>
+          <a:effectRef idx="0">
+            <a:schemeClr val="accent4"/>
+          </a:effectRef>
+          <a:fontRef idx="minor">
+            <a:schemeClr val="tx1"/>
+          </a:fontRef>
+        </p:style>
+      </p:cxnSp>
+      <p:cxnSp>
+        <p:nvCxnSpPr>
+          <p:cNvPr id="258" name="Straight Connector 257">
+            <a:extLst>
+              <a:ext uri="{FF2B5EF4-FFF2-40B4-BE49-F238E27FC236}">
+                <a16:creationId xmlns:a16="http://schemas.microsoft.com/office/drawing/2014/main" id="{EC8CDC89-73CE-4B95-9EDB-70BA66D3B451}"/>
+              </a:ext>
+            </a:extLst>
+          </p:cNvPr>
+          <p:cNvCxnSpPr/>
+          <p:nvPr/>
+        </p:nvCxnSpPr>
+        <p:spPr>
+          <a:xfrm>
+            <a:off x="4396869" y="3962400"/>
+            <a:ext cx="427378" cy="0"/>
+          </a:xfrm>
+          <a:prstGeom prst="line">
+            <a:avLst/>
+          </a:prstGeom>
+          <a:ln w="19050">
+            <a:solidFill>
+              <a:srgbClr val="7030A0"/>
+            </a:solidFill>
+            <a:prstDash val="sysDot"/>
+          </a:ln>
+        </p:spPr>
+        <p:style>
+          <a:lnRef idx="1">
+            <a:schemeClr val="accent4"/>
+          </a:lnRef>
+          <a:fillRef idx="0">
+            <a:schemeClr val="accent4"/>
+          </a:fillRef>
+          <a:effectRef idx="0">
+            <a:schemeClr val="accent4"/>
+          </a:effectRef>
+          <a:fontRef idx="minor">
+            <a:schemeClr val="tx1"/>
+          </a:fontRef>
+        </p:style>
+      </p:cxnSp>
+      <p:cxnSp>
+        <p:nvCxnSpPr>
+          <p:cNvPr id="123" name="Elbow Connector 63">
+            <a:extLst>
+              <a:ext uri="{FF2B5EF4-FFF2-40B4-BE49-F238E27FC236}">
+                <a16:creationId xmlns:a16="http://schemas.microsoft.com/office/drawing/2014/main" id="{0E5833F7-A1A8-48FF-A1CC-D6EC18139449}"/>
+              </a:ext>
+            </a:extLst>
+          </p:cNvPr>
+          <p:cNvCxnSpPr>
+            <a:cxnSpLocks/>
+            <a:stCxn id="111" idx="3"/>
+            <a:endCxn id="77" idx="0"/>
+          </p:cNvCxnSpPr>
+          <p:nvPr/>
+        </p:nvCxnSpPr>
+        <p:spPr>
+          <a:xfrm>
+            <a:off x="4117193" y="4779621"/>
+            <a:ext cx="2483928" cy="570323"/>
+          </a:xfrm>
+          <a:prstGeom prst="bentConnector2">
+            <a:avLst/>
+          </a:prstGeom>
+          <a:ln w="19050">
+            <a:solidFill>
+              <a:srgbClr val="7030A0"/>
+            </a:solidFill>
+            <a:prstDash val="sysDot"/>
+            <a:headEnd type="none" w="med" len="med"/>
+            <a:tailEnd type="none" w="med" len="med"/>
+          </a:ln>
+          <a:effectLst/>
+        </p:spPr>
+        <p:style>
+          <a:lnRef idx="1">
+            <a:schemeClr val="accent2"/>
+          </a:lnRef>
+          <a:fillRef idx="2">
+            <a:schemeClr val="accent2"/>
+          </a:fillRef>
+          <a:effectRef idx="1">
+            <a:schemeClr val="accent2"/>
+          </a:effectRef>
+          <a:fontRef idx="minor">
+            <a:schemeClr val="dk1"/>
+          </a:fontRef>
+        </p:style>
+      </p:cxnSp>
+      <p:cxnSp>
+        <p:nvCxnSpPr>
+          <p:cNvPr id="126" name="Elbow Connector 63">
+            <a:extLst>
+              <a:ext uri="{FF2B5EF4-FFF2-40B4-BE49-F238E27FC236}">
+                <a16:creationId xmlns:a16="http://schemas.microsoft.com/office/drawing/2014/main" id="{AF37180F-9947-4FD9-80D2-62462566E4CC}"/>
+              </a:ext>
+            </a:extLst>
+          </p:cNvPr>
+          <p:cNvCxnSpPr>
+            <a:cxnSpLocks/>
+            <a:stCxn id="111" idx="3"/>
+            <a:endCxn id="87" idx="0"/>
+          </p:cNvCxnSpPr>
+          <p:nvPr/>
+        </p:nvCxnSpPr>
+        <p:spPr>
+          <a:xfrm>
+            <a:off x="4117193" y="4779621"/>
+            <a:ext cx="3150937" cy="954396"/>
+          </a:xfrm>
+          <a:prstGeom prst="bentConnector2">
+            <a:avLst/>
+          </a:prstGeom>
+          <a:ln w="19050">
+            <a:solidFill>
+              <a:srgbClr val="7030A0"/>
+            </a:solidFill>
+            <a:prstDash val="sysDot"/>
+            <a:headEnd type="none" w="med" len="med"/>
+            <a:tailEnd type="none" w="med" len="med"/>
+          </a:ln>
+          <a:effectLst/>
+        </p:spPr>
+        <p:style>
+          <a:lnRef idx="1">
+            <a:schemeClr val="accent2"/>
+          </a:lnRef>
+          <a:fillRef idx="2">
+            <a:schemeClr val="accent2"/>
+          </a:fillRef>
+          <a:effectRef idx="1">
+            <a:schemeClr val="accent2"/>
+          </a:effectRef>
+          <a:fontRef idx="minor">
+            <a:schemeClr val="dk1"/>
+          </a:fontRef>
+        </p:style>
+      </p:cxnSp>
+    </p:spTree>
+    <p:extLst>
+      <p:ext uri="{BB962C8B-B14F-4D97-AF65-F5344CB8AC3E}">
+        <p14:creationId xmlns:p14="http://schemas.microsoft.com/office/powerpoint/2010/main" val="1794726962"/>
+      </p:ext>
+    </p:extLst>
+  </p:cSld>
+  <p:clrMapOvr>
+    <a:masterClrMapping/>
+  </p:clrMapOvr>
+</p:sld>
+</file>
+
+<file path=ppt/slides/slide4.xml><?xml version="1.0" encoding="utf-8"?>
+<p:sld xmlns:a="http://schemas.openxmlformats.org/drawingml/2006/main" xmlns:r="http://schemas.openxmlformats.org/officeDocument/2006/relationships" xmlns:p="http://schemas.openxmlformats.org/presentationml/2006/main">
+  <p:cSld>
+    <p:spTree>
+      <p:nvGrpSpPr>
+        <p:cNvPr id="1" name=""/>
+        <p:cNvGrpSpPr/>
+        <p:nvPr/>
+      </p:nvGrpSpPr>
+      <p:grpSpPr>
+        <a:xfrm>
+          <a:off x="0" y="0"/>
+          <a:ext cx="0" cy="0"/>
+          <a:chOff x="0" y="0"/>
+          <a:chExt cx="0" cy="0"/>
+        </a:xfrm>
+      </p:grpSpPr>
+      <p:sp>
+        <p:nvSpPr>
+          <p:cNvPr id="118" name="Rectangle 65"/>
+          <p:cNvSpPr/>
+          <p:nvPr/>
+        </p:nvSpPr>
+        <p:spPr>
+          <a:xfrm>
+            <a:off x="990600" y="533400"/>
+            <a:ext cx="7239000" cy="4876800"/>
+          </a:xfrm>
+          <a:prstGeom prst="roundRect">
+            <a:avLst>
+              <a:gd name="adj" fmla="val 3484"/>
+            </a:avLst>
+          </a:prstGeom>
+          <a:solidFill>
+            <a:schemeClr val="accent4">
+              <a:lumMod val="20000"/>
+              <a:lumOff val="80000"/>
+            </a:schemeClr>
+          </a:solidFill>
+          <a:ln w="19050">
+            <a:noFill/>
+          </a:ln>
+          <a:effectLst/>
+        </p:spPr>
+        <p:style>
+          <a:lnRef idx="1">
+            <a:schemeClr val="accent2"/>
+          </a:lnRef>
+          <a:fillRef idx="2">
+            <a:schemeClr val="accent2"/>
+          </a:fillRef>
+          <a:effectRef idx="1">
+            <a:schemeClr val="accent2"/>
+          </a:effectRef>
+          <a:fontRef idx="minor">
+            <a:schemeClr val="dk1"/>
+          </a:fontRef>
+        </p:style>
+        <p:txBody>
+          <a:bodyPr rtlCol="0" anchor="t"/>
+          <a:lstStyle/>
+          <a:p>
+            <a:r>
+              <a:rPr lang="en-US" sz="1200" b="1" dirty="0">
+                <a:solidFill>
+                  <a:srgbClr val="7030A0"/>
+                </a:solidFill>
+              </a:rPr>
+              <a:t>Model</a:t>
+            </a:r>
+            <a:endParaRPr lang="en-SG" sz="1200" b="1" dirty="0">
+              <a:solidFill>
+                <a:srgbClr val="7030A0"/>
+              </a:solidFill>
+            </a:endParaRPr>
+          </a:p>
+        </p:txBody>
+      </p:sp>
+      <p:sp>
+        <p:nvSpPr>
+          <p:cNvPr id="2" name="Rectangle 8"/>
+          <p:cNvSpPr/>
+          <p:nvPr/>
+        </p:nvSpPr>
+        <p:spPr>
+          <a:xfrm>
+            <a:off x="2806563" y="2499876"/>
+            <a:ext cx="1093635" cy="346760"/>
+          </a:xfrm>
+          <a:prstGeom prst="rect">
+            <a:avLst/>
+          </a:prstGeom>
+          <a:solidFill>
+            <a:srgbClr val="7030A0"/>
+          </a:solidFill>
+          <a:ln w="19050">
+            <a:solidFill>
+              <a:srgbClr val="7030A0"/>
+            </a:solidFill>
+          </a:ln>
+          <a:effectLst/>
+        </p:spPr>
+        <p:style>
+          <a:lnRef idx="1">
+            <a:schemeClr val="accent2"/>
+          </a:lnRef>
+          <a:fillRef idx="2">
+            <a:schemeClr val="accent2"/>
+          </a:fillRef>
+          <a:effectRef idx="1">
+            <a:schemeClr val="accent2"/>
+          </a:effectRef>
+          <a:fontRef idx="minor">
+            <a:schemeClr val="dk1"/>
+          </a:fontRef>
+        </p:style>
+        <p:txBody>
+          <a:bodyPr rtlCol="0" anchor="ctr"/>
+          <a:lstStyle/>
+          <a:p>
+            <a:pPr algn="ctr"/>
+            <a:r>
+              <a:rPr lang="en-US" sz="1050" dirty="0" err="1">
+                <a:solidFill>
+                  <a:schemeClr val="bg1"/>
+                </a:solidFill>
+              </a:rPr>
+              <a:t>UserPref</a:t>
+            </a:r>
+            <a:endParaRPr lang="en-SG" sz="1050" dirty="0">
+              <a:solidFill>
+                <a:schemeClr val="bg1"/>
+              </a:solidFill>
+            </a:endParaRPr>
+          </a:p>
+        </p:txBody>
+      </p:sp>
+      <p:sp>
+        <p:nvSpPr>
+          <p:cNvPr id="9" name="Rectangle 62"/>
+          <p:cNvSpPr/>
+          <p:nvPr/>
+        </p:nvSpPr>
+        <p:spPr>
+          <a:xfrm rot="16200000">
+            <a:off x="1666826" y="2210123"/>
+            <a:ext cx="1093635" cy="346760"/>
+          </a:xfrm>
+          <a:prstGeom prst="rect">
+            <a:avLst/>
+          </a:prstGeom>
+          <a:solidFill>
+            <a:srgbClr val="7030A0"/>
+          </a:solidFill>
+          <a:ln w="19050">
+            <a:solidFill>
+              <a:srgbClr val="7030A0"/>
+            </a:solidFill>
+          </a:ln>
+          <a:effectLst/>
+        </p:spPr>
+        <p:style>
+          <a:lnRef idx="1">
+            <a:schemeClr val="accent2"/>
+          </a:lnRef>
+          <a:fillRef idx="2">
+            <a:schemeClr val="accent2"/>
+          </a:fillRef>
+          <a:effectRef idx="1">
+            <a:schemeClr val="accent2"/>
+          </a:effectRef>
+          <a:fontRef idx="minor">
+            <a:schemeClr val="dk1"/>
+          </a:fontRef>
+        </p:style>
+        <p:txBody>
+          <a:bodyPr rtlCol="0" anchor="ctr"/>
+          <a:lstStyle/>
+          <a:p>
+            <a:pPr algn="ctr"/>
+            <a:r>
+              <a:rPr lang="en-US" sz="1050" dirty="0" err="1">
+                <a:solidFill>
+                  <a:schemeClr val="bg1"/>
+                </a:solidFill>
+              </a:rPr>
+              <a:t>ModelManager</a:t>
+            </a:r>
+            <a:endParaRPr lang="en-SG" sz="1050" dirty="0">
+              <a:solidFill>
+                <a:schemeClr val="bg1"/>
+              </a:solidFill>
+            </a:endParaRPr>
+          </a:p>
+        </p:txBody>
+      </p:sp>
+      <p:cxnSp>
+        <p:nvCxnSpPr>
+          <p:cNvPr id="53" name="Elbow Connector 63"/>
+          <p:cNvCxnSpPr>
+            <a:cxnSpLocks/>
+            <a:stCxn id="111" idx="3"/>
+            <a:endCxn id="82" idx="0"/>
+          </p:cNvCxnSpPr>
+          <p:nvPr/>
+        </p:nvCxnSpPr>
+        <p:spPr>
+          <a:xfrm>
+            <a:off x="4117193" y="3865221"/>
+            <a:ext cx="1734698" cy="159748"/>
+          </a:xfrm>
+          <a:prstGeom prst="bentConnector2">
+            <a:avLst/>
+          </a:prstGeom>
+          <a:ln w="19050">
+            <a:solidFill>
+              <a:srgbClr val="7030A0"/>
+            </a:solidFill>
+            <a:prstDash val="sysDot"/>
+            <a:headEnd type="none" w="med" len="med"/>
+            <a:tailEnd type="none" w="med" len="med"/>
+          </a:ln>
+          <a:effectLst/>
+        </p:spPr>
+        <p:style>
+          <a:lnRef idx="1">
+            <a:schemeClr val="accent2"/>
+          </a:lnRef>
+          <a:fillRef idx="2">
+            <a:schemeClr val="accent2"/>
+          </a:fillRef>
+          <a:effectRef idx="1">
+            <a:schemeClr val="accent2"/>
+          </a:effectRef>
+          <a:fontRef idx="minor">
+            <a:schemeClr val="dk1"/>
+          </a:fontRef>
+        </p:style>
+      </p:cxnSp>
+      <p:cxnSp>
+        <p:nvCxnSpPr>
+          <p:cNvPr id="107" name="Elbow Connector 106"/>
+          <p:cNvCxnSpPr>
+            <a:cxnSpLocks/>
+            <a:stCxn id="9" idx="1"/>
+            <a:endCxn id="72" idx="1"/>
+          </p:cNvCxnSpPr>
+          <p:nvPr/>
+        </p:nvCxnSpPr>
+        <p:spPr>
+          <a:xfrm rot="16200000" flipH="1">
+            <a:off x="2084446" y="3059518"/>
+            <a:ext cx="934899" cy="676503"/>
+          </a:xfrm>
+          <a:prstGeom prst="bentConnector2">
+            <a:avLst/>
+          </a:prstGeom>
+          <a:ln w="19050">
+            <a:solidFill>
+              <a:srgbClr val="7030A0"/>
+            </a:solidFill>
+            <a:prstDash val="solid"/>
+            <a:headEnd type="none" w="med" len="med"/>
+            <a:tailEnd type="arrow" w="med" len="med"/>
+          </a:ln>
+          <a:effectLst/>
+        </p:spPr>
+        <p:style>
+          <a:lnRef idx="1">
+            <a:schemeClr val="accent2"/>
+          </a:lnRef>
+          <a:fillRef idx="2">
+            <a:schemeClr val="accent2"/>
+          </a:fillRef>
+          <a:effectRef idx="1">
+            <a:schemeClr val="accent2"/>
+          </a:effectRef>
+          <a:fontRef idx="minor">
+            <a:schemeClr val="dk1"/>
+          </a:fontRef>
+        </p:style>
+      </p:cxnSp>
+      <p:sp>
+        <p:nvSpPr>
+          <p:cNvPr id="119" name="Rectangle 62"/>
+          <p:cNvSpPr/>
+          <p:nvPr/>
+        </p:nvSpPr>
+        <p:spPr>
+          <a:xfrm rot="16200000">
+            <a:off x="939065" y="2202638"/>
+            <a:ext cx="1093635" cy="346760"/>
+          </a:xfrm>
+          <a:prstGeom prst="rect">
+            <a:avLst/>
+          </a:prstGeom>
+          <a:solidFill>
+            <a:srgbClr val="7030A0"/>
+          </a:solidFill>
+          <a:ln w="19050">
+            <a:solidFill>
+              <a:srgbClr val="7030A0"/>
+            </a:solidFill>
+          </a:ln>
+          <a:effectLst/>
+        </p:spPr>
+        <p:style>
+          <a:lnRef idx="1">
+            <a:schemeClr val="accent2"/>
+          </a:lnRef>
+          <a:fillRef idx="2">
+            <a:schemeClr val="accent2"/>
+          </a:fillRef>
+          <a:effectRef idx="1">
+            <a:schemeClr val="accent2"/>
+          </a:effectRef>
+          <a:fontRef idx="minor">
+            <a:schemeClr val="dk1"/>
+          </a:fontRef>
+        </p:style>
+        <p:txBody>
+          <a:bodyPr rtlCol="0" anchor="ctr"/>
+          <a:lstStyle/>
+          <a:p>
+            <a:pPr algn="ctr"/>
+            <a:r>
+              <a:rPr lang="en-US" sz="1050" dirty="0">
+                <a:solidFill>
+                  <a:schemeClr val="bg1"/>
+                </a:solidFill>
+              </a:rPr>
+              <a:t>&lt;&lt;interface&gt;&gt;</a:t>
+            </a:r>
+          </a:p>
+          <a:p>
+            <a:pPr algn="ctr"/>
+            <a:r>
+              <a:rPr lang="en-US" sz="1050" dirty="0">
+                <a:solidFill>
+                  <a:schemeClr val="bg1"/>
+                </a:solidFill>
+              </a:rPr>
+              <a:t>Model</a:t>
+            </a:r>
+            <a:endParaRPr lang="en-SG" sz="1050" dirty="0">
+              <a:solidFill>
+                <a:schemeClr val="bg1"/>
+              </a:solidFill>
+            </a:endParaRPr>
+          </a:p>
+        </p:txBody>
+      </p:sp>
+      <p:sp>
+        <p:nvSpPr>
+          <p:cNvPr id="120" name="Isosceles Triangle 102"/>
+          <p:cNvSpPr/>
+          <p:nvPr/>
+        </p:nvSpPr>
+        <p:spPr>
+          <a:xfrm rot="16200000">
+            <a:off x="1609773" y="2293727"/>
+            <a:ext cx="270504" cy="175523"/>
+          </a:xfrm>
+          <a:prstGeom prst="triangle">
+            <a:avLst/>
+          </a:prstGeom>
+          <a:solidFill>
+            <a:srgbClr val="7030A0"/>
+          </a:solidFill>
+          <a:ln w="19050">
+            <a:solidFill>
+              <a:srgbClr val="7030A0"/>
+            </a:solidFill>
+          </a:ln>
+          <a:effectLst/>
+        </p:spPr>
+        <p:style>
+          <a:lnRef idx="1">
+            <a:schemeClr val="accent6"/>
+          </a:lnRef>
+          <a:fillRef idx="2">
+            <a:schemeClr val="accent6"/>
+          </a:fillRef>
+          <a:effectRef idx="1">
+            <a:schemeClr val="accent6"/>
+          </a:effectRef>
+          <a:fontRef idx="minor">
+            <a:schemeClr val="dk1"/>
+          </a:fontRef>
+        </p:style>
+        <p:txBody>
+          <a:bodyPr rtlCol="0" anchor="ctr"/>
+          <a:lstStyle/>
+          <a:p>
+            <a:pPr algn="ctr"/>
+            <a:endParaRPr lang="en-SG" sz="1050"/>
+          </a:p>
+        </p:txBody>
+      </p:sp>
+      <p:cxnSp>
+        <p:nvCxnSpPr>
+          <p:cNvPr id="58" name="Straight Arrow Connector 57"/>
+          <p:cNvCxnSpPr>
+            <a:stCxn id="42" idx="3"/>
+            <a:endCxn id="2" idx="1"/>
+          </p:cNvCxnSpPr>
+          <p:nvPr/>
+        </p:nvCxnSpPr>
+        <p:spPr>
+          <a:xfrm>
+            <a:off x="2639233" y="2667972"/>
+            <a:ext cx="167330" cy="5284"/>
+          </a:xfrm>
+          <a:prstGeom prst="straightConnector1">
+            <a:avLst/>
+          </a:prstGeom>
+          <a:ln w="19050">
+            <a:solidFill>
+              <a:srgbClr val="7030A0"/>
+            </a:solidFill>
+            <a:headEnd type="none" w="med" len="med"/>
+            <a:tailEnd type="arrow" w="med" len="med"/>
+          </a:ln>
+          <a:effectLst/>
+        </p:spPr>
+        <p:style>
+          <a:lnRef idx="1">
+            <a:schemeClr val="accent2"/>
+          </a:lnRef>
+          <a:fillRef idx="2">
+            <a:schemeClr val="accent2"/>
+          </a:fillRef>
+          <a:effectRef idx="1">
+            <a:schemeClr val="accent2"/>
+          </a:effectRef>
+          <a:fontRef idx="minor">
+            <a:schemeClr val="dk1"/>
+          </a:fontRef>
+        </p:style>
+      </p:cxnSp>
+      <p:cxnSp>
+        <p:nvCxnSpPr>
+          <p:cNvPr id="75" name="Elbow Connector 122"/>
+          <p:cNvCxnSpPr>
+            <a:cxnSpLocks/>
+          </p:cNvCxnSpPr>
+          <p:nvPr/>
+        </p:nvCxnSpPr>
+        <p:spPr>
+          <a:xfrm>
+            <a:off x="1038789" y="2383503"/>
+            <a:ext cx="273713" cy="846"/>
+          </a:xfrm>
+          <a:prstGeom prst="bentConnector3">
+            <a:avLst>
+              <a:gd name="adj1" fmla="val 50000"/>
+            </a:avLst>
+          </a:prstGeom>
+          <a:ln w="19050">
+            <a:solidFill>
+              <a:schemeClr val="bg1">
+                <a:lumMod val="75000"/>
+              </a:schemeClr>
+            </a:solidFill>
+            <a:prstDash val="sysDot"/>
+            <a:headEnd type="none" w="med" len="med"/>
+            <a:tailEnd type="arrow" w="med" len="med"/>
+          </a:ln>
+          <a:effectLst/>
+        </p:spPr>
+        <p:style>
+          <a:lnRef idx="1">
+            <a:schemeClr val="accent2"/>
+          </a:lnRef>
+          <a:fillRef idx="2">
+            <a:schemeClr val="accent2"/>
+          </a:fillRef>
+          <a:effectRef idx="1">
+            <a:schemeClr val="accent2"/>
+          </a:effectRef>
+          <a:fontRef idx="minor">
+            <a:schemeClr val="dk1"/>
+          </a:fontRef>
+        </p:style>
+      </p:cxnSp>
+      <p:cxnSp>
+        <p:nvCxnSpPr>
+          <p:cNvPr id="21" name="Straight Connector 20"/>
+          <p:cNvCxnSpPr>
+            <a:stCxn id="120" idx="3"/>
+          </p:cNvCxnSpPr>
+          <p:nvPr/>
+        </p:nvCxnSpPr>
+        <p:spPr>
+          <a:xfrm flipV="1">
+            <a:off x="1832787" y="2381488"/>
+            <a:ext cx="216105" cy="1"/>
+          </a:xfrm>
+          <a:prstGeom prst="line">
+            <a:avLst/>
+          </a:prstGeom>
+          <a:ln w="19050">
+            <a:solidFill>
+              <a:srgbClr val="7030A0"/>
+            </a:solidFill>
+            <a:prstDash val="sysDot"/>
+            <a:headEnd type="none" w="med" len="med"/>
+            <a:tailEnd type="none" w="med" len="med"/>
+          </a:ln>
+          <a:effectLst/>
+        </p:spPr>
+        <p:style>
+          <a:lnRef idx="1">
+            <a:schemeClr val="accent2"/>
+          </a:lnRef>
+          <a:fillRef idx="2">
+            <a:schemeClr val="accent2"/>
+          </a:fillRef>
+          <a:effectRef idx="1">
+            <a:schemeClr val="accent2"/>
+          </a:effectRef>
+          <a:fontRef idx="minor">
+            <a:schemeClr val="dk1"/>
+          </a:fontRef>
+        </p:style>
+      </p:cxnSp>
+      <p:sp>
+        <p:nvSpPr>
+          <p:cNvPr id="42" name="Flowchart: Decision 96"/>
+          <p:cNvSpPr/>
+          <p:nvPr/>
+        </p:nvSpPr>
+        <p:spPr>
+          <a:xfrm>
+            <a:off x="2403185" y="2581282"/>
+            <a:ext cx="236048" cy="173380"/>
+          </a:xfrm>
+          <a:prstGeom prst="flowChartDecision">
+            <a:avLst/>
+          </a:prstGeom>
+          <a:noFill/>
+          <a:ln w="19050">
+            <a:solidFill>
+              <a:srgbClr val="7030A0"/>
+            </a:solidFill>
+          </a:ln>
+          <a:effectLst/>
+        </p:spPr>
+        <p:style>
+          <a:lnRef idx="1">
+            <a:schemeClr val="accent6"/>
+          </a:lnRef>
+          <a:fillRef idx="2">
+            <a:schemeClr val="accent6"/>
+          </a:fillRef>
+          <a:effectRef idx="1">
+            <a:schemeClr val="accent6"/>
+          </a:effectRef>
+          <a:fontRef idx="minor">
+            <a:schemeClr val="dk1"/>
+          </a:fontRef>
+        </p:style>
+        <p:txBody>
+          <a:bodyPr rtlCol="0" anchor="ctr"/>
+          <a:lstStyle/>
+          <a:p>
+            <a:pPr algn="ctr"/>
+            <a:endParaRPr lang="en-US" sz="1050"/>
+          </a:p>
+        </p:txBody>
+      </p:sp>
+      <p:sp>
+        <p:nvSpPr>
+          <p:cNvPr id="46" name="Rectangle 8"/>
+          <p:cNvSpPr/>
+          <p:nvPr/>
+        </p:nvSpPr>
+        <p:spPr>
+          <a:xfrm>
+            <a:off x="2808873" y="1968856"/>
+            <a:ext cx="1093635" cy="346760"/>
+          </a:xfrm>
+          <a:prstGeom prst="rect">
+            <a:avLst/>
+          </a:prstGeom>
+          <a:ln w="19050">
+            <a:solidFill>
+              <a:srgbClr val="7030A0"/>
+            </a:solidFill>
+          </a:ln>
+          <a:effectLst/>
+        </p:spPr>
+        <p:style>
+          <a:lnRef idx="1">
+            <a:schemeClr val="accent4"/>
+          </a:lnRef>
+          <a:fillRef idx="2">
+            <a:schemeClr val="accent4"/>
+          </a:fillRef>
+          <a:effectRef idx="1">
+            <a:schemeClr val="accent4"/>
+          </a:effectRef>
+          <a:fontRef idx="minor">
+            <a:schemeClr val="dk1"/>
+          </a:fontRef>
+        </p:style>
+        <p:txBody>
+          <a:bodyPr rtlCol="0" anchor="ctr"/>
+          <a:lstStyle/>
+          <a:p>
+            <a:pPr algn="ctr"/>
+            <a:r>
+              <a:rPr lang="en-US" sz="1050" dirty="0" err="1">
+                <a:solidFill>
+                  <a:srgbClr val="7030A0"/>
+                </a:solidFill>
+              </a:rPr>
+              <a:t>EntryBook</a:t>
+            </a:r>
+            <a:endParaRPr lang="en-SG" sz="1050" dirty="0">
+              <a:solidFill>
+                <a:srgbClr val="7030A0"/>
+              </a:solidFill>
+            </a:endParaRPr>
+          </a:p>
+        </p:txBody>
+      </p:sp>
+      <p:cxnSp>
+        <p:nvCxnSpPr>
+          <p:cNvPr id="47" name="Straight Arrow Connector 46"/>
+          <p:cNvCxnSpPr>
+            <a:stCxn id="48" idx="3"/>
+            <a:endCxn id="46" idx="1"/>
+          </p:cNvCxnSpPr>
+          <p:nvPr/>
+        </p:nvCxnSpPr>
+        <p:spPr>
+          <a:xfrm>
+            <a:off x="2641543" y="2136952"/>
+            <a:ext cx="167330" cy="5284"/>
+          </a:xfrm>
+          <a:prstGeom prst="straightConnector1">
+            <a:avLst/>
+          </a:prstGeom>
+          <a:ln w="19050">
+            <a:solidFill>
+              <a:srgbClr val="7030A0"/>
+            </a:solidFill>
+            <a:headEnd type="none" w="med" len="med"/>
+            <a:tailEnd type="arrow" w="med" len="med"/>
+          </a:ln>
+          <a:effectLst/>
+        </p:spPr>
+        <p:style>
+          <a:lnRef idx="1">
+            <a:schemeClr val="accent2"/>
+          </a:lnRef>
+          <a:fillRef idx="2">
+            <a:schemeClr val="accent2"/>
+          </a:fillRef>
+          <a:effectRef idx="1">
+            <a:schemeClr val="accent2"/>
+          </a:effectRef>
+          <a:fontRef idx="minor">
+            <a:schemeClr val="dk1"/>
+          </a:fontRef>
+        </p:style>
+      </p:cxnSp>
+      <p:sp>
+        <p:nvSpPr>
+          <p:cNvPr id="48" name="Flowchart: Decision 96"/>
+          <p:cNvSpPr/>
+          <p:nvPr/>
+        </p:nvSpPr>
+        <p:spPr>
+          <a:xfrm>
+            <a:off x="2405495" y="2050262"/>
+            <a:ext cx="236048" cy="173380"/>
+          </a:xfrm>
+          <a:prstGeom prst="flowChartDecision">
+            <a:avLst/>
+          </a:prstGeom>
+          <a:noFill/>
+          <a:ln w="19050">
+            <a:solidFill>
+              <a:srgbClr val="7030A0"/>
+            </a:solidFill>
+          </a:ln>
+          <a:effectLst/>
+        </p:spPr>
+        <p:style>
+          <a:lnRef idx="1">
+            <a:schemeClr val="accent6"/>
+          </a:lnRef>
+          <a:fillRef idx="2">
+            <a:schemeClr val="accent6"/>
+          </a:fillRef>
+          <a:effectRef idx="1">
+            <a:schemeClr val="accent6"/>
+          </a:effectRef>
+          <a:fontRef idx="minor">
+            <a:schemeClr val="dk1"/>
+          </a:fontRef>
+        </p:style>
+        <p:txBody>
+          <a:bodyPr rtlCol="0" anchor="ctr"/>
+          <a:lstStyle/>
+          <a:p>
+            <a:pPr algn="ctr"/>
+            <a:endParaRPr lang="en-US" sz="1050"/>
+          </a:p>
+        </p:txBody>
+      </p:sp>
+      <p:sp>
+        <p:nvSpPr>
+          <p:cNvPr id="49" name="Rectangle 8"/>
+          <p:cNvSpPr/>
+          <p:nvPr/>
+        </p:nvSpPr>
+        <p:spPr>
+          <a:xfrm>
+            <a:off x="4829662" y="1708053"/>
+            <a:ext cx="1156969" cy="515590"/>
+          </a:xfrm>
+          <a:prstGeom prst="rect">
+            <a:avLst/>
+          </a:prstGeom>
+          <a:ln w="19050">
+            <a:solidFill>
+              <a:srgbClr val="7030A0"/>
+            </a:solidFill>
+          </a:ln>
+          <a:effectLst/>
+        </p:spPr>
+        <p:style>
+          <a:lnRef idx="1">
+            <a:schemeClr val="accent4"/>
+          </a:lnRef>
+          <a:fillRef idx="2">
+            <a:schemeClr val="accent4"/>
+          </a:fillRef>
+          <a:effectRef idx="1">
+            <a:schemeClr val="accent4"/>
+          </a:effectRef>
+          <a:fontRef idx="minor">
+            <a:schemeClr val="dk1"/>
+          </a:fontRef>
+        </p:style>
+        <p:txBody>
+          <a:bodyPr rtlCol="0" anchor="ctr"/>
+          <a:lstStyle/>
+          <a:p>
+            <a:pPr algn="ctr"/>
+            <a:r>
+              <a:rPr lang="en-US" sz="1050" dirty="0" err="1">
+                <a:solidFill>
+                  <a:srgbClr val="7030A0"/>
+                </a:solidFill>
+              </a:rPr>
+              <a:t>ActiveList</a:t>
+            </a:r>
+            <a:endParaRPr lang="en-SG" sz="1050" dirty="0">
+              <a:solidFill>
+                <a:srgbClr val="7030A0"/>
+              </a:solidFill>
+            </a:endParaRPr>
+          </a:p>
+        </p:txBody>
+      </p:sp>
+      <p:sp>
+        <p:nvSpPr>
+          <p:cNvPr id="51" name="Flowchart: Decision 96"/>
+          <p:cNvSpPr/>
+          <p:nvPr/>
+        </p:nvSpPr>
+        <p:spPr>
+          <a:xfrm>
+            <a:off x="3917173" y="2070782"/>
+            <a:ext cx="236048" cy="173380"/>
+          </a:xfrm>
+          <a:prstGeom prst="flowChartDecision">
+            <a:avLst/>
+          </a:prstGeom>
+          <a:solidFill>
+            <a:srgbClr val="7030A0"/>
+          </a:solidFill>
+          <a:ln w="19050">
+            <a:solidFill>
+              <a:srgbClr val="7030A0"/>
+            </a:solidFill>
+          </a:ln>
+          <a:effectLst/>
+        </p:spPr>
+        <p:style>
+          <a:lnRef idx="1">
+            <a:schemeClr val="accent6"/>
+          </a:lnRef>
+          <a:fillRef idx="2">
+            <a:schemeClr val="accent6"/>
+          </a:fillRef>
+          <a:effectRef idx="1">
+            <a:schemeClr val="accent6"/>
+          </a:effectRef>
+          <a:fontRef idx="minor">
+            <a:schemeClr val="dk1"/>
+          </a:fontRef>
+        </p:style>
+        <p:txBody>
+          <a:bodyPr rtlCol="0" anchor="ctr"/>
+          <a:lstStyle/>
+          <a:p>
+            <a:pPr algn="ctr"/>
+            <a:endParaRPr lang="en-US" sz="1050"/>
+          </a:p>
+        </p:txBody>
+      </p:sp>
+      <p:cxnSp>
+        <p:nvCxnSpPr>
+          <p:cNvPr id="30" name="Elbow Connector 29"/>
+          <p:cNvCxnSpPr>
+            <a:cxnSpLocks/>
+            <a:stCxn id="51" idx="3"/>
+          </p:cNvCxnSpPr>
+          <p:nvPr/>
+        </p:nvCxnSpPr>
+        <p:spPr>
+          <a:xfrm flipV="1">
+            <a:off x="4153221" y="1815473"/>
+            <a:ext cx="678824" cy="341999"/>
+          </a:xfrm>
+          <a:prstGeom prst="bentConnector3">
+            <a:avLst/>
+          </a:prstGeom>
+          <a:ln w="19050">
+            <a:solidFill>
+              <a:srgbClr val="7030A0"/>
+            </a:solidFill>
+            <a:headEnd type="none" w="med" len="med"/>
+            <a:tailEnd type="arrow" w="med" len="med"/>
+          </a:ln>
+          <a:effectLst/>
+        </p:spPr>
+        <p:style>
+          <a:lnRef idx="1">
+            <a:schemeClr val="accent2"/>
+          </a:lnRef>
+          <a:fillRef idx="2">
+            <a:schemeClr val="accent2"/>
+          </a:fillRef>
+          <a:effectRef idx="1">
+            <a:schemeClr val="accent2"/>
+          </a:effectRef>
+          <a:fontRef idx="minor">
+            <a:schemeClr val="dk1"/>
+          </a:fontRef>
+        </p:style>
+      </p:cxnSp>
+      <p:sp>
+        <p:nvSpPr>
+          <p:cNvPr id="57" name="Rectangle 8"/>
+          <p:cNvSpPr/>
+          <p:nvPr/>
+        </p:nvSpPr>
+        <p:spPr>
+          <a:xfrm>
+            <a:off x="4832045" y="1267964"/>
+            <a:ext cx="1156969" cy="346760"/>
+          </a:xfrm>
+          <a:prstGeom prst="rect">
+            <a:avLst/>
+          </a:prstGeom>
+          <a:ln w="19050">
+            <a:solidFill>
+              <a:srgbClr val="7030A0"/>
+            </a:solidFill>
+          </a:ln>
+          <a:effectLst/>
+        </p:spPr>
+        <p:style>
+          <a:lnRef idx="1">
+            <a:schemeClr val="accent4"/>
+          </a:lnRef>
+          <a:fillRef idx="2">
+            <a:schemeClr val="accent4"/>
+          </a:fillRef>
+          <a:effectRef idx="1">
+            <a:schemeClr val="accent4"/>
+          </a:effectRef>
+          <a:fontRef idx="minor">
+            <a:schemeClr val="dk1"/>
+          </a:fontRef>
+        </p:style>
+        <p:txBody>
+          <a:bodyPr rtlCol="0" anchor="ctr"/>
+          <a:lstStyle/>
+          <a:p>
+            <a:pPr algn="ctr"/>
+            <a:r>
+              <a:rPr lang="en-US" sz="1050" dirty="0" err="1">
+                <a:solidFill>
+                  <a:srgbClr val="7030A0"/>
+                </a:solidFill>
+              </a:rPr>
+              <a:t>UniqueTagList</a:t>
+            </a:r>
+            <a:endParaRPr lang="en-SG" sz="1050" dirty="0">
+              <a:solidFill>
+                <a:srgbClr val="7030A0"/>
+              </a:solidFill>
+            </a:endParaRPr>
+          </a:p>
+        </p:txBody>
+      </p:sp>
+      <p:cxnSp>
+        <p:nvCxnSpPr>
+          <p:cNvPr id="59" name="Elbow Connector 58"/>
+          <p:cNvCxnSpPr>
+            <a:cxnSpLocks/>
+            <a:stCxn id="51" idx="3"/>
+            <a:endCxn id="57" idx="1"/>
+          </p:cNvCxnSpPr>
+          <p:nvPr/>
+        </p:nvCxnSpPr>
+        <p:spPr>
+          <a:xfrm flipV="1">
+            <a:off x="4153221" y="1441344"/>
+            <a:ext cx="678824" cy="716128"/>
+          </a:xfrm>
+          <a:prstGeom prst="bentConnector3">
+            <a:avLst>
+              <a:gd name="adj1" fmla="val 50000"/>
+            </a:avLst>
+          </a:prstGeom>
+          <a:ln w="19050">
+            <a:solidFill>
+              <a:srgbClr val="7030A0"/>
+            </a:solidFill>
+            <a:headEnd type="none" w="med" len="med"/>
+            <a:tailEnd type="arrow" w="med" len="med"/>
+          </a:ln>
+          <a:effectLst/>
+        </p:spPr>
+        <p:style>
+          <a:lnRef idx="1">
+            <a:schemeClr val="accent2"/>
+          </a:lnRef>
+          <a:fillRef idx="2">
+            <a:schemeClr val="accent2"/>
+          </a:fillRef>
+          <a:effectRef idx="1">
+            <a:schemeClr val="accent2"/>
+          </a:effectRef>
+          <a:fontRef idx="minor">
+            <a:schemeClr val="dk1"/>
+          </a:fontRef>
+        </p:style>
+      </p:cxnSp>
+      <p:sp>
+        <p:nvSpPr>
+          <p:cNvPr id="62" name="Rectangle 8"/>
+          <p:cNvSpPr/>
+          <p:nvPr/>
+        </p:nvSpPr>
+        <p:spPr>
+          <a:xfrm>
+            <a:off x="6529170" y="2057967"/>
+            <a:ext cx="951336" cy="346761"/>
+          </a:xfrm>
+          <a:prstGeom prst="rect">
+            <a:avLst/>
+          </a:prstGeom>
+          <a:ln w="19050">
+            <a:solidFill>
+              <a:srgbClr val="7030A0"/>
+            </a:solidFill>
+          </a:ln>
+          <a:effectLst/>
+        </p:spPr>
+        <p:style>
+          <a:lnRef idx="1">
+            <a:schemeClr val="accent4"/>
+          </a:lnRef>
+          <a:fillRef idx="2">
+            <a:schemeClr val="accent4"/>
+          </a:fillRef>
+          <a:effectRef idx="1">
+            <a:schemeClr val="accent4"/>
+          </a:effectRef>
+          <a:fontRef idx="minor">
+            <a:schemeClr val="dk1"/>
+          </a:fontRef>
+        </p:style>
+        <p:txBody>
+          <a:bodyPr rtlCol="0" anchor="ctr"/>
+          <a:lstStyle/>
+          <a:p>
+            <a:pPr algn="ctr"/>
+            <a:r>
+              <a:rPr lang="en-SG" sz="1050" dirty="0">
+                <a:solidFill>
+                  <a:srgbClr val="7030A0"/>
+                </a:solidFill>
+              </a:rPr>
+              <a:t>{abstract}</a:t>
+            </a:r>
+          </a:p>
+          <a:p>
+            <a:pPr algn="ctr"/>
+            <a:r>
+              <a:rPr lang="en-SG" sz="1050" dirty="0">
+                <a:solidFill>
+                  <a:srgbClr val="7030A0"/>
+                </a:solidFill>
+              </a:rPr>
+              <a:t>Entry</a:t>
+            </a:r>
+          </a:p>
+        </p:txBody>
+      </p:sp>
+      <p:sp>
+        <p:nvSpPr>
+          <p:cNvPr id="63" name="Flowchart: Decision 96"/>
+          <p:cNvSpPr/>
+          <p:nvPr/>
+        </p:nvSpPr>
+        <p:spPr>
+          <a:xfrm>
+            <a:off x="6006879" y="1905000"/>
+            <a:ext cx="236048" cy="173380"/>
+          </a:xfrm>
+          <a:prstGeom prst="flowChartDecision">
+            <a:avLst/>
+          </a:prstGeom>
+          <a:noFill/>
+          <a:ln w="19050">
+            <a:solidFill>
+              <a:srgbClr val="7030A0"/>
+            </a:solidFill>
+          </a:ln>
+          <a:effectLst/>
+        </p:spPr>
+        <p:style>
+          <a:lnRef idx="1">
+            <a:schemeClr val="accent6"/>
+          </a:lnRef>
+          <a:fillRef idx="2">
+            <a:schemeClr val="accent6"/>
+          </a:fillRef>
+          <a:effectRef idx="1">
+            <a:schemeClr val="accent6"/>
+          </a:effectRef>
+          <a:fontRef idx="minor">
+            <a:schemeClr val="dk1"/>
+          </a:fontRef>
+        </p:style>
+        <p:txBody>
+          <a:bodyPr rtlCol="0" anchor="ctr"/>
+          <a:lstStyle/>
+          <a:p>
+            <a:pPr algn="ctr"/>
+            <a:endParaRPr lang="en-US" sz="1050"/>
+          </a:p>
+        </p:txBody>
+      </p:sp>
+      <p:cxnSp>
+        <p:nvCxnSpPr>
+          <p:cNvPr id="64" name="Elbow Connector 63"/>
+          <p:cNvCxnSpPr>
+            <a:cxnSpLocks/>
+            <a:stCxn id="63" idx="3"/>
+            <a:endCxn id="62" idx="1"/>
+          </p:cNvCxnSpPr>
+          <p:nvPr/>
+        </p:nvCxnSpPr>
+        <p:spPr>
+          <a:xfrm>
+            <a:off x="6242927" y="1991690"/>
+            <a:ext cx="286243" cy="239658"/>
+          </a:xfrm>
+          <a:prstGeom prst="bentConnector3">
+            <a:avLst/>
+          </a:prstGeom>
+          <a:ln w="19050">
+            <a:solidFill>
+              <a:srgbClr val="7030A0"/>
+            </a:solidFill>
+            <a:headEnd type="none" w="med" len="med"/>
+            <a:tailEnd type="arrow" w="med" len="med"/>
+          </a:ln>
+          <a:effectLst/>
+        </p:spPr>
+        <p:style>
+          <a:lnRef idx="1">
+            <a:schemeClr val="accent2"/>
+          </a:lnRef>
+          <a:fillRef idx="2">
+            <a:schemeClr val="accent2"/>
+          </a:fillRef>
+          <a:effectRef idx="1">
+            <a:schemeClr val="accent2"/>
+          </a:effectRef>
+          <a:fontRef idx="minor">
+            <a:schemeClr val="dk1"/>
+          </a:fontRef>
+        </p:style>
+      </p:cxnSp>
+      <p:sp>
+        <p:nvSpPr>
+          <p:cNvPr id="67" name="Rectangle 8"/>
+          <p:cNvSpPr/>
+          <p:nvPr/>
+        </p:nvSpPr>
+        <p:spPr>
+          <a:xfrm>
+            <a:off x="5705589" y="796727"/>
+            <a:ext cx="483700" cy="346760"/>
+          </a:xfrm>
+          <a:prstGeom prst="rect">
+            <a:avLst/>
+          </a:prstGeom>
+          <a:ln w="19050">
+            <a:solidFill>
+              <a:srgbClr val="7030A0"/>
+            </a:solidFill>
+          </a:ln>
+          <a:effectLst/>
+        </p:spPr>
+        <p:style>
+          <a:lnRef idx="1">
+            <a:schemeClr val="accent4"/>
+          </a:lnRef>
+          <a:fillRef idx="2">
+            <a:schemeClr val="accent4"/>
+          </a:fillRef>
+          <a:effectRef idx="1">
+            <a:schemeClr val="accent4"/>
+          </a:effectRef>
+          <a:fontRef idx="minor">
+            <a:schemeClr val="dk1"/>
+          </a:fontRef>
+        </p:style>
+        <p:txBody>
+          <a:bodyPr rtlCol="0" anchor="ctr"/>
+          <a:lstStyle/>
+          <a:p>
+            <a:pPr algn="ctr"/>
+            <a:r>
+              <a:rPr lang="en-US" sz="1050" dirty="0">
+                <a:solidFill>
+                  <a:srgbClr val="7030A0"/>
+                </a:solidFill>
+              </a:rPr>
+              <a:t>Tag</a:t>
+            </a:r>
+            <a:endParaRPr lang="en-SG" sz="1050" dirty="0">
+              <a:solidFill>
+                <a:srgbClr val="7030A0"/>
+              </a:solidFill>
+            </a:endParaRPr>
+          </a:p>
+        </p:txBody>
+      </p:sp>
+      <p:sp>
+        <p:nvSpPr>
+          <p:cNvPr id="68" name="Flowchart: Decision 96"/>
+          <p:cNvSpPr/>
+          <p:nvPr/>
+        </p:nvSpPr>
+        <p:spPr>
+          <a:xfrm rot="16200000">
+            <a:off x="5291150" y="1053935"/>
+            <a:ext cx="236048" cy="173380"/>
+          </a:xfrm>
+          <a:prstGeom prst="flowChartDecision">
+            <a:avLst/>
+          </a:prstGeom>
+          <a:noFill/>
+          <a:ln w="19050">
+            <a:solidFill>
+              <a:srgbClr val="7030A0"/>
+            </a:solidFill>
+          </a:ln>
+          <a:effectLst/>
+        </p:spPr>
+        <p:style>
+          <a:lnRef idx="1">
+            <a:schemeClr val="accent6"/>
+          </a:lnRef>
+          <a:fillRef idx="2">
+            <a:schemeClr val="accent6"/>
+          </a:fillRef>
+          <a:effectRef idx="1">
+            <a:schemeClr val="accent6"/>
+          </a:effectRef>
+          <a:fontRef idx="minor">
+            <a:schemeClr val="dk1"/>
+          </a:fontRef>
+        </p:style>
+        <p:txBody>
+          <a:bodyPr rtlCol="0" anchor="ctr"/>
+          <a:lstStyle/>
+          <a:p>
+            <a:pPr algn="ctr"/>
+            <a:endParaRPr lang="en-US" sz="1050"/>
+          </a:p>
+        </p:txBody>
+      </p:sp>
+      <p:cxnSp>
+        <p:nvCxnSpPr>
+          <p:cNvPr id="69" name="Elbow Connector 68"/>
+          <p:cNvCxnSpPr>
+            <a:stCxn id="68" idx="3"/>
+            <a:endCxn id="67" idx="1"/>
+          </p:cNvCxnSpPr>
+          <p:nvPr/>
+        </p:nvCxnSpPr>
+        <p:spPr>
+          <a:xfrm rot="5400000" flipH="1" flipV="1">
+            <a:off x="5531134" y="848147"/>
+            <a:ext cx="52494" cy="296415"/>
+          </a:xfrm>
+          <a:prstGeom prst="bentConnector2">
+            <a:avLst/>
+          </a:prstGeom>
+          <a:ln w="19050">
+            <a:solidFill>
+              <a:srgbClr val="7030A0"/>
+            </a:solidFill>
+            <a:headEnd type="none" w="med" len="med"/>
+            <a:tailEnd type="arrow" w="med" len="med"/>
+          </a:ln>
+          <a:effectLst/>
+        </p:spPr>
+        <p:style>
+          <a:lnRef idx="1">
+            <a:schemeClr val="accent2"/>
+          </a:lnRef>
+          <a:fillRef idx="2">
+            <a:schemeClr val="accent2"/>
+          </a:fillRef>
+          <a:effectRef idx="1">
+            <a:schemeClr val="accent2"/>
+          </a:effectRef>
+          <a:fontRef idx="minor">
+            <a:schemeClr val="dk1"/>
+          </a:fontRef>
+        </p:style>
+      </p:cxnSp>
+      <p:sp>
+        <p:nvSpPr>
+          <p:cNvPr id="72" name="Rectangle 8"/>
+          <p:cNvSpPr/>
+          <p:nvPr/>
+        </p:nvSpPr>
+        <p:spPr>
+          <a:xfrm>
+            <a:off x="2890147" y="3691840"/>
+            <a:ext cx="1045383" cy="346760"/>
+          </a:xfrm>
+          <a:prstGeom prst="rect">
+            <a:avLst/>
+          </a:prstGeom>
+          <a:ln w="19050">
+            <a:solidFill>
+              <a:srgbClr val="7030A0"/>
+            </a:solidFill>
+          </a:ln>
+          <a:effectLst/>
+        </p:spPr>
+        <p:style>
+          <a:lnRef idx="1">
+            <a:schemeClr val="accent4"/>
+          </a:lnRef>
+          <a:fillRef idx="2">
+            <a:schemeClr val="accent4"/>
+          </a:fillRef>
+          <a:effectRef idx="1">
+            <a:schemeClr val="accent4"/>
+          </a:effectRef>
+          <a:fontRef idx="minor">
+            <a:schemeClr val="dk1"/>
+          </a:fontRef>
+        </p:style>
+        <p:txBody>
+          <a:bodyPr rtlCol="0" anchor="ctr"/>
+          <a:lstStyle/>
+          <a:p>
+            <a:pPr algn="ctr"/>
+            <a:r>
+              <a:rPr lang="en-US" sz="1050" dirty="0">
+                <a:solidFill>
+                  <a:srgbClr val="7030A0"/>
+                </a:solidFill>
+              </a:rPr>
+              <a:t>&lt;&lt;interface&gt;&gt;</a:t>
+            </a:r>
+            <a:br>
+              <a:rPr lang="en-US" sz="1050" dirty="0">
+                <a:solidFill>
+                  <a:srgbClr val="7030A0"/>
+                </a:solidFill>
+              </a:rPr>
+            </a:br>
+            <a:r>
+              <a:rPr lang="en-US" sz="1050" dirty="0" err="1">
+                <a:solidFill>
+                  <a:srgbClr val="7030A0"/>
+                </a:solidFill>
+              </a:rPr>
+              <a:t>ReadOnlyEntry</a:t>
+            </a:r>
+            <a:endParaRPr lang="en-SG" sz="1050" dirty="0">
+              <a:solidFill>
+                <a:srgbClr val="7030A0"/>
+              </a:solidFill>
+            </a:endParaRPr>
+          </a:p>
+        </p:txBody>
+      </p:sp>
+      <p:sp>
+        <p:nvSpPr>
+          <p:cNvPr id="76" name="Rectangle 8"/>
+          <p:cNvSpPr/>
+          <p:nvPr/>
+        </p:nvSpPr>
+        <p:spPr>
+          <a:xfrm>
+            <a:off x="6641977" y="838200"/>
+            <a:ext cx="708186" cy="285783"/>
+          </a:xfrm>
+          <a:prstGeom prst="rect">
+            <a:avLst/>
+          </a:prstGeom>
+          <a:ln w="19050">
+            <a:solidFill>
+              <a:srgbClr val="7030A0"/>
+            </a:solidFill>
+          </a:ln>
+          <a:effectLst/>
+        </p:spPr>
+        <p:style>
+          <a:lnRef idx="1">
+            <a:schemeClr val="accent4"/>
+          </a:lnRef>
+          <a:fillRef idx="2">
+            <a:schemeClr val="accent4"/>
+          </a:fillRef>
+          <a:effectRef idx="1">
+            <a:schemeClr val="accent4"/>
+          </a:effectRef>
+          <a:fontRef idx="minor">
+            <a:schemeClr val="dk1"/>
+          </a:fontRef>
+        </p:style>
+        <p:txBody>
+          <a:bodyPr rtlCol="0" anchor="ctr"/>
+          <a:lstStyle/>
+          <a:p>
+            <a:pPr algn="ctr"/>
+            <a:r>
+              <a:rPr lang="en-US" sz="1050">
+                <a:solidFill>
+                  <a:srgbClr val="7030A0"/>
+                </a:solidFill>
+              </a:rPr>
+              <a:t>Name</a:t>
+            </a:r>
+            <a:endParaRPr lang="en-SG" sz="1050" dirty="0">
+              <a:solidFill>
+                <a:srgbClr val="7030A0"/>
+              </a:solidFill>
+            </a:endParaRPr>
+          </a:p>
+        </p:txBody>
+      </p:sp>
+      <p:sp>
+        <p:nvSpPr>
+          <p:cNvPr id="78" name="Flowchart: Decision 96"/>
+          <p:cNvSpPr/>
+          <p:nvPr/>
+        </p:nvSpPr>
+        <p:spPr>
+          <a:xfrm rot="16200000">
+            <a:off x="6878045" y="1833175"/>
+            <a:ext cx="236048" cy="173380"/>
+          </a:xfrm>
+          <a:prstGeom prst="flowChartDecision">
+            <a:avLst/>
+          </a:prstGeom>
+          <a:solidFill>
+            <a:srgbClr val="7030A0"/>
+          </a:solidFill>
+          <a:ln w="19050">
+            <a:solidFill>
+              <a:srgbClr val="7030A0"/>
+            </a:solidFill>
+          </a:ln>
+          <a:effectLst/>
+        </p:spPr>
+        <p:style>
+          <a:lnRef idx="1">
+            <a:schemeClr val="accent6"/>
+          </a:lnRef>
+          <a:fillRef idx="2">
+            <a:schemeClr val="accent6"/>
+          </a:fillRef>
+          <a:effectRef idx="1">
+            <a:schemeClr val="accent6"/>
+          </a:effectRef>
+          <a:fontRef idx="minor">
+            <a:schemeClr val="dk1"/>
+          </a:fontRef>
+        </p:style>
+        <p:txBody>
+          <a:bodyPr rtlCol="0" anchor="ctr"/>
+          <a:lstStyle/>
+          <a:p>
+            <a:pPr algn="ctr"/>
+            <a:endParaRPr lang="en-US" sz="1050"/>
+          </a:p>
+        </p:txBody>
+      </p:sp>
+      <p:cxnSp>
+        <p:nvCxnSpPr>
+          <p:cNvPr id="79" name="Elbow Connector 78"/>
+          <p:cNvCxnSpPr>
+            <a:cxnSpLocks/>
+            <a:stCxn id="78" idx="3"/>
+            <a:endCxn id="76" idx="2"/>
+          </p:cNvCxnSpPr>
+          <p:nvPr/>
+        </p:nvCxnSpPr>
+        <p:spPr>
+          <a:xfrm rot="5400000" flipH="1" flipV="1">
+            <a:off x="6657140" y="1462912"/>
+            <a:ext cx="677858" cy="1"/>
+          </a:xfrm>
+          <a:prstGeom prst="bentConnector3">
+            <a:avLst>
+              <a:gd name="adj1" fmla="val 50000"/>
+            </a:avLst>
+          </a:prstGeom>
+          <a:ln w="19050">
+            <a:solidFill>
+              <a:srgbClr val="7030A0"/>
+            </a:solidFill>
+            <a:headEnd type="none" w="med" len="med"/>
+            <a:tailEnd type="arrow" w="med" len="med"/>
+          </a:ln>
+          <a:effectLst/>
+        </p:spPr>
+        <p:style>
+          <a:lnRef idx="1">
+            <a:schemeClr val="accent2"/>
+          </a:lnRef>
+          <a:fillRef idx="2">
+            <a:schemeClr val="accent2"/>
+          </a:fillRef>
+          <a:effectRef idx="1">
+            <a:schemeClr val="accent2"/>
+          </a:effectRef>
+          <a:fontRef idx="minor">
+            <a:schemeClr val="dk1"/>
+          </a:fontRef>
+        </p:style>
+      </p:cxnSp>
+      <p:cxnSp>
+        <p:nvCxnSpPr>
+          <p:cNvPr id="97" name="Elbow Connector 63"/>
+          <p:cNvCxnSpPr>
+            <a:cxnSpLocks/>
+            <a:stCxn id="99" idx="3"/>
+            <a:endCxn id="46" idx="0"/>
+          </p:cNvCxnSpPr>
+          <p:nvPr/>
+        </p:nvCxnSpPr>
+        <p:spPr>
+          <a:xfrm rot="16200000" flipH="1">
+            <a:off x="3304062" y="1917226"/>
+            <a:ext cx="103181" cy="78"/>
+          </a:xfrm>
+          <a:prstGeom prst="bentConnector3">
+            <a:avLst>
+              <a:gd name="adj1" fmla="val 50000"/>
+            </a:avLst>
+          </a:prstGeom>
+          <a:ln w="19050">
+            <a:solidFill>
+              <a:srgbClr val="7030A0"/>
+            </a:solidFill>
+            <a:prstDash val="sysDot"/>
+            <a:headEnd type="none" w="med" len="med"/>
+            <a:tailEnd type="none" w="med" len="med"/>
+          </a:ln>
+          <a:effectLst/>
+        </p:spPr>
+        <p:style>
+          <a:lnRef idx="1">
+            <a:schemeClr val="accent2"/>
+          </a:lnRef>
+          <a:fillRef idx="2">
+            <a:schemeClr val="accent2"/>
+          </a:fillRef>
+          <a:effectRef idx="1">
+            <a:schemeClr val="accent2"/>
+          </a:effectRef>
+          <a:fontRef idx="minor">
+            <a:schemeClr val="dk1"/>
+          </a:fontRef>
+        </p:style>
+      </p:cxnSp>
+      <p:sp>
+        <p:nvSpPr>
+          <p:cNvPr id="99" name="Isosceles Triangle 102"/>
+          <p:cNvSpPr/>
+          <p:nvPr/>
+        </p:nvSpPr>
+        <p:spPr>
+          <a:xfrm rot="10800000" flipV="1">
+            <a:off x="3220361" y="1690152"/>
+            <a:ext cx="270504" cy="175523"/>
+          </a:xfrm>
+          <a:prstGeom prst="triangle">
+            <a:avLst/>
+          </a:prstGeom>
+          <a:ln w="19050">
+            <a:solidFill>
+              <a:srgbClr val="7030A0"/>
+            </a:solidFill>
+          </a:ln>
+          <a:effectLst/>
+        </p:spPr>
+        <p:style>
+          <a:lnRef idx="1">
+            <a:schemeClr val="accent4"/>
+          </a:lnRef>
+          <a:fillRef idx="2">
+            <a:schemeClr val="accent4"/>
+          </a:fillRef>
+          <a:effectRef idx="1">
+            <a:schemeClr val="accent4"/>
+          </a:effectRef>
+          <a:fontRef idx="minor">
+            <a:schemeClr val="dk1"/>
+          </a:fontRef>
+        </p:style>
+        <p:txBody>
+          <a:bodyPr rtlCol="0" anchor="ctr"/>
+          <a:lstStyle/>
+          <a:p>
+            <a:pPr algn="ctr"/>
+            <a:endParaRPr lang="en-SG" sz="1050" b="1">
+              <a:solidFill>
+                <a:srgbClr val="92D050"/>
+              </a:solidFill>
+            </a:endParaRPr>
+          </a:p>
+        </p:txBody>
+      </p:sp>
+      <p:sp>
+        <p:nvSpPr>
+          <p:cNvPr id="100" name="Rectangle 8"/>
+          <p:cNvSpPr/>
+          <p:nvPr/>
+        </p:nvSpPr>
+        <p:spPr>
+          <a:xfrm>
+            <a:off x="2589686" y="1329640"/>
+            <a:ext cx="1539926" cy="346760"/>
+          </a:xfrm>
+          <a:prstGeom prst="rect">
+            <a:avLst/>
+          </a:prstGeom>
+          <a:ln w="19050">
+            <a:solidFill>
+              <a:srgbClr val="7030A0"/>
+            </a:solidFill>
+          </a:ln>
+          <a:effectLst/>
+        </p:spPr>
+        <p:style>
+          <a:lnRef idx="1">
+            <a:schemeClr val="accent4"/>
+          </a:lnRef>
+          <a:fillRef idx="2">
+            <a:schemeClr val="accent4"/>
+          </a:fillRef>
+          <a:effectRef idx="1">
+            <a:schemeClr val="accent4"/>
+          </a:effectRef>
+          <a:fontRef idx="minor">
+            <a:schemeClr val="dk1"/>
+          </a:fontRef>
+        </p:style>
+        <p:txBody>
+          <a:bodyPr rtlCol="0" anchor="ctr"/>
+          <a:lstStyle/>
+          <a:p>
+            <a:pPr algn="ctr"/>
+            <a:r>
+              <a:rPr lang="en-US" sz="1050" dirty="0">
+                <a:solidFill>
+                  <a:srgbClr val="7030A0"/>
+                </a:solidFill>
+              </a:rPr>
+              <a:t>&lt;&lt;interface&gt;&gt;</a:t>
+            </a:r>
+            <a:br>
+              <a:rPr lang="en-US" sz="1050" dirty="0">
+                <a:solidFill>
+                  <a:srgbClr val="7030A0"/>
+                </a:solidFill>
+              </a:rPr>
+            </a:br>
+            <a:r>
+              <a:rPr lang="en-US" sz="1050" dirty="0" err="1">
+                <a:solidFill>
+                  <a:srgbClr val="7030A0"/>
+                </a:solidFill>
+              </a:rPr>
+              <a:t>ReadOnlyEntryBook</a:t>
+            </a:r>
+            <a:endParaRPr lang="en-SG" sz="1050" dirty="0">
+              <a:solidFill>
+                <a:srgbClr val="7030A0"/>
+              </a:solidFill>
+            </a:endParaRPr>
+          </a:p>
+        </p:txBody>
+      </p:sp>
+      <p:sp>
+        <p:nvSpPr>
+          <p:cNvPr id="114" name="TextBox 113"/>
+          <p:cNvSpPr txBox="1"/>
+          <p:nvPr/>
+        </p:nvSpPr>
+        <p:spPr>
+          <a:xfrm rot="16200000">
+            <a:off x="1642329" y="3357704"/>
+            <a:ext cx="881018" cy="261610"/>
+          </a:xfrm>
+          <a:prstGeom prst="rect">
+            <a:avLst/>
+          </a:prstGeom>
+          <a:noFill/>
+        </p:spPr>
+        <p:txBody>
+          <a:bodyPr wrap="square" rtlCol="0">
+            <a:spAutoFit/>
+          </a:bodyPr>
+          <a:lstStyle/>
+          <a:p>
+            <a:pPr algn="r"/>
+            <a:r>
+              <a:rPr lang="en-US" sz="1100" dirty="0">
+                <a:solidFill>
+                  <a:srgbClr val="7030A0"/>
+                </a:solidFill>
+              </a:rPr>
+              <a:t>filtered list</a:t>
+            </a:r>
+            <a:endParaRPr lang="en-SG" sz="1100" dirty="0">
+              <a:solidFill>
+                <a:srgbClr val="7030A0"/>
+              </a:solidFill>
+            </a:endParaRPr>
+          </a:p>
+        </p:txBody>
+      </p:sp>
+      <p:sp>
+        <p:nvSpPr>
+          <p:cNvPr id="122" name="Rectangle 8"/>
+          <p:cNvSpPr/>
+          <p:nvPr/>
+        </p:nvSpPr>
+        <p:spPr>
+          <a:xfrm>
+            <a:off x="2343612" y="860095"/>
+            <a:ext cx="1775949" cy="346760"/>
+          </a:xfrm>
+          <a:prstGeom prst="rect">
+            <a:avLst/>
+          </a:prstGeom>
+          <a:ln w="19050">
+            <a:solidFill>
+              <a:srgbClr val="7030A0"/>
+            </a:solidFill>
+          </a:ln>
+          <a:effectLst/>
+        </p:spPr>
+        <p:style>
+          <a:lnRef idx="1">
+            <a:schemeClr val="accent4"/>
+          </a:lnRef>
+          <a:fillRef idx="2">
+            <a:schemeClr val="accent4"/>
+          </a:fillRef>
+          <a:effectRef idx="1">
+            <a:schemeClr val="accent4"/>
+          </a:effectRef>
+          <a:fontRef idx="minor">
+            <a:schemeClr val="dk1"/>
+          </a:fontRef>
+        </p:style>
+        <p:txBody>
+          <a:bodyPr rtlCol="0" anchor="ctr"/>
+          <a:lstStyle/>
+          <a:p>
+            <a:pPr algn="ctr"/>
+            <a:r>
+              <a:rPr lang="en-US" sz="1050" dirty="0">
+                <a:solidFill>
+                  <a:srgbClr val="7030A0"/>
+                </a:solidFill>
+              </a:rPr>
+              <a:t>&lt;&lt;interface&gt;&gt;</a:t>
+            </a:r>
+            <a:br>
+              <a:rPr lang="en-US" sz="1050" dirty="0">
+                <a:solidFill>
+                  <a:srgbClr val="7030A0"/>
+                </a:solidFill>
+              </a:rPr>
+            </a:br>
+            <a:r>
+              <a:rPr lang="en-US" sz="1050" dirty="0" err="1">
+                <a:solidFill>
+                  <a:srgbClr val="7030A0"/>
+                </a:solidFill>
+              </a:rPr>
+              <a:t>UnmodifiableObservableList</a:t>
+            </a:r>
+            <a:endParaRPr lang="en-SG" sz="1050" dirty="0">
+              <a:solidFill>
+                <a:srgbClr val="7030A0"/>
+              </a:solidFill>
+            </a:endParaRPr>
+          </a:p>
+        </p:txBody>
+      </p:sp>
+      <p:cxnSp>
+        <p:nvCxnSpPr>
+          <p:cNvPr id="124" name="Elbow Connector 122"/>
+          <p:cNvCxnSpPr>
+            <a:cxnSpLocks/>
+            <a:stCxn id="119" idx="3"/>
+            <a:endCxn id="122" idx="1"/>
+          </p:cNvCxnSpPr>
+          <p:nvPr/>
+        </p:nvCxnSpPr>
+        <p:spPr>
+          <a:xfrm rot="5400000" flipH="1" flipV="1">
+            <a:off x="1516884" y="1002473"/>
+            <a:ext cx="795726" cy="857730"/>
+          </a:xfrm>
+          <a:prstGeom prst="bentConnector2">
+            <a:avLst/>
+          </a:prstGeom>
+          <a:ln w="19050">
+            <a:solidFill>
+              <a:srgbClr val="7030A0"/>
+            </a:solidFill>
+            <a:prstDash val="sysDot"/>
+            <a:headEnd type="none" w="med" len="med"/>
+            <a:tailEnd type="arrow" w="med" len="med"/>
+          </a:ln>
+          <a:effectLst/>
+        </p:spPr>
+        <p:style>
+          <a:lnRef idx="1">
+            <a:schemeClr val="accent2"/>
+          </a:lnRef>
+          <a:fillRef idx="2">
+            <a:schemeClr val="accent2"/>
+          </a:fillRef>
+          <a:effectRef idx="1">
+            <a:schemeClr val="accent2"/>
+          </a:effectRef>
+          <a:fontRef idx="minor">
+            <a:schemeClr val="dk1"/>
+          </a:fontRef>
+        </p:style>
+      </p:cxnSp>
+      <p:cxnSp>
+        <p:nvCxnSpPr>
+          <p:cNvPr id="50" name="Elbow Connector 49"/>
+          <p:cNvCxnSpPr>
+            <a:cxnSpLocks/>
+            <a:stCxn id="78" idx="3"/>
+            <a:endCxn id="57" idx="3"/>
+          </p:cNvCxnSpPr>
+          <p:nvPr/>
+        </p:nvCxnSpPr>
+        <p:spPr>
+          <a:xfrm rot="16200000" flipV="1">
+            <a:off x="6312294" y="1118065"/>
+            <a:ext cx="360497" cy="1007055"/>
+          </a:xfrm>
+          <a:prstGeom prst="bentConnector2">
+            <a:avLst/>
+          </a:prstGeom>
+          <a:ln w="19050">
+            <a:solidFill>
+              <a:srgbClr val="7030A0"/>
+            </a:solidFill>
+            <a:headEnd type="none" w="med" len="med"/>
+            <a:tailEnd type="arrow" w="med" len="med"/>
+          </a:ln>
+          <a:effectLst/>
+        </p:spPr>
+        <p:style>
+          <a:lnRef idx="1">
+            <a:schemeClr val="accent2"/>
+          </a:lnRef>
+          <a:fillRef idx="2">
+            <a:schemeClr val="accent2"/>
+          </a:fillRef>
+          <a:effectRef idx="1">
+            <a:schemeClr val="accent2"/>
+          </a:effectRef>
+          <a:fontRef idx="minor">
+            <a:schemeClr val="dk1"/>
+          </a:fontRef>
+        </p:style>
+      </p:cxnSp>
+      <p:sp>
+        <p:nvSpPr>
+          <p:cNvPr id="11" name="TextBox 10"/>
+          <p:cNvSpPr txBox="1"/>
+          <p:nvPr/>
+        </p:nvSpPr>
+        <p:spPr>
+          <a:xfrm>
+            <a:off x="4564394" y="1224242"/>
+            <a:ext cx="189257" cy="178683"/>
+          </a:xfrm>
+          <a:prstGeom prst="rect">
+            <a:avLst/>
+          </a:prstGeom>
+          <a:noFill/>
+        </p:spPr>
+        <p:txBody>
+          <a:bodyPr wrap="square" lIns="0" tIns="0" rIns="0" bIns="0" rtlCol="0">
+            <a:noAutofit/>
+          </a:bodyPr>
+          <a:lstStyle/>
+          <a:p>
+            <a:pPr algn="ctr"/>
+            <a:r>
+              <a:rPr lang="en-US" sz="1100" dirty="0">
+                <a:solidFill>
+                  <a:srgbClr val="7030A0"/>
+                </a:solidFill>
+              </a:rPr>
+              <a:t>1</a:t>
+            </a:r>
+            <a:endParaRPr lang="en-SG" sz="1100" dirty="0">
+              <a:solidFill>
+                <a:srgbClr val="7030A0"/>
+              </a:solidFill>
+            </a:endParaRPr>
+          </a:p>
+        </p:txBody>
+      </p:sp>
+      <p:sp>
+        <p:nvSpPr>
+          <p:cNvPr id="54" name="TextBox 53"/>
+          <p:cNvSpPr txBox="1"/>
+          <p:nvPr/>
+        </p:nvSpPr>
+        <p:spPr>
+          <a:xfrm>
+            <a:off x="4573055" y="1624714"/>
+            <a:ext cx="189257" cy="178683"/>
+          </a:xfrm>
+          <a:prstGeom prst="rect">
+            <a:avLst/>
+          </a:prstGeom>
+          <a:noFill/>
+        </p:spPr>
+        <p:txBody>
+          <a:bodyPr wrap="square" lIns="0" tIns="0" rIns="0" bIns="0" rtlCol="0">
+            <a:noAutofit/>
+          </a:bodyPr>
+          <a:lstStyle/>
+          <a:p>
+            <a:pPr algn="ctr"/>
+            <a:r>
+              <a:rPr lang="en-US" sz="1100" dirty="0">
+                <a:solidFill>
+                  <a:srgbClr val="7030A0"/>
+                </a:solidFill>
+              </a:rPr>
+              <a:t>1</a:t>
+            </a:r>
+            <a:endParaRPr lang="en-SG" sz="1100" dirty="0">
+              <a:solidFill>
+                <a:srgbClr val="7030A0"/>
+              </a:solidFill>
+            </a:endParaRPr>
+          </a:p>
+        </p:txBody>
+      </p:sp>
+      <p:sp>
+        <p:nvSpPr>
+          <p:cNvPr id="56" name="TextBox 55"/>
+          <p:cNvSpPr txBox="1"/>
+          <p:nvPr/>
+        </p:nvSpPr>
+        <p:spPr>
+          <a:xfrm>
+            <a:off x="6059245" y="1482808"/>
+            <a:ext cx="189257" cy="178683"/>
+          </a:xfrm>
+          <a:prstGeom prst="rect">
+            <a:avLst/>
+          </a:prstGeom>
+          <a:noFill/>
+        </p:spPr>
+        <p:txBody>
+          <a:bodyPr wrap="square" lIns="0" tIns="0" rIns="0" bIns="0" rtlCol="0">
+            <a:noAutofit/>
+          </a:bodyPr>
+          <a:lstStyle/>
+          <a:p>
+            <a:pPr algn="ctr"/>
+            <a:r>
+              <a:rPr lang="en-US" sz="1100" dirty="0">
+                <a:solidFill>
+                  <a:srgbClr val="7030A0"/>
+                </a:solidFill>
+              </a:rPr>
+              <a:t>1</a:t>
+            </a:r>
+            <a:endParaRPr lang="en-SG" sz="1100" dirty="0">
+              <a:solidFill>
+                <a:srgbClr val="7030A0"/>
+              </a:solidFill>
+            </a:endParaRPr>
+          </a:p>
+        </p:txBody>
+      </p:sp>
+      <p:sp>
+        <p:nvSpPr>
+          <p:cNvPr id="60" name="TextBox 59"/>
+          <p:cNvSpPr txBox="1"/>
+          <p:nvPr/>
+        </p:nvSpPr>
+        <p:spPr>
+          <a:xfrm>
+            <a:off x="5506098" y="769536"/>
+            <a:ext cx="189257" cy="178683"/>
+          </a:xfrm>
+          <a:prstGeom prst="rect">
+            <a:avLst/>
+          </a:prstGeom>
+          <a:noFill/>
+        </p:spPr>
+        <p:txBody>
+          <a:bodyPr wrap="square" lIns="0" tIns="0" rIns="0" bIns="0" rtlCol="0">
+            <a:noAutofit/>
+          </a:bodyPr>
+          <a:lstStyle/>
+          <a:p>
+            <a:pPr algn="ctr"/>
+            <a:r>
+              <a:rPr lang="en-US" sz="1100" dirty="0">
+                <a:solidFill>
+                  <a:srgbClr val="7030A0"/>
+                </a:solidFill>
+              </a:rPr>
+              <a:t>*</a:t>
+            </a:r>
+            <a:endParaRPr lang="en-SG" sz="1100" dirty="0">
+              <a:solidFill>
+                <a:srgbClr val="7030A0"/>
+              </a:solidFill>
+            </a:endParaRPr>
+          </a:p>
+        </p:txBody>
+      </p:sp>
+      <p:sp>
+        <p:nvSpPr>
+          <p:cNvPr id="61" name="TextBox 60"/>
+          <p:cNvSpPr txBox="1"/>
+          <p:nvPr/>
+        </p:nvSpPr>
+        <p:spPr>
+          <a:xfrm>
+            <a:off x="6357509" y="2043611"/>
+            <a:ext cx="189257" cy="178683"/>
+          </a:xfrm>
+          <a:prstGeom prst="rect">
+            <a:avLst/>
+          </a:prstGeom>
+          <a:noFill/>
+        </p:spPr>
+        <p:txBody>
+          <a:bodyPr wrap="square" lIns="0" tIns="0" rIns="0" bIns="0" rtlCol="0">
+            <a:noAutofit/>
+          </a:bodyPr>
+          <a:lstStyle/>
+          <a:p>
+            <a:pPr algn="ctr"/>
+            <a:r>
+              <a:rPr lang="en-US" sz="1100" dirty="0">
+                <a:solidFill>
+                  <a:srgbClr val="7030A0"/>
+                </a:solidFill>
+              </a:rPr>
+              <a:t>*</a:t>
+            </a:r>
+            <a:endParaRPr lang="en-SG" sz="1100" dirty="0">
+              <a:solidFill>
+                <a:srgbClr val="7030A0"/>
+              </a:solidFill>
+            </a:endParaRPr>
+          </a:p>
+        </p:txBody>
+      </p:sp>
+      <p:sp>
+        <p:nvSpPr>
+          <p:cNvPr id="65" name="TextBox 64"/>
+          <p:cNvSpPr txBox="1"/>
+          <p:nvPr/>
+        </p:nvSpPr>
+        <p:spPr>
+          <a:xfrm>
+            <a:off x="2617306" y="1905674"/>
+            <a:ext cx="189257" cy="178683"/>
+          </a:xfrm>
+          <a:prstGeom prst="rect">
+            <a:avLst/>
+          </a:prstGeom>
+          <a:noFill/>
+        </p:spPr>
+        <p:txBody>
+          <a:bodyPr wrap="square" lIns="0" tIns="0" rIns="0" bIns="0" rtlCol="0">
+            <a:noAutofit/>
+          </a:bodyPr>
+          <a:lstStyle/>
+          <a:p>
+            <a:pPr algn="ctr"/>
+            <a:r>
+              <a:rPr lang="en-US" sz="1100" dirty="0">
+                <a:solidFill>
+                  <a:srgbClr val="7030A0"/>
+                </a:solidFill>
+              </a:rPr>
+              <a:t>1</a:t>
+            </a:r>
+            <a:endParaRPr lang="en-SG" sz="1100" dirty="0">
+              <a:solidFill>
+                <a:srgbClr val="7030A0"/>
+              </a:solidFill>
+            </a:endParaRPr>
+          </a:p>
+        </p:txBody>
+      </p:sp>
+      <p:sp>
+        <p:nvSpPr>
+          <p:cNvPr id="66" name="TextBox 65"/>
+          <p:cNvSpPr txBox="1"/>
+          <p:nvPr/>
+        </p:nvSpPr>
+        <p:spPr>
+          <a:xfrm>
+            <a:off x="2585753" y="2727486"/>
+            <a:ext cx="189257" cy="178683"/>
+          </a:xfrm>
+          <a:prstGeom prst="rect">
+            <a:avLst/>
+          </a:prstGeom>
+          <a:noFill/>
+        </p:spPr>
+        <p:txBody>
+          <a:bodyPr wrap="square" lIns="0" tIns="0" rIns="0" bIns="0" rtlCol="0">
+            <a:noAutofit/>
+          </a:bodyPr>
+          <a:lstStyle/>
+          <a:p>
+            <a:pPr algn="ctr"/>
+            <a:r>
+              <a:rPr lang="en-US" sz="1100" dirty="0">
+                <a:solidFill>
+                  <a:srgbClr val="7030A0"/>
+                </a:solidFill>
+              </a:rPr>
+              <a:t>1</a:t>
+            </a:r>
+            <a:endParaRPr lang="en-SG" sz="1100" dirty="0">
+              <a:solidFill>
+                <a:srgbClr val="7030A0"/>
+              </a:solidFill>
+            </a:endParaRPr>
+          </a:p>
+        </p:txBody>
+      </p:sp>
+      <p:sp>
+        <p:nvSpPr>
+          <p:cNvPr id="70" name="TextBox 69"/>
+          <p:cNvSpPr txBox="1"/>
+          <p:nvPr/>
+        </p:nvSpPr>
+        <p:spPr>
+          <a:xfrm>
+            <a:off x="4154143" y="3631998"/>
+            <a:ext cx="189257" cy="178683"/>
+          </a:xfrm>
+          <a:prstGeom prst="rect">
+            <a:avLst/>
+          </a:prstGeom>
+          <a:noFill/>
+        </p:spPr>
+        <p:txBody>
+          <a:bodyPr wrap="square" lIns="0" tIns="0" rIns="0" bIns="0" rtlCol="0">
+            <a:noAutofit/>
+          </a:bodyPr>
+          <a:lstStyle/>
+          <a:p>
+            <a:pPr algn="ctr"/>
+            <a:r>
+              <a:rPr lang="en-US" sz="1100" dirty="0">
+                <a:solidFill>
+                  <a:srgbClr val="7030A0"/>
+                </a:solidFill>
+              </a:rPr>
+              <a:t>1</a:t>
+            </a:r>
+            <a:endParaRPr lang="en-SG" sz="1100" dirty="0">
+              <a:solidFill>
+                <a:srgbClr val="7030A0"/>
+              </a:solidFill>
+            </a:endParaRPr>
+          </a:p>
+        </p:txBody>
+      </p:sp>
+      <p:cxnSp>
+        <p:nvCxnSpPr>
+          <p:cNvPr id="73" name="Elbow Connector 122">
+            <a:extLst>
+              <a:ext uri="{FF2B5EF4-FFF2-40B4-BE49-F238E27FC236}">
+                <a16:creationId xmlns:a16="http://schemas.microsoft.com/office/drawing/2014/main" id="{6C194B6E-AD6B-4C34-821F-85FC683926D2}"/>
+              </a:ext>
+            </a:extLst>
+          </p:cNvPr>
+          <p:cNvCxnSpPr>
+            <a:cxnSpLocks/>
+            <a:stCxn id="119" idx="3"/>
+            <a:endCxn id="100" idx="1"/>
+          </p:cNvCxnSpPr>
+          <p:nvPr/>
+        </p:nvCxnSpPr>
+        <p:spPr>
+          <a:xfrm rot="5400000" flipH="1" flipV="1">
+            <a:off x="1874694" y="1114209"/>
+            <a:ext cx="326181" cy="1103804"/>
+          </a:xfrm>
+          <a:prstGeom prst="bentConnector2">
+            <a:avLst/>
+          </a:prstGeom>
+          <a:ln w="19050">
+            <a:solidFill>
+              <a:srgbClr val="7030A0"/>
+            </a:solidFill>
+            <a:prstDash val="sysDot"/>
+            <a:headEnd type="none" w="med" len="med"/>
+            <a:tailEnd type="arrow" w="med" len="med"/>
+          </a:ln>
+          <a:effectLst/>
+        </p:spPr>
+        <p:style>
+          <a:lnRef idx="1">
+            <a:schemeClr val="accent2"/>
+          </a:lnRef>
+          <a:fillRef idx="2">
+            <a:schemeClr val="accent2"/>
+          </a:fillRef>
+          <a:effectRef idx="1">
+            <a:schemeClr val="accent2"/>
+          </a:effectRef>
+          <a:fontRef idx="minor">
+            <a:schemeClr val="dk1"/>
+          </a:fontRef>
+        </p:style>
+      </p:cxnSp>
+      <p:cxnSp>
+        <p:nvCxnSpPr>
+          <p:cNvPr id="74" name="Elbow Connector 85">
+            <a:extLst>
+              <a:ext uri="{FF2B5EF4-FFF2-40B4-BE49-F238E27FC236}">
+                <a16:creationId xmlns:a16="http://schemas.microsoft.com/office/drawing/2014/main" id="{0BF0A13B-B2CA-43C0-A84A-D92BEE5134B9}"/>
+              </a:ext>
+            </a:extLst>
+          </p:cNvPr>
+          <p:cNvCxnSpPr>
+            <a:cxnSpLocks/>
+            <a:stCxn id="77" idx="3"/>
+            <a:endCxn id="117" idx="3"/>
+          </p:cNvCxnSpPr>
+          <p:nvPr/>
+        </p:nvCxnSpPr>
+        <p:spPr>
+          <a:xfrm flipV="1">
+            <a:off x="6952991" y="2220497"/>
+            <a:ext cx="703039" cy="2357939"/>
+          </a:xfrm>
+          <a:prstGeom prst="bentConnector3">
+            <a:avLst>
+              <a:gd name="adj1" fmla="val 139271"/>
+            </a:avLst>
+          </a:prstGeom>
+          <a:ln w="19050">
+            <a:solidFill>
+              <a:srgbClr val="7030A0"/>
+            </a:solidFill>
+            <a:headEnd type="none" w="med" len="med"/>
+            <a:tailEnd type="none" w="med" len="med"/>
+          </a:ln>
+          <a:effectLst/>
+        </p:spPr>
+        <p:style>
+          <a:lnRef idx="1">
+            <a:schemeClr val="accent2"/>
+          </a:lnRef>
+          <a:fillRef idx="2">
+            <a:schemeClr val="accent2"/>
+          </a:fillRef>
+          <a:effectRef idx="1">
+            <a:schemeClr val="accent2"/>
+          </a:effectRef>
+          <a:fontRef idx="minor">
+            <a:schemeClr val="dk1"/>
+          </a:fontRef>
+        </p:style>
+      </p:cxnSp>
+      <p:sp>
+        <p:nvSpPr>
+          <p:cNvPr id="77" name="Rectangle 8">
+            <a:extLst>
+              <a:ext uri="{FF2B5EF4-FFF2-40B4-BE49-F238E27FC236}">
+                <a16:creationId xmlns:a16="http://schemas.microsoft.com/office/drawing/2014/main" id="{0385A838-EEB2-4922-9B4E-2B6ECA006CD4}"/>
+              </a:ext>
+            </a:extLst>
+          </p:cNvPr>
+          <p:cNvSpPr/>
+          <p:nvPr/>
+        </p:nvSpPr>
+        <p:spPr>
+          <a:xfrm>
+            <a:off x="6249251" y="4435544"/>
+            <a:ext cx="703740" cy="285783"/>
+          </a:xfrm>
+          <a:prstGeom prst="rect">
+            <a:avLst/>
+          </a:prstGeom>
+          <a:ln w="19050">
+            <a:solidFill>
+              <a:srgbClr val="7030A0"/>
+            </a:solidFill>
+          </a:ln>
+          <a:effectLst/>
+        </p:spPr>
+        <p:style>
+          <a:lnRef idx="1">
+            <a:schemeClr val="accent4"/>
+          </a:lnRef>
+          <a:fillRef idx="2">
+            <a:schemeClr val="accent4"/>
+          </a:fillRef>
+          <a:effectRef idx="1">
+            <a:schemeClr val="accent4"/>
+          </a:effectRef>
+          <a:fontRef idx="minor">
+            <a:schemeClr val="dk1"/>
+          </a:fontRef>
+        </p:style>
+        <p:txBody>
+          <a:bodyPr rtlCol="0" anchor="ctr"/>
+          <a:lstStyle/>
+          <a:p>
+            <a:pPr algn="ctr"/>
+            <a:r>
+              <a:rPr lang="en-US" sz="1050">
+                <a:solidFill>
+                  <a:srgbClr val="7030A0"/>
+                </a:solidFill>
+              </a:rPr>
+              <a:t>Event</a:t>
+            </a:r>
+            <a:endParaRPr lang="en-SG" sz="1050" dirty="0">
+              <a:solidFill>
+                <a:srgbClr val="7030A0"/>
+              </a:solidFill>
+            </a:endParaRPr>
+          </a:p>
+        </p:txBody>
+      </p:sp>
+      <p:sp>
+        <p:nvSpPr>
+          <p:cNvPr id="82" name="Rectangle 8">
+            <a:extLst>
+              <a:ext uri="{FF2B5EF4-FFF2-40B4-BE49-F238E27FC236}">
+                <a16:creationId xmlns:a16="http://schemas.microsoft.com/office/drawing/2014/main" id="{B018534C-9921-4CC3-8436-96798BAD80C9}"/>
+              </a:ext>
+            </a:extLst>
+          </p:cNvPr>
+          <p:cNvSpPr/>
+          <p:nvPr/>
+        </p:nvSpPr>
+        <p:spPr>
+          <a:xfrm>
+            <a:off x="5411051" y="4024969"/>
+            <a:ext cx="881679" cy="285783"/>
+          </a:xfrm>
+          <a:prstGeom prst="rect">
+            <a:avLst/>
+          </a:prstGeom>
+          <a:ln w="19050">
+            <a:solidFill>
+              <a:srgbClr val="7030A0"/>
+            </a:solidFill>
+          </a:ln>
+          <a:effectLst/>
+        </p:spPr>
+        <p:style>
+          <a:lnRef idx="1">
+            <a:schemeClr val="accent4"/>
+          </a:lnRef>
+          <a:fillRef idx="2">
+            <a:schemeClr val="accent4"/>
+          </a:fillRef>
+          <a:effectRef idx="1">
+            <a:schemeClr val="accent4"/>
+          </a:effectRef>
+          <a:fontRef idx="minor">
+            <a:schemeClr val="dk1"/>
+          </a:fontRef>
+        </p:style>
+        <p:txBody>
+          <a:bodyPr rtlCol="0" anchor="ctr"/>
+          <a:lstStyle/>
+          <a:p>
+            <a:pPr algn="ctr"/>
+            <a:r>
+              <a:rPr lang="en-US" sz="1050" dirty="0" err="1">
+                <a:solidFill>
+                  <a:srgbClr val="7030A0"/>
+                </a:solidFill>
+              </a:rPr>
+              <a:t>FloatingTask</a:t>
+            </a:r>
+            <a:endParaRPr lang="en-US" sz="1050" dirty="0">
+              <a:solidFill>
+                <a:srgbClr val="7030A0"/>
+              </a:solidFill>
+            </a:endParaRPr>
+          </a:p>
+        </p:txBody>
+      </p:sp>
+      <p:sp>
+        <p:nvSpPr>
+          <p:cNvPr id="87" name="Rectangle 8">
+            <a:extLst>
+              <a:ext uri="{FF2B5EF4-FFF2-40B4-BE49-F238E27FC236}">
+                <a16:creationId xmlns:a16="http://schemas.microsoft.com/office/drawing/2014/main" id="{FD92DEDE-8CCC-4D5A-A87C-6D4AD8C4B580}"/>
+              </a:ext>
+            </a:extLst>
+          </p:cNvPr>
+          <p:cNvSpPr/>
+          <p:nvPr/>
+        </p:nvSpPr>
+        <p:spPr>
+          <a:xfrm>
+            <a:off x="6916260" y="4819617"/>
+            <a:ext cx="703740" cy="285783"/>
+          </a:xfrm>
+          <a:prstGeom prst="rect">
+            <a:avLst/>
+          </a:prstGeom>
+          <a:ln w="19050">
+            <a:solidFill>
+              <a:srgbClr val="7030A0"/>
+            </a:solidFill>
+          </a:ln>
+          <a:effectLst/>
+        </p:spPr>
+        <p:style>
+          <a:lnRef idx="1">
+            <a:schemeClr val="accent4"/>
+          </a:lnRef>
+          <a:fillRef idx="2">
+            <a:schemeClr val="accent4"/>
+          </a:fillRef>
+          <a:effectRef idx="1">
+            <a:schemeClr val="accent4"/>
+          </a:effectRef>
+          <a:fontRef idx="minor">
+            <a:schemeClr val="dk1"/>
+          </a:fontRef>
+        </p:style>
+        <p:txBody>
+          <a:bodyPr rtlCol="0" anchor="ctr"/>
+          <a:lstStyle/>
+          <a:p>
+            <a:pPr algn="ctr"/>
+            <a:r>
+              <a:rPr lang="en-US" sz="1050" dirty="0">
+                <a:solidFill>
+                  <a:srgbClr val="7030A0"/>
+                </a:solidFill>
+              </a:rPr>
+              <a:t>Deadline</a:t>
+            </a:r>
+            <a:endParaRPr lang="en-SG" sz="1050" dirty="0">
+              <a:solidFill>
+                <a:srgbClr val="7030A0"/>
+              </a:solidFill>
+            </a:endParaRPr>
+          </a:p>
+        </p:txBody>
+      </p:sp>
+      <p:cxnSp>
+        <p:nvCxnSpPr>
+          <p:cNvPr id="94" name="Elbow Connector 85">
+            <a:extLst>
+              <a:ext uri="{FF2B5EF4-FFF2-40B4-BE49-F238E27FC236}">
+                <a16:creationId xmlns:a16="http://schemas.microsoft.com/office/drawing/2014/main" id="{ED2F0B51-3478-4720-BDF8-DD7B29CB36C3}"/>
+              </a:ext>
+            </a:extLst>
+          </p:cNvPr>
+          <p:cNvCxnSpPr>
+            <a:cxnSpLocks/>
+            <a:stCxn id="87" idx="3"/>
+            <a:endCxn id="117" idx="3"/>
+          </p:cNvCxnSpPr>
+          <p:nvPr/>
+        </p:nvCxnSpPr>
+        <p:spPr>
+          <a:xfrm flipV="1">
+            <a:off x="7620000" y="2220497"/>
+            <a:ext cx="36030" cy="2742012"/>
+          </a:xfrm>
+          <a:prstGeom prst="bentConnector3">
+            <a:avLst>
+              <a:gd name="adj1" fmla="val 866278"/>
+            </a:avLst>
+          </a:prstGeom>
+          <a:ln w="19050">
+            <a:solidFill>
+              <a:srgbClr val="7030A0"/>
+            </a:solidFill>
+            <a:headEnd type="none" w="med" len="med"/>
+            <a:tailEnd type="none" w="med" len="med"/>
+          </a:ln>
+          <a:effectLst/>
+        </p:spPr>
+        <p:style>
+          <a:lnRef idx="1">
+            <a:schemeClr val="accent2"/>
+          </a:lnRef>
+          <a:fillRef idx="2">
+            <a:schemeClr val="accent2"/>
+          </a:fillRef>
+          <a:effectRef idx="1">
+            <a:schemeClr val="accent2"/>
+          </a:effectRef>
+          <a:fontRef idx="minor">
+            <a:schemeClr val="dk1"/>
+          </a:fontRef>
+        </p:style>
+      </p:cxnSp>
+      <p:cxnSp>
+        <p:nvCxnSpPr>
+          <p:cNvPr id="98" name="Elbow Connector 85">
+            <a:extLst>
+              <a:ext uri="{FF2B5EF4-FFF2-40B4-BE49-F238E27FC236}">
+                <a16:creationId xmlns:a16="http://schemas.microsoft.com/office/drawing/2014/main" id="{77D93BAA-6F83-4157-8F77-043E3F11FB25}"/>
+              </a:ext>
+            </a:extLst>
+          </p:cNvPr>
+          <p:cNvCxnSpPr>
+            <a:cxnSpLocks/>
+            <a:stCxn id="82" idx="3"/>
+            <a:endCxn id="117" idx="3"/>
+          </p:cNvCxnSpPr>
+          <p:nvPr/>
+        </p:nvCxnSpPr>
+        <p:spPr>
+          <a:xfrm flipV="1">
+            <a:off x="6292730" y="2220497"/>
+            <a:ext cx="1363300" cy="1947364"/>
+          </a:xfrm>
+          <a:prstGeom prst="bentConnector3">
+            <a:avLst>
+              <a:gd name="adj1" fmla="val 120252"/>
+            </a:avLst>
+          </a:prstGeom>
+          <a:ln w="19050">
+            <a:solidFill>
+              <a:srgbClr val="7030A0"/>
+            </a:solidFill>
+            <a:headEnd type="none" w="med" len="med"/>
+            <a:tailEnd type="none" w="med" len="med"/>
+          </a:ln>
+          <a:effectLst/>
+        </p:spPr>
+        <p:style>
+          <a:lnRef idx="1">
+            <a:schemeClr val="accent2"/>
+          </a:lnRef>
+          <a:fillRef idx="2">
+            <a:schemeClr val="accent2"/>
+          </a:fillRef>
+          <a:effectRef idx="1">
+            <a:schemeClr val="accent2"/>
+          </a:effectRef>
+          <a:fontRef idx="minor">
+            <a:schemeClr val="dk1"/>
+          </a:fontRef>
+        </p:style>
+      </p:cxnSp>
+      <p:sp>
+        <p:nvSpPr>
+          <p:cNvPr id="153" name="TextBox 152">
+            <a:extLst>
+              <a:ext uri="{FF2B5EF4-FFF2-40B4-BE49-F238E27FC236}">
+                <a16:creationId xmlns:a16="http://schemas.microsoft.com/office/drawing/2014/main" id="{88FBB9DB-E26B-428F-AA6E-B20634747BE4}"/>
+              </a:ext>
+            </a:extLst>
+          </p:cNvPr>
+          <p:cNvSpPr txBox="1"/>
+          <p:nvPr/>
+        </p:nvSpPr>
+        <p:spPr>
+          <a:xfrm>
+            <a:off x="7052588" y="1138465"/>
+            <a:ext cx="189257" cy="178683"/>
+          </a:xfrm>
+          <a:prstGeom prst="rect">
+            <a:avLst/>
+          </a:prstGeom>
+          <a:noFill/>
+        </p:spPr>
+        <p:txBody>
+          <a:bodyPr wrap="square" lIns="0" tIns="0" rIns="0" bIns="0" rtlCol="0">
+            <a:noAutofit/>
+          </a:bodyPr>
+          <a:lstStyle/>
+          <a:p>
+            <a:pPr algn="ctr"/>
+            <a:r>
+              <a:rPr lang="en-US" sz="1100">
+                <a:solidFill>
+                  <a:srgbClr val="7030A0"/>
+                </a:solidFill>
+              </a:rPr>
+              <a:t>1</a:t>
+            </a:r>
+            <a:endParaRPr lang="en-SG" sz="1100" dirty="0">
+              <a:solidFill>
+                <a:srgbClr val="7030A0"/>
+              </a:solidFill>
+            </a:endParaRPr>
+          </a:p>
+        </p:txBody>
+      </p:sp>
+      <p:cxnSp>
+        <p:nvCxnSpPr>
+          <p:cNvPr id="268" name="Elbow Connector 58">
+            <a:extLst>
+              <a:ext uri="{FF2B5EF4-FFF2-40B4-BE49-F238E27FC236}">
+                <a16:creationId xmlns:a16="http://schemas.microsoft.com/office/drawing/2014/main" id="{A9D37834-AD78-452C-A0E4-1F0B40A9DA72}"/>
+              </a:ext>
+            </a:extLst>
+          </p:cNvPr>
+          <p:cNvCxnSpPr>
+            <a:cxnSpLocks/>
+            <a:stCxn id="93" idx="1"/>
+            <a:endCxn id="80" idx="3"/>
+          </p:cNvCxnSpPr>
+          <p:nvPr/>
+        </p:nvCxnSpPr>
+        <p:spPr>
+          <a:xfrm rot="10800000" flipV="1">
+            <a:off x="5061996" y="4570110"/>
+            <a:ext cx="950356" cy="1262"/>
+          </a:xfrm>
+          <a:prstGeom prst="bentConnector3">
+            <a:avLst>
+              <a:gd name="adj1" fmla="val 50000"/>
+            </a:avLst>
+          </a:prstGeom>
+          <a:ln w="19050">
+            <a:solidFill>
+              <a:srgbClr val="7030A0"/>
+            </a:solidFill>
+            <a:headEnd type="none" w="med" len="med"/>
+            <a:tailEnd type="arrow" w="med" len="med"/>
+          </a:ln>
+          <a:effectLst/>
+        </p:spPr>
+        <p:style>
+          <a:lnRef idx="1">
+            <a:schemeClr val="accent2"/>
+          </a:lnRef>
+          <a:fillRef idx="2">
+            <a:schemeClr val="accent2"/>
+          </a:fillRef>
+          <a:effectRef idx="1">
+            <a:schemeClr val="accent2"/>
+          </a:effectRef>
+          <a:fontRef idx="minor">
+            <a:schemeClr val="dk1"/>
+          </a:fontRef>
+        </p:style>
+      </p:cxnSp>
+      <p:cxnSp>
+        <p:nvCxnSpPr>
+          <p:cNvPr id="317" name="Elbow Connector 58">
+            <a:extLst>
+              <a:ext uri="{FF2B5EF4-FFF2-40B4-BE49-F238E27FC236}">
+                <a16:creationId xmlns:a16="http://schemas.microsoft.com/office/drawing/2014/main" id="{C3093632-1500-432F-A9DB-7AB4773E006E}"/>
+              </a:ext>
+            </a:extLst>
+          </p:cNvPr>
+          <p:cNvCxnSpPr>
+            <a:cxnSpLocks/>
+            <a:stCxn id="112" idx="1"/>
+            <a:endCxn id="80" idx="2"/>
+          </p:cNvCxnSpPr>
+          <p:nvPr/>
+        </p:nvCxnSpPr>
+        <p:spPr>
+          <a:xfrm rot="10800000">
+            <a:off x="4431847" y="4707200"/>
+            <a:ext cx="2246544" cy="255308"/>
+          </a:xfrm>
+          <a:prstGeom prst="bentConnector2">
+            <a:avLst/>
+          </a:prstGeom>
+          <a:ln w="19050">
+            <a:solidFill>
+              <a:srgbClr val="7030A0"/>
+            </a:solidFill>
+            <a:headEnd type="none" w="med" len="med"/>
+            <a:tailEnd type="arrow" w="med" len="med"/>
+          </a:ln>
+          <a:effectLst/>
+        </p:spPr>
+        <p:style>
+          <a:lnRef idx="1">
+            <a:schemeClr val="accent2"/>
+          </a:lnRef>
+          <a:fillRef idx="2">
+            <a:schemeClr val="accent2"/>
+          </a:fillRef>
+          <a:effectRef idx="1">
+            <a:schemeClr val="accent2"/>
+          </a:effectRef>
+          <a:fontRef idx="minor">
+            <a:schemeClr val="dk1"/>
+          </a:fontRef>
+        </p:style>
+      </p:cxnSp>
+      <p:sp>
+        <p:nvSpPr>
+          <p:cNvPr id="80" name="Rectangle 8">
+            <a:extLst>
+              <a:ext uri="{FF2B5EF4-FFF2-40B4-BE49-F238E27FC236}">
+                <a16:creationId xmlns:a16="http://schemas.microsoft.com/office/drawing/2014/main" id="{38053985-49C0-46E7-9DCF-1E8B04211018}"/>
+              </a:ext>
+            </a:extLst>
+          </p:cNvPr>
+          <p:cNvSpPr/>
+          <p:nvPr/>
+        </p:nvSpPr>
+        <p:spPr>
+          <a:xfrm>
+            <a:off x="3801698" y="4435544"/>
+            <a:ext cx="1260298" cy="271656"/>
+          </a:xfrm>
+          <a:prstGeom prst="rect">
+            <a:avLst/>
+          </a:prstGeom>
+          <a:ln w="19050">
+            <a:solidFill>
+              <a:srgbClr val="7030A0"/>
+            </a:solidFill>
+          </a:ln>
+          <a:effectLst/>
+        </p:spPr>
+        <p:style>
+          <a:lnRef idx="1">
+            <a:schemeClr val="accent4"/>
+          </a:lnRef>
+          <a:fillRef idx="2">
+            <a:schemeClr val="accent4"/>
+          </a:fillRef>
+          <a:effectRef idx="1">
+            <a:schemeClr val="accent4"/>
+          </a:effectRef>
+          <a:fontRef idx="minor">
+            <a:schemeClr val="dk1"/>
+          </a:fontRef>
+        </p:style>
+        <p:txBody>
+          <a:bodyPr rtlCol="0" anchor="ctr"/>
+          <a:lstStyle/>
+          <a:p>
+            <a:pPr algn="ctr"/>
+            <a:r>
+              <a:rPr lang="en-SG" sz="1050" dirty="0" err="1">
+                <a:solidFill>
+                  <a:srgbClr val="7030A0"/>
+                </a:solidFill>
+              </a:rPr>
+              <a:t>Java.util.Calendar</a:t>
+            </a:r>
+            <a:endParaRPr lang="en-SG" sz="1050" dirty="0">
+              <a:solidFill>
+                <a:srgbClr val="7030A0"/>
+              </a:solidFill>
+            </a:endParaRPr>
+          </a:p>
+        </p:txBody>
+      </p:sp>
+      <p:sp>
+        <p:nvSpPr>
+          <p:cNvPr id="84" name="Rectangle 8">
+            <a:extLst>
+              <a:ext uri="{FF2B5EF4-FFF2-40B4-BE49-F238E27FC236}">
+                <a16:creationId xmlns:a16="http://schemas.microsoft.com/office/drawing/2014/main" id="{FC5E9BBE-BA29-466E-87DB-E549C83DCF6F}"/>
+              </a:ext>
+            </a:extLst>
+          </p:cNvPr>
+          <p:cNvSpPr/>
+          <p:nvPr/>
+        </p:nvSpPr>
+        <p:spPr>
+          <a:xfrm>
+            <a:off x="4825428" y="2286000"/>
+            <a:ext cx="1156969" cy="518309"/>
+          </a:xfrm>
+          <a:prstGeom prst="rect">
+            <a:avLst/>
+          </a:prstGeom>
+          <a:ln w="19050">
+            <a:solidFill>
+              <a:srgbClr val="7030A0"/>
+            </a:solidFill>
+          </a:ln>
+          <a:effectLst/>
+        </p:spPr>
+        <p:style>
+          <a:lnRef idx="1">
+            <a:schemeClr val="accent4"/>
+          </a:lnRef>
+          <a:fillRef idx="2">
+            <a:schemeClr val="accent4"/>
+          </a:fillRef>
+          <a:effectRef idx="1">
+            <a:schemeClr val="accent4"/>
+          </a:effectRef>
+          <a:fontRef idx="minor">
+            <a:schemeClr val="dk1"/>
+          </a:fontRef>
+        </p:style>
+        <p:txBody>
+          <a:bodyPr rtlCol="0" anchor="ctr"/>
+          <a:lstStyle/>
+          <a:p>
+            <a:pPr algn="ctr"/>
+            <a:r>
+              <a:rPr lang="en-US" sz="1050" dirty="0">
+                <a:solidFill>
+                  <a:srgbClr val="7030A0"/>
+                </a:solidFill>
+              </a:rPr>
+              <a:t>Archive</a:t>
+            </a:r>
+            <a:endParaRPr lang="en-SG" sz="1050" dirty="0">
+              <a:solidFill>
+                <a:srgbClr val="7030A0"/>
+              </a:solidFill>
+            </a:endParaRPr>
+          </a:p>
+        </p:txBody>
+      </p:sp>
+      <p:sp>
+        <p:nvSpPr>
+          <p:cNvPr id="85" name="Flowchart: Decision 96">
+            <a:extLst>
+              <a:ext uri="{FF2B5EF4-FFF2-40B4-BE49-F238E27FC236}">
+                <a16:creationId xmlns:a16="http://schemas.microsoft.com/office/drawing/2014/main" id="{6A5FF266-C51C-4096-A31D-A2C77CC18DF3}"/>
+              </a:ext>
+            </a:extLst>
+          </p:cNvPr>
+          <p:cNvSpPr/>
+          <p:nvPr/>
+        </p:nvSpPr>
+        <p:spPr>
+          <a:xfrm>
+            <a:off x="5993267" y="2438400"/>
+            <a:ext cx="236048" cy="173380"/>
+          </a:xfrm>
+          <a:prstGeom prst="flowChartDecision">
+            <a:avLst/>
+          </a:prstGeom>
+          <a:noFill/>
+          <a:ln w="19050">
+            <a:solidFill>
+              <a:srgbClr val="7030A0"/>
+            </a:solidFill>
+          </a:ln>
+          <a:effectLst/>
+        </p:spPr>
+        <p:style>
+          <a:lnRef idx="1">
+            <a:schemeClr val="accent6"/>
+          </a:lnRef>
+          <a:fillRef idx="2">
+            <a:schemeClr val="accent6"/>
+          </a:fillRef>
+          <a:effectRef idx="1">
+            <a:schemeClr val="accent6"/>
+          </a:effectRef>
+          <a:fontRef idx="minor">
+            <a:schemeClr val="dk1"/>
+          </a:fontRef>
+        </p:style>
+        <p:txBody>
+          <a:bodyPr rtlCol="0" anchor="ctr"/>
+          <a:lstStyle/>
+          <a:p>
+            <a:pPr algn="ctr"/>
+            <a:endParaRPr lang="en-US" sz="1050"/>
+          </a:p>
+        </p:txBody>
+      </p:sp>
+      <p:cxnSp>
+        <p:nvCxnSpPr>
+          <p:cNvPr id="86" name="Elbow Connector 63">
+            <a:extLst>
+              <a:ext uri="{FF2B5EF4-FFF2-40B4-BE49-F238E27FC236}">
+                <a16:creationId xmlns:a16="http://schemas.microsoft.com/office/drawing/2014/main" id="{EE9C1E64-02F1-4593-A879-5B119D8AA9C5}"/>
+              </a:ext>
+            </a:extLst>
+          </p:cNvPr>
+          <p:cNvCxnSpPr>
+            <a:cxnSpLocks/>
+            <a:stCxn id="85" idx="3"/>
+            <a:endCxn id="62" idx="1"/>
+          </p:cNvCxnSpPr>
+          <p:nvPr/>
+        </p:nvCxnSpPr>
+        <p:spPr>
+          <a:xfrm flipV="1">
+            <a:off x="6229315" y="2231348"/>
+            <a:ext cx="299855" cy="293742"/>
+          </a:xfrm>
+          <a:prstGeom prst="bentConnector3">
+            <a:avLst/>
+          </a:prstGeom>
+          <a:ln w="19050">
+            <a:solidFill>
+              <a:srgbClr val="7030A0"/>
+            </a:solidFill>
+            <a:headEnd type="none" w="med" len="med"/>
+            <a:tailEnd type="arrow" w="med" len="med"/>
+          </a:ln>
+          <a:effectLst/>
+        </p:spPr>
+        <p:style>
+          <a:lnRef idx="1">
+            <a:schemeClr val="accent2"/>
+          </a:lnRef>
+          <a:fillRef idx="2">
+            <a:schemeClr val="accent2"/>
+          </a:fillRef>
+          <a:effectRef idx="1">
+            <a:schemeClr val="accent2"/>
+          </a:effectRef>
+          <a:fontRef idx="minor">
+            <a:schemeClr val="dk1"/>
+          </a:fontRef>
+        </p:style>
+      </p:cxnSp>
+      <p:sp>
+        <p:nvSpPr>
+          <p:cNvPr id="88" name="Rectangle 8">
+            <a:extLst>
+              <a:ext uri="{FF2B5EF4-FFF2-40B4-BE49-F238E27FC236}">
+                <a16:creationId xmlns:a16="http://schemas.microsoft.com/office/drawing/2014/main" id="{E5EE7A86-858B-4AB0-8E94-A35E30A00B59}"/>
+              </a:ext>
+            </a:extLst>
+          </p:cNvPr>
+          <p:cNvSpPr/>
+          <p:nvPr/>
+        </p:nvSpPr>
+        <p:spPr>
+          <a:xfrm>
+            <a:off x="4824247" y="2876751"/>
+            <a:ext cx="1156969" cy="476049"/>
+          </a:xfrm>
+          <a:prstGeom prst="rect">
+            <a:avLst/>
+          </a:prstGeom>
+          <a:ln w="19050">
+            <a:solidFill>
+              <a:srgbClr val="7030A0"/>
+            </a:solidFill>
+          </a:ln>
+          <a:effectLst/>
+        </p:spPr>
+        <p:style>
+          <a:lnRef idx="1">
+            <a:schemeClr val="accent4"/>
+          </a:lnRef>
+          <a:fillRef idx="2">
+            <a:schemeClr val="accent4"/>
+          </a:fillRef>
+          <a:effectRef idx="1">
+            <a:schemeClr val="accent4"/>
+          </a:effectRef>
+          <a:fontRef idx="minor">
+            <a:schemeClr val="dk1"/>
+          </a:fontRef>
+        </p:style>
+        <p:txBody>
+          <a:bodyPr rtlCol="0" anchor="ctr"/>
+          <a:lstStyle/>
+          <a:p>
+            <a:pPr algn="ctr"/>
+            <a:r>
+              <a:rPr lang="en-SG" sz="1050" dirty="0">
+                <a:solidFill>
+                  <a:srgbClr val="7030A0"/>
+                </a:solidFill>
+              </a:rPr>
+              <a:t>Bin</a:t>
+            </a:r>
+          </a:p>
+        </p:txBody>
+      </p:sp>
+      <p:sp>
+        <p:nvSpPr>
+          <p:cNvPr id="89" name="Flowchart: Decision 96">
+            <a:extLst>
+              <a:ext uri="{FF2B5EF4-FFF2-40B4-BE49-F238E27FC236}">
+                <a16:creationId xmlns:a16="http://schemas.microsoft.com/office/drawing/2014/main" id="{949CD2DD-7C3E-4172-8670-B8E57C938879}"/>
+              </a:ext>
+            </a:extLst>
+          </p:cNvPr>
+          <p:cNvSpPr/>
+          <p:nvPr/>
+        </p:nvSpPr>
+        <p:spPr>
+          <a:xfrm>
+            <a:off x="5998965" y="3027020"/>
+            <a:ext cx="236048" cy="173380"/>
+          </a:xfrm>
+          <a:prstGeom prst="flowChartDecision">
+            <a:avLst/>
+          </a:prstGeom>
+          <a:noFill/>
+          <a:ln w="19050">
+            <a:solidFill>
+              <a:srgbClr val="7030A0"/>
+            </a:solidFill>
+          </a:ln>
+          <a:effectLst/>
+        </p:spPr>
+        <p:style>
+          <a:lnRef idx="1">
+            <a:schemeClr val="accent6"/>
+          </a:lnRef>
+          <a:fillRef idx="2">
+            <a:schemeClr val="accent6"/>
+          </a:fillRef>
+          <a:effectRef idx="1">
+            <a:schemeClr val="accent6"/>
+          </a:effectRef>
+          <a:fontRef idx="minor">
+            <a:schemeClr val="dk1"/>
+          </a:fontRef>
+        </p:style>
+        <p:txBody>
+          <a:bodyPr rtlCol="0" anchor="ctr"/>
+          <a:lstStyle/>
+          <a:p>
+            <a:pPr algn="ctr"/>
+            <a:endParaRPr lang="en-US" sz="1050"/>
+          </a:p>
+        </p:txBody>
+      </p:sp>
+      <p:cxnSp>
+        <p:nvCxnSpPr>
+          <p:cNvPr id="90" name="Elbow Connector 63">
+            <a:extLst>
+              <a:ext uri="{FF2B5EF4-FFF2-40B4-BE49-F238E27FC236}">
+                <a16:creationId xmlns:a16="http://schemas.microsoft.com/office/drawing/2014/main" id="{7F134287-400C-42A6-8013-D79C3C996F45}"/>
+              </a:ext>
+            </a:extLst>
+          </p:cNvPr>
+          <p:cNvCxnSpPr>
+            <a:cxnSpLocks/>
+            <a:stCxn id="89" idx="3"/>
+            <a:endCxn id="62" idx="1"/>
+          </p:cNvCxnSpPr>
+          <p:nvPr/>
+        </p:nvCxnSpPr>
+        <p:spPr>
+          <a:xfrm flipV="1">
+            <a:off x="6235013" y="2231348"/>
+            <a:ext cx="294157" cy="882362"/>
+          </a:xfrm>
+          <a:prstGeom prst="bentConnector3">
+            <a:avLst/>
+          </a:prstGeom>
+          <a:ln w="19050">
+            <a:solidFill>
+              <a:srgbClr val="7030A0"/>
+            </a:solidFill>
+            <a:headEnd type="none" w="med" len="med"/>
+            <a:tailEnd type="arrow" w="med" len="med"/>
+          </a:ln>
+          <a:effectLst/>
+        </p:spPr>
+        <p:style>
+          <a:lnRef idx="1">
+            <a:schemeClr val="accent2"/>
+          </a:lnRef>
+          <a:fillRef idx="2">
+            <a:schemeClr val="accent2"/>
+          </a:fillRef>
+          <a:effectRef idx="1">
+            <a:schemeClr val="accent2"/>
+          </a:effectRef>
+          <a:fontRef idx="minor">
+            <a:schemeClr val="dk1"/>
+          </a:fontRef>
+        </p:style>
+      </p:cxnSp>
+      <p:sp>
+        <p:nvSpPr>
+          <p:cNvPr id="93" name="Flowchart: Decision 96">
+            <a:extLst>
+              <a:ext uri="{FF2B5EF4-FFF2-40B4-BE49-F238E27FC236}">
+                <a16:creationId xmlns:a16="http://schemas.microsoft.com/office/drawing/2014/main" id="{7E42058C-7FC1-48B6-B0A0-82326A89238D}"/>
+              </a:ext>
+            </a:extLst>
+          </p:cNvPr>
+          <p:cNvSpPr/>
+          <p:nvPr/>
+        </p:nvSpPr>
+        <p:spPr>
+          <a:xfrm>
+            <a:off x="6012352" y="4483420"/>
+            <a:ext cx="236048" cy="173380"/>
+          </a:xfrm>
+          <a:prstGeom prst="flowChartDecision">
+            <a:avLst/>
+          </a:prstGeom>
+          <a:solidFill>
+            <a:srgbClr val="7030A0"/>
+          </a:solidFill>
+          <a:ln w="19050">
+            <a:solidFill>
+              <a:srgbClr val="7030A0"/>
+            </a:solidFill>
+          </a:ln>
+          <a:effectLst/>
+        </p:spPr>
+        <p:style>
+          <a:lnRef idx="1">
+            <a:schemeClr val="accent6"/>
+          </a:lnRef>
+          <a:fillRef idx="2">
+            <a:schemeClr val="accent6"/>
+          </a:fillRef>
+          <a:effectRef idx="1">
+            <a:schemeClr val="accent6"/>
+          </a:effectRef>
+          <a:fontRef idx="minor">
+            <a:schemeClr val="dk1"/>
+          </a:fontRef>
+        </p:style>
+        <p:txBody>
+          <a:bodyPr rtlCol="0" anchor="ctr"/>
+          <a:lstStyle/>
+          <a:p>
+            <a:pPr algn="ctr"/>
+            <a:endParaRPr lang="en-US" sz="1050"/>
+          </a:p>
+        </p:txBody>
+      </p:sp>
+      <p:sp>
+        <p:nvSpPr>
+          <p:cNvPr id="104" name="TextBox 103">
+            <a:extLst>
+              <a:ext uri="{FF2B5EF4-FFF2-40B4-BE49-F238E27FC236}">
+                <a16:creationId xmlns:a16="http://schemas.microsoft.com/office/drawing/2014/main" id="{7955D861-12E8-467E-A832-0CD2DE6AF70E}"/>
+              </a:ext>
+            </a:extLst>
+          </p:cNvPr>
+          <p:cNvSpPr txBox="1"/>
+          <p:nvPr/>
+        </p:nvSpPr>
+        <p:spPr>
+          <a:xfrm>
+            <a:off x="4194237" y="4791326"/>
+            <a:ext cx="189257" cy="178683"/>
+          </a:xfrm>
+          <a:prstGeom prst="rect">
+            <a:avLst/>
+          </a:prstGeom>
+          <a:noFill/>
+        </p:spPr>
+        <p:txBody>
+          <a:bodyPr wrap="square" lIns="0" tIns="0" rIns="0" bIns="0" rtlCol="0">
+            <a:noAutofit/>
+          </a:bodyPr>
+          <a:lstStyle/>
+          <a:p>
+            <a:pPr algn="ctr"/>
+            <a:r>
+              <a:rPr lang="en-US" sz="1100" dirty="0">
+                <a:solidFill>
+                  <a:srgbClr val="7030A0"/>
+                </a:solidFill>
+              </a:rPr>
+              <a:t>1</a:t>
+            </a:r>
+            <a:endParaRPr lang="en-SG" sz="1100" dirty="0">
+              <a:solidFill>
+                <a:srgbClr val="7030A0"/>
+              </a:solidFill>
+            </a:endParaRPr>
+          </a:p>
+        </p:txBody>
+      </p:sp>
+      <p:sp>
+        <p:nvSpPr>
+          <p:cNvPr id="105" name="TextBox 104">
+            <a:extLst>
+              <a:ext uri="{FF2B5EF4-FFF2-40B4-BE49-F238E27FC236}">
+                <a16:creationId xmlns:a16="http://schemas.microsoft.com/office/drawing/2014/main" id="{26655E42-5836-4693-B2F5-1B27CF911181}"/>
+              </a:ext>
+            </a:extLst>
+          </p:cNvPr>
+          <p:cNvSpPr txBox="1"/>
+          <p:nvPr/>
+        </p:nvSpPr>
+        <p:spPr>
+          <a:xfrm>
+            <a:off x="5144743" y="4366227"/>
+            <a:ext cx="189257" cy="178683"/>
+          </a:xfrm>
+          <a:prstGeom prst="rect">
+            <a:avLst/>
+          </a:prstGeom>
+          <a:noFill/>
+        </p:spPr>
+        <p:txBody>
+          <a:bodyPr wrap="square" lIns="0" tIns="0" rIns="0" bIns="0" rtlCol="0">
+            <a:noAutofit/>
+          </a:bodyPr>
+          <a:lstStyle/>
+          <a:p>
+            <a:pPr algn="ctr"/>
+            <a:r>
+              <a:rPr lang="en-US" sz="1100" dirty="0">
+                <a:solidFill>
+                  <a:srgbClr val="7030A0"/>
+                </a:solidFill>
+              </a:rPr>
+              <a:t>2</a:t>
+            </a:r>
+            <a:endParaRPr lang="en-SG" sz="1100" dirty="0">
+              <a:solidFill>
+                <a:srgbClr val="7030A0"/>
+              </a:solidFill>
+            </a:endParaRPr>
+          </a:p>
+        </p:txBody>
+      </p:sp>
+      <p:sp>
+        <p:nvSpPr>
+          <p:cNvPr id="112" name="Flowchart: Decision 96">
+            <a:extLst>
+              <a:ext uri="{FF2B5EF4-FFF2-40B4-BE49-F238E27FC236}">
+                <a16:creationId xmlns:a16="http://schemas.microsoft.com/office/drawing/2014/main" id="{293ECA54-CC18-4A53-ABFD-453088B10C9C}"/>
+              </a:ext>
+            </a:extLst>
+          </p:cNvPr>
+          <p:cNvSpPr/>
+          <p:nvPr/>
+        </p:nvSpPr>
+        <p:spPr>
+          <a:xfrm>
+            <a:off x="6678391" y="4875818"/>
+            <a:ext cx="236048" cy="173380"/>
+          </a:xfrm>
+          <a:prstGeom prst="flowChartDecision">
+            <a:avLst/>
+          </a:prstGeom>
+          <a:solidFill>
+            <a:srgbClr val="7030A0"/>
+          </a:solidFill>
+          <a:ln w="19050">
+            <a:solidFill>
+              <a:srgbClr val="7030A0"/>
+            </a:solidFill>
+          </a:ln>
+          <a:effectLst/>
+        </p:spPr>
+        <p:style>
+          <a:lnRef idx="1">
+            <a:schemeClr val="accent6"/>
+          </a:lnRef>
+          <a:fillRef idx="2">
+            <a:schemeClr val="accent6"/>
+          </a:fillRef>
+          <a:effectRef idx="1">
+            <a:schemeClr val="accent6"/>
+          </a:effectRef>
+          <a:fontRef idx="minor">
+            <a:schemeClr val="dk1"/>
+          </a:fontRef>
+        </p:style>
+        <p:txBody>
+          <a:bodyPr rtlCol="0" anchor="ctr"/>
+          <a:lstStyle/>
+          <a:p>
+            <a:pPr algn="ctr"/>
+            <a:endParaRPr lang="en-US" sz="1050"/>
+          </a:p>
+        </p:txBody>
+      </p:sp>
+      <p:sp>
+        <p:nvSpPr>
+          <p:cNvPr id="117" name="Isosceles Triangle 102">
+            <a:extLst>
+              <a:ext uri="{FF2B5EF4-FFF2-40B4-BE49-F238E27FC236}">
+                <a16:creationId xmlns:a16="http://schemas.microsoft.com/office/drawing/2014/main" id="{7AB74330-96D4-4F9A-BFF6-5D372946A3A3}"/>
+              </a:ext>
+            </a:extLst>
+          </p:cNvPr>
+          <p:cNvSpPr/>
+          <p:nvPr/>
+        </p:nvSpPr>
+        <p:spPr>
+          <a:xfrm rot="5400000" flipV="1">
+            <a:off x="7433016" y="2132735"/>
+            <a:ext cx="270504" cy="175523"/>
+          </a:xfrm>
+          <a:prstGeom prst="triangle">
+            <a:avLst/>
+          </a:prstGeom>
+          <a:ln w="19050">
+            <a:solidFill>
+              <a:srgbClr val="7030A0"/>
+            </a:solidFill>
+          </a:ln>
+          <a:effectLst/>
+        </p:spPr>
+        <p:style>
+          <a:lnRef idx="1">
+            <a:schemeClr val="accent4"/>
+          </a:lnRef>
+          <a:fillRef idx="2">
+            <a:schemeClr val="accent4"/>
+          </a:fillRef>
+          <a:effectRef idx="1">
+            <a:schemeClr val="accent4"/>
+          </a:effectRef>
+          <a:fontRef idx="minor">
+            <a:schemeClr val="dk1"/>
+          </a:fontRef>
+        </p:style>
+        <p:txBody>
+          <a:bodyPr rtlCol="0" anchor="ctr"/>
+          <a:lstStyle/>
+          <a:p>
+            <a:pPr algn="ctr"/>
+            <a:endParaRPr lang="en-SG" sz="1050" b="1">
+              <a:solidFill>
+                <a:srgbClr val="92D050"/>
+              </a:solidFill>
+            </a:endParaRPr>
+          </a:p>
+        </p:txBody>
+      </p:sp>
+      <p:cxnSp>
+        <p:nvCxnSpPr>
+          <p:cNvPr id="91" name="Elbow Connector 29">
+            <a:extLst>
+              <a:ext uri="{FF2B5EF4-FFF2-40B4-BE49-F238E27FC236}">
+                <a16:creationId xmlns:a16="http://schemas.microsoft.com/office/drawing/2014/main" id="{165E042F-592B-4526-89B0-72AC27D3EB93}"/>
+              </a:ext>
+            </a:extLst>
+          </p:cNvPr>
+          <p:cNvCxnSpPr>
+            <a:cxnSpLocks/>
+            <a:stCxn id="51" idx="3"/>
+          </p:cNvCxnSpPr>
+          <p:nvPr/>
+        </p:nvCxnSpPr>
+        <p:spPr>
+          <a:xfrm>
+            <a:off x="4153221" y="2157472"/>
+            <a:ext cx="676441" cy="241829"/>
+          </a:xfrm>
+          <a:prstGeom prst="bentConnector3">
+            <a:avLst/>
+          </a:prstGeom>
+          <a:ln w="19050">
+            <a:solidFill>
+              <a:srgbClr val="7030A0"/>
+            </a:solidFill>
+            <a:headEnd type="none" w="med" len="med"/>
+            <a:tailEnd type="arrow" w="med" len="med"/>
+          </a:ln>
+          <a:effectLst/>
+        </p:spPr>
+        <p:style>
+          <a:lnRef idx="1">
+            <a:schemeClr val="accent2"/>
+          </a:lnRef>
+          <a:fillRef idx="2">
+            <a:schemeClr val="accent2"/>
+          </a:fillRef>
+          <a:effectRef idx="1">
+            <a:schemeClr val="accent2"/>
+          </a:effectRef>
+          <a:fontRef idx="minor">
+            <a:schemeClr val="dk1"/>
+          </a:fontRef>
+        </p:style>
+      </p:cxnSp>
+      <p:cxnSp>
+        <p:nvCxnSpPr>
+          <p:cNvPr id="92" name="Elbow Connector 29">
+            <a:extLst>
+              <a:ext uri="{FF2B5EF4-FFF2-40B4-BE49-F238E27FC236}">
+                <a16:creationId xmlns:a16="http://schemas.microsoft.com/office/drawing/2014/main" id="{D1E312B1-F07F-42E0-B909-2C3800006FEC}"/>
+              </a:ext>
+            </a:extLst>
+          </p:cNvPr>
+          <p:cNvCxnSpPr>
+            <a:cxnSpLocks/>
+            <a:stCxn id="51" idx="3"/>
+            <a:endCxn id="88" idx="1"/>
+          </p:cNvCxnSpPr>
+          <p:nvPr/>
+        </p:nvCxnSpPr>
+        <p:spPr>
+          <a:xfrm>
+            <a:off x="4153221" y="2157472"/>
+            <a:ext cx="671026" cy="957304"/>
+          </a:xfrm>
+          <a:prstGeom prst="bentConnector3">
+            <a:avLst>
+              <a:gd name="adj1" fmla="val 50000"/>
+            </a:avLst>
+          </a:prstGeom>
+          <a:ln w="19050">
+            <a:solidFill>
+              <a:srgbClr val="7030A0"/>
+            </a:solidFill>
+            <a:headEnd type="none" w="med" len="med"/>
+            <a:tailEnd type="arrow" w="med" len="med"/>
+          </a:ln>
+          <a:effectLst/>
+        </p:spPr>
+        <p:style>
+          <a:lnRef idx="1">
+            <a:schemeClr val="accent2"/>
+          </a:lnRef>
+          <a:fillRef idx="2">
+            <a:schemeClr val="accent2"/>
+          </a:fillRef>
+          <a:effectRef idx="1">
+            <a:schemeClr val="accent2"/>
+          </a:effectRef>
+          <a:fontRef idx="minor">
+            <a:schemeClr val="dk1"/>
+          </a:fontRef>
+        </p:style>
+      </p:cxnSp>
+      <p:sp>
+        <p:nvSpPr>
+          <p:cNvPr id="95" name="TextBox 94">
+            <a:extLst>
+              <a:ext uri="{FF2B5EF4-FFF2-40B4-BE49-F238E27FC236}">
+                <a16:creationId xmlns:a16="http://schemas.microsoft.com/office/drawing/2014/main" id="{D29B85A3-61AD-46D9-96B7-EC8CCA02159B}"/>
+              </a:ext>
+            </a:extLst>
+          </p:cNvPr>
+          <p:cNvSpPr txBox="1"/>
+          <p:nvPr/>
+        </p:nvSpPr>
+        <p:spPr>
+          <a:xfrm>
+            <a:off x="4575940" y="2196829"/>
+            <a:ext cx="189257" cy="178683"/>
+          </a:xfrm>
+          <a:prstGeom prst="rect">
+            <a:avLst/>
+          </a:prstGeom>
+          <a:noFill/>
+        </p:spPr>
+        <p:txBody>
+          <a:bodyPr wrap="square" lIns="0" tIns="0" rIns="0" bIns="0" rtlCol="0">
+            <a:noAutofit/>
+          </a:bodyPr>
+          <a:lstStyle/>
+          <a:p>
+            <a:pPr algn="ctr"/>
+            <a:r>
+              <a:rPr lang="en-US" sz="1100" dirty="0">
+                <a:solidFill>
+                  <a:srgbClr val="7030A0"/>
+                </a:solidFill>
+              </a:rPr>
+              <a:t>1</a:t>
+            </a:r>
+            <a:endParaRPr lang="en-SG" sz="1100" dirty="0">
+              <a:solidFill>
+                <a:srgbClr val="7030A0"/>
+              </a:solidFill>
+            </a:endParaRPr>
+          </a:p>
+        </p:txBody>
+      </p:sp>
+      <p:sp>
+        <p:nvSpPr>
+          <p:cNvPr id="96" name="TextBox 95">
+            <a:extLst>
+              <a:ext uri="{FF2B5EF4-FFF2-40B4-BE49-F238E27FC236}">
+                <a16:creationId xmlns:a16="http://schemas.microsoft.com/office/drawing/2014/main" id="{4C638C9C-DC93-4F3F-9C3B-86FC32804BAA}"/>
+              </a:ext>
+            </a:extLst>
+          </p:cNvPr>
+          <p:cNvSpPr txBox="1"/>
+          <p:nvPr/>
+        </p:nvSpPr>
+        <p:spPr>
+          <a:xfrm>
+            <a:off x="4577258" y="2889495"/>
+            <a:ext cx="189257" cy="178683"/>
+          </a:xfrm>
+          <a:prstGeom prst="rect">
+            <a:avLst/>
+          </a:prstGeom>
+          <a:noFill/>
+        </p:spPr>
+        <p:txBody>
+          <a:bodyPr wrap="square" lIns="0" tIns="0" rIns="0" bIns="0" rtlCol="0">
+            <a:noAutofit/>
+          </a:bodyPr>
+          <a:lstStyle/>
+          <a:p>
+            <a:pPr algn="ctr"/>
+            <a:r>
+              <a:rPr lang="en-US" sz="1100" dirty="0">
+                <a:solidFill>
+                  <a:srgbClr val="7030A0"/>
+                </a:solidFill>
+              </a:rPr>
+              <a:t>1</a:t>
+            </a:r>
+            <a:endParaRPr lang="en-SG" sz="1100" dirty="0">
+              <a:solidFill>
+                <a:srgbClr val="7030A0"/>
+              </a:solidFill>
+            </a:endParaRPr>
+          </a:p>
+        </p:txBody>
+      </p:sp>
+      <p:sp>
+        <p:nvSpPr>
+          <p:cNvPr id="81" name="Rectangle 8">
+            <a:extLst>
+              <a:ext uri="{FF2B5EF4-FFF2-40B4-BE49-F238E27FC236}">
+                <a16:creationId xmlns:a16="http://schemas.microsoft.com/office/drawing/2014/main" id="{7A38C179-FD0A-4AFF-9DAD-D2B114E689D6}"/>
+              </a:ext>
+            </a:extLst>
+          </p:cNvPr>
+          <p:cNvSpPr/>
+          <p:nvPr/>
+        </p:nvSpPr>
+        <p:spPr>
+          <a:xfrm>
+            <a:off x="2680736" y="3086120"/>
+            <a:ext cx="1099150" cy="377140"/>
+          </a:xfrm>
+          <a:prstGeom prst="rect">
+            <a:avLst/>
+          </a:prstGeom>
+          <a:ln w="19050">
+            <a:solidFill>
+              <a:srgbClr val="7030A0"/>
+            </a:solidFill>
+          </a:ln>
+          <a:effectLst/>
+        </p:spPr>
+        <p:style>
+          <a:lnRef idx="1">
+            <a:schemeClr val="accent4"/>
+          </a:lnRef>
+          <a:fillRef idx="2">
+            <a:schemeClr val="accent4"/>
+          </a:fillRef>
+          <a:effectRef idx="1">
+            <a:schemeClr val="accent4"/>
+          </a:effectRef>
+          <a:fontRef idx="minor">
+            <a:schemeClr val="dk1"/>
+          </a:fontRef>
+        </p:style>
+        <p:txBody>
+          <a:bodyPr rtlCol="0" anchor="ctr"/>
+          <a:lstStyle/>
+          <a:p>
+            <a:pPr algn="ctr"/>
+            <a:r>
+              <a:rPr lang="en-US" sz="1050" dirty="0">
+                <a:solidFill>
+                  <a:srgbClr val="7030A0"/>
+                </a:solidFill>
+              </a:rPr>
+              <a:t>{abstract}</a:t>
+            </a:r>
+            <a:br>
+              <a:rPr lang="en-US" sz="1050" dirty="0">
+                <a:solidFill>
+                  <a:srgbClr val="7030A0"/>
+                </a:solidFill>
+              </a:rPr>
+            </a:br>
+            <a:r>
+              <a:rPr lang="en-US" sz="1050" dirty="0" err="1">
+                <a:solidFill>
+                  <a:srgbClr val="7030A0"/>
+                </a:solidFill>
+              </a:rPr>
+              <a:t>EntryList</a:t>
+            </a:r>
+            <a:endParaRPr lang="en-SG" sz="1050" dirty="0">
+              <a:solidFill>
+                <a:srgbClr val="7030A0"/>
+              </a:solidFill>
+            </a:endParaRPr>
+          </a:p>
+        </p:txBody>
+      </p:sp>
+      <p:sp>
+        <p:nvSpPr>
+          <p:cNvPr id="83" name="TextBox 82">
+            <a:extLst>
+              <a:ext uri="{FF2B5EF4-FFF2-40B4-BE49-F238E27FC236}">
+                <a16:creationId xmlns:a16="http://schemas.microsoft.com/office/drawing/2014/main" id="{B0746313-7EAE-4FD7-BA26-B0CF426E0CE1}"/>
+              </a:ext>
+            </a:extLst>
+          </p:cNvPr>
+          <p:cNvSpPr txBox="1"/>
+          <p:nvPr/>
+        </p:nvSpPr>
+        <p:spPr>
+          <a:xfrm>
+            <a:off x="2631129" y="3631998"/>
+            <a:ext cx="189257" cy="178683"/>
+          </a:xfrm>
+          <a:prstGeom prst="rect">
+            <a:avLst/>
+          </a:prstGeom>
+          <a:noFill/>
+        </p:spPr>
+        <p:txBody>
+          <a:bodyPr wrap="square" lIns="0" tIns="0" rIns="0" bIns="0" rtlCol="0">
+            <a:noAutofit/>
+          </a:bodyPr>
+          <a:lstStyle/>
+          <a:p>
+            <a:pPr algn="ctr"/>
+            <a:r>
+              <a:rPr lang="en-SG" sz="1100" dirty="0">
+                <a:solidFill>
+                  <a:srgbClr val="7030A0"/>
+                </a:solidFill>
+              </a:rPr>
+              <a:t>3</a:t>
+            </a:r>
+          </a:p>
+        </p:txBody>
+      </p:sp>
+      <p:sp>
+        <p:nvSpPr>
+          <p:cNvPr id="111" name="Isosceles Triangle 102">
+            <a:extLst>
+              <a:ext uri="{FF2B5EF4-FFF2-40B4-BE49-F238E27FC236}">
+                <a16:creationId xmlns:a16="http://schemas.microsoft.com/office/drawing/2014/main" id="{A106F481-8113-48BD-B065-34D89F65F0AB}"/>
+              </a:ext>
+            </a:extLst>
+          </p:cNvPr>
+          <p:cNvSpPr/>
+          <p:nvPr/>
+        </p:nvSpPr>
+        <p:spPr>
+          <a:xfrm rot="5400000" flipV="1">
+            <a:off x="3894179" y="3777459"/>
+            <a:ext cx="270504" cy="175523"/>
+          </a:xfrm>
+          <a:prstGeom prst="triangle">
+            <a:avLst/>
+          </a:prstGeom>
+          <a:ln w="19050">
+            <a:solidFill>
+              <a:srgbClr val="7030A0"/>
+            </a:solidFill>
+          </a:ln>
+          <a:effectLst/>
+        </p:spPr>
+        <p:style>
+          <a:lnRef idx="1">
+            <a:schemeClr val="accent4"/>
+          </a:lnRef>
+          <a:fillRef idx="2">
+            <a:schemeClr val="accent4"/>
+          </a:fillRef>
+          <a:effectRef idx="1">
+            <a:schemeClr val="accent4"/>
+          </a:effectRef>
+          <a:fontRef idx="minor">
+            <a:schemeClr val="dk1"/>
+          </a:fontRef>
+        </p:style>
+        <p:txBody>
+          <a:bodyPr rtlCol="0" anchor="ctr"/>
+          <a:lstStyle/>
+          <a:p>
+            <a:pPr algn="ctr"/>
+            <a:endParaRPr lang="en-SG" sz="1050" b="1">
+              <a:solidFill>
+                <a:srgbClr val="92D050"/>
+              </a:solidFill>
+            </a:endParaRPr>
+          </a:p>
+        </p:txBody>
+      </p:sp>
+      <p:cxnSp>
+        <p:nvCxnSpPr>
+          <p:cNvPr id="113" name="Elbow Connector 63">
+            <a:extLst>
+              <a:ext uri="{FF2B5EF4-FFF2-40B4-BE49-F238E27FC236}">
+                <a16:creationId xmlns:a16="http://schemas.microsoft.com/office/drawing/2014/main" id="{A1485418-2743-47D1-BC42-2E0545F2FBE5}"/>
+              </a:ext>
+            </a:extLst>
+          </p:cNvPr>
+          <p:cNvCxnSpPr>
+            <a:cxnSpLocks/>
+            <a:stCxn id="115" idx="3"/>
+            <a:endCxn id="49" idx="1"/>
+          </p:cNvCxnSpPr>
+          <p:nvPr/>
+        </p:nvCxnSpPr>
+        <p:spPr>
+          <a:xfrm flipV="1">
+            <a:off x="3978565" y="1965848"/>
+            <a:ext cx="851097" cy="1293605"/>
+          </a:xfrm>
+          <a:prstGeom prst="bentConnector3">
+            <a:avLst>
+              <a:gd name="adj1" fmla="val 50000"/>
+            </a:avLst>
+          </a:prstGeom>
+          <a:ln w="19050">
+            <a:solidFill>
+              <a:srgbClr val="7030A0"/>
+            </a:solidFill>
+            <a:prstDash val="sysDot"/>
+            <a:headEnd type="none" w="med" len="med"/>
+            <a:tailEnd type="none" w="med" len="med"/>
+          </a:ln>
+          <a:effectLst/>
+        </p:spPr>
+        <p:style>
+          <a:lnRef idx="1">
+            <a:schemeClr val="accent2"/>
+          </a:lnRef>
+          <a:fillRef idx="2">
+            <a:schemeClr val="accent2"/>
+          </a:fillRef>
+          <a:effectRef idx="1">
+            <a:schemeClr val="accent2"/>
+          </a:effectRef>
+          <a:fontRef idx="minor">
+            <a:schemeClr val="dk1"/>
+          </a:fontRef>
+        </p:style>
+      </p:cxnSp>
+      <p:sp>
+        <p:nvSpPr>
+          <p:cNvPr id="115" name="Isosceles Triangle 102">
+            <a:extLst>
+              <a:ext uri="{FF2B5EF4-FFF2-40B4-BE49-F238E27FC236}">
+                <a16:creationId xmlns:a16="http://schemas.microsoft.com/office/drawing/2014/main" id="{CEC3CD33-62F4-457F-B391-47EC0406E552}"/>
+              </a:ext>
+            </a:extLst>
+          </p:cNvPr>
+          <p:cNvSpPr/>
+          <p:nvPr/>
+        </p:nvSpPr>
+        <p:spPr>
+          <a:xfrm rot="5400000" flipV="1">
+            <a:off x="3755551" y="3171691"/>
+            <a:ext cx="270504" cy="175523"/>
+          </a:xfrm>
+          <a:prstGeom prst="triangle">
+            <a:avLst/>
+          </a:prstGeom>
+          <a:ln w="19050">
+            <a:solidFill>
+              <a:srgbClr val="7030A0"/>
+            </a:solidFill>
+          </a:ln>
+          <a:effectLst/>
+        </p:spPr>
+        <p:style>
+          <a:lnRef idx="1">
+            <a:schemeClr val="accent4"/>
+          </a:lnRef>
+          <a:fillRef idx="2">
+            <a:schemeClr val="accent4"/>
+          </a:fillRef>
+          <a:effectRef idx="1">
+            <a:schemeClr val="accent4"/>
+          </a:effectRef>
+          <a:fontRef idx="minor">
+            <a:schemeClr val="dk1"/>
+          </a:fontRef>
+        </p:style>
+        <p:txBody>
+          <a:bodyPr rtlCol="0" anchor="ctr"/>
+          <a:lstStyle/>
+          <a:p>
+            <a:pPr algn="ctr"/>
+            <a:endParaRPr lang="en-SG" sz="1050" b="1">
+              <a:solidFill>
+                <a:srgbClr val="92D050"/>
+              </a:solidFill>
+            </a:endParaRPr>
+          </a:p>
+        </p:txBody>
+      </p:sp>
+      <p:cxnSp>
+        <p:nvCxnSpPr>
+          <p:cNvPr id="136" name="Elbow Connector 63">
+            <a:extLst>
+              <a:ext uri="{FF2B5EF4-FFF2-40B4-BE49-F238E27FC236}">
+                <a16:creationId xmlns:a16="http://schemas.microsoft.com/office/drawing/2014/main" id="{E1328738-EFAE-49FD-A3F1-1DB3F8A12A40}"/>
+              </a:ext>
+            </a:extLst>
+          </p:cNvPr>
+          <p:cNvCxnSpPr>
+            <a:cxnSpLocks/>
+            <a:stCxn id="115" idx="3"/>
+            <a:endCxn id="84" idx="1"/>
+          </p:cNvCxnSpPr>
+          <p:nvPr/>
+        </p:nvCxnSpPr>
+        <p:spPr>
+          <a:xfrm flipV="1">
+            <a:off x="3978565" y="2545155"/>
+            <a:ext cx="846863" cy="714298"/>
+          </a:xfrm>
+          <a:prstGeom prst="bentConnector3">
+            <a:avLst>
+              <a:gd name="adj1" fmla="val 50000"/>
+            </a:avLst>
+          </a:prstGeom>
+          <a:ln w="19050">
+            <a:solidFill>
+              <a:srgbClr val="7030A0"/>
+            </a:solidFill>
+            <a:prstDash val="sysDot"/>
+            <a:headEnd type="none" w="med" len="med"/>
+            <a:tailEnd type="none" w="med" len="med"/>
+          </a:ln>
+          <a:effectLst/>
+        </p:spPr>
+        <p:style>
+          <a:lnRef idx="1">
+            <a:schemeClr val="accent2"/>
+          </a:lnRef>
+          <a:fillRef idx="2">
+            <a:schemeClr val="accent2"/>
+          </a:fillRef>
+          <a:effectRef idx="1">
+            <a:schemeClr val="accent2"/>
+          </a:effectRef>
+          <a:fontRef idx="minor">
+            <a:schemeClr val="dk1"/>
+          </a:fontRef>
+        </p:style>
+      </p:cxnSp>
+      <p:cxnSp>
+        <p:nvCxnSpPr>
+          <p:cNvPr id="141" name="Elbow Connector 63">
+            <a:extLst>
+              <a:ext uri="{FF2B5EF4-FFF2-40B4-BE49-F238E27FC236}">
+                <a16:creationId xmlns:a16="http://schemas.microsoft.com/office/drawing/2014/main" id="{4B86615C-E534-4DC6-9AD1-FC396A0A1ADB}"/>
+              </a:ext>
+            </a:extLst>
+          </p:cNvPr>
+          <p:cNvCxnSpPr>
+            <a:cxnSpLocks/>
+            <a:stCxn id="115" idx="3"/>
+          </p:cNvCxnSpPr>
+          <p:nvPr/>
+        </p:nvCxnSpPr>
+        <p:spPr>
+          <a:xfrm flipV="1">
+            <a:off x="3978565" y="3255550"/>
+            <a:ext cx="836608" cy="3903"/>
+          </a:xfrm>
+          <a:prstGeom prst="bentConnector3">
+            <a:avLst>
+              <a:gd name="adj1" fmla="val 50000"/>
+            </a:avLst>
+          </a:prstGeom>
+          <a:ln w="19050">
+            <a:solidFill>
+              <a:srgbClr val="7030A0"/>
+            </a:solidFill>
+            <a:prstDash val="sysDot"/>
+            <a:headEnd type="none" w="med" len="med"/>
+            <a:tailEnd type="none" w="med" len="med"/>
+          </a:ln>
+          <a:effectLst/>
+        </p:spPr>
+        <p:style>
+          <a:lnRef idx="1">
+            <a:schemeClr val="accent2"/>
+          </a:lnRef>
+          <a:fillRef idx="2">
+            <a:schemeClr val="accent2"/>
+          </a:fillRef>
+          <a:effectRef idx="1">
+            <a:schemeClr val="accent2"/>
+          </a:effectRef>
+          <a:fontRef idx="minor">
+            <a:schemeClr val="dk1"/>
+          </a:fontRef>
+        </p:style>
+      </p:cxnSp>
+      <p:cxnSp>
+        <p:nvCxnSpPr>
+          <p:cNvPr id="123" name="Elbow Connector 63">
+            <a:extLst>
+              <a:ext uri="{FF2B5EF4-FFF2-40B4-BE49-F238E27FC236}">
+                <a16:creationId xmlns:a16="http://schemas.microsoft.com/office/drawing/2014/main" id="{0E5833F7-A1A8-48FF-A1CC-D6EC18139449}"/>
+              </a:ext>
+            </a:extLst>
+          </p:cNvPr>
+          <p:cNvCxnSpPr>
+            <a:cxnSpLocks/>
+            <a:stCxn id="111" idx="3"/>
+            <a:endCxn id="77" idx="0"/>
+          </p:cNvCxnSpPr>
+          <p:nvPr/>
+        </p:nvCxnSpPr>
+        <p:spPr>
+          <a:xfrm>
+            <a:off x="4117193" y="3865221"/>
+            <a:ext cx="2483928" cy="570323"/>
+          </a:xfrm>
+          <a:prstGeom prst="bentConnector2">
+            <a:avLst/>
+          </a:prstGeom>
+          <a:ln w="19050">
+            <a:solidFill>
+              <a:srgbClr val="7030A0"/>
+            </a:solidFill>
+            <a:prstDash val="sysDot"/>
+            <a:headEnd type="none" w="med" len="med"/>
+            <a:tailEnd type="none" w="med" len="med"/>
+          </a:ln>
+          <a:effectLst/>
+        </p:spPr>
+        <p:style>
+          <a:lnRef idx="1">
+            <a:schemeClr val="accent2"/>
+          </a:lnRef>
+          <a:fillRef idx="2">
+            <a:schemeClr val="accent2"/>
+          </a:fillRef>
+          <a:effectRef idx="1">
+            <a:schemeClr val="accent2"/>
+          </a:effectRef>
+          <a:fontRef idx="minor">
+            <a:schemeClr val="dk1"/>
+          </a:fontRef>
+        </p:style>
+      </p:cxnSp>
+      <p:cxnSp>
+        <p:nvCxnSpPr>
+          <p:cNvPr id="126" name="Elbow Connector 63">
+            <a:extLst>
+              <a:ext uri="{FF2B5EF4-FFF2-40B4-BE49-F238E27FC236}">
+                <a16:creationId xmlns:a16="http://schemas.microsoft.com/office/drawing/2014/main" id="{AF37180F-9947-4FD9-80D2-62462566E4CC}"/>
+              </a:ext>
+            </a:extLst>
+          </p:cNvPr>
+          <p:cNvCxnSpPr>
+            <a:cxnSpLocks/>
+            <a:stCxn id="111" idx="3"/>
+            <a:endCxn id="87" idx="0"/>
+          </p:cNvCxnSpPr>
+          <p:nvPr/>
+        </p:nvCxnSpPr>
+        <p:spPr>
+          <a:xfrm>
+            <a:off x="4117193" y="3865221"/>
+            <a:ext cx="3150937" cy="954396"/>
+          </a:xfrm>
+          <a:prstGeom prst="bentConnector2">
+            <a:avLst/>
+          </a:prstGeom>
+          <a:ln w="19050">
+            <a:solidFill>
+              <a:srgbClr val="7030A0"/>
+            </a:solidFill>
+            <a:prstDash val="sysDot"/>
+            <a:headEnd type="none" w="med" len="med"/>
+            <a:tailEnd type="none" w="med" len="med"/>
+          </a:ln>
+          <a:effectLst/>
+        </p:spPr>
+        <p:style>
+          <a:lnRef idx="1">
+            <a:schemeClr val="accent2"/>
+          </a:lnRef>
+          <a:fillRef idx="2">
+            <a:schemeClr val="accent2"/>
+          </a:fillRef>
+          <a:effectRef idx="1">
+            <a:schemeClr val="accent2"/>
+          </a:effectRef>
+          <a:fontRef idx="minor">
+            <a:schemeClr val="dk1"/>
+          </a:fontRef>
+        </p:style>
+      </p:cxnSp>
+    </p:spTree>
+    <p:extLst>
+      <p:ext uri="{BB962C8B-B14F-4D97-AF65-F5344CB8AC3E}">
+        <p14:creationId xmlns:p14="http://schemas.microsoft.com/office/powerpoint/2010/main" val="3073666159"/>
       </p:ext>
     </p:extLst>
   </p:cSld>

--- a/docs/diagrams/ModelComponentClassDiagram.pptx
+++ b/docs/diagrams/ModelComponentClassDiagram.pptx
@@ -5,13 +5,12 @@
     <p:sldMasterId id="2147483648" r:id="rId1"/>
   </p:sldMasterIdLst>
   <p:notesMasterIdLst>
-    <p:notesMasterId r:id="rId6"/>
+    <p:notesMasterId r:id="rId5"/>
   </p:notesMasterIdLst>
   <p:sldIdLst>
     <p:sldId id="265" r:id="rId2"/>
     <p:sldId id="263" r:id="rId3"/>
     <p:sldId id="266" r:id="rId4"/>
-    <p:sldId id="267" r:id="rId5"/>
   </p:sldIdLst>
   <p:sldSz cx="9144000" cy="6858000" type="screen4x3"/>
   <p:notesSz cx="6858000" cy="9144000"/>
@@ -10837,7 +10836,7 @@
         </p:nvSpPr>
         <p:spPr>
           <a:xfrm>
-            <a:off x="6006879" y="1524000"/>
+            <a:off x="5994896" y="1524425"/>
             <a:ext cx="236048" cy="173380"/>
           </a:xfrm>
           <a:prstGeom prst="flowChartDecision">
@@ -10886,8 +10885,8 @@
         </p:nvCxnSpPr>
         <p:spPr>
           <a:xfrm>
-            <a:off x="6242927" y="1610690"/>
-            <a:ext cx="286243" cy="239658"/>
+            <a:off x="6230944" y="1611115"/>
+            <a:ext cx="298226" cy="239233"/>
           </a:xfrm>
           <a:prstGeom prst="bentConnector3">
             <a:avLst/>
@@ -11281,15 +11280,15 @@
           <p:cNvPr id="97" name="Elbow Connector 63"/>
           <p:cNvCxnSpPr>
             <a:cxnSpLocks/>
-            <a:stCxn id="99" idx="3"/>
+            <a:stCxn id="138" idx="3"/>
             <a:endCxn id="46" idx="0"/>
           </p:cNvCxnSpPr>
           <p:nvPr/>
         </p:nvCxnSpPr>
         <p:spPr>
           <a:xfrm rot="16200000" flipH="1">
-            <a:off x="3304062" y="1536226"/>
-            <a:ext cx="103181" cy="78"/>
+            <a:off x="3297348" y="1529513"/>
+            <a:ext cx="114374" cy="2311"/>
           </a:xfrm>
           <a:prstGeom prst="bentConnector3">
             <a:avLst>
@@ -11321,54 +11320,6 @@
           </a:fontRef>
         </p:style>
       </p:cxnSp>
-      <p:sp>
-        <p:nvSpPr>
-          <p:cNvPr id="99" name="Isosceles Triangle 102"/>
-          <p:cNvSpPr/>
-          <p:nvPr/>
-        </p:nvSpPr>
-        <p:spPr>
-          <a:xfrm rot="10800000" flipV="1">
-            <a:off x="3220361" y="1309152"/>
-            <a:ext cx="270504" cy="175523"/>
-          </a:xfrm>
-          <a:prstGeom prst="triangle">
-            <a:avLst/>
-          </a:prstGeom>
-          <a:ln w="19050">
-            <a:solidFill>
-              <a:srgbClr val="7030A0"/>
-            </a:solidFill>
-          </a:ln>
-          <a:effectLst/>
-        </p:spPr>
-        <p:style>
-          <a:lnRef idx="1">
-            <a:schemeClr val="accent4"/>
-          </a:lnRef>
-          <a:fillRef idx="2">
-            <a:schemeClr val="accent4"/>
-          </a:fillRef>
-          <a:effectRef idx="1">
-            <a:schemeClr val="accent4"/>
-          </a:effectRef>
-          <a:fontRef idx="minor">
-            <a:schemeClr val="dk1"/>
-          </a:fontRef>
-        </p:style>
-        <p:txBody>
-          <a:bodyPr rtlCol="0" anchor="ctr"/>
-          <a:lstStyle/>
-          <a:p>
-            <a:pPr algn="ctr"/>
-            <a:endParaRPr lang="en-SG" sz="1050" b="1">
-              <a:solidFill>
-                <a:srgbClr val="92D050"/>
-              </a:solidFill>
-            </a:endParaRPr>
-          </a:p>
-        </p:txBody>
-      </p:sp>
       <p:sp>
         <p:nvSpPr>
           <p:cNvPr id="100" name="Rectangle 8"/>
@@ -11878,45 +11829,6 @@
         <p:spPr>
           <a:xfrm>
             <a:off x="2585753" y="2346486"/>
-            <a:ext cx="189257" cy="178683"/>
-          </a:xfrm>
-          <a:prstGeom prst="rect">
-            <a:avLst/>
-          </a:prstGeom>
-          <a:noFill/>
-        </p:spPr>
-        <p:txBody>
-          <a:bodyPr wrap="square" lIns="0" tIns="0" rIns="0" bIns="0" rtlCol="0">
-            <a:noAutofit/>
-          </a:bodyPr>
-          <a:lstStyle/>
-          <a:p>
-            <a:pPr algn="ctr"/>
-            <a:r>
-              <a:rPr lang="en-US" sz="1100" dirty="0">
-                <a:solidFill>
-                  <a:srgbClr val="7030A0"/>
-                </a:solidFill>
-              </a:rPr>
-              <a:t>1</a:t>
-            </a:r>
-            <a:endParaRPr lang="en-SG" sz="1100" dirty="0">
-              <a:solidFill>
-                <a:srgbClr val="7030A0"/>
-              </a:solidFill>
-            </a:endParaRPr>
-          </a:p>
-        </p:txBody>
-      </p:sp>
-      <p:sp>
-        <p:nvSpPr>
-          <p:cNvPr id="70" name="TextBox 69"/>
-          <p:cNvSpPr txBox="1"/>
-          <p:nvPr/>
-        </p:nvSpPr>
-        <p:spPr>
-          <a:xfrm>
-            <a:off x="4154143" y="4546398"/>
             <a:ext cx="189257" cy="178683"/>
           </a:xfrm>
           <a:prstGeom prst="rect">
@@ -12395,8 +12307,8 @@
         </p:nvCxnSpPr>
         <p:spPr>
           <a:xfrm rot="10800000" flipV="1">
-            <a:off x="4765498" y="5484510"/>
-            <a:ext cx="1246854" cy="1262"/>
+            <a:off x="5138196" y="5484510"/>
+            <a:ext cx="874156" cy="1262"/>
           </a:xfrm>
           <a:prstGeom prst="bentConnector3">
             <a:avLst>
@@ -12445,8 +12357,8 @@
         </p:nvCxnSpPr>
         <p:spPr>
           <a:xfrm rot="10800000">
-            <a:off x="4135349" y="5621600"/>
-            <a:ext cx="2543042" cy="255308"/>
+            <a:off x="4508047" y="5621600"/>
+            <a:ext cx="2170344" cy="255308"/>
           </a:xfrm>
           <a:prstGeom prst="bentConnector2">
             <a:avLst/>
@@ -12489,7 +12401,7 @@
         </p:nvSpPr>
         <p:spPr>
           <a:xfrm>
-            <a:off x="3505200" y="5349944"/>
+            <a:off x="3877898" y="5349944"/>
             <a:ext cx="1260298" cy="271656"/>
           </a:xfrm>
           <a:prstGeom prst="rect">
@@ -12527,7 +12439,7 @@
                   <a:srgbClr val="7030A0"/>
                 </a:solidFill>
               </a:rPr>
-              <a:t>Java.util.Calendar</a:t>
+              <a:t>EntryDateAndTime</a:t>
             </a:r>
             <a:endParaRPr lang="en-SG" sz="1050" dirty="0">
               <a:solidFill>
@@ -12921,7 +12833,7 @@
         </p:nvSpPr>
         <p:spPr>
           <a:xfrm>
-            <a:off x="3897739" y="5705726"/>
+            <a:off x="4270437" y="5705726"/>
             <a:ext cx="189257" cy="178683"/>
           </a:xfrm>
           <a:prstGeom prst="rect">
@@ -12966,7 +12878,7 @@
         </p:nvSpPr>
         <p:spPr>
           <a:xfrm>
-            <a:off x="4848245" y="5280627"/>
+            <a:off x="5220943" y="5280627"/>
             <a:ext cx="189257" cy="178683"/>
           </a:xfrm>
           <a:prstGeom prst="rect">
@@ -13473,7 +13385,6 @@
           </p:cNvPr>
           <p:cNvCxnSpPr>
             <a:cxnSpLocks/>
-            <a:stCxn id="115" idx="3"/>
             <a:endCxn id="49" idx="1"/>
           </p:cNvCxnSpPr>
           <p:nvPr/>
@@ -13513,60 +13424,6 @@
           </a:fontRef>
         </p:style>
       </p:cxnSp>
-      <p:sp>
-        <p:nvSpPr>
-          <p:cNvPr id="115" name="Isosceles Triangle 102">
-            <a:extLst>
-              <a:ext uri="{FF2B5EF4-FFF2-40B4-BE49-F238E27FC236}">
-                <a16:creationId xmlns:a16="http://schemas.microsoft.com/office/drawing/2014/main" id="{CEC3CD33-62F4-457F-B391-47EC0406E552}"/>
-              </a:ext>
-            </a:extLst>
-          </p:cNvPr>
-          <p:cNvSpPr/>
-          <p:nvPr/>
-        </p:nvSpPr>
-        <p:spPr>
-          <a:xfrm rot="5400000" flipV="1">
-            <a:off x="3755551" y="2790691"/>
-            <a:ext cx="270504" cy="175523"/>
-          </a:xfrm>
-          <a:prstGeom prst="triangle">
-            <a:avLst/>
-          </a:prstGeom>
-          <a:ln w="19050">
-            <a:solidFill>
-              <a:srgbClr val="7030A0"/>
-            </a:solidFill>
-          </a:ln>
-          <a:effectLst/>
-        </p:spPr>
-        <p:style>
-          <a:lnRef idx="1">
-            <a:schemeClr val="accent4"/>
-          </a:lnRef>
-          <a:fillRef idx="2">
-            <a:schemeClr val="accent4"/>
-          </a:fillRef>
-          <a:effectRef idx="1">
-            <a:schemeClr val="accent4"/>
-          </a:effectRef>
-          <a:fontRef idx="minor">
-            <a:schemeClr val="dk1"/>
-          </a:fontRef>
-        </p:style>
-        <p:txBody>
-          <a:bodyPr rtlCol="0" anchor="ctr"/>
-          <a:lstStyle/>
-          <a:p>
-            <a:pPr algn="ctr"/>
-            <a:endParaRPr lang="en-SG" sz="1050" b="1">
-              <a:solidFill>
-                <a:srgbClr val="92D050"/>
-              </a:solidFill>
-            </a:endParaRPr>
-          </a:p>
-        </p:txBody>
-      </p:sp>
       <p:cxnSp>
         <p:nvCxnSpPr>
           <p:cNvPr id="136" name="Elbow Connector 63">
@@ -13578,7 +13435,6 @@
           </p:cNvPr>
           <p:cNvCxnSpPr>
             <a:cxnSpLocks/>
-            <a:stCxn id="115" idx="3"/>
             <a:endCxn id="84" idx="1"/>
           </p:cNvCxnSpPr>
           <p:nvPr/>
@@ -13629,14 +13485,13 @@
           </p:cNvPr>
           <p:cNvCxnSpPr>
             <a:cxnSpLocks/>
-            <a:stCxn id="115" idx="3"/>
           </p:cNvCxnSpPr>
           <p:nvPr/>
         </p:nvCxnSpPr>
         <p:spPr>
-          <a:xfrm flipV="1">
-            <a:off x="3978565" y="2874550"/>
-            <a:ext cx="836608" cy="3903"/>
+          <a:xfrm>
+            <a:off x="3978565" y="2878453"/>
+            <a:ext cx="827933" cy="897"/>
           </a:xfrm>
           <a:prstGeom prst="bentConnector3">
             <a:avLst>
@@ -14150,7 +14005,6 @@
           </p:cNvPr>
           <p:cNvCxnSpPr>
             <a:cxnSpLocks/>
-            <a:stCxn id="115" idx="3"/>
           </p:cNvCxnSpPr>
           <p:nvPr/>
         </p:nvCxnSpPr>
@@ -14413,637 +14267,356 @@
           </a:fontRef>
         </p:style>
       </p:cxnSp>
-    </p:spTree>
-    <p:extLst>
-      <p:ext uri="{BB962C8B-B14F-4D97-AF65-F5344CB8AC3E}">
-        <p14:creationId xmlns:p14="http://schemas.microsoft.com/office/powerpoint/2010/main" val="1794726962"/>
-      </p:ext>
-    </p:extLst>
-  </p:cSld>
-  <p:clrMapOvr>
-    <a:masterClrMapping/>
-  </p:clrMapOvr>
-</p:sld>
-</file>
-
-<file path=ppt/slides/slide4.xml><?xml version="1.0" encoding="utf-8"?>
-<p:sld xmlns:a="http://schemas.openxmlformats.org/drawingml/2006/main" xmlns:r="http://schemas.openxmlformats.org/officeDocument/2006/relationships" xmlns:p="http://schemas.openxmlformats.org/presentationml/2006/main">
-  <p:cSld>
-    <p:spTree>
-      <p:nvGrpSpPr>
-        <p:cNvPr id="1" name=""/>
-        <p:cNvGrpSpPr/>
-        <p:nvPr/>
-      </p:nvGrpSpPr>
-      <p:grpSpPr>
-        <a:xfrm>
-          <a:off x="0" y="0"/>
-          <a:ext cx="0" cy="0"/>
-          <a:chOff x="0" y="0"/>
-          <a:chExt cx="0" cy="0"/>
-        </a:xfrm>
-      </p:grpSpPr>
-      <p:sp>
-        <p:nvSpPr>
-          <p:cNvPr id="118" name="Rectangle 65"/>
+      <p:sp>
+        <p:nvSpPr>
+          <p:cNvPr id="127" name="Flowchart: Decision 96">
+            <a:extLst>
+              <a:ext uri="{FF2B5EF4-FFF2-40B4-BE49-F238E27FC236}">
+                <a16:creationId xmlns:a16="http://schemas.microsoft.com/office/drawing/2014/main" id="{D2B8E737-BBB7-4B8C-BDF8-2EF7A3E1DE44}"/>
+              </a:ext>
+            </a:extLst>
+          </p:cNvPr>
           <p:cNvSpPr/>
           <p:nvPr/>
         </p:nvSpPr>
         <p:spPr>
           <a:xfrm>
-            <a:off x="990600" y="533400"/>
-            <a:ext cx="7239000" cy="4876800"/>
-          </a:xfrm>
-          <a:prstGeom prst="roundRect">
-            <a:avLst>
-              <a:gd name="adj" fmla="val 3484"/>
-            </a:avLst>
-          </a:prstGeom>
-          <a:solidFill>
-            <a:schemeClr val="accent4">
-              <a:lumMod val="20000"/>
-              <a:lumOff val="80000"/>
-            </a:schemeClr>
-          </a:solidFill>
-          <a:ln w="19050">
-            <a:noFill/>
-          </a:ln>
-          <a:effectLst/>
-        </p:spPr>
-        <p:style>
-          <a:lnRef idx="1">
-            <a:schemeClr val="accent2"/>
-          </a:lnRef>
-          <a:fillRef idx="2">
-            <a:schemeClr val="accent2"/>
-          </a:fillRef>
-          <a:effectRef idx="1">
-            <a:schemeClr val="accent2"/>
-          </a:effectRef>
-          <a:fontRef idx="minor">
-            <a:schemeClr val="dk1"/>
-          </a:fontRef>
-        </p:style>
-        <p:txBody>
-          <a:bodyPr rtlCol="0" anchor="t"/>
-          <a:lstStyle/>
-          <a:p>
-            <a:r>
-              <a:rPr lang="en-US" sz="1200" b="1" dirty="0">
+            <a:off x="6011342" y="4334585"/>
+            <a:ext cx="236048" cy="173380"/>
+          </a:xfrm>
+          <a:prstGeom prst="flowChartDecision">
+            <a:avLst/>
+          </a:prstGeom>
+          <a:noFill/>
+          <a:ln w="19050">
+            <a:solidFill>
+              <a:srgbClr val="7030A0"/>
+            </a:solidFill>
+          </a:ln>
+          <a:effectLst/>
+        </p:spPr>
+        <p:style>
+          <a:lnRef idx="1">
+            <a:schemeClr val="accent6"/>
+          </a:lnRef>
+          <a:fillRef idx="2">
+            <a:schemeClr val="accent6"/>
+          </a:fillRef>
+          <a:effectRef idx="1">
+            <a:schemeClr val="accent6"/>
+          </a:effectRef>
+          <a:fontRef idx="minor">
+            <a:schemeClr val="dk1"/>
+          </a:fontRef>
+        </p:style>
+        <p:txBody>
+          <a:bodyPr rtlCol="0" anchor="ctr"/>
+          <a:lstStyle/>
+          <a:p>
+            <a:pPr algn="ctr"/>
+            <a:endParaRPr lang="en-US" sz="1050"/>
+          </a:p>
+        </p:txBody>
+      </p:sp>
+      <p:cxnSp>
+        <p:nvCxnSpPr>
+          <p:cNvPr id="128" name="Elbow Connector 63">
+            <a:extLst>
+              <a:ext uri="{FF2B5EF4-FFF2-40B4-BE49-F238E27FC236}">
+                <a16:creationId xmlns:a16="http://schemas.microsoft.com/office/drawing/2014/main" id="{374521C2-65BA-4C6B-99B3-454966DC871F}"/>
+              </a:ext>
+            </a:extLst>
+          </p:cNvPr>
+          <p:cNvCxnSpPr>
+            <a:cxnSpLocks/>
+            <a:stCxn id="127" idx="3"/>
+            <a:endCxn id="62" idx="1"/>
+          </p:cNvCxnSpPr>
+          <p:nvPr/>
+        </p:nvCxnSpPr>
+        <p:spPr>
+          <a:xfrm flipV="1">
+            <a:off x="6247390" y="1850348"/>
+            <a:ext cx="281780" cy="2570927"/>
+          </a:xfrm>
+          <a:prstGeom prst="bentConnector3">
+            <a:avLst/>
+          </a:prstGeom>
+          <a:ln w="19050">
+            <a:solidFill>
+              <a:srgbClr val="7030A0"/>
+            </a:solidFill>
+            <a:headEnd type="none" w="med" len="med"/>
+            <a:tailEnd type="arrow" w="med" len="med"/>
+          </a:ln>
+          <a:effectLst/>
+        </p:spPr>
+        <p:style>
+          <a:lnRef idx="1">
+            <a:schemeClr val="accent2"/>
+          </a:lnRef>
+          <a:fillRef idx="2">
+            <a:schemeClr val="accent2"/>
+          </a:fillRef>
+          <a:effectRef idx="1">
+            <a:schemeClr val="accent2"/>
+          </a:effectRef>
+          <a:fontRef idx="minor">
+            <a:schemeClr val="dk1"/>
+          </a:fontRef>
+        </p:style>
+      </p:cxnSp>
+      <p:sp>
+        <p:nvSpPr>
+          <p:cNvPr id="130" name="Flowchart: Decision 96">
+            <a:extLst>
+              <a:ext uri="{FF2B5EF4-FFF2-40B4-BE49-F238E27FC236}">
+                <a16:creationId xmlns:a16="http://schemas.microsoft.com/office/drawing/2014/main" id="{29550259-9575-4556-85FA-77BF2816480E}"/>
+              </a:ext>
+            </a:extLst>
+          </p:cNvPr>
+          <p:cNvSpPr/>
+          <p:nvPr/>
+        </p:nvSpPr>
+        <p:spPr>
+          <a:xfrm>
+            <a:off x="6011146" y="3767034"/>
+            <a:ext cx="236048" cy="173380"/>
+          </a:xfrm>
+          <a:prstGeom prst="flowChartDecision">
+            <a:avLst/>
+          </a:prstGeom>
+          <a:noFill/>
+          <a:ln w="19050">
+            <a:solidFill>
+              <a:srgbClr val="7030A0"/>
+            </a:solidFill>
+          </a:ln>
+          <a:effectLst/>
+        </p:spPr>
+        <p:style>
+          <a:lnRef idx="1">
+            <a:schemeClr val="accent6"/>
+          </a:lnRef>
+          <a:fillRef idx="2">
+            <a:schemeClr val="accent6"/>
+          </a:fillRef>
+          <a:effectRef idx="1">
+            <a:schemeClr val="accent6"/>
+          </a:effectRef>
+          <a:fontRef idx="minor">
+            <a:schemeClr val="dk1"/>
+          </a:fontRef>
+        </p:style>
+        <p:txBody>
+          <a:bodyPr rtlCol="0" anchor="ctr"/>
+          <a:lstStyle/>
+          <a:p>
+            <a:pPr algn="ctr"/>
+            <a:endParaRPr lang="en-US" sz="1050"/>
+          </a:p>
+        </p:txBody>
+      </p:sp>
+      <p:cxnSp>
+        <p:nvCxnSpPr>
+          <p:cNvPr id="131" name="Elbow Connector 63">
+            <a:extLst>
+              <a:ext uri="{FF2B5EF4-FFF2-40B4-BE49-F238E27FC236}">
+                <a16:creationId xmlns:a16="http://schemas.microsoft.com/office/drawing/2014/main" id="{EB39E71E-810D-4B41-98B2-26F71047CDC8}"/>
+              </a:ext>
+            </a:extLst>
+          </p:cNvPr>
+          <p:cNvCxnSpPr>
+            <a:cxnSpLocks/>
+            <a:stCxn id="130" idx="3"/>
+            <a:endCxn id="62" idx="1"/>
+          </p:cNvCxnSpPr>
+          <p:nvPr/>
+        </p:nvCxnSpPr>
+        <p:spPr>
+          <a:xfrm flipV="1">
+            <a:off x="6247194" y="1850348"/>
+            <a:ext cx="281976" cy="2003376"/>
+          </a:xfrm>
+          <a:prstGeom prst="bentConnector3">
+            <a:avLst/>
+          </a:prstGeom>
+          <a:ln w="19050">
+            <a:solidFill>
+              <a:srgbClr val="7030A0"/>
+            </a:solidFill>
+            <a:headEnd type="none" w="med" len="med"/>
+            <a:tailEnd type="arrow" w="med" len="med"/>
+          </a:ln>
+          <a:effectLst/>
+        </p:spPr>
+        <p:style>
+          <a:lnRef idx="1">
+            <a:schemeClr val="accent2"/>
+          </a:lnRef>
+          <a:fillRef idx="2">
+            <a:schemeClr val="accent2"/>
+          </a:fillRef>
+          <a:effectRef idx="1">
+            <a:schemeClr val="accent2"/>
+          </a:effectRef>
+          <a:fontRef idx="minor">
+            <a:schemeClr val="dk1"/>
+          </a:fontRef>
+        </p:style>
+      </p:cxnSp>
+      <p:sp>
+        <p:nvSpPr>
+          <p:cNvPr id="132" name="Flowchart: Decision 96">
+            <a:extLst>
+              <a:ext uri="{FF2B5EF4-FFF2-40B4-BE49-F238E27FC236}">
+                <a16:creationId xmlns:a16="http://schemas.microsoft.com/office/drawing/2014/main" id="{94A79EB7-80BA-4FBB-9C94-4480E40AF89C}"/>
+              </a:ext>
+            </a:extLst>
+          </p:cNvPr>
+          <p:cNvSpPr/>
+          <p:nvPr/>
+        </p:nvSpPr>
+        <p:spPr>
+          <a:xfrm>
+            <a:off x="5999067" y="3209250"/>
+            <a:ext cx="236048" cy="173380"/>
+          </a:xfrm>
+          <a:prstGeom prst="flowChartDecision">
+            <a:avLst/>
+          </a:prstGeom>
+          <a:noFill/>
+          <a:ln w="19050">
+            <a:solidFill>
+              <a:srgbClr val="7030A0"/>
+            </a:solidFill>
+          </a:ln>
+          <a:effectLst/>
+        </p:spPr>
+        <p:style>
+          <a:lnRef idx="1">
+            <a:schemeClr val="accent6"/>
+          </a:lnRef>
+          <a:fillRef idx="2">
+            <a:schemeClr val="accent6"/>
+          </a:fillRef>
+          <a:effectRef idx="1">
+            <a:schemeClr val="accent6"/>
+          </a:effectRef>
+          <a:fontRef idx="minor">
+            <a:schemeClr val="dk1"/>
+          </a:fontRef>
+        </p:style>
+        <p:txBody>
+          <a:bodyPr rtlCol="0" anchor="ctr"/>
+          <a:lstStyle/>
+          <a:p>
+            <a:pPr algn="ctr"/>
+            <a:endParaRPr lang="en-US" sz="1050"/>
+          </a:p>
+        </p:txBody>
+      </p:sp>
+      <p:cxnSp>
+        <p:nvCxnSpPr>
+          <p:cNvPr id="133" name="Elbow Connector 63">
+            <a:extLst>
+              <a:ext uri="{FF2B5EF4-FFF2-40B4-BE49-F238E27FC236}">
+                <a16:creationId xmlns:a16="http://schemas.microsoft.com/office/drawing/2014/main" id="{26376927-F58A-48A5-B14D-FD12DFD768F8}"/>
+              </a:ext>
+            </a:extLst>
+          </p:cNvPr>
+          <p:cNvCxnSpPr>
+            <a:cxnSpLocks/>
+            <a:stCxn id="132" idx="3"/>
+            <a:endCxn id="62" idx="1"/>
+          </p:cNvCxnSpPr>
+          <p:nvPr/>
+        </p:nvCxnSpPr>
+        <p:spPr>
+          <a:xfrm flipV="1">
+            <a:off x="6235115" y="1850348"/>
+            <a:ext cx="294055" cy="1445592"/>
+          </a:xfrm>
+          <a:prstGeom prst="bentConnector3">
+            <a:avLst/>
+          </a:prstGeom>
+          <a:ln w="19050">
+            <a:solidFill>
+              <a:srgbClr val="7030A0"/>
+            </a:solidFill>
+            <a:headEnd type="none" w="med" len="med"/>
+            <a:tailEnd type="arrow" w="med" len="med"/>
+          </a:ln>
+          <a:effectLst/>
+        </p:spPr>
+        <p:style>
+          <a:lnRef idx="1">
+            <a:schemeClr val="accent2"/>
+          </a:lnRef>
+          <a:fillRef idx="2">
+            <a:schemeClr val="accent2"/>
+          </a:fillRef>
+          <a:effectRef idx="1">
+            <a:schemeClr val="accent2"/>
+          </a:effectRef>
+          <a:fontRef idx="minor">
+            <a:schemeClr val="dk1"/>
+          </a:fontRef>
+        </p:style>
+      </p:cxnSp>
+      <p:sp>
+        <p:nvSpPr>
+          <p:cNvPr id="129" name="Rectangle 8">
+            <a:extLst>
+              <a:ext uri="{FF2B5EF4-FFF2-40B4-BE49-F238E27FC236}">
+                <a16:creationId xmlns:a16="http://schemas.microsoft.com/office/drawing/2014/main" id="{903E1365-C308-4B91-A75F-2DFC5EDB686C}"/>
+              </a:ext>
+            </a:extLst>
+          </p:cNvPr>
+          <p:cNvSpPr/>
+          <p:nvPr/>
+        </p:nvSpPr>
+        <p:spPr>
+          <a:xfrm>
+            <a:off x="2037784" y="5349944"/>
+            <a:ext cx="1260298" cy="271656"/>
+          </a:xfrm>
+          <a:prstGeom prst="rect">
+            <a:avLst/>
+          </a:prstGeom>
+          <a:ln w="19050">
+            <a:solidFill>
+              <a:srgbClr val="7030A0"/>
+            </a:solidFill>
+          </a:ln>
+          <a:effectLst/>
+        </p:spPr>
+        <p:style>
+          <a:lnRef idx="1">
+            <a:schemeClr val="accent4"/>
+          </a:lnRef>
+          <a:fillRef idx="2">
+            <a:schemeClr val="accent4"/>
+          </a:fillRef>
+          <a:effectRef idx="1">
+            <a:schemeClr val="accent4"/>
+          </a:effectRef>
+          <a:fontRef idx="minor">
+            <a:schemeClr val="dk1"/>
+          </a:fontRef>
+        </p:style>
+        <p:txBody>
+          <a:bodyPr rtlCol="0" anchor="ctr"/>
+          <a:lstStyle/>
+          <a:p>
+            <a:pPr algn="ctr"/>
+            <a:r>
+              <a:rPr lang="en-SG" sz="1050" dirty="0" err="1">
                 <a:solidFill>
                   <a:srgbClr val="7030A0"/>
                 </a:solidFill>
               </a:rPr>
-              <a:t>Model</a:t>
-            </a:r>
-            <a:endParaRPr lang="en-SG" sz="1200" b="1" dirty="0">
-              <a:solidFill>
-                <a:srgbClr val="7030A0"/>
-              </a:solidFill>
-            </a:endParaRPr>
-          </a:p>
-        </p:txBody>
-      </p:sp>
-      <p:sp>
-        <p:nvSpPr>
-          <p:cNvPr id="2" name="Rectangle 8"/>
-          <p:cNvSpPr/>
-          <p:nvPr/>
-        </p:nvSpPr>
-        <p:spPr>
-          <a:xfrm>
-            <a:off x="2806563" y="2499876"/>
-            <a:ext cx="1093635" cy="346760"/>
-          </a:xfrm>
-          <a:prstGeom prst="rect">
-            <a:avLst/>
-          </a:prstGeom>
-          <a:solidFill>
-            <a:srgbClr val="7030A0"/>
-          </a:solidFill>
-          <a:ln w="19050">
-            <a:solidFill>
-              <a:srgbClr val="7030A0"/>
-            </a:solidFill>
-          </a:ln>
-          <a:effectLst/>
-        </p:spPr>
-        <p:style>
-          <a:lnRef idx="1">
-            <a:schemeClr val="accent2"/>
-          </a:lnRef>
-          <a:fillRef idx="2">
-            <a:schemeClr val="accent2"/>
-          </a:fillRef>
-          <a:effectRef idx="1">
-            <a:schemeClr val="accent2"/>
-          </a:effectRef>
-          <a:fontRef idx="minor">
-            <a:schemeClr val="dk1"/>
-          </a:fontRef>
-        </p:style>
-        <p:txBody>
-          <a:bodyPr rtlCol="0" anchor="ctr"/>
-          <a:lstStyle/>
-          <a:p>
-            <a:pPr algn="ctr"/>
-            <a:r>
-              <a:rPr lang="en-US" sz="1050" dirty="0" err="1">
-                <a:solidFill>
-                  <a:schemeClr val="bg1"/>
-                </a:solidFill>
-              </a:rPr>
-              <a:t>UserPref</a:t>
-            </a:r>
-            <a:endParaRPr lang="en-SG" sz="1050" dirty="0">
-              <a:solidFill>
-                <a:schemeClr val="bg1"/>
-              </a:solidFill>
-            </a:endParaRPr>
-          </a:p>
-        </p:txBody>
-      </p:sp>
-      <p:sp>
-        <p:nvSpPr>
-          <p:cNvPr id="9" name="Rectangle 62"/>
-          <p:cNvSpPr/>
-          <p:nvPr/>
-        </p:nvSpPr>
-        <p:spPr>
-          <a:xfrm rot="16200000">
-            <a:off x="1666826" y="2210123"/>
-            <a:ext cx="1093635" cy="346760"/>
-          </a:xfrm>
-          <a:prstGeom prst="rect">
-            <a:avLst/>
-          </a:prstGeom>
-          <a:solidFill>
-            <a:srgbClr val="7030A0"/>
-          </a:solidFill>
-          <a:ln w="19050">
-            <a:solidFill>
-              <a:srgbClr val="7030A0"/>
-            </a:solidFill>
-          </a:ln>
-          <a:effectLst/>
-        </p:spPr>
-        <p:style>
-          <a:lnRef idx="1">
-            <a:schemeClr val="accent2"/>
-          </a:lnRef>
-          <a:fillRef idx="2">
-            <a:schemeClr val="accent2"/>
-          </a:fillRef>
-          <a:effectRef idx="1">
-            <a:schemeClr val="accent2"/>
-          </a:effectRef>
-          <a:fontRef idx="minor">
-            <a:schemeClr val="dk1"/>
-          </a:fontRef>
-        </p:style>
-        <p:txBody>
-          <a:bodyPr rtlCol="0" anchor="ctr"/>
-          <a:lstStyle/>
-          <a:p>
-            <a:pPr algn="ctr"/>
-            <a:r>
-              <a:rPr lang="en-US" sz="1050" dirty="0" err="1">
-                <a:solidFill>
-                  <a:schemeClr val="bg1"/>
-                </a:solidFill>
-              </a:rPr>
-              <a:t>ModelManager</a:t>
-            </a:r>
-            <a:endParaRPr lang="en-SG" sz="1050" dirty="0">
-              <a:solidFill>
-                <a:schemeClr val="bg1"/>
-              </a:solidFill>
-            </a:endParaRPr>
-          </a:p>
-        </p:txBody>
-      </p:sp>
-      <p:cxnSp>
-        <p:nvCxnSpPr>
-          <p:cNvPr id="53" name="Elbow Connector 63"/>
-          <p:cNvCxnSpPr>
-            <a:cxnSpLocks/>
-            <a:stCxn id="111" idx="3"/>
-            <a:endCxn id="82" idx="0"/>
-          </p:cNvCxnSpPr>
-          <p:nvPr/>
-        </p:nvCxnSpPr>
-        <p:spPr>
-          <a:xfrm>
-            <a:off x="4117193" y="3865221"/>
-            <a:ext cx="1734698" cy="159748"/>
-          </a:xfrm>
-          <a:prstGeom prst="bentConnector2">
-            <a:avLst/>
-          </a:prstGeom>
-          <a:ln w="19050">
-            <a:solidFill>
-              <a:srgbClr val="7030A0"/>
-            </a:solidFill>
-            <a:prstDash val="sysDot"/>
-            <a:headEnd type="none" w="med" len="med"/>
-            <a:tailEnd type="none" w="med" len="med"/>
-          </a:ln>
-          <a:effectLst/>
-        </p:spPr>
-        <p:style>
-          <a:lnRef idx="1">
-            <a:schemeClr val="accent2"/>
-          </a:lnRef>
-          <a:fillRef idx="2">
-            <a:schemeClr val="accent2"/>
-          </a:fillRef>
-          <a:effectRef idx="1">
-            <a:schemeClr val="accent2"/>
-          </a:effectRef>
-          <a:fontRef idx="minor">
-            <a:schemeClr val="dk1"/>
-          </a:fontRef>
-        </p:style>
-      </p:cxnSp>
-      <p:cxnSp>
-        <p:nvCxnSpPr>
-          <p:cNvPr id="107" name="Elbow Connector 106"/>
-          <p:cNvCxnSpPr>
-            <a:cxnSpLocks/>
-            <a:stCxn id="9" idx="1"/>
-            <a:endCxn id="72" idx="1"/>
-          </p:cNvCxnSpPr>
-          <p:nvPr/>
-        </p:nvCxnSpPr>
-        <p:spPr>
-          <a:xfrm rot="16200000" flipH="1">
-            <a:off x="2084446" y="3059518"/>
-            <a:ext cx="934899" cy="676503"/>
-          </a:xfrm>
-          <a:prstGeom prst="bentConnector2">
-            <a:avLst/>
-          </a:prstGeom>
-          <a:ln w="19050">
-            <a:solidFill>
-              <a:srgbClr val="7030A0"/>
-            </a:solidFill>
-            <a:prstDash val="solid"/>
-            <a:headEnd type="none" w="med" len="med"/>
-            <a:tailEnd type="arrow" w="med" len="med"/>
-          </a:ln>
-          <a:effectLst/>
-        </p:spPr>
-        <p:style>
-          <a:lnRef idx="1">
-            <a:schemeClr val="accent2"/>
-          </a:lnRef>
-          <a:fillRef idx="2">
-            <a:schemeClr val="accent2"/>
-          </a:fillRef>
-          <a:effectRef idx="1">
-            <a:schemeClr val="accent2"/>
-          </a:effectRef>
-          <a:fontRef idx="minor">
-            <a:schemeClr val="dk1"/>
-          </a:fontRef>
-        </p:style>
-      </p:cxnSp>
-      <p:sp>
-        <p:nvSpPr>
-          <p:cNvPr id="119" name="Rectangle 62"/>
-          <p:cNvSpPr/>
-          <p:nvPr/>
-        </p:nvSpPr>
-        <p:spPr>
-          <a:xfrm rot="16200000">
-            <a:off x="939065" y="2202638"/>
-            <a:ext cx="1093635" cy="346760"/>
-          </a:xfrm>
-          <a:prstGeom prst="rect">
-            <a:avLst/>
-          </a:prstGeom>
-          <a:solidFill>
-            <a:srgbClr val="7030A0"/>
-          </a:solidFill>
-          <a:ln w="19050">
-            <a:solidFill>
-              <a:srgbClr val="7030A0"/>
-            </a:solidFill>
-          </a:ln>
-          <a:effectLst/>
-        </p:spPr>
-        <p:style>
-          <a:lnRef idx="1">
-            <a:schemeClr val="accent2"/>
-          </a:lnRef>
-          <a:fillRef idx="2">
-            <a:schemeClr val="accent2"/>
-          </a:fillRef>
-          <a:effectRef idx="1">
-            <a:schemeClr val="accent2"/>
-          </a:effectRef>
-          <a:fontRef idx="minor">
-            <a:schemeClr val="dk1"/>
-          </a:fontRef>
-        </p:style>
-        <p:txBody>
-          <a:bodyPr rtlCol="0" anchor="ctr"/>
-          <a:lstStyle/>
-          <a:p>
-            <a:pPr algn="ctr"/>
-            <a:r>
-              <a:rPr lang="en-US" sz="1050" dirty="0">
-                <a:solidFill>
-                  <a:schemeClr val="bg1"/>
-                </a:solidFill>
-              </a:rPr>
-              <a:t>&lt;&lt;interface&gt;&gt;</a:t>
-            </a:r>
-          </a:p>
-          <a:p>
-            <a:pPr algn="ctr"/>
-            <a:r>
-              <a:rPr lang="en-US" sz="1050" dirty="0">
-                <a:solidFill>
-                  <a:schemeClr val="bg1"/>
-                </a:solidFill>
-              </a:rPr>
-              <a:t>Model</a:t>
-            </a:r>
-            <a:endParaRPr lang="en-SG" sz="1050" dirty="0">
-              <a:solidFill>
-                <a:schemeClr val="bg1"/>
-              </a:solidFill>
-            </a:endParaRPr>
-          </a:p>
-        </p:txBody>
-      </p:sp>
-      <p:sp>
-        <p:nvSpPr>
-          <p:cNvPr id="120" name="Isosceles Triangle 102"/>
-          <p:cNvSpPr/>
-          <p:nvPr/>
-        </p:nvSpPr>
-        <p:spPr>
-          <a:xfrm rot="16200000">
-            <a:off x="1609773" y="2293727"/>
-            <a:ext cx="270504" cy="175523"/>
-          </a:xfrm>
-          <a:prstGeom prst="triangle">
-            <a:avLst/>
-          </a:prstGeom>
-          <a:solidFill>
-            <a:srgbClr val="7030A0"/>
-          </a:solidFill>
-          <a:ln w="19050">
-            <a:solidFill>
-              <a:srgbClr val="7030A0"/>
-            </a:solidFill>
-          </a:ln>
-          <a:effectLst/>
-        </p:spPr>
-        <p:style>
-          <a:lnRef idx="1">
-            <a:schemeClr val="accent6"/>
-          </a:lnRef>
-          <a:fillRef idx="2">
-            <a:schemeClr val="accent6"/>
-          </a:fillRef>
-          <a:effectRef idx="1">
-            <a:schemeClr val="accent6"/>
-          </a:effectRef>
-          <a:fontRef idx="minor">
-            <a:schemeClr val="dk1"/>
-          </a:fontRef>
-        </p:style>
-        <p:txBody>
-          <a:bodyPr rtlCol="0" anchor="ctr"/>
-          <a:lstStyle/>
-          <a:p>
-            <a:pPr algn="ctr"/>
-            <a:endParaRPr lang="en-SG" sz="1050"/>
-          </a:p>
-        </p:txBody>
-      </p:sp>
-      <p:cxnSp>
-        <p:nvCxnSpPr>
-          <p:cNvPr id="58" name="Straight Arrow Connector 57"/>
-          <p:cNvCxnSpPr>
-            <a:stCxn id="42" idx="3"/>
-            <a:endCxn id="2" idx="1"/>
-          </p:cNvCxnSpPr>
-          <p:nvPr/>
-        </p:nvCxnSpPr>
-        <p:spPr>
-          <a:xfrm>
-            <a:off x="2639233" y="2667972"/>
-            <a:ext cx="167330" cy="5284"/>
-          </a:xfrm>
-          <a:prstGeom prst="straightConnector1">
-            <a:avLst/>
-          </a:prstGeom>
-          <a:ln w="19050">
-            <a:solidFill>
-              <a:srgbClr val="7030A0"/>
-            </a:solidFill>
-            <a:headEnd type="none" w="med" len="med"/>
-            <a:tailEnd type="arrow" w="med" len="med"/>
-          </a:ln>
-          <a:effectLst/>
-        </p:spPr>
-        <p:style>
-          <a:lnRef idx="1">
-            <a:schemeClr val="accent2"/>
-          </a:lnRef>
-          <a:fillRef idx="2">
-            <a:schemeClr val="accent2"/>
-          </a:fillRef>
-          <a:effectRef idx="1">
-            <a:schemeClr val="accent2"/>
-          </a:effectRef>
-          <a:fontRef idx="minor">
-            <a:schemeClr val="dk1"/>
-          </a:fontRef>
-        </p:style>
-      </p:cxnSp>
-      <p:cxnSp>
-        <p:nvCxnSpPr>
-          <p:cNvPr id="75" name="Elbow Connector 122"/>
-          <p:cNvCxnSpPr>
-            <a:cxnSpLocks/>
-          </p:cNvCxnSpPr>
-          <p:nvPr/>
-        </p:nvCxnSpPr>
-        <p:spPr>
-          <a:xfrm>
-            <a:off x="1038789" y="2383503"/>
-            <a:ext cx="273713" cy="846"/>
-          </a:xfrm>
-          <a:prstGeom prst="bentConnector3">
-            <a:avLst>
-              <a:gd name="adj1" fmla="val 50000"/>
-            </a:avLst>
-          </a:prstGeom>
-          <a:ln w="19050">
-            <a:solidFill>
-              <a:schemeClr val="bg1">
-                <a:lumMod val="75000"/>
-              </a:schemeClr>
-            </a:solidFill>
-            <a:prstDash val="sysDot"/>
-            <a:headEnd type="none" w="med" len="med"/>
-            <a:tailEnd type="arrow" w="med" len="med"/>
-          </a:ln>
-          <a:effectLst/>
-        </p:spPr>
-        <p:style>
-          <a:lnRef idx="1">
-            <a:schemeClr val="accent2"/>
-          </a:lnRef>
-          <a:fillRef idx="2">
-            <a:schemeClr val="accent2"/>
-          </a:fillRef>
-          <a:effectRef idx="1">
-            <a:schemeClr val="accent2"/>
-          </a:effectRef>
-          <a:fontRef idx="minor">
-            <a:schemeClr val="dk1"/>
-          </a:fontRef>
-        </p:style>
-      </p:cxnSp>
-      <p:cxnSp>
-        <p:nvCxnSpPr>
-          <p:cNvPr id="21" name="Straight Connector 20"/>
-          <p:cNvCxnSpPr>
-            <a:stCxn id="120" idx="3"/>
-          </p:cNvCxnSpPr>
-          <p:nvPr/>
-        </p:nvCxnSpPr>
-        <p:spPr>
-          <a:xfrm flipV="1">
-            <a:off x="1832787" y="2381488"/>
-            <a:ext cx="216105" cy="1"/>
-          </a:xfrm>
-          <a:prstGeom prst="line">
-            <a:avLst/>
-          </a:prstGeom>
-          <a:ln w="19050">
-            <a:solidFill>
-              <a:srgbClr val="7030A0"/>
-            </a:solidFill>
-            <a:prstDash val="sysDot"/>
-            <a:headEnd type="none" w="med" len="med"/>
-            <a:tailEnd type="none" w="med" len="med"/>
-          </a:ln>
-          <a:effectLst/>
-        </p:spPr>
-        <p:style>
-          <a:lnRef idx="1">
-            <a:schemeClr val="accent2"/>
-          </a:lnRef>
-          <a:fillRef idx="2">
-            <a:schemeClr val="accent2"/>
-          </a:fillRef>
-          <a:effectRef idx="1">
-            <a:schemeClr val="accent2"/>
-          </a:effectRef>
-          <a:fontRef idx="minor">
-            <a:schemeClr val="dk1"/>
-          </a:fontRef>
-        </p:style>
-      </p:cxnSp>
-      <p:sp>
-        <p:nvSpPr>
-          <p:cNvPr id="42" name="Flowchart: Decision 96"/>
-          <p:cNvSpPr/>
-          <p:nvPr/>
-        </p:nvSpPr>
-        <p:spPr>
-          <a:xfrm>
-            <a:off x="2403185" y="2581282"/>
-            <a:ext cx="236048" cy="173380"/>
-          </a:xfrm>
-          <a:prstGeom prst="flowChartDecision">
-            <a:avLst/>
-          </a:prstGeom>
-          <a:noFill/>
-          <a:ln w="19050">
-            <a:solidFill>
-              <a:srgbClr val="7030A0"/>
-            </a:solidFill>
-          </a:ln>
-          <a:effectLst/>
-        </p:spPr>
-        <p:style>
-          <a:lnRef idx="1">
-            <a:schemeClr val="accent6"/>
-          </a:lnRef>
-          <a:fillRef idx="2">
-            <a:schemeClr val="accent6"/>
-          </a:fillRef>
-          <a:effectRef idx="1">
-            <a:schemeClr val="accent6"/>
-          </a:effectRef>
-          <a:fontRef idx="minor">
-            <a:schemeClr val="dk1"/>
-          </a:fontRef>
-        </p:style>
-        <p:txBody>
-          <a:bodyPr rtlCol="0" anchor="ctr"/>
-          <a:lstStyle/>
-          <a:p>
-            <a:pPr algn="ctr"/>
-            <a:endParaRPr lang="en-US" sz="1050"/>
-          </a:p>
-        </p:txBody>
-      </p:sp>
-      <p:sp>
-        <p:nvSpPr>
-          <p:cNvPr id="46" name="Rectangle 8"/>
-          <p:cNvSpPr/>
-          <p:nvPr/>
-        </p:nvSpPr>
-        <p:spPr>
-          <a:xfrm>
-            <a:off x="2808873" y="1968856"/>
-            <a:ext cx="1093635" cy="346760"/>
-          </a:xfrm>
-          <a:prstGeom prst="rect">
-            <a:avLst/>
-          </a:prstGeom>
-          <a:ln w="19050">
-            <a:solidFill>
-              <a:srgbClr val="7030A0"/>
-            </a:solidFill>
-          </a:ln>
-          <a:effectLst/>
-        </p:spPr>
-        <p:style>
-          <a:lnRef idx="1">
-            <a:schemeClr val="accent4"/>
-          </a:lnRef>
-          <a:fillRef idx="2">
-            <a:schemeClr val="accent4"/>
-          </a:fillRef>
-          <a:effectRef idx="1">
-            <a:schemeClr val="accent4"/>
-          </a:effectRef>
-          <a:fontRef idx="minor">
-            <a:schemeClr val="dk1"/>
-          </a:fontRef>
-        </p:style>
-        <p:txBody>
-          <a:bodyPr rtlCol="0" anchor="ctr"/>
-          <a:lstStyle/>
-          <a:p>
-            <a:pPr algn="ctr"/>
-            <a:r>
-              <a:rPr lang="en-US" sz="1050" dirty="0" err="1">
-                <a:solidFill>
-                  <a:srgbClr val="7030A0"/>
-                </a:solidFill>
-              </a:rPr>
-              <a:t>EntryBook</a:t>
+              <a:t>Java.util.Calendar</a:t>
             </a:r>
             <a:endParaRPr lang="en-SG" sz="1050" dirty="0">
               <a:solidFill>
@@ -15055,304 +14628,24 @@
       </p:sp>
       <p:cxnSp>
         <p:nvCxnSpPr>
-          <p:cNvPr id="47" name="Straight Arrow Connector 46"/>
-          <p:cNvCxnSpPr>
-            <a:stCxn id="48" idx="3"/>
-            <a:endCxn id="46" idx="1"/>
-          </p:cNvCxnSpPr>
-          <p:nvPr/>
-        </p:nvCxnSpPr>
-        <p:spPr>
-          <a:xfrm>
-            <a:off x="2641543" y="2136952"/>
-            <a:ext cx="167330" cy="5284"/>
-          </a:xfrm>
-          <a:prstGeom prst="straightConnector1">
-            <a:avLst/>
-          </a:prstGeom>
-          <a:ln w="19050">
-            <a:solidFill>
-              <a:srgbClr val="7030A0"/>
-            </a:solidFill>
-            <a:headEnd type="none" w="med" len="med"/>
-            <a:tailEnd type="arrow" w="med" len="med"/>
-          </a:ln>
-          <a:effectLst/>
-        </p:spPr>
-        <p:style>
-          <a:lnRef idx="1">
-            <a:schemeClr val="accent2"/>
-          </a:lnRef>
-          <a:fillRef idx="2">
-            <a:schemeClr val="accent2"/>
-          </a:fillRef>
-          <a:effectRef idx="1">
-            <a:schemeClr val="accent2"/>
-          </a:effectRef>
-          <a:fontRef idx="minor">
-            <a:schemeClr val="dk1"/>
-          </a:fontRef>
-        </p:style>
-      </p:cxnSp>
-      <p:sp>
-        <p:nvSpPr>
-          <p:cNvPr id="48" name="Flowchart: Decision 96"/>
-          <p:cNvSpPr/>
-          <p:nvPr/>
-        </p:nvSpPr>
-        <p:spPr>
-          <a:xfrm>
-            <a:off x="2405495" y="2050262"/>
-            <a:ext cx="236048" cy="173380"/>
-          </a:xfrm>
-          <a:prstGeom prst="flowChartDecision">
-            <a:avLst/>
-          </a:prstGeom>
-          <a:noFill/>
-          <a:ln w="19050">
-            <a:solidFill>
-              <a:srgbClr val="7030A0"/>
-            </a:solidFill>
-          </a:ln>
-          <a:effectLst/>
-        </p:spPr>
-        <p:style>
-          <a:lnRef idx="1">
-            <a:schemeClr val="accent6"/>
-          </a:lnRef>
-          <a:fillRef idx="2">
-            <a:schemeClr val="accent6"/>
-          </a:fillRef>
-          <a:effectRef idx="1">
-            <a:schemeClr val="accent6"/>
-          </a:effectRef>
-          <a:fontRef idx="minor">
-            <a:schemeClr val="dk1"/>
-          </a:fontRef>
-        </p:style>
-        <p:txBody>
-          <a:bodyPr rtlCol="0" anchor="ctr"/>
-          <a:lstStyle/>
-          <a:p>
-            <a:pPr algn="ctr"/>
-            <a:endParaRPr lang="en-US" sz="1050"/>
-          </a:p>
-        </p:txBody>
-      </p:sp>
-      <p:sp>
-        <p:nvSpPr>
-          <p:cNvPr id="49" name="Rectangle 8"/>
-          <p:cNvSpPr/>
-          <p:nvPr/>
-        </p:nvSpPr>
-        <p:spPr>
-          <a:xfrm>
-            <a:off x="4829662" y="1708053"/>
-            <a:ext cx="1156969" cy="515590"/>
-          </a:xfrm>
-          <a:prstGeom prst="rect">
-            <a:avLst/>
-          </a:prstGeom>
-          <a:ln w="19050">
-            <a:solidFill>
-              <a:srgbClr val="7030A0"/>
-            </a:solidFill>
-          </a:ln>
-          <a:effectLst/>
-        </p:spPr>
-        <p:style>
-          <a:lnRef idx="1">
-            <a:schemeClr val="accent4"/>
-          </a:lnRef>
-          <a:fillRef idx="2">
-            <a:schemeClr val="accent4"/>
-          </a:fillRef>
-          <a:effectRef idx="1">
-            <a:schemeClr val="accent4"/>
-          </a:effectRef>
-          <a:fontRef idx="minor">
-            <a:schemeClr val="dk1"/>
-          </a:fontRef>
-        </p:style>
-        <p:txBody>
-          <a:bodyPr rtlCol="0" anchor="ctr"/>
-          <a:lstStyle/>
-          <a:p>
-            <a:pPr algn="ctr"/>
-            <a:r>
-              <a:rPr lang="en-US" sz="1050" dirty="0" err="1">
-                <a:solidFill>
-                  <a:srgbClr val="7030A0"/>
-                </a:solidFill>
-              </a:rPr>
-              <a:t>ActiveList</a:t>
-            </a:r>
-            <a:endParaRPr lang="en-SG" sz="1050" dirty="0">
-              <a:solidFill>
-                <a:srgbClr val="7030A0"/>
-              </a:solidFill>
-            </a:endParaRPr>
-          </a:p>
-        </p:txBody>
-      </p:sp>
-      <p:sp>
-        <p:nvSpPr>
-          <p:cNvPr id="51" name="Flowchart: Decision 96"/>
-          <p:cNvSpPr/>
-          <p:nvPr/>
-        </p:nvSpPr>
-        <p:spPr>
-          <a:xfrm>
-            <a:off x="3917173" y="2070782"/>
-            <a:ext cx="236048" cy="173380"/>
-          </a:xfrm>
-          <a:prstGeom prst="flowChartDecision">
-            <a:avLst/>
-          </a:prstGeom>
-          <a:solidFill>
-            <a:srgbClr val="7030A0"/>
-          </a:solidFill>
-          <a:ln w="19050">
-            <a:solidFill>
-              <a:srgbClr val="7030A0"/>
-            </a:solidFill>
-          </a:ln>
-          <a:effectLst/>
-        </p:spPr>
-        <p:style>
-          <a:lnRef idx="1">
-            <a:schemeClr val="accent6"/>
-          </a:lnRef>
-          <a:fillRef idx="2">
-            <a:schemeClr val="accent6"/>
-          </a:fillRef>
-          <a:effectRef idx="1">
-            <a:schemeClr val="accent6"/>
-          </a:effectRef>
-          <a:fontRef idx="minor">
-            <a:schemeClr val="dk1"/>
-          </a:fontRef>
-        </p:style>
-        <p:txBody>
-          <a:bodyPr rtlCol="0" anchor="ctr"/>
-          <a:lstStyle/>
-          <a:p>
-            <a:pPr algn="ctr"/>
-            <a:endParaRPr lang="en-US" sz="1050"/>
-          </a:p>
-        </p:txBody>
-      </p:sp>
-      <p:cxnSp>
-        <p:nvCxnSpPr>
-          <p:cNvPr id="30" name="Elbow Connector 29"/>
+          <p:cNvPr id="134" name="Elbow Connector 85">
+            <a:extLst>
+              <a:ext uri="{FF2B5EF4-FFF2-40B4-BE49-F238E27FC236}">
+                <a16:creationId xmlns:a16="http://schemas.microsoft.com/office/drawing/2014/main" id="{7B704892-E660-4E06-9104-CA88FFF740AC}"/>
+              </a:ext>
+            </a:extLst>
+          </p:cNvPr>
           <p:cNvCxnSpPr>
             <a:cxnSpLocks/>
-            <a:stCxn id="51" idx="3"/>
+            <a:stCxn id="80" idx="1"/>
+            <a:endCxn id="135" idx="3"/>
           </p:cNvCxnSpPr>
           <p:nvPr/>
         </p:nvCxnSpPr>
         <p:spPr>
-          <a:xfrm flipV="1">
-            <a:off x="4153221" y="1815473"/>
-            <a:ext cx="678824" cy="341999"/>
-          </a:xfrm>
-          <a:prstGeom prst="bentConnector3">
-            <a:avLst/>
-          </a:prstGeom>
-          <a:ln w="19050">
-            <a:solidFill>
-              <a:srgbClr val="7030A0"/>
-            </a:solidFill>
-            <a:headEnd type="none" w="med" len="med"/>
-            <a:tailEnd type="arrow" w="med" len="med"/>
-          </a:ln>
-          <a:effectLst/>
-        </p:spPr>
-        <p:style>
-          <a:lnRef idx="1">
-            <a:schemeClr val="accent2"/>
-          </a:lnRef>
-          <a:fillRef idx="2">
-            <a:schemeClr val="accent2"/>
-          </a:fillRef>
-          <a:effectRef idx="1">
-            <a:schemeClr val="accent2"/>
-          </a:effectRef>
-          <a:fontRef idx="minor">
-            <a:schemeClr val="dk1"/>
-          </a:fontRef>
-        </p:style>
-      </p:cxnSp>
-      <p:sp>
-        <p:nvSpPr>
-          <p:cNvPr id="57" name="Rectangle 8"/>
-          <p:cNvSpPr/>
-          <p:nvPr/>
-        </p:nvSpPr>
-        <p:spPr>
-          <a:xfrm>
-            <a:off x="4832045" y="1267964"/>
-            <a:ext cx="1156969" cy="346760"/>
-          </a:xfrm>
-          <a:prstGeom prst="rect">
-            <a:avLst/>
-          </a:prstGeom>
-          <a:ln w="19050">
-            <a:solidFill>
-              <a:srgbClr val="7030A0"/>
-            </a:solidFill>
-          </a:ln>
-          <a:effectLst/>
-        </p:spPr>
-        <p:style>
-          <a:lnRef idx="1">
-            <a:schemeClr val="accent4"/>
-          </a:lnRef>
-          <a:fillRef idx="2">
-            <a:schemeClr val="accent4"/>
-          </a:fillRef>
-          <a:effectRef idx="1">
-            <a:schemeClr val="accent4"/>
-          </a:effectRef>
-          <a:fontRef idx="minor">
-            <a:schemeClr val="dk1"/>
-          </a:fontRef>
-        </p:style>
-        <p:txBody>
-          <a:bodyPr rtlCol="0" anchor="ctr"/>
-          <a:lstStyle/>
-          <a:p>
-            <a:pPr algn="ctr"/>
-            <a:r>
-              <a:rPr lang="en-US" sz="1050" dirty="0" err="1">
-                <a:solidFill>
-                  <a:srgbClr val="7030A0"/>
-                </a:solidFill>
-              </a:rPr>
-              <a:t>UniqueTagList</a:t>
-            </a:r>
-            <a:endParaRPr lang="en-SG" sz="1050" dirty="0">
-              <a:solidFill>
-                <a:srgbClr val="7030A0"/>
-              </a:solidFill>
-            </a:endParaRPr>
-          </a:p>
-        </p:txBody>
-      </p:sp>
-      <p:cxnSp>
-        <p:nvCxnSpPr>
-          <p:cNvPr id="59" name="Elbow Connector 58"/>
-          <p:cNvCxnSpPr>
-            <a:cxnSpLocks/>
-            <a:stCxn id="51" idx="3"/>
-            <a:endCxn id="57" idx="1"/>
-          </p:cNvCxnSpPr>
-          <p:nvPr/>
-        </p:nvCxnSpPr>
-        <p:spPr>
-          <a:xfrm flipV="1">
-            <a:off x="4153221" y="1441344"/>
-            <a:ext cx="678824" cy="716128"/>
+          <a:xfrm rot="10800000">
+            <a:off x="3489482" y="5484688"/>
+            <a:ext cx="388416" cy="1085"/>
           </a:xfrm>
           <a:prstGeom prst="bentConnector3">
             <a:avLst>
@@ -15364,7 +14657,7 @@
               <a:srgbClr val="7030A0"/>
             </a:solidFill>
             <a:headEnd type="none" w="med" len="med"/>
-            <a:tailEnd type="arrow" w="med" len="med"/>
+            <a:tailEnd type="none" w="med" len="med"/>
           </a:ln>
           <a:effectLst/>
         </p:spPr>
@@ -15385,567 +14678,19 @@
       </p:cxnSp>
       <p:sp>
         <p:nvSpPr>
-          <p:cNvPr id="62" name="Rectangle 8"/>
+          <p:cNvPr id="135" name="Isosceles Triangle 102">
+            <a:extLst>
+              <a:ext uri="{FF2B5EF4-FFF2-40B4-BE49-F238E27FC236}">
+                <a16:creationId xmlns:a16="http://schemas.microsoft.com/office/drawing/2014/main" id="{960F6039-F600-4C86-962C-9DF2ECC12C2B}"/>
+              </a:ext>
+            </a:extLst>
+          </p:cNvPr>
           <p:cNvSpPr/>
           <p:nvPr/>
         </p:nvSpPr>
         <p:spPr>
-          <a:xfrm>
-            <a:off x="6529170" y="2057967"/>
-            <a:ext cx="951336" cy="346761"/>
-          </a:xfrm>
-          <a:prstGeom prst="rect">
-            <a:avLst/>
-          </a:prstGeom>
-          <a:ln w="19050">
-            <a:solidFill>
-              <a:srgbClr val="7030A0"/>
-            </a:solidFill>
-          </a:ln>
-          <a:effectLst/>
-        </p:spPr>
-        <p:style>
-          <a:lnRef idx="1">
-            <a:schemeClr val="accent4"/>
-          </a:lnRef>
-          <a:fillRef idx="2">
-            <a:schemeClr val="accent4"/>
-          </a:fillRef>
-          <a:effectRef idx="1">
-            <a:schemeClr val="accent4"/>
-          </a:effectRef>
-          <a:fontRef idx="minor">
-            <a:schemeClr val="dk1"/>
-          </a:fontRef>
-        </p:style>
-        <p:txBody>
-          <a:bodyPr rtlCol="0" anchor="ctr"/>
-          <a:lstStyle/>
-          <a:p>
-            <a:pPr algn="ctr"/>
-            <a:r>
-              <a:rPr lang="en-SG" sz="1050" dirty="0">
-                <a:solidFill>
-                  <a:srgbClr val="7030A0"/>
-                </a:solidFill>
-              </a:rPr>
-              <a:t>{abstract}</a:t>
-            </a:r>
-          </a:p>
-          <a:p>
-            <a:pPr algn="ctr"/>
-            <a:r>
-              <a:rPr lang="en-SG" sz="1050" dirty="0">
-                <a:solidFill>
-                  <a:srgbClr val="7030A0"/>
-                </a:solidFill>
-              </a:rPr>
-              <a:t>Entry</a:t>
-            </a:r>
-          </a:p>
-        </p:txBody>
-      </p:sp>
-      <p:sp>
-        <p:nvSpPr>
-          <p:cNvPr id="63" name="Flowchart: Decision 96"/>
-          <p:cNvSpPr/>
-          <p:nvPr/>
-        </p:nvSpPr>
-        <p:spPr>
-          <a:xfrm>
-            <a:off x="6006879" y="1905000"/>
-            <a:ext cx="236048" cy="173380"/>
-          </a:xfrm>
-          <a:prstGeom prst="flowChartDecision">
-            <a:avLst/>
-          </a:prstGeom>
-          <a:noFill/>
-          <a:ln w="19050">
-            <a:solidFill>
-              <a:srgbClr val="7030A0"/>
-            </a:solidFill>
-          </a:ln>
-          <a:effectLst/>
-        </p:spPr>
-        <p:style>
-          <a:lnRef idx="1">
-            <a:schemeClr val="accent6"/>
-          </a:lnRef>
-          <a:fillRef idx="2">
-            <a:schemeClr val="accent6"/>
-          </a:fillRef>
-          <a:effectRef idx="1">
-            <a:schemeClr val="accent6"/>
-          </a:effectRef>
-          <a:fontRef idx="minor">
-            <a:schemeClr val="dk1"/>
-          </a:fontRef>
-        </p:style>
-        <p:txBody>
-          <a:bodyPr rtlCol="0" anchor="ctr"/>
-          <a:lstStyle/>
-          <a:p>
-            <a:pPr algn="ctr"/>
-            <a:endParaRPr lang="en-US" sz="1050"/>
-          </a:p>
-        </p:txBody>
-      </p:sp>
-      <p:cxnSp>
-        <p:nvCxnSpPr>
-          <p:cNvPr id="64" name="Elbow Connector 63"/>
-          <p:cNvCxnSpPr>
-            <a:cxnSpLocks/>
-            <a:stCxn id="63" idx="3"/>
-            <a:endCxn id="62" idx="1"/>
-          </p:cNvCxnSpPr>
-          <p:nvPr/>
-        </p:nvCxnSpPr>
-        <p:spPr>
-          <a:xfrm>
-            <a:off x="6242927" y="1991690"/>
-            <a:ext cx="286243" cy="239658"/>
-          </a:xfrm>
-          <a:prstGeom prst="bentConnector3">
-            <a:avLst/>
-          </a:prstGeom>
-          <a:ln w="19050">
-            <a:solidFill>
-              <a:srgbClr val="7030A0"/>
-            </a:solidFill>
-            <a:headEnd type="none" w="med" len="med"/>
-            <a:tailEnd type="arrow" w="med" len="med"/>
-          </a:ln>
-          <a:effectLst/>
-        </p:spPr>
-        <p:style>
-          <a:lnRef idx="1">
-            <a:schemeClr val="accent2"/>
-          </a:lnRef>
-          <a:fillRef idx="2">
-            <a:schemeClr val="accent2"/>
-          </a:fillRef>
-          <a:effectRef idx="1">
-            <a:schemeClr val="accent2"/>
-          </a:effectRef>
-          <a:fontRef idx="minor">
-            <a:schemeClr val="dk1"/>
-          </a:fontRef>
-        </p:style>
-      </p:cxnSp>
-      <p:sp>
-        <p:nvSpPr>
-          <p:cNvPr id="67" name="Rectangle 8"/>
-          <p:cNvSpPr/>
-          <p:nvPr/>
-        </p:nvSpPr>
-        <p:spPr>
-          <a:xfrm>
-            <a:off x="5705589" y="796727"/>
-            <a:ext cx="483700" cy="346760"/>
-          </a:xfrm>
-          <a:prstGeom prst="rect">
-            <a:avLst/>
-          </a:prstGeom>
-          <a:ln w="19050">
-            <a:solidFill>
-              <a:srgbClr val="7030A0"/>
-            </a:solidFill>
-          </a:ln>
-          <a:effectLst/>
-        </p:spPr>
-        <p:style>
-          <a:lnRef idx="1">
-            <a:schemeClr val="accent4"/>
-          </a:lnRef>
-          <a:fillRef idx="2">
-            <a:schemeClr val="accent4"/>
-          </a:fillRef>
-          <a:effectRef idx="1">
-            <a:schemeClr val="accent4"/>
-          </a:effectRef>
-          <a:fontRef idx="minor">
-            <a:schemeClr val="dk1"/>
-          </a:fontRef>
-        </p:style>
-        <p:txBody>
-          <a:bodyPr rtlCol="0" anchor="ctr"/>
-          <a:lstStyle/>
-          <a:p>
-            <a:pPr algn="ctr"/>
-            <a:r>
-              <a:rPr lang="en-US" sz="1050" dirty="0">
-                <a:solidFill>
-                  <a:srgbClr val="7030A0"/>
-                </a:solidFill>
-              </a:rPr>
-              <a:t>Tag</a:t>
-            </a:r>
-            <a:endParaRPr lang="en-SG" sz="1050" dirty="0">
-              <a:solidFill>
-                <a:srgbClr val="7030A0"/>
-              </a:solidFill>
-            </a:endParaRPr>
-          </a:p>
-        </p:txBody>
-      </p:sp>
-      <p:sp>
-        <p:nvSpPr>
-          <p:cNvPr id="68" name="Flowchart: Decision 96"/>
-          <p:cNvSpPr/>
-          <p:nvPr/>
-        </p:nvSpPr>
-        <p:spPr>
-          <a:xfrm rot="16200000">
-            <a:off x="5291150" y="1053935"/>
-            <a:ext cx="236048" cy="173380"/>
-          </a:xfrm>
-          <a:prstGeom prst="flowChartDecision">
-            <a:avLst/>
-          </a:prstGeom>
-          <a:noFill/>
-          <a:ln w="19050">
-            <a:solidFill>
-              <a:srgbClr val="7030A0"/>
-            </a:solidFill>
-          </a:ln>
-          <a:effectLst/>
-        </p:spPr>
-        <p:style>
-          <a:lnRef idx="1">
-            <a:schemeClr val="accent6"/>
-          </a:lnRef>
-          <a:fillRef idx="2">
-            <a:schemeClr val="accent6"/>
-          </a:fillRef>
-          <a:effectRef idx="1">
-            <a:schemeClr val="accent6"/>
-          </a:effectRef>
-          <a:fontRef idx="minor">
-            <a:schemeClr val="dk1"/>
-          </a:fontRef>
-        </p:style>
-        <p:txBody>
-          <a:bodyPr rtlCol="0" anchor="ctr"/>
-          <a:lstStyle/>
-          <a:p>
-            <a:pPr algn="ctr"/>
-            <a:endParaRPr lang="en-US" sz="1050"/>
-          </a:p>
-        </p:txBody>
-      </p:sp>
-      <p:cxnSp>
-        <p:nvCxnSpPr>
-          <p:cNvPr id="69" name="Elbow Connector 68"/>
-          <p:cNvCxnSpPr>
-            <a:stCxn id="68" idx="3"/>
-            <a:endCxn id="67" idx="1"/>
-          </p:cNvCxnSpPr>
-          <p:nvPr/>
-        </p:nvCxnSpPr>
-        <p:spPr>
-          <a:xfrm rot="5400000" flipH="1" flipV="1">
-            <a:off x="5531134" y="848147"/>
-            <a:ext cx="52494" cy="296415"/>
-          </a:xfrm>
-          <a:prstGeom prst="bentConnector2">
-            <a:avLst/>
-          </a:prstGeom>
-          <a:ln w="19050">
-            <a:solidFill>
-              <a:srgbClr val="7030A0"/>
-            </a:solidFill>
-            <a:headEnd type="none" w="med" len="med"/>
-            <a:tailEnd type="arrow" w="med" len="med"/>
-          </a:ln>
-          <a:effectLst/>
-        </p:spPr>
-        <p:style>
-          <a:lnRef idx="1">
-            <a:schemeClr val="accent2"/>
-          </a:lnRef>
-          <a:fillRef idx="2">
-            <a:schemeClr val="accent2"/>
-          </a:fillRef>
-          <a:effectRef idx="1">
-            <a:schemeClr val="accent2"/>
-          </a:effectRef>
-          <a:fontRef idx="minor">
-            <a:schemeClr val="dk1"/>
-          </a:fontRef>
-        </p:style>
-      </p:cxnSp>
-      <p:sp>
-        <p:nvSpPr>
-          <p:cNvPr id="72" name="Rectangle 8"/>
-          <p:cNvSpPr/>
-          <p:nvPr/>
-        </p:nvSpPr>
-        <p:spPr>
-          <a:xfrm>
-            <a:off x="2890147" y="3691840"/>
-            <a:ext cx="1045383" cy="346760"/>
-          </a:xfrm>
-          <a:prstGeom prst="rect">
-            <a:avLst/>
-          </a:prstGeom>
-          <a:ln w="19050">
-            <a:solidFill>
-              <a:srgbClr val="7030A0"/>
-            </a:solidFill>
-          </a:ln>
-          <a:effectLst/>
-        </p:spPr>
-        <p:style>
-          <a:lnRef idx="1">
-            <a:schemeClr val="accent4"/>
-          </a:lnRef>
-          <a:fillRef idx="2">
-            <a:schemeClr val="accent4"/>
-          </a:fillRef>
-          <a:effectRef idx="1">
-            <a:schemeClr val="accent4"/>
-          </a:effectRef>
-          <a:fontRef idx="minor">
-            <a:schemeClr val="dk1"/>
-          </a:fontRef>
-        </p:style>
-        <p:txBody>
-          <a:bodyPr rtlCol="0" anchor="ctr"/>
-          <a:lstStyle/>
-          <a:p>
-            <a:pPr algn="ctr"/>
-            <a:r>
-              <a:rPr lang="en-US" sz="1050" dirty="0">
-                <a:solidFill>
-                  <a:srgbClr val="7030A0"/>
-                </a:solidFill>
-              </a:rPr>
-              <a:t>&lt;&lt;interface&gt;&gt;</a:t>
-            </a:r>
-            <a:br>
-              <a:rPr lang="en-US" sz="1050" dirty="0">
-                <a:solidFill>
-                  <a:srgbClr val="7030A0"/>
-                </a:solidFill>
-              </a:rPr>
-            </a:br>
-            <a:r>
-              <a:rPr lang="en-US" sz="1050" dirty="0" err="1">
-                <a:solidFill>
-                  <a:srgbClr val="7030A0"/>
-                </a:solidFill>
-              </a:rPr>
-              <a:t>ReadOnlyEntry</a:t>
-            </a:r>
-            <a:endParaRPr lang="en-SG" sz="1050" dirty="0">
-              <a:solidFill>
-                <a:srgbClr val="7030A0"/>
-              </a:solidFill>
-            </a:endParaRPr>
-          </a:p>
-        </p:txBody>
-      </p:sp>
-      <p:sp>
-        <p:nvSpPr>
-          <p:cNvPr id="76" name="Rectangle 8"/>
-          <p:cNvSpPr/>
-          <p:nvPr/>
-        </p:nvSpPr>
-        <p:spPr>
-          <a:xfrm>
-            <a:off x="6641977" y="838200"/>
-            <a:ext cx="708186" cy="285783"/>
-          </a:xfrm>
-          <a:prstGeom prst="rect">
-            <a:avLst/>
-          </a:prstGeom>
-          <a:ln w="19050">
-            <a:solidFill>
-              <a:srgbClr val="7030A0"/>
-            </a:solidFill>
-          </a:ln>
-          <a:effectLst/>
-        </p:spPr>
-        <p:style>
-          <a:lnRef idx="1">
-            <a:schemeClr val="accent4"/>
-          </a:lnRef>
-          <a:fillRef idx="2">
-            <a:schemeClr val="accent4"/>
-          </a:fillRef>
-          <a:effectRef idx="1">
-            <a:schemeClr val="accent4"/>
-          </a:effectRef>
-          <a:fontRef idx="minor">
-            <a:schemeClr val="dk1"/>
-          </a:fontRef>
-        </p:style>
-        <p:txBody>
-          <a:bodyPr rtlCol="0" anchor="ctr"/>
-          <a:lstStyle/>
-          <a:p>
-            <a:pPr algn="ctr"/>
-            <a:r>
-              <a:rPr lang="en-US" sz="1050">
-                <a:solidFill>
-                  <a:srgbClr val="7030A0"/>
-                </a:solidFill>
-              </a:rPr>
-              <a:t>Name</a:t>
-            </a:r>
-            <a:endParaRPr lang="en-SG" sz="1050" dirty="0">
-              <a:solidFill>
-                <a:srgbClr val="7030A0"/>
-              </a:solidFill>
-            </a:endParaRPr>
-          </a:p>
-        </p:txBody>
-      </p:sp>
-      <p:sp>
-        <p:nvSpPr>
-          <p:cNvPr id="78" name="Flowchart: Decision 96"/>
-          <p:cNvSpPr/>
-          <p:nvPr/>
-        </p:nvSpPr>
-        <p:spPr>
-          <a:xfrm rot="16200000">
-            <a:off x="6878045" y="1833175"/>
-            <a:ext cx="236048" cy="173380"/>
-          </a:xfrm>
-          <a:prstGeom prst="flowChartDecision">
-            <a:avLst/>
-          </a:prstGeom>
-          <a:solidFill>
-            <a:srgbClr val="7030A0"/>
-          </a:solidFill>
-          <a:ln w="19050">
-            <a:solidFill>
-              <a:srgbClr val="7030A0"/>
-            </a:solidFill>
-          </a:ln>
-          <a:effectLst/>
-        </p:spPr>
-        <p:style>
-          <a:lnRef idx="1">
-            <a:schemeClr val="accent6"/>
-          </a:lnRef>
-          <a:fillRef idx="2">
-            <a:schemeClr val="accent6"/>
-          </a:fillRef>
-          <a:effectRef idx="1">
-            <a:schemeClr val="accent6"/>
-          </a:effectRef>
-          <a:fontRef idx="minor">
-            <a:schemeClr val="dk1"/>
-          </a:fontRef>
-        </p:style>
-        <p:txBody>
-          <a:bodyPr rtlCol="0" anchor="ctr"/>
-          <a:lstStyle/>
-          <a:p>
-            <a:pPr algn="ctr"/>
-            <a:endParaRPr lang="en-US" sz="1050"/>
-          </a:p>
-        </p:txBody>
-      </p:sp>
-      <p:cxnSp>
-        <p:nvCxnSpPr>
-          <p:cNvPr id="79" name="Elbow Connector 78"/>
-          <p:cNvCxnSpPr>
-            <a:cxnSpLocks/>
-            <a:stCxn id="78" idx="3"/>
-            <a:endCxn id="76" idx="2"/>
-          </p:cNvCxnSpPr>
-          <p:nvPr/>
-        </p:nvCxnSpPr>
-        <p:spPr>
-          <a:xfrm rot="5400000" flipH="1" flipV="1">
-            <a:off x="6657140" y="1462912"/>
-            <a:ext cx="677858" cy="1"/>
-          </a:xfrm>
-          <a:prstGeom prst="bentConnector3">
-            <a:avLst>
-              <a:gd name="adj1" fmla="val 50000"/>
-            </a:avLst>
-          </a:prstGeom>
-          <a:ln w="19050">
-            <a:solidFill>
-              <a:srgbClr val="7030A0"/>
-            </a:solidFill>
-            <a:headEnd type="none" w="med" len="med"/>
-            <a:tailEnd type="arrow" w="med" len="med"/>
-          </a:ln>
-          <a:effectLst/>
-        </p:spPr>
-        <p:style>
-          <a:lnRef idx="1">
-            <a:schemeClr val="accent2"/>
-          </a:lnRef>
-          <a:fillRef idx="2">
-            <a:schemeClr val="accent2"/>
-          </a:fillRef>
-          <a:effectRef idx="1">
-            <a:schemeClr val="accent2"/>
-          </a:effectRef>
-          <a:fontRef idx="minor">
-            <a:schemeClr val="dk1"/>
-          </a:fontRef>
-        </p:style>
-      </p:cxnSp>
-      <p:cxnSp>
-        <p:nvCxnSpPr>
-          <p:cNvPr id="97" name="Elbow Connector 63"/>
-          <p:cNvCxnSpPr>
-            <a:cxnSpLocks/>
-            <a:stCxn id="99" idx="3"/>
-            <a:endCxn id="46" idx="0"/>
-          </p:cNvCxnSpPr>
-          <p:nvPr/>
-        </p:nvCxnSpPr>
-        <p:spPr>
-          <a:xfrm rot="16200000" flipH="1">
-            <a:off x="3304062" y="1917226"/>
-            <a:ext cx="103181" cy="78"/>
-          </a:xfrm>
-          <a:prstGeom prst="bentConnector3">
-            <a:avLst>
-              <a:gd name="adj1" fmla="val 50000"/>
-            </a:avLst>
-          </a:prstGeom>
-          <a:ln w="19050">
-            <a:solidFill>
-              <a:srgbClr val="7030A0"/>
-            </a:solidFill>
-            <a:prstDash val="sysDot"/>
-            <a:headEnd type="none" w="med" len="med"/>
-            <a:tailEnd type="none" w="med" len="med"/>
-          </a:ln>
-          <a:effectLst/>
-        </p:spPr>
-        <p:style>
-          <a:lnRef idx="1">
-            <a:schemeClr val="accent2"/>
-          </a:lnRef>
-          <a:fillRef idx="2">
-            <a:schemeClr val="accent2"/>
-          </a:fillRef>
-          <a:effectRef idx="1">
-            <a:schemeClr val="accent2"/>
-          </a:effectRef>
-          <a:fontRef idx="minor">
-            <a:schemeClr val="dk1"/>
-          </a:fontRef>
-        </p:style>
-      </p:cxnSp>
-      <p:sp>
-        <p:nvSpPr>
-          <p:cNvPr id="99" name="Isosceles Triangle 102"/>
-          <p:cNvSpPr/>
-          <p:nvPr/>
-        </p:nvSpPr>
-        <p:spPr>
-          <a:xfrm rot="10800000" flipV="1">
-            <a:off x="3220361" y="1690152"/>
+          <a:xfrm rot="5400000" flipV="1">
+            <a:off x="3266468" y="5396925"/>
             <a:ext cx="270504" cy="175523"/>
           </a:xfrm>
           <a:prstGeom prst="triangle">
@@ -15987,687 +14732,10 @@
       </p:sp>
       <p:sp>
         <p:nvSpPr>
-          <p:cNvPr id="100" name="Rectangle 8"/>
-          <p:cNvSpPr/>
-          <p:nvPr/>
-        </p:nvSpPr>
-        <p:spPr>
-          <a:xfrm>
-            <a:off x="2589686" y="1329640"/>
-            <a:ext cx="1539926" cy="346760"/>
-          </a:xfrm>
-          <a:prstGeom prst="rect">
-            <a:avLst/>
-          </a:prstGeom>
-          <a:ln w="19050">
-            <a:solidFill>
-              <a:srgbClr val="7030A0"/>
-            </a:solidFill>
-          </a:ln>
-          <a:effectLst/>
-        </p:spPr>
-        <p:style>
-          <a:lnRef idx="1">
-            <a:schemeClr val="accent4"/>
-          </a:lnRef>
-          <a:fillRef idx="2">
-            <a:schemeClr val="accent4"/>
-          </a:fillRef>
-          <a:effectRef idx="1">
-            <a:schemeClr val="accent4"/>
-          </a:effectRef>
-          <a:fontRef idx="minor">
-            <a:schemeClr val="dk1"/>
-          </a:fontRef>
-        </p:style>
-        <p:txBody>
-          <a:bodyPr rtlCol="0" anchor="ctr"/>
-          <a:lstStyle/>
-          <a:p>
-            <a:pPr algn="ctr"/>
-            <a:r>
-              <a:rPr lang="en-US" sz="1050" dirty="0">
-                <a:solidFill>
-                  <a:srgbClr val="7030A0"/>
-                </a:solidFill>
-              </a:rPr>
-              <a:t>&lt;&lt;interface&gt;&gt;</a:t>
-            </a:r>
-            <a:br>
-              <a:rPr lang="en-US" sz="1050" dirty="0">
-                <a:solidFill>
-                  <a:srgbClr val="7030A0"/>
-                </a:solidFill>
-              </a:rPr>
-            </a:br>
-            <a:r>
-              <a:rPr lang="en-US" sz="1050" dirty="0" err="1">
-                <a:solidFill>
-                  <a:srgbClr val="7030A0"/>
-                </a:solidFill>
-              </a:rPr>
-              <a:t>ReadOnlyEntryBook</a:t>
-            </a:r>
-            <a:endParaRPr lang="en-SG" sz="1050" dirty="0">
-              <a:solidFill>
-                <a:srgbClr val="7030A0"/>
-              </a:solidFill>
-            </a:endParaRPr>
-          </a:p>
-        </p:txBody>
-      </p:sp>
-      <p:sp>
-        <p:nvSpPr>
-          <p:cNvPr id="114" name="TextBox 113"/>
-          <p:cNvSpPr txBox="1"/>
-          <p:nvPr/>
-        </p:nvSpPr>
-        <p:spPr>
-          <a:xfrm rot="16200000">
-            <a:off x="1642329" y="3357704"/>
-            <a:ext cx="881018" cy="261610"/>
-          </a:xfrm>
-          <a:prstGeom prst="rect">
-            <a:avLst/>
-          </a:prstGeom>
-          <a:noFill/>
-        </p:spPr>
-        <p:txBody>
-          <a:bodyPr wrap="square" rtlCol="0">
-            <a:spAutoFit/>
-          </a:bodyPr>
-          <a:lstStyle/>
-          <a:p>
-            <a:pPr algn="r"/>
-            <a:r>
-              <a:rPr lang="en-US" sz="1100" dirty="0">
-                <a:solidFill>
-                  <a:srgbClr val="7030A0"/>
-                </a:solidFill>
-              </a:rPr>
-              <a:t>filtered list</a:t>
-            </a:r>
-            <a:endParaRPr lang="en-SG" sz="1100" dirty="0">
-              <a:solidFill>
-                <a:srgbClr val="7030A0"/>
-              </a:solidFill>
-            </a:endParaRPr>
-          </a:p>
-        </p:txBody>
-      </p:sp>
-      <p:sp>
-        <p:nvSpPr>
-          <p:cNvPr id="122" name="Rectangle 8"/>
-          <p:cNvSpPr/>
-          <p:nvPr/>
-        </p:nvSpPr>
-        <p:spPr>
-          <a:xfrm>
-            <a:off x="2343612" y="860095"/>
-            <a:ext cx="1775949" cy="346760"/>
-          </a:xfrm>
-          <a:prstGeom prst="rect">
-            <a:avLst/>
-          </a:prstGeom>
-          <a:ln w="19050">
-            <a:solidFill>
-              <a:srgbClr val="7030A0"/>
-            </a:solidFill>
-          </a:ln>
-          <a:effectLst/>
-        </p:spPr>
-        <p:style>
-          <a:lnRef idx="1">
-            <a:schemeClr val="accent4"/>
-          </a:lnRef>
-          <a:fillRef idx="2">
-            <a:schemeClr val="accent4"/>
-          </a:fillRef>
-          <a:effectRef idx="1">
-            <a:schemeClr val="accent4"/>
-          </a:effectRef>
-          <a:fontRef idx="minor">
-            <a:schemeClr val="dk1"/>
-          </a:fontRef>
-        </p:style>
-        <p:txBody>
-          <a:bodyPr rtlCol="0" anchor="ctr"/>
-          <a:lstStyle/>
-          <a:p>
-            <a:pPr algn="ctr"/>
-            <a:r>
-              <a:rPr lang="en-US" sz="1050" dirty="0">
-                <a:solidFill>
-                  <a:srgbClr val="7030A0"/>
-                </a:solidFill>
-              </a:rPr>
-              <a:t>&lt;&lt;interface&gt;&gt;</a:t>
-            </a:r>
-            <a:br>
-              <a:rPr lang="en-US" sz="1050" dirty="0">
-                <a:solidFill>
-                  <a:srgbClr val="7030A0"/>
-                </a:solidFill>
-              </a:rPr>
-            </a:br>
-            <a:r>
-              <a:rPr lang="en-US" sz="1050" dirty="0" err="1">
-                <a:solidFill>
-                  <a:srgbClr val="7030A0"/>
-                </a:solidFill>
-              </a:rPr>
-              <a:t>UnmodifiableObservableList</a:t>
-            </a:r>
-            <a:endParaRPr lang="en-SG" sz="1050" dirty="0">
-              <a:solidFill>
-                <a:srgbClr val="7030A0"/>
-              </a:solidFill>
-            </a:endParaRPr>
-          </a:p>
-        </p:txBody>
-      </p:sp>
-      <p:cxnSp>
-        <p:nvCxnSpPr>
-          <p:cNvPr id="124" name="Elbow Connector 122"/>
-          <p:cNvCxnSpPr>
-            <a:cxnSpLocks/>
-            <a:stCxn id="119" idx="3"/>
-            <a:endCxn id="122" idx="1"/>
-          </p:cNvCxnSpPr>
-          <p:nvPr/>
-        </p:nvCxnSpPr>
-        <p:spPr>
-          <a:xfrm rot="5400000" flipH="1" flipV="1">
-            <a:off x="1516884" y="1002473"/>
-            <a:ext cx="795726" cy="857730"/>
-          </a:xfrm>
-          <a:prstGeom prst="bentConnector2">
-            <a:avLst/>
-          </a:prstGeom>
-          <a:ln w="19050">
-            <a:solidFill>
-              <a:srgbClr val="7030A0"/>
-            </a:solidFill>
-            <a:prstDash val="sysDot"/>
-            <a:headEnd type="none" w="med" len="med"/>
-            <a:tailEnd type="arrow" w="med" len="med"/>
-          </a:ln>
-          <a:effectLst/>
-        </p:spPr>
-        <p:style>
-          <a:lnRef idx="1">
-            <a:schemeClr val="accent2"/>
-          </a:lnRef>
-          <a:fillRef idx="2">
-            <a:schemeClr val="accent2"/>
-          </a:fillRef>
-          <a:effectRef idx="1">
-            <a:schemeClr val="accent2"/>
-          </a:effectRef>
-          <a:fontRef idx="minor">
-            <a:schemeClr val="dk1"/>
-          </a:fontRef>
-        </p:style>
-      </p:cxnSp>
-      <p:cxnSp>
-        <p:nvCxnSpPr>
-          <p:cNvPr id="50" name="Elbow Connector 49"/>
-          <p:cNvCxnSpPr>
-            <a:cxnSpLocks/>
-            <a:stCxn id="78" idx="3"/>
-            <a:endCxn id="57" idx="3"/>
-          </p:cNvCxnSpPr>
-          <p:nvPr/>
-        </p:nvCxnSpPr>
-        <p:spPr>
-          <a:xfrm rot="16200000" flipV="1">
-            <a:off x="6312294" y="1118065"/>
-            <a:ext cx="360497" cy="1007055"/>
-          </a:xfrm>
-          <a:prstGeom prst="bentConnector2">
-            <a:avLst/>
-          </a:prstGeom>
-          <a:ln w="19050">
-            <a:solidFill>
-              <a:srgbClr val="7030A0"/>
-            </a:solidFill>
-            <a:headEnd type="none" w="med" len="med"/>
-            <a:tailEnd type="arrow" w="med" len="med"/>
-          </a:ln>
-          <a:effectLst/>
-        </p:spPr>
-        <p:style>
-          <a:lnRef idx="1">
-            <a:schemeClr val="accent2"/>
-          </a:lnRef>
-          <a:fillRef idx="2">
-            <a:schemeClr val="accent2"/>
-          </a:fillRef>
-          <a:effectRef idx="1">
-            <a:schemeClr val="accent2"/>
-          </a:effectRef>
-          <a:fontRef idx="minor">
-            <a:schemeClr val="dk1"/>
-          </a:fontRef>
-        </p:style>
-      </p:cxnSp>
-      <p:sp>
-        <p:nvSpPr>
-          <p:cNvPr id="11" name="TextBox 10"/>
-          <p:cNvSpPr txBox="1"/>
-          <p:nvPr/>
-        </p:nvSpPr>
-        <p:spPr>
-          <a:xfrm>
-            <a:off x="4564394" y="1224242"/>
-            <a:ext cx="189257" cy="178683"/>
-          </a:xfrm>
-          <a:prstGeom prst="rect">
-            <a:avLst/>
-          </a:prstGeom>
-          <a:noFill/>
-        </p:spPr>
-        <p:txBody>
-          <a:bodyPr wrap="square" lIns="0" tIns="0" rIns="0" bIns="0" rtlCol="0">
-            <a:noAutofit/>
-          </a:bodyPr>
-          <a:lstStyle/>
-          <a:p>
-            <a:pPr algn="ctr"/>
-            <a:r>
-              <a:rPr lang="en-US" sz="1100" dirty="0">
-                <a:solidFill>
-                  <a:srgbClr val="7030A0"/>
-                </a:solidFill>
-              </a:rPr>
-              <a:t>1</a:t>
-            </a:r>
-            <a:endParaRPr lang="en-SG" sz="1100" dirty="0">
-              <a:solidFill>
-                <a:srgbClr val="7030A0"/>
-              </a:solidFill>
-            </a:endParaRPr>
-          </a:p>
-        </p:txBody>
-      </p:sp>
-      <p:sp>
-        <p:nvSpPr>
-          <p:cNvPr id="54" name="TextBox 53"/>
-          <p:cNvSpPr txBox="1"/>
-          <p:nvPr/>
-        </p:nvSpPr>
-        <p:spPr>
-          <a:xfrm>
-            <a:off x="4573055" y="1624714"/>
-            <a:ext cx="189257" cy="178683"/>
-          </a:xfrm>
-          <a:prstGeom prst="rect">
-            <a:avLst/>
-          </a:prstGeom>
-          <a:noFill/>
-        </p:spPr>
-        <p:txBody>
-          <a:bodyPr wrap="square" lIns="0" tIns="0" rIns="0" bIns="0" rtlCol="0">
-            <a:noAutofit/>
-          </a:bodyPr>
-          <a:lstStyle/>
-          <a:p>
-            <a:pPr algn="ctr"/>
-            <a:r>
-              <a:rPr lang="en-US" sz="1100" dirty="0">
-                <a:solidFill>
-                  <a:srgbClr val="7030A0"/>
-                </a:solidFill>
-              </a:rPr>
-              <a:t>1</a:t>
-            </a:r>
-            <a:endParaRPr lang="en-SG" sz="1100" dirty="0">
-              <a:solidFill>
-                <a:srgbClr val="7030A0"/>
-              </a:solidFill>
-            </a:endParaRPr>
-          </a:p>
-        </p:txBody>
-      </p:sp>
-      <p:sp>
-        <p:nvSpPr>
-          <p:cNvPr id="56" name="TextBox 55"/>
-          <p:cNvSpPr txBox="1"/>
-          <p:nvPr/>
-        </p:nvSpPr>
-        <p:spPr>
-          <a:xfrm>
-            <a:off x="6059245" y="1482808"/>
-            <a:ext cx="189257" cy="178683"/>
-          </a:xfrm>
-          <a:prstGeom prst="rect">
-            <a:avLst/>
-          </a:prstGeom>
-          <a:noFill/>
-        </p:spPr>
-        <p:txBody>
-          <a:bodyPr wrap="square" lIns="0" tIns="0" rIns="0" bIns="0" rtlCol="0">
-            <a:noAutofit/>
-          </a:bodyPr>
-          <a:lstStyle/>
-          <a:p>
-            <a:pPr algn="ctr"/>
-            <a:r>
-              <a:rPr lang="en-US" sz="1100" dirty="0">
-                <a:solidFill>
-                  <a:srgbClr val="7030A0"/>
-                </a:solidFill>
-              </a:rPr>
-              <a:t>1</a:t>
-            </a:r>
-            <a:endParaRPr lang="en-SG" sz="1100" dirty="0">
-              <a:solidFill>
-                <a:srgbClr val="7030A0"/>
-              </a:solidFill>
-            </a:endParaRPr>
-          </a:p>
-        </p:txBody>
-      </p:sp>
-      <p:sp>
-        <p:nvSpPr>
-          <p:cNvPr id="60" name="TextBox 59"/>
-          <p:cNvSpPr txBox="1"/>
-          <p:nvPr/>
-        </p:nvSpPr>
-        <p:spPr>
-          <a:xfrm>
-            <a:off x="5506098" y="769536"/>
-            <a:ext cx="189257" cy="178683"/>
-          </a:xfrm>
-          <a:prstGeom prst="rect">
-            <a:avLst/>
-          </a:prstGeom>
-          <a:noFill/>
-        </p:spPr>
-        <p:txBody>
-          <a:bodyPr wrap="square" lIns="0" tIns="0" rIns="0" bIns="0" rtlCol="0">
-            <a:noAutofit/>
-          </a:bodyPr>
-          <a:lstStyle/>
-          <a:p>
-            <a:pPr algn="ctr"/>
-            <a:r>
-              <a:rPr lang="en-US" sz="1100" dirty="0">
-                <a:solidFill>
-                  <a:srgbClr val="7030A0"/>
-                </a:solidFill>
-              </a:rPr>
-              <a:t>*</a:t>
-            </a:r>
-            <a:endParaRPr lang="en-SG" sz="1100" dirty="0">
-              <a:solidFill>
-                <a:srgbClr val="7030A0"/>
-              </a:solidFill>
-            </a:endParaRPr>
-          </a:p>
-        </p:txBody>
-      </p:sp>
-      <p:sp>
-        <p:nvSpPr>
-          <p:cNvPr id="61" name="TextBox 60"/>
-          <p:cNvSpPr txBox="1"/>
-          <p:nvPr/>
-        </p:nvSpPr>
-        <p:spPr>
-          <a:xfrm>
-            <a:off x="6357509" y="2043611"/>
-            <a:ext cx="189257" cy="178683"/>
-          </a:xfrm>
-          <a:prstGeom prst="rect">
-            <a:avLst/>
-          </a:prstGeom>
-          <a:noFill/>
-        </p:spPr>
-        <p:txBody>
-          <a:bodyPr wrap="square" lIns="0" tIns="0" rIns="0" bIns="0" rtlCol="0">
-            <a:noAutofit/>
-          </a:bodyPr>
-          <a:lstStyle/>
-          <a:p>
-            <a:pPr algn="ctr"/>
-            <a:r>
-              <a:rPr lang="en-US" sz="1100" dirty="0">
-                <a:solidFill>
-                  <a:srgbClr val="7030A0"/>
-                </a:solidFill>
-              </a:rPr>
-              <a:t>*</a:t>
-            </a:r>
-            <a:endParaRPr lang="en-SG" sz="1100" dirty="0">
-              <a:solidFill>
-                <a:srgbClr val="7030A0"/>
-              </a:solidFill>
-            </a:endParaRPr>
-          </a:p>
-        </p:txBody>
-      </p:sp>
-      <p:sp>
-        <p:nvSpPr>
-          <p:cNvPr id="65" name="TextBox 64"/>
-          <p:cNvSpPr txBox="1"/>
-          <p:nvPr/>
-        </p:nvSpPr>
-        <p:spPr>
-          <a:xfrm>
-            <a:off x="2617306" y="1905674"/>
-            <a:ext cx="189257" cy="178683"/>
-          </a:xfrm>
-          <a:prstGeom prst="rect">
-            <a:avLst/>
-          </a:prstGeom>
-          <a:noFill/>
-        </p:spPr>
-        <p:txBody>
-          <a:bodyPr wrap="square" lIns="0" tIns="0" rIns="0" bIns="0" rtlCol="0">
-            <a:noAutofit/>
-          </a:bodyPr>
-          <a:lstStyle/>
-          <a:p>
-            <a:pPr algn="ctr"/>
-            <a:r>
-              <a:rPr lang="en-US" sz="1100" dirty="0">
-                <a:solidFill>
-                  <a:srgbClr val="7030A0"/>
-                </a:solidFill>
-              </a:rPr>
-              <a:t>1</a:t>
-            </a:r>
-            <a:endParaRPr lang="en-SG" sz="1100" dirty="0">
-              <a:solidFill>
-                <a:srgbClr val="7030A0"/>
-              </a:solidFill>
-            </a:endParaRPr>
-          </a:p>
-        </p:txBody>
-      </p:sp>
-      <p:sp>
-        <p:nvSpPr>
-          <p:cNvPr id="66" name="TextBox 65"/>
-          <p:cNvSpPr txBox="1"/>
-          <p:nvPr/>
-        </p:nvSpPr>
-        <p:spPr>
-          <a:xfrm>
-            <a:off x="2585753" y="2727486"/>
-            <a:ext cx="189257" cy="178683"/>
-          </a:xfrm>
-          <a:prstGeom prst="rect">
-            <a:avLst/>
-          </a:prstGeom>
-          <a:noFill/>
-        </p:spPr>
-        <p:txBody>
-          <a:bodyPr wrap="square" lIns="0" tIns="0" rIns="0" bIns="0" rtlCol="0">
-            <a:noAutofit/>
-          </a:bodyPr>
-          <a:lstStyle/>
-          <a:p>
-            <a:pPr algn="ctr"/>
-            <a:r>
-              <a:rPr lang="en-US" sz="1100" dirty="0">
-                <a:solidFill>
-                  <a:srgbClr val="7030A0"/>
-                </a:solidFill>
-              </a:rPr>
-              <a:t>1</a:t>
-            </a:r>
-            <a:endParaRPr lang="en-SG" sz="1100" dirty="0">
-              <a:solidFill>
-                <a:srgbClr val="7030A0"/>
-              </a:solidFill>
-            </a:endParaRPr>
-          </a:p>
-        </p:txBody>
-      </p:sp>
-      <p:sp>
-        <p:nvSpPr>
-          <p:cNvPr id="70" name="TextBox 69"/>
-          <p:cNvSpPr txBox="1"/>
-          <p:nvPr/>
-        </p:nvSpPr>
-        <p:spPr>
-          <a:xfrm>
-            <a:off x="4154143" y="3631998"/>
-            <a:ext cx="189257" cy="178683"/>
-          </a:xfrm>
-          <a:prstGeom prst="rect">
-            <a:avLst/>
-          </a:prstGeom>
-          <a:noFill/>
-        </p:spPr>
-        <p:txBody>
-          <a:bodyPr wrap="square" lIns="0" tIns="0" rIns="0" bIns="0" rtlCol="0">
-            <a:noAutofit/>
-          </a:bodyPr>
-          <a:lstStyle/>
-          <a:p>
-            <a:pPr algn="ctr"/>
-            <a:r>
-              <a:rPr lang="en-US" sz="1100" dirty="0">
-                <a:solidFill>
-                  <a:srgbClr val="7030A0"/>
-                </a:solidFill>
-              </a:rPr>
-              <a:t>1</a:t>
-            </a:r>
-            <a:endParaRPr lang="en-SG" sz="1100" dirty="0">
-              <a:solidFill>
-                <a:srgbClr val="7030A0"/>
-              </a:solidFill>
-            </a:endParaRPr>
-          </a:p>
-        </p:txBody>
-      </p:sp>
-      <p:cxnSp>
-        <p:nvCxnSpPr>
-          <p:cNvPr id="73" name="Elbow Connector 122">
+          <p:cNvPr id="137" name="Isosceles Triangle 102">
             <a:extLst>
               <a:ext uri="{FF2B5EF4-FFF2-40B4-BE49-F238E27FC236}">
-                <a16:creationId xmlns:a16="http://schemas.microsoft.com/office/drawing/2014/main" id="{6C194B6E-AD6B-4C34-821F-85FC683926D2}"/>
-              </a:ext>
-            </a:extLst>
-          </p:cNvPr>
-          <p:cNvCxnSpPr>
-            <a:cxnSpLocks/>
-            <a:stCxn id="119" idx="3"/>
-            <a:endCxn id="100" idx="1"/>
-          </p:cNvCxnSpPr>
-          <p:nvPr/>
-        </p:nvCxnSpPr>
-        <p:spPr>
-          <a:xfrm rot="5400000" flipH="1" flipV="1">
-            <a:off x="1874694" y="1114209"/>
-            <a:ext cx="326181" cy="1103804"/>
-          </a:xfrm>
-          <a:prstGeom prst="bentConnector2">
-            <a:avLst/>
-          </a:prstGeom>
-          <a:ln w="19050">
-            <a:solidFill>
-              <a:srgbClr val="7030A0"/>
-            </a:solidFill>
-            <a:prstDash val="sysDot"/>
-            <a:headEnd type="none" w="med" len="med"/>
-            <a:tailEnd type="arrow" w="med" len="med"/>
-          </a:ln>
-          <a:effectLst/>
-        </p:spPr>
-        <p:style>
-          <a:lnRef idx="1">
-            <a:schemeClr val="accent2"/>
-          </a:lnRef>
-          <a:fillRef idx="2">
-            <a:schemeClr val="accent2"/>
-          </a:fillRef>
-          <a:effectRef idx="1">
-            <a:schemeClr val="accent2"/>
-          </a:effectRef>
-          <a:fontRef idx="minor">
-            <a:schemeClr val="dk1"/>
-          </a:fontRef>
-        </p:style>
-      </p:cxnSp>
-      <p:cxnSp>
-        <p:nvCxnSpPr>
-          <p:cNvPr id="74" name="Elbow Connector 85">
-            <a:extLst>
-              <a:ext uri="{FF2B5EF4-FFF2-40B4-BE49-F238E27FC236}">
-                <a16:creationId xmlns:a16="http://schemas.microsoft.com/office/drawing/2014/main" id="{0BF0A13B-B2CA-43C0-A84A-D92BEE5134B9}"/>
-              </a:ext>
-            </a:extLst>
-          </p:cNvPr>
-          <p:cNvCxnSpPr>
-            <a:cxnSpLocks/>
-            <a:stCxn id="77" idx="3"/>
-            <a:endCxn id="117" idx="3"/>
-          </p:cNvCxnSpPr>
-          <p:nvPr/>
-        </p:nvCxnSpPr>
-        <p:spPr>
-          <a:xfrm flipV="1">
-            <a:off x="6952991" y="2220497"/>
-            <a:ext cx="703039" cy="2357939"/>
-          </a:xfrm>
-          <a:prstGeom prst="bentConnector3">
-            <a:avLst>
-              <a:gd name="adj1" fmla="val 139271"/>
-            </a:avLst>
-          </a:prstGeom>
-          <a:ln w="19050">
-            <a:solidFill>
-              <a:srgbClr val="7030A0"/>
-            </a:solidFill>
-            <a:headEnd type="none" w="med" len="med"/>
-            <a:tailEnd type="none" w="med" len="med"/>
-          </a:ln>
-          <a:effectLst/>
-        </p:spPr>
-        <p:style>
-          <a:lnRef idx="1">
-            <a:schemeClr val="accent2"/>
-          </a:lnRef>
-          <a:fillRef idx="2">
-            <a:schemeClr val="accent2"/>
-          </a:fillRef>
-          <a:effectRef idx="1">
-            <a:schemeClr val="accent2"/>
-          </a:effectRef>
-          <a:fontRef idx="minor">
-            <a:schemeClr val="dk1"/>
-          </a:fontRef>
-        </p:style>
-      </p:cxnSp>
-      <p:sp>
-        <p:nvSpPr>
-          <p:cNvPr id="77" name="Rectangle 8">
-            <a:extLst>
-              <a:ext uri="{FF2B5EF4-FFF2-40B4-BE49-F238E27FC236}">
-                <a16:creationId xmlns:a16="http://schemas.microsoft.com/office/drawing/2014/main" id="{0385A838-EEB2-4922-9B4E-2B6ECA006CD4}"/>
+                <a16:creationId xmlns:a16="http://schemas.microsoft.com/office/drawing/2014/main" id="{8F93B057-65CC-413B-A689-722BA03E4E00}"/>
               </a:ext>
             </a:extLst>
           </p:cNvPr>
@@ -16675,29 +14743,32 @@
           <p:nvPr/>
         </p:nvSpPr>
         <p:spPr>
-          <a:xfrm>
-            <a:off x="6249251" y="4435544"/>
-            <a:ext cx="703740" cy="285783"/>
-          </a:xfrm>
-          <a:prstGeom prst="rect">
-            <a:avLst/>
-          </a:prstGeom>
-          <a:ln w="19050">
-            <a:solidFill>
-              <a:srgbClr val="7030A0"/>
-            </a:solidFill>
-          </a:ln>
-          <a:effectLst/>
-        </p:spPr>
-        <p:style>
-          <a:lnRef idx="1">
-            <a:schemeClr val="accent4"/>
-          </a:lnRef>
-          <a:fillRef idx="2">
-            <a:schemeClr val="accent4"/>
-          </a:fillRef>
-          <a:effectRef idx="1">
-            <a:schemeClr val="accent4"/>
+          <a:xfrm rot="16200000">
+            <a:off x="3740160" y="2788449"/>
+            <a:ext cx="270504" cy="175523"/>
+          </a:xfrm>
+          <a:prstGeom prst="triangle">
+            <a:avLst/>
+          </a:prstGeom>
+          <a:solidFill>
+            <a:srgbClr val="7030A0"/>
+          </a:solidFill>
+          <a:ln w="19050">
+            <a:solidFill>
+              <a:srgbClr val="7030A0"/>
+            </a:solidFill>
+          </a:ln>
+          <a:effectLst/>
+        </p:spPr>
+        <p:style>
+          <a:lnRef idx="1">
+            <a:schemeClr val="accent6"/>
+          </a:lnRef>
+          <a:fillRef idx="2">
+            <a:schemeClr val="accent6"/>
+          </a:fillRef>
+          <a:effectRef idx="1">
+            <a:schemeClr val="accent6"/>
           </a:effectRef>
           <a:fontRef idx="minor">
             <a:schemeClr val="dk1"/>
@@ -16708,28 +14779,16 @@
           <a:lstStyle/>
           <a:p>
             <a:pPr algn="ctr"/>
-            <a:r>
-              <a:rPr lang="en-US" sz="1050">
-                <a:solidFill>
-                  <a:srgbClr val="7030A0"/>
-                </a:solidFill>
-              </a:rPr>
-              <a:t>Event</a:t>
-            </a:r>
-            <a:endParaRPr lang="en-SG" sz="1050" dirty="0">
-              <a:solidFill>
-                <a:srgbClr val="7030A0"/>
-              </a:solidFill>
-            </a:endParaRPr>
-          </a:p>
-        </p:txBody>
-      </p:sp>
-      <p:sp>
-        <p:nvSpPr>
-          <p:cNvPr id="82" name="Rectangle 8">
+            <a:endParaRPr lang="en-SG" sz="1050"/>
+          </a:p>
+        </p:txBody>
+      </p:sp>
+      <p:sp>
+        <p:nvSpPr>
+          <p:cNvPr id="138" name="Isosceles Triangle 102">
             <a:extLst>
               <a:ext uri="{FF2B5EF4-FFF2-40B4-BE49-F238E27FC236}">
-                <a16:creationId xmlns:a16="http://schemas.microsoft.com/office/drawing/2014/main" id="{B018534C-9921-4CC3-8436-96798BAD80C9}"/>
+                <a16:creationId xmlns:a16="http://schemas.microsoft.com/office/drawing/2014/main" id="{C405A132-B740-400A-9F71-C6A22C29B147}"/>
               </a:ext>
             </a:extLst>
           </p:cNvPr>
@@ -16738,756 +14797,10 @@
         </p:nvSpPr>
         <p:spPr>
           <a:xfrm>
-            <a:off x="5411051" y="4024969"/>
-            <a:ext cx="881679" cy="285783"/>
-          </a:xfrm>
-          <a:prstGeom prst="rect">
-            <a:avLst/>
-          </a:prstGeom>
-          <a:ln w="19050">
-            <a:solidFill>
-              <a:srgbClr val="7030A0"/>
-            </a:solidFill>
-          </a:ln>
-          <a:effectLst/>
-        </p:spPr>
-        <p:style>
-          <a:lnRef idx="1">
-            <a:schemeClr val="accent4"/>
-          </a:lnRef>
-          <a:fillRef idx="2">
-            <a:schemeClr val="accent4"/>
-          </a:fillRef>
-          <a:effectRef idx="1">
-            <a:schemeClr val="accent4"/>
-          </a:effectRef>
-          <a:fontRef idx="minor">
-            <a:schemeClr val="dk1"/>
-          </a:fontRef>
-        </p:style>
-        <p:txBody>
-          <a:bodyPr rtlCol="0" anchor="ctr"/>
-          <a:lstStyle/>
-          <a:p>
-            <a:pPr algn="ctr"/>
-            <a:r>
-              <a:rPr lang="en-US" sz="1050" dirty="0" err="1">
-                <a:solidFill>
-                  <a:srgbClr val="7030A0"/>
-                </a:solidFill>
-              </a:rPr>
-              <a:t>FloatingTask</a:t>
-            </a:r>
-            <a:endParaRPr lang="en-US" sz="1050" dirty="0">
-              <a:solidFill>
-                <a:srgbClr val="7030A0"/>
-              </a:solidFill>
-            </a:endParaRPr>
-          </a:p>
-        </p:txBody>
-      </p:sp>
-      <p:sp>
-        <p:nvSpPr>
-          <p:cNvPr id="87" name="Rectangle 8">
-            <a:extLst>
-              <a:ext uri="{FF2B5EF4-FFF2-40B4-BE49-F238E27FC236}">
-                <a16:creationId xmlns:a16="http://schemas.microsoft.com/office/drawing/2014/main" id="{FD92DEDE-8CCC-4D5A-A87C-6D4AD8C4B580}"/>
-              </a:ext>
-            </a:extLst>
-          </p:cNvPr>
-          <p:cNvSpPr/>
-          <p:nvPr/>
-        </p:nvSpPr>
-        <p:spPr>
-          <a:xfrm>
-            <a:off x="6916260" y="4819617"/>
-            <a:ext cx="703740" cy="285783"/>
-          </a:xfrm>
-          <a:prstGeom prst="rect">
-            <a:avLst/>
-          </a:prstGeom>
-          <a:ln w="19050">
-            <a:solidFill>
-              <a:srgbClr val="7030A0"/>
-            </a:solidFill>
-          </a:ln>
-          <a:effectLst/>
-        </p:spPr>
-        <p:style>
-          <a:lnRef idx="1">
-            <a:schemeClr val="accent4"/>
-          </a:lnRef>
-          <a:fillRef idx="2">
-            <a:schemeClr val="accent4"/>
-          </a:fillRef>
-          <a:effectRef idx="1">
-            <a:schemeClr val="accent4"/>
-          </a:effectRef>
-          <a:fontRef idx="minor">
-            <a:schemeClr val="dk1"/>
-          </a:fontRef>
-        </p:style>
-        <p:txBody>
-          <a:bodyPr rtlCol="0" anchor="ctr"/>
-          <a:lstStyle/>
-          <a:p>
-            <a:pPr algn="ctr"/>
-            <a:r>
-              <a:rPr lang="en-US" sz="1050" dirty="0">
-                <a:solidFill>
-                  <a:srgbClr val="7030A0"/>
-                </a:solidFill>
-              </a:rPr>
-              <a:t>Deadline</a:t>
-            </a:r>
-            <a:endParaRPr lang="en-SG" sz="1050" dirty="0">
-              <a:solidFill>
-                <a:srgbClr val="7030A0"/>
-              </a:solidFill>
-            </a:endParaRPr>
-          </a:p>
-        </p:txBody>
-      </p:sp>
-      <p:cxnSp>
-        <p:nvCxnSpPr>
-          <p:cNvPr id="94" name="Elbow Connector 85">
-            <a:extLst>
-              <a:ext uri="{FF2B5EF4-FFF2-40B4-BE49-F238E27FC236}">
-                <a16:creationId xmlns:a16="http://schemas.microsoft.com/office/drawing/2014/main" id="{ED2F0B51-3478-4720-BDF8-DD7B29CB36C3}"/>
-              </a:ext>
-            </a:extLst>
-          </p:cNvPr>
-          <p:cNvCxnSpPr>
-            <a:cxnSpLocks/>
-            <a:stCxn id="87" idx="3"/>
-            <a:endCxn id="117" idx="3"/>
-          </p:cNvCxnSpPr>
-          <p:nvPr/>
-        </p:nvCxnSpPr>
-        <p:spPr>
-          <a:xfrm flipV="1">
-            <a:off x="7620000" y="2220497"/>
-            <a:ext cx="36030" cy="2742012"/>
-          </a:xfrm>
-          <a:prstGeom prst="bentConnector3">
-            <a:avLst>
-              <a:gd name="adj1" fmla="val 866278"/>
-            </a:avLst>
-          </a:prstGeom>
-          <a:ln w="19050">
-            <a:solidFill>
-              <a:srgbClr val="7030A0"/>
-            </a:solidFill>
-            <a:headEnd type="none" w="med" len="med"/>
-            <a:tailEnd type="none" w="med" len="med"/>
-          </a:ln>
-          <a:effectLst/>
-        </p:spPr>
-        <p:style>
-          <a:lnRef idx="1">
-            <a:schemeClr val="accent2"/>
-          </a:lnRef>
-          <a:fillRef idx="2">
-            <a:schemeClr val="accent2"/>
-          </a:fillRef>
-          <a:effectRef idx="1">
-            <a:schemeClr val="accent2"/>
-          </a:effectRef>
-          <a:fontRef idx="minor">
-            <a:schemeClr val="dk1"/>
-          </a:fontRef>
-        </p:style>
-      </p:cxnSp>
-      <p:cxnSp>
-        <p:nvCxnSpPr>
-          <p:cNvPr id="98" name="Elbow Connector 85">
-            <a:extLst>
-              <a:ext uri="{FF2B5EF4-FFF2-40B4-BE49-F238E27FC236}">
-                <a16:creationId xmlns:a16="http://schemas.microsoft.com/office/drawing/2014/main" id="{77D93BAA-6F83-4157-8F77-043E3F11FB25}"/>
-              </a:ext>
-            </a:extLst>
-          </p:cNvPr>
-          <p:cNvCxnSpPr>
-            <a:cxnSpLocks/>
-            <a:stCxn id="82" idx="3"/>
-            <a:endCxn id="117" idx="3"/>
-          </p:cNvCxnSpPr>
-          <p:nvPr/>
-        </p:nvCxnSpPr>
-        <p:spPr>
-          <a:xfrm flipV="1">
-            <a:off x="6292730" y="2220497"/>
-            <a:ext cx="1363300" cy="1947364"/>
-          </a:xfrm>
-          <a:prstGeom prst="bentConnector3">
-            <a:avLst>
-              <a:gd name="adj1" fmla="val 120252"/>
-            </a:avLst>
-          </a:prstGeom>
-          <a:ln w="19050">
-            <a:solidFill>
-              <a:srgbClr val="7030A0"/>
-            </a:solidFill>
-            <a:headEnd type="none" w="med" len="med"/>
-            <a:tailEnd type="none" w="med" len="med"/>
-          </a:ln>
-          <a:effectLst/>
-        </p:spPr>
-        <p:style>
-          <a:lnRef idx="1">
-            <a:schemeClr val="accent2"/>
-          </a:lnRef>
-          <a:fillRef idx="2">
-            <a:schemeClr val="accent2"/>
-          </a:fillRef>
-          <a:effectRef idx="1">
-            <a:schemeClr val="accent2"/>
-          </a:effectRef>
-          <a:fontRef idx="minor">
-            <a:schemeClr val="dk1"/>
-          </a:fontRef>
-        </p:style>
-      </p:cxnSp>
-      <p:sp>
-        <p:nvSpPr>
-          <p:cNvPr id="153" name="TextBox 152">
-            <a:extLst>
-              <a:ext uri="{FF2B5EF4-FFF2-40B4-BE49-F238E27FC236}">
-                <a16:creationId xmlns:a16="http://schemas.microsoft.com/office/drawing/2014/main" id="{88FBB9DB-E26B-428F-AA6E-B20634747BE4}"/>
-              </a:ext>
-            </a:extLst>
-          </p:cNvPr>
-          <p:cNvSpPr txBox="1"/>
-          <p:nvPr/>
-        </p:nvSpPr>
-        <p:spPr>
-          <a:xfrm>
-            <a:off x="7052588" y="1138465"/>
-            <a:ext cx="189257" cy="178683"/>
-          </a:xfrm>
-          <a:prstGeom prst="rect">
-            <a:avLst/>
-          </a:prstGeom>
-          <a:noFill/>
-        </p:spPr>
-        <p:txBody>
-          <a:bodyPr wrap="square" lIns="0" tIns="0" rIns="0" bIns="0" rtlCol="0">
-            <a:noAutofit/>
-          </a:bodyPr>
-          <a:lstStyle/>
-          <a:p>
-            <a:pPr algn="ctr"/>
-            <a:r>
-              <a:rPr lang="en-US" sz="1100">
-                <a:solidFill>
-                  <a:srgbClr val="7030A0"/>
-                </a:solidFill>
-              </a:rPr>
-              <a:t>1</a:t>
-            </a:r>
-            <a:endParaRPr lang="en-SG" sz="1100" dirty="0">
-              <a:solidFill>
-                <a:srgbClr val="7030A0"/>
-              </a:solidFill>
-            </a:endParaRPr>
-          </a:p>
-        </p:txBody>
-      </p:sp>
-      <p:cxnSp>
-        <p:nvCxnSpPr>
-          <p:cNvPr id="268" name="Elbow Connector 58">
-            <a:extLst>
-              <a:ext uri="{FF2B5EF4-FFF2-40B4-BE49-F238E27FC236}">
-                <a16:creationId xmlns:a16="http://schemas.microsoft.com/office/drawing/2014/main" id="{A9D37834-AD78-452C-A0E4-1F0B40A9DA72}"/>
-              </a:ext>
-            </a:extLst>
-          </p:cNvPr>
-          <p:cNvCxnSpPr>
-            <a:cxnSpLocks/>
-            <a:stCxn id="93" idx="1"/>
-            <a:endCxn id="80" idx="3"/>
-          </p:cNvCxnSpPr>
-          <p:nvPr/>
-        </p:nvCxnSpPr>
-        <p:spPr>
-          <a:xfrm rot="10800000" flipV="1">
-            <a:off x="5061996" y="4570110"/>
-            <a:ext cx="950356" cy="1262"/>
-          </a:xfrm>
-          <a:prstGeom prst="bentConnector3">
-            <a:avLst>
-              <a:gd name="adj1" fmla="val 50000"/>
-            </a:avLst>
-          </a:prstGeom>
-          <a:ln w="19050">
-            <a:solidFill>
-              <a:srgbClr val="7030A0"/>
-            </a:solidFill>
-            <a:headEnd type="none" w="med" len="med"/>
-            <a:tailEnd type="arrow" w="med" len="med"/>
-          </a:ln>
-          <a:effectLst/>
-        </p:spPr>
-        <p:style>
-          <a:lnRef idx="1">
-            <a:schemeClr val="accent2"/>
-          </a:lnRef>
-          <a:fillRef idx="2">
-            <a:schemeClr val="accent2"/>
-          </a:fillRef>
-          <a:effectRef idx="1">
-            <a:schemeClr val="accent2"/>
-          </a:effectRef>
-          <a:fontRef idx="minor">
-            <a:schemeClr val="dk1"/>
-          </a:fontRef>
-        </p:style>
-      </p:cxnSp>
-      <p:cxnSp>
-        <p:nvCxnSpPr>
-          <p:cNvPr id="317" name="Elbow Connector 58">
-            <a:extLst>
-              <a:ext uri="{FF2B5EF4-FFF2-40B4-BE49-F238E27FC236}">
-                <a16:creationId xmlns:a16="http://schemas.microsoft.com/office/drawing/2014/main" id="{C3093632-1500-432F-A9DB-7AB4773E006E}"/>
-              </a:ext>
-            </a:extLst>
-          </p:cNvPr>
-          <p:cNvCxnSpPr>
-            <a:cxnSpLocks/>
-            <a:stCxn id="112" idx="1"/>
-            <a:endCxn id="80" idx="2"/>
-          </p:cNvCxnSpPr>
-          <p:nvPr/>
-        </p:nvCxnSpPr>
-        <p:spPr>
-          <a:xfrm rot="10800000">
-            <a:off x="4431847" y="4707200"/>
-            <a:ext cx="2246544" cy="255308"/>
-          </a:xfrm>
-          <a:prstGeom prst="bentConnector2">
-            <a:avLst/>
-          </a:prstGeom>
-          <a:ln w="19050">
-            <a:solidFill>
-              <a:srgbClr val="7030A0"/>
-            </a:solidFill>
-            <a:headEnd type="none" w="med" len="med"/>
-            <a:tailEnd type="arrow" w="med" len="med"/>
-          </a:ln>
-          <a:effectLst/>
-        </p:spPr>
-        <p:style>
-          <a:lnRef idx="1">
-            <a:schemeClr val="accent2"/>
-          </a:lnRef>
-          <a:fillRef idx="2">
-            <a:schemeClr val="accent2"/>
-          </a:fillRef>
-          <a:effectRef idx="1">
-            <a:schemeClr val="accent2"/>
-          </a:effectRef>
-          <a:fontRef idx="minor">
-            <a:schemeClr val="dk1"/>
-          </a:fontRef>
-        </p:style>
-      </p:cxnSp>
-      <p:sp>
-        <p:nvSpPr>
-          <p:cNvPr id="80" name="Rectangle 8">
-            <a:extLst>
-              <a:ext uri="{FF2B5EF4-FFF2-40B4-BE49-F238E27FC236}">
-                <a16:creationId xmlns:a16="http://schemas.microsoft.com/office/drawing/2014/main" id="{38053985-49C0-46E7-9DCF-1E8B04211018}"/>
-              </a:ext>
-            </a:extLst>
-          </p:cNvPr>
-          <p:cNvSpPr/>
-          <p:nvPr/>
-        </p:nvSpPr>
-        <p:spPr>
-          <a:xfrm>
-            <a:off x="3801698" y="4435544"/>
-            <a:ext cx="1260298" cy="271656"/>
-          </a:xfrm>
-          <a:prstGeom prst="rect">
-            <a:avLst/>
-          </a:prstGeom>
-          <a:ln w="19050">
-            <a:solidFill>
-              <a:srgbClr val="7030A0"/>
-            </a:solidFill>
-          </a:ln>
-          <a:effectLst/>
-        </p:spPr>
-        <p:style>
-          <a:lnRef idx="1">
-            <a:schemeClr val="accent4"/>
-          </a:lnRef>
-          <a:fillRef idx="2">
-            <a:schemeClr val="accent4"/>
-          </a:fillRef>
-          <a:effectRef idx="1">
-            <a:schemeClr val="accent4"/>
-          </a:effectRef>
-          <a:fontRef idx="minor">
-            <a:schemeClr val="dk1"/>
-          </a:fontRef>
-        </p:style>
-        <p:txBody>
-          <a:bodyPr rtlCol="0" anchor="ctr"/>
-          <a:lstStyle/>
-          <a:p>
-            <a:pPr algn="ctr"/>
-            <a:r>
-              <a:rPr lang="en-SG" sz="1050" dirty="0" err="1">
-                <a:solidFill>
-                  <a:srgbClr val="7030A0"/>
-                </a:solidFill>
-              </a:rPr>
-              <a:t>Java.util.Calendar</a:t>
-            </a:r>
-            <a:endParaRPr lang="en-SG" sz="1050" dirty="0">
-              <a:solidFill>
-                <a:srgbClr val="7030A0"/>
-              </a:solidFill>
-            </a:endParaRPr>
-          </a:p>
-        </p:txBody>
-      </p:sp>
-      <p:sp>
-        <p:nvSpPr>
-          <p:cNvPr id="84" name="Rectangle 8">
-            <a:extLst>
-              <a:ext uri="{FF2B5EF4-FFF2-40B4-BE49-F238E27FC236}">
-                <a16:creationId xmlns:a16="http://schemas.microsoft.com/office/drawing/2014/main" id="{FC5E9BBE-BA29-466E-87DB-E549C83DCF6F}"/>
-              </a:ext>
-            </a:extLst>
-          </p:cNvPr>
-          <p:cNvSpPr/>
-          <p:nvPr/>
-        </p:nvSpPr>
-        <p:spPr>
-          <a:xfrm>
-            <a:off x="4825428" y="2286000"/>
-            <a:ext cx="1156969" cy="518309"/>
-          </a:xfrm>
-          <a:prstGeom prst="rect">
-            <a:avLst/>
-          </a:prstGeom>
-          <a:ln w="19050">
-            <a:solidFill>
-              <a:srgbClr val="7030A0"/>
-            </a:solidFill>
-          </a:ln>
-          <a:effectLst/>
-        </p:spPr>
-        <p:style>
-          <a:lnRef idx="1">
-            <a:schemeClr val="accent4"/>
-          </a:lnRef>
-          <a:fillRef idx="2">
-            <a:schemeClr val="accent4"/>
-          </a:fillRef>
-          <a:effectRef idx="1">
-            <a:schemeClr val="accent4"/>
-          </a:effectRef>
-          <a:fontRef idx="minor">
-            <a:schemeClr val="dk1"/>
-          </a:fontRef>
-        </p:style>
-        <p:txBody>
-          <a:bodyPr rtlCol="0" anchor="ctr"/>
-          <a:lstStyle/>
-          <a:p>
-            <a:pPr algn="ctr"/>
-            <a:r>
-              <a:rPr lang="en-US" sz="1050" dirty="0">
-                <a:solidFill>
-                  <a:srgbClr val="7030A0"/>
-                </a:solidFill>
-              </a:rPr>
-              <a:t>Archive</a:t>
-            </a:r>
-            <a:endParaRPr lang="en-SG" sz="1050" dirty="0">
-              <a:solidFill>
-                <a:srgbClr val="7030A0"/>
-              </a:solidFill>
-            </a:endParaRPr>
-          </a:p>
-        </p:txBody>
-      </p:sp>
-      <p:sp>
-        <p:nvSpPr>
-          <p:cNvPr id="85" name="Flowchart: Decision 96">
-            <a:extLst>
-              <a:ext uri="{FF2B5EF4-FFF2-40B4-BE49-F238E27FC236}">
-                <a16:creationId xmlns:a16="http://schemas.microsoft.com/office/drawing/2014/main" id="{6A5FF266-C51C-4096-A31D-A2C77CC18DF3}"/>
-              </a:ext>
-            </a:extLst>
-          </p:cNvPr>
-          <p:cNvSpPr/>
-          <p:nvPr/>
-        </p:nvSpPr>
-        <p:spPr>
-          <a:xfrm>
-            <a:off x="5993267" y="2438400"/>
-            <a:ext cx="236048" cy="173380"/>
-          </a:xfrm>
-          <a:prstGeom prst="flowChartDecision">
-            <a:avLst/>
-          </a:prstGeom>
-          <a:noFill/>
-          <a:ln w="19050">
-            <a:solidFill>
-              <a:srgbClr val="7030A0"/>
-            </a:solidFill>
-          </a:ln>
-          <a:effectLst/>
-        </p:spPr>
-        <p:style>
-          <a:lnRef idx="1">
-            <a:schemeClr val="accent6"/>
-          </a:lnRef>
-          <a:fillRef idx="2">
-            <a:schemeClr val="accent6"/>
-          </a:fillRef>
-          <a:effectRef idx="1">
-            <a:schemeClr val="accent6"/>
-          </a:effectRef>
-          <a:fontRef idx="minor">
-            <a:schemeClr val="dk1"/>
-          </a:fontRef>
-        </p:style>
-        <p:txBody>
-          <a:bodyPr rtlCol="0" anchor="ctr"/>
-          <a:lstStyle/>
-          <a:p>
-            <a:pPr algn="ctr"/>
-            <a:endParaRPr lang="en-US" sz="1050"/>
-          </a:p>
-        </p:txBody>
-      </p:sp>
-      <p:cxnSp>
-        <p:nvCxnSpPr>
-          <p:cNvPr id="86" name="Elbow Connector 63">
-            <a:extLst>
-              <a:ext uri="{FF2B5EF4-FFF2-40B4-BE49-F238E27FC236}">
-                <a16:creationId xmlns:a16="http://schemas.microsoft.com/office/drawing/2014/main" id="{EE9C1E64-02F1-4593-A879-5B119D8AA9C5}"/>
-              </a:ext>
-            </a:extLst>
-          </p:cNvPr>
-          <p:cNvCxnSpPr>
-            <a:cxnSpLocks/>
-            <a:stCxn id="85" idx="3"/>
-            <a:endCxn id="62" idx="1"/>
-          </p:cNvCxnSpPr>
-          <p:nvPr/>
-        </p:nvCxnSpPr>
-        <p:spPr>
-          <a:xfrm flipV="1">
-            <a:off x="6229315" y="2231348"/>
-            <a:ext cx="299855" cy="293742"/>
-          </a:xfrm>
-          <a:prstGeom prst="bentConnector3">
-            <a:avLst/>
-          </a:prstGeom>
-          <a:ln w="19050">
-            <a:solidFill>
-              <a:srgbClr val="7030A0"/>
-            </a:solidFill>
-            <a:headEnd type="none" w="med" len="med"/>
-            <a:tailEnd type="arrow" w="med" len="med"/>
-          </a:ln>
-          <a:effectLst/>
-        </p:spPr>
-        <p:style>
-          <a:lnRef idx="1">
-            <a:schemeClr val="accent2"/>
-          </a:lnRef>
-          <a:fillRef idx="2">
-            <a:schemeClr val="accent2"/>
-          </a:fillRef>
-          <a:effectRef idx="1">
-            <a:schemeClr val="accent2"/>
-          </a:effectRef>
-          <a:fontRef idx="minor">
-            <a:schemeClr val="dk1"/>
-          </a:fontRef>
-        </p:style>
-      </p:cxnSp>
-      <p:sp>
-        <p:nvSpPr>
-          <p:cNvPr id="88" name="Rectangle 8">
-            <a:extLst>
-              <a:ext uri="{FF2B5EF4-FFF2-40B4-BE49-F238E27FC236}">
-                <a16:creationId xmlns:a16="http://schemas.microsoft.com/office/drawing/2014/main" id="{E5EE7A86-858B-4AB0-8E94-A35E30A00B59}"/>
-              </a:ext>
-            </a:extLst>
-          </p:cNvPr>
-          <p:cNvSpPr/>
-          <p:nvPr/>
-        </p:nvSpPr>
-        <p:spPr>
-          <a:xfrm>
-            <a:off x="4824247" y="2876751"/>
-            <a:ext cx="1156969" cy="476049"/>
-          </a:xfrm>
-          <a:prstGeom prst="rect">
-            <a:avLst/>
-          </a:prstGeom>
-          <a:ln w="19050">
-            <a:solidFill>
-              <a:srgbClr val="7030A0"/>
-            </a:solidFill>
-          </a:ln>
-          <a:effectLst/>
-        </p:spPr>
-        <p:style>
-          <a:lnRef idx="1">
-            <a:schemeClr val="accent4"/>
-          </a:lnRef>
-          <a:fillRef idx="2">
-            <a:schemeClr val="accent4"/>
-          </a:fillRef>
-          <a:effectRef idx="1">
-            <a:schemeClr val="accent4"/>
-          </a:effectRef>
-          <a:fontRef idx="minor">
-            <a:schemeClr val="dk1"/>
-          </a:fontRef>
-        </p:style>
-        <p:txBody>
-          <a:bodyPr rtlCol="0" anchor="ctr"/>
-          <a:lstStyle/>
-          <a:p>
-            <a:pPr algn="ctr"/>
-            <a:r>
-              <a:rPr lang="en-SG" sz="1050" dirty="0">
-                <a:solidFill>
-                  <a:srgbClr val="7030A0"/>
-                </a:solidFill>
-              </a:rPr>
-              <a:t>Bin</a:t>
-            </a:r>
-          </a:p>
-        </p:txBody>
-      </p:sp>
-      <p:sp>
-        <p:nvSpPr>
-          <p:cNvPr id="89" name="Flowchart: Decision 96">
-            <a:extLst>
-              <a:ext uri="{FF2B5EF4-FFF2-40B4-BE49-F238E27FC236}">
-                <a16:creationId xmlns:a16="http://schemas.microsoft.com/office/drawing/2014/main" id="{949CD2DD-7C3E-4172-8670-B8E57C938879}"/>
-              </a:ext>
-            </a:extLst>
-          </p:cNvPr>
-          <p:cNvSpPr/>
-          <p:nvPr/>
-        </p:nvSpPr>
-        <p:spPr>
-          <a:xfrm>
-            <a:off x="5998965" y="3027020"/>
-            <a:ext cx="236048" cy="173380"/>
-          </a:xfrm>
-          <a:prstGeom prst="flowChartDecision">
-            <a:avLst/>
-          </a:prstGeom>
-          <a:noFill/>
-          <a:ln w="19050">
-            <a:solidFill>
-              <a:srgbClr val="7030A0"/>
-            </a:solidFill>
-          </a:ln>
-          <a:effectLst/>
-        </p:spPr>
-        <p:style>
-          <a:lnRef idx="1">
-            <a:schemeClr val="accent6"/>
-          </a:lnRef>
-          <a:fillRef idx="2">
-            <a:schemeClr val="accent6"/>
-          </a:fillRef>
-          <a:effectRef idx="1">
-            <a:schemeClr val="accent6"/>
-          </a:effectRef>
-          <a:fontRef idx="minor">
-            <a:schemeClr val="dk1"/>
-          </a:fontRef>
-        </p:style>
-        <p:txBody>
-          <a:bodyPr rtlCol="0" anchor="ctr"/>
-          <a:lstStyle/>
-          <a:p>
-            <a:pPr algn="ctr"/>
-            <a:endParaRPr lang="en-US" sz="1050"/>
-          </a:p>
-        </p:txBody>
-      </p:sp>
-      <p:cxnSp>
-        <p:nvCxnSpPr>
-          <p:cNvPr id="90" name="Elbow Connector 63">
-            <a:extLst>
-              <a:ext uri="{FF2B5EF4-FFF2-40B4-BE49-F238E27FC236}">
-                <a16:creationId xmlns:a16="http://schemas.microsoft.com/office/drawing/2014/main" id="{7F134287-400C-42A6-8013-D79C3C996F45}"/>
-              </a:ext>
-            </a:extLst>
-          </p:cNvPr>
-          <p:cNvCxnSpPr>
-            <a:cxnSpLocks/>
-            <a:stCxn id="89" idx="3"/>
-            <a:endCxn id="62" idx="1"/>
-          </p:cNvCxnSpPr>
-          <p:nvPr/>
-        </p:nvCxnSpPr>
-        <p:spPr>
-          <a:xfrm flipV="1">
-            <a:off x="6235013" y="2231348"/>
-            <a:ext cx="294157" cy="882362"/>
-          </a:xfrm>
-          <a:prstGeom prst="bentConnector3">
-            <a:avLst/>
-          </a:prstGeom>
-          <a:ln w="19050">
-            <a:solidFill>
-              <a:srgbClr val="7030A0"/>
-            </a:solidFill>
-            <a:headEnd type="none" w="med" len="med"/>
-            <a:tailEnd type="arrow" w="med" len="med"/>
-          </a:ln>
-          <a:effectLst/>
-        </p:spPr>
-        <p:style>
-          <a:lnRef idx="1">
-            <a:schemeClr val="accent2"/>
-          </a:lnRef>
-          <a:fillRef idx="2">
-            <a:schemeClr val="accent2"/>
-          </a:fillRef>
-          <a:effectRef idx="1">
-            <a:schemeClr val="accent2"/>
-          </a:effectRef>
-          <a:fontRef idx="minor">
-            <a:schemeClr val="dk1"/>
-          </a:fontRef>
-        </p:style>
-      </p:cxnSp>
-      <p:sp>
-        <p:nvSpPr>
-          <p:cNvPr id="93" name="Flowchart: Decision 96">
-            <a:extLst>
-              <a:ext uri="{FF2B5EF4-FFF2-40B4-BE49-F238E27FC236}">
-                <a16:creationId xmlns:a16="http://schemas.microsoft.com/office/drawing/2014/main" id="{7E42058C-7FC1-48B6-B0A0-82326A89238D}"/>
-              </a:ext>
-            </a:extLst>
-          </p:cNvPr>
-          <p:cNvSpPr/>
-          <p:nvPr/>
-        </p:nvSpPr>
-        <p:spPr>
-          <a:xfrm>
-            <a:off x="6012352" y="4483420"/>
-            <a:ext cx="236048" cy="173380"/>
-          </a:xfrm>
-          <a:prstGeom prst="flowChartDecision">
+            <a:off x="3218128" y="1297959"/>
+            <a:ext cx="270504" cy="175523"/>
+          </a:xfrm>
+          <a:prstGeom prst="triangle">
             <a:avLst/>
           </a:prstGeom>
           <a:solidFill>
@@ -17519,873 +14832,14 @@
           <a:lstStyle/>
           <a:p>
             <a:pPr algn="ctr"/>
-            <a:endParaRPr lang="en-US" sz="1050"/>
-          </a:p>
-        </p:txBody>
-      </p:sp>
-      <p:sp>
-        <p:nvSpPr>
-          <p:cNvPr id="104" name="TextBox 103">
-            <a:extLst>
-              <a:ext uri="{FF2B5EF4-FFF2-40B4-BE49-F238E27FC236}">
-                <a16:creationId xmlns:a16="http://schemas.microsoft.com/office/drawing/2014/main" id="{7955D861-12E8-467E-A832-0CD2DE6AF70E}"/>
-              </a:ext>
-            </a:extLst>
-          </p:cNvPr>
-          <p:cNvSpPr txBox="1"/>
-          <p:nvPr/>
-        </p:nvSpPr>
-        <p:spPr>
-          <a:xfrm>
-            <a:off x="4194237" y="4791326"/>
-            <a:ext cx="189257" cy="178683"/>
-          </a:xfrm>
-          <a:prstGeom prst="rect">
-            <a:avLst/>
-          </a:prstGeom>
-          <a:noFill/>
-        </p:spPr>
-        <p:txBody>
-          <a:bodyPr wrap="square" lIns="0" tIns="0" rIns="0" bIns="0" rtlCol="0">
-            <a:noAutofit/>
-          </a:bodyPr>
-          <a:lstStyle/>
-          <a:p>
-            <a:pPr algn="ctr"/>
-            <a:r>
-              <a:rPr lang="en-US" sz="1100" dirty="0">
-                <a:solidFill>
-                  <a:srgbClr val="7030A0"/>
-                </a:solidFill>
-              </a:rPr>
-              <a:t>1</a:t>
-            </a:r>
-            <a:endParaRPr lang="en-SG" sz="1100" dirty="0">
-              <a:solidFill>
-                <a:srgbClr val="7030A0"/>
-              </a:solidFill>
-            </a:endParaRPr>
-          </a:p>
-        </p:txBody>
-      </p:sp>
-      <p:sp>
-        <p:nvSpPr>
-          <p:cNvPr id="105" name="TextBox 104">
-            <a:extLst>
-              <a:ext uri="{FF2B5EF4-FFF2-40B4-BE49-F238E27FC236}">
-                <a16:creationId xmlns:a16="http://schemas.microsoft.com/office/drawing/2014/main" id="{26655E42-5836-4693-B2F5-1B27CF911181}"/>
-              </a:ext>
-            </a:extLst>
-          </p:cNvPr>
-          <p:cNvSpPr txBox="1"/>
-          <p:nvPr/>
-        </p:nvSpPr>
-        <p:spPr>
-          <a:xfrm>
-            <a:off x="5144743" y="4366227"/>
-            <a:ext cx="189257" cy="178683"/>
-          </a:xfrm>
-          <a:prstGeom prst="rect">
-            <a:avLst/>
-          </a:prstGeom>
-          <a:noFill/>
-        </p:spPr>
-        <p:txBody>
-          <a:bodyPr wrap="square" lIns="0" tIns="0" rIns="0" bIns="0" rtlCol="0">
-            <a:noAutofit/>
-          </a:bodyPr>
-          <a:lstStyle/>
-          <a:p>
-            <a:pPr algn="ctr"/>
-            <a:r>
-              <a:rPr lang="en-US" sz="1100" dirty="0">
-                <a:solidFill>
-                  <a:srgbClr val="7030A0"/>
-                </a:solidFill>
-              </a:rPr>
-              <a:t>2</a:t>
-            </a:r>
-            <a:endParaRPr lang="en-SG" sz="1100" dirty="0">
-              <a:solidFill>
-                <a:srgbClr val="7030A0"/>
-              </a:solidFill>
-            </a:endParaRPr>
-          </a:p>
-        </p:txBody>
-      </p:sp>
-      <p:sp>
-        <p:nvSpPr>
-          <p:cNvPr id="112" name="Flowchart: Decision 96">
-            <a:extLst>
-              <a:ext uri="{FF2B5EF4-FFF2-40B4-BE49-F238E27FC236}">
-                <a16:creationId xmlns:a16="http://schemas.microsoft.com/office/drawing/2014/main" id="{293ECA54-CC18-4A53-ABFD-453088B10C9C}"/>
-              </a:ext>
-            </a:extLst>
-          </p:cNvPr>
-          <p:cNvSpPr/>
-          <p:nvPr/>
-        </p:nvSpPr>
-        <p:spPr>
-          <a:xfrm>
-            <a:off x="6678391" y="4875818"/>
-            <a:ext cx="236048" cy="173380"/>
-          </a:xfrm>
-          <a:prstGeom prst="flowChartDecision">
-            <a:avLst/>
-          </a:prstGeom>
-          <a:solidFill>
-            <a:srgbClr val="7030A0"/>
-          </a:solidFill>
-          <a:ln w="19050">
-            <a:solidFill>
-              <a:srgbClr val="7030A0"/>
-            </a:solidFill>
-          </a:ln>
-          <a:effectLst/>
-        </p:spPr>
-        <p:style>
-          <a:lnRef idx="1">
-            <a:schemeClr val="accent6"/>
-          </a:lnRef>
-          <a:fillRef idx="2">
-            <a:schemeClr val="accent6"/>
-          </a:fillRef>
-          <a:effectRef idx="1">
-            <a:schemeClr val="accent6"/>
-          </a:effectRef>
-          <a:fontRef idx="minor">
-            <a:schemeClr val="dk1"/>
-          </a:fontRef>
-        </p:style>
-        <p:txBody>
-          <a:bodyPr rtlCol="0" anchor="ctr"/>
-          <a:lstStyle/>
-          <a:p>
-            <a:pPr algn="ctr"/>
-            <a:endParaRPr lang="en-US" sz="1050"/>
-          </a:p>
-        </p:txBody>
-      </p:sp>
-      <p:sp>
-        <p:nvSpPr>
-          <p:cNvPr id="117" name="Isosceles Triangle 102">
-            <a:extLst>
-              <a:ext uri="{FF2B5EF4-FFF2-40B4-BE49-F238E27FC236}">
-                <a16:creationId xmlns:a16="http://schemas.microsoft.com/office/drawing/2014/main" id="{7AB74330-96D4-4F9A-BFF6-5D372946A3A3}"/>
-              </a:ext>
-            </a:extLst>
-          </p:cNvPr>
-          <p:cNvSpPr/>
-          <p:nvPr/>
-        </p:nvSpPr>
-        <p:spPr>
-          <a:xfrm rot="5400000" flipV="1">
-            <a:off x="7433016" y="2132735"/>
-            <a:ext cx="270504" cy="175523"/>
-          </a:xfrm>
-          <a:prstGeom prst="triangle">
-            <a:avLst/>
-          </a:prstGeom>
-          <a:ln w="19050">
-            <a:solidFill>
-              <a:srgbClr val="7030A0"/>
-            </a:solidFill>
-          </a:ln>
-          <a:effectLst/>
-        </p:spPr>
-        <p:style>
-          <a:lnRef idx="1">
-            <a:schemeClr val="accent4"/>
-          </a:lnRef>
-          <a:fillRef idx="2">
-            <a:schemeClr val="accent4"/>
-          </a:fillRef>
-          <a:effectRef idx="1">
-            <a:schemeClr val="accent4"/>
-          </a:effectRef>
-          <a:fontRef idx="minor">
-            <a:schemeClr val="dk1"/>
-          </a:fontRef>
-        </p:style>
-        <p:txBody>
-          <a:bodyPr rtlCol="0" anchor="ctr"/>
-          <a:lstStyle/>
-          <a:p>
-            <a:pPr algn="ctr"/>
-            <a:endParaRPr lang="en-SG" sz="1050" b="1">
-              <a:solidFill>
-                <a:srgbClr val="92D050"/>
-              </a:solidFill>
-            </a:endParaRPr>
-          </a:p>
-        </p:txBody>
-      </p:sp>
-      <p:cxnSp>
-        <p:nvCxnSpPr>
-          <p:cNvPr id="91" name="Elbow Connector 29">
-            <a:extLst>
-              <a:ext uri="{FF2B5EF4-FFF2-40B4-BE49-F238E27FC236}">
-                <a16:creationId xmlns:a16="http://schemas.microsoft.com/office/drawing/2014/main" id="{165E042F-592B-4526-89B0-72AC27D3EB93}"/>
-              </a:ext>
-            </a:extLst>
-          </p:cNvPr>
-          <p:cNvCxnSpPr>
-            <a:cxnSpLocks/>
-            <a:stCxn id="51" idx="3"/>
-          </p:cNvCxnSpPr>
-          <p:nvPr/>
-        </p:nvCxnSpPr>
-        <p:spPr>
-          <a:xfrm>
-            <a:off x="4153221" y="2157472"/>
-            <a:ext cx="676441" cy="241829"/>
-          </a:xfrm>
-          <a:prstGeom prst="bentConnector3">
-            <a:avLst/>
-          </a:prstGeom>
-          <a:ln w="19050">
-            <a:solidFill>
-              <a:srgbClr val="7030A0"/>
-            </a:solidFill>
-            <a:headEnd type="none" w="med" len="med"/>
-            <a:tailEnd type="arrow" w="med" len="med"/>
-          </a:ln>
-          <a:effectLst/>
-        </p:spPr>
-        <p:style>
-          <a:lnRef idx="1">
-            <a:schemeClr val="accent2"/>
-          </a:lnRef>
-          <a:fillRef idx="2">
-            <a:schemeClr val="accent2"/>
-          </a:fillRef>
-          <a:effectRef idx="1">
-            <a:schemeClr val="accent2"/>
-          </a:effectRef>
-          <a:fontRef idx="minor">
-            <a:schemeClr val="dk1"/>
-          </a:fontRef>
-        </p:style>
-      </p:cxnSp>
-      <p:cxnSp>
-        <p:nvCxnSpPr>
-          <p:cNvPr id="92" name="Elbow Connector 29">
-            <a:extLst>
-              <a:ext uri="{FF2B5EF4-FFF2-40B4-BE49-F238E27FC236}">
-                <a16:creationId xmlns:a16="http://schemas.microsoft.com/office/drawing/2014/main" id="{D1E312B1-F07F-42E0-B909-2C3800006FEC}"/>
-              </a:ext>
-            </a:extLst>
-          </p:cNvPr>
-          <p:cNvCxnSpPr>
-            <a:cxnSpLocks/>
-            <a:stCxn id="51" idx="3"/>
-            <a:endCxn id="88" idx="1"/>
-          </p:cNvCxnSpPr>
-          <p:nvPr/>
-        </p:nvCxnSpPr>
-        <p:spPr>
-          <a:xfrm>
-            <a:off x="4153221" y="2157472"/>
-            <a:ext cx="671026" cy="957304"/>
-          </a:xfrm>
-          <a:prstGeom prst="bentConnector3">
-            <a:avLst>
-              <a:gd name="adj1" fmla="val 50000"/>
-            </a:avLst>
-          </a:prstGeom>
-          <a:ln w="19050">
-            <a:solidFill>
-              <a:srgbClr val="7030A0"/>
-            </a:solidFill>
-            <a:headEnd type="none" w="med" len="med"/>
-            <a:tailEnd type="arrow" w="med" len="med"/>
-          </a:ln>
-          <a:effectLst/>
-        </p:spPr>
-        <p:style>
-          <a:lnRef idx="1">
-            <a:schemeClr val="accent2"/>
-          </a:lnRef>
-          <a:fillRef idx="2">
-            <a:schemeClr val="accent2"/>
-          </a:fillRef>
-          <a:effectRef idx="1">
-            <a:schemeClr val="accent2"/>
-          </a:effectRef>
-          <a:fontRef idx="minor">
-            <a:schemeClr val="dk1"/>
-          </a:fontRef>
-        </p:style>
-      </p:cxnSp>
-      <p:sp>
-        <p:nvSpPr>
-          <p:cNvPr id="95" name="TextBox 94">
-            <a:extLst>
-              <a:ext uri="{FF2B5EF4-FFF2-40B4-BE49-F238E27FC236}">
-                <a16:creationId xmlns:a16="http://schemas.microsoft.com/office/drawing/2014/main" id="{D29B85A3-61AD-46D9-96B7-EC8CCA02159B}"/>
-              </a:ext>
-            </a:extLst>
-          </p:cNvPr>
-          <p:cNvSpPr txBox="1"/>
-          <p:nvPr/>
-        </p:nvSpPr>
-        <p:spPr>
-          <a:xfrm>
-            <a:off x="4575940" y="2196829"/>
-            <a:ext cx="189257" cy="178683"/>
-          </a:xfrm>
-          <a:prstGeom prst="rect">
-            <a:avLst/>
-          </a:prstGeom>
-          <a:noFill/>
-        </p:spPr>
-        <p:txBody>
-          <a:bodyPr wrap="square" lIns="0" tIns="0" rIns="0" bIns="0" rtlCol="0">
-            <a:noAutofit/>
-          </a:bodyPr>
-          <a:lstStyle/>
-          <a:p>
-            <a:pPr algn="ctr"/>
-            <a:r>
-              <a:rPr lang="en-US" sz="1100" dirty="0">
-                <a:solidFill>
-                  <a:srgbClr val="7030A0"/>
-                </a:solidFill>
-              </a:rPr>
-              <a:t>1</a:t>
-            </a:r>
-            <a:endParaRPr lang="en-SG" sz="1100" dirty="0">
-              <a:solidFill>
-                <a:srgbClr val="7030A0"/>
-              </a:solidFill>
-            </a:endParaRPr>
-          </a:p>
-        </p:txBody>
-      </p:sp>
-      <p:sp>
-        <p:nvSpPr>
-          <p:cNvPr id="96" name="TextBox 95">
-            <a:extLst>
-              <a:ext uri="{FF2B5EF4-FFF2-40B4-BE49-F238E27FC236}">
-                <a16:creationId xmlns:a16="http://schemas.microsoft.com/office/drawing/2014/main" id="{4C638C9C-DC93-4F3F-9C3B-86FC32804BAA}"/>
-              </a:ext>
-            </a:extLst>
-          </p:cNvPr>
-          <p:cNvSpPr txBox="1"/>
-          <p:nvPr/>
-        </p:nvSpPr>
-        <p:spPr>
-          <a:xfrm>
-            <a:off x="4577258" y="2889495"/>
-            <a:ext cx="189257" cy="178683"/>
-          </a:xfrm>
-          <a:prstGeom prst="rect">
-            <a:avLst/>
-          </a:prstGeom>
-          <a:noFill/>
-        </p:spPr>
-        <p:txBody>
-          <a:bodyPr wrap="square" lIns="0" tIns="0" rIns="0" bIns="0" rtlCol="0">
-            <a:noAutofit/>
-          </a:bodyPr>
-          <a:lstStyle/>
-          <a:p>
-            <a:pPr algn="ctr"/>
-            <a:r>
-              <a:rPr lang="en-US" sz="1100" dirty="0">
-                <a:solidFill>
-                  <a:srgbClr val="7030A0"/>
-                </a:solidFill>
-              </a:rPr>
-              <a:t>1</a:t>
-            </a:r>
-            <a:endParaRPr lang="en-SG" sz="1100" dirty="0">
-              <a:solidFill>
-                <a:srgbClr val="7030A0"/>
-              </a:solidFill>
-            </a:endParaRPr>
-          </a:p>
-        </p:txBody>
-      </p:sp>
-      <p:sp>
-        <p:nvSpPr>
-          <p:cNvPr id="81" name="Rectangle 8">
-            <a:extLst>
-              <a:ext uri="{FF2B5EF4-FFF2-40B4-BE49-F238E27FC236}">
-                <a16:creationId xmlns:a16="http://schemas.microsoft.com/office/drawing/2014/main" id="{7A38C179-FD0A-4AFF-9DAD-D2B114E689D6}"/>
-              </a:ext>
-            </a:extLst>
-          </p:cNvPr>
-          <p:cNvSpPr/>
-          <p:nvPr/>
-        </p:nvSpPr>
-        <p:spPr>
-          <a:xfrm>
-            <a:off x="2680736" y="3086120"/>
-            <a:ext cx="1099150" cy="377140"/>
-          </a:xfrm>
-          <a:prstGeom prst="rect">
-            <a:avLst/>
-          </a:prstGeom>
-          <a:ln w="19050">
-            <a:solidFill>
-              <a:srgbClr val="7030A0"/>
-            </a:solidFill>
-          </a:ln>
-          <a:effectLst/>
-        </p:spPr>
-        <p:style>
-          <a:lnRef idx="1">
-            <a:schemeClr val="accent4"/>
-          </a:lnRef>
-          <a:fillRef idx="2">
-            <a:schemeClr val="accent4"/>
-          </a:fillRef>
-          <a:effectRef idx="1">
-            <a:schemeClr val="accent4"/>
-          </a:effectRef>
-          <a:fontRef idx="minor">
-            <a:schemeClr val="dk1"/>
-          </a:fontRef>
-        </p:style>
-        <p:txBody>
-          <a:bodyPr rtlCol="0" anchor="ctr"/>
-          <a:lstStyle/>
-          <a:p>
-            <a:pPr algn="ctr"/>
-            <a:r>
-              <a:rPr lang="en-US" sz="1050" dirty="0">
-                <a:solidFill>
-                  <a:srgbClr val="7030A0"/>
-                </a:solidFill>
-              </a:rPr>
-              <a:t>{abstract}</a:t>
-            </a:r>
-            <a:br>
-              <a:rPr lang="en-US" sz="1050" dirty="0">
-                <a:solidFill>
-                  <a:srgbClr val="7030A0"/>
-                </a:solidFill>
-              </a:rPr>
-            </a:br>
-            <a:r>
-              <a:rPr lang="en-US" sz="1050" dirty="0" err="1">
-                <a:solidFill>
-                  <a:srgbClr val="7030A0"/>
-                </a:solidFill>
-              </a:rPr>
-              <a:t>EntryList</a:t>
-            </a:r>
-            <a:endParaRPr lang="en-SG" sz="1050" dirty="0">
-              <a:solidFill>
-                <a:srgbClr val="7030A0"/>
-              </a:solidFill>
-            </a:endParaRPr>
-          </a:p>
-        </p:txBody>
-      </p:sp>
-      <p:sp>
-        <p:nvSpPr>
-          <p:cNvPr id="83" name="TextBox 82">
-            <a:extLst>
-              <a:ext uri="{FF2B5EF4-FFF2-40B4-BE49-F238E27FC236}">
-                <a16:creationId xmlns:a16="http://schemas.microsoft.com/office/drawing/2014/main" id="{B0746313-7EAE-4FD7-BA26-B0CF426E0CE1}"/>
-              </a:ext>
-            </a:extLst>
-          </p:cNvPr>
-          <p:cNvSpPr txBox="1"/>
-          <p:nvPr/>
-        </p:nvSpPr>
-        <p:spPr>
-          <a:xfrm>
-            <a:off x="2631129" y="3631998"/>
-            <a:ext cx="189257" cy="178683"/>
-          </a:xfrm>
-          <a:prstGeom prst="rect">
-            <a:avLst/>
-          </a:prstGeom>
-          <a:noFill/>
-        </p:spPr>
-        <p:txBody>
-          <a:bodyPr wrap="square" lIns="0" tIns="0" rIns="0" bIns="0" rtlCol="0">
-            <a:noAutofit/>
-          </a:bodyPr>
-          <a:lstStyle/>
-          <a:p>
-            <a:pPr algn="ctr"/>
-            <a:r>
-              <a:rPr lang="en-SG" sz="1100" dirty="0">
-                <a:solidFill>
-                  <a:srgbClr val="7030A0"/>
-                </a:solidFill>
-              </a:rPr>
-              <a:t>3</a:t>
-            </a:r>
-          </a:p>
-        </p:txBody>
-      </p:sp>
-      <p:sp>
-        <p:nvSpPr>
-          <p:cNvPr id="111" name="Isosceles Triangle 102">
-            <a:extLst>
-              <a:ext uri="{FF2B5EF4-FFF2-40B4-BE49-F238E27FC236}">
-                <a16:creationId xmlns:a16="http://schemas.microsoft.com/office/drawing/2014/main" id="{A106F481-8113-48BD-B065-34D89F65F0AB}"/>
-              </a:ext>
-            </a:extLst>
-          </p:cNvPr>
-          <p:cNvSpPr/>
-          <p:nvPr/>
-        </p:nvSpPr>
-        <p:spPr>
-          <a:xfrm rot="5400000" flipV="1">
-            <a:off x="3894179" y="3777459"/>
-            <a:ext cx="270504" cy="175523"/>
-          </a:xfrm>
-          <a:prstGeom prst="triangle">
-            <a:avLst/>
-          </a:prstGeom>
-          <a:ln w="19050">
-            <a:solidFill>
-              <a:srgbClr val="7030A0"/>
-            </a:solidFill>
-          </a:ln>
-          <a:effectLst/>
-        </p:spPr>
-        <p:style>
-          <a:lnRef idx="1">
-            <a:schemeClr val="accent4"/>
-          </a:lnRef>
-          <a:fillRef idx="2">
-            <a:schemeClr val="accent4"/>
-          </a:fillRef>
-          <a:effectRef idx="1">
-            <a:schemeClr val="accent4"/>
-          </a:effectRef>
-          <a:fontRef idx="minor">
-            <a:schemeClr val="dk1"/>
-          </a:fontRef>
-        </p:style>
-        <p:txBody>
-          <a:bodyPr rtlCol="0" anchor="ctr"/>
-          <a:lstStyle/>
-          <a:p>
-            <a:pPr algn="ctr"/>
-            <a:endParaRPr lang="en-SG" sz="1050" b="1">
-              <a:solidFill>
-                <a:srgbClr val="92D050"/>
-              </a:solidFill>
-            </a:endParaRPr>
-          </a:p>
-        </p:txBody>
-      </p:sp>
-      <p:cxnSp>
-        <p:nvCxnSpPr>
-          <p:cNvPr id="113" name="Elbow Connector 63">
-            <a:extLst>
-              <a:ext uri="{FF2B5EF4-FFF2-40B4-BE49-F238E27FC236}">
-                <a16:creationId xmlns:a16="http://schemas.microsoft.com/office/drawing/2014/main" id="{A1485418-2743-47D1-BC42-2E0545F2FBE5}"/>
-              </a:ext>
-            </a:extLst>
-          </p:cNvPr>
-          <p:cNvCxnSpPr>
-            <a:cxnSpLocks/>
-            <a:stCxn id="115" idx="3"/>
-            <a:endCxn id="49" idx="1"/>
-          </p:cNvCxnSpPr>
-          <p:nvPr/>
-        </p:nvCxnSpPr>
-        <p:spPr>
-          <a:xfrm flipV="1">
-            <a:off x="3978565" y="1965848"/>
-            <a:ext cx="851097" cy="1293605"/>
-          </a:xfrm>
-          <a:prstGeom prst="bentConnector3">
-            <a:avLst>
-              <a:gd name="adj1" fmla="val 50000"/>
-            </a:avLst>
-          </a:prstGeom>
-          <a:ln w="19050">
-            <a:solidFill>
-              <a:srgbClr val="7030A0"/>
-            </a:solidFill>
-            <a:prstDash val="sysDot"/>
-            <a:headEnd type="none" w="med" len="med"/>
-            <a:tailEnd type="none" w="med" len="med"/>
-          </a:ln>
-          <a:effectLst/>
-        </p:spPr>
-        <p:style>
-          <a:lnRef idx="1">
-            <a:schemeClr val="accent2"/>
-          </a:lnRef>
-          <a:fillRef idx="2">
-            <a:schemeClr val="accent2"/>
-          </a:fillRef>
-          <a:effectRef idx="1">
-            <a:schemeClr val="accent2"/>
-          </a:effectRef>
-          <a:fontRef idx="minor">
-            <a:schemeClr val="dk1"/>
-          </a:fontRef>
-        </p:style>
-      </p:cxnSp>
-      <p:sp>
-        <p:nvSpPr>
-          <p:cNvPr id="115" name="Isosceles Triangle 102">
-            <a:extLst>
-              <a:ext uri="{FF2B5EF4-FFF2-40B4-BE49-F238E27FC236}">
-                <a16:creationId xmlns:a16="http://schemas.microsoft.com/office/drawing/2014/main" id="{CEC3CD33-62F4-457F-B391-47EC0406E552}"/>
-              </a:ext>
-            </a:extLst>
-          </p:cNvPr>
-          <p:cNvSpPr/>
-          <p:nvPr/>
-        </p:nvSpPr>
-        <p:spPr>
-          <a:xfrm rot="5400000" flipV="1">
-            <a:off x="3755551" y="3171691"/>
-            <a:ext cx="270504" cy="175523"/>
-          </a:xfrm>
-          <a:prstGeom prst="triangle">
-            <a:avLst/>
-          </a:prstGeom>
-          <a:ln w="19050">
-            <a:solidFill>
-              <a:srgbClr val="7030A0"/>
-            </a:solidFill>
-          </a:ln>
-          <a:effectLst/>
-        </p:spPr>
-        <p:style>
-          <a:lnRef idx="1">
-            <a:schemeClr val="accent4"/>
-          </a:lnRef>
-          <a:fillRef idx="2">
-            <a:schemeClr val="accent4"/>
-          </a:fillRef>
-          <a:effectRef idx="1">
-            <a:schemeClr val="accent4"/>
-          </a:effectRef>
-          <a:fontRef idx="minor">
-            <a:schemeClr val="dk1"/>
-          </a:fontRef>
-        </p:style>
-        <p:txBody>
-          <a:bodyPr rtlCol="0" anchor="ctr"/>
-          <a:lstStyle/>
-          <a:p>
-            <a:pPr algn="ctr"/>
-            <a:endParaRPr lang="en-SG" sz="1050" b="1">
-              <a:solidFill>
-                <a:srgbClr val="92D050"/>
-              </a:solidFill>
-            </a:endParaRPr>
-          </a:p>
-        </p:txBody>
-      </p:sp>
-      <p:cxnSp>
-        <p:nvCxnSpPr>
-          <p:cNvPr id="136" name="Elbow Connector 63">
-            <a:extLst>
-              <a:ext uri="{FF2B5EF4-FFF2-40B4-BE49-F238E27FC236}">
-                <a16:creationId xmlns:a16="http://schemas.microsoft.com/office/drawing/2014/main" id="{E1328738-EFAE-49FD-A3F1-1DB3F8A12A40}"/>
-              </a:ext>
-            </a:extLst>
-          </p:cNvPr>
-          <p:cNvCxnSpPr>
-            <a:cxnSpLocks/>
-            <a:stCxn id="115" idx="3"/>
-            <a:endCxn id="84" idx="1"/>
-          </p:cNvCxnSpPr>
-          <p:nvPr/>
-        </p:nvCxnSpPr>
-        <p:spPr>
-          <a:xfrm flipV="1">
-            <a:off x="3978565" y="2545155"/>
-            <a:ext cx="846863" cy="714298"/>
-          </a:xfrm>
-          <a:prstGeom prst="bentConnector3">
-            <a:avLst>
-              <a:gd name="adj1" fmla="val 50000"/>
-            </a:avLst>
-          </a:prstGeom>
-          <a:ln w="19050">
-            <a:solidFill>
-              <a:srgbClr val="7030A0"/>
-            </a:solidFill>
-            <a:prstDash val="sysDot"/>
-            <a:headEnd type="none" w="med" len="med"/>
-            <a:tailEnd type="none" w="med" len="med"/>
-          </a:ln>
-          <a:effectLst/>
-        </p:spPr>
-        <p:style>
-          <a:lnRef idx="1">
-            <a:schemeClr val="accent2"/>
-          </a:lnRef>
-          <a:fillRef idx="2">
-            <a:schemeClr val="accent2"/>
-          </a:fillRef>
-          <a:effectRef idx="1">
-            <a:schemeClr val="accent2"/>
-          </a:effectRef>
-          <a:fontRef idx="minor">
-            <a:schemeClr val="dk1"/>
-          </a:fontRef>
-        </p:style>
-      </p:cxnSp>
-      <p:cxnSp>
-        <p:nvCxnSpPr>
-          <p:cNvPr id="141" name="Elbow Connector 63">
-            <a:extLst>
-              <a:ext uri="{FF2B5EF4-FFF2-40B4-BE49-F238E27FC236}">
-                <a16:creationId xmlns:a16="http://schemas.microsoft.com/office/drawing/2014/main" id="{4B86615C-E534-4DC6-9AD1-FC396A0A1ADB}"/>
-              </a:ext>
-            </a:extLst>
-          </p:cNvPr>
-          <p:cNvCxnSpPr>
-            <a:cxnSpLocks/>
-            <a:stCxn id="115" idx="3"/>
-          </p:cNvCxnSpPr>
-          <p:nvPr/>
-        </p:nvCxnSpPr>
-        <p:spPr>
-          <a:xfrm flipV="1">
-            <a:off x="3978565" y="3255550"/>
-            <a:ext cx="836608" cy="3903"/>
-          </a:xfrm>
-          <a:prstGeom prst="bentConnector3">
-            <a:avLst>
-              <a:gd name="adj1" fmla="val 50000"/>
-            </a:avLst>
-          </a:prstGeom>
-          <a:ln w="19050">
-            <a:solidFill>
-              <a:srgbClr val="7030A0"/>
-            </a:solidFill>
-            <a:prstDash val="sysDot"/>
-            <a:headEnd type="none" w="med" len="med"/>
-            <a:tailEnd type="none" w="med" len="med"/>
-          </a:ln>
-          <a:effectLst/>
-        </p:spPr>
-        <p:style>
-          <a:lnRef idx="1">
-            <a:schemeClr val="accent2"/>
-          </a:lnRef>
-          <a:fillRef idx="2">
-            <a:schemeClr val="accent2"/>
-          </a:fillRef>
-          <a:effectRef idx="1">
-            <a:schemeClr val="accent2"/>
-          </a:effectRef>
-          <a:fontRef idx="minor">
-            <a:schemeClr val="dk1"/>
-          </a:fontRef>
-        </p:style>
-      </p:cxnSp>
-      <p:cxnSp>
-        <p:nvCxnSpPr>
-          <p:cNvPr id="123" name="Elbow Connector 63">
-            <a:extLst>
-              <a:ext uri="{FF2B5EF4-FFF2-40B4-BE49-F238E27FC236}">
-                <a16:creationId xmlns:a16="http://schemas.microsoft.com/office/drawing/2014/main" id="{0E5833F7-A1A8-48FF-A1CC-D6EC18139449}"/>
-              </a:ext>
-            </a:extLst>
-          </p:cNvPr>
-          <p:cNvCxnSpPr>
-            <a:cxnSpLocks/>
-            <a:stCxn id="111" idx="3"/>
-            <a:endCxn id="77" idx="0"/>
-          </p:cNvCxnSpPr>
-          <p:nvPr/>
-        </p:nvCxnSpPr>
-        <p:spPr>
-          <a:xfrm>
-            <a:off x="4117193" y="3865221"/>
-            <a:ext cx="2483928" cy="570323"/>
-          </a:xfrm>
-          <a:prstGeom prst="bentConnector2">
-            <a:avLst/>
-          </a:prstGeom>
-          <a:ln w="19050">
-            <a:solidFill>
-              <a:srgbClr val="7030A0"/>
-            </a:solidFill>
-            <a:prstDash val="sysDot"/>
-            <a:headEnd type="none" w="med" len="med"/>
-            <a:tailEnd type="none" w="med" len="med"/>
-          </a:ln>
-          <a:effectLst/>
-        </p:spPr>
-        <p:style>
-          <a:lnRef idx="1">
-            <a:schemeClr val="accent2"/>
-          </a:lnRef>
-          <a:fillRef idx="2">
-            <a:schemeClr val="accent2"/>
-          </a:fillRef>
-          <a:effectRef idx="1">
-            <a:schemeClr val="accent2"/>
-          </a:effectRef>
-          <a:fontRef idx="minor">
-            <a:schemeClr val="dk1"/>
-          </a:fontRef>
-        </p:style>
-      </p:cxnSp>
-      <p:cxnSp>
-        <p:nvCxnSpPr>
-          <p:cNvPr id="126" name="Elbow Connector 63">
-            <a:extLst>
-              <a:ext uri="{FF2B5EF4-FFF2-40B4-BE49-F238E27FC236}">
-                <a16:creationId xmlns:a16="http://schemas.microsoft.com/office/drawing/2014/main" id="{AF37180F-9947-4FD9-80D2-62462566E4CC}"/>
-              </a:ext>
-            </a:extLst>
-          </p:cNvPr>
-          <p:cNvCxnSpPr>
-            <a:cxnSpLocks/>
-            <a:stCxn id="111" idx="3"/>
-            <a:endCxn id="87" idx="0"/>
-          </p:cNvCxnSpPr>
-          <p:nvPr/>
-        </p:nvCxnSpPr>
-        <p:spPr>
-          <a:xfrm>
-            <a:off x="4117193" y="3865221"/>
-            <a:ext cx="3150937" cy="954396"/>
-          </a:xfrm>
-          <a:prstGeom prst="bentConnector2">
-            <a:avLst/>
-          </a:prstGeom>
-          <a:ln w="19050">
-            <a:solidFill>
-              <a:srgbClr val="7030A0"/>
-            </a:solidFill>
-            <a:prstDash val="sysDot"/>
-            <a:headEnd type="none" w="med" len="med"/>
-            <a:tailEnd type="none" w="med" len="med"/>
-          </a:ln>
-          <a:effectLst/>
-        </p:spPr>
-        <p:style>
-          <a:lnRef idx="1">
-            <a:schemeClr val="accent2"/>
-          </a:lnRef>
-          <a:fillRef idx="2">
-            <a:schemeClr val="accent2"/>
-          </a:fillRef>
-          <a:effectRef idx="1">
-            <a:schemeClr val="accent2"/>
-          </a:effectRef>
-          <a:fontRef idx="minor">
-            <a:schemeClr val="dk1"/>
-          </a:fontRef>
-        </p:style>
-      </p:cxnSp>
+            <a:endParaRPr lang="en-SG" sz="1050"/>
+          </a:p>
+        </p:txBody>
+      </p:sp>
     </p:spTree>
     <p:extLst>
       <p:ext uri="{BB962C8B-B14F-4D97-AF65-F5344CB8AC3E}">
-        <p14:creationId xmlns:p14="http://schemas.microsoft.com/office/powerpoint/2010/main" val="3073666159"/>
+        <p14:creationId xmlns:p14="http://schemas.microsoft.com/office/powerpoint/2010/main" val="1794726962"/>
       </p:ext>
     </p:extLst>
   </p:cSld>

--- a/docs/diagrams/ModelComponentClassDiagram.pptx
+++ b/docs/diagrams/ModelComponentClassDiagram.pptx
@@ -10010,7 +10010,6 @@
           <p:cNvPr id="53" name="Elbow Connector 63"/>
           <p:cNvCxnSpPr>
             <a:cxnSpLocks/>
-            <a:stCxn id="111" idx="3"/>
             <a:endCxn id="82" idx="0"/>
           </p:cNvCxnSpPr>
           <p:nvPr/>
@@ -13320,60 +13319,6 @@
           </a:p>
         </p:txBody>
       </p:sp>
-      <p:sp>
-        <p:nvSpPr>
-          <p:cNvPr id="111" name="Isosceles Triangle 102">
-            <a:extLst>
-              <a:ext uri="{FF2B5EF4-FFF2-40B4-BE49-F238E27FC236}">
-                <a16:creationId xmlns:a16="http://schemas.microsoft.com/office/drawing/2014/main" id="{A106F481-8113-48BD-B065-34D89F65F0AB}"/>
-              </a:ext>
-            </a:extLst>
-          </p:cNvPr>
-          <p:cNvSpPr/>
-          <p:nvPr/>
-        </p:nvSpPr>
-        <p:spPr>
-          <a:xfrm rot="5400000" flipV="1">
-            <a:off x="3894179" y="4691859"/>
-            <a:ext cx="270504" cy="175523"/>
-          </a:xfrm>
-          <a:prstGeom prst="triangle">
-            <a:avLst/>
-          </a:prstGeom>
-          <a:ln w="19050">
-            <a:solidFill>
-              <a:srgbClr val="7030A0"/>
-            </a:solidFill>
-          </a:ln>
-          <a:effectLst/>
-        </p:spPr>
-        <p:style>
-          <a:lnRef idx="1">
-            <a:schemeClr val="accent4"/>
-          </a:lnRef>
-          <a:fillRef idx="2">
-            <a:schemeClr val="accent4"/>
-          </a:fillRef>
-          <a:effectRef idx="1">
-            <a:schemeClr val="accent4"/>
-          </a:effectRef>
-          <a:fontRef idx="minor">
-            <a:schemeClr val="dk1"/>
-          </a:fontRef>
-        </p:style>
-        <p:txBody>
-          <a:bodyPr rtlCol="0" anchor="ctr"/>
-          <a:lstStyle/>
-          <a:p>
-            <a:pPr algn="ctr"/>
-            <a:endParaRPr lang="en-SG" sz="1050" b="1">
-              <a:solidFill>
-                <a:srgbClr val="92D050"/>
-              </a:solidFill>
-            </a:endParaRPr>
-          </a:p>
-        </p:txBody>
-      </p:sp>
       <p:cxnSp>
         <p:nvCxnSpPr>
           <p:cNvPr id="113" name="Elbow Connector 63">
@@ -13403,7 +13348,7 @@
             <a:solidFill>
               <a:srgbClr val="7030A0"/>
             </a:solidFill>
-            <a:prstDash val="sysDot"/>
+            <a:prstDash val="solid"/>
             <a:headEnd type="none" w="med" len="med"/>
             <a:tailEnd type="none" w="med" len="med"/>
           </a:ln>
@@ -13453,7 +13398,7 @@
             <a:solidFill>
               <a:srgbClr val="7030A0"/>
             </a:solidFill>
-            <a:prstDash val="sysDot"/>
+            <a:prstDash val="solid"/>
             <a:headEnd type="none" w="med" len="med"/>
             <a:tailEnd type="none" w="med" len="med"/>
           </a:ln>
@@ -13491,7 +13436,7 @@
         <p:spPr>
           <a:xfrm>
             <a:off x="3978565" y="2878453"/>
-            <a:ext cx="827933" cy="897"/>
+            <a:ext cx="851097" cy="1177"/>
           </a:xfrm>
           <a:prstGeom prst="bentConnector3">
             <a:avLst>
@@ -13502,7 +13447,7 @@
             <a:solidFill>
               <a:srgbClr val="7030A0"/>
             </a:solidFill>
-            <a:prstDash val="sysDot"/>
+            <a:prstDash val="solid"/>
             <a:headEnd type="none" w="med" len="med"/>
             <a:tailEnd type="none" w="med" len="med"/>
           </a:ln>
@@ -14010,8 +13955,8 @@
         </p:nvCxnSpPr>
         <p:spPr>
           <a:xfrm>
-            <a:off x="3978565" y="2878453"/>
-            <a:ext cx="836608" cy="533616"/>
+            <a:off x="3963174" y="2876211"/>
+            <a:ext cx="851999" cy="535858"/>
           </a:xfrm>
           <a:prstGeom prst="bentConnector3">
             <a:avLst>
@@ -14022,7 +13967,7 @@
             <a:solidFill>
               <a:srgbClr val="7030A0"/>
             </a:solidFill>
-            <a:prstDash val="sysDot"/>
+            <a:prstDash val="solid"/>
             <a:headEnd type="none" w="med" len="med"/>
             <a:tailEnd type="none" w="med" len="med"/>
           </a:ln>
@@ -14067,7 +14012,7 @@
             <a:solidFill>
               <a:srgbClr val="7030A0"/>
             </a:solidFill>
-            <a:prstDash val="sysDot"/>
+            <a:prstDash val="solid"/>
           </a:ln>
         </p:spPr>
         <p:style>
@@ -14109,7 +14054,7 @@
             <a:solidFill>
               <a:srgbClr val="7030A0"/>
             </a:solidFill>
-            <a:prstDash val="sysDot"/>
+            <a:prstDash val="solid"/>
           </a:ln>
         </p:spPr>
         <p:style>
@@ -14151,7 +14096,7 @@
             <a:solidFill>
               <a:srgbClr val="7030A0"/>
             </a:solidFill>
-            <a:prstDash val="sysDot"/>
+            <a:prstDash val="solid"/>
           </a:ln>
         </p:spPr>
         <p:style>
@@ -14180,7 +14125,6 @@
           </p:cNvPr>
           <p:cNvCxnSpPr>
             <a:cxnSpLocks/>
-            <a:stCxn id="111" idx="3"/>
             <a:endCxn id="77" idx="0"/>
           </p:cNvCxnSpPr>
           <p:nvPr/>
@@ -14229,15 +14173,15 @@
           </p:cNvPr>
           <p:cNvCxnSpPr>
             <a:cxnSpLocks/>
-            <a:stCxn id="111" idx="3"/>
+            <a:stCxn id="115" idx="3"/>
             <a:endCxn id="87" idx="0"/>
           </p:cNvCxnSpPr>
           <p:nvPr/>
         </p:nvCxnSpPr>
         <p:spPr>
           <a:xfrm>
-            <a:off x="4117193" y="4779621"/>
-            <a:ext cx="3150937" cy="954396"/>
+            <a:off x="4111054" y="4779619"/>
+            <a:ext cx="3157076" cy="954398"/>
           </a:xfrm>
           <a:prstGeom prst="bentConnector2">
             <a:avLst/>
@@ -14732,59 +14676,6 @@
       </p:sp>
       <p:sp>
         <p:nvSpPr>
-          <p:cNvPr id="137" name="Isosceles Triangle 102">
-            <a:extLst>
-              <a:ext uri="{FF2B5EF4-FFF2-40B4-BE49-F238E27FC236}">
-                <a16:creationId xmlns:a16="http://schemas.microsoft.com/office/drawing/2014/main" id="{8F93B057-65CC-413B-A689-722BA03E4E00}"/>
-              </a:ext>
-            </a:extLst>
-          </p:cNvPr>
-          <p:cNvSpPr/>
-          <p:nvPr/>
-        </p:nvSpPr>
-        <p:spPr>
-          <a:xfrm rot="16200000">
-            <a:off x="3740160" y="2788449"/>
-            <a:ext cx="270504" cy="175523"/>
-          </a:xfrm>
-          <a:prstGeom prst="triangle">
-            <a:avLst/>
-          </a:prstGeom>
-          <a:solidFill>
-            <a:srgbClr val="7030A0"/>
-          </a:solidFill>
-          <a:ln w="19050">
-            <a:solidFill>
-              <a:srgbClr val="7030A0"/>
-            </a:solidFill>
-          </a:ln>
-          <a:effectLst/>
-        </p:spPr>
-        <p:style>
-          <a:lnRef idx="1">
-            <a:schemeClr val="accent6"/>
-          </a:lnRef>
-          <a:fillRef idx="2">
-            <a:schemeClr val="accent6"/>
-          </a:fillRef>
-          <a:effectRef idx="1">
-            <a:schemeClr val="accent6"/>
-          </a:effectRef>
-          <a:fontRef idx="minor">
-            <a:schemeClr val="dk1"/>
-          </a:fontRef>
-        </p:style>
-        <p:txBody>
-          <a:bodyPr rtlCol="0" anchor="ctr"/>
-          <a:lstStyle/>
-          <a:p>
-            <a:pPr algn="ctr"/>
-            <a:endParaRPr lang="en-SG" sz="1050"/>
-          </a:p>
-        </p:txBody>
-      </p:sp>
-      <p:sp>
-        <p:nvSpPr>
           <p:cNvPr id="138" name="Isosceles Triangle 102">
             <a:extLst>
               <a:ext uri="{FF2B5EF4-FFF2-40B4-BE49-F238E27FC236}">
@@ -14833,6 +14724,113 @@
           <a:p>
             <a:pPr algn="ctr"/>
             <a:endParaRPr lang="en-SG" sz="1050"/>
+          </a:p>
+        </p:txBody>
+      </p:sp>
+      <p:sp>
+        <p:nvSpPr>
+          <p:cNvPr id="115" name="Isosceles Triangle 102">
+            <a:extLst>
+              <a:ext uri="{FF2B5EF4-FFF2-40B4-BE49-F238E27FC236}">
+                <a16:creationId xmlns:a16="http://schemas.microsoft.com/office/drawing/2014/main" id="{E503DD09-E729-4510-AC1D-BB2C3C1A7DEA}"/>
+              </a:ext>
+            </a:extLst>
+          </p:cNvPr>
+          <p:cNvSpPr/>
+          <p:nvPr/>
+        </p:nvSpPr>
+        <p:spPr>
+          <a:xfrm rot="16200000">
+            <a:off x="3888040" y="4691857"/>
+            <a:ext cx="270504" cy="175523"/>
+          </a:xfrm>
+          <a:prstGeom prst="triangle">
+            <a:avLst/>
+          </a:prstGeom>
+          <a:solidFill>
+            <a:srgbClr val="7030A0"/>
+          </a:solidFill>
+          <a:ln w="19050">
+            <a:solidFill>
+              <a:srgbClr val="7030A0"/>
+            </a:solidFill>
+          </a:ln>
+          <a:effectLst/>
+        </p:spPr>
+        <p:style>
+          <a:lnRef idx="1">
+            <a:schemeClr val="accent6"/>
+          </a:lnRef>
+          <a:fillRef idx="2">
+            <a:schemeClr val="accent6"/>
+          </a:fillRef>
+          <a:effectRef idx="1">
+            <a:schemeClr val="accent6"/>
+          </a:effectRef>
+          <a:fontRef idx="minor">
+            <a:schemeClr val="dk1"/>
+          </a:fontRef>
+        </p:style>
+        <p:txBody>
+          <a:bodyPr rtlCol="0" anchor="ctr"/>
+          <a:lstStyle/>
+          <a:p>
+            <a:pPr algn="ctr"/>
+            <a:endParaRPr lang="en-SG" sz="1050"/>
+          </a:p>
+        </p:txBody>
+      </p:sp>
+      <p:sp>
+        <p:nvSpPr>
+          <p:cNvPr id="139" name="Isosceles Triangle 102">
+            <a:extLst>
+              <a:ext uri="{FF2B5EF4-FFF2-40B4-BE49-F238E27FC236}">
+                <a16:creationId xmlns:a16="http://schemas.microsoft.com/office/drawing/2014/main" id="{7EB10A3D-1FBF-428D-96DB-009E1EC6B9BB}"/>
+              </a:ext>
+            </a:extLst>
+          </p:cNvPr>
+          <p:cNvSpPr/>
+          <p:nvPr/>
+        </p:nvSpPr>
+        <p:spPr>
+          <a:xfrm rot="5400000" flipV="1">
+            <a:off x="3745192" y="2787905"/>
+            <a:ext cx="270504" cy="175523"/>
+          </a:xfrm>
+          <a:prstGeom prst="triangle">
+            <a:avLst/>
+          </a:prstGeom>
+          <a:ln w="19050">
+            <a:solidFill>
+              <a:srgbClr val="7030A0"/>
+            </a:solidFill>
+          </a:ln>
+          <a:effectLst/>
+        </p:spPr>
+        <p:style>
+          <a:lnRef idx="1">
+            <a:schemeClr val="accent4"/>
+          </a:lnRef>
+          <a:fillRef idx="2">
+            <a:schemeClr val="accent4"/>
+          </a:fillRef>
+          <a:effectRef idx="1">
+            <a:schemeClr val="accent4"/>
+          </a:effectRef>
+          <a:fontRef idx="minor">
+            <a:schemeClr val="dk1"/>
+          </a:fontRef>
+        </p:style>
+        <p:txBody>
+          <a:bodyPr rtlCol="0" anchor="ctr"/>
+          <a:lstStyle/>
+          <a:p>
+            <a:pPr algn="ctr"/>
+            <a:endParaRPr lang="en-SG" sz="1050" b="1">
+              <a:solidFill>
+                <a:srgbClr val="92D050"/>
+              </a:solidFill>
+            </a:endParaRPr>
           </a:p>
         </p:txBody>
       </p:sp>

--- a/docs/diagrams/ModelComponentClassDiagram.pptx
+++ b/docs/diagrams/ModelComponentClassDiagram.pptx
@@ -5,12 +5,14 @@
     <p:sldMasterId id="2147483648" r:id="rId1"/>
   </p:sldMasterIdLst>
   <p:notesMasterIdLst>
-    <p:notesMasterId r:id="rId5"/>
+    <p:notesMasterId r:id="rId7"/>
   </p:notesMasterIdLst>
   <p:sldIdLst>
     <p:sldId id="265" r:id="rId2"/>
     <p:sldId id="263" r:id="rId3"/>
     <p:sldId id="266" r:id="rId4"/>
+    <p:sldId id="267" r:id="rId5"/>
+    <p:sldId id="268" r:id="rId6"/>
   </p:sldIdLst>
   <p:sldSz cx="9144000" cy="6858000" type="screen4x3"/>
   <p:notesSz cx="6858000" cy="9144000"/>
@@ -214,7 +216,7 @@
           <a:p>
             <a:fld id="{F5CC4B3F-88C1-4FFA-B1B6-F41C21DC6924}" type="datetimeFigureOut">
               <a:rPr lang="en-US" smtClean="0"/>
-              <a:t>7/8/2017</a:t>
+              <a:t>7/9/2017</a:t>
             </a:fld>
             <a:endParaRPr lang="en-US"/>
           </a:p>
@@ -660,7 +662,7 @@
           <a:p>
             <a:fld id="{78C97017-6FC3-485B-9764-EAC9E56C1D49}" type="datetimeFigureOut">
               <a:rPr lang="en-US" smtClean="0"/>
-              <a:t>7/8/2017</a:t>
+              <a:t>7/9/2017</a:t>
             </a:fld>
             <a:endParaRPr lang="en-US"/>
           </a:p>
@@ -828,7 +830,7 @@
           <a:p>
             <a:fld id="{78C97017-6FC3-485B-9764-EAC9E56C1D49}" type="datetimeFigureOut">
               <a:rPr lang="en-US" smtClean="0"/>
-              <a:t>7/8/2017</a:t>
+              <a:t>7/9/2017</a:t>
             </a:fld>
             <a:endParaRPr lang="en-US"/>
           </a:p>
@@ -1006,7 +1008,7 @@
           <a:p>
             <a:fld id="{78C97017-6FC3-485B-9764-EAC9E56C1D49}" type="datetimeFigureOut">
               <a:rPr lang="en-US" smtClean="0"/>
-              <a:t>7/8/2017</a:t>
+              <a:t>7/9/2017</a:t>
             </a:fld>
             <a:endParaRPr lang="en-US"/>
           </a:p>
@@ -1174,7 +1176,7 @@
           <a:p>
             <a:fld id="{78C97017-6FC3-485B-9764-EAC9E56C1D49}" type="datetimeFigureOut">
               <a:rPr lang="en-US" smtClean="0"/>
-              <a:t>7/8/2017</a:t>
+              <a:t>7/9/2017</a:t>
             </a:fld>
             <a:endParaRPr lang="en-US"/>
           </a:p>
@@ -1419,7 +1421,7 @@
           <a:p>
             <a:fld id="{78C97017-6FC3-485B-9764-EAC9E56C1D49}" type="datetimeFigureOut">
               <a:rPr lang="en-US" smtClean="0"/>
-              <a:t>7/8/2017</a:t>
+              <a:t>7/9/2017</a:t>
             </a:fld>
             <a:endParaRPr lang="en-US"/>
           </a:p>
@@ -1704,7 +1706,7 @@
           <a:p>
             <a:fld id="{78C97017-6FC3-485B-9764-EAC9E56C1D49}" type="datetimeFigureOut">
               <a:rPr lang="en-US" smtClean="0"/>
-              <a:t>7/8/2017</a:t>
+              <a:t>7/9/2017</a:t>
             </a:fld>
             <a:endParaRPr lang="en-US"/>
           </a:p>
@@ -2123,7 +2125,7 @@
           <a:p>
             <a:fld id="{78C97017-6FC3-485B-9764-EAC9E56C1D49}" type="datetimeFigureOut">
               <a:rPr lang="en-US" smtClean="0"/>
-              <a:t>7/8/2017</a:t>
+              <a:t>7/9/2017</a:t>
             </a:fld>
             <a:endParaRPr lang="en-US"/>
           </a:p>
@@ -2240,7 +2242,7 @@
           <a:p>
             <a:fld id="{78C97017-6FC3-485B-9764-EAC9E56C1D49}" type="datetimeFigureOut">
               <a:rPr lang="en-US" smtClean="0"/>
-              <a:t>7/8/2017</a:t>
+              <a:t>7/9/2017</a:t>
             </a:fld>
             <a:endParaRPr lang="en-US"/>
           </a:p>
@@ -2335,7 +2337,7 @@
           <a:p>
             <a:fld id="{78C97017-6FC3-485B-9764-EAC9E56C1D49}" type="datetimeFigureOut">
               <a:rPr lang="en-US" smtClean="0"/>
-              <a:t>7/8/2017</a:t>
+              <a:t>7/9/2017</a:t>
             </a:fld>
             <a:endParaRPr lang="en-US"/>
           </a:p>
@@ -2610,7 +2612,7 @@
           <a:p>
             <a:fld id="{78C97017-6FC3-485B-9764-EAC9E56C1D49}" type="datetimeFigureOut">
               <a:rPr lang="en-US" smtClean="0"/>
-              <a:t>7/8/2017</a:t>
+              <a:t>7/9/2017</a:t>
             </a:fld>
             <a:endParaRPr lang="en-US"/>
           </a:p>
@@ -2862,7 +2864,7 @@
           <a:p>
             <a:fld id="{78C97017-6FC3-485B-9764-EAC9E56C1D49}" type="datetimeFigureOut">
               <a:rPr lang="en-US" smtClean="0"/>
-              <a:t>7/8/2017</a:t>
+              <a:t>7/9/2017</a:t>
             </a:fld>
             <a:endParaRPr lang="en-US"/>
           </a:p>
@@ -3073,7 +3075,7 @@
           <a:p>
             <a:fld id="{78C97017-6FC3-485B-9764-EAC9E56C1D49}" type="datetimeFigureOut">
               <a:rPr lang="en-US" smtClean="0"/>
-              <a:t>7/8/2017</a:t>
+              <a:t>7/9/2017</a:t>
             </a:fld>
             <a:endParaRPr lang="en-US"/>
           </a:p>
@@ -14838,6 +14840,9359 @@
     <p:extLst>
       <p:ext uri="{BB962C8B-B14F-4D97-AF65-F5344CB8AC3E}">
         <p14:creationId xmlns:p14="http://schemas.microsoft.com/office/powerpoint/2010/main" val="1794726962"/>
+      </p:ext>
+    </p:extLst>
+  </p:cSld>
+  <p:clrMapOvr>
+    <a:masterClrMapping/>
+  </p:clrMapOvr>
+</p:sld>
+</file>
+
+<file path=ppt/slides/slide4.xml><?xml version="1.0" encoding="utf-8"?>
+<p:sld xmlns:a="http://schemas.openxmlformats.org/drawingml/2006/main" xmlns:r="http://schemas.openxmlformats.org/officeDocument/2006/relationships" xmlns:p="http://schemas.openxmlformats.org/presentationml/2006/main">
+  <p:cSld>
+    <p:spTree>
+      <p:nvGrpSpPr>
+        <p:cNvPr id="1" name=""/>
+        <p:cNvGrpSpPr/>
+        <p:nvPr/>
+      </p:nvGrpSpPr>
+      <p:grpSpPr>
+        <a:xfrm>
+          <a:off x="0" y="0"/>
+          <a:ext cx="0" cy="0"/>
+          <a:chOff x="0" y="0"/>
+          <a:chExt cx="0" cy="0"/>
+        </a:xfrm>
+      </p:grpSpPr>
+      <p:sp>
+        <p:nvSpPr>
+          <p:cNvPr id="118" name="Rectangle 65"/>
+          <p:cNvSpPr/>
+          <p:nvPr/>
+        </p:nvSpPr>
+        <p:spPr>
+          <a:xfrm>
+            <a:off x="990600" y="152400"/>
+            <a:ext cx="7239000" cy="6096000"/>
+          </a:xfrm>
+          <a:prstGeom prst="roundRect">
+            <a:avLst>
+              <a:gd name="adj" fmla="val 3484"/>
+            </a:avLst>
+          </a:prstGeom>
+          <a:solidFill>
+            <a:schemeClr val="accent4">
+              <a:lumMod val="20000"/>
+              <a:lumOff val="80000"/>
+            </a:schemeClr>
+          </a:solidFill>
+          <a:ln w="19050">
+            <a:noFill/>
+          </a:ln>
+          <a:effectLst/>
+        </p:spPr>
+        <p:style>
+          <a:lnRef idx="1">
+            <a:schemeClr val="accent2"/>
+          </a:lnRef>
+          <a:fillRef idx="2">
+            <a:schemeClr val="accent2"/>
+          </a:fillRef>
+          <a:effectRef idx="1">
+            <a:schemeClr val="accent2"/>
+          </a:effectRef>
+          <a:fontRef idx="minor">
+            <a:schemeClr val="dk1"/>
+          </a:fontRef>
+        </p:style>
+        <p:txBody>
+          <a:bodyPr rtlCol="0" anchor="t"/>
+          <a:lstStyle/>
+          <a:p>
+            <a:r>
+              <a:rPr lang="en-US" sz="1200" b="1" dirty="0">
+                <a:solidFill>
+                  <a:srgbClr val="7030A0"/>
+                </a:solidFill>
+              </a:rPr>
+              <a:t>Model</a:t>
+            </a:r>
+            <a:endParaRPr lang="en-SG" sz="1200" b="1" dirty="0">
+              <a:solidFill>
+                <a:srgbClr val="7030A0"/>
+              </a:solidFill>
+            </a:endParaRPr>
+          </a:p>
+        </p:txBody>
+      </p:sp>
+      <p:sp>
+        <p:nvSpPr>
+          <p:cNvPr id="2" name="Rectangle 8"/>
+          <p:cNvSpPr/>
+          <p:nvPr/>
+        </p:nvSpPr>
+        <p:spPr>
+          <a:xfrm>
+            <a:off x="2806563" y="2118876"/>
+            <a:ext cx="1093635" cy="346760"/>
+          </a:xfrm>
+          <a:prstGeom prst="rect">
+            <a:avLst/>
+          </a:prstGeom>
+          <a:solidFill>
+            <a:srgbClr val="7030A0"/>
+          </a:solidFill>
+          <a:ln w="19050">
+            <a:solidFill>
+              <a:srgbClr val="7030A0"/>
+            </a:solidFill>
+          </a:ln>
+          <a:effectLst/>
+        </p:spPr>
+        <p:style>
+          <a:lnRef idx="1">
+            <a:schemeClr val="accent2"/>
+          </a:lnRef>
+          <a:fillRef idx="2">
+            <a:schemeClr val="accent2"/>
+          </a:fillRef>
+          <a:effectRef idx="1">
+            <a:schemeClr val="accent2"/>
+          </a:effectRef>
+          <a:fontRef idx="minor">
+            <a:schemeClr val="dk1"/>
+          </a:fontRef>
+        </p:style>
+        <p:txBody>
+          <a:bodyPr rtlCol="0" anchor="ctr"/>
+          <a:lstStyle/>
+          <a:p>
+            <a:pPr algn="ctr"/>
+            <a:r>
+              <a:rPr lang="en-US" sz="1050" dirty="0" err="1">
+                <a:solidFill>
+                  <a:schemeClr val="bg1"/>
+                </a:solidFill>
+              </a:rPr>
+              <a:t>UserPref</a:t>
+            </a:r>
+            <a:endParaRPr lang="en-SG" sz="1050" dirty="0">
+              <a:solidFill>
+                <a:schemeClr val="bg1"/>
+              </a:solidFill>
+            </a:endParaRPr>
+          </a:p>
+        </p:txBody>
+      </p:sp>
+      <p:sp>
+        <p:nvSpPr>
+          <p:cNvPr id="9" name="Rectangle 62"/>
+          <p:cNvSpPr/>
+          <p:nvPr/>
+        </p:nvSpPr>
+        <p:spPr>
+          <a:xfrm rot="16200000">
+            <a:off x="1666826" y="1829123"/>
+            <a:ext cx="1093635" cy="346760"/>
+          </a:xfrm>
+          <a:prstGeom prst="rect">
+            <a:avLst/>
+          </a:prstGeom>
+          <a:solidFill>
+            <a:srgbClr val="7030A0"/>
+          </a:solidFill>
+          <a:ln w="19050">
+            <a:solidFill>
+              <a:srgbClr val="7030A0"/>
+            </a:solidFill>
+          </a:ln>
+          <a:effectLst/>
+        </p:spPr>
+        <p:style>
+          <a:lnRef idx="1">
+            <a:schemeClr val="accent2"/>
+          </a:lnRef>
+          <a:fillRef idx="2">
+            <a:schemeClr val="accent2"/>
+          </a:fillRef>
+          <a:effectRef idx="1">
+            <a:schemeClr val="accent2"/>
+          </a:effectRef>
+          <a:fontRef idx="minor">
+            <a:schemeClr val="dk1"/>
+          </a:fontRef>
+        </p:style>
+        <p:txBody>
+          <a:bodyPr rtlCol="0" anchor="ctr"/>
+          <a:lstStyle/>
+          <a:p>
+            <a:pPr algn="ctr"/>
+            <a:r>
+              <a:rPr lang="en-US" sz="1050" dirty="0" err="1">
+                <a:solidFill>
+                  <a:schemeClr val="bg1"/>
+                </a:solidFill>
+              </a:rPr>
+              <a:t>ModelManager</a:t>
+            </a:r>
+            <a:endParaRPr lang="en-SG" sz="1050" dirty="0">
+              <a:solidFill>
+                <a:schemeClr val="bg1"/>
+              </a:solidFill>
+            </a:endParaRPr>
+          </a:p>
+        </p:txBody>
+      </p:sp>
+      <p:cxnSp>
+        <p:nvCxnSpPr>
+          <p:cNvPr id="107" name="Elbow Connector 106"/>
+          <p:cNvCxnSpPr>
+            <a:cxnSpLocks/>
+            <a:stCxn id="9" idx="1"/>
+            <a:endCxn id="72" idx="1"/>
+          </p:cNvCxnSpPr>
+          <p:nvPr/>
+        </p:nvCxnSpPr>
+        <p:spPr>
+          <a:xfrm rot="16200000" flipH="1">
+            <a:off x="1436746" y="3326218"/>
+            <a:ext cx="2230299" cy="676503"/>
+          </a:xfrm>
+          <a:prstGeom prst="bentConnector2">
+            <a:avLst/>
+          </a:prstGeom>
+          <a:ln w="19050">
+            <a:solidFill>
+              <a:srgbClr val="7030A0"/>
+            </a:solidFill>
+            <a:prstDash val="solid"/>
+            <a:headEnd type="none" w="med" len="med"/>
+            <a:tailEnd type="arrow" w="med" len="med"/>
+          </a:ln>
+          <a:effectLst/>
+        </p:spPr>
+        <p:style>
+          <a:lnRef idx="1">
+            <a:schemeClr val="accent2"/>
+          </a:lnRef>
+          <a:fillRef idx="2">
+            <a:schemeClr val="accent2"/>
+          </a:fillRef>
+          <a:effectRef idx="1">
+            <a:schemeClr val="accent2"/>
+          </a:effectRef>
+          <a:fontRef idx="minor">
+            <a:schemeClr val="dk1"/>
+          </a:fontRef>
+        </p:style>
+      </p:cxnSp>
+      <p:sp>
+        <p:nvSpPr>
+          <p:cNvPr id="119" name="Rectangle 62"/>
+          <p:cNvSpPr/>
+          <p:nvPr/>
+        </p:nvSpPr>
+        <p:spPr>
+          <a:xfrm rot="16200000">
+            <a:off x="939065" y="1821638"/>
+            <a:ext cx="1093635" cy="346760"/>
+          </a:xfrm>
+          <a:prstGeom prst="rect">
+            <a:avLst/>
+          </a:prstGeom>
+          <a:solidFill>
+            <a:srgbClr val="7030A0"/>
+          </a:solidFill>
+          <a:ln w="19050">
+            <a:solidFill>
+              <a:srgbClr val="7030A0"/>
+            </a:solidFill>
+          </a:ln>
+          <a:effectLst/>
+        </p:spPr>
+        <p:style>
+          <a:lnRef idx="1">
+            <a:schemeClr val="accent2"/>
+          </a:lnRef>
+          <a:fillRef idx="2">
+            <a:schemeClr val="accent2"/>
+          </a:fillRef>
+          <a:effectRef idx="1">
+            <a:schemeClr val="accent2"/>
+          </a:effectRef>
+          <a:fontRef idx="minor">
+            <a:schemeClr val="dk1"/>
+          </a:fontRef>
+        </p:style>
+        <p:txBody>
+          <a:bodyPr rtlCol="0" anchor="ctr"/>
+          <a:lstStyle/>
+          <a:p>
+            <a:pPr algn="ctr"/>
+            <a:r>
+              <a:rPr lang="en-US" sz="1050" dirty="0">
+                <a:solidFill>
+                  <a:schemeClr val="bg1"/>
+                </a:solidFill>
+              </a:rPr>
+              <a:t>&lt;&lt;interface&gt;&gt;</a:t>
+            </a:r>
+          </a:p>
+          <a:p>
+            <a:pPr algn="ctr"/>
+            <a:r>
+              <a:rPr lang="en-US" sz="1050" dirty="0">
+                <a:solidFill>
+                  <a:schemeClr val="bg1"/>
+                </a:solidFill>
+              </a:rPr>
+              <a:t>Model</a:t>
+            </a:r>
+            <a:endParaRPr lang="en-SG" sz="1050" dirty="0">
+              <a:solidFill>
+                <a:schemeClr val="bg1"/>
+              </a:solidFill>
+            </a:endParaRPr>
+          </a:p>
+        </p:txBody>
+      </p:sp>
+      <p:sp>
+        <p:nvSpPr>
+          <p:cNvPr id="120" name="Isosceles Triangle 102"/>
+          <p:cNvSpPr/>
+          <p:nvPr/>
+        </p:nvSpPr>
+        <p:spPr>
+          <a:xfrm rot="16200000">
+            <a:off x="1609773" y="1912727"/>
+            <a:ext cx="270504" cy="175523"/>
+          </a:xfrm>
+          <a:prstGeom prst="triangle">
+            <a:avLst/>
+          </a:prstGeom>
+          <a:solidFill>
+            <a:srgbClr val="7030A0"/>
+          </a:solidFill>
+          <a:ln w="19050">
+            <a:solidFill>
+              <a:srgbClr val="7030A0"/>
+            </a:solidFill>
+          </a:ln>
+          <a:effectLst/>
+        </p:spPr>
+        <p:style>
+          <a:lnRef idx="1">
+            <a:schemeClr val="accent6"/>
+          </a:lnRef>
+          <a:fillRef idx="2">
+            <a:schemeClr val="accent6"/>
+          </a:fillRef>
+          <a:effectRef idx="1">
+            <a:schemeClr val="accent6"/>
+          </a:effectRef>
+          <a:fontRef idx="minor">
+            <a:schemeClr val="dk1"/>
+          </a:fontRef>
+        </p:style>
+        <p:txBody>
+          <a:bodyPr rtlCol="0" anchor="ctr"/>
+          <a:lstStyle/>
+          <a:p>
+            <a:pPr algn="ctr"/>
+            <a:endParaRPr lang="en-SG" sz="1050"/>
+          </a:p>
+        </p:txBody>
+      </p:sp>
+      <p:cxnSp>
+        <p:nvCxnSpPr>
+          <p:cNvPr id="58" name="Straight Arrow Connector 57"/>
+          <p:cNvCxnSpPr>
+            <a:stCxn id="42" idx="3"/>
+            <a:endCxn id="2" idx="1"/>
+          </p:cNvCxnSpPr>
+          <p:nvPr/>
+        </p:nvCxnSpPr>
+        <p:spPr>
+          <a:xfrm>
+            <a:off x="2639233" y="2286972"/>
+            <a:ext cx="167330" cy="5284"/>
+          </a:xfrm>
+          <a:prstGeom prst="straightConnector1">
+            <a:avLst/>
+          </a:prstGeom>
+          <a:ln w="19050">
+            <a:solidFill>
+              <a:srgbClr val="7030A0"/>
+            </a:solidFill>
+            <a:headEnd type="none" w="med" len="med"/>
+            <a:tailEnd type="arrow" w="med" len="med"/>
+          </a:ln>
+          <a:effectLst/>
+        </p:spPr>
+        <p:style>
+          <a:lnRef idx="1">
+            <a:schemeClr val="accent2"/>
+          </a:lnRef>
+          <a:fillRef idx="2">
+            <a:schemeClr val="accent2"/>
+          </a:fillRef>
+          <a:effectRef idx="1">
+            <a:schemeClr val="accent2"/>
+          </a:effectRef>
+          <a:fontRef idx="minor">
+            <a:schemeClr val="dk1"/>
+          </a:fontRef>
+        </p:style>
+      </p:cxnSp>
+      <p:cxnSp>
+        <p:nvCxnSpPr>
+          <p:cNvPr id="75" name="Elbow Connector 122"/>
+          <p:cNvCxnSpPr>
+            <a:cxnSpLocks/>
+          </p:cNvCxnSpPr>
+          <p:nvPr/>
+        </p:nvCxnSpPr>
+        <p:spPr>
+          <a:xfrm>
+            <a:off x="1038789" y="2002503"/>
+            <a:ext cx="273713" cy="846"/>
+          </a:xfrm>
+          <a:prstGeom prst="bentConnector3">
+            <a:avLst>
+              <a:gd name="adj1" fmla="val 50000"/>
+            </a:avLst>
+          </a:prstGeom>
+          <a:ln w="19050">
+            <a:solidFill>
+              <a:schemeClr val="bg1">
+                <a:lumMod val="75000"/>
+              </a:schemeClr>
+            </a:solidFill>
+            <a:prstDash val="sysDot"/>
+            <a:headEnd type="none" w="med" len="med"/>
+            <a:tailEnd type="arrow" w="med" len="med"/>
+          </a:ln>
+          <a:effectLst/>
+        </p:spPr>
+        <p:style>
+          <a:lnRef idx="1">
+            <a:schemeClr val="accent2"/>
+          </a:lnRef>
+          <a:fillRef idx="2">
+            <a:schemeClr val="accent2"/>
+          </a:fillRef>
+          <a:effectRef idx="1">
+            <a:schemeClr val="accent2"/>
+          </a:effectRef>
+          <a:fontRef idx="minor">
+            <a:schemeClr val="dk1"/>
+          </a:fontRef>
+        </p:style>
+      </p:cxnSp>
+      <p:cxnSp>
+        <p:nvCxnSpPr>
+          <p:cNvPr id="21" name="Straight Connector 20"/>
+          <p:cNvCxnSpPr>
+            <a:stCxn id="120" idx="3"/>
+          </p:cNvCxnSpPr>
+          <p:nvPr/>
+        </p:nvCxnSpPr>
+        <p:spPr>
+          <a:xfrm flipV="1">
+            <a:off x="1832787" y="2000488"/>
+            <a:ext cx="216105" cy="1"/>
+          </a:xfrm>
+          <a:prstGeom prst="line">
+            <a:avLst/>
+          </a:prstGeom>
+          <a:ln w="19050">
+            <a:solidFill>
+              <a:srgbClr val="7030A0"/>
+            </a:solidFill>
+            <a:prstDash val="sysDot"/>
+            <a:headEnd type="none" w="med" len="med"/>
+            <a:tailEnd type="none" w="med" len="med"/>
+          </a:ln>
+          <a:effectLst/>
+        </p:spPr>
+        <p:style>
+          <a:lnRef idx="1">
+            <a:schemeClr val="accent2"/>
+          </a:lnRef>
+          <a:fillRef idx="2">
+            <a:schemeClr val="accent2"/>
+          </a:fillRef>
+          <a:effectRef idx="1">
+            <a:schemeClr val="accent2"/>
+          </a:effectRef>
+          <a:fontRef idx="minor">
+            <a:schemeClr val="dk1"/>
+          </a:fontRef>
+        </p:style>
+      </p:cxnSp>
+      <p:sp>
+        <p:nvSpPr>
+          <p:cNvPr id="42" name="Flowchart: Decision 96"/>
+          <p:cNvSpPr/>
+          <p:nvPr/>
+        </p:nvSpPr>
+        <p:spPr>
+          <a:xfrm>
+            <a:off x="2403185" y="2200282"/>
+            <a:ext cx="236048" cy="173380"/>
+          </a:xfrm>
+          <a:prstGeom prst="flowChartDecision">
+            <a:avLst/>
+          </a:prstGeom>
+          <a:noFill/>
+          <a:ln w="19050">
+            <a:solidFill>
+              <a:srgbClr val="7030A0"/>
+            </a:solidFill>
+          </a:ln>
+          <a:effectLst/>
+        </p:spPr>
+        <p:style>
+          <a:lnRef idx="1">
+            <a:schemeClr val="accent6"/>
+          </a:lnRef>
+          <a:fillRef idx="2">
+            <a:schemeClr val="accent6"/>
+          </a:fillRef>
+          <a:effectRef idx="1">
+            <a:schemeClr val="accent6"/>
+          </a:effectRef>
+          <a:fontRef idx="minor">
+            <a:schemeClr val="dk1"/>
+          </a:fontRef>
+        </p:style>
+        <p:txBody>
+          <a:bodyPr rtlCol="0" anchor="ctr"/>
+          <a:lstStyle/>
+          <a:p>
+            <a:pPr algn="ctr"/>
+            <a:endParaRPr lang="en-US" sz="1050"/>
+          </a:p>
+        </p:txBody>
+      </p:sp>
+      <p:sp>
+        <p:nvSpPr>
+          <p:cNvPr id="46" name="Rectangle 8"/>
+          <p:cNvSpPr/>
+          <p:nvPr/>
+        </p:nvSpPr>
+        <p:spPr>
+          <a:xfrm>
+            <a:off x="2808873" y="1587856"/>
+            <a:ext cx="1093635" cy="346760"/>
+          </a:xfrm>
+          <a:prstGeom prst="rect">
+            <a:avLst/>
+          </a:prstGeom>
+          <a:ln w="19050">
+            <a:solidFill>
+              <a:srgbClr val="7030A0"/>
+            </a:solidFill>
+          </a:ln>
+          <a:effectLst/>
+        </p:spPr>
+        <p:style>
+          <a:lnRef idx="1">
+            <a:schemeClr val="accent4"/>
+          </a:lnRef>
+          <a:fillRef idx="2">
+            <a:schemeClr val="accent4"/>
+          </a:fillRef>
+          <a:effectRef idx="1">
+            <a:schemeClr val="accent4"/>
+          </a:effectRef>
+          <a:fontRef idx="minor">
+            <a:schemeClr val="dk1"/>
+          </a:fontRef>
+        </p:style>
+        <p:txBody>
+          <a:bodyPr rtlCol="0" anchor="ctr"/>
+          <a:lstStyle/>
+          <a:p>
+            <a:pPr algn="ctr"/>
+            <a:r>
+              <a:rPr lang="en-US" sz="1050" dirty="0" err="1">
+                <a:solidFill>
+                  <a:srgbClr val="7030A0"/>
+                </a:solidFill>
+              </a:rPr>
+              <a:t>EntryBook</a:t>
+            </a:r>
+            <a:endParaRPr lang="en-SG" sz="1050" dirty="0">
+              <a:solidFill>
+                <a:srgbClr val="7030A0"/>
+              </a:solidFill>
+            </a:endParaRPr>
+          </a:p>
+        </p:txBody>
+      </p:sp>
+      <p:cxnSp>
+        <p:nvCxnSpPr>
+          <p:cNvPr id="47" name="Straight Arrow Connector 46"/>
+          <p:cNvCxnSpPr>
+            <a:stCxn id="48" idx="3"/>
+            <a:endCxn id="46" idx="1"/>
+          </p:cNvCxnSpPr>
+          <p:nvPr/>
+        </p:nvCxnSpPr>
+        <p:spPr>
+          <a:xfrm>
+            <a:off x="2641543" y="1755952"/>
+            <a:ext cx="167330" cy="5284"/>
+          </a:xfrm>
+          <a:prstGeom prst="straightConnector1">
+            <a:avLst/>
+          </a:prstGeom>
+          <a:ln w="19050">
+            <a:solidFill>
+              <a:srgbClr val="7030A0"/>
+            </a:solidFill>
+            <a:headEnd type="none" w="med" len="med"/>
+            <a:tailEnd type="arrow" w="med" len="med"/>
+          </a:ln>
+          <a:effectLst/>
+        </p:spPr>
+        <p:style>
+          <a:lnRef idx="1">
+            <a:schemeClr val="accent2"/>
+          </a:lnRef>
+          <a:fillRef idx="2">
+            <a:schemeClr val="accent2"/>
+          </a:fillRef>
+          <a:effectRef idx="1">
+            <a:schemeClr val="accent2"/>
+          </a:effectRef>
+          <a:fontRef idx="minor">
+            <a:schemeClr val="dk1"/>
+          </a:fontRef>
+        </p:style>
+      </p:cxnSp>
+      <p:sp>
+        <p:nvSpPr>
+          <p:cNvPr id="48" name="Flowchart: Decision 96"/>
+          <p:cNvSpPr/>
+          <p:nvPr/>
+        </p:nvSpPr>
+        <p:spPr>
+          <a:xfrm>
+            <a:off x="2405495" y="1669262"/>
+            <a:ext cx="236048" cy="173380"/>
+          </a:xfrm>
+          <a:prstGeom prst="flowChartDecision">
+            <a:avLst/>
+          </a:prstGeom>
+          <a:noFill/>
+          <a:ln w="19050">
+            <a:solidFill>
+              <a:srgbClr val="7030A0"/>
+            </a:solidFill>
+          </a:ln>
+          <a:effectLst/>
+        </p:spPr>
+        <p:style>
+          <a:lnRef idx="1">
+            <a:schemeClr val="accent6"/>
+          </a:lnRef>
+          <a:fillRef idx="2">
+            <a:schemeClr val="accent6"/>
+          </a:fillRef>
+          <a:effectRef idx="1">
+            <a:schemeClr val="accent6"/>
+          </a:effectRef>
+          <a:fontRef idx="minor">
+            <a:schemeClr val="dk1"/>
+          </a:fontRef>
+        </p:style>
+        <p:txBody>
+          <a:bodyPr rtlCol="0" anchor="ctr"/>
+          <a:lstStyle/>
+          <a:p>
+            <a:pPr algn="ctr"/>
+            <a:endParaRPr lang="en-US" sz="1050"/>
+          </a:p>
+        </p:txBody>
+      </p:sp>
+      <p:sp>
+        <p:nvSpPr>
+          <p:cNvPr id="49" name="Rectangle 8"/>
+          <p:cNvSpPr/>
+          <p:nvPr/>
+        </p:nvSpPr>
+        <p:spPr>
+          <a:xfrm>
+            <a:off x="4829662" y="1327053"/>
+            <a:ext cx="1156969" cy="515590"/>
+          </a:xfrm>
+          <a:prstGeom prst="rect">
+            <a:avLst/>
+          </a:prstGeom>
+          <a:ln w="19050">
+            <a:solidFill>
+              <a:srgbClr val="7030A0"/>
+            </a:solidFill>
+          </a:ln>
+          <a:effectLst/>
+        </p:spPr>
+        <p:style>
+          <a:lnRef idx="1">
+            <a:schemeClr val="accent4"/>
+          </a:lnRef>
+          <a:fillRef idx="2">
+            <a:schemeClr val="accent4"/>
+          </a:fillRef>
+          <a:effectRef idx="1">
+            <a:schemeClr val="accent4"/>
+          </a:effectRef>
+          <a:fontRef idx="minor">
+            <a:schemeClr val="dk1"/>
+          </a:fontRef>
+        </p:style>
+        <p:txBody>
+          <a:bodyPr rtlCol="0" anchor="ctr"/>
+          <a:lstStyle/>
+          <a:p>
+            <a:pPr algn="ctr"/>
+            <a:r>
+              <a:rPr lang="en-US" sz="1050" dirty="0" err="1">
+                <a:solidFill>
+                  <a:srgbClr val="7030A0"/>
+                </a:solidFill>
+              </a:rPr>
+              <a:t>ActiveList</a:t>
+            </a:r>
+            <a:endParaRPr lang="en-SG" sz="1050" dirty="0">
+              <a:solidFill>
+                <a:srgbClr val="7030A0"/>
+              </a:solidFill>
+            </a:endParaRPr>
+          </a:p>
+        </p:txBody>
+      </p:sp>
+      <p:sp>
+        <p:nvSpPr>
+          <p:cNvPr id="51" name="Flowchart: Decision 96"/>
+          <p:cNvSpPr/>
+          <p:nvPr/>
+        </p:nvSpPr>
+        <p:spPr>
+          <a:xfrm>
+            <a:off x="3917173" y="1689782"/>
+            <a:ext cx="236048" cy="173380"/>
+          </a:xfrm>
+          <a:prstGeom prst="flowChartDecision">
+            <a:avLst/>
+          </a:prstGeom>
+          <a:solidFill>
+            <a:srgbClr val="7030A0"/>
+          </a:solidFill>
+          <a:ln w="19050">
+            <a:solidFill>
+              <a:srgbClr val="7030A0"/>
+            </a:solidFill>
+          </a:ln>
+          <a:effectLst/>
+        </p:spPr>
+        <p:style>
+          <a:lnRef idx="1">
+            <a:schemeClr val="accent6"/>
+          </a:lnRef>
+          <a:fillRef idx="2">
+            <a:schemeClr val="accent6"/>
+          </a:fillRef>
+          <a:effectRef idx="1">
+            <a:schemeClr val="accent6"/>
+          </a:effectRef>
+          <a:fontRef idx="minor">
+            <a:schemeClr val="dk1"/>
+          </a:fontRef>
+        </p:style>
+        <p:txBody>
+          <a:bodyPr rtlCol="0" anchor="ctr"/>
+          <a:lstStyle/>
+          <a:p>
+            <a:pPr algn="ctr"/>
+            <a:endParaRPr lang="en-US" sz="1050"/>
+          </a:p>
+        </p:txBody>
+      </p:sp>
+      <p:cxnSp>
+        <p:nvCxnSpPr>
+          <p:cNvPr id="30" name="Elbow Connector 29"/>
+          <p:cNvCxnSpPr>
+            <a:cxnSpLocks/>
+            <a:stCxn id="51" idx="3"/>
+          </p:cNvCxnSpPr>
+          <p:nvPr/>
+        </p:nvCxnSpPr>
+        <p:spPr>
+          <a:xfrm flipV="1">
+            <a:off x="4153221" y="1434473"/>
+            <a:ext cx="678824" cy="341999"/>
+          </a:xfrm>
+          <a:prstGeom prst="bentConnector3">
+            <a:avLst/>
+          </a:prstGeom>
+          <a:ln w="19050">
+            <a:solidFill>
+              <a:srgbClr val="7030A0"/>
+            </a:solidFill>
+            <a:headEnd type="none" w="med" len="med"/>
+            <a:tailEnd type="arrow" w="med" len="med"/>
+          </a:ln>
+          <a:effectLst/>
+        </p:spPr>
+        <p:style>
+          <a:lnRef idx="1">
+            <a:schemeClr val="accent2"/>
+          </a:lnRef>
+          <a:fillRef idx="2">
+            <a:schemeClr val="accent2"/>
+          </a:fillRef>
+          <a:effectRef idx="1">
+            <a:schemeClr val="accent2"/>
+          </a:effectRef>
+          <a:fontRef idx="minor">
+            <a:schemeClr val="dk1"/>
+          </a:fontRef>
+        </p:style>
+      </p:cxnSp>
+      <p:sp>
+        <p:nvSpPr>
+          <p:cNvPr id="57" name="Rectangle 8"/>
+          <p:cNvSpPr/>
+          <p:nvPr/>
+        </p:nvSpPr>
+        <p:spPr>
+          <a:xfrm>
+            <a:off x="4832045" y="886964"/>
+            <a:ext cx="1156969" cy="346760"/>
+          </a:xfrm>
+          <a:prstGeom prst="rect">
+            <a:avLst/>
+          </a:prstGeom>
+          <a:ln w="19050">
+            <a:solidFill>
+              <a:srgbClr val="7030A0"/>
+            </a:solidFill>
+          </a:ln>
+          <a:effectLst/>
+        </p:spPr>
+        <p:style>
+          <a:lnRef idx="1">
+            <a:schemeClr val="accent4"/>
+          </a:lnRef>
+          <a:fillRef idx="2">
+            <a:schemeClr val="accent4"/>
+          </a:fillRef>
+          <a:effectRef idx="1">
+            <a:schemeClr val="accent4"/>
+          </a:effectRef>
+          <a:fontRef idx="minor">
+            <a:schemeClr val="dk1"/>
+          </a:fontRef>
+        </p:style>
+        <p:txBody>
+          <a:bodyPr rtlCol="0" anchor="ctr"/>
+          <a:lstStyle/>
+          <a:p>
+            <a:pPr algn="ctr"/>
+            <a:r>
+              <a:rPr lang="en-US" sz="1050" dirty="0" err="1">
+                <a:solidFill>
+                  <a:srgbClr val="7030A0"/>
+                </a:solidFill>
+              </a:rPr>
+              <a:t>UniqueTagList</a:t>
+            </a:r>
+            <a:endParaRPr lang="en-SG" sz="1050" dirty="0">
+              <a:solidFill>
+                <a:srgbClr val="7030A0"/>
+              </a:solidFill>
+            </a:endParaRPr>
+          </a:p>
+        </p:txBody>
+      </p:sp>
+      <p:cxnSp>
+        <p:nvCxnSpPr>
+          <p:cNvPr id="59" name="Elbow Connector 58"/>
+          <p:cNvCxnSpPr>
+            <a:cxnSpLocks/>
+            <a:stCxn id="51" idx="3"/>
+            <a:endCxn id="57" idx="1"/>
+          </p:cNvCxnSpPr>
+          <p:nvPr/>
+        </p:nvCxnSpPr>
+        <p:spPr>
+          <a:xfrm flipV="1">
+            <a:off x="4153221" y="1060344"/>
+            <a:ext cx="678824" cy="716128"/>
+          </a:xfrm>
+          <a:prstGeom prst="bentConnector3">
+            <a:avLst>
+              <a:gd name="adj1" fmla="val 50000"/>
+            </a:avLst>
+          </a:prstGeom>
+          <a:ln w="19050">
+            <a:solidFill>
+              <a:srgbClr val="7030A0"/>
+            </a:solidFill>
+            <a:headEnd type="none" w="med" len="med"/>
+            <a:tailEnd type="arrow" w="med" len="med"/>
+          </a:ln>
+          <a:effectLst/>
+        </p:spPr>
+        <p:style>
+          <a:lnRef idx="1">
+            <a:schemeClr val="accent2"/>
+          </a:lnRef>
+          <a:fillRef idx="2">
+            <a:schemeClr val="accent2"/>
+          </a:fillRef>
+          <a:effectRef idx="1">
+            <a:schemeClr val="accent2"/>
+          </a:effectRef>
+          <a:fontRef idx="minor">
+            <a:schemeClr val="dk1"/>
+          </a:fontRef>
+        </p:style>
+      </p:cxnSp>
+      <p:sp>
+        <p:nvSpPr>
+          <p:cNvPr id="62" name="Rectangle 8"/>
+          <p:cNvSpPr/>
+          <p:nvPr/>
+        </p:nvSpPr>
+        <p:spPr>
+          <a:xfrm>
+            <a:off x="6529170" y="1676967"/>
+            <a:ext cx="951336" cy="346761"/>
+          </a:xfrm>
+          <a:prstGeom prst="rect">
+            <a:avLst/>
+          </a:prstGeom>
+          <a:ln w="19050">
+            <a:solidFill>
+              <a:srgbClr val="7030A0"/>
+            </a:solidFill>
+          </a:ln>
+          <a:effectLst/>
+        </p:spPr>
+        <p:style>
+          <a:lnRef idx="1">
+            <a:schemeClr val="accent4"/>
+          </a:lnRef>
+          <a:fillRef idx="2">
+            <a:schemeClr val="accent4"/>
+          </a:fillRef>
+          <a:effectRef idx="1">
+            <a:schemeClr val="accent4"/>
+          </a:effectRef>
+          <a:fontRef idx="minor">
+            <a:schemeClr val="dk1"/>
+          </a:fontRef>
+        </p:style>
+        <p:txBody>
+          <a:bodyPr rtlCol="0" anchor="ctr"/>
+          <a:lstStyle/>
+          <a:p>
+            <a:pPr algn="ctr"/>
+            <a:r>
+              <a:rPr lang="en-SG" sz="1050" dirty="0">
+                <a:solidFill>
+                  <a:srgbClr val="7030A0"/>
+                </a:solidFill>
+              </a:rPr>
+              <a:t>{abstract}</a:t>
+            </a:r>
+          </a:p>
+          <a:p>
+            <a:pPr algn="ctr"/>
+            <a:r>
+              <a:rPr lang="en-SG" sz="1050" dirty="0">
+                <a:solidFill>
+                  <a:srgbClr val="7030A0"/>
+                </a:solidFill>
+              </a:rPr>
+              <a:t>Entry</a:t>
+            </a:r>
+          </a:p>
+        </p:txBody>
+      </p:sp>
+      <p:sp>
+        <p:nvSpPr>
+          <p:cNvPr id="63" name="Flowchart: Decision 96"/>
+          <p:cNvSpPr/>
+          <p:nvPr/>
+        </p:nvSpPr>
+        <p:spPr>
+          <a:xfrm>
+            <a:off x="5994896" y="1524425"/>
+            <a:ext cx="236048" cy="173380"/>
+          </a:xfrm>
+          <a:prstGeom prst="flowChartDecision">
+            <a:avLst/>
+          </a:prstGeom>
+          <a:noFill/>
+          <a:ln w="19050">
+            <a:solidFill>
+              <a:srgbClr val="7030A0"/>
+            </a:solidFill>
+          </a:ln>
+          <a:effectLst/>
+        </p:spPr>
+        <p:style>
+          <a:lnRef idx="1">
+            <a:schemeClr val="accent6"/>
+          </a:lnRef>
+          <a:fillRef idx="2">
+            <a:schemeClr val="accent6"/>
+          </a:fillRef>
+          <a:effectRef idx="1">
+            <a:schemeClr val="accent6"/>
+          </a:effectRef>
+          <a:fontRef idx="minor">
+            <a:schemeClr val="dk1"/>
+          </a:fontRef>
+        </p:style>
+        <p:txBody>
+          <a:bodyPr rtlCol="0" anchor="ctr"/>
+          <a:lstStyle/>
+          <a:p>
+            <a:pPr algn="ctr"/>
+            <a:endParaRPr lang="en-US" sz="1050"/>
+          </a:p>
+        </p:txBody>
+      </p:sp>
+      <p:cxnSp>
+        <p:nvCxnSpPr>
+          <p:cNvPr id="64" name="Elbow Connector 63"/>
+          <p:cNvCxnSpPr>
+            <a:cxnSpLocks/>
+            <a:stCxn id="63" idx="3"/>
+            <a:endCxn id="62" idx="1"/>
+          </p:cNvCxnSpPr>
+          <p:nvPr/>
+        </p:nvCxnSpPr>
+        <p:spPr>
+          <a:xfrm>
+            <a:off x="6230944" y="1611115"/>
+            <a:ext cx="298226" cy="239233"/>
+          </a:xfrm>
+          <a:prstGeom prst="bentConnector3">
+            <a:avLst/>
+          </a:prstGeom>
+          <a:ln w="19050">
+            <a:solidFill>
+              <a:srgbClr val="7030A0"/>
+            </a:solidFill>
+            <a:headEnd type="none" w="med" len="med"/>
+            <a:tailEnd type="arrow" w="med" len="med"/>
+          </a:ln>
+          <a:effectLst/>
+        </p:spPr>
+        <p:style>
+          <a:lnRef idx="1">
+            <a:schemeClr val="accent2"/>
+          </a:lnRef>
+          <a:fillRef idx="2">
+            <a:schemeClr val="accent2"/>
+          </a:fillRef>
+          <a:effectRef idx="1">
+            <a:schemeClr val="accent2"/>
+          </a:effectRef>
+          <a:fontRef idx="minor">
+            <a:schemeClr val="dk1"/>
+          </a:fontRef>
+        </p:style>
+      </p:cxnSp>
+      <p:sp>
+        <p:nvSpPr>
+          <p:cNvPr id="67" name="Rectangle 8"/>
+          <p:cNvSpPr/>
+          <p:nvPr/>
+        </p:nvSpPr>
+        <p:spPr>
+          <a:xfrm>
+            <a:off x="5705589" y="415727"/>
+            <a:ext cx="483700" cy="346760"/>
+          </a:xfrm>
+          <a:prstGeom prst="rect">
+            <a:avLst/>
+          </a:prstGeom>
+          <a:ln w="19050">
+            <a:solidFill>
+              <a:srgbClr val="7030A0"/>
+            </a:solidFill>
+          </a:ln>
+          <a:effectLst/>
+        </p:spPr>
+        <p:style>
+          <a:lnRef idx="1">
+            <a:schemeClr val="accent4"/>
+          </a:lnRef>
+          <a:fillRef idx="2">
+            <a:schemeClr val="accent4"/>
+          </a:fillRef>
+          <a:effectRef idx="1">
+            <a:schemeClr val="accent4"/>
+          </a:effectRef>
+          <a:fontRef idx="minor">
+            <a:schemeClr val="dk1"/>
+          </a:fontRef>
+        </p:style>
+        <p:txBody>
+          <a:bodyPr rtlCol="0" anchor="ctr"/>
+          <a:lstStyle/>
+          <a:p>
+            <a:pPr algn="ctr"/>
+            <a:r>
+              <a:rPr lang="en-US" sz="1050" dirty="0">
+                <a:solidFill>
+                  <a:srgbClr val="7030A0"/>
+                </a:solidFill>
+              </a:rPr>
+              <a:t>Tag</a:t>
+            </a:r>
+            <a:endParaRPr lang="en-SG" sz="1050" dirty="0">
+              <a:solidFill>
+                <a:srgbClr val="7030A0"/>
+              </a:solidFill>
+            </a:endParaRPr>
+          </a:p>
+        </p:txBody>
+      </p:sp>
+      <p:sp>
+        <p:nvSpPr>
+          <p:cNvPr id="68" name="Flowchart: Decision 96"/>
+          <p:cNvSpPr/>
+          <p:nvPr/>
+        </p:nvSpPr>
+        <p:spPr>
+          <a:xfrm rot="16200000">
+            <a:off x="5291150" y="672935"/>
+            <a:ext cx="236048" cy="173380"/>
+          </a:xfrm>
+          <a:prstGeom prst="flowChartDecision">
+            <a:avLst/>
+          </a:prstGeom>
+          <a:noFill/>
+          <a:ln w="19050">
+            <a:solidFill>
+              <a:srgbClr val="7030A0"/>
+            </a:solidFill>
+          </a:ln>
+          <a:effectLst/>
+        </p:spPr>
+        <p:style>
+          <a:lnRef idx="1">
+            <a:schemeClr val="accent6"/>
+          </a:lnRef>
+          <a:fillRef idx="2">
+            <a:schemeClr val="accent6"/>
+          </a:fillRef>
+          <a:effectRef idx="1">
+            <a:schemeClr val="accent6"/>
+          </a:effectRef>
+          <a:fontRef idx="minor">
+            <a:schemeClr val="dk1"/>
+          </a:fontRef>
+        </p:style>
+        <p:txBody>
+          <a:bodyPr rtlCol="0" anchor="ctr"/>
+          <a:lstStyle/>
+          <a:p>
+            <a:pPr algn="ctr"/>
+            <a:endParaRPr lang="en-US" sz="1050"/>
+          </a:p>
+        </p:txBody>
+      </p:sp>
+      <p:cxnSp>
+        <p:nvCxnSpPr>
+          <p:cNvPr id="69" name="Elbow Connector 68"/>
+          <p:cNvCxnSpPr>
+            <a:stCxn id="68" idx="3"/>
+            <a:endCxn id="67" idx="1"/>
+          </p:cNvCxnSpPr>
+          <p:nvPr/>
+        </p:nvCxnSpPr>
+        <p:spPr>
+          <a:xfrm rot="5400000" flipH="1" flipV="1">
+            <a:off x="5531134" y="467147"/>
+            <a:ext cx="52494" cy="296415"/>
+          </a:xfrm>
+          <a:prstGeom prst="bentConnector2">
+            <a:avLst/>
+          </a:prstGeom>
+          <a:ln w="19050">
+            <a:solidFill>
+              <a:srgbClr val="7030A0"/>
+            </a:solidFill>
+            <a:headEnd type="none" w="med" len="med"/>
+            <a:tailEnd type="arrow" w="med" len="med"/>
+          </a:ln>
+          <a:effectLst/>
+        </p:spPr>
+        <p:style>
+          <a:lnRef idx="1">
+            <a:schemeClr val="accent2"/>
+          </a:lnRef>
+          <a:fillRef idx="2">
+            <a:schemeClr val="accent2"/>
+          </a:fillRef>
+          <a:effectRef idx="1">
+            <a:schemeClr val="accent2"/>
+          </a:effectRef>
+          <a:fontRef idx="minor">
+            <a:schemeClr val="dk1"/>
+          </a:fontRef>
+        </p:style>
+      </p:cxnSp>
+      <p:sp>
+        <p:nvSpPr>
+          <p:cNvPr id="72" name="Rectangle 8"/>
+          <p:cNvSpPr/>
+          <p:nvPr/>
+        </p:nvSpPr>
+        <p:spPr>
+          <a:xfrm>
+            <a:off x="2890147" y="4606240"/>
+            <a:ext cx="1045383" cy="346760"/>
+          </a:xfrm>
+          <a:prstGeom prst="rect">
+            <a:avLst/>
+          </a:prstGeom>
+          <a:ln w="19050">
+            <a:solidFill>
+              <a:srgbClr val="7030A0"/>
+            </a:solidFill>
+          </a:ln>
+          <a:effectLst/>
+        </p:spPr>
+        <p:style>
+          <a:lnRef idx="1">
+            <a:schemeClr val="accent4"/>
+          </a:lnRef>
+          <a:fillRef idx="2">
+            <a:schemeClr val="accent4"/>
+          </a:fillRef>
+          <a:effectRef idx="1">
+            <a:schemeClr val="accent4"/>
+          </a:effectRef>
+          <a:fontRef idx="minor">
+            <a:schemeClr val="dk1"/>
+          </a:fontRef>
+        </p:style>
+        <p:txBody>
+          <a:bodyPr rtlCol="0" anchor="ctr"/>
+          <a:lstStyle/>
+          <a:p>
+            <a:pPr algn="ctr"/>
+            <a:r>
+              <a:rPr lang="en-US" sz="1050" dirty="0">
+                <a:solidFill>
+                  <a:srgbClr val="7030A0"/>
+                </a:solidFill>
+              </a:rPr>
+              <a:t>&lt;&lt;interface&gt;&gt;</a:t>
+            </a:r>
+            <a:br>
+              <a:rPr lang="en-US" sz="1050" dirty="0">
+                <a:solidFill>
+                  <a:srgbClr val="7030A0"/>
+                </a:solidFill>
+              </a:rPr>
+            </a:br>
+            <a:r>
+              <a:rPr lang="en-US" sz="1050" dirty="0" err="1">
+                <a:solidFill>
+                  <a:srgbClr val="7030A0"/>
+                </a:solidFill>
+              </a:rPr>
+              <a:t>ReadOnlyEntry</a:t>
+            </a:r>
+            <a:endParaRPr lang="en-SG" sz="1050" dirty="0">
+              <a:solidFill>
+                <a:srgbClr val="7030A0"/>
+              </a:solidFill>
+            </a:endParaRPr>
+          </a:p>
+        </p:txBody>
+      </p:sp>
+      <p:sp>
+        <p:nvSpPr>
+          <p:cNvPr id="76" name="Rectangle 8"/>
+          <p:cNvSpPr/>
+          <p:nvPr/>
+        </p:nvSpPr>
+        <p:spPr>
+          <a:xfrm>
+            <a:off x="6641977" y="457200"/>
+            <a:ext cx="708186" cy="285783"/>
+          </a:xfrm>
+          <a:prstGeom prst="rect">
+            <a:avLst/>
+          </a:prstGeom>
+          <a:ln w="19050">
+            <a:solidFill>
+              <a:srgbClr val="7030A0"/>
+            </a:solidFill>
+          </a:ln>
+          <a:effectLst/>
+        </p:spPr>
+        <p:style>
+          <a:lnRef idx="1">
+            <a:schemeClr val="accent4"/>
+          </a:lnRef>
+          <a:fillRef idx="2">
+            <a:schemeClr val="accent4"/>
+          </a:fillRef>
+          <a:effectRef idx="1">
+            <a:schemeClr val="accent4"/>
+          </a:effectRef>
+          <a:fontRef idx="minor">
+            <a:schemeClr val="dk1"/>
+          </a:fontRef>
+        </p:style>
+        <p:txBody>
+          <a:bodyPr rtlCol="0" anchor="ctr"/>
+          <a:lstStyle/>
+          <a:p>
+            <a:pPr algn="ctr"/>
+            <a:r>
+              <a:rPr lang="en-US" sz="1050">
+                <a:solidFill>
+                  <a:srgbClr val="7030A0"/>
+                </a:solidFill>
+              </a:rPr>
+              <a:t>Name</a:t>
+            </a:r>
+            <a:endParaRPr lang="en-SG" sz="1050" dirty="0">
+              <a:solidFill>
+                <a:srgbClr val="7030A0"/>
+              </a:solidFill>
+            </a:endParaRPr>
+          </a:p>
+        </p:txBody>
+      </p:sp>
+      <p:sp>
+        <p:nvSpPr>
+          <p:cNvPr id="78" name="Flowchart: Decision 96"/>
+          <p:cNvSpPr/>
+          <p:nvPr/>
+        </p:nvSpPr>
+        <p:spPr>
+          <a:xfrm rot="16200000">
+            <a:off x="6878045" y="1452175"/>
+            <a:ext cx="236048" cy="173380"/>
+          </a:xfrm>
+          <a:prstGeom prst="flowChartDecision">
+            <a:avLst/>
+          </a:prstGeom>
+          <a:solidFill>
+            <a:srgbClr val="7030A0"/>
+          </a:solidFill>
+          <a:ln w="19050">
+            <a:solidFill>
+              <a:srgbClr val="7030A0"/>
+            </a:solidFill>
+          </a:ln>
+          <a:effectLst/>
+        </p:spPr>
+        <p:style>
+          <a:lnRef idx="1">
+            <a:schemeClr val="accent6"/>
+          </a:lnRef>
+          <a:fillRef idx="2">
+            <a:schemeClr val="accent6"/>
+          </a:fillRef>
+          <a:effectRef idx="1">
+            <a:schemeClr val="accent6"/>
+          </a:effectRef>
+          <a:fontRef idx="minor">
+            <a:schemeClr val="dk1"/>
+          </a:fontRef>
+        </p:style>
+        <p:txBody>
+          <a:bodyPr rtlCol="0" anchor="ctr"/>
+          <a:lstStyle/>
+          <a:p>
+            <a:pPr algn="ctr"/>
+            <a:endParaRPr lang="en-US" sz="1050"/>
+          </a:p>
+        </p:txBody>
+      </p:sp>
+      <p:cxnSp>
+        <p:nvCxnSpPr>
+          <p:cNvPr id="79" name="Elbow Connector 78"/>
+          <p:cNvCxnSpPr>
+            <a:cxnSpLocks/>
+            <a:stCxn id="78" idx="3"/>
+            <a:endCxn id="76" idx="2"/>
+          </p:cNvCxnSpPr>
+          <p:nvPr/>
+        </p:nvCxnSpPr>
+        <p:spPr>
+          <a:xfrm rot="5400000" flipH="1" flipV="1">
+            <a:off x="6657140" y="1081912"/>
+            <a:ext cx="677858" cy="1"/>
+          </a:xfrm>
+          <a:prstGeom prst="bentConnector3">
+            <a:avLst>
+              <a:gd name="adj1" fmla="val 50000"/>
+            </a:avLst>
+          </a:prstGeom>
+          <a:ln w="19050">
+            <a:solidFill>
+              <a:srgbClr val="7030A0"/>
+            </a:solidFill>
+            <a:headEnd type="none" w="med" len="med"/>
+            <a:tailEnd type="arrow" w="med" len="med"/>
+          </a:ln>
+          <a:effectLst/>
+        </p:spPr>
+        <p:style>
+          <a:lnRef idx="1">
+            <a:schemeClr val="accent2"/>
+          </a:lnRef>
+          <a:fillRef idx="2">
+            <a:schemeClr val="accent2"/>
+          </a:fillRef>
+          <a:effectRef idx="1">
+            <a:schemeClr val="accent2"/>
+          </a:effectRef>
+          <a:fontRef idx="minor">
+            <a:schemeClr val="dk1"/>
+          </a:fontRef>
+        </p:style>
+      </p:cxnSp>
+      <p:cxnSp>
+        <p:nvCxnSpPr>
+          <p:cNvPr id="97" name="Elbow Connector 63"/>
+          <p:cNvCxnSpPr>
+            <a:cxnSpLocks/>
+            <a:stCxn id="138" idx="3"/>
+            <a:endCxn id="46" idx="0"/>
+          </p:cNvCxnSpPr>
+          <p:nvPr/>
+        </p:nvCxnSpPr>
+        <p:spPr>
+          <a:xfrm rot="16200000" flipH="1">
+            <a:off x="3297348" y="1529513"/>
+            <a:ext cx="114374" cy="2311"/>
+          </a:xfrm>
+          <a:prstGeom prst="bentConnector3">
+            <a:avLst>
+              <a:gd name="adj1" fmla="val 50000"/>
+            </a:avLst>
+          </a:prstGeom>
+          <a:ln w="19050">
+            <a:solidFill>
+              <a:srgbClr val="7030A0"/>
+            </a:solidFill>
+            <a:prstDash val="sysDot"/>
+            <a:headEnd type="none" w="med" len="med"/>
+            <a:tailEnd type="none" w="med" len="med"/>
+          </a:ln>
+          <a:effectLst/>
+        </p:spPr>
+        <p:style>
+          <a:lnRef idx="1">
+            <a:schemeClr val="accent2"/>
+          </a:lnRef>
+          <a:fillRef idx="2">
+            <a:schemeClr val="accent2"/>
+          </a:fillRef>
+          <a:effectRef idx="1">
+            <a:schemeClr val="accent2"/>
+          </a:effectRef>
+          <a:fontRef idx="minor">
+            <a:schemeClr val="dk1"/>
+          </a:fontRef>
+        </p:style>
+      </p:cxnSp>
+      <p:sp>
+        <p:nvSpPr>
+          <p:cNvPr id="100" name="Rectangle 8"/>
+          <p:cNvSpPr/>
+          <p:nvPr/>
+        </p:nvSpPr>
+        <p:spPr>
+          <a:xfrm>
+            <a:off x="2589686" y="948640"/>
+            <a:ext cx="1539926" cy="346760"/>
+          </a:xfrm>
+          <a:prstGeom prst="rect">
+            <a:avLst/>
+          </a:prstGeom>
+          <a:ln w="19050">
+            <a:solidFill>
+              <a:srgbClr val="7030A0"/>
+            </a:solidFill>
+          </a:ln>
+          <a:effectLst/>
+        </p:spPr>
+        <p:style>
+          <a:lnRef idx="1">
+            <a:schemeClr val="accent4"/>
+          </a:lnRef>
+          <a:fillRef idx="2">
+            <a:schemeClr val="accent4"/>
+          </a:fillRef>
+          <a:effectRef idx="1">
+            <a:schemeClr val="accent4"/>
+          </a:effectRef>
+          <a:fontRef idx="minor">
+            <a:schemeClr val="dk1"/>
+          </a:fontRef>
+        </p:style>
+        <p:txBody>
+          <a:bodyPr rtlCol="0" anchor="ctr"/>
+          <a:lstStyle/>
+          <a:p>
+            <a:pPr algn="ctr"/>
+            <a:r>
+              <a:rPr lang="en-US" sz="1050" dirty="0">
+                <a:solidFill>
+                  <a:srgbClr val="7030A0"/>
+                </a:solidFill>
+              </a:rPr>
+              <a:t>&lt;&lt;interface&gt;&gt;</a:t>
+            </a:r>
+            <a:br>
+              <a:rPr lang="en-US" sz="1050" dirty="0">
+                <a:solidFill>
+                  <a:srgbClr val="7030A0"/>
+                </a:solidFill>
+              </a:rPr>
+            </a:br>
+            <a:r>
+              <a:rPr lang="en-US" sz="1050" dirty="0" err="1">
+                <a:solidFill>
+                  <a:srgbClr val="7030A0"/>
+                </a:solidFill>
+              </a:rPr>
+              <a:t>ReadOnlyEntryBook</a:t>
+            </a:r>
+            <a:endParaRPr lang="en-SG" sz="1050" dirty="0">
+              <a:solidFill>
+                <a:srgbClr val="7030A0"/>
+              </a:solidFill>
+            </a:endParaRPr>
+          </a:p>
+        </p:txBody>
+      </p:sp>
+      <p:sp>
+        <p:nvSpPr>
+          <p:cNvPr id="114" name="TextBox 113"/>
+          <p:cNvSpPr txBox="1"/>
+          <p:nvPr/>
+        </p:nvSpPr>
+        <p:spPr>
+          <a:xfrm rot="16200000">
+            <a:off x="1642329" y="3609865"/>
+            <a:ext cx="881018" cy="261610"/>
+          </a:xfrm>
+          <a:prstGeom prst="rect">
+            <a:avLst/>
+          </a:prstGeom>
+          <a:noFill/>
+        </p:spPr>
+        <p:txBody>
+          <a:bodyPr wrap="square" rtlCol="0">
+            <a:spAutoFit/>
+          </a:bodyPr>
+          <a:lstStyle/>
+          <a:p>
+            <a:pPr algn="r"/>
+            <a:r>
+              <a:rPr lang="en-US" sz="1100" dirty="0">
+                <a:solidFill>
+                  <a:srgbClr val="7030A0"/>
+                </a:solidFill>
+              </a:rPr>
+              <a:t>filtered list</a:t>
+            </a:r>
+            <a:endParaRPr lang="en-SG" sz="1100" dirty="0">
+              <a:solidFill>
+                <a:srgbClr val="7030A0"/>
+              </a:solidFill>
+            </a:endParaRPr>
+          </a:p>
+        </p:txBody>
+      </p:sp>
+      <p:sp>
+        <p:nvSpPr>
+          <p:cNvPr id="122" name="Rectangle 8"/>
+          <p:cNvSpPr/>
+          <p:nvPr/>
+        </p:nvSpPr>
+        <p:spPr>
+          <a:xfrm>
+            <a:off x="2343612" y="479095"/>
+            <a:ext cx="1775949" cy="346760"/>
+          </a:xfrm>
+          <a:prstGeom prst="rect">
+            <a:avLst/>
+          </a:prstGeom>
+          <a:ln w="19050">
+            <a:solidFill>
+              <a:srgbClr val="7030A0"/>
+            </a:solidFill>
+          </a:ln>
+          <a:effectLst/>
+        </p:spPr>
+        <p:style>
+          <a:lnRef idx="1">
+            <a:schemeClr val="accent4"/>
+          </a:lnRef>
+          <a:fillRef idx="2">
+            <a:schemeClr val="accent4"/>
+          </a:fillRef>
+          <a:effectRef idx="1">
+            <a:schemeClr val="accent4"/>
+          </a:effectRef>
+          <a:fontRef idx="minor">
+            <a:schemeClr val="dk1"/>
+          </a:fontRef>
+        </p:style>
+        <p:txBody>
+          <a:bodyPr rtlCol="0" anchor="ctr"/>
+          <a:lstStyle/>
+          <a:p>
+            <a:pPr algn="ctr"/>
+            <a:r>
+              <a:rPr lang="en-US" sz="1050" dirty="0">
+                <a:solidFill>
+                  <a:srgbClr val="7030A0"/>
+                </a:solidFill>
+              </a:rPr>
+              <a:t>&lt;&lt;interface&gt;&gt;</a:t>
+            </a:r>
+            <a:br>
+              <a:rPr lang="en-US" sz="1050" dirty="0">
+                <a:solidFill>
+                  <a:srgbClr val="7030A0"/>
+                </a:solidFill>
+              </a:rPr>
+            </a:br>
+            <a:r>
+              <a:rPr lang="en-US" sz="1050" dirty="0" err="1">
+                <a:solidFill>
+                  <a:srgbClr val="7030A0"/>
+                </a:solidFill>
+              </a:rPr>
+              <a:t>UnmodifiableObservableList</a:t>
+            </a:r>
+            <a:endParaRPr lang="en-SG" sz="1050" dirty="0">
+              <a:solidFill>
+                <a:srgbClr val="7030A0"/>
+              </a:solidFill>
+            </a:endParaRPr>
+          </a:p>
+        </p:txBody>
+      </p:sp>
+      <p:cxnSp>
+        <p:nvCxnSpPr>
+          <p:cNvPr id="124" name="Elbow Connector 122"/>
+          <p:cNvCxnSpPr>
+            <a:cxnSpLocks/>
+            <a:stCxn id="119" idx="3"/>
+            <a:endCxn id="122" idx="1"/>
+          </p:cNvCxnSpPr>
+          <p:nvPr/>
+        </p:nvCxnSpPr>
+        <p:spPr>
+          <a:xfrm rot="5400000" flipH="1" flipV="1">
+            <a:off x="1516884" y="621473"/>
+            <a:ext cx="795726" cy="857730"/>
+          </a:xfrm>
+          <a:prstGeom prst="bentConnector2">
+            <a:avLst/>
+          </a:prstGeom>
+          <a:ln w="19050">
+            <a:solidFill>
+              <a:srgbClr val="7030A0"/>
+            </a:solidFill>
+            <a:prstDash val="sysDot"/>
+            <a:headEnd type="none" w="med" len="med"/>
+            <a:tailEnd type="arrow" w="med" len="med"/>
+          </a:ln>
+          <a:effectLst/>
+        </p:spPr>
+        <p:style>
+          <a:lnRef idx="1">
+            <a:schemeClr val="accent2"/>
+          </a:lnRef>
+          <a:fillRef idx="2">
+            <a:schemeClr val="accent2"/>
+          </a:fillRef>
+          <a:effectRef idx="1">
+            <a:schemeClr val="accent2"/>
+          </a:effectRef>
+          <a:fontRef idx="minor">
+            <a:schemeClr val="dk1"/>
+          </a:fontRef>
+        </p:style>
+      </p:cxnSp>
+      <p:cxnSp>
+        <p:nvCxnSpPr>
+          <p:cNvPr id="50" name="Elbow Connector 49"/>
+          <p:cNvCxnSpPr>
+            <a:cxnSpLocks/>
+            <a:stCxn id="78" idx="3"/>
+            <a:endCxn id="57" idx="3"/>
+          </p:cNvCxnSpPr>
+          <p:nvPr/>
+        </p:nvCxnSpPr>
+        <p:spPr>
+          <a:xfrm rot="16200000" flipV="1">
+            <a:off x="6312294" y="737065"/>
+            <a:ext cx="360497" cy="1007055"/>
+          </a:xfrm>
+          <a:prstGeom prst="bentConnector2">
+            <a:avLst/>
+          </a:prstGeom>
+          <a:ln w="19050">
+            <a:solidFill>
+              <a:srgbClr val="7030A0"/>
+            </a:solidFill>
+            <a:headEnd type="none" w="med" len="med"/>
+            <a:tailEnd type="arrow" w="med" len="med"/>
+          </a:ln>
+          <a:effectLst/>
+        </p:spPr>
+        <p:style>
+          <a:lnRef idx="1">
+            <a:schemeClr val="accent2"/>
+          </a:lnRef>
+          <a:fillRef idx="2">
+            <a:schemeClr val="accent2"/>
+          </a:fillRef>
+          <a:effectRef idx="1">
+            <a:schemeClr val="accent2"/>
+          </a:effectRef>
+          <a:fontRef idx="minor">
+            <a:schemeClr val="dk1"/>
+          </a:fontRef>
+        </p:style>
+      </p:cxnSp>
+      <p:sp>
+        <p:nvSpPr>
+          <p:cNvPr id="11" name="TextBox 10"/>
+          <p:cNvSpPr txBox="1"/>
+          <p:nvPr/>
+        </p:nvSpPr>
+        <p:spPr>
+          <a:xfrm>
+            <a:off x="4564394" y="843242"/>
+            <a:ext cx="189257" cy="178683"/>
+          </a:xfrm>
+          <a:prstGeom prst="rect">
+            <a:avLst/>
+          </a:prstGeom>
+          <a:noFill/>
+        </p:spPr>
+        <p:txBody>
+          <a:bodyPr wrap="square" lIns="0" tIns="0" rIns="0" bIns="0" rtlCol="0">
+            <a:noAutofit/>
+          </a:bodyPr>
+          <a:lstStyle/>
+          <a:p>
+            <a:pPr algn="ctr"/>
+            <a:r>
+              <a:rPr lang="en-US" sz="1100" dirty="0">
+                <a:solidFill>
+                  <a:srgbClr val="7030A0"/>
+                </a:solidFill>
+              </a:rPr>
+              <a:t>1</a:t>
+            </a:r>
+            <a:endParaRPr lang="en-SG" sz="1100" dirty="0">
+              <a:solidFill>
+                <a:srgbClr val="7030A0"/>
+              </a:solidFill>
+            </a:endParaRPr>
+          </a:p>
+        </p:txBody>
+      </p:sp>
+      <p:sp>
+        <p:nvSpPr>
+          <p:cNvPr id="54" name="TextBox 53"/>
+          <p:cNvSpPr txBox="1"/>
+          <p:nvPr/>
+        </p:nvSpPr>
+        <p:spPr>
+          <a:xfrm>
+            <a:off x="4573055" y="1243714"/>
+            <a:ext cx="189257" cy="178683"/>
+          </a:xfrm>
+          <a:prstGeom prst="rect">
+            <a:avLst/>
+          </a:prstGeom>
+          <a:noFill/>
+        </p:spPr>
+        <p:txBody>
+          <a:bodyPr wrap="square" lIns="0" tIns="0" rIns="0" bIns="0" rtlCol="0">
+            <a:noAutofit/>
+          </a:bodyPr>
+          <a:lstStyle/>
+          <a:p>
+            <a:pPr algn="ctr"/>
+            <a:r>
+              <a:rPr lang="en-US" sz="1100" dirty="0">
+                <a:solidFill>
+                  <a:srgbClr val="7030A0"/>
+                </a:solidFill>
+              </a:rPr>
+              <a:t>1</a:t>
+            </a:r>
+            <a:endParaRPr lang="en-SG" sz="1100" dirty="0">
+              <a:solidFill>
+                <a:srgbClr val="7030A0"/>
+              </a:solidFill>
+            </a:endParaRPr>
+          </a:p>
+        </p:txBody>
+      </p:sp>
+      <p:sp>
+        <p:nvSpPr>
+          <p:cNvPr id="56" name="TextBox 55"/>
+          <p:cNvSpPr txBox="1"/>
+          <p:nvPr/>
+        </p:nvSpPr>
+        <p:spPr>
+          <a:xfrm>
+            <a:off x="6059245" y="1101808"/>
+            <a:ext cx="189257" cy="178683"/>
+          </a:xfrm>
+          <a:prstGeom prst="rect">
+            <a:avLst/>
+          </a:prstGeom>
+          <a:noFill/>
+        </p:spPr>
+        <p:txBody>
+          <a:bodyPr wrap="square" lIns="0" tIns="0" rIns="0" bIns="0" rtlCol="0">
+            <a:noAutofit/>
+          </a:bodyPr>
+          <a:lstStyle/>
+          <a:p>
+            <a:pPr algn="ctr"/>
+            <a:r>
+              <a:rPr lang="en-US" sz="1100" dirty="0">
+                <a:solidFill>
+                  <a:srgbClr val="7030A0"/>
+                </a:solidFill>
+              </a:rPr>
+              <a:t>1</a:t>
+            </a:r>
+            <a:endParaRPr lang="en-SG" sz="1100" dirty="0">
+              <a:solidFill>
+                <a:srgbClr val="7030A0"/>
+              </a:solidFill>
+            </a:endParaRPr>
+          </a:p>
+        </p:txBody>
+      </p:sp>
+      <p:sp>
+        <p:nvSpPr>
+          <p:cNvPr id="60" name="TextBox 59"/>
+          <p:cNvSpPr txBox="1"/>
+          <p:nvPr/>
+        </p:nvSpPr>
+        <p:spPr>
+          <a:xfrm>
+            <a:off x="5506098" y="388536"/>
+            <a:ext cx="189257" cy="178683"/>
+          </a:xfrm>
+          <a:prstGeom prst="rect">
+            <a:avLst/>
+          </a:prstGeom>
+          <a:noFill/>
+        </p:spPr>
+        <p:txBody>
+          <a:bodyPr wrap="square" lIns="0" tIns="0" rIns="0" bIns="0" rtlCol="0">
+            <a:noAutofit/>
+          </a:bodyPr>
+          <a:lstStyle/>
+          <a:p>
+            <a:pPr algn="ctr"/>
+            <a:r>
+              <a:rPr lang="en-US" sz="1100" dirty="0">
+                <a:solidFill>
+                  <a:srgbClr val="7030A0"/>
+                </a:solidFill>
+              </a:rPr>
+              <a:t>*</a:t>
+            </a:r>
+            <a:endParaRPr lang="en-SG" sz="1100" dirty="0">
+              <a:solidFill>
+                <a:srgbClr val="7030A0"/>
+              </a:solidFill>
+            </a:endParaRPr>
+          </a:p>
+        </p:txBody>
+      </p:sp>
+      <p:sp>
+        <p:nvSpPr>
+          <p:cNvPr id="61" name="TextBox 60"/>
+          <p:cNvSpPr txBox="1"/>
+          <p:nvPr/>
+        </p:nvSpPr>
+        <p:spPr>
+          <a:xfrm>
+            <a:off x="6357509" y="1662611"/>
+            <a:ext cx="189257" cy="178683"/>
+          </a:xfrm>
+          <a:prstGeom prst="rect">
+            <a:avLst/>
+          </a:prstGeom>
+          <a:noFill/>
+        </p:spPr>
+        <p:txBody>
+          <a:bodyPr wrap="square" lIns="0" tIns="0" rIns="0" bIns="0" rtlCol="0">
+            <a:noAutofit/>
+          </a:bodyPr>
+          <a:lstStyle/>
+          <a:p>
+            <a:pPr algn="ctr"/>
+            <a:r>
+              <a:rPr lang="en-US" sz="1100" dirty="0">
+                <a:solidFill>
+                  <a:srgbClr val="7030A0"/>
+                </a:solidFill>
+              </a:rPr>
+              <a:t>*</a:t>
+            </a:r>
+            <a:endParaRPr lang="en-SG" sz="1100" dirty="0">
+              <a:solidFill>
+                <a:srgbClr val="7030A0"/>
+              </a:solidFill>
+            </a:endParaRPr>
+          </a:p>
+        </p:txBody>
+      </p:sp>
+      <p:sp>
+        <p:nvSpPr>
+          <p:cNvPr id="65" name="TextBox 64"/>
+          <p:cNvSpPr txBox="1"/>
+          <p:nvPr/>
+        </p:nvSpPr>
+        <p:spPr>
+          <a:xfrm>
+            <a:off x="2617306" y="1524674"/>
+            <a:ext cx="189257" cy="178683"/>
+          </a:xfrm>
+          <a:prstGeom prst="rect">
+            <a:avLst/>
+          </a:prstGeom>
+          <a:noFill/>
+        </p:spPr>
+        <p:txBody>
+          <a:bodyPr wrap="square" lIns="0" tIns="0" rIns="0" bIns="0" rtlCol="0">
+            <a:noAutofit/>
+          </a:bodyPr>
+          <a:lstStyle/>
+          <a:p>
+            <a:pPr algn="ctr"/>
+            <a:r>
+              <a:rPr lang="en-US" sz="1100" dirty="0">
+                <a:solidFill>
+                  <a:srgbClr val="7030A0"/>
+                </a:solidFill>
+              </a:rPr>
+              <a:t>1</a:t>
+            </a:r>
+            <a:endParaRPr lang="en-SG" sz="1100" dirty="0">
+              <a:solidFill>
+                <a:srgbClr val="7030A0"/>
+              </a:solidFill>
+            </a:endParaRPr>
+          </a:p>
+        </p:txBody>
+      </p:sp>
+      <p:sp>
+        <p:nvSpPr>
+          <p:cNvPr id="66" name="TextBox 65"/>
+          <p:cNvSpPr txBox="1"/>
+          <p:nvPr/>
+        </p:nvSpPr>
+        <p:spPr>
+          <a:xfrm>
+            <a:off x="2585753" y="2346486"/>
+            <a:ext cx="189257" cy="178683"/>
+          </a:xfrm>
+          <a:prstGeom prst="rect">
+            <a:avLst/>
+          </a:prstGeom>
+          <a:noFill/>
+        </p:spPr>
+        <p:txBody>
+          <a:bodyPr wrap="square" lIns="0" tIns="0" rIns="0" bIns="0" rtlCol="0">
+            <a:noAutofit/>
+          </a:bodyPr>
+          <a:lstStyle/>
+          <a:p>
+            <a:pPr algn="ctr"/>
+            <a:r>
+              <a:rPr lang="en-US" sz="1100" dirty="0">
+                <a:solidFill>
+                  <a:srgbClr val="7030A0"/>
+                </a:solidFill>
+              </a:rPr>
+              <a:t>1</a:t>
+            </a:r>
+            <a:endParaRPr lang="en-SG" sz="1100" dirty="0">
+              <a:solidFill>
+                <a:srgbClr val="7030A0"/>
+              </a:solidFill>
+            </a:endParaRPr>
+          </a:p>
+        </p:txBody>
+      </p:sp>
+      <p:cxnSp>
+        <p:nvCxnSpPr>
+          <p:cNvPr id="73" name="Elbow Connector 122">
+            <a:extLst>
+              <a:ext uri="{FF2B5EF4-FFF2-40B4-BE49-F238E27FC236}">
+                <a16:creationId xmlns:a16="http://schemas.microsoft.com/office/drawing/2014/main" id="{6C194B6E-AD6B-4C34-821F-85FC683926D2}"/>
+              </a:ext>
+            </a:extLst>
+          </p:cNvPr>
+          <p:cNvCxnSpPr>
+            <a:cxnSpLocks/>
+            <a:stCxn id="119" idx="3"/>
+            <a:endCxn id="100" idx="1"/>
+          </p:cNvCxnSpPr>
+          <p:nvPr/>
+        </p:nvCxnSpPr>
+        <p:spPr>
+          <a:xfrm rot="5400000" flipH="1" flipV="1">
+            <a:off x="1874694" y="733209"/>
+            <a:ext cx="326181" cy="1103804"/>
+          </a:xfrm>
+          <a:prstGeom prst="bentConnector2">
+            <a:avLst/>
+          </a:prstGeom>
+          <a:ln w="19050">
+            <a:solidFill>
+              <a:srgbClr val="7030A0"/>
+            </a:solidFill>
+            <a:prstDash val="sysDot"/>
+            <a:headEnd type="none" w="med" len="med"/>
+            <a:tailEnd type="arrow" w="med" len="med"/>
+          </a:ln>
+          <a:effectLst/>
+        </p:spPr>
+        <p:style>
+          <a:lnRef idx="1">
+            <a:schemeClr val="accent2"/>
+          </a:lnRef>
+          <a:fillRef idx="2">
+            <a:schemeClr val="accent2"/>
+          </a:fillRef>
+          <a:effectRef idx="1">
+            <a:schemeClr val="accent2"/>
+          </a:effectRef>
+          <a:fontRef idx="minor">
+            <a:schemeClr val="dk1"/>
+          </a:fontRef>
+        </p:style>
+      </p:cxnSp>
+      <p:cxnSp>
+        <p:nvCxnSpPr>
+          <p:cNvPr id="74" name="Elbow Connector 85">
+            <a:extLst>
+              <a:ext uri="{FF2B5EF4-FFF2-40B4-BE49-F238E27FC236}">
+                <a16:creationId xmlns:a16="http://schemas.microsoft.com/office/drawing/2014/main" id="{0BF0A13B-B2CA-43C0-A84A-D92BEE5134B9}"/>
+              </a:ext>
+            </a:extLst>
+          </p:cNvPr>
+          <p:cNvCxnSpPr>
+            <a:cxnSpLocks/>
+            <a:stCxn id="77" idx="3"/>
+            <a:endCxn id="117" idx="3"/>
+          </p:cNvCxnSpPr>
+          <p:nvPr/>
+        </p:nvCxnSpPr>
+        <p:spPr>
+          <a:xfrm flipV="1">
+            <a:off x="6952991" y="1839497"/>
+            <a:ext cx="703039" cy="3653339"/>
+          </a:xfrm>
+          <a:prstGeom prst="bentConnector3">
+            <a:avLst>
+              <a:gd name="adj1" fmla="val 139271"/>
+            </a:avLst>
+          </a:prstGeom>
+          <a:ln w="19050">
+            <a:solidFill>
+              <a:srgbClr val="7030A0"/>
+            </a:solidFill>
+            <a:headEnd type="none" w="med" len="med"/>
+            <a:tailEnd type="none" w="med" len="med"/>
+          </a:ln>
+          <a:effectLst/>
+        </p:spPr>
+        <p:style>
+          <a:lnRef idx="1">
+            <a:schemeClr val="accent2"/>
+          </a:lnRef>
+          <a:fillRef idx="2">
+            <a:schemeClr val="accent2"/>
+          </a:fillRef>
+          <a:effectRef idx="1">
+            <a:schemeClr val="accent2"/>
+          </a:effectRef>
+          <a:fontRef idx="minor">
+            <a:schemeClr val="dk1"/>
+          </a:fontRef>
+        </p:style>
+      </p:cxnSp>
+      <p:sp>
+        <p:nvSpPr>
+          <p:cNvPr id="77" name="Rectangle 8">
+            <a:extLst>
+              <a:ext uri="{FF2B5EF4-FFF2-40B4-BE49-F238E27FC236}">
+                <a16:creationId xmlns:a16="http://schemas.microsoft.com/office/drawing/2014/main" id="{0385A838-EEB2-4922-9B4E-2B6ECA006CD4}"/>
+              </a:ext>
+            </a:extLst>
+          </p:cNvPr>
+          <p:cNvSpPr/>
+          <p:nvPr/>
+        </p:nvSpPr>
+        <p:spPr>
+          <a:xfrm>
+            <a:off x="6249251" y="5349944"/>
+            <a:ext cx="703740" cy="285783"/>
+          </a:xfrm>
+          <a:prstGeom prst="rect">
+            <a:avLst/>
+          </a:prstGeom>
+          <a:ln w="19050">
+            <a:solidFill>
+              <a:srgbClr val="7030A0"/>
+            </a:solidFill>
+          </a:ln>
+          <a:effectLst/>
+        </p:spPr>
+        <p:style>
+          <a:lnRef idx="1">
+            <a:schemeClr val="accent4"/>
+          </a:lnRef>
+          <a:fillRef idx="2">
+            <a:schemeClr val="accent4"/>
+          </a:fillRef>
+          <a:effectRef idx="1">
+            <a:schemeClr val="accent4"/>
+          </a:effectRef>
+          <a:fontRef idx="minor">
+            <a:schemeClr val="dk1"/>
+          </a:fontRef>
+        </p:style>
+        <p:txBody>
+          <a:bodyPr rtlCol="0" anchor="ctr"/>
+          <a:lstStyle/>
+          <a:p>
+            <a:pPr algn="ctr"/>
+            <a:r>
+              <a:rPr lang="en-US" sz="1050">
+                <a:solidFill>
+                  <a:srgbClr val="7030A0"/>
+                </a:solidFill>
+              </a:rPr>
+              <a:t>Event</a:t>
+            </a:r>
+            <a:endParaRPr lang="en-SG" sz="1050" dirty="0">
+              <a:solidFill>
+                <a:srgbClr val="7030A0"/>
+              </a:solidFill>
+            </a:endParaRPr>
+          </a:p>
+        </p:txBody>
+      </p:sp>
+      <p:sp>
+        <p:nvSpPr>
+          <p:cNvPr id="82" name="Rectangle 8">
+            <a:extLst>
+              <a:ext uri="{FF2B5EF4-FFF2-40B4-BE49-F238E27FC236}">
+                <a16:creationId xmlns:a16="http://schemas.microsoft.com/office/drawing/2014/main" id="{B018534C-9921-4CC3-8436-96798BAD80C9}"/>
+              </a:ext>
+            </a:extLst>
+          </p:cNvPr>
+          <p:cNvSpPr/>
+          <p:nvPr/>
+        </p:nvSpPr>
+        <p:spPr>
+          <a:xfrm>
+            <a:off x="5411051" y="4939369"/>
+            <a:ext cx="881679" cy="285783"/>
+          </a:xfrm>
+          <a:prstGeom prst="rect">
+            <a:avLst/>
+          </a:prstGeom>
+          <a:ln w="19050">
+            <a:solidFill>
+              <a:srgbClr val="7030A0"/>
+            </a:solidFill>
+          </a:ln>
+          <a:effectLst/>
+        </p:spPr>
+        <p:style>
+          <a:lnRef idx="1">
+            <a:schemeClr val="accent4"/>
+          </a:lnRef>
+          <a:fillRef idx="2">
+            <a:schemeClr val="accent4"/>
+          </a:fillRef>
+          <a:effectRef idx="1">
+            <a:schemeClr val="accent4"/>
+          </a:effectRef>
+          <a:fontRef idx="minor">
+            <a:schemeClr val="dk1"/>
+          </a:fontRef>
+        </p:style>
+        <p:txBody>
+          <a:bodyPr rtlCol="0" anchor="ctr"/>
+          <a:lstStyle/>
+          <a:p>
+            <a:pPr algn="ctr"/>
+            <a:r>
+              <a:rPr lang="en-US" sz="1050" dirty="0" err="1">
+                <a:solidFill>
+                  <a:srgbClr val="7030A0"/>
+                </a:solidFill>
+              </a:rPr>
+              <a:t>FloatingTask</a:t>
+            </a:r>
+            <a:endParaRPr lang="en-US" sz="1050" dirty="0">
+              <a:solidFill>
+                <a:srgbClr val="7030A0"/>
+              </a:solidFill>
+            </a:endParaRPr>
+          </a:p>
+        </p:txBody>
+      </p:sp>
+      <p:sp>
+        <p:nvSpPr>
+          <p:cNvPr id="87" name="Rectangle 8">
+            <a:extLst>
+              <a:ext uri="{FF2B5EF4-FFF2-40B4-BE49-F238E27FC236}">
+                <a16:creationId xmlns:a16="http://schemas.microsoft.com/office/drawing/2014/main" id="{FD92DEDE-8CCC-4D5A-A87C-6D4AD8C4B580}"/>
+              </a:ext>
+            </a:extLst>
+          </p:cNvPr>
+          <p:cNvSpPr/>
+          <p:nvPr/>
+        </p:nvSpPr>
+        <p:spPr>
+          <a:xfrm>
+            <a:off x="6916260" y="5734017"/>
+            <a:ext cx="703740" cy="285783"/>
+          </a:xfrm>
+          <a:prstGeom prst="rect">
+            <a:avLst/>
+          </a:prstGeom>
+          <a:ln w="19050">
+            <a:solidFill>
+              <a:srgbClr val="7030A0"/>
+            </a:solidFill>
+          </a:ln>
+          <a:effectLst/>
+        </p:spPr>
+        <p:style>
+          <a:lnRef idx="1">
+            <a:schemeClr val="accent4"/>
+          </a:lnRef>
+          <a:fillRef idx="2">
+            <a:schemeClr val="accent4"/>
+          </a:fillRef>
+          <a:effectRef idx="1">
+            <a:schemeClr val="accent4"/>
+          </a:effectRef>
+          <a:fontRef idx="minor">
+            <a:schemeClr val="dk1"/>
+          </a:fontRef>
+        </p:style>
+        <p:txBody>
+          <a:bodyPr rtlCol="0" anchor="ctr"/>
+          <a:lstStyle/>
+          <a:p>
+            <a:pPr algn="ctr"/>
+            <a:r>
+              <a:rPr lang="en-US" sz="1050" dirty="0">
+                <a:solidFill>
+                  <a:srgbClr val="7030A0"/>
+                </a:solidFill>
+              </a:rPr>
+              <a:t>Deadline</a:t>
+            </a:r>
+            <a:endParaRPr lang="en-SG" sz="1050" dirty="0">
+              <a:solidFill>
+                <a:srgbClr val="7030A0"/>
+              </a:solidFill>
+            </a:endParaRPr>
+          </a:p>
+        </p:txBody>
+      </p:sp>
+      <p:cxnSp>
+        <p:nvCxnSpPr>
+          <p:cNvPr id="94" name="Elbow Connector 85">
+            <a:extLst>
+              <a:ext uri="{FF2B5EF4-FFF2-40B4-BE49-F238E27FC236}">
+                <a16:creationId xmlns:a16="http://schemas.microsoft.com/office/drawing/2014/main" id="{ED2F0B51-3478-4720-BDF8-DD7B29CB36C3}"/>
+              </a:ext>
+            </a:extLst>
+          </p:cNvPr>
+          <p:cNvCxnSpPr>
+            <a:cxnSpLocks/>
+            <a:stCxn id="87" idx="3"/>
+            <a:endCxn id="117" idx="3"/>
+          </p:cNvCxnSpPr>
+          <p:nvPr/>
+        </p:nvCxnSpPr>
+        <p:spPr>
+          <a:xfrm flipV="1">
+            <a:off x="7620000" y="1839497"/>
+            <a:ext cx="36030" cy="4037412"/>
+          </a:xfrm>
+          <a:prstGeom prst="bentConnector3">
+            <a:avLst>
+              <a:gd name="adj1" fmla="val 866278"/>
+            </a:avLst>
+          </a:prstGeom>
+          <a:ln w="19050">
+            <a:solidFill>
+              <a:srgbClr val="7030A0"/>
+            </a:solidFill>
+            <a:headEnd type="none" w="med" len="med"/>
+            <a:tailEnd type="none" w="med" len="med"/>
+          </a:ln>
+          <a:effectLst/>
+        </p:spPr>
+        <p:style>
+          <a:lnRef idx="1">
+            <a:schemeClr val="accent2"/>
+          </a:lnRef>
+          <a:fillRef idx="2">
+            <a:schemeClr val="accent2"/>
+          </a:fillRef>
+          <a:effectRef idx="1">
+            <a:schemeClr val="accent2"/>
+          </a:effectRef>
+          <a:fontRef idx="minor">
+            <a:schemeClr val="dk1"/>
+          </a:fontRef>
+        </p:style>
+      </p:cxnSp>
+      <p:cxnSp>
+        <p:nvCxnSpPr>
+          <p:cNvPr id="98" name="Elbow Connector 85">
+            <a:extLst>
+              <a:ext uri="{FF2B5EF4-FFF2-40B4-BE49-F238E27FC236}">
+                <a16:creationId xmlns:a16="http://schemas.microsoft.com/office/drawing/2014/main" id="{77D93BAA-6F83-4157-8F77-043E3F11FB25}"/>
+              </a:ext>
+            </a:extLst>
+          </p:cNvPr>
+          <p:cNvCxnSpPr>
+            <a:cxnSpLocks/>
+            <a:stCxn id="82" idx="3"/>
+            <a:endCxn id="117" idx="3"/>
+          </p:cNvCxnSpPr>
+          <p:nvPr/>
+        </p:nvCxnSpPr>
+        <p:spPr>
+          <a:xfrm flipV="1">
+            <a:off x="6292730" y="1839497"/>
+            <a:ext cx="1363300" cy="3242764"/>
+          </a:xfrm>
+          <a:prstGeom prst="bentConnector3">
+            <a:avLst>
+              <a:gd name="adj1" fmla="val 120252"/>
+            </a:avLst>
+          </a:prstGeom>
+          <a:ln w="19050">
+            <a:solidFill>
+              <a:srgbClr val="7030A0"/>
+            </a:solidFill>
+            <a:headEnd type="none" w="med" len="med"/>
+            <a:tailEnd type="none" w="med" len="med"/>
+          </a:ln>
+          <a:effectLst/>
+        </p:spPr>
+        <p:style>
+          <a:lnRef idx="1">
+            <a:schemeClr val="accent2"/>
+          </a:lnRef>
+          <a:fillRef idx="2">
+            <a:schemeClr val="accent2"/>
+          </a:fillRef>
+          <a:effectRef idx="1">
+            <a:schemeClr val="accent2"/>
+          </a:effectRef>
+          <a:fontRef idx="minor">
+            <a:schemeClr val="dk1"/>
+          </a:fontRef>
+        </p:style>
+      </p:cxnSp>
+      <p:sp>
+        <p:nvSpPr>
+          <p:cNvPr id="153" name="TextBox 152">
+            <a:extLst>
+              <a:ext uri="{FF2B5EF4-FFF2-40B4-BE49-F238E27FC236}">
+                <a16:creationId xmlns:a16="http://schemas.microsoft.com/office/drawing/2014/main" id="{88FBB9DB-E26B-428F-AA6E-B20634747BE4}"/>
+              </a:ext>
+            </a:extLst>
+          </p:cNvPr>
+          <p:cNvSpPr txBox="1"/>
+          <p:nvPr/>
+        </p:nvSpPr>
+        <p:spPr>
+          <a:xfrm>
+            <a:off x="7052588" y="757465"/>
+            <a:ext cx="189257" cy="178683"/>
+          </a:xfrm>
+          <a:prstGeom prst="rect">
+            <a:avLst/>
+          </a:prstGeom>
+          <a:noFill/>
+        </p:spPr>
+        <p:txBody>
+          <a:bodyPr wrap="square" lIns="0" tIns="0" rIns="0" bIns="0" rtlCol="0">
+            <a:noAutofit/>
+          </a:bodyPr>
+          <a:lstStyle/>
+          <a:p>
+            <a:pPr algn="ctr"/>
+            <a:r>
+              <a:rPr lang="en-US" sz="1100">
+                <a:solidFill>
+                  <a:srgbClr val="7030A0"/>
+                </a:solidFill>
+              </a:rPr>
+              <a:t>1</a:t>
+            </a:r>
+            <a:endParaRPr lang="en-SG" sz="1100" dirty="0">
+              <a:solidFill>
+                <a:srgbClr val="7030A0"/>
+              </a:solidFill>
+            </a:endParaRPr>
+          </a:p>
+        </p:txBody>
+      </p:sp>
+      <p:cxnSp>
+        <p:nvCxnSpPr>
+          <p:cNvPr id="268" name="Elbow Connector 58">
+            <a:extLst>
+              <a:ext uri="{FF2B5EF4-FFF2-40B4-BE49-F238E27FC236}">
+                <a16:creationId xmlns:a16="http://schemas.microsoft.com/office/drawing/2014/main" id="{A9D37834-AD78-452C-A0E4-1F0B40A9DA72}"/>
+              </a:ext>
+            </a:extLst>
+          </p:cNvPr>
+          <p:cNvCxnSpPr>
+            <a:cxnSpLocks/>
+            <a:stCxn id="93" idx="1"/>
+            <a:endCxn id="80" idx="3"/>
+          </p:cNvCxnSpPr>
+          <p:nvPr/>
+        </p:nvCxnSpPr>
+        <p:spPr>
+          <a:xfrm rot="10800000" flipV="1">
+            <a:off x="5138196" y="5484510"/>
+            <a:ext cx="874156" cy="1262"/>
+          </a:xfrm>
+          <a:prstGeom prst="bentConnector3">
+            <a:avLst>
+              <a:gd name="adj1" fmla="val 50000"/>
+            </a:avLst>
+          </a:prstGeom>
+          <a:ln w="19050">
+            <a:solidFill>
+              <a:srgbClr val="7030A0"/>
+            </a:solidFill>
+            <a:headEnd type="none" w="med" len="med"/>
+            <a:tailEnd type="arrow" w="med" len="med"/>
+          </a:ln>
+          <a:effectLst/>
+        </p:spPr>
+        <p:style>
+          <a:lnRef idx="1">
+            <a:schemeClr val="accent2"/>
+          </a:lnRef>
+          <a:fillRef idx="2">
+            <a:schemeClr val="accent2"/>
+          </a:fillRef>
+          <a:effectRef idx="1">
+            <a:schemeClr val="accent2"/>
+          </a:effectRef>
+          <a:fontRef idx="minor">
+            <a:schemeClr val="dk1"/>
+          </a:fontRef>
+        </p:style>
+      </p:cxnSp>
+      <p:cxnSp>
+        <p:nvCxnSpPr>
+          <p:cNvPr id="317" name="Elbow Connector 58">
+            <a:extLst>
+              <a:ext uri="{FF2B5EF4-FFF2-40B4-BE49-F238E27FC236}">
+                <a16:creationId xmlns:a16="http://schemas.microsoft.com/office/drawing/2014/main" id="{C3093632-1500-432F-A9DB-7AB4773E006E}"/>
+              </a:ext>
+            </a:extLst>
+          </p:cNvPr>
+          <p:cNvCxnSpPr>
+            <a:cxnSpLocks/>
+            <a:stCxn id="112" idx="1"/>
+            <a:endCxn id="80" idx="2"/>
+          </p:cNvCxnSpPr>
+          <p:nvPr/>
+        </p:nvCxnSpPr>
+        <p:spPr>
+          <a:xfrm rot="10800000">
+            <a:off x="4508047" y="5621600"/>
+            <a:ext cx="2170344" cy="255308"/>
+          </a:xfrm>
+          <a:prstGeom prst="bentConnector2">
+            <a:avLst/>
+          </a:prstGeom>
+          <a:ln w="19050">
+            <a:solidFill>
+              <a:srgbClr val="7030A0"/>
+            </a:solidFill>
+            <a:headEnd type="none" w="med" len="med"/>
+            <a:tailEnd type="arrow" w="med" len="med"/>
+          </a:ln>
+          <a:effectLst/>
+        </p:spPr>
+        <p:style>
+          <a:lnRef idx="1">
+            <a:schemeClr val="accent2"/>
+          </a:lnRef>
+          <a:fillRef idx="2">
+            <a:schemeClr val="accent2"/>
+          </a:fillRef>
+          <a:effectRef idx="1">
+            <a:schemeClr val="accent2"/>
+          </a:effectRef>
+          <a:fontRef idx="minor">
+            <a:schemeClr val="dk1"/>
+          </a:fontRef>
+        </p:style>
+      </p:cxnSp>
+      <p:sp>
+        <p:nvSpPr>
+          <p:cNvPr id="80" name="Rectangle 8">
+            <a:extLst>
+              <a:ext uri="{FF2B5EF4-FFF2-40B4-BE49-F238E27FC236}">
+                <a16:creationId xmlns:a16="http://schemas.microsoft.com/office/drawing/2014/main" id="{38053985-49C0-46E7-9DCF-1E8B04211018}"/>
+              </a:ext>
+            </a:extLst>
+          </p:cNvPr>
+          <p:cNvSpPr/>
+          <p:nvPr/>
+        </p:nvSpPr>
+        <p:spPr>
+          <a:xfrm>
+            <a:off x="3877898" y="5349944"/>
+            <a:ext cx="1260298" cy="271656"/>
+          </a:xfrm>
+          <a:prstGeom prst="rect">
+            <a:avLst/>
+          </a:prstGeom>
+          <a:ln w="19050">
+            <a:solidFill>
+              <a:srgbClr val="7030A0"/>
+            </a:solidFill>
+          </a:ln>
+          <a:effectLst/>
+        </p:spPr>
+        <p:style>
+          <a:lnRef idx="1">
+            <a:schemeClr val="accent4"/>
+          </a:lnRef>
+          <a:fillRef idx="2">
+            <a:schemeClr val="accent4"/>
+          </a:fillRef>
+          <a:effectRef idx="1">
+            <a:schemeClr val="accent4"/>
+          </a:effectRef>
+          <a:fontRef idx="minor">
+            <a:schemeClr val="dk1"/>
+          </a:fontRef>
+        </p:style>
+        <p:txBody>
+          <a:bodyPr rtlCol="0" anchor="ctr"/>
+          <a:lstStyle/>
+          <a:p>
+            <a:pPr algn="ctr"/>
+            <a:r>
+              <a:rPr lang="en-SG" sz="1050" dirty="0" err="1">
+                <a:solidFill>
+                  <a:srgbClr val="7030A0"/>
+                </a:solidFill>
+              </a:rPr>
+              <a:t>EntryDateAndTime</a:t>
+            </a:r>
+            <a:endParaRPr lang="en-SG" sz="1050" dirty="0">
+              <a:solidFill>
+                <a:srgbClr val="7030A0"/>
+              </a:solidFill>
+            </a:endParaRPr>
+          </a:p>
+        </p:txBody>
+      </p:sp>
+      <p:sp>
+        <p:nvSpPr>
+          <p:cNvPr id="84" name="Rectangle 8">
+            <a:extLst>
+              <a:ext uri="{FF2B5EF4-FFF2-40B4-BE49-F238E27FC236}">
+                <a16:creationId xmlns:a16="http://schemas.microsoft.com/office/drawing/2014/main" id="{FC5E9BBE-BA29-466E-87DB-E549C83DCF6F}"/>
+              </a:ext>
+            </a:extLst>
+          </p:cNvPr>
+          <p:cNvSpPr/>
+          <p:nvPr/>
+        </p:nvSpPr>
+        <p:spPr>
+          <a:xfrm>
+            <a:off x="4825428" y="1905000"/>
+            <a:ext cx="1156969" cy="518309"/>
+          </a:xfrm>
+          <a:prstGeom prst="rect">
+            <a:avLst/>
+          </a:prstGeom>
+          <a:ln w="19050">
+            <a:solidFill>
+              <a:srgbClr val="7030A0"/>
+            </a:solidFill>
+          </a:ln>
+          <a:effectLst/>
+        </p:spPr>
+        <p:style>
+          <a:lnRef idx="1">
+            <a:schemeClr val="accent4"/>
+          </a:lnRef>
+          <a:fillRef idx="2">
+            <a:schemeClr val="accent4"/>
+          </a:fillRef>
+          <a:effectRef idx="1">
+            <a:schemeClr val="accent4"/>
+          </a:effectRef>
+          <a:fontRef idx="minor">
+            <a:schemeClr val="dk1"/>
+          </a:fontRef>
+        </p:style>
+        <p:txBody>
+          <a:bodyPr rtlCol="0" anchor="ctr"/>
+          <a:lstStyle/>
+          <a:p>
+            <a:pPr algn="ctr"/>
+            <a:r>
+              <a:rPr lang="en-US" sz="1050" dirty="0">
+                <a:solidFill>
+                  <a:srgbClr val="7030A0"/>
+                </a:solidFill>
+              </a:rPr>
+              <a:t>Archive</a:t>
+            </a:r>
+            <a:endParaRPr lang="en-SG" sz="1050" dirty="0">
+              <a:solidFill>
+                <a:srgbClr val="7030A0"/>
+              </a:solidFill>
+            </a:endParaRPr>
+          </a:p>
+        </p:txBody>
+      </p:sp>
+      <p:sp>
+        <p:nvSpPr>
+          <p:cNvPr id="85" name="Flowchart: Decision 96">
+            <a:extLst>
+              <a:ext uri="{FF2B5EF4-FFF2-40B4-BE49-F238E27FC236}">
+                <a16:creationId xmlns:a16="http://schemas.microsoft.com/office/drawing/2014/main" id="{6A5FF266-C51C-4096-A31D-A2C77CC18DF3}"/>
+              </a:ext>
+            </a:extLst>
+          </p:cNvPr>
+          <p:cNvSpPr/>
+          <p:nvPr/>
+        </p:nvSpPr>
+        <p:spPr>
+          <a:xfrm>
+            <a:off x="5993267" y="2057400"/>
+            <a:ext cx="236048" cy="173380"/>
+          </a:xfrm>
+          <a:prstGeom prst="flowChartDecision">
+            <a:avLst/>
+          </a:prstGeom>
+          <a:noFill/>
+          <a:ln w="19050">
+            <a:solidFill>
+              <a:srgbClr val="7030A0"/>
+            </a:solidFill>
+          </a:ln>
+          <a:effectLst/>
+        </p:spPr>
+        <p:style>
+          <a:lnRef idx="1">
+            <a:schemeClr val="accent6"/>
+          </a:lnRef>
+          <a:fillRef idx="2">
+            <a:schemeClr val="accent6"/>
+          </a:fillRef>
+          <a:effectRef idx="1">
+            <a:schemeClr val="accent6"/>
+          </a:effectRef>
+          <a:fontRef idx="minor">
+            <a:schemeClr val="dk1"/>
+          </a:fontRef>
+        </p:style>
+        <p:txBody>
+          <a:bodyPr rtlCol="0" anchor="ctr"/>
+          <a:lstStyle/>
+          <a:p>
+            <a:pPr algn="ctr"/>
+            <a:endParaRPr lang="en-US" sz="1050"/>
+          </a:p>
+        </p:txBody>
+      </p:sp>
+      <p:cxnSp>
+        <p:nvCxnSpPr>
+          <p:cNvPr id="86" name="Elbow Connector 63">
+            <a:extLst>
+              <a:ext uri="{FF2B5EF4-FFF2-40B4-BE49-F238E27FC236}">
+                <a16:creationId xmlns:a16="http://schemas.microsoft.com/office/drawing/2014/main" id="{EE9C1E64-02F1-4593-A879-5B119D8AA9C5}"/>
+              </a:ext>
+            </a:extLst>
+          </p:cNvPr>
+          <p:cNvCxnSpPr>
+            <a:cxnSpLocks/>
+            <a:stCxn id="85" idx="3"/>
+            <a:endCxn id="62" idx="1"/>
+          </p:cNvCxnSpPr>
+          <p:nvPr/>
+        </p:nvCxnSpPr>
+        <p:spPr>
+          <a:xfrm flipV="1">
+            <a:off x="6229315" y="1850348"/>
+            <a:ext cx="299855" cy="293742"/>
+          </a:xfrm>
+          <a:prstGeom prst="bentConnector3">
+            <a:avLst/>
+          </a:prstGeom>
+          <a:ln w="19050">
+            <a:solidFill>
+              <a:srgbClr val="7030A0"/>
+            </a:solidFill>
+            <a:headEnd type="none" w="med" len="med"/>
+            <a:tailEnd type="arrow" w="med" len="med"/>
+          </a:ln>
+          <a:effectLst/>
+        </p:spPr>
+        <p:style>
+          <a:lnRef idx="1">
+            <a:schemeClr val="accent2"/>
+          </a:lnRef>
+          <a:fillRef idx="2">
+            <a:schemeClr val="accent2"/>
+          </a:fillRef>
+          <a:effectRef idx="1">
+            <a:schemeClr val="accent2"/>
+          </a:effectRef>
+          <a:fontRef idx="minor">
+            <a:schemeClr val="dk1"/>
+          </a:fontRef>
+        </p:style>
+      </p:cxnSp>
+      <p:sp>
+        <p:nvSpPr>
+          <p:cNvPr id="88" name="Rectangle 8">
+            <a:extLst>
+              <a:ext uri="{FF2B5EF4-FFF2-40B4-BE49-F238E27FC236}">
+                <a16:creationId xmlns:a16="http://schemas.microsoft.com/office/drawing/2014/main" id="{E5EE7A86-858B-4AB0-8E94-A35E30A00B59}"/>
+              </a:ext>
+            </a:extLst>
+          </p:cNvPr>
+          <p:cNvSpPr/>
+          <p:nvPr/>
+        </p:nvSpPr>
+        <p:spPr>
+          <a:xfrm>
+            <a:off x="4824247" y="2495751"/>
+            <a:ext cx="1156969" cy="476049"/>
+          </a:xfrm>
+          <a:prstGeom prst="rect">
+            <a:avLst/>
+          </a:prstGeom>
+          <a:ln w="19050">
+            <a:solidFill>
+              <a:srgbClr val="7030A0"/>
+            </a:solidFill>
+          </a:ln>
+          <a:effectLst/>
+        </p:spPr>
+        <p:style>
+          <a:lnRef idx="1">
+            <a:schemeClr val="accent4"/>
+          </a:lnRef>
+          <a:fillRef idx="2">
+            <a:schemeClr val="accent4"/>
+          </a:fillRef>
+          <a:effectRef idx="1">
+            <a:schemeClr val="accent4"/>
+          </a:effectRef>
+          <a:fontRef idx="minor">
+            <a:schemeClr val="dk1"/>
+          </a:fontRef>
+        </p:style>
+        <p:txBody>
+          <a:bodyPr rtlCol="0" anchor="ctr"/>
+          <a:lstStyle/>
+          <a:p>
+            <a:pPr algn="ctr"/>
+            <a:r>
+              <a:rPr lang="en-SG" sz="1050" dirty="0">
+                <a:solidFill>
+                  <a:srgbClr val="7030A0"/>
+                </a:solidFill>
+              </a:rPr>
+              <a:t>Bin</a:t>
+            </a:r>
+          </a:p>
+        </p:txBody>
+      </p:sp>
+      <p:sp>
+        <p:nvSpPr>
+          <p:cNvPr id="89" name="Flowchart: Decision 96">
+            <a:extLst>
+              <a:ext uri="{FF2B5EF4-FFF2-40B4-BE49-F238E27FC236}">
+                <a16:creationId xmlns:a16="http://schemas.microsoft.com/office/drawing/2014/main" id="{949CD2DD-7C3E-4172-8670-B8E57C938879}"/>
+              </a:ext>
+            </a:extLst>
+          </p:cNvPr>
+          <p:cNvSpPr/>
+          <p:nvPr/>
+        </p:nvSpPr>
+        <p:spPr>
+          <a:xfrm>
+            <a:off x="5998965" y="2646020"/>
+            <a:ext cx="236048" cy="173380"/>
+          </a:xfrm>
+          <a:prstGeom prst="flowChartDecision">
+            <a:avLst/>
+          </a:prstGeom>
+          <a:noFill/>
+          <a:ln w="19050">
+            <a:solidFill>
+              <a:srgbClr val="7030A0"/>
+            </a:solidFill>
+          </a:ln>
+          <a:effectLst/>
+        </p:spPr>
+        <p:style>
+          <a:lnRef idx="1">
+            <a:schemeClr val="accent6"/>
+          </a:lnRef>
+          <a:fillRef idx="2">
+            <a:schemeClr val="accent6"/>
+          </a:fillRef>
+          <a:effectRef idx="1">
+            <a:schemeClr val="accent6"/>
+          </a:effectRef>
+          <a:fontRef idx="minor">
+            <a:schemeClr val="dk1"/>
+          </a:fontRef>
+        </p:style>
+        <p:txBody>
+          <a:bodyPr rtlCol="0" anchor="ctr"/>
+          <a:lstStyle/>
+          <a:p>
+            <a:pPr algn="ctr"/>
+            <a:endParaRPr lang="en-US" sz="1050"/>
+          </a:p>
+        </p:txBody>
+      </p:sp>
+      <p:cxnSp>
+        <p:nvCxnSpPr>
+          <p:cNvPr id="90" name="Elbow Connector 63">
+            <a:extLst>
+              <a:ext uri="{FF2B5EF4-FFF2-40B4-BE49-F238E27FC236}">
+                <a16:creationId xmlns:a16="http://schemas.microsoft.com/office/drawing/2014/main" id="{7F134287-400C-42A6-8013-D79C3C996F45}"/>
+              </a:ext>
+            </a:extLst>
+          </p:cNvPr>
+          <p:cNvCxnSpPr>
+            <a:cxnSpLocks/>
+            <a:stCxn id="89" idx="3"/>
+            <a:endCxn id="62" idx="1"/>
+          </p:cNvCxnSpPr>
+          <p:nvPr/>
+        </p:nvCxnSpPr>
+        <p:spPr>
+          <a:xfrm flipV="1">
+            <a:off x="6235013" y="1850348"/>
+            <a:ext cx="294157" cy="882362"/>
+          </a:xfrm>
+          <a:prstGeom prst="bentConnector3">
+            <a:avLst/>
+          </a:prstGeom>
+          <a:ln w="19050">
+            <a:solidFill>
+              <a:srgbClr val="7030A0"/>
+            </a:solidFill>
+            <a:headEnd type="none" w="med" len="med"/>
+            <a:tailEnd type="arrow" w="med" len="med"/>
+          </a:ln>
+          <a:effectLst/>
+        </p:spPr>
+        <p:style>
+          <a:lnRef idx="1">
+            <a:schemeClr val="accent2"/>
+          </a:lnRef>
+          <a:fillRef idx="2">
+            <a:schemeClr val="accent2"/>
+          </a:fillRef>
+          <a:effectRef idx="1">
+            <a:schemeClr val="accent2"/>
+          </a:effectRef>
+          <a:fontRef idx="minor">
+            <a:schemeClr val="dk1"/>
+          </a:fontRef>
+        </p:style>
+      </p:cxnSp>
+      <p:sp>
+        <p:nvSpPr>
+          <p:cNvPr id="93" name="Flowchart: Decision 96">
+            <a:extLst>
+              <a:ext uri="{FF2B5EF4-FFF2-40B4-BE49-F238E27FC236}">
+                <a16:creationId xmlns:a16="http://schemas.microsoft.com/office/drawing/2014/main" id="{7E42058C-7FC1-48B6-B0A0-82326A89238D}"/>
+              </a:ext>
+            </a:extLst>
+          </p:cNvPr>
+          <p:cNvSpPr/>
+          <p:nvPr/>
+        </p:nvSpPr>
+        <p:spPr>
+          <a:xfrm>
+            <a:off x="6012352" y="5397820"/>
+            <a:ext cx="236048" cy="173380"/>
+          </a:xfrm>
+          <a:prstGeom prst="flowChartDecision">
+            <a:avLst/>
+          </a:prstGeom>
+          <a:solidFill>
+            <a:srgbClr val="7030A0"/>
+          </a:solidFill>
+          <a:ln w="19050">
+            <a:solidFill>
+              <a:srgbClr val="7030A0"/>
+            </a:solidFill>
+          </a:ln>
+          <a:effectLst/>
+        </p:spPr>
+        <p:style>
+          <a:lnRef idx="1">
+            <a:schemeClr val="accent6"/>
+          </a:lnRef>
+          <a:fillRef idx="2">
+            <a:schemeClr val="accent6"/>
+          </a:fillRef>
+          <a:effectRef idx="1">
+            <a:schemeClr val="accent6"/>
+          </a:effectRef>
+          <a:fontRef idx="minor">
+            <a:schemeClr val="dk1"/>
+          </a:fontRef>
+        </p:style>
+        <p:txBody>
+          <a:bodyPr rtlCol="0" anchor="ctr"/>
+          <a:lstStyle/>
+          <a:p>
+            <a:pPr algn="ctr"/>
+            <a:endParaRPr lang="en-US" sz="1050"/>
+          </a:p>
+        </p:txBody>
+      </p:sp>
+      <p:sp>
+        <p:nvSpPr>
+          <p:cNvPr id="104" name="TextBox 103">
+            <a:extLst>
+              <a:ext uri="{FF2B5EF4-FFF2-40B4-BE49-F238E27FC236}">
+                <a16:creationId xmlns:a16="http://schemas.microsoft.com/office/drawing/2014/main" id="{7955D861-12E8-467E-A832-0CD2DE6AF70E}"/>
+              </a:ext>
+            </a:extLst>
+          </p:cNvPr>
+          <p:cNvSpPr txBox="1"/>
+          <p:nvPr/>
+        </p:nvSpPr>
+        <p:spPr>
+          <a:xfrm>
+            <a:off x="4270437" y="5705726"/>
+            <a:ext cx="189257" cy="178683"/>
+          </a:xfrm>
+          <a:prstGeom prst="rect">
+            <a:avLst/>
+          </a:prstGeom>
+          <a:noFill/>
+        </p:spPr>
+        <p:txBody>
+          <a:bodyPr wrap="square" lIns="0" tIns="0" rIns="0" bIns="0" rtlCol="0">
+            <a:noAutofit/>
+          </a:bodyPr>
+          <a:lstStyle/>
+          <a:p>
+            <a:pPr algn="ctr"/>
+            <a:r>
+              <a:rPr lang="en-US" sz="1100" dirty="0">
+                <a:solidFill>
+                  <a:srgbClr val="7030A0"/>
+                </a:solidFill>
+              </a:rPr>
+              <a:t>1</a:t>
+            </a:r>
+            <a:endParaRPr lang="en-SG" sz="1100" dirty="0">
+              <a:solidFill>
+                <a:srgbClr val="7030A0"/>
+              </a:solidFill>
+            </a:endParaRPr>
+          </a:p>
+        </p:txBody>
+      </p:sp>
+      <p:sp>
+        <p:nvSpPr>
+          <p:cNvPr id="105" name="TextBox 104">
+            <a:extLst>
+              <a:ext uri="{FF2B5EF4-FFF2-40B4-BE49-F238E27FC236}">
+                <a16:creationId xmlns:a16="http://schemas.microsoft.com/office/drawing/2014/main" id="{26655E42-5836-4693-B2F5-1B27CF911181}"/>
+              </a:ext>
+            </a:extLst>
+          </p:cNvPr>
+          <p:cNvSpPr txBox="1"/>
+          <p:nvPr/>
+        </p:nvSpPr>
+        <p:spPr>
+          <a:xfrm>
+            <a:off x="5220943" y="5280627"/>
+            <a:ext cx="189257" cy="178683"/>
+          </a:xfrm>
+          <a:prstGeom prst="rect">
+            <a:avLst/>
+          </a:prstGeom>
+          <a:noFill/>
+        </p:spPr>
+        <p:txBody>
+          <a:bodyPr wrap="square" lIns="0" tIns="0" rIns="0" bIns="0" rtlCol="0">
+            <a:noAutofit/>
+          </a:bodyPr>
+          <a:lstStyle/>
+          <a:p>
+            <a:pPr algn="ctr"/>
+            <a:r>
+              <a:rPr lang="en-US" sz="1100" dirty="0">
+                <a:solidFill>
+                  <a:srgbClr val="7030A0"/>
+                </a:solidFill>
+              </a:rPr>
+              <a:t>2</a:t>
+            </a:r>
+            <a:endParaRPr lang="en-SG" sz="1100" dirty="0">
+              <a:solidFill>
+                <a:srgbClr val="7030A0"/>
+              </a:solidFill>
+            </a:endParaRPr>
+          </a:p>
+        </p:txBody>
+      </p:sp>
+      <p:sp>
+        <p:nvSpPr>
+          <p:cNvPr id="112" name="Flowchart: Decision 96">
+            <a:extLst>
+              <a:ext uri="{FF2B5EF4-FFF2-40B4-BE49-F238E27FC236}">
+                <a16:creationId xmlns:a16="http://schemas.microsoft.com/office/drawing/2014/main" id="{293ECA54-CC18-4A53-ABFD-453088B10C9C}"/>
+              </a:ext>
+            </a:extLst>
+          </p:cNvPr>
+          <p:cNvSpPr/>
+          <p:nvPr/>
+        </p:nvSpPr>
+        <p:spPr>
+          <a:xfrm>
+            <a:off x="6678391" y="5790218"/>
+            <a:ext cx="236048" cy="173380"/>
+          </a:xfrm>
+          <a:prstGeom prst="flowChartDecision">
+            <a:avLst/>
+          </a:prstGeom>
+          <a:solidFill>
+            <a:srgbClr val="7030A0"/>
+          </a:solidFill>
+          <a:ln w="19050">
+            <a:solidFill>
+              <a:srgbClr val="7030A0"/>
+            </a:solidFill>
+          </a:ln>
+          <a:effectLst/>
+        </p:spPr>
+        <p:style>
+          <a:lnRef idx="1">
+            <a:schemeClr val="accent6"/>
+          </a:lnRef>
+          <a:fillRef idx="2">
+            <a:schemeClr val="accent6"/>
+          </a:fillRef>
+          <a:effectRef idx="1">
+            <a:schemeClr val="accent6"/>
+          </a:effectRef>
+          <a:fontRef idx="minor">
+            <a:schemeClr val="dk1"/>
+          </a:fontRef>
+        </p:style>
+        <p:txBody>
+          <a:bodyPr rtlCol="0" anchor="ctr"/>
+          <a:lstStyle/>
+          <a:p>
+            <a:pPr algn="ctr"/>
+            <a:endParaRPr lang="en-US" sz="1050"/>
+          </a:p>
+        </p:txBody>
+      </p:sp>
+      <p:sp>
+        <p:nvSpPr>
+          <p:cNvPr id="117" name="Isosceles Triangle 102">
+            <a:extLst>
+              <a:ext uri="{FF2B5EF4-FFF2-40B4-BE49-F238E27FC236}">
+                <a16:creationId xmlns:a16="http://schemas.microsoft.com/office/drawing/2014/main" id="{7AB74330-96D4-4F9A-BFF6-5D372946A3A3}"/>
+              </a:ext>
+            </a:extLst>
+          </p:cNvPr>
+          <p:cNvSpPr/>
+          <p:nvPr/>
+        </p:nvSpPr>
+        <p:spPr>
+          <a:xfrm rot="5400000" flipV="1">
+            <a:off x="7433016" y="1751735"/>
+            <a:ext cx="270504" cy="175523"/>
+          </a:xfrm>
+          <a:prstGeom prst="triangle">
+            <a:avLst/>
+          </a:prstGeom>
+          <a:ln w="19050">
+            <a:solidFill>
+              <a:srgbClr val="7030A0"/>
+            </a:solidFill>
+          </a:ln>
+          <a:effectLst/>
+        </p:spPr>
+        <p:style>
+          <a:lnRef idx="1">
+            <a:schemeClr val="accent4"/>
+          </a:lnRef>
+          <a:fillRef idx="2">
+            <a:schemeClr val="accent4"/>
+          </a:fillRef>
+          <a:effectRef idx="1">
+            <a:schemeClr val="accent4"/>
+          </a:effectRef>
+          <a:fontRef idx="minor">
+            <a:schemeClr val="dk1"/>
+          </a:fontRef>
+        </p:style>
+        <p:txBody>
+          <a:bodyPr rtlCol="0" anchor="ctr"/>
+          <a:lstStyle/>
+          <a:p>
+            <a:pPr algn="ctr"/>
+            <a:endParaRPr lang="en-SG" sz="1050" b="1">
+              <a:solidFill>
+                <a:srgbClr val="92D050"/>
+              </a:solidFill>
+            </a:endParaRPr>
+          </a:p>
+        </p:txBody>
+      </p:sp>
+      <p:cxnSp>
+        <p:nvCxnSpPr>
+          <p:cNvPr id="91" name="Elbow Connector 29">
+            <a:extLst>
+              <a:ext uri="{FF2B5EF4-FFF2-40B4-BE49-F238E27FC236}">
+                <a16:creationId xmlns:a16="http://schemas.microsoft.com/office/drawing/2014/main" id="{165E042F-592B-4526-89B0-72AC27D3EB93}"/>
+              </a:ext>
+            </a:extLst>
+          </p:cNvPr>
+          <p:cNvCxnSpPr>
+            <a:cxnSpLocks/>
+            <a:stCxn id="51" idx="3"/>
+          </p:cNvCxnSpPr>
+          <p:nvPr/>
+        </p:nvCxnSpPr>
+        <p:spPr>
+          <a:xfrm>
+            <a:off x="4153221" y="1776472"/>
+            <a:ext cx="676441" cy="241829"/>
+          </a:xfrm>
+          <a:prstGeom prst="bentConnector3">
+            <a:avLst/>
+          </a:prstGeom>
+          <a:ln w="19050">
+            <a:solidFill>
+              <a:srgbClr val="7030A0"/>
+            </a:solidFill>
+            <a:headEnd type="none" w="med" len="med"/>
+            <a:tailEnd type="arrow" w="med" len="med"/>
+          </a:ln>
+          <a:effectLst/>
+        </p:spPr>
+        <p:style>
+          <a:lnRef idx="1">
+            <a:schemeClr val="accent2"/>
+          </a:lnRef>
+          <a:fillRef idx="2">
+            <a:schemeClr val="accent2"/>
+          </a:fillRef>
+          <a:effectRef idx="1">
+            <a:schemeClr val="accent2"/>
+          </a:effectRef>
+          <a:fontRef idx="minor">
+            <a:schemeClr val="dk1"/>
+          </a:fontRef>
+        </p:style>
+      </p:cxnSp>
+      <p:cxnSp>
+        <p:nvCxnSpPr>
+          <p:cNvPr id="92" name="Elbow Connector 29">
+            <a:extLst>
+              <a:ext uri="{FF2B5EF4-FFF2-40B4-BE49-F238E27FC236}">
+                <a16:creationId xmlns:a16="http://schemas.microsoft.com/office/drawing/2014/main" id="{D1E312B1-F07F-42E0-B909-2C3800006FEC}"/>
+              </a:ext>
+            </a:extLst>
+          </p:cNvPr>
+          <p:cNvCxnSpPr>
+            <a:cxnSpLocks/>
+            <a:stCxn id="51" idx="3"/>
+            <a:endCxn id="88" idx="1"/>
+          </p:cNvCxnSpPr>
+          <p:nvPr/>
+        </p:nvCxnSpPr>
+        <p:spPr>
+          <a:xfrm>
+            <a:off x="4153221" y="1776472"/>
+            <a:ext cx="671026" cy="957304"/>
+          </a:xfrm>
+          <a:prstGeom prst="bentConnector3">
+            <a:avLst>
+              <a:gd name="adj1" fmla="val 50000"/>
+            </a:avLst>
+          </a:prstGeom>
+          <a:ln w="19050">
+            <a:solidFill>
+              <a:srgbClr val="7030A0"/>
+            </a:solidFill>
+            <a:headEnd type="none" w="med" len="med"/>
+            <a:tailEnd type="arrow" w="med" len="med"/>
+          </a:ln>
+          <a:effectLst/>
+        </p:spPr>
+        <p:style>
+          <a:lnRef idx="1">
+            <a:schemeClr val="accent2"/>
+          </a:lnRef>
+          <a:fillRef idx="2">
+            <a:schemeClr val="accent2"/>
+          </a:fillRef>
+          <a:effectRef idx="1">
+            <a:schemeClr val="accent2"/>
+          </a:effectRef>
+          <a:fontRef idx="minor">
+            <a:schemeClr val="dk1"/>
+          </a:fontRef>
+        </p:style>
+      </p:cxnSp>
+      <p:sp>
+        <p:nvSpPr>
+          <p:cNvPr id="95" name="TextBox 94">
+            <a:extLst>
+              <a:ext uri="{FF2B5EF4-FFF2-40B4-BE49-F238E27FC236}">
+                <a16:creationId xmlns:a16="http://schemas.microsoft.com/office/drawing/2014/main" id="{D29B85A3-61AD-46D9-96B7-EC8CCA02159B}"/>
+              </a:ext>
+            </a:extLst>
+          </p:cNvPr>
+          <p:cNvSpPr txBox="1"/>
+          <p:nvPr/>
+        </p:nvSpPr>
+        <p:spPr>
+          <a:xfrm>
+            <a:off x="4575940" y="1815829"/>
+            <a:ext cx="189257" cy="178683"/>
+          </a:xfrm>
+          <a:prstGeom prst="rect">
+            <a:avLst/>
+          </a:prstGeom>
+          <a:noFill/>
+        </p:spPr>
+        <p:txBody>
+          <a:bodyPr wrap="square" lIns="0" tIns="0" rIns="0" bIns="0" rtlCol="0">
+            <a:noAutofit/>
+          </a:bodyPr>
+          <a:lstStyle/>
+          <a:p>
+            <a:pPr algn="ctr"/>
+            <a:r>
+              <a:rPr lang="en-US" sz="1100" dirty="0">
+                <a:solidFill>
+                  <a:srgbClr val="7030A0"/>
+                </a:solidFill>
+              </a:rPr>
+              <a:t>1</a:t>
+            </a:r>
+            <a:endParaRPr lang="en-SG" sz="1100" dirty="0">
+              <a:solidFill>
+                <a:srgbClr val="7030A0"/>
+              </a:solidFill>
+            </a:endParaRPr>
+          </a:p>
+        </p:txBody>
+      </p:sp>
+      <p:sp>
+        <p:nvSpPr>
+          <p:cNvPr id="96" name="TextBox 95">
+            <a:extLst>
+              <a:ext uri="{FF2B5EF4-FFF2-40B4-BE49-F238E27FC236}">
+                <a16:creationId xmlns:a16="http://schemas.microsoft.com/office/drawing/2014/main" id="{4C638C9C-DC93-4F3F-9C3B-86FC32804BAA}"/>
+              </a:ext>
+            </a:extLst>
+          </p:cNvPr>
+          <p:cNvSpPr txBox="1"/>
+          <p:nvPr/>
+        </p:nvSpPr>
+        <p:spPr>
+          <a:xfrm>
+            <a:off x="4577258" y="2508495"/>
+            <a:ext cx="189257" cy="178683"/>
+          </a:xfrm>
+          <a:prstGeom prst="rect">
+            <a:avLst/>
+          </a:prstGeom>
+          <a:noFill/>
+        </p:spPr>
+        <p:txBody>
+          <a:bodyPr wrap="square" lIns="0" tIns="0" rIns="0" bIns="0" rtlCol="0">
+            <a:noAutofit/>
+          </a:bodyPr>
+          <a:lstStyle/>
+          <a:p>
+            <a:pPr algn="ctr"/>
+            <a:r>
+              <a:rPr lang="en-US" sz="1100" dirty="0">
+                <a:solidFill>
+                  <a:srgbClr val="7030A0"/>
+                </a:solidFill>
+              </a:rPr>
+              <a:t>1</a:t>
+            </a:r>
+            <a:endParaRPr lang="en-SG" sz="1100" dirty="0">
+              <a:solidFill>
+                <a:srgbClr val="7030A0"/>
+              </a:solidFill>
+            </a:endParaRPr>
+          </a:p>
+        </p:txBody>
+      </p:sp>
+      <p:sp>
+        <p:nvSpPr>
+          <p:cNvPr id="81" name="Rectangle 8">
+            <a:extLst>
+              <a:ext uri="{FF2B5EF4-FFF2-40B4-BE49-F238E27FC236}">
+                <a16:creationId xmlns:a16="http://schemas.microsoft.com/office/drawing/2014/main" id="{7A38C179-FD0A-4AFF-9DAD-D2B114E689D6}"/>
+              </a:ext>
+            </a:extLst>
+          </p:cNvPr>
+          <p:cNvSpPr/>
+          <p:nvPr/>
+        </p:nvSpPr>
+        <p:spPr>
+          <a:xfrm>
+            <a:off x="2680736" y="2705120"/>
+            <a:ext cx="1099150" cy="377140"/>
+          </a:xfrm>
+          <a:prstGeom prst="rect">
+            <a:avLst/>
+          </a:prstGeom>
+          <a:ln w="19050">
+            <a:solidFill>
+              <a:srgbClr val="7030A0"/>
+            </a:solidFill>
+          </a:ln>
+          <a:effectLst/>
+        </p:spPr>
+        <p:style>
+          <a:lnRef idx="1">
+            <a:schemeClr val="accent4"/>
+          </a:lnRef>
+          <a:fillRef idx="2">
+            <a:schemeClr val="accent4"/>
+          </a:fillRef>
+          <a:effectRef idx="1">
+            <a:schemeClr val="accent4"/>
+          </a:effectRef>
+          <a:fontRef idx="minor">
+            <a:schemeClr val="dk1"/>
+          </a:fontRef>
+        </p:style>
+        <p:txBody>
+          <a:bodyPr rtlCol="0" anchor="ctr"/>
+          <a:lstStyle/>
+          <a:p>
+            <a:pPr algn="ctr"/>
+            <a:r>
+              <a:rPr lang="en-US" sz="1050" dirty="0">
+                <a:solidFill>
+                  <a:srgbClr val="7030A0"/>
+                </a:solidFill>
+              </a:rPr>
+              <a:t>{abstract}</a:t>
+            </a:r>
+            <a:br>
+              <a:rPr lang="en-US" sz="1050" dirty="0">
+                <a:solidFill>
+                  <a:srgbClr val="7030A0"/>
+                </a:solidFill>
+              </a:rPr>
+            </a:br>
+            <a:r>
+              <a:rPr lang="en-US" sz="1050" dirty="0" err="1">
+                <a:solidFill>
+                  <a:srgbClr val="7030A0"/>
+                </a:solidFill>
+              </a:rPr>
+              <a:t>EntryList</a:t>
+            </a:r>
+            <a:endParaRPr lang="en-SG" sz="1050" dirty="0">
+              <a:solidFill>
+                <a:srgbClr val="7030A0"/>
+              </a:solidFill>
+            </a:endParaRPr>
+          </a:p>
+        </p:txBody>
+      </p:sp>
+      <p:sp>
+        <p:nvSpPr>
+          <p:cNvPr id="83" name="TextBox 82">
+            <a:extLst>
+              <a:ext uri="{FF2B5EF4-FFF2-40B4-BE49-F238E27FC236}">
+                <a16:creationId xmlns:a16="http://schemas.microsoft.com/office/drawing/2014/main" id="{B0746313-7EAE-4FD7-BA26-B0CF426E0CE1}"/>
+              </a:ext>
+            </a:extLst>
+          </p:cNvPr>
+          <p:cNvSpPr txBox="1"/>
+          <p:nvPr/>
+        </p:nvSpPr>
+        <p:spPr>
+          <a:xfrm>
+            <a:off x="2631129" y="4546398"/>
+            <a:ext cx="189257" cy="178683"/>
+          </a:xfrm>
+          <a:prstGeom prst="rect">
+            <a:avLst/>
+          </a:prstGeom>
+          <a:noFill/>
+        </p:spPr>
+        <p:txBody>
+          <a:bodyPr wrap="square" lIns="0" tIns="0" rIns="0" bIns="0" rtlCol="0">
+            <a:noAutofit/>
+          </a:bodyPr>
+          <a:lstStyle/>
+          <a:p>
+            <a:pPr algn="ctr"/>
+            <a:r>
+              <a:rPr lang="en-SG" sz="1100" dirty="0">
+                <a:solidFill>
+                  <a:srgbClr val="7030A0"/>
+                </a:solidFill>
+              </a:rPr>
+              <a:t>3</a:t>
+            </a:r>
+          </a:p>
+        </p:txBody>
+      </p:sp>
+      <p:cxnSp>
+        <p:nvCxnSpPr>
+          <p:cNvPr id="113" name="Elbow Connector 63">
+            <a:extLst>
+              <a:ext uri="{FF2B5EF4-FFF2-40B4-BE49-F238E27FC236}">
+                <a16:creationId xmlns:a16="http://schemas.microsoft.com/office/drawing/2014/main" id="{A1485418-2743-47D1-BC42-2E0545F2FBE5}"/>
+              </a:ext>
+            </a:extLst>
+          </p:cNvPr>
+          <p:cNvCxnSpPr>
+            <a:cxnSpLocks/>
+            <a:endCxn id="49" idx="1"/>
+          </p:cNvCxnSpPr>
+          <p:nvPr/>
+        </p:nvCxnSpPr>
+        <p:spPr>
+          <a:xfrm flipV="1">
+            <a:off x="3978565" y="1584848"/>
+            <a:ext cx="851097" cy="1293605"/>
+          </a:xfrm>
+          <a:prstGeom prst="bentConnector3">
+            <a:avLst>
+              <a:gd name="adj1" fmla="val 50000"/>
+            </a:avLst>
+          </a:prstGeom>
+          <a:ln w="19050">
+            <a:solidFill>
+              <a:srgbClr val="7030A0"/>
+            </a:solidFill>
+            <a:prstDash val="solid"/>
+            <a:headEnd type="none" w="med" len="med"/>
+            <a:tailEnd type="none" w="med" len="med"/>
+          </a:ln>
+          <a:effectLst/>
+        </p:spPr>
+        <p:style>
+          <a:lnRef idx="1">
+            <a:schemeClr val="accent2"/>
+          </a:lnRef>
+          <a:fillRef idx="2">
+            <a:schemeClr val="accent2"/>
+          </a:fillRef>
+          <a:effectRef idx="1">
+            <a:schemeClr val="accent2"/>
+          </a:effectRef>
+          <a:fontRef idx="minor">
+            <a:schemeClr val="dk1"/>
+          </a:fontRef>
+        </p:style>
+      </p:cxnSp>
+      <p:cxnSp>
+        <p:nvCxnSpPr>
+          <p:cNvPr id="136" name="Elbow Connector 63">
+            <a:extLst>
+              <a:ext uri="{FF2B5EF4-FFF2-40B4-BE49-F238E27FC236}">
+                <a16:creationId xmlns:a16="http://schemas.microsoft.com/office/drawing/2014/main" id="{E1328738-EFAE-49FD-A3F1-1DB3F8A12A40}"/>
+              </a:ext>
+            </a:extLst>
+          </p:cNvPr>
+          <p:cNvCxnSpPr>
+            <a:cxnSpLocks/>
+            <a:endCxn id="84" idx="1"/>
+          </p:cNvCxnSpPr>
+          <p:nvPr/>
+        </p:nvCxnSpPr>
+        <p:spPr>
+          <a:xfrm flipV="1">
+            <a:off x="3978565" y="2164155"/>
+            <a:ext cx="846863" cy="714298"/>
+          </a:xfrm>
+          <a:prstGeom prst="bentConnector3">
+            <a:avLst>
+              <a:gd name="adj1" fmla="val 50000"/>
+            </a:avLst>
+          </a:prstGeom>
+          <a:ln w="19050">
+            <a:solidFill>
+              <a:srgbClr val="7030A0"/>
+            </a:solidFill>
+            <a:prstDash val="solid"/>
+            <a:headEnd type="none" w="med" len="med"/>
+            <a:tailEnd type="none" w="med" len="med"/>
+          </a:ln>
+          <a:effectLst/>
+        </p:spPr>
+        <p:style>
+          <a:lnRef idx="1">
+            <a:schemeClr val="accent2"/>
+          </a:lnRef>
+          <a:fillRef idx="2">
+            <a:schemeClr val="accent2"/>
+          </a:fillRef>
+          <a:effectRef idx="1">
+            <a:schemeClr val="accent2"/>
+          </a:effectRef>
+          <a:fontRef idx="minor">
+            <a:schemeClr val="dk1"/>
+          </a:fontRef>
+        </p:style>
+      </p:cxnSp>
+      <p:cxnSp>
+        <p:nvCxnSpPr>
+          <p:cNvPr id="141" name="Elbow Connector 63">
+            <a:extLst>
+              <a:ext uri="{FF2B5EF4-FFF2-40B4-BE49-F238E27FC236}">
+                <a16:creationId xmlns:a16="http://schemas.microsoft.com/office/drawing/2014/main" id="{4B86615C-E534-4DC6-9AD1-FC396A0A1ADB}"/>
+              </a:ext>
+            </a:extLst>
+          </p:cNvPr>
+          <p:cNvCxnSpPr>
+            <a:cxnSpLocks/>
+          </p:cNvCxnSpPr>
+          <p:nvPr/>
+        </p:nvCxnSpPr>
+        <p:spPr>
+          <a:xfrm>
+            <a:off x="3978565" y="2878453"/>
+            <a:ext cx="851097" cy="1177"/>
+          </a:xfrm>
+          <a:prstGeom prst="bentConnector3">
+            <a:avLst>
+              <a:gd name="adj1" fmla="val 50000"/>
+            </a:avLst>
+          </a:prstGeom>
+          <a:ln w="19050">
+            <a:solidFill>
+              <a:srgbClr val="7030A0"/>
+            </a:solidFill>
+            <a:prstDash val="solid"/>
+            <a:headEnd type="none" w="med" len="med"/>
+            <a:tailEnd type="none" w="med" len="med"/>
+          </a:ln>
+          <a:effectLst/>
+        </p:spPr>
+        <p:style>
+          <a:lnRef idx="1">
+            <a:schemeClr val="accent2"/>
+          </a:lnRef>
+          <a:fillRef idx="2">
+            <a:schemeClr val="accent2"/>
+          </a:fillRef>
+          <a:effectRef idx="1">
+            <a:schemeClr val="accent2"/>
+          </a:effectRef>
+          <a:fontRef idx="minor">
+            <a:schemeClr val="dk1"/>
+          </a:fontRef>
+        </p:style>
+      </p:cxnSp>
+      <p:sp>
+        <p:nvSpPr>
+          <p:cNvPr id="101" name="Rectangle 8">
+            <a:extLst>
+              <a:ext uri="{FF2B5EF4-FFF2-40B4-BE49-F238E27FC236}">
+                <a16:creationId xmlns:a16="http://schemas.microsoft.com/office/drawing/2014/main" id="{3A8DF1E8-19BD-4490-BC77-A609B6FD5639}"/>
+              </a:ext>
+            </a:extLst>
+          </p:cNvPr>
+          <p:cNvSpPr/>
+          <p:nvPr/>
+        </p:nvSpPr>
+        <p:spPr>
+          <a:xfrm>
+            <a:off x="4827831" y="3051836"/>
+            <a:ext cx="1156969" cy="476049"/>
+          </a:xfrm>
+          <a:prstGeom prst="rect">
+            <a:avLst/>
+          </a:prstGeom>
+          <a:ln w="19050">
+            <a:solidFill>
+              <a:srgbClr val="7030A0"/>
+            </a:solidFill>
+          </a:ln>
+          <a:effectLst/>
+        </p:spPr>
+        <p:style>
+          <a:lnRef idx="1">
+            <a:schemeClr val="accent4"/>
+          </a:lnRef>
+          <a:fillRef idx="2">
+            <a:schemeClr val="accent4"/>
+          </a:fillRef>
+          <a:effectRef idx="1">
+            <a:schemeClr val="accent4"/>
+          </a:effectRef>
+          <a:fontRef idx="minor">
+            <a:schemeClr val="dk1"/>
+          </a:fontRef>
+        </p:style>
+        <p:txBody>
+          <a:bodyPr rtlCol="0" anchor="ctr"/>
+          <a:lstStyle/>
+          <a:p>
+            <a:pPr algn="ctr"/>
+            <a:r>
+              <a:rPr lang="en-SG" sz="1050" dirty="0" err="1">
+                <a:solidFill>
+                  <a:srgbClr val="7030A0"/>
+                </a:solidFill>
+              </a:rPr>
+              <a:t>EventList</a:t>
+            </a:r>
+            <a:endParaRPr lang="en-SG" sz="1050" dirty="0">
+              <a:solidFill>
+                <a:srgbClr val="7030A0"/>
+              </a:solidFill>
+            </a:endParaRPr>
+          </a:p>
+        </p:txBody>
+      </p:sp>
+      <p:sp>
+        <p:nvSpPr>
+          <p:cNvPr id="102" name="Rectangle 8">
+            <a:extLst>
+              <a:ext uri="{FF2B5EF4-FFF2-40B4-BE49-F238E27FC236}">
+                <a16:creationId xmlns:a16="http://schemas.microsoft.com/office/drawing/2014/main" id="{4A845856-BC9D-446D-B86B-5856280A727B}"/>
+              </a:ext>
+            </a:extLst>
+          </p:cNvPr>
+          <p:cNvSpPr/>
+          <p:nvPr/>
+        </p:nvSpPr>
+        <p:spPr>
+          <a:xfrm>
+            <a:off x="4836905" y="3613003"/>
+            <a:ext cx="1156969" cy="476049"/>
+          </a:xfrm>
+          <a:prstGeom prst="rect">
+            <a:avLst/>
+          </a:prstGeom>
+          <a:ln w="19050">
+            <a:solidFill>
+              <a:srgbClr val="7030A0"/>
+            </a:solidFill>
+          </a:ln>
+          <a:effectLst/>
+        </p:spPr>
+        <p:style>
+          <a:lnRef idx="1">
+            <a:schemeClr val="accent4"/>
+          </a:lnRef>
+          <a:fillRef idx="2">
+            <a:schemeClr val="accent4"/>
+          </a:fillRef>
+          <a:effectRef idx="1">
+            <a:schemeClr val="accent4"/>
+          </a:effectRef>
+          <a:fontRef idx="minor">
+            <a:schemeClr val="dk1"/>
+          </a:fontRef>
+        </p:style>
+        <p:txBody>
+          <a:bodyPr rtlCol="0" anchor="ctr"/>
+          <a:lstStyle/>
+          <a:p>
+            <a:pPr algn="ctr"/>
+            <a:r>
+              <a:rPr lang="en-SG" sz="1050" dirty="0" err="1">
+                <a:solidFill>
+                  <a:srgbClr val="7030A0"/>
+                </a:solidFill>
+              </a:rPr>
+              <a:t>DeadlineList</a:t>
+            </a:r>
+            <a:endParaRPr lang="en-SG" sz="1050" dirty="0">
+              <a:solidFill>
+                <a:srgbClr val="7030A0"/>
+              </a:solidFill>
+            </a:endParaRPr>
+          </a:p>
+        </p:txBody>
+      </p:sp>
+      <p:sp>
+        <p:nvSpPr>
+          <p:cNvPr id="103" name="Rectangle 8">
+            <a:extLst>
+              <a:ext uri="{FF2B5EF4-FFF2-40B4-BE49-F238E27FC236}">
+                <a16:creationId xmlns:a16="http://schemas.microsoft.com/office/drawing/2014/main" id="{4A8F1CE5-EF77-4895-9413-B5BFC4CC6FF0}"/>
+              </a:ext>
+            </a:extLst>
+          </p:cNvPr>
+          <p:cNvSpPr/>
+          <p:nvPr/>
+        </p:nvSpPr>
+        <p:spPr>
+          <a:xfrm>
+            <a:off x="4836905" y="4176008"/>
+            <a:ext cx="1156969" cy="476049"/>
+          </a:xfrm>
+          <a:prstGeom prst="rect">
+            <a:avLst/>
+          </a:prstGeom>
+          <a:ln w="19050">
+            <a:solidFill>
+              <a:srgbClr val="7030A0"/>
+            </a:solidFill>
+          </a:ln>
+          <a:effectLst/>
+        </p:spPr>
+        <p:style>
+          <a:lnRef idx="1">
+            <a:schemeClr val="accent4"/>
+          </a:lnRef>
+          <a:fillRef idx="2">
+            <a:schemeClr val="accent4"/>
+          </a:fillRef>
+          <a:effectRef idx="1">
+            <a:schemeClr val="accent4"/>
+          </a:effectRef>
+          <a:fontRef idx="minor">
+            <a:schemeClr val="dk1"/>
+          </a:fontRef>
+        </p:style>
+        <p:txBody>
+          <a:bodyPr rtlCol="0" anchor="ctr"/>
+          <a:lstStyle/>
+          <a:p>
+            <a:pPr algn="ctr"/>
+            <a:r>
+              <a:rPr lang="en-SG" sz="1050" dirty="0" err="1">
+                <a:solidFill>
+                  <a:srgbClr val="7030A0"/>
+                </a:solidFill>
+              </a:rPr>
+              <a:t>FloatingTaskList</a:t>
+            </a:r>
+            <a:endParaRPr lang="en-SG" sz="1050" dirty="0">
+              <a:solidFill>
+                <a:srgbClr val="7030A0"/>
+              </a:solidFill>
+            </a:endParaRPr>
+          </a:p>
+        </p:txBody>
+      </p:sp>
+      <p:cxnSp>
+        <p:nvCxnSpPr>
+          <p:cNvPr id="106" name="Elbow Connector 29">
+            <a:extLst>
+              <a:ext uri="{FF2B5EF4-FFF2-40B4-BE49-F238E27FC236}">
+                <a16:creationId xmlns:a16="http://schemas.microsoft.com/office/drawing/2014/main" id="{014CD831-8474-45B5-A953-0E87A8D1BFCA}"/>
+              </a:ext>
+            </a:extLst>
+          </p:cNvPr>
+          <p:cNvCxnSpPr>
+            <a:cxnSpLocks/>
+            <a:stCxn id="51" idx="3"/>
+            <a:endCxn id="103" idx="1"/>
+          </p:cNvCxnSpPr>
+          <p:nvPr/>
+        </p:nvCxnSpPr>
+        <p:spPr>
+          <a:xfrm>
+            <a:off x="4153221" y="1776472"/>
+            <a:ext cx="683684" cy="2637561"/>
+          </a:xfrm>
+          <a:prstGeom prst="bentConnector3">
+            <a:avLst>
+              <a:gd name="adj1" fmla="val 50000"/>
+            </a:avLst>
+          </a:prstGeom>
+          <a:ln w="19050">
+            <a:solidFill>
+              <a:srgbClr val="7030A0"/>
+            </a:solidFill>
+            <a:headEnd type="none" w="med" len="med"/>
+            <a:tailEnd type="arrow" w="med" len="med"/>
+          </a:ln>
+          <a:effectLst/>
+        </p:spPr>
+        <p:style>
+          <a:lnRef idx="1">
+            <a:schemeClr val="accent2"/>
+          </a:lnRef>
+          <a:fillRef idx="2">
+            <a:schemeClr val="accent2"/>
+          </a:fillRef>
+          <a:effectRef idx="1">
+            <a:schemeClr val="accent2"/>
+          </a:effectRef>
+          <a:fontRef idx="minor">
+            <a:schemeClr val="dk1"/>
+          </a:fontRef>
+        </p:style>
+      </p:cxnSp>
+      <p:cxnSp>
+        <p:nvCxnSpPr>
+          <p:cNvPr id="108" name="Elbow Connector 29">
+            <a:extLst>
+              <a:ext uri="{FF2B5EF4-FFF2-40B4-BE49-F238E27FC236}">
+                <a16:creationId xmlns:a16="http://schemas.microsoft.com/office/drawing/2014/main" id="{FF0147D8-05B1-43A2-91FD-96D842923B11}"/>
+              </a:ext>
+            </a:extLst>
+          </p:cNvPr>
+          <p:cNvCxnSpPr>
+            <a:cxnSpLocks/>
+            <a:stCxn id="51" idx="3"/>
+            <a:endCxn id="102" idx="1"/>
+          </p:cNvCxnSpPr>
+          <p:nvPr/>
+        </p:nvCxnSpPr>
+        <p:spPr>
+          <a:xfrm>
+            <a:off x="4153221" y="1776472"/>
+            <a:ext cx="683684" cy="2074556"/>
+          </a:xfrm>
+          <a:prstGeom prst="bentConnector3">
+            <a:avLst>
+              <a:gd name="adj1" fmla="val 50000"/>
+            </a:avLst>
+          </a:prstGeom>
+          <a:ln w="19050">
+            <a:solidFill>
+              <a:srgbClr val="7030A0"/>
+            </a:solidFill>
+            <a:headEnd type="none" w="med" len="med"/>
+            <a:tailEnd type="arrow" w="med" len="med"/>
+          </a:ln>
+          <a:effectLst/>
+        </p:spPr>
+        <p:style>
+          <a:lnRef idx="1">
+            <a:schemeClr val="accent2"/>
+          </a:lnRef>
+          <a:fillRef idx="2">
+            <a:schemeClr val="accent2"/>
+          </a:fillRef>
+          <a:effectRef idx="1">
+            <a:schemeClr val="accent2"/>
+          </a:effectRef>
+          <a:fontRef idx="minor">
+            <a:schemeClr val="dk1"/>
+          </a:fontRef>
+        </p:style>
+      </p:cxnSp>
+      <p:cxnSp>
+        <p:nvCxnSpPr>
+          <p:cNvPr id="109" name="Elbow Connector 29">
+            <a:extLst>
+              <a:ext uri="{FF2B5EF4-FFF2-40B4-BE49-F238E27FC236}">
+                <a16:creationId xmlns:a16="http://schemas.microsoft.com/office/drawing/2014/main" id="{8D0A22F4-57A2-4BAC-8BD2-4A1F476185C4}"/>
+              </a:ext>
+            </a:extLst>
+          </p:cNvPr>
+          <p:cNvCxnSpPr>
+            <a:cxnSpLocks/>
+            <a:stCxn id="51" idx="3"/>
+            <a:endCxn id="101" idx="1"/>
+          </p:cNvCxnSpPr>
+          <p:nvPr/>
+        </p:nvCxnSpPr>
+        <p:spPr>
+          <a:xfrm>
+            <a:off x="4153221" y="1776472"/>
+            <a:ext cx="674610" cy="1513389"/>
+          </a:xfrm>
+          <a:prstGeom prst="bentConnector3">
+            <a:avLst>
+              <a:gd name="adj1" fmla="val 50000"/>
+            </a:avLst>
+          </a:prstGeom>
+          <a:ln w="19050">
+            <a:solidFill>
+              <a:srgbClr val="7030A0"/>
+            </a:solidFill>
+            <a:headEnd type="none" w="med" len="med"/>
+            <a:tailEnd type="arrow" w="med" len="med"/>
+          </a:ln>
+          <a:effectLst/>
+        </p:spPr>
+        <p:style>
+          <a:lnRef idx="1">
+            <a:schemeClr val="accent2"/>
+          </a:lnRef>
+          <a:fillRef idx="2">
+            <a:schemeClr val="accent2"/>
+          </a:fillRef>
+          <a:effectRef idx="1">
+            <a:schemeClr val="accent2"/>
+          </a:effectRef>
+          <a:fontRef idx="minor">
+            <a:schemeClr val="dk1"/>
+          </a:fontRef>
+        </p:style>
+      </p:cxnSp>
+      <p:sp>
+        <p:nvSpPr>
+          <p:cNvPr id="110" name="TextBox 109">
+            <a:extLst>
+              <a:ext uri="{FF2B5EF4-FFF2-40B4-BE49-F238E27FC236}">
+                <a16:creationId xmlns:a16="http://schemas.microsoft.com/office/drawing/2014/main" id="{14E0032F-C669-4A6F-B13A-1CD078CFD018}"/>
+              </a:ext>
+            </a:extLst>
+          </p:cNvPr>
+          <p:cNvSpPr txBox="1"/>
+          <p:nvPr/>
+        </p:nvSpPr>
+        <p:spPr>
+          <a:xfrm>
+            <a:off x="4582923" y="3052301"/>
+            <a:ext cx="189257" cy="178683"/>
+          </a:xfrm>
+          <a:prstGeom prst="rect">
+            <a:avLst/>
+          </a:prstGeom>
+          <a:noFill/>
+        </p:spPr>
+        <p:txBody>
+          <a:bodyPr wrap="square" lIns="0" tIns="0" rIns="0" bIns="0" rtlCol="0">
+            <a:noAutofit/>
+          </a:bodyPr>
+          <a:lstStyle/>
+          <a:p>
+            <a:pPr algn="ctr"/>
+            <a:r>
+              <a:rPr lang="en-US" sz="1100" dirty="0">
+                <a:solidFill>
+                  <a:srgbClr val="7030A0"/>
+                </a:solidFill>
+              </a:rPr>
+              <a:t>1</a:t>
+            </a:r>
+            <a:endParaRPr lang="en-SG" sz="1100" dirty="0">
+              <a:solidFill>
+                <a:srgbClr val="7030A0"/>
+              </a:solidFill>
+            </a:endParaRPr>
+          </a:p>
+        </p:txBody>
+      </p:sp>
+      <p:sp>
+        <p:nvSpPr>
+          <p:cNvPr id="116" name="TextBox 115">
+            <a:extLst>
+              <a:ext uri="{FF2B5EF4-FFF2-40B4-BE49-F238E27FC236}">
+                <a16:creationId xmlns:a16="http://schemas.microsoft.com/office/drawing/2014/main" id="{9D6D18B1-494C-430F-B3B3-D7939FAC6C97}"/>
+              </a:ext>
+            </a:extLst>
+          </p:cNvPr>
+          <p:cNvSpPr txBox="1"/>
+          <p:nvPr/>
+        </p:nvSpPr>
+        <p:spPr>
+          <a:xfrm>
+            <a:off x="4582923" y="3622626"/>
+            <a:ext cx="189257" cy="178683"/>
+          </a:xfrm>
+          <a:prstGeom prst="rect">
+            <a:avLst/>
+          </a:prstGeom>
+          <a:noFill/>
+        </p:spPr>
+        <p:txBody>
+          <a:bodyPr wrap="square" lIns="0" tIns="0" rIns="0" bIns="0" rtlCol="0">
+            <a:noAutofit/>
+          </a:bodyPr>
+          <a:lstStyle/>
+          <a:p>
+            <a:pPr algn="ctr"/>
+            <a:r>
+              <a:rPr lang="en-US" sz="1100" dirty="0">
+                <a:solidFill>
+                  <a:srgbClr val="7030A0"/>
+                </a:solidFill>
+              </a:rPr>
+              <a:t>1</a:t>
+            </a:r>
+            <a:endParaRPr lang="en-SG" sz="1100" dirty="0">
+              <a:solidFill>
+                <a:srgbClr val="7030A0"/>
+              </a:solidFill>
+            </a:endParaRPr>
+          </a:p>
+        </p:txBody>
+      </p:sp>
+      <p:sp>
+        <p:nvSpPr>
+          <p:cNvPr id="121" name="TextBox 120">
+            <a:extLst>
+              <a:ext uri="{FF2B5EF4-FFF2-40B4-BE49-F238E27FC236}">
+                <a16:creationId xmlns:a16="http://schemas.microsoft.com/office/drawing/2014/main" id="{1205EF0B-72A3-4D39-8DFB-C0D4112A9F87}"/>
+              </a:ext>
+            </a:extLst>
+          </p:cNvPr>
+          <p:cNvSpPr txBox="1"/>
+          <p:nvPr/>
+        </p:nvSpPr>
+        <p:spPr>
+          <a:xfrm>
+            <a:off x="4575940" y="4188282"/>
+            <a:ext cx="189257" cy="178683"/>
+          </a:xfrm>
+          <a:prstGeom prst="rect">
+            <a:avLst/>
+          </a:prstGeom>
+          <a:noFill/>
+        </p:spPr>
+        <p:txBody>
+          <a:bodyPr wrap="square" lIns="0" tIns="0" rIns="0" bIns="0" rtlCol="0">
+            <a:noAutofit/>
+          </a:bodyPr>
+          <a:lstStyle/>
+          <a:p>
+            <a:pPr algn="ctr"/>
+            <a:r>
+              <a:rPr lang="en-US" sz="1100" dirty="0">
+                <a:solidFill>
+                  <a:srgbClr val="7030A0"/>
+                </a:solidFill>
+              </a:rPr>
+              <a:t>1</a:t>
+            </a:r>
+            <a:endParaRPr lang="en-SG" sz="1100" dirty="0">
+              <a:solidFill>
+                <a:srgbClr val="7030A0"/>
+              </a:solidFill>
+            </a:endParaRPr>
+          </a:p>
+        </p:txBody>
+      </p:sp>
+      <p:cxnSp>
+        <p:nvCxnSpPr>
+          <p:cNvPr id="125" name="Elbow Connector 63">
+            <a:extLst>
+              <a:ext uri="{FF2B5EF4-FFF2-40B4-BE49-F238E27FC236}">
+                <a16:creationId xmlns:a16="http://schemas.microsoft.com/office/drawing/2014/main" id="{E4272A99-3839-46E7-A606-42180039EDED}"/>
+              </a:ext>
+            </a:extLst>
+          </p:cNvPr>
+          <p:cNvCxnSpPr>
+            <a:cxnSpLocks/>
+          </p:cNvCxnSpPr>
+          <p:nvPr/>
+        </p:nvCxnSpPr>
+        <p:spPr>
+          <a:xfrm>
+            <a:off x="3963174" y="2876211"/>
+            <a:ext cx="851999" cy="535858"/>
+          </a:xfrm>
+          <a:prstGeom prst="bentConnector3">
+            <a:avLst>
+              <a:gd name="adj1" fmla="val 50000"/>
+            </a:avLst>
+          </a:prstGeom>
+          <a:ln w="19050">
+            <a:solidFill>
+              <a:srgbClr val="7030A0"/>
+            </a:solidFill>
+            <a:prstDash val="solid"/>
+            <a:headEnd type="none" w="med" len="med"/>
+            <a:tailEnd type="none" w="med" len="med"/>
+          </a:ln>
+          <a:effectLst/>
+        </p:spPr>
+        <p:style>
+          <a:lnRef idx="1">
+            <a:schemeClr val="accent2"/>
+          </a:lnRef>
+          <a:fillRef idx="2">
+            <a:schemeClr val="accent2"/>
+          </a:fillRef>
+          <a:effectRef idx="1">
+            <a:schemeClr val="accent2"/>
+          </a:effectRef>
+          <a:fontRef idx="minor">
+            <a:schemeClr val="dk1"/>
+          </a:fontRef>
+        </p:style>
+      </p:cxnSp>
+      <p:cxnSp>
+        <p:nvCxnSpPr>
+          <p:cNvPr id="52" name="Straight Connector 51">
+            <a:extLst>
+              <a:ext uri="{FF2B5EF4-FFF2-40B4-BE49-F238E27FC236}">
+                <a16:creationId xmlns:a16="http://schemas.microsoft.com/office/drawing/2014/main" id="{E99ABE5B-53C6-4ADC-9AD8-A13C15A79EAF}"/>
+              </a:ext>
+            </a:extLst>
+          </p:cNvPr>
+          <p:cNvCxnSpPr/>
+          <p:nvPr/>
+        </p:nvCxnSpPr>
+        <p:spPr>
+          <a:xfrm flipV="1">
+            <a:off x="4396869" y="3407135"/>
+            <a:ext cx="0" cy="1132948"/>
+          </a:xfrm>
+          <a:prstGeom prst="line">
+            <a:avLst/>
+          </a:prstGeom>
+          <a:ln w="19050">
+            <a:solidFill>
+              <a:srgbClr val="7030A0"/>
+            </a:solidFill>
+            <a:prstDash val="solid"/>
+          </a:ln>
+        </p:spPr>
+        <p:style>
+          <a:lnRef idx="1">
+            <a:schemeClr val="accent4"/>
+          </a:lnRef>
+          <a:fillRef idx="0">
+            <a:schemeClr val="accent4"/>
+          </a:fillRef>
+          <a:effectRef idx="0">
+            <a:schemeClr val="accent4"/>
+          </a:effectRef>
+          <a:fontRef idx="minor">
+            <a:schemeClr val="tx1"/>
+          </a:fontRef>
+        </p:style>
+      </p:cxnSp>
+      <p:cxnSp>
+        <p:nvCxnSpPr>
+          <p:cNvPr id="256" name="Straight Connector 255">
+            <a:extLst>
+              <a:ext uri="{FF2B5EF4-FFF2-40B4-BE49-F238E27FC236}">
+                <a16:creationId xmlns:a16="http://schemas.microsoft.com/office/drawing/2014/main" id="{29481D18-FD61-4A55-AA7D-D55C57559D1E}"/>
+              </a:ext>
+            </a:extLst>
+          </p:cNvPr>
+          <p:cNvCxnSpPr/>
+          <p:nvPr/>
+        </p:nvCxnSpPr>
+        <p:spPr>
+          <a:xfrm>
+            <a:off x="4404113" y="4546398"/>
+            <a:ext cx="420134" cy="0"/>
+          </a:xfrm>
+          <a:prstGeom prst="line">
+            <a:avLst/>
+          </a:prstGeom>
+          <a:ln w="19050">
+            <a:solidFill>
+              <a:srgbClr val="7030A0"/>
+            </a:solidFill>
+            <a:prstDash val="solid"/>
+          </a:ln>
+        </p:spPr>
+        <p:style>
+          <a:lnRef idx="1">
+            <a:schemeClr val="accent4"/>
+          </a:lnRef>
+          <a:fillRef idx="0">
+            <a:schemeClr val="accent4"/>
+          </a:fillRef>
+          <a:effectRef idx="0">
+            <a:schemeClr val="accent4"/>
+          </a:effectRef>
+          <a:fontRef idx="minor">
+            <a:schemeClr val="tx1"/>
+          </a:fontRef>
+        </p:style>
+      </p:cxnSp>
+      <p:cxnSp>
+        <p:nvCxnSpPr>
+          <p:cNvPr id="258" name="Straight Connector 257">
+            <a:extLst>
+              <a:ext uri="{FF2B5EF4-FFF2-40B4-BE49-F238E27FC236}">
+                <a16:creationId xmlns:a16="http://schemas.microsoft.com/office/drawing/2014/main" id="{EC8CDC89-73CE-4B95-9EDB-70BA66D3B451}"/>
+              </a:ext>
+            </a:extLst>
+          </p:cNvPr>
+          <p:cNvCxnSpPr/>
+          <p:nvPr/>
+        </p:nvCxnSpPr>
+        <p:spPr>
+          <a:xfrm>
+            <a:off x="4396869" y="3962400"/>
+            <a:ext cx="427378" cy="0"/>
+          </a:xfrm>
+          <a:prstGeom prst="line">
+            <a:avLst/>
+          </a:prstGeom>
+          <a:ln w="19050">
+            <a:solidFill>
+              <a:srgbClr val="7030A0"/>
+            </a:solidFill>
+            <a:prstDash val="solid"/>
+          </a:ln>
+        </p:spPr>
+        <p:style>
+          <a:lnRef idx="1">
+            <a:schemeClr val="accent4"/>
+          </a:lnRef>
+          <a:fillRef idx="0">
+            <a:schemeClr val="accent4"/>
+          </a:fillRef>
+          <a:effectRef idx="0">
+            <a:schemeClr val="accent4"/>
+          </a:effectRef>
+          <a:fontRef idx="minor">
+            <a:schemeClr val="tx1"/>
+          </a:fontRef>
+        </p:style>
+      </p:cxnSp>
+      <p:sp>
+        <p:nvSpPr>
+          <p:cNvPr id="127" name="Flowchart: Decision 96">
+            <a:extLst>
+              <a:ext uri="{FF2B5EF4-FFF2-40B4-BE49-F238E27FC236}">
+                <a16:creationId xmlns:a16="http://schemas.microsoft.com/office/drawing/2014/main" id="{D2B8E737-BBB7-4B8C-BDF8-2EF7A3E1DE44}"/>
+              </a:ext>
+            </a:extLst>
+          </p:cNvPr>
+          <p:cNvSpPr/>
+          <p:nvPr/>
+        </p:nvSpPr>
+        <p:spPr>
+          <a:xfrm>
+            <a:off x="6011342" y="4334585"/>
+            <a:ext cx="236048" cy="173380"/>
+          </a:xfrm>
+          <a:prstGeom prst="flowChartDecision">
+            <a:avLst/>
+          </a:prstGeom>
+          <a:noFill/>
+          <a:ln w="19050">
+            <a:solidFill>
+              <a:srgbClr val="7030A0"/>
+            </a:solidFill>
+          </a:ln>
+          <a:effectLst/>
+        </p:spPr>
+        <p:style>
+          <a:lnRef idx="1">
+            <a:schemeClr val="accent6"/>
+          </a:lnRef>
+          <a:fillRef idx="2">
+            <a:schemeClr val="accent6"/>
+          </a:fillRef>
+          <a:effectRef idx="1">
+            <a:schemeClr val="accent6"/>
+          </a:effectRef>
+          <a:fontRef idx="minor">
+            <a:schemeClr val="dk1"/>
+          </a:fontRef>
+        </p:style>
+        <p:txBody>
+          <a:bodyPr rtlCol="0" anchor="ctr"/>
+          <a:lstStyle/>
+          <a:p>
+            <a:pPr algn="ctr"/>
+            <a:endParaRPr lang="en-US" sz="1050"/>
+          </a:p>
+        </p:txBody>
+      </p:sp>
+      <p:cxnSp>
+        <p:nvCxnSpPr>
+          <p:cNvPr id="128" name="Elbow Connector 63">
+            <a:extLst>
+              <a:ext uri="{FF2B5EF4-FFF2-40B4-BE49-F238E27FC236}">
+                <a16:creationId xmlns:a16="http://schemas.microsoft.com/office/drawing/2014/main" id="{374521C2-65BA-4C6B-99B3-454966DC871F}"/>
+              </a:ext>
+            </a:extLst>
+          </p:cNvPr>
+          <p:cNvCxnSpPr>
+            <a:cxnSpLocks/>
+            <a:stCxn id="127" idx="3"/>
+            <a:endCxn id="62" idx="1"/>
+          </p:cNvCxnSpPr>
+          <p:nvPr/>
+        </p:nvCxnSpPr>
+        <p:spPr>
+          <a:xfrm flipV="1">
+            <a:off x="6247390" y="1850348"/>
+            <a:ext cx="281780" cy="2570927"/>
+          </a:xfrm>
+          <a:prstGeom prst="bentConnector3">
+            <a:avLst/>
+          </a:prstGeom>
+          <a:ln w="19050">
+            <a:solidFill>
+              <a:srgbClr val="7030A0"/>
+            </a:solidFill>
+            <a:headEnd type="none" w="med" len="med"/>
+            <a:tailEnd type="arrow" w="med" len="med"/>
+          </a:ln>
+          <a:effectLst/>
+        </p:spPr>
+        <p:style>
+          <a:lnRef idx="1">
+            <a:schemeClr val="accent2"/>
+          </a:lnRef>
+          <a:fillRef idx="2">
+            <a:schemeClr val="accent2"/>
+          </a:fillRef>
+          <a:effectRef idx="1">
+            <a:schemeClr val="accent2"/>
+          </a:effectRef>
+          <a:fontRef idx="minor">
+            <a:schemeClr val="dk1"/>
+          </a:fontRef>
+        </p:style>
+      </p:cxnSp>
+      <p:sp>
+        <p:nvSpPr>
+          <p:cNvPr id="130" name="Flowchart: Decision 96">
+            <a:extLst>
+              <a:ext uri="{FF2B5EF4-FFF2-40B4-BE49-F238E27FC236}">
+                <a16:creationId xmlns:a16="http://schemas.microsoft.com/office/drawing/2014/main" id="{29550259-9575-4556-85FA-77BF2816480E}"/>
+              </a:ext>
+            </a:extLst>
+          </p:cNvPr>
+          <p:cNvSpPr/>
+          <p:nvPr/>
+        </p:nvSpPr>
+        <p:spPr>
+          <a:xfrm>
+            <a:off x="6011146" y="3767034"/>
+            <a:ext cx="236048" cy="173380"/>
+          </a:xfrm>
+          <a:prstGeom prst="flowChartDecision">
+            <a:avLst/>
+          </a:prstGeom>
+          <a:noFill/>
+          <a:ln w="19050">
+            <a:solidFill>
+              <a:srgbClr val="7030A0"/>
+            </a:solidFill>
+          </a:ln>
+          <a:effectLst/>
+        </p:spPr>
+        <p:style>
+          <a:lnRef idx="1">
+            <a:schemeClr val="accent6"/>
+          </a:lnRef>
+          <a:fillRef idx="2">
+            <a:schemeClr val="accent6"/>
+          </a:fillRef>
+          <a:effectRef idx="1">
+            <a:schemeClr val="accent6"/>
+          </a:effectRef>
+          <a:fontRef idx="minor">
+            <a:schemeClr val="dk1"/>
+          </a:fontRef>
+        </p:style>
+        <p:txBody>
+          <a:bodyPr rtlCol="0" anchor="ctr"/>
+          <a:lstStyle/>
+          <a:p>
+            <a:pPr algn="ctr"/>
+            <a:endParaRPr lang="en-US" sz="1050"/>
+          </a:p>
+        </p:txBody>
+      </p:sp>
+      <p:cxnSp>
+        <p:nvCxnSpPr>
+          <p:cNvPr id="131" name="Elbow Connector 63">
+            <a:extLst>
+              <a:ext uri="{FF2B5EF4-FFF2-40B4-BE49-F238E27FC236}">
+                <a16:creationId xmlns:a16="http://schemas.microsoft.com/office/drawing/2014/main" id="{EB39E71E-810D-4B41-98B2-26F71047CDC8}"/>
+              </a:ext>
+            </a:extLst>
+          </p:cNvPr>
+          <p:cNvCxnSpPr>
+            <a:cxnSpLocks/>
+            <a:stCxn id="130" idx="3"/>
+            <a:endCxn id="62" idx="1"/>
+          </p:cNvCxnSpPr>
+          <p:nvPr/>
+        </p:nvCxnSpPr>
+        <p:spPr>
+          <a:xfrm flipV="1">
+            <a:off x="6247194" y="1850348"/>
+            <a:ext cx="281976" cy="2003376"/>
+          </a:xfrm>
+          <a:prstGeom prst="bentConnector3">
+            <a:avLst/>
+          </a:prstGeom>
+          <a:ln w="19050">
+            <a:solidFill>
+              <a:srgbClr val="7030A0"/>
+            </a:solidFill>
+            <a:headEnd type="none" w="med" len="med"/>
+            <a:tailEnd type="arrow" w="med" len="med"/>
+          </a:ln>
+          <a:effectLst/>
+        </p:spPr>
+        <p:style>
+          <a:lnRef idx="1">
+            <a:schemeClr val="accent2"/>
+          </a:lnRef>
+          <a:fillRef idx="2">
+            <a:schemeClr val="accent2"/>
+          </a:fillRef>
+          <a:effectRef idx="1">
+            <a:schemeClr val="accent2"/>
+          </a:effectRef>
+          <a:fontRef idx="minor">
+            <a:schemeClr val="dk1"/>
+          </a:fontRef>
+        </p:style>
+      </p:cxnSp>
+      <p:sp>
+        <p:nvSpPr>
+          <p:cNvPr id="132" name="Flowchart: Decision 96">
+            <a:extLst>
+              <a:ext uri="{FF2B5EF4-FFF2-40B4-BE49-F238E27FC236}">
+                <a16:creationId xmlns:a16="http://schemas.microsoft.com/office/drawing/2014/main" id="{94A79EB7-80BA-4FBB-9C94-4480E40AF89C}"/>
+              </a:ext>
+            </a:extLst>
+          </p:cNvPr>
+          <p:cNvSpPr/>
+          <p:nvPr/>
+        </p:nvSpPr>
+        <p:spPr>
+          <a:xfrm>
+            <a:off x="5999067" y="3209250"/>
+            <a:ext cx="236048" cy="173380"/>
+          </a:xfrm>
+          <a:prstGeom prst="flowChartDecision">
+            <a:avLst/>
+          </a:prstGeom>
+          <a:noFill/>
+          <a:ln w="19050">
+            <a:solidFill>
+              <a:srgbClr val="7030A0"/>
+            </a:solidFill>
+          </a:ln>
+          <a:effectLst/>
+        </p:spPr>
+        <p:style>
+          <a:lnRef idx="1">
+            <a:schemeClr val="accent6"/>
+          </a:lnRef>
+          <a:fillRef idx="2">
+            <a:schemeClr val="accent6"/>
+          </a:fillRef>
+          <a:effectRef idx="1">
+            <a:schemeClr val="accent6"/>
+          </a:effectRef>
+          <a:fontRef idx="minor">
+            <a:schemeClr val="dk1"/>
+          </a:fontRef>
+        </p:style>
+        <p:txBody>
+          <a:bodyPr rtlCol="0" anchor="ctr"/>
+          <a:lstStyle/>
+          <a:p>
+            <a:pPr algn="ctr"/>
+            <a:endParaRPr lang="en-US" sz="1050"/>
+          </a:p>
+        </p:txBody>
+      </p:sp>
+      <p:cxnSp>
+        <p:nvCxnSpPr>
+          <p:cNvPr id="133" name="Elbow Connector 63">
+            <a:extLst>
+              <a:ext uri="{FF2B5EF4-FFF2-40B4-BE49-F238E27FC236}">
+                <a16:creationId xmlns:a16="http://schemas.microsoft.com/office/drawing/2014/main" id="{26376927-F58A-48A5-B14D-FD12DFD768F8}"/>
+              </a:ext>
+            </a:extLst>
+          </p:cNvPr>
+          <p:cNvCxnSpPr>
+            <a:cxnSpLocks/>
+            <a:stCxn id="132" idx="3"/>
+            <a:endCxn id="62" idx="1"/>
+          </p:cNvCxnSpPr>
+          <p:nvPr/>
+        </p:nvCxnSpPr>
+        <p:spPr>
+          <a:xfrm flipV="1">
+            <a:off x="6235115" y="1850348"/>
+            <a:ext cx="294055" cy="1445592"/>
+          </a:xfrm>
+          <a:prstGeom prst="bentConnector3">
+            <a:avLst/>
+          </a:prstGeom>
+          <a:ln w="19050">
+            <a:solidFill>
+              <a:srgbClr val="7030A0"/>
+            </a:solidFill>
+            <a:headEnd type="none" w="med" len="med"/>
+            <a:tailEnd type="arrow" w="med" len="med"/>
+          </a:ln>
+          <a:effectLst/>
+        </p:spPr>
+        <p:style>
+          <a:lnRef idx="1">
+            <a:schemeClr val="accent2"/>
+          </a:lnRef>
+          <a:fillRef idx="2">
+            <a:schemeClr val="accent2"/>
+          </a:fillRef>
+          <a:effectRef idx="1">
+            <a:schemeClr val="accent2"/>
+          </a:effectRef>
+          <a:fontRef idx="minor">
+            <a:schemeClr val="dk1"/>
+          </a:fontRef>
+        </p:style>
+      </p:cxnSp>
+      <p:sp>
+        <p:nvSpPr>
+          <p:cNvPr id="129" name="Rectangle 8">
+            <a:extLst>
+              <a:ext uri="{FF2B5EF4-FFF2-40B4-BE49-F238E27FC236}">
+                <a16:creationId xmlns:a16="http://schemas.microsoft.com/office/drawing/2014/main" id="{903E1365-C308-4B91-A75F-2DFC5EDB686C}"/>
+              </a:ext>
+            </a:extLst>
+          </p:cNvPr>
+          <p:cNvSpPr/>
+          <p:nvPr/>
+        </p:nvSpPr>
+        <p:spPr>
+          <a:xfrm>
+            <a:off x="2037784" y="5349944"/>
+            <a:ext cx="1260298" cy="271656"/>
+          </a:xfrm>
+          <a:prstGeom prst="rect">
+            <a:avLst/>
+          </a:prstGeom>
+          <a:ln w="19050">
+            <a:solidFill>
+              <a:srgbClr val="7030A0"/>
+            </a:solidFill>
+          </a:ln>
+          <a:effectLst/>
+        </p:spPr>
+        <p:style>
+          <a:lnRef idx="1">
+            <a:schemeClr val="accent4"/>
+          </a:lnRef>
+          <a:fillRef idx="2">
+            <a:schemeClr val="accent4"/>
+          </a:fillRef>
+          <a:effectRef idx="1">
+            <a:schemeClr val="accent4"/>
+          </a:effectRef>
+          <a:fontRef idx="minor">
+            <a:schemeClr val="dk1"/>
+          </a:fontRef>
+        </p:style>
+        <p:txBody>
+          <a:bodyPr rtlCol="0" anchor="ctr"/>
+          <a:lstStyle/>
+          <a:p>
+            <a:pPr algn="ctr"/>
+            <a:r>
+              <a:rPr lang="en-SG" sz="1050" dirty="0" err="1">
+                <a:solidFill>
+                  <a:srgbClr val="7030A0"/>
+                </a:solidFill>
+              </a:rPr>
+              <a:t>Java.util.Calendar</a:t>
+            </a:r>
+            <a:endParaRPr lang="en-SG" sz="1050" dirty="0">
+              <a:solidFill>
+                <a:srgbClr val="7030A0"/>
+              </a:solidFill>
+            </a:endParaRPr>
+          </a:p>
+        </p:txBody>
+      </p:sp>
+      <p:cxnSp>
+        <p:nvCxnSpPr>
+          <p:cNvPr id="134" name="Elbow Connector 85">
+            <a:extLst>
+              <a:ext uri="{FF2B5EF4-FFF2-40B4-BE49-F238E27FC236}">
+                <a16:creationId xmlns:a16="http://schemas.microsoft.com/office/drawing/2014/main" id="{7B704892-E660-4E06-9104-CA88FFF740AC}"/>
+              </a:ext>
+            </a:extLst>
+          </p:cNvPr>
+          <p:cNvCxnSpPr>
+            <a:cxnSpLocks/>
+            <a:stCxn id="80" idx="1"/>
+            <a:endCxn id="135" idx="3"/>
+          </p:cNvCxnSpPr>
+          <p:nvPr/>
+        </p:nvCxnSpPr>
+        <p:spPr>
+          <a:xfrm rot="10800000">
+            <a:off x="3489482" y="5484688"/>
+            <a:ext cx="388416" cy="1085"/>
+          </a:xfrm>
+          <a:prstGeom prst="bentConnector3">
+            <a:avLst>
+              <a:gd name="adj1" fmla="val 50000"/>
+            </a:avLst>
+          </a:prstGeom>
+          <a:ln w="19050">
+            <a:solidFill>
+              <a:srgbClr val="7030A0"/>
+            </a:solidFill>
+            <a:headEnd type="none" w="med" len="med"/>
+            <a:tailEnd type="none" w="med" len="med"/>
+          </a:ln>
+          <a:effectLst/>
+        </p:spPr>
+        <p:style>
+          <a:lnRef idx="1">
+            <a:schemeClr val="accent2"/>
+          </a:lnRef>
+          <a:fillRef idx="2">
+            <a:schemeClr val="accent2"/>
+          </a:fillRef>
+          <a:effectRef idx="1">
+            <a:schemeClr val="accent2"/>
+          </a:effectRef>
+          <a:fontRef idx="minor">
+            <a:schemeClr val="dk1"/>
+          </a:fontRef>
+        </p:style>
+      </p:cxnSp>
+      <p:sp>
+        <p:nvSpPr>
+          <p:cNvPr id="135" name="Isosceles Triangle 102">
+            <a:extLst>
+              <a:ext uri="{FF2B5EF4-FFF2-40B4-BE49-F238E27FC236}">
+                <a16:creationId xmlns:a16="http://schemas.microsoft.com/office/drawing/2014/main" id="{960F6039-F600-4C86-962C-9DF2ECC12C2B}"/>
+              </a:ext>
+            </a:extLst>
+          </p:cNvPr>
+          <p:cNvSpPr/>
+          <p:nvPr/>
+        </p:nvSpPr>
+        <p:spPr>
+          <a:xfrm rot="5400000" flipV="1">
+            <a:off x="3266468" y="5396925"/>
+            <a:ext cx="270504" cy="175523"/>
+          </a:xfrm>
+          <a:prstGeom prst="triangle">
+            <a:avLst/>
+          </a:prstGeom>
+          <a:ln w="19050">
+            <a:solidFill>
+              <a:srgbClr val="7030A0"/>
+            </a:solidFill>
+          </a:ln>
+          <a:effectLst/>
+        </p:spPr>
+        <p:style>
+          <a:lnRef idx="1">
+            <a:schemeClr val="accent4"/>
+          </a:lnRef>
+          <a:fillRef idx="2">
+            <a:schemeClr val="accent4"/>
+          </a:fillRef>
+          <a:effectRef idx="1">
+            <a:schemeClr val="accent4"/>
+          </a:effectRef>
+          <a:fontRef idx="minor">
+            <a:schemeClr val="dk1"/>
+          </a:fontRef>
+        </p:style>
+        <p:txBody>
+          <a:bodyPr rtlCol="0" anchor="ctr"/>
+          <a:lstStyle/>
+          <a:p>
+            <a:pPr algn="ctr"/>
+            <a:endParaRPr lang="en-SG" sz="1050" b="1">
+              <a:solidFill>
+                <a:srgbClr val="92D050"/>
+              </a:solidFill>
+            </a:endParaRPr>
+          </a:p>
+        </p:txBody>
+      </p:sp>
+      <p:sp>
+        <p:nvSpPr>
+          <p:cNvPr id="138" name="Isosceles Triangle 102">
+            <a:extLst>
+              <a:ext uri="{FF2B5EF4-FFF2-40B4-BE49-F238E27FC236}">
+                <a16:creationId xmlns:a16="http://schemas.microsoft.com/office/drawing/2014/main" id="{C405A132-B740-400A-9F71-C6A22C29B147}"/>
+              </a:ext>
+            </a:extLst>
+          </p:cNvPr>
+          <p:cNvSpPr/>
+          <p:nvPr/>
+        </p:nvSpPr>
+        <p:spPr>
+          <a:xfrm>
+            <a:off x="3218128" y="1297959"/>
+            <a:ext cx="270504" cy="175523"/>
+          </a:xfrm>
+          <a:prstGeom prst="triangle">
+            <a:avLst/>
+          </a:prstGeom>
+          <a:solidFill>
+            <a:srgbClr val="7030A0"/>
+          </a:solidFill>
+          <a:ln w="19050">
+            <a:solidFill>
+              <a:srgbClr val="7030A0"/>
+            </a:solidFill>
+          </a:ln>
+          <a:effectLst/>
+        </p:spPr>
+        <p:style>
+          <a:lnRef idx="1">
+            <a:schemeClr val="accent6"/>
+          </a:lnRef>
+          <a:fillRef idx="2">
+            <a:schemeClr val="accent6"/>
+          </a:fillRef>
+          <a:effectRef idx="1">
+            <a:schemeClr val="accent6"/>
+          </a:effectRef>
+          <a:fontRef idx="minor">
+            <a:schemeClr val="dk1"/>
+          </a:fontRef>
+        </p:style>
+        <p:txBody>
+          <a:bodyPr rtlCol="0" anchor="ctr"/>
+          <a:lstStyle/>
+          <a:p>
+            <a:pPr algn="ctr"/>
+            <a:endParaRPr lang="en-SG" sz="1050"/>
+          </a:p>
+        </p:txBody>
+      </p:sp>
+      <p:sp>
+        <p:nvSpPr>
+          <p:cNvPr id="115" name="Isosceles Triangle 102">
+            <a:extLst>
+              <a:ext uri="{FF2B5EF4-FFF2-40B4-BE49-F238E27FC236}">
+                <a16:creationId xmlns:a16="http://schemas.microsoft.com/office/drawing/2014/main" id="{E503DD09-E729-4510-AC1D-BB2C3C1A7DEA}"/>
+              </a:ext>
+            </a:extLst>
+          </p:cNvPr>
+          <p:cNvSpPr/>
+          <p:nvPr/>
+        </p:nvSpPr>
+        <p:spPr>
+          <a:xfrm rot="16200000">
+            <a:off x="3888040" y="4691857"/>
+            <a:ext cx="270504" cy="175523"/>
+          </a:xfrm>
+          <a:prstGeom prst="triangle">
+            <a:avLst/>
+          </a:prstGeom>
+          <a:solidFill>
+            <a:srgbClr val="7030A0"/>
+          </a:solidFill>
+          <a:ln w="19050">
+            <a:solidFill>
+              <a:srgbClr val="7030A0"/>
+            </a:solidFill>
+          </a:ln>
+          <a:effectLst/>
+        </p:spPr>
+        <p:style>
+          <a:lnRef idx="1">
+            <a:schemeClr val="accent6"/>
+          </a:lnRef>
+          <a:fillRef idx="2">
+            <a:schemeClr val="accent6"/>
+          </a:fillRef>
+          <a:effectRef idx="1">
+            <a:schemeClr val="accent6"/>
+          </a:effectRef>
+          <a:fontRef idx="minor">
+            <a:schemeClr val="dk1"/>
+          </a:fontRef>
+        </p:style>
+        <p:txBody>
+          <a:bodyPr rtlCol="0" anchor="ctr"/>
+          <a:lstStyle/>
+          <a:p>
+            <a:pPr algn="ctr"/>
+            <a:endParaRPr lang="en-SG" sz="1050"/>
+          </a:p>
+        </p:txBody>
+      </p:sp>
+      <p:sp>
+        <p:nvSpPr>
+          <p:cNvPr id="139" name="Isosceles Triangle 102">
+            <a:extLst>
+              <a:ext uri="{FF2B5EF4-FFF2-40B4-BE49-F238E27FC236}">
+                <a16:creationId xmlns:a16="http://schemas.microsoft.com/office/drawing/2014/main" id="{7EB10A3D-1FBF-428D-96DB-009E1EC6B9BB}"/>
+              </a:ext>
+            </a:extLst>
+          </p:cNvPr>
+          <p:cNvSpPr/>
+          <p:nvPr/>
+        </p:nvSpPr>
+        <p:spPr>
+          <a:xfrm rot="5400000" flipV="1">
+            <a:off x="3745192" y="2787905"/>
+            <a:ext cx="270504" cy="175523"/>
+          </a:xfrm>
+          <a:prstGeom prst="triangle">
+            <a:avLst/>
+          </a:prstGeom>
+          <a:ln w="19050">
+            <a:solidFill>
+              <a:srgbClr val="7030A0"/>
+            </a:solidFill>
+          </a:ln>
+          <a:effectLst/>
+        </p:spPr>
+        <p:style>
+          <a:lnRef idx="1">
+            <a:schemeClr val="accent4"/>
+          </a:lnRef>
+          <a:fillRef idx="2">
+            <a:schemeClr val="accent4"/>
+          </a:fillRef>
+          <a:effectRef idx="1">
+            <a:schemeClr val="accent4"/>
+          </a:effectRef>
+          <a:fontRef idx="minor">
+            <a:schemeClr val="dk1"/>
+          </a:fontRef>
+        </p:style>
+        <p:txBody>
+          <a:bodyPr rtlCol="0" anchor="ctr"/>
+          <a:lstStyle/>
+          <a:p>
+            <a:pPr algn="ctr"/>
+            <a:endParaRPr lang="en-SG" sz="1050" b="1">
+              <a:solidFill>
+                <a:srgbClr val="92D050"/>
+              </a:solidFill>
+            </a:endParaRPr>
+          </a:p>
+        </p:txBody>
+      </p:sp>
+      <p:cxnSp>
+        <p:nvCxnSpPr>
+          <p:cNvPr id="111" name="Elbow Connector 63">
+            <a:extLst>
+              <a:ext uri="{FF2B5EF4-FFF2-40B4-BE49-F238E27FC236}">
+                <a16:creationId xmlns:a16="http://schemas.microsoft.com/office/drawing/2014/main" id="{3EAC6062-FC92-44FF-950F-6E2016012F78}"/>
+              </a:ext>
+            </a:extLst>
+          </p:cNvPr>
+          <p:cNvCxnSpPr>
+            <a:cxnSpLocks/>
+            <a:stCxn id="62" idx="2"/>
+            <a:endCxn id="115" idx="3"/>
+          </p:cNvCxnSpPr>
+          <p:nvPr/>
+        </p:nvCxnSpPr>
+        <p:spPr>
+          <a:xfrm rot="5400000">
+            <a:off x="4180001" y="1954781"/>
+            <a:ext cx="2755891" cy="2893784"/>
+          </a:xfrm>
+          <a:prstGeom prst="bentConnector2">
+            <a:avLst/>
+          </a:prstGeom>
+          <a:ln w="19050">
+            <a:solidFill>
+              <a:srgbClr val="7030A0"/>
+            </a:solidFill>
+            <a:prstDash val="sysDot"/>
+            <a:headEnd type="none" w="med" len="med"/>
+            <a:tailEnd type="none" w="med" len="med"/>
+          </a:ln>
+          <a:effectLst/>
+        </p:spPr>
+        <p:style>
+          <a:lnRef idx="1">
+            <a:schemeClr val="accent2"/>
+          </a:lnRef>
+          <a:fillRef idx="2">
+            <a:schemeClr val="accent2"/>
+          </a:fillRef>
+          <a:effectRef idx="1">
+            <a:schemeClr val="accent2"/>
+          </a:effectRef>
+          <a:fontRef idx="minor">
+            <a:schemeClr val="dk1"/>
+          </a:fontRef>
+        </p:style>
+      </p:cxnSp>
+    </p:spTree>
+    <p:extLst>
+      <p:ext uri="{BB962C8B-B14F-4D97-AF65-F5344CB8AC3E}">
+        <p14:creationId xmlns:p14="http://schemas.microsoft.com/office/powerpoint/2010/main" val="2564557940"/>
+      </p:ext>
+    </p:extLst>
+  </p:cSld>
+  <p:clrMapOvr>
+    <a:masterClrMapping/>
+  </p:clrMapOvr>
+</p:sld>
+</file>
+
+<file path=ppt/slides/slide5.xml><?xml version="1.0" encoding="utf-8"?>
+<p:sld xmlns:a="http://schemas.openxmlformats.org/drawingml/2006/main" xmlns:r="http://schemas.openxmlformats.org/officeDocument/2006/relationships" xmlns:p="http://schemas.openxmlformats.org/presentationml/2006/main">
+  <p:cSld>
+    <p:spTree>
+      <p:nvGrpSpPr>
+        <p:cNvPr id="1" name=""/>
+        <p:cNvGrpSpPr/>
+        <p:nvPr/>
+      </p:nvGrpSpPr>
+      <p:grpSpPr>
+        <a:xfrm>
+          <a:off x="0" y="0"/>
+          <a:ext cx="0" cy="0"/>
+          <a:chOff x="0" y="0"/>
+          <a:chExt cx="0" cy="0"/>
+        </a:xfrm>
+      </p:grpSpPr>
+      <p:sp>
+        <p:nvSpPr>
+          <p:cNvPr id="118" name="Rectangle 65"/>
+          <p:cNvSpPr/>
+          <p:nvPr/>
+        </p:nvSpPr>
+        <p:spPr>
+          <a:xfrm>
+            <a:off x="990600" y="152400"/>
+            <a:ext cx="7239000" cy="5410200"/>
+          </a:xfrm>
+          <a:prstGeom prst="roundRect">
+            <a:avLst>
+              <a:gd name="adj" fmla="val 3484"/>
+            </a:avLst>
+          </a:prstGeom>
+          <a:solidFill>
+            <a:schemeClr val="accent4">
+              <a:lumMod val="20000"/>
+              <a:lumOff val="80000"/>
+            </a:schemeClr>
+          </a:solidFill>
+          <a:ln w="19050">
+            <a:noFill/>
+          </a:ln>
+          <a:effectLst/>
+        </p:spPr>
+        <p:style>
+          <a:lnRef idx="1">
+            <a:schemeClr val="accent2"/>
+          </a:lnRef>
+          <a:fillRef idx="2">
+            <a:schemeClr val="accent2"/>
+          </a:fillRef>
+          <a:effectRef idx="1">
+            <a:schemeClr val="accent2"/>
+          </a:effectRef>
+          <a:fontRef idx="minor">
+            <a:schemeClr val="dk1"/>
+          </a:fontRef>
+        </p:style>
+        <p:txBody>
+          <a:bodyPr rtlCol="0" anchor="t"/>
+          <a:lstStyle/>
+          <a:p>
+            <a:r>
+              <a:rPr lang="en-US" sz="1200" b="1" dirty="0">
+                <a:solidFill>
+                  <a:srgbClr val="7030A0"/>
+                </a:solidFill>
+              </a:rPr>
+              <a:t>Model</a:t>
+            </a:r>
+            <a:endParaRPr lang="en-SG" sz="1200" b="1" dirty="0">
+              <a:solidFill>
+                <a:srgbClr val="7030A0"/>
+              </a:solidFill>
+            </a:endParaRPr>
+          </a:p>
+        </p:txBody>
+      </p:sp>
+      <p:sp>
+        <p:nvSpPr>
+          <p:cNvPr id="2" name="Rectangle 8"/>
+          <p:cNvSpPr/>
+          <p:nvPr/>
+        </p:nvSpPr>
+        <p:spPr>
+          <a:xfrm>
+            <a:off x="2806563" y="2118876"/>
+            <a:ext cx="1093635" cy="346760"/>
+          </a:xfrm>
+          <a:prstGeom prst="rect">
+            <a:avLst/>
+          </a:prstGeom>
+          <a:solidFill>
+            <a:srgbClr val="7030A0"/>
+          </a:solidFill>
+          <a:ln w="19050">
+            <a:solidFill>
+              <a:srgbClr val="7030A0"/>
+            </a:solidFill>
+          </a:ln>
+          <a:effectLst/>
+        </p:spPr>
+        <p:style>
+          <a:lnRef idx="1">
+            <a:schemeClr val="accent2"/>
+          </a:lnRef>
+          <a:fillRef idx="2">
+            <a:schemeClr val="accent2"/>
+          </a:fillRef>
+          <a:effectRef idx="1">
+            <a:schemeClr val="accent2"/>
+          </a:effectRef>
+          <a:fontRef idx="minor">
+            <a:schemeClr val="dk1"/>
+          </a:fontRef>
+        </p:style>
+        <p:txBody>
+          <a:bodyPr rtlCol="0" anchor="ctr"/>
+          <a:lstStyle/>
+          <a:p>
+            <a:pPr algn="ctr"/>
+            <a:r>
+              <a:rPr lang="en-US" sz="1050" dirty="0" err="1">
+                <a:solidFill>
+                  <a:schemeClr val="bg1"/>
+                </a:solidFill>
+              </a:rPr>
+              <a:t>UserPref</a:t>
+            </a:r>
+            <a:endParaRPr lang="en-SG" sz="1050" dirty="0">
+              <a:solidFill>
+                <a:schemeClr val="bg1"/>
+              </a:solidFill>
+            </a:endParaRPr>
+          </a:p>
+        </p:txBody>
+      </p:sp>
+      <p:sp>
+        <p:nvSpPr>
+          <p:cNvPr id="9" name="Rectangle 62"/>
+          <p:cNvSpPr/>
+          <p:nvPr/>
+        </p:nvSpPr>
+        <p:spPr>
+          <a:xfrm rot="16200000">
+            <a:off x="1666826" y="1829123"/>
+            <a:ext cx="1093635" cy="346760"/>
+          </a:xfrm>
+          <a:prstGeom prst="rect">
+            <a:avLst/>
+          </a:prstGeom>
+          <a:solidFill>
+            <a:srgbClr val="7030A0"/>
+          </a:solidFill>
+          <a:ln w="19050">
+            <a:solidFill>
+              <a:srgbClr val="7030A0"/>
+            </a:solidFill>
+          </a:ln>
+          <a:effectLst/>
+        </p:spPr>
+        <p:style>
+          <a:lnRef idx="1">
+            <a:schemeClr val="accent2"/>
+          </a:lnRef>
+          <a:fillRef idx="2">
+            <a:schemeClr val="accent2"/>
+          </a:fillRef>
+          <a:effectRef idx="1">
+            <a:schemeClr val="accent2"/>
+          </a:effectRef>
+          <a:fontRef idx="minor">
+            <a:schemeClr val="dk1"/>
+          </a:fontRef>
+        </p:style>
+        <p:txBody>
+          <a:bodyPr rtlCol="0" anchor="ctr"/>
+          <a:lstStyle/>
+          <a:p>
+            <a:pPr algn="ctr"/>
+            <a:r>
+              <a:rPr lang="en-US" sz="1050" dirty="0" err="1">
+                <a:solidFill>
+                  <a:schemeClr val="bg1"/>
+                </a:solidFill>
+              </a:rPr>
+              <a:t>ModelManager</a:t>
+            </a:r>
+            <a:endParaRPr lang="en-SG" sz="1050" dirty="0">
+              <a:solidFill>
+                <a:schemeClr val="bg1"/>
+              </a:solidFill>
+            </a:endParaRPr>
+          </a:p>
+        </p:txBody>
+      </p:sp>
+      <p:cxnSp>
+        <p:nvCxnSpPr>
+          <p:cNvPr id="107" name="Elbow Connector 106"/>
+          <p:cNvCxnSpPr>
+            <a:cxnSpLocks/>
+            <a:stCxn id="9" idx="1"/>
+            <a:endCxn id="126" idx="0"/>
+          </p:cNvCxnSpPr>
+          <p:nvPr/>
+        </p:nvCxnSpPr>
+        <p:spPr>
+          <a:xfrm rot="5400000">
+            <a:off x="1661508" y="3101457"/>
+            <a:ext cx="1104273" cy="1"/>
+          </a:xfrm>
+          <a:prstGeom prst="bentConnector3">
+            <a:avLst>
+              <a:gd name="adj1" fmla="val 50000"/>
+            </a:avLst>
+          </a:prstGeom>
+          <a:ln w="19050">
+            <a:solidFill>
+              <a:srgbClr val="7030A0"/>
+            </a:solidFill>
+            <a:prstDash val="solid"/>
+            <a:headEnd type="none" w="med" len="med"/>
+            <a:tailEnd type="arrow" w="med" len="med"/>
+          </a:ln>
+          <a:effectLst/>
+        </p:spPr>
+        <p:style>
+          <a:lnRef idx="1">
+            <a:schemeClr val="accent2"/>
+          </a:lnRef>
+          <a:fillRef idx="2">
+            <a:schemeClr val="accent2"/>
+          </a:fillRef>
+          <a:effectRef idx="1">
+            <a:schemeClr val="accent2"/>
+          </a:effectRef>
+          <a:fontRef idx="minor">
+            <a:schemeClr val="dk1"/>
+          </a:fontRef>
+        </p:style>
+      </p:cxnSp>
+      <p:sp>
+        <p:nvSpPr>
+          <p:cNvPr id="119" name="Rectangle 62"/>
+          <p:cNvSpPr/>
+          <p:nvPr/>
+        </p:nvSpPr>
+        <p:spPr>
+          <a:xfrm rot="16200000">
+            <a:off x="939065" y="1821638"/>
+            <a:ext cx="1093635" cy="346760"/>
+          </a:xfrm>
+          <a:prstGeom prst="rect">
+            <a:avLst/>
+          </a:prstGeom>
+          <a:solidFill>
+            <a:srgbClr val="7030A0"/>
+          </a:solidFill>
+          <a:ln w="19050">
+            <a:solidFill>
+              <a:srgbClr val="7030A0"/>
+            </a:solidFill>
+          </a:ln>
+          <a:effectLst/>
+        </p:spPr>
+        <p:style>
+          <a:lnRef idx="1">
+            <a:schemeClr val="accent2"/>
+          </a:lnRef>
+          <a:fillRef idx="2">
+            <a:schemeClr val="accent2"/>
+          </a:fillRef>
+          <a:effectRef idx="1">
+            <a:schemeClr val="accent2"/>
+          </a:effectRef>
+          <a:fontRef idx="minor">
+            <a:schemeClr val="dk1"/>
+          </a:fontRef>
+        </p:style>
+        <p:txBody>
+          <a:bodyPr rtlCol="0" anchor="ctr"/>
+          <a:lstStyle/>
+          <a:p>
+            <a:pPr algn="ctr"/>
+            <a:r>
+              <a:rPr lang="en-US" sz="1050" dirty="0">
+                <a:solidFill>
+                  <a:schemeClr val="bg1"/>
+                </a:solidFill>
+              </a:rPr>
+              <a:t>&lt;&lt;interface&gt;&gt;</a:t>
+            </a:r>
+          </a:p>
+          <a:p>
+            <a:pPr algn="ctr"/>
+            <a:r>
+              <a:rPr lang="en-US" sz="1050" dirty="0">
+                <a:solidFill>
+                  <a:schemeClr val="bg1"/>
+                </a:solidFill>
+              </a:rPr>
+              <a:t>Model</a:t>
+            </a:r>
+            <a:endParaRPr lang="en-SG" sz="1050" dirty="0">
+              <a:solidFill>
+                <a:schemeClr val="bg1"/>
+              </a:solidFill>
+            </a:endParaRPr>
+          </a:p>
+        </p:txBody>
+      </p:sp>
+      <p:sp>
+        <p:nvSpPr>
+          <p:cNvPr id="120" name="Isosceles Triangle 102"/>
+          <p:cNvSpPr/>
+          <p:nvPr/>
+        </p:nvSpPr>
+        <p:spPr>
+          <a:xfrm rot="16200000">
+            <a:off x="1609773" y="1912727"/>
+            <a:ext cx="270504" cy="175523"/>
+          </a:xfrm>
+          <a:prstGeom prst="triangle">
+            <a:avLst/>
+          </a:prstGeom>
+          <a:solidFill>
+            <a:srgbClr val="7030A0"/>
+          </a:solidFill>
+          <a:ln w="19050">
+            <a:solidFill>
+              <a:srgbClr val="7030A0"/>
+            </a:solidFill>
+          </a:ln>
+          <a:effectLst/>
+        </p:spPr>
+        <p:style>
+          <a:lnRef idx="1">
+            <a:schemeClr val="accent6"/>
+          </a:lnRef>
+          <a:fillRef idx="2">
+            <a:schemeClr val="accent6"/>
+          </a:fillRef>
+          <a:effectRef idx="1">
+            <a:schemeClr val="accent6"/>
+          </a:effectRef>
+          <a:fontRef idx="minor">
+            <a:schemeClr val="dk1"/>
+          </a:fontRef>
+        </p:style>
+        <p:txBody>
+          <a:bodyPr rtlCol="0" anchor="ctr"/>
+          <a:lstStyle/>
+          <a:p>
+            <a:pPr algn="ctr"/>
+            <a:endParaRPr lang="en-SG" sz="1050"/>
+          </a:p>
+        </p:txBody>
+      </p:sp>
+      <p:cxnSp>
+        <p:nvCxnSpPr>
+          <p:cNvPr id="58" name="Straight Arrow Connector 57"/>
+          <p:cNvCxnSpPr>
+            <a:stCxn id="42" idx="3"/>
+            <a:endCxn id="2" idx="1"/>
+          </p:cNvCxnSpPr>
+          <p:nvPr/>
+        </p:nvCxnSpPr>
+        <p:spPr>
+          <a:xfrm>
+            <a:off x="2639233" y="2286972"/>
+            <a:ext cx="167330" cy="5284"/>
+          </a:xfrm>
+          <a:prstGeom prst="straightConnector1">
+            <a:avLst/>
+          </a:prstGeom>
+          <a:ln w="19050">
+            <a:solidFill>
+              <a:srgbClr val="7030A0"/>
+            </a:solidFill>
+            <a:headEnd type="none" w="med" len="med"/>
+            <a:tailEnd type="arrow" w="med" len="med"/>
+          </a:ln>
+          <a:effectLst/>
+        </p:spPr>
+        <p:style>
+          <a:lnRef idx="1">
+            <a:schemeClr val="accent2"/>
+          </a:lnRef>
+          <a:fillRef idx="2">
+            <a:schemeClr val="accent2"/>
+          </a:fillRef>
+          <a:effectRef idx="1">
+            <a:schemeClr val="accent2"/>
+          </a:effectRef>
+          <a:fontRef idx="minor">
+            <a:schemeClr val="dk1"/>
+          </a:fontRef>
+        </p:style>
+      </p:cxnSp>
+      <p:cxnSp>
+        <p:nvCxnSpPr>
+          <p:cNvPr id="75" name="Elbow Connector 122"/>
+          <p:cNvCxnSpPr>
+            <a:cxnSpLocks/>
+          </p:cNvCxnSpPr>
+          <p:nvPr/>
+        </p:nvCxnSpPr>
+        <p:spPr>
+          <a:xfrm>
+            <a:off x="1038789" y="2002503"/>
+            <a:ext cx="273713" cy="846"/>
+          </a:xfrm>
+          <a:prstGeom prst="bentConnector3">
+            <a:avLst>
+              <a:gd name="adj1" fmla="val 50000"/>
+            </a:avLst>
+          </a:prstGeom>
+          <a:ln w="19050">
+            <a:solidFill>
+              <a:schemeClr val="bg1">
+                <a:lumMod val="75000"/>
+              </a:schemeClr>
+            </a:solidFill>
+            <a:prstDash val="sysDot"/>
+            <a:headEnd type="none" w="med" len="med"/>
+            <a:tailEnd type="arrow" w="med" len="med"/>
+          </a:ln>
+          <a:effectLst/>
+        </p:spPr>
+        <p:style>
+          <a:lnRef idx="1">
+            <a:schemeClr val="accent2"/>
+          </a:lnRef>
+          <a:fillRef idx="2">
+            <a:schemeClr val="accent2"/>
+          </a:fillRef>
+          <a:effectRef idx="1">
+            <a:schemeClr val="accent2"/>
+          </a:effectRef>
+          <a:fontRef idx="minor">
+            <a:schemeClr val="dk1"/>
+          </a:fontRef>
+        </p:style>
+      </p:cxnSp>
+      <p:cxnSp>
+        <p:nvCxnSpPr>
+          <p:cNvPr id="21" name="Straight Connector 20"/>
+          <p:cNvCxnSpPr>
+            <a:stCxn id="120" idx="3"/>
+          </p:cNvCxnSpPr>
+          <p:nvPr/>
+        </p:nvCxnSpPr>
+        <p:spPr>
+          <a:xfrm flipV="1">
+            <a:off x="1832787" y="2000488"/>
+            <a:ext cx="216105" cy="1"/>
+          </a:xfrm>
+          <a:prstGeom prst="line">
+            <a:avLst/>
+          </a:prstGeom>
+          <a:ln w="19050">
+            <a:solidFill>
+              <a:srgbClr val="7030A0"/>
+            </a:solidFill>
+            <a:prstDash val="sysDot"/>
+            <a:headEnd type="none" w="med" len="med"/>
+            <a:tailEnd type="none" w="med" len="med"/>
+          </a:ln>
+          <a:effectLst/>
+        </p:spPr>
+        <p:style>
+          <a:lnRef idx="1">
+            <a:schemeClr val="accent2"/>
+          </a:lnRef>
+          <a:fillRef idx="2">
+            <a:schemeClr val="accent2"/>
+          </a:fillRef>
+          <a:effectRef idx="1">
+            <a:schemeClr val="accent2"/>
+          </a:effectRef>
+          <a:fontRef idx="minor">
+            <a:schemeClr val="dk1"/>
+          </a:fontRef>
+        </p:style>
+      </p:cxnSp>
+      <p:sp>
+        <p:nvSpPr>
+          <p:cNvPr id="42" name="Flowchart: Decision 96"/>
+          <p:cNvSpPr/>
+          <p:nvPr/>
+        </p:nvSpPr>
+        <p:spPr>
+          <a:xfrm>
+            <a:off x="2403185" y="2200282"/>
+            <a:ext cx="236048" cy="173380"/>
+          </a:xfrm>
+          <a:prstGeom prst="flowChartDecision">
+            <a:avLst/>
+          </a:prstGeom>
+          <a:noFill/>
+          <a:ln w="19050">
+            <a:solidFill>
+              <a:srgbClr val="7030A0"/>
+            </a:solidFill>
+          </a:ln>
+          <a:effectLst/>
+        </p:spPr>
+        <p:style>
+          <a:lnRef idx="1">
+            <a:schemeClr val="accent6"/>
+          </a:lnRef>
+          <a:fillRef idx="2">
+            <a:schemeClr val="accent6"/>
+          </a:fillRef>
+          <a:effectRef idx="1">
+            <a:schemeClr val="accent6"/>
+          </a:effectRef>
+          <a:fontRef idx="minor">
+            <a:schemeClr val="dk1"/>
+          </a:fontRef>
+        </p:style>
+        <p:txBody>
+          <a:bodyPr rtlCol="0" anchor="ctr"/>
+          <a:lstStyle/>
+          <a:p>
+            <a:pPr algn="ctr"/>
+            <a:endParaRPr lang="en-US" sz="1050"/>
+          </a:p>
+        </p:txBody>
+      </p:sp>
+      <p:sp>
+        <p:nvSpPr>
+          <p:cNvPr id="46" name="Rectangle 8"/>
+          <p:cNvSpPr/>
+          <p:nvPr/>
+        </p:nvSpPr>
+        <p:spPr>
+          <a:xfrm>
+            <a:off x="2808873" y="1587856"/>
+            <a:ext cx="1093635" cy="346760"/>
+          </a:xfrm>
+          <a:prstGeom prst="rect">
+            <a:avLst/>
+          </a:prstGeom>
+          <a:ln w="19050">
+            <a:solidFill>
+              <a:srgbClr val="7030A0"/>
+            </a:solidFill>
+          </a:ln>
+          <a:effectLst/>
+        </p:spPr>
+        <p:style>
+          <a:lnRef idx="1">
+            <a:schemeClr val="accent4"/>
+          </a:lnRef>
+          <a:fillRef idx="2">
+            <a:schemeClr val="accent4"/>
+          </a:fillRef>
+          <a:effectRef idx="1">
+            <a:schemeClr val="accent4"/>
+          </a:effectRef>
+          <a:fontRef idx="minor">
+            <a:schemeClr val="dk1"/>
+          </a:fontRef>
+        </p:style>
+        <p:txBody>
+          <a:bodyPr rtlCol="0" anchor="ctr"/>
+          <a:lstStyle/>
+          <a:p>
+            <a:pPr algn="ctr"/>
+            <a:r>
+              <a:rPr lang="en-US" sz="1050" dirty="0" err="1">
+                <a:solidFill>
+                  <a:srgbClr val="7030A0"/>
+                </a:solidFill>
+              </a:rPr>
+              <a:t>EntryBook</a:t>
+            </a:r>
+            <a:endParaRPr lang="en-SG" sz="1050" dirty="0">
+              <a:solidFill>
+                <a:srgbClr val="7030A0"/>
+              </a:solidFill>
+            </a:endParaRPr>
+          </a:p>
+        </p:txBody>
+      </p:sp>
+      <p:cxnSp>
+        <p:nvCxnSpPr>
+          <p:cNvPr id="47" name="Straight Arrow Connector 46"/>
+          <p:cNvCxnSpPr>
+            <a:stCxn id="48" idx="3"/>
+            <a:endCxn id="46" idx="1"/>
+          </p:cNvCxnSpPr>
+          <p:nvPr/>
+        </p:nvCxnSpPr>
+        <p:spPr>
+          <a:xfrm>
+            <a:off x="2641543" y="1755952"/>
+            <a:ext cx="167330" cy="5284"/>
+          </a:xfrm>
+          <a:prstGeom prst="straightConnector1">
+            <a:avLst/>
+          </a:prstGeom>
+          <a:ln w="19050">
+            <a:solidFill>
+              <a:srgbClr val="7030A0"/>
+            </a:solidFill>
+            <a:headEnd type="none" w="med" len="med"/>
+            <a:tailEnd type="arrow" w="med" len="med"/>
+          </a:ln>
+          <a:effectLst/>
+        </p:spPr>
+        <p:style>
+          <a:lnRef idx="1">
+            <a:schemeClr val="accent2"/>
+          </a:lnRef>
+          <a:fillRef idx="2">
+            <a:schemeClr val="accent2"/>
+          </a:fillRef>
+          <a:effectRef idx="1">
+            <a:schemeClr val="accent2"/>
+          </a:effectRef>
+          <a:fontRef idx="minor">
+            <a:schemeClr val="dk1"/>
+          </a:fontRef>
+        </p:style>
+      </p:cxnSp>
+      <p:sp>
+        <p:nvSpPr>
+          <p:cNvPr id="48" name="Flowchart: Decision 96"/>
+          <p:cNvSpPr/>
+          <p:nvPr/>
+        </p:nvSpPr>
+        <p:spPr>
+          <a:xfrm>
+            <a:off x="2405495" y="1669262"/>
+            <a:ext cx="236048" cy="173380"/>
+          </a:xfrm>
+          <a:prstGeom prst="flowChartDecision">
+            <a:avLst/>
+          </a:prstGeom>
+          <a:noFill/>
+          <a:ln w="19050">
+            <a:solidFill>
+              <a:srgbClr val="7030A0"/>
+            </a:solidFill>
+          </a:ln>
+          <a:effectLst/>
+        </p:spPr>
+        <p:style>
+          <a:lnRef idx="1">
+            <a:schemeClr val="accent6"/>
+          </a:lnRef>
+          <a:fillRef idx="2">
+            <a:schemeClr val="accent6"/>
+          </a:fillRef>
+          <a:effectRef idx="1">
+            <a:schemeClr val="accent6"/>
+          </a:effectRef>
+          <a:fontRef idx="minor">
+            <a:schemeClr val="dk1"/>
+          </a:fontRef>
+        </p:style>
+        <p:txBody>
+          <a:bodyPr rtlCol="0" anchor="ctr"/>
+          <a:lstStyle/>
+          <a:p>
+            <a:pPr algn="ctr"/>
+            <a:endParaRPr lang="en-US" sz="1050"/>
+          </a:p>
+        </p:txBody>
+      </p:sp>
+      <p:sp>
+        <p:nvSpPr>
+          <p:cNvPr id="49" name="Rectangle 8"/>
+          <p:cNvSpPr/>
+          <p:nvPr/>
+        </p:nvSpPr>
+        <p:spPr>
+          <a:xfrm>
+            <a:off x="4829662" y="1327053"/>
+            <a:ext cx="1156969" cy="515590"/>
+          </a:xfrm>
+          <a:prstGeom prst="rect">
+            <a:avLst/>
+          </a:prstGeom>
+          <a:ln w="19050">
+            <a:solidFill>
+              <a:srgbClr val="7030A0"/>
+            </a:solidFill>
+          </a:ln>
+          <a:effectLst/>
+        </p:spPr>
+        <p:style>
+          <a:lnRef idx="1">
+            <a:schemeClr val="accent4"/>
+          </a:lnRef>
+          <a:fillRef idx="2">
+            <a:schemeClr val="accent4"/>
+          </a:fillRef>
+          <a:effectRef idx="1">
+            <a:schemeClr val="accent4"/>
+          </a:effectRef>
+          <a:fontRef idx="minor">
+            <a:schemeClr val="dk1"/>
+          </a:fontRef>
+        </p:style>
+        <p:txBody>
+          <a:bodyPr rtlCol="0" anchor="ctr"/>
+          <a:lstStyle/>
+          <a:p>
+            <a:pPr algn="ctr"/>
+            <a:r>
+              <a:rPr lang="en-US" sz="1050" dirty="0" err="1">
+                <a:solidFill>
+                  <a:srgbClr val="7030A0"/>
+                </a:solidFill>
+              </a:rPr>
+              <a:t>MiscEntryList</a:t>
+            </a:r>
+            <a:endParaRPr lang="en-SG" sz="1050" dirty="0">
+              <a:solidFill>
+                <a:srgbClr val="7030A0"/>
+              </a:solidFill>
+            </a:endParaRPr>
+          </a:p>
+        </p:txBody>
+      </p:sp>
+      <p:sp>
+        <p:nvSpPr>
+          <p:cNvPr id="51" name="Flowchart: Decision 96"/>
+          <p:cNvSpPr/>
+          <p:nvPr/>
+        </p:nvSpPr>
+        <p:spPr>
+          <a:xfrm>
+            <a:off x="3917173" y="1689782"/>
+            <a:ext cx="236048" cy="173380"/>
+          </a:xfrm>
+          <a:prstGeom prst="flowChartDecision">
+            <a:avLst/>
+          </a:prstGeom>
+          <a:solidFill>
+            <a:srgbClr val="7030A0"/>
+          </a:solidFill>
+          <a:ln w="19050">
+            <a:solidFill>
+              <a:srgbClr val="7030A0"/>
+            </a:solidFill>
+          </a:ln>
+          <a:effectLst/>
+        </p:spPr>
+        <p:style>
+          <a:lnRef idx="1">
+            <a:schemeClr val="accent6"/>
+          </a:lnRef>
+          <a:fillRef idx="2">
+            <a:schemeClr val="accent6"/>
+          </a:fillRef>
+          <a:effectRef idx="1">
+            <a:schemeClr val="accent6"/>
+          </a:effectRef>
+          <a:fontRef idx="minor">
+            <a:schemeClr val="dk1"/>
+          </a:fontRef>
+        </p:style>
+        <p:txBody>
+          <a:bodyPr rtlCol="0" anchor="ctr"/>
+          <a:lstStyle/>
+          <a:p>
+            <a:pPr algn="ctr"/>
+            <a:endParaRPr lang="en-US" sz="1050"/>
+          </a:p>
+        </p:txBody>
+      </p:sp>
+      <p:cxnSp>
+        <p:nvCxnSpPr>
+          <p:cNvPr id="30" name="Elbow Connector 29"/>
+          <p:cNvCxnSpPr>
+            <a:cxnSpLocks/>
+            <a:stCxn id="51" idx="3"/>
+          </p:cNvCxnSpPr>
+          <p:nvPr/>
+        </p:nvCxnSpPr>
+        <p:spPr>
+          <a:xfrm flipV="1">
+            <a:off x="4153221" y="1434473"/>
+            <a:ext cx="678824" cy="341999"/>
+          </a:xfrm>
+          <a:prstGeom prst="bentConnector3">
+            <a:avLst/>
+          </a:prstGeom>
+          <a:ln w="19050">
+            <a:solidFill>
+              <a:srgbClr val="7030A0"/>
+            </a:solidFill>
+            <a:headEnd type="none" w="med" len="med"/>
+            <a:tailEnd type="arrow" w="med" len="med"/>
+          </a:ln>
+          <a:effectLst/>
+        </p:spPr>
+        <p:style>
+          <a:lnRef idx="1">
+            <a:schemeClr val="accent2"/>
+          </a:lnRef>
+          <a:fillRef idx="2">
+            <a:schemeClr val="accent2"/>
+          </a:fillRef>
+          <a:effectRef idx="1">
+            <a:schemeClr val="accent2"/>
+          </a:effectRef>
+          <a:fontRef idx="minor">
+            <a:schemeClr val="dk1"/>
+          </a:fontRef>
+        </p:style>
+      </p:cxnSp>
+      <p:sp>
+        <p:nvSpPr>
+          <p:cNvPr id="57" name="Rectangle 8"/>
+          <p:cNvSpPr/>
+          <p:nvPr/>
+        </p:nvSpPr>
+        <p:spPr>
+          <a:xfrm>
+            <a:off x="4832045" y="886964"/>
+            <a:ext cx="1156969" cy="346760"/>
+          </a:xfrm>
+          <a:prstGeom prst="rect">
+            <a:avLst/>
+          </a:prstGeom>
+          <a:ln w="19050">
+            <a:solidFill>
+              <a:srgbClr val="7030A0"/>
+            </a:solidFill>
+          </a:ln>
+          <a:effectLst/>
+        </p:spPr>
+        <p:style>
+          <a:lnRef idx="1">
+            <a:schemeClr val="accent4"/>
+          </a:lnRef>
+          <a:fillRef idx="2">
+            <a:schemeClr val="accent4"/>
+          </a:fillRef>
+          <a:effectRef idx="1">
+            <a:schemeClr val="accent4"/>
+          </a:effectRef>
+          <a:fontRef idx="minor">
+            <a:schemeClr val="dk1"/>
+          </a:fontRef>
+        </p:style>
+        <p:txBody>
+          <a:bodyPr rtlCol="0" anchor="ctr"/>
+          <a:lstStyle/>
+          <a:p>
+            <a:pPr algn="ctr"/>
+            <a:r>
+              <a:rPr lang="en-US" sz="1050" dirty="0" err="1">
+                <a:solidFill>
+                  <a:srgbClr val="7030A0"/>
+                </a:solidFill>
+              </a:rPr>
+              <a:t>UniqueTagList</a:t>
+            </a:r>
+            <a:endParaRPr lang="en-SG" sz="1050" dirty="0">
+              <a:solidFill>
+                <a:srgbClr val="7030A0"/>
+              </a:solidFill>
+            </a:endParaRPr>
+          </a:p>
+        </p:txBody>
+      </p:sp>
+      <p:cxnSp>
+        <p:nvCxnSpPr>
+          <p:cNvPr id="59" name="Elbow Connector 58"/>
+          <p:cNvCxnSpPr>
+            <a:cxnSpLocks/>
+            <a:stCxn id="51" idx="3"/>
+            <a:endCxn id="57" idx="1"/>
+          </p:cNvCxnSpPr>
+          <p:nvPr/>
+        </p:nvCxnSpPr>
+        <p:spPr>
+          <a:xfrm flipV="1">
+            <a:off x="4153221" y="1060344"/>
+            <a:ext cx="678824" cy="716128"/>
+          </a:xfrm>
+          <a:prstGeom prst="bentConnector3">
+            <a:avLst>
+              <a:gd name="adj1" fmla="val 50000"/>
+            </a:avLst>
+          </a:prstGeom>
+          <a:ln w="19050">
+            <a:solidFill>
+              <a:srgbClr val="7030A0"/>
+            </a:solidFill>
+            <a:headEnd type="none" w="med" len="med"/>
+            <a:tailEnd type="arrow" w="med" len="med"/>
+          </a:ln>
+          <a:effectLst/>
+        </p:spPr>
+        <p:style>
+          <a:lnRef idx="1">
+            <a:schemeClr val="accent2"/>
+          </a:lnRef>
+          <a:fillRef idx="2">
+            <a:schemeClr val="accent2"/>
+          </a:fillRef>
+          <a:effectRef idx="1">
+            <a:schemeClr val="accent2"/>
+          </a:effectRef>
+          <a:fontRef idx="minor">
+            <a:schemeClr val="dk1"/>
+          </a:fontRef>
+        </p:style>
+      </p:cxnSp>
+      <p:sp>
+        <p:nvSpPr>
+          <p:cNvPr id="62" name="Rectangle 8"/>
+          <p:cNvSpPr/>
+          <p:nvPr/>
+        </p:nvSpPr>
+        <p:spPr>
+          <a:xfrm>
+            <a:off x="6529170" y="1676967"/>
+            <a:ext cx="951336" cy="346761"/>
+          </a:xfrm>
+          <a:prstGeom prst="rect">
+            <a:avLst/>
+          </a:prstGeom>
+          <a:ln w="19050">
+            <a:solidFill>
+              <a:srgbClr val="7030A0"/>
+            </a:solidFill>
+          </a:ln>
+          <a:effectLst/>
+        </p:spPr>
+        <p:style>
+          <a:lnRef idx="1">
+            <a:schemeClr val="accent4"/>
+          </a:lnRef>
+          <a:fillRef idx="2">
+            <a:schemeClr val="accent4"/>
+          </a:fillRef>
+          <a:effectRef idx="1">
+            <a:schemeClr val="accent4"/>
+          </a:effectRef>
+          <a:fontRef idx="minor">
+            <a:schemeClr val="dk1"/>
+          </a:fontRef>
+        </p:style>
+        <p:txBody>
+          <a:bodyPr rtlCol="0" anchor="ctr"/>
+          <a:lstStyle/>
+          <a:p>
+            <a:pPr algn="ctr"/>
+            <a:r>
+              <a:rPr lang="en-SG" sz="1050" dirty="0">
+                <a:solidFill>
+                  <a:srgbClr val="7030A0"/>
+                </a:solidFill>
+              </a:rPr>
+              <a:t>{abstract}</a:t>
+            </a:r>
+          </a:p>
+          <a:p>
+            <a:pPr algn="ctr"/>
+            <a:r>
+              <a:rPr lang="en-SG" sz="1050" dirty="0">
+                <a:solidFill>
+                  <a:srgbClr val="7030A0"/>
+                </a:solidFill>
+              </a:rPr>
+              <a:t>Entry</a:t>
+            </a:r>
+          </a:p>
+        </p:txBody>
+      </p:sp>
+      <p:sp>
+        <p:nvSpPr>
+          <p:cNvPr id="63" name="Flowchart: Decision 96"/>
+          <p:cNvSpPr/>
+          <p:nvPr/>
+        </p:nvSpPr>
+        <p:spPr>
+          <a:xfrm>
+            <a:off x="5994896" y="1524425"/>
+            <a:ext cx="236048" cy="173380"/>
+          </a:xfrm>
+          <a:prstGeom prst="flowChartDecision">
+            <a:avLst/>
+          </a:prstGeom>
+          <a:noFill/>
+          <a:ln w="19050">
+            <a:solidFill>
+              <a:srgbClr val="7030A0"/>
+            </a:solidFill>
+          </a:ln>
+          <a:effectLst/>
+        </p:spPr>
+        <p:style>
+          <a:lnRef idx="1">
+            <a:schemeClr val="accent6"/>
+          </a:lnRef>
+          <a:fillRef idx="2">
+            <a:schemeClr val="accent6"/>
+          </a:fillRef>
+          <a:effectRef idx="1">
+            <a:schemeClr val="accent6"/>
+          </a:effectRef>
+          <a:fontRef idx="minor">
+            <a:schemeClr val="dk1"/>
+          </a:fontRef>
+        </p:style>
+        <p:txBody>
+          <a:bodyPr rtlCol="0" anchor="ctr"/>
+          <a:lstStyle/>
+          <a:p>
+            <a:pPr algn="ctr"/>
+            <a:endParaRPr lang="en-US" sz="1050"/>
+          </a:p>
+        </p:txBody>
+      </p:sp>
+      <p:cxnSp>
+        <p:nvCxnSpPr>
+          <p:cNvPr id="64" name="Elbow Connector 63"/>
+          <p:cNvCxnSpPr>
+            <a:cxnSpLocks/>
+            <a:stCxn id="63" idx="3"/>
+            <a:endCxn id="62" idx="1"/>
+          </p:cNvCxnSpPr>
+          <p:nvPr/>
+        </p:nvCxnSpPr>
+        <p:spPr>
+          <a:xfrm>
+            <a:off x="6230944" y="1611115"/>
+            <a:ext cx="298226" cy="239233"/>
+          </a:xfrm>
+          <a:prstGeom prst="bentConnector3">
+            <a:avLst/>
+          </a:prstGeom>
+          <a:ln w="19050">
+            <a:solidFill>
+              <a:srgbClr val="7030A0"/>
+            </a:solidFill>
+            <a:headEnd type="none" w="med" len="med"/>
+            <a:tailEnd type="arrow" w="med" len="med"/>
+          </a:ln>
+          <a:effectLst/>
+        </p:spPr>
+        <p:style>
+          <a:lnRef idx="1">
+            <a:schemeClr val="accent2"/>
+          </a:lnRef>
+          <a:fillRef idx="2">
+            <a:schemeClr val="accent2"/>
+          </a:fillRef>
+          <a:effectRef idx="1">
+            <a:schemeClr val="accent2"/>
+          </a:effectRef>
+          <a:fontRef idx="minor">
+            <a:schemeClr val="dk1"/>
+          </a:fontRef>
+        </p:style>
+      </p:cxnSp>
+      <p:sp>
+        <p:nvSpPr>
+          <p:cNvPr id="67" name="Rectangle 8"/>
+          <p:cNvSpPr/>
+          <p:nvPr/>
+        </p:nvSpPr>
+        <p:spPr>
+          <a:xfrm>
+            <a:off x="5705589" y="415727"/>
+            <a:ext cx="483700" cy="346760"/>
+          </a:xfrm>
+          <a:prstGeom prst="rect">
+            <a:avLst/>
+          </a:prstGeom>
+          <a:ln w="19050">
+            <a:solidFill>
+              <a:srgbClr val="7030A0"/>
+            </a:solidFill>
+          </a:ln>
+          <a:effectLst/>
+        </p:spPr>
+        <p:style>
+          <a:lnRef idx="1">
+            <a:schemeClr val="accent4"/>
+          </a:lnRef>
+          <a:fillRef idx="2">
+            <a:schemeClr val="accent4"/>
+          </a:fillRef>
+          <a:effectRef idx="1">
+            <a:schemeClr val="accent4"/>
+          </a:effectRef>
+          <a:fontRef idx="minor">
+            <a:schemeClr val="dk1"/>
+          </a:fontRef>
+        </p:style>
+        <p:txBody>
+          <a:bodyPr rtlCol="0" anchor="ctr"/>
+          <a:lstStyle/>
+          <a:p>
+            <a:pPr algn="ctr"/>
+            <a:r>
+              <a:rPr lang="en-US" sz="1050" dirty="0">
+                <a:solidFill>
+                  <a:srgbClr val="7030A0"/>
+                </a:solidFill>
+              </a:rPr>
+              <a:t>Tag</a:t>
+            </a:r>
+            <a:endParaRPr lang="en-SG" sz="1050" dirty="0">
+              <a:solidFill>
+                <a:srgbClr val="7030A0"/>
+              </a:solidFill>
+            </a:endParaRPr>
+          </a:p>
+        </p:txBody>
+      </p:sp>
+      <p:sp>
+        <p:nvSpPr>
+          <p:cNvPr id="68" name="Flowchart: Decision 96"/>
+          <p:cNvSpPr/>
+          <p:nvPr/>
+        </p:nvSpPr>
+        <p:spPr>
+          <a:xfrm rot="16200000">
+            <a:off x="5291150" y="672935"/>
+            <a:ext cx="236048" cy="173380"/>
+          </a:xfrm>
+          <a:prstGeom prst="flowChartDecision">
+            <a:avLst/>
+          </a:prstGeom>
+          <a:noFill/>
+          <a:ln w="19050">
+            <a:solidFill>
+              <a:srgbClr val="7030A0"/>
+            </a:solidFill>
+          </a:ln>
+          <a:effectLst/>
+        </p:spPr>
+        <p:style>
+          <a:lnRef idx="1">
+            <a:schemeClr val="accent6"/>
+          </a:lnRef>
+          <a:fillRef idx="2">
+            <a:schemeClr val="accent6"/>
+          </a:fillRef>
+          <a:effectRef idx="1">
+            <a:schemeClr val="accent6"/>
+          </a:effectRef>
+          <a:fontRef idx="minor">
+            <a:schemeClr val="dk1"/>
+          </a:fontRef>
+        </p:style>
+        <p:txBody>
+          <a:bodyPr rtlCol="0" anchor="ctr"/>
+          <a:lstStyle/>
+          <a:p>
+            <a:pPr algn="ctr"/>
+            <a:endParaRPr lang="en-US" sz="1050"/>
+          </a:p>
+        </p:txBody>
+      </p:sp>
+      <p:cxnSp>
+        <p:nvCxnSpPr>
+          <p:cNvPr id="69" name="Elbow Connector 68"/>
+          <p:cNvCxnSpPr>
+            <a:stCxn id="68" idx="3"/>
+            <a:endCxn id="67" idx="1"/>
+          </p:cNvCxnSpPr>
+          <p:nvPr/>
+        </p:nvCxnSpPr>
+        <p:spPr>
+          <a:xfrm rot="5400000" flipH="1" flipV="1">
+            <a:off x="5531134" y="467147"/>
+            <a:ext cx="52494" cy="296415"/>
+          </a:xfrm>
+          <a:prstGeom prst="bentConnector2">
+            <a:avLst/>
+          </a:prstGeom>
+          <a:ln w="19050">
+            <a:solidFill>
+              <a:srgbClr val="7030A0"/>
+            </a:solidFill>
+            <a:headEnd type="none" w="med" len="med"/>
+            <a:tailEnd type="arrow" w="med" len="med"/>
+          </a:ln>
+          <a:effectLst/>
+        </p:spPr>
+        <p:style>
+          <a:lnRef idx="1">
+            <a:schemeClr val="accent2"/>
+          </a:lnRef>
+          <a:fillRef idx="2">
+            <a:schemeClr val="accent2"/>
+          </a:fillRef>
+          <a:effectRef idx="1">
+            <a:schemeClr val="accent2"/>
+          </a:effectRef>
+          <a:fontRef idx="minor">
+            <a:schemeClr val="dk1"/>
+          </a:fontRef>
+        </p:style>
+      </p:cxnSp>
+      <p:sp>
+        <p:nvSpPr>
+          <p:cNvPr id="72" name="Rectangle 8"/>
+          <p:cNvSpPr/>
+          <p:nvPr/>
+        </p:nvSpPr>
+        <p:spPr>
+          <a:xfrm>
+            <a:off x="3683360" y="3748100"/>
+            <a:ext cx="1045383" cy="346760"/>
+          </a:xfrm>
+          <a:prstGeom prst="rect">
+            <a:avLst/>
+          </a:prstGeom>
+          <a:ln w="19050">
+            <a:solidFill>
+              <a:srgbClr val="7030A0"/>
+            </a:solidFill>
+          </a:ln>
+          <a:effectLst/>
+        </p:spPr>
+        <p:style>
+          <a:lnRef idx="1">
+            <a:schemeClr val="accent4"/>
+          </a:lnRef>
+          <a:fillRef idx="2">
+            <a:schemeClr val="accent4"/>
+          </a:fillRef>
+          <a:effectRef idx="1">
+            <a:schemeClr val="accent4"/>
+          </a:effectRef>
+          <a:fontRef idx="minor">
+            <a:schemeClr val="dk1"/>
+          </a:fontRef>
+        </p:style>
+        <p:txBody>
+          <a:bodyPr rtlCol="0" anchor="ctr"/>
+          <a:lstStyle/>
+          <a:p>
+            <a:pPr algn="ctr"/>
+            <a:r>
+              <a:rPr lang="en-US" sz="1050" dirty="0">
+                <a:solidFill>
+                  <a:srgbClr val="7030A0"/>
+                </a:solidFill>
+              </a:rPr>
+              <a:t>&lt;&lt;interface&gt;&gt;</a:t>
+            </a:r>
+            <a:br>
+              <a:rPr lang="en-US" sz="1050" dirty="0">
+                <a:solidFill>
+                  <a:srgbClr val="7030A0"/>
+                </a:solidFill>
+              </a:rPr>
+            </a:br>
+            <a:r>
+              <a:rPr lang="en-US" sz="1050" dirty="0" err="1">
+                <a:solidFill>
+                  <a:srgbClr val="7030A0"/>
+                </a:solidFill>
+              </a:rPr>
+              <a:t>ReadOnlyEntry</a:t>
+            </a:r>
+            <a:endParaRPr lang="en-SG" sz="1050" dirty="0">
+              <a:solidFill>
+                <a:srgbClr val="7030A0"/>
+              </a:solidFill>
+            </a:endParaRPr>
+          </a:p>
+        </p:txBody>
+      </p:sp>
+      <p:sp>
+        <p:nvSpPr>
+          <p:cNvPr id="76" name="Rectangle 8"/>
+          <p:cNvSpPr/>
+          <p:nvPr/>
+        </p:nvSpPr>
+        <p:spPr>
+          <a:xfrm>
+            <a:off x="6641977" y="457200"/>
+            <a:ext cx="708186" cy="285783"/>
+          </a:xfrm>
+          <a:prstGeom prst="rect">
+            <a:avLst/>
+          </a:prstGeom>
+          <a:ln w="19050">
+            <a:solidFill>
+              <a:srgbClr val="7030A0"/>
+            </a:solidFill>
+          </a:ln>
+          <a:effectLst/>
+        </p:spPr>
+        <p:style>
+          <a:lnRef idx="1">
+            <a:schemeClr val="accent4"/>
+          </a:lnRef>
+          <a:fillRef idx="2">
+            <a:schemeClr val="accent4"/>
+          </a:fillRef>
+          <a:effectRef idx="1">
+            <a:schemeClr val="accent4"/>
+          </a:effectRef>
+          <a:fontRef idx="minor">
+            <a:schemeClr val="dk1"/>
+          </a:fontRef>
+        </p:style>
+        <p:txBody>
+          <a:bodyPr rtlCol="0" anchor="ctr"/>
+          <a:lstStyle/>
+          <a:p>
+            <a:pPr algn="ctr"/>
+            <a:r>
+              <a:rPr lang="en-US" sz="1050">
+                <a:solidFill>
+                  <a:srgbClr val="7030A0"/>
+                </a:solidFill>
+              </a:rPr>
+              <a:t>Name</a:t>
+            </a:r>
+            <a:endParaRPr lang="en-SG" sz="1050" dirty="0">
+              <a:solidFill>
+                <a:srgbClr val="7030A0"/>
+              </a:solidFill>
+            </a:endParaRPr>
+          </a:p>
+        </p:txBody>
+      </p:sp>
+      <p:sp>
+        <p:nvSpPr>
+          <p:cNvPr id="78" name="Flowchart: Decision 96"/>
+          <p:cNvSpPr/>
+          <p:nvPr/>
+        </p:nvSpPr>
+        <p:spPr>
+          <a:xfrm rot="16200000">
+            <a:off x="6878045" y="1452175"/>
+            <a:ext cx="236048" cy="173380"/>
+          </a:xfrm>
+          <a:prstGeom prst="flowChartDecision">
+            <a:avLst/>
+          </a:prstGeom>
+          <a:solidFill>
+            <a:srgbClr val="7030A0"/>
+          </a:solidFill>
+          <a:ln w="19050">
+            <a:solidFill>
+              <a:srgbClr val="7030A0"/>
+            </a:solidFill>
+          </a:ln>
+          <a:effectLst/>
+        </p:spPr>
+        <p:style>
+          <a:lnRef idx="1">
+            <a:schemeClr val="accent6"/>
+          </a:lnRef>
+          <a:fillRef idx="2">
+            <a:schemeClr val="accent6"/>
+          </a:fillRef>
+          <a:effectRef idx="1">
+            <a:schemeClr val="accent6"/>
+          </a:effectRef>
+          <a:fontRef idx="minor">
+            <a:schemeClr val="dk1"/>
+          </a:fontRef>
+        </p:style>
+        <p:txBody>
+          <a:bodyPr rtlCol="0" anchor="ctr"/>
+          <a:lstStyle/>
+          <a:p>
+            <a:pPr algn="ctr"/>
+            <a:endParaRPr lang="en-US" sz="1050"/>
+          </a:p>
+        </p:txBody>
+      </p:sp>
+      <p:cxnSp>
+        <p:nvCxnSpPr>
+          <p:cNvPr id="79" name="Elbow Connector 78"/>
+          <p:cNvCxnSpPr>
+            <a:cxnSpLocks/>
+            <a:stCxn id="78" idx="3"/>
+            <a:endCxn id="76" idx="2"/>
+          </p:cNvCxnSpPr>
+          <p:nvPr/>
+        </p:nvCxnSpPr>
+        <p:spPr>
+          <a:xfrm rot="5400000" flipH="1" flipV="1">
+            <a:off x="6657140" y="1081912"/>
+            <a:ext cx="677858" cy="1"/>
+          </a:xfrm>
+          <a:prstGeom prst="bentConnector3">
+            <a:avLst>
+              <a:gd name="adj1" fmla="val 50000"/>
+            </a:avLst>
+          </a:prstGeom>
+          <a:ln w="19050">
+            <a:solidFill>
+              <a:srgbClr val="7030A0"/>
+            </a:solidFill>
+            <a:headEnd type="none" w="med" len="med"/>
+            <a:tailEnd type="arrow" w="med" len="med"/>
+          </a:ln>
+          <a:effectLst/>
+        </p:spPr>
+        <p:style>
+          <a:lnRef idx="1">
+            <a:schemeClr val="accent2"/>
+          </a:lnRef>
+          <a:fillRef idx="2">
+            <a:schemeClr val="accent2"/>
+          </a:fillRef>
+          <a:effectRef idx="1">
+            <a:schemeClr val="accent2"/>
+          </a:effectRef>
+          <a:fontRef idx="minor">
+            <a:schemeClr val="dk1"/>
+          </a:fontRef>
+        </p:style>
+      </p:cxnSp>
+      <p:cxnSp>
+        <p:nvCxnSpPr>
+          <p:cNvPr id="97" name="Elbow Connector 63"/>
+          <p:cNvCxnSpPr>
+            <a:cxnSpLocks/>
+            <a:stCxn id="138" idx="3"/>
+            <a:endCxn id="46" idx="0"/>
+          </p:cNvCxnSpPr>
+          <p:nvPr/>
+        </p:nvCxnSpPr>
+        <p:spPr>
+          <a:xfrm rot="16200000" flipH="1">
+            <a:off x="3297348" y="1529513"/>
+            <a:ext cx="114374" cy="2311"/>
+          </a:xfrm>
+          <a:prstGeom prst="bentConnector3">
+            <a:avLst>
+              <a:gd name="adj1" fmla="val 50000"/>
+            </a:avLst>
+          </a:prstGeom>
+          <a:ln w="19050">
+            <a:solidFill>
+              <a:srgbClr val="7030A0"/>
+            </a:solidFill>
+            <a:prstDash val="sysDot"/>
+            <a:headEnd type="none" w="med" len="med"/>
+            <a:tailEnd type="none" w="med" len="med"/>
+          </a:ln>
+          <a:effectLst/>
+        </p:spPr>
+        <p:style>
+          <a:lnRef idx="1">
+            <a:schemeClr val="accent2"/>
+          </a:lnRef>
+          <a:fillRef idx="2">
+            <a:schemeClr val="accent2"/>
+          </a:fillRef>
+          <a:effectRef idx="1">
+            <a:schemeClr val="accent2"/>
+          </a:effectRef>
+          <a:fontRef idx="minor">
+            <a:schemeClr val="dk1"/>
+          </a:fontRef>
+        </p:style>
+      </p:cxnSp>
+      <p:sp>
+        <p:nvSpPr>
+          <p:cNvPr id="100" name="Rectangle 8"/>
+          <p:cNvSpPr/>
+          <p:nvPr/>
+        </p:nvSpPr>
+        <p:spPr>
+          <a:xfrm>
+            <a:off x="2589686" y="948640"/>
+            <a:ext cx="1539926" cy="346760"/>
+          </a:xfrm>
+          <a:prstGeom prst="rect">
+            <a:avLst/>
+          </a:prstGeom>
+          <a:ln w="19050">
+            <a:solidFill>
+              <a:srgbClr val="7030A0"/>
+            </a:solidFill>
+          </a:ln>
+          <a:effectLst/>
+        </p:spPr>
+        <p:style>
+          <a:lnRef idx="1">
+            <a:schemeClr val="accent4"/>
+          </a:lnRef>
+          <a:fillRef idx="2">
+            <a:schemeClr val="accent4"/>
+          </a:fillRef>
+          <a:effectRef idx="1">
+            <a:schemeClr val="accent4"/>
+          </a:effectRef>
+          <a:fontRef idx="minor">
+            <a:schemeClr val="dk1"/>
+          </a:fontRef>
+        </p:style>
+        <p:txBody>
+          <a:bodyPr rtlCol="0" anchor="ctr"/>
+          <a:lstStyle/>
+          <a:p>
+            <a:pPr algn="ctr"/>
+            <a:r>
+              <a:rPr lang="en-US" sz="1050" dirty="0">
+                <a:solidFill>
+                  <a:srgbClr val="7030A0"/>
+                </a:solidFill>
+              </a:rPr>
+              <a:t>&lt;&lt;interface&gt;&gt;</a:t>
+            </a:r>
+            <a:br>
+              <a:rPr lang="en-US" sz="1050" dirty="0">
+                <a:solidFill>
+                  <a:srgbClr val="7030A0"/>
+                </a:solidFill>
+              </a:rPr>
+            </a:br>
+            <a:r>
+              <a:rPr lang="en-US" sz="1050" dirty="0" err="1">
+                <a:solidFill>
+                  <a:srgbClr val="7030A0"/>
+                </a:solidFill>
+              </a:rPr>
+              <a:t>ReadOnlyEntryBook</a:t>
+            </a:r>
+            <a:endParaRPr lang="en-SG" sz="1050" dirty="0">
+              <a:solidFill>
+                <a:srgbClr val="7030A0"/>
+              </a:solidFill>
+            </a:endParaRPr>
+          </a:p>
+        </p:txBody>
+      </p:sp>
+      <p:sp>
+        <p:nvSpPr>
+          <p:cNvPr id="122" name="Rectangle 8"/>
+          <p:cNvSpPr/>
+          <p:nvPr/>
+        </p:nvSpPr>
+        <p:spPr>
+          <a:xfrm>
+            <a:off x="2343612" y="479095"/>
+            <a:ext cx="1775949" cy="346760"/>
+          </a:xfrm>
+          <a:prstGeom prst="rect">
+            <a:avLst/>
+          </a:prstGeom>
+          <a:ln w="19050">
+            <a:solidFill>
+              <a:srgbClr val="7030A0"/>
+            </a:solidFill>
+          </a:ln>
+          <a:effectLst/>
+        </p:spPr>
+        <p:style>
+          <a:lnRef idx="1">
+            <a:schemeClr val="accent4"/>
+          </a:lnRef>
+          <a:fillRef idx="2">
+            <a:schemeClr val="accent4"/>
+          </a:fillRef>
+          <a:effectRef idx="1">
+            <a:schemeClr val="accent4"/>
+          </a:effectRef>
+          <a:fontRef idx="minor">
+            <a:schemeClr val="dk1"/>
+          </a:fontRef>
+        </p:style>
+        <p:txBody>
+          <a:bodyPr rtlCol="0" anchor="ctr"/>
+          <a:lstStyle/>
+          <a:p>
+            <a:pPr algn="ctr"/>
+            <a:r>
+              <a:rPr lang="en-US" sz="1050" dirty="0">
+                <a:solidFill>
+                  <a:srgbClr val="7030A0"/>
+                </a:solidFill>
+              </a:rPr>
+              <a:t>&lt;&lt;interface&gt;&gt;</a:t>
+            </a:r>
+            <a:br>
+              <a:rPr lang="en-US" sz="1050" dirty="0">
+                <a:solidFill>
+                  <a:srgbClr val="7030A0"/>
+                </a:solidFill>
+              </a:rPr>
+            </a:br>
+            <a:r>
+              <a:rPr lang="en-US" sz="1050" dirty="0" err="1">
+                <a:solidFill>
+                  <a:srgbClr val="7030A0"/>
+                </a:solidFill>
+              </a:rPr>
+              <a:t>UnmodifiableObservableList</a:t>
+            </a:r>
+            <a:endParaRPr lang="en-SG" sz="1050" dirty="0">
+              <a:solidFill>
+                <a:srgbClr val="7030A0"/>
+              </a:solidFill>
+            </a:endParaRPr>
+          </a:p>
+        </p:txBody>
+      </p:sp>
+      <p:cxnSp>
+        <p:nvCxnSpPr>
+          <p:cNvPr id="124" name="Elbow Connector 122"/>
+          <p:cNvCxnSpPr>
+            <a:cxnSpLocks/>
+            <a:stCxn id="119" idx="3"/>
+            <a:endCxn id="122" idx="1"/>
+          </p:cNvCxnSpPr>
+          <p:nvPr/>
+        </p:nvCxnSpPr>
+        <p:spPr>
+          <a:xfrm rot="5400000" flipH="1" flipV="1">
+            <a:off x="1516884" y="621473"/>
+            <a:ext cx="795726" cy="857730"/>
+          </a:xfrm>
+          <a:prstGeom prst="bentConnector2">
+            <a:avLst/>
+          </a:prstGeom>
+          <a:ln w="19050">
+            <a:solidFill>
+              <a:srgbClr val="7030A0"/>
+            </a:solidFill>
+            <a:prstDash val="sysDot"/>
+            <a:headEnd type="none" w="med" len="med"/>
+            <a:tailEnd type="arrow" w="med" len="med"/>
+          </a:ln>
+          <a:effectLst/>
+        </p:spPr>
+        <p:style>
+          <a:lnRef idx="1">
+            <a:schemeClr val="accent2"/>
+          </a:lnRef>
+          <a:fillRef idx="2">
+            <a:schemeClr val="accent2"/>
+          </a:fillRef>
+          <a:effectRef idx="1">
+            <a:schemeClr val="accent2"/>
+          </a:effectRef>
+          <a:fontRef idx="minor">
+            <a:schemeClr val="dk1"/>
+          </a:fontRef>
+        </p:style>
+      </p:cxnSp>
+      <p:cxnSp>
+        <p:nvCxnSpPr>
+          <p:cNvPr id="50" name="Elbow Connector 49"/>
+          <p:cNvCxnSpPr>
+            <a:cxnSpLocks/>
+            <a:stCxn id="78" idx="3"/>
+            <a:endCxn id="57" idx="3"/>
+          </p:cNvCxnSpPr>
+          <p:nvPr/>
+        </p:nvCxnSpPr>
+        <p:spPr>
+          <a:xfrm rot="16200000" flipV="1">
+            <a:off x="6312294" y="737065"/>
+            <a:ext cx="360497" cy="1007055"/>
+          </a:xfrm>
+          <a:prstGeom prst="bentConnector2">
+            <a:avLst/>
+          </a:prstGeom>
+          <a:ln w="19050">
+            <a:solidFill>
+              <a:srgbClr val="7030A0"/>
+            </a:solidFill>
+            <a:headEnd type="none" w="med" len="med"/>
+            <a:tailEnd type="arrow" w="med" len="med"/>
+          </a:ln>
+          <a:effectLst/>
+        </p:spPr>
+        <p:style>
+          <a:lnRef idx="1">
+            <a:schemeClr val="accent2"/>
+          </a:lnRef>
+          <a:fillRef idx="2">
+            <a:schemeClr val="accent2"/>
+          </a:fillRef>
+          <a:effectRef idx="1">
+            <a:schemeClr val="accent2"/>
+          </a:effectRef>
+          <a:fontRef idx="minor">
+            <a:schemeClr val="dk1"/>
+          </a:fontRef>
+        </p:style>
+      </p:cxnSp>
+      <p:sp>
+        <p:nvSpPr>
+          <p:cNvPr id="11" name="TextBox 10"/>
+          <p:cNvSpPr txBox="1"/>
+          <p:nvPr/>
+        </p:nvSpPr>
+        <p:spPr>
+          <a:xfrm>
+            <a:off x="4564394" y="843242"/>
+            <a:ext cx="189257" cy="178683"/>
+          </a:xfrm>
+          <a:prstGeom prst="rect">
+            <a:avLst/>
+          </a:prstGeom>
+          <a:noFill/>
+        </p:spPr>
+        <p:txBody>
+          <a:bodyPr wrap="square" lIns="0" tIns="0" rIns="0" bIns="0" rtlCol="0">
+            <a:noAutofit/>
+          </a:bodyPr>
+          <a:lstStyle/>
+          <a:p>
+            <a:pPr algn="ctr"/>
+            <a:r>
+              <a:rPr lang="en-US" sz="1100" dirty="0">
+                <a:solidFill>
+                  <a:srgbClr val="7030A0"/>
+                </a:solidFill>
+              </a:rPr>
+              <a:t>1</a:t>
+            </a:r>
+            <a:endParaRPr lang="en-SG" sz="1100" dirty="0">
+              <a:solidFill>
+                <a:srgbClr val="7030A0"/>
+              </a:solidFill>
+            </a:endParaRPr>
+          </a:p>
+        </p:txBody>
+      </p:sp>
+      <p:sp>
+        <p:nvSpPr>
+          <p:cNvPr id="54" name="TextBox 53"/>
+          <p:cNvSpPr txBox="1"/>
+          <p:nvPr/>
+        </p:nvSpPr>
+        <p:spPr>
+          <a:xfrm>
+            <a:off x="4573055" y="1243714"/>
+            <a:ext cx="189257" cy="178683"/>
+          </a:xfrm>
+          <a:prstGeom prst="rect">
+            <a:avLst/>
+          </a:prstGeom>
+          <a:noFill/>
+        </p:spPr>
+        <p:txBody>
+          <a:bodyPr wrap="square" lIns="0" tIns="0" rIns="0" bIns="0" rtlCol="0">
+            <a:noAutofit/>
+          </a:bodyPr>
+          <a:lstStyle/>
+          <a:p>
+            <a:pPr algn="ctr"/>
+            <a:r>
+              <a:rPr lang="en-SG" sz="1100" dirty="0">
+                <a:solidFill>
+                  <a:srgbClr val="7030A0"/>
+                </a:solidFill>
+              </a:rPr>
+              <a:t>3</a:t>
+            </a:r>
+          </a:p>
+        </p:txBody>
+      </p:sp>
+      <p:sp>
+        <p:nvSpPr>
+          <p:cNvPr id="56" name="TextBox 55"/>
+          <p:cNvSpPr txBox="1"/>
+          <p:nvPr/>
+        </p:nvSpPr>
+        <p:spPr>
+          <a:xfrm>
+            <a:off x="6059245" y="1101808"/>
+            <a:ext cx="189257" cy="178683"/>
+          </a:xfrm>
+          <a:prstGeom prst="rect">
+            <a:avLst/>
+          </a:prstGeom>
+          <a:noFill/>
+        </p:spPr>
+        <p:txBody>
+          <a:bodyPr wrap="square" lIns="0" tIns="0" rIns="0" bIns="0" rtlCol="0">
+            <a:noAutofit/>
+          </a:bodyPr>
+          <a:lstStyle/>
+          <a:p>
+            <a:pPr algn="ctr"/>
+            <a:r>
+              <a:rPr lang="en-US" sz="1100" dirty="0">
+                <a:solidFill>
+                  <a:srgbClr val="7030A0"/>
+                </a:solidFill>
+              </a:rPr>
+              <a:t>1</a:t>
+            </a:r>
+            <a:endParaRPr lang="en-SG" sz="1100" dirty="0">
+              <a:solidFill>
+                <a:srgbClr val="7030A0"/>
+              </a:solidFill>
+            </a:endParaRPr>
+          </a:p>
+        </p:txBody>
+      </p:sp>
+      <p:sp>
+        <p:nvSpPr>
+          <p:cNvPr id="60" name="TextBox 59"/>
+          <p:cNvSpPr txBox="1"/>
+          <p:nvPr/>
+        </p:nvSpPr>
+        <p:spPr>
+          <a:xfrm>
+            <a:off x="5506098" y="388536"/>
+            <a:ext cx="189257" cy="178683"/>
+          </a:xfrm>
+          <a:prstGeom prst="rect">
+            <a:avLst/>
+          </a:prstGeom>
+          <a:noFill/>
+        </p:spPr>
+        <p:txBody>
+          <a:bodyPr wrap="square" lIns="0" tIns="0" rIns="0" bIns="0" rtlCol="0">
+            <a:noAutofit/>
+          </a:bodyPr>
+          <a:lstStyle/>
+          <a:p>
+            <a:pPr algn="ctr"/>
+            <a:r>
+              <a:rPr lang="en-US" sz="1100" dirty="0">
+                <a:solidFill>
+                  <a:srgbClr val="7030A0"/>
+                </a:solidFill>
+              </a:rPr>
+              <a:t>*</a:t>
+            </a:r>
+            <a:endParaRPr lang="en-SG" sz="1100" dirty="0">
+              <a:solidFill>
+                <a:srgbClr val="7030A0"/>
+              </a:solidFill>
+            </a:endParaRPr>
+          </a:p>
+        </p:txBody>
+      </p:sp>
+      <p:sp>
+        <p:nvSpPr>
+          <p:cNvPr id="61" name="TextBox 60"/>
+          <p:cNvSpPr txBox="1"/>
+          <p:nvPr/>
+        </p:nvSpPr>
+        <p:spPr>
+          <a:xfrm>
+            <a:off x="6357509" y="1662611"/>
+            <a:ext cx="189257" cy="178683"/>
+          </a:xfrm>
+          <a:prstGeom prst="rect">
+            <a:avLst/>
+          </a:prstGeom>
+          <a:noFill/>
+        </p:spPr>
+        <p:txBody>
+          <a:bodyPr wrap="square" lIns="0" tIns="0" rIns="0" bIns="0" rtlCol="0">
+            <a:noAutofit/>
+          </a:bodyPr>
+          <a:lstStyle/>
+          <a:p>
+            <a:pPr algn="ctr"/>
+            <a:r>
+              <a:rPr lang="en-US" sz="1100" dirty="0">
+                <a:solidFill>
+                  <a:srgbClr val="7030A0"/>
+                </a:solidFill>
+              </a:rPr>
+              <a:t>*</a:t>
+            </a:r>
+            <a:endParaRPr lang="en-SG" sz="1100" dirty="0">
+              <a:solidFill>
+                <a:srgbClr val="7030A0"/>
+              </a:solidFill>
+            </a:endParaRPr>
+          </a:p>
+        </p:txBody>
+      </p:sp>
+      <p:sp>
+        <p:nvSpPr>
+          <p:cNvPr id="65" name="TextBox 64"/>
+          <p:cNvSpPr txBox="1"/>
+          <p:nvPr/>
+        </p:nvSpPr>
+        <p:spPr>
+          <a:xfrm>
+            <a:off x="2617306" y="1524674"/>
+            <a:ext cx="189257" cy="178683"/>
+          </a:xfrm>
+          <a:prstGeom prst="rect">
+            <a:avLst/>
+          </a:prstGeom>
+          <a:noFill/>
+        </p:spPr>
+        <p:txBody>
+          <a:bodyPr wrap="square" lIns="0" tIns="0" rIns="0" bIns="0" rtlCol="0">
+            <a:noAutofit/>
+          </a:bodyPr>
+          <a:lstStyle/>
+          <a:p>
+            <a:pPr algn="ctr"/>
+            <a:r>
+              <a:rPr lang="en-US" sz="1100" dirty="0">
+                <a:solidFill>
+                  <a:srgbClr val="7030A0"/>
+                </a:solidFill>
+              </a:rPr>
+              <a:t>1</a:t>
+            </a:r>
+            <a:endParaRPr lang="en-SG" sz="1100" dirty="0">
+              <a:solidFill>
+                <a:srgbClr val="7030A0"/>
+              </a:solidFill>
+            </a:endParaRPr>
+          </a:p>
+        </p:txBody>
+      </p:sp>
+      <p:sp>
+        <p:nvSpPr>
+          <p:cNvPr id="66" name="TextBox 65"/>
+          <p:cNvSpPr txBox="1"/>
+          <p:nvPr/>
+        </p:nvSpPr>
+        <p:spPr>
+          <a:xfrm>
+            <a:off x="2585753" y="2346486"/>
+            <a:ext cx="189257" cy="178683"/>
+          </a:xfrm>
+          <a:prstGeom prst="rect">
+            <a:avLst/>
+          </a:prstGeom>
+          <a:noFill/>
+        </p:spPr>
+        <p:txBody>
+          <a:bodyPr wrap="square" lIns="0" tIns="0" rIns="0" bIns="0" rtlCol="0">
+            <a:noAutofit/>
+          </a:bodyPr>
+          <a:lstStyle/>
+          <a:p>
+            <a:pPr algn="ctr"/>
+            <a:r>
+              <a:rPr lang="en-US" sz="1100" dirty="0">
+                <a:solidFill>
+                  <a:srgbClr val="7030A0"/>
+                </a:solidFill>
+              </a:rPr>
+              <a:t>1</a:t>
+            </a:r>
+            <a:endParaRPr lang="en-SG" sz="1100" dirty="0">
+              <a:solidFill>
+                <a:srgbClr val="7030A0"/>
+              </a:solidFill>
+            </a:endParaRPr>
+          </a:p>
+        </p:txBody>
+      </p:sp>
+      <p:cxnSp>
+        <p:nvCxnSpPr>
+          <p:cNvPr id="73" name="Elbow Connector 122">
+            <a:extLst>
+              <a:ext uri="{FF2B5EF4-FFF2-40B4-BE49-F238E27FC236}">
+                <a16:creationId xmlns:a16="http://schemas.microsoft.com/office/drawing/2014/main" id="{6C194B6E-AD6B-4C34-821F-85FC683926D2}"/>
+              </a:ext>
+            </a:extLst>
+          </p:cNvPr>
+          <p:cNvCxnSpPr>
+            <a:cxnSpLocks/>
+            <a:stCxn id="119" idx="3"/>
+            <a:endCxn id="100" idx="1"/>
+          </p:cNvCxnSpPr>
+          <p:nvPr/>
+        </p:nvCxnSpPr>
+        <p:spPr>
+          <a:xfrm rot="5400000" flipH="1" flipV="1">
+            <a:off x="1874694" y="733209"/>
+            <a:ext cx="326181" cy="1103804"/>
+          </a:xfrm>
+          <a:prstGeom prst="bentConnector2">
+            <a:avLst/>
+          </a:prstGeom>
+          <a:ln w="19050">
+            <a:solidFill>
+              <a:srgbClr val="7030A0"/>
+            </a:solidFill>
+            <a:prstDash val="sysDot"/>
+            <a:headEnd type="none" w="med" len="med"/>
+            <a:tailEnd type="arrow" w="med" len="med"/>
+          </a:ln>
+          <a:effectLst/>
+        </p:spPr>
+        <p:style>
+          <a:lnRef idx="1">
+            <a:schemeClr val="accent2"/>
+          </a:lnRef>
+          <a:fillRef idx="2">
+            <a:schemeClr val="accent2"/>
+          </a:fillRef>
+          <a:effectRef idx="1">
+            <a:schemeClr val="accent2"/>
+          </a:effectRef>
+          <a:fontRef idx="minor">
+            <a:schemeClr val="dk1"/>
+          </a:fontRef>
+        </p:style>
+      </p:cxnSp>
+      <p:cxnSp>
+        <p:nvCxnSpPr>
+          <p:cNvPr id="74" name="Elbow Connector 85">
+            <a:extLst>
+              <a:ext uri="{FF2B5EF4-FFF2-40B4-BE49-F238E27FC236}">
+                <a16:creationId xmlns:a16="http://schemas.microsoft.com/office/drawing/2014/main" id="{0BF0A13B-B2CA-43C0-A84A-D92BEE5134B9}"/>
+              </a:ext>
+            </a:extLst>
+          </p:cNvPr>
+          <p:cNvCxnSpPr>
+            <a:cxnSpLocks/>
+            <a:stCxn id="77" idx="3"/>
+            <a:endCxn id="117" idx="3"/>
+          </p:cNvCxnSpPr>
+          <p:nvPr/>
+        </p:nvCxnSpPr>
+        <p:spPr>
+          <a:xfrm flipV="1">
+            <a:off x="6952991" y="1839497"/>
+            <a:ext cx="703039" cy="2904970"/>
+          </a:xfrm>
+          <a:prstGeom prst="bentConnector3">
+            <a:avLst>
+              <a:gd name="adj1" fmla="val 139271"/>
+            </a:avLst>
+          </a:prstGeom>
+          <a:ln w="19050">
+            <a:solidFill>
+              <a:srgbClr val="7030A0"/>
+            </a:solidFill>
+            <a:headEnd type="none" w="med" len="med"/>
+            <a:tailEnd type="none" w="med" len="med"/>
+          </a:ln>
+          <a:effectLst/>
+        </p:spPr>
+        <p:style>
+          <a:lnRef idx="1">
+            <a:schemeClr val="accent2"/>
+          </a:lnRef>
+          <a:fillRef idx="2">
+            <a:schemeClr val="accent2"/>
+          </a:fillRef>
+          <a:effectRef idx="1">
+            <a:schemeClr val="accent2"/>
+          </a:effectRef>
+          <a:fontRef idx="minor">
+            <a:schemeClr val="dk1"/>
+          </a:fontRef>
+        </p:style>
+      </p:cxnSp>
+      <p:sp>
+        <p:nvSpPr>
+          <p:cNvPr id="77" name="Rectangle 8">
+            <a:extLst>
+              <a:ext uri="{FF2B5EF4-FFF2-40B4-BE49-F238E27FC236}">
+                <a16:creationId xmlns:a16="http://schemas.microsoft.com/office/drawing/2014/main" id="{0385A838-EEB2-4922-9B4E-2B6ECA006CD4}"/>
+              </a:ext>
+            </a:extLst>
+          </p:cNvPr>
+          <p:cNvSpPr/>
+          <p:nvPr/>
+        </p:nvSpPr>
+        <p:spPr>
+          <a:xfrm>
+            <a:off x="6249251" y="4601575"/>
+            <a:ext cx="703740" cy="285783"/>
+          </a:xfrm>
+          <a:prstGeom prst="rect">
+            <a:avLst/>
+          </a:prstGeom>
+          <a:ln w="19050">
+            <a:solidFill>
+              <a:srgbClr val="7030A0"/>
+            </a:solidFill>
+          </a:ln>
+          <a:effectLst/>
+        </p:spPr>
+        <p:style>
+          <a:lnRef idx="1">
+            <a:schemeClr val="accent4"/>
+          </a:lnRef>
+          <a:fillRef idx="2">
+            <a:schemeClr val="accent4"/>
+          </a:fillRef>
+          <a:effectRef idx="1">
+            <a:schemeClr val="accent4"/>
+          </a:effectRef>
+          <a:fontRef idx="minor">
+            <a:schemeClr val="dk1"/>
+          </a:fontRef>
+        </p:style>
+        <p:txBody>
+          <a:bodyPr rtlCol="0" anchor="ctr"/>
+          <a:lstStyle/>
+          <a:p>
+            <a:pPr algn="ctr"/>
+            <a:r>
+              <a:rPr lang="en-US" sz="1050">
+                <a:solidFill>
+                  <a:srgbClr val="7030A0"/>
+                </a:solidFill>
+              </a:rPr>
+              <a:t>Event</a:t>
+            </a:r>
+            <a:endParaRPr lang="en-SG" sz="1050" dirty="0">
+              <a:solidFill>
+                <a:srgbClr val="7030A0"/>
+              </a:solidFill>
+            </a:endParaRPr>
+          </a:p>
+        </p:txBody>
+      </p:sp>
+      <p:sp>
+        <p:nvSpPr>
+          <p:cNvPr id="82" name="Rectangle 8">
+            <a:extLst>
+              <a:ext uri="{FF2B5EF4-FFF2-40B4-BE49-F238E27FC236}">
+                <a16:creationId xmlns:a16="http://schemas.microsoft.com/office/drawing/2014/main" id="{B018534C-9921-4CC3-8436-96798BAD80C9}"/>
+              </a:ext>
+            </a:extLst>
+          </p:cNvPr>
+          <p:cNvSpPr/>
+          <p:nvPr/>
+        </p:nvSpPr>
+        <p:spPr>
+          <a:xfrm>
+            <a:off x="5411051" y="4191000"/>
+            <a:ext cx="881679" cy="285783"/>
+          </a:xfrm>
+          <a:prstGeom prst="rect">
+            <a:avLst/>
+          </a:prstGeom>
+          <a:ln w="19050">
+            <a:solidFill>
+              <a:srgbClr val="7030A0"/>
+            </a:solidFill>
+          </a:ln>
+          <a:effectLst/>
+        </p:spPr>
+        <p:style>
+          <a:lnRef idx="1">
+            <a:schemeClr val="accent4"/>
+          </a:lnRef>
+          <a:fillRef idx="2">
+            <a:schemeClr val="accent4"/>
+          </a:fillRef>
+          <a:effectRef idx="1">
+            <a:schemeClr val="accent4"/>
+          </a:effectRef>
+          <a:fontRef idx="minor">
+            <a:schemeClr val="dk1"/>
+          </a:fontRef>
+        </p:style>
+        <p:txBody>
+          <a:bodyPr rtlCol="0" anchor="ctr"/>
+          <a:lstStyle/>
+          <a:p>
+            <a:pPr algn="ctr"/>
+            <a:r>
+              <a:rPr lang="en-US" sz="1050" dirty="0" err="1">
+                <a:solidFill>
+                  <a:srgbClr val="7030A0"/>
+                </a:solidFill>
+              </a:rPr>
+              <a:t>FloatingTask</a:t>
+            </a:r>
+            <a:endParaRPr lang="en-US" sz="1050" dirty="0">
+              <a:solidFill>
+                <a:srgbClr val="7030A0"/>
+              </a:solidFill>
+            </a:endParaRPr>
+          </a:p>
+        </p:txBody>
+      </p:sp>
+      <p:sp>
+        <p:nvSpPr>
+          <p:cNvPr id="87" name="Rectangle 8">
+            <a:extLst>
+              <a:ext uri="{FF2B5EF4-FFF2-40B4-BE49-F238E27FC236}">
+                <a16:creationId xmlns:a16="http://schemas.microsoft.com/office/drawing/2014/main" id="{FD92DEDE-8CCC-4D5A-A87C-6D4AD8C4B580}"/>
+              </a:ext>
+            </a:extLst>
+          </p:cNvPr>
+          <p:cNvSpPr/>
+          <p:nvPr/>
+        </p:nvSpPr>
+        <p:spPr>
+          <a:xfrm>
+            <a:off x="6916260" y="4985648"/>
+            <a:ext cx="703740" cy="285783"/>
+          </a:xfrm>
+          <a:prstGeom prst="rect">
+            <a:avLst/>
+          </a:prstGeom>
+          <a:ln w="19050">
+            <a:solidFill>
+              <a:srgbClr val="7030A0"/>
+            </a:solidFill>
+          </a:ln>
+          <a:effectLst/>
+        </p:spPr>
+        <p:style>
+          <a:lnRef idx="1">
+            <a:schemeClr val="accent4"/>
+          </a:lnRef>
+          <a:fillRef idx="2">
+            <a:schemeClr val="accent4"/>
+          </a:fillRef>
+          <a:effectRef idx="1">
+            <a:schemeClr val="accent4"/>
+          </a:effectRef>
+          <a:fontRef idx="minor">
+            <a:schemeClr val="dk1"/>
+          </a:fontRef>
+        </p:style>
+        <p:txBody>
+          <a:bodyPr rtlCol="0" anchor="ctr"/>
+          <a:lstStyle/>
+          <a:p>
+            <a:pPr algn="ctr"/>
+            <a:r>
+              <a:rPr lang="en-US" sz="1050" dirty="0">
+                <a:solidFill>
+                  <a:srgbClr val="7030A0"/>
+                </a:solidFill>
+              </a:rPr>
+              <a:t>Deadline</a:t>
+            </a:r>
+            <a:endParaRPr lang="en-SG" sz="1050" dirty="0">
+              <a:solidFill>
+                <a:srgbClr val="7030A0"/>
+              </a:solidFill>
+            </a:endParaRPr>
+          </a:p>
+        </p:txBody>
+      </p:sp>
+      <p:cxnSp>
+        <p:nvCxnSpPr>
+          <p:cNvPr id="94" name="Elbow Connector 85">
+            <a:extLst>
+              <a:ext uri="{FF2B5EF4-FFF2-40B4-BE49-F238E27FC236}">
+                <a16:creationId xmlns:a16="http://schemas.microsoft.com/office/drawing/2014/main" id="{ED2F0B51-3478-4720-BDF8-DD7B29CB36C3}"/>
+              </a:ext>
+            </a:extLst>
+          </p:cNvPr>
+          <p:cNvCxnSpPr>
+            <a:cxnSpLocks/>
+            <a:stCxn id="87" idx="3"/>
+            <a:endCxn id="117" idx="3"/>
+          </p:cNvCxnSpPr>
+          <p:nvPr/>
+        </p:nvCxnSpPr>
+        <p:spPr>
+          <a:xfrm flipV="1">
+            <a:off x="7620000" y="1839497"/>
+            <a:ext cx="36030" cy="3289043"/>
+          </a:xfrm>
+          <a:prstGeom prst="bentConnector3">
+            <a:avLst>
+              <a:gd name="adj1" fmla="val 866278"/>
+            </a:avLst>
+          </a:prstGeom>
+          <a:ln w="19050">
+            <a:solidFill>
+              <a:srgbClr val="7030A0"/>
+            </a:solidFill>
+            <a:headEnd type="none" w="med" len="med"/>
+            <a:tailEnd type="none" w="med" len="med"/>
+          </a:ln>
+          <a:effectLst/>
+        </p:spPr>
+        <p:style>
+          <a:lnRef idx="1">
+            <a:schemeClr val="accent2"/>
+          </a:lnRef>
+          <a:fillRef idx="2">
+            <a:schemeClr val="accent2"/>
+          </a:fillRef>
+          <a:effectRef idx="1">
+            <a:schemeClr val="accent2"/>
+          </a:effectRef>
+          <a:fontRef idx="minor">
+            <a:schemeClr val="dk1"/>
+          </a:fontRef>
+        </p:style>
+      </p:cxnSp>
+      <p:cxnSp>
+        <p:nvCxnSpPr>
+          <p:cNvPr id="98" name="Elbow Connector 85">
+            <a:extLst>
+              <a:ext uri="{FF2B5EF4-FFF2-40B4-BE49-F238E27FC236}">
+                <a16:creationId xmlns:a16="http://schemas.microsoft.com/office/drawing/2014/main" id="{77D93BAA-6F83-4157-8F77-043E3F11FB25}"/>
+              </a:ext>
+            </a:extLst>
+          </p:cNvPr>
+          <p:cNvCxnSpPr>
+            <a:cxnSpLocks/>
+            <a:stCxn id="82" idx="3"/>
+            <a:endCxn id="117" idx="3"/>
+          </p:cNvCxnSpPr>
+          <p:nvPr/>
+        </p:nvCxnSpPr>
+        <p:spPr>
+          <a:xfrm flipV="1">
+            <a:off x="6292730" y="1839497"/>
+            <a:ext cx="1363300" cy="2494395"/>
+          </a:xfrm>
+          <a:prstGeom prst="bentConnector3">
+            <a:avLst>
+              <a:gd name="adj1" fmla="val 120252"/>
+            </a:avLst>
+          </a:prstGeom>
+          <a:ln w="19050">
+            <a:solidFill>
+              <a:srgbClr val="7030A0"/>
+            </a:solidFill>
+            <a:headEnd type="none" w="med" len="med"/>
+            <a:tailEnd type="none" w="med" len="med"/>
+          </a:ln>
+          <a:effectLst/>
+        </p:spPr>
+        <p:style>
+          <a:lnRef idx="1">
+            <a:schemeClr val="accent2"/>
+          </a:lnRef>
+          <a:fillRef idx="2">
+            <a:schemeClr val="accent2"/>
+          </a:fillRef>
+          <a:effectRef idx="1">
+            <a:schemeClr val="accent2"/>
+          </a:effectRef>
+          <a:fontRef idx="minor">
+            <a:schemeClr val="dk1"/>
+          </a:fontRef>
+        </p:style>
+      </p:cxnSp>
+      <p:sp>
+        <p:nvSpPr>
+          <p:cNvPr id="153" name="TextBox 152">
+            <a:extLst>
+              <a:ext uri="{FF2B5EF4-FFF2-40B4-BE49-F238E27FC236}">
+                <a16:creationId xmlns:a16="http://schemas.microsoft.com/office/drawing/2014/main" id="{88FBB9DB-E26B-428F-AA6E-B20634747BE4}"/>
+              </a:ext>
+            </a:extLst>
+          </p:cNvPr>
+          <p:cNvSpPr txBox="1"/>
+          <p:nvPr/>
+        </p:nvSpPr>
+        <p:spPr>
+          <a:xfrm>
+            <a:off x="7052588" y="757465"/>
+            <a:ext cx="189257" cy="178683"/>
+          </a:xfrm>
+          <a:prstGeom prst="rect">
+            <a:avLst/>
+          </a:prstGeom>
+          <a:noFill/>
+        </p:spPr>
+        <p:txBody>
+          <a:bodyPr wrap="square" lIns="0" tIns="0" rIns="0" bIns="0" rtlCol="0">
+            <a:noAutofit/>
+          </a:bodyPr>
+          <a:lstStyle/>
+          <a:p>
+            <a:pPr algn="ctr"/>
+            <a:r>
+              <a:rPr lang="en-US" sz="1100">
+                <a:solidFill>
+                  <a:srgbClr val="7030A0"/>
+                </a:solidFill>
+              </a:rPr>
+              <a:t>1</a:t>
+            </a:r>
+            <a:endParaRPr lang="en-SG" sz="1100" dirty="0">
+              <a:solidFill>
+                <a:srgbClr val="7030A0"/>
+              </a:solidFill>
+            </a:endParaRPr>
+          </a:p>
+        </p:txBody>
+      </p:sp>
+      <p:cxnSp>
+        <p:nvCxnSpPr>
+          <p:cNvPr id="268" name="Elbow Connector 58">
+            <a:extLst>
+              <a:ext uri="{FF2B5EF4-FFF2-40B4-BE49-F238E27FC236}">
+                <a16:creationId xmlns:a16="http://schemas.microsoft.com/office/drawing/2014/main" id="{A9D37834-AD78-452C-A0E4-1F0B40A9DA72}"/>
+              </a:ext>
+            </a:extLst>
+          </p:cNvPr>
+          <p:cNvCxnSpPr>
+            <a:cxnSpLocks/>
+            <a:stCxn id="93" idx="1"/>
+            <a:endCxn id="80" idx="3"/>
+          </p:cNvCxnSpPr>
+          <p:nvPr/>
+        </p:nvCxnSpPr>
+        <p:spPr>
+          <a:xfrm rot="10800000" flipV="1">
+            <a:off x="5138196" y="4736141"/>
+            <a:ext cx="874156" cy="1262"/>
+          </a:xfrm>
+          <a:prstGeom prst="bentConnector3">
+            <a:avLst>
+              <a:gd name="adj1" fmla="val 50000"/>
+            </a:avLst>
+          </a:prstGeom>
+          <a:ln w="19050">
+            <a:solidFill>
+              <a:srgbClr val="7030A0"/>
+            </a:solidFill>
+            <a:headEnd type="none" w="med" len="med"/>
+            <a:tailEnd type="arrow" w="med" len="med"/>
+          </a:ln>
+          <a:effectLst/>
+        </p:spPr>
+        <p:style>
+          <a:lnRef idx="1">
+            <a:schemeClr val="accent2"/>
+          </a:lnRef>
+          <a:fillRef idx="2">
+            <a:schemeClr val="accent2"/>
+          </a:fillRef>
+          <a:effectRef idx="1">
+            <a:schemeClr val="accent2"/>
+          </a:effectRef>
+          <a:fontRef idx="minor">
+            <a:schemeClr val="dk1"/>
+          </a:fontRef>
+        </p:style>
+      </p:cxnSp>
+      <p:cxnSp>
+        <p:nvCxnSpPr>
+          <p:cNvPr id="317" name="Elbow Connector 58">
+            <a:extLst>
+              <a:ext uri="{FF2B5EF4-FFF2-40B4-BE49-F238E27FC236}">
+                <a16:creationId xmlns:a16="http://schemas.microsoft.com/office/drawing/2014/main" id="{C3093632-1500-432F-A9DB-7AB4773E006E}"/>
+              </a:ext>
+            </a:extLst>
+          </p:cNvPr>
+          <p:cNvCxnSpPr>
+            <a:cxnSpLocks/>
+            <a:stCxn id="112" idx="1"/>
+            <a:endCxn id="80" idx="2"/>
+          </p:cNvCxnSpPr>
+          <p:nvPr/>
+        </p:nvCxnSpPr>
+        <p:spPr>
+          <a:xfrm rot="10800000">
+            <a:off x="4508047" y="4873231"/>
+            <a:ext cx="2170344" cy="255308"/>
+          </a:xfrm>
+          <a:prstGeom prst="bentConnector2">
+            <a:avLst/>
+          </a:prstGeom>
+          <a:ln w="19050">
+            <a:solidFill>
+              <a:srgbClr val="7030A0"/>
+            </a:solidFill>
+            <a:headEnd type="none" w="med" len="med"/>
+            <a:tailEnd type="arrow" w="med" len="med"/>
+          </a:ln>
+          <a:effectLst/>
+        </p:spPr>
+        <p:style>
+          <a:lnRef idx="1">
+            <a:schemeClr val="accent2"/>
+          </a:lnRef>
+          <a:fillRef idx="2">
+            <a:schemeClr val="accent2"/>
+          </a:fillRef>
+          <a:effectRef idx="1">
+            <a:schemeClr val="accent2"/>
+          </a:effectRef>
+          <a:fontRef idx="minor">
+            <a:schemeClr val="dk1"/>
+          </a:fontRef>
+        </p:style>
+      </p:cxnSp>
+      <p:sp>
+        <p:nvSpPr>
+          <p:cNvPr id="80" name="Rectangle 8">
+            <a:extLst>
+              <a:ext uri="{FF2B5EF4-FFF2-40B4-BE49-F238E27FC236}">
+                <a16:creationId xmlns:a16="http://schemas.microsoft.com/office/drawing/2014/main" id="{38053985-49C0-46E7-9DCF-1E8B04211018}"/>
+              </a:ext>
+            </a:extLst>
+          </p:cNvPr>
+          <p:cNvSpPr/>
+          <p:nvPr/>
+        </p:nvSpPr>
+        <p:spPr>
+          <a:xfrm>
+            <a:off x="3877898" y="4601575"/>
+            <a:ext cx="1260298" cy="271656"/>
+          </a:xfrm>
+          <a:prstGeom prst="rect">
+            <a:avLst/>
+          </a:prstGeom>
+          <a:ln w="19050">
+            <a:solidFill>
+              <a:srgbClr val="7030A0"/>
+            </a:solidFill>
+          </a:ln>
+          <a:effectLst/>
+        </p:spPr>
+        <p:style>
+          <a:lnRef idx="1">
+            <a:schemeClr val="accent4"/>
+          </a:lnRef>
+          <a:fillRef idx="2">
+            <a:schemeClr val="accent4"/>
+          </a:fillRef>
+          <a:effectRef idx="1">
+            <a:schemeClr val="accent4"/>
+          </a:effectRef>
+          <a:fontRef idx="minor">
+            <a:schemeClr val="dk1"/>
+          </a:fontRef>
+        </p:style>
+        <p:txBody>
+          <a:bodyPr rtlCol="0" anchor="ctr"/>
+          <a:lstStyle/>
+          <a:p>
+            <a:pPr algn="ctr"/>
+            <a:r>
+              <a:rPr lang="en-SG" sz="1050" dirty="0" err="1">
+                <a:solidFill>
+                  <a:srgbClr val="7030A0"/>
+                </a:solidFill>
+              </a:rPr>
+              <a:t>EntryDateAndTime</a:t>
+            </a:r>
+            <a:endParaRPr lang="en-SG" sz="1050" dirty="0">
+              <a:solidFill>
+                <a:srgbClr val="7030A0"/>
+              </a:solidFill>
+            </a:endParaRPr>
+          </a:p>
+        </p:txBody>
+      </p:sp>
+      <p:sp>
+        <p:nvSpPr>
+          <p:cNvPr id="93" name="Flowchart: Decision 96">
+            <a:extLst>
+              <a:ext uri="{FF2B5EF4-FFF2-40B4-BE49-F238E27FC236}">
+                <a16:creationId xmlns:a16="http://schemas.microsoft.com/office/drawing/2014/main" id="{7E42058C-7FC1-48B6-B0A0-82326A89238D}"/>
+              </a:ext>
+            </a:extLst>
+          </p:cNvPr>
+          <p:cNvSpPr/>
+          <p:nvPr/>
+        </p:nvSpPr>
+        <p:spPr>
+          <a:xfrm>
+            <a:off x="6012352" y="4649451"/>
+            <a:ext cx="236048" cy="173380"/>
+          </a:xfrm>
+          <a:prstGeom prst="flowChartDecision">
+            <a:avLst/>
+          </a:prstGeom>
+          <a:solidFill>
+            <a:srgbClr val="7030A0"/>
+          </a:solidFill>
+          <a:ln w="19050">
+            <a:solidFill>
+              <a:srgbClr val="7030A0"/>
+            </a:solidFill>
+          </a:ln>
+          <a:effectLst/>
+        </p:spPr>
+        <p:style>
+          <a:lnRef idx="1">
+            <a:schemeClr val="accent6"/>
+          </a:lnRef>
+          <a:fillRef idx="2">
+            <a:schemeClr val="accent6"/>
+          </a:fillRef>
+          <a:effectRef idx="1">
+            <a:schemeClr val="accent6"/>
+          </a:effectRef>
+          <a:fontRef idx="minor">
+            <a:schemeClr val="dk1"/>
+          </a:fontRef>
+        </p:style>
+        <p:txBody>
+          <a:bodyPr rtlCol="0" anchor="ctr"/>
+          <a:lstStyle/>
+          <a:p>
+            <a:pPr algn="ctr"/>
+            <a:endParaRPr lang="en-US" sz="1050"/>
+          </a:p>
+        </p:txBody>
+      </p:sp>
+      <p:sp>
+        <p:nvSpPr>
+          <p:cNvPr id="104" name="TextBox 103">
+            <a:extLst>
+              <a:ext uri="{FF2B5EF4-FFF2-40B4-BE49-F238E27FC236}">
+                <a16:creationId xmlns:a16="http://schemas.microsoft.com/office/drawing/2014/main" id="{7955D861-12E8-467E-A832-0CD2DE6AF70E}"/>
+              </a:ext>
+            </a:extLst>
+          </p:cNvPr>
+          <p:cNvSpPr txBox="1"/>
+          <p:nvPr/>
+        </p:nvSpPr>
+        <p:spPr>
+          <a:xfrm>
+            <a:off x="4270437" y="4957357"/>
+            <a:ext cx="189257" cy="178683"/>
+          </a:xfrm>
+          <a:prstGeom prst="rect">
+            <a:avLst/>
+          </a:prstGeom>
+          <a:noFill/>
+        </p:spPr>
+        <p:txBody>
+          <a:bodyPr wrap="square" lIns="0" tIns="0" rIns="0" bIns="0" rtlCol="0">
+            <a:noAutofit/>
+          </a:bodyPr>
+          <a:lstStyle/>
+          <a:p>
+            <a:pPr algn="ctr"/>
+            <a:r>
+              <a:rPr lang="en-US" sz="1100" dirty="0">
+                <a:solidFill>
+                  <a:srgbClr val="7030A0"/>
+                </a:solidFill>
+              </a:rPr>
+              <a:t>1</a:t>
+            </a:r>
+            <a:endParaRPr lang="en-SG" sz="1100" dirty="0">
+              <a:solidFill>
+                <a:srgbClr val="7030A0"/>
+              </a:solidFill>
+            </a:endParaRPr>
+          </a:p>
+        </p:txBody>
+      </p:sp>
+      <p:sp>
+        <p:nvSpPr>
+          <p:cNvPr id="105" name="TextBox 104">
+            <a:extLst>
+              <a:ext uri="{FF2B5EF4-FFF2-40B4-BE49-F238E27FC236}">
+                <a16:creationId xmlns:a16="http://schemas.microsoft.com/office/drawing/2014/main" id="{26655E42-5836-4693-B2F5-1B27CF911181}"/>
+              </a:ext>
+            </a:extLst>
+          </p:cNvPr>
+          <p:cNvSpPr txBox="1"/>
+          <p:nvPr/>
+        </p:nvSpPr>
+        <p:spPr>
+          <a:xfrm>
+            <a:off x="5220943" y="4532258"/>
+            <a:ext cx="189257" cy="178683"/>
+          </a:xfrm>
+          <a:prstGeom prst="rect">
+            <a:avLst/>
+          </a:prstGeom>
+          <a:noFill/>
+        </p:spPr>
+        <p:txBody>
+          <a:bodyPr wrap="square" lIns="0" tIns="0" rIns="0" bIns="0" rtlCol="0">
+            <a:noAutofit/>
+          </a:bodyPr>
+          <a:lstStyle/>
+          <a:p>
+            <a:pPr algn="ctr"/>
+            <a:r>
+              <a:rPr lang="en-US" sz="1100" dirty="0">
+                <a:solidFill>
+                  <a:srgbClr val="7030A0"/>
+                </a:solidFill>
+              </a:rPr>
+              <a:t>2</a:t>
+            </a:r>
+            <a:endParaRPr lang="en-SG" sz="1100" dirty="0">
+              <a:solidFill>
+                <a:srgbClr val="7030A0"/>
+              </a:solidFill>
+            </a:endParaRPr>
+          </a:p>
+        </p:txBody>
+      </p:sp>
+      <p:sp>
+        <p:nvSpPr>
+          <p:cNvPr id="112" name="Flowchart: Decision 96">
+            <a:extLst>
+              <a:ext uri="{FF2B5EF4-FFF2-40B4-BE49-F238E27FC236}">
+                <a16:creationId xmlns:a16="http://schemas.microsoft.com/office/drawing/2014/main" id="{293ECA54-CC18-4A53-ABFD-453088B10C9C}"/>
+              </a:ext>
+            </a:extLst>
+          </p:cNvPr>
+          <p:cNvSpPr/>
+          <p:nvPr/>
+        </p:nvSpPr>
+        <p:spPr>
+          <a:xfrm>
+            <a:off x="6678391" y="5041849"/>
+            <a:ext cx="236048" cy="173380"/>
+          </a:xfrm>
+          <a:prstGeom prst="flowChartDecision">
+            <a:avLst/>
+          </a:prstGeom>
+          <a:solidFill>
+            <a:srgbClr val="7030A0"/>
+          </a:solidFill>
+          <a:ln w="19050">
+            <a:solidFill>
+              <a:srgbClr val="7030A0"/>
+            </a:solidFill>
+          </a:ln>
+          <a:effectLst/>
+        </p:spPr>
+        <p:style>
+          <a:lnRef idx="1">
+            <a:schemeClr val="accent6"/>
+          </a:lnRef>
+          <a:fillRef idx="2">
+            <a:schemeClr val="accent6"/>
+          </a:fillRef>
+          <a:effectRef idx="1">
+            <a:schemeClr val="accent6"/>
+          </a:effectRef>
+          <a:fontRef idx="minor">
+            <a:schemeClr val="dk1"/>
+          </a:fontRef>
+        </p:style>
+        <p:txBody>
+          <a:bodyPr rtlCol="0" anchor="ctr"/>
+          <a:lstStyle/>
+          <a:p>
+            <a:pPr algn="ctr"/>
+            <a:endParaRPr lang="en-US" sz="1050"/>
+          </a:p>
+        </p:txBody>
+      </p:sp>
+      <p:sp>
+        <p:nvSpPr>
+          <p:cNvPr id="117" name="Isosceles Triangle 102">
+            <a:extLst>
+              <a:ext uri="{FF2B5EF4-FFF2-40B4-BE49-F238E27FC236}">
+                <a16:creationId xmlns:a16="http://schemas.microsoft.com/office/drawing/2014/main" id="{7AB74330-96D4-4F9A-BFF6-5D372946A3A3}"/>
+              </a:ext>
+            </a:extLst>
+          </p:cNvPr>
+          <p:cNvSpPr/>
+          <p:nvPr/>
+        </p:nvSpPr>
+        <p:spPr>
+          <a:xfrm rot="5400000" flipV="1">
+            <a:off x="7433016" y="1751735"/>
+            <a:ext cx="270504" cy="175523"/>
+          </a:xfrm>
+          <a:prstGeom prst="triangle">
+            <a:avLst/>
+          </a:prstGeom>
+          <a:ln w="19050">
+            <a:solidFill>
+              <a:srgbClr val="7030A0"/>
+            </a:solidFill>
+          </a:ln>
+          <a:effectLst/>
+        </p:spPr>
+        <p:style>
+          <a:lnRef idx="1">
+            <a:schemeClr val="accent4"/>
+          </a:lnRef>
+          <a:fillRef idx="2">
+            <a:schemeClr val="accent4"/>
+          </a:fillRef>
+          <a:effectRef idx="1">
+            <a:schemeClr val="accent4"/>
+          </a:effectRef>
+          <a:fontRef idx="minor">
+            <a:schemeClr val="dk1"/>
+          </a:fontRef>
+        </p:style>
+        <p:txBody>
+          <a:bodyPr rtlCol="0" anchor="ctr"/>
+          <a:lstStyle/>
+          <a:p>
+            <a:pPr algn="ctr"/>
+            <a:endParaRPr lang="en-SG" sz="1050" b="1">
+              <a:solidFill>
+                <a:srgbClr val="92D050"/>
+              </a:solidFill>
+            </a:endParaRPr>
+          </a:p>
+        </p:txBody>
+      </p:sp>
+      <p:sp>
+        <p:nvSpPr>
+          <p:cNvPr id="81" name="Rectangle 8">
+            <a:extLst>
+              <a:ext uri="{FF2B5EF4-FFF2-40B4-BE49-F238E27FC236}">
+                <a16:creationId xmlns:a16="http://schemas.microsoft.com/office/drawing/2014/main" id="{7A38C179-FD0A-4AFF-9DAD-D2B114E689D6}"/>
+              </a:ext>
+            </a:extLst>
+          </p:cNvPr>
+          <p:cNvSpPr/>
+          <p:nvPr/>
+        </p:nvSpPr>
+        <p:spPr>
+          <a:xfrm>
+            <a:off x="2680736" y="2705120"/>
+            <a:ext cx="1099150" cy="377140"/>
+          </a:xfrm>
+          <a:prstGeom prst="rect">
+            <a:avLst/>
+          </a:prstGeom>
+          <a:ln w="19050">
+            <a:solidFill>
+              <a:srgbClr val="7030A0"/>
+            </a:solidFill>
+          </a:ln>
+          <a:effectLst/>
+        </p:spPr>
+        <p:style>
+          <a:lnRef idx="1">
+            <a:schemeClr val="accent4"/>
+          </a:lnRef>
+          <a:fillRef idx="2">
+            <a:schemeClr val="accent4"/>
+          </a:fillRef>
+          <a:effectRef idx="1">
+            <a:schemeClr val="accent4"/>
+          </a:effectRef>
+          <a:fontRef idx="minor">
+            <a:schemeClr val="dk1"/>
+          </a:fontRef>
+        </p:style>
+        <p:txBody>
+          <a:bodyPr rtlCol="0" anchor="ctr"/>
+          <a:lstStyle/>
+          <a:p>
+            <a:pPr algn="ctr"/>
+            <a:r>
+              <a:rPr lang="en-US" sz="1050" dirty="0">
+                <a:solidFill>
+                  <a:srgbClr val="7030A0"/>
+                </a:solidFill>
+              </a:rPr>
+              <a:t>{abstract}</a:t>
+            </a:r>
+            <a:br>
+              <a:rPr lang="en-US" sz="1050" dirty="0">
+                <a:solidFill>
+                  <a:srgbClr val="7030A0"/>
+                </a:solidFill>
+              </a:rPr>
+            </a:br>
+            <a:r>
+              <a:rPr lang="en-US" sz="1050" dirty="0" err="1">
+                <a:solidFill>
+                  <a:srgbClr val="7030A0"/>
+                </a:solidFill>
+              </a:rPr>
+              <a:t>EntryList</a:t>
+            </a:r>
+            <a:endParaRPr lang="en-SG" sz="1050" dirty="0">
+              <a:solidFill>
+                <a:srgbClr val="7030A0"/>
+              </a:solidFill>
+            </a:endParaRPr>
+          </a:p>
+        </p:txBody>
+      </p:sp>
+      <p:sp>
+        <p:nvSpPr>
+          <p:cNvPr id="83" name="TextBox 82">
+            <a:extLst>
+              <a:ext uri="{FF2B5EF4-FFF2-40B4-BE49-F238E27FC236}">
+                <a16:creationId xmlns:a16="http://schemas.microsoft.com/office/drawing/2014/main" id="{B0746313-7EAE-4FD7-BA26-B0CF426E0CE1}"/>
+              </a:ext>
+            </a:extLst>
+          </p:cNvPr>
+          <p:cNvSpPr txBox="1"/>
+          <p:nvPr/>
+        </p:nvSpPr>
+        <p:spPr>
+          <a:xfrm>
+            <a:off x="1969588" y="3437308"/>
+            <a:ext cx="189257" cy="178683"/>
+          </a:xfrm>
+          <a:prstGeom prst="rect">
+            <a:avLst/>
+          </a:prstGeom>
+          <a:noFill/>
+        </p:spPr>
+        <p:txBody>
+          <a:bodyPr wrap="square" lIns="0" tIns="0" rIns="0" bIns="0" rtlCol="0">
+            <a:noAutofit/>
+          </a:bodyPr>
+          <a:lstStyle/>
+          <a:p>
+            <a:pPr algn="ctr"/>
+            <a:r>
+              <a:rPr lang="en-SG" sz="1100" dirty="0">
+                <a:solidFill>
+                  <a:srgbClr val="7030A0"/>
+                </a:solidFill>
+              </a:rPr>
+              <a:t>3</a:t>
+            </a:r>
+          </a:p>
+        </p:txBody>
+      </p:sp>
+      <p:cxnSp>
+        <p:nvCxnSpPr>
+          <p:cNvPr id="113" name="Elbow Connector 63">
+            <a:extLst>
+              <a:ext uri="{FF2B5EF4-FFF2-40B4-BE49-F238E27FC236}">
+                <a16:creationId xmlns:a16="http://schemas.microsoft.com/office/drawing/2014/main" id="{A1485418-2743-47D1-BC42-2E0545F2FBE5}"/>
+              </a:ext>
+            </a:extLst>
+          </p:cNvPr>
+          <p:cNvCxnSpPr>
+            <a:cxnSpLocks/>
+            <a:stCxn id="139" idx="3"/>
+            <a:endCxn id="49" idx="1"/>
+          </p:cNvCxnSpPr>
+          <p:nvPr/>
+        </p:nvCxnSpPr>
+        <p:spPr>
+          <a:xfrm flipV="1">
+            <a:off x="3968206" y="1584848"/>
+            <a:ext cx="861456" cy="1290819"/>
+          </a:xfrm>
+          <a:prstGeom prst="bentConnector3">
+            <a:avLst>
+              <a:gd name="adj1" fmla="val 50000"/>
+            </a:avLst>
+          </a:prstGeom>
+          <a:ln w="19050">
+            <a:solidFill>
+              <a:srgbClr val="7030A0"/>
+            </a:solidFill>
+            <a:prstDash val="solid"/>
+            <a:headEnd type="none" w="med" len="med"/>
+            <a:tailEnd type="none" w="med" len="med"/>
+          </a:ln>
+          <a:effectLst/>
+        </p:spPr>
+        <p:style>
+          <a:lnRef idx="1">
+            <a:schemeClr val="accent2"/>
+          </a:lnRef>
+          <a:fillRef idx="2">
+            <a:schemeClr val="accent2"/>
+          </a:fillRef>
+          <a:effectRef idx="1">
+            <a:schemeClr val="accent2"/>
+          </a:effectRef>
+          <a:fontRef idx="minor">
+            <a:schemeClr val="dk1"/>
+          </a:fontRef>
+        </p:style>
+      </p:cxnSp>
+      <p:sp>
+        <p:nvSpPr>
+          <p:cNvPr id="101" name="Rectangle 8">
+            <a:extLst>
+              <a:ext uri="{FF2B5EF4-FFF2-40B4-BE49-F238E27FC236}">
+                <a16:creationId xmlns:a16="http://schemas.microsoft.com/office/drawing/2014/main" id="{3A8DF1E8-19BD-4490-BC77-A609B6FD5639}"/>
+              </a:ext>
+            </a:extLst>
+          </p:cNvPr>
+          <p:cNvSpPr/>
+          <p:nvPr/>
+        </p:nvSpPr>
+        <p:spPr>
+          <a:xfrm>
+            <a:off x="4827831" y="1981179"/>
+            <a:ext cx="1156969" cy="476049"/>
+          </a:xfrm>
+          <a:prstGeom prst="rect">
+            <a:avLst/>
+          </a:prstGeom>
+          <a:ln w="19050">
+            <a:solidFill>
+              <a:srgbClr val="7030A0"/>
+            </a:solidFill>
+          </a:ln>
+          <a:effectLst/>
+        </p:spPr>
+        <p:style>
+          <a:lnRef idx="1">
+            <a:schemeClr val="accent4"/>
+          </a:lnRef>
+          <a:fillRef idx="2">
+            <a:schemeClr val="accent4"/>
+          </a:fillRef>
+          <a:effectRef idx="1">
+            <a:schemeClr val="accent4"/>
+          </a:effectRef>
+          <a:fontRef idx="minor">
+            <a:schemeClr val="dk1"/>
+          </a:fontRef>
+        </p:style>
+        <p:txBody>
+          <a:bodyPr rtlCol="0" anchor="ctr"/>
+          <a:lstStyle/>
+          <a:p>
+            <a:pPr algn="ctr"/>
+            <a:r>
+              <a:rPr lang="en-SG" sz="1050" dirty="0" err="1">
+                <a:solidFill>
+                  <a:srgbClr val="7030A0"/>
+                </a:solidFill>
+              </a:rPr>
+              <a:t>EventList</a:t>
+            </a:r>
+            <a:endParaRPr lang="en-SG" sz="1050" dirty="0">
+              <a:solidFill>
+                <a:srgbClr val="7030A0"/>
+              </a:solidFill>
+            </a:endParaRPr>
+          </a:p>
+        </p:txBody>
+      </p:sp>
+      <p:sp>
+        <p:nvSpPr>
+          <p:cNvPr id="102" name="Rectangle 8">
+            <a:extLst>
+              <a:ext uri="{FF2B5EF4-FFF2-40B4-BE49-F238E27FC236}">
+                <a16:creationId xmlns:a16="http://schemas.microsoft.com/office/drawing/2014/main" id="{4A845856-BC9D-446D-B86B-5856280A727B}"/>
+              </a:ext>
+            </a:extLst>
+          </p:cNvPr>
+          <p:cNvSpPr/>
+          <p:nvPr/>
+        </p:nvSpPr>
+        <p:spPr>
+          <a:xfrm>
+            <a:off x="4836905" y="2542346"/>
+            <a:ext cx="1156969" cy="476049"/>
+          </a:xfrm>
+          <a:prstGeom prst="rect">
+            <a:avLst/>
+          </a:prstGeom>
+          <a:ln w="19050">
+            <a:solidFill>
+              <a:srgbClr val="7030A0"/>
+            </a:solidFill>
+          </a:ln>
+          <a:effectLst/>
+        </p:spPr>
+        <p:style>
+          <a:lnRef idx="1">
+            <a:schemeClr val="accent4"/>
+          </a:lnRef>
+          <a:fillRef idx="2">
+            <a:schemeClr val="accent4"/>
+          </a:fillRef>
+          <a:effectRef idx="1">
+            <a:schemeClr val="accent4"/>
+          </a:effectRef>
+          <a:fontRef idx="minor">
+            <a:schemeClr val="dk1"/>
+          </a:fontRef>
+        </p:style>
+        <p:txBody>
+          <a:bodyPr rtlCol="0" anchor="ctr"/>
+          <a:lstStyle/>
+          <a:p>
+            <a:pPr algn="ctr"/>
+            <a:r>
+              <a:rPr lang="en-SG" sz="1050" dirty="0" err="1">
+                <a:solidFill>
+                  <a:srgbClr val="7030A0"/>
+                </a:solidFill>
+              </a:rPr>
+              <a:t>DeadlineList</a:t>
+            </a:r>
+            <a:endParaRPr lang="en-SG" sz="1050" dirty="0">
+              <a:solidFill>
+                <a:srgbClr val="7030A0"/>
+              </a:solidFill>
+            </a:endParaRPr>
+          </a:p>
+        </p:txBody>
+      </p:sp>
+      <p:sp>
+        <p:nvSpPr>
+          <p:cNvPr id="103" name="Rectangle 8">
+            <a:extLst>
+              <a:ext uri="{FF2B5EF4-FFF2-40B4-BE49-F238E27FC236}">
+                <a16:creationId xmlns:a16="http://schemas.microsoft.com/office/drawing/2014/main" id="{4A8F1CE5-EF77-4895-9413-B5BFC4CC6FF0}"/>
+              </a:ext>
+            </a:extLst>
+          </p:cNvPr>
+          <p:cNvSpPr/>
+          <p:nvPr/>
+        </p:nvSpPr>
+        <p:spPr>
+          <a:xfrm>
+            <a:off x="4836905" y="3105351"/>
+            <a:ext cx="1156969" cy="476049"/>
+          </a:xfrm>
+          <a:prstGeom prst="rect">
+            <a:avLst/>
+          </a:prstGeom>
+          <a:ln w="19050">
+            <a:solidFill>
+              <a:srgbClr val="7030A0"/>
+            </a:solidFill>
+          </a:ln>
+          <a:effectLst/>
+        </p:spPr>
+        <p:style>
+          <a:lnRef idx="1">
+            <a:schemeClr val="accent4"/>
+          </a:lnRef>
+          <a:fillRef idx="2">
+            <a:schemeClr val="accent4"/>
+          </a:fillRef>
+          <a:effectRef idx="1">
+            <a:schemeClr val="accent4"/>
+          </a:effectRef>
+          <a:fontRef idx="minor">
+            <a:schemeClr val="dk1"/>
+          </a:fontRef>
+        </p:style>
+        <p:txBody>
+          <a:bodyPr rtlCol="0" anchor="ctr"/>
+          <a:lstStyle/>
+          <a:p>
+            <a:pPr algn="ctr"/>
+            <a:r>
+              <a:rPr lang="en-SG" sz="1050" dirty="0" err="1">
+                <a:solidFill>
+                  <a:srgbClr val="7030A0"/>
+                </a:solidFill>
+              </a:rPr>
+              <a:t>FloatingTaskList</a:t>
+            </a:r>
+            <a:endParaRPr lang="en-SG" sz="1050" dirty="0">
+              <a:solidFill>
+                <a:srgbClr val="7030A0"/>
+              </a:solidFill>
+            </a:endParaRPr>
+          </a:p>
+        </p:txBody>
+      </p:sp>
+      <p:cxnSp>
+        <p:nvCxnSpPr>
+          <p:cNvPr id="106" name="Elbow Connector 29">
+            <a:extLst>
+              <a:ext uri="{FF2B5EF4-FFF2-40B4-BE49-F238E27FC236}">
+                <a16:creationId xmlns:a16="http://schemas.microsoft.com/office/drawing/2014/main" id="{014CD831-8474-45B5-A953-0E87A8D1BFCA}"/>
+              </a:ext>
+            </a:extLst>
+          </p:cNvPr>
+          <p:cNvCxnSpPr>
+            <a:cxnSpLocks/>
+            <a:stCxn id="51" idx="3"/>
+            <a:endCxn id="103" idx="1"/>
+          </p:cNvCxnSpPr>
+          <p:nvPr/>
+        </p:nvCxnSpPr>
+        <p:spPr>
+          <a:xfrm>
+            <a:off x="4153221" y="1776472"/>
+            <a:ext cx="683684" cy="1566904"/>
+          </a:xfrm>
+          <a:prstGeom prst="bentConnector3">
+            <a:avLst>
+              <a:gd name="adj1" fmla="val 50000"/>
+            </a:avLst>
+          </a:prstGeom>
+          <a:ln w="19050">
+            <a:solidFill>
+              <a:srgbClr val="7030A0"/>
+            </a:solidFill>
+            <a:headEnd type="none" w="med" len="med"/>
+            <a:tailEnd type="arrow" w="med" len="med"/>
+          </a:ln>
+          <a:effectLst/>
+        </p:spPr>
+        <p:style>
+          <a:lnRef idx="1">
+            <a:schemeClr val="accent2"/>
+          </a:lnRef>
+          <a:fillRef idx="2">
+            <a:schemeClr val="accent2"/>
+          </a:fillRef>
+          <a:effectRef idx="1">
+            <a:schemeClr val="accent2"/>
+          </a:effectRef>
+          <a:fontRef idx="minor">
+            <a:schemeClr val="dk1"/>
+          </a:fontRef>
+        </p:style>
+      </p:cxnSp>
+      <p:cxnSp>
+        <p:nvCxnSpPr>
+          <p:cNvPr id="108" name="Elbow Connector 29">
+            <a:extLst>
+              <a:ext uri="{FF2B5EF4-FFF2-40B4-BE49-F238E27FC236}">
+                <a16:creationId xmlns:a16="http://schemas.microsoft.com/office/drawing/2014/main" id="{FF0147D8-05B1-43A2-91FD-96D842923B11}"/>
+              </a:ext>
+            </a:extLst>
+          </p:cNvPr>
+          <p:cNvCxnSpPr>
+            <a:cxnSpLocks/>
+            <a:stCxn id="51" idx="3"/>
+            <a:endCxn id="102" idx="1"/>
+          </p:cNvCxnSpPr>
+          <p:nvPr/>
+        </p:nvCxnSpPr>
+        <p:spPr>
+          <a:xfrm>
+            <a:off x="4153221" y="1776472"/>
+            <a:ext cx="683684" cy="1003899"/>
+          </a:xfrm>
+          <a:prstGeom prst="bentConnector3">
+            <a:avLst>
+              <a:gd name="adj1" fmla="val 50000"/>
+            </a:avLst>
+          </a:prstGeom>
+          <a:ln w="19050">
+            <a:solidFill>
+              <a:srgbClr val="7030A0"/>
+            </a:solidFill>
+            <a:headEnd type="none" w="med" len="med"/>
+            <a:tailEnd type="arrow" w="med" len="med"/>
+          </a:ln>
+          <a:effectLst/>
+        </p:spPr>
+        <p:style>
+          <a:lnRef idx="1">
+            <a:schemeClr val="accent2"/>
+          </a:lnRef>
+          <a:fillRef idx="2">
+            <a:schemeClr val="accent2"/>
+          </a:fillRef>
+          <a:effectRef idx="1">
+            <a:schemeClr val="accent2"/>
+          </a:effectRef>
+          <a:fontRef idx="minor">
+            <a:schemeClr val="dk1"/>
+          </a:fontRef>
+        </p:style>
+      </p:cxnSp>
+      <p:cxnSp>
+        <p:nvCxnSpPr>
+          <p:cNvPr id="109" name="Elbow Connector 29">
+            <a:extLst>
+              <a:ext uri="{FF2B5EF4-FFF2-40B4-BE49-F238E27FC236}">
+                <a16:creationId xmlns:a16="http://schemas.microsoft.com/office/drawing/2014/main" id="{8D0A22F4-57A2-4BAC-8BD2-4A1F476185C4}"/>
+              </a:ext>
+            </a:extLst>
+          </p:cNvPr>
+          <p:cNvCxnSpPr>
+            <a:cxnSpLocks/>
+            <a:stCxn id="51" idx="3"/>
+            <a:endCxn id="101" idx="1"/>
+          </p:cNvCxnSpPr>
+          <p:nvPr/>
+        </p:nvCxnSpPr>
+        <p:spPr>
+          <a:xfrm>
+            <a:off x="4153221" y="1776472"/>
+            <a:ext cx="674610" cy="442732"/>
+          </a:xfrm>
+          <a:prstGeom prst="bentConnector3">
+            <a:avLst>
+              <a:gd name="adj1" fmla="val 50000"/>
+            </a:avLst>
+          </a:prstGeom>
+          <a:ln w="19050">
+            <a:solidFill>
+              <a:srgbClr val="7030A0"/>
+            </a:solidFill>
+            <a:headEnd type="none" w="med" len="med"/>
+            <a:tailEnd type="arrow" w="med" len="med"/>
+          </a:ln>
+          <a:effectLst/>
+        </p:spPr>
+        <p:style>
+          <a:lnRef idx="1">
+            <a:schemeClr val="accent2"/>
+          </a:lnRef>
+          <a:fillRef idx="2">
+            <a:schemeClr val="accent2"/>
+          </a:fillRef>
+          <a:effectRef idx="1">
+            <a:schemeClr val="accent2"/>
+          </a:effectRef>
+          <a:fontRef idx="minor">
+            <a:schemeClr val="dk1"/>
+          </a:fontRef>
+        </p:style>
+      </p:cxnSp>
+      <p:sp>
+        <p:nvSpPr>
+          <p:cNvPr id="110" name="TextBox 109">
+            <a:extLst>
+              <a:ext uri="{FF2B5EF4-FFF2-40B4-BE49-F238E27FC236}">
+                <a16:creationId xmlns:a16="http://schemas.microsoft.com/office/drawing/2014/main" id="{14E0032F-C669-4A6F-B13A-1CD078CFD018}"/>
+              </a:ext>
+            </a:extLst>
+          </p:cNvPr>
+          <p:cNvSpPr txBox="1"/>
+          <p:nvPr/>
+        </p:nvSpPr>
+        <p:spPr>
+          <a:xfrm>
+            <a:off x="4582923" y="1981644"/>
+            <a:ext cx="189257" cy="178683"/>
+          </a:xfrm>
+          <a:prstGeom prst="rect">
+            <a:avLst/>
+          </a:prstGeom>
+          <a:noFill/>
+        </p:spPr>
+        <p:txBody>
+          <a:bodyPr wrap="square" lIns="0" tIns="0" rIns="0" bIns="0" rtlCol="0">
+            <a:noAutofit/>
+          </a:bodyPr>
+          <a:lstStyle/>
+          <a:p>
+            <a:pPr algn="ctr"/>
+            <a:r>
+              <a:rPr lang="en-US" sz="1100" dirty="0">
+                <a:solidFill>
+                  <a:srgbClr val="7030A0"/>
+                </a:solidFill>
+              </a:rPr>
+              <a:t>1</a:t>
+            </a:r>
+            <a:endParaRPr lang="en-SG" sz="1100" dirty="0">
+              <a:solidFill>
+                <a:srgbClr val="7030A0"/>
+              </a:solidFill>
+            </a:endParaRPr>
+          </a:p>
+        </p:txBody>
+      </p:sp>
+      <p:sp>
+        <p:nvSpPr>
+          <p:cNvPr id="116" name="TextBox 115">
+            <a:extLst>
+              <a:ext uri="{FF2B5EF4-FFF2-40B4-BE49-F238E27FC236}">
+                <a16:creationId xmlns:a16="http://schemas.microsoft.com/office/drawing/2014/main" id="{9D6D18B1-494C-430F-B3B3-D7939FAC6C97}"/>
+              </a:ext>
+            </a:extLst>
+          </p:cNvPr>
+          <p:cNvSpPr txBox="1"/>
+          <p:nvPr/>
+        </p:nvSpPr>
+        <p:spPr>
+          <a:xfrm>
+            <a:off x="4582923" y="2551969"/>
+            <a:ext cx="189257" cy="178683"/>
+          </a:xfrm>
+          <a:prstGeom prst="rect">
+            <a:avLst/>
+          </a:prstGeom>
+          <a:noFill/>
+        </p:spPr>
+        <p:txBody>
+          <a:bodyPr wrap="square" lIns="0" tIns="0" rIns="0" bIns="0" rtlCol="0">
+            <a:noAutofit/>
+          </a:bodyPr>
+          <a:lstStyle/>
+          <a:p>
+            <a:pPr algn="ctr"/>
+            <a:r>
+              <a:rPr lang="en-US" sz="1100" dirty="0">
+                <a:solidFill>
+                  <a:srgbClr val="7030A0"/>
+                </a:solidFill>
+              </a:rPr>
+              <a:t>1</a:t>
+            </a:r>
+            <a:endParaRPr lang="en-SG" sz="1100" dirty="0">
+              <a:solidFill>
+                <a:srgbClr val="7030A0"/>
+              </a:solidFill>
+            </a:endParaRPr>
+          </a:p>
+        </p:txBody>
+      </p:sp>
+      <p:sp>
+        <p:nvSpPr>
+          <p:cNvPr id="121" name="TextBox 120">
+            <a:extLst>
+              <a:ext uri="{FF2B5EF4-FFF2-40B4-BE49-F238E27FC236}">
+                <a16:creationId xmlns:a16="http://schemas.microsoft.com/office/drawing/2014/main" id="{1205EF0B-72A3-4D39-8DFB-C0D4112A9F87}"/>
+              </a:ext>
+            </a:extLst>
+          </p:cNvPr>
+          <p:cNvSpPr txBox="1"/>
+          <p:nvPr/>
+        </p:nvSpPr>
+        <p:spPr>
+          <a:xfrm>
+            <a:off x="4575940" y="3117625"/>
+            <a:ext cx="189257" cy="178683"/>
+          </a:xfrm>
+          <a:prstGeom prst="rect">
+            <a:avLst/>
+          </a:prstGeom>
+          <a:noFill/>
+        </p:spPr>
+        <p:txBody>
+          <a:bodyPr wrap="square" lIns="0" tIns="0" rIns="0" bIns="0" rtlCol="0">
+            <a:noAutofit/>
+          </a:bodyPr>
+          <a:lstStyle/>
+          <a:p>
+            <a:pPr algn="ctr"/>
+            <a:r>
+              <a:rPr lang="en-US" sz="1100" dirty="0">
+                <a:solidFill>
+                  <a:srgbClr val="7030A0"/>
+                </a:solidFill>
+              </a:rPr>
+              <a:t>1</a:t>
+            </a:r>
+            <a:endParaRPr lang="en-SG" sz="1100" dirty="0">
+              <a:solidFill>
+                <a:srgbClr val="7030A0"/>
+              </a:solidFill>
+            </a:endParaRPr>
+          </a:p>
+        </p:txBody>
+      </p:sp>
+      <p:cxnSp>
+        <p:nvCxnSpPr>
+          <p:cNvPr id="125" name="Elbow Connector 63">
+            <a:extLst>
+              <a:ext uri="{FF2B5EF4-FFF2-40B4-BE49-F238E27FC236}">
+                <a16:creationId xmlns:a16="http://schemas.microsoft.com/office/drawing/2014/main" id="{E4272A99-3839-46E7-A606-42180039EDED}"/>
+              </a:ext>
+            </a:extLst>
+          </p:cNvPr>
+          <p:cNvCxnSpPr>
+            <a:cxnSpLocks/>
+          </p:cNvCxnSpPr>
+          <p:nvPr/>
+        </p:nvCxnSpPr>
+        <p:spPr>
+          <a:xfrm>
+            <a:off x="3963174" y="2876211"/>
+            <a:ext cx="864657" cy="561097"/>
+          </a:xfrm>
+          <a:prstGeom prst="bentConnector3">
+            <a:avLst>
+              <a:gd name="adj1" fmla="val 50000"/>
+            </a:avLst>
+          </a:prstGeom>
+          <a:ln w="19050">
+            <a:solidFill>
+              <a:srgbClr val="7030A0"/>
+            </a:solidFill>
+            <a:prstDash val="solid"/>
+            <a:headEnd type="none" w="med" len="med"/>
+            <a:tailEnd type="none" w="med" len="med"/>
+          </a:ln>
+          <a:effectLst/>
+        </p:spPr>
+        <p:style>
+          <a:lnRef idx="1">
+            <a:schemeClr val="accent2"/>
+          </a:lnRef>
+          <a:fillRef idx="2">
+            <a:schemeClr val="accent2"/>
+          </a:fillRef>
+          <a:effectRef idx="1">
+            <a:schemeClr val="accent2"/>
+          </a:effectRef>
+          <a:fontRef idx="minor">
+            <a:schemeClr val="dk1"/>
+          </a:fontRef>
+        </p:style>
+      </p:cxnSp>
+      <p:sp>
+        <p:nvSpPr>
+          <p:cNvPr id="127" name="Flowchart: Decision 96">
+            <a:extLst>
+              <a:ext uri="{FF2B5EF4-FFF2-40B4-BE49-F238E27FC236}">
+                <a16:creationId xmlns:a16="http://schemas.microsoft.com/office/drawing/2014/main" id="{D2B8E737-BBB7-4B8C-BDF8-2EF7A3E1DE44}"/>
+              </a:ext>
+            </a:extLst>
+          </p:cNvPr>
+          <p:cNvSpPr/>
+          <p:nvPr/>
+        </p:nvSpPr>
+        <p:spPr>
+          <a:xfrm>
+            <a:off x="6011342" y="3263928"/>
+            <a:ext cx="236048" cy="173380"/>
+          </a:xfrm>
+          <a:prstGeom prst="flowChartDecision">
+            <a:avLst/>
+          </a:prstGeom>
+          <a:noFill/>
+          <a:ln w="19050">
+            <a:solidFill>
+              <a:srgbClr val="7030A0"/>
+            </a:solidFill>
+          </a:ln>
+          <a:effectLst/>
+        </p:spPr>
+        <p:style>
+          <a:lnRef idx="1">
+            <a:schemeClr val="accent6"/>
+          </a:lnRef>
+          <a:fillRef idx="2">
+            <a:schemeClr val="accent6"/>
+          </a:fillRef>
+          <a:effectRef idx="1">
+            <a:schemeClr val="accent6"/>
+          </a:effectRef>
+          <a:fontRef idx="minor">
+            <a:schemeClr val="dk1"/>
+          </a:fontRef>
+        </p:style>
+        <p:txBody>
+          <a:bodyPr rtlCol="0" anchor="ctr"/>
+          <a:lstStyle/>
+          <a:p>
+            <a:pPr algn="ctr"/>
+            <a:endParaRPr lang="en-US" sz="1050"/>
+          </a:p>
+        </p:txBody>
+      </p:sp>
+      <p:cxnSp>
+        <p:nvCxnSpPr>
+          <p:cNvPr id="128" name="Elbow Connector 63">
+            <a:extLst>
+              <a:ext uri="{FF2B5EF4-FFF2-40B4-BE49-F238E27FC236}">
+                <a16:creationId xmlns:a16="http://schemas.microsoft.com/office/drawing/2014/main" id="{374521C2-65BA-4C6B-99B3-454966DC871F}"/>
+              </a:ext>
+            </a:extLst>
+          </p:cNvPr>
+          <p:cNvCxnSpPr>
+            <a:cxnSpLocks/>
+            <a:stCxn id="127" idx="3"/>
+            <a:endCxn id="62" idx="1"/>
+          </p:cNvCxnSpPr>
+          <p:nvPr/>
+        </p:nvCxnSpPr>
+        <p:spPr>
+          <a:xfrm flipV="1">
+            <a:off x="6247390" y="1850348"/>
+            <a:ext cx="281780" cy="1500270"/>
+          </a:xfrm>
+          <a:prstGeom prst="bentConnector3">
+            <a:avLst/>
+          </a:prstGeom>
+          <a:ln w="19050">
+            <a:solidFill>
+              <a:srgbClr val="7030A0"/>
+            </a:solidFill>
+            <a:headEnd type="none" w="med" len="med"/>
+            <a:tailEnd type="arrow" w="med" len="med"/>
+          </a:ln>
+          <a:effectLst/>
+        </p:spPr>
+        <p:style>
+          <a:lnRef idx="1">
+            <a:schemeClr val="accent2"/>
+          </a:lnRef>
+          <a:fillRef idx="2">
+            <a:schemeClr val="accent2"/>
+          </a:fillRef>
+          <a:effectRef idx="1">
+            <a:schemeClr val="accent2"/>
+          </a:effectRef>
+          <a:fontRef idx="minor">
+            <a:schemeClr val="dk1"/>
+          </a:fontRef>
+        </p:style>
+      </p:cxnSp>
+      <p:sp>
+        <p:nvSpPr>
+          <p:cNvPr id="130" name="Flowchart: Decision 96">
+            <a:extLst>
+              <a:ext uri="{FF2B5EF4-FFF2-40B4-BE49-F238E27FC236}">
+                <a16:creationId xmlns:a16="http://schemas.microsoft.com/office/drawing/2014/main" id="{29550259-9575-4556-85FA-77BF2816480E}"/>
+              </a:ext>
+            </a:extLst>
+          </p:cNvPr>
+          <p:cNvSpPr/>
+          <p:nvPr/>
+        </p:nvSpPr>
+        <p:spPr>
+          <a:xfrm>
+            <a:off x="6011146" y="2696377"/>
+            <a:ext cx="236048" cy="173380"/>
+          </a:xfrm>
+          <a:prstGeom prst="flowChartDecision">
+            <a:avLst/>
+          </a:prstGeom>
+          <a:noFill/>
+          <a:ln w="19050">
+            <a:solidFill>
+              <a:srgbClr val="7030A0"/>
+            </a:solidFill>
+          </a:ln>
+          <a:effectLst/>
+        </p:spPr>
+        <p:style>
+          <a:lnRef idx="1">
+            <a:schemeClr val="accent6"/>
+          </a:lnRef>
+          <a:fillRef idx="2">
+            <a:schemeClr val="accent6"/>
+          </a:fillRef>
+          <a:effectRef idx="1">
+            <a:schemeClr val="accent6"/>
+          </a:effectRef>
+          <a:fontRef idx="minor">
+            <a:schemeClr val="dk1"/>
+          </a:fontRef>
+        </p:style>
+        <p:txBody>
+          <a:bodyPr rtlCol="0" anchor="ctr"/>
+          <a:lstStyle/>
+          <a:p>
+            <a:pPr algn="ctr"/>
+            <a:endParaRPr lang="en-US" sz="1050"/>
+          </a:p>
+        </p:txBody>
+      </p:sp>
+      <p:cxnSp>
+        <p:nvCxnSpPr>
+          <p:cNvPr id="131" name="Elbow Connector 63">
+            <a:extLst>
+              <a:ext uri="{FF2B5EF4-FFF2-40B4-BE49-F238E27FC236}">
+                <a16:creationId xmlns:a16="http://schemas.microsoft.com/office/drawing/2014/main" id="{EB39E71E-810D-4B41-98B2-26F71047CDC8}"/>
+              </a:ext>
+            </a:extLst>
+          </p:cNvPr>
+          <p:cNvCxnSpPr>
+            <a:cxnSpLocks/>
+            <a:stCxn id="130" idx="3"/>
+            <a:endCxn id="62" idx="1"/>
+          </p:cNvCxnSpPr>
+          <p:nvPr/>
+        </p:nvCxnSpPr>
+        <p:spPr>
+          <a:xfrm flipV="1">
+            <a:off x="6247194" y="1850348"/>
+            <a:ext cx="281976" cy="932719"/>
+          </a:xfrm>
+          <a:prstGeom prst="bentConnector3">
+            <a:avLst/>
+          </a:prstGeom>
+          <a:ln w="19050">
+            <a:solidFill>
+              <a:srgbClr val="7030A0"/>
+            </a:solidFill>
+            <a:headEnd type="none" w="med" len="med"/>
+            <a:tailEnd type="arrow" w="med" len="med"/>
+          </a:ln>
+          <a:effectLst/>
+        </p:spPr>
+        <p:style>
+          <a:lnRef idx="1">
+            <a:schemeClr val="accent2"/>
+          </a:lnRef>
+          <a:fillRef idx="2">
+            <a:schemeClr val="accent2"/>
+          </a:fillRef>
+          <a:effectRef idx="1">
+            <a:schemeClr val="accent2"/>
+          </a:effectRef>
+          <a:fontRef idx="minor">
+            <a:schemeClr val="dk1"/>
+          </a:fontRef>
+        </p:style>
+      </p:cxnSp>
+      <p:sp>
+        <p:nvSpPr>
+          <p:cNvPr id="132" name="Flowchart: Decision 96">
+            <a:extLst>
+              <a:ext uri="{FF2B5EF4-FFF2-40B4-BE49-F238E27FC236}">
+                <a16:creationId xmlns:a16="http://schemas.microsoft.com/office/drawing/2014/main" id="{94A79EB7-80BA-4FBB-9C94-4480E40AF89C}"/>
+              </a:ext>
+            </a:extLst>
+          </p:cNvPr>
+          <p:cNvSpPr/>
+          <p:nvPr/>
+        </p:nvSpPr>
+        <p:spPr>
+          <a:xfrm>
+            <a:off x="5999067" y="2138593"/>
+            <a:ext cx="236048" cy="173380"/>
+          </a:xfrm>
+          <a:prstGeom prst="flowChartDecision">
+            <a:avLst/>
+          </a:prstGeom>
+          <a:noFill/>
+          <a:ln w="19050">
+            <a:solidFill>
+              <a:srgbClr val="7030A0"/>
+            </a:solidFill>
+          </a:ln>
+          <a:effectLst/>
+        </p:spPr>
+        <p:style>
+          <a:lnRef idx="1">
+            <a:schemeClr val="accent6"/>
+          </a:lnRef>
+          <a:fillRef idx="2">
+            <a:schemeClr val="accent6"/>
+          </a:fillRef>
+          <a:effectRef idx="1">
+            <a:schemeClr val="accent6"/>
+          </a:effectRef>
+          <a:fontRef idx="minor">
+            <a:schemeClr val="dk1"/>
+          </a:fontRef>
+        </p:style>
+        <p:txBody>
+          <a:bodyPr rtlCol="0" anchor="ctr"/>
+          <a:lstStyle/>
+          <a:p>
+            <a:pPr algn="ctr"/>
+            <a:endParaRPr lang="en-US" sz="1050"/>
+          </a:p>
+        </p:txBody>
+      </p:sp>
+      <p:cxnSp>
+        <p:nvCxnSpPr>
+          <p:cNvPr id="133" name="Elbow Connector 63">
+            <a:extLst>
+              <a:ext uri="{FF2B5EF4-FFF2-40B4-BE49-F238E27FC236}">
+                <a16:creationId xmlns:a16="http://schemas.microsoft.com/office/drawing/2014/main" id="{26376927-F58A-48A5-B14D-FD12DFD768F8}"/>
+              </a:ext>
+            </a:extLst>
+          </p:cNvPr>
+          <p:cNvCxnSpPr>
+            <a:cxnSpLocks/>
+            <a:stCxn id="132" idx="3"/>
+            <a:endCxn id="62" idx="1"/>
+          </p:cNvCxnSpPr>
+          <p:nvPr/>
+        </p:nvCxnSpPr>
+        <p:spPr>
+          <a:xfrm flipV="1">
+            <a:off x="6235115" y="1850348"/>
+            <a:ext cx="294055" cy="374935"/>
+          </a:xfrm>
+          <a:prstGeom prst="bentConnector3">
+            <a:avLst/>
+          </a:prstGeom>
+          <a:ln w="19050">
+            <a:solidFill>
+              <a:srgbClr val="7030A0"/>
+            </a:solidFill>
+            <a:headEnd type="none" w="med" len="med"/>
+            <a:tailEnd type="arrow" w="med" len="med"/>
+          </a:ln>
+          <a:effectLst/>
+        </p:spPr>
+        <p:style>
+          <a:lnRef idx="1">
+            <a:schemeClr val="accent2"/>
+          </a:lnRef>
+          <a:fillRef idx="2">
+            <a:schemeClr val="accent2"/>
+          </a:fillRef>
+          <a:effectRef idx="1">
+            <a:schemeClr val="accent2"/>
+          </a:effectRef>
+          <a:fontRef idx="minor">
+            <a:schemeClr val="dk1"/>
+          </a:fontRef>
+        </p:style>
+      </p:cxnSp>
+      <p:sp>
+        <p:nvSpPr>
+          <p:cNvPr id="129" name="Rectangle 8">
+            <a:extLst>
+              <a:ext uri="{FF2B5EF4-FFF2-40B4-BE49-F238E27FC236}">
+                <a16:creationId xmlns:a16="http://schemas.microsoft.com/office/drawing/2014/main" id="{903E1365-C308-4B91-A75F-2DFC5EDB686C}"/>
+              </a:ext>
+            </a:extLst>
+          </p:cNvPr>
+          <p:cNvSpPr/>
+          <p:nvPr/>
+        </p:nvSpPr>
+        <p:spPr>
+          <a:xfrm>
+            <a:off x="2037784" y="4601575"/>
+            <a:ext cx="1260298" cy="271656"/>
+          </a:xfrm>
+          <a:prstGeom prst="rect">
+            <a:avLst/>
+          </a:prstGeom>
+          <a:ln w="19050">
+            <a:solidFill>
+              <a:srgbClr val="7030A0"/>
+            </a:solidFill>
+          </a:ln>
+          <a:effectLst/>
+        </p:spPr>
+        <p:style>
+          <a:lnRef idx="1">
+            <a:schemeClr val="accent4"/>
+          </a:lnRef>
+          <a:fillRef idx="2">
+            <a:schemeClr val="accent4"/>
+          </a:fillRef>
+          <a:effectRef idx="1">
+            <a:schemeClr val="accent4"/>
+          </a:effectRef>
+          <a:fontRef idx="minor">
+            <a:schemeClr val="dk1"/>
+          </a:fontRef>
+        </p:style>
+        <p:txBody>
+          <a:bodyPr rtlCol="0" anchor="ctr"/>
+          <a:lstStyle/>
+          <a:p>
+            <a:pPr algn="ctr"/>
+            <a:r>
+              <a:rPr lang="en-SG" sz="1050" dirty="0" err="1">
+                <a:solidFill>
+                  <a:srgbClr val="7030A0"/>
+                </a:solidFill>
+              </a:rPr>
+              <a:t>Java.util.Calendar</a:t>
+            </a:r>
+            <a:endParaRPr lang="en-SG" sz="1050" dirty="0">
+              <a:solidFill>
+                <a:srgbClr val="7030A0"/>
+              </a:solidFill>
+            </a:endParaRPr>
+          </a:p>
+        </p:txBody>
+      </p:sp>
+      <p:cxnSp>
+        <p:nvCxnSpPr>
+          <p:cNvPr id="134" name="Elbow Connector 85">
+            <a:extLst>
+              <a:ext uri="{FF2B5EF4-FFF2-40B4-BE49-F238E27FC236}">
+                <a16:creationId xmlns:a16="http://schemas.microsoft.com/office/drawing/2014/main" id="{7B704892-E660-4E06-9104-CA88FFF740AC}"/>
+              </a:ext>
+            </a:extLst>
+          </p:cNvPr>
+          <p:cNvCxnSpPr>
+            <a:cxnSpLocks/>
+            <a:stCxn id="80" idx="1"/>
+            <a:endCxn id="135" idx="3"/>
+          </p:cNvCxnSpPr>
+          <p:nvPr/>
+        </p:nvCxnSpPr>
+        <p:spPr>
+          <a:xfrm rot="10800000">
+            <a:off x="3489482" y="4736319"/>
+            <a:ext cx="388416" cy="1085"/>
+          </a:xfrm>
+          <a:prstGeom prst="bentConnector3">
+            <a:avLst>
+              <a:gd name="adj1" fmla="val 50000"/>
+            </a:avLst>
+          </a:prstGeom>
+          <a:ln w="19050">
+            <a:solidFill>
+              <a:srgbClr val="7030A0"/>
+            </a:solidFill>
+            <a:headEnd type="none" w="med" len="med"/>
+            <a:tailEnd type="none" w="med" len="med"/>
+          </a:ln>
+          <a:effectLst/>
+        </p:spPr>
+        <p:style>
+          <a:lnRef idx="1">
+            <a:schemeClr val="accent2"/>
+          </a:lnRef>
+          <a:fillRef idx="2">
+            <a:schemeClr val="accent2"/>
+          </a:fillRef>
+          <a:effectRef idx="1">
+            <a:schemeClr val="accent2"/>
+          </a:effectRef>
+          <a:fontRef idx="minor">
+            <a:schemeClr val="dk1"/>
+          </a:fontRef>
+        </p:style>
+      </p:cxnSp>
+      <p:sp>
+        <p:nvSpPr>
+          <p:cNvPr id="135" name="Isosceles Triangle 102">
+            <a:extLst>
+              <a:ext uri="{FF2B5EF4-FFF2-40B4-BE49-F238E27FC236}">
+                <a16:creationId xmlns:a16="http://schemas.microsoft.com/office/drawing/2014/main" id="{960F6039-F600-4C86-962C-9DF2ECC12C2B}"/>
+              </a:ext>
+            </a:extLst>
+          </p:cNvPr>
+          <p:cNvSpPr/>
+          <p:nvPr/>
+        </p:nvSpPr>
+        <p:spPr>
+          <a:xfrm rot="5400000" flipV="1">
+            <a:off x="3266468" y="4648556"/>
+            <a:ext cx="270504" cy="175523"/>
+          </a:xfrm>
+          <a:prstGeom prst="triangle">
+            <a:avLst/>
+          </a:prstGeom>
+          <a:ln w="19050">
+            <a:solidFill>
+              <a:srgbClr val="7030A0"/>
+            </a:solidFill>
+          </a:ln>
+          <a:effectLst/>
+        </p:spPr>
+        <p:style>
+          <a:lnRef idx="1">
+            <a:schemeClr val="accent4"/>
+          </a:lnRef>
+          <a:fillRef idx="2">
+            <a:schemeClr val="accent4"/>
+          </a:fillRef>
+          <a:effectRef idx="1">
+            <a:schemeClr val="accent4"/>
+          </a:effectRef>
+          <a:fontRef idx="minor">
+            <a:schemeClr val="dk1"/>
+          </a:fontRef>
+        </p:style>
+        <p:txBody>
+          <a:bodyPr rtlCol="0" anchor="ctr"/>
+          <a:lstStyle/>
+          <a:p>
+            <a:pPr algn="ctr"/>
+            <a:endParaRPr lang="en-SG" sz="1050" b="1">
+              <a:solidFill>
+                <a:srgbClr val="92D050"/>
+              </a:solidFill>
+            </a:endParaRPr>
+          </a:p>
+        </p:txBody>
+      </p:sp>
+      <p:sp>
+        <p:nvSpPr>
+          <p:cNvPr id="138" name="Isosceles Triangle 102">
+            <a:extLst>
+              <a:ext uri="{FF2B5EF4-FFF2-40B4-BE49-F238E27FC236}">
+                <a16:creationId xmlns:a16="http://schemas.microsoft.com/office/drawing/2014/main" id="{C405A132-B740-400A-9F71-C6A22C29B147}"/>
+              </a:ext>
+            </a:extLst>
+          </p:cNvPr>
+          <p:cNvSpPr/>
+          <p:nvPr/>
+        </p:nvSpPr>
+        <p:spPr>
+          <a:xfrm>
+            <a:off x="3218128" y="1297959"/>
+            <a:ext cx="270504" cy="175523"/>
+          </a:xfrm>
+          <a:prstGeom prst="triangle">
+            <a:avLst/>
+          </a:prstGeom>
+          <a:solidFill>
+            <a:srgbClr val="7030A0"/>
+          </a:solidFill>
+          <a:ln w="19050">
+            <a:solidFill>
+              <a:srgbClr val="7030A0"/>
+            </a:solidFill>
+          </a:ln>
+          <a:effectLst/>
+        </p:spPr>
+        <p:style>
+          <a:lnRef idx="1">
+            <a:schemeClr val="accent6"/>
+          </a:lnRef>
+          <a:fillRef idx="2">
+            <a:schemeClr val="accent6"/>
+          </a:fillRef>
+          <a:effectRef idx="1">
+            <a:schemeClr val="accent6"/>
+          </a:effectRef>
+          <a:fontRef idx="minor">
+            <a:schemeClr val="dk1"/>
+          </a:fontRef>
+        </p:style>
+        <p:txBody>
+          <a:bodyPr rtlCol="0" anchor="ctr"/>
+          <a:lstStyle/>
+          <a:p>
+            <a:pPr algn="ctr"/>
+            <a:endParaRPr lang="en-SG" sz="1050"/>
+          </a:p>
+        </p:txBody>
+      </p:sp>
+      <p:sp>
+        <p:nvSpPr>
+          <p:cNvPr id="115" name="Isosceles Triangle 102">
+            <a:extLst>
+              <a:ext uri="{FF2B5EF4-FFF2-40B4-BE49-F238E27FC236}">
+                <a16:creationId xmlns:a16="http://schemas.microsoft.com/office/drawing/2014/main" id="{E503DD09-E729-4510-AC1D-BB2C3C1A7DEA}"/>
+              </a:ext>
+            </a:extLst>
+          </p:cNvPr>
+          <p:cNvSpPr/>
+          <p:nvPr/>
+        </p:nvSpPr>
+        <p:spPr>
+          <a:xfrm rot="16200000">
+            <a:off x="4681253" y="3833717"/>
+            <a:ext cx="270504" cy="175523"/>
+          </a:xfrm>
+          <a:prstGeom prst="triangle">
+            <a:avLst/>
+          </a:prstGeom>
+          <a:solidFill>
+            <a:srgbClr val="7030A0"/>
+          </a:solidFill>
+          <a:ln w="19050">
+            <a:solidFill>
+              <a:srgbClr val="7030A0"/>
+            </a:solidFill>
+          </a:ln>
+          <a:effectLst/>
+        </p:spPr>
+        <p:style>
+          <a:lnRef idx="1">
+            <a:schemeClr val="accent6"/>
+          </a:lnRef>
+          <a:fillRef idx="2">
+            <a:schemeClr val="accent6"/>
+          </a:fillRef>
+          <a:effectRef idx="1">
+            <a:schemeClr val="accent6"/>
+          </a:effectRef>
+          <a:fontRef idx="minor">
+            <a:schemeClr val="dk1"/>
+          </a:fontRef>
+        </p:style>
+        <p:txBody>
+          <a:bodyPr rtlCol="0" anchor="ctr"/>
+          <a:lstStyle/>
+          <a:p>
+            <a:pPr algn="ctr"/>
+            <a:endParaRPr lang="en-SG" sz="1050"/>
+          </a:p>
+        </p:txBody>
+      </p:sp>
+      <p:sp>
+        <p:nvSpPr>
+          <p:cNvPr id="139" name="Isosceles Triangle 102">
+            <a:extLst>
+              <a:ext uri="{FF2B5EF4-FFF2-40B4-BE49-F238E27FC236}">
+                <a16:creationId xmlns:a16="http://schemas.microsoft.com/office/drawing/2014/main" id="{7EB10A3D-1FBF-428D-96DB-009E1EC6B9BB}"/>
+              </a:ext>
+            </a:extLst>
+          </p:cNvPr>
+          <p:cNvSpPr/>
+          <p:nvPr/>
+        </p:nvSpPr>
+        <p:spPr>
+          <a:xfrm rot="5400000" flipV="1">
+            <a:off x="3745192" y="2787905"/>
+            <a:ext cx="270504" cy="175523"/>
+          </a:xfrm>
+          <a:prstGeom prst="triangle">
+            <a:avLst/>
+          </a:prstGeom>
+          <a:ln w="19050">
+            <a:solidFill>
+              <a:srgbClr val="7030A0"/>
+            </a:solidFill>
+          </a:ln>
+          <a:effectLst/>
+        </p:spPr>
+        <p:style>
+          <a:lnRef idx="1">
+            <a:schemeClr val="accent4"/>
+          </a:lnRef>
+          <a:fillRef idx="2">
+            <a:schemeClr val="accent4"/>
+          </a:fillRef>
+          <a:effectRef idx="1">
+            <a:schemeClr val="accent4"/>
+          </a:effectRef>
+          <a:fontRef idx="minor">
+            <a:schemeClr val="dk1"/>
+          </a:fontRef>
+        </p:style>
+        <p:txBody>
+          <a:bodyPr rtlCol="0" anchor="ctr"/>
+          <a:lstStyle/>
+          <a:p>
+            <a:pPr algn="ctr"/>
+            <a:endParaRPr lang="en-SG" sz="1050" b="1">
+              <a:solidFill>
+                <a:srgbClr val="92D050"/>
+              </a:solidFill>
+            </a:endParaRPr>
+          </a:p>
+        </p:txBody>
+      </p:sp>
+      <p:cxnSp>
+        <p:nvCxnSpPr>
+          <p:cNvPr id="111" name="Elbow Connector 63">
+            <a:extLst>
+              <a:ext uri="{FF2B5EF4-FFF2-40B4-BE49-F238E27FC236}">
+                <a16:creationId xmlns:a16="http://schemas.microsoft.com/office/drawing/2014/main" id="{3EAC6062-FC92-44FF-950F-6E2016012F78}"/>
+              </a:ext>
+            </a:extLst>
+          </p:cNvPr>
+          <p:cNvCxnSpPr>
+            <a:cxnSpLocks/>
+            <a:stCxn id="62" idx="2"/>
+            <a:endCxn id="115" idx="3"/>
+          </p:cNvCxnSpPr>
+          <p:nvPr/>
+        </p:nvCxnSpPr>
+        <p:spPr>
+          <a:xfrm rot="5400000">
+            <a:off x="5005678" y="1922318"/>
+            <a:ext cx="1897751" cy="2100571"/>
+          </a:xfrm>
+          <a:prstGeom prst="bentConnector2">
+            <a:avLst/>
+          </a:prstGeom>
+          <a:ln w="19050">
+            <a:solidFill>
+              <a:srgbClr val="7030A0"/>
+            </a:solidFill>
+            <a:prstDash val="sysDot"/>
+            <a:headEnd type="none" w="med" len="med"/>
+            <a:tailEnd type="none" w="med" len="med"/>
+          </a:ln>
+          <a:effectLst/>
+        </p:spPr>
+        <p:style>
+          <a:lnRef idx="1">
+            <a:schemeClr val="accent2"/>
+          </a:lnRef>
+          <a:fillRef idx="2">
+            <a:schemeClr val="accent2"/>
+          </a:fillRef>
+          <a:effectRef idx="1">
+            <a:schemeClr val="accent2"/>
+          </a:effectRef>
+          <a:fontRef idx="minor">
+            <a:schemeClr val="dk1"/>
+          </a:fontRef>
+        </p:style>
+      </p:cxnSp>
+      <p:cxnSp>
+        <p:nvCxnSpPr>
+          <p:cNvPr id="123" name="Elbow Connector 63">
+            <a:extLst>
+              <a:ext uri="{FF2B5EF4-FFF2-40B4-BE49-F238E27FC236}">
+                <a16:creationId xmlns:a16="http://schemas.microsoft.com/office/drawing/2014/main" id="{3F1E1C5F-4AAB-4BAC-985F-016261F7AD19}"/>
+              </a:ext>
+            </a:extLst>
+          </p:cNvPr>
+          <p:cNvCxnSpPr>
+            <a:cxnSpLocks/>
+            <a:stCxn id="139" idx="3"/>
+          </p:cNvCxnSpPr>
+          <p:nvPr/>
+        </p:nvCxnSpPr>
+        <p:spPr>
+          <a:xfrm>
+            <a:off x="3968206" y="2875667"/>
+            <a:ext cx="859625" cy="544"/>
+          </a:xfrm>
+          <a:prstGeom prst="bentConnector3">
+            <a:avLst>
+              <a:gd name="adj1" fmla="val 50000"/>
+            </a:avLst>
+          </a:prstGeom>
+          <a:ln w="19050">
+            <a:solidFill>
+              <a:srgbClr val="7030A0"/>
+            </a:solidFill>
+            <a:prstDash val="solid"/>
+            <a:headEnd type="none" w="med" len="med"/>
+            <a:tailEnd type="none" w="med" len="med"/>
+          </a:ln>
+          <a:effectLst/>
+        </p:spPr>
+        <p:style>
+          <a:lnRef idx="1">
+            <a:schemeClr val="accent2"/>
+          </a:lnRef>
+          <a:fillRef idx="2">
+            <a:schemeClr val="accent2"/>
+          </a:fillRef>
+          <a:effectRef idx="1">
+            <a:schemeClr val="accent2"/>
+          </a:effectRef>
+          <a:fontRef idx="minor">
+            <a:schemeClr val="dk1"/>
+          </a:fontRef>
+        </p:style>
+      </p:cxnSp>
+      <p:sp>
+        <p:nvSpPr>
+          <p:cNvPr id="126" name="Rectangle 8">
+            <a:extLst>
+              <a:ext uri="{FF2B5EF4-FFF2-40B4-BE49-F238E27FC236}">
+                <a16:creationId xmlns:a16="http://schemas.microsoft.com/office/drawing/2014/main" id="{E895CE26-762D-4FE3-92C5-E40C1E7C9AB3}"/>
+              </a:ext>
+            </a:extLst>
+          </p:cNvPr>
+          <p:cNvSpPr/>
+          <p:nvPr/>
+        </p:nvSpPr>
+        <p:spPr>
+          <a:xfrm>
+            <a:off x="1640299" y="3653594"/>
+            <a:ext cx="1146688" cy="535027"/>
+          </a:xfrm>
+          <a:prstGeom prst="rect">
+            <a:avLst/>
+          </a:prstGeom>
+          <a:ln w="19050">
+            <a:solidFill>
+              <a:srgbClr val="7030A0"/>
+            </a:solidFill>
+          </a:ln>
+          <a:effectLst/>
+        </p:spPr>
+        <p:style>
+          <a:lnRef idx="1">
+            <a:schemeClr val="accent4"/>
+          </a:lnRef>
+          <a:fillRef idx="2">
+            <a:schemeClr val="accent4"/>
+          </a:fillRef>
+          <a:effectRef idx="1">
+            <a:schemeClr val="accent4"/>
+          </a:effectRef>
+          <a:fontRef idx="minor">
+            <a:schemeClr val="dk1"/>
+          </a:fontRef>
+        </p:style>
+        <p:txBody>
+          <a:bodyPr rtlCol="0" anchor="ctr"/>
+          <a:lstStyle/>
+          <a:p>
+            <a:pPr algn="ctr"/>
+            <a:r>
+              <a:rPr lang="en-US" sz="1050" dirty="0" err="1">
+                <a:solidFill>
+                  <a:srgbClr val="7030A0"/>
+                </a:solidFill>
+              </a:rPr>
+              <a:t>Javafx.collections.transformation</a:t>
+            </a:r>
+            <a:endParaRPr lang="en-US" sz="1050" dirty="0">
+              <a:solidFill>
+                <a:srgbClr val="7030A0"/>
+              </a:solidFill>
+            </a:endParaRPr>
+          </a:p>
+          <a:p>
+            <a:pPr algn="ctr"/>
+            <a:r>
+              <a:rPr lang="en-US" sz="1050" dirty="0">
+                <a:solidFill>
+                  <a:srgbClr val="7030A0"/>
+                </a:solidFill>
+              </a:rPr>
+              <a:t>.</a:t>
+            </a:r>
+            <a:r>
+              <a:rPr lang="en-US" sz="1050" dirty="0" err="1">
+                <a:solidFill>
+                  <a:srgbClr val="7030A0"/>
+                </a:solidFill>
+              </a:rPr>
+              <a:t>FilteredList</a:t>
+            </a:r>
+            <a:endParaRPr lang="en-SG" sz="1050" dirty="0">
+              <a:solidFill>
+                <a:srgbClr val="7030A0"/>
+              </a:solidFill>
+            </a:endParaRPr>
+          </a:p>
+        </p:txBody>
+      </p:sp>
+      <p:cxnSp>
+        <p:nvCxnSpPr>
+          <p:cNvPr id="140" name="Elbow Connector 106">
+            <a:extLst>
+              <a:ext uri="{FF2B5EF4-FFF2-40B4-BE49-F238E27FC236}">
+                <a16:creationId xmlns:a16="http://schemas.microsoft.com/office/drawing/2014/main" id="{BF83FBE8-488A-472A-8F15-95B10D9050A2}"/>
+              </a:ext>
+            </a:extLst>
+          </p:cNvPr>
+          <p:cNvCxnSpPr>
+            <a:cxnSpLocks/>
+            <a:stCxn id="126" idx="3"/>
+            <a:endCxn id="72" idx="1"/>
+          </p:cNvCxnSpPr>
+          <p:nvPr/>
+        </p:nvCxnSpPr>
+        <p:spPr>
+          <a:xfrm>
+            <a:off x="2786987" y="3921108"/>
+            <a:ext cx="896373" cy="372"/>
+          </a:xfrm>
+          <a:prstGeom prst="bentConnector3">
+            <a:avLst>
+              <a:gd name="adj1" fmla="val 50000"/>
+            </a:avLst>
+          </a:prstGeom>
+          <a:ln w="19050">
+            <a:solidFill>
+              <a:srgbClr val="7030A0"/>
+            </a:solidFill>
+            <a:prstDash val="solid"/>
+            <a:headEnd type="none" w="med" len="med"/>
+            <a:tailEnd type="arrow" w="med" len="med"/>
+          </a:ln>
+          <a:effectLst/>
+        </p:spPr>
+        <p:style>
+          <a:lnRef idx="1">
+            <a:schemeClr val="accent2"/>
+          </a:lnRef>
+          <a:fillRef idx="2">
+            <a:schemeClr val="accent2"/>
+          </a:fillRef>
+          <a:effectRef idx="1">
+            <a:schemeClr val="accent2"/>
+          </a:effectRef>
+          <a:fontRef idx="minor">
+            <a:schemeClr val="dk1"/>
+          </a:fontRef>
+        </p:style>
+      </p:cxnSp>
+      <p:sp>
+        <p:nvSpPr>
+          <p:cNvPr id="142" name="TextBox 141">
+            <a:extLst>
+              <a:ext uri="{FF2B5EF4-FFF2-40B4-BE49-F238E27FC236}">
+                <a16:creationId xmlns:a16="http://schemas.microsoft.com/office/drawing/2014/main" id="{92EBB965-AEB9-4887-A96E-F0EE124EB42F}"/>
+              </a:ext>
+            </a:extLst>
+          </p:cNvPr>
+          <p:cNvSpPr txBox="1"/>
+          <p:nvPr/>
+        </p:nvSpPr>
+        <p:spPr>
+          <a:xfrm>
+            <a:off x="3414059" y="3733800"/>
+            <a:ext cx="189257" cy="178683"/>
+          </a:xfrm>
+          <a:prstGeom prst="rect">
+            <a:avLst/>
+          </a:prstGeom>
+          <a:noFill/>
+        </p:spPr>
+        <p:txBody>
+          <a:bodyPr wrap="square" lIns="0" tIns="0" rIns="0" bIns="0" rtlCol="0">
+            <a:noAutofit/>
+          </a:bodyPr>
+          <a:lstStyle/>
+          <a:p>
+            <a:pPr algn="ctr"/>
+            <a:r>
+              <a:rPr lang="en-SG" sz="1100" dirty="0">
+                <a:solidFill>
+                  <a:srgbClr val="7030A0"/>
+                </a:solidFill>
+              </a:rPr>
+              <a:t>*</a:t>
+            </a:r>
+          </a:p>
+        </p:txBody>
+      </p:sp>
+    </p:spTree>
+    <p:extLst>
+      <p:ext uri="{BB962C8B-B14F-4D97-AF65-F5344CB8AC3E}">
+        <p14:creationId xmlns:p14="http://schemas.microsoft.com/office/powerpoint/2010/main" val="1567827878"/>
       </p:ext>
     </p:extLst>
   </p:cSld>

--- a/docs/diagrams/ModelComponentClassDiagram.pptx
+++ b/docs/diagrams/ModelComponentClassDiagram.pptx
@@ -215,7 +215,7 @@
           <a:p>
             <a:fld id="{F5CC4B3F-88C1-4FFA-B1B6-F41C21DC6924}" type="datetimeFigureOut">
               <a:rPr lang="en-US" smtClean="0"/>
-              <a:t>7/10/2017</a:t>
+              <a:t>7/15/2017</a:t>
             </a:fld>
             <a:endParaRPr lang="en-US"/>
           </a:p>
@@ -661,7 +661,7 @@
           <a:p>
             <a:fld id="{78C97017-6FC3-485B-9764-EAC9E56C1D49}" type="datetimeFigureOut">
               <a:rPr lang="en-US" smtClean="0"/>
-              <a:t>7/10/2017</a:t>
+              <a:t>7/15/2017</a:t>
             </a:fld>
             <a:endParaRPr lang="en-US"/>
           </a:p>
@@ -829,7 +829,7 @@
           <a:p>
             <a:fld id="{78C97017-6FC3-485B-9764-EAC9E56C1D49}" type="datetimeFigureOut">
               <a:rPr lang="en-US" smtClean="0"/>
-              <a:t>7/10/2017</a:t>
+              <a:t>7/15/2017</a:t>
             </a:fld>
             <a:endParaRPr lang="en-US"/>
           </a:p>
@@ -1007,7 +1007,7 @@
           <a:p>
             <a:fld id="{78C97017-6FC3-485B-9764-EAC9E56C1D49}" type="datetimeFigureOut">
               <a:rPr lang="en-US" smtClean="0"/>
-              <a:t>7/10/2017</a:t>
+              <a:t>7/15/2017</a:t>
             </a:fld>
             <a:endParaRPr lang="en-US"/>
           </a:p>
@@ -1175,7 +1175,7 @@
           <a:p>
             <a:fld id="{78C97017-6FC3-485B-9764-EAC9E56C1D49}" type="datetimeFigureOut">
               <a:rPr lang="en-US" smtClean="0"/>
-              <a:t>7/10/2017</a:t>
+              <a:t>7/15/2017</a:t>
             </a:fld>
             <a:endParaRPr lang="en-US"/>
           </a:p>
@@ -1420,7 +1420,7 @@
           <a:p>
             <a:fld id="{78C97017-6FC3-485B-9764-EAC9E56C1D49}" type="datetimeFigureOut">
               <a:rPr lang="en-US" smtClean="0"/>
-              <a:t>7/10/2017</a:t>
+              <a:t>7/15/2017</a:t>
             </a:fld>
             <a:endParaRPr lang="en-US"/>
           </a:p>
@@ -1705,7 +1705,7 @@
           <a:p>
             <a:fld id="{78C97017-6FC3-485B-9764-EAC9E56C1D49}" type="datetimeFigureOut">
               <a:rPr lang="en-US" smtClean="0"/>
-              <a:t>7/10/2017</a:t>
+              <a:t>7/15/2017</a:t>
             </a:fld>
             <a:endParaRPr lang="en-US"/>
           </a:p>
@@ -2124,7 +2124,7 @@
           <a:p>
             <a:fld id="{78C97017-6FC3-485B-9764-EAC9E56C1D49}" type="datetimeFigureOut">
               <a:rPr lang="en-US" smtClean="0"/>
-              <a:t>7/10/2017</a:t>
+              <a:t>7/15/2017</a:t>
             </a:fld>
             <a:endParaRPr lang="en-US"/>
           </a:p>
@@ -2241,7 +2241,7 @@
           <a:p>
             <a:fld id="{78C97017-6FC3-485B-9764-EAC9E56C1D49}" type="datetimeFigureOut">
               <a:rPr lang="en-US" smtClean="0"/>
-              <a:t>7/10/2017</a:t>
+              <a:t>7/15/2017</a:t>
             </a:fld>
             <a:endParaRPr lang="en-US"/>
           </a:p>
@@ -2336,7 +2336,7 @@
           <a:p>
             <a:fld id="{78C97017-6FC3-485B-9764-EAC9E56C1D49}" type="datetimeFigureOut">
               <a:rPr lang="en-US" smtClean="0"/>
-              <a:t>7/10/2017</a:t>
+              <a:t>7/15/2017</a:t>
             </a:fld>
             <a:endParaRPr lang="en-US"/>
           </a:p>
@@ -2611,7 +2611,7 @@
           <a:p>
             <a:fld id="{78C97017-6FC3-485B-9764-EAC9E56C1D49}" type="datetimeFigureOut">
               <a:rPr lang="en-US" smtClean="0"/>
-              <a:t>7/10/2017</a:t>
+              <a:t>7/15/2017</a:t>
             </a:fld>
             <a:endParaRPr lang="en-US"/>
           </a:p>
@@ -2863,7 +2863,7 @@
           <a:p>
             <a:fld id="{78C97017-6FC3-485B-9764-EAC9E56C1D49}" type="datetimeFigureOut">
               <a:rPr lang="en-US" smtClean="0"/>
-              <a:t>7/10/2017</a:t>
+              <a:t>7/15/2017</a:t>
             </a:fld>
             <a:endParaRPr lang="en-US"/>
           </a:p>
@@ -3074,7 +3074,7 @@
           <a:p>
             <a:fld id="{78C97017-6FC3-485B-9764-EAC9E56C1D49}" type="datetimeFigureOut">
               <a:rPr lang="en-US" smtClean="0"/>
-              <a:t>7/10/2017</a:t>
+              <a:t>7/15/2017</a:t>
             </a:fld>
             <a:endParaRPr lang="en-US"/>
           </a:p>
@@ -12689,7 +12689,7 @@
                   <a:srgbClr val="7030A0"/>
                 </a:solidFill>
               </a:rPr>
-              <a:t>3</a:t>
+              <a:t>1</a:t>
             </a:r>
           </a:p>
         </p:txBody>

--- a/docs/diagrams/ModelComponentClassDiagram.pptx
+++ b/docs/diagrams/ModelComponentClassDiagram.pptx
@@ -215,7 +215,7 @@
           <a:p>
             <a:fld id="{F5CC4B3F-88C1-4FFA-B1B6-F41C21DC6924}" type="datetimeFigureOut">
               <a:rPr lang="en-US" smtClean="0"/>
-              <a:t>7/15/2017</a:t>
+              <a:t>7/18/2017</a:t>
             </a:fld>
             <a:endParaRPr lang="en-US"/>
           </a:p>
@@ -661,7 +661,7 @@
           <a:p>
             <a:fld id="{78C97017-6FC3-485B-9764-EAC9E56C1D49}" type="datetimeFigureOut">
               <a:rPr lang="en-US" smtClean="0"/>
-              <a:t>7/15/2017</a:t>
+              <a:t>7/18/2017</a:t>
             </a:fld>
             <a:endParaRPr lang="en-US"/>
           </a:p>
@@ -829,7 +829,7 @@
           <a:p>
             <a:fld id="{78C97017-6FC3-485B-9764-EAC9E56C1D49}" type="datetimeFigureOut">
               <a:rPr lang="en-US" smtClean="0"/>
-              <a:t>7/15/2017</a:t>
+              <a:t>7/18/2017</a:t>
             </a:fld>
             <a:endParaRPr lang="en-US"/>
           </a:p>
@@ -1007,7 +1007,7 @@
           <a:p>
             <a:fld id="{78C97017-6FC3-485B-9764-EAC9E56C1D49}" type="datetimeFigureOut">
               <a:rPr lang="en-US" smtClean="0"/>
-              <a:t>7/15/2017</a:t>
+              <a:t>7/18/2017</a:t>
             </a:fld>
             <a:endParaRPr lang="en-US"/>
           </a:p>
@@ -1175,7 +1175,7 @@
           <a:p>
             <a:fld id="{78C97017-6FC3-485B-9764-EAC9E56C1D49}" type="datetimeFigureOut">
               <a:rPr lang="en-US" smtClean="0"/>
-              <a:t>7/15/2017</a:t>
+              <a:t>7/18/2017</a:t>
             </a:fld>
             <a:endParaRPr lang="en-US"/>
           </a:p>
@@ -1420,7 +1420,7 @@
           <a:p>
             <a:fld id="{78C97017-6FC3-485B-9764-EAC9E56C1D49}" type="datetimeFigureOut">
               <a:rPr lang="en-US" smtClean="0"/>
-              <a:t>7/15/2017</a:t>
+              <a:t>7/18/2017</a:t>
             </a:fld>
             <a:endParaRPr lang="en-US"/>
           </a:p>
@@ -1705,7 +1705,7 @@
           <a:p>
             <a:fld id="{78C97017-6FC3-485B-9764-EAC9E56C1D49}" type="datetimeFigureOut">
               <a:rPr lang="en-US" smtClean="0"/>
-              <a:t>7/15/2017</a:t>
+              <a:t>7/18/2017</a:t>
             </a:fld>
             <a:endParaRPr lang="en-US"/>
           </a:p>
@@ -2124,7 +2124,7 @@
           <a:p>
             <a:fld id="{78C97017-6FC3-485B-9764-EAC9E56C1D49}" type="datetimeFigureOut">
               <a:rPr lang="en-US" smtClean="0"/>
-              <a:t>7/15/2017</a:t>
+              <a:t>7/18/2017</a:t>
             </a:fld>
             <a:endParaRPr lang="en-US"/>
           </a:p>
@@ -2241,7 +2241,7 @@
           <a:p>
             <a:fld id="{78C97017-6FC3-485B-9764-EAC9E56C1D49}" type="datetimeFigureOut">
               <a:rPr lang="en-US" smtClean="0"/>
-              <a:t>7/15/2017</a:t>
+              <a:t>7/18/2017</a:t>
             </a:fld>
             <a:endParaRPr lang="en-US"/>
           </a:p>
@@ -2336,7 +2336,7 @@
           <a:p>
             <a:fld id="{78C97017-6FC3-485B-9764-EAC9E56C1D49}" type="datetimeFigureOut">
               <a:rPr lang="en-US" smtClean="0"/>
-              <a:t>7/15/2017</a:t>
+              <a:t>7/18/2017</a:t>
             </a:fld>
             <a:endParaRPr lang="en-US"/>
           </a:p>
@@ -2611,7 +2611,7 @@
           <a:p>
             <a:fld id="{78C97017-6FC3-485B-9764-EAC9E56C1D49}" type="datetimeFigureOut">
               <a:rPr lang="en-US" smtClean="0"/>
-              <a:t>7/15/2017</a:t>
+              <a:t>7/18/2017</a:t>
             </a:fld>
             <a:endParaRPr lang="en-US"/>
           </a:p>
@@ -2863,7 +2863,7 @@
           <a:p>
             <a:fld id="{78C97017-6FC3-485B-9764-EAC9E56C1D49}" type="datetimeFigureOut">
               <a:rPr lang="en-US" smtClean="0"/>
-              <a:t>7/15/2017</a:t>
+              <a:t>7/18/2017</a:t>
             </a:fld>
             <a:endParaRPr lang="en-US"/>
           </a:p>
@@ -3074,7 +3074,7 @@
           <a:p>
             <a:fld id="{78C97017-6FC3-485B-9764-EAC9E56C1D49}" type="datetimeFigureOut">
               <a:rPr lang="en-US" smtClean="0"/>
-              <a:t>7/15/2017</a:t>
+              <a:t>7/18/2017</a:t>
             </a:fld>
             <a:endParaRPr lang="en-US"/>
           </a:p>
@@ -14195,14 +14195,13 @@
           <p:cNvCxnSpPr>
             <a:cxnSpLocks/>
             <a:stCxn id="51" idx="3"/>
-            <a:endCxn id="101" idx="1"/>
           </p:cNvCxnSpPr>
           <p:nvPr/>
         </p:nvCxnSpPr>
         <p:spPr>
           <a:xfrm>
             <a:off x="4153221" y="2462272"/>
-            <a:ext cx="674610" cy="442732"/>
+            <a:ext cx="687855" cy="322151"/>
           </a:xfrm>
           <a:prstGeom prst="bentConnector3">
             <a:avLst>
@@ -14247,7 +14246,7 @@
         </p:nvSpPr>
         <p:spPr>
           <a:xfrm>
-            <a:off x="4582923" y="2667444"/>
+            <a:off x="4582923" y="2564517"/>
             <a:ext cx="189257" cy="178683"/>
           </a:xfrm>
           <a:prstGeom prst="rect">
@@ -14292,7 +14291,7 @@
         </p:nvSpPr>
         <p:spPr>
           <a:xfrm>
-            <a:off x="4582923" y="3237769"/>
+            <a:off x="4582922" y="3272640"/>
             <a:ext cx="189257" cy="178683"/>
           </a:xfrm>
           <a:prstGeom prst="rect">
@@ -15316,41 +15315,287 @@
           </a:p>
         </p:txBody>
       </p:sp>
-      <p:sp>
-        <p:nvSpPr>
-          <p:cNvPr id="88" name="TextBox 87">
+      <p:cxnSp>
+        <p:nvCxnSpPr>
+          <p:cNvPr id="89" name="Elbow Connector 63">
             <a:extLst>
               <a:ext uri="{FF2B5EF4-FFF2-40B4-BE49-F238E27FC236}">
-                <a16:creationId xmlns:a16="http://schemas.microsoft.com/office/drawing/2014/main" id="{BD5F7541-6638-4C89-B7CF-2117A06077DE}"/>
+                <a16:creationId xmlns:a16="http://schemas.microsoft.com/office/drawing/2014/main" id="{757B8828-27CE-4427-AB91-A272F8DA53D0}"/>
               </a:ext>
             </a:extLst>
           </p:cNvPr>
-          <p:cNvSpPr txBox="1"/>
-          <p:nvPr/>
-        </p:nvSpPr>
-        <p:spPr>
-          <a:xfrm>
-            <a:off x="4191000" y="316468"/>
-            <a:ext cx="607859" cy="369332"/>
+          <p:cNvCxnSpPr>
+            <a:cxnSpLocks/>
+            <a:stCxn id="139" idx="3"/>
+          </p:cNvCxnSpPr>
+          <p:nvPr/>
+        </p:nvCxnSpPr>
+        <p:spPr>
+          <a:xfrm flipV="1">
+            <a:off x="3968206" y="3076332"/>
+            <a:ext cx="856620" cy="485135"/>
+          </a:xfrm>
+          <a:prstGeom prst="bentConnector3">
+            <a:avLst>
+              <a:gd name="adj1" fmla="val 50000"/>
+            </a:avLst>
+          </a:prstGeom>
+          <a:ln w="19050">
+            <a:solidFill>
+              <a:srgbClr val="7030A0"/>
+            </a:solidFill>
+            <a:prstDash val="solid"/>
+            <a:headEnd type="none" w="med" len="med"/>
+            <a:tailEnd type="none" w="med" len="med"/>
+          </a:ln>
+          <a:effectLst/>
+        </p:spPr>
+        <p:style>
+          <a:lnRef idx="1">
+            <a:schemeClr val="accent2"/>
+          </a:lnRef>
+          <a:fillRef idx="2">
+            <a:schemeClr val="accent2"/>
+          </a:fillRef>
+          <a:effectRef idx="1">
+            <a:schemeClr val="accent2"/>
+          </a:effectRef>
+          <a:fontRef idx="minor">
+            <a:schemeClr val="dk1"/>
+          </a:fontRef>
+        </p:style>
+      </p:cxnSp>
+      <p:sp>
+        <p:nvSpPr>
+          <p:cNvPr id="95" name="Rectangle 8">
+            <a:extLst>
+              <a:ext uri="{FF2B5EF4-FFF2-40B4-BE49-F238E27FC236}">
+                <a16:creationId xmlns:a16="http://schemas.microsoft.com/office/drawing/2014/main" id="{D11190CF-84F1-43D8-842C-0F704C362AC1}"/>
+              </a:ext>
+            </a:extLst>
+          </p:cNvPr>
+          <p:cNvSpPr/>
+          <p:nvPr/>
+        </p:nvSpPr>
+        <p:spPr>
+          <a:xfrm>
+            <a:off x="2685821" y="3863878"/>
+            <a:ext cx="1099150" cy="377140"/>
           </a:xfrm>
           <a:prstGeom prst="rect">
             <a:avLst/>
           </a:prstGeom>
-          <a:noFill/>
-        </p:spPr>
-        <p:txBody>
-          <a:bodyPr wrap="none" rtlCol="0">
-            <a:spAutoFit/>
-          </a:bodyPr>
-          <a:lstStyle/>
-          <a:p>
-            <a:r>
-              <a:rPr lang="en-MY" dirty="0"/>
-              <a:t>V0.3</a:t>
-            </a:r>
-          </a:p>
-        </p:txBody>
-      </p:sp>
+          <a:ln w="19050">
+            <a:solidFill>
+              <a:srgbClr val="7030A0"/>
+            </a:solidFill>
+          </a:ln>
+          <a:effectLst/>
+        </p:spPr>
+        <p:style>
+          <a:lnRef idx="1">
+            <a:schemeClr val="accent4"/>
+          </a:lnRef>
+          <a:fillRef idx="2">
+            <a:schemeClr val="accent4"/>
+          </a:fillRef>
+          <a:effectRef idx="1">
+            <a:schemeClr val="accent4"/>
+          </a:effectRef>
+          <a:fontRef idx="minor">
+            <a:schemeClr val="dk1"/>
+          </a:fontRef>
+        </p:style>
+        <p:txBody>
+          <a:bodyPr rtlCol="0" anchor="ctr"/>
+          <a:lstStyle/>
+          <a:p>
+            <a:pPr algn="ctr"/>
+            <a:r>
+              <a:rPr lang="en-US" sz="1050" dirty="0">
+                <a:solidFill>
+                  <a:srgbClr val="7030A0"/>
+                </a:solidFill>
+              </a:rPr>
+              <a:t>&lt;&lt;interface&gt;&gt;</a:t>
+            </a:r>
+          </a:p>
+          <a:p>
+            <a:pPr algn="ctr"/>
+            <a:r>
+              <a:rPr lang="en-US" sz="1050" dirty="0" err="1">
+                <a:solidFill>
+                  <a:srgbClr val="7030A0"/>
+                </a:solidFill>
+              </a:rPr>
+              <a:t>OverdueCapable</a:t>
+            </a:r>
+            <a:endParaRPr lang="en-SG" sz="1050" dirty="0">
+              <a:solidFill>
+                <a:srgbClr val="7030A0"/>
+              </a:solidFill>
+            </a:endParaRPr>
+          </a:p>
+        </p:txBody>
+      </p:sp>
+      <p:sp>
+        <p:nvSpPr>
+          <p:cNvPr id="96" name="Isosceles Triangle 102">
+            <a:extLst>
+              <a:ext uri="{FF2B5EF4-FFF2-40B4-BE49-F238E27FC236}">
+                <a16:creationId xmlns:a16="http://schemas.microsoft.com/office/drawing/2014/main" id="{A65E0C52-5206-46DE-B54D-1FAACD215357}"/>
+              </a:ext>
+            </a:extLst>
+          </p:cNvPr>
+          <p:cNvSpPr/>
+          <p:nvPr/>
+        </p:nvSpPr>
+        <p:spPr>
+          <a:xfrm rot="5400000" flipV="1">
+            <a:off x="3750802" y="3950371"/>
+            <a:ext cx="270504" cy="175523"/>
+          </a:xfrm>
+          <a:prstGeom prst="triangle">
+            <a:avLst/>
+          </a:prstGeom>
+          <a:solidFill>
+            <a:srgbClr val="7030A0"/>
+          </a:solidFill>
+          <a:ln w="19050">
+            <a:solidFill>
+              <a:srgbClr val="7030A0"/>
+            </a:solidFill>
+          </a:ln>
+          <a:effectLst/>
+        </p:spPr>
+        <p:style>
+          <a:lnRef idx="1">
+            <a:schemeClr val="accent4"/>
+          </a:lnRef>
+          <a:fillRef idx="2">
+            <a:schemeClr val="accent4"/>
+          </a:fillRef>
+          <a:effectRef idx="1">
+            <a:schemeClr val="accent4"/>
+          </a:effectRef>
+          <a:fontRef idx="minor">
+            <a:schemeClr val="dk1"/>
+          </a:fontRef>
+        </p:style>
+        <p:txBody>
+          <a:bodyPr rtlCol="0" anchor="ctr"/>
+          <a:lstStyle/>
+          <a:p>
+            <a:pPr algn="ctr"/>
+            <a:endParaRPr lang="en-SG" sz="1050" b="1">
+              <a:solidFill>
+                <a:srgbClr val="92D050"/>
+              </a:solidFill>
+            </a:endParaRPr>
+          </a:p>
+        </p:txBody>
+      </p:sp>
+      <p:cxnSp>
+        <p:nvCxnSpPr>
+          <p:cNvPr id="99" name="Elbow Connector 63">
+            <a:extLst>
+              <a:ext uri="{FF2B5EF4-FFF2-40B4-BE49-F238E27FC236}">
+                <a16:creationId xmlns:a16="http://schemas.microsoft.com/office/drawing/2014/main" id="{1A40DD81-A9E7-4CAF-BC25-3EE36E21651F}"/>
+              </a:ext>
+            </a:extLst>
+          </p:cNvPr>
+          <p:cNvCxnSpPr>
+            <a:cxnSpLocks/>
+            <a:stCxn id="96" idx="3"/>
+            <a:endCxn id="101" idx="1"/>
+          </p:cNvCxnSpPr>
+          <p:nvPr/>
+        </p:nvCxnSpPr>
+        <p:spPr>
+          <a:xfrm flipV="1">
+            <a:off x="3973816" y="2905004"/>
+            <a:ext cx="854015" cy="1133129"/>
+          </a:xfrm>
+          <a:prstGeom prst="bentConnector3">
+            <a:avLst>
+              <a:gd name="adj1" fmla="val 30370"/>
+            </a:avLst>
+          </a:prstGeom>
+          <a:ln w="19050">
+            <a:solidFill>
+              <a:srgbClr val="7030A0"/>
+            </a:solidFill>
+            <a:prstDash val="sysDot"/>
+            <a:headEnd type="none" w="med" len="med"/>
+            <a:tailEnd type="none" w="med" len="med"/>
+          </a:ln>
+          <a:effectLst/>
+        </p:spPr>
+        <p:style>
+          <a:lnRef idx="1">
+            <a:schemeClr val="accent2"/>
+          </a:lnRef>
+          <a:fillRef idx="2">
+            <a:schemeClr val="accent2"/>
+          </a:fillRef>
+          <a:effectRef idx="1">
+            <a:schemeClr val="accent2"/>
+          </a:effectRef>
+          <a:fontRef idx="minor">
+            <a:schemeClr val="dk1"/>
+          </a:fontRef>
+        </p:style>
+      </p:cxnSp>
+      <p:cxnSp>
+        <p:nvCxnSpPr>
+          <p:cNvPr id="114" name="Elbow Connector 63">
+            <a:extLst>
+              <a:ext uri="{FF2B5EF4-FFF2-40B4-BE49-F238E27FC236}">
+                <a16:creationId xmlns:a16="http://schemas.microsoft.com/office/drawing/2014/main" id="{F581BE59-CB2A-4E09-BEEA-CD82754F6E5A}"/>
+              </a:ext>
+            </a:extLst>
+          </p:cNvPr>
+          <p:cNvCxnSpPr>
+            <a:cxnSpLocks/>
+            <a:stCxn id="96" idx="3"/>
+          </p:cNvCxnSpPr>
+          <p:nvPr/>
+        </p:nvCxnSpPr>
+        <p:spPr>
+          <a:xfrm flipV="1">
+            <a:off x="3973816" y="3269429"/>
+            <a:ext cx="858229" cy="768704"/>
+          </a:xfrm>
+          <a:prstGeom prst="bentConnector3">
+            <a:avLst>
+              <a:gd name="adj1" fmla="val 30467"/>
+            </a:avLst>
+          </a:prstGeom>
+          <a:ln w="19050">
+            <a:solidFill>
+              <a:srgbClr val="7030A0"/>
+            </a:solidFill>
+            <a:prstDash val="sysDot"/>
+            <a:headEnd type="none" w="med" len="med"/>
+            <a:tailEnd type="none" w="med" len="med"/>
+          </a:ln>
+          <a:effectLst/>
+        </p:spPr>
+        <p:style>
+          <a:lnRef idx="1">
+            <a:schemeClr val="accent2"/>
+          </a:lnRef>
+          <a:fillRef idx="2">
+            <a:schemeClr val="accent2"/>
+          </a:fillRef>
+          <a:effectRef idx="1">
+            <a:schemeClr val="accent2"/>
+          </a:effectRef>
+          <a:fontRef idx="minor">
+            <a:schemeClr val="dk1"/>
+          </a:fontRef>
+        </p:style>
+      </p:cxnSp>
     </p:spTree>
     <p:extLst>
       <p:ext uri="{BB962C8B-B14F-4D97-AF65-F5344CB8AC3E}">

--- a/docs/diagrams/ModelComponentClassDiagram.pptx
+++ b/docs/diagrams/ModelComponentClassDiagram.pptx
@@ -5,11 +5,12 @@
     <p:sldMasterId id="2147483648" r:id="rId1"/>
   </p:sldMasterIdLst>
   <p:notesMasterIdLst>
-    <p:notesMasterId r:id="rId4"/>
+    <p:notesMasterId r:id="rId5"/>
   </p:notesMasterIdLst>
   <p:sldIdLst>
     <p:sldId id="265" r:id="rId2"/>
     <p:sldId id="268" r:id="rId3"/>
+    <p:sldId id="269" r:id="rId4"/>
   </p:sldIdLst>
   <p:sldSz cx="9144000" cy="6858000" type="screen4x3"/>
   <p:notesSz cx="6858000" cy="9144000"/>
@@ -10612,6 +10613,4522 @@
     <p:extLst>
       <p:ext uri="{BB962C8B-B14F-4D97-AF65-F5344CB8AC3E}">
         <p14:creationId xmlns:p14="http://schemas.microsoft.com/office/powerpoint/2010/main" val="1567827878"/>
+      </p:ext>
+    </p:extLst>
+  </p:cSld>
+  <p:clrMapOvr>
+    <a:masterClrMapping/>
+  </p:clrMapOvr>
+</p:sld>
+</file>
+
+<file path=ppt/slides/slide3.xml><?xml version="1.0" encoding="utf-8"?>
+<p:sld xmlns:a="http://schemas.openxmlformats.org/drawingml/2006/main" xmlns:r="http://schemas.openxmlformats.org/officeDocument/2006/relationships" xmlns:p="http://schemas.openxmlformats.org/presentationml/2006/main">
+  <p:cSld>
+    <p:spTree>
+      <p:nvGrpSpPr>
+        <p:cNvPr id="1" name=""/>
+        <p:cNvGrpSpPr/>
+        <p:nvPr/>
+      </p:nvGrpSpPr>
+      <p:grpSpPr>
+        <a:xfrm>
+          <a:off x="0" y="0"/>
+          <a:ext cx="0" cy="0"/>
+          <a:chOff x="0" y="0"/>
+          <a:chExt cx="0" cy="0"/>
+        </a:xfrm>
+      </p:grpSpPr>
+      <p:sp>
+        <p:nvSpPr>
+          <p:cNvPr id="118" name="Rectangle 65"/>
+          <p:cNvSpPr/>
+          <p:nvPr/>
+        </p:nvSpPr>
+        <p:spPr>
+          <a:xfrm>
+            <a:off x="990600" y="457200"/>
+            <a:ext cx="7239000" cy="5867400"/>
+          </a:xfrm>
+          <a:prstGeom prst="roundRect">
+            <a:avLst>
+              <a:gd name="adj" fmla="val 3484"/>
+            </a:avLst>
+          </a:prstGeom>
+          <a:solidFill>
+            <a:schemeClr val="accent4">
+              <a:lumMod val="20000"/>
+              <a:lumOff val="80000"/>
+            </a:schemeClr>
+          </a:solidFill>
+          <a:ln w="19050">
+            <a:noFill/>
+          </a:ln>
+          <a:effectLst/>
+        </p:spPr>
+        <p:style>
+          <a:lnRef idx="1">
+            <a:schemeClr val="accent2"/>
+          </a:lnRef>
+          <a:fillRef idx="2">
+            <a:schemeClr val="accent2"/>
+          </a:fillRef>
+          <a:effectRef idx="1">
+            <a:schemeClr val="accent2"/>
+          </a:effectRef>
+          <a:fontRef idx="minor">
+            <a:schemeClr val="dk1"/>
+          </a:fontRef>
+        </p:style>
+        <p:txBody>
+          <a:bodyPr rtlCol="0" anchor="t"/>
+          <a:lstStyle/>
+          <a:p>
+            <a:r>
+              <a:rPr lang="en-US" sz="1200" b="1" dirty="0">
+                <a:solidFill>
+                  <a:srgbClr val="7030A0"/>
+                </a:solidFill>
+              </a:rPr>
+              <a:t>Model</a:t>
+            </a:r>
+            <a:endParaRPr lang="en-SG" sz="1200" b="1" dirty="0">
+              <a:solidFill>
+                <a:srgbClr val="7030A0"/>
+              </a:solidFill>
+            </a:endParaRPr>
+          </a:p>
+        </p:txBody>
+      </p:sp>
+      <p:sp>
+        <p:nvSpPr>
+          <p:cNvPr id="2" name="Rectangle 8"/>
+          <p:cNvSpPr/>
+          <p:nvPr/>
+        </p:nvSpPr>
+        <p:spPr>
+          <a:xfrm>
+            <a:off x="2806563" y="2423676"/>
+            <a:ext cx="1093635" cy="346760"/>
+          </a:xfrm>
+          <a:prstGeom prst="rect">
+            <a:avLst/>
+          </a:prstGeom>
+          <a:solidFill>
+            <a:srgbClr val="7030A0"/>
+          </a:solidFill>
+          <a:ln w="19050">
+            <a:solidFill>
+              <a:srgbClr val="7030A0"/>
+            </a:solidFill>
+          </a:ln>
+          <a:effectLst/>
+        </p:spPr>
+        <p:style>
+          <a:lnRef idx="1">
+            <a:schemeClr val="accent2"/>
+          </a:lnRef>
+          <a:fillRef idx="2">
+            <a:schemeClr val="accent2"/>
+          </a:fillRef>
+          <a:effectRef idx="1">
+            <a:schemeClr val="accent2"/>
+          </a:effectRef>
+          <a:fontRef idx="minor">
+            <a:schemeClr val="dk1"/>
+          </a:fontRef>
+        </p:style>
+        <p:txBody>
+          <a:bodyPr rtlCol="0" anchor="ctr"/>
+          <a:lstStyle/>
+          <a:p>
+            <a:pPr algn="ctr"/>
+            <a:r>
+              <a:rPr lang="en-US" sz="1050" dirty="0" err="1">
+                <a:solidFill>
+                  <a:schemeClr val="bg1"/>
+                </a:solidFill>
+              </a:rPr>
+              <a:t>UserPref</a:t>
+            </a:r>
+            <a:endParaRPr lang="en-SG" sz="1050" dirty="0">
+              <a:solidFill>
+                <a:schemeClr val="bg1"/>
+              </a:solidFill>
+            </a:endParaRPr>
+          </a:p>
+        </p:txBody>
+      </p:sp>
+      <p:sp>
+        <p:nvSpPr>
+          <p:cNvPr id="9" name="Rectangle 62"/>
+          <p:cNvSpPr/>
+          <p:nvPr/>
+        </p:nvSpPr>
+        <p:spPr>
+          <a:xfrm rot="16200000">
+            <a:off x="1666826" y="2133923"/>
+            <a:ext cx="1093635" cy="346760"/>
+          </a:xfrm>
+          <a:prstGeom prst="rect">
+            <a:avLst/>
+          </a:prstGeom>
+          <a:solidFill>
+            <a:srgbClr val="7030A0"/>
+          </a:solidFill>
+          <a:ln w="19050">
+            <a:solidFill>
+              <a:srgbClr val="7030A0"/>
+            </a:solidFill>
+          </a:ln>
+          <a:effectLst/>
+        </p:spPr>
+        <p:style>
+          <a:lnRef idx="1">
+            <a:schemeClr val="accent2"/>
+          </a:lnRef>
+          <a:fillRef idx="2">
+            <a:schemeClr val="accent2"/>
+          </a:fillRef>
+          <a:effectRef idx="1">
+            <a:schemeClr val="accent2"/>
+          </a:effectRef>
+          <a:fontRef idx="minor">
+            <a:schemeClr val="dk1"/>
+          </a:fontRef>
+        </p:style>
+        <p:txBody>
+          <a:bodyPr rtlCol="0" anchor="ctr"/>
+          <a:lstStyle/>
+          <a:p>
+            <a:pPr algn="ctr"/>
+            <a:r>
+              <a:rPr lang="en-US" sz="1050" dirty="0" err="1">
+                <a:solidFill>
+                  <a:schemeClr val="bg1"/>
+                </a:solidFill>
+              </a:rPr>
+              <a:t>ModelManager</a:t>
+            </a:r>
+            <a:endParaRPr lang="en-SG" sz="1050" dirty="0">
+              <a:solidFill>
+                <a:schemeClr val="bg1"/>
+              </a:solidFill>
+            </a:endParaRPr>
+          </a:p>
+        </p:txBody>
+      </p:sp>
+      <p:cxnSp>
+        <p:nvCxnSpPr>
+          <p:cNvPr id="107" name="Elbow Connector 106"/>
+          <p:cNvCxnSpPr>
+            <a:cxnSpLocks/>
+            <a:stCxn id="9" idx="1"/>
+            <a:endCxn id="126" idx="0"/>
+          </p:cNvCxnSpPr>
+          <p:nvPr/>
+        </p:nvCxnSpPr>
+        <p:spPr>
+          <a:xfrm rot="5400000">
+            <a:off x="1661508" y="3406257"/>
+            <a:ext cx="1104273" cy="1"/>
+          </a:xfrm>
+          <a:prstGeom prst="bentConnector3">
+            <a:avLst>
+              <a:gd name="adj1" fmla="val 50000"/>
+            </a:avLst>
+          </a:prstGeom>
+          <a:ln w="19050">
+            <a:solidFill>
+              <a:srgbClr val="7030A0"/>
+            </a:solidFill>
+            <a:prstDash val="solid"/>
+            <a:headEnd type="none" w="med" len="med"/>
+            <a:tailEnd type="arrow" w="med" len="med"/>
+          </a:ln>
+          <a:effectLst/>
+        </p:spPr>
+        <p:style>
+          <a:lnRef idx="1">
+            <a:schemeClr val="accent2"/>
+          </a:lnRef>
+          <a:fillRef idx="2">
+            <a:schemeClr val="accent2"/>
+          </a:fillRef>
+          <a:effectRef idx="1">
+            <a:schemeClr val="accent2"/>
+          </a:effectRef>
+          <a:fontRef idx="minor">
+            <a:schemeClr val="dk1"/>
+          </a:fontRef>
+        </p:style>
+      </p:cxnSp>
+      <p:sp>
+        <p:nvSpPr>
+          <p:cNvPr id="119" name="Rectangle 62"/>
+          <p:cNvSpPr/>
+          <p:nvPr/>
+        </p:nvSpPr>
+        <p:spPr>
+          <a:xfrm rot="16200000">
+            <a:off x="939065" y="2126438"/>
+            <a:ext cx="1093635" cy="346760"/>
+          </a:xfrm>
+          <a:prstGeom prst="rect">
+            <a:avLst/>
+          </a:prstGeom>
+          <a:solidFill>
+            <a:srgbClr val="7030A0"/>
+          </a:solidFill>
+          <a:ln w="19050">
+            <a:solidFill>
+              <a:srgbClr val="7030A0"/>
+            </a:solidFill>
+          </a:ln>
+          <a:effectLst/>
+        </p:spPr>
+        <p:style>
+          <a:lnRef idx="1">
+            <a:schemeClr val="accent2"/>
+          </a:lnRef>
+          <a:fillRef idx="2">
+            <a:schemeClr val="accent2"/>
+          </a:fillRef>
+          <a:effectRef idx="1">
+            <a:schemeClr val="accent2"/>
+          </a:effectRef>
+          <a:fontRef idx="minor">
+            <a:schemeClr val="dk1"/>
+          </a:fontRef>
+        </p:style>
+        <p:txBody>
+          <a:bodyPr rtlCol="0" anchor="ctr"/>
+          <a:lstStyle/>
+          <a:p>
+            <a:pPr algn="ctr"/>
+            <a:r>
+              <a:rPr lang="en-US" sz="1050" dirty="0">
+                <a:solidFill>
+                  <a:schemeClr val="bg1"/>
+                </a:solidFill>
+              </a:rPr>
+              <a:t>&lt;&lt;interface&gt;&gt;</a:t>
+            </a:r>
+          </a:p>
+          <a:p>
+            <a:pPr algn="ctr"/>
+            <a:r>
+              <a:rPr lang="en-US" sz="1050" dirty="0">
+                <a:solidFill>
+                  <a:schemeClr val="bg1"/>
+                </a:solidFill>
+              </a:rPr>
+              <a:t>Model</a:t>
+            </a:r>
+            <a:endParaRPr lang="en-SG" sz="1050" dirty="0">
+              <a:solidFill>
+                <a:schemeClr val="bg1"/>
+              </a:solidFill>
+            </a:endParaRPr>
+          </a:p>
+        </p:txBody>
+      </p:sp>
+      <p:sp>
+        <p:nvSpPr>
+          <p:cNvPr id="120" name="Isosceles Triangle 102"/>
+          <p:cNvSpPr/>
+          <p:nvPr/>
+        </p:nvSpPr>
+        <p:spPr>
+          <a:xfrm rot="16200000">
+            <a:off x="1609773" y="2217527"/>
+            <a:ext cx="270504" cy="175523"/>
+          </a:xfrm>
+          <a:prstGeom prst="triangle">
+            <a:avLst/>
+          </a:prstGeom>
+          <a:solidFill>
+            <a:srgbClr val="7030A0"/>
+          </a:solidFill>
+          <a:ln w="19050">
+            <a:solidFill>
+              <a:srgbClr val="7030A0"/>
+            </a:solidFill>
+          </a:ln>
+          <a:effectLst/>
+        </p:spPr>
+        <p:style>
+          <a:lnRef idx="1">
+            <a:schemeClr val="accent6"/>
+          </a:lnRef>
+          <a:fillRef idx="2">
+            <a:schemeClr val="accent6"/>
+          </a:fillRef>
+          <a:effectRef idx="1">
+            <a:schemeClr val="accent6"/>
+          </a:effectRef>
+          <a:fontRef idx="minor">
+            <a:schemeClr val="dk1"/>
+          </a:fontRef>
+        </p:style>
+        <p:txBody>
+          <a:bodyPr rtlCol="0" anchor="ctr"/>
+          <a:lstStyle/>
+          <a:p>
+            <a:pPr algn="ctr"/>
+            <a:endParaRPr lang="en-SG" sz="1050"/>
+          </a:p>
+        </p:txBody>
+      </p:sp>
+      <p:cxnSp>
+        <p:nvCxnSpPr>
+          <p:cNvPr id="58" name="Straight Arrow Connector 57"/>
+          <p:cNvCxnSpPr>
+            <a:stCxn id="42" idx="3"/>
+            <a:endCxn id="2" idx="1"/>
+          </p:cNvCxnSpPr>
+          <p:nvPr/>
+        </p:nvCxnSpPr>
+        <p:spPr>
+          <a:xfrm>
+            <a:off x="2639233" y="2591772"/>
+            <a:ext cx="167330" cy="5284"/>
+          </a:xfrm>
+          <a:prstGeom prst="straightConnector1">
+            <a:avLst/>
+          </a:prstGeom>
+          <a:ln w="19050">
+            <a:solidFill>
+              <a:srgbClr val="7030A0"/>
+            </a:solidFill>
+            <a:headEnd type="none" w="med" len="med"/>
+            <a:tailEnd type="arrow" w="med" len="med"/>
+          </a:ln>
+          <a:effectLst/>
+        </p:spPr>
+        <p:style>
+          <a:lnRef idx="1">
+            <a:schemeClr val="accent2"/>
+          </a:lnRef>
+          <a:fillRef idx="2">
+            <a:schemeClr val="accent2"/>
+          </a:fillRef>
+          <a:effectRef idx="1">
+            <a:schemeClr val="accent2"/>
+          </a:effectRef>
+          <a:fontRef idx="minor">
+            <a:schemeClr val="dk1"/>
+          </a:fontRef>
+        </p:style>
+      </p:cxnSp>
+      <p:cxnSp>
+        <p:nvCxnSpPr>
+          <p:cNvPr id="75" name="Elbow Connector 122"/>
+          <p:cNvCxnSpPr>
+            <a:cxnSpLocks/>
+          </p:cNvCxnSpPr>
+          <p:nvPr/>
+        </p:nvCxnSpPr>
+        <p:spPr>
+          <a:xfrm>
+            <a:off x="1038789" y="2307303"/>
+            <a:ext cx="273713" cy="846"/>
+          </a:xfrm>
+          <a:prstGeom prst="bentConnector3">
+            <a:avLst>
+              <a:gd name="adj1" fmla="val 50000"/>
+            </a:avLst>
+          </a:prstGeom>
+          <a:ln w="19050">
+            <a:solidFill>
+              <a:schemeClr val="bg1">
+                <a:lumMod val="75000"/>
+              </a:schemeClr>
+            </a:solidFill>
+            <a:prstDash val="sysDot"/>
+            <a:headEnd type="none" w="med" len="med"/>
+            <a:tailEnd type="arrow" w="med" len="med"/>
+          </a:ln>
+          <a:effectLst/>
+        </p:spPr>
+        <p:style>
+          <a:lnRef idx="1">
+            <a:schemeClr val="accent2"/>
+          </a:lnRef>
+          <a:fillRef idx="2">
+            <a:schemeClr val="accent2"/>
+          </a:fillRef>
+          <a:effectRef idx="1">
+            <a:schemeClr val="accent2"/>
+          </a:effectRef>
+          <a:fontRef idx="minor">
+            <a:schemeClr val="dk1"/>
+          </a:fontRef>
+        </p:style>
+      </p:cxnSp>
+      <p:cxnSp>
+        <p:nvCxnSpPr>
+          <p:cNvPr id="21" name="Straight Connector 20"/>
+          <p:cNvCxnSpPr>
+            <a:stCxn id="120" idx="3"/>
+          </p:cNvCxnSpPr>
+          <p:nvPr/>
+        </p:nvCxnSpPr>
+        <p:spPr>
+          <a:xfrm flipV="1">
+            <a:off x="1832787" y="2305288"/>
+            <a:ext cx="216105" cy="1"/>
+          </a:xfrm>
+          <a:prstGeom prst="line">
+            <a:avLst/>
+          </a:prstGeom>
+          <a:ln w="19050">
+            <a:solidFill>
+              <a:srgbClr val="7030A0"/>
+            </a:solidFill>
+            <a:prstDash val="sysDot"/>
+            <a:headEnd type="none" w="med" len="med"/>
+            <a:tailEnd type="none" w="med" len="med"/>
+          </a:ln>
+          <a:effectLst/>
+        </p:spPr>
+        <p:style>
+          <a:lnRef idx="1">
+            <a:schemeClr val="accent2"/>
+          </a:lnRef>
+          <a:fillRef idx="2">
+            <a:schemeClr val="accent2"/>
+          </a:fillRef>
+          <a:effectRef idx="1">
+            <a:schemeClr val="accent2"/>
+          </a:effectRef>
+          <a:fontRef idx="minor">
+            <a:schemeClr val="dk1"/>
+          </a:fontRef>
+        </p:style>
+      </p:cxnSp>
+      <p:sp>
+        <p:nvSpPr>
+          <p:cNvPr id="42" name="Flowchart: Decision 96"/>
+          <p:cNvSpPr/>
+          <p:nvPr/>
+        </p:nvSpPr>
+        <p:spPr>
+          <a:xfrm>
+            <a:off x="2403185" y="2505082"/>
+            <a:ext cx="236048" cy="173380"/>
+          </a:xfrm>
+          <a:prstGeom prst="flowChartDecision">
+            <a:avLst/>
+          </a:prstGeom>
+          <a:noFill/>
+          <a:ln w="19050">
+            <a:solidFill>
+              <a:srgbClr val="7030A0"/>
+            </a:solidFill>
+          </a:ln>
+          <a:effectLst/>
+        </p:spPr>
+        <p:style>
+          <a:lnRef idx="1">
+            <a:schemeClr val="accent6"/>
+          </a:lnRef>
+          <a:fillRef idx="2">
+            <a:schemeClr val="accent6"/>
+          </a:fillRef>
+          <a:effectRef idx="1">
+            <a:schemeClr val="accent6"/>
+          </a:effectRef>
+          <a:fontRef idx="minor">
+            <a:schemeClr val="dk1"/>
+          </a:fontRef>
+        </p:style>
+        <p:txBody>
+          <a:bodyPr rtlCol="0" anchor="ctr"/>
+          <a:lstStyle/>
+          <a:p>
+            <a:pPr algn="ctr"/>
+            <a:endParaRPr lang="en-US" sz="1050"/>
+          </a:p>
+        </p:txBody>
+      </p:sp>
+      <p:sp>
+        <p:nvSpPr>
+          <p:cNvPr id="46" name="Rectangle 8"/>
+          <p:cNvSpPr/>
+          <p:nvPr/>
+        </p:nvSpPr>
+        <p:spPr>
+          <a:xfrm>
+            <a:off x="2808873" y="1892656"/>
+            <a:ext cx="1093635" cy="346760"/>
+          </a:xfrm>
+          <a:prstGeom prst="rect">
+            <a:avLst/>
+          </a:prstGeom>
+          <a:ln w="19050">
+            <a:solidFill>
+              <a:srgbClr val="7030A0"/>
+            </a:solidFill>
+          </a:ln>
+          <a:effectLst/>
+        </p:spPr>
+        <p:style>
+          <a:lnRef idx="1">
+            <a:schemeClr val="accent4"/>
+          </a:lnRef>
+          <a:fillRef idx="2">
+            <a:schemeClr val="accent4"/>
+          </a:fillRef>
+          <a:effectRef idx="1">
+            <a:schemeClr val="accent4"/>
+          </a:effectRef>
+          <a:fontRef idx="minor">
+            <a:schemeClr val="dk1"/>
+          </a:fontRef>
+        </p:style>
+        <p:txBody>
+          <a:bodyPr rtlCol="0" anchor="ctr"/>
+          <a:lstStyle/>
+          <a:p>
+            <a:pPr algn="ctr"/>
+            <a:r>
+              <a:rPr lang="en-US" sz="1050" dirty="0" err="1">
+                <a:solidFill>
+                  <a:srgbClr val="7030A0"/>
+                </a:solidFill>
+              </a:rPr>
+              <a:t>EntryBook</a:t>
+            </a:r>
+            <a:endParaRPr lang="en-SG" sz="1050" dirty="0">
+              <a:solidFill>
+                <a:srgbClr val="7030A0"/>
+              </a:solidFill>
+            </a:endParaRPr>
+          </a:p>
+        </p:txBody>
+      </p:sp>
+      <p:cxnSp>
+        <p:nvCxnSpPr>
+          <p:cNvPr id="47" name="Straight Arrow Connector 46"/>
+          <p:cNvCxnSpPr>
+            <a:stCxn id="48" idx="3"/>
+            <a:endCxn id="46" idx="1"/>
+          </p:cNvCxnSpPr>
+          <p:nvPr/>
+        </p:nvCxnSpPr>
+        <p:spPr>
+          <a:xfrm>
+            <a:off x="2641543" y="2060752"/>
+            <a:ext cx="167330" cy="5284"/>
+          </a:xfrm>
+          <a:prstGeom prst="straightConnector1">
+            <a:avLst/>
+          </a:prstGeom>
+          <a:ln w="19050">
+            <a:solidFill>
+              <a:srgbClr val="7030A0"/>
+            </a:solidFill>
+            <a:headEnd type="none" w="med" len="med"/>
+            <a:tailEnd type="arrow" w="med" len="med"/>
+          </a:ln>
+          <a:effectLst/>
+        </p:spPr>
+        <p:style>
+          <a:lnRef idx="1">
+            <a:schemeClr val="accent2"/>
+          </a:lnRef>
+          <a:fillRef idx="2">
+            <a:schemeClr val="accent2"/>
+          </a:fillRef>
+          <a:effectRef idx="1">
+            <a:schemeClr val="accent2"/>
+          </a:effectRef>
+          <a:fontRef idx="minor">
+            <a:schemeClr val="dk1"/>
+          </a:fontRef>
+        </p:style>
+      </p:cxnSp>
+      <p:sp>
+        <p:nvSpPr>
+          <p:cNvPr id="48" name="Flowchart: Decision 96"/>
+          <p:cNvSpPr/>
+          <p:nvPr/>
+        </p:nvSpPr>
+        <p:spPr>
+          <a:xfrm>
+            <a:off x="2405495" y="1974062"/>
+            <a:ext cx="236048" cy="173380"/>
+          </a:xfrm>
+          <a:prstGeom prst="flowChartDecision">
+            <a:avLst/>
+          </a:prstGeom>
+          <a:noFill/>
+          <a:ln w="19050">
+            <a:solidFill>
+              <a:srgbClr val="7030A0"/>
+            </a:solidFill>
+          </a:ln>
+          <a:effectLst/>
+        </p:spPr>
+        <p:style>
+          <a:lnRef idx="1">
+            <a:schemeClr val="accent6"/>
+          </a:lnRef>
+          <a:fillRef idx="2">
+            <a:schemeClr val="accent6"/>
+          </a:fillRef>
+          <a:effectRef idx="1">
+            <a:schemeClr val="accent6"/>
+          </a:effectRef>
+          <a:fontRef idx="minor">
+            <a:schemeClr val="dk1"/>
+          </a:fontRef>
+        </p:style>
+        <p:txBody>
+          <a:bodyPr rtlCol="0" anchor="ctr"/>
+          <a:lstStyle/>
+          <a:p>
+            <a:pPr algn="ctr"/>
+            <a:endParaRPr lang="en-US" sz="1050"/>
+          </a:p>
+        </p:txBody>
+      </p:sp>
+      <p:sp>
+        <p:nvSpPr>
+          <p:cNvPr id="49" name="Rectangle 8"/>
+          <p:cNvSpPr/>
+          <p:nvPr/>
+        </p:nvSpPr>
+        <p:spPr>
+          <a:xfrm>
+            <a:off x="4829662" y="1631853"/>
+            <a:ext cx="1156969" cy="515590"/>
+          </a:xfrm>
+          <a:prstGeom prst="rect">
+            <a:avLst/>
+          </a:prstGeom>
+          <a:ln w="19050">
+            <a:solidFill>
+              <a:srgbClr val="7030A0"/>
+            </a:solidFill>
+          </a:ln>
+          <a:effectLst/>
+        </p:spPr>
+        <p:style>
+          <a:lnRef idx="1">
+            <a:schemeClr val="accent4"/>
+          </a:lnRef>
+          <a:fillRef idx="2">
+            <a:schemeClr val="accent4"/>
+          </a:fillRef>
+          <a:effectRef idx="1">
+            <a:schemeClr val="accent4"/>
+          </a:effectRef>
+          <a:fontRef idx="minor">
+            <a:schemeClr val="dk1"/>
+          </a:fontRef>
+        </p:style>
+        <p:txBody>
+          <a:bodyPr rtlCol="0" anchor="ctr"/>
+          <a:lstStyle/>
+          <a:p>
+            <a:pPr algn="ctr"/>
+            <a:r>
+              <a:rPr lang="en-US" sz="1050" dirty="0" err="1">
+                <a:solidFill>
+                  <a:srgbClr val="7030A0"/>
+                </a:solidFill>
+              </a:rPr>
+              <a:t>MiscEntryList</a:t>
+            </a:r>
+            <a:endParaRPr lang="en-SG" sz="1050" dirty="0">
+              <a:solidFill>
+                <a:srgbClr val="7030A0"/>
+              </a:solidFill>
+            </a:endParaRPr>
+          </a:p>
+        </p:txBody>
+      </p:sp>
+      <p:sp>
+        <p:nvSpPr>
+          <p:cNvPr id="51" name="Flowchart: Decision 96"/>
+          <p:cNvSpPr/>
+          <p:nvPr/>
+        </p:nvSpPr>
+        <p:spPr>
+          <a:xfrm>
+            <a:off x="3917173" y="1994582"/>
+            <a:ext cx="236048" cy="173380"/>
+          </a:xfrm>
+          <a:prstGeom prst="flowChartDecision">
+            <a:avLst/>
+          </a:prstGeom>
+          <a:solidFill>
+            <a:srgbClr val="7030A0"/>
+          </a:solidFill>
+          <a:ln w="19050">
+            <a:solidFill>
+              <a:srgbClr val="7030A0"/>
+            </a:solidFill>
+          </a:ln>
+          <a:effectLst/>
+        </p:spPr>
+        <p:style>
+          <a:lnRef idx="1">
+            <a:schemeClr val="accent6"/>
+          </a:lnRef>
+          <a:fillRef idx="2">
+            <a:schemeClr val="accent6"/>
+          </a:fillRef>
+          <a:effectRef idx="1">
+            <a:schemeClr val="accent6"/>
+          </a:effectRef>
+          <a:fontRef idx="minor">
+            <a:schemeClr val="dk1"/>
+          </a:fontRef>
+        </p:style>
+        <p:txBody>
+          <a:bodyPr rtlCol="0" anchor="ctr"/>
+          <a:lstStyle/>
+          <a:p>
+            <a:pPr algn="ctr"/>
+            <a:endParaRPr lang="en-US" sz="1050"/>
+          </a:p>
+        </p:txBody>
+      </p:sp>
+      <p:cxnSp>
+        <p:nvCxnSpPr>
+          <p:cNvPr id="30" name="Elbow Connector 29"/>
+          <p:cNvCxnSpPr>
+            <a:cxnSpLocks/>
+            <a:stCxn id="51" idx="3"/>
+          </p:cNvCxnSpPr>
+          <p:nvPr/>
+        </p:nvCxnSpPr>
+        <p:spPr>
+          <a:xfrm flipV="1">
+            <a:off x="4153221" y="1739273"/>
+            <a:ext cx="678824" cy="341999"/>
+          </a:xfrm>
+          <a:prstGeom prst="bentConnector3">
+            <a:avLst/>
+          </a:prstGeom>
+          <a:ln w="19050">
+            <a:solidFill>
+              <a:srgbClr val="7030A0"/>
+            </a:solidFill>
+            <a:headEnd type="none" w="med" len="med"/>
+            <a:tailEnd type="arrow" w="med" len="med"/>
+          </a:ln>
+          <a:effectLst/>
+        </p:spPr>
+        <p:style>
+          <a:lnRef idx="1">
+            <a:schemeClr val="accent2"/>
+          </a:lnRef>
+          <a:fillRef idx="2">
+            <a:schemeClr val="accent2"/>
+          </a:fillRef>
+          <a:effectRef idx="1">
+            <a:schemeClr val="accent2"/>
+          </a:effectRef>
+          <a:fontRef idx="minor">
+            <a:schemeClr val="dk1"/>
+          </a:fontRef>
+        </p:style>
+      </p:cxnSp>
+      <p:sp>
+        <p:nvSpPr>
+          <p:cNvPr id="57" name="Rectangle 8"/>
+          <p:cNvSpPr/>
+          <p:nvPr/>
+        </p:nvSpPr>
+        <p:spPr>
+          <a:xfrm>
+            <a:off x="4832045" y="1191764"/>
+            <a:ext cx="1156969" cy="346760"/>
+          </a:xfrm>
+          <a:prstGeom prst="rect">
+            <a:avLst/>
+          </a:prstGeom>
+          <a:ln w="19050">
+            <a:solidFill>
+              <a:srgbClr val="7030A0"/>
+            </a:solidFill>
+          </a:ln>
+          <a:effectLst/>
+        </p:spPr>
+        <p:style>
+          <a:lnRef idx="1">
+            <a:schemeClr val="accent4"/>
+          </a:lnRef>
+          <a:fillRef idx="2">
+            <a:schemeClr val="accent4"/>
+          </a:fillRef>
+          <a:effectRef idx="1">
+            <a:schemeClr val="accent4"/>
+          </a:effectRef>
+          <a:fontRef idx="minor">
+            <a:schemeClr val="dk1"/>
+          </a:fontRef>
+        </p:style>
+        <p:txBody>
+          <a:bodyPr rtlCol="0" anchor="ctr"/>
+          <a:lstStyle/>
+          <a:p>
+            <a:pPr algn="ctr"/>
+            <a:r>
+              <a:rPr lang="en-US" sz="1050" dirty="0" err="1">
+                <a:solidFill>
+                  <a:srgbClr val="7030A0"/>
+                </a:solidFill>
+              </a:rPr>
+              <a:t>UniqueTagList</a:t>
+            </a:r>
+            <a:endParaRPr lang="en-SG" sz="1050" dirty="0">
+              <a:solidFill>
+                <a:srgbClr val="7030A0"/>
+              </a:solidFill>
+            </a:endParaRPr>
+          </a:p>
+        </p:txBody>
+      </p:sp>
+      <p:cxnSp>
+        <p:nvCxnSpPr>
+          <p:cNvPr id="59" name="Elbow Connector 58"/>
+          <p:cNvCxnSpPr>
+            <a:cxnSpLocks/>
+            <a:stCxn id="51" idx="3"/>
+            <a:endCxn id="57" idx="1"/>
+          </p:cNvCxnSpPr>
+          <p:nvPr/>
+        </p:nvCxnSpPr>
+        <p:spPr>
+          <a:xfrm flipV="1">
+            <a:off x="4153221" y="1365144"/>
+            <a:ext cx="678824" cy="716128"/>
+          </a:xfrm>
+          <a:prstGeom prst="bentConnector3">
+            <a:avLst>
+              <a:gd name="adj1" fmla="val 50000"/>
+            </a:avLst>
+          </a:prstGeom>
+          <a:ln w="19050">
+            <a:solidFill>
+              <a:srgbClr val="7030A0"/>
+            </a:solidFill>
+            <a:headEnd type="none" w="med" len="med"/>
+            <a:tailEnd type="arrow" w="med" len="med"/>
+          </a:ln>
+          <a:effectLst/>
+        </p:spPr>
+        <p:style>
+          <a:lnRef idx="1">
+            <a:schemeClr val="accent2"/>
+          </a:lnRef>
+          <a:fillRef idx="2">
+            <a:schemeClr val="accent2"/>
+          </a:fillRef>
+          <a:effectRef idx="1">
+            <a:schemeClr val="accent2"/>
+          </a:effectRef>
+          <a:fontRef idx="minor">
+            <a:schemeClr val="dk1"/>
+          </a:fontRef>
+        </p:style>
+      </p:cxnSp>
+      <p:sp>
+        <p:nvSpPr>
+          <p:cNvPr id="62" name="Rectangle 8"/>
+          <p:cNvSpPr/>
+          <p:nvPr/>
+        </p:nvSpPr>
+        <p:spPr>
+          <a:xfrm>
+            <a:off x="6529170" y="1981767"/>
+            <a:ext cx="951336" cy="346761"/>
+          </a:xfrm>
+          <a:prstGeom prst="rect">
+            <a:avLst/>
+          </a:prstGeom>
+          <a:ln w="19050">
+            <a:solidFill>
+              <a:srgbClr val="7030A0"/>
+            </a:solidFill>
+          </a:ln>
+          <a:effectLst/>
+        </p:spPr>
+        <p:style>
+          <a:lnRef idx="1">
+            <a:schemeClr val="accent4"/>
+          </a:lnRef>
+          <a:fillRef idx="2">
+            <a:schemeClr val="accent4"/>
+          </a:fillRef>
+          <a:effectRef idx="1">
+            <a:schemeClr val="accent4"/>
+          </a:effectRef>
+          <a:fontRef idx="minor">
+            <a:schemeClr val="dk1"/>
+          </a:fontRef>
+        </p:style>
+        <p:txBody>
+          <a:bodyPr rtlCol="0" anchor="ctr"/>
+          <a:lstStyle/>
+          <a:p>
+            <a:pPr algn="ctr"/>
+            <a:r>
+              <a:rPr lang="en-SG" sz="1050" dirty="0">
+                <a:solidFill>
+                  <a:srgbClr val="7030A0"/>
+                </a:solidFill>
+              </a:rPr>
+              <a:t>{abstract}</a:t>
+            </a:r>
+          </a:p>
+          <a:p>
+            <a:pPr algn="ctr"/>
+            <a:r>
+              <a:rPr lang="en-SG" sz="1050" dirty="0">
+                <a:solidFill>
+                  <a:srgbClr val="7030A0"/>
+                </a:solidFill>
+              </a:rPr>
+              <a:t>Entry</a:t>
+            </a:r>
+          </a:p>
+        </p:txBody>
+      </p:sp>
+      <p:sp>
+        <p:nvSpPr>
+          <p:cNvPr id="63" name="Flowchart: Decision 96"/>
+          <p:cNvSpPr/>
+          <p:nvPr/>
+        </p:nvSpPr>
+        <p:spPr>
+          <a:xfrm>
+            <a:off x="5994896" y="1829225"/>
+            <a:ext cx="236048" cy="173380"/>
+          </a:xfrm>
+          <a:prstGeom prst="flowChartDecision">
+            <a:avLst/>
+          </a:prstGeom>
+          <a:noFill/>
+          <a:ln w="19050">
+            <a:solidFill>
+              <a:srgbClr val="7030A0"/>
+            </a:solidFill>
+          </a:ln>
+          <a:effectLst/>
+        </p:spPr>
+        <p:style>
+          <a:lnRef idx="1">
+            <a:schemeClr val="accent6"/>
+          </a:lnRef>
+          <a:fillRef idx="2">
+            <a:schemeClr val="accent6"/>
+          </a:fillRef>
+          <a:effectRef idx="1">
+            <a:schemeClr val="accent6"/>
+          </a:effectRef>
+          <a:fontRef idx="minor">
+            <a:schemeClr val="dk1"/>
+          </a:fontRef>
+        </p:style>
+        <p:txBody>
+          <a:bodyPr rtlCol="0" anchor="ctr"/>
+          <a:lstStyle/>
+          <a:p>
+            <a:pPr algn="ctr"/>
+            <a:endParaRPr lang="en-US" sz="1050"/>
+          </a:p>
+        </p:txBody>
+      </p:sp>
+      <p:cxnSp>
+        <p:nvCxnSpPr>
+          <p:cNvPr id="64" name="Elbow Connector 63"/>
+          <p:cNvCxnSpPr>
+            <a:cxnSpLocks/>
+            <a:stCxn id="63" idx="3"/>
+            <a:endCxn id="62" idx="1"/>
+          </p:cNvCxnSpPr>
+          <p:nvPr/>
+        </p:nvCxnSpPr>
+        <p:spPr>
+          <a:xfrm>
+            <a:off x="6230944" y="1915915"/>
+            <a:ext cx="298226" cy="239233"/>
+          </a:xfrm>
+          <a:prstGeom prst="bentConnector3">
+            <a:avLst/>
+          </a:prstGeom>
+          <a:ln w="19050">
+            <a:solidFill>
+              <a:srgbClr val="7030A0"/>
+            </a:solidFill>
+            <a:headEnd type="none" w="med" len="med"/>
+            <a:tailEnd type="arrow" w="med" len="med"/>
+          </a:ln>
+          <a:effectLst/>
+        </p:spPr>
+        <p:style>
+          <a:lnRef idx="1">
+            <a:schemeClr val="accent2"/>
+          </a:lnRef>
+          <a:fillRef idx="2">
+            <a:schemeClr val="accent2"/>
+          </a:fillRef>
+          <a:effectRef idx="1">
+            <a:schemeClr val="accent2"/>
+          </a:effectRef>
+          <a:fontRef idx="minor">
+            <a:schemeClr val="dk1"/>
+          </a:fontRef>
+        </p:style>
+      </p:cxnSp>
+      <p:sp>
+        <p:nvSpPr>
+          <p:cNvPr id="67" name="Rectangle 8"/>
+          <p:cNvSpPr/>
+          <p:nvPr/>
+        </p:nvSpPr>
+        <p:spPr>
+          <a:xfrm>
+            <a:off x="5705589" y="720527"/>
+            <a:ext cx="483700" cy="346760"/>
+          </a:xfrm>
+          <a:prstGeom prst="rect">
+            <a:avLst/>
+          </a:prstGeom>
+          <a:ln w="19050">
+            <a:solidFill>
+              <a:srgbClr val="7030A0"/>
+            </a:solidFill>
+          </a:ln>
+          <a:effectLst/>
+        </p:spPr>
+        <p:style>
+          <a:lnRef idx="1">
+            <a:schemeClr val="accent4"/>
+          </a:lnRef>
+          <a:fillRef idx="2">
+            <a:schemeClr val="accent4"/>
+          </a:fillRef>
+          <a:effectRef idx="1">
+            <a:schemeClr val="accent4"/>
+          </a:effectRef>
+          <a:fontRef idx="minor">
+            <a:schemeClr val="dk1"/>
+          </a:fontRef>
+        </p:style>
+        <p:txBody>
+          <a:bodyPr rtlCol="0" anchor="ctr"/>
+          <a:lstStyle/>
+          <a:p>
+            <a:pPr algn="ctr"/>
+            <a:r>
+              <a:rPr lang="en-US" sz="1050" dirty="0">
+                <a:solidFill>
+                  <a:srgbClr val="7030A0"/>
+                </a:solidFill>
+              </a:rPr>
+              <a:t>Tag</a:t>
+            </a:r>
+            <a:endParaRPr lang="en-SG" sz="1050" dirty="0">
+              <a:solidFill>
+                <a:srgbClr val="7030A0"/>
+              </a:solidFill>
+            </a:endParaRPr>
+          </a:p>
+        </p:txBody>
+      </p:sp>
+      <p:sp>
+        <p:nvSpPr>
+          <p:cNvPr id="68" name="Flowchart: Decision 96"/>
+          <p:cNvSpPr/>
+          <p:nvPr/>
+        </p:nvSpPr>
+        <p:spPr>
+          <a:xfrm rot="16200000">
+            <a:off x="5291150" y="977735"/>
+            <a:ext cx="236048" cy="173380"/>
+          </a:xfrm>
+          <a:prstGeom prst="flowChartDecision">
+            <a:avLst/>
+          </a:prstGeom>
+          <a:noFill/>
+          <a:ln w="19050">
+            <a:solidFill>
+              <a:srgbClr val="7030A0"/>
+            </a:solidFill>
+          </a:ln>
+          <a:effectLst/>
+        </p:spPr>
+        <p:style>
+          <a:lnRef idx="1">
+            <a:schemeClr val="accent6"/>
+          </a:lnRef>
+          <a:fillRef idx="2">
+            <a:schemeClr val="accent6"/>
+          </a:fillRef>
+          <a:effectRef idx="1">
+            <a:schemeClr val="accent6"/>
+          </a:effectRef>
+          <a:fontRef idx="minor">
+            <a:schemeClr val="dk1"/>
+          </a:fontRef>
+        </p:style>
+        <p:txBody>
+          <a:bodyPr rtlCol="0" anchor="ctr"/>
+          <a:lstStyle/>
+          <a:p>
+            <a:pPr algn="ctr"/>
+            <a:endParaRPr lang="en-US" sz="1050"/>
+          </a:p>
+        </p:txBody>
+      </p:sp>
+      <p:cxnSp>
+        <p:nvCxnSpPr>
+          <p:cNvPr id="69" name="Elbow Connector 68"/>
+          <p:cNvCxnSpPr>
+            <a:stCxn id="68" idx="3"/>
+            <a:endCxn id="67" idx="1"/>
+          </p:cNvCxnSpPr>
+          <p:nvPr/>
+        </p:nvCxnSpPr>
+        <p:spPr>
+          <a:xfrm rot="5400000" flipH="1" flipV="1">
+            <a:off x="5531134" y="771947"/>
+            <a:ext cx="52494" cy="296415"/>
+          </a:xfrm>
+          <a:prstGeom prst="bentConnector2">
+            <a:avLst/>
+          </a:prstGeom>
+          <a:ln w="19050">
+            <a:solidFill>
+              <a:srgbClr val="7030A0"/>
+            </a:solidFill>
+            <a:headEnd type="none" w="med" len="med"/>
+            <a:tailEnd type="arrow" w="med" len="med"/>
+          </a:ln>
+          <a:effectLst/>
+        </p:spPr>
+        <p:style>
+          <a:lnRef idx="1">
+            <a:schemeClr val="accent2"/>
+          </a:lnRef>
+          <a:fillRef idx="2">
+            <a:schemeClr val="accent2"/>
+          </a:fillRef>
+          <a:effectRef idx="1">
+            <a:schemeClr val="accent2"/>
+          </a:effectRef>
+          <a:fontRef idx="minor">
+            <a:schemeClr val="dk1"/>
+          </a:fontRef>
+        </p:style>
+      </p:cxnSp>
+      <p:sp>
+        <p:nvSpPr>
+          <p:cNvPr id="72" name="Rectangle 8"/>
+          <p:cNvSpPr/>
+          <p:nvPr/>
+        </p:nvSpPr>
+        <p:spPr>
+          <a:xfrm>
+            <a:off x="3683360" y="4052900"/>
+            <a:ext cx="1045383" cy="346760"/>
+          </a:xfrm>
+          <a:prstGeom prst="rect">
+            <a:avLst/>
+          </a:prstGeom>
+          <a:ln w="19050">
+            <a:solidFill>
+              <a:srgbClr val="7030A0"/>
+            </a:solidFill>
+          </a:ln>
+          <a:effectLst/>
+        </p:spPr>
+        <p:style>
+          <a:lnRef idx="1">
+            <a:schemeClr val="accent4"/>
+          </a:lnRef>
+          <a:fillRef idx="2">
+            <a:schemeClr val="accent4"/>
+          </a:fillRef>
+          <a:effectRef idx="1">
+            <a:schemeClr val="accent4"/>
+          </a:effectRef>
+          <a:fontRef idx="minor">
+            <a:schemeClr val="dk1"/>
+          </a:fontRef>
+        </p:style>
+        <p:txBody>
+          <a:bodyPr rtlCol="0" anchor="ctr"/>
+          <a:lstStyle/>
+          <a:p>
+            <a:pPr algn="ctr"/>
+            <a:r>
+              <a:rPr lang="en-US" sz="1050" dirty="0">
+                <a:solidFill>
+                  <a:srgbClr val="7030A0"/>
+                </a:solidFill>
+              </a:rPr>
+              <a:t>&lt;&lt;interface&gt;&gt;</a:t>
+            </a:r>
+            <a:br>
+              <a:rPr lang="en-US" sz="1050" dirty="0">
+                <a:solidFill>
+                  <a:srgbClr val="7030A0"/>
+                </a:solidFill>
+              </a:rPr>
+            </a:br>
+            <a:r>
+              <a:rPr lang="en-US" sz="1050" dirty="0" err="1">
+                <a:solidFill>
+                  <a:srgbClr val="7030A0"/>
+                </a:solidFill>
+              </a:rPr>
+              <a:t>ReadOnlyEntry</a:t>
+            </a:r>
+            <a:endParaRPr lang="en-SG" sz="1050" dirty="0">
+              <a:solidFill>
+                <a:srgbClr val="7030A0"/>
+              </a:solidFill>
+            </a:endParaRPr>
+          </a:p>
+        </p:txBody>
+      </p:sp>
+      <p:sp>
+        <p:nvSpPr>
+          <p:cNvPr id="76" name="Rectangle 8"/>
+          <p:cNvSpPr/>
+          <p:nvPr/>
+        </p:nvSpPr>
+        <p:spPr>
+          <a:xfrm>
+            <a:off x="6641977" y="762000"/>
+            <a:ext cx="708186" cy="285783"/>
+          </a:xfrm>
+          <a:prstGeom prst="rect">
+            <a:avLst/>
+          </a:prstGeom>
+          <a:ln w="19050">
+            <a:solidFill>
+              <a:srgbClr val="7030A0"/>
+            </a:solidFill>
+          </a:ln>
+          <a:effectLst/>
+        </p:spPr>
+        <p:style>
+          <a:lnRef idx="1">
+            <a:schemeClr val="accent4"/>
+          </a:lnRef>
+          <a:fillRef idx="2">
+            <a:schemeClr val="accent4"/>
+          </a:fillRef>
+          <a:effectRef idx="1">
+            <a:schemeClr val="accent4"/>
+          </a:effectRef>
+          <a:fontRef idx="minor">
+            <a:schemeClr val="dk1"/>
+          </a:fontRef>
+        </p:style>
+        <p:txBody>
+          <a:bodyPr rtlCol="0" anchor="ctr"/>
+          <a:lstStyle/>
+          <a:p>
+            <a:pPr algn="ctr"/>
+            <a:r>
+              <a:rPr lang="en-US" sz="1050">
+                <a:solidFill>
+                  <a:srgbClr val="7030A0"/>
+                </a:solidFill>
+              </a:rPr>
+              <a:t>Name</a:t>
+            </a:r>
+            <a:endParaRPr lang="en-SG" sz="1050" dirty="0">
+              <a:solidFill>
+                <a:srgbClr val="7030A0"/>
+              </a:solidFill>
+            </a:endParaRPr>
+          </a:p>
+        </p:txBody>
+      </p:sp>
+      <p:sp>
+        <p:nvSpPr>
+          <p:cNvPr id="78" name="Flowchart: Decision 96"/>
+          <p:cNvSpPr/>
+          <p:nvPr/>
+        </p:nvSpPr>
+        <p:spPr>
+          <a:xfrm rot="16200000">
+            <a:off x="6878045" y="1756975"/>
+            <a:ext cx="236048" cy="173380"/>
+          </a:xfrm>
+          <a:prstGeom prst="flowChartDecision">
+            <a:avLst/>
+          </a:prstGeom>
+          <a:solidFill>
+            <a:srgbClr val="7030A0"/>
+          </a:solidFill>
+          <a:ln w="19050">
+            <a:solidFill>
+              <a:srgbClr val="7030A0"/>
+            </a:solidFill>
+          </a:ln>
+          <a:effectLst/>
+        </p:spPr>
+        <p:style>
+          <a:lnRef idx="1">
+            <a:schemeClr val="accent6"/>
+          </a:lnRef>
+          <a:fillRef idx="2">
+            <a:schemeClr val="accent6"/>
+          </a:fillRef>
+          <a:effectRef idx="1">
+            <a:schemeClr val="accent6"/>
+          </a:effectRef>
+          <a:fontRef idx="minor">
+            <a:schemeClr val="dk1"/>
+          </a:fontRef>
+        </p:style>
+        <p:txBody>
+          <a:bodyPr rtlCol="0" anchor="ctr"/>
+          <a:lstStyle/>
+          <a:p>
+            <a:pPr algn="ctr"/>
+            <a:endParaRPr lang="en-US" sz="1050"/>
+          </a:p>
+        </p:txBody>
+      </p:sp>
+      <p:cxnSp>
+        <p:nvCxnSpPr>
+          <p:cNvPr id="79" name="Elbow Connector 78"/>
+          <p:cNvCxnSpPr>
+            <a:cxnSpLocks/>
+            <a:stCxn id="78" idx="3"/>
+            <a:endCxn id="76" idx="2"/>
+          </p:cNvCxnSpPr>
+          <p:nvPr/>
+        </p:nvCxnSpPr>
+        <p:spPr>
+          <a:xfrm rot="5400000" flipH="1" flipV="1">
+            <a:off x="6657140" y="1386712"/>
+            <a:ext cx="677858" cy="1"/>
+          </a:xfrm>
+          <a:prstGeom prst="bentConnector3">
+            <a:avLst>
+              <a:gd name="adj1" fmla="val 50000"/>
+            </a:avLst>
+          </a:prstGeom>
+          <a:ln w="19050">
+            <a:solidFill>
+              <a:srgbClr val="7030A0"/>
+            </a:solidFill>
+            <a:headEnd type="none" w="med" len="med"/>
+            <a:tailEnd type="arrow" w="med" len="med"/>
+          </a:ln>
+          <a:effectLst/>
+        </p:spPr>
+        <p:style>
+          <a:lnRef idx="1">
+            <a:schemeClr val="accent2"/>
+          </a:lnRef>
+          <a:fillRef idx="2">
+            <a:schemeClr val="accent2"/>
+          </a:fillRef>
+          <a:effectRef idx="1">
+            <a:schemeClr val="accent2"/>
+          </a:effectRef>
+          <a:fontRef idx="minor">
+            <a:schemeClr val="dk1"/>
+          </a:fontRef>
+        </p:style>
+      </p:cxnSp>
+      <p:cxnSp>
+        <p:nvCxnSpPr>
+          <p:cNvPr id="97" name="Elbow Connector 63"/>
+          <p:cNvCxnSpPr>
+            <a:cxnSpLocks/>
+            <a:stCxn id="138" idx="3"/>
+            <a:endCxn id="46" idx="0"/>
+          </p:cNvCxnSpPr>
+          <p:nvPr/>
+        </p:nvCxnSpPr>
+        <p:spPr>
+          <a:xfrm rot="16200000" flipH="1">
+            <a:off x="3297348" y="1834313"/>
+            <a:ext cx="114374" cy="2311"/>
+          </a:xfrm>
+          <a:prstGeom prst="bentConnector3">
+            <a:avLst>
+              <a:gd name="adj1" fmla="val 50000"/>
+            </a:avLst>
+          </a:prstGeom>
+          <a:ln w="19050">
+            <a:solidFill>
+              <a:srgbClr val="7030A0"/>
+            </a:solidFill>
+            <a:prstDash val="sysDot"/>
+            <a:headEnd type="none" w="med" len="med"/>
+            <a:tailEnd type="none" w="med" len="med"/>
+          </a:ln>
+          <a:effectLst/>
+        </p:spPr>
+        <p:style>
+          <a:lnRef idx="1">
+            <a:schemeClr val="accent2"/>
+          </a:lnRef>
+          <a:fillRef idx="2">
+            <a:schemeClr val="accent2"/>
+          </a:fillRef>
+          <a:effectRef idx="1">
+            <a:schemeClr val="accent2"/>
+          </a:effectRef>
+          <a:fontRef idx="minor">
+            <a:schemeClr val="dk1"/>
+          </a:fontRef>
+        </p:style>
+      </p:cxnSp>
+      <p:sp>
+        <p:nvSpPr>
+          <p:cNvPr id="100" name="Rectangle 8"/>
+          <p:cNvSpPr/>
+          <p:nvPr/>
+        </p:nvSpPr>
+        <p:spPr>
+          <a:xfrm>
+            <a:off x="2589686" y="1253440"/>
+            <a:ext cx="1539926" cy="346760"/>
+          </a:xfrm>
+          <a:prstGeom prst="rect">
+            <a:avLst/>
+          </a:prstGeom>
+          <a:ln w="19050">
+            <a:solidFill>
+              <a:srgbClr val="7030A0"/>
+            </a:solidFill>
+          </a:ln>
+          <a:effectLst/>
+        </p:spPr>
+        <p:style>
+          <a:lnRef idx="1">
+            <a:schemeClr val="accent4"/>
+          </a:lnRef>
+          <a:fillRef idx="2">
+            <a:schemeClr val="accent4"/>
+          </a:fillRef>
+          <a:effectRef idx="1">
+            <a:schemeClr val="accent4"/>
+          </a:effectRef>
+          <a:fontRef idx="minor">
+            <a:schemeClr val="dk1"/>
+          </a:fontRef>
+        </p:style>
+        <p:txBody>
+          <a:bodyPr rtlCol="0" anchor="ctr"/>
+          <a:lstStyle/>
+          <a:p>
+            <a:pPr algn="ctr"/>
+            <a:r>
+              <a:rPr lang="en-US" sz="1050" dirty="0">
+                <a:solidFill>
+                  <a:srgbClr val="7030A0"/>
+                </a:solidFill>
+              </a:rPr>
+              <a:t>&lt;&lt;interface&gt;&gt;</a:t>
+            </a:r>
+            <a:br>
+              <a:rPr lang="en-US" sz="1050" dirty="0">
+                <a:solidFill>
+                  <a:srgbClr val="7030A0"/>
+                </a:solidFill>
+              </a:rPr>
+            </a:br>
+            <a:r>
+              <a:rPr lang="en-US" sz="1050" dirty="0" err="1">
+                <a:solidFill>
+                  <a:srgbClr val="7030A0"/>
+                </a:solidFill>
+              </a:rPr>
+              <a:t>ReadOnlyEntryBook</a:t>
+            </a:r>
+            <a:endParaRPr lang="en-SG" sz="1050" dirty="0">
+              <a:solidFill>
+                <a:srgbClr val="7030A0"/>
+              </a:solidFill>
+            </a:endParaRPr>
+          </a:p>
+        </p:txBody>
+      </p:sp>
+      <p:sp>
+        <p:nvSpPr>
+          <p:cNvPr id="122" name="Rectangle 8"/>
+          <p:cNvSpPr/>
+          <p:nvPr/>
+        </p:nvSpPr>
+        <p:spPr>
+          <a:xfrm>
+            <a:off x="2343612" y="783895"/>
+            <a:ext cx="1775949" cy="346760"/>
+          </a:xfrm>
+          <a:prstGeom prst="rect">
+            <a:avLst/>
+          </a:prstGeom>
+          <a:ln w="19050">
+            <a:solidFill>
+              <a:srgbClr val="7030A0"/>
+            </a:solidFill>
+          </a:ln>
+          <a:effectLst/>
+        </p:spPr>
+        <p:style>
+          <a:lnRef idx="1">
+            <a:schemeClr val="accent4"/>
+          </a:lnRef>
+          <a:fillRef idx="2">
+            <a:schemeClr val="accent4"/>
+          </a:fillRef>
+          <a:effectRef idx="1">
+            <a:schemeClr val="accent4"/>
+          </a:effectRef>
+          <a:fontRef idx="minor">
+            <a:schemeClr val="dk1"/>
+          </a:fontRef>
+        </p:style>
+        <p:txBody>
+          <a:bodyPr rtlCol="0" anchor="ctr"/>
+          <a:lstStyle/>
+          <a:p>
+            <a:pPr algn="ctr"/>
+            <a:r>
+              <a:rPr lang="en-US" sz="1050" dirty="0">
+                <a:solidFill>
+                  <a:srgbClr val="7030A0"/>
+                </a:solidFill>
+              </a:rPr>
+              <a:t>&lt;&lt;interface&gt;&gt;</a:t>
+            </a:r>
+            <a:br>
+              <a:rPr lang="en-US" sz="1050" dirty="0">
+                <a:solidFill>
+                  <a:srgbClr val="7030A0"/>
+                </a:solidFill>
+              </a:rPr>
+            </a:br>
+            <a:r>
+              <a:rPr lang="en-US" sz="1050" dirty="0" err="1">
+                <a:solidFill>
+                  <a:srgbClr val="7030A0"/>
+                </a:solidFill>
+              </a:rPr>
+              <a:t>UnmodifiableObservableList</a:t>
+            </a:r>
+            <a:endParaRPr lang="en-SG" sz="1050" dirty="0">
+              <a:solidFill>
+                <a:srgbClr val="7030A0"/>
+              </a:solidFill>
+            </a:endParaRPr>
+          </a:p>
+        </p:txBody>
+      </p:sp>
+      <p:cxnSp>
+        <p:nvCxnSpPr>
+          <p:cNvPr id="124" name="Elbow Connector 122"/>
+          <p:cNvCxnSpPr>
+            <a:cxnSpLocks/>
+            <a:stCxn id="119" idx="3"/>
+            <a:endCxn id="122" idx="1"/>
+          </p:cNvCxnSpPr>
+          <p:nvPr/>
+        </p:nvCxnSpPr>
+        <p:spPr>
+          <a:xfrm rot="5400000" flipH="1" flipV="1">
+            <a:off x="1516884" y="926273"/>
+            <a:ext cx="795726" cy="857730"/>
+          </a:xfrm>
+          <a:prstGeom prst="bentConnector2">
+            <a:avLst/>
+          </a:prstGeom>
+          <a:ln w="19050">
+            <a:solidFill>
+              <a:srgbClr val="7030A0"/>
+            </a:solidFill>
+            <a:prstDash val="sysDot"/>
+            <a:headEnd type="none" w="med" len="med"/>
+            <a:tailEnd type="arrow" w="med" len="med"/>
+          </a:ln>
+          <a:effectLst/>
+        </p:spPr>
+        <p:style>
+          <a:lnRef idx="1">
+            <a:schemeClr val="accent2"/>
+          </a:lnRef>
+          <a:fillRef idx="2">
+            <a:schemeClr val="accent2"/>
+          </a:fillRef>
+          <a:effectRef idx="1">
+            <a:schemeClr val="accent2"/>
+          </a:effectRef>
+          <a:fontRef idx="minor">
+            <a:schemeClr val="dk1"/>
+          </a:fontRef>
+        </p:style>
+      </p:cxnSp>
+      <p:cxnSp>
+        <p:nvCxnSpPr>
+          <p:cNvPr id="50" name="Elbow Connector 49"/>
+          <p:cNvCxnSpPr>
+            <a:cxnSpLocks/>
+            <a:stCxn id="78" idx="3"/>
+            <a:endCxn id="57" idx="3"/>
+          </p:cNvCxnSpPr>
+          <p:nvPr/>
+        </p:nvCxnSpPr>
+        <p:spPr>
+          <a:xfrm rot="16200000" flipV="1">
+            <a:off x="6312294" y="1041865"/>
+            <a:ext cx="360497" cy="1007055"/>
+          </a:xfrm>
+          <a:prstGeom prst="bentConnector2">
+            <a:avLst/>
+          </a:prstGeom>
+          <a:ln w="19050">
+            <a:solidFill>
+              <a:srgbClr val="7030A0"/>
+            </a:solidFill>
+            <a:headEnd type="none" w="med" len="med"/>
+            <a:tailEnd type="arrow" w="med" len="med"/>
+          </a:ln>
+          <a:effectLst/>
+        </p:spPr>
+        <p:style>
+          <a:lnRef idx="1">
+            <a:schemeClr val="accent2"/>
+          </a:lnRef>
+          <a:fillRef idx="2">
+            <a:schemeClr val="accent2"/>
+          </a:fillRef>
+          <a:effectRef idx="1">
+            <a:schemeClr val="accent2"/>
+          </a:effectRef>
+          <a:fontRef idx="minor">
+            <a:schemeClr val="dk1"/>
+          </a:fontRef>
+        </p:style>
+      </p:cxnSp>
+      <p:sp>
+        <p:nvSpPr>
+          <p:cNvPr id="11" name="TextBox 10"/>
+          <p:cNvSpPr txBox="1"/>
+          <p:nvPr/>
+        </p:nvSpPr>
+        <p:spPr>
+          <a:xfrm>
+            <a:off x="4564394" y="1148042"/>
+            <a:ext cx="189257" cy="178683"/>
+          </a:xfrm>
+          <a:prstGeom prst="rect">
+            <a:avLst/>
+          </a:prstGeom>
+          <a:noFill/>
+        </p:spPr>
+        <p:txBody>
+          <a:bodyPr wrap="square" lIns="0" tIns="0" rIns="0" bIns="0" rtlCol="0">
+            <a:noAutofit/>
+          </a:bodyPr>
+          <a:lstStyle/>
+          <a:p>
+            <a:pPr algn="ctr"/>
+            <a:r>
+              <a:rPr lang="en-US" sz="1100" dirty="0">
+                <a:solidFill>
+                  <a:srgbClr val="7030A0"/>
+                </a:solidFill>
+              </a:rPr>
+              <a:t>1</a:t>
+            </a:r>
+            <a:endParaRPr lang="en-SG" sz="1100" dirty="0">
+              <a:solidFill>
+                <a:srgbClr val="7030A0"/>
+              </a:solidFill>
+            </a:endParaRPr>
+          </a:p>
+        </p:txBody>
+      </p:sp>
+      <p:sp>
+        <p:nvSpPr>
+          <p:cNvPr id="54" name="TextBox 53"/>
+          <p:cNvSpPr txBox="1"/>
+          <p:nvPr/>
+        </p:nvSpPr>
+        <p:spPr>
+          <a:xfrm>
+            <a:off x="4573055" y="1548514"/>
+            <a:ext cx="189257" cy="178683"/>
+          </a:xfrm>
+          <a:prstGeom prst="rect">
+            <a:avLst/>
+          </a:prstGeom>
+          <a:noFill/>
+        </p:spPr>
+        <p:txBody>
+          <a:bodyPr wrap="square" lIns="0" tIns="0" rIns="0" bIns="0" rtlCol="0">
+            <a:noAutofit/>
+          </a:bodyPr>
+          <a:lstStyle/>
+          <a:p>
+            <a:pPr algn="ctr"/>
+            <a:r>
+              <a:rPr lang="en-SG" sz="1100" dirty="0">
+                <a:solidFill>
+                  <a:srgbClr val="7030A0"/>
+                </a:solidFill>
+              </a:rPr>
+              <a:t>1</a:t>
+            </a:r>
+          </a:p>
+        </p:txBody>
+      </p:sp>
+      <p:sp>
+        <p:nvSpPr>
+          <p:cNvPr id="56" name="TextBox 55"/>
+          <p:cNvSpPr txBox="1"/>
+          <p:nvPr/>
+        </p:nvSpPr>
+        <p:spPr>
+          <a:xfrm>
+            <a:off x="6059245" y="1406608"/>
+            <a:ext cx="189257" cy="178683"/>
+          </a:xfrm>
+          <a:prstGeom prst="rect">
+            <a:avLst/>
+          </a:prstGeom>
+          <a:noFill/>
+        </p:spPr>
+        <p:txBody>
+          <a:bodyPr wrap="square" lIns="0" tIns="0" rIns="0" bIns="0" rtlCol="0">
+            <a:noAutofit/>
+          </a:bodyPr>
+          <a:lstStyle/>
+          <a:p>
+            <a:pPr algn="ctr"/>
+            <a:r>
+              <a:rPr lang="en-US" sz="1100" dirty="0">
+                <a:solidFill>
+                  <a:srgbClr val="7030A0"/>
+                </a:solidFill>
+              </a:rPr>
+              <a:t>1</a:t>
+            </a:r>
+            <a:endParaRPr lang="en-SG" sz="1100" dirty="0">
+              <a:solidFill>
+                <a:srgbClr val="7030A0"/>
+              </a:solidFill>
+            </a:endParaRPr>
+          </a:p>
+        </p:txBody>
+      </p:sp>
+      <p:sp>
+        <p:nvSpPr>
+          <p:cNvPr id="60" name="TextBox 59"/>
+          <p:cNvSpPr txBox="1"/>
+          <p:nvPr/>
+        </p:nvSpPr>
+        <p:spPr>
+          <a:xfrm>
+            <a:off x="5506098" y="693336"/>
+            <a:ext cx="189257" cy="178683"/>
+          </a:xfrm>
+          <a:prstGeom prst="rect">
+            <a:avLst/>
+          </a:prstGeom>
+          <a:noFill/>
+        </p:spPr>
+        <p:txBody>
+          <a:bodyPr wrap="square" lIns="0" tIns="0" rIns="0" bIns="0" rtlCol="0">
+            <a:noAutofit/>
+          </a:bodyPr>
+          <a:lstStyle/>
+          <a:p>
+            <a:pPr algn="ctr"/>
+            <a:r>
+              <a:rPr lang="en-US" sz="1100" dirty="0">
+                <a:solidFill>
+                  <a:srgbClr val="7030A0"/>
+                </a:solidFill>
+              </a:rPr>
+              <a:t>*</a:t>
+            </a:r>
+            <a:endParaRPr lang="en-SG" sz="1100" dirty="0">
+              <a:solidFill>
+                <a:srgbClr val="7030A0"/>
+              </a:solidFill>
+            </a:endParaRPr>
+          </a:p>
+        </p:txBody>
+      </p:sp>
+      <p:sp>
+        <p:nvSpPr>
+          <p:cNvPr id="61" name="TextBox 60"/>
+          <p:cNvSpPr txBox="1"/>
+          <p:nvPr/>
+        </p:nvSpPr>
+        <p:spPr>
+          <a:xfrm>
+            <a:off x="6357509" y="1967411"/>
+            <a:ext cx="189257" cy="178683"/>
+          </a:xfrm>
+          <a:prstGeom prst="rect">
+            <a:avLst/>
+          </a:prstGeom>
+          <a:noFill/>
+        </p:spPr>
+        <p:txBody>
+          <a:bodyPr wrap="square" lIns="0" tIns="0" rIns="0" bIns="0" rtlCol="0">
+            <a:noAutofit/>
+          </a:bodyPr>
+          <a:lstStyle/>
+          <a:p>
+            <a:pPr algn="ctr"/>
+            <a:r>
+              <a:rPr lang="en-US" sz="1100" dirty="0">
+                <a:solidFill>
+                  <a:srgbClr val="7030A0"/>
+                </a:solidFill>
+              </a:rPr>
+              <a:t>*</a:t>
+            </a:r>
+            <a:endParaRPr lang="en-SG" sz="1100" dirty="0">
+              <a:solidFill>
+                <a:srgbClr val="7030A0"/>
+              </a:solidFill>
+            </a:endParaRPr>
+          </a:p>
+        </p:txBody>
+      </p:sp>
+      <p:sp>
+        <p:nvSpPr>
+          <p:cNvPr id="65" name="TextBox 64"/>
+          <p:cNvSpPr txBox="1"/>
+          <p:nvPr/>
+        </p:nvSpPr>
+        <p:spPr>
+          <a:xfrm>
+            <a:off x="2617306" y="1829474"/>
+            <a:ext cx="189257" cy="178683"/>
+          </a:xfrm>
+          <a:prstGeom prst="rect">
+            <a:avLst/>
+          </a:prstGeom>
+          <a:noFill/>
+        </p:spPr>
+        <p:txBody>
+          <a:bodyPr wrap="square" lIns="0" tIns="0" rIns="0" bIns="0" rtlCol="0">
+            <a:noAutofit/>
+          </a:bodyPr>
+          <a:lstStyle/>
+          <a:p>
+            <a:pPr algn="ctr"/>
+            <a:r>
+              <a:rPr lang="en-US" sz="1100" dirty="0">
+                <a:solidFill>
+                  <a:srgbClr val="7030A0"/>
+                </a:solidFill>
+              </a:rPr>
+              <a:t>1</a:t>
+            </a:r>
+            <a:endParaRPr lang="en-SG" sz="1100" dirty="0">
+              <a:solidFill>
+                <a:srgbClr val="7030A0"/>
+              </a:solidFill>
+            </a:endParaRPr>
+          </a:p>
+        </p:txBody>
+      </p:sp>
+      <p:sp>
+        <p:nvSpPr>
+          <p:cNvPr id="66" name="TextBox 65"/>
+          <p:cNvSpPr txBox="1"/>
+          <p:nvPr/>
+        </p:nvSpPr>
+        <p:spPr>
+          <a:xfrm>
+            <a:off x="2585753" y="2651286"/>
+            <a:ext cx="189257" cy="178683"/>
+          </a:xfrm>
+          <a:prstGeom prst="rect">
+            <a:avLst/>
+          </a:prstGeom>
+          <a:noFill/>
+        </p:spPr>
+        <p:txBody>
+          <a:bodyPr wrap="square" lIns="0" tIns="0" rIns="0" bIns="0" rtlCol="0">
+            <a:noAutofit/>
+          </a:bodyPr>
+          <a:lstStyle/>
+          <a:p>
+            <a:pPr algn="ctr"/>
+            <a:r>
+              <a:rPr lang="en-US" sz="1100" dirty="0">
+                <a:solidFill>
+                  <a:srgbClr val="7030A0"/>
+                </a:solidFill>
+              </a:rPr>
+              <a:t>1</a:t>
+            </a:r>
+            <a:endParaRPr lang="en-SG" sz="1100" dirty="0">
+              <a:solidFill>
+                <a:srgbClr val="7030A0"/>
+              </a:solidFill>
+            </a:endParaRPr>
+          </a:p>
+        </p:txBody>
+      </p:sp>
+      <p:cxnSp>
+        <p:nvCxnSpPr>
+          <p:cNvPr id="73" name="Elbow Connector 122">
+            <a:extLst>
+              <a:ext uri="{FF2B5EF4-FFF2-40B4-BE49-F238E27FC236}">
+                <a16:creationId xmlns:a16="http://schemas.microsoft.com/office/drawing/2014/main" id="{6C194B6E-AD6B-4C34-821F-85FC683926D2}"/>
+              </a:ext>
+            </a:extLst>
+          </p:cNvPr>
+          <p:cNvCxnSpPr>
+            <a:cxnSpLocks/>
+            <a:stCxn id="119" idx="3"/>
+            <a:endCxn id="100" idx="1"/>
+          </p:cNvCxnSpPr>
+          <p:nvPr/>
+        </p:nvCxnSpPr>
+        <p:spPr>
+          <a:xfrm rot="5400000" flipH="1" flipV="1">
+            <a:off x="1874694" y="1038009"/>
+            <a:ext cx="326181" cy="1103804"/>
+          </a:xfrm>
+          <a:prstGeom prst="bentConnector2">
+            <a:avLst/>
+          </a:prstGeom>
+          <a:ln w="19050">
+            <a:solidFill>
+              <a:srgbClr val="7030A0"/>
+            </a:solidFill>
+            <a:prstDash val="sysDot"/>
+            <a:headEnd type="none" w="med" len="med"/>
+            <a:tailEnd type="arrow" w="med" len="med"/>
+          </a:ln>
+          <a:effectLst/>
+        </p:spPr>
+        <p:style>
+          <a:lnRef idx="1">
+            <a:schemeClr val="accent2"/>
+          </a:lnRef>
+          <a:fillRef idx="2">
+            <a:schemeClr val="accent2"/>
+          </a:fillRef>
+          <a:effectRef idx="1">
+            <a:schemeClr val="accent2"/>
+          </a:effectRef>
+          <a:fontRef idx="minor">
+            <a:schemeClr val="dk1"/>
+          </a:fontRef>
+        </p:style>
+      </p:cxnSp>
+      <p:cxnSp>
+        <p:nvCxnSpPr>
+          <p:cNvPr id="74" name="Elbow Connector 85">
+            <a:extLst>
+              <a:ext uri="{FF2B5EF4-FFF2-40B4-BE49-F238E27FC236}">
+                <a16:creationId xmlns:a16="http://schemas.microsoft.com/office/drawing/2014/main" id="{0BF0A13B-B2CA-43C0-A84A-D92BEE5134B9}"/>
+              </a:ext>
+            </a:extLst>
+          </p:cNvPr>
+          <p:cNvCxnSpPr>
+            <a:cxnSpLocks/>
+            <a:stCxn id="77" idx="3"/>
+            <a:endCxn id="117" idx="3"/>
+          </p:cNvCxnSpPr>
+          <p:nvPr/>
+        </p:nvCxnSpPr>
+        <p:spPr>
+          <a:xfrm flipV="1">
+            <a:off x="6952991" y="2144297"/>
+            <a:ext cx="703039" cy="2904970"/>
+          </a:xfrm>
+          <a:prstGeom prst="bentConnector3">
+            <a:avLst>
+              <a:gd name="adj1" fmla="val 139271"/>
+            </a:avLst>
+          </a:prstGeom>
+          <a:ln w="19050">
+            <a:solidFill>
+              <a:srgbClr val="7030A0"/>
+            </a:solidFill>
+            <a:headEnd type="none" w="med" len="med"/>
+            <a:tailEnd type="none" w="med" len="med"/>
+          </a:ln>
+          <a:effectLst/>
+        </p:spPr>
+        <p:style>
+          <a:lnRef idx="1">
+            <a:schemeClr val="accent2"/>
+          </a:lnRef>
+          <a:fillRef idx="2">
+            <a:schemeClr val="accent2"/>
+          </a:fillRef>
+          <a:effectRef idx="1">
+            <a:schemeClr val="accent2"/>
+          </a:effectRef>
+          <a:fontRef idx="minor">
+            <a:schemeClr val="dk1"/>
+          </a:fontRef>
+        </p:style>
+      </p:cxnSp>
+      <p:sp>
+        <p:nvSpPr>
+          <p:cNvPr id="77" name="Rectangle 8">
+            <a:extLst>
+              <a:ext uri="{FF2B5EF4-FFF2-40B4-BE49-F238E27FC236}">
+                <a16:creationId xmlns:a16="http://schemas.microsoft.com/office/drawing/2014/main" id="{0385A838-EEB2-4922-9B4E-2B6ECA006CD4}"/>
+              </a:ext>
+            </a:extLst>
+          </p:cNvPr>
+          <p:cNvSpPr/>
+          <p:nvPr/>
+        </p:nvSpPr>
+        <p:spPr>
+          <a:xfrm>
+            <a:off x="6249251" y="4906375"/>
+            <a:ext cx="703740" cy="285783"/>
+          </a:xfrm>
+          <a:prstGeom prst="rect">
+            <a:avLst/>
+          </a:prstGeom>
+          <a:ln w="19050">
+            <a:solidFill>
+              <a:srgbClr val="7030A0"/>
+            </a:solidFill>
+          </a:ln>
+          <a:effectLst/>
+        </p:spPr>
+        <p:style>
+          <a:lnRef idx="1">
+            <a:schemeClr val="accent4"/>
+          </a:lnRef>
+          <a:fillRef idx="2">
+            <a:schemeClr val="accent4"/>
+          </a:fillRef>
+          <a:effectRef idx="1">
+            <a:schemeClr val="accent4"/>
+          </a:effectRef>
+          <a:fontRef idx="minor">
+            <a:schemeClr val="dk1"/>
+          </a:fontRef>
+        </p:style>
+        <p:txBody>
+          <a:bodyPr rtlCol="0" anchor="ctr"/>
+          <a:lstStyle/>
+          <a:p>
+            <a:pPr algn="ctr"/>
+            <a:r>
+              <a:rPr lang="en-US" sz="1050">
+                <a:solidFill>
+                  <a:srgbClr val="7030A0"/>
+                </a:solidFill>
+              </a:rPr>
+              <a:t>Event</a:t>
+            </a:r>
+            <a:endParaRPr lang="en-SG" sz="1050" dirty="0">
+              <a:solidFill>
+                <a:srgbClr val="7030A0"/>
+              </a:solidFill>
+            </a:endParaRPr>
+          </a:p>
+        </p:txBody>
+      </p:sp>
+      <p:sp>
+        <p:nvSpPr>
+          <p:cNvPr id="82" name="Rectangle 8">
+            <a:extLst>
+              <a:ext uri="{FF2B5EF4-FFF2-40B4-BE49-F238E27FC236}">
+                <a16:creationId xmlns:a16="http://schemas.microsoft.com/office/drawing/2014/main" id="{B018534C-9921-4CC3-8436-96798BAD80C9}"/>
+              </a:ext>
+            </a:extLst>
+          </p:cNvPr>
+          <p:cNvSpPr/>
+          <p:nvPr/>
+        </p:nvSpPr>
+        <p:spPr>
+          <a:xfrm>
+            <a:off x="5411051" y="4495800"/>
+            <a:ext cx="881679" cy="285783"/>
+          </a:xfrm>
+          <a:prstGeom prst="rect">
+            <a:avLst/>
+          </a:prstGeom>
+          <a:ln w="19050">
+            <a:solidFill>
+              <a:srgbClr val="7030A0"/>
+            </a:solidFill>
+          </a:ln>
+          <a:effectLst/>
+        </p:spPr>
+        <p:style>
+          <a:lnRef idx="1">
+            <a:schemeClr val="accent4"/>
+          </a:lnRef>
+          <a:fillRef idx="2">
+            <a:schemeClr val="accent4"/>
+          </a:fillRef>
+          <a:effectRef idx="1">
+            <a:schemeClr val="accent4"/>
+          </a:effectRef>
+          <a:fontRef idx="minor">
+            <a:schemeClr val="dk1"/>
+          </a:fontRef>
+        </p:style>
+        <p:txBody>
+          <a:bodyPr rtlCol="0" anchor="ctr"/>
+          <a:lstStyle/>
+          <a:p>
+            <a:pPr algn="ctr"/>
+            <a:r>
+              <a:rPr lang="en-US" sz="1050" dirty="0" err="1">
+                <a:solidFill>
+                  <a:srgbClr val="7030A0"/>
+                </a:solidFill>
+              </a:rPr>
+              <a:t>FloatingTask</a:t>
+            </a:r>
+            <a:endParaRPr lang="en-US" sz="1050" dirty="0">
+              <a:solidFill>
+                <a:srgbClr val="7030A0"/>
+              </a:solidFill>
+            </a:endParaRPr>
+          </a:p>
+        </p:txBody>
+      </p:sp>
+      <p:sp>
+        <p:nvSpPr>
+          <p:cNvPr id="87" name="Rectangle 8">
+            <a:extLst>
+              <a:ext uri="{FF2B5EF4-FFF2-40B4-BE49-F238E27FC236}">
+                <a16:creationId xmlns:a16="http://schemas.microsoft.com/office/drawing/2014/main" id="{FD92DEDE-8CCC-4D5A-A87C-6D4AD8C4B580}"/>
+              </a:ext>
+            </a:extLst>
+          </p:cNvPr>
+          <p:cNvSpPr/>
+          <p:nvPr/>
+        </p:nvSpPr>
+        <p:spPr>
+          <a:xfrm>
+            <a:off x="6916260" y="5290448"/>
+            <a:ext cx="703740" cy="285783"/>
+          </a:xfrm>
+          <a:prstGeom prst="rect">
+            <a:avLst/>
+          </a:prstGeom>
+          <a:ln w="19050">
+            <a:solidFill>
+              <a:srgbClr val="7030A0"/>
+            </a:solidFill>
+          </a:ln>
+          <a:effectLst/>
+        </p:spPr>
+        <p:style>
+          <a:lnRef idx="1">
+            <a:schemeClr val="accent4"/>
+          </a:lnRef>
+          <a:fillRef idx="2">
+            <a:schemeClr val="accent4"/>
+          </a:fillRef>
+          <a:effectRef idx="1">
+            <a:schemeClr val="accent4"/>
+          </a:effectRef>
+          <a:fontRef idx="minor">
+            <a:schemeClr val="dk1"/>
+          </a:fontRef>
+        </p:style>
+        <p:txBody>
+          <a:bodyPr rtlCol="0" anchor="ctr"/>
+          <a:lstStyle/>
+          <a:p>
+            <a:pPr algn="ctr"/>
+            <a:r>
+              <a:rPr lang="en-US" sz="1050" dirty="0">
+                <a:solidFill>
+                  <a:srgbClr val="7030A0"/>
+                </a:solidFill>
+              </a:rPr>
+              <a:t>Deadline</a:t>
+            </a:r>
+            <a:endParaRPr lang="en-SG" sz="1050" dirty="0">
+              <a:solidFill>
+                <a:srgbClr val="7030A0"/>
+              </a:solidFill>
+            </a:endParaRPr>
+          </a:p>
+        </p:txBody>
+      </p:sp>
+      <p:cxnSp>
+        <p:nvCxnSpPr>
+          <p:cNvPr id="94" name="Elbow Connector 85">
+            <a:extLst>
+              <a:ext uri="{FF2B5EF4-FFF2-40B4-BE49-F238E27FC236}">
+                <a16:creationId xmlns:a16="http://schemas.microsoft.com/office/drawing/2014/main" id="{ED2F0B51-3478-4720-BDF8-DD7B29CB36C3}"/>
+              </a:ext>
+            </a:extLst>
+          </p:cNvPr>
+          <p:cNvCxnSpPr>
+            <a:cxnSpLocks/>
+            <a:stCxn id="87" idx="3"/>
+            <a:endCxn id="117" idx="3"/>
+          </p:cNvCxnSpPr>
+          <p:nvPr/>
+        </p:nvCxnSpPr>
+        <p:spPr>
+          <a:xfrm flipV="1">
+            <a:off x="7620000" y="2144297"/>
+            <a:ext cx="36030" cy="3289043"/>
+          </a:xfrm>
+          <a:prstGeom prst="bentConnector3">
+            <a:avLst>
+              <a:gd name="adj1" fmla="val 866278"/>
+            </a:avLst>
+          </a:prstGeom>
+          <a:ln w="19050">
+            <a:solidFill>
+              <a:srgbClr val="7030A0"/>
+            </a:solidFill>
+            <a:headEnd type="none" w="med" len="med"/>
+            <a:tailEnd type="none" w="med" len="med"/>
+          </a:ln>
+          <a:effectLst/>
+        </p:spPr>
+        <p:style>
+          <a:lnRef idx="1">
+            <a:schemeClr val="accent2"/>
+          </a:lnRef>
+          <a:fillRef idx="2">
+            <a:schemeClr val="accent2"/>
+          </a:fillRef>
+          <a:effectRef idx="1">
+            <a:schemeClr val="accent2"/>
+          </a:effectRef>
+          <a:fontRef idx="minor">
+            <a:schemeClr val="dk1"/>
+          </a:fontRef>
+        </p:style>
+      </p:cxnSp>
+      <p:cxnSp>
+        <p:nvCxnSpPr>
+          <p:cNvPr id="98" name="Elbow Connector 85">
+            <a:extLst>
+              <a:ext uri="{FF2B5EF4-FFF2-40B4-BE49-F238E27FC236}">
+                <a16:creationId xmlns:a16="http://schemas.microsoft.com/office/drawing/2014/main" id="{77D93BAA-6F83-4157-8F77-043E3F11FB25}"/>
+              </a:ext>
+            </a:extLst>
+          </p:cNvPr>
+          <p:cNvCxnSpPr>
+            <a:cxnSpLocks/>
+            <a:stCxn id="82" idx="3"/>
+            <a:endCxn id="117" idx="3"/>
+          </p:cNvCxnSpPr>
+          <p:nvPr/>
+        </p:nvCxnSpPr>
+        <p:spPr>
+          <a:xfrm flipV="1">
+            <a:off x="6292730" y="2144297"/>
+            <a:ext cx="1363300" cy="2494395"/>
+          </a:xfrm>
+          <a:prstGeom prst="bentConnector3">
+            <a:avLst>
+              <a:gd name="adj1" fmla="val 120252"/>
+            </a:avLst>
+          </a:prstGeom>
+          <a:ln w="19050">
+            <a:solidFill>
+              <a:srgbClr val="7030A0"/>
+            </a:solidFill>
+            <a:headEnd type="none" w="med" len="med"/>
+            <a:tailEnd type="none" w="med" len="med"/>
+          </a:ln>
+          <a:effectLst/>
+        </p:spPr>
+        <p:style>
+          <a:lnRef idx="1">
+            <a:schemeClr val="accent2"/>
+          </a:lnRef>
+          <a:fillRef idx="2">
+            <a:schemeClr val="accent2"/>
+          </a:fillRef>
+          <a:effectRef idx="1">
+            <a:schemeClr val="accent2"/>
+          </a:effectRef>
+          <a:fontRef idx="minor">
+            <a:schemeClr val="dk1"/>
+          </a:fontRef>
+        </p:style>
+      </p:cxnSp>
+      <p:sp>
+        <p:nvSpPr>
+          <p:cNvPr id="153" name="TextBox 152">
+            <a:extLst>
+              <a:ext uri="{FF2B5EF4-FFF2-40B4-BE49-F238E27FC236}">
+                <a16:creationId xmlns:a16="http://schemas.microsoft.com/office/drawing/2014/main" id="{88FBB9DB-E26B-428F-AA6E-B20634747BE4}"/>
+              </a:ext>
+            </a:extLst>
+          </p:cNvPr>
+          <p:cNvSpPr txBox="1"/>
+          <p:nvPr/>
+        </p:nvSpPr>
+        <p:spPr>
+          <a:xfrm>
+            <a:off x="7052588" y="1062265"/>
+            <a:ext cx="189257" cy="178683"/>
+          </a:xfrm>
+          <a:prstGeom prst="rect">
+            <a:avLst/>
+          </a:prstGeom>
+          <a:noFill/>
+        </p:spPr>
+        <p:txBody>
+          <a:bodyPr wrap="square" lIns="0" tIns="0" rIns="0" bIns="0" rtlCol="0">
+            <a:noAutofit/>
+          </a:bodyPr>
+          <a:lstStyle/>
+          <a:p>
+            <a:pPr algn="ctr"/>
+            <a:r>
+              <a:rPr lang="en-US" sz="1100">
+                <a:solidFill>
+                  <a:srgbClr val="7030A0"/>
+                </a:solidFill>
+              </a:rPr>
+              <a:t>1</a:t>
+            </a:r>
+            <a:endParaRPr lang="en-SG" sz="1100" dirty="0">
+              <a:solidFill>
+                <a:srgbClr val="7030A0"/>
+              </a:solidFill>
+            </a:endParaRPr>
+          </a:p>
+        </p:txBody>
+      </p:sp>
+      <p:cxnSp>
+        <p:nvCxnSpPr>
+          <p:cNvPr id="268" name="Elbow Connector 58">
+            <a:extLst>
+              <a:ext uri="{FF2B5EF4-FFF2-40B4-BE49-F238E27FC236}">
+                <a16:creationId xmlns:a16="http://schemas.microsoft.com/office/drawing/2014/main" id="{A9D37834-AD78-452C-A0E4-1F0B40A9DA72}"/>
+              </a:ext>
+            </a:extLst>
+          </p:cNvPr>
+          <p:cNvCxnSpPr>
+            <a:cxnSpLocks/>
+            <a:stCxn id="93" idx="1"/>
+            <a:endCxn id="80" idx="3"/>
+          </p:cNvCxnSpPr>
+          <p:nvPr/>
+        </p:nvCxnSpPr>
+        <p:spPr>
+          <a:xfrm rot="10800000" flipV="1">
+            <a:off x="5138196" y="5040941"/>
+            <a:ext cx="874156" cy="1262"/>
+          </a:xfrm>
+          <a:prstGeom prst="bentConnector3">
+            <a:avLst>
+              <a:gd name="adj1" fmla="val 50000"/>
+            </a:avLst>
+          </a:prstGeom>
+          <a:ln w="19050">
+            <a:solidFill>
+              <a:srgbClr val="7030A0"/>
+            </a:solidFill>
+            <a:headEnd type="none" w="med" len="med"/>
+            <a:tailEnd type="arrow" w="med" len="med"/>
+          </a:ln>
+          <a:effectLst/>
+        </p:spPr>
+        <p:style>
+          <a:lnRef idx="1">
+            <a:schemeClr val="accent2"/>
+          </a:lnRef>
+          <a:fillRef idx="2">
+            <a:schemeClr val="accent2"/>
+          </a:fillRef>
+          <a:effectRef idx="1">
+            <a:schemeClr val="accent2"/>
+          </a:effectRef>
+          <a:fontRef idx="minor">
+            <a:schemeClr val="dk1"/>
+          </a:fontRef>
+        </p:style>
+      </p:cxnSp>
+      <p:cxnSp>
+        <p:nvCxnSpPr>
+          <p:cNvPr id="317" name="Elbow Connector 58">
+            <a:extLst>
+              <a:ext uri="{FF2B5EF4-FFF2-40B4-BE49-F238E27FC236}">
+                <a16:creationId xmlns:a16="http://schemas.microsoft.com/office/drawing/2014/main" id="{C3093632-1500-432F-A9DB-7AB4773E006E}"/>
+              </a:ext>
+            </a:extLst>
+          </p:cNvPr>
+          <p:cNvCxnSpPr>
+            <a:cxnSpLocks/>
+            <a:stCxn id="112" idx="1"/>
+            <a:endCxn id="80" idx="2"/>
+          </p:cNvCxnSpPr>
+          <p:nvPr/>
+        </p:nvCxnSpPr>
+        <p:spPr>
+          <a:xfrm rot="10800000">
+            <a:off x="4508047" y="5178031"/>
+            <a:ext cx="2170344" cy="255308"/>
+          </a:xfrm>
+          <a:prstGeom prst="bentConnector2">
+            <a:avLst/>
+          </a:prstGeom>
+          <a:ln w="19050">
+            <a:solidFill>
+              <a:srgbClr val="7030A0"/>
+            </a:solidFill>
+            <a:headEnd type="none" w="med" len="med"/>
+            <a:tailEnd type="arrow" w="med" len="med"/>
+          </a:ln>
+          <a:effectLst/>
+        </p:spPr>
+        <p:style>
+          <a:lnRef idx="1">
+            <a:schemeClr val="accent2"/>
+          </a:lnRef>
+          <a:fillRef idx="2">
+            <a:schemeClr val="accent2"/>
+          </a:fillRef>
+          <a:effectRef idx="1">
+            <a:schemeClr val="accent2"/>
+          </a:effectRef>
+          <a:fontRef idx="minor">
+            <a:schemeClr val="dk1"/>
+          </a:fontRef>
+        </p:style>
+      </p:cxnSp>
+      <p:sp>
+        <p:nvSpPr>
+          <p:cNvPr id="80" name="Rectangle 8">
+            <a:extLst>
+              <a:ext uri="{FF2B5EF4-FFF2-40B4-BE49-F238E27FC236}">
+                <a16:creationId xmlns:a16="http://schemas.microsoft.com/office/drawing/2014/main" id="{38053985-49C0-46E7-9DCF-1E8B04211018}"/>
+              </a:ext>
+            </a:extLst>
+          </p:cNvPr>
+          <p:cNvSpPr/>
+          <p:nvPr/>
+        </p:nvSpPr>
+        <p:spPr>
+          <a:xfrm>
+            <a:off x="3877898" y="4906375"/>
+            <a:ext cx="1260298" cy="271656"/>
+          </a:xfrm>
+          <a:prstGeom prst="rect">
+            <a:avLst/>
+          </a:prstGeom>
+          <a:ln w="19050">
+            <a:solidFill>
+              <a:srgbClr val="7030A0"/>
+            </a:solidFill>
+          </a:ln>
+          <a:effectLst/>
+        </p:spPr>
+        <p:style>
+          <a:lnRef idx="1">
+            <a:schemeClr val="accent4"/>
+          </a:lnRef>
+          <a:fillRef idx="2">
+            <a:schemeClr val="accent4"/>
+          </a:fillRef>
+          <a:effectRef idx="1">
+            <a:schemeClr val="accent4"/>
+          </a:effectRef>
+          <a:fontRef idx="minor">
+            <a:schemeClr val="dk1"/>
+          </a:fontRef>
+        </p:style>
+        <p:txBody>
+          <a:bodyPr rtlCol="0" anchor="ctr"/>
+          <a:lstStyle/>
+          <a:p>
+            <a:pPr algn="ctr"/>
+            <a:r>
+              <a:rPr lang="en-SG" sz="1050" dirty="0" err="1">
+                <a:solidFill>
+                  <a:srgbClr val="7030A0"/>
+                </a:solidFill>
+              </a:rPr>
+              <a:t>java.util.Calendar</a:t>
+            </a:r>
+            <a:endParaRPr lang="en-SG" sz="1050" dirty="0">
+              <a:solidFill>
+                <a:srgbClr val="7030A0"/>
+              </a:solidFill>
+            </a:endParaRPr>
+          </a:p>
+        </p:txBody>
+      </p:sp>
+      <p:sp>
+        <p:nvSpPr>
+          <p:cNvPr id="93" name="Flowchart: Decision 96">
+            <a:extLst>
+              <a:ext uri="{FF2B5EF4-FFF2-40B4-BE49-F238E27FC236}">
+                <a16:creationId xmlns:a16="http://schemas.microsoft.com/office/drawing/2014/main" id="{7E42058C-7FC1-48B6-B0A0-82326A89238D}"/>
+              </a:ext>
+            </a:extLst>
+          </p:cNvPr>
+          <p:cNvSpPr/>
+          <p:nvPr/>
+        </p:nvSpPr>
+        <p:spPr>
+          <a:xfrm>
+            <a:off x="6012352" y="4954251"/>
+            <a:ext cx="236048" cy="173380"/>
+          </a:xfrm>
+          <a:prstGeom prst="flowChartDecision">
+            <a:avLst/>
+          </a:prstGeom>
+          <a:solidFill>
+            <a:srgbClr val="7030A0"/>
+          </a:solidFill>
+          <a:ln w="19050">
+            <a:solidFill>
+              <a:srgbClr val="7030A0"/>
+            </a:solidFill>
+          </a:ln>
+          <a:effectLst/>
+        </p:spPr>
+        <p:style>
+          <a:lnRef idx="1">
+            <a:schemeClr val="accent6"/>
+          </a:lnRef>
+          <a:fillRef idx="2">
+            <a:schemeClr val="accent6"/>
+          </a:fillRef>
+          <a:effectRef idx="1">
+            <a:schemeClr val="accent6"/>
+          </a:effectRef>
+          <a:fontRef idx="minor">
+            <a:schemeClr val="dk1"/>
+          </a:fontRef>
+        </p:style>
+        <p:txBody>
+          <a:bodyPr rtlCol="0" anchor="ctr"/>
+          <a:lstStyle/>
+          <a:p>
+            <a:pPr algn="ctr"/>
+            <a:endParaRPr lang="en-US" sz="1050"/>
+          </a:p>
+        </p:txBody>
+      </p:sp>
+      <p:sp>
+        <p:nvSpPr>
+          <p:cNvPr id="104" name="TextBox 103">
+            <a:extLst>
+              <a:ext uri="{FF2B5EF4-FFF2-40B4-BE49-F238E27FC236}">
+                <a16:creationId xmlns:a16="http://schemas.microsoft.com/office/drawing/2014/main" id="{7955D861-12E8-467E-A832-0CD2DE6AF70E}"/>
+              </a:ext>
+            </a:extLst>
+          </p:cNvPr>
+          <p:cNvSpPr txBox="1"/>
+          <p:nvPr/>
+        </p:nvSpPr>
+        <p:spPr>
+          <a:xfrm>
+            <a:off x="4270437" y="5262157"/>
+            <a:ext cx="189257" cy="178683"/>
+          </a:xfrm>
+          <a:prstGeom prst="rect">
+            <a:avLst/>
+          </a:prstGeom>
+          <a:noFill/>
+        </p:spPr>
+        <p:txBody>
+          <a:bodyPr wrap="square" lIns="0" tIns="0" rIns="0" bIns="0" rtlCol="0">
+            <a:noAutofit/>
+          </a:bodyPr>
+          <a:lstStyle/>
+          <a:p>
+            <a:pPr algn="ctr"/>
+            <a:r>
+              <a:rPr lang="en-US" sz="1100" dirty="0">
+                <a:solidFill>
+                  <a:srgbClr val="7030A0"/>
+                </a:solidFill>
+              </a:rPr>
+              <a:t>1</a:t>
+            </a:r>
+            <a:endParaRPr lang="en-SG" sz="1100" dirty="0">
+              <a:solidFill>
+                <a:srgbClr val="7030A0"/>
+              </a:solidFill>
+            </a:endParaRPr>
+          </a:p>
+        </p:txBody>
+      </p:sp>
+      <p:sp>
+        <p:nvSpPr>
+          <p:cNvPr id="105" name="TextBox 104">
+            <a:extLst>
+              <a:ext uri="{FF2B5EF4-FFF2-40B4-BE49-F238E27FC236}">
+                <a16:creationId xmlns:a16="http://schemas.microsoft.com/office/drawing/2014/main" id="{26655E42-5836-4693-B2F5-1B27CF911181}"/>
+              </a:ext>
+            </a:extLst>
+          </p:cNvPr>
+          <p:cNvSpPr txBox="1"/>
+          <p:nvPr/>
+        </p:nvSpPr>
+        <p:spPr>
+          <a:xfrm>
+            <a:off x="5220943" y="4837058"/>
+            <a:ext cx="189257" cy="178683"/>
+          </a:xfrm>
+          <a:prstGeom prst="rect">
+            <a:avLst/>
+          </a:prstGeom>
+          <a:noFill/>
+        </p:spPr>
+        <p:txBody>
+          <a:bodyPr wrap="square" lIns="0" tIns="0" rIns="0" bIns="0" rtlCol="0">
+            <a:noAutofit/>
+          </a:bodyPr>
+          <a:lstStyle/>
+          <a:p>
+            <a:pPr algn="ctr"/>
+            <a:r>
+              <a:rPr lang="en-US" sz="1100" dirty="0">
+                <a:solidFill>
+                  <a:srgbClr val="7030A0"/>
+                </a:solidFill>
+              </a:rPr>
+              <a:t>2</a:t>
+            </a:r>
+            <a:endParaRPr lang="en-SG" sz="1100" dirty="0">
+              <a:solidFill>
+                <a:srgbClr val="7030A0"/>
+              </a:solidFill>
+            </a:endParaRPr>
+          </a:p>
+        </p:txBody>
+      </p:sp>
+      <p:sp>
+        <p:nvSpPr>
+          <p:cNvPr id="112" name="Flowchart: Decision 96">
+            <a:extLst>
+              <a:ext uri="{FF2B5EF4-FFF2-40B4-BE49-F238E27FC236}">
+                <a16:creationId xmlns:a16="http://schemas.microsoft.com/office/drawing/2014/main" id="{293ECA54-CC18-4A53-ABFD-453088B10C9C}"/>
+              </a:ext>
+            </a:extLst>
+          </p:cNvPr>
+          <p:cNvSpPr/>
+          <p:nvPr/>
+        </p:nvSpPr>
+        <p:spPr>
+          <a:xfrm>
+            <a:off x="6678391" y="5346649"/>
+            <a:ext cx="236048" cy="173380"/>
+          </a:xfrm>
+          <a:prstGeom prst="flowChartDecision">
+            <a:avLst/>
+          </a:prstGeom>
+          <a:solidFill>
+            <a:srgbClr val="7030A0"/>
+          </a:solidFill>
+          <a:ln w="19050">
+            <a:solidFill>
+              <a:srgbClr val="7030A0"/>
+            </a:solidFill>
+          </a:ln>
+          <a:effectLst/>
+        </p:spPr>
+        <p:style>
+          <a:lnRef idx="1">
+            <a:schemeClr val="accent6"/>
+          </a:lnRef>
+          <a:fillRef idx="2">
+            <a:schemeClr val="accent6"/>
+          </a:fillRef>
+          <a:effectRef idx="1">
+            <a:schemeClr val="accent6"/>
+          </a:effectRef>
+          <a:fontRef idx="minor">
+            <a:schemeClr val="dk1"/>
+          </a:fontRef>
+        </p:style>
+        <p:txBody>
+          <a:bodyPr rtlCol="0" anchor="ctr"/>
+          <a:lstStyle/>
+          <a:p>
+            <a:pPr algn="ctr"/>
+            <a:endParaRPr lang="en-US" sz="1050"/>
+          </a:p>
+        </p:txBody>
+      </p:sp>
+      <p:sp>
+        <p:nvSpPr>
+          <p:cNvPr id="117" name="Isosceles Triangle 102">
+            <a:extLst>
+              <a:ext uri="{FF2B5EF4-FFF2-40B4-BE49-F238E27FC236}">
+                <a16:creationId xmlns:a16="http://schemas.microsoft.com/office/drawing/2014/main" id="{7AB74330-96D4-4F9A-BFF6-5D372946A3A3}"/>
+              </a:ext>
+            </a:extLst>
+          </p:cNvPr>
+          <p:cNvSpPr/>
+          <p:nvPr/>
+        </p:nvSpPr>
+        <p:spPr>
+          <a:xfrm rot="5400000" flipV="1">
+            <a:off x="7433016" y="2056535"/>
+            <a:ext cx="270504" cy="175523"/>
+          </a:xfrm>
+          <a:prstGeom prst="triangle">
+            <a:avLst/>
+          </a:prstGeom>
+          <a:ln w="19050">
+            <a:solidFill>
+              <a:srgbClr val="7030A0"/>
+            </a:solidFill>
+          </a:ln>
+          <a:effectLst/>
+        </p:spPr>
+        <p:style>
+          <a:lnRef idx="1">
+            <a:schemeClr val="accent4"/>
+          </a:lnRef>
+          <a:fillRef idx="2">
+            <a:schemeClr val="accent4"/>
+          </a:fillRef>
+          <a:effectRef idx="1">
+            <a:schemeClr val="accent4"/>
+          </a:effectRef>
+          <a:fontRef idx="minor">
+            <a:schemeClr val="dk1"/>
+          </a:fontRef>
+        </p:style>
+        <p:txBody>
+          <a:bodyPr rtlCol="0" anchor="ctr"/>
+          <a:lstStyle/>
+          <a:p>
+            <a:pPr algn="ctr"/>
+            <a:endParaRPr lang="en-SG" sz="1050" b="1">
+              <a:solidFill>
+                <a:srgbClr val="92D050"/>
+              </a:solidFill>
+            </a:endParaRPr>
+          </a:p>
+        </p:txBody>
+      </p:sp>
+      <p:sp>
+        <p:nvSpPr>
+          <p:cNvPr id="81" name="Rectangle 8">
+            <a:extLst>
+              <a:ext uri="{FF2B5EF4-FFF2-40B4-BE49-F238E27FC236}">
+                <a16:creationId xmlns:a16="http://schemas.microsoft.com/office/drawing/2014/main" id="{7A38C179-FD0A-4AFF-9DAD-D2B114E689D6}"/>
+              </a:ext>
+            </a:extLst>
+          </p:cNvPr>
+          <p:cNvSpPr/>
+          <p:nvPr/>
+        </p:nvSpPr>
+        <p:spPr>
+          <a:xfrm>
+            <a:off x="2680736" y="3009920"/>
+            <a:ext cx="1099150" cy="377140"/>
+          </a:xfrm>
+          <a:prstGeom prst="rect">
+            <a:avLst/>
+          </a:prstGeom>
+          <a:ln w="19050">
+            <a:solidFill>
+              <a:srgbClr val="7030A0"/>
+            </a:solidFill>
+          </a:ln>
+          <a:effectLst/>
+        </p:spPr>
+        <p:style>
+          <a:lnRef idx="1">
+            <a:schemeClr val="accent4"/>
+          </a:lnRef>
+          <a:fillRef idx="2">
+            <a:schemeClr val="accent4"/>
+          </a:fillRef>
+          <a:effectRef idx="1">
+            <a:schemeClr val="accent4"/>
+          </a:effectRef>
+          <a:fontRef idx="minor">
+            <a:schemeClr val="dk1"/>
+          </a:fontRef>
+        </p:style>
+        <p:txBody>
+          <a:bodyPr rtlCol="0" anchor="ctr"/>
+          <a:lstStyle/>
+          <a:p>
+            <a:pPr algn="ctr"/>
+            <a:r>
+              <a:rPr lang="en-US" sz="1050" dirty="0">
+                <a:solidFill>
+                  <a:srgbClr val="7030A0"/>
+                </a:solidFill>
+              </a:rPr>
+              <a:t>{abstract}</a:t>
+            </a:r>
+            <a:br>
+              <a:rPr lang="en-US" sz="1050" dirty="0">
+                <a:solidFill>
+                  <a:srgbClr val="7030A0"/>
+                </a:solidFill>
+              </a:rPr>
+            </a:br>
+            <a:r>
+              <a:rPr lang="en-US" sz="1050" dirty="0" err="1">
+                <a:solidFill>
+                  <a:srgbClr val="7030A0"/>
+                </a:solidFill>
+              </a:rPr>
+              <a:t>EntryList</a:t>
+            </a:r>
+            <a:endParaRPr lang="en-SG" sz="1050" dirty="0">
+              <a:solidFill>
+                <a:srgbClr val="7030A0"/>
+              </a:solidFill>
+            </a:endParaRPr>
+          </a:p>
+        </p:txBody>
+      </p:sp>
+      <p:sp>
+        <p:nvSpPr>
+          <p:cNvPr id="83" name="TextBox 82">
+            <a:extLst>
+              <a:ext uri="{FF2B5EF4-FFF2-40B4-BE49-F238E27FC236}">
+                <a16:creationId xmlns:a16="http://schemas.microsoft.com/office/drawing/2014/main" id="{B0746313-7EAE-4FD7-BA26-B0CF426E0CE1}"/>
+              </a:ext>
+            </a:extLst>
+          </p:cNvPr>
+          <p:cNvSpPr txBox="1"/>
+          <p:nvPr/>
+        </p:nvSpPr>
+        <p:spPr>
+          <a:xfrm>
+            <a:off x="1969588" y="3742108"/>
+            <a:ext cx="189257" cy="178683"/>
+          </a:xfrm>
+          <a:prstGeom prst="rect">
+            <a:avLst/>
+          </a:prstGeom>
+          <a:noFill/>
+        </p:spPr>
+        <p:txBody>
+          <a:bodyPr wrap="square" lIns="0" tIns="0" rIns="0" bIns="0" rtlCol="0">
+            <a:noAutofit/>
+          </a:bodyPr>
+          <a:lstStyle/>
+          <a:p>
+            <a:pPr algn="ctr"/>
+            <a:r>
+              <a:rPr lang="en-SG" sz="1100" dirty="0">
+                <a:solidFill>
+                  <a:srgbClr val="7030A0"/>
+                </a:solidFill>
+              </a:rPr>
+              <a:t>3</a:t>
+            </a:r>
+          </a:p>
+        </p:txBody>
+      </p:sp>
+      <p:cxnSp>
+        <p:nvCxnSpPr>
+          <p:cNvPr id="113" name="Elbow Connector 63">
+            <a:extLst>
+              <a:ext uri="{FF2B5EF4-FFF2-40B4-BE49-F238E27FC236}">
+                <a16:creationId xmlns:a16="http://schemas.microsoft.com/office/drawing/2014/main" id="{A1485418-2743-47D1-BC42-2E0545F2FBE5}"/>
+              </a:ext>
+            </a:extLst>
+          </p:cNvPr>
+          <p:cNvCxnSpPr>
+            <a:cxnSpLocks/>
+            <a:stCxn id="139" idx="3"/>
+            <a:endCxn id="49" idx="1"/>
+          </p:cNvCxnSpPr>
+          <p:nvPr/>
+        </p:nvCxnSpPr>
+        <p:spPr>
+          <a:xfrm flipV="1">
+            <a:off x="3968206" y="1889648"/>
+            <a:ext cx="861456" cy="1290819"/>
+          </a:xfrm>
+          <a:prstGeom prst="bentConnector3">
+            <a:avLst>
+              <a:gd name="adj1" fmla="val 50000"/>
+            </a:avLst>
+          </a:prstGeom>
+          <a:ln w="19050">
+            <a:solidFill>
+              <a:srgbClr val="7030A0"/>
+            </a:solidFill>
+            <a:prstDash val="solid"/>
+            <a:headEnd type="none" w="med" len="med"/>
+            <a:tailEnd type="none" w="med" len="med"/>
+          </a:ln>
+          <a:effectLst/>
+        </p:spPr>
+        <p:style>
+          <a:lnRef idx="1">
+            <a:schemeClr val="accent2"/>
+          </a:lnRef>
+          <a:fillRef idx="2">
+            <a:schemeClr val="accent2"/>
+          </a:fillRef>
+          <a:effectRef idx="1">
+            <a:schemeClr val="accent2"/>
+          </a:effectRef>
+          <a:fontRef idx="minor">
+            <a:schemeClr val="dk1"/>
+          </a:fontRef>
+        </p:style>
+      </p:cxnSp>
+      <p:sp>
+        <p:nvSpPr>
+          <p:cNvPr id="101" name="Rectangle 8">
+            <a:extLst>
+              <a:ext uri="{FF2B5EF4-FFF2-40B4-BE49-F238E27FC236}">
+                <a16:creationId xmlns:a16="http://schemas.microsoft.com/office/drawing/2014/main" id="{3A8DF1E8-19BD-4490-BC77-A609B6FD5639}"/>
+              </a:ext>
+            </a:extLst>
+          </p:cNvPr>
+          <p:cNvSpPr/>
+          <p:nvPr/>
+        </p:nvSpPr>
+        <p:spPr>
+          <a:xfrm>
+            <a:off x="4827831" y="2285979"/>
+            <a:ext cx="1156969" cy="476049"/>
+          </a:xfrm>
+          <a:prstGeom prst="rect">
+            <a:avLst/>
+          </a:prstGeom>
+          <a:ln w="19050">
+            <a:solidFill>
+              <a:srgbClr val="7030A0"/>
+            </a:solidFill>
+          </a:ln>
+          <a:effectLst/>
+        </p:spPr>
+        <p:style>
+          <a:lnRef idx="1">
+            <a:schemeClr val="accent4"/>
+          </a:lnRef>
+          <a:fillRef idx="2">
+            <a:schemeClr val="accent4"/>
+          </a:fillRef>
+          <a:effectRef idx="1">
+            <a:schemeClr val="accent4"/>
+          </a:effectRef>
+          <a:fontRef idx="minor">
+            <a:schemeClr val="dk1"/>
+          </a:fontRef>
+        </p:style>
+        <p:txBody>
+          <a:bodyPr rtlCol="0" anchor="ctr"/>
+          <a:lstStyle/>
+          <a:p>
+            <a:pPr algn="ctr"/>
+            <a:r>
+              <a:rPr lang="en-SG" sz="1050" dirty="0" err="1">
+                <a:solidFill>
+                  <a:srgbClr val="7030A0"/>
+                </a:solidFill>
+              </a:rPr>
+              <a:t>EventList</a:t>
+            </a:r>
+            <a:endParaRPr lang="en-SG" sz="1050" dirty="0">
+              <a:solidFill>
+                <a:srgbClr val="7030A0"/>
+              </a:solidFill>
+            </a:endParaRPr>
+          </a:p>
+        </p:txBody>
+      </p:sp>
+      <p:sp>
+        <p:nvSpPr>
+          <p:cNvPr id="102" name="Rectangle 8">
+            <a:extLst>
+              <a:ext uri="{FF2B5EF4-FFF2-40B4-BE49-F238E27FC236}">
+                <a16:creationId xmlns:a16="http://schemas.microsoft.com/office/drawing/2014/main" id="{4A845856-BC9D-446D-B86B-5856280A727B}"/>
+              </a:ext>
+            </a:extLst>
+          </p:cNvPr>
+          <p:cNvSpPr/>
+          <p:nvPr/>
+        </p:nvSpPr>
+        <p:spPr>
+          <a:xfrm>
+            <a:off x="4836905" y="2847146"/>
+            <a:ext cx="1156969" cy="476049"/>
+          </a:xfrm>
+          <a:prstGeom prst="rect">
+            <a:avLst/>
+          </a:prstGeom>
+          <a:ln w="19050">
+            <a:solidFill>
+              <a:srgbClr val="7030A0"/>
+            </a:solidFill>
+          </a:ln>
+          <a:effectLst/>
+        </p:spPr>
+        <p:style>
+          <a:lnRef idx="1">
+            <a:schemeClr val="accent4"/>
+          </a:lnRef>
+          <a:fillRef idx="2">
+            <a:schemeClr val="accent4"/>
+          </a:fillRef>
+          <a:effectRef idx="1">
+            <a:schemeClr val="accent4"/>
+          </a:effectRef>
+          <a:fontRef idx="minor">
+            <a:schemeClr val="dk1"/>
+          </a:fontRef>
+        </p:style>
+        <p:txBody>
+          <a:bodyPr rtlCol="0" anchor="ctr"/>
+          <a:lstStyle/>
+          <a:p>
+            <a:pPr algn="ctr"/>
+            <a:r>
+              <a:rPr lang="en-SG" sz="1050" dirty="0" err="1">
+                <a:solidFill>
+                  <a:srgbClr val="7030A0"/>
+                </a:solidFill>
+              </a:rPr>
+              <a:t>DeadlineList</a:t>
+            </a:r>
+            <a:endParaRPr lang="en-SG" sz="1050" dirty="0">
+              <a:solidFill>
+                <a:srgbClr val="7030A0"/>
+              </a:solidFill>
+            </a:endParaRPr>
+          </a:p>
+        </p:txBody>
+      </p:sp>
+      <p:sp>
+        <p:nvSpPr>
+          <p:cNvPr id="103" name="Rectangle 8">
+            <a:extLst>
+              <a:ext uri="{FF2B5EF4-FFF2-40B4-BE49-F238E27FC236}">
+                <a16:creationId xmlns:a16="http://schemas.microsoft.com/office/drawing/2014/main" id="{4A8F1CE5-EF77-4895-9413-B5BFC4CC6FF0}"/>
+              </a:ext>
+            </a:extLst>
+          </p:cNvPr>
+          <p:cNvSpPr/>
+          <p:nvPr/>
+        </p:nvSpPr>
+        <p:spPr>
+          <a:xfrm>
+            <a:off x="4836905" y="3410151"/>
+            <a:ext cx="1156969" cy="476049"/>
+          </a:xfrm>
+          <a:prstGeom prst="rect">
+            <a:avLst/>
+          </a:prstGeom>
+          <a:ln w="19050">
+            <a:solidFill>
+              <a:srgbClr val="7030A0"/>
+            </a:solidFill>
+          </a:ln>
+          <a:effectLst/>
+        </p:spPr>
+        <p:style>
+          <a:lnRef idx="1">
+            <a:schemeClr val="accent4"/>
+          </a:lnRef>
+          <a:fillRef idx="2">
+            <a:schemeClr val="accent4"/>
+          </a:fillRef>
+          <a:effectRef idx="1">
+            <a:schemeClr val="accent4"/>
+          </a:effectRef>
+          <a:fontRef idx="minor">
+            <a:schemeClr val="dk1"/>
+          </a:fontRef>
+        </p:style>
+        <p:txBody>
+          <a:bodyPr rtlCol="0" anchor="ctr"/>
+          <a:lstStyle/>
+          <a:p>
+            <a:pPr algn="ctr"/>
+            <a:r>
+              <a:rPr lang="en-SG" sz="1050" dirty="0" err="1">
+                <a:solidFill>
+                  <a:srgbClr val="7030A0"/>
+                </a:solidFill>
+              </a:rPr>
+              <a:t>FloatingTaskList</a:t>
+            </a:r>
+            <a:endParaRPr lang="en-SG" sz="1050" dirty="0">
+              <a:solidFill>
+                <a:srgbClr val="7030A0"/>
+              </a:solidFill>
+            </a:endParaRPr>
+          </a:p>
+        </p:txBody>
+      </p:sp>
+      <p:cxnSp>
+        <p:nvCxnSpPr>
+          <p:cNvPr id="106" name="Elbow Connector 29">
+            <a:extLst>
+              <a:ext uri="{FF2B5EF4-FFF2-40B4-BE49-F238E27FC236}">
+                <a16:creationId xmlns:a16="http://schemas.microsoft.com/office/drawing/2014/main" id="{014CD831-8474-45B5-A953-0E87A8D1BFCA}"/>
+              </a:ext>
+            </a:extLst>
+          </p:cNvPr>
+          <p:cNvCxnSpPr>
+            <a:cxnSpLocks/>
+            <a:stCxn id="51" idx="3"/>
+            <a:endCxn id="103" idx="1"/>
+          </p:cNvCxnSpPr>
+          <p:nvPr/>
+        </p:nvCxnSpPr>
+        <p:spPr>
+          <a:xfrm>
+            <a:off x="4153221" y="2081272"/>
+            <a:ext cx="683684" cy="1566904"/>
+          </a:xfrm>
+          <a:prstGeom prst="bentConnector3">
+            <a:avLst>
+              <a:gd name="adj1" fmla="val 50000"/>
+            </a:avLst>
+          </a:prstGeom>
+          <a:ln w="19050">
+            <a:solidFill>
+              <a:srgbClr val="7030A0"/>
+            </a:solidFill>
+            <a:headEnd type="none" w="med" len="med"/>
+            <a:tailEnd type="arrow" w="med" len="med"/>
+          </a:ln>
+          <a:effectLst/>
+        </p:spPr>
+        <p:style>
+          <a:lnRef idx="1">
+            <a:schemeClr val="accent2"/>
+          </a:lnRef>
+          <a:fillRef idx="2">
+            <a:schemeClr val="accent2"/>
+          </a:fillRef>
+          <a:effectRef idx="1">
+            <a:schemeClr val="accent2"/>
+          </a:effectRef>
+          <a:fontRef idx="minor">
+            <a:schemeClr val="dk1"/>
+          </a:fontRef>
+        </p:style>
+      </p:cxnSp>
+      <p:cxnSp>
+        <p:nvCxnSpPr>
+          <p:cNvPr id="108" name="Elbow Connector 29">
+            <a:extLst>
+              <a:ext uri="{FF2B5EF4-FFF2-40B4-BE49-F238E27FC236}">
+                <a16:creationId xmlns:a16="http://schemas.microsoft.com/office/drawing/2014/main" id="{FF0147D8-05B1-43A2-91FD-96D842923B11}"/>
+              </a:ext>
+            </a:extLst>
+          </p:cNvPr>
+          <p:cNvCxnSpPr>
+            <a:cxnSpLocks/>
+            <a:stCxn id="51" idx="3"/>
+            <a:endCxn id="102" idx="1"/>
+          </p:cNvCxnSpPr>
+          <p:nvPr/>
+        </p:nvCxnSpPr>
+        <p:spPr>
+          <a:xfrm>
+            <a:off x="4153221" y="2081272"/>
+            <a:ext cx="683684" cy="1003899"/>
+          </a:xfrm>
+          <a:prstGeom prst="bentConnector3">
+            <a:avLst>
+              <a:gd name="adj1" fmla="val 50000"/>
+            </a:avLst>
+          </a:prstGeom>
+          <a:ln w="19050">
+            <a:solidFill>
+              <a:srgbClr val="7030A0"/>
+            </a:solidFill>
+            <a:headEnd type="none" w="med" len="med"/>
+            <a:tailEnd type="arrow" w="med" len="med"/>
+          </a:ln>
+          <a:effectLst/>
+        </p:spPr>
+        <p:style>
+          <a:lnRef idx="1">
+            <a:schemeClr val="accent2"/>
+          </a:lnRef>
+          <a:fillRef idx="2">
+            <a:schemeClr val="accent2"/>
+          </a:fillRef>
+          <a:effectRef idx="1">
+            <a:schemeClr val="accent2"/>
+          </a:effectRef>
+          <a:fontRef idx="minor">
+            <a:schemeClr val="dk1"/>
+          </a:fontRef>
+        </p:style>
+      </p:cxnSp>
+      <p:cxnSp>
+        <p:nvCxnSpPr>
+          <p:cNvPr id="109" name="Elbow Connector 29">
+            <a:extLst>
+              <a:ext uri="{FF2B5EF4-FFF2-40B4-BE49-F238E27FC236}">
+                <a16:creationId xmlns:a16="http://schemas.microsoft.com/office/drawing/2014/main" id="{8D0A22F4-57A2-4BAC-8BD2-4A1F476185C4}"/>
+              </a:ext>
+            </a:extLst>
+          </p:cNvPr>
+          <p:cNvCxnSpPr>
+            <a:cxnSpLocks/>
+            <a:stCxn id="51" idx="3"/>
+          </p:cNvCxnSpPr>
+          <p:nvPr/>
+        </p:nvCxnSpPr>
+        <p:spPr>
+          <a:xfrm>
+            <a:off x="4153221" y="2081272"/>
+            <a:ext cx="687855" cy="322151"/>
+          </a:xfrm>
+          <a:prstGeom prst="bentConnector3">
+            <a:avLst>
+              <a:gd name="adj1" fmla="val 50000"/>
+            </a:avLst>
+          </a:prstGeom>
+          <a:ln w="19050">
+            <a:solidFill>
+              <a:srgbClr val="7030A0"/>
+            </a:solidFill>
+            <a:headEnd type="none" w="med" len="med"/>
+            <a:tailEnd type="arrow" w="med" len="med"/>
+          </a:ln>
+          <a:effectLst/>
+        </p:spPr>
+        <p:style>
+          <a:lnRef idx="1">
+            <a:schemeClr val="accent2"/>
+          </a:lnRef>
+          <a:fillRef idx="2">
+            <a:schemeClr val="accent2"/>
+          </a:fillRef>
+          <a:effectRef idx="1">
+            <a:schemeClr val="accent2"/>
+          </a:effectRef>
+          <a:fontRef idx="minor">
+            <a:schemeClr val="dk1"/>
+          </a:fontRef>
+        </p:style>
+      </p:cxnSp>
+      <p:sp>
+        <p:nvSpPr>
+          <p:cNvPr id="110" name="TextBox 109">
+            <a:extLst>
+              <a:ext uri="{FF2B5EF4-FFF2-40B4-BE49-F238E27FC236}">
+                <a16:creationId xmlns:a16="http://schemas.microsoft.com/office/drawing/2014/main" id="{14E0032F-C669-4A6F-B13A-1CD078CFD018}"/>
+              </a:ext>
+            </a:extLst>
+          </p:cNvPr>
+          <p:cNvSpPr txBox="1"/>
+          <p:nvPr/>
+        </p:nvSpPr>
+        <p:spPr>
+          <a:xfrm>
+            <a:off x="4582923" y="2183517"/>
+            <a:ext cx="189257" cy="178683"/>
+          </a:xfrm>
+          <a:prstGeom prst="rect">
+            <a:avLst/>
+          </a:prstGeom>
+          <a:noFill/>
+        </p:spPr>
+        <p:txBody>
+          <a:bodyPr wrap="square" lIns="0" tIns="0" rIns="0" bIns="0" rtlCol="0">
+            <a:noAutofit/>
+          </a:bodyPr>
+          <a:lstStyle/>
+          <a:p>
+            <a:pPr algn="ctr"/>
+            <a:r>
+              <a:rPr lang="en-US" sz="1100" dirty="0">
+                <a:solidFill>
+                  <a:srgbClr val="7030A0"/>
+                </a:solidFill>
+              </a:rPr>
+              <a:t>1</a:t>
+            </a:r>
+            <a:endParaRPr lang="en-SG" sz="1100" dirty="0">
+              <a:solidFill>
+                <a:srgbClr val="7030A0"/>
+              </a:solidFill>
+            </a:endParaRPr>
+          </a:p>
+        </p:txBody>
+      </p:sp>
+      <p:sp>
+        <p:nvSpPr>
+          <p:cNvPr id="116" name="TextBox 115">
+            <a:extLst>
+              <a:ext uri="{FF2B5EF4-FFF2-40B4-BE49-F238E27FC236}">
+                <a16:creationId xmlns:a16="http://schemas.microsoft.com/office/drawing/2014/main" id="{9D6D18B1-494C-430F-B3B3-D7939FAC6C97}"/>
+              </a:ext>
+            </a:extLst>
+          </p:cNvPr>
+          <p:cNvSpPr txBox="1"/>
+          <p:nvPr/>
+        </p:nvSpPr>
+        <p:spPr>
+          <a:xfrm>
+            <a:off x="4582922" y="2891640"/>
+            <a:ext cx="189257" cy="178683"/>
+          </a:xfrm>
+          <a:prstGeom prst="rect">
+            <a:avLst/>
+          </a:prstGeom>
+          <a:noFill/>
+        </p:spPr>
+        <p:txBody>
+          <a:bodyPr wrap="square" lIns="0" tIns="0" rIns="0" bIns="0" rtlCol="0">
+            <a:noAutofit/>
+          </a:bodyPr>
+          <a:lstStyle/>
+          <a:p>
+            <a:pPr algn="ctr"/>
+            <a:r>
+              <a:rPr lang="en-US" sz="1100" dirty="0">
+                <a:solidFill>
+                  <a:srgbClr val="7030A0"/>
+                </a:solidFill>
+              </a:rPr>
+              <a:t>1</a:t>
+            </a:r>
+            <a:endParaRPr lang="en-SG" sz="1100" dirty="0">
+              <a:solidFill>
+                <a:srgbClr val="7030A0"/>
+              </a:solidFill>
+            </a:endParaRPr>
+          </a:p>
+        </p:txBody>
+      </p:sp>
+      <p:sp>
+        <p:nvSpPr>
+          <p:cNvPr id="121" name="TextBox 120">
+            <a:extLst>
+              <a:ext uri="{FF2B5EF4-FFF2-40B4-BE49-F238E27FC236}">
+                <a16:creationId xmlns:a16="http://schemas.microsoft.com/office/drawing/2014/main" id="{1205EF0B-72A3-4D39-8DFB-C0D4112A9F87}"/>
+              </a:ext>
+            </a:extLst>
+          </p:cNvPr>
+          <p:cNvSpPr txBox="1"/>
+          <p:nvPr/>
+        </p:nvSpPr>
+        <p:spPr>
+          <a:xfrm>
+            <a:off x="4575940" y="3422425"/>
+            <a:ext cx="189257" cy="178683"/>
+          </a:xfrm>
+          <a:prstGeom prst="rect">
+            <a:avLst/>
+          </a:prstGeom>
+          <a:noFill/>
+        </p:spPr>
+        <p:txBody>
+          <a:bodyPr wrap="square" lIns="0" tIns="0" rIns="0" bIns="0" rtlCol="0">
+            <a:noAutofit/>
+          </a:bodyPr>
+          <a:lstStyle/>
+          <a:p>
+            <a:pPr algn="ctr"/>
+            <a:r>
+              <a:rPr lang="en-US" sz="1100" dirty="0">
+                <a:solidFill>
+                  <a:srgbClr val="7030A0"/>
+                </a:solidFill>
+              </a:rPr>
+              <a:t>1</a:t>
+            </a:r>
+            <a:endParaRPr lang="en-SG" sz="1100" dirty="0">
+              <a:solidFill>
+                <a:srgbClr val="7030A0"/>
+              </a:solidFill>
+            </a:endParaRPr>
+          </a:p>
+        </p:txBody>
+      </p:sp>
+      <p:cxnSp>
+        <p:nvCxnSpPr>
+          <p:cNvPr id="125" name="Elbow Connector 63">
+            <a:extLst>
+              <a:ext uri="{FF2B5EF4-FFF2-40B4-BE49-F238E27FC236}">
+                <a16:creationId xmlns:a16="http://schemas.microsoft.com/office/drawing/2014/main" id="{E4272A99-3839-46E7-A606-42180039EDED}"/>
+              </a:ext>
+            </a:extLst>
+          </p:cNvPr>
+          <p:cNvCxnSpPr>
+            <a:cxnSpLocks/>
+          </p:cNvCxnSpPr>
+          <p:nvPr/>
+        </p:nvCxnSpPr>
+        <p:spPr>
+          <a:xfrm>
+            <a:off x="3963174" y="3181011"/>
+            <a:ext cx="864657" cy="561097"/>
+          </a:xfrm>
+          <a:prstGeom prst="bentConnector3">
+            <a:avLst>
+              <a:gd name="adj1" fmla="val 50000"/>
+            </a:avLst>
+          </a:prstGeom>
+          <a:ln w="19050">
+            <a:solidFill>
+              <a:srgbClr val="7030A0"/>
+            </a:solidFill>
+            <a:prstDash val="solid"/>
+            <a:headEnd type="none" w="med" len="med"/>
+            <a:tailEnd type="none" w="med" len="med"/>
+          </a:ln>
+          <a:effectLst/>
+        </p:spPr>
+        <p:style>
+          <a:lnRef idx="1">
+            <a:schemeClr val="accent2"/>
+          </a:lnRef>
+          <a:fillRef idx="2">
+            <a:schemeClr val="accent2"/>
+          </a:fillRef>
+          <a:effectRef idx="1">
+            <a:schemeClr val="accent2"/>
+          </a:effectRef>
+          <a:fontRef idx="minor">
+            <a:schemeClr val="dk1"/>
+          </a:fontRef>
+        </p:style>
+      </p:cxnSp>
+      <p:sp>
+        <p:nvSpPr>
+          <p:cNvPr id="127" name="Flowchart: Decision 96">
+            <a:extLst>
+              <a:ext uri="{FF2B5EF4-FFF2-40B4-BE49-F238E27FC236}">
+                <a16:creationId xmlns:a16="http://schemas.microsoft.com/office/drawing/2014/main" id="{D2B8E737-BBB7-4B8C-BDF8-2EF7A3E1DE44}"/>
+              </a:ext>
+            </a:extLst>
+          </p:cNvPr>
+          <p:cNvSpPr/>
+          <p:nvPr/>
+        </p:nvSpPr>
+        <p:spPr>
+          <a:xfrm>
+            <a:off x="6011342" y="3568728"/>
+            <a:ext cx="236048" cy="173380"/>
+          </a:xfrm>
+          <a:prstGeom prst="flowChartDecision">
+            <a:avLst/>
+          </a:prstGeom>
+          <a:noFill/>
+          <a:ln w="19050">
+            <a:solidFill>
+              <a:srgbClr val="7030A0"/>
+            </a:solidFill>
+          </a:ln>
+          <a:effectLst/>
+        </p:spPr>
+        <p:style>
+          <a:lnRef idx="1">
+            <a:schemeClr val="accent6"/>
+          </a:lnRef>
+          <a:fillRef idx="2">
+            <a:schemeClr val="accent6"/>
+          </a:fillRef>
+          <a:effectRef idx="1">
+            <a:schemeClr val="accent6"/>
+          </a:effectRef>
+          <a:fontRef idx="minor">
+            <a:schemeClr val="dk1"/>
+          </a:fontRef>
+        </p:style>
+        <p:txBody>
+          <a:bodyPr rtlCol="0" anchor="ctr"/>
+          <a:lstStyle/>
+          <a:p>
+            <a:pPr algn="ctr"/>
+            <a:endParaRPr lang="en-US" sz="1050"/>
+          </a:p>
+        </p:txBody>
+      </p:sp>
+      <p:cxnSp>
+        <p:nvCxnSpPr>
+          <p:cNvPr id="128" name="Elbow Connector 63">
+            <a:extLst>
+              <a:ext uri="{FF2B5EF4-FFF2-40B4-BE49-F238E27FC236}">
+                <a16:creationId xmlns:a16="http://schemas.microsoft.com/office/drawing/2014/main" id="{374521C2-65BA-4C6B-99B3-454966DC871F}"/>
+              </a:ext>
+            </a:extLst>
+          </p:cNvPr>
+          <p:cNvCxnSpPr>
+            <a:cxnSpLocks/>
+            <a:stCxn id="127" idx="3"/>
+            <a:endCxn id="62" idx="1"/>
+          </p:cNvCxnSpPr>
+          <p:nvPr/>
+        </p:nvCxnSpPr>
+        <p:spPr>
+          <a:xfrm flipV="1">
+            <a:off x="6247390" y="2155148"/>
+            <a:ext cx="281780" cy="1500270"/>
+          </a:xfrm>
+          <a:prstGeom prst="bentConnector3">
+            <a:avLst/>
+          </a:prstGeom>
+          <a:ln w="19050">
+            <a:solidFill>
+              <a:srgbClr val="7030A0"/>
+            </a:solidFill>
+            <a:headEnd type="none" w="med" len="med"/>
+            <a:tailEnd type="arrow" w="med" len="med"/>
+          </a:ln>
+          <a:effectLst/>
+        </p:spPr>
+        <p:style>
+          <a:lnRef idx="1">
+            <a:schemeClr val="accent2"/>
+          </a:lnRef>
+          <a:fillRef idx="2">
+            <a:schemeClr val="accent2"/>
+          </a:fillRef>
+          <a:effectRef idx="1">
+            <a:schemeClr val="accent2"/>
+          </a:effectRef>
+          <a:fontRef idx="minor">
+            <a:schemeClr val="dk1"/>
+          </a:fontRef>
+        </p:style>
+      </p:cxnSp>
+      <p:sp>
+        <p:nvSpPr>
+          <p:cNvPr id="130" name="Flowchart: Decision 96">
+            <a:extLst>
+              <a:ext uri="{FF2B5EF4-FFF2-40B4-BE49-F238E27FC236}">
+                <a16:creationId xmlns:a16="http://schemas.microsoft.com/office/drawing/2014/main" id="{29550259-9575-4556-85FA-77BF2816480E}"/>
+              </a:ext>
+            </a:extLst>
+          </p:cNvPr>
+          <p:cNvSpPr/>
+          <p:nvPr/>
+        </p:nvSpPr>
+        <p:spPr>
+          <a:xfrm>
+            <a:off x="6011146" y="3001177"/>
+            <a:ext cx="236048" cy="173380"/>
+          </a:xfrm>
+          <a:prstGeom prst="flowChartDecision">
+            <a:avLst/>
+          </a:prstGeom>
+          <a:noFill/>
+          <a:ln w="19050">
+            <a:solidFill>
+              <a:srgbClr val="7030A0"/>
+            </a:solidFill>
+          </a:ln>
+          <a:effectLst/>
+        </p:spPr>
+        <p:style>
+          <a:lnRef idx="1">
+            <a:schemeClr val="accent6"/>
+          </a:lnRef>
+          <a:fillRef idx="2">
+            <a:schemeClr val="accent6"/>
+          </a:fillRef>
+          <a:effectRef idx="1">
+            <a:schemeClr val="accent6"/>
+          </a:effectRef>
+          <a:fontRef idx="minor">
+            <a:schemeClr val="dk1"/>
+          </a:fontRef>
+        </p:style>
+        <p:txBody>
+          <a:bodyPr rtlCol="0" anchor="ctr"/>
+          <a:lstStyle/>
+          <a:p>
+            <a:pPr algn="ctr"/>
+            <a:endParaRPr lang="en-US" sz="1050"/>
+          </a:p>
+        </p:txBody>
+      </p:sp>
+      <p:cxnSp>
+        <p:nvCxnSpPr>
+          <p:cNvPr id="131" name="Elbow Connector 63">
+            <a:extLst>
+              <a:ext uri="{FF2B5EF4-FFF2-40B4-BE49-F238E27FC236}">
+                <a16:creationId xmlns:a16="http://schemas.microsoft.com/office/drawing/2014/main" id="{EB39E71E-810D-4B41-98B2-26F71047CDC8}"/>
+              </a:ext>
+            </a:extLst>
+          </p:cNvPr>
+          <p:cNvCxnSpPr>
+            <a:cxnSpLocks/>
+            <a:stCxn id="130" idx="3"/>
+            <a:endCxn id="62" idx="1"/>
+          </p:cNvCxnSpPr>
+          <p:nvPr/>
+        </p:nvCxnSpPr>
+        <p:spPr>
+          <a:xfrm flipV="1">
+            <a:off x="6247194" y="2155148"/>
+            <a:ext cx="281976" cy="932719"/>
+          </a:xfrm>
+          <a:prstGeom prst="bentConnector3">
+            <a:avLst/>
+          </a:prstGeom>
+          <a:ln w="19050">
+            <a:solidFill>
+              <a:srgbClr val="7030A0"/>
+            </a:solidFill>
+            <a:headEnd type="none" w="med" len="med"/>
+            <a:tailEnd type="arrow" w="med" len="med"/>
+          </a:ln>
+          <a:effectLst/>
+        </p:spPr>
+        <p:style>
+          <a:lnRef idx="1">
+            <a:schemeClr val="accent2"/>
+          </a:lnRef>
+          <a:fillRef idx="2">
+            <a:schemeClr val="accent2"/>
+          </a:fillRef>
+          <a:effectRef idx="1">
+            <a:schemeClr val="accent2"/>
+          </a:effectRef>
+          <a:fontRef idx="minor">
+            <a:schemeClr val="dk1"/>
+          </a:fontRef>
+        </p:style>
+      </p:cxnSp>
+      <p:sp>
+        <p:nvSpPr>
+          <p:cNvPr id="132" name="Flowchart: Decision 96">
+            <a:extLst>
+              <a:ext uri="{FF2B5EF4-FFF2-40B4-BE49-F238E27FC236}">
+                <a16:creationId xmlns:a16="http://schemas.microsoft.com/office/drawing/2014/main" id="{94A79EB7-80BA-4FBB-9C94-4480E40AF89C}"/>
+              </a:ext>
+            </a:extLst>
+          </p:cNvPr>
+          <p:cNvSpPr/>
+          <p:nvPr/>
+        </p:nvSpPr>
+        <p:spPr>
+          <a:xfrm>
+            <a:off x="5999067" y="2443393"/>
+            <a:ext cx="236048" cy="173380"/>
+          </a:xfrm>
+          <a:prstGeom prst="flowChartDecision">
+            <a:avLst/>
+          </a:prstGeom>
+          <a:noFill/>
+          <a:ln w="19050">
+            <a:solidFill>
+              <a:srgbClr val="7030A0"/>
+            </a:solidFill>
+          </a:ln>
+          <a:effectLst/>
+        </p:spPr>
+        <p:style>
+          <a:lnRef idx="1">
+            <a:schemeClr val="accent6"/>
+          </a:lnRef>
+          <a:fillRef idx="2">
+            <a:schemeClr val="accent6"/>
+          </a:fillRef>
+          <a:effectRef idx="1">
+            <a:schemeClr val="accent6"/>
+          </a:effectRef>
+          <a:fontRef idx="minor">
+            <a:schemeClr val="dk1"/>
+          </a:fontRef>
+        </p:style>
+        <p:txBody>
+          <a:bodyPr rtlCol="0" anchor="ctr"/>
+          <a:lstStyle/>
+          <a:p>
+            <a:pPr algn="ctr"/>
+            <a:endParaRPr lang="en-US" sz="1050"/>
+          </a:p>
+        </p:txBody>
+      </p:sp>
+      <p:cxnSp>
+        <p:nvCxnSpPr>
+          <p:cNvPr id="133" name="Elbow Connector 63">
+            <a:extLst>
+              <a:ext uri="{FF2B5EF4-FFF2-40B4-BE49-F238E27FC236}">
+                <a16:creationId xmlns:a16="http://schemas.microsoft.com/office/drawing/2014/main" id="{26376927-F58A-48A5-B14D-FD12DFD768F8}"/>
+              </a:ext>
+            </a:extLst>
+          </p:cNvPr>
+          <p:cNvCxnSpPr>
+            <a:cxnSpLocks/>
+            <a:stCxn id="132" idx="3"/>
+            <a:endCxn id="62" idx="1"/>
+          </p:cNvCxnSpPr>
+          <p:nvPr/>
+        </p:nvCxnSpPr>
+        <p:spPr>
+          <a:xfrm flipV="1">
+            <a:off x="6235115" y="2155148"/>
+            <a:ext cx="294055" cy="374935"/>
+          </a:xfrm>
+          <a:prstGeom prst="bentConnector3">
+            <a:avLst/>
+          </a:prstGeom>
+          <a:ln w="19050">
+            <a:solidFill>
+              <a:srgbClr val="7030A0"/>
+            </a:solidFill>
+            <a:headEnd type="none" w="med" len="med"/>
+            <a:tailEnd type="arrow" w="med" len="med"/>
+          </a:ln>
+          <a:effectLst/>
+        </p:spPr>
+        <p:style>
+          <a:lnRef idx="1">
+            <a:schemeClr val="accent2"/>
+          </a:lnRef>
+          <a:fillRef idx="2">
+            <a:schemeClr val="accent2"/>
+          </a:fillRef>
+          <a:effectRef idx="1">
+            <a:schemeClr val="accent2"/>
+          </a:effectRef>
+          <a:fontRef idx="minor">
+            <a:schemeClr val="dk1"/>
+          </a:fontRef>
+        </p:style>
+      </p:cxnSp>
+      <p:sp>
+        <p:nvSpPr>
+          <p:cNvPr id="138" name="Isosceles Triangle 102">
+            <a:extLst>
+              <a:ext uri="{FF2B5EF4-FFF2-40B4-BE49-F238E27FC236}">
+                <a16:creationId xmlns:a16="http://schemas.microsoft.com/office/drawing/2014/main" id="{C405A132-B740-400A-9F71-C6A22C29B147}"/>
+              </a:ext>
+            </a:extLst>
+          </p:cNvPr>
+          <p:cNvSpPr/>
+          <p:nvPr/>
+        </p:nvSpPr>
+        <p:spPr>
+          <a:xfrm>
+            <a:off x="3218128" y="1602759"/>
+            <a:ext cx="270504" cy="175523"/>
+          </a:xfrm>
+          <a:prstGeom prst="triangle">
+            <a:avLst/>
+          </a:prstGeom>
+          <a:solidFill>
+            <a:srgbClr val="7030A0"/>
+          </a:solidFill>
+          <a:ln w="19050">
+            <a:solidFill>
+              <a:srgbClr val="7030A0"/>
+            </a:solidFill>
+          </a:ln>
+          <a:effectLst/>
+        </p:spPr>
+        <p:style>
+          <a:lnRef idx="1">
+            <a:schemeClr val="accent6"/>
+          </a:lnRef>
+          <a:fillRef idx="2">
+            <a:schemeClr val="accent6"/>
+          </a:fillRef>
+          <a:effectRef idx="1">
+            <a:schemeClr val="accent6"/>
+          </a:effectRef>
+          <a:fontRef idx="minor">
+            <a:schemeClr val="dk1"/>
+          </a:fontRef>
+        </p:style>
+        <p:txBody>
+          <a:bodyPr rtlCol="0" anchor="ctr"/>
+          <a:lstStyle/>
+          <a:p>
+            <a:pPr algn="ctr"/>
+            <a:endParaRPr lang="en-SG" sz="1050"/>
+          </a:p>
+        </p:txBody>
+      </p:sp>
+      <p:sp>
+        <p:nvSpPr>
+          <p:cNvPr id="115" name="Isosceles Triangle 102">
+            <a:extLst>
+              <a:ext uri="{FF2B5EF4-FFF2-40B4-BE49-F238E27FC236}">
+                <a16:creationId xmlns:a16="http://schemas.microsoft.com/office/drawing/2014/main" id="{E503DD09-E729-4510-AC1D-BB2C3C1A7DEA}"/>
+              </a:ext>
+            </a:extLst>
+          </p:cNvPr>
+          <p:cNvSpPr/>
+          <p:nvPr/>
+        </p:nvSpPr>
+        <p:spPr>
+          <a:xfrm rot="16200000">
+            <a:off x="4681253" y="4138517"/>
+            <a:ext cx="270504" cy="175523"/>
+          </a:xfrm>
+          <a:prstGeom prst="triangle">
+            <a:avLst/>
+          </a:prstGeom>
+          <a:solidFill>
+            <a:srgbClr val="7030A0"/>
+          </a:solidFill>
+          <a:ln w="19050">
+            <a:solidFill>
+              <a:srgbClr val="7030A0"/>
+            </a:solidFill>
+          </a:ln>
+          <a:effectLst/>
+        </p:spPr>
+        <p:style>
+          <a:lnRef idx="1">
+            <a:schemeClr val="accent6"/>
+          </a:lnRef>
+          <a:fillRef idx="2">
+            <a:schemeClr val="accent6"/>
+          </a:fillRef>
+          <a:effectRef idx="1">
+            <a:schemeClr val="accent6"/>
+          </a:effectRef>
+          <a:fontRef idx="minor">
+            <a:schemeClr val="dk1"/>
+          </a:fontRef>
+        </p:style>
+        <p:txBody>
+          <a:bodyPr rtlCol="0" anchor="ctr"/>
+          <a:lstStyle/>
+          <a:p>
+            <a:pPr algn="ctr"/>
+            <a:endParaRPr lang="en-SG" sz="1050"/>
+          </a:p>
+        </p:txBody>
+      </p:sp>
+      <p:sp>
+        <p:nvSpPr>
+          <p:cNvPr id="139" name="Isosceles Triangle 102">
+            <a:extLst>
+              <a:ext uri="{FF2B5EF4-FFF2-40B4-BE49-F238E27FC236}">
+                <a16:creationId xmlns:a16="http://schemas.microsoft.com/office/drawing/2014/main" id="{7EB10A3D-1FBF-428D-96DB-009E1EC6B9BB}"/>
+              </a:ext>
+            </a:extLst>
+          </p:cNvPr>
+          <p:cNvSpPr/>
+          <p:nvPr/>
+        </p:nvSpPr>
+        <p:spPr>
+          <a:xfrm rot="5400000" flipV="1">
+            <a:off x="3745192" y="3092705"/>
+            <a:ext cx="270504" cy="175523"/>
+          </a:xfrm>
+          <a:prstGeom prst="triangle">
+            <a:avLst/>
+          </a:prstGeom>
+          <a:ln w="19050">
+            <a:solidFill>
+              <a:srgbClr val="7030A0"/>
+            </a:solidFill>
+          </a:ln>
+          <a:effectLst/>
+        </p:spPr>
+        <p:style>
+          <a:lnRef idx="1">
+            <a:schemeClr val="accent4"/>
+          </a:lnRef>
+          <a:fillRef idx="2">
+            <a:schemeClr val="accent4"/>
+          </a:fillRef>
+          <a:effectRef idx="1">
+            <a:schemeClr val="accent4"/>
+          </a:effectRef>
+          <a:fontRef idx="minor">
+            <a:schemeClr val="dk1"/>
+          </a:fontRef>
+        </p:style>
+        <p:txBody>
+          <a:bodyPr rtlCol="0" anchor="ctr"/>
+          <a:lstStyle/>
+          <a:p>
+            <a:pPr algn="ctr"/>
+            <a:endParaRPr lang="en-SG" sz="1050" b="1">
+              <a:solidFill>
+                <a:srgbClr val="92D050"/>
+              </a:solidFill>
+            </a:endParaRPr>
+          </a:p>
+        </p:txBody>
+      </p:sp>
+      <p:cxnSp>
+        <p:nvCxnSpPr>
+          <p:cNvPr id="111" name="Elbow Connector 63">
+            <a:extLst>
+              <a:ext uri="{FF2B5EF4-FFF2-40B4-BE49-F238E27FC236}">
+                <a16:creationId xmlns:a16="http://schemas.microsoft.com/office/drawing/2014/main" id="{3EAC6062-FC92-44FF-950F-6E2016012F78}"/>
+              </a:ext>
+            </a:extLst>
+          </p:cNvPr>
+          <p:cNvCxnSpPr>
+            <a:cxnSpLocks/>
+            <a:stCxn id="62" idx="2"/>
+            <a:endCxn id="115" idx="3"/>
+          </p:cNvCxnSpPr>
+          <p:nvPr/>
+        </p:nvCxnSpPr>
+        <p:spPr>
+          <a:xfrm rot="5400000">
+            <a:off x="5005678" y="2227118"/>
+            <a:ext cx="1897751" cy="2100571"/>
+          </a:xfrm>
+          <a:prstGeom prst="bentConnector2">
+            <a:avLst/>
+          </a:prstGeom>
+          <a:ln w="19050">
+            <a:solidFill>
+              <a:srgbClr val="7030A0"/>
+            </a:solidFill>
+            <a:prstDash val="sysDot"/>
+            <a:headEnd type="none" w="med" len="med"/>
+            <a:tailEnd type="none" w="med" len="med"/>
+          </a:ln>
+          <a:effectLst/>
+        </p:spPr>
+        <p:style>
+          <a:lnRef idx="1">
+            <a:schemeClr val="accent2"/>
+          </a:lnRef>
+          <a:fillRef idx="2">
+            <a:schemeClr val="accent2"/>
+          </a:fillRef>
+          <a:effectRef idx="1">
+            <a:schemeClr val="accent2"/>
+          </a:effectRef>
+          <a:fontRef idx="minor">
+            <a:schemeClr val="dk1"/>
+          </a:fontRef>
+        </p:style>
+      </p:cxnSp>
+      <p:cxnSp>
+        <p:nvCxnSpPr>
+          <p:cNvPr id="123" name="Elbow Connector 63">
+            <a:extLst>
+              <a:ext uri="{FF2B5EF4-FFF2-40B4-BE49-F238E27FC236}">
+                <a16:creationId xmlns:a16="http://schemas.microsoft.com/office/drawing/2014/main" id="{3F1E1C5F-4AAB-4BAC-985F-016261F7AD19}"/>
+              </a:ext>
+            </a:extLst>
+          </p:cNvPr>
+          <p:cNvCxnSpPr>
+            <a:cxnSpLocks/>
+            <a:stCxn id="139" idx="3"/>
+          </p:cNvCxnSpPr>
+          <p:nvPr/>
+        </p:nvCxnSpPr>
+        <p:spPr>
+          <a:xfrm>
+            <a:off x="3968206" y="3180467"/>
+            <a:ext cx="859625" cy="544"/>
+          </a:xfrm>
+          <a:prstGeom prst="bentConnector3">
+            <a:avLst>
+              <a:gd name="adj1" fmla="val 50000"/>
+            </a:avLst>
+          </a:prstGeom>
+          <a:ln w="19050">
+            <a:solidFill>
+              <a:srgbClr val="7030A0"/>
+            </a:solidFill>
+            <a:prstDash val="solid"/>
+            <a:headEnd type="none" w="med" len="med"/>
+            <a:tailEnd type="none" w="med" len="med"/>
+          </a:ln>
+          <a:effectLst/>
+        </p:spPr>
+        <p:style>
+          <a:lnRef idx="1">
+            <a:schemeClr val="accent2"/>
+          </a:lnRef>
+          <a:fillRef idx="2">
+            <a:schemeClr val="accent2"/>
+          </a:fillRef>
+          <a:effectRef idx="1">
+            <a:schemeClr val="accent2"/>
+          </a:effectRef>
+          <a:fontRef idx="minor">
+            <a:schemeClr val="dk1"/>
+          </a:fontRef>
+        </p:style>
+      </p:cxnSp>
+      <p:sp>
+        <p:nvSpPr>
+          <p:cNvPr id="126" name="Rectangle 8">
+            <a:extLst>
+              <a:ext uri="{FF2B5EF4-FFF2-40B4-BE49-F238E27FC236}">
+                <a16:creationId xmlns:a16="http://schemas.microsoft.com/office/drawing/2014/main" id="{E895CE26-762D-4FE3-92C5-E40C1E7C9AB3}"/>
+              </a:ext>
+            </a:extLst>
+          </p:cNvPr>
+          <p:cNvSpPr/>
+          <p:nvPr/>
+        </p:nvSpPr>
+        <p:spPr>
+          <a:xfrm>
+            <a:off x="1640299" y="3958394"/>
+            <a:ext cx="1146688" cy="535027"/>
+          </a:xfrm>
+          <a:prstGeom prst="rect">
+            <a:avLst/>
+          </a:prstGeom>
+          <a:ln w="19050">
+            <a:solidFill>
+              <a:srgbClr val="7030A0"/>
+            </a:solidFill>
+          </a:ln>
+          <a:effectLst/>
+        </p:spPr>
+        <p:style>
+          <a:lnRef idx="1">
+            <a:schemeClr val="accent4"/>
+          </a:lnRef>
+          <a:fillRef idx="2">
+            <a:schemeClr val="accent4"/>
+          </a:fillRef>
+          <a:effectRef idx="1">
+            <a:schemeClr val="accent4"/>
+          </a:effectRef>
+          <a:fontRef idx="minor">
+            <a:schemeClr val="dk1"/>
+          </a:fontRef>
+        </p:style>
+        <p:txBody>
+          <a:bodyPr rtlCol="0" anchor="ctr"/>
+          <a:lstStyle/>
+          <a:p>
+            <a:pPr algn="ctr"/>
+            <a:r>
+              <a:rPr lang="en-US" sz="1050" dirty="0" err="1">
+                <a:solidFill>
+                  <a:srgbClr val="7030A0"/>
+                </a:solidFill>
+              </a:rPr>
+              <a:t>javafx.collections.transformation</a:t>
+            </a:r>
+            <a:endParaRPr lang="en-US" sz="1050" dirty="0">
+              <a:solidFill>
+                <a:srgbClr val="7030A0"/>
+              </a:solidFill>
+            </a:endParaRPr>
+          </a:p>
+          <a:p>
+            <a:pPr algn="ctr"/>
+            <a:r>
+              <a:rPr lang="en-US" sz="1050" dirty="0">
+                <a:solidFill>
+                  <a:srgbClr val="7030A0"/>
+                </a:solidFill>
+              </a:rPr>
+              <a:t>.</a:t>
+            </a:r>
+            <a:r>
+              <a:rPr lang="en-US" sz="1050" dirty="0" err="1">
+                <a:solidFill>
+                  <a:srgbClr val="7030A0"/>
+                </a:solidFill>
+              </a:rPr>
+              <a:t>FilteredList</a:t>
+            </a:r>
+            <a:endParaRPr lang="en-SG" sz="1050" dirty="0">
+              <a:solidFill>
+                <a:srgbClr val="7030A0"/>
+              </a:solidFill>
+            </a:endParaRPr>
+          </a:p>
+        </p:txBody>
+      </p:sp>
+      <p:cxnSp>
+        <p:nvCxnSpPr>
+          <p:cNvPr id="140" name="Elbow Connector 106">
+            <a:extLst>
+              <a:ext uri="{FF2B5EF4-FFF2-40B4-BE49-F238E27FC236}">
+                <a16:creationId xmlns:a16="http://schemas.microsoft.com/office/drawing/2014/main" id="{BF83FBE8-488A-472A-8F15-95B10D9050A2}"/>
+              </a:ext>
+            </a:extLst>
+          </p:cNvPr>
+          <p:cNvCxnSpPr>
+            <a:cxnSpLocks/>
+            <a:stCxn id="126" idx="3"/>
+            <a:endCxn id="72" idx="1"/>
+          </p:cNvCxnSpPr>
+          <p:nvPr/>
+        </p:nvCxnSpPr>
+        <p:spPr>
+          <a:xfrm>
+            <a:off x="2786987" y="4225908"/>
+            <a:ext cx="896373" cy="372"/>
+          </a:xfrm>
+          <a:prstGeom prst="bentConnector3">
+            <a:avLst>
+              <a:gd name="adj1" fmla="val 50000"/>
+            </a:avLst>
+          </a:prstGeom>
+          <a:ln w="19050">
+            <a:solidFill>
+              <a:srgbClr val="7030A0"/>
+            </a:solidFill>
+            <a:prstDash val="solid"/>
+            <a:headEnd type="none" w="med" len="med"/>
+            <a:tailEnd type="arrow" w="med" len="med"/>
+          </a:ln>
+          <a:effectLst/>
+        </p:spPr>
+        <p:style>
+          <a:lnRef idx="1">
+            <a:schemeClr val="accent2"/>
+          </a:lnRef>
+          <a:fillRef idx="2">
+            <a:schemeClr val="accent2"/>
+          </a:fillRef>
+          <a:effectRef idx="1">
+            <a:schemeClr val="accent2"/>
+          </a:effectRef>
+          <a:fontRef idx="minor">
+            <a:schemeClr val="dk1"/>
+          </a:fontRef>
+        </p:style>
+      </p:cxnSp>
+      <p:sp>
+        <p:nvSpPr>
+          <p:cNvPr id="142" name="TextBox 141">
+            <a:extLst>
+              <a:ext uri="{FF2B5EF4-FFF2-40B4-BE49-F238E27FC236}">
+                <a16:creationId xmlns:a16="http://schemas.microsoft.com/office/drawing/2014/main" id="{92EBB965-AEB9-4887-A96E-F0EE124EB42F}"/>
+              </a:ext>
+            </a:extLst>
+          </p:cNvPr>
+          <p:cNvSpPr txBox="1"/>
+          <p:nvPr/>
+        </p:nvSpPr>
+        <p:spPr>
+          <a:xfrm>
+            <a:off x="3414059" y="4038600"/>
+            <a:ext cx="189257" cy="178683"/>
+          </a:xfrm>
+          <a:prstGeom prst="rect">
+            <a:avLst/>
+          </a:prstGeom>
+          <a:noFill/>
+        </p:spPr>
+        <p:txBody>
+          <a:bodyPr wrap="square" lIns="0" tIns="0" rIns="0" bIns="0" rtlCol="0">
+            <a:noAutofit/>
+          </a:bodyPr>
+          <a:lstStyle/>
+          <a:p>
+            <a:pPr algn="ctr"/>
+            <a:r>
+              <a:rPr lang="en-SG" sz="1100" dirty="0">
+                <a:solidFill>
+                  <a:srgbClr val="7030A0"/>
+                </a:solidFill>
+              </a:rPr>
+              <a:t>*</a:t>
+            </a:r>
+          </a:p>
+        </p:txBody>
+      </p:sp>
+      <p:cxnSp>
+        <p:nvCxnSpPr>
+          <p:cNvPr id="89" name="Elbow Connector 63">
+            <a:extLst>
+              <a:ext uri="{FF2B5EF4-FFF2-40B4-BE49-F238E27FC236}">
+                <a16:creationId xmlns:a16="http://schemas.microsoft.com/office/drawing/2014/main" id="{757B8828-27CE-4427-AB91-A272F8DA53D0}"/>
+              </a:ext>
+            </a:extLst>
+          </p:cNvPr>
+          <p:cNvCxnSpPr>
+            <a:cxnSpLocks/>
+            <a:stCxn id="139" idx="3"/>
+          </p:cNvCxnSpPr>
+          <p:nvPr/>
+        </p:nvCxnSpPr>
+        <p:spPr>
+          <a:xfrm flipV="1">
+            <a:off x="3968206" y="2695332"/>
+            <a:ext cx="856620" cy="485135"/>
+          </a:xfrm>
+          <a:prstGeom prst="bentConnector3">
+            <a:avLst>
+              <a:gd name="adj1" fmla="val 50000"/>
+            </a:avLst>
+          </a:prstGeom>
+          <a:ln w="19050">
+            <a:solidFill>
+              <a:srgbClr val="7030A0"/>
+            </a:solidFill>
+            <a:prstDash val="solid"/>
+            <a:headEnd type="none" w="med" len="med"/>
+            <a:tailEnd type="none" w="med" len="med"/>
+          </a:ln>
+          <a:effectLst/>
+        </p:spPr>
+        <p:style>
+          <a:lnRef idx="1">
+            <a:schemeClr val="accent2"/>
+          </a:lnRef>
+          <a:fillRef idx="2">
+            <a:schemeClr val="accent2"/>
+          </a:fillRef>
+          <a:effectRef idx="1">
+            <a:schemeClr val="accent2"/>
+          </a:effectRef>
+          <a:fontRef idx="minor">
+            <a:schemeClr val="dk1"/>
+          </a:fontRef>
+        </p:style>
+      </p:cxnSp>
+      <p:sp>
+        <p:nvSpPr>
+          <p:cNvPr id="95" name="Rectangle 8">
+            <a:extLst>
+              <a:ext uri="{FF2B5EF4-FFF2-40B4-BE49-F238E27FC236}">
+                <a16:creationId xmlns:a16="http://schemas.microsoft.com/office/drawing/2014/main" id="{D11190CF-84F1-43D8-842C-0F704C362AC1}"/>
+              </a:ext>
+            </a:extLst>
+          </p:cNvPr>
+          <p:cNvSpPr/>
+          <p:nvPr/>
+        </p:nvSpPr>
+        <p:spPr>
+          <a:xfrm>
+            <a:off x="4648560" y="5641218"/>
+            <a:ext cx="1099150" cy="377140"/>
+          </a:xfrm>
+          <a:prstGeom prst="rect">
+            <a:avLst/>
+          </a:prstGeom>
+          <a:ln w="19050">
+            <a:solidFill>
+              <a:srgbClr val="7030A0"/>
+            </a:solidFill>
+          </a:ln>
+          <a:effectLst/>
+        </p:spPr>
+        <p:style>
+          <a:lnRef idx="1">
+            <a:schemeClr val="accent4"/>
+          </a:lnRef>
+          <a:fillRef idx="2">
+            <a:schemeClr val="accent4"/>
+          </a:fillRef>
+          <a:effectRef idx="1">
+            <a:schemeClr val="accent4"/>
+          </a:effectRef>
+          <a:fontRef idx="minor">
+            <a:schemeClr val="dk1"/>
+          </a:fontRef>
+        </p:style>
+        <p:txBody>
+          <a:bodyPr rtlCol="0" anchor="ctr"/>
+          <a:lstStyle/>
+          <a:p>
+            <a:pPr algn="ctr"/>
+            <a:r>
+              <a:rPr lang="en-US" sz="1050" dirty="0">
+                <a:solidFill>
+                  <a:srgbClr val="7030A0"/>
+                </a:solidFill>
+              </a:rPr>
+              <a:t>&lt;&lt;interface&gt;&gt;</a:t>
+            </a:r>
+          </a:p>
+          <a:p>
+            <a:pPr algn="ctr"/>
+            <a:r>
+              <a:rPr lang="en-US" sz="1050" dirty="0" err="1">
+                <a:solidFill>
+                  <a:srgbClr val="7030A0"/>
+                </a:solidFill>
+              </a:rPr>
+              <a:t>OverdueCapable</a:t>
+            </a:r>
+            <a:endParaRPr lang="en-SG" sz="1050" dirty="0">
+              <a:solidFill>
+                <a:srgbClr val="7030A0"/>
+              </a:solidFill>
+            </a:endParaRPr>
+          </a:p>
+        </p:txBody>
+      </p:sp>
+      <p:sp>
+        <p:nvSpPr>
+          <p:cNvPr id="96" name="Isosceles Triangle 102">
+            <a:extLst>
+              <a:ext uri="{FF2B5EF4-FFF2-40B4-BE49-F238E27FC236}">
+                <a16:creationId xmlns:a16="http://schemas.microsoft.com/office/drawing/2014/main" id="{A65E0C52-5206-46DE-B54D-1FAACD215357}"/>
+              </a:ext>
+            </a:extLst>
+          </p:cNvPr>
+          <p:cNvSpPr/>
+          <p:nvPr/>
+        </p:nvSpPr>
+        <p:spPr>
+          <a:xfrm rot="5400000" flipV="1">
+            <a:off x="5719131" y="5737901"/>
+            <a:ext cx="270504" cy="175523"/>
+          </a:xfrm>
+          <a:prstGeom prst="triangle">
+            <a:avLst/>
+          </a:prstGeom>
+          <a:solidFill>
+            <a:srgbClr val="7030A0"/>
+          </a:solidFill>
+          <a:ln w="19050">
+            <a:solidFill>
+              <a:srgbClr val="7030A0"/>
+            </a:solidFill>
+          </a:ln>
+          <a:effectLst/>
+        </p:spPr>
+        <p:style>
+          <a:lnRef idx="1">
+            <a:schemeClr val="accent4"/>
+          </a:lnRef>
+          <a:fillRef idx="2">
+            <a:schemeClr val="accent4"/>
+          </a:fillRef>
+          <a:effectRef idx="1">
+            <a:schemeClr val="accent4"/>
+          </a:effectRef>
+          <a:fontRef idx="minor">
+            <a:schemeClr val="dk1"/>
+          </a:fontRef>
+        </p:style>
+        <p:txBody>
+          <a:bodyPr rtlCol="0" anchor="ctr"/>
+          <a:lstStyle/>
+          <a:p>
+            <a:pPr algn="ctr"/>
+            <a:endParaRPr lang="en-SG" sz="1050" b="1">
+              <a:solidFill>
+                <a:srgbClr val="92D050"/>
+              </a:solidFill>
+            </a:endParaRPr>
+          </a:p>
+        </p:txBody>
+      </p:sp>
+      <p:cxnSp>
+        <p:nvCxnSpPr>
+          <p:cNvPr id="99" name="Elbow Connector 63">
+            <a:extLst>
+              <a:ext uri="{FF2B5EF4-FFF2-40B4-BE49-F238E27FC236}">
+                <a16:creationId xmlns:a16="http://schemas.microsoft.com/office/drawing/2014/main" id="{1A40DD81-A9E7-4CAF-BC25-3EE36E21651F}"/>
+              </a:ext>
+            </a:extLst>
+          </p:cNvPr>
+          <p:cNvCxnSpPr>
+            <a:cxnSpLocks/>
+            <a:stCxn id="96" idx="3"/>
+            <a:endCxn id="77" idx="2"/>
+          </p:cNvCxnSpPr>
+          <p:nvPr/>
+        </p:nvCxnSpPr>
+        <p:spPr>
+          <a:xfrm flipV="1">
+            <a:off x="5942145" y="5192158"/>
+            <a:ext cx="658976" cy="633505"/>
+          </a:xfrm>
+          <a:prstGeom prst="bentConnector2">
+            <a:avLst/>
+          </a:prstGeom>
+          <a:ln w="19050">
+            <a:solidFill>
+              <a:srgbClr val="7030A0"/>
+            </a:solidFill>
+            <a:prstDash val="sysDot"/>
+            <a:headEnd type="none" w="med" len="med"/>
+            <a:tailEnd type="none" w="med" len="med"/>
+          </a:ln>
+          <a:effectLst/>
+        </p:spPr>
+        <p:style>
+          <a:lnRef idx="1">
+            <a:schemeClr val="accent2"/>
+          </a:lnRef>
+          <a:fillRef idx="2">
+            <a:schemeClr val="accent2"/>
+          </a:fillRef>
+          <a:effectRef idx="1">
+            <a:schemeClr val="accent2"/>
+          </a:effectRef>
+          <a:fontRef idx="minor">
+            <a:schemeClr val="dk1"/>
+          </a:fontRef>
+        </p:style>
+      </p:cxnSp>
+      <p:cxnSp>
+        <p:nvCxnSpPr>
+          <p:cNvPr id="114" name="Elbow Connector 63">
+            <a:extLst>
+              <a:ext uri="{FF2B5EF4-FFF2-40B4-BE49-F238E27FC236}">
+                <a16:creationId xmlns:a16="http://schemas.microsoft.com/office/drawing/2014/main" id="{F581BE59-CB2A-4E09-BEEA-CD82754F6E5A}"/>
+              </a:ext>
+            </a:extLst>
+          </p:cNvPr>
+          <p:cNvCxnSpPr>
+            <a:cxnSpLocks/>
+            <a:stCxn id="96" idx="3"/>
+            <a:endCxn id="87" idx="2"/>
+          </p:cNvCxnSpPr>
+          <p:nvPr/>
+        </p:nvCxnSpPr>
+        <p:spPr>
+          <a:xfrm flipV="1">
+            <a:off x="5942145" y="5576231"/>
+            <a:ext cx="1325985" cy="249432"/>
+          </a:xfrm>
+          <a:prstGeom prst="bentConnector2">
+            <a:avLst/>
+          </a:prstGeom>
+          <a:ln w="19050">
+            <a:solidFill>
+              <a:srgbClr val="7030A0"/>
+            </a:solidFill>
+            <a:prstDash val="sysDot"/>
+            <a:headEnd type="none" w="med" len="med"/>
+            <a:tailEnd type="none" w="med" len="med"/>
+          </a:ln>
+          <a:effectLst/>
+        </p:spPr>
+        <p:style>
+          <a:lnRef idx="1">
+            <a:schemeClr val="accent2"/>
+          </a:lnRef>
+          <a:fillRef idx="2">
+            <a:schemeClr val="accent2"/>
+          </a:fillRef>
+          <a:effectRef idx="1">
+            <a:schemeClr val="accent2"/>
+          </a:effectRef>
+          <a:fontRef idx="minor">
+            <a:schemeClr val="dk1"/>
+          </a:fontRef>
+        </p:style>
+      </p:cxnSp>
+    </p:spTree>
+    <p:extLst>
+      <p:ext uri="{BB962C8B-B14F-4D97-AF65-F5344CB8AC3E}">
+        <p14:creationId xmlns:p14="http://schemas.microsoft.com/office/powerpoint/2010/main" val="1673096792"/>
       </p:ext>
     </p:extLst>
   </p:cSld>

--- a/docs/diagrams/ModelComponentClassDiagram.pptx
+++ b/docs/diagrams/ModelComponentClassDiagram.pptx
@@ -10647,8 +10647,8 @@
         </p:nvSpPr>
         <p:spPr>
           <a:xfrm>
-            <a:off x="990600" y="457200"/>
-            <a:ext cx="7239000" cy="5867400"/>
+            <a:off x="990600" y="152400"/>
+            <a:ext cx="7239000" cy="6019800"/>
           </a:xfrm>
           <a:prstGeom prst="roundRect">
             <a:avLst>
@@ -10708,7 +10708,7 @@
         </p:nvSpPr>
         <p:spPr>
           <a:xfrm>
-            <a:off x="2806563" y="2423676"/>
+            <a:off x="2806563" y="2118876"/>
             <a:ext cx="1093635" cy="346760"/>
           </a:xfrm>
           <a:prstGeom prst="rect">
@@ -10767,7 +10767,7 @@
         </p:nvSpPr>
         <p:spPr>
           <a:xfrm rot="16200000">
-            <a:off x="1666826" y="2133923"/>
+            <a:off x="1666826" y="1829123"/>
             <a:ext cx="1093635" cy="346760"/>
           </a:xfrm>
           <a:prstGeom prst="rect">
@@ -10830,7 +10830,7 @@
         </p:nvCxnSpPr>
         <p:spPr>
           <a:xfrm rot="5400000">
-            <a:off x="1661508" y="3406257"/>
+            <a:off x="1661508" y="3101457"/>
             <a:ext cx="1104273" cy="1"/>
           </a:xfrm>
           <a:prstGeom prst="bentConnector3">
@@ -10871,7 +10871,7 @@
         </p:nvSpPr>
         <p:spPr>
           <a:xfrm rot="16200000">
-            <a:off x="939065" y="2126438"/>
+            <a:off x="939065" y="1821638"/>
             <a:ext cx="1093635" cy="346760"/>
           </a:xfrm>
           <a:prstGeom prst="rect">
@@ -10941,7 +10941,7 @@
         </p:nvSpPr>
         <p:spPr>
           <a:xfrm rot="16200000">
-            <a:off x="1609773" y="2217527"/>
+            <a:off x="1609773" y="1912727"/>
             <a:ext cx="270504" cy="175523"/>
           </a:xfrm>
           <a:prstGeom prst="triangle">
@@ -10991,7 +10991,7 @@
         </p:nvCxnSpPr>
         <p:spPr>
           <a:xfrm>
-            <a:off x="2639233" y="2591772"/>
+            <a:off x="2639233" y="2286972"/>
             <a:ext cx="167330" cy="5284"/>
           </a:xfrm>
           <a:prstGeom prst="straightConnector1">
@@ -11031,7 +11031,7 @@
         </p:nvCxnSpPr>
         <p:spPr>
           <a:xfrm>
-            <a:off x="1038789" y="2307303"/>
+            <a:off x="1038789" y="2002503"/>
             <a:ext cx="273713" cy="846"/>
           </a:xfrm>
           <a:prstGeom prst="bentConnector3">
@@ -11076,7 +11076,7 @@
         </p:nvCxnSpPr>
         <p:spPr>
           <a:xfrm flipV="1">
-            <a:off x="1832787" y="2305288"/>
+            <a:off x="1832787" y="2000488"/>
             <a:ext cx="216105" cy="1"/>
           </a:xfrm>
           <a:prstGeom prst="line">
@@ -11115,7 +11115,7 @@
         </p:nvSpPr>
         <p:spPr>
           <a:xfrm>
-            <a:off x="2403185" y="2505082"/>
+            <a:off x="2403185" y="2200282"/>
             <a:ext cx="236048" cy="173380"/>
           </a:xfrm>
           <a:prstGeom prst="flowChartDecision">
@@ -11160,7 +11160,7 @@
         </p:nvSpPr>
         <p:spPr>
           <a:xfrm>
-            <a:off x="2808873" y="1892656"/>
+            <a:off x="2808873" y="1587856"/>
             <a:ext cx="1093635" cy="346760"/>
           </a:xfrm>
           <a:prstGeom prst="rect">
@@ -11219,7 +11219,7 @@
         </p:nvCxnSpPr>
         <p:spPr>
           <a:xfrm>
-            <a:off x="2641543" y="2060752"/>
+            <a:off x="2641543" y="1755952"/>
             <a:ext cx="167330" cy="5284"/>
           </a:xfrm>
           <a:prstGeom prst="straightConnector1">
@@ -11257,7 +11257,7 @@
         </p:nvSpPr>
         <p:spPr>
           <a:xfrm>
-            <a:off x="2405495" y="1974062"/>
+            <a:off x="2405495" y="1669262"/>
             <a:ext cx="236048" cy="173380"/>
           </a:xfrm>
           <a:prstGeom prst="flowChartDecision">
@@ -11302,7 +11302,7 @@
         </p:nvSpPr>
         <p:spPr>
           <a:xfrm>
-            <a:off x="4829662" y="1631853"/>
+            <a:off x="4829662" y="1327053"/>
             <a:ext cx="1156969" cy="515590"/>
           </a:xfrm>
           <a:prstGeom prst="rect">
@@ -11358,7 +11358,7 @@
         </p:nvSpPr>
         <p:spPr>
           <a:xfrm>
-            <a:off x="3917173" y="1994582"/>
+            <a:off x="3917173" y="1689782"/>
             <a:ext cx="236048" cy="173380"/>
           </a:xfrm>
           <a:prstGeom prst="flowChartDecision">
@@ -11408,7 +11408,7 @@
         </p:nvCxnSpPr>
         <p:spPr>
           <a:xfrm flipV="1">
-            <a:off x="4153221" y="1739273"/>
+            <a:off x="4153221" y="1434473"/>
             <a:ext cx="678824" cy="341999"/>
           </a:xfrm>
           <a:prstGeom prst="bentConnector3">
@@ -11446,7 +11446,7 @@
         </p:nvSpPr>
         <p:spPr>
           <a:xfrm>
-            <a:off x="4832045" y="1191764"/>
+            <a:off x="4832045" y="886964"/>
             <a:ext cx="1156969" cy="346760"/>
           </a:xfrm>
           <a:prstGeom prst="rect">
@@ -11506,7 +11506,7 @@
         </p:nvCxnSpPr>
         <p:spPr>
           <a:xfrm flipV="1">
-            <a:off x="4153221" y="1365144"/>
+            <a:off x="4153221" y="1060344"/>
             <a:ext cx="678824" cy="716128"/>
           </a:xfrm>
           <a:prstGeom prst="bentConnector3">
@@ -11546,7 +11546,7 @@
         </p:nvSpPr>
         <p:spPr>
           <a:xfrm>
-            <a:off x="6529170" y="1981767"/>
+            <a:off x="6529170" y="1676967"/>
             <a:ext cx="951336" cy="346761"/>
           </a:xfrm>
           <a:prstGeom prst="rect">
@@ -11608,7 +11608,7 @@
         </p:nvSpPr>
         <p:spPr>
           <a:xfrm>
-            <a:off x="5994896" y="1829225"/>
+            <a:off x="5994896" y="1524425"/>
             <a:ext cx="236048" cy="173380"/>
           </a:xfrm>
           <a:prstGeom prst="flowChartDecision">
@@ -11657,7 +11657,7 @@
         </p:nvCxnSpPr>
         <p:spPr>
           <a:xfrm>
-            <a:off x="6230944" y="1915915"/>
+            <a:off x="6230944" y="1611115"/>
             <a:ext cx="298226" cy="239233"/>
           </a:xfrm>
           <a:prstGeom prst="bentConnector3">
@@ -11695,7 +11695,7 @@
         </p:nvSpPr>
         <p:spPr>
           <a:xfrm>
-            <a:off x="5705589" y="720527"/>
+            <a:off x="5705589" y="415727"/>
             <a:ext cx="483700" cy="346760"/>
           </a:xfrm>
           <a:prstGeom prst="rect">
@@ -11751,7 +11751,7 @@
         </p:nvSpPr>
         <p:spPr>
           <a:xfrm rot="16200000">
-            <a:off x="5291150" y="977735"/>
+            <a:off x="5291150" y="672935"/>
             <a:ext cx="236048" cy="173380"/>
           </a:xfrm>
           <a:prstGeom prst="flowChartDecision">
@@ -11799,7 +11799,7 @@
         </p:nvCxnSpPr>
         <p:spPr>
           <a:xfrm rot="5400000" flipH="1" flipV="1">
-            <a:off x="5531134" y="771947"/>
+            <a:off x="5531134" y="467147"/>
             <a:ext cx="52494" cy="296415"/>
           </a:xfrm>
           <a:prstGeom prst="bentConnector2">
@@ -11837,7 +11837,7 @@
         </p:nvSpPr>
         <p:spPr>
           <a:xfrm>
-            <a:off x="3683360" y="4052900"/>
+            <a:off x="3683360" y="3748100"/>
             <a:ext cx="1045383" cy="346760"/>
           </a:xfrm>
           <a:prstGeom prst="rect">
@@ -11908,7 +11908,7 @@
         </p:nvSpPr>
         <p:spPr>
           <a:xfrm>
-            <a:off x="6641977" y="762000"/>
+            <a:off x="6641977" y="457200"/>
             <a:ext cx="708186" cy="285783"/>
           </a:xfrm>
           <a:prstGeom prst="rect">
@@ -11964,7 +11964,7 @@
         </p:nvSpPr>
         <p:spPr>
           <a:xfrm rot="16200000">
-            <a:off x="6878045" y="1756975"/>
+            <a:off x="6878045" y="1452175"/>
             <a:ext cx="236048" cy="173380"/>
           </a:xfrm>
           <a:prstGeom prst="flowChartDecision">
@@ -12015,7 +12015,7 @@
         </p:nvCxnSpPr>
         <p:spPr>
           <a:xfrm rot="5400000" flipH="1" flipV="1">
-            <a:off x="6657140" y="1386712"/>
+            <a:off x="6657140" y="1081912"/>
             <a:ext cx="677858" cy="1"/>
           </a:xfrm>
           <a:prstGeom prst="bentConnector3">
@@ -12059,7 +12059,7 @@
         </p:nvCxnSpPr>
         <p:spPr>
           <a:xfrm rot="16200000" flipH="1">
-            <a:off x="3297348" y="1834313"/>
+            <a:off x="3297348" y="1529513"/>
             <a:ext cx="114374" cy="2311"/>
           </a:xfrm>
           <a:prstGeom prst="bentConnector3">
@@ -12100,7 +12100,7 @@
         </p:nvSpPr>
         <p:spPr>
           <a:xfrm>
-            <a:off x="2589686" y="1253440"/>
+            <a:off x="2589686" y="948640"/>
             <a:ext cx="1539926" cy="346760"/>
           </a:xfrm>
           <a:prstGeom prst="rect">
@@ -12171,7 +12171,7 @@
         </p:nvSpPr>
         <p:spPr>
           <a:xfrm>
-            <a:off x="2343612" y="783895"/>
+            <a:off x="2343612" y="479095"/>
             <a:ext cx="1775949" cy="346760"/>
           </a:xfrm>
           <a:prstGeom prst="rect">
@@ -12246,7 +12246,7 @@
         </p:nvCxnSpPr>
         <p:spPr>
           <a:xfrm rot="5400000" flipH="1" flipV="1">
-            <a:off x="1516884" y="926273"/>
+            <a:off x="1516884" y="621473"/>
             <a:ext cx="795726" cy="857730"/>
           </a:xfrm>
           <a:prstGeom prst="bentConnector2">
@@ -12289,7 +12289,7 @@
         </p:nvCxnSpPr>
         <p:spPr>
           <a:xfrm rot="16200000" flipV="1">
-            <a:off x="6312294" y="1041865"/>
+            <a:off x="6312294" y="737065"/>
             <a:ext cx="360497" cy="1007055"/>
           </a:xfrm>
           <a:prstGeom prst="bentConnector2">
@@ -12327,7 +12327,7 @@
         </p:nvSpPr>
         <p:spPr>
           <a:xfrm>
-            <a:off x="4564394" y="1148042"/>
+            <a:off x="4564394" y="843242"/>
             <a:ext cx="189257" cy="178683"/>
           </a:xfrm>
           <a:prstGeom prst="rect">
@@ -12366,7 +12366,7 @@
         </p:nvSpPr>
         <p:spPr>
           <a:xfrm>
-            <a:off x="4573055" y="1548514"/>
+            <a:off x="4573055" y="1243714"/>
             <a:ext cx="189257" cy="178683"/>
           </a:xfrm>
           <a:prstGeom prst="rect">
@@ -12400,7 +12400,7 @@
         </p:nvSpPr>
         <p:spPr>
           <a:xfrm>
-            <a:off x="6059245" y="1406608"/>
+            <a:off x="6059245" y="1101808"/>
             <a:ext cx="189257" cy="178683"/>
           </a:xfrm>
           <a:prstGeom prst="rect">
@@ -12439,7 +12439,7 @@
         </p:nvSpPr>
         <p:spPr>
           <a:xfrm>
-            <a:off x="5506098" y="693336"/>
+            <a:off x="5506098" y="388536"/>
             <a:ext cx="189257" cy="178683"/>
           </a:xfrm>
           <a:prstGeom prst="rect">
@@ -12478,7 +12478,7 @@
         </p:nvSpPr>
         <p:spPr>
           <a:xfrm>
-            <a:off x="6357509" y="1967411"/>
+            <a:off x="6357509" y="1662611"/>
             <a:ext cx="189257" cy="178683"/>
           </a:xfrm>
           <a:prstGeom prst="rect">
@@ -12517,7 +12517,7 @@
         </p:nvSpPr>
         <p:spPr>
           <a:xfrm>
-            <a:off x="2617306" y="1829474"/>
+            <a:off x="2617306" y="1524674"/>
             <a:ext cx="189257" cy="178683"/>
           </a:xfrm>
           <a:prstGeom prst="rect">
@@ -12556,7 +12556,7 @@
         </p:nvSpPr>
         <p:spPr>
           <a:xfrm>
-            <a:off x="2585753" y="2651286"/>
+            <a:off x="2585753" y="2346486"/>
             <a:ext cx="189257" cy="178683"/>
           </a:xfrm>
           <a:prstGeom prst="rect">
@@ -12605,7 +12605,7 @@
         </p:nvCxnSpPr>
         <p:spPr>
           <a:xfrm rot="5400000" flipH="1" flipV="1">
-            <a:off x="1874694" y="1038009"/>
+            <a:off x="1874694" y="733209"/>
             <a:ext cx="326181" cy="1103804"/>
           </a:xfrm>
           <a:prstGeom prst="bentConnector2">
@@ -12654,12 +12654,12 @@
         </p:nvCxnSpPr>
         <p:spPr>
           <a:xfrm flipV="1">
-            <a:off x="6952991" y="2144297"/>
-            <a:ext cx="703039" cy="2904970"/>
+            <a:off x="6275493" y="1839497"/>
+            <a:ext cx="1380537" cy="2981170"/>
           </a:xfrm>
           <a:prstGeom prst="bentConnector3">
             <a:avLst>
-              <a:gd name="adj1" fmla="val 139271"/>
+              <a:gd name="adj1" fmla="val 119999"/>
             </a:avLst>
           </a:prstGeom>
           <a:ln w="19050">
@@ -12700,7 +12700,7 @@
         </p:nvSpPr>
         <p:spPr>
           <a:xfrm>
-            <a:off x="6249251" y="4906375"/>
+            <a:off x="5571753" y="4677775"/>
             <a:ext cx="703740" cy="285783"/>
           </a:xfrm>
           <a:prstGeom prst="rect">
@@ -12762,7 +12762,7 @@
         </p:nvSpPr>
         <p:spPr>
           <a:xfrm>
-            <a:off x="5411051" y="4495800"/>
+            <a:off x="4733553" y="4267200"/>
             <a:ext cx="881679" cy="285783"/>
           </a:xfrm>
           <a:prstGeom prst="rect">
@@ -12824,7 +12824,7 @@
         </p:nvSpPr>
         <p:spPr>
           <a:xfrm>
-            <a:off x="6916260" y="5290448"/>
+            <a:off x="6238762" y="5061848"/>
             <a:ext cx="703740" cy="285783"/>
           </a:xfrm>
           <a:prstGeom prst="rect">
@@ -12890,12 +12890,12 @@
         </p:nvCxnSpPr>
         <p:spPr>
           <a:xfrm flipV="1">
-            <a:off x="7620000" y="2144297"/>
-            <a:ext cx="36030" cy="3289043"/>
+            <a:off x="6942502" y="1839497"/>
+            <a:ext cx="713528" cy="3365243"/>
           </a:xfrm>
           <a:prstGeom prst="bentConnector3">
             <a:avLst>
-              <a:gd name="adj1" fmla="val 866278"/>
+              <a:gd name="adj1" fmla="val 138694"/>
             </a:avLst>
           </a:prstGeom>
           <a:ln w="19050">
@@ -12940,12 +12940,12 @@
         </p:nvCxnSpPr>
         <p:spPr>
           <a:xfrm flipV="1">
-            <a:off x="6292730" y="2144297"/>
-            <a:ext cx="1363300" cy="2494395"/>
+            <a:off x="5615232" y="1839497"/>
+            <a:ext cx="2040798" cy="2570595"/>
           </a:xfrm>
           <a:prstGeom prst="bentConnector3">
             <a:avLst>
-              <a:gd name="adj1" fmla="val 120252"/>
+              <a:gd name="adj1" fmla="val 113529"/>
             </a:avLst>
           </a:prstGeom>
           <a:ln w="19050">
@@ -12986,7 +12986,7 @@
         </p:nvSpPr>
         <p:spPr>
           <a:xfrm>
-            <a:off x="7052588" y="1062265"/>
+            <a:off x="7052588" y="757465"/>
             <a:ext cx="189257" cy="178683"/>
           </a:xfrm>
           <a:prstGeom prst="rect">
@@ -13035,7 +13035,7 @@
         </p:nvCxnSpPr>
         <p:spPr>
           <a:xfrm rot="10800000" flipV="1">
-            <a:off x="5138196" y="5040941"/>
+            <a:off x="4460698" y="4812341"/>
             <a:ext cx="874156" cy="1262"/>
           </a:xfrm>
           <a:prstGeom prst="bentConnector3">
@@ -13085,7 +13085,7 @@
         </p:nvCxnSpPr>
         <p:spPr>
           <a:xfrm rot="10800000">
-            <a:off x="4508047" y="5178031"/>
+            <a:off x="3830549" y="4949431"/>
             <a:ext cx="2170344" cy="255308"/>
           </a:xfrm>
           <a:prstGeom prst="bentConnector2">
@@ -13129,7 +13129,7 @@
         </p:nvSpPr>
         <p:spPr>
           <a:xfrm>
-            <a:off x="3877898" y="4906375"/>
+            <a:off x="3200400" y="4677775"/>
             <a:ext cx="1260298" cy="271656"/>
           </a:xfrm>
           <a:prstGeom prst="rect">
@@ -13191,7 +13191,7 @@
         </p:nvSpPr>
         <p:spPr>
           <a:xfrm>
-            <a:off x="6012352" y="4954251"/>
+            <a:off x="5334854" y="4725651"/>
             <a:ext cx="236048" cy="173380"/>
           </a:xfrm>
           <a:prstGeom prst="flowChartDecision">
@@ -13244,7 +13244,7 @@
         </p:nvSpPr>
         <p:spPr>
           <a:xfrm>
-            <a:off x="4270437" y="5262157"/>
+            <a:off x="3592939" y="5033557"/>
             <a:ext cx="189257" cy="178683"/>
           </a:xfrm>
           <a:prstGeom prst="rect">
@@ -13289,7 +13289,7 @@
         </p:nvSpPr>
         <p:spPr>
           <a:xfrm>
-            <a:off x="5220943" y="4837058"/>
+            <a:off x="4543445" y="4608458"/>
             <a:ext cx="189257" cy="178683"/>
           </a:xfrm>
           <a:prstGeom prst="rect">
@@ -13334,7 +13334,7 @@
         </p:nvSpPr>
         <p:spPr>
           <a:xfrm>
-            <a:off x="6678391" y="5346649"/>
+            <a:off x="6000893" y="5118049"/>
             <a:ext cx="236048" cy="173380"/>
           </a:xfrm>
           <a:prstGeom prst="flowChartDecision">
@@ -13387,7 +13387,7 @@
         </p:nvSpPr>
         <p:spPr>
           <a:xfrm rot="5400000" flipV="1">
-            <a:off x="7433016" y="2056535"/>
+            <a:off x="7433016" y="1751735"/>
             <a:ext cx="270504" cy="175523"/>
           </a:xfrm>
           <a:prstGeom prst="triangle">
@@ -13441,7 +13441,7 @@
         </p:nvSpPr>
         <p:spPr>
           <a:xfrm>
-            <a:off x="2680736" y="3009920"/>
+            <a:off x="2680736" y="2705120"/>
             <a:ext cx="1099150" cy="377140"/>
           </a:xfrm>
           <a:prstGeom prst="rect">
@@ -13518,7 +13518,7 @@
         </p:nvSpPr>
         <p:spPr>
           <a:xfrm>
-            <a:off x="1969588" y="3742108"/>
+            <a:off x="1969588" y="3437308"/>
             <a:ext cx="189257" cy="178683"/>
           </a:xfrm>
           <a:prstGeom prst="rect">
@@ -13562,7 +13562,7 @@
         </p:nvCxnSpPr>
         <p:spPr>
           <a:xfrm flipV="1">
-            <a:off x="3968206" y="1889648"/>
+            <a:off x="3968206" y="1584848"/>
             <a:ext cx="861456" cy="1290819"/>
           </a:xfrm>
           <a:prstGeom prst="bentConnector3">
@@ -13609,7 +13609,7 @@
         </p:nvSpPr>
         <p:spPr>
           <a:xfrm>
-            <a:off x="4827831" y="2285979"/>
+            <a:off x="4827831" y="1981179"/>
             <a:ext cx="1156969" cy="476049"/>
           </a:xfrm>
           <a:prstGeom prst="rect">
@@ -13671,7 +13671,7 @@
         </p:nvSpPr>
         <p:spPr>
           <a:xfrm>
-            <a:off x="4836905" y="2847146"/>
+            <a:off x="4836905" y="2542346"/>
             <a:ext cx="1156969" cy="476049"/>
           </a:xfrm>
           <a:prstGeom prst="rect">
@@ -13733,7 +13733,7 @@
         </p:nvSpPr>
         <p:spPr>
           <a:xfrm>
-            <a:off x="4836905" y="3410151"/>
+            <a:off x="4836905" y="3105351"/>
             <a:ext cx="1156969" cy="476049"/>
           </a:xfrm>
           <a:prstGeom prst="rect">
@@ -13799,7 +13799,7 @@
         </p:nvCxnSpPr>
         <p:spPr>
           <a:xfrm>
-            <a:off x="4153221" y="2081272"/>
+            <a:off x="4153221" y="1776472"/>
             <a:ext cx="683684" cy="1566904"/>
           </a:xfrm>
           <a:prstGeom prst="bentConnector3">
@@ -13849,7 +13849,7 @@
         </p:nvCxnSpPr>
         <p:spPr>
           <a:xfrm>
-            <a:off x="4153221" y="2081272"/>
+            <a:off x="4153221" y="1776472"/>
             <a:ext cx="683684" cy="1003899"/>
           </a:xfrm>
           <a:prstGeom prst="bentConnector3">
@@ -13898,7 +13898,7 @@
         </p:nvCxnSpPr>
         <p:spPr>
           <a:xfrm>
-            <a:off x="4153221" y="2081272"/>
+            <a:off x="4153221" y="1776472"/>
             <a:ext cx="687855" cy="322151"/>
           </a:xfrm>
           <a:prstGeom prst="bentConnector3">
@@ -13944,7 +13944,7 @@
         </p:nvSpPr>
         <p:spPr>
           <a:xfrm>
-            <a:off x="4582923" y="2183517"/>
+            <a:off x="4582923" y="1878717"/>
             <a:ext cx="189257" cy="178683"/>
           </a:xfrm>
           <a:prstGeom prst="rect">
@@ -13989,7 +13989,7 @@
         </p:nvSpPr>
         <p:spPr>
           <a:xfrm>
-            <a:off x="4582922" y="2891640"/>
+            <a:off x="4582922" y="2586840"/>
             <a:ext cx="189257" cy="178683"/>
           </a:xfrm>
           <a:prstGeom prst="rect">
@@ -14034,7 +14034,7 @@
         </p:nvSpPr>
         <p:spPr>
           <a:xfrm>
-            <a:off x="4575940" y="3422425"/>
+            <a:off x="4575940" y="3117625"/>
             <a:ext cx="189257" cy="178683"/>
           </a:xfrm>
           <a:prstGeom prst="rect">
@@ -14081,7 +14081,7 @@
         </p:nvCxnSpPr>
         <p:spPr>
           <a:xfrm>
-            <a:off x="3963174" y="3181011"/>
+            <a:off x="3963174" y="2876211"/>
             <a:ext cx="864657" cy="561097"/>
           </a:xfrm>
           <a:prstGeom prst="bentConnector3">
@@ -14128,7 +14128,7 @@
         </p:nvSpPr>
         <p:spPr>
           <a:xfrm>
-            <a:off x="6011342" y="3568728"/>
+            <a:off x="6011342" y="3263928"/>
             <a:ext cx="236048" cy="173380"/>
           </a:xfrm>
           <a:prstGeom prst="flowChartDecision">
@@ -14183,7 +14183,7 @@
         </p:nvCxnSpPr>
         <p:spPr>
           <a:xfrm flipV="1">
-            <a:off x="6247390" y="2155148"/>
+            <a:off x="6247390" y="1850348"/>
             <a:ext cx="281780" cy="1500270"/>
           </a:xfrm>
           <a:prstGeom prst="bentConnector3">
@@ -14227,7 +14227,7 @@
         </p:nvSpPr>
         <p:spPr>
           <a:xfrm>
-            <a:off x="6011146" y="3001177"/>
+            <a:off x="6011146" y="2696377"/>
             <a:ext cx="236048" cy="173380"/>
           </a:xfrm>
           <a:prstGeom prst="flowChartDecision">
@@ -14282,7 +14282,7 @@
         </p:nvCxnSpPr>
         <p:spPr>
           <a:xfrm flipV="1">
-            <a:off x="6247194" y="2155148"/>
+            <a:off x="6247194" y="1850348"/>
             <a:ext cx="281976" cy="932719"/>
           </a:xfrm>
           <a:prstGeom prst="bentConnector3">
@@ -14326,7 +14326,7 @@
         </p:nvSpPr>
         <p:spPr>
           <a:xfrm>
-            <a:off x="5999067" y="2443393"/>
+            <a:off x="5999067" y="2138593"/>
             <a:ext cx="236048" cy="173380"/>
           </a:xfrm>
           <a:prstGeom prst="flowChartDecision">
@@ -14381,7 +14381,7 @@
         </p:nvCxnSpPr>
         <p:spPr>
           <a:xfrm flipV="1">
-            <a:off x="6235115" y="2155148"/>
+            <a:off x="6235115" y="1850348"/>
             <a:ext cx="294055" cy="374935"/>
           </a:xfrm>
           <a:prstGeom prst="bentConnector3">
@@ -14425,7 +14425,7 @@
         </p:nvSpPr>
         <p:spPr>
           <a:xfrm>
-            <a:off x="3218128" y="1602759"/>
+            <a:off x="3218128" y="1297959"/>
             <a:ext cx="270504" cy="175523"/>
           </a:xfrm>
           <a:prstGeom prst="triangle">
@@ -14478,7 +14478,7 @@
         </p:nvSpPr>
         <p:spPr>
           <a:xfrm rot="16200000">
-            <a:off x="4681253" y="4138517"/>
+            <a:off x="4681253" y="3833717"/>
             <a:ext cx="270504" cy="175523"/>
           </a:xfrm>
           <a:prstGeom prst="triangle">
@@ -14531,7 +14531,7 @@
         </p:nvSpPr>
         <p:spPr>
           <a:xfrm rot="5400000" flipV="1">
-            <a:off x="3745192" y="3092705"/>
+            <a:off x="3745192" y="2787905"/>
             <a:ext cx="270504" cy="175523"/>
           </a:xfrm>
           <a:prstGeom prst="triangle">
@@ -14589,7 +14589,7 @@
         </p:nvCxnSpPr>
         <p:spPr>
           <a:xfrm rot="5400000">
-            <a:off x="5005678" y="2227118"/>
+            <a:off x="5005678" y="1922318"/>
             <a:ext cx="1897751" cy="2100571"/>
           </a:xfrm>
           <a:prstGeom prst="bentConnector2">
@@ -14637,7 +14637,7 @@
         </p:nvCxnSpPr>
         <p:spPr>
           <a:xfrm>
-            <a:off x="3968206" y="3180467"/>
+            <a:off x="3968206" y="2875667"/>
             <a:ext cx="859625" cy="544"/>
           </a:xfrm>
           <a:prstGeom prst="bentConnector3">
@@ -14684,7 +14684,7 @@
         </p:nvSpPr>
         <p:spPr>
           <a:xfrm>
-            <a:off x="1640299" y="3958394"/>
+            <a:off x="1640299" y="3653594"/>
             <a:ext cx="1146688" cy="535027"/>
           </a:xfrm>
           <a:prstGeom prst="rect">
@@ -14774,7 +14774,7 @@
         </p:nvCxnSpPr>
         <p:spPr>
           <a:xfrm>
-            <a:off x="2786987" y="4225908"/>
+            <a:off x="2786987" y="3921108"/>
             <a:ext cx="896373" cy="372"/>
           </a:xfrm>
           <a:prstGeom prst="bentConnector3">
@@ -14821,7 +14821,7 @@
         </p:nvSpPr>
         <p:spPr>
           <a:xfrm>
-            <a:off x="3414059" y="4038600"/>
+            <a:off x="3414059" y="3733800"/>
             <a:ext cx="189257" cy="178683"/>
           </a:xfrm>
           <a:prstGeom prst="rect">
@@ -14864,7 +14864,7 @@
         </p:nvCxnSpPr>
         <p:spPr>
           <a:xfrm flipV="1">
-            <a:off x="3968206" y="2695332"/>
+            <a:off x="3968206" y="2390532"/>
             <a:ext cx="856620" cy="485135"/>
           </a:xfrm>
           <a:prstGeom prst="bentConnector3">
@@ -14911,7 +14911,7 @@
         </p:nvSpPr>
         <p:spPr>
           <a:xfrm>
-            <a:off x="4648560" y="5641218"/>
+            <a:off x="6898746" y="5520537"/>
             <a:ext cx="1099150" cy="377140"/>
           </a:xfrm>
           <a:prstGeom prst="rect">
@@ -14983,8 +14983,8 @@
           <p:nvPr/>
         </p:nvSpPr>
         <p:spPr>
-          <a:xfrm rot="5400000" flipV="1">
-            <a:off x="5719131" y="5737901"/>
+          <a:xfrm rot="16200000" flipV="1">
+            <a:off x="6675732" y="5617006"/>
             <a:ext cx="270504" cy="175523"/>
           </a:xfrm>
           <a:prstGeom prst="triangle">
@@ -15044,9 +15044,9 @@
           <p:nvPr/>
         </p:nvCxnSpPr>
         <p:spPr>
-          <a:xfrm flipV="1">
-            <a:off x="5942145" y="5192158"/>
-            <a:ext cx="658976" cy="633505"/>
+          <a:xfrm rot="10800000">
+            <a:off x="5923623" y="4963558"/>
+            <a:ext cx="799600" cy="741210"/>
           </a:xfrm>
           <a:prstGeom prst="bentConnector2">
             <a:avLst/>
@@ -15093,9 +15093,187 @@
           <p:nvPr/>
         </p:nvCxnSpPr>
         <p:spPr>
+          <a:xfrm rot="10800000">
+            <a:off x="6590633" y="5347632"/>
+            <a:ext cx="132591" cy="357137"/>
+          </a:xfrm>
+          <a:prstGeom prst="bentConnector2">
+            <a:avLst/>
+          </a:prstGeom>
+          <a:ln w="19050">
+            <a:solidFill>
+              <a:srgbClr val="7030A0"/>
+            </a:solidFill>
+            <a:prstDash val="sysDot"/>
+            <a:headEnd type="none" w="med" len="med"/>
+            <a:tailEnd type="none" w="med" len="med"/>
+          </a:ln>
+          <a:effectLst/>
+        </p:spPr>
+        <p:style>
+          <a:lnRef idx="1">
+            <a:schemeClr val="accent2"/>
+          </a:lnRef>
+          <a:fillRef idx="2">
+            <a:schemeClr val="accent2"/>
+          </a:fillRef>
+          <a:effectRef idx="1">
+            <a:schemeClr val="accent2"/>
+          </a:effectRef>
+          <a:fontRef idx="minor">
+            <a:schemeClr val="dk1"/>
+          </a:fontRef>
+        </p:style>
+      </p:cxnSp>
+      <p:sp>
+        <p:nvSpPr>
+          <p:cNvPr id="90" name="Rectangle 8">
+            <a:extLst>
+              <a:ext uri="{FF2B5EF4-FFF2-40B4-BE49-F238E27FC236}">
+                <a16:creationId xmlns:a16="http://schemas.microsoft.com/office/drawing/2014/main" id="{B237C62A-9ED3-453C-92A3-B6ADA425158D}"/>
+              </a:ext>
+            </a:extLst>
+          </p:cNvPr>
+          <p:cNvSpPr/>
+          <p:nvPr/>
+        </p:nvSpPr>
+        <p:spPr>
+          <a:xfrm>
+            <a:off x="4023346" y="5520537"/>
+            <a:ext cx="1099150" cy="377140"/>
+          </a:xfrm>
+          <a:prstGeom prst="rect">
+            <a:avLst/>
+          </a:prstGeom>
+          <a:ln w="19050">
+            <a:solidFill>
+              <a:srgbClr val="7030A0"/>
+            </a:solidFill>
+          </a:ln>
+          <a:effectLst/>
+        </p:spPr>
+        <p:style>
+          <a:lnRef idx="1">
+            <a:schemeClr val="accent4"/>
+          </a:lnRef>
+          <a:fillRef idx="2">
+            <a:schemeClr val="accent4"/>
+          </a:fillRef>
+          <a:effectRef idx="1">
+            <a:schemeClr val="accent4"/>
+          </a:effectRef>
+          <a:fontRef idx="minor">
+            <a:schemeClr val="dk1"/>
+          </a:fontRef>
+        </p:style>
+        <p:txBody>
+          <a:bodyPr rtlCol="0" anchor="ctr"/>
+          <a:lstStyle/>
+          <a:p>
+            <a:pPr algn="ctr"/>
+            <a:r>
+              <a:rPr lang="en-US" sz="1050" dirty="0">
+                <a:solidFill>
+                  <a:srgbClr val="7030A0"/>
+                </a:solidFill>
+              </a:rPr>
+              <a:t>&lt;&lt;interface&gt;&gt;</a:t>
+            </a:r>
+          </a:p>
+          <a:p>
+            <a:pPr algn="ctr"/>
+            <a:r>
+              <a:rPr lang="en-US" sz="1050" dirty="0" err="1">
+                <a:solidFill>
+                  <a:srgbClr val="7030A0"/>
+                </a:solidFill>
+              </a:rPr>
+              <a:t>OverlapCapable</a:t>
+            </a:r>
+            <a:endParaRPr lang="en-SG" sz="1050" dirty="0">
+              <a:solidFill>
+                <a:srgbClr val="7030A0"/>
+              </a:solidFill>
+            </a:endParaRPr>
+          </a:p>
+        </p:txBody>
+      </p:sp>
+      <p:sp>
+        <p:nvSpPr>
+          <p:cNvPr id="91" name="Isosceles Triangle 102">
+            <a:extLst>
+              <a:ext uri="{FF2B5EF4-FFF2-40B4-BE49-F238E27FC236}">
+                <a16:creationId xmlns:a16="http://schemas.microsoft.com/office/drawing/2014/main" id="{AEC96466-6293-4A32-A72F-968FA5D0B965}"/>
+              </a:ext>
+            </a:extLst>
+          </p:cNvPr>
+          <p:cNvSpPr/>
+          <p:nvPr/>
+        </p:nvSpPr>
+        <p:spPr>
+          <a:xfrm rot="5400000" flipV="1">
+            <a:off x="5093918" y="5626206"/>
+            <a:ext cx="270504" cy="175523"/>
+          </a:xfrm>
+          <a:prstGeom prst="triangle">
+            <a:avLst/>
+          </a:prstGeom>
+          <a:solidFill>
+            <a:srgbClr val="7030A0"/>
+          </a:solidFill>
+          <a:ln w="19050">
+            <a:solidFill>
+              <a:srgbClr val="7030A0"/>
+            </a:solidFill>
+          </a:ln>
+          <a:effectLst/>
+        </p:spPr>
+        <p:style>
+          <a:lnRef idx="1">
+            <a:schemeClr val="accent4"/>
+          </a:lnRef>
+          <a:fillRef idx="2">
+            <a:schemeClr val="accent4"/>
+          </a:fillRef>
+          <a:effectRef idx="1">
+            <a:schemeClr val="accent4"/>
+          </a:effectRef>
+          <a:fontRef idx="minor">
+            <a:schemeClr val="dk1"/>
+          </a:fontRef>
+        </p:style>
+        <p:txBody>
+          <a:bodyPr rtlCol="0" anchor="ctr"/>
+          <a:lstStyle/>
+          <a:p>
+            <a:pPr algn="ctr"/>
+            <a:endParaRPr lang="en-SG" sz="1050" b="1">
+              <a:solidFill>
+                <a:srgbClr val="92D050"/>
+              </a:solidFill>
+            </a:endParaRPr>
+          </a:p>
+        </p:txBody>
+      </p:sp>
+      <p:cxnSp>
+        <p:nvCxnSpPr>
+          <p:cNvPr id="92" name="Elbow Connector 63">
+            <a:extLst>
+              <a:ext uri="{FF2B5EF4-FFF2-40B4-BE49-F238E27FC236}">
+                <a16:creationId xmlns:a16="http://schemas.microsoft.com/office/drawing/2014/main" id="{941E4349-EB7B-4469-B2AC-57D95BE7193F}"/>
+              </a:ext>
+            </a:extLst>
+          </p:cNvPr>
+          <p:cNvCxnSpPr>
+            <a:cxnSpLocks/>
+            <a:stCxn id="91" idx="3"/>
+          </p:cNvCxnSpPr>
+          <p:nvPr/>
+        </p:nvCxnSpPr>
+        <p:spPr>
           <a:xfrm flipV="1">
-            <a:off x="5942145" y="5576231"/>
-            <a:ext cx="1325985" cy="249432"/>
+            <a:off x="5316932" y="4963558"/>
+            <a:ext cx="472573" cy="750410"/>
           </a:xfrm>
           <a:prstGeom prst="bentConnector2">
             <a:avLst/>

--- a/docs/diagrams/ModelComponentClassDiagram.pptx
+++ b/docs/diagrams/ModelComponentClassDiagram.pptx
@@ -5,13 +5,12 @@
     <p:sldMasterId id="2147483648" r:id="rId1"/>
   </p:sldMasterIdLst>
   <p:notesMasterIdLst>
-    <p:notesMasterId r:id="rId6"/>
+    <p:notesMasterId r:id="rId5"/>
   </p:notesMasterIdLst>
   <p:sldIdLst>
     <p:sldId id="265" r:id="rId2"/>
-    <p:sldId id="267" r:id="rId3"/>
-    <p:sldId id="268" r:id="rId4"/>
-    <p:sldId id="269" r:id="rId5"/>
+    <p:sldId id="268" r:id="rId3"/>
+    <p:sldId id="269" r:id="rId4"/>
   </p:sldIdLst>
   <p:sldSz cx="9144000" cy="6858000" type="screen4x3"/>
   <p:notesSz cx="6858000" cy="9144000"/>
@@ -215,7 +214,7 @@
           <a:p>
             <a:fld id="{F5CC4B3F-88C1-4FFA-B1B6-F41C21DC6924}" type="datetimeFigureOut">
               <a:rPr lang="en-US" smtClean="0"/>
-              <a:t>7/18/2017</a:t>
+              <a:t>7/23/2017</a:t>
             </a:fld>
             <a:endParaRPr lang="en-US"/>
           </a:p>
@@ -661,7 +660,7 @@
           <a:p>
             <a:fld id="{78C97017-6FC3-485B-9764-EAC9E56C1D49}" type="datetimeFigureOut">
               <a:rPr lang="en-US" smtClean="0"/>
-              <a:t>7/18/2017</a:t>
+              <a:t>7/23/2017</a:t>
             </a:fld>
             <a:endParaRPr lang="en-US"/>
           </a:p>
@@ -829,7 +828,7 @@
           <a:p>
             <a:fld id="{78C97017-6FC3-485B-9764-EAC9E56C1D49}" type="datetimeFigureOut">
               <a:rPr lang="en-US" smtClean="0"/>
-              <a:t>7/18/2017</a:t>
+              <a:t>7/23/2017</a:t>
             </a:fld>
             <a:endParaRPr lang="en-US"/>
           </a:p>
@@ -1007,7 +1006,7 @@
           <a:p>
             <a:fld id="{78C97017-6FC3-485B-9764-EAC9E56C1D49}" type="datetimeFigureOut">
               <a:rPr lang="en-US" smtClean="0"/>
-              <a:t>7/18/2017</a:t>
+              <a:t>7/23/2017</a:t>
             </a:fld>
             <a:endParaRPr lang="en-US"/>
           </a:p>
@@ -1175,7 +1174,7 @@
           <a:p>
             <a:fld id="{78C97017-6FC3-485B-9764-EAC9E56C1D49}" type="datetimeFigureOut">
               <a:rPr lang="en-US" smtClean="0"/>
-              <a:t>7/18/2017</a:t>
+              <a:t>7/23/2017</a:t>
             </a:fld>
             <a:endParaRPr lang="en-US"/>
           </a:p>
@@ -1420,7 +1419,7 @@
           <a:p>
             <a:fld id="{78C97017-6FC3-485B-9764-EAC9E56C1D49}" type="datetimeFigureOut">
               <a:rPr lang="en-US" smtClean="0"/>
-              <a:t>7/18/2017</a:t>
+              <a:t>7/23/2017</a:t>
             </a:fld>
             <a:endParaRPr lang="en-US"/>
           </a:p>
@@ -1705,7 +1704,7 @@
           <a:p>
             <a:fld id="{78C97017-6FC3-485B-9764-EAC9E56C1D49}" type="datetimeFigureOut">
               <a:rPr lang="en-US" smtClean="0"/>
-              <a:t>7/18/2017</a:t>
+              <a:t>7/23/2017</a:t>
             </a:fld>
             <a:endParaRPr lang="en-US"/>
           </a:p>
@@ -2124,7 +2123,7 @@
           <a:p>
             <a:fld id="{78C97017-6FC3-485B-9764-EAC9E56C1D49}" type="datetimeFigureOut">
               <a:rPr lang="en-US" smtClean="0"/>
-              <a:t>7/18/2017</a:t>
+              <a:t>7/23/2017</a:t>
             </a:fld>
             <a:endParaRPr lang="en-US"/>
           </a:p>
@@ -2241,7 +2240,7 @@
           <a:p>
             <a:fld id="{78C97017-6FC3-485B-9764-EAC9E56C1D49}" type="datetimeFigureOut">
               <a:rPr lang="en-US" smtClean="0"/>
-              <a:t>7/18/2017</a:t>
+              <a:t>7/23/2017</a:t>
             </a:fld>
             <a:endParaRPr lang="en-US"/>
           </a:p>
@@ -2336,7 +2335,7 @@
           <a:p>
             <a:fld id="{78C97017-6FC3-485B-9764-EAC9E56C1D49}" type="datetimeFigureOut">
               <a:rPr lang="en-US" smtClean="0"/>
-              <a:t>7/18/2017</a:t>
+              <a:t>7/23/2017</a:t>
             </a:fld>
             <a:endParaRPr lang="en-US"/>
           </a:p>
@@ -2611,7 +2610,7 @@
           <a:p>
             <a:fld id="{78C97017-6FC3-485B-9764-EAC9E56C1D49}" type="datetimeFigureOut">
               <a:rPr lang="en-US" smtClean="0"/>
-              <a:t>7/18/2017</a:t>
+              <a:t>7/23/2017</a:t>
             </a:fld>
             <a:endParaRPr lang="en-US"/>
           </a:p>
@@ -2863,7 +2862,7 @@
           <a:p>
             <a:fld id="{78C97017-6FC3-485B-9764-EAC9E56C1D49}" type="datetimeFigureOut">
               <a:rPr lang="en-US" smtClean="0"/>
-              <a:t>7/18/2017</a:t>
+              <a:t>7/23/2017</a:t>
             </a:fld>
             <a:endParaRPr lang="en-US"/>
           </a:p>
@@ -3074,7 +3073,7 @@
           <a:p>
             <a:fld id="{78C97017-6FC3-485B-9764-EAC9E56C1D49}" type="datetimeFigureOut">
               <a:rPr lang="en-US" smtClean="0"/>
-              <a:t>7/18/2017</a:t>
+              <a:t>7/23/2017</a:t>
             </a:fld>
             <a:endParaRPr lang="en-US"/>
           </a:p>
@@ -5966,8 +5965,8 @@
         </p:nvSpPr>
         <p:spPr>
           <a:xfrm>
-            <a:off x="990600" y="533400"/>
-            <a:ext cx="7239000" cy="6096000"/>
+            <a:off x="990600" y="457200"/>
+            <a:ext cx="7239000" cy="5867400"/>
           </a:xfrm>
           <a:prstGeom prst="roundRect">
             <a:avLst>
@@ -6027,7 +6026,7 @@
         </p:nvSpPr>
         <p:spPr>
           <a:xfrm>
-            <a:off x="2806563" y="2499876"/>
+            <a:off x="2806563" y="2423676"/>
             <a:ext cx="1093635" cy="346760"/>
           </a:xfrm>
           <a:prstGeom prst="rect">
@@ -6086,7 +6085,7 @@
         </p:nvSpPr>
         <p:spPr>
           <a:xfrm rot="16200000">
-            <a:off x="1666826" y="2210123"/>
+            <a:off x="1666826" y="2133923"/>
             <a:ext cx="1093635" cy="346760"/>
           </a:xfrm>
           <a:prstGeom prst="rect">
@@ -6143,17 +6142,19 @@
           <p:cNvCxnSpPr>
             <a:cxnSpLocks/>
             <a:stCxn id="9" idx="1"/>
-            <a:endCxn id="72" idx="1"/>
+            <a:endCxn id="126" idx="0"/>
           </p:cNvCxnSpPr>
           <p:nvPr/>
         </p:nvCxnSpPr>
         <p:spPr>
-          <a:xfrm rot="16200000" flipH="1">
-            <a:off x="1436746" y="3707218"/>
-            <a:ext cx="2230299" cy="676503"/>
-          </a:xfrm>
-          <a:prstGeom prst="bentConnector2">
-            <a:avLst/>
+          <a:xfrm rot="5400000">
+            <a:off x="1661508" y="3406257"/>
+            <a:ext cx="1104273" cy="1"/>
+          </a:xfrm>
+          <a:prstGeom prst="bentConnector3">
+            <a:avLst>
+              <a:gd name="adj1" fmla="val 50000"/>
+            </a:avLst>
           </a:prstGeom>
           <a:ln w="19050">
             <a:solidFill>
@@ -6188,7 +6189,7 @@
         </p:nvSpPr>
         <p:spPr>
           <a:xfrm rot="16200000">
-            <a:off x="939065" y="2202638"/>
+            <a:off x="939065" y="2126438"/>
             <a:ext cx="1093635" cy="346760"/>
           </a:xfrm>
           <a:prstGeom prst="rect">
@@ -6258,7 +6259,7 @@
         </p:nvSpPr>
         <p:spPr>
           <a:xfrm rot="16200000">
-            <a:off x="1609773" y="2293727"/>
+            <a:off x="1609773" y="2217527"/>
             <a:ext cx="270504" cy="175523"/>
           </a:xfrm>
           <a:prstGeom prst="triangle">
@@ -6308,7 +6309,7 @@
         </p:nvCxnSpPr>
         <p:spPr>
           <a:xfrm>
-            <a:off x="2639233" y="2667972"/>
+            <a:off x="2639233" y="2591772"/>
             <a:ext cx="167330" cy="5284"/>
           </a:xfrm>
           <a:prstGeom prst="straightConnector1">
@@ -6348,7 +6349,7 @@
         </p:nvCxnSpPr>
         <p:spPr>
           <a:xfrm>
-            <a:off x="1038789" y="2383503"/>
+            <a:off x="1038789" y="2307303"/>
             <a:ext cx="273713" cy="846"/>
           </a:xfrm>
           <a:prstGeom prst="bentConnector3">
@@ -6393,7 +6394,7 @@
         </p:nvCxnSpPr>
         <p:spPr>
           <a:xfrm flipV="1">
-            <a:off x="1832787" y="2381488"/>
+            <a:off x="1832787" y="2305288"/>
             <a:ext cx="216105" cy="1"/>
           </a:xfrm>
           <a:prstGeom prst="line">
@@ -6432,7 +6433,7 @@
         </p:nvSpPr>
         <p:spPr>
           <a:xfrm>
-            <a:off x="2403185" y="2581282"/>
+            <a:off x="2403185" y="2505082"/>
             <a:ext cx="236048" cy="173380"/>
           </a:xfrm>
           <a:prstGeom prst="flowChartDecision">
@@ -6477,7 +6478,7 @@
         </p:nvSpPr>
         <p:spPr>
           <a:xfrm>
-            <a:off x="2808873" y="1968856"/>
+            <a:off x="2808873" y="1892656"/>
             <a:ext cx="1093635" cy="346760"/>
           </a:xfrm>
           <a:prstGeom prst="rect">
@@ -6536,7 +6537,7 @@
         </p:nvCxnSpPr>
         <p:spPr>
           <a:xfrm>
-            <a:off x="2641543" y="2136952"/>
+            <a:off x="2641543" y="2060752"/>
             <a:ext cx="167330" cy="5284"/>
           </a:xfrm>
           <a:prstGeom prst="straightConnector1">
@@ -6574,7 +6575,7 @@
         </p:nvSpPr>
         <p:spPr>
           <a:xfrm>
-            <a:off x="2405495" y="2050262"/>
+            <a:off x="2405495" y="1974062"/>
             <a:ext cx="236048" cy="173380"/>
           </a:xfrm>
           <a:prstGeom prst="flowChartDecision">
@@ -6619,7 +6620,7 @@
         </p:nvSpPr>
         <p:spPr>
           <a:xfrm>
-            <a:off x="4829662" y="1708053"/>
+            <a:off x="4829662" y="1631853"/>
             <a:ext cx="1156969" cy="515590"/>
           </a:xfrm>
           <a:prstGeom prst="rect">
@@ -6657,7 +6658,7 @@
                   <a:srgbClr val="7030A0"/>
                 </a:solidFill>
               </a:rPr>
-              <a:t>ActiveList</a:t>
+              <a:t>MiscEntryList</a:t>
             </a:r>
             <a:endParaRPr lang="en-SG" sz="1050" dirty="0">
               <a:solidFill>
@@ -6675,7 +6676,7 @@
         </p:nvSpPr>
         <p:spPr>
           <a:xfrm>
-            <a:off x="3917173" y="2070782"/>
+            <a:off x="3917173" y="1994582"/>
             <a:ext cx="236048" cy="173380"/>
           </a:xfrm>
           <a:prstGeom prst="flowChartDecision">
@@ -6725,7 +6726,7 @@
         </p:nvCxnSpPr>
         <p:spPr>
           <a:xfrm flipV="1">
-            <a:off x="4153221" y="1815473"/>
+            <a:off x="4153221" y="1739273"/>
             <a:ext cx="678824" cy="341999"/>
           </a:xfrm>
           <a:prstGeom prst="bentConnector3">
@@ -6763,7 +6764,7 @@
         </p:nvSpPr>
         <p:spPr>
           <a:xfrm>
-            <a:off x="4832045" y="1267964"/>
+            <a:off x="4832045" y="1191764"/>
             <a:ext cx="1156969" cy="346760"/>
           </a:xfrm>
           <a:prstGeom prst="rect">
@@ -6823,7 +6824,7 @@
         </p:nvCxnSpPr>
         <p:spPr>
           <a:xfrm flipV="1">
-            <a:off x="4153221" y="1441344"/>
+            <a:off x="4153221" y="1365144"/>
             <a:ext cx="678824" cy="716128"/>
           </a:xfrm>
           <a:prstGeom prst="bentConnector3">
@@ -6863,7 +6864,7 @@
         </p:nvSpPr>
         <p:spPr>
           <a:xfrm>
-            <a:off x="6529170" y="2057967"/>
+            <a:off x="6529170" y="1981767"/>
             <a:ext cx="951336" cy="346761"/>
           </a:xfrm>
           <a:prstGeom prst="rect">
@@ -6925,7 +6926,7 @@
         </p:nvSpPr>
         <p:spPr>
           <a:xfrm>
-            <a:off x="5994896" y="1905425"/>
+            <a:off x="5994896" y="1829225"/>
             <a:ext cx="236048" cy="173380"/>
           </a:xfrm>
           <a:prstGeom prst="flowChartDecision">
@@ -6974,7 +6975,7 @@
         </p:nvCxnSpPr>
         <p:spPr>
           <a:xfrm>
-            <a:off x="6230944" y="1992115"/>
+            <a:off x="6230944" y="1915915"/>
             <a:ext cx="298226" cy="239233"/>
           </a:xfrm>
           <a:prstGeom prst="bentConnector3">
@@ -7012,7 +7013,7 @@
         </p:nvSpPr>
         <p:spPr>
           <a:xfrm>
-            <a:off x="5705589" y="796727"/>
+            <a:off x="5705589" y="720527"/>
             <a:ext cx="483700" cy="346760"/>
           </a:xfrm>
           <a:prstGeom prst="rect">
@@ -7068,7 +7069,7 @@
         </p:nvSpPr>
         <p:spPr>
           <a:xfrm rot="16200000">
-            <a:off x="5291150" y="1053935"/>
+            <a:off x="5291150" y="977735"/>
             <a:ext cx="236048" cy="173380"/>
           </a:xfrm>
           <a:prstGeom prst="flowChartDecision">
@@ -7116,7 +7117,7 @@
         </p:nvCxnSpPr>
         <p:spPr>
           <a:xfrm rot="5400000" flipH="1" flipV="1">
-            <a:off x="5531134" y="848147"/>
+            <a:off x="5531134" y="771947"/>
             <a:ext cx="52494" cy="296415"/>
           </a:xfrm>
           <a:prstGeom prst="bentConnector2">
@@ -7154,7 +7155,7 @@
         </p:nvSpPr>
         <p:spPr>
           <a:xfrm>
-            <a:off x="2890147" y="4987240"/>
+            <a:off x="3683360" y="4052900"/>
             <a:ext cx="1045383" cy="346760"/>
           </a:xfrm>
           <a:prstGeom prst="rect">
@@ -7225,7 +7226,7 @@
         </p:nvSpPr>
         <p:spPr>
           <a:xfrm>
-            <a:off x="6641977" y="838200"/>
+            <a:off x="6641977" y="762000"/>
             <a:ext cx="708186" cy="285783"/>
           </a:xfrm>
           <a:prstGeom prst="rect">
@@ -7281,7 +7282,7 @@
         </p:nvSpPr>
         <p:spPr>
           <a:xfrm rot="16200000">
-            <a:off x="6878045" y="1833175"/>
+            <a:off x="6878045" y="1756975"/>
             <a:ext cx="236048" cy="173380"/>
           </a:xfrm>
           <a:prstGeom prst="flowChartDecision">
@@ -7332,7 +7333,7 @@
         </p:nvCxnSpPr>
         <p:spPr>
           <a:xfrm rot="5400000" flipH="1" flipV="1">
-            <a:off x="6657140" y="1462912"/>
+            <a:off x="6657140" y="1386712"/>
             <a:ext cx="677858" cy="1"/>
           </a:xfrm>
           <a:prstGeom prst="bentConnector3">
@@ -7376,7 +7377,7 @@
         </p:nvCxnSpPr>
         <p:spPr>
           <a:xfrm rot="16200000" flipH="1">
-            <a:off x="3297348" y="1910513"/>
+            <a:off x="3297348" y="1834313"/>
             <a:ext cx="114374" cy="2311"/>
           </a:xfrm>
           <a:prstGeom prst="bentConnector3">
@@ -7417,7 +7418,7 @@
         </p:nvSpPr>
         <p:spPr>
           <a:xfrm>
-            <a:off x="2589686" y="1329640"/>
+            <a:off x="2589686" y="1253440"/>
             <a:ext cx="1539926" cy="346760"/>
           </a:xfrm>
           <a:prstGeom prst="rect">
@@ -7482,52 +7483,13 @@
       </p:sp>
       <p:sp>
         <p:nvSpPr>
-          <p:cNvPr id="114" name="TextBox 113"/>
-          <p:cNvSpPr txBox="1"/>
-          <p:nvPr/>
-        </p:nvSpPr>
-        <p:spPr>
-          <a:xfrm rot="16200000">
-            <a:off x="1642329" y="3990865"/>
-            <a:ext cx="881018" cy="261610"/>
-          </a:xfrm>
-          <a:prstGeom prst="rect">
-            <a:avLst/>
-          </a:prstGeom>
-          <a:noFill/>
-        </p:spPr>
-        <p:txBody>
-          <a:bodyPr wrap="square" rtlCol="0">
-            <a:spAutoFit/>
-          </a:bodyPr>
-          <a:lstStyle/>
-          <a:p>
-            <a:pPr algn="r"/>
-            <a:r>
-              <a:rPr lang="en-US" sz="1100" dirty="0">
-                <a:solidFill>
-                  <a:srgbClr val="7030A0"/>
-                </a:solidFill>
-              </a:rPr>
-              <a:t>filtered list</a:t>
-            </a:r>
-            <a:endParaRPr lang="en-SG" sz="1100" dirty="0">
-              <a:solidFill>
-                <a:srgbClr val="7030A0"/>
-              </a:solidFill>
-            </a:endParaRPr>
-          </a:p>
-        </p:txBody>
-      </p:sp>
-      <p:sp>
-        <p:nvSpPr>
           <p:cNvPr id="122" name="Rectangle 8"/>
           <p:cNvSpPr/>
           <p:nvPr/>
         </p:nvSpPr>
         <p:spPr>
           <a:xfrm>
-            <a:off x="2343612" y="860095"/>
+            <a:off x="2343612" y="783895"/>
             <a:ext cx="1775949" cy="346760"/>
           </a:xfrm>
           <a:prstGeom prst="rect">
@@ -7602,7 +7564,7 @@
         </p:nvCxnSpPr>
         <p:spPr>
           <a:xfrm rot="5400000" flipH="1" flipV="1">
-            <a:off x="1516884" y="1002473"/>
+            <a:off x="1516884" y="926273"/>
             <a:ext cx="795726" cy="857730"/>
           </a:xfrm>
           <a:prstGeom prst="bentConnector2">
@@ -7645,7 +7607,7 @@
         </p:nvCxnSpPr>
         <p:spPr>
           <a:xfrm rot="16200000" flipV="1">
-            <a:off x="6312294" y="1118065"/>
+            <a:off x="6312294" y="1041865"/>
             <a:ext cx="360497" cy="1007055"/>
           </a:xfrm>
           <a:prstGeom prst="bentConnector2">
@@ -7683,7 +7645,7 @@
         </p:nvSpPr>
         <p:spPr>
           <a:xfrm>
-            <a:off x="4564394" y="1224242"/>
+            <a:off x="4564394" y="1148042"/>
             <a:ext cx="189257" cy="178683"/>
           </a:xfrm>
           <a:prstGeom prst="rect">
@@ -7722,7 +7684,41 @@
         </p:nvSpPr>
         <p:spPr>
           <a:xfrm>
-            <a:off x="4573055" y="1624714"/>
+            <a:off x="4573055" y="1548514"/>
+            <a:ext cx="189257" cy="178683"/>
+          </a:xfrm>
+          <a:prstGeom prst="rect">
+            <a:avLst/>
+          </a:prstGeom>
+          <a:noFill/>
+        </p:spPr>
+        <p:txBody>
+          <a:bodyPr wrap="square" lIns="0" tIns="0" rIns="0" bIns="0" rtlCol="0">
+            <a:noAutofit/>
+          </a:bodyPr>
+          <a:lstStyle/>
+          <a:p>
+            <a:pPr algn="ctr"/>
+            <a:r>
+              <a:rPr lang="en-SG" sz="1100" dirty="0">
+                <a:solidFill>
+                  <a:srgbClr val="7030A0"/>
+                </a:solidFill>
+              </a:rPr>
+              <a:t>1</a:t>
+            </a:r>
+          </a:p>
+        </p:txBody>
+      </p:sp>
+      <p:sp>
+        <p:nvSpPr>
+          <p:cNvPr id="56" name="TextBox 55"/>
+          <p:cNvSpPr txBox="1"/>
+          <p:nvPr/>
+        </p:nvSpPr>
+        <p:spPr>
+          <a:xfrm>
+            <a:off x="6059245" y="1406608"/>
             <a:ext cx="189257" cy="178683"/>
           </a:xfrm>
           <a:prstGeom prst="rect">
@@ -7755,13 +7751,91 @@
       </p:sp>
       <p:sp>
         <p:nvSpPr>
-          <p:cNvPr id="56" name="TextBox 55"/>
+          <p:cNvPr id="60" name="TextBox 59"/>
           <p:cNvSpPr txBox="1"/>
           <p:nvPr/>
         </p:nvSpPr>
         <p:spPr>
           <a:xfrm>
-            <a:off x="6059245" y="1482808"/>
+            <a:off x="5506098" y="693336"/>
+            <a:ext cx="189257" cy="178683"/>
+          </a:xfrm>
+          <a:prstGeom prst="rect">
+            <a:avLst/>
+          </a:prstGeom>
+          <a:noFill/>
+        </p:spPr>
+        <p:txBody>
+          <a:bodyPr wrap="square" lIns="0" tIns="0" rIns="0" bIns="0" rtlCol="0">
+            <a:noAutofit/>
+          </a:bodyPr>
+          <a:lstStyle/>
+          <a:p>
+            <a:pPr algn="ctr"/>
+            <a:r>
+              <a:rPr lang="en-US" sz="1100" dirty="0">
+                <a:solidFill>
+                  <a:srgbClr val="7030A0"/>
+                </a:solidFill>
+              </a:rPr>
+              <a:t>*</a:t>
+            </a:r>
+            <a:endParaRPr lang="en-SG" sz="1100" dirty="0">
+              <a:solidFill>
+                <a:srgbClr val="7030A0"/>
+              </a:solidFill>
+            </a:endParaRPr>
+          </a:p>
+        </p:txBody>
+      </p:sp>
+      <p:sp>
+        <p:nvSpPr>
+          <p:cNvPr id="61" name="TextBox 60"/>
+          <p:cNvSpPr txBox="1"/>
+          <p:nvPr/>
+        </p:nvSpPr>
+        <p:spPr>
+          <a:xfrm>
+            <a:off x="6357509" y="1967411"/>
+            <a:ext cx="189257" cy="178683"/>
+          </a:xfrm>
+          <a:prstGeom prst="rect">
+            <a:avLst/>
+          </a:prstGeom>
+          <a:noFill/>
+        </p:spPr>
+        <p:txBody>
+          <a:bodyPr wrap="square" lIns="0" tIns="0" rIns="0" bIns="0" rtlCol="0">
+            <a:noAutofit/>
+          </a:bodyPr>
+          <a:lstStyle/>
+          <a:p>
+            <a:pPr algn="ctr"/>
+            <a:r>
+              <a:rPr lang="en-US" sz="1100" dirty="0">
+                <a:solidFill>
+                  <a:srgbClr val="7030A0"/>
+                </a:solidFill>
+              </a:rPr>
+              <a:t>*</a:t>
+            </a:r>
+            <a:endParaRPr lang="en-SG" sz="1100" dirty="0">
+              <a:solidFill>
+                <a:srgbClr val="7030A0"/>
+              </a:solidFill>
+            </a:endParaRPr>
+          </a:p>
+        </p:txBody>
+      </p:sp>
+      <p:sp>
+        <p:nvSpPr>
+          <p:cNvPr id="65" name="TextBox 64"/>
+          <p:cNvSpPr txBox="1"/>
+          <p:nvPr/>
+        </p:nvSpPr>
+        <p:spPr>
+          <a:xfrm>
+            <a:off x="2617306" y="1829474"/>
             <a:ext cx="189257" cy="178683"/>
           </a:xfrm>
           <a:prstGeom prst="rect">
@@ -7794,130 +7868,13 @@
       </p:sp>
       <p:sp>
         <p:nvSpPr>
-          <p:cNvPr id="60" name="TextBox 59"/>
-          <p:cNvSpPr txBox="1"/>
-          <p:nvPr/>
-        </p:nvSpPr>
-        <p:spPr>
-          <a:xfrm>
-            <a:off x="5506098" y="769536"/>
-            <a:ext cx="189257" cy="178683"/>
-          </a:xfrm>
-          <a:prstGeom prst="rect">
-            <a:avLst/>
-          </a:prstGeom>
-          <a:noFill/>
-        </p:spPr>
-        <p:txBody>
-          <a:bodyPr wrap="square" lIns="0" tIns="0" rIns="0" bIns="0" rtlCol="0">
-            <a:noAutofit/>
-          </a:bodyPr>
-          <a:lstStyle/>
-          <a:p>
-            <a:pPr algn="ctr"/>
-            <a:r>
-              <a:rPr lang="en-US" sz="1100" dirty="0">
-                <a:solidFill>
-                  <a:srgbClr val="7030A0"/>
-                </a:solidFill>
-              </a:rPr>
-              <a:t>*</a:t>
-            </a:r>
-            <a:endParaRPr lang="en-SG" sz="1100" dirty="0">
-              <a:solidFill>
-                <a:srgbClr val="7030A0"/>
-              </a:solidFill>
-            </a:endParaRPr>
-          </a:p>
-        </p:txBody>
-      </p:sp>
-      <p:sp>
-        <p:nvSpPr>
-          <p:cNvPr id="61" name="TextBox 60"/>
-          <p:cNvSpPr txBox="1"/>
-          <p:nvPr/>
-        </p:nvSpPr>
-        <p:spPr>
-          <a:xfrm>
-            <a:off x="6357509" y="2043611"/>
-            <a:ext cx="189257" cy="178683"/>
-          </a:xfrm>
-          <a:prstGeom prst="rect">
-            <a:avLst/>
-          </a:prstGeom>
-          <a:noFill/>
-        </p:spPr>
-        <p:txBody>
-          <a:bodyPr wrap="square" lIns="0" tIns="0" rIns="0" bIns="0" rtlCol="0">
-            <a:noAutofit/>
-          </a:bodyPr>
-          <a:lstStyle/>
-          <a:p>
-            <a:pPr algn="ctr"/>
-            <a:r>
-              <a:rPr lang="en-US" sz="1100" dirty="0">
-                <a:solidFill>
-                  <a:srgbClr val="7030A0"/>
-                </a:solidFill>
-              </a:rPr>
-              <a:t>*</a:t>
-            </a:r>
-            <a:endParaRPr lang="en-SG" sz="1100" dirty="0">
-              <a:solidFill>
-                <a:srgbClr val="7030A0"/>
-              </a:solidFill>
-            </a:endParaRPr>
-          </a:p>
-        </p:txBody>
-      </p:sp>
-      <p:sp>
-        <p:nvSpPr>
-          <p:cNvPr id="65" name="TextBox 64"/>
-          <p:cNvSpPr txBox="1"/>
-          <p:nvPr/>
-        </p:nvSpPr>
-        <p:spPr>
-          <a:xfrm>
-            <a:off x="2617306" y="1905674"/>
-            <a:ext cx="189257" cy="178683"/>
-          </a:xfrm>
-          <a:prstGeom prst="rect">
-            <a:avLst/>
-          </a:prstGeom>
-          <a:noFill/>
-        </p:spPr>
-        <p:txBody>
-          <a:bodyPr wrap="square" lIns="0" tIns="0" rIns="0" bIns="0" rtlCol="0">
-            <a:noAutofit/>
-          </a:bodyPr>
-          <a:lstStyle/>
-          <a:p>
-            <a:pPr algn="ctr"/>
-            <a:r>
-              <a:rPr lang="en-US" sz="1100" dirty="0">
-                <a:solidFill>
-                  <a:srgbClr val="7030A0"/>
-                </a:solidFill>
-              </a:rPr>
-              <a:t>1</a:t>
-            </a:r>
-            <a:endParaRPr lang="en-SG" sz="1100" dirty="0">
-              <a:solidFill>
-                <a:srgbClr val="7030A0"/>
-              </a:solidFill>
-            </a:endParaRPr>
-          </a:p>
-        </p:txBody>
-      </p:sp>
-      <p:sp>
-        <p:nvSpPr>
           <p:cNvPr id="66" name="TextBox 65"/>
           <p:cNvSpPr txBox="1"/>
           <p:nvPr/>
         </p:nvSpPr>
         <p:spPr>
           <a:xfrm>
-            <a:off x="2585753" y="2727486"/>
+            <a:off x="2585753" y="2651286"/>
             <a:ext cx="189257" cy="178683"/>
           </a:xfrm>
           <a:prstGeom prst="rect">
@@ -7966,7 +7923,7 @@
         </p:nvCxnSpPr>
         <p:spPr>
           <a:xfrm rot="5400000" flipH="1" flipV="1">
-            <a:off x="1874694" y="1114209"/>
+            <a:off x="1874694" y="1038009"/>
             <a:ext cx="326181" cy="1103804"/>
           </a:xfrm>
           <a:prstGeom prst="bentConnector2">
@@ -8015,8 +7972,8 @@
         </p:nvCxnSpPr>
         <p:spPr>
           <a:xfrm flipV="1">
-            <a:off x="6952991" y="2220497"/>
-            <a:ext cx="703039" cy="3653339"/>
+            <a:off x="6952991" y="2144297"/>
+            <a:ext cx="703039" cy="2904970"/>
           </a:xfrm>
           <a:prstGeom prst="bentConnector3">
             <a:avLst>
@@ -8061,7 +8018,7 @@
         </p:nvSpPr>
         <p:spPr>
           <a:xfrm>
-            <a:off x="6249251" y="5730944"/>
+            <a:off x="6249251" y="4906375"/>
             <a:ext cx="703740" cy="285783"/>
           </a:xfrm>
           <a:prstGeom prst="rect">
@@ -8123,7 +8080,7 @@
         </p:nvSpPr>
         <p:spPr>
           <a:xfrm>
-            <a:off x="5411051" y="5320369"/>
+            <a:off x="5411051" y="4495800"/>
             <a:ext cx="881679" cy="285783"/>
           </a:xfrm>
           <a:prstGeom prst="rect">
@@ -8185,7 +8142,7 @@
         </p:nvSpPr>
         <p:spPr>
           <a:xfrm>
-            <a:off x="6916260" y="6115017"/>
+            <a:off x="6916260" y="5290448"/>
             <a:ext cx="703740" cy="285783"/>
           </a:xfrm>
           <a:prstGeom prst="rect">
@@ -8251,8 +8208,8 @@
         </p:nvCxnSpPr>
         <p:spPr>
           <a:xfrm flipV="1">
-            <a:off x="7620000" y="2220497"/>
-            <a:ext cx="36030" cy="4037412"/>
+            <a:off x="7620000" y="2144297"/>
+            <a:ext cx="36030" cy="3289043"/>
           </a:xfrm>
           <a:prstGeom prst="bentConnector3">
             <a:avLst>
@@ -8301,8 +8258,8 @@
         </p:nvCxnSpPr>
         <p:spPr>
           <a:xfrm flipV="1">
-            <a:off x="6292730" y="2220497"/>
-            <a:ext cx="1363300" cy="3242764"/>
+            <a:off x="6292730" y="2144297"/>
+            <a:ext cx="1363300" cy="2494395"/>
           </a:xfrm>
           <a:prstGeom prst="bentConnector3">
             <a:avLst>
@@ -8347,7 +8304,7 @@
         </p:nvSpPr>
         <p:spPr>
           <a:xfrm>
-            <a:off x="7052588" y="1138465"/>
+            <a:off x="7052588" y="1062265"/>
             <a:ext cx="189257" cy="178683"/>
           </a:xfrm>
           <a:prstGeom prst="rect">
@@ -8396,7 +8353,7 @@
         </p:nvCxnSpPr>
         <p:spPr>
           <a:xfrm rot="10800000" flipV="1">
-            <a:off x="5138196" y="5865510"/>
+            <a:off x="5138196" y="5040941"/>
             <a:ext cx="874156" cy="1262"/>
           </a:xfrm>
           <a:prstGeom prst="bentConnector3">
@@ -8446,7 +8403,7 @@
         </p:nvCxnSpPr>
         <p:spPr>
           <a:xfrm rot="10800000">
-            <a:off x="4508047" y="6002600"/>
+            <a:off x="4508047" y="5178031"/>
             <a:ext cx="2170344" cy="255308"/>
           </a:xfrm>
           <a:prstGeom prst="bentConnector2">
@@ -8490,7 +8447,7 @@
         </p:nvSpPr>
         <p:spPr>
           <a:xfrm>
-            <a:off x="3877898" y="5730944"/>
+            <a:off x="3877898" y="4906375"/>
             <a:ext cx="1260298" cy="271656"/>
           </a:xfrm>
           <a:prstGeom prst="rect">
@@ -8538,323 +8495,6 @@
           </a:p>
         </p:txBody>
       </p:sp>
-      <p:sp>
-        <p:nvSpPr>
-          <p:cNvPr id="84" name="Rectangle 8">
-            <a:extLst>
-              <a:ext uri="{FF2B5EF4-FFF2-40B4-BE49-F238E27FC236}">
-                <a16:creationId xmlns:a16="http://schemas.microsoft.com/office/drawing/2014/main" id="{FC5E9BBE-BA29-466E-87DB-E549C83DCF6F}"/>
-              </a:ext>
-            </a:extLst>
-          </p:cNvPr>
-          <p:cNvSpPr/>
-          <p:nvPr/>
-        </p:nvSpPr>
-        <p:spPr>
-          <a:xfrm>
-            <a:off x="4825428" y="2286000"/>
-            <a:ext cx="1156969" cy="518309"/>
-          </a:xfrm>
-          <a:prstGeom prst="rect">
-            <a:avLst/>
-          </a:prstGeom>
-          <a:ln w="19050">
-            <a:solidFill>
-              <a:srgbClr val="7030A0"/>
-            </a:solidFill>
-          </a:ln>
-          <a:effectLst/>
-        </p:spPr>
-        <p:style>
-          <a:lnRef idx="1">
-            <a:schemeClr val="accent4"/>
-          </a:lnRef>
-          <a:fillRef idx="2">
-            <a:schemeClr val="accent4"/>
-          </a:fillRef>
-          <a:effectRef idx="1">
-            <a:schemeClr val="accent4"/>
-          </a:effectRef>
-          <a:fontRef idx="minor">
-            <a:schemeClr val="dk1"/>
-          </a:fontRef>
-        </p:style>
-        <p:txBody>
-          <a:bodyPr rtlCol="0" anchor="ctr"/>
-          <a:lstStyle/>
-          <a:p>
-            <a:pPr algn="ctr"/>
-            <a:r>
-              <a:rPr lang="en-US" sz="1050" dirty="0">
-                <a:solidFill>
-                  <a:srgbClr val="7030A0"/>
-                </a:solidFill>
-              </a:rPr>
-              <a:t>Archive</a:t>
-            </a:r>
-            <a:endParaRPr lang="en-SG" sz="1050" dirty="0">
-              <a:solidFill>
-                <a:srgbClr val="7030A0"/>
-              </a:solidFill>
-            </a:endParaRPr>
-          </a:p>
-        </p:txBody>
-      </p:sp>
-      <p:sp>
-        <p:nvSpPr>
-          <p:cNvPr id="85" name="Flowchart: Decision 96">
-            <a:extLst>
-              <a:ext uri="{FF2B5EF4-FFF2-40B4-BE49-F238E27FC236}">
-                <a16:creationId xmlns:a16="http://schemas.microsoft.com/office/drawing/2014/main" id="{6A5FF266-C51C-4096-A31D-A2C77CC18DF3}"/>
-              </a:ext>
-            </a:extLst>
-          </p:cNvPr>
-          <p:cNvSpPr/>
-          <p:nvPr/>
-        </p:nvSpPr>
-        <p:spPr>
-          <a:xfrm>
-            <a:off x="5993267" y="2438400"/>
-            <a:ext cx="236048" cy="173380"/>
-          </a:xfrm>
-          <a:prstGeom prst="flowChartDecision">
-            <a:avLst/>
-          </a:prstGeom>
-          <a:noFill/>
-          <a:ln w="19050">
-            <a:solidFill>
-              <a:srgbClr val="7030A0"/>
-            </a:solidFill>
-          </a:ln>
-          <a:effectLst/>
-        </p:spPr>
-        <p:style>
-          <a:lnRef idx="1">
-            <a:schemeClr val="accent6"/>
-          </a:lnRef>
-          <a:fillRef idx="2">
-            <a:schemeClr val="accent6"/>
-          </a:fillRef>
-          <a:effectRef idx="1">
-            <a:schemeClr val="accent6"/>
-          </a:effectRef>
-          <a:fontRef idx="minor">
-            <a:schemeClr val="dk1"/>
-          </a:fontRef>
-        </p:style>
-        <p:txBody>
-          <a:bodyPr rtlCol="0" anchor="ctr"/>
-          <a:lstStyle/>
-          <a:p>
-            <a:pPr algn="ctr"/>
-            <a:endParaRPr lang="en-US" sz="1050"/>
-          </a:p>
-        </p:txBody>
-      </p:sp>
-      <p:cxnSp>
-        <p:nvCxnSpPr>
-          <p:cNvPr id="86" name="Elbow Connector 63">
-            <a:extLst>
-              <a:ext uri="{FF2B5EF4-FFF2-40B4-BE49-F238E27FC236}">
-                <a16:creationId xmlns:a16="http://schemas.microsoft.com/office/drawing/2014/main" id="{EE9C1E64-02F1-4593-A879-5B119D8AA9C5}"/>
-              </a:ext>
-            </a:extLst>
-          </p:cNvPr>
-          <p:cNvCxnSpPr>
-            <a:cxnSpLocks/>
-            <a:stCxn id="85" idx="3"/>
-            <a:endCxn id="62" idx="1"/>
-          </p:cNvCxnSpPr>
-          <p:nvPr/>
-        </p:nvCxnSpPr>
-        <p:spPr>
-          <a:xfrm flipV="1">
-            <a:off x="6229315" y="2231348"/>
-            <a:ext cx="299855" cy="293742"/>
-          </a:xfrm>
-          <a:prstGeom prst="bentConnector3">
-            <a:avLst/>
-          </a:prstGeom>
-          <a:ln w="19050">
-            <a:solidFill>
-              <a:srgbClr val="7030A0"/>
-            </a:solidFill>
-            <a:headEnd type="none" w="med" len="med"/>
-            <a:tailEnd type="arrow" w="med" len="med"/>
-          </a:ln>
-          <a:effectLst/>
-        </p:spPr>
-        <p:style>
-          <a:lnRef idx="1">
-            <a:schemeClr val="accent2"/>
-          </a:lnRef>
-          <a:fillRef idx="2">
-            <a:schemeClr val="accent2"/>
-          </a:fillRef>
-          <a:effectRef idx="1">
-            <a:schemeClr val="accent2"/>
-          </a:effectRef>
-          <a:fontRef idx="minor">
-            <a:schemeClr val="dk1"/>
-          </a:fontRef>
-        </p:style>
-      </p:cxnSp>
-      <p:sp>
-        <p:nvSpPr>
-          <p:cNvPr id="88" name="Rectangle 8">
-            <a:extLst>
-              <a:ext uri="{FF2B5EF4-FFF2-40B4-BE49-F238E27FC236}">
-                <a16:creationId xmlns:a16="http://schemas.microsoft.com/office/drawing/2014/main" id="{E5EE7A86-858B-4AB0-8E94-A35E30A00B59}"/>
-              </a:ext>
-            </a:extLst>
-          </p:cNvPr>
-          <p:cNvSpPr/>
-          <p:nvPr/>
-        </p:nvSpPr>
-        <p:spPr>
-          <a:xfrm>
-            <a:off x="4824247" y="2876751"/>
-            <a:ext cx="1156969" cy="476049"/>
-          </a:xfrm>
-          <a:prstGeom prst="rect">
-            <a:avLst/>
-          </a:prstGeom>
-          <a:ln w="19050">
-            <a:solidFill>
-              <a:srgbClr val="7030A0"/>
-            </a:solidFill>
-          </a:ln>
-          <a:effectLst/>
-        </p:spPr>
-        <p:style>
-          <a:lnRef idx="1">
-            <a:schemeClr val="accent4"/>
-          </a:lnRef>
-          <a:fillRef idx="2">
-            <a:schemeClr val="accent4"/>
-          </a:fillRef>
-          <a:effectRef idx="1">
-            <a:schemeClr val="accent4"/>
-          </a:effectRef>
-          <a:fontRef idx="minor">
-            <a:schemeClr val="dk1"/>
-          </a:fontRef>
-        </p:style>
-        <p:txBody>
-          <a:bodyPr rtlCol="0" anchor="ctr"/>
-          <a:lstStyle/>
-          <a:p>
-            <a:pPr algn="ctr"/>
-            <a:r>
-              <a:rPr lang="en-SG" sz="1050" dirty="0">
-                <a:solidFill>
-                  <a:srgbClr val="7030A0"/>
-                </a:solidFill>
-              </a:rPr>
-              <a:t>Bin</a:t>
-            </a:r>
-          </a:p>
-        </p:txBody>
-      </p:sp>
-      <p:sp>
-        <p:nvSpPr>
-          <p:cNvPr id="89" name="Flowchart: Decision 96">
-            <a:extLst>
-              <a:ext uri="{FF2B5EF4-FFF2-40B4-BE49-F238E27FC236}">
-                <a16:creationId xmlns:a16="http://schemas.microsoft.com/office/drawing/2014/main" id="{949CD2DD-7C3E-4172-8670-B8E57C938879}"/>
-              </a:ext>
-            </a:extLst>
-          </p:cNvPr>
-          <p:cNvSpPr/>
-          <p:nvPr/>
-        </p:nvSpPr>
-        <p:spPr>
-          <a:xfrm>
-            <a:off x="5998965" y="3027020"/>
-            <a:ext cx="236048" cy="173380"/>
-          </a:xfrm>
-          <a:prstGeom prst="flowChartDecision">
-            <a:avLst/>
-          </a:prstGeom>
-          <a:noFill/>
-          <a:ln w="19050">
-            <a:solidFill>
-              <a:srgbClr val="7030A0"/>
-            </a:solidFill>
-          </a:ln>
-          <a:effectLst/>
-        </p:spPr>
-        <p:style>
-          <a:lnRef idx="1">
-            <a:schemeClr val="accent6"/>
-          </a:lnRef>
-          <a:fillRef idx="2">
-            <a:schemeClr val="accent6"/>
-          </a:fillRef>
-          <a:effectRef idx="1">
-            <a:schemeClr val="accent6"/>
-          </a:effectRef>
-          <a:fontRef idx="minor">
-            <a:schemeClr val="dk1"/>
-          </a:fontRef>
-        </p:style>
-        <p:txBody>
-          <a:bodyPr rtlCol="0" anchor="ctr"/>
-          <a:lstStyle/>
-          <a:p>
-            <a:pPr algn="ctr"/>
-            <a:endParaRPr lang="en-US" sz="1050"/>
-          </a:p>
-        </p:txBody>
-      </p:sp>
-      <p:cxnSp>
-        <p:nvCxnSpPr>
-          <p:cNvPr id="90" name="Elbow Connector 63">
-            <a:extLst>
-              <a:ext uri="{FF2B5EF4-FFF2-40B4-BE49-F238E27FC236}">
-                <a16:creationId xmlns:a16="http://schemas.microsoft.com/office/drawing/2014/main" id="{7F134287-400C-42A6-8013-D79C3C996F45}"/>
-              </a:ext>
-            </a:extLst>
-          </p:cNvPr>
-          <p:cNvCxnSpPr>
-            <a:cxnSpLocks/>
-            <a:stCxn id="89" idx="3"/>
-            <a:endCxn id="62" idx="1"/>
-          </p:cNvCxnSpPr>
-          <p:nvPr/>
-        </p:nvCxnSpPr>
-        <p:spPr>
-          <a:xfrm flipV="1">
-            <a:off x="6235013" y="2231348"/>
-            <a:ext cx="294157" cy="882362"/>
-          </a:xfrm>
-          <a:prstGeom prst="bentConnector3">
-            <a:avLst/>
-          </a:prstGeom>
-          <a:ln w="19050">
-            <a:solidFill>
-              <a:srgbClr val="7030A0"/>
-            </a:solidFill>
-            <a:headEnd type="none" w="med" len="med"/>
-            <a:tailEnd type="arrow" w="med" len="med"/>
-          </a:ln>
-          <a:effectLst/>
-        </p:spPr>
-        <p:style>
-          <a:lnRef idx="1">
-            <a:schemeClr val="accent2"/>
-          </a:lnRef>
-          <a:fillRef idx="2">
-            <a:schemeClr val="accent2"/>
-          </a:fillRef>
-          <a:effectRef idx="1">
-            <a:schemeClr val="accent2"/>
-          </a:effectRef>
-          <a:fontRef idx="minor">
-            <a:schemeClr val="dk1"/>
-          </a:fontRef>
-        </p:style>
-      </p:cxnSp>
       <p:sp>
         <p:nvSpPr>
           <p:cNvPr id="93" name="Flowchart: Decision 96">
@@ -8869,7 +8509,7 @@
         </p:nvSpPr>
         <p:spPr>
           <a:xfrm>
-            <a:off x="6012352" y="5778820"/>
+            <a:off x="6012352" y="4954251"/>
             <a:ext cx="236048" cy="173380"/>
           </a:xfrm>
           <a:prstGeom prst="flowChartDecision">
@@ -8922,7 +8562,7 @@
         </p:nvSpPr>
         <p:spPr>
           <a:xfrm>
-            <a:off x="4270437" y="6086726"/>
+            <a:off x="4270437" y="5262157"/>
             <a:ext cx="189257" cy="178683"/>
           </a:xfrm>
           <a:prstGeom prst="rect">
@@ -8967,7 +8607,7 @@
         </p:nvSpPr>
         <p:spPr>
           <a:xfrm>
-            <a:off x="5220943" y="5661627"/>
+            <a:off x="5220943" y="4837058"/>
             <a:ext cx="189257" cy="178683"/>
           </a:xfrm>
           <a:prstGeom prst="rect">
@@ -9012,7 +8652,7 @@
         </p:nvSpPr>
         <p:spPr>
           <a:xfrm>
-            <a:off x="6678391" y="6171218"/>
+            <a:off x="6678391" y="5346649"/>
             <a:ext cx="236048" cy="173380"/>
           </a:xfrm>
           <a:prstGeom prst="flowChartDecision">
@@ -9065,7 +8705,7 @@
         </p:nvSpPr>
         <p:spPr>
           <a:xfrm rot="5400000" flipV="1">
-            <a:off x="7433016" y="2132735"/>
+            <a:off x="7433016" y="2056535"/>
             <a:ext cx="270504" cy="175523"/>
           </a:xfrm>
           <a:prstGeom prst="triangle">
@@ -9100,193 +8740,6 @@
             <a:endParaRPr lang="en-SG" sz="1050" b="1">
               <a:solidFill>
                 <a:srgbClr val="92D050"/>
-              </a:solidFill>
-            </a:endParaRPr>
-          </a:p>
-        </p:txBody>
-      </p:sp>
-      <p:cxnSp>
-        <p:nvCxnSpPr>
-          <p:cNvPr id="91" name="Elbow Connector 29">
-            <a:extLst>
-              <a:ext uri="{FF2B5EF4-FFF2-40B4-BE49-F238E27FC236}">
-                <a16:creationId xmlns:a16="http://schemas.microsoft.com/office/drawing/2014/main" id="{165E042F-592B-4526-89B0-72AC27D3EB93}"/>
-              </a:ext>
-            </a:extLst>
-          </p:cNvPr>
-          <p:cNvCxnSpPr>
-            <a:cxnSpLocks/>
-            <a:stCxn id="51" idx="3"/>
-          </p:cNvCxnSpPr>
-          <p:nvPr/>
-        </p:nvCxnSpPr>
-        <p:spPr>
-          <a:xfrm>
-            <a:off x="4153221" y="2157472"/>
-            <a:ext cx="676441" cy="241829"/>
-          </a:xfrm>
-          <a:prstGeom prst="bentConnector3">
-            <a:avLst/>
-          </a:prstGeom>
-          <a:ln w="19050">
-            <a:solidFill>
-              <a:srgbClr val="7030A0"/>
-            </a:solidFill>
-            <a:headEnd type="none" w="med" len="med"/>
-            <a:tailEnd type="arrow" w="med" len="med"/>
-          </a:ln>
-          <a:effectLst/>
-        </p:spPr>
-        <p:style>
-          <a:lnRef idx="1">
-            <a:schemeClr val="accent2"/>
-          </a:lnRef>
-          <a:fillRef idx="2">
-            <a:schemeClr val="accent2"/>
-          </a:fillRef>
-          <a:effectRef idx="1">
-            <a:schemeClr val="accent2"/>
-          </a:effectRef>
-          <a:fontRef idx="minor">
-            <a:schemeClr val="dk1"/>
-          </a:fontRef>
-        </p:style>
-      </p:cxnSp>
-      <p:cxnSp>
-        <p:nvCxnSpPr>
-          <p:cNvPr id="92" name="Elbow Connector 29">
-            <a:extLst>
-              <a:ext uri="{FF2B5EF4-FFF2-40B4-BE49-F238E27FC236}">
-                <a16:creationId xmlns:a16="http://schemas.microsoft.com/office/drawing/2014/main" id="{D1E312B1-F07F-42E0-B909-2C3800006FEC}"/>
-              </a:ext>
-            </a:extLst>
-          </p:cNvPr>
-          <p:cNvCxnSpPr>
-            <a:cxnSpLocks/>
-            <a:stCxn id="51" idx="3"/>
-            <a:endCxn id="88" idx="1"/>
-          </p:cNvCxnSpPr>
-          <p:nvPr/>
-        </p:nvCxnSpPr>
-        <p:spPr>
-          <a:xfrm>
-            <a:off x="4153221" y="2157472"/>
-            <a:ext cx="671026" cy="957304"/>
-          </a:xfrm>
-          <a:prstGeom prst="bentConnector3">
-            <a:avLst>
-              <a:gd name="adj1" fmla="val 50000"/>
-            </a:avLst>
-          </a:prstGeom>
-          <a:ln w="19050">
-            <a:solidFill>
-              <a:srgbClr val="7030A0"/>
-            </a:solidFill>
-            <a:headEnd type="none" w="med" len="med"/>
-            <a:tailEnd type="arrow" w="med" len="med"/>
-          </a:ln>
-          <a:effectLst/>
-        </p:spPr>
-        <p:style>
-          <a:lnRef idx="1">
-            <a:schemeClr val="accent2"/>
-          </a:lnRef>
-          <a:fillRef idx="2">
-            <a:schemeClr val="accent2"/>
-          </a:fillRef>
-          <a:effectRef idx="1">
-            <a:schemeClr val="accent2"/>
-          </a:effectRef>
-          <a:fontRef idx="minor">
-            <a:schemeClr val="dk1"/>
-          </a:fontRef>
-        </p:style>
-      </p:cxnSp>
-      <p:sp>
-        <p:nvSpPr>
-          <p:cNvPr id="95" name="TextBox 94">
-            <a:extLst>
-              <a:ext uri="{FF2B5EF4-FFF2-40B4-BE49-F238E27FC236}">
-                <a16:creationId xmlns:a16="http://schemas.microsoft.com/office/drawing/2014/main" id="{D29B85A3-61AD-46D9-96B7-EC8CCA02159B}"/>
-              </a:ext>
-            </a:extLst>
-          </p:cNvPr>
-          <p:cNvSpPr txBox="1"/>
-          <p:nvPr/>
-        </p:nvSpPr>
-        <p:spPr>
-          <a:xfrm>
-            <a:off x="4575940" y="2196829"/>
-            <a:ext cx="189257" cy="178683"/>
-          </a:xfrm>
-          <a:prstGeom prst="rect">
-            <a:avLst/>
-          </a:prstGeom>
-          <a:noFill/>
-        </p:spPr>
-        <p:txBody>
-          <a:bodyPr wrap="square" lIns="0" tIns="0" rIns="0" bIns="0" rtlCol="0">
-            <a:noAutofit/>
-          </a:bodyPr>
-          <a:lstStyle/>
-          <a:p>
-            <a:pPr algn="ctr"/>
-            <a:r>
-              <a:rPr lang="en-US" sz="1100" dirty="0">
-                <a:solidFill>
-                  <a:srgbClr val="7030A0"/>
-                </a:solidFill>
-              </a:rPr>
-              <a:t>1</a:t>
-            </a:r>
-            <a:endParaRPr lang="en-SG" sz="1100" dirty="0">
-              <a:solidFill>
-                <a:srgbClr val="7030A0"/>
-              </a:solidFill>
-            </a:endParaRPr>
-          </a:p>
-        </p:txBody>
-      </p:sp>
-      <p:sp>
-        <p:nvSpPr>
-          <p:cNvPr id="96" name="TextBox 95">
-            <a:extLst>
-              <a:ext uri="{FF2B5EF4-FFF2-40B4-BE49-F238E27FC236}">
-                <a16:creationId xmlns:a16="http://schemas.microsoft.com/office/drawing/2014/main" id="{4C638C9C-DC93-4F3F-9C3B-86FC32804BAA}"/>
-              </a:ext>
-            </a:extLst>
-          </p:cNvPr>
-          <p:cNvSpPr txBox="1"/>
-          <p:nvPr/>
-        </p:nvSpPr>
-        <p:spPr>
-          <a:xfrm>
-            <a:off x="4577258" y="2889495"/>
-            <a:ext cx="189257" cy="178683"/>
-          </a:xfrm>
-          <a:prstGeom prst="rect">
-            <a:avLst/>
-          </a:prstGeom>
-          <a:noFill/>
-        </p:spPr>
-        <p:txBody>
-          <a:bodyPr wrap="square" lIns="0" tIns="0" rIns="0" bIns="0" rtlCol="0">
-            <a:noAutofit/>
-          </a:bodyPr>
-          <a:lstStyle/>
-          <a:p>
-            <a:pPr algn="ctr"/>
-            <a:r>
-              <a:rPr lang="en-US" sz="1100" dirty="0">
-                <a:solidFill>
-                  <a:srgbClr val="7030A0"/>
-                </a:solidFill>
-              </a:rPr>
-              <a:t>1</a:t>
-            </a:r>
-            <a:endParaRPr lang="en-SG" sz="1100" dirty="0">
-              <a:solidFill>
-                <a:srgbClr val="7030A0"/>
               </a:solidFill>
             </a:endParaRPr>
           </a:p>
@@ -9306,7 +8759,7 @@
         </p:nvSpPr>
         <p:spPr>
           <a:xfrm>
-            <a:off x="2680736" y="3086120"/>
+            <a:off x="2680736" y="3009920"/>
             <a:ext cx="1099150" cy="377140"/>
           </a:xfrm>
           <a:prstGeom prst="rect">
@@ -9383,7 +8836,7 @@
         </p:nvSpPr>
         <p:spPr>
           <a:xfrm>
-            <a:off x="2631129" y="4927398"/>
+            <a:off x="1969588" y="3742108"/>
             <a:ext cx="189257" cy="178683"/>
           </a:xfrm>
           <a:prstGeom prst="rect">
@@ -9420,113 +8873,15 @@
           </p:cNvPr>
           <p:cNvCxnSpPr>
             <a:cxnSpLocks/>
+            <a:stCxn id="139" idx="3"/>
             <a:endCxn id="49" idx="1"/>
           </p:cNvCxnSpPr>
           <p:nvPr/>
         </p:nvCxnSpPr>
         <p:spPr>
           <a:xfrm flipV="1">
-            <a:off x="3978565" y="1965848"/>
-            <a:ext cx="851097" cy="1293605"/>
-          </a:xfrm>
-          <a:prstGeom prst="bentConnector3">
-            <a:avLst>
-              <a:gd name="adj1" fmla="val 50000"/>
-            </a:avLst>
-          </a:prstGeom>
-          <a:ln w="19050">
-            <a:solidFill>
-              <a:srgbClr val="7030A0"/>
-            </a:solidFill>
-            <a:prstDash val="solid"/>
-            <a:headEnd type="none" w="med" len="med"/>
-            <a:tailEnd type="none" w="med" len="med"/>
-          </a:ln>
-          <a:effectLst/>
-        </p:spPr>
-        <p:style>
-          <a:lnRef idx="1">
-            <a:schemeClr val="accent2"/>
-          </a:lnRef>
-          <a:fillRef idx="2">
-            <a:schemeClr val="accent2"/>
-          </a:fillRef>
-          <a:effectRef idx="1">
-            <a:schemeClr val="accent2"/>
-          </a:effectRef>
-          <a:fontRef idx="minor">
-            <a:schemeClr val="dk1"/>
-          </a:fontRef>
-        </p:style>
-      </p:cxnSp>
-      <p:cxnSp>
-        <p:nvCxnSpPr>
-          <p:cNvPr id="136" name="Elbow Connector 63">
-            <a:extLst>
-              <a:ext uri="{FF2B5EF4-FFF2-40B4-BE49-F238E27FC236}">
-                <a16:creationId xmlns:a16="http://schemas.microsoft.com/office/drawing/2014/main" id="{E1328738-EFAE-49FD-A3F1-1DB3F8A12A40}"/>
-              </a:ext>
-            </a:extLst>
-          </p:cNvPr>
-          <p:cNvCxnSpPr>
-            <a:cxnSpLocks/>
-            <a:endCxn id="84" idx="1"/>
-          </p:cNvCxnSpPr>
-          <p:nvPr/>
-        </p:nvCxnSpPr>
-        <p:spPr>
-          <a:xfrm flipV="1">
-            <a:off x="3978565" y="2545155"/>
-            <a:ext cx="846863" cy="714298"/>
-          </a:xfrm>
-          <a:prstGeom prst="bentConnector3">
-            <a:avLst>
-              <a:gd name="adj1" fmla="val 50000"/>
-            </a:avLst>
-          </a:prstGeom>
-          <a:ln w="19050">
-            <a:solidFill>
-              <a:srgbClr val="7030A0"/>
-            </a:solidFill>
-            <a:prstDash val="solid"/>
-            <a:headEnd type="none" w="med" len="med"/>
-            <a:tailEnd type="none" w="med" len="med"/>
-          </a:ln>
-          <a:effectLst/>
-        </p:spPr>
-        <p:style>
-          <a:lnRef idx="1">
-            <a:schemeClr val="accent2"/>
-          </a:lnRef>
-          <a:fillRef idx="2">
-            <a:schemeClr val="accent2"/>
-          </a:fillRef>
-          <a:effectRef idx="1">
-            <a:schemeClr val="accent2"/>
-          </a:effectRef>
-          <a:fontRef idx="minor">
-            <a:schemeClr val="dk1"/>
-          </a:fontRef>
-        </p:style>
-      </p:cxnSp>
-      <p:cxnSp>
-        <p:nvCxnSpPr>
-          <p:cNvPr id="141" name="Elbow Connector 63">
-            <a:extLst>
-              <a:ext uri="{FF2B5EF4-FFF2-40B4-BE49-F238E27FC236}">
-                <a16:creationId xmlns:a16="http://schemas.microsoft.com/office/drawing/2014/main" id="{4B86615C-E534-4DC6-9AD1-FC396A0A1ADB}"/>
-              </a:ext>
-            </a:extLst>
-          </p:cNvPr>
-          <p:cNvCxnSpPr>
-            <a:cxnSpLocks/>
-          </p:cNvCxnSpPr>
-          <p:nvPr/>
-        </p:nvCxnSpPr>
-        <p:spPr>
-          <a:xfrm>
-            <a:off x="3978565" y="3259453"/>
-            <a:ext cx="851097" cy="1177"/>
+            <a:off x="3968206" y="1889648"/>
+            <a:ext cx="861456" cy="1290819"/>
           </a:xfrm>
           <a:prstGeom prst="bentConnector3">
             <a:avLst>
@@ -9572,7 +8927,7 @@
         </p:nvSpPr>
         <p:spPr>
           <a:xfrm>
-            <a:off x="4827831" y="3432836"/>
+            <a:off x="4827831" y="2285979"/>
             <a:ext cx="1156969" cy="476049"/>
           </a:xfrm>
           <a:prstGeom prst="rect">
@@ -9634,7 +8989,7 @@
         </p:nvSpPr>
         <p:spPr>
           <a:xfrm>
-            <a:off x="4836905" y="3994003"/>
+            <a:off x="4836905" y="2847146"/>
             <a:ext cx="1156969" cy="476049"/>
           </a:xfrm>
           <a:prstGeom prst="rect">
@@ -9696,7 +9051,7 @@
         </p:nvSpPr>
         <p:spPr>
           <a:xfrm>
-            <a:off x="4836905" y="4557008"/>
+            <a:off x="4836905" y="3410151"/>
             <a:ext cx="1156969" cy="476049"/>
           </a:xfrm>
           <a:prstGeom prst="rect">
@@ -9762,8 +9117,8 @@
         </p:nvCxnSpPr>
         <p:spPr>
           <a:xfrm>
-            <a:off x="4153221" y="2157472"/>
-            <a:ext cx="683684" cy="2637561"/>
+            <a:off x="4153221" y="2081272"/>
+            <a:ext cx="683684" cy="1566904"/>
           </a:xfrm>
           <a:prstGeom prst="bentConnector3">
             <a:avLst>
@@ -9812,8 +9167,8 @@
         </p:nvCxnSpPr>
         <p:spPr>
           <a:xfrm>
-            <a:off x="4153221" y="2157472"/>
-            <a:ext cx="683684" cy="2074556"/>
+            <a:off x="4153221" y="2081272"/>
+            <a:ext cx="683684" cy="1003899"/>
           </a:xfrm>
           <a:prstGeom prst="bentConnector3">
             <a:avLst>
@@ -9856,14 +9211,13 @@
           <p:cNvCxnSpPr>
             <a:cxnSpLocks/>
             <a:stCxn id="51" idx="3"/>
-            <a:endCxn id="101" idx="1"/>
           </p:cNvCxnSpPr>
           <p:nvPr/>
         </p:nvCxnSpPr>
         <p:spPr>
           <a:xfrm>
-            <a:off x="4153221" y="2157472"/>
-            <a:ext cx="674610" cy="1513389"/>
+            <a:off x="4153221" y="2081272"/>
+            <a:ext cx="687855" cy="322151"/>
           </a:xfrm>
           <a:prstGeom prst="bentConnector3">
             <a:avLst>
@@ -9908,7 +9262,7 @@
         </p:nvSpPr>
         <p:spPr>
           <a:xfrm>
-            <a:off x="4582923" y="3433301"/>
+            <a:off x="4582923" y="2183517"/>
             <a:ext cx="189257" cy="178683"/>
           </a:xfrm>
           <a:prstGeom prst="rect">
@@ -9953,7 +9307,7 @@
         </p:nvSpPr>
         <p:spPr>
           <a:xfrm>
-            <a:off x="4582923" y="4003626"/>
+            <a:off x="4582922" y="2891640"/>
             <a:ext cx="189257" cy="178683"/>
           </a:xfrm>
           <a:prstGeom prst="rect">
@@ -9998,7 +9352,7 @@
         </p:nvSpPr>
         <p:spPr>
           <a:xfrm>
-            <a:off x="4575940" y="4569282"/>
+            <a:off x="4575940" y="3422425"/>
             <a:ext cx="189257" cy="178683"/>
           </a:xfrm>
           <a:prstGeom prst="rect">
@@ -10045,8 +9399,8 @@
         </p:nvCxnSpPr>
         <p:spPr>
           <a:xfrm>
-            <a:off x="3963174" y="3257211"/>
-            <a:ext cx="851999" cy="535858"/>
+            <a:off x="3963174" y="3181011"/>
+            <a:ext cx="864657" cy="561097"/>
           </a:xfrm>
           <a:prstGeom prst="bentConnector3">
             <a:avLst>
@@ -10075,132 +9429,6 @@
           </a:effectRef>
           <a:fontRef idx="minor">
             <a:schemeClr val="dk1"/>
-          </a:fontRef>
-        </p:style>
-      </p:cxnSp>
-      <p:cxnSp>
-        <p:nvCxnSpPr>
-          <p:cNvPr id="52" name="Straight Connector 51">
-            <a:extLst>
-              <a:ext uri="{FF2B5EF4-FFF2-40B4-BE49-F238E27FC236}">
-                <a16:creationId xmlns:a16="http://schemas.microsoft.com/office/drawing/2014/main" id="{E99ABE5B-53C6-4ADC-9AD8-A13C15A79EAF}"/>
-              </a:ext>
-            </a:extLst>
-          </p:cNvPr>
-          <p:cNvCxnSpPr/>
-          <p:nvPr/>
-        </p:nvCxnSpPr>
-        <p:spPr>
-          <a:xfrm flipV="1">
-            <a:off x="4396869" y="3788135"/>
-            <a:ext cx="0" cy="1132948"/>
-          </a:xfrm>
-          <a:prstGeom prst="line">
-            <a:avLst/>
-          </a:prstGeom>
-          <a:ln w="19050">
-            <a:solidFill>
-              <a:srgbClr val="7030A0"/>
-            </a:solidFill>
-            <a:prstDash val="solid"/>
-          </a:ln>
-        </p:spPr>
-        <p:style>
-          <a:lnRef idx="1">
-            <a:schemeClr val="accent4"/>
-          </a:lnRef>
-          <a:fillRef idx="0">
-            <a:schemeClr val="accent4"/>
-          </a:fillRef>
-          <a:effectRef idx="0">
-            <a:schemeClr val="accent4"/>
-          </a:effectRef>
-          <a:fontRef idx="minor">
-            <a:schemeClr val="tx1"/>
-          </a:fontRef>
-        </p:style>
-      </p:cxnSp>
-      <p:cxnSp>
-        <p:nvCxnSpPr>
-          <p:cNvPr id="256" name="Straight Connector 255">
-            <a:extLst>
-              <a:ext uri="{FF2B5EF4-FFF2-40B4-BE49-F238E27FC236}">
-                <a16:creationId xmlns:a16="http://schemas.microsoft.com/office/drawing/2014/main" id="{29481D18-FD61-4A55-AA7D-D55C57559D1E}"/>
-              </a:ext>
-            </a:extLst>
-          </p:cNvPr>
-          <p:cNvCxnSpPr/>
-          <p:nvPr/>
-        </p:nvCxnSpPr>
-        <p:spPr>
-          <a:xfrm>
-            <a:off x="4404113" y="4927398"/>
-            <a:ext cx="420134" cy="0"/>
-          </a:xfrm>
-          <a:prstGeom prst="line">
-            <a:avLst/>
-          </a:prstGeom>
-          <a:ln w="19050">
-            <a:solidFill>
-              <a:srgbClr val="7030A0"/>
-            </a:solidFill>
-            <a:prstDash val="solid"/>
-          </a:ln>
-        </p:spPr>
-        <p:style>
-          <a:lnRef idx="1">
-            <a:schemeClr val="accent4"/>
-          </a:lnRef>
-          <a:fillRef idx="0">
-            <a:schemeClr val="accent4"/>
-          </a:fillRef>
-          <a:effectRef idx="0">
-            <a:schemeClr val="accent4"/>
-          </a:effectRef>
-          <a:fontRef idx="minor">
-            <a:schemeClr val="tx1"/>
-          </a:fontRef>
-        </p:style>
-      </p:cxnSp>
-      <p:cxnSp>
-        <p:nvCxnSpPr>
-          <p:cNvPr id="258" name="Straight Connector 257">
-            <a:extLst>
-              <a:ext uri="{FF2B5EF4-FFF2-40B4-BE49-F238E27FC236}">
-                <a16:creationId xmlns:a16="http://schemas.microsoft.com/office/drawing/2014/main" id="{EC8CDC89-73CE-4B95-9EDB-70BA66D3B451}"/>
-              </a:ext>
-            </a:extLst>
-          </p:cNvPr>
-          <p:cNvCxnSpPr/>
-          <p:nvPr/>
-        </p:nvCxnSpPr>
-        <p:spPr>
-          <a:xfrm>
-            <a:off x="4396869" y="4343400"/>
-            <a:ext cx="427378" cy="0"/>
-          </a:xfrm>
-          <a:prstGeom prst="line">
-            <a:avLst/>
-          </a:prstGeom>
-          <a:ln w="19050">
-            <a:solidFill>
-              <a:srgbClr val="7030A0"/>
-            </a:solidFill>
-            <a:prstDash val="solid"/>
-          </a:ln>
-        </p:spPr>
-        <p:style>
-          <a:lnRef idx="1">
-            <a:schemeClr val="accent4"/>
-          </a:lnRef>
-          <a:fillRef idx="0">
-            <a:schemeClr val="accent4"/>
-          </a:fillRef>
-          <a:effectRef idx="0">
-            <a:schemeClr val="accent4"/>
-          </a:effectRef>
-          <a:fontRef idx="minor">
-            <a:schemeClr val="tx1"/>
           </a:fontRef>
         </p:style>
       </p:cxnSp>
@@ -10218,7 +9446,7 @@
         </p:nvSpPr>
         <p:spPr>
           <a:xfrm>
-            <a:off x="6011342" y="4715585"/>
+            <a:off x="6011342" y="3568728"/>
             <a:ext cx="236048" cy="173380"/>
           </a:xfrm>
           <a:prstGeom prst="flowChartDecision">
@@ -10273,8 +9501,8 @@
         </p:nvCxnSpPr>
         <p:spPr>
           <a:xfrm flipV="1">
-            <a:off x="6247390" y="2231348"/>
-            <a:ext cx="281780" cy="2570927"/>
+            <a:off x="6247390" y="2155148"/>
+            <a:ext cx="281780" cy="1500270"/>
           </a:xfrm>
           <a:prstGeom prst="bentConnector3">
             <a:avLst/>
@@ -10317,7 +9545,7 @@
         </p:nvSpPr>
         <p:spPr>
           <a:xfrm>
-            <a:off x="6011146" y="4148034"/>
+            <a:off x="6011146" y="3001177"/>
             <a:ext cx="236048" cy="173380"/>
           </a:xfrm>
           <a:prstGeom prst="flowChartDecision">
@@ -10372,8 +9600,8 @@
         </p:nvCxnSpPr>
         <p:spPr>
           <a:xfrm flipV="1">
-            <a:off x="6247194" y="2231348"/>
-            <a:ext cx="281976" cy="2003376"/>
+            <a:off x="6247194" y="2155148"/>
+            <a:ext cx="281976" cy="932719"/>
           </a:xfrm>
           <a:prstGeom prst="bentConnector3">
             <a:avLst/>
@@ -10416,7 +9644,7 @@
         </p:nvSpPr>
         <p:spPr>
           <a:xfrm>
-            <a:off x="5999067" y="3590250"/>
+            <a:off x="5999067" y="2443393"/>
             <a:ext cx="236048" cy="173380"/>
           </a:xfrm>
           <a:prstGeom prst="flowChartDecision">
@@ -10471,8 +9699,8 @@
         </p:nvCxnSpPr>
         <p:spPr>
           <a:xfrm flipV="1">
-            <a:off x="6235115" y="2231348"/>
-            <a:ext cx="294055" cy="1445592"/>
+            <a:off x="6235115" y="2155148"/>
+            <a:ext cx="294055" cy="374935"/>
           </a:xfrm>
           <a:prstGeom prst="bentConnector3">
             <a:avLst/>
@@ -10515,7 +9743,7 @@
         </p:nvSpPr>
         <p:spPr>
           <a:xfrm>
-            <a:off x="2037784" y="5730944"/>
+            <a:off x="2037784" y="4906375"/>
             <a:ext cx="1260298" cy="271656"/>
           </a:xfrm>
           <a:prstGeom prst="rect">
@@ -10581,7 +9809,7 @@
         </p:nvCxnSpPr>
         <p:spPr>
           <a:xfrm rot="10800000">
-            <a:off x="3489482" y="5865688"/>
+            <a:off x="3489482" y="5041119"/>
             <a:ext cx="388416" cy="1085"/>
           </a:xfrm>
           <a:prstGeom prst="bentConnector3">
@@ -10627,7 +9855,7 @@
         </p:nvSpPr>
         <p:spPr>
           <a:xfrm rot="5400000" flipV="1">
-            <a:off x="3266468" y="5777925"/>
+            <a:off x="3266468" y="4953356"/>
             <a:ext cx="270504" cy="175523"/>
           </a:xfrm>
           <a:prstGeom prst="triangle">
@@ -10681,7 +9909,7 @@
         </p:nvSpPr>
         <p:spPr>
           <a:xfrm>
-            <a:off x="3218128" y="1678959"/>
+            <a:off x="3218128" y="1602759"/>
             <a:ext cx="270504" cy="175523"/>
           </a:xfrm>
           <a:prstGeom prst="triangle">
@@ -10734,7 +9962,7 @@
         </p:nvSpPr>
         <p:spPr>
           <a:xfrm rot="16200000">
-            <a:off x="3888040" y="5072857"/>
+            <a:off x="4681253" y="4138517"/>
             <a:ext cx="270504" cy="175523"/>
           </a:xfrm>
           <a:prstGeom prst="triangle">
@@ -10787,7 +10015,7 @@
         </p:nvSpPr>
         <p:spPr>
           <a:xfrm rot="5400000" flipV="1">
-            <a:off x="3745192" y="3168905"/>
+            <a:off x="3745192" y="3092705"/>
             <a:ext cx="270504" cy="175523"/>
           </a:xfrm>
           <a:prstGeom prst="triangle">
@@ -10845,8 +10073,8 @@
         </p:nvCxnSpPr>
         <p:spPr>
           <a:xfrm rot="5400000">
-            <a:off x="4180001" y="2335781"/>
-            <a:ext cx="2755891" cy="2893784"/>
+            <a:off x="5005678" y="2227118"/>
+            <a:ext cx="1897751" cy="2100571"/>
           </a:xfrm>
           <a:prstGeom prst="bentConnector2">
             <a:avLst/>
@@ -10876,12 +10104,199 @@
           </a:fontRef>
         </p:style>
       </p:cxnSp>
-      <p:sp>
-        <p:nvSpPr>
-          <p:cNvPr id="123" name="TextBox 122">
+      <p:cxnSp>
+        <p:nvCxnSpPr>
+          <p:cNvPr id="123" name="Elbow Connector 63">
             <a:extLst>
               <a:ext uri="{FF2B5EF4-FFF2-40B4-BE49-F238E27FC236}">
-                <a16:creationId xmlns:a16="http://schemas.microsoft.com/office/drawing/2014/main" id="{F2AA31E0-960F-41B1-B188-637AD89E1EE8}"/>
+                <a16:creationId xmlns:a16="http://schemas.microsoft.com/office/drawing/2014/main" id="{3F1E1C5F-4AAB-4BAC-985F-016261F7AD19}"/>
+              </a:ext>
+            </a:extLst>
+          </p:cNvPr>
+          <p:cNvCxnSpPr>
+            <a:cxnSpLocks/>
+            <a:stCxn id="139" idx="3"/>
+          </p:cNvCxnSpPr>
+          <p:nvPr/>
+        </p:nvCxnSpPr>
+        <p:spPr>
+          <a:xfrm>
+            <a:off x="3968206" y="3180467"/>
+            <a:ext cx="859625" cy="544"/>
+          </a:xfrm>
+          <a:prstGeom prst="bentConnector3">
+            <a:avLst>
+              <a:gd name="adj1" fmla="val 50000"/>
+            </a:avLst>
+          </a:prstGeom>
+          <a:ln w="19050">
+            <a:solidFill>
+              <a:srgbClr val="7030A0"/>
+            </a:solidFill>
+            <a:prstDash val="solid"/>
+            <a:headEnd type="none" w="med" len="med"/>
+            <a:tailEnd type="none" w="med" len="med"/>
+          </a:ln>
+          <a:effectLst/>
+        </p:spPr>
+        <p:style>
+          <a:lnRef idx="1">
+            <a:schemeClr val="accent2"/>
+          </a:lnRef>
+          <a:fillRef idx="2">
+            <a:schemeClr val="accent2"/>
+          </a:fillRef>
+          <a:effectRef idx="1">
+            <a:schemeClr val="accent2"/>
+          </a:effectRef>
+          <a:fontRef idx="minor">
+            <a:schemeClr val="dk1"/>
+          </a:fontRef>
+        </p:style>
+      </p:cxnSp>
+      <p:sp>
+        <p:nvSpPr>
+          <p:cNvPr id="126" name="Rectangle 8">
+            <a:extLst>
+              <a:ext uri="{FF2B5EF4-FFF2-40B4-BE49-F238E27FC236}">
+                <a16:creationId xmlns:a16="http://schemas.microsoft.com/office/drawing/2014/main" id="{E895CE26-762D-4FE3-92C5-E40C1E7C9AB3}"/>
+              </a:ext>
+            </a:extLst>
+          </p:cNvPr>
+          <p:cNvSpPr/>
+          <p:nvPr/>
+        </p:nvSpPr>
+        <p:spPr>
+          <a:xfrm>
+            <a:off x="1640299" y="3958394"/>
+            <a:ext cx="1146688" cy="535027"/>
+          </a:xfrm>
+          <a:prstGeom prst="rect">
+            <a:avLst/>
+          </a:prstGeom>
+          <a:ln w="19050">
+            <a:solidFill>
+              <a:srgbClr val="7030A0"/>
+            </a:solidFill>
+          </a:ln>
+          <a:effectLst/>
+        </p:spPr>
+        <p:style>
+          <a:lnRef idx="1">
+            <a:schemeClr val="accent4"/>
+          </a:lnRef>
+          <a:fillRef idx="2">
+            <a:schemeClr val="accent4"/>
+          </a:fillRef>
+          <a:effectRef idx="1">
+            <a:schemeClr val="accent4"/>
+          </a:effectRef>
+          <a:fontRef idx="minor">
+            <a:schemeClr val="dk1"/>
+          </a:fontRef>
+        </p:style>
+        <p:txBody>
+          <a:bodyPr rtlCol="0" anchor="ctr"/>
+          <a:lstStyle/>
+          <a:p>
+            <a:pPr algn="ctr"/>
+            <a:r>
+              <a:rPr lang="en-US" sz="1050" dirty="0" err="1">
+                <a:solidFill>
+                  <a:srgbClr val="7030A0"/>
+                </a:solidFill>
+              </a:rPr>
+              <a:t>Javafx.collections.transformation</a:t>
+            </a:r>
+            <a:endParaRPr lang="en-US" sz="1050" dirty="0">
+              <a:solidFill>
+                <a:srgbClr val="7030A0"/>
+              </a:solidFill>
+            </a:endParaRPr>
+          </a:p>
+          <a:p>
+            <a:pPr algn="ctr"/>
+            <a:r>
+              <a:rPr lang="en-US" sz="1050" dirty="0">
+                <a:solidFill>
+                  <a:srgbClr val="7030A0"/>
+                </a:solidFill>
+              </a:rPr>
+              <a:t>.</a:t>
+            </a:r>
+            <a:r>
+              <a:rPr lang="en-US" sz="1050" dirty="0" err="1">
+                <a:solidFill>
+                  <a:srgbClr val="7030A0"/>
+                </a:solidFill>
+              </a:rPr>
+              <a:t>FilteredList</a:t>
+            </a:r>
+            <a:endParaRPr lang="en-SG" sz="1050" dirty="0">
+              <a:solidFill>
+                <a:srgbClr val="7030A0"/>
+              </a:solidFill>
+            </a:endParaRPr>
+          </a:p>
+        </p:txBody>
+      </p:sp>
+      <p:cxnSp>
+        <p:nvCxnSpPr>
+          <p:cNvPr id="140" name="Elbow Connector 106">
+            <a:extLst>
+              <a:ext uri="{FF2B5EF4-FFF2-40B4-BE49-F238E27FC236}">
+                <a16:creationId xmlns:a16="http://schemas.microsoft.com/office/drawing/2014/main" id="{BF83FBE8-488A-472A-8F15-95B10D9050A2}"/>
+              </a:ext>
+            </a:extLst>
+          </p:cNvPr>
+          <p:cNvCxnSpPr>
+            <a:cxnSpLocks/>
+            <a:stCxn id="126" idx="3"/>
+            <a:endCxn id="72" idx="1"/>
+          </p:cNvCxnSpPr>
+          <p:nvPr/>
+        </p:nvCxnSpPr>
+        <p:spPr>
+          <a:xfrm>
+            <a:off x="2786987" y="4225908"/>
+            <a:ext cx="896373" cy="372"/>
+          </a:xfrm>
+          <a:prstGeom prst="bentConnector3">
+            <a:avLst>
+              <a:gd name="adj1" fmla="val 50000"/>
+            </a:avLst>
+          </a:prstGeom>
+          <a:ln w="19050">
+            <a:solidFill>
+              <a:srgbClr val="7030A0"/>
+            </a:solidFill>
+            <a:prstDash val="solid"/>
+            <a:headEnd type="none" w="med" len="med"/>
+            <a:tailEnd type="arrow" w="med" len="med"/>
+          </a:ln>
+          <a:effectLst/>
+        </p:spPr>
+        <p:style>
+          <a:lnRef idx="1">
+            <a:schemeClr val="accent2"/>
+          </a:lnRef>
+          <a:fillRef idx="2">
+            <a:schemeClr val="accent2"/>
+          </a:fillRef>
+          <a:effectRef idx="1">
+            <a:schemeClr val="accent2"/>
+          </a:effectRef>
+          <a:fontRef idx="minor">
+            <a:schemeClr val="dk1"/>
+          </a:fontRef>
+        </p:style>
+      </p:cxnSp>
+      <p:sp>
+        <p:nvSpPr>
+          <p:cNvPr id="142" name="TextBox 141">
+            <a:extLst>
+              <a:ext uri="{FF2B5EF4-FFF2-40B4-BE49-F238E27FC236}">
+                <a16:creationId xmlns:a16="http://schemas.microsoft.com/office/drawing/2014/main" id="{92EBB965-AEB9-4887-A96E-F0EE124EB42F}"/>
               </a:ext>
             </a:extLst>
           </p:cNvPr>
@@ -10890,8 +10305,8 @@
         </p:nvSpPr>
         <p:spPr>
           <a:xfrm>
-            <a:off x="4389173" y="81768"/>
-            <a:ext cx="1415259" cy="369332"/>
+            <a:off x="3414059" y="4038600"/>
+            <a:ext cx="189257" cy="178683"/>
           </a:xfrm>
           <a:prstGeom prst="rect">
             <a:avLst/>
@@ -10899,22 +10314,305 @@
           <a:noFill/>
         </p:spPr>
         <p:txBody>
-          <a:bodyPr wrap="none" rtlCol="0">
-            <a:spAutoFit/>
+          <a:bodyPr wrap="square" lIns="0" tIns="0" rIns="0" bIns="0" rtlCol="0">
+            <a:noAutofit/>
           </a:bodyPr>
           <a:lstStyle/>
           <a:p>
-            <a:r>
-              <a:rPr lang="en-MY" dirty="0"/>
-              <a:t>First Revision</a:t>
-            </a:r>
-          </a:p>
-        </p:txBody>
-      </p:sp>
+            <a:pPr algn="ctr"/>
+            <a:r>
+              <a:rPr lang="en-SG" sz="1100" dirty="0">
+                <a:solidFill>
+                  <a:srgbClr val="7030A0"/>
+                </a:solidFill>
+              </a:rPr>
+              <a:t>*</a:t>
+            </a:r>
+          </a:p>
+        </p:txBody>
+      </p:sp>
+      <p:cxnSp>
+        <p:nvCxnSpPr>
+          <p:cNvPr id="89" name="Elbow Connector 63">
+            <a:extLst>
+              <a:ext uri="{FF2B5EF4-FFF2-40B4-BE49-F238E27FC236}">
+                <a16:creationId xmlns:a16="http://schemas.microsoft.com/office/drawing/2014/main" id="{757B8828-27CE-4427-AB91-A272F8DA53D0}"/>
+              </a:ext>
+            </a:extLst>
+          </p:cNvPr>
+          <p:cNvCxnSpPr>
+            <a:cxnSpLocks/>
+            <a:stCxn id="139" idx="3"/>
+          </p:cNvCxnSpPr>
+          <p:nvPr/>
+        </p:nvCxnSpPr>
+        <p:spPr>
+          <a:xfrm flipV="1">
+            <a:off x="3968206" y="2695332"/>
+            <a:ext cx="856620" cy="485135"/>
+          </a:xfrm>
+          <a:prstGeom prst="bentConnector3">
+            <a:avLst>
+              <a:gd name="adj1" fmla="val 50000"/>
+            </a:avLst>
+          </a:prstGeom>
+          <a:ln w="19050">
+            <a:solidFill>
+              <a:srgbClr val="7030A0"/>
+            </a:solidFill>
+            <a:prstDash val="solid"/>
+            <a:headEnd type="none" w="med" len="med"/>
+            <a:tailEnd type="none" w="med" len="med"/>
+          </a:ln>
+          <a:effectLst/>
+        </p:spPr>
+        <p:style>
+          <a:lnRef idx="1">
+            <a:schemeClr val="accent2"/>
+          </a:lnRef>
+          <a:fillRef idx="2">
+            <a:schemeClr val="accent2"/>
+          </a:fillRef>
+          <a:effectRef idx="1">
+            <a:schemeClr val="accent2"/>
+          </a:effectRef>
+          <a:fontRef idx="minor">
+            <a:schemeClr val="dk1"/>
+          </a:fontRef>
+        </p:style>
+      </p:cxnSp>
+      <p:sp>
+        <p:nvSpPr>
+          <p:cNvPr id="95" name="Rectangle 8">
+            <a:extLst>
+              <a:ext uri="{FF2B5EF4-FFF2-40B4-BE49-F238E27FC236}">
+                <a16:creationId xmlns:a16="http://schemas.microsoft.com/office/drawing/2014/main" id="{D11190CF-84F1-43D8-842C-0F704C362AC1}"/>
+              </a:ext>
+            </a:extLst>
+          </p:cNvPr>
+          <p:cNvSpPr/>
+          <p:nvPr/>
+        </p:nvSpPr>
+        <p:spPr>
+          <a:xfrm>
+            <a:off x="4648560" y="5641218"/>
+            <a:ext cx="1099150" cy="377140"/>
+          </a:xfrm>
+          <a:prstGeom prst="rect">
+            <a:avLst/>
+          </a:prstGeom>
+          <a:ln w="19050">
+            <a:solidFill>
+              <a:srgbClr val="7030A0"/>
+            </a:solidFill>
+          </a:ln>
+          <a:effectLst/>
+        </p:spPr>
+        <p:style>
+          <a:lnRef idx="1">
+            <a:schemeClr val="accent4"/>
+          </a:lnRef>
+          <a:fillRef idx="2">
+            <a:schemeClr val="accent4"/>
+          </a:fillRef>
+          <a:effectRef idx="1">
+            <a:schemeClr val="accent4"/>
+          </a:effectRef>
+          <a:fontRef idx="minor">
+            <a:schemeClr val="dk1"/>
+          </a:fontRef>
+        </p:style>
+        <p:txBody>
+          <a:bodyPr rtlCol="0" anchor="ctr"/>
+          <a:lstStyle/>
+          <a:p>
+            <a:pPr algn="ctr"/>
+            <a:r>
+              <a:rPr lang="en-US" sz="1050" dirty="0">
+                <a:solidFill>
+                  <a:srgbClr val="7030A0"/>
+                </a:solidFill>
+              </a:rPr>
+              <a:t>&lt;&lt;interface&gt;&gt;</a:t>
+            </a:r>
+          </a:p>
+          <a:p>
+            <a:pPr algn="ctr"/>
+            <a:r>
+              <a:rPr lang="en-US" sz="1050" dirty="0" err="1">
+                <a:solidFill>
+                  <a:srgbClr val="7030A0"/>
+                </a:solidFill>
+              </a:rPr>
+              <a:t>OverdueCapable</a:t>
+            </a:r>
+            <a:endParaRPr lang="en-SG" sz="1050" dirty="0">
+              <a:solidFill>
+                <a:srgbClr val="7030A0"/>
+              </a:solidFill>
+            </a:endParaRPr>
+          </a:p>
+        </p:txBody>
+      </p:sp>
+      <p:sp>
+        <p:nvSpPr>
+          <p:cNvPr id="96" name="Isosceles Triangle 102">
+            <a:extLst>
+              <a:ext uri="{FF2B5EF4-FFF2-40B4-BE49-F238E27FC236}">
+                <a16:creationId xmlns:a16="http://schemas.microsoft.com/office/drawing/2014/main" id="{A65E0C52-5206-46DE-B54D-1FAACD215357}"/>
+              </a:ext>
+            </a:extLst>
+          </p:cNvPr>
+          <p:cNvSpPr/>
+          <p:nvPr/>
+        </p:nvSpPr>
+        <p:spPr>
+          <a:xfrm rot="5400000" flipV="1">
+            <a:off x="5719131" y="5737901"/>
+            <a:ext cx="270504" cy="175523"/>
+          </a:xfrm>
+          <a:prstGeom prst="triangle">
+            <a:avLst/>
+          </a:prstGeom>
+          <a:solidFill>
+            <a:srgbClr val="7030A0"/>
+          </a:solidFill>
+          <a:ln w="19050">
+            <a:solidFill>
+              <a:srgbClr val="7030A0"/>
+            </a:solidFill>
+          </a:ln>
+          <a:effectLst/>
+        </p:spPr>
+        <p:style>
+          <a:lnRef idx="1">
+            <a:schemeClr val="accent4"/>
+          </a:lnRef>
+          <a:fillRef idx="2">
+            <a:schemeClr val="accent4"/>
+          </a:fillRef>
+          <a:effectRef idx="1">
+            <a:schemeClr val="accent4"/>
+          </a:effectRef>
+          <a:fontRef idx="minor">
+            <a:schemeClr val="dk1"/>
+          </a:fontRef>
+        </p:style>
+        <p:txBody>
+          <a:bodyPr rtlCol="0" anchor="ctr"/>
+          <a:lstStyle/>
+          <a:p>
+            <a:pPr algn="ctr"/>
+            <a:endParaRPr lang="en-SG" sz="1050" b="1">
+              <a:solidFill>
+                <a:srgbClr val="92D050"/>
+              </a:solidFill>
+            </a:endParaRPr>
+          </a:p>
+        </p:txBody>
+      </p:sp>
+      <p:cxnSp>
+        <p:nvCxnSpPr>
+          <p:cNvPr id="99" name="Elbow Connector 63">
+            <a:extLst>
+              <a:ext uri="{FF2B5EF4-FFF2-40B4-BE49-F238E27FC236}">
+                <a16:creationId xmlns:a16="http://schemas.microsoft.com/office/drawing/2014/main" id="{1A40DD81-A9E7-4CAF-BC25-3EE36E21651F}"/>
+              </a:ext>
+            </a:extLst>
+          </p:cNvPr>
+          <p:cNvCxnSpPr>
+            <a:cxnSpLocks/>
+            <a:stCxn id="96" idx="3"/>
+            <a:endCxn id="77" idx="2"/>
+          </p:cNvCxnSpPr>
+          <p:nvPr/>
+        </p:nvCxnSpPr>
+        <p:spPr>
+          <a:xfrm flipV="1">
+            <a:off x="5942145" y="5192158"/>
+            <a:ext cx="658976" cy="633505"/>
+          </a:xfrm>
+          <a:prstGeom prst="bentConnector2">
+            <a:avLst/>
+          </a:prstGeom>
+          <a:ln w="19050">
+            <a:solidFill>
+              <a:srgbClr val="7030A0"/>
+            </a:solidFill>
+            <a:prstDash val="sysDot"/>
+            <a:headEnd type="none" w="med" len="med"/>
+            <a:tailEnd type="none" w="med" len="med"/>
+          </a:ln>
+          <a:effectLst/>
+        </p:spPr>
+        <p:style>
+          <a:lnRef idx="1">
+            <a:schemeClr val="accent2"/>
+          </a:lnRef>
+          <a:fillRef idx="2">
+            <a:schemeClr val="accent2"/>
+          </a:fillRef>
+          <a:effectRef idx="1">
+            <a:schemeClr val="accent2"/>
+          </a:effectRef>
+          <a:fontRef idx="minor">
+            <a:schemeClr val="dk1"/>
+          </a:fontRef>
+        </p:style>
+      </p:cxnSp>
+      <p:cxnSp>
+        <p:nvCxnSpPr>
+          <p:cNvPr id="114" name="Elbow Connector 63">
+            <a:extLst>
+              <a:ext uri="{FF2B5EF4-FFF2-40B4-BE49-F238E27FC236}">
+                <a16:creationId xmlns:a16="http://schemas.microsoft.com/office/drawing/2014/main" id="{F581BE59-CB2A-4E09-BEEA-CD82754F6E5A}"/>
+              </a:ext>
+            </a:extLst>
+          </p:cNvPr>
+          <p:cNvCxnSpPr>
+            <a:cxnSpLocks/>
+            <a:stCxn id="96" idx="3"/>
+            <a:endCxn id="87" idx="2"/>
+          </p:cNvCxnSpPr>
+          <p:nvPr/>
+        </p:nvCxnSpPr>
+        <p:spPr>
+          <a:xfrm flipV="1">
+            <a:off x="5942145" y="5576231"/>
+            <a:ext cx="1325985" cy="249432"/>
+          </a:xfrm>
+          <a:prstGeom prst="bentConnector2">
+            <a:avLst/>
+          </a:prstGeom>
+          <a:ln w="19050">
+            <a:solidFill>
+              <a:srgbClr val="7030A0"/>
+            </a:solidFill>
+            <a:prstDash val="sysDot"/>
+            <a:headEnd type="none" w="med" len="med"/>
+            <a:tailEnd type="none" w="med" len="med"/>
+          </a:ln>
+          <a:effectLst/>
+        </p:spPr>
+        <p:style>
+          <a:lnRef idx="1">
+            <a:schemeClr val="accent2"/>
+          </a:lnRef>
+          <a:fillRef idx="2">
+            <a:schemeClr val="accent2"/>
+          </a:fillRef>
+          <a:effectRef idx="1">
+            <a:schemeClr val="accent2"/>
+          </a:effectRef>
+          <a:fontRef idx="minor">
+            <a:schemeClr val="dk1"/>
+          </a:fontRef>
+        </p:style>
+      </p:cxnSp>
     </p:spTree>
     <p:extLst>
       <p:ext uri="{BB962C8B-B14F-4D97-AF65-F5344CB8AC3E}">
-        <p14:creationId xmlns:p14="http://schemas.microsoft.com/office/powerpoint/2010/main" val="2564557940"/>
+        <p14:creationId xmlns:p14="http://schemas.microsoft.com/office/powerpoint/2010/main" val="1567827878"/>
       </p:ext>
     </p:extLst>
   </p:cSld>
@@ -10949,8 +10647,8 @@
         </p:nvSpPr>
         <p:spPr>
           <a:xfrm>
-            <a:off x="990600" y="838200"/>
-            <a:ext cx="7239000" cy="5410200"/>
+            <a:off x="990600" y="152400"/>
+            <a:ext cx="7239000" cy="6019800"/>
           </a:xfrm>
           <a:prstGeom prst="roundRect">
             <a:avLst>
@@ -11010,7 +10708,7 @@
         </p:nvSpPr>
         <p:spPr>
           <a:xfrm>
-            <a:off x="2806563" y="2804676"/>
+            <a:off x="2806563" y="2118876"/>
             <a:ext cx="1093635" cy="346760"/>
           </a:xfrm>
           <a:prstGeom prst="rect">
@@ -11069,7 +10767,7 @@
         </p:nvSpPr>
         <p:spPr>
           <a:xfrm rot="16200000">
-            <a:off x="1666826" y="2514923"/>
+            <a:off x="1666826" y="1829123"/>
             <a:ext cx="1093635" cy="346760"/>
           </a:xfrm>
           <a:prstGeom prst="rect">
@@ -11132,7 +10830,7 @@
         </p:nvCxnSpPr>
         <p:spPr>
           <a:xfrm rot="5400000">
-            <a:off x="1661508" y="3787257"/>
+            <a:off x="1661508" y="3101457"/>
             <a:ext cx="1104273" cy="1"/>
           </a:xfrm>
           <a:prstGeom prst="bentConnector3">
@@ -11173,7 +10871,7 @@
         </p:nvSpPr>
         <p:spPr>
           <a:xfrm rot="16200000">
-            <a:off x="939065" y="2507438"/>
+            <a:off x="939065" y="1821638"/>
             <a:ext cx="1093635" cy="346760"/>
           </a:xfrm>
           <a:prstGeom prst="rect">
@@ -11243,7 +10941,7 @@
         </p:nvSpPr>
         <p:spPr>
           <a:xfrm rot="16200000">
-            <a:off x="1609773" y="2598527"/>
+            <a:off x="1609773" y="1912727"/>
             <a:ext cx="270504" cy="175523"/>
           </a:xfrm>
           <a:prstGeom prst="triangle">
@@ -11293,7 +10991,7 @@
         </p:nvCxnSpPr>
         <p:spPr>
           <a:xfrm>
-            <a:off x="2639233" y="2972772"/>
+            <a:off x="2639233" y="2286972"/>
             <a:ext cx="167330" cy="5284"/>
           </a:xfrm>
           <a:prstGeom prst="straightConnector1">
@@ -11333,7 +11031,7 @@
         </p:nvCxnSpPr>
         <p:spPr>
           <a:xfrm>
-            <a:off x="1038789" y="2688303"/>
+            <a:off x="1038789" y="2002503"/>
             <a:ext cx="273713" cy="846"/>
           </a:xfrm>
           <a:prstGeom prst="bentConnector3">
@@ -11378,7 +11076,7 @@
         </p:nvCxnSpPr>
         <p:spPr>
           <a:xfrm flipV="1">
-            <a:off x="1832787" y="2686288"/>
+            <a:off x="1832787" y="2000488"/>
             <a:ext cx="216105" cy="1"/>
           </a:xfrm>
           <a:prstGeom prst="line">
@@ -11417,7 +11115,7 @@
         </p:nvSpPr>
         <p:spPr>
           <a:xfrm>
-            <a:off x="2403185" y="2886082"/>
+            <a:off x="2403185" y="2200282"/>
             <a:ext cx="236048" cy="173380"/>
           </a:xfrm>
           <a:prstGeom prst="flowChartDecision">
@@ -11462,7 +11160,7 @@
         </p:nvSpPr>
         <p:spPr>
           <a:xfrm>
-            <a:off x="2808873" y="2273656"/>
+            <a:off x="2808873" y="1587856"/>
             <a:ext cx="1093635" cy="346760"/>
           </a:xfrm>
           <a:prstGeom prst="rect">
@@ -11521,7 +11219,7 @@
         </p:nvCxnSpPr>
         <p:spPr>
           <a:xfrm>
-            <a:off x="2641543" y="2441752"/>
+            <a:off x="2641543" y="1755952"/>
             <a:ext cx="167330" cy="5284"/>
           </a:xfrm>
           <a:prstGeom prst="straightConnector1">
@@ -11559,7 +11257,7 @@
         </p:nvSpPr>
         <p:spPr>
           <a:xfrm>
-            <a:off x="2405495" y="2355062"/>
+            <a:off x="2405495" y="1669262"/>
             <a:ext cx="236048" cy="173380"/>
           </a:xfrm>
           <a:prstGeom prst="flowChartDecision">
@@ -11604,7 +11302,7 @@
         </p:nvSpPr>
         <p:spPr>
           <a:xfrm>
-            <a:off x="4829662" y="2012853"/>
+            <a:off x="4829662" y="1327053"/>
             <a:ext cx="1156969" cy="515590"/>
           </a:xfrm>
           <a:prstGeom prst="rect">
@@ -11660,7 +11358,7 @@
         </p:nvSpPr>
         <p:spPr>
           <a:xfrm>
-            <a:off x="3917173" y="2375582"/>
+            <a:off x="3917173" y="1689782"/>
             <a:ext cx="236048" cy="173380"/>
           </a:xfrm>
           <a:prstGeom prst="flowChartDecision">
@@ -11710,7 +11408,7 @@
         </p:nvCxnSpPr>
         <p:spPr>
           <a:xfrm flipV="1">
-            <a:off x="4153221" y="2120273"/>
+            <a:off x="4153221" y="1434473"/>
             <a:ext cx="678824" cy="341999"/>
           </a:xfrm>
           <a:prstGeom prst="bentConnector3">
@@ -11748,7 +11446,7 @@
         </p:nvSpPr>
         <p:spPr>
           <a:xfrm>
-            <a:off x="4832045" y="1572764"/>
+            <a:off x="4832045" y="886964"/>
             <a:ext cx="1156969" cy="346760"/>
           </a:xfrm>
           <a:prstGeom prst="rect">
@@ -11808,7 +11506,7 @@
         </p:nvCxnSpPr>
         <p:spPr>
           <a:xfrm flipV="1">
-            <a:off x="4153221" y="1746144"/>
+            <a:off x="4153221" y="1060344"/>
             <a:ext cx="678824" cy="716128"/>
           </a:xfrm>
           <a:prstGeom prst="bentConnector3">
@@ -11848,7 +11546,7 @@
         </p:nvSpPr>
         <p:spPr>
           <a:xfrm>
-            <a:off x="6529170" y="2362767"/>
+            <a:off x="6529170" y="1676967"/>
             <a:ext cx="951336" cy="346761"/>
           </a:xfrm>
           <a:prstGeom prst="rect">
@@ -11910,7 +11608,7 @@
         </p:nvSpPr>
         <p:spPr>
           <a:xfrm>
-            <a:off x="5994896" y="2210225"/>
+            <a:off x="5994896" y="1524425"/>
             <a:ext cx="236048" cy="173380"/>
           </a:xfrm>
           <a:prstGeom prst="flowChartDecision">
@@ -11959,7 +11657,7 @@
         </p:nvCxnSpPr>
         <p:spPr>
           <a:xfrm>
-            <a:off x="6230944" y="2296915"/>
+            <a:off x="6230944" y="1611115"/>
             <a:ext cx="298226" cy="239233"/>
           </a:xfrm>
           <a:prstGeom prst="bentConnector3">
@@ -11997,7 +11695,7 @@
         </p:nvSpPr>
         <p:spPr>
           <a:xfrm>
-            <a:off x="5705589" y="1101527"/>
+            <a:off x="5705589" y="415727"/>
             <a:ext cx="483700" cy="346760"/>
           </a:xfrm>
           <a:prstGeom prst="rect">
@@ -12053,7 +11751,7 @@
         </p:nvSpPr>
         <p:spPr>
           <a:xfrm rot="16200000">
-            <a:off x="5291150" y="1358735"/>
+            <a:off x="5291150" y="672935"/>
             <a:ext cx="236048" cy="173380"/>
           </a:xfrm>
           <a:prstGeom prst="flowChartDecision">
@@ -12101,7 +11799,7 @@
         </p:nvCxnSpPr>
         <p:spPr>
           <a:xfrm rot="5400000" flipH="1" flipV="1">
-            <a:off x="5531134" y="1152947"/>
+            <a:off x="5531134" y="467147"/>
             <a:ext cx="52494" cy="296415"/>
           </a:xfrm>
           <a:prstGeom prst="bentConnector2">
@@ -12139,7 +11837,7 @@
         </p:nvSpPr>
         <p:spPr>
           <a:xfrm>
-            <a:off x="3683360" y="4433900"/>
+            <a:off x="3683360" y="3748100"/>
             <a:ext cx="1045383" cy="346760"/>
           </a:xfrm>
           <a:prstGeom prst="rect">
@@ -12210,7 +11908,7 @@
         </p:nvSpPr>
         <p:spPr>
           <a:xfrm>
-            <a:off x="6641977" y="1143000"/>
+            <a:off x="6641977" y="457200"/>
             <a:ext cx="708186" cy="285783"/>
           </a:xfrm>
           <a:prstGeom prst="rect">
@@ -12266,7 +11964,7 @@
         </p:nvSpPr>
         <p:spPr>
           <a:xfrm rot="16200000">
-            <a:off x="6878045" y="2137975"/>
+            <a:off x="6878045" y="1452175"/>
             <a:ext cx="236048" cy="173380"/>
           </a:xfrm>
           <a:prstGeom prst="flowChartDecision">
@@ -12317,7 +12015,7 @@
         </p:nvCxnSpPr>
         <p:spPr>
           <a:xfrm rot="5400000" flipH="1" flipV="1">
-            <a:off x="6657140" y="1767712"/>
+            <a:off x="6657140" y="1081912"/>
             <a:ext cx="677858" cy="1"/>
           </a:xfrm>
           <a:prstGeom prst="bentConnector3">
@@ -12361,7 +12059,7 @@
         </p:nvCxnSpPr>
         <p:spPr>
           <a:xfrm rot="16200000" flipH="1">
-            <a:off x="3297348" y="2215313"/>
+            <a:off x="3297348" y="1529513"/>
             <a:ext cx="114374" cy="2311"/>
           </a:xfrm>
           <a:prstGeom prst="bentConnector3">
@@ -12402,7 +12100,7 @@
         </p:nvSpPr>
         <p:spPr>
           <a:xfrm>
-            <a:off x="2589686" y="1634440"/>
+            <a:off x="2589686" y="948640"/>
             <a:ext cx="1539926" cy="346760"/>
           </a:xfrm>
           <a:prstGeom prst="rect">
@@ -12473,7 +12171,7 @@
         </p:nvSpPr>
         <p:spPr>
           <a:xfrm>
-            <a:off x="2343612" y="1164895"/>
+            <a:off x="2343612" y="479095"/>
             <a:ext cx="1775949" cy="346760"/>
           </a:xfrm>
           <a:prstGeom prst="rect">
@@ -12548,7 +12246,7 @@
         </p:nvCxnSpPr>
         <p:spPr>
           <a:xfrm rot="5400000" flipH="1" flipV="1">
-            <a:off x="1516884" y="1307273"/>
+            <a:off x="1516884" y="621473"/>
             <a:ext cx="795726" cy="857730"/>
           </a:xfrm>
           <a:prstGeom prst="bentConnector2">
@@ -12591,7 +12289,7 @@
         </p:nvCxnSpPr>
         <p:spPr>
           <a:xfrm rot="16200000" flipV="1">
-            <a:off x="6312294" y="1422865"/>
+            <a:off x="6312294" y="737065"/>
             <a:ext cx="360497" cy="1007055"/>
           </a:xfrm>
           <a:prstGeom prst="bentConnector2">
@@ -12629,7 +12327,7 @@
         </p:nvSpPr>
         <p:spPr>
           <a:xfrm>
-            <a:off x="4564394" y="1529042"/>
+            <a:off x="4564394" y="843242"/>
             <a:ext cx="189257" cy="178683"/>
           </a:xfrm>
           <a:prstGeom prst="rect">
@@ -12668,7 +12366,7 @@
         </p:nvSpPr>
         <p:spPr>
           <a:xfrm>
-            <a:off x="4573055" y="1929514"/>
+            <a:off x="4573055" y="1243714"/>
             <a:ext cx="189257" cy="178683"/>
           </a:xfrm>
           <a:prstGeom prst="rect">
@@ -12702,7 +12400,7 @@
         </p:nvSpPr>
         <p:spPr>
           <a:xfrm>
-            <a:off x="6059245" y="1787608"/>
+            <a:off x="6059245" y="1101808"/>
             <a:ext cx="189257" cy="178683"/>
           </a:xfrm>
           <a:prstGeom prst="rect">
@@ -12741,7 +12439,7 @@
         </p:nvSpPr>
         <p:spPr>
           <a:xfrm>
-            <a:off x="5506098" y="1074336"/>
+            <a:off x="5506098" y="388536"/>
             <a:ext cx="189257" cy="178683"/>
           </a:xfrm>
           <a:prstGeom prst="rect">
@@ -12780,7 +12478,7 @@
         </p:nvSpPr>
         <p:spPr>
           <a:xfrm>
-            <a:off x="6357509" y="2348411"/>
+            <a:off x="6357509" y="1662611"/>
             <a:ext cx="189257" cy="178683"/>
           </a:xfrm>
           <a:prstGeom prst="rect">
@@ -12819,7 +12517,7 @@
         </p:nvSpPr>
         <p:spPr>
           <a:xfrm>
-            <a:off x="2617306" y="2210474"/>
+            <a:off x="2617306" y="1524674"/>
             <a:ext cx="189257" cy="178683"/>
           </a:xfrm>
           <a:prstGeom prst="rect">
@@ -12858,7 +12556,7 @@
         </p:nvSpPr>
         <p:spPr>
           <a:xfrm>
-            <a:off x="2585753" y="3032286"/>
+            <a:off x="2585753" y="2346486"/>
             <a:ext cx="189257" cy="178683"/>
           </a:xfrm>
           <a:prstGeom prst="rect">
@@ -12907,7 +12605,7 @@
         </p:nvCxnSpPr>
         <p:spPr>
           <a:xfrm rot="5400000" flipH="1" flipV="1">
-            <a:off x="1874694" y="1419009"/>
+            <a:off x="1874694" y="733209"/>
             <a:ext cx="326181" cy="1103804"/>
           </a:xfrm>
           <a:prstGeom prst="bentConnector2">
@@ -12956,12 +12654,12 @@
         </p:nvCxnSpPr>
         <p:spPr>
           <a:xfrm flipV="1">
-            <a:off x="6952991" y="2525297"/>
-            <a:ext cx="703039" cy="2904970"/>
+            <a:off x="6275493" y="1839497"/>
+            <a:ext cx="1380537" cy="2981170"/>
           </a:xfrm>
           <a:prstGeom prst="bentConnector3">
             <a:avLst>
-              <a:gd name="adj1" fmla="val 139271"/>
+              <a:gd name="adj1" fmla="val 119999"/>
             </a:avLst>
           </a:prstGeom>
           <a:ln w="19050">
@@ -13002,7 +12700,7 @@
         </p:nvSpPr>
         <p:spPr>
           <a:xfrm>
-            <a:off x="6249251" y="5287375"/>
+            <a:off x="5571753" y="4677775"/>
             <a:ext cx="703740" cy="285783"/>
           </a:xfrm>
           <a:prstGeom prst="rect">
@@ -13064,7 +12762,7 @@
         </p:nvSpPr>
         <p:spPr>
           <a:xfrm>
-            <a:off x="5411051" y="4876800"/>
+            <a:off x="4733553" y="4267200"/>
             <a:ext cx="881679" cy="285783"/>
           </a:xfrm>
           <a:prstGeom prst="rect">
@@ -13126,7 +12824,7 @@
         </p:nvSpPr>
         <p:spPr>
           <a:xfrm>
-            <a:off x="6916260" y="5671448"/>
+            <a:off x="6238762" y="5061848"/>
             <a:ext cx="703740" cy="285783"/>
           </a:xfrm>
           <a:prstGeom prst="rect">
@@ -13192,12 +12890,12 @@
         </p:nvCxnSpPr>
         <p:spPr>
           <a:xfrm flipV="1">
-            <a:off x="7620000" y="2525297"/>
-            <a:ext cx="36030" cy="3289043"/>
+            <a:off x="6942502" y="1839497"/>
+            <a:ext cx="713528" cy="3365243"/>
           </a:xfrm>
           <a:prstGeom prst="bentConnector3">
             <a:avLst>
-              <a:gd name="adj1" fmla="val 866278"/>
+              <a:gd name="adj1" fmla="val 138694"/>
             </a:avLst>
           </a:prstGeom>
           <a:ln w="19050">
@@ -13242,12 +12940,12 @@
         </p:nvCxnSpPr>
         <p:spPr>
           <a:xfrm flipV="1">
-            <a:off x="6292730" y="2525297"/>
-            <a:ext cx="1363300" cy="2494395"/>
+            <a:off x="5615232" y="1839497"/>
+            <a:ext cx="2040798" cy="2570595"/>
           </a:xfrm>
           <a:prstGeom prst="bentConnector3">
             <a:avLst>
-              <a:gd name="adj1" fmla="val 120252"/>
+              <a:gd name="adj1" fmla="val 113529"/>
             </a:avLst>
           </a:prstGeom>
           <a:ln w="19050">
@@ -13288,7 +12986,7 @@
         </p:nvSpPr>
         <p:spPr>
           <a:xfrm>
-            <a:off x="7052588" y="1443265"/>
+            <a:off x="7052588" y="757465"/>
             <a:ext cx="189257" cy="178683"/>
           </a:xfrm>
           <a:prstGeom prst="rect">
@@ -13337,7 +13035,7 @@
         </p:nvCxnSpPr>
         <p:spPr>
           <a:xfrm rot="10800000" flipV="1">
-            <a:off x="5138196" y="5421941"/>
+            <a:off x="4460698" y="4812341"/>
             <a:ext cx="874156" cy="1262"/>
           </a:xfrm>
           <a:prstGeom prst="bentConnector3">
@@ -13387,7 +13085,7 @@
         </p:nvCxnSpPr>
         <p:spPr>
           <a:xfrm rot="10800000">
-            <a:off x="4508047" y="5559031"/>
+            <a:off x="3830549" y="4949431"/>
             <a:ext cx="2170344" cy="255308"/>
           </a:xfrm>
           <a:prstGeom prst="bentConnector2">
@@ -13431,7 +13129,7 @@
         </p:nvSpPr>
         <p:spPr>
           <a:xfrm>
-            <a:off x="3877898" y="5287375"/>
+            <a:off x="3200400" y="4677775"/>
             <a:ext cx="1260298" cy="271656"/>
           </a:xfrm>
           <a:prstGeom prst="rect">
@@ -13469,7 +13167,7 @@
                   <a:srgbClr val="7030A0"/>
                 </a:solidFill>
               </a:rPr>
-              <a:t>EntryDateAndTime</a:t>
+              <a:t>java.util.Calendar</a:t>
             </a:r>
             <a:endParaRPr lang="en-SG" sz="1050" dirty="0">
               <a:solidFill>
@@ -13493,7 +13191,7 @@
         </p:nvSpPr>
         <p:spPr>
           <a:xfrm>
-            <a:off x="6012352" y="5335251"/>
+            <a:off x="5334854" y="4725651"/>
             <a:ext cx="236048" cy="173380"/>
           </a:xfrm>
           <a:prstGeom prst="flowChartDecision">
@@ -13546,7 +13244,7 @@
         </p:nvSpPr>
         <p:spPr>
           <a:xfrm>
-            <a:off x="4270437" y="5643157"/>
+            <a:off x="3592939" y="5033557"/>
             <a:ext cx="189257" cy="178683"/>
           </a:xfrm>
           <a:prstGeom prst="rect">
@@ -13591,7 +13289,7 @@
         </p:nvSpPr>
         <p:spPr>
           <a:xfrm>
-            <a:off x="5220943" y="5218058"/>
+            <a:off x="4543445" y="4608458"/>
             <a:ext cx="189257" cy="178683"/>
           </a:xfrm>
           <a:prstGeom prst="rect">
@@ -13636,7 +13334,7 @@
         </p:nvSpPr>
         <p:spPr>
           <a:xfrm>
-            <a:off x="6678391" y="5727649"/>
+            <a:off x="6000893" y="5118049"/>
             <a:ext cx="236048" cy="173380"/>
           </a:xfrm>
           <a:prstGeom prst="flowChartDecision">
@@ -13689,7 +13387,7 @@
         </p:nvSpPr>
         <p:spPr>
           <a:xfrm rot="5400000" flipV="1">
-            <a:off x="7433016" y="2437535"/>
+            <a:off x="7433016" y="1751735"/>
             <a:ext cx="270504" cy="175523"/>
           </a:xfrm>
           <a:prstGeom prst="triangle">
@@ -13743,7 +13441,7 @@
         </p:nvSpPr>
         <p:spPr>
           <a:xfrm>
-            <a:off x="2680736" y="3390920"/>
+            <a:off x="2680736" y="2705120"/>
             <a:ext cx="1099150" cy="377140"/>
           </a:xfrm>
           <a:prstGeom prst="rect">
@@ -13820,7 +13518,7 @@
         </p:nvSpPr>
         <p:spPr>
           <a:xfrm>
-            <a:off x="1969588" y="4123108"/>
+            <a:off x="1969588" y="3437308"/>
             <a:ext cx="189257" cy="178683"/>
           </a:xfrm>
           <a:prstGeom prst="rect">
@@ -13864,7 +13562,7 @@
         </p:nvCxnSpPr>
         <p:spPr>
           <a:xfrm flipV="1">
-            <a:off x="3968206" y="2270648"/>
+            <a:off x="3968206" y="1584848"/>
             <a:ext cx="861456" cy="1290819"/>
           </a:xfrm>
           <a:prstGeom prst="bentConnector3">
@@ -13911,7 +13609,7 @@
         </p:nvSpPr>
         <p:spPr>
           <a:xfrm>
-            <a:off x="4827831" y="2666979"/>
+            <a:off x="4827831" y="1981179"/>
             <a:ext cx="1156969" cy="476049"/>
           </a:xfrm>
           <a:prstGeom prst="rect">
@@ -13973,7 +13671,7 @@
         </p:nvSpPr>
         <p:spPr>
           <a:xfrm>
-            <a:off x="4836905" y="3228146"/>
+            <a:off x="4836905" y="2542346"/>
             <a:ext cx="1156969" cy="476049"/>
           </a:xfrm>
           <a:prstGeom prst="rect">
@@ -14035,7 +13733,7 @@
         </p:nvSpPr>
         <p:spPr>
           <a:xfrm>
-            <a:off x="4836905" y="3791151"/>
+            <a:off x="4836905" y="3105351"/>
             <a:ext cx="1156969" cy="476049"/>
           </a:xfrm>
           <a:prstGeom prst="rect">
@@ -14101,7 +13799,7 @@
         </p:nvCxnSpPr>
         <p:spPr>
           <a:xfrm>
-            <a:off x="4153221" y="2462272"/>
+            <a:off x="4153221" y="1776472"/>
             <a:ext cx="683684" cy="1566904"/>
           </a:xfrm>
           <a:prstGeom prst="bentConnector3">
@@ -14151,7 +13849,7 @@
         </p:nvCxnSpPr>
         <p:spPr>
           <a:xfrm>
-            <a:off x="4153221" y="2462272"/>
+            <a:off x="4153221" y="1776472"/>
             <a:ext cx="683684" cy="1003899"/>
           </a:xfrm>
           <a:prstGeom prst="bentConnector3">
@@ -14200,7 +13898,7 @@
         </p:nvCxnSpPr>
         <p:spPr>
           <a:xfrm>
-            <a:off x="4153221" y="2462272"/>
+            <a:off x="4153221" y="1776472"/>
             <a:ext cx="687855" cy="322151"/>
           </a:xfrm>
           <a:prstGeom prst="bentConnector3">
@@ -14246,7 +13944,7 @@
         </p:nvSpPr>
         <p:spPr>
           <a:xfrm>
-            <a:off x="4582923" y="2564517"/>
+            <a:off x="4582923" y="1878717"/>
             <a:ext cx="189257" cy="178683"/>
           </a:xfrm>
           <a:prstGeom prst="rect">
@@ -14291,7 +13989,7 @@
         </p:nvSpPr>
         <p:spPr>
           <a:xfrm>
-            <a:off x="4582922" y="3272640"/>
+            <a:off x="4582922" y="2586840"/>
             <a:ext cx="189257" cy="178683"/>
           </a:xfrm>
           <a:prstGeom prst="rect">
@@ -14336,7 +14034,7 @@
         </p:nvSpPr>
         <p:spPr>
           <a:xfrm>
-            <a:off x="4575940" y="3803425"/>
+            <a:off x="4575940" y="3117625"/>
             <a:ext cx="189257" cy="178683"/>
           </a:xfrm>
           <a:prstGeom prst="rect">
@@ -14383,7 +14081,7 @@
         </p:nvCxnSpPr>
         <p:spPr>
           <a:xfrm>
-            <a:off x="3963174" y="3562011"/>
+            <a:off x="3963174" y="2876211"/>
             <a:ext cx="864657" cy="561097"/>
           </a:xfrm>
           <a:prstGeom prst="bentConnector3">
@@ -14430,7 +14128,7 @@
         </p:nvSpPr>
         <p:spPr>
           <a:xfrm>
-            <a:off x="6011342" y="3949728"/>
+            <a:off x="6011342" y="3263928"/>
             <a:ext cx="236048" cy="173380"/>
           </a:xfrm>
           <a:prstGeom prst="flowChartDecision">
@@ -14485,7 +14183,7 @@
         </p:nvCxnSpPr>
         <p:spPr>
           <a:xfrm flipV="1">
-            <a:off x="6247390" y="2536148"/>
+            <a:off x="6247390" y="1850348"/>
             <a:ext cx="281780" cy="1500270"/>
           </a:xfrm>
           <a:prstGeom prst="bentConnector3">
@@ -14529,7 +14227,7 @@
         </p:nvSpPr>
         <p:spPr>
           <a:xfrm>
-            <a:off x="6011146" y="3382177"/>
+            <a:off x="6011146" y="2696377"/>
             <a:ext cx="236048" cy="173380"/>
           </a:xfrm>
           <a:prstGeom prst="flowChartDecision">
@@ -14584,7 +14282,7 @@
         </p:nvCxnSpPr>
         <p:spPr>
           <a:xfrm flipV="1">
-            <a:off x="6247194" y="2536148"/>
+            <a:off x="6247194" y="1850348"/>
             <a:ext cx="281976" cy="932719"/>
           </a:xfrm>
           <a:prstGeom prst="bentConnector3">
@@ -14628,7 +14326,7 @@
         </p:nvSpPr>
         <p:spPr>
           <a:xfrm>
-            <a:off x="5999067" y="2824393"/>
+            <a:off x="5999067" y="2138593"/>
             <a:ext cx="236048" cy="173380"/>
           </a:xfrm>
           <a:prstGeom prst="flowChartDecision">
@@ -14683,7 +14381,7 @@
         </p:nvCxnSpPr>
         <p:spPr>
           <a:xfrm flipV="1">
-            <a:off x="6235115" y="2536148"/>
+            <a:off x="6235115" y="1850348"/>
             <a:ext cx="294055" cy="374935"/>
           </a:xfrm>
           <a:prstGeom prst="bentConnector3">
@@ -14713,172 +14411,6 @@
           </a:fontRef>
         </p:style>
       </p:cxnSp>
-      <p:sp>
-        <p:nvSpPr>
-          <p:cNvPr id="129" name="Rectangle 8">
-            <a:extLst>
-              <a:ext uri="{FF2B5EF4-FFF2-40B4-BE49-F238E27FC236}">
-                <a16:creationId xmlns:a16="http://schemas.microsoft.com/office/drawing/2014/main" id="{903E1365-C308-4B91-A75F-2DFC5EDB686C}"/>
-              </a:ext>
-            </a:extLst>
-          </p:cNvPr>
-          <p:cNvSpPr/>
-          <p:nvPr/>
-        </p:nvSpPr>
-        <p:spPr>
-          <a:xfrm>
-            <a:off x="2037784" y="5287375"/>
-            <a:ext cx="1260298" cy="271656"/>
-          </a:xfrm>
-          <a:prstGeom prst="rect">
-            <a:avLst/>
-          </a:prstGeom>
-          <a:ln w="19050">
-            <a:solidFill>
-              <a:srgbClr val="7030A0"/>
-            </a:solidFill>
-          </a:ln>
-          <a:effectLst/>
-        </p:spPr>
-        <p:style>
-          <a:lnRef idx="1">
-            <a:schemeClr val="accent4"/>
-          </a:lnRef>
-          <a:fillRef idx="2">
-            <a:schemeClr val="accent4"/>
-          </a:fillRef>
-          <a:effectRef idx="1">
-            <a:schemeClr val="accent4"/>
-          </a:effectRef>
-          <a:fontRef idx="minor">
-            <a:schemeClr val="dk1"/>
-          </a:fontRef>
-        </p:style>
-        <p:txBody>
-          <a:bodyPr rtlCol="0" anchor="ctr"/>
-          <a:lstStyle/>
-          <a:p>
-            <a:pPr algn="ctr"/>
-            <a:r>
-              <a:rPr lang="en-SG" sz="1050" dirty="0" err="1">
-                <a:solidFill>
-                  <a:srgbClr val="7030A0"/>
-                </a:solidFill>
-              </a:rPr>
-              <a:t>Java.util.Calendar</a:t>
-            </a:r>
-            <a:endParaRPr lang="en-SG" sz="1050" dirty="0">
-              <a:solidFill>
-                <a:srgbClr val="7030A0"/>
-              </a:solidFill>
-            </a:endParaRPr>
-          </a:p>
-        </p:txBody>
-      </p:sp>
-      <p:cxnSp>
-        <p:nvCxnSpPr>
-          <p:cNvPr id="134" name="Elbow Connector 85">
-            <a:extLst>
-              <a:ext uri="{FF2B5EF4-FFF2-40B4-BE49-F238E27FC236}">
-                <a16:creationId xmlns:a16="http://schemas.microsoft.com/office/drawing/2014/main" id="{7B704892-E660-4E06-9104-CA88FFF740AC}"/>
-              </a:ext>
-            </a:extLst>
-          </p:cNvPr>
-          <p:cNvCxnSpPr>
-            <a:cxnSpLocks/>
-            <a:stCxn id="80" idx="1"/>
-            <a:endCxn id="135" idx="3"/>
-          </p:cNvCxnSpPr>
-          <p:nvPr/>
-        </p:nvCxnSpPr>
-        <p:spPr>
-          <a:xfrm rot="10800000">
-            <a:off x="3489482" y="5422119"/>
-            <a:ext cx="388416" cy="1085"/>
-          </a:xfrm>
-          <a:prstGeom prst="bentConnector3">
-            <a:avLst>
-              <a:gd name="adj1" fmla="val 50000"/>
-            </a:avLst>
-          </a:prstGeom>
-          <a:ln w="19050">
-            <a:solidFill>
-              <a:srgbClr val="7030A0"/>
-            </a:solidFill>
-            <a:headEnd type="none" w="med" len="med"/>
-            <a:tailEnd type="none" w="med" len="med"/>
-          </a:ln>
-          <a:effectLst/>
-        </p:spPr>
-        <p:style>
-          <a:lnRef idx="1">
-            <a:schemeClr val="accent2"/>
-          </a:lnRef>
-          <a:fillRef idx="2">
-            <a:schemeClr val="accent2"/>
-          </a:fillRef>
-          <a:effectRef idx="1">
-            <a:schemeClr val="accent2"/>
-          </a:effectRef>
-          <a:fontRef idx="minor">
-            <a:schemeClr val="dk1"/>
-          </a:fontRef>
-        </p:style>
-      </p:cxnSp>
-      <p:sp>
-        <p:nvSpPr>
-          <p:cNvPr id="135" name="Isosceles Triangle 102">
-            <a:extLst>
-              <a:ext uri="{FF2B5EF4-FFF2-40B4-BE49-F238E27FC236}">
-                <a16:creationId xmlns:a16="http://schemas.microsoft.com/office/drawing/2014/main" id="{960F6039-F600-4C86-962C-9DF2ECC12C2B}"/>
-              </a:ext>
-            </a:extLst>
-          </p:cNvPr>
-          <p:cNvSpPr/>
-          <p:nvPr/>
-        </p:nvSpPr>
-        <p:spPr>
-          <a:xfrm rot="5400000" flipV="1">
-            <a:off x="3266468" y="5334356"/>
-            <a:ext cx="270504" cy="175523"/>
-          </a:xfrm>
-          <a:prstGeom prst="triangle">
-            <a:avLst/>
-          </a:prstGeom>
-          <a:ln w="19050">
-            <a:solidFill>
-              <a:srgbClr val="7030A0"/>
-            </a:solidFill>
-          </a:ln>
-          <a:effectLst/>
-        </p:spPr>
-        <p:style>
-          <a:lnRef idx="1">
-            <a:schemeClr val="accent4"/>
-          </a:lnRef>
-          <a:fillRef idx="2">
-            <a:schemeClr val="accent4"/>
-          </a:fillRef>
-          <a:effectRef idx="1">
-            <a:schemeClr val="accent4"/>
-          </a:effectRef>
-          <a:fontRef idx="minor">
-            <a:schemeClr val="dk1"/>
-          </a:fontRef>
-        </p:style>
-        <p:txBody>
-          <a:bodyPr rtlCol="0" anchor="ctr"/>
-          <a:lstStyle/>
-          <a:p>
-            <a:pPr algn="ctr"/>
-            <a:endParaRPr lang="en-SG" sz="1050" b="1">
-              <a:solidFill>
-                <a:srgbClr val="92D050"/>
-              </a:solidFill>
-            </a:endParaRPr>
-          </a:p>
-        </p:txBody>
-      </p:sp>
       <p:sp>
         <p:nvSpPr>
           <p:cNvPr id="138" name="Isosceles Triangle 102">
@@ -14893,7 +14425,7 @@
         </p:nvSpPr>
         <p:spPr>
           <a:xfrm>
-            <a:off x="3218128" y="1983759"/>
+            <a:off x="3218128" y="1297959"/>
             <a:ext cx="270504" cy="175523"/>
           </a:xfrm>
           <a:prstGeom prst="triangle">
@@ -14946,7 +14478,7 @@
         </p:nvSpPr>
         <p:spPr>
           <a:xfrm rot="16200000">
-            <a:off x="4681253" y="4519517"/>
+            <a:off x="4681253" y="3833717"/>
             <a:ext cx="270504" cy="175523"/>
           </a:xfrm>
           <a:prstGeom prst="triangle">
@@ -14999,7 +14531,7 @@
         </p:nvSpPr>
         <p:spPr>
           <a:xfrm rot="5400000" flipV="1">
-            <a:off x="3745192" y="3473705"/>
+            <a:off x="3745192" y="2787905"/>
             <a:ext cx="270504" cy="175523"/>
           </a:xfrm>
           <a:prstGeom prst="triangle">
@@ -15057,7 +14589,7 @@
         </p:nvCxnSpPr>
         <p:spPr>
           <a:xfrm rot="5400000">
-            <a:off x="5005678" y="2608118"/>
+            <a:off x="5005678" y="1922318"/>
             <a:ext cx="1897751" cy="2100571"/>
           </a:xfrm>
           <a:prstGeom prst="bentConnector2">
@@ -15105,7 +14637,7 @@
         </p:nvCxnSpPr>
         <p:spPr>
           <a:xfrm>
-            <a:off x="3968206" y="3561467"/>
+            <a:off x="3968206" y="2875667"/>
             <a:ext cx="859625" cy="544"/>
           </a:xfrm>
           <a:prstGeom prst="bentConnector3">
@@ -15152,7 +14684,7 @@
         </p:nvSpPr>
         <p:spPr>
           <a:xfrm>
-            <a:off x="1640299" y="4339394"/>
+            <a:off x="1640299" y="3653594"/>
             <a:ext cx="1146688" cy="535027"/>
           </a:xfrm>
           <a:prstGeom prst="rect">
@@ -15190,7 +14722,7 @@
                   <a:srgbClr val="7030A0"/>
                 </a:solidFill>
               </a:rPr>
-              <a:t>Javafx.collections.transformation</a:t>
+              <a:t>javafx.collections.transformation</a:t>
             </a:r>
             <a:endParaRPr lang="en-US" sz="1050" dirty="0">
               <a:solidFill>
@@ -15242,7 +14774,7 @@
         </p:nvCxnSpPr>
         <p:spPr>
           <a:xfrm>
-            <a:off x="2786987" y="4606908"/>
+            <a:off x="2786987" y="3921108"/>
             <a:ext cx="896373" cy="372"/>
           </a:xfrm>
           <a:prstGeom prst="bentConnector3">
@@ -15289,7 +14821,7 @@
         </p:nvSpPr>
         <p:spPr>
           <a:xfrm>
-            <a:off x="3414059" y="4419600"/>
+            <a:off x="3414059" y="3733800"/>
             <a:ext cx="189257" cy="178683"/>
           </a:xfrm>
           <a:prstGeom prst="rect">
@@ -15332,7 +14864,7 @@
         </p:nvCxnSpPr>
         <p:spPr>
           <a:xfrm flipV="1">
-            <a:off x="3968206" y="3076332"/>
+            <a:off x="3968206" y="2390532"/>
             <a:ext cx="856620" cy="485135"/>
           </a:xfrm>
           <a:prstGeom prst="bentConnector3">
@@ -15379,7 +14911,7 @@
         </p:nvSpPr>
         <p:spPr>
           <a:xfrm>
-            <a:off x="2685821" y="3863878"/>
+            <a:off x="6898746" y="5520537"/>
             <a:ext cx="1099150" cy="377140"/>
           </a:xfrm>
           <a:prstGeom prst="rect">
@@ -15451,8 +14983,8 @@
           <p:nvPr/>
         </p:nvSpPr>
         <p:spPr>
-          <a:xfrm rot="5400000" flipV="1">
-            <a:off x="3750802" y="3950371"/>
+          <a:xfrm rot="16200000" flipV="1">
+            <a:off x="6675732" y="5617006"/>
             <a:ext cx="270504" cy="175523"/>
           </a:xfrm>
           <a:prstGeom prst="triangle">
@@ -15507,19 +15039,17 @@
           <p:cNvCxnSpPr>
             <a:cxnSpLocks/>
             <a:stCxn id="96" idx="3"/>
-            <a:endCxn id="101" idx="1"/>
+            <a:endCxn id="77" idx="2"/>
           </p:cNvCxnSpPr>
           <p:nvPr/>
         </p:nvCxnSpPr>
         <p:spPr>
-          <a:xfrm flipV="1">
-            <a:off x="3973816" y="2905004"/>
-            <a:ext cx="854015" cy="1133129"/>
-          </a:xfrm>
-          <a:prstGeom prst="bentConnector3">
-            <a:avLst>
-              <a:gd name="adj1" fmla="val 30370"/>
-            </a:avLst>
+          <a:xfrm rot="10800000">
+            <a:off x="5923623" y="4963558"/>
+            <a:ext cx="799600" cy="741210"/>
+          </a:xfrm>
+          <a:prstGeom prst="bentConnector2">
+            <a:avLst/>
           </a:prstGeom>
           <a:ln w="19050">
             <a:solidFill>
@@ -15558,18 +15088,17 @@
           <p:cNvCxnSpPr>
             <a:cxnSpLocks/>
             <a:stCxn id="96" idx="3"/>
+            <a:endCxn id="87" idx="2"/>
           </p:cNvCxnSpPr>
           <p:nvPr/>
         </p:nvCxnSpPr>
         <p:spPr>
-          <a:xfrm flipV="1">
-            <a:off x="3973816" y="3269429"/>
-            <a:ext cx="858229" cy="768704"/>
-          </a:xfrm>
-          <a:prstGeom prst="bentConnector3">
-            <a:avLst>
-              <a:gd name="adj1" fmla="val 30467"/>
-            </a:avLst>
+          <a:xfrm rot="10800000">
+            <a:off x="6590633" y="5347632"/>
+            <a:ext cx="132591" cy="357137"/>
+          </a:xfrm>
+          <a:prstGeom prst="bentConnector2">
+            <a:avLst/>
           </a:prstGeom>
           <a:ln w="19050">
             <a:solidFill>
@@ -15596,1052 +15125,22 @@
           </a:fontRef>
         </p:style>
       </p:cxnSp>
-    </p:spTree>
-    <p:extLst>
-      <p:ext uri="{BB962C8B-B14F-4D97-AF65-F5344CB8AC3E}">
-        <p14:creationId xmlns:p14="http://schemas.microsoft.com/office/powerpoint/2010/main" val="1567827878"/>
-      </p:ext>
-    </p:extLst>
-  </p:cSld>
-  <p:clrMapOvr>
-    <a:masterClrMapping/>
-  </p:clrMapOvr>
-</p:sld>
-</file>
-
-<file path=ppt/slides/slide4.xml><?xml version="1.0" encoding="utf-8"?>
-<p:sld xmlns:a="http://schemas.openxmlformats.org/drawingml/2006/main" xmlns:r="http://schemas.openxmlformats.org/officeDocument/2006/relationships" xmlns:p="http://schemas.openxmlformats.org/presentationml/2006/main">
-  <p:cSld>
-    <p:spTree>
-      <p:nvGrpSpPr>
-        <p:cNvPr id="1" name=""/>
-        <p:cNvGrpSpPr/>
-        <p:nvPr/>
-      </p:nvGrpSpPr>
-      <p:grpSpPr>
-        <a:xfrm>
-          <a:off x="0" y="0"/>
-          <a:ext cx="0" cy="0"/>
-          <a:chOff x="0" y="0"/>
-          <a:chExt cx="0" cy="0"/>
-        </a:xfrm>
-      </p:grpSpPr>
-      <p:sp>
-        <p:nvSpPr>
-          <p:cNvPr id="118" name="Rectangle 65"/>
+      <p:sp>
+        <p:nvSpPr>
+          <p:cNvPr id="90" name="Rectangle 8">
+            <a:extLst>
+              <a:ext uri="{FF2B5EF4-FFF2-40B4-BE49-F238E27FC236}">
+                <a16:creationId xmlns:a16="http://schemas.microsoft.com/office/drawing/2014/main" id="{B237C62A-9ED3-453C-92A3-B6ADA425158D}"/>
+              </a:ext>
+            </a:extLst>
+          </p:cNvPr>
           <p:cNvSpPr/>
           <p:nvPr/>
         </p:nvSpPr>
         <p:spPr>
           <a:xfrm>
-            <a:off x="990600" y="838200"/>
-            <a:ext cx="7239000" cy="5410200"/>
-          </a:xfrm>
-          <a:prstGeom prst="roundRect">
-            <a:avLst>
-              <a:gd name="adj" fmla="val 3484"/>
-            </a:avLst>
-          </a:prstGeom>
-          <a:solidFill>
-            <a:schemeClr val="accent4">
-              <a:lumMod val="20000"/>
-              <a:lumOff val="80000"/>
-            </a:schemeClr>
-          </a:solidFill>
-          <a:ln w="19050">
-            <a:noFill/>
-          </a:ln>
-          <a:effectLst/>
-        </p:spPr>
-        <p:style>
-          <a:lnRef idx="1">
-            <a:schemeClr val="accent2"/>
-          </a:lnRef>
-          <a:fillRef idx="2">
-            <a:schemeClr val="accent2"/>
-          </a:fillRef>
-          <a:effectRef idx="1">
-            <a:schemeClr val="accent2"/>
-          </a:effectRef>
-          <a:fontRef idx="minor">
-            <a:schemeClr val="dk1"/>
-          </a:fontRef>
-        </p:style>
-        <p:txBody>
-          <a:bodyPr rtlCol="0" anchor="t"/>
-          <a:lstStyle/>
-          <a:p>
-            <a:r>
-              <a:rPr lang="en-US" sz="1200" b="1" dirty="0">
-                <a:solidFill>
-                  <a:srgbClr val="7030A0"/>
-                </a:solidFill>
-              </a:rPr>
-              <a:t>Model</a:t>
-            </a:r>
-            <a:endParaRPr lang="en-SG" sz="1200" b="1" dirty="0">
-              <a:solidFill>
-                <a:srgbClr val="7030A0"/>
-              </a:solidFill>
-            </a:endParaRPr>
-          </a:p>
-        </p:txBody>
-      </p:sp>
-      <p:sp>
-        <p:nvSpPr>
-          <p:cNvPr id="2" name="Rectangle 8"/>
-          <p:cNvSpPr/>
-          <p:nvPr/>
-        </p:nvSpPr>
-        <p:spPr>
-          <a:xfrm>
-            <a:off x="2806563" y="2804676"/>
-            <a:ext cx="1093635" cy="346760"/>
-          </a:xfrm>
-          <a:prstGeom prst="rect">
-            <a:avLst/>
-          </a:prstGeom>
-          <a:solidFill>
-            <a:srgbClr val="7030A0"/>
-          </a:solidFill>
-          <a:ln w="19050">
-            <a:solidFill>
-              <a:srgbClr val="7030A0"/>
-            </a:solidFill>
-          </a:ln>
-          <a:effectLst/>
-        </p:spPr>
-        <p:style>
-          <a:lnRef idx="1">
-            <a:schemeClr val="accent2"/>
-          </a:lnRef>
-          <a:fillRef idx="2">
-            <a:schemeClr val="accent2"/>
-          </a:fillRef>
-          <a:effectRef idx="1">
-            <a:schemeClr val="accent2"/>
-          </a:effectRef>
-          <a:fontRef idx="minor">
-            <a:schemeClr val="dk1"/>
-          </a:fontRef>
-        </p:style>
-        <p:txBody>
-          <a:bodyPr rtlCol="0" anchor="ctr"/>
-          <a:lstStyle/>
-          <a:p>
-            <a:pPr algn="ctr"/>
-            <a:r>
-              <a:rPr lang="en-US" sz="1050" dirty="0" err="1">
-                <a:solidFill>
-                  <a:schemeClr val="bg1"/>
-                </a:solidFill>
-              </a:rPr>
-              <a:t>UserPref</a:t>
-            </a:r>
-            <a:endParaRPr lang="en-SG" sz="1050" dirty="0">
-              <a:solidFill>
-                <a:schemeClr val="bg1"/>
-              </a:solidFill>
-            </a:endParaRPr>
-          </a:p>
-        </p:txBody>
-      </p:sp>
-      <p:sp>
-        <p:nvSpPr>
-          <p:cNvPr id="9" name="Rectangle 62"/>
-          <p:cNvSpPr/>
-          <p:nvPr/>
-        </p:nvSpPr>
-        <p:spPr>
-          <a:xfrm rot="16200000">
-            <a:off x="1666826" y="2514923"/>
-            <a:ext cx="1093635" cy="346760"/>
-          </a:xfrm>
-          <a:prstGeom prst="rect">
-            <a:avLst/>
-          </a:prstGeom>
-          <a:solidFill>
-            <a:srgbClr val="7030A0"/>
-          </a:solidFill>
-          <a:ln w="19050">
-            <a:solidFill>
-              <a:srgbClr val="7030A0"/>
-            </a:solidFill>
-          </a:ln>
-          <a:effectLst/>
-        </p:spPr>
-        <p:style>
-          <a:lnRef idx="1">
-            <a:schemeClr val="accent2"/>
-          </a:lnRef>
-          <a:fillRef idx="2">
-            <a:schemeClr val="accent2"/>
-          </a:fillRef>
-          <a:effectRef idx="1">
-            <a:schemeClr val="accent2"/>
-          </a:effectRef>
-          <a:fontRef idx="minor">
-            <a:schemeClr val="dk1"/>
-          </a:fontRef>
-        </p:style>
-        <p:txBody>
-          <a:bodyPr rtlCol="0" anchor="ctr"/>
-          <a:lstStyle/>
-          <a:p>
-            <a:pPr algn="ctr"/>
-            <a:r>
-              <a:rPr lang="en-US" sz="1050" dirty="0" err="1">
-                <a:solidFill>
-                  <a:schemeClr val="bg1"/>
-                </a:solidFill>
-              </a:rPr>
-              <a:t>ModelManager</a:t>
-            </a:r>
-            <a:endParaRPr lang="en-SG" sz="1050" dirty="0">
-              <a:solidFill>
-                <a:schemeClr val="bg1"/>
-              </a:solidFill>
-            </a:endParaRPr>
-          </a:p>
-        </p:txBody>
-      </p:sp>
-      <p:cxnSp>
-        <p:nvCxnSpPr>
-          <p:cNvPr id="107" name="Elbow Connector 106"/>
-          <p:cNvCxnSpPr>
-            <a:cxnSpLocks/>
-            <a:stCxn id="9" idx="1"/>
-            <a:endCxn id="126" idx="0"/>
-          </p:cNvCxnSpPr>
-          <p:nvPr/>
-        </p:nvCxnSpPr>
-        <p:spPr>
-          <a:xfrm rot="5400000">
-            <a:off x="1661508" y="3787257"/>
-            <a:ext cx="1104273" cy="1"/>
-          </a:xfrm>
-          <a:prstGeom prst="bentConnector3">
-            <a:avLst>
-              <a:gd name="adj1" fmla="val 50000"/>
-            </a:avLst>
-          </a:prstGeom>
-          <a:ln w="19050">
-            <a:solidFill>
-              <a:srgbClr val="7030A0"/>
-            </a:solidFill>
-            <a:prstDash val="solid"/>
-            <a:headEnd type="none" w="med" len="med"/>
-            <a:tailEnd type="arrow" w="med" len="med"/>
-          </a:ln>
-          <a:effectLst/>
-        </p:spPr>
-        <p:style>
-          <a:lnRef idx="1">
-            <a:schemeClr val="accent2"/>
-          </a:lnRef>
-          <a:fillRef idx="2">
-            <a:schemeClr val="accent2"/>
-          </a:fillRef>
-          <a:effectRef idx="1">
-            <a:schemeClr val="accent2"/>
-          </a:effectRef>
-          <a:fontRef idx="minor">
-            <a:schemeClr val="dk1"/>
-          </a:fontRef>
-        </p:style>
-      </p:cxnSp>
-      <p:sp>
-        <p:nvSpPr>
-          <p:cNvPr id="119" name="Rectangle 62"/>
-          <p:cNvSpPr/>
-          <p:nvPr/>
-        </p:nvSpPr>
-        <p:spPr>
-          <a:xfrm rot="16200000">
-            <a:off x="939065" y="2507438"/>
-            <a:ext cx="1093635" cy="346760"/>
-          </a:xfrm>
-          <a:prstGeom prst="rect">
-            <a:avLst/>
-          </a:prstGeom>
-          <a:solidFill>
-            <a:srgbClr val="7030A0"/>
-          </a:solidFill>
-          <a:ln w="19050">
-            <a:solidFill>
-              <a:srgbClr val="7030A0"/>
-            </a:solidFill>
-          </a:ln>
-          <a:effectLst/>
-        </p:spPr>
-        <p:style>
-          <a:lnRef idx="1">
-            <a:schemeClr val="accent2"/>
-          </a:lnRef>
-          <a:fillRef idx="2">
-            <a:schemeClr val="accent2"/>
-          </a:fillRef>
-          <a:effectRef idx="1">
-            <a:schemeClr val="accent2"/>
-          </a:effectRef>
-          <a:fontRef idx="minor">
-            <a:schemeClr val="dk1"/>
-          </a:fontRef>
-        </p:style>
-        <p:txBody>
-          <a:bodyPr rtlCol="0" anchor="ctr"/>
-          <a:lstStyle/>
-          <a:p>
-            <a:pPr algn="ctr"/>
-            <a:r>
-              <a:rPr lang="en-US" sz="1050" dirty="0">
-                <a:solidFill>
-                  <a:schemeClr val="bg1"/>
-                </a:solidFill>
-              </a:rPr>
-              <a:t>&lt;&lt;interface&gt;&gt;</a:t>
-            </a:r>
-          </a:p>
-          <a:p>
-            <a:pPr algn="ctr"/>
-            <a:r>
-              <a:rPr lang="en-US" sz="1050" dirty="0">
-                <a:solidFill>
-                  <a:schemeClr val="bg1"/>
-                </a:solidFill>
-              </a:rPr>
-              <a:t>Model</a:t>
-            </a:r>
-            <a:endParaRPr lang="en-SG" sz="1050" dirty="0">
-              <a:solidFill>
-                <a:schemeClr val="bg1"/>
-              </a:solidFill>
-            </a:endParaRPr>
-          </a:p>
-        </p:txBody>
-      </p:sp>
-      <p:sp>
-        <p:nvSpPr>
-          <p:cNvPr id="120" name="Isosceles Triangle 102"/>
-          <p:cNvSpPr/>
-          <p:nvPr/>
-        </p:nvSpPr>
-        <p:spPr>
-          <a:xfrm rot="16200000">
-            <a:off x="1609773" y="2598527"/>
-            <a:ext cx="270504" cy="175523"/>
-          </a:xfrm>
-          <a:prstGeom prst="triangle">
-            <a:avLst/>
-          </a:prstGeom>
-          <a:solidFill>
-            <a:srgbClr val="7030A0"/>
-          </a:solidFill>
-          <a:ln w="19050">
-            <a:solidFill>
-              <a:srgbClr val="7030A0"/>
-            </a:solidFill>
-          </a:ln>
-          <a:effectLst/>
-        </p:spPr>
-        <p:style>
-          <a:lnRef idx="1">
-            <a:schemeClr val="accent6"/>
-          </a:lnRef>
-          <a:fillRef idx="2">
-            <a:schemeClr val="accent6"/>
-          </a:fillRef>
-          <a:effectRef idx="1">
-            <a:schemeClr val="accent6"/>
-          </a:effectRef>
-          <a:fontRef idx="minor">
-            <a:schemeClr val="dk1"/>
-          </a:fontRef>
-        </p:style>
-        <p:txBody>
-          <a:bodyPr rtlCol="0" anchor="ctr"/>
-          <a:lstStyle/>
-          <a:p>
-            <a:pPr algn="ctr"/>
-            <a:endParaRPr lang="en-SG" sz="1050"/>
-          </a:p>
-        </p:txBody>
-      </p:sp>
-      <p:cxnSp>
-        <p:nvCxnSpPr>
-          <p:cNvPr id="58" name="Straight Arrow Connector 57"/>
-          <p:cNvCxnSpPr>
-            <a:stCxn id="42" idx="3"/>
-            <a:endCxn id="2" idx="1"/>
-          </p:cNvCxnSpPr>
-          <p:nvPr/>
-        </p:nvCxnSpPr>
-        <p:spPr>
-          <a:xfrm>
-            <a:off x="2639233" y="2972772"/>
-            <a:ext cx="167330" cy="5284"/>
-          </a:xfrm>
-          <a:prstGeom prst="straightConnector1">
-            <a:avLst/>
-          </a:prstGeom>
-          <a:ln w="19050">
-            <a:solidFill>
-              <a:srgbClr val="7030A0"/>
-            </a:solidFill>
-            <a:headEnd type="none" w="med" len="med"/>
-            <a:tailEnd type="arrow" w="med" len="med"/>
-          </a:ln>
-          <a:effectLst/>
-        </p:spPr>
-        <p:style>
-          <a:lnRef idx="1">
-            <a:schemeClr val="accent2"/>
-          </a:lnRef>
-          <a:fillRef idx="2">
-            <a:schemeClr val="accent2"/>
-          </a:fillRef>
-          <a:effectRef idx="1">
-            <a:schemeClr val="accent2"/>
-          </a:effectRef>
-          <a:fontRef idx="minor">
-            <a:schemeClr val="dk1"/>
-          </a:fontRef>
-        </p:style>
-      </p:cxnSp>
-      <p:cxnSp>
-        <p:nvCxnSpPr>
-          <p:cNvPr id="75" name="Elbow Connector 122"/>
-          <p:cNvCxnSpPr>
-            <a:cxnSpLocks/>
-          </p:cNvCxnSpPr>
-          <p:nvPr/>
-        </p:nvCxnSpPr>
-        <p:spPr>
-          <a:xfrm>
-            <a:off x="1038789" y="2688303"/>
-            <a:ext cx="273713" cy="846"/>
-          </a:xfrm>
-          <a:prstGeom prst="bentConnector3">
-            <a:avLst>
-              <a:gd name="adj1" fmla="val 50000"/>
-            </a:avLst>
-          </a:prstGeom>
-          <a:ln w="19050">
-            <a:solidFill>
-              <a:schemeClr val="bg1">
-                <a:lumMod val="75000"/>
-              </a:schemeClr>
-            </a:solidFill>
-            <a:prstDash val="sysDot"/>
-            <a:headEnd type="none" w="med" len="med"/>
-            <a:tailEnd type="arrow" w="med" len="med"/>
-          </a:ln>
-          <a:effectLst/>
-        </p:spPr>
-        <p:style>
-          <a:lnRef idx="1">
-            <a:schemeClr val="accent2"/>
-          </a:lnRef>
-          <a:fillRef idx="2">
-            <a:schemeClr val="accent2"/>
-          </a:fillRef>
-          <a:effectRef idx="1">
-            <a:schemeClr val="accent2"/>
-          </a:effectRef>
-          <a:fontRef idx="minor">
-            <a:schemeClr val="dk1"/>
-          </a:fontRef>
-        </p:style>
-      </p:cxnSp>
-      <p:cxnSp>
-        <p:nvCxnSpPr>
-          <p:cNvPr id="21" name="Straight Connector 20"/>
-          <p:cNvCxnSpPr>
-            <a:stCxn id="120" idx="3"/>
-          </p:cNvCxnSpPr>
-          <p:nvPr/>
-        </p:nvCxnSpPr>
-        <p:spPr>
-          <a:xfrm flipV="1">
-            <a:off x="1832787" y="2686288"/>
-            <a:ext cx="216105" cy="1"/>
-          </a:xfrm>
-          <a:prstGeom prst="line">
-            <a:avLst/>
-          </a:prstGeom>
-          <a:ln w="19050">
-            <a:solidFill>
-              <a:srgbClr val="7030A0"/>
-            </a:solidFill>
-            <a:prstDash val="sysDot"/>
-            <a:headEnd type="none" w="med" len="med"/>
-            <a:tailEnd type="none" w="med" len="med"/>
-          </a:ln>
-          <a:effectLst/>
-        </p:spPr>
-        <p:style>
-          <a:lnRef idx="1">
-            <a:schemeClr val="accent2"/>
-          </a:lnRef>
-          <a:fillRef idx="2">
-            <a:schemeClr val="accent2"/>
-          </a:fillRef>
-          <a:effectRef idx="1">
-            <a:schemeClr val="accent2"/>
-          </a:effectRef>
-          <a:fontRef idx="minor">
-            <a:schemeClr val="dk1"/>
-          </a:fontRef>
-        </p:style>
-      </p:cxnSp>
-      <p:sp>
-        <p:nvSpPr>
-          <p:cNvPr id="42" name="Flowchart: Decision 96"/>
-          <p:cNvSpPr/>
-          <p:nvPr/>
-        </p:nvSpPr>
-        <p:spPr>
-          <a:xfrm>
-            <a:off x="2403185" y="2886082"/>
-            <a:ext cx="236048" cy="173380"/>
-          </a:xfrm>
-          <a:prstGeom prst="flowChartDecision">
-            <a:avLst/>
-          </a:prstGeom>
-          <a:noFill/>
-          <a:ln w="19050">
-            <a:solidFill>
-              <a:srgbClr val="7030A0"/>
-            </a:solidFill>
-          </a:ln>
-          <a:effectLst/>
-        </p:spPr>
-        <p:style>
-          <a:lnRef idx="1">
-            <a:schemeClr val="accent6"/>
-          </a:lnRef>
-          <a:fillRef idx="2">
-            <a:schemeClr val="accent6"/>
-          </a:fillRef>
-          <a:effectRef idx="1">
-            <a:schemeClr val="accent6"/>
-          </a:effectRef>
-          <a:fontRef idx="minor">
-            <a:schemeClr val="dk1"/>
-          </a:fontRef>
-        </p:style>
-        <p:txBody>
-          <a:bodyPr rtlCol="0" anchor="ctr"/>
-          <a:lstStyle/>
-          <a:p>
-            <a:pPr algn="ctr"/>
-            <a:endParaRPr lang="en-US" sz="1050"/>
-          </a:p>
-        </p:txBody>
-      </p:sp>
-      <p:sp>
-        <p:nvSpPr>
-          <p:cNvPr id="46" name="Rectangle 8"/>
-          <p:cNvSpPr/>
-          <p:nvPr/>
-        </p:nvSpPr>
-        <p:spPr>
-          <a:xfrm>
-            <a:off x="2808873" y="2273656"/>
-            <a:ext cx="1093635" cy="346760"/>
-          </a:xfrm>
-          <a:prstGeom prst="rect">
-            <a:avLst/>
-          </a:prstGeom>
-          <a:ln w="19050">
-            <a:solidFill>
-              <a:srgbClr val="7030A0"/>
-            </a:solidFill>
-          </a:ln>
-          <a:effectLst/>
-        </p:spPr>
-        <p:style>
-          <a:lnRef idx="1">
-            <a:schemeClr val="accent4"/>
-          </a:lnRef>
-          <a:fillRef idx="2">
-            <a:schemeClr val="accent4"/>
-          </a:fillRef>
-          <a:effectRef idx="1">
-            <a:schemeClr val="accent4"/>
-          </a:effectRef>
-          <a:fontRef idx="minor">
-            <a:schemeClr val="dk1"/>
-          </a:fontRef>
-        </p:style>
-        <p:txBody>
-          <a:bodyPr rtlCol="0" anchor="ctr"/>
-          <a:lstStyle/>
-          <a:p>
-            <a:pPr algn="ctr"/>
-            <a:r>
-              <a:rPr lang="en-US" sz="1050" dirty="0" err="1">
-                <a:solidFill>
-                  <a:srgbClr val="7030A0"/>
-                </a:solidFill>
-              </a:rPr>
-              <a:t>EntryBook</a:t>
-            </a:r>
-            <a:endParaRPr lang="en-SG" sz="1050" dirty="0">
-              <a:solidFill>
-                <a:srgbClr val="7030A0"/>
-              </a:solidFill>
-            </a:endParaRPr>
-          </a:p>
-        </p:txBody>
-      </p:sp>
-      <p:cxnSp>
-        <p:nvCxnSpPr>
-          <p:cNvPr id="47" name="Straight Arrow Connector 46"/>
-          <p:cNvCxnSpPr>
-            <a:stCxn id="48" idx="3"/>
-            <a:endCxn id="46" idx="1"/>
-          </p:cNvCxnSpPr>
-          <p:nvPr/>
-        </p:nvCxnSpPr>
-        <p:spPr>
-          <a:xfrm>
-            <a:off x="2641543" y="2441752"/>
-            <a:ext cx="167330" cy="5284"/>
-          </a:xfrm>
-          <a:prstGeom prst="straightConnector1">
-            <a:avLst/>
-          </a:prstGeom>
-          <a:ln w="19050">
-            <a:solidFill>
-              <a:srgbClr val="7030A0"/>
-            </a:solidFill>
-            <a:headEnd type="none" w="med" len="med"/>
-            <a:tailEnd type="arrow" w="med" len="med"/>
-          </a:ln>
-          <a:effectLst/>
-        </p:spPr>
-        <p:style>
-          <a:lnRef idx="1">
-            <a:schemeClr val="accent2"/>
-          </a:lnRef>
-          <a:fillRef idx="2">
-            <a:schemeClr val="accent2"/>
-          </a:fillRef>
-          <a:effectRef idx="1">
-            <a:schemeClr val="accent2"/>
-          </a:effectRef>
-          <a:fontRef idx="minor">
-            <a:schemeClr val="dk1"/>
-          </a:fontRef>
-        </p:style>
-      </p:cxnSp>
-      <p:sp>
-        <p:nvSpPr>
-          <p:cNvPr id="48" name="Flowchart: Decision 96"/>
-          <p:cNvSpPr/>
-          <p:nvPr/>
-        </p:nvSpPr>
-        <p:spPr>
-          <a:xfrm>
-            <a:off x="2405495" y="2355062"/>
-            <a:ext cx="236048" cy="173380"/>
-          </a:xfrm>
-          <a:prstGeom prst="flowChartDecision">
-            <a:avLst/>
-          </a:prstGeom>
-          <a:noFill/>
-          <a:ln w="19050">
-            <a:solidFill>
-              <a:srgbClr val="7030A0"/>
-            </a:solidFill>
-          </a:ln>
-          <a:effectLst/>
-        </p:spPr>
-        <p:style>
-          <a:lnRef idx="1">
-            <a:schemeClr val="accent6"/>
-          </a:lnRef>
-          <a:fillRef idx="2">
-            <a:schemeClr val="accent6"/>
-          </a:fillRef>
-          <a:effectRef idx="1">
-            <a:schemeClr val="accent6"/>
-          </a:effectRef>
-          <a:fontRef idx="minor">
-            <a:schemeClr val="dk1"/>
-          </a:fontRef>
-        </p:style>
-        <p:txBody>
-          <a:bodyPr rtlCol="0" anchor="ctr"/>
-          <a:lstStyle/>
-          <a:p>
-            <a:pPr algn="ctr"/>
-            <a:endParaRPr lang="en-US" sz="1050"/>
-          </a:p>
-        </p:txBody>
-      </p:sp>
-      <p:sp>
-        <p:nvSpPr>
-          <p:cNvPr id="51" name="Flowchart: Decision 96"/>
-          <p:cNvSpPr/>
-          <p:nvPr/>
-        </p:nvSpPr>
-        <p:spPr>
-          <a:xfrm>
-            <a:off x="3917173" y="2375582"/>
-            <a:ext cx="236048" cy="173380"/>
-          </a:xfrm>
-          <a:prstGeom prst="flowChartDecision">
-            <a:avLst/>
-          </a:prstGeom>
-          <a:solidFill>
-            <a:srgbClr val="7030A0"/>
-          </a:solidFill>
-          <a:ln w="19050">
-            <a:solidFill>
-              <a:srgbClr val="7030A0"/>
-            </a:solidFill>
-          </a:ln>
-          <a:effectLst/>
-        </p:spPr>
-        <p:style>
-          <a:lnRef idx="1">
-            <a:schemeClr val="accent6"/>
-          </a:lnRef>
-          <a:fillRef idx="2">
-            <a:schemeClr val="accent6"/>
-          </a:fillRef>
-          <a:effectRef idx="1">
-            <a:schemeClr val="accent6"/>
-          </a:effectRef>
-          <a:fontRef idx="minor">
-            <a:schemeClr val="dk1"/>
-          </a:fontRef>
-        </p:style>
-        <p:txBody>
-          <a:bodyPr rtlCol="0" anchor="ctr"/>
-          <a:lstStyle/>
-          <a:p>
-            <a:pPr algn="ctr"/>
-            <a:endParaRPr lang="en-US" sz="1050"/>
-          </a:p>
-        </p:txBody>
-      </p:sp>
-      <p:sp>
-        <p:nvSpPr>
-          <p:cNvPr id="57" name="Rectangle 8"/>
-          <p:cNvSpPr/>
-          <p:nvPr/>
-        </p:nvSpPr>
-        <p:spPr>
-          <a:xfrm>
-            <a:off x="4832045" y="2130036"/>
-            <a:ext cx="1156969" cy="346760"/>
-          </a:xfrm>
-          <a:prstGeom prst="rect">
-            <a:avLst/>
-          </a:prstGeom>
-          <a:ln w="19050">
-            <a:solidFill>
-              <a:srgbClr val="7030A0"/>
-            </a:solidFill>
-          </a:ln>
-          <a:effectLst/>
-        </p:spPr>
-        <p:style>
-          <a:lnRef idx="1">
-            <a:schemeClr val="accent4"/>
-          </a:lnRef>
-          <a:fillRef idx="2">
-            <a:schemeClr val="accent4"/>
-          </a:fillRef>
-          <a:effectRef idx="1">
-            <a:schemeClr val="accent4"/>
-          </a:effectRef>
-          <a:fontRef idx="minor">
-            <a:schemeClr val="dk1"/>
-          </a:fontRef>
-        </p:style>
-        <p:txBody>
-          <a:bodyPr rtlCol="0" anchor="ctr"/>
-          <a:lstStyle/>
-          <a:p>
-            <a:pPr algn="ctr"/>
-            <a:r>
-              <a:rPr lang="en-US" sz="1050" dirty="0" err="1">
-                <a:solidFill>
-                  <a:srgbClr val="7030A0"/>
-                </a:solidFill>
-              </a:rPr>
-              <a:t>UniqueTagList</a:t>
-            </a:r>
-            <a:endParaRPr lang="en-SG" sz="1050" dirty="0">
-              <a:solidFill>
-                <a:srgbClr val="7030A0"/>
-              </a:solidFill>
-            </a:endParaRPr>
-          </a:p>
-        </p:txBody>
-      </p:sp>
-      <p:cxnSp>
-        <p:nvCxnSpPr>
-          <p:cNvPr id="59" name="Elbow Connector 58"/>
-          <p:cNvCxnSpPr>
-            <a:cxnSpLocks/>
-            <a:stCxn id="51" idx="3"/>
-            <a:endCxn id="57" idx="1"/>
-          </p:cNvCxnSpPr>
-          <p:nvPr/>
-        </p:nvCxnSpPr>
-        <p:spPr>
-          <a:xfrm flipV="1">
-            <a:off x="4153221" y="2303416"/>
-            <a:ext cx="678824" cy="158856"/>
-          </a:xfrm>
-          <a:prstGeom prst="bentConnector3">
-            <a:avLst>
-              <a:gd name="adj1" fmla="val 50000"/>
-            </a:avLst>
-          </a:prstGeom>
-          <a:ln w="19050">
-            <a:solidFill>
-              <a:srgbClr val="7030A0"/>
-            </a:solidFill>
-            <a:headEnd type="none" w="med" len="med"/>
-            <a:tailEnd type="arrow" w="med" len="med"/>
-          </a:ln>
-          <a:effectLst/>
-        </p:spPr>
-        <p:style>
-          <a:lnRef idx="1">
-            <a:schemeClr val="accent2"/>
-          </a:lnRef>
-          <a:fillRef idx="2">
-            <a:schemeClr val="accent2"/>
-          </a:fillRef>
-          <a:effectRef idx="1">
-            <a:schemeClr val="accent2"/>
-          </a:effectRef>
-          <a:fontRef idx="minor">
-            <a:schemeClr val="dk1"/>
-          </a:fontRef>
-        </p:style>
-      </p:cxnSp>
-      <p:sp>
-        <p:nvSpPr>
-          <p:cNvPr id="62" name="Rectangle 8"/>
-          <p:cNvSpPr/>
-          <p:nvPr/>
-        </p:nvSpPr>
-        <p:spPr>
-          <a:xfrm>
-            <a:off x="6528396" y="2829767"/>
-            <a:ext cx="951336" cy="346761"/>
-          </a:xfrm>
-          <a:prstGeom prst="rect">
-            <a:avLst/>
-          </a:prstGeom>
-          <a:ln w="19050">
-            <a:solidFill>
-              <a:srgbClr val="7030A0"/>
-            </a:solidFill>
-          </a:ln>
-          <a:effectLst/>
-        </p:spPr>
-        <p:style>
-          <a:lnRef idx="1">
-            <a:schemeClr val="accent4"/>
-          </a:lnRef>
-          <a:fillRef idx="2">
-            <a:schemeClr val="accent4"/>
-          </a:fillRef>
-          <a:effectRef idx="1">
-            <a:schemeClr val="accent4"/>
-          </a:effectRef>
-          <a:fontRef idx="minor">
-            <a:schemeClr val="dk1"/>
-          </a:fontRef>
-        </p:style>
-        <p:txBody>
-          <a:bodyPr rtlCol="0" anchor="ctr"/>
-          <a:lstStyle/>
-          <a:p>
-            <a:pPr algn="ctr"/>
-            <a:r>
-              <a:rPr lang="en-SG" sz="1050" dirty="0">
-                <a:solidFill>
-                  <a:srgbClr val="7030A0"/>
-                </a:solidFill>
-              </a:rPr>
-              <a:t>{abstract}</a:t>
-            </a:r>
-          </a:p>
-          <a:p>
-            <a:pPr algn="ctr"/>
-            <a:r>
-              <a:rPr lang="en-SG" sz="1050" dirty="0">
-                <a:solidFill>
-                  <a:srgbClr val="7030A0"/>
-                </a:solidFill>
-              </a:rPr>
-              <a:t>Entry</a:t>
-            </a:r>
-          </a:p>
-        </p:txBody>
-      </p:sp>
-      <p:sp>
-        <p:nvSpPr>
-          <p:cNvPr id="67" name="Rectangle 8"/>
-          <p:cNvSpPr/>
-          <p:nvPr/>
-        </p:nvSpPr>
-        <p:spPr>
-          <a:xfrm>
-            <a:off x="5705589" y="1658799"/>
-            <a:ext cx="483700" cy="346760"/>
-          </a:xfrm>
-          <a:prstGeom prst="rect">
-            <a:avLst/>
-          </a:prstGeom>
-          <a:ln w="19050">
-            <a:solidFill>
-              <a:srgbClr val="7030A0"/>
-            </a:solidFill>
-          </a:ln>
-          <a:effectLst/>
-        </p:spPr>
-        <p:style>
-          <a:lnRef idx="1">
-            <a:schemeClr val="accent4"/>
-          </a:lnRef>
-          <a:fillRef idx="2">
-            <a:schemeClr val="accent4"/>
-          </a:fillRef>
-          <a:effectRef idx="1">
-            <a:schemeClr val="accent4"/>
-          </a:effectRef>
-          <a:fontRef idx="minor">
-            <a:schemeClr val="dk1"/>
-          </a:fontRef>
-        </p:style>
-        <p:txBody>
-          <a:bodyPr rtlCol="0" anchor="ctr"/>
-          <a:lstStyle/>
-          <a:p>
-            <a:pPr algn="ctr"/>
-            <a:r>
-              <a:rPr lang="en-US" sz="1050" dirty="0">
-                <a:solidFill>
-                  <a:srgbClr val="7030A0"/>
-                </a:solidFill>
-              </a:rPr>
-              <a:t>Tag</a:t>
-            </a:r>
-            <a:endParaRPr lang="en-SG" sz="1050" dirty="0">
-              <a:solidFill>
-                <a:srgbClr val="7030A0"/>
-              </a:solidFill>
-            </a:endParaRPr>
-          </a:p>
-        </p:txBody>
-      </p:sp>
-      <p:sp>
-        <p:nvSpPr>
-          <p:cNvPr id="68" name="Flowchart: Decision 96"/>
-          <p:cNvSpPr/>
-          <p:nvPr/>
-        </p:nvSpPr>
-        <p:spPr>
-          <a:xfrm rot="16200000">
-            <a:off x="5291150" y="1916007"/>
-            <a:ext cx="236048" cy="173380"/>
-          </a:xfrm>
-          <a:prstGeom prst="flowChartDecision">
-            <a:avLst/>
-          </a:prstGeom>
-          <a:noFill/>
-          <a:ln w="19050">
-            <a:solidFill>
-              <a:srgbClr val="7030A0"/>
-            </a:solidFill>
-          </a:ln>
-          <a:effectLst/>
-        </p:spPr>
-        <p:style>
-          <a:lnRef idx="1">
-            <a:schemeClr val="accent6"/>
-          </a:lnRef>
-          <a:fillRef idx="2">
-            <a:schemeClr val="accent6"/>
-          </a:fillRef>
-          <a:effectRef idx="1">
-            <a:schemeClr val="accent6"/>
-          </a:effectRef>
-          <a:fontRef idx="minor">
-            <a:schemeClr val="dk1"/>
-          </a:fontRef>
-        </p:style>
-        <p:txBody>
-          <a:bodyPr rtlCol="0" anchor="ctr"/>
-          <a:lstStyle/>
-          <a:p>
-            <a:pPr algn="ctr"/>
-            <a:endParaRPr lang="en-US" sz="1050"/>
-          </a:p>
-        </p:txBody>
-      </p:sp>
-      <p:cxnSp>
-        <p:nvCxnSpPr>
-          <p:cNvPr id="69" name="Elbow Connector 68"/>
-          <p:cNvCxnSpPr>
-            <a:stCxn id="68" idx="3"/>
-            <a:endCxn id="67" idx="1"/>
-          </p:cNvCxnSpPr>
-          <p:nvPr/>
-        </p:nvCxnSpPr>
-        <p:spPr>
-          <a:xfrm rot="5400000" flipH="1" flipV="1">
-            <a:off x="5531134" y="1710219"/>
-            <a:ext cx="52494" cy="296415"/>
-          </a:xfrm>
-          <a:prstGeom prst="bentConnector2">
-            <a:avLst/>
-          </a:prstGeom>
-          <a:ln w="19050">
-            <a:solidFill>
-              <a:srgbClr val="7030A0"/>
-            </a:solidFill>
-            <a:headEnd type="none" w="med" len="med"/>
-            <a:tailEnd type="arrow" w="med" len="med"/>
-          </a:ln>
-          <a:effectLst/>
-        </p:spPr>
-        <p:style>
-          <a:lnRef idx="1">
-            <a:schemeClr val="accent2"/>
-          </a:lnRef>
-          <a:fillRef idx="2">
-            <a:schemeClr val="accent2"/>
-          </a:fillRef>
-          <a:effectRef idx="1">
-            <a:schemeClr val="accent2"/>
-          </a:effectRef>
-          <a:fontRef idx="minor">
-            <a:schemeClr val="dk1"/>
-          </a:fontRef>
-        </p:style>
-      </p:cxnSp>
-      <p:sp>
-        <p:nvSpPr>
-          <p:cNvPr id="72" name="Rectangle 8"/>
-          <p:cNvSpPr/>
-          <p:nvPr/>
-        </p:nvSpPr>
-        <p:spPr>
-          <a:xfrm>
-            <a:off x="3683360" y="4433900"/>
-            <a:ext cx="1045383" cy="346760"/>
+            <a:off x="4023346" y="5520537"/>
+            <a:ext cx="1099150" cy="377140"/>
           </a:xfrm>
           <a:prstGeom prst="rect">
             <a:avLst/>
@@ -16680,20 +15179,16 @@
               </a:rPr>
               <a:t>&lt;&lt;interface&gt;&gt;</a:t>
             </a:r>
-            <a:br>
-              <a:rPr lang="en-US" sz="1050" dirty="0">
-                <a:solidFill>
-                  <a:srgbClr val="7030A0"/>
-                </a:solidFill>
-              </a:rPr>
-            </a:br>
+          </a:p>
+          <a:p>
+            <a:pPr algn="ctr"/>
             <a:r>
               <a:rPr lang="en-US" sz="1050" dirty="0" err="1">
                 <a:solidFill>
                   <a:srgbClr val="7030A0"/>
                 </a:solidFill>
               </a:rPr>
-              <a:t>ReadOnlyEntry</a:t>
+              <a:t>OverlapCapable</a:t>
             </a:r>
             <a:endParaRPr lang="en-SG" sz="1050" dirty="0">
               <a:solidFill>
@@ -16705,762 +15200,10 @@
       </p:sp>
       <p:sp>
         <p:nvSpPr>
-          <p:cNvPr id="76" name="Rectangle 8"/>
-          <p:cNvSpPr/>
-          <p:nvPr/>
-        </p:nvSpPr>
-        <p:spPr>
-          <a:xfrm>
-            <a:off x="6641977" y="1654652"/>
-            <a:ext cx="708186" cy="285783"/>
-          </a:xfrm>
-          <a:prstGeom prst="rect">
-            <a:avLst/>
-          </a:prstGeom>
-          <a:ln w="19050">
-            <a:solidFill>
-              <a:srgbClr val="7030A0"/>
-            </a:solidFill>
-          </a:ln>
-          <a:effectLst/>
-        </p:spPr>
-        <p:style>
-          <a:lnRef idx="1">
-            <a:schemeClr val="accent4"/>
-          </a:lnRef>
-          <a:fillRef idx="2">
-            <a:schemeClr val="accent4"/>
-          </a:fillRef>
-          <a:effectRef idx="1">
-            <a:schemeClr val="accent4"/>
-          </a:effectRef>
-          <a:fontRef idx="minor">
-            <a:schemeClr val="dk1"/>
-          </a:fontRef>
-        </p:style>
-        <p:txBody>
-          <a:bodyPr rtlCol="0" anchor="ctr"/>
-          <a:lstStyle/>
-          <a:p>
-            <a:pPr algn="ctr"/>
-            <a:r>
-              <a:rPr lang="en-US" sz="1050">
-                <a:solidFill>
-                  <a:srgbClr val="7030A0"/>
-                </a:solidFill>
-              </a:rPr>
-              <a:t>Name</a:t>
-            </a:r>
-            <a:endParaRPr lang="en-SG" sz="1050" dirty="0">
-              <a:solidFill>
-                <a:srgbClr val="7030A0"/>
-              </a:solidFill>
-            </a:endParaRPr>
-          </a:p>
-        </p:txBody>
-      </p:sp>
-      <p:sp>
-        <p:nvSpPr>
-          <p:cNvPr id="78" name="Flowchart: Decision 96"/>
-          <p:cNvSpPr/>
-          <p:nvPr/>
-        </p:nvSpPr>
-        <p:spPr>
-          <a:xfrm rot="16200000">
-            <a:off x="6877271" y="2614686"/>
-            <a:ext cx="236048" cy="173380"/>
-          </a:xfrm>
-          <a:prstGeom prst="flowChartDecision">
-            <a:avLst/>
-          </a:prstGeom>
-          <a:solidFill>
-            <a:srgbClr val="7030A0"/>
-          </a:solidFill>
-          <a:ln w="19050">
-            <a:solidFill>
-              <a:srgbClr val="7030A0"/>
-            </a:solidFill>
-          </a:ln>
-          <a:effectLst/>
-        </p:spPr>
-        <p:style>
-          <a:lnRef idx="1">
-            <a:schemeClr val="accent6"/>
-          </a:lnRef>
-          <a:fillRef idx="2">
-            <a:schemeClr val="accent6"/>
-          </a:fillRef>
-          <a:effectRef idx="1">
-            <a:schemeClr val="accent6"/>
-          </a:effectRef>
-          <a:fontRef idx="minor">
-            <a:schemeClr val="dk1"/>
-          </a:fontRef>
-        </p:style>
-        <p:txBody>
-          <a:bodyPr rtlCol="0" anchor="ctr"/>
-          <a:lstStyle/>
-          <a:p>
-            <a:pPr algn="ctr"/>
-            <a:endParaRPr lang="en-US" sz="1050"/>
-          </a:p>
-        </p:txBody>
-      </p:sp>
-      <p:cxnSp>
-        <p:nvCxnSpPr>
-          <p:cNvPr id="79" name="Elbow Connector 78"/>
-          <p:cNvCxnSpPr>
-            <a:cxnSpLocks/>
-            <a:stCxn id="78" idx="3"/>
-            <a:endCxn id="76" idx="2"/>
-          </p:cNvCxnSpPr>
-          <p:nvPr/>
-        </p:nvCxnSpPr>
-        <p:spPr>
-          <a:xfrm rot="5400000" flipH="1" flipV="1">
-            <a:off x="6674224" y="2261507"/>
-            <a:ext cx="642917" cy="775"/>
-          </a:xfrm>
-          <a:prstGeom prst="bentConnector3">
-            <a:avLst>
-              <a:gd name="adj1" fmla="val 50000"/>
-            </a:avLst>
-          </a:prstGeom>
-          <a:ln w="19050">
-            <a:solidFill>
-              <a:srgbClr val="7030A0"/>
-            </a:solidFill>
-            <a:headEnd type="none" w="med" len="med"/>
-            <a:tailEnd type="arrow" w="med" len="med"/>
-          </a:ln>
-          <a:effectLst/>
-        </p:spPr>
-        <p:style>
-          <a:lnRef idx="1">
-            <a:schemeClr val="accent2"/>
-          </a:lnRef>
-          <a:fillRef idx="2">
-            <a:schemeClr val="accent2"/>
-          </a:fillRef>
-          <a:effectRef idx="1">
-            <a:schemeClr val="accent2"/>
-          </a:effectRef>
-          <a:fontRef idx="minor">
-            <a:schemeClr val="dk1"/>
-          </a:fontRef>
-        </p:style>
-      </p:cxnSp>
-      <p:cxnSp>
-        <p:nvCxnSpPr>
-          <p:cNvPr id="97" name="Elbow Connector 63"/>
-          <p:cNvCxnSpPr>
-            <a:cxnSpLocks/>
-            <a:stCxn id="138" idx="3"/>
-            <a:endCxn id="46" idx="0"/>
-          </p:cNvCxnSpPr>
-          <p:nvPr/>
-        </p:nvCxnSpPr>
-        <p:spPr>
-          <a:xfrm rot="16200000" flipH="1">
-            <a:off x="3297348" y="2215313"/>
-            <a:ext cx="114374" cy="2311"/>
-          </a:xfrm>
-          <a:prstGeom prst="bentConnector3">
-            <a:avLst>
-              <a:gd name="adj1" fmla="val 50000"/>
-            </a:avLst>
-          </a:prstGeom>
-          <a:ln w="19050">
-            <a:solidFill>
-              <a:srgbClr val="7030A0"/>
-            </a:solidFill>
-            <a:prstDash val="sysDot"/>
-            <a:headEnd type="none" w="med" len="med"/>
-            <a:tailEnd type="none" w="med" len="med"/>
-          </a:ln>
-          <a:effectLst/>
-        </p:spPr>
-        <p:style>
-          <a:lnRef idx="1">
-            <a:schemeClr val="accent2"/>
-          </a:lnRef>
-          <a:fillRef idx="2">
-            <a:schemeClr val="accent2"/>
-          </a:fillRef>
-          <a:effectRef idx="1">
-            <a:schemeClr val="accent2"/>
-          </a:effectRef>
-          <a:fontRef idx="minor">
-            <a:schemeClr val="dk1"/>
-          </a:fontRef>
-        </p:style>
-      </p:cxnSp>
-      <p:sp>
-        <p:nvSpPr>
-          <p:cNvPr id="100" name="Rectangle 8"/>
-          <p:cNvSpPr/>
-          <p:nvPr/>
-        </p:nvSpPr>
-        <p:spPr>
-          <a:xfrm>
-            <a:off x="2589686" y="1634440"/>
-            <a:ext cx="1539926" cy="346760"/>
-          </a:xfrm>
-          <a:prstGeom prst="rect">
-            <a:avLst/>
-          </a:prstGeom>
-          <a:ln w="19050">
-            <a:solidFill>
-              <a:srgbClr val="7030A0"/>
-            </a:solidFill>
-          </a:ln>
-          <a:effectLst/>
-        </p:spPr>
-        <p:style>
-          <a:lnRef idx="1">
-            <a:schemeClr val="accent4"/>
-          </a:lnRef>
-          <a:fillRef idx="2">
-            <a:schemeClr val="accent4"/>
-          </a:fillRef>
-          <a:effectRef idx="1">
-            <a:schemeClr val="accent4"/>
-          </a:effectRef>
-          <a:fontRef idx="minor">
-            <a:schemeClr val="dk1"/>
-          </a:fontRef>
-        </p:style>
-        <p:txBody>
-          <a:bodyPr rtlCol="0" anchor="ctr"/>
-          <a:lstStyle/>
-          <a:p>
-            <a:pPr algn="ctr"/>
-            <a:r>
-              <a:rPr lang="en-US" sz="1050" dirty="0">
-                <a:solidFill>
-                  <a:srgbClr val="7030A0"/>
-                </a:solidFill>
-              </a:rPr>
-              <a:t>&lt;&lt;interface&gt;&gt;</a:t>
-            </a:r>
-            <a:br>
-              <a:rPr lang="en-US" sz="1050" dirty="0">
-                <a:solidFill>
-                  <a:srgbClr val="7030A0"/>
-                </a:solidFill>
-              </a:rPr>
-            </a:br>
-            <a:r>
-              <a:rPr lang="en-US" sz="1050" dirty="0" err="1">
-                <a:solidFill>
-                  <a:srgbClr val="7030A0"/>
-                </a:solidFill>
-              </a:rPr>
-              <a:t>ReadOnlyEntryBook</a:t>
-            </a:r>
-            <a:endParaRPr lang="en-SG" sz="1050" dirty="0">
-              <a:solidFill>
-                <a:srgbClr val="7030A0"/>
-              </a:solidFill>
-            </a:endParaRPr>
-          </a:p>
-        </p:txBody>
-      </p:sp>
-      <p:sp>
-        <p:nvSpPr>
-          <p:cNvPr id="122" name="Rectangle 8"/>
-          <p:cNvSpPr/>
-          <p:nvPr/>
-        </p:nvSpPr>
-        <p:spPr>
-          <a:xfrm>
-            <a:off x="2343612" y="1164895"/>
-            <a:ext cx="1775949" cy="346760"/>
-          </a:xfrm>
-          <a:prstGeom prst="rect">
-            <a:avLst/>
-          </a:prstGeom>
-          <a:ln w="19050">
-            <a:solidFill>
-              <a:srgbClr val="7030A0"/>
-            </a:solidFill>
-          </a:ln>
-          <a:effectLst/>
-        </p:spPr>
-        <p:style>
-          <a:lnRef idx="1">
-            <a:schemeClr val="accent4"/>
-          </a:lnRef>
-          <a:fillRef idx="2">
-            <a:schemeClr val="accent4"/>
-          </a:fillRef>
-          <a:effectRef idx="1">
-            <a:schemeClr val="accent4"/>
-          </a:effectRef>
-          <a:fontRef idx="minor">
-            <a:schemeClr val="dk1"/>
-          </a:fontRef>
-        </p:style>
-        <p:txBody>
-          <a:bodyPr rtlCol="0" anchor="ctr"/>
-          <a:lstStyle/>
-          <a:p>
-            <a:pPr algn="ctr"/>
-            <a:r>
-              <a:rPr lang="en-US" sz="1050" dirty="0">
-                <a:solidFill>
-                  <a:srgbClr val="7030A0"/>
-                </a:solidFill>
-              </a:rPr>
-              <a:t>&lt;&lt;interface&gt;&gt;</a:t>
-            </a:r>
-            <a:br>
-              <a:rPr lang="en-US" sz="1050" dirty="0">
-                <a:solidFill>
-                  <a:srgbClr val="7030A0"/>
-                </a:solidFill>
-              </a:rPr>
-            </a:br>
-            <a:r>
-              <a:rPr lang="en-US" sz="1050" dirty="0" err="1">
-                <a:solidFill>
-                  <a:srgbClr val="7030A0"/>
-                </a:solidFill>
-              </a:rPr>
-              <a:t>UnmodifiableObservableList</a:t>
-            </a:r>
-            <a:endParaRPr lang="en-SG" sz="1050" dirty="0">
-              <a:solidFill>
-                <a:srgbClr val="7030A0"/>
-              </a:solidFill>
-            </a:endParaRPr>
-          </a:p>
-        </p:txBody>
-      </p:sp>
-      <p:cxnSp>
-        <p:nvCxnSpPr>
-          <p:cNvPr id="124" name="Elbow Connector 122"/>
-          <p:cNvCxnSpPr>
-            <a:cxnSpLocks/>
-            <a:stCxn id="119" idx="3"/>
-            <a:endCxn id="122" idx="1"/>
-          </p:cNvCxnSpPr>
-          <p:nvPr/>
-        </p:nvCxnSpPr>
-        <p:spPr>
-          <a:xfrm rot="5400000" flipH="1" flipV="1">
-            <a:off x="1516884" y="1307273"/>
-            <a:ext cx="795726" cy="857730"/>
-          </a:xfrm>
-          <a:prstGeom prst="bentConnector2">
-            <a:avLst/>
-          </a:prstGeom>
-          <a:ln w="19050">
-            <a:solidFill>
-              <a:srgbClr val="7030A0"/>
-            </a:solidFill>
-            <a:prstDash val="sysDot"/>
-            <a:headEnd type="none" w="med" len="med"/>
-            <a:tailEnd type="arrow" w="med" len="med"/>
-          </a:ln>
-          <a:effectLst/>
-        </p:spPr>
-        <p:style>
-          <a:lnRef idx="1">
-            <a:schemeClr val="accent2"/>
-          </a:lnRef>
-          <a:fillRef idx="2">
-            <a:schemeClr val="accent2"/>
-          </a:fillRef>
-          <a:effectRef idx="1">
-            <a:schemeClr val="accent2"/>
-          </a:effectRef>
-          <a:fontRef idx="minor">
-            <a:schemeClr val="dk1"/>
-          </a:fontRef>
-        </p:style>
-      </p:cxnSp>
-      <p:cxnSp>
-        <p:nvCxnSpPr>
-          <p:cNvPr id="50" name="Elbow Connector 49"/>
-          <p:cNvCxnSpPr>
-            <a:cxnSpLocks/>
-            <a:stCxn id="78" idx="3"/>
-            <a:endCxn id="57" idx="3"/>
-          </p:cNvCxnSpPr>
-          <p:nvPr/>
-        </p:nvCxnSpPr>
-        <p:spPr>
-          <a:xfrm rot="16200000" flipV="1">
-            <a:off x="6352187" y="1940243"/>
-            <a:ext cx="279936" cy="1006281"/>
-          </a:xfrm>
-          <a:prstGeom prst="bentConnector2">
-            <a:avLst/>
-          </a:prstGeom>
-          <a:ln w="19050">
-            <a:solidFill>
-              <a:srgbClr val="7030A0"/>
-            </a:solidFill>
-            <a:headEnd type="none" w="med" len="med"/>
-            <a:tailEnd type="arrow" w="med" len="med"/>
-          </a:ln>
-          <a:effectLst/>
-        </p:spPr>
-        <p:style>
-          <a:lnRef idx="1">
-            <a:schemeClr val="accent2"/>
-          </a:lnRef>
-          <a:fillRef idx="2">
-            <a:schemeClr val="accent2"/>
-          </a:fillRef>
-          <a:effectRef idx="1">
-            <a:schemeClr val="accent2"/>
-          </a:effectRef>
-          <a:fontRef idx="minor">
-            <a:schemeClr val="dk1"/>
-          </a:fontRef>
-        </p:style>
-      </p:cxnSp>
-      <p:sp>
-        <p:nvSpPr>
-          <p:cNvPr id="11" name="TextBox 10"/>
-          <p:cNvSpPr txBox="1"/>
-          <p:nvPr/>
-        </p:nvSpPr>
-        <p:spPr>
-          <a:xfrm>
-            <a:off x="4564394" y="2086314"/>
-            <a:ext cx="189257" cy="178683"/>
-          </a:xfrm>
-          <a:prstGeom prst="rect">
-            <a:avLst/>
-          </a:prstGeom>
-          <a:noFill/>
-        </p:spPr>
-        <p:txBody>
-          <a:bodyPr wrap="square" lIns="0" tIns="0" rIns="0" bIns="0" rtlCol="0">
-            <a:noAutofit/>
-          </a:bodyPr>
-          <a:lstStyle/>
-          <a:p>
-            <a:pPr algn="ctr"/>
-            <a:r>
-              <a:rPr lang="en-US" sz="1100" dirty="0">
-                <a:solidFill>
-                  <a:srgbClr val="7030A0"/>
-                </a:solidFill>
-              </a:rPr>
-              <a:t>1</a:t>
-            </a:r>
-            <a:endParaRPr lang="en-SG" sz="1100" dirty="0">
-              <a:solidFill>
-                <a:srgbClr val="7030A0"/>
-              </a:solidFill>
-            </a:endParaRPr>
-          </a:p>
-        </p:txBody>
-      </p:sp>
-      <p:sp>
-        <p:nvSpPr>
-          <p:cNvPr id="56" name="TextBox 55"/>
-          <p:cNvSpPr txBox="1"/>
-          <p:nvPr/>
-        </p:nvSpPr>
-        <p:spPr>
-          <a:xfrm>
-            <a:off x="6059245" y="2344880"/>
-            <a:ext cx="189257" cy="178683"/>
-          </a:xfrm>
-          <a:prstGeom prst="rect">
-            <a:avLst/>
-          </a:prstGeom>
-          <a:noFill/>
-        </p:spPr>
-        <p:txBody>
-          <a:bodyPr wrap="square" lIns="0" tIns="0" rIns="0" bIns="0" rtlCol="0">
-            <a:noAutofit/>
-          </a:bodyPr>
-          <a:lstStyle/>
-          <a:p>
-            <a:pPr algn="ctr"/>
-            <a:r>
-              <a:rPr lang="en-US" sz="1100" dirty="0">
-                <a:solidFill>
-                  <a:srgbClr val="7030A0"/>
-                </a:solidFill>
-              </a:rPr>
-              <a:t>1</a:t>
-            </a:r>
-            <a:endParaRPr lang="en-SG" sz="1100" dirty="0">
-              <a:solidFill>
-                <a:srgbClr val="7030A0"/>
-              </a:solidFill>
-            </a:endParaRPr>
-          </a:p>
-        </p:txBody>
-      </p:sp>
-      <p:sp>
-        <p:nvSpPr>
-          <p:cNvPr id="60" name="TextBox 59"/>
-          <p:cNvSpPr txBox="1"/>
-          <p:nvPr/>
-        </p:nvSpPr>
-        <p:spPr>
-          <a:xfrm>
-            <a:off x="5506098" y="1631608"/>
-            <a:ext cx="189257" cy="178683"/>
-          </a:xfrm>
-          <a:prstGeom prst="rect">
-            <a:avLst/>
-          </a:prstGeom>
-          <a:noFill/>
-        </p:spPr>
-        <p:txBody>
-          <a:bodyPr wrap="square" lIns="0" tIns="0" rIns="0" bIns="0" rtlCol="0">
-            <a:noAutofit/>
-          </a:bodyPr>
-          <a:lstStyle/>
-          <a:p>
-            <a:pPr algn="ctr"/>
-            <a:r>
-              <a:rPr lang="en-US" sz="1100" dirty="0">
-                <a:solidFill>
-                  <a:srgbClr val="7030A0"/>
-                </a:solidFill>
-              </a:rPr>
-              <a:t>*</a:t>
-            </a:r>
-            <a:endParaRPr lang="en-SG" sz="1100" dirty="0">
-              <a:solidFill>
-                <a:srgbClr val="7030A0"/>
-              </a:solidFill>
-            </a:endParaRPr>
-          </a:p>
-        </p:txBody>
-      </p:sp>
-      <p:sp>
-        <p:nvSpPr>
-          <p:cNvPr id="61" name="TextBox 60"/>
-          <p:cNvSpPr txBox="1"/>
-          <p:nvPr/>
-        </p:nvSpPr>
-        <p:spPr>
-          <a:xfrm>
-            <a:off x="6356735" y="2815411"/>
-            <a:ext cx="189257" cy="178683"/>
-          </a:xfrm>
-          <a:prstGeom prst="rect">
-            <a:avLst/>
-          </a:prstGeom>
-          <a:noFill/>
-        </p:spPr>
-        <p:txBody>
-          <a:bodyPr wrap="square" lIns="0" tIns="0" rIns="0" bIns="0" rtlCol="0">
-            <a:noAutofit/>
-          </a:bodyPr>
-          <a:lstStyle/>
-          <a:p>
-            <a:pPr algn="ctr"/>
-            <a:r>
-              <a:rPr lang="en-US" sz="1100" dirty="0">
-                <a:solidFill>
-                  <a:srgbClr val="7030A0"/>
-                </a:solidFill>
-              </a:rPr>
-              <a:t>*</a:t>
-            </a:r>
-            <a:endParaRPr lang="en-SG" sz="1100" dirty="0">
-              <a:solidFill>
-                <a:srgbClr val="7030A0"/>
-              </a:solidFill>
-            </a:endParaRPr>
-          </a:p>
-        </p:txBody>
-      </p:sp>
-      <p:sp>
-        <p:nvSpPr>
-          <p:cNvPr id="65" name="TextBox 64"/>
-          <p:cNvSpPr txBox="1"/>
-          <p:nvPr/>
-        </p:nvSpPr>
-        <p:spPr>
-          <a:xfrm>
-            <a:off x="2617306" y="2210474"/>
-            <a:ext cx="189257" cy="178683"/>
-          </a:xfrm>
-          <a:prstGeom prst="rect">
-            <a:avLst/>
-          </a:prstGeom>
-          <a:noFill/>
-        </p:spPr>
-        <p:txBody>
-          <a:bodyPr wrap="square" lIns="0" tIns="0" rIns="0" bIns="0" rtlCol="0">
-            <a:noAutofit/>
-          </a:bodyPr>
-          <a:lstStyle/>
-          <a:p>
-            <a:pPr algn="ctr"/>
-            <a:r>
-              <a:rPr lang="en-US" sz="1100" dirty="0">
-                <a:solidFill>
-                  <a:srgbClr val="7030A0"/>
-                </a:solidFill>
-              </a:rPr>
-              <a:t>1</a:t>
-            </a:r>
-            <a:endParaRPr lang="en-SG" sz="1100" dirty="0">
-              <a:solidFill>
-                <a:srgbClr val="7030A0"/>
-              </a:solidFill>
-            </a:endParaRPr>
-          </a:p>
-        </p:txBody>
-      </p:sp>
-      <p:sp>
-        <p:nvSpPr>
-          <p:cNvPr id="66" name="TextBox 65"/>
-          <p:cNvSpPr txBox="1"/>
-          <p:nvPr/>
-        </p:nvSpPr>
-        <p:spPr>
-          <a:xfrm>
-            <a:off x="2585753" y="3032286"/>
-            <a:ext cx="189257" cy="178683"/>
-          </a:xfrm>
-          <a:prstGeom prst="rect">
-            <a:avLst/>
-          </a:prstGeom>
-          <a:noFill/>
-        </p:spPr>
-        <p:txBody>
-          <a:bodyPr wrap="square" lIns="0" tIns="0" rIns="0" bIns="0" rtlCol="0">
-            <a:noAutofit/>
-          </a:bodyPr>
-          <a:lstStyle/>
-          <a:p>
-            <a:pPr algn="ctr"/>
-            <a:r>
-              <a:rPr lang="en-US" sz="1100" dirty="0">
-                <a:solidFill>
-                  <a:srgbClr val="7030A0"/>
-                </a:solidFill>
-              </a:rPr>
-              <a:t>1</a:t>
-            </a:r>
-            <a:endParaRPr lang="en-SG" sz="1100" dirty="0">
-              <a:solidFill>
-                <a:srgbClr val="7030A0"/>
-              </a:solidFill>
-            </a:endParaRPr>
-          </a:p>
-        </p:txBody>
-      </p:sp>
-      <p:cxnSp>
-        <p:nvCxnSpPr>
-          <p:cNvPr id="73" name="Elbow Connector 122">
+          <p:cNvPr id="91" name="Isosceles Triangle 102">
             <a:extLst>
               <a:ext uri="{FF2B5EF4-FFF2-40B4-BE49-F238E27FC236}">
-                <a16:creationId xmlns:a16="http://schemas.microsoft.com/office/drawing/2014/main" id="{6C194B6E-AD6B-4C34-821F-85FC683926D2}"/>
-              </a:ext>
-            </a:extLst>
-          </p:cNvPr>
-          <p:cNvCxnSpPr>
-            <a:cxnSpLocks/>
-            <a:stCxn id="119" idx="3"/>
-            <a:endCxn id="100" idx="1"/>
-          </p:cNvCxnSpPr>
-          <p:nvPr/>
-        </p:nvCxnSpPr>
-        <p:spPr>
-          <a:xfrm rot="5400000" flipH="1" flipV="1">
-            <a:off x="1874694" y="1419009"/>
-            <a:ext cx="326181" cy="1103804"/>
-          </a:xfrm>
-          <a:prstGeom prst="bentConnector2">
-            <a:avLst/>
-          </a:prstGeom>
-          <a:ln w="19050">
-            <a:solidFill>
-              <a:srgbClr val="7030A0"/>
-            </a:solidFill>
-            <a:prstDash val="sysDot"/>
-            <a:headEnd type="none" w="med" len="med"/>
-            <a:tailEnd type="arrow" w="med" len="med"/>
-          </a:ln>
-          <a:effectLst/>
-        </p:spPr>
-        <p:style>
-          <a:lnRef idx="1">
-            <a:schemeClr val="accent2"/>
-          </a:lnRef>
-          <a:fillRef idx="2">
-            <a:schemeClr val="accent2"/>
-          </a:fillRef>
-          <a:effectRef idx="1">
-            <a:schemeClr val="accent2"/>
-          </a:effectRef>
-          <a:fontRef idx="minor">
-            <a:schemeClr val="dk1"/>
-          </a:fontRef>
-        </p:style>
-      </p:cxnSp>
-      <p:cxnSp>
-        <p:nvCxnSpPr>
-          <p:cNvPr id="74" name="Elbow Connector 85">
-            <a:extLst>
-              <a:ext uri="{FF2B5EF4-FFF2-40B4-BE49-F238E27FC236}">
-                <a16:creationId xmlns:a16="http://schemas.microsoft.com/office/drawing/2014/main" id="{0BF0A13B-B2CA-43C0-A84A-D92BEE5134B9}"/>
-              </a:ext>
-            </a:extLst>
-          </p:cNvPr>
-          <p:cNvCxnSpPr>
-            <a:cxnSpLocks/>
-            <a:stCxn id="77" idx="3"/>
-            <a:endCxn id="117" idx="3"/>
-          </p:cNvCxnSpPr>
-          <p:nvPr/>
-        </p:nvCxnSpPr>
-        <p:spPr>
-          <a:xfrm flipV="1">
-            <a:off x="6952991" y="2992297"/>
-            <a:ext cx="702265" cy="2437970"/>
-          </a:xfrm>
-          <a:prstGeom prst="bentConnector3">
-            <a:avLst>
-              <a:gd name="adj1" fmla="val 139314"/>
-            </a:avLst>
-          </a:prstGeom>
-          <a:ln w="19050">
-            <a:solidFill>
-              <a:srgbClr val="7030A0"/>
-            </a:solidFill>
-            <a:headEnd type="none" w="med" len="med"/>
-            <a:tailEnd type="none" w="med" len="med"/>
-          </a:ln>
-          <a:effectLst/>
-        </p:spPr>
-        <p:style>
-          <a:lnRef idx="1">
-            <a:schemeClr val="accent2"/>
-          </a:lnRef>
-          <a:fillRef idx="2">
-            <a:schemeClr val="accent2"/>
-          </a:fillRef>
-          <a:effectRef idx="1">
-            <a:schemeClr val="accent2"/>
-          </a:effectRef>
-          <a:fontRef idx="minor">
-            <a:schemeClr val="dk1"/>
-          </a:fontRef>
-        </p:style>
-      </p:cxnSp>
-      <p:sp>
-        <p:nvSpPr>
-          <p:cNvPr id="77" name="Rectangle 8">
-            <a:extLst>
-              <a:ext uri="{FF2B5EF4-FFF2-40B4-BE49-F238E27FC236}">
-                <a16:creationId xmlns:a16="http://schemas.microsoft.com/office/drawing/2014/main" id="{0385A838-EEB2-4922-9B4E-2B6ECA006CD4}"/>
+                <a16:creationId xmlns:a16="http://schemas.microsoft.com/office/drawing/2014/main" id="{AEC96466-6293-4A32-A72F-968FA5D0B965}"/>
               </a:ext>
             </a:extLst>
           </p:cNvPr>
@@ -17468,700 +15211,16 @@
           <p:nvPr/>
         </p:nvSpPr>
         <p:spPr>
-          <a:xfrm>
-            <a:off x="6249251" y="5287375"/>
-            <a:ext cx="703740" cy="285783"/>
-          </a:xfrm>
-          <a:prstGeom prst="rect">
-            <a:avLst/>
-          </a:prstGeom>
-          <a:ln w="19050">
-            <a:solidFill>
-              <a:srgbClr val="7030A0"/>
-            </a:solidFill>
-          </a:ln>
-          <a:effectLst/>
-        </p:spPr>
-        <p:style>
-          <a:lnRef idx="1">
-            <a:schemeClr val="accent4"/>
-          </a:lnRef>
-          <a:fillRef idx="2">
-            <a:schemeClr val="accent4"/>
-          </a:fillRef>
-          <a:effectRef idx="1">
-            <a:schemeClr val="accent4"/>
-          </a:effectRef>
-          <a:fontRef idx="minor">
-            <a:schemeClr val="dk1"/>
-          </a:fontRef>
-        </p:style>
-        <p:txBody>
-          <a:bodyPr rtlCol="0" anchor="ctr"/>
-          <a:lstStyle/>
-          <a:p>
-            <a:pPr algn="ctr"/>
-            <a:r>
-              <a:rPr lang="en-US" sz="1050">
-                <a:solidFill>
-                  <a:srgbClr val="7030A0"/>
-                </a:solidFill>
-              </a:rPr>
-              <a:t>Event</a:t>
-            </a:r>
-            <a:endParaRPr lang="en-SG" sz="1050" dirty="0">
-              <a:solidFill>
-                <a:srgbClr val="7030A0"/>
-              </a:solidFill>
-            </a:endParaRPr>
-          </a:p>
-        </p:txBody>
-      </p:sp>
-      <p:sp>
-        <p:nvSpPr>
-          <p:cNvPr id="82" name="Rectangle 8">
-            <a:extLst>
-              <a:ext uri="{FF2B5EF4-FFF2-40B4-BE49-F238E27FC236}">
-                <a16:creationId xmlns:a16="http://schemas.microsoft.com/office/drawing/2014/main" id="{B018534C-9921-4CC3-8436-96798BAD80C9}"/>
-              </a:ext>
-            </a:extLst>
-          </p:cNvPr>
-          <p:cNvSpPr/>
-          <p:nvPr/>
-        </p:nvSpPr>
-        <p:spPr>
-          <a:xfrm>
-            <a:off x="5411051" y="4876800"/>
-            <a:ext cx="881679" cy="285783"/>
-          </a:xfrm>
-          <a:prstGeom prst="rect">
-            <a:avLst/>
-          </a:prstGeom>
-          <a:ln w="19050">
-            <a:solidFill>
-              <a:srgbClr val="7030A0"/>
-            </a:solidFill>
-          </a:ln>
-          <a:effectLst/>
-        </p:spPr>
-        <p:style>
-          <a:lnRef idx="1">
-            <a:schemeClr val="accent4"/>
-          </a:lnRef>
-          <a:fillRef idx="2">
-            <a:schemeClr val="accent4"/>
-          </a:fillRef>
-          <a:effectRef idx="1">
-            <a:schemeClr val="accent4"/>
-          </a:effectRef>
-          <a:fontRef idx="minor">
-            <a:schemeClr val="dk1"/>
-          </a:fontRef>
-        </p:style>
-        <p:txBody>
-          <a:bodyPr rtlCol="0" anchor="ctr"/>
-          <a:lstStyle/>
-          <a:p>
-            <a:pPr algn="ctr"/>
-            <a:r>
-              <a:rPr lang="en-US" sz="1050" dirty="0" err="1">
-                <a:solidFill>
-                  <a:srgbClr val="7030A0"/>
-                </a:solidFill>
-              </a:rPr>
-              <a:t>FloatingTask</a:t>
-            </a:r>
-            <a:endParaRPr lang="en-US" sz="1050" dirty="0">
-              <a:solidFill>
-                <a:srgbClr val="7030A0"/>
-              </a:solidFill>
-            </a:endParaRPr>
-          </a:p>
-        </p:txBody>
-      </p:sp>
-      <p:sp>
-        <p:nvSpPr>
-          <p:cNvPr id="87" name="Rectangle 8">
-            <a:extLst>
-              <a:ext uri="{FF2B5EF4-FFF2-40B4-BE49-F238E27FC236}">
-                <a16:creationId xmlns:a16="http://schemas.microsoft.com/office/drawing/2014/main" id="{FD92DEDE-8CCC-4D5A-A87C-6D4AD8C4B580}"/>
-              </a:ext>
-            </a:extLst>
-          </p:cNvPr>
-          <p:cNvSpPr/>
-          <p:nvPr/>
-        </p:nvSpPr>
-        <p:spPr>
-          <a:xfrm>
-            <a:off x="6916260" y="5671448"/>
-            <a:ext cx="703740" cy="285783"/>
-          </a:xfrm>
-          <a:prstGeom prst="rect">
-            <a:avLst/>
-          </a:prstGeom>
-          <a:ln w="19050">
-            <a:solidFill>
-              <a:srgbClr val="7030A0"/>
-            </a:solidFill>
-          </a:ln>
-          <a:effectLst/>
-        </p:spPr>
-        <p:style>
-          <a:lnRef idx="1">
-            <a:schemeClr val="accent4"/>
-          </a:lnRef>
-          <a:fillRef idx="2">
-            <a:schemeClr val="accent4"/>
-          </a:fillRef>
-          <a:effectRef idx="1">
-            <a:schemeClr val="accent4"/>
-          </a:effectRef>
-          <a:fontRef idx="minor">
-            <a:schemeClr val="dk1"/>
-          </a:fontRef>
-        </p:style>
-        <p:txBody>
-          <a:bodyPr rtlCol="0" anchor="ctr"/>
-          <a:lstStyle/>
-          <a:p>
-            <a:pPr algn="ctr"/>
-            <a:r>
-              <a:rPr lang="en-US" sz="1050" dirty="0">
-                <a:solidFill>
-                  <a:srgbClr val="7030A0"/>
-                </a:solidFill>
-              </a:rPr>
-              <a:t>Deadline</a:t>
-            </a:r>
-            <a:endParaRPr lang="en-SG" sz="1050" dirty="0">
-              <a:solidFill>
-                <a:srgbClr val="7030A0"/>
-              </a:solidFill>
-            </a:endParaRPr>
-          </a:p>
-        </p:txBody>
-      </p:sp>
-      <p:cxnSp>
-        <p:nvCxnSpPr>
-          <p:cNvPr id="94" name="Elbow Connector 85">
-            <a:extLst>
-              <a:ext uri="{FF2B5EF4-FFF2-40B4-BE49-F238E27FC236}">
-                <a16:creationId xmlns:a16="http://schemas.microsoft.com/office/drawing/2014/main" id="{ED2F0B51-3478-4720-BDF8-DD7B29CB36C3}"/>
-              </a:ext>
-            </a:extLst>
-          </p:cNvPr>
-          <p:cNvCxnSpPr>
-            <a:cxnSpLocks/>
-            <a:stCxn id="87" idx="3"/>
-            <a:endCxn id="117" idx="3"/>
-          </p:cNvCxnSpPr>
-          <p:nvPr/>
-        </p:nvCxnSpPr>
-        <p:spPr>
-          <a:xfrm flipV="1">
-            <a:off x="7620000" y="2992297"/>
-            <a:ext cx="35256" cy="2822043"/>
-          </a:xfrm>
-          <a:prstGeom prst="bentConnector3">
-            <a:avLst>
-              <a:gd name="adj1" fmla="val 883101"/>
-            </a:avLst>
-          </a:prstGeom>
-          <a:ln w="19050">
-            <a:solidFill>
-              <a:srgbClr val="7030A0"/>
-            </a:solidFill>
-            <a:headEnd type="none" w="med" len="med"/>
-            <a:tailEnd type="none" w="med" len="med"/>
-          </a:ln>
-          <a:effectLst/>
-        </p:spPr>
-        <p:style>
-          <a:lnRef idx="1">
-            <a:schemeClr val="accent2"/>
-          </a:lnRef>
-          <a:fillRef idx="2">
-            <a:schemeClr val="accent2"/>
-          </a:fillRef>
-          <a:effectRef idx="1">
-            <a:schemeClr val="accent2"/>
-          </a:effectRef>
-          <a:fontRef idx="minor">
-            <a:schemeClr val="dk1"/>
-          </a:fontRef>
-        </p:style>
-      </p:cxnSp>
-      <p:cxnSp>
-        <p:nvCxnSpPr>
-          <p:cNvPr id="98" name="Elbow Connector 85">
-            <a:extLst>
-              <a:ext uri="{FF2B5EF4-FFF2-40B4-BE49-F238E27FC236}">
-                <a16:creationId xmlns:a16="http://schemas.microsoft.com/office/drawing/2014/main" id="{77D93BAA-6F83-4157-8F77-043E3F11FB25}"/>
-              </a:ext>
-            </a:extLst>
-          </p:cNvPr>
-          <p:cNvCxnSpPr>
-            <a:cxnSpLocks/>
-            <a:stCxn id="82" idx="3"/>
-            <a:endCxn id="117" idx="3"/>
-          </p:cNvCxnSpPr>
-          <p:nvPr/>
-        </p:nvCxnSpPr>
-        <p:spPr>
-          <a:xfrm flipV="1">
-            <a:off x="6292730" y="2992297"/>
-            <a:ext cx="1362526" cy="2027395"/>
-          </a:xfrm>
-          <a:prstGeom prst="bentConnector3">
-            <a:avLst>
-              <a:gd name="adj1" fmla="val 120263"/>
-            </a:avLst>
-          </a:prstGeom>
-          <a:ln w="19050">
-            <a:solidFill>
-              <a:srgbClr val="7030A0"/>
-            </a:solidFill>
-            <a:headEnd type="none" w="med" len="med"/>
-            <a:tailEnd type="none" w="med" len="med"/>
-          </a:ln>
-          <a:effectLst/>
-        </p:spPr>
-        <p:style>
-          <a:lnRef idx="1">
-            <a:schemeClr val="accent2"/>
-          </a:lnRef>
-          <a:fillRef idx="2">
-            <a:schemeClr val="accent2"/>
-          </a:fillRef>
-          <a:effectRef idx="1">
-            <a:schemeClr val="accent2"/>
-          </a:effectRef>
-          <a:fontRef idx="minor">
-            <a:schemeClr val="dk1"/>
-          </a:fontRef>
-        </p:style>
-      </p:cxnSp>
-      <p:sp>
-        <p:nvSpPr>
-          <p:cNvPr id="153" name="TextBox 152">
-            <a:extLst>
-              <a:ext uri="{FF2B5EF4-FFF2-40B4-BE49-F238E27FC236}">
-                <a16:creationId xmlns:a16="http://schemas.microsoft.com/office/drawing/2014/main" id="{88FBB9DB-E26B-428F-AA6E-B20634747BE4}"/>
-              </a:ext>
-            </a:extLst>
-          </p:cNvPr>
-          <p:cNvSpPr txBox="1"/>
-          <p:nvPr/>
-        </p:nvSpPr>
-        <p:spPr>
-          <a:xfrm>
-            <a:off x="7052588" y="1954917"/>
-            <a:ext cx="189257" cy="178683"/>
-          </a:xfrm>
-          <a:prstGeom prst="rect">
-            <a:avLst/>
-          </a:prstGeom>
-          <a:noFill/>
-        </p:spPr>
-        <p:txBody>
-          <a:bodyPr wrap="square" lIns="0" tIns="0" rIns="0" bIns="0" rtlCol="0">
-            <a:noAutofit/>
-          </a:bodyPr>
-          <a:lstStyle/>
-          <a:p>
-            <a:pPr algn="ctr"/>
-            <a:r>
-              <a:rPr lang="en-US" sz="1100">
-                <a:solidFill>
-                  <a:srgbClr val="7030A0"/>
-                </a:solidFill>
-              </a:rPr>
-              <a:t>1</a:t>
-            </a:r>
-            <a:endParaRPr lang="en-SG" sz="1100" dirty="0">
-              <a:solidFill>
-                <a:srgbClr val="7030A0"/>
-              </a:solidFill>
-            </a:endParaRPr>
-          </a:p>
-        </p:txBody>
-      </p:sp>
-      <p:cxnSp>
-        <p:nvCxnSpPr>
-          <p:cNvPr id="268" name="Elbow Connector 58">
-            <a:extLst>
-              <a:ext uri="{FF2B5EF4-FFF2-40B4-BE49-F238E27FC236}">
-                <a16:creationId xmlns:a16="http://schemas.microsoft.com/office/drawing/2014/main" id="{A9D37834-AD78-452C-A0E4-1F0B40A9DA72}"/>
-              </a:ext>
-            </a:extLst>
-          </p:cNvPr>
-          <p:cNvCxnSpPr>
-            <a:cxnSpLocks/>
-            <a:stCxn id="93" idx="1"/>
-            <a:endCxn id="80" idx="3"/>
-          </p:cNvCxnSpPr>
-          <p:nvPr/>
-        </p:nvCxnSpPr>
-        <p:spPr>
-          <a:xfrm rot="10800000" flipV="1">
-            <a:off x="5138196" y="5421941"/>
-            <a:ext cx="874156" cy="1262"/>
-          </a:xfrm>
-          <a:prstGeom prst="bentConnector3">
-            <a:avLst>
-              <a:gd name="adj1" fmla="val 50000"/>
-            </a:avLst>
-          </a:prstGeom>
-          <a:ln w="19050">
-            <a:solidFill>
-              <a:srgbClr val="7030A0"/>
-            </a:solidFill>
-            <a:headEnd type="none" w="med" len="med"/>
-            <a:tailEnd type="arrow" w="med" len="med"/>
-          </a:ln>
-          <a:effectLst/>
-        </p:spPr>
-        <p:style>
-          <a:lnRef idx="1">
-            <a:schemeClr val="accent2"/>
-          </a:lnRef>
-          <a:fillRef idx="2">
-            <a:schemeClr val="accent2"/>
-          </a:fillRef>
-          <a:effectRef idx="1">
-            <a:schemeClr val="accent2"/>
-          </a:effectRef>
-          <a:fontRef idx="minor">
-            <a:schemeClr val="dk1"/>
-          </a:fontRef>
-        </p:style>
-      </p:cxnSp>
-      <p:cxnSp>
-        <p:nvCxnSpPr>
-          <p:cNvPr id="317" name="Elbow Connector 58">
-            <a:extLst>
-              <a:ext uri="{FF2B5EF4-FFF2-40B4-BE49-F238E27FC236}">
-                <a16:creationId xmlns:a16="http://schemas.microsoft.com/office/drawing/2014/main" id="{C3093632-1500-432F-A9DB-7AB4773E006E}"/>
-              </a:ext>
-            </a:extLst>
-          </p:cNvPr>
-          <p:cNvCxnSpPr>
-            <a:cxnSpLocks/>
-            <a:stCxn id="112" idx="1"/>
-            <a:endCxn id="80" idx="2"/>
-          </p:cNvCxnSpPr>
-          <p:nvPr/>
-        </p:nvCxnSpPr>
-        <p:spPr>
-          <a:xfrm rot="10800000">
-            <a:off x="4508047" y="5559031"/>
-            <a:ext cx="2170344" cy="255308"/>
-          </a:xfrm>
-          <a:prstGeom prst="bentConnector2">
-            <a:avLst/>
-          </a:prstGeom>
-          <a:ln w="19050">
-            <a:solidFill>
-              <a:srgbClr val="7030A0"/>
-            </a:solidFill>
-            <a:headEnd type="none" w="med" len="med"/>
-            <a:tailEnd type="arrow" w="med" len="med"/>
-          </a:ln>
-          <a:effectLst/>
-        </p:spPr>
-        <p:style>
-          <a:lnRef idx="1">
-            <a:schemeClr val="accent2"/>
-          </a:lnRef>
-          <a:fillRef idx="2">
-            <a:schemeClr val="accent2"/>
-          </a:fillRef>
-          <a:effectRef idx="1">
-            <a:schemeClr val="accent2"/>
-          </a:effectRef>
-          <a:fontRef idx="minor">
-            <a:schemeClr val="dk1"/>
-          </a:fontRef>
-        </p:style>
-      </p:cxnSp>
-      <p:sp>
-        <p:nvSpPr>
-          <p:cNvPr id="80" name="Rectangle 8">
-            <a:extLst>
-              <a:ext uri="{FF2B5EF4-FFF2-40B4-BE49-F238E27FC236}">
-                <a16:creationId xmlns:a16="http://schemas.microsoft.com/office/drawing/2014/main" id="{38053985-49C0-46E7-9DCF-1E8B04211018}"/>
-              </a:ext>
-            </a:extLst>
-          </p:cNvPr>
-          <p:cNvSpPr/>
-          <p:nvPr/>
-        </p:nvSpPr>
-        <p:spPr>
-          <a:xfrm>
-            <a:off x="3877898" y="5287375"/>
-            <a:ext cx="1260298" cy="271656"/>
-          </a:xfrm>
-          <a:prstGeom prst="rect">
-            <a:avLst/>
-          </a:prstGeom>
-          <a:ln w="19050">
-            <a:solidFill>
-              <a:srgbClr val="7030A0"/>
-            </a:solidFill>
-          </a:ln>
-          <a:effectLst/>
-        </p:spPr>
-        <p:style>
-          <a:lnRef idx="1">
-            <a:schemeClr val="accent4"/>
-          </a:lnRef>
-          <a:fillRef idx="2">
-            <a:schemeClr val="accent4"/>
-          </a:fillRef>
-          <a:effectRef idx="1">
-            <a:schemeClr val="accent4"/>
-          </a:effectRef>
-          <a:fontRef idx="minor">
-            <a:schemeClr val="dk1"/>
-          </a:fontRef>
-        </p:style>
-        <p:txBody>
-          <a:bodyPr rtlCol="0" anchor="ctr"/>
-          <a:lstStyle/>
-          <a:p>
-            <a:pPr algn="ctr"/>
-            <a:r>
-              <a:rPr lang="en-SG" sz="1050" dirty="0" err="1">
-                <a:solidFill>
-                  <a:srgbClr val="7030A0"/>
-                </a:solidFill>
-              </a:rPr>
-              <a:t>EntryDateAndTime</a:t>
-            </a:r>
-            <a:endParaRPr lang="en-SG" sz="1050" dirty="0">
-              <a:solidFill>
-                <a:srgbClr val="7030A0"/>
-              </a:solidFill>
-            </a:endParaRPr>
-          </a:p>
-        </p:txBody>
-      </p:sp>
-      <p:sp>
-        <p:nvSpPr>
-          <p:cNvPr id="93" name="Flowchart: Decision 96">
-            <a:extLst>
-              <a:ext uri="{FF2B5EF4-FFF2-40B4-BE49-F238E27FC236}">
-                <a16:creationId xmlns:a16="http://schemas.microsoft.com/office/drawing/2014/main" id="{7E42058C-7FC1-48B6-B0A0-82326A89238D}"/>
-              </a:ext>
-            </a:extLst>
-          </p:cNvPr>
-          <p:cNvSpPr/>
-          <p:nvPr/>
-        </p:nvSpPr>
-        <p:spPr>
-          <a:xfrm>
-            <a:off x="6012352" y="5335251"/>
-            <a:ext cx="236048" cy="173380"/>
-          </a:xfrm>
-          <a:prstGeom prst="flowChartDecision">
+          <a:xfrm rot="5400000" flipV="1">
+            <a:off x="5093918" y="5626206"/>
+            <a:ext cx="270504" cy="175523"/>
+          </a:xfrm>
+          <a:prstGeom prst="triangle">
             <a:avLst/>
           </a:prstGeom>
           <a:solidFill>
             <a:srgbClr val="7030A0"/>
           </a:solidFill>
-          <a:ln w="19050">
-            <a:solidFill>
-              <a:srgbClr val="7030A0"/>
-            </a:solidFill>
-          </a:ln>
-          <a:effectLst/>
-        </p:spPr>
-        <p:style>
-          <a:lnRef idx="1">
-            <a:schemeClr val="accent6"/>
-          </a:lnRef>
-          <a:fillRef idx="2">
-            <a:schemeClr val="accent6"/>
-          </a:fillRef>
-          <a:effectRef idx="1">
-            <a:schemeClr val="accent6"/>
-          </a:effectRef>
-          <a:fontRef idx="minor">
-            <a:schemeClr val="dk1"/>
-          </a:fontRef>
-        </p:style>
-        <p:txBody>
-          <a:bodyPr rtlCol="0" anchor="ctr"/>
-          <a:lstStyle/>
-          <a:p>
-            <a:pPr algn="ctr"/>
-            <a:endParaRPr lang="en-US" sz="1050"/>
-          </a:p>
-        </p:txBody>
-      </p:sp>
-      <p:sp>
-        <p:nvSpPr>
-          <p:cNvPr id="104" name="TextBox 103">
-            <a:extLst>
-              <a:ext uri="{FF2B5EF4-FFF2-40B4-BE49-F238E27FC236}">
-                <a16:creationId xmlns:a16="http://schemas.microsoft.com/office/drawing/2014/main" id="{7955D861-12E8-467E-A832-0CD2DE6AF70E}"/>
-              </a:ext>
-            </a:extLst>
-          </p:cNvPr>
-          <p:cNvSpPr txBox="1"/>
-          <p:nvPr/>
-        </p:nvSpPr>
-        <p:spPr>
-          <a:xfrm>
-            <a:off x="4270437" y="5643157"/>
-            <a:ext cx="189257" cy="178683"/>
-          </a:xfrm>
-          <a:prstGeom prst="rect">
-            <a:avLst/>
-          </a:prstGeom>
-          <a:noFill/>
-        </p:spPr>
-        <p:txBody>
-          <a:bodyPr wrap="square" lIns="0" tIns="0" rIns="0" bIns="0" rtlCol="0">
-            <a:noAutofit/>
-          </a:bodyPr>
-          <a:lstStyle/>
-          <a:p>
-            <a:pPr algn="ctr"/>
-            <a:r>
-              <a:rPr lang="en-US" sz="1100" dirty="0">
-                <a:solidFill>
-                  <a:srgbClr val="7030A0"/>
-                </a:solidFill>
-              </a:rPr>
-              <a:t>1</a:t>
-            </a:r>
-            <a:endParaRPr lang="en-SG" sz="1100" dirty="0">
-              <a:solidFill>
-                <a:srgbClr val="7030A0"/>
-              </a:solidFill>
-            </a:endParaRPr>
-          </a:p>
-        </p:txBody>
-      </p:sp>
-      <p:sp>
-        <p:nvSpPr>
-          <p:cNvPr id="105" name="TextBox 104">
-            <a:extLst>
-              <a:ext uri="{FF2B5EF4-FFF2-40B4-BE49-F238E27FC236}">
-                <a16:creationId xmlns:a16="http://schemas.microsoft.com/office/drawing/2014/main" id="{26655E42-5836-4693-B2F5-1B27CF911181}"/>
-              </a:ext>
-            </a:extLst>
-          </p:cNvPr>
-          <p:cNvSpPr txBox="1"/>
-          <p:nvPr/>
-        </p:nvSpPr>
-        <p:spPr>
-          <a:xfrm>
-            <a:off x="5220943" y="5218058"/>
-            <a:ext cx="189257" cy="178683"/>
-          </a:xfrm>
-          <a:prstGeom prst="rect">
-            <a:avLst/>
-          </a:prstGeom>
-          <a:noFill/>
-        </p:spPr>
-        <p:txBody>
-          <a:bodyPr wrap="square" lIns="0" tIns="0" rIns="0" bIns="0" rtlCol="0">
-            <a:noAutofit/>
-          </a:bodyPr>
-          <a:lstStyle/>
-          <a:p>
-            <a:pPr algn="ctr"/>
-            <a:r>
-              <a:rPr lang="en-US" sz="1100" dirty="0">
-                <a:solidFill>
-                  <a:srgbClr val="7030A0"/>
-                </a:solidFill>
-              </a:rPr>
-              <a:t>2</a:t>
-            </a:r>
-            <a:endParaRPr lang="en-SG" sz="1100" dirty="0">
-              <a:solidFill>
-                <a:srgbClr val="7030A0"/>
-              </a:solidFill>
-            </a:endParaRPr>
-          </a:p>
-        </p:txBody>
-      </p:sp>
-      <p:sp>
-        <p:nvSpPr>
-          <p:cNvPr id="112" name="Flowchart: Decision 96">
-            <a:extLst>
-              <a:ext uri="{FF2B5EF4-FFF2-40B4-BE49-F238E27FC236}">
-                <a16:creationId xmlns:a16="http://schemas.microsoft.com/office/drawing/2014/main" id="{293ECA54-CC18-4A53-ABFD-453088B10C9C}"/>
-              </a:ext>
-            </a:extLst>
-          </p:cNvPr>
-          <p:cNvSpPr/>
-          <p:nvPr/>
-        </p:nvSpPr>
-        <p:spPr>
-          <a:xfrm>
-            <a:off x="6678391" y="5727649"/>
-            <a:ext cx="236048" cy="173380"/>
-          </a:xfrm>
-          <a:prstGeom prst="flowChartDecision">
-            <a:avLst/>
-          </a:prstGeom>
-          <a:solidFill>
-            <a:srgbClr val="7030A0"/>
-          </a:solidFill>
-          <a:ln w="19050">
-            <a:solidFill>
-              <a:srgbClr val="7030A0"/>
-            </a:solidFill>
-          </a:ln>
-          <a:effectLst/>
-        </p:spPr>
-        <p:style>
-          <a:lnRef idx="1">
-            <a:schemeClr val="accent6"/>
-          </a:lnRef>
-          <a:fillRef idx="2">
-            <a:schemeClr val="accent6"/>
-          </a:fillRef>
-          <a:effectRef idx="1">
-            <a:schemeClr val="accent6"/>
-          </a:effectRef>
-          <a:fontRef idx="minor">
-            <a:schemeClr val="dk1"/>
-          </a:fontRef>
-        </p:style>
-        <p:txBody>
-          <a:bodyPr rtlCol="0" anchor="ctr"/>
-          <a:lstStyle/>
-          <a:p>
-            <a:pPr algn="ctr"/>
-            <a:endParaRPr lang="en-US" sz="1050"/>
-          </a:p>
-        </p:txBody>
-      </p:sp>
-      <p:sp>
-        <p:nvSpPr>
-          <p:cNvPr id="117" name="Isosceles Triangle 102">
-            <a:extLst>
-              <a:ext uri="{FF2B5EF4-FFF2-40B4-BE49-F238E27FC236}">
-                <a16:creationId xmlns:a16="http://schemas.microsoft.com/office/drawing/2014/main" id="{7AB74330-96D4-4F9A-BFF6-5D372946A3A3}"/>
-              </a:ext>
-            </a:extLst>
-          </p:cNvPr>
-          <p:cNvSpPr/>
-          <p:nvPr/>
-        </p:nvSpPr>
-        <p:spPr>
-          <a:xfrm rot="5400000" flipV="1">
-            <a:off x="7432242" y="2904535"/>
-            <a:ext cx="270504" cy="175523"/>
-          </a:xfrm>
-          <a:prstGeom prst="triangle">
-            <a:avLst/>
-          </a:prstGeom>
           <a:ln w="19050">
             <a:solidFill>
               <a:srgbClr val="7030A0"/>
@@ -18196,1237 +15255,25 @@
           </a:p>
         </p:txBody>
       </p:sp>
-      <p:sp>
-        <p:nvSpPr>
-          <p:cNvPr id="81" name="Rectangle 8">
+      <p:cxnSp>
+        <p:nvCxnSpPr>
+          <p:cNvPr id="92" name="Elbow Connector 63">
             <a:extLst>
               <a:ext uri="{FF2B5EF4-FFF2-40B4-BE49-F238E27FC236}">
-                <a16:creationId xmlns:a16="http://schemas.microsoft.com/office/drawing/2014/main" id="{7A38C179-FD0A-4AFF-9DAD-D2B114E689D6}"/>
-              </a:ext>
-            </a:extLst>
-          </p:cNvPr>
-          <p:cNvSpPr/>
-          <p:nvPr/>
-        </p:nvSpPr>
-        <p:spPr>
-          <a:xfrm>
-            <a:off x="2680736" y="3390920"/>
-            <a:ext cx="1099150" cy="377140"/>
-          </a:xfrm>
-          <a:prstGeom prst="rect">
-            <a:avLst/>
-          </a:prstGeom>
-          <a:ln w="19050">
-            <a:solidFill>
-              <a:srgbClr val="7030A0"/>
-            </a:solidFill>
-          </a:ln>
-          <a:effectLst/>
-        </p:spPr>
-        <p:style>
-          <a:lnRef idx="1">
-            <a:schemeClr val="accent4"/>
-          </a:lnRef>
-          <a:fillRef idx="2">
-            <a:schemeClr val="accent4"/>
-          </a:fillRef>
-          <a:effectRef idx="1">
-            <a:schemeClr val="accent4"/>
-          </a:effectRef>
-          <a:fontRef idx="minor">
-            <a:schemeClr val="dk1"/>
-          </a:fontRef>
-        </p:style>
-        <p:txBody>
-          <a:bodyPr rtlCol="0" anchor="ctr"/>
-          <a:lstStyle/>
-          <a:p>
-            <a:pPr algn="ctr"/>
-            <a:r>
-              <a:rPr lang="en-US" sz="1050" dirty="0">
-                <a:solidFill>
-                  <a:srgbClr val="7030A0"/>
-                </a:solidFill>
-              </a:rPr>
-              <a:t>{abstract}</a:t>
-            </a:r>
-            <a:br>
-              <a:rPr lang="en-US" sz="1050" dirty="0">
-                <a:solidFill>
-                  <a:srgbClr val="7030A0"/>
-                </a:solidFill>
-              </a:rPr>
-            </a:br>
-            <a:r>
-              <a:rPr lang="en-US" sz="1050" dirty="0" err="1">
-                <a:solidFill>
-                  <a:srgbClr val="7030A0"/>
-                </a:solidFill>
-              </a:rPr>
-              <a:t>EntryList</a:t>
-            </a:r>
-            <a:endParaRPr lang="en-SG" sz="1050" dirty="0">
-              <a:solidFill>
-                <a:srgbClr val="7030A0"/>
-              </a:solidFill>
-            </a:endParaRPr>
-          </a:p>
-        </p:txBody>
-      </p:sp>
-      <p:sp>
-        <p:nvSpPr>
-          <p:cNvPr id="83" name="TextBox 82">
-            <a:extLst>
-              <a:ext uri="{FF2B5EF4-FFF2-40B4-BE49-F238E27FC236}">
-                <a16:creationId xmlns:a16="http://schemas.microsoft.com/office/drawing/2014/main" id="{B0746313-7EAE-4FD7-BA26-B0CF426E0CE1}"/>
-              </a:ext>
-            </a:extLst>
-          </p:cNvPr>
-          <p:cNvSpPr txBox="1"/>
-          <p:nvPr/>
-        </p:nvSpPr>
-        <p:spPr>
-          <a:xfrm>
-            <a:off x="1969588" y="4123108"/>
-            <a:ext cx="189257" cy="178683"/>
-          </a:xfrm>
-          <a:prstGeom prst="rect">
-            <a:avLst/>
-          </a:prstGeom>
-          <a:noFill/>
-        </p:spPr>
-        <p:txBody>
-          <a:bodyPr wrap="square" lIns="0" tIns="0" rIns="0" bIns="0" rtlCol="0">
-            <a:noAutofit/>
-          </a:bodyPr>
-          <a:lstStyle/>
-          <a:p>
-            <a:pPr algn="ctr"/>
-            <a:r>
-              <a:rPr lang="en-SG" sz="1100" dirty="0">
-                <a:solidFill>
-                  <a:srgbClr val="7030A0"/>
-                </a:solidFill>
-              </a:rPr>
-              <a:t>3</a:t>
-            </a:r>
-          </a:p>
-        </p:txBody>
-      </p:sp>
-      <p:sp>
-        <p:nvSpPr>
-          <p:cNvPr id="101" name="Rectangle 8">
-            <a:extLst>
-              <a:ext uri="{FF2B5EF4-FFF2-40B4-BE49-F238E27FC236}">
-                <a16:creationId xmlns:a16="http://schemas.microsoft.com/office/drawing/2014/main" id="{3A8DF1E8-19BD-4490-BC77-A609B6FD5639}"/>
-              </a:ext>
-            </a:extLst>
-          </p:cNvPr>
-          <p:cNvSpPr/>
-          <p:nvPr/>
-        </p:nvSpPr>
-        <p:spPr>
-          <a:xfrm>
-            <a:off x="4827057" y="2590779"/>
-            <a:ext cx="1156969" cy="476049"/>
-          </a:xfrm>
-          <a:prstGeom prst="rect">
-            <a:avLst/>
-          </a:prstGeom>
-          <a:ln w="19050">
-            <a:solidFill>
-              <a:srgbClr val="7030A0"/>
-            </a:solidFill>
-          </a:ln>
-          <a:effectLst/>
-        </p:spPr>
-        <p:style>
-          <a:lnRef idx="1">
-            <a:schemeClr val="accent4"/>
-          </a:lnRef>
-          <a:fillRef idx="2">
-            <a:schemeClr val="accent4"/>
-          </a:fillRef>
-          <a:effectRef idx="1">
-            <a:schemeClr val="accent4"/>
-          </a:effectRef>
-          <a:fontRef idx="minor">
-            <a:schemeClr val="dk1"/>
-          </a:fontRef>
-        </p:style>
-        <p:txBody>
-          <a:bodyPr rtlCol="0" anchor="ctr"/>
-          <a:lstStyle/>
-          <a:p>
-            <a:pPr algn="ctr"/>
-            <a:r>
-              <a:rPr lang="en-SG" sz="1050" dirty="0" err="1">
-                <a:solidFill>
-                  <a:srgbClr val="7030A0"/>
-                </a:solidFill>
-              </a:rPr>
-              <a:t>EventList</a:t>
-            </a:r>
-            <a:endParaRPr lang="en-SG" sz="1050" dirty="0">
-              <a:solidFill>
-                <a:srgbClr val="7030A0"/>
-              </a:solidFill>
-            </a:endParaRPr>
-          </a:p>
-        </p:txBody>
-      </p:sp>
-      <p:sp>
-        <p:nvSpPr>
-          <p:cNvPr id="102" name="Rectangle 8">
-            <a:extLst>
-              <a:ext uri="{FF2B5EF4-FFF2-40B4-BE49-F238E27FC236}">
-                <a16:creationId xmlns:a16="http://schemas.microsoft.com/office/drawing/2014/main" id="{4A845856-BC9D-446D-B86B-5856280A727B}"/>
-              </a:ext>
-            </a:extLst>
-          </p:cNvPr>
-          <p:cNvSpPr/>
-          <p:nvPr/>
-        </p:nvSpPr>
-        <p:spPr>
-          <a:xfrm>
-            <a:off x="4836131" y="3151946"/>
-            <a:ext cx="1156969" cy="476049"/>
-          </a:xfrm>
-          <a:prstGeom prst="rect">
-            <a:avLst/>
-          </a:prstGeom>
-          <a:ln w="19050">
-            <a:solidFill>
-              <a:srgbClr val="7030A0"/>
-            </a:solidFill>
-          </a:ln>
-          <a:effectLst/>
-        </p:spPr>
-        <p:style>
-          <a:lnRef idx="1">
-            <a:schemeClr val="accent4"/>
-          </a:lnRef>
-          <a:fillRef idx="2">
-            <a:schemeClr val="accent4"/>
-          </a:fillRef>
-          <a:effectRef idx="1">
-            <a:schemeClr val="accent4"/>
-          </a:effectRef>
-          <a:fontRef idx="minor">
-            <a:schemeClr val="dk1"/>
-          </a:fontRef>
-        </p:style>
-        <p:txBody>
-          <a:bodyPr rtlCol="0" anchor="ctr"/>
-          <a:lstStyle/>
-          <a:p>
-            <a:pPr algn="ctr"/>
-            <a:r>
-              <a:rPr lang="en-SG" sz="1050" dirty="0" err="1">
-                <a:solidFill>
-                  <a:srgbClr val="7030A0"/>
-                </a:solidFill>
-              </a:rPr>
-              <a:t>DeadlineList</a:t>
-            </a:r>
-            <a:endParaRPr lang="en-SG" sz="1050" dirty="0">
-              <a:solidFill>
-                <a:srgbClr val="7030A0"/>
-              </a:solidFill>
-            </a:endParaRPr>
-          </a:p>
-        </p:txBody>
-      </p:sp>
-      <p:sp>
-        <p:nvSpPr>
-          <p:cNvPr id="103" name="Rectangle 8">
-            <a:extLst>
-              <a:ext uri="{FF2B5EF4-FFF2-40B4-BE49-F238E27FC236}">
-                <a16:creationId xmlns:a16="http://schemas.microsoft.com/office/drawing/2014/main" id="{4A8F1CE5-EF77-4895-9413-B5BFC4CC6FF0}"/>
-              </a:ext>
-            </a:extLst>
-          </p:cNvPr>
-          <p:cNvSpPr/>
-          <p:nvPr/>
-        </p:nvSpPr>
-        <p:spPr>
-          <a:xfrm>
-            <a:off x="4836131" y="3714951"/>
-            <a:ext cx="1156969" cy="476049"/>
-          </a:xfrm>
-          <a:prstGeom prst="rect">
-            <a:avLst/>
-          </a:prstGeom>
-          <a:ln w="19050">
-            <a:solidFill>
-              <a:srgbClr val="7030A0"/>
-            </a:solidFill>
-          </a:ln>
-          <a:effectLst/>
-        </p:spPr>
-        <p:style>
-          <a:lnRef idx="1">
-            <a:schemeClr val="accent4"/>
-          </a:lnRef>
-          <a:fillRef idx="2">
-            <a:schemeClr val="accent4"/>
-          </a:fillRef>
-          <a:effectRef idx="1">
-            <a:schemeClr val="accent4"/>
-          </a:effectRef>
-          <a:fontRef idx="minor">
-            <a:schemeClr val="dk1"/>
-          </a:fontRef>
-        </p:style>
-        <p:txBody>
-          <a:bodyPr rtlCol="0" anchor="ctr"/>
-          <a:lstStyle/>
-          <a:p>
-            <a:pPr algn="ctr"/>
-            <a:r>
-              <a:rPr lang="en-SG" sz="1050" dirty="0" err="1">
-                <a:solidFill>
-                  <a:srgbClr val="7030A0"/>
-                </a:solidFill>
-              </a:rPr>
-              <a:t>FloatingTaskList</a:t>
-            </a:r>
-            <a:endParaRPr lang="en-SG" sz="1050" dirty="0">
-              <a:solidFill>
-                <a:srgbClr val="7030A0"/>
-              </a:solidFill>
-            </a:endParaRPr>
-          </a:p>
-        </p:txBody>
-      </p:sp>
-      <p:cxnSp>
-        <p:nvCxnSpPr>
-          <p:cNvPr id="106" name="Elbow Connector 29">
-            <a:extLst>
-              <a:ext uri="{FF2B5EF4-FFF2-40B4-BE49-F238E27FC236}">
-                <a16:creationId xmlns:a16="http://schemas.microsoft.com/office/drawing/2014/main" id="{014CD831-8474-45B5-A953-0E87A8D1BFCA}"/>
+                <a16:creationId xmlns:a16="http://schemas.microsoft.com/office/drawing/2014/main" id="{941E4349-EB7B-4469-B2AC-57D95BE7193F}"/>
               </a:ext>
             </a:extLst>
           </p:cNvPr>
           <p:cNvCxnSpPr>
             <a:cxnSpLocks/>
-            <a:stCxn id="51" idx="3"/>
-            <a:endCxn id="103" idx="1"/>
+            <a:stCxn id="91" idx="3"/>
           </p:cNvCxnSpPr>
           <p:nvPr/>
         </p:nvCxnSpPr>
         <p:spPr>
-          <a:xfrm>
-            <a:off x="4153221" y="2462272"/>
-            <a:ext cx="682910" cy="1490704"/>
-          </a:xfrm>
-          <a:prstGeom prst="bentConnector3">
-            <a:avLst>
-              <a:gd name="adj1" fmla="val 50000"/>
-            </a:avLst>
-          </a:prstGeom>
-          <a:ln w="19050">
-            <a:solidFill>
-              <a:srgbClr val="7030A0"/>
-            </a:solidFill>
-            <a:headEnd type="none" w="med" len="med"/>
-            <a:tailEnd type="arrow" w="med" len="med"/>
-          </a:ln>
-          <a:effectLst/>
-        </p:spPr>
-        <p:style>
-          <a:lnRef idx="1">
-            <a:schemeClr val="accent2"/>
-          </a:lnRef>
-          <a:fillRef idx="2">
-            <a:schemeClr val="accent2"/>
-          </a:fillRef>
-          <a:effectRef idx="1">
-            <a:schemeClr val="accent2"/>
-          </a:effectRef>
-          <a:fontRef idx="minor">
-            <a:schemeClr val="dk1"/>
-          </a:fontRef>
-        </p:style>
-      </p:cxnSp>
-      <p:cxnSp>
-        <p:nvCxnSpPr>
-          <p:cNvPr id="108" name="Elbow Connector 29">
-            <a:extLst>
-              <a:ext uri="{FF2B5EF4-FFF2-40B4-BE49-F238E27FC236}">
-                <a16:creationId xmlns:a16="http://schemas.microsoft.com/office/drawing/2014/main" id="{FF0147D8-05B1-43A2-91FD-96D842923B11}"/>
-              </a:ext>
-            </a:extLst>
-          </p:cNvPr>
-          <p:cNvCxnSpPr>
-            <a:cxnSpLocks/>
-            <a:stCxn id="51" idx="3"/>
-            <a:endCxn id="102" idx="1"/>
-          </p:cNvCxnSpPr>
-          <p:nvPr/>
-        </p:nvCxnSpPr>
-        <p:spPr>
-          <a:xfrm>
-            <a:off x="4153221" y="2462272"/>
-            <a:ext cx="682910" cy="927699"/>
-          </a:xfrm>
-          <a:prstGeom prst="bentConnector3">
-            <a:avLst>
-              <a:gd name="adj1" fmla="val 50000"/>
-            </a:avLst>
-          </a:prstGeom>
-          <a:ln w="19050">
-            <a:solidFill>
-              <a:srgbClr val="7030A0"/>
-            </a:solidFill>
-            <a:headEnd type="none" w="med" len="med"/>
-            <a:tailEnd type="arrow" w="med" len="med"/>
-          </a:ln>
-          <a:effectLst/>
-        </p:spPr>
-        <p:style>
-          <a:lnRef idx="1">
-            <a:schemeClr val="accent2"/>
-          </a:lnRef>
-          <a:fillRef idx="2">
-            <a:schemeClr val="accent2"/>
-          </a:fillRef>
-          <a:effectRef idx="1">
-            <a:schemeClr val="accent2"/>
-          </a:effectRef>
-          <a:fontRef idx="minor">
-            <a:schemeClr val="dk1"/>
-          </a:fontRef>
-        </p:style>
-      </p:cxnSp>
-      <p:cxnSp>
-        <p:nvCxnSpPr>
-          <p:cNvPr id="109" name="Elbow Connector 29">
-            <a:extLst>
-              <a:ext uri="{FF2B5EF4-FFF2-40B4-BE49-F238E27FC236}">
-                <a16:creationId xmlns:a16="http://schemas.microsoft.com/office/drawing/2014/main" id="{8D0A22F4-57A2-4BAC-8BD2-4A1F476185C4}"/>
-              </a:ext>
-            </a:extLst>
-          </p:cNvPr>
-          <p:cNvCxnSpPr>
-            <a:cxnSpLocks/>
-            <a:stCxn id="51" idx="3"/>
-            <a:endCxn id="101" idx="1"/>
-          </p:cNvCxnSpPr>
-          <p:nvPr/>
-        </p:nvCxnSpPr>
-        <p:spPr>
-          <a:xfrm>
-            <a:off x="4153221" y="2462272"/>
-            <a:ext cx="673836" cy="366532"/>
-          </a:xfrm>
-          <a:prstGeom prst="bentConnector3">
-            <a:avLst>
-              <a:gd name="adj1" fmla="val 50000"/>
-            </a:avLst>
-          </a:prstGeom>
-          <a:ln w="19050">
-            <a:solidFill>
-              <a:srgbClr val="7030A0"/>
-            </a:solidFill>
-            <a:headEnd type="none" w="med" len="med"/>
-            <a:tailEnd type="arrow" w="med" len="med"/>
-          </a:ln>
-          <a:effectLst/>
-        </p:spPr>
-        <p:style>
-          <a:lnRef idx="1">
-            <a:schemeClr val="accent2"/>
-          </a:lnRef>
-          <a:fillRef idx="2">
-            <a:schemeClr val="accent2"/>
-          </a:fillRef>
-          <a:effectRef idx="1">
-            <a:schemeClr val="accent2"/>
-          </a:effectRef>
-          <a:fontRef idx="minor">
-            <a:schemeClr val="dk1"/>
-          </a:fontRef>
-        </p:style>
-      </p:cxnSp>
-      <p:sp>
-        <p:nvSpPr>
-          <p:cNvPr id="110" name="TextBox 109">
-            <a:extLst>
-              <a:ext uri="{FF2B5EF4-FFF2-40B4-BE49-F238E27FC236}">
-                <a16:creationId xmlns:a16="http://schemas.microsoft.com/office/drawing/2014/main" id="{14E0032F-C669-4A6F-B13A-1CD078CFD018}"/>
-              </a:ext>
-            </a:extLst>
-          </p:cNvPr>
-          <p:cNvSpPr txBox="1"/>
-          <p:nvPr/>
-        </p:nvSpPr>
-        <p:spPr>
-          <a:xfrm>
-            <a:off x="4582149" y="2591244"/>
-            <a:ext cx="189257" cy="178683"/>
-          </a:xfrm>
-          <a:prstGeom prst="rect">
-            <a:avLst/>
-          </a:prstGeom>
-          <a:noFill/>
-        </p:spPr>
-        <p:txBody>
-          <a:bodyPr wrap="square" lIns="0" tIns="0" rIns="0" bIns="0" rtlCol="0">
-            <a:noAutofit/>
-          </a:bodyPr>
-          <a:lstStyle/>
-          <a:p>
-            <a:pPr algn="ctr"/>
-            <a:r>
-              <a:rPr lang="en-US" sz="1100" dirty="0">
-                <a:solidFill>
-                  <a:srgbClr val="7030A0"/>
-                </a:solidFill>
-              </a:rPr>
-              <a:t>1</a:t>
-            </a:r>
-            <a:endParaRPr lang="en-SG" sz="1100" dirty="0">
-              <a:solidFill>
-                <a:srgbClr val="7030A0"/>
-              </a:solidFill>
-            </a:endParaRPr>
-          </a:p>
-        </p:txBody>
-      </p:sp>
-      <p:sp>
-        <p:nvSpPr>
-          <p:cNvPr id="116" name="TextBox 115">
-            <a:extLst>
-              <a:ext uri="{FF2B5EF4-FFF2-40B4-BE49-F238E27FC236}">
-                <a16:creationId xmlns:a16="http://schemas.microsoft.com/office/drawing/2014/main" id="{9D6D18B1-494C-430F-B3B3-D7939FAC6C97}"/>
-              </a:ext>
-            </a:extLst>
-          </p:cNvPr>
-          <p:cNvSpPr txBox="1"/>
-          <p:nvPr/>
-        </p:nvSpPr>
-        <p:spPr>
-          <a:xfrm>
-            <a:off x="4582149" y="3161569"/>
-            <a:ext cx="189257" cy="178683"/>
-          </a:xfrm>
-          <a:prstGeom prst="rect">
-            <a:avLst/>
-          </a:prstGeom>
-          <a:noFill/>
-        </p:spPr>
-        <p:txBody>
-          <a:bodyPr wrap="square" lIns="0" tIns="0" rIns="0" bIns="0" rtlCol="0">
-            <a:noAutofit/>
-          </a:bodyPr>
-          <a:lstStyle/>
-          <a:p>
-            <a:pPr algn="ctr"/>
-            <a:r>
-              <a:rPr lang="en-US" sz="1100" dirty="0">
-                <a:solidFill>
-                  <a:srgbClr val="7030A0"/>
-                </a:solidFill>
-              </a:rPr>
-              <a:t>1</a:t>
-            </a:r>
-            <a:endParaRPr lang="en-SG" sz="1100" dirty="0">
-              <a:solidFill>
-                <a:srgbClr val="7030A0"/>
-              </a:solidFill>
-            </a:endParaRPr>
-          </a:p>
-        </p:txBody>
-      </p:sp>
-      <p:sp>
-        <p:nvSpPr>
-          <p:cNvPr id="121" name="TextBox 120">
-            <a:extLst>
-              <a:ext uri="{FF2B5EF4-FFF2-40B4-BE49-F238E27FC236}">
-                <a16:creationId xmlns:a16="http://schemas.microsoft.com/office/drawing/2014/main" id="{1205EF0B-72A3-4D39-8DFB-C0D4112A9F87}"/>
-              </a:ext>
-            </a:extLst>
-          </p:cNvPr>
-          <p:cNvSpPr txBox="1"/>
-          <p:nvPr/>
-        </p:nvSpPr>
-        <p:spPr>
-          <a:xfrm>
-            <a:off x="4575166" y="3727225"/>
-            <a:ext cx="189257" cy="178683"/>
-          </a:xfrm>
-          <a:prstGeom prst="rect">
-            <a:avLst/>
-          </a:prstGeom>
-          <a:noFill/>
-        </p:spPr>
-        <p:txBody>
-          <a:bodyPr wrap="square" lIns="0" tIns="0" rIns="0" bIns="0" rtlCol="0">
-            <a:noAutofit/>
-          </a:bodyPr>
-          <a:lstStyle/>
-          <a:p>
-            <a:pPr algn="ctr"/>
-            <a:r>
-              <a:rPr lang="en-US" sz="1100" dirty="0">
-                <a:solidFill>
-                  <a:srgbClr val="7030A0"/>
-                </a:solidFill>
-              </a:rPr>
-              <a:t>1</a:t>
-            </a:r>
-            <a:endParaRPr lang="en-SG" sz="1100" dirty="0">
-              <a:solidFill>
-                <a:srgbClr val="7030A0"/>
-              </a:solidFill>
-            </a:endParaRPr>
-          </a:p>
-        </p:txBody>
-      </p:sp>
-      <p:sp>
-        <p:nvSpPr>
-          <p:cNvPr id="127" name="Flowchart: Decision 96">
-            <a:extLst>
-              <a:ext uri="{FF2B5EF4-FFF2-40B4-BE49-F238E27FC236}">
-                <a16:creationId xmlns:a16="http://schemas.microsoft.com/office/drawing/2014/main" id="{D2B8E737-BBB7-4B8C-BDF8-2EF7A3E1DE44}"/>
-              </a:ext>
-            </a:extLst>
-          </p:cNvPr>
-          <p:cNvSpPr/>
-          <p:nvPr/>
-        </p:nvSpPr>
-        <p:spPr>
-          <a:xfrm>
-            <a:off x="6010568" y="3873528"/>
-            <a:ext cx="236048" cy="173380"/>
-          </a:xfrm>
-          <a:prstGeom prst="flowChartDecision">
-            <a:avLst/>
-          </a:prstGeom>
-          <a:noFill/>
-          <a:ln w="19050">
-            <a:solidFill>
-              <a:srgbClr val="7030A0"/>
-            </a:solidFill>
-          </a:ln>
-          <a:effectLst/>
-        </p:spPr>
-        <p:style>
-          <a:lnRef idx="1">
-            <a:schemeClr val="accent6"/>
-          </a:lnRef>
-          <a:fillRef idx="2">
-            <a:schemeClr val="accent6"/>
-          </a:fillRef>
-          <a:effectRef idx="1">
-            <a:schemeClr val="accent6"/>
-          </a:effectRef>
-          <a:fontRef idx="minor">
-            <a:schemeClr val="dk1"/>
-          </a:fontRef>
-        </p:style>
-        <p:txBody>
-          <a:bodyPr rtlCol="0" anchor="ctr"/>
-          <a:lstStyle/>
-          <a:p>
-            <a:pPr algn="ctr"/>
-            <a:endParaRPr lang="en-US" sz="1050"/>
-          </a:p>
-        </p:txBody>
-      </p:sp>
-      <p:cxnSp>
-        <p:nvCxnSpPr>
-          <p:cNvPr id="128" name="Elbow Connector 63">
-            <a:extLst>
-              <a:ext uri="{FF2B5EF4-FFF2-40B4-BE49-F238E27FC236}">
-                <a16:creationId xmlns:a16="http://schemas.microsoft.com/office/drawing/2014/main" id="{374521C2-65BA-4C6B-99B3-454966DC871F}"/>
-              </a:ext>
-            </a:extLst>
-          </p:cNvPr>
-          <p:cNvCxnSpPr>
-            <a:cxnSpLocks/>
-            <a:stCxn id="127" idx="3"/>
-            <a:endCxn id="62" idx="1"/>
-          </p:cNvCxnSpPr>
-          <p:nvPr/>
-        </p:nvCxnSpPr>
-        <p:spPr>
           <a:xfrm flipV="1">
-            <a:off x="6246616" y="3003148"/>
-            <a:ext cx="281780" cy="957070"/>
-          </a:xfrm>
-          <a:prstGeom prst="bentConnector3">
-            <a:avLst/>
-          </a:prstGeom>
-          <a:ln w="19050">
-            <a:solidFill>
-              <a:srgbClr val="7030A0"/>
-            </a:solidFill>
-            <a:headEnd type="none" w="med" len="med"/>
-            <a:tailEnd type="arrow" w="med" len="med"/>
-          </a:ln>
-          <a:effectLst/>
-        </p:spPr>
-        <p:style>
-          <a:lnRef idx="1">
-            <a:schemeClr val="accent2"/>
-          </a:lnRef>
-          <a:fillRef idx="2">
-            <a:schemeClr val="accent2"/>
-          </a:fillRef>
-          <a:effectRef idx="1">
-            <a:schemeClr val="accent2"/>
-          </a:effectRef>
-          <a:fontRef idx="minor">
-            <a:schemeClr val="dk1"/>
-          </a:fontRef>
-        </p:style>
-      </p:cxnSp>
-      <p:sp>
-        <p:nvSpPr>
-          <p:cNvPr id="130" name="Flowchart: Decision 96">
-            <a:extLst>
-              <a:ext uri="{FF2B5EF4-FFF2-40B4-BE49-F238E27FC236}">
-                <a16:creationId xmlns:a16="http://schemas.microsoft.com/office/drawing/2014/main" id="{29550259-9575-4556-85FA-77BF2816480E}"/>
-              </a:ext>
-            </a:extLst>
-          </p:cNvPr>
-          <p:cNvSpPr/>
-          <p:nvPr/>
-        </p:nvSpPr>
-        <p:spPr>
-          <a:xfrm>
-            <a:off x="6010372" y="3305977"/>
-            <a:ext cx="236048" cy="173380"/>
-          </a:xfrm>
-          <a:prstGeom prst="flowChartDecision">
-            <a:avLst/>
-          </a:prstGeom>
-          <a:noFill/>
-          <a:ln w="19050">
-            <a:solidFill>
-              <a:srgbClr val="7030A0"/>
-            </a:solidFill>
-          </a:ln>
-          <a:effectLst/>
-        </p:spPr>
-        <p:style>
-          <a:lnRef idx="1">
-            <a:schemeClr val="accent6"/>
-          </a:lnRef>
-          <a:fillRef idx="2">
-            <a:schemeClr val="accent6"/>
-          </a:fillRef>
-          <a:effectRef idx="1">
-            <a:schemeClr val="accent6"/>
-          </a:effectRef>
-          <a:fontRef idx="minor">
-            <a:schemeClr val="dk1"/>
-          </a:fontRef>
-        </p:style>
-        <p:txBody>
-          <a:bodyPr rtlCol="0" anchor="ctr"/>
-          <a:lstStyle/>
-          <a:p>
-            <a:pPr algn="ctr"/>
-            <a:endParaRPr lang="en-US" sz="1050"/>
-          </a:p>
-        </p:txBody>
-      </p:sp>
-      <p:cxnSp>
-        <p:nvCxnSpPr>
-          <p:cNvPr id="131" name="Elbow Connector 63">
-            <a:extLst>
-              <a:ext uri="{FF2B5EF4-FFF2-40B4-BE49-F238E27FC236}">
-                <a16:creationId xmlns:a16="http://schemas.microsoft.com/office/drawing/2014/main" id="{EB39E71E-810D-4B41-98B2-26F71047CDC8}"/>
-              </a:ext>
-            </a:extLst>
-          </p:cNvPr>
-          <p:cNvCxnSpPr>
-            <a:cxnSpLocks/>
-            <a:stCxn id="130" idx="3"/>
-            <a:endCxn id="62" idx="1"/>
-          </p:cNvCxnSpPr>
-          <p:nvPr/>
-        </p:nvCxnSpPr>
-        <p:spPr>
-          <a:xfrm flipV="1">
-            <a:off x="6246420" y="3003148"/>
-            <a:ext cx="281976" cy="389519"/>
-          </a:xfrm>
-          <a:prstGeom prst="bentConnector3">
-            <a:avLst/>
-          </a:prstGeom>
-          <a:ln w="19050">
-            <a:solidFill>
-              <a:srgbClr val="7030A0"/>
-            </a:solidFill>
-            <a:headEnd type="none" w="med" len="med"/>
-            <a:tailEnd type="arrow" w="med" len="med"/>
-          </a:ln>
-          <a:effectLst/>
-        </p:spPr>
-        <p:style>
-          <a:lnRef idx="1">
-            <a:schemeClr val="accent2"/>
-          </a:lnRef>
-          <a:fillRef idx="2">
-            <a:schemeClr val="accent2"/>
-          </a:fillRef>
-          <a:effectRef idx="1">
-            <a:schemeClr val="accent2"/>
-          </a:effectRef>
-          <a:fontRef idx="minor">
-            <a:schemeClr val="dk1"/>
-          </a:fontRef>
-        </p:style>
-      </p:cxnSp>
-      <p:sp>
-        <p:nvSpPr>
-          <p:cNvPr id="132" name="Flowchart: Decision 96">
-            <a:extLst>
-              <a:ext uri="{FF2B5EF4-FFF2-40B4-BE49-F238E27FC236}">
-                <a16:creationId xmlns:a16="http://schemas.microsoft.com/office/drawing/2014/main" id="{94A79EB7-80BA-4FBB-9C94-4480E40AF89C}"/>
-              </a:ext>
-            </a:extLst>
-          </p:cNvPr>
-          <p:cNvSpPr/>
-          <p:nvPr/>
-        </p:nvSpPr>
-        <p:spPr>
-          <a:xfrm>
-            <a:off x="5998293" y="2748193"/>
-            <a:ext cx="236048" cy="173380"/>
-          </a:xfrm>
-          <a:prstGeom prst="flowChartDecision">
-            <a:avLst/>
-          </a:prstGeom>
-          <a:noFill/>
-          <a:ln w="19050">
-            <a:solidFill>
-              <a:srgbClr val="7030A0"/>
-            </a:solidFill>
-          </a:ln>
-          <a:effectLst/>
-        </p:spPr>
-        <p:style>
-          <a:lnRef idx="1">
-            <a:schemeClr val="accent6"/>
-          </a:lnRef>
-          <a:fillRef idx="2">
-            <a:schemeClr val="accent6"/>
-          </a:fillRef>
-          <a:effectRef idx="1">
-            <a:schemeClr val="accent6"/>
-          </a:effectRef>
-          <a:fontRef idx="minor">
-            <a:schemeClr val="dk1"/>
-          </a:fontRef>
-        </p:style>
-        <p:txBody>
-          <a:bodyPr rtlCol="0" anchor="ctr"/>
-          <a:lstStyle/>
-          <a:p>
-            <a:pPr algn="ctr"/>
-            <a:endParaRPr lang="en-US" sz="1050"/>
-          </a:p>
-        </p:txBody>
-      </p:sp>
-      <p:cxnSp>
-        <p:nvCxnSpPr>
-          <p:cNvPr id="133" name="Elbow Connector 63">
-            <a:extLst>
-              <a:ext uri="{FF2B5EF4-FFF2-40B4-BE49-F238E27FC236}">
-                <a16:creationId xmlns:a16="http://schemas.microsoft.com/office/drawing/2014/main" id="{26376927-F58A-48A5-B14D-FD12DFD768F8}"/>
-              </a:ext>
-            </a:extLst>
-          </p:cNvPr>
-          <p:cNvCxnSpPr>
-            <a:cxnSpLocks/>
-            <a:stCxn id="132" idx="3"/>
-            <a:endCxn id="62" idx="1"/>
-          </p:cNvCxnSpPr>
-          <p:nvPr/>
-        </p:nvCxnSpPr>
-        <p:spPr>
-          <a:xfrm>
-            <a:off x="6234341" y="2834883"/>
-            <a:ext cx="294055" cy="168265"/>
-          </a:xfrm>
-          <a:prstGeom prst="bentConnector3">
-            <a:avLst/>
-          </a:prstGeom>
-          <a:ln w="19050">
-            <a:solidFill>
-              <a:srgbClr val="7030A0"/>
-            </a:solidFill>
-            <a:headEnd type="none" w="med" len="med"/>
-            <a:tailEnd type="arrow" w="med" len="med"/>
-          </a:ln>
-          <a:effectLst/>
-        </p:spPr>
-        <p:style>
-          <a:lnRef idx="1">
-            <a:schemeClr val="accent2"/>
-          </a:lnRef>
-          <a:fillRef idx="2">
-            <a:schemeClr val="accent2"/>
-          </a:fillRef>
-          <a:effectRef idx="1">
-            <a:schemeClr val="accent2"/>
-          </a:effectRef>
-          <a:fontRef idx="minor">
-            <a:schemeClr val="dk1"/>
-          </a:fontRef>
-        </p:style>
-      </p:cxnSp>
-      <p:sp>
-        <p:nvSpPr>
-          <p:cNvPr id="129" name="Rectangle 8">
-            <a:extLst>
-              <a:ext uri="{FF2B5EF4-FFF2-40B4-BE49-F238E27FC236}">
-                <a16:creationId xmlns:a16="http://schemas.microsoft.com/office/drawing/2014/main" id="{903E1365-C308-4B91-A75F-2DFC5EDB686C}"/>
-              </a:ext>
-            </a:extLst>
-          </p:cNvPr>
-          <p:cNvSpPr/>
-          <p:nvPr/>
-        </p:nvSpPr>
-        <p:spPr>
-          <a:xfrm>
-            <a:off x="2037784" y="5287375"/>
-            <a:ext cx="1260298" cy="271656"/>
-          </a:xfrm>
-          <a:prstGeom prst="rect">
-            <a:avLst/>
-          </a:prstGeom>
-          <a:ln w="19050">
-            <a:solidFill>
-              <a:srgbClr val="7030A0"/>
-            </a:solidFill>
-          </a:ln>
-          <a:effectLst/>
-        </p:spPr>
-        <p:style>
-          <a:lnRef idx="1">
-            <a:schemeClr val="accent4"/>
-          </a:lnRef>
-          <a:fillRef idx="2">
-            <a:schemeClr val="accent4"/>
-          </a:fillRef>
-          <a:effectRef idx="1">
-            <a:schemeClr val="accent4"/>
-          </a:effectRef>
-          <a:fontRef idx="minor">
-            <a:schemeClr val="dk1"/>
-          </a:fontRef>
-        </p:style>
-        <p:txBody>
-          <a:bodyPr rtlCol="0" anchor="ctr"/>
-          <a:lstStyle/>
-          <a:p>
-            <a:pPr algn="ctr"/>
-            <a:r>
-              <a:rPr lang="en-SG" sz="1050" dirty="0" err="1">
-                <a:solidFill>
-                  <a:srgbClr val="7030A0"/>
-                </a:solidFill>
-              </a:rPr>
-              <a:t>Java.util.Calendar</a:t>
-            </a:r>
-            <a:endParaRPr lang="en-SG" sz="1050" dirty="0">
-              <a:solidFill>
-                <a:srgbClr val="7030A0"/>
-              </a:solidFill>
-            </a:endParaRPr>
-          </a:p>
-        </p:txBody>
-      </p:sp>
-      <p:cxnSp>
-        <p:nvCxnSpPr>
-          <p:cNvPr id="134" name="Elbow Connector 85">
-            <a:extLst>
-              <a:ext uri="{FF2B5EF4-FFF2-40B4-BE49-F238E27FC236}">
-                <a16:creationId xmlns:a16="http://schemas.microsoft.com/office/drawing/2014/main" id="{7B704892-E660-4E06-9104-CA88FFF740AC}"/>
-              </a:ext>
-            </a:extLst>
-          </p:cNvPr>
-          <p:cNvCxnSpPr>
-            <a:cxnSpLocks/>
-            <a:stCxn id="80" idx="1"/>
-            <a:endCxn id="135" idx="3"/>
-          </p:cNvCxnSpPr>
-          <p:nvPr/>
-        </p:nvCxnSpPr>
-        <p:spPr>
-          <a:xfrm rot="10800000">
-            <a:off x="3489482" y="5422119"/>
-            <a:ext cx="388416" cy="1085"/>
-          </a:xfrm>
-          <a:prstGeom prst="bentConnector3">
-            <a:avLst>
-              <a:gd name="adj1" fmla="val 50000"/>
-            </a:avLst>
-          </a:prstGeom>
-          <a:ln w="19050">
-            <a:solidFill>
-              <a:srgbClr val="7030A0"/>
-            </a:solidFill>
-            <a:headEnd type="none" w="med" len="med"/>
-            <a:tailEnd type="none" w="med" len="med"/>
-          </a:ln>
-          <a:effectLst/>
-        </p:spPr>
-        <p:style>
-          <a:lnRef idx="1">
-            <a:schemeClr val="accent2"/>
-          </a:lnRef>
-          <a:fillRef idx="2">
-            <a:schemeClr val="accent2"/>
-          </a:fillRef>
-          <a:effectRef idx="1">
-            <a:schemeClr val="accent2"/>
-          </a:effectRef>
-          <a:fontRef idx="minor">
-            <a:schemeClr val="dk1"/>
-          </a:fontRef>
-        </p:style>
-      </p:cxnSp>
-      <p:sp>
-        <p:nvSpPr>
-          <p:cNvPr id="135" name="Isosceles Triangle 102">
-            <a:extLst>
-              <a:ext uri="{FF2B5EF4-FFF2-40B4-BE49-F238E27FC236}">
-                <a16:creationId xmlns:a16="http://schemas.microsoft.com/office/drawing/2014/main" id="{960F6039-F600-4C86-962C-9DF2ECC12C2B}"/>
-              </a:ext>
-            </a:extLst>
-          </p:cNvPr>
-          <p:cNvSpPr/>
-          <p:nvPr/>
-        </p:nvSpPr>
-        <p:spPr>
-          <a:xfrm rot="5400000" flipV="1">
-            <a:off x="3266468" y="5334356"/>
-            <a:ext cx="270504" cy="175523"/>
-          </a:xfrm>
-          <a:prstGeom prst="triangle">
-            <a:avLst/>
-          </a:prstGeom>
-          <a:ln w="19050">
-            <a:solidFill>
-              <a:srgbClr val="7030A0"/>
-            </a:solidFill>
-          </a:ln>
-          <a:effectLst/>
-        </p:spPr>
-        <p:style>
-          <a:lnRef idx="1">
-            <a:schemeClr val="accent4"/>
-          </a:lnRef>
-          <a:fillRef idx="2">
-            <a:schemeClr val="accent4"/>
-          </a:fillRef>
-          <a:effectRef idx="1">
-            <a:schemeClr val="accent4"/>
-          </a:effectRef>
-          <a:fontRef idx="minor">
-            <a:schemeClr val="dk1"/>
-          </a:fontRef>
-        </p:style>
-        <p:txBody>
-          <a:bodyPr rtlCol="0" anchor="ctr"/>
-          <a:lstStyle/>
-          <a:p>
-            <a:pPr algn="ctr"/>
-            <a:endParaRPr lang="en-SG" sz="1050" b="1">
-              <a:solidFill>
-                <a:srgbClr val="92D050"/>
-              </a:solidFill>
-            </a:endParaRPr>
-          </a:p>
-        </p:txBody>
-      </p:sp>
-      <p:sp>
-        <p:nvSpPr>
-          <p:cNvPr id="138" name="Isosceles Triangle 102">
-            <a:extLst>
-              <a:ext uri="{FF2B5EF4-FFF2-40B4-BE49-F238E27FC236}">
-                <a16:creationId xmlns:a16="http://schemas.microsoft.com/office/drawing/2014/main" id="{C405A132-B740-400A-9F71-C6A22C29B147}"/>
-              </a:ext>
-            </a:extLst>
-          </p:cNvPr>
-          <p:cNvSpPr/>
-          <p:nvPr/>
-        </p:nvSpPr>
-        <p:spPr>
-          <a:xfrm>
-            <a:off x="3218128" y="1983759"/>
-            <a:ext cx="270504" cy="175523"/>
-          </a:xfrm>
-          <a:prstGeom prst="triangle">
-            <a:avLst/>
-          </a:prstGeom>
-          <a:solidFill>
-            <a:srgbClr val="7030A0"/>
-          </a:solidFill>
-          <a:ln w="19050">
-            <a:solidFill>
-              <a:srgbClr val="7030A0"/>
-            </a:solidFill>
-          </a:ln>
-          <a:effectLst/>
-        </p:spPr>
-        <p:style>
-          <a:lnRef idx="1">
-            <a:schemeClr val="accent6"/>
-          </a:lnRef>
-          <a:fillRef idx="2">
-            <a:schemeClr val="accent6"/>
-          </a:fillRef>
-          <a:effectRef idx="1">
-            <a:schemeClr val="accent6"/>
-          </a:effectRef>
-          <a:fontRef idx="minor">
-            <a:schemeClr val="dk1"/>
-          </a:fontRef>
-        </p:style>
-        <p:txBody>
-          <a:bodyPr rtlCol="0" anchor="ctr"/>
-          <a:lstStyle/>
-          <a:p>
-            <a:pPr algn="ctr"/>
-            <a:endParaRPr lang="en-SG" sz="1050"/>
-          </a:p>
-        </p:txBody>
-      </p:sp>
-      <p:sp>
-        <p:nvSpPr>
-          <p:cNvPr id="115" name="Isosceles Triangle 102">
-            <a:extLst>
-              <a:ext uri="{FF2B5EF4-FFF2-40B4-BE49-F238E27FC236}">
-                <a16:creationId xmlns:a16="http://schemas.microsoft.com/office/drawing/2014/main" id="{E503DD09-E729-4510-AC1D-BB2C3C1A7DEA}"/>
-              </a:ext>
-            </a:extLst>
-          </p:cNvPr>
-          <p:cNvSpPr/>
-          <p:nvPr/>
-        </p:nvSpPr>
-        <p:spPr>
-          <a:xfrm rot="16200000">
-            <a:off x="4681253" y="4519517"/>
-            <a:ext cx="270504" cy="175523"/>
-          </a:xfrm>
-          <a:prstGeom prst="triangle">
-            <a:avLst/>
-          </a:prstGeom>
-          <a:solidFill>
-            <a:srgbClr val="7030A0"/>
-          </a:solidFill>
-          <a:ln w="19050">
-            <a:solidFill>
-              <a:srgbClr val="7030A0"/>
-            </a:solidFill>
-          </a:ln>
-          <a:effectLst/>
-        </p:spPr>
-        <p:style>
-          <a:lnRef idx="1">
-            <a:schemeClr val="accent6"/>
-          </a:lnRef>
-          <a:fillRef idx="2">
-            <a:schemeClr val="accent6"/>
-          </a:fillRef>
-          <a:effectRef idx="1">
-            <a:schemeClr val="accent6"/>
-          </a:effectRef>
-          <a:fontRef idx="minor">
-            <a:schemeClr val="dk1"/>
-          </a:fontRef>
-        </p:style>
-        <p:txBody>
-          <a:bodyPr rtlCol="0" anchor="ctr"/>
-          <a:lstStyle/>
-          <a:p>
-            <a:pPr algn="ctr"/>
-            <a:endParaRPr lang="en-SG" sz="1050"/>
-          </a:p>
-        </p:txBody>
-      </p:sp>
-      <p:sp>
-        <p:nvSpPr>
-          <p:cNvPr id="139" name="Isosceles Triangle 102">
-            <a:extLst>
-              <a:ext uri="{FF2B5EF4-FFF2-40B4-BE49-F238E27FC236}">
-                <a16:creationId xmlns:a16="http://schemas.microsoft.com/office/drawing/2014/main" id="{7EB10A3D-1FBF-428D-96DB-009E1EC6B9BB}"/>
-              </a:ext>
-            </a:extLst>
-          </p:cNvPr>
-          <p:cNvSpPr/>
-          <p:nvPr/>
-        </p:nvSpPr>
-        <p:spPr>
-          <a:xfrm rot="5400000" flipV="1">
-            <a:off x="3745192" y="3473705"/>
-            <a:ext cx="270504" cy="175523"/>
-          </a:xfrm>
-          <a:prstGeom prst="triangle">
-            <a:avLst/>
-          </a:prstGeom>
-          <a:ln w="19050">
-            <a:solidFill>
-              <a:srgbClr val="7030A0"/>
-            </a:solidFill>
-          </a:ln>
-          <a:effectLst/>
-        </p:spPr>
-        <p:style>
-          <a:lnRef idx="1">
-            <a:schemeClr val="accent4"/>
-          </a:lnRef>
-          <a:fillRef idx="2">
-            <a:schemeClr val="accent4"/>
-          </a:fillRef>
-          <a:effectRef idx="1">
-            <a:schemeClr val="accent4"/>
-          </a:effectRef>
-          <a:fontRef idx="minor">
-            <a:schemeClr val="dk1"/>
-          </a:fontRef>
-        </p:style>
-        <p:txBody>
-          <a:bodyPr rtlCol="0" anchor="ctr"/>
-          <a:lstStyle/>
-          <a:p>
-            <a:pPr algn="ctr"/>
-            <a:endParaRPr lang="en-SG" sz="1050" b="1">
-              <a:solidFill>
-                <a:srgbClr val="92D050"/>
-              </a:solidFill>
-            </a:endParaRPr>
-          </a:p>
-        </p:txBody>
-      </p:sp>
-      <p:cxnSp>
-        <p:nvCxnSpPr>
-          <p:cNvPr id="111" name="Elbow Connector 63">
-            <a:extLst>
-              <a:ext uri="{FF2B5EF4-FFF2-40B4-BE49-F238E27FC236}">
-                <a16:creationId xmlns:a16="http://schemas.microsoft.com/office/drawing/2014/main" id="{3EAC6062-FC92-44FF-950F-6E2016012F78}"/>
-              </a:ext>
-            </a:extLst>
-          </p:cNvPr>
-          <p:cNvCxnSpPr>
-            <a:cxnSpLocks/>
-            <a:stCxn id="62" idx="2"/>
-            <a:endCxn id="115" idx="3"/>
-          </p:cNvCxnSpPr>
-          <p:nvPr/>
-        </p:nvCxnSpPr>
-        <p:spPr>
-          <a:xfrm rot="5400000">
-            <a:off x="5238791" y="2842005"/>
-            <a:ext cx="1430751" cy="2099797"/>
+            <a:off x="5316932" y="4963558"/>
+            <a:ext cx="472573" cy="750410"/>
           </a:xfrm>
           <a:prstGeom prst="bentConnector2">
             <a:avLst/>
@@ -19456,504 +15303,10 @@
           </a:fontRef>
         </p:style>
       </p:cxnSp>
-      <p:sp>
-        <p:nvSpPr>
-          <p:cNvPr id="126" name="Rectangle 8">
-            <a:extLst>
-              <a:ext uri="{FF2B5EF4-FFF2-40B4-BE49-F238E27FC236}">
-                <a16:creationId xmlns:a16="http://schemas.microsoft.com/office/drawing/2014/main" id="{E895CE26-762D-4FE3-92C5-E40C1E7C9AB3}"/>
-              </a:ext>
-            </a:extLst>
-          </p:cNvPr>
-          <p:cNvSpPr/>
-          <p:nvPr/>
-        </p:nvSpPr>
-        <p:spPr>
-          <a:xfrm>
-            <a:off x="1640299" y="4339394"/>
-            <a:ext cx="1146688" cy="535027"/>
-          </a:xfrm>
-          <a:prstGeom prst="rect">
-            <a:avLst/>
-          </a:prstGeom>
-          <a:ln w="19050">
-            <a:solidFill>
-              <a:srgbClr val="7030A0"/>
-            </a:solidFill>
-          </a:ln>
-          <a:effectLst/>
-        </p:spPr>
-        <p:style>
-          <a:lnRef idx="1">
-            <a:schemeClr val="accent4"/>
-          </a:lnRef>
-          <a:fillRef idx="2">
-            <a:schemeClr val="accent4"/>
-          </a:fillRef>
-          <a:effectRef idx="1">
-            <a:schemeClr val="accent4"/>
-          </a:effectRef>
-          <a:fontRef idx="minor">
-            <a:schemeClr val="dk1"/>
-          </a:fontRef>
-        </p:style>
-        <p:txBody>
-          <a:bodyPr rtlCol="0" anchor="ctr"/>
-          <a:lstStyle/>
-          <a:p>
-            <a:pPr algn="ctr"/>
-            <a:r>
-              <a:rPr lang="en-US" sz="1050" dirty="0" err="1">
-                <a:solidFill>
-                  <a:srgbClr val="7030A0"/>
-                </a:solidFill>
-              </a:rPr>
-              <a:t>Javafx.collections.transformation</a:t>
-            </a:r>
-            <a:endParaRPr lang="en-US" sz="1050" dirty="0">
-              <a:solidFill>
-                <a:srgbClr val="7030A0"/>
-              </a:solidFill>
-            </a:endParaRPr>
-          </a:p>
-          <a:p>
-            <a:pPr algn="ctr"/>
-            <a:r>
-              <a:rPr lang="en-US" sz="1050" dirty="0">
-                <a:solidFill>
-                  <a:srgbClr val="7030A0"/>
-                </a:solidFill>
-              </a:rPr>
-              <a:t>.</a:t>
-            </a:r>
-            <a:r>
-              <a:rPr lang="en-US" sz="1050" dirty="0" err="1">
-                <a:solidFill>
-                  <a:srgbClr val="7030A0"/>
-                </a:solidFill>
-              </a:rPr>
-              <a:t>FilteredList</a:t>
-            </a:r>
-            <a:endParaRPr lang="en-SG" sz="1050" dirty="0">
-              <a:solidFill>
-                <a:srgbClr val="7030A0"/>
-              </a:solidFill>
-            </a:endParaRPr>
-          </a:p>
-        </p:txBody>
-      </p:sp>
-      <p:cxnSp>
-        <p:nvCxnSpPr>
-          <p:cNvPr id="140" name="Elbow Connector 106">
-            <a:extLst>
-              <a:ext uri="{FF2B5EF4-FFF2-40B4-BE49-F238E27FC236}">
-                <a16:creationId xmlns:a16="http://schemas.microsoft.com/office/drawing/2014/main" id="{BF83FBE8-488A-472A-8F15-95B10D9050A2}"/>
-              </a:ext>
-            </a:extLst>
-          </p:cNvPr>
-          <p:cNvCxnSpPr>
-            <a:cxnSpLocks/>
-            <a:stCxn id="126" idx="3"/>
-            <a:endCxn id="72" idx="1"/>
-          </p:cNvCxnSpPr>
-          <p:nvPr/>
-        </p:nvCxnSpPr>
-        <p:spPr>
-          <a:xfrm>
-            <a:off x="2786987" y="4606908"/>
-            <a:ext cx="896373" cy="372"/>
-          </a:xfrm>
-          <a:prstGeom prst="bentConnector3">
-            <a:avLst>
-              <a:gd name="adj1" fmla="val 50000"/>
-            </a:avLst>
-          </a:prstGeom>
-          <a:ln w="19050">
-            <a:solidFill>
-              <a:srgbClr val="7030A0"/>
-            </a:solidFill>
-            <a:prstDash val="solid"/>
-            <a:headEnd type="none" w="med" len="med"/>
-            <a:tailEnd type="arrow" w="med" len="med"/>
-          </a:ln>
-          <a:effectLst/>
-        </p:spPr>
-        <p:style>
-          <a:lnRef idx="1">
-            <a:schemeClr val="accent2"/>
-          </a:lnRef>
-          <a:fillRef idx="2">
-            <a:schemeClr val="accent2"/>
-          </a:fillRef>
-          <a:effectRef idx="1">
-            <a:schemeClr val="accent2"/>
-          </a:effectRef>
-          <a:fontRef idx="minor">
-            <a:schemeClr val="dk1"/>
-          </a:fontRef>
-        </p:style>
-      </p:cxnSp>
-      <p:sp>
-        <p:nvSpPr>
-          <p:cNvPr id="142" name="TextBox 141">
-            <a:extLst>
-              <a:ext uri="{FF2B5EF4-FFF2-40B4-BE49-F238E27FC236}">
-                <a16:creationId xmlns:a16="http://schemas.microsoft.com/office/drawing/2014/main" id="{92EBB965-AEB9-4887-A96E-F0EE124EB42F}"/>
-              </a:ext>
-            </a:extLst>
-          </p:cNvPr>
-          <p:cNvSpPr txBox="1"/>
-          <p:nvPr/>
-        </p:nvSpPr>
-        <p:spPr>
-          <a:xfrm>
-            <a:off x="3414059" y="4419600"/>
-            <a:ext cx="189257" cy="178683"/>
-          </a:xfrm>
-          <a:prstGeom prst="rect">
-            <a:avLst/>
-          </a:prstGeom>
-          <a:noFill/>
-        </p:spPr>
-        <p:txBody>
-          <a:bodyPr wrap="square" lIns="0" tIns="0" rIns="0" bIns="0" rtlCol="0">
-            <a:noAutofit/>
-          </a:bodyPr>
-          <a:lstStyle/>
-          <a:p>
-            <a:pPr algn="ctr"/>
-            <a:r>
-              <a:rPr lang="en-SG" sz="1100" dirty="0">
-                <a:solidFill>
-                  <a:srgbClr val="7030A0"/>
-                </a:solidFill>
-              </a:rPr>
-              <a:t>*</a:t>
-            </a:r>
-          </a:p>
-        </p:txBody>
-      </p:sp>
-      <p:sp>
-        <p:nvSpPr>
-          <p:cNvPr id="88" name="TextBox 87">
-            <a:extLst>
-              <a:ext uri="{FF2B5EF4-FFF2-40B4-BE49-F238E27FC236}">
-                <a16:creationId xmlns:a16="http://schemas.microsoft.com/office/drawing/2014/main" id="{BD5F7541-6638-4C89-B7CF-2117A06077DE}"/>
-              </a:ext>
-            </a:extLst>
-          </p:cNvPr>
-          <p:cNvSpPr txBox="1"/>
-          <p:nvPr/>
-        </p:nvSpPr>
-        <p:spPr>
-          <a:xfrm>
-            <a:off x="4191000" y="316468"/>
-            <a:ext cx="607859" cy="369332"/>
-          </a:xfrm>
-          <a:prstGeom prst="rect">
-            <a:avLst/>
-          </a:prstGeom>
-          <a:noFill/>
-        </p:spPr>
-        <p:txBody>
-          <a:bodyPr wrap="none" rtlCol="0">
-            <a:spAutoFit/>
-          </a:bodyPr>
-          <a:lstStyle/>
-          <a:p>
-            <a:r>
-              <a:rPr lang="en-MY" dirty="0"/>
-              <a:t>V0.4</a:t>
-            </a:r>
-          </a:p>
-        </p:txBody>
-      </p:sp>
-      <p:sp>
-        <p:nvSpPr>
-          <p:cNvPr id="114" name="Rectangle 8">
-            <a:extLst>
-              <a:ext uri="{FF2B5EF4-FFF2-40B4-BE49-F238E27FC236}">
-                <a16:creationId xmlns:a16="http://schemas.microsoft.com/office/drawing/2014/main" id="{764D5166-4B91-4AAC-8BE2-773C9BF79CF3}"/>
-              </a:ext>
-            </a:extLst>
-          </p:cNvPr>
-          <p:cNvSpPr/>
-          <p:nvPr/>
-        </p:nvSpPr>
-        <p:spPr>
-          <a:xfrm>
-            <a:off x="7304123" y="2152617"/>
-            <a:ext cx="708186" cy="285783"/>
-          </a:xfrm>
-          <a:prstGeom prst="rect">
-            <a:avLst/>
-          </a:prstGeom>
-          <a:ln w="19050">
-            <a:solidFill>
-              <a:srgbClr val="7030A0"/>
-            </a:solidFill>
-          </a:ln>
-          <a:effectLst/>
-        </p:spPr>
-        <p:style>
-          <a:lnRef idx="1">
-            <a:schemeClr val="accent4"/>
-          </a:lnRef>
-          <a:fillRef idx="2">
-            <a:schemeClr val="accent4"/>
-          </a:fillRef>
-          <a:effectRef idx="1">
-            <a:schemeClr val="accent4"/>
-          </a:effectRef>
-          <a:fontRef idx="minor">
-            <a:schemeClr val="dk1"/>
-          </a:fontRef>
-        </p:style>
-        <p:txBody>
-          <a:bodyPr rtlCol="0" anchor="ctr"/>
-          <a:lstStyle/>
-          <a:p>
-            <a:pPr algn="ctr"/>
-            <a:r>
-              <a:rPr lang="en-SG" sz="1050" dirty="0">
-                <a:solidFill>
-                  <a:srgbClr val="7030A0"/>
-                </a:solidFill>
-              </a:rPr>
-              <a:t>State</a:t>
-            </a:r>
-          </a:p>
-        </p:txBody>
-      </p:sp>
-      <p:cxnSp>
-        <p:nvCxnSpPr>
-          <p:cNvPr id="136" name="Elbow Connector 78">
-            <a:extLst>
-              <a:ext uri="{FF2B5EF4-FFF2-40B4-BE49-F238E27FC236}">
-                <a16:creationId xmlns:a16="http://schemas.microsoft.com/office/drawing/2014/main" id="{D7BCC0DC-DD46-48EF-9D01-E0EB4021B58B}"/>
-              </a:ext>
-            </a:extLst>
-          </p:cNvPr>
-          <p:cNvCxnSpPr>
-            <a:cxnSpLocks/>
-            <a:stCxn id="78" idx="2"/>
-            <a:endCxn id="114" idx="2"/>
-          </p:cNvCxnSpPr>
-          <p:nvPr/>
-        </p:nvCxnSpPr>
-        <p:spPr>
-          <a:xfrm flipV="1">
-            <a:off x="7081985" y="2438400"/>
-            <a:ext cx="576231" cy="262976"/>
-          </a:xfrm>
-          <a:prstGeom prst="bentConnector2">
-            <a:avLst/>
-          </a:prstGeom>
-          <a:ln w="19050">
-            <a:solidFill>
-              <a:srgbClr val="7030A0"/>
-            </a:solidFill>
-            <a:headEnd type="none" w="med" len="med"/>
-            <a:tailEnd type="arrow" w="med" len="med"/>
-          </a:ln>
-          <a:effectLst/>
-        </p:spPr>
-        <p:style>
-          <a:lnRef idx="1">
-            <a:schemeClr val="accent2"/>
-          </a:lnRef>
-          <a:fillRef idx="2">
-            <a:schemeClr val="accent2"/>
-          </a:fillRef>
-          <a:effectRef idx="1">
-            <a:schemeClr val="accent2"/>
-          </a:effectRef>
-          <a:fontRef idx="minor">
-            <a:schemeClr val="dk1"/>
-          </a:fontRef>
-        </p:style>
-      </p:cxnSp>
-      <p:cxnSp>
-        <p:nvCxnSpPr>
-          <p:cNvPr id="25" name="Connector: Elbow 24">
-            <a:extLst>
-              <a:ext uri="{FF2B5EF4-FFF2-40B4-BE49-F238E27FC236}">
-                <a16:creationId xmlns:a16="http://schemas.microsoft.com/office/drawing/2014/main" id="{B5D9E597-B9DE-48B3-95CF-F3FFEB8C177F}"/>
-              </a:ext>
-            </a:extLst>
-          </p:cNvPr>
-          <p:cNvCxnSpPr>
-            <a:cxnSpLocks/>
-            <a:endCxn id="139" idx="3"/>
-          </p:cNvCxnSpPr>
-          <p:nvPr/>
-        </p:nvCxnSpPr>
-        <p:spPr>
-          <a:xfrm rot="10800000" flipV="1">
-            <a:off x="3968207" y="2968987"/>
-            <a:ext cx="863065" cy="592480"/>
-          </a:xfrm>
-          <a:prstGeom prst="bentConnector3">
-            <a:avLst>
-              <a:gd name="adj1" fmla="val 50000"/>
-            </a:avLst>
-          </a:prstGeom>
-          <a:ln w="19050">
-            <a:solidFill>
-              <a:srgbClr val="7030A0"/>
-            </a:solidFill>
-          </a:ln>
-        </p:spPr>
-        <p:style>
-          <a:lnRef idx="1">
-            <a:schemeClr val="accent1"/>
-          </a:lnRef>
-          <a:fillRef idx="0">
-            <a:schemeClr val="accent1"/>
-          </a:fillRef>
-          <a:effectRef idx="0">
-            <a:schemeClr val="accent1"/>
-          </a:effectRef>
-          <a:fontRef idx="minor">
-            <a:schemeClr val="tx1"/>
-          </a:fontRef>
-        </p:style>
-      </p:cxnSp>
-      <p:cxnSp>
-        <p:nvCxnSpPr>
-          <p:cNvPr id="28" name="Connector: Elbow 27">
-            <a:extLst>
-              <a:ext uri="{FF2B5EF4-FFF2-40B4-BE49-F238E27FC236}">
-                <a16:creationId xmlns:a16="http://schemas.microsoft.com/office/drawing/2014/main" id="{A35AFDD4-CB4C-4088-A22F-CDD963787FB0}"/>
-              </a:ext>
-            </a:extLst>
-          </p:cNvPr>
-          <p:cNvCxnSpPr>
-            <a:endCxn id="139" idx="3"/>
-          </p:cNvCxnSpPr>
-          <p:nvPr/>
-        </p:nvCxnSpPr>
-        <p:spPr>
-          <a:xfrm rot="10800000">
-            <a:off x="3968207" y="3561468"/>
-            <a:ext cx="873601" cy="508279"/>
-          </a:xfrm>
-          <a:prstGeom prst="bentConnector3">
-            <a:avLst/>
-          </a:prstGeom>
-          <a:ln w="19050">
-            <a:solidFill>
-              <a:srgbClr val="7030A0"/>
-            </a:solidFill>
-          </a:ln>
-        </p:spPr>
-        <p:style>
-          <a:lnRef idx="1">
-            <a:schemeClr val="accent1"/>
-          </a:lnRef>
-          <a:fillRef idx="0">
-            <a:schemeClr val="accent1"/>
-          </a:fillRef>
-          <a:effectRef idx="0">
-            <a:schemeClr val="accent1"/>
-          </a:effectRef>
-          <a:fontRef idx="minor">
-            <a:schemeClr val="tx1"/>
-          </a:fontRef>
-        </p:style>
-      </p:cxnSp>
-      <p:cxnSp>
-        <p:nvCxnSpPr>
-          <p:cNvPr id="31" name="Connector: Elbow 30">
-            <a:extLst>
-              <a:ext uri="{FF2B5EF4-FFF2-40B4-BE49-F238E27FC236}">
-                <a16:creationId xmlns:a16="http://schemas.microsoft.com/office/drawing/2014/main" id="{C7E0035E-782C-4997-8ECA-81C307377AC2}"/>
-              </a:ext>
-            </a:extLst>
-          </p:cNvPr>
-          <p:cNvCxnSpPr>
-            <a:endCxn id="139" idx="3"/>
-          </p:cNvCxnSpPr>
-          <p:nvPr/>
-        </p:nvCxnSpPr>
-        <p:spPr>
-          <a:xfrm rot="10800000" flipV="1">
-            <a:off x="3968207" y="3532833"/>
-            <a:ext cx="867925" cy="28633"/>
-          </a:xfrm>
-          <a:prstGeom prst="bentConnector3">
-            <a:avLst/>
-          </a:prstGeom>
-          <a:ln w="19050">
-            <a:solidFill>
-              <a:srgbClr val="7030A0"/>
-            </a:solidFill>
-          </a:ln>
-        </p:spPr>
-        <p:style>
-          <a:lnRef idx="1">
-            <a:schemeClr val="accent1"/>
-          </a:lnRef>
-          <a:fillRef idx="0">
-            <a:schemeClr val="accent1"/>
-          </a:fillRef>
-          <a:effectRef idx="0">
-            <a:schemeClr val="accent1"/>
-          </a:effectRef>
-          <a:fontRef idx="minor">
-            <a:schemeClr val="tx1"/>
-          </a:fontRef>
-        </p:style>
-      </p:cxnSp>
-      <p:sp>
-        <p:nvSpPr>
-          <p:cNvPr id="86" name="TextBox 85">
-            <a:extLst>
-              <a:ext uri="{FF2B5EF4-FFF2-40B4-BE49-F238E27FC236}">
-                <a16:creationId xmlns:a16="http://schemas.microsoft.com/office/drawing/2014/main" id="{26A43F7C-67E1-4401-AEBE-AB7E3E2ED4D2}"/>
-              </a:ext>
-            </a:extLst>
-          </p:cNvPr>
-          <p:cNvSpPr txBox="1"/>
-          <p:nvPr/>
-        </p:nvSpPr>
-        <p:spPr>
-          <a:xfrm>
-            <a:off x="7705469" y="2480546"/>
-            <a:ext cx="189257" cy="178683"/>
-          </a:xfrm>
-          <a:prstGeom prst="rect">
-            <a:avLst/>
-          </a:prstGeom>
-          <a:noFill/>
-        </p:spPr>
-        <p:txBody>
-          <a:bodyPr wrap="square" lIns="0" tIns="0" rIns="0" bIns="0" rtlCol="0">
-            <a:noAutofit/>
-          </a:bodyPr>
-          <a:lstStyle/>
-          <a:p>
-            <a:pPr algn="ctr"/>
-            <a:r>
-              <a:rPr lang="en-US" sz="1100" dirty="0">
-                <a:solidFill>
-                  <a:srgbClr val="7030A0"/>
-                </a:solidFill>
-              </a:rPr>
-              <a:t>1</a:t>
-            </a:r>
-            <a:endParaRPr lang="en-SG" sz="1100" dirty="0">
-              <a:solidFill>
-                <a:srgbClr val="7030A0"/>
-              </a:solidFill>
-            </a:endParaRPr>
-          </a:p>
-        </p:txBody>
-      </p:sp>
     </p:spTree>
     <p:extLst>
       <p:ext uri="{BB962C8B-B14F-4D97-AF65-F5344CB8AC3E}">
-        <p14:creationId xmlns:p14="http://schemas.microsoft.com/office/powerpoint/2010/main" val="3983243841"/>
+        <p14:creationId xmlns:p14="http://schemas.microsoft.com/office/powerpoint/2010/main" val="1673096792"/>
       </p:ext>
     </p:extLst>
   </p:cSld>

--- a/docs/diagrams/ModelComponentClassDiagram.pptx
+++ b/docs/diagrams/ModelComponentClassDiagram.pptx
@@ -214,7 +214,7 @@
           <a:p>
             <a:fld id="{F5CC4B3F-88C1-4FFA-B1B6-F41C21DC6924}" type="datetimeFigureOut">
               <a:rPr lang="en-US" smtClean="0"/>
-              <a:t>7/23/2017</a:t>
+              <a:t>7/24/2017</a:t>
             </a:fld>
             <a:endParaRPr lang="en-US"/>
           </a:p>
@@ -660,7 +660,7 @@
           <a:p>
             <a:fld id="{78C97017-6FC3-485B-9764-EAC9E56C1D49}" type="datetimeFigureOut">
               <a:rPr lang="en-US" smtClean="0"/>
-              <a:t>7/23/2017</a:t>
+              <a:t>7/24/2017</a:t>
             </a:fld>
             <a:endParaRPr lang="en-US"/>
           </a:p>
@@ -828,7 +828,7 @@
           <a:p>
             <a:fld id="{78C97017-6FC3-485B-9764-EAC9E56C1D49}" type="datetimeFigureOut">
               <a:rPr lang="en-US" smtClean="0"/>
-              <a:t>7/23/2017</a:t>
+              <a:t>7/24/2017</a:t>
             </a:fld>
             <a:endParaRPr lang="en-US"/>
           </a:p>
@@ -1006,7 +1006,7 @@
           <a:p>
             <a:fld id="{78C97017-6FC3-485B-9764-EAC9E56C1D49}" type="datetimeFigureOut">
               <a:rPr lang="en-US" smtClean="0"/>
-              <a:t>7/23/2017</a:t>
+              <a:t>7/24/2017</a:t>
             </a:fld>
             <a:endParaRPr lang="en-US"/>
           </a:p>
@@ -1174,7 +1174,7 @@
           <a:p>
             <a:fld id="{78C97017-6FC3-485B-9764-EAC9E56C1D49}" type="datetimeFigureOut">
               <a:rPr lang="en-US" smtClean="0"/>
-              <a:t>7/23/2017</a:t>
+              <a:t>7/24/2017</a:t>
             </a:fld>
             <a:endParaRPr lang="en-US"/>
           </a:p>
@@ -1419,7 +1419,7 @@
           <a:p>
             <a:fld id="{78C97017-6FC3-485B-9764-EAC9E56C1D49}" type="datetimeFigureOut">
               <a:rPr lang="en-US" smtClean="0"/>
-              <a:t>7/23/2017</a:t>
+              <a:t>7/24/2017</a:t>
             </a:fld>
             <a:endParaRPr lang="en-US"/>
           </a:p>
@@ -1704,7 +1704,7 @@
           <a:p>
             <a:fld id="{78C97017-6FC3-485B-9764-EAC9E56C1D49}" type="datetimeFigureOut">
               <a:rPr lang="en-US" smtClean="0"/>
-              <a:t>7/23/2017</a:t>
+              <a:t>7/24/2017</a:t>
             </a:fld>
             <a:endParaRPr lang="en-US"/>
           </a:p>
@@ -2123,7 +2123,7 @@
           <a:p>
             <a:fld id="{78C97017-6FC3-485B-9764-EAC9E56C1D49}" type="datetimeFigureOut">
               <a:rPr lang="en-US" smtClean="0"/>
-              <a:t>7/23/2017</a:t>
+              <a:t>7/24/2017</a:t>
             </a:fld>
             <a:endParaRPr lang="en-US"/>
           </a:p>
@@ -2240,7 +2240,7 @@
           <a:p>
             <a:fld id="{78C97017-6FC3-485B-9764-EAC9E56C1D49}" type="datetimeFigureOut">
               <a:rPr lang="en-US" smtClean="0"/>
-              <a:t>7/23/2017</a:t>
+              <a:t>7/24/2017</a:t>
             </a:fld>
             <a:endParaRPr lang="en-US"/>
           </a:p>
@@ -2335,7 +2335,7 @@
           <a:p>
             <a:fld id="{78C97017-6FC3-485B-9764-EAC9E56C1D49}" type="datetimeFigureOut">
               <a:rPr lang="en-US" smtClean="0"/>
-              <a:t>7/23/2017</a:t>
+              <a:t>7/24/2017</a:t>
             </a:fld>
             <a:endParaRPr lang="en-US"/>
           </a:p>
@@ -2610,7 +2610,7 @@
           <a:p>
             <a:fld id="{78C97017-6FC3-485B-9764-EAC9E56C1D49}" type="datetimeFigureOut">
               <a:rPr lang="en-US" smtClean="0"/>
-              <a:t>7/23/2017</a:t>
+              <a:t>7/24/2017</a:t>
             </a:fld>
             <a:endParaRPr lang="en-US"/>
           </a:p>
@@ -2862,7 +2862,7 @@
           <a:p>
             <a:fld id="{78C97017-6FC3-485B-9764-EAC9E56C1D49}" type="datetimeFigureOut">
               <a:rPr lang="en-US" smtClean="0"/>
-              <a:t>7/23/2017</a:t>
+              <a:t>7/24/2017</a:t>
             </a:fld>
             <a:endParaRPr lang="en-US"/>
           </a:p>
@@ -3073,7 +3073,7 @@
           <a:p>
             <a:fld id="{78C97017-6FC3-485B-9764-EAC9E56C1D49}" type="datetimeFigureOut">
               <a:rPr lang="en-US" smtClean="0"/>
-              <a:t>7/23/2017</a:t>
+              <a:t>7/24/2017</a:t>
             </a:fld>
             <a:endParaRPr lang="en-US"/>
           </a:p>
@@ -12762,7 +12762,7 @@
         </p:nvSpPr>
         <p:spPr>
           <a:xfrm>
-            <a:off x="4733553" y="4267200"/>
+            <a:off x="5138121" y="4267200"/>
             <a:ext cx="881679" cy="285783"/>
           </a:xfrm>
           <a:prstGeom prst="rect">
@@ -12940,12 +12940,12 @@
         </p:nvCxnSpPr>
         <p:spPr>
           <a:xfrm flipV="1">
-            <a:off x="5615232" y="1839497"/>
-            <a:ext cx="2040798" cy="2570595"/>
+            <a:off x="6019800" y="1839497"/>
+            <a:ext cx="1636230" cy="2570595"/>
           </a:xfrm>
           <a:prstGeom prst="bentConnector3">
             <a:avLst>
-              <a:gd name="adj1" fmla="val 113529"/>
+              <a:gd name="adj1" fmla="val 116874"/>
             </a:avLst>
           </a:prstGeom>
           <a:ln w="19050">
@@ -13085,8 +13085,8 @@
         </p:nvCxnSpPr>
         <p:spPr>
           <a:xfrm rot="10800000">
-            <a:off x="3830549" y="4949431"/>
-            <a:ext cx="2170344" cy="255308"/>
+            <a:off x="3830549" y="4949432"/>
+            <a:ext cx="2156072" cy="250665"/>
           </a:xfrm>
           <a:prstGeom prst="bentConnector2">
             <a:avLst/>
@@ -13334,7 +13334,7 @@
         </p:nvSpPr>
         <p:spPr>
           <a:xfrm>
-            <a:off x="6000893" y="5118049"/>
+            <a:off x="5986621" y="5113406"/>
             <a:ext cx="236048" cy="173380"/>
           </a:xfrm>
           <a:prstGeom prst="flowChartDecision">
@@ -15303,6 +15303,96 @@
           </a:fontRef>
         </p:style>
       </p:cxnSp>
+      <p:sp>
+        <p:nvSpPr>
+          <p:cNvPr id="129" name="TextBox 128">
+            <a:extLst>
+              <a:ext uri="{FF2B5EF4-FFF2-40B4-BE49-F238E27FC236}">
+                <a16:creationId xmlns:a16="http://schemas.microsoft.com/office/drawing/2014/main" id="{D2500387-7E99-45C9-9250-275E40F2E23F}"/>
+              </a:ext>
+            </a:extLst>
+          </p:cNvPr>
+          <p:cNvSpPr txBox="1"/>
+          <p:nvPr/>
+        </p:nvSpPr>
+        <p:spPr>
+          <a:xfrm>
+            <a:off x="3591140" y="5174075"/>
+            <a:ext cx="881018" cy="261610"/>
+          </a:xfrm>
+          <a:prstGeom prst="rect">
+            <a:avLst/>
+          </a:prstGeom>
+          <a:noFill/>
+        </p:spPr>
+        <p:txBody>
+          <a:bodyPr wrap="square" rtlCol="0">
+            <a:spAutoFit/>
+          </a:bodyPr>
+          <a:lstStyle/>
+          <a:p>
+            <a:pPr algn="r"/>
+            <a:r>
+              <a:rPr lang="en-US" sz="1100" dirty="0">
+                <a:solidFill>
+                  <a:srgbClr val="7030A0"/>
+                </a:solidFill>
+              </a:rPr>
+              <a:t>deadline </a:t>
+            </a:r>
+            <a:endParaRPr lang="en-SG" sz="1100" dirty="0">
+              <a:solidFill>
+                <a:srgbClr val="7030A0"/>
+              </a:solidFill>
+            </a:endParaRPr>
+          </a:p>
+        </p:txBody>
+      </p:sp>
+      <p:sp>
+        <p:nvSpPr>
+          <p:cNvPr id="134" name="TextBox 133">
+            <a:extLst>
+              <a:ext uri="{FF2B5EF4-FFF2-40B4-BE49-F238E27FC236}">
+                <a16:creationId xmlns:a16="http://schemas.microsoft.com/office/drawing/2014/main" id="{A294C4F4-946C-4677-B153-180B851F665A}"/>
+              </a:ext>
+            </a:extLst>
+          </p:cNvPr>
+          <p:cNvSpPr txBox="1"/>
+          <p:nvPr/>
+        </p:nvSpPr>
+        <p:spPr>
+          <a:xfrm>
+            <a:off x="4400545" y="4800600"/>
+            <a:ext cx="881018" cy="261610"/>
+          </a:xfrm>
+          <a:prstGeom prst="rect">
+            <a:avLst/>
+          </a:prstGeom>
+          <a:noFill/>
+        </p:spPr>
+        <p:txBody>
+          <a:bodyPr wrap="square" rtlCol="0">
+            <a:spAutoFit/>
+          </a:bodyPr>
+          <a:lstStyle/>
+          <a:p>
+            <a:pPr algn="r"/>
+            <a:r>
+              <a:rPr lang="en-US" sz="1100" dirty="0">
+                <a:solidFill>
+                  <a:srgbClr val="7030A0"/>
+                </a:solidFill>
+              </a:rPr>
+              <a:t>start, end</a:t>
+            </a:r>
+            <a:endParaRPr lang="en-SG" sz="1100" dirty="0">
+              <a:solidFill>
+                <a:srgbClr val="7030A0"/>
+              </a:solidFill>
+            </a:endParaRPr>
+          </a:p>
+        </p:txBody>
+      </p:sp>
     </p:spTree>
     <p:extLst>
       <p:ext uri="{BB962C8B-B14F-4D97-AF65-F5344CB8AC3E}">
